--- a/Java/Java #2/TR/Java #2.pptx
+++ b/Java/Java #2/TR/Java #2.pptx
@@ -5,11 +5,13 @@
     <p:sldMasterId id="2147483648" r:id="rId2"/>
     <p:sldMasterId id="2147483661" r:id="rId3"/>
     <p:sldMasterId id="2147483674" r:id="rId4"/>
+    <p:sldMasterId id="2147483687" r:id="rId5"/>
   </p:sldMasterIdLst>
   <p:sldIdLst>
-    <p:sldId id="256" r:id="rId5"/>
-    <p:sldId id="257" r:id="rId6"/>
-    <p:sldId id="258" r:id="rId7"/>
+    <p:sldId id="256" r:id="rId6"/>
+    <p:sldId id="257" r:id="rId7"/>
+    <p:sldId id="258" r:id="rId8"/>
+    <p:sldId id="259" r:id="rId9"/>
   </p:sldIdLst>
   <p:sldSz cx="9144000" cy="6858000"/>
   <p:notesSz cx="7772400" cy="10058400"/>
@@ -67,7 +69,7 @@
         <p:txBody>
           <a:bodyPr/>
           <a:p>
-            <a:fld id="{73BA65DF-A890-47E6-8231-AAD4EC8A804A}" type="slidenum">
+            <a:fld id="{66CE12F2-8255-4DAE-9065-294CABC32DFA}" type="slidenum">
               <a:t>&lt;#&gt;</a:t>
             </a:fld>
           </a:p>
@@ -276,7 +278,7 @@
         <p:txBody>
           <a:bodyPr/>
           <a:p>
-            <a:fld id="{E9B8B26D-B71D-46AB-B65D-B91342337F94}" type="slidenum">
+            <a:fld id="{B9668074-FA42-482A-9E61-443AFA6B7842}" type="slidenum">
               <a:t>&lt;#&gt;</a:t>
             </a:fld>
           </a:p>
@@ -571,7 +573,7 @@
         <p:txBody>
           <a:bodyPr/>
           <a:p>
-            <a:fld id="{0F4117C0-996E-4ABD-A5D4-64A21A85DE36}" type="slidenum">
+            <a:fld id="{31EC95D2-0357-429B-AB82-0ECE267686F8}" type="slidenum">
               <a:t>&lt;#&gt;</a:t>
             </a:fld>
           </a:p>
@@ -952,7 +954,7 @@
         <p:txBody>
           <a:bodyPr/>
           <a:p>
-            <a:fld id="{DA8B24DD-2CC6-447E-8F2C-D23BA7ECB56F}" type="slidenum">
+            <a:fld id="{8A890B7E-B94B-4724-8300-CB89ACDDC561}" type="slidenum">
               <a:t>&lt;#&gt;</a:t>
             </a:fld>
           </a:p>
@@ -1035,7 +1037,7 @@
         <p:txBody>
           <a:bodyPr/>
           <a:p>
-            <a:fld id="{E741E3CA-B32E-41BC-BA41-BFD3F3DBE731}" type="slidenum">
+            <a:fld id="{4762F0CD-AD52-4453-A4D9-46829357D13C}" type="slidenum">
               <a:t>&lt;#&gt;</a:t>
             </a:fld>
           </a:p>
@@ -1086,7 +1088,7 @@
       </p:grpSpPr>
       <p:sp>
         <p:nvSpPr>
-          <p:cNvPr id="44" name="PlaceHolder 1"/>
+          <p:cNvPr id="46" name="PlaceHolder 1"/>
           <p:cNvSpPr>
             <a:spLocks noGrp="1"/>
           </p:cNvSpPr>
@@ -1126,7 +1128,7 @@
       </p:sp>
       <p:sp>
         <p:nvSpPr>
-          <p:cNvPr id="45" name="PlaceHolder 2"/>
+          <p:cNvPr id="47" name="PlaceHolder 2"/>
           <p:cNvSpPr>
             <a:spLocks noGrp="1"/>
           </p:cNvSpPr>
@@ -1198,7 +1200,7 @@
         <p:txBody>
           <a:bodyPr/>
           <a:p>
-            <a:fld id="{1A90818E-ACD6-478C-87E9-F9F53321EF18}" type="slidenum">
+            <a:fld id="{36CD001C-0FAC-4A1E-90E9-449A58787ED8}" type="slidenum">
               <a:t>&lt;#&gt;</a:t>
             </a:fld>
           </a:p>
@@ -1249,7 +1251,7 @@
       </p:grpSpPr>
       <p:sp>
         <p:nvSpPr>
-          <p:cNvPr id="46" name="PlaceHolder 1"/>
+          <p:cNvPr id="48" name="PlaceHolder 1"/>
           <p:cNvSpPr>
             <a:spLocks noGrp="1"/>
           </p:cNvSpPr>
@@ -1289,7 +1291,7 @@
       </p:sp>
       <p:sp>
         <p:nvSpPr>
-          <p:cNvPr id="47" name="PlaceHolder 2"/>
+          <p:cNvPr id="49" name="PlaceHolder 2"/>
           <p:cNvSpPr>
             <a:spLocks noGrp="1"/>
           </p:cNvSpPr>
@@ -1364,7 +1366,7 @@
         <p:txBody>
           <a:bodyPr/>
           <a:p>
-            <a:fld id="{1385B2E8-A45F-48BA-B906-D9C42C7B9AD5}" type="slidenum">
+            <a:fld id="{E96B4EEC-CACF-4A53-8C8F-1465EC0F659D}" type="slidenum">
               <a:t>&lt;#&gt;</a:t>
             </a:fld>
           </a:p>
@@ -1415,7 +1417,7 @@
       </p:grpSpPr>
       <p:sp>
         <p:nvSpPr>
-          <p:cNvPr id="48" name="PlaceHolder 1"/>
+          <p:cNvPr id="50" name="PlaceHolder 1"/>
           <p:cNvSpPr>
             <a:spLocks noGrp="1"/>
           </p:cNvSpPr>
@@ -1455,7 +1457,7 @@
       </p:sp>
       <p:sp>
         <p:nvSpPr>
-          <p:cNvPr id="49" name="PlaceHolder 2"/>
+          <p:cNvPr id="51" name="PlaceHolder 2"/>
           <p:cNvSpPr>
             <a:spLocks noGrp="1"/>
           </p:cNvSpPr>
@@ -1498,7 +1500,7 @@
       </p:sp>
       <p:sp>
         <p:nvSpPr>
-          <p:cNvPr id="50" name="PlaceHolder 3"/>
+          <p:cNvPr id="52" name="PlaceHolder 3"/>
           <p:cNvSpPr>
             <a:spLocks noGrp="1"/>
           </p:cNvSpPr>
@@ -1573,7 +1575,7 @@
         <p:txBody>
           <a:bodyPr/>
           <a:p>
-            <a:fld id="{7A884E11-3AFA-4FF0-B60D-BDCACBA1BEA4}" type="slidenum">
+            <a:fld id="{ECC8F329-A8C1-40A4-9B32-DFBEA384FFFD}" type="slidenum">
               <a:t>&lt;#&gt;</a:t>
             </a:fld>
           </a:p>
@@ -1624,7 +1626,7 @@
       </p:grpSpPr>
       <p:sp>
         <p:nvSpPr>
-          <p:cNvPr id="51" name="PlaceHolder 1"/>
+          <p:cNvPr id="53" name="PlaceHolder 1"/>
           <p:cNvSpPr>
             <a:spLocks noGrp="1"/>
           </p:cNvSpPr>
@@ -1696,7 +1698,7 @@
         <p:txBody>
           <a:bodyPr/>
           <a:p>
-            <a:fld id="{1AB6E6D3-9854-43E5-8B43-6A41272AF493}" type="slidenum">
+            <a:fld id="{23628283-0F7B-40DA-81CE-97AEB47B4C55}" type="slidenum">
               <a:t>&lt;#&gt;</a:t>
             </a:fld>
           </a:p>
@@ -1747,7 +1749,7 @@
       </p:grpSpPr>
       <p:sp>
         <p:nvSpPr>
-          <p:cNvPr id="52" name="PlaceHolder 1"/>
+          <p:cNvPr id="54" name="PlaceHolder 1"/>
           <p:cNvSpPr>
             <a:spLocks noGrp="1"/>
           </p:cNvSpPr>
@@ -1817,7 +1819,7 @@
         <p:txBody>
           <a:bodyPr/>
           <a:p>
-            <a:fld id="{EE7FF8B3-4F0D-4FE1-AEEC-588637EC1C6A}" type="slidenum">
+            <a:fld id="{AD31920C-D3F8-46CF-B586-D83758A7F502}" type="slidenum">
               <a:t>&lt;#&gt;</a:t>
             </a:fld>
           </a:p>
@@ -1868,7 +1870,7 @@
       </p:grpSpPr>
       <p:sp>
         <p:nvSpPr>
-          <p:cNvPr id="53" name="PlaceHolder 1"/>
+          <p:cNvPr id="55" name="PlaceHolder 1"/>
           <p:cNvSpPr>
             <a:spLocks noGrp="1"/>
           </p:cNvSpPr>
@@ -1908,7 +1910,7 @@
       </p:sp>
       <p:sp>
         <p:nvSpPr>
-          <p:cNvPr id="54" name="PlaceHolder 2"/>
+          <p:cNvPr id="56" name="PlaceHolder 2"/>
           <p:cNvSpPr>
             <a:spLocks noGrp="1"/>
           </p:cNvSpPr>
@@ -1951,7 +1953,7 @@
       </p:sp>
       <p:sp>
         <p:nvSpPr>
-          <p:cNvPr id="55" name="PlaceHolder 3"/>
+          <p:cNvPr id="57" name="PlaceHolder 3"/>
           <p:cNvSpPr>
             <a:spLocks noGrp="1"/>
           </p:cNvSpPr>
@@ -1994,7 +1996,7 @@
       </p:sp>
       <p:sp>
         <p:nvSpPr>
-          <p:cNvPr id="56" name="PlaceHolder 4"/>
+          <p:cNvPr id="58" name="PlaceHolder 4"/>
           <p:cNvSpPr>
             <a:spLocks noGrp="1"/>
           </p:cNvSpPr>
@@ -2069,7 +2071,7 @@
         <p:txBody>
           <a:bodyPr/>
           <a:p>
-            <a:fld id="{AAA67A6C-88B0-4AA2-B0CB-32D91CCD169B}" type="slidenum">
+            <a:fld id="{4FDAAC7D-3FC4-49AB-BAE1-CD6D0A52CFF0}" type="slidenum">
               <a:t>&lt;#&gt;</a:t>
             </a:fld>
           </a:p>
@@ -2232,7 +2234,7 @@
         <p:txBody>
           <a:bodyPr/>
           <a:p>
-            <a:fld id="{073A9096-FFC3-46A5-B3D3-8A0240F6E5D0}" type="slidenum">
+            <a:fld id="{BBB5E388-9595-4EE8-AC14-C7F2E99D8F12}" type="slidenum">
               <a:t>&lt;#&gt;</a:t>
             </a:fld>
           </a:p>
@@ -2283,7 +2285,7 @@
       </p:grpSpPr>
       <p:sp>
         <p:nvSpPr>
-          <p:cNvPr id="57" name="PlaceHolder 1"/>
+          <p:cNvPr id="59" name="PlaceHolder 1"/>
           <p:cNvSpPr>
             <a:spLocks noGrp="1"/>
           </p:cNvSpPr>
@@ -2323,7 +2325,7 @@
       </p:sp>
       <p:sp>
         <p:nvSpPr>
-          <p:cNvPr id="58" name="PlaceHolder 2"/>
+          <p:cNvPr id="60" name="PlaceHolder 2"/>
           <p:cNvSpPr>
             <a:spLocks noGrp="1"/>
           </p:cNvSpPr>
@@ -2366,7 +2368,7 @@
       </p:sp>
       <p:sp>
         <p:nvSpPr>
-          <p:cNvPr id="59" name="PlaceHolder 3"/>
+          <p:cNvPr id="61" name="PlaceHolder 3"/>
           <p:cNvSpPr>
             <a:spLocks noGrp="1"/>
           </p:cNvSpPr>
@@ -2409,7 +2411,7 @@
       </p:sp>
       <p:sp>
         <p:nvSpPr>
-          <p:cNvPr id="60" name="PlaceHolder 4"/>
+          <p:cNvPr id="62" name="PlaceHolder 4"/>
           <p:cNvSpPr>
             <a:spLocks noGrp="1"/>
           </p:cNvSpPr>
@@ -2484,7 +2486,7 @@
         <p:txBody>
           <a:bodyPr/>
           <a:p>
-            <a:fld id="{0CB24368-33B1-4B69-99A0-A3C41EE3004C}" type="slidenum">
+            <a:fld id="{96A27C97-F7D9-4576-85AE-0211F4D8C6CD}" type="slidenum">
               <a:t>&lt;#&gt;</a:t>
             </a:fld>
           </a:p>
@@ -2535,7 +2537,7 @@
       </p:grpSpPr>
       <p:sp>
         <p:nvSpPr>
-          <p:cNvPr id="61" name="PlaceHolder 1"/>
+          <p:cNvPr id="63" name="PlaceHolder 1"/>
           <p:cNvSpPr>
             <a:spLocks noGrp="1"/>
           </p:cNvSpPr>
@@ -2575,7 +2577,7 @@
       </p:sp>
       <p:sp>
         <p:nvSpPr>
-          <p:cNvPr id="62" name="PlaceHolder 2"/>
+          <p:cNvPr id="64" name="PlaceHolder 2"/>
           <p:cNvSpPr>
             <a:spLocks noGrp="1"/>
           </p:cNvSpPr>
@@ -2618,7 +2620,7 @@
       </p:sp>
       <p:sp>
         <p:nvSpPr>
-          <p:cNvPr id="63" name="PlaceHolder 3"/>
+          <p:cNvPr id="65" name="PlaceHolder 3"/>
           <p:cNvSpPr>
             <a:spLocks noGrp="1"/>
           </p:cNvSpPr>
@@ -2661,7 +2663,7 @@
       </p:sp>
       <p:sp>
         <p:nvSpPr>
-          <p:cNvPr id="64" name="PlaceHolder 4"/>
+          <p:cNvPr id="66" name="PlaceHolder 4"/>
           <p:cNvSpPr>
             <a:spLocks noGrp="1"/>
           </p:cNvSpPr>
@@ -2736,7 +2738,7 @@
         <p:txBody>
           <a:bodyPr/>
           <a:p>
-            <a:fld id="{FE9B38E8-3C4F-4859-B89B-76954916AD34}" type="slidenum">
+            <a:fld id="{F3D195A2-2E06-4863-8C5D-81AE87424C4C}" type="slidenum">
               <a:t>&lt;#&gt;</a:t>
             </a:fld>
           </a:p>
@@ -2787,7 +2789,7 @@
       </p:grpSpPr>
       <p:sp>
         <p:nvSpPr>
-          <p:cNvPr id="65" name="PlaceHolder 1"/>
+          <p:cNvPr id="67" name="PlaceHolder 1"/>
           <p:cNvSpPr>
             <a:spLocks noGrp="1"/>
           </p:cNvSpPr>
@@ -2827,7 +2829,7 @@
       </p:sp>
       <p:sp>
         <p:nvSpPr>
-          <p:cNvPr id="66" name="PlaceHolder 2"/>
+          <p:cNvPr id="68" name="PlaceHolder 2"/>
           <p:cNvSpPr>
             <a:spLocks noGrp="1"/>
           </p:cNvSpPr>
@@ -2870,7 +2872,7 @@
       </p:sp>
       <p:sp>
         <p:nvSpPr>
-          <p:cNvPr id="67" name="PlaceHolder 3"/>
+          <p:cNvPr id="69" name="PlaceHolder 3"/>
           <p:cNvSpPr>
             <a:spLocks noGrp="1"/>
           </p:cNvSpPr>
@@ -2945,7 +2947,7 @@
         <p:txBody>
           <a:bodyPr/>
           <a:p>
-            <a:fld id="{FE091730-C683-4CF2-99B0-C7E199596322}" type="slidenum">
+            <a:fld id="{62FE902F-20B2-4C59-B38F-C2E19D2BDB76}" type="slidenum">
               <a:t>&lt;#&gt;</a:t>
             </a:fld>
           </a:p>
@@ -2996,7 +2998,7 @@
       </p:grpSpPr>
       <p:sp>
         <p:nvSpPr>
-          <p:cNvPr id="68" name="PlaceHolder 1"/>
+          <p:cNvPr id="70" name="PlaceHolder 1"/>
           <p:cNvSpPr>
             <a:spLocks noGrp="1"/>
           </p:cNvSpPr>
@@ -3036,7 +3038,7 @@
       </p:sp>
       <p:sp>
         <p:nvSpPr>
-          <p:cNvPr id="69" name="PlaceHolder 2"/>
+          <p:cNvPr id="71" name="PlaceHolder 2"/>
           <p:cNvSpPr>
             <a:spLocks noGrp="1"/>
           </p:cNvSpPr>
@@ -3079,7 +3081,7 @@
       </p:sp>
       <p:sp>
         <p:nvSpPr>
-          <p:cNvPr id="70" name="PlaceHolder 3"/>
+          <p:cNvPr id="72" name="PlaceHolder 3"/>
           <p:cNvSpPr>
             <a:spLocks noGrp="1"/>
           </p:cNvSpPr>
@@ -3122,7 +3124,7 @@
       </p:sp>
       <p:sp>
         <p:nvSpPr>
-          <p:cNvPr id="71" name="PlaceHolder 4"/>
+          <p:cNvPr id="73" name="PlaceHolder 4"/>
           <p:cNvSpPr>
             <a:spLocks noGrp="1"/>
           </p:cNvSpPr>
@@ -3165,7 +3167,7 @@
       </p:sp>
       <p:sp>
         <p:nvSpPr>
-          <p:cNvPr id="72" name="PlaceHolder 5"/>
+          <p:cNvPr id="74" name="PlaceHolder 5"/>
           <p:cNvSpPr>
             <a:spLocks noGrp="1"/>
           </p:cNvSpPr>
@@ -3240,7 +3242,7 @@
         <p:txBody>
           <a:bodyPr/>
           <a:p>
-            <a:fld id="{AB044F14-BBAD-4931-9CB1-8B339FB6C532}" type="slidenum">
+            <a:fld id="{566CEC71-E525-4406-A10C-96AADFBD772E}" type="slidenum">
               <a:t>&lt;#&gt;</a:t>
             </a:fld>
           </a:p>
@@ -3291,7 +3293,7 @@
       </p:grpSpPr>
       <p:sp>
         <p:nvSpPr>
-          <p:cNvPr id="73" name="PlaceHolder 1"/>
+          <p:cNvPr id="75" name="PlaceHolder 1"/>
           <p:cNvSpPr>
             <a:spLocks noGrp="1"/>
           </p:cNvSpPr>
@@ -3331,7 +3333,7 @@
       </p:sp>
       <p:sp>
         <p:nvSpPr>
-          <p:cNvPr id="74" name="PlaceHolder 2"/>
+          <p:cNvPr id="76" name="PlaceHolder 2"/>
           <p:cNvSpPr>
             <a:spLocks noGrp="1"/>
           </p:cNvSpPr>
@@ -3374,7 +3376,7 @@
       </p:sp>
       <p:sp>
         <p:nvSpPr>
-          <p:cNvPr id="75" name="PlaceHolder 3"/>
+          <p:cNvPr id="77" name="PlaceHolder 3"/>
           <p:cNvSpPr>
             <a:spLocks noGrp="1"/>
           </p:cNvSpPr>
@@ -3417,7 +3419,7 @@
       </p:sp>
       <p:sp>
         <p:nvSpPr>
-          <p:cNvPr id="76" name="PlaceHolder 4"/>
+          <p:cNvPr id="78" name="PlaceHolder 4"/>
           <p:cNvSpPr>
             <a:spLocks noGrp="1"/>
           </p:cNvSpPr>
@@ -3460,7 +3462,7 @@
       </p:sp>
       <p:sp>
         <p:nvSpPr>
-          <p:cNvPr id="77" name="PlaceHolder 5"/>
+          <p:cNvPr id="79" name="PlaceHolder 5"/>
           <p:cNvSpPr>
             <a:spLocks noGrp="1"/>
           </p:cNvSpPr>
@@ -3503,7 +3505,7 @@
       </p:sp>
       <p:sp>
         <p:nvSpPr>
-          <p:cNvPr id="78" name="PlaceHolder 6"/>
+          <p:cNvPr id="80" name="PlaceHolder 6"/>
           <p:cNvSpPr>
             <a:spLocks noGrp="1"/>
           </p:cNvSpPr>
@@ -3546,7 +3548,7 @@
       </p:sp>
       <p:sp>
         <p:nvSpPr>
-          <p:cNvPr id="79" name="PlaceHolder 7"/>
+          <p:cNvPr id="81" name="PlaceHolder 7"/>
           <p:cNvSpPr>
             <a:spLocks noGrp="1"/>
           </p:cNvSpPr>
@@ -3621,7 +3623,7 @@
         <p:txBody>
           <a:bodyPr/>
           <a:p>
-            <a:fld id="{A126A962-2A0E-488B-AAAF-6DB1072CC4C0}" type="slidenum">
+            <a:fld id="{144A04C1-0EB0-4660-A3AB-31BC7ACABC03}" type="slidenum">
               <a:t>&lt;#&gt;</a:t>
             </a:fld>
           </a:p>
@@ -3704,7 +3706,7 @@
         <p:txBody>
           <a:bodyPr/>
           <a:p>
-            <a:fld id="{90B7409C-C93C-4891-9DAD-AA8183E50B06}" type="slidenum">
+            <a:fld id="{56DB2860-F973-4E3F-8920-1A762E85756D}" type="slidenum">
               <a:t>&lt;#&gt;</a:t>
             </a:fld>
           </a:p>
@@ -3867,7 +3869,7 @@
         <p:txBody>
           <a:bodyPr/>
           <a:p>
-            <a:fld id="{B93728F5-7793-48AF-AD34-B43D049BEC74}" type="slidenum">
+            <a:fld id="{71CCAEE5-EC0E-4FA0-B324-413B649DDC18}" type="slidenum">
               <a:t>&lt;#&gt;</a:t>
             </a:fld>
           </a:p>
@@ -4033,7 +4035,7 @@
         <p:txBody>
           <a:bodyPr/>
           <a:p>
-            <a:fld id="{3FA10509-30EB-4101-8C75-014D8A2DCF97}" type="slidenum">
+            <a:fld id="{BB08ECDB-C13A-4FA4-BB78-8DA700ADF9D6}" type="slidenum">
               <a:t>&lt;#&gt;</a:t>
             </a:fld>
           </a:p>
@@ -4242,7 +4244,7 @@
         <p:txBody>
           <a:bodyPr/>
           <a:p>
-            <a:fld id="{F686AFE9-7360-430C-A05F-D128FF8B7A5A}" type="slidenum">
+            <a:fld id="{7C89A91B-FDCF-487F-97B2-4210BACED43B}" type="slidenum">
               <a:t>&lt;#&gt;</a:t>
             </a:fld>
           </a:p>
@@ -4365,7 +4367,7 @@
         <p:txBody>
           <a:bodyPr/>
           <a:p>
-            <a:fld id="{4704F1F9-9A1B-4FE9-B528-DE717E183E07}" type="slidenum">
+            <a:fld id="{60DBD4A4-62FE-4685-914E-3AC8F7FCC8BF}" type="slidenum">
               <a:t>&lt;#&gt;</a:t>
             </a:fld>
           </a:p>
@@ -4531,7 +4533,7 @@
         <p:txBody>
           <a:bodyPr/>
           <a:p>
-            <a:fld id="{13006105-00B1-452B-B402-F11FE53ECE86}" type="slidenum">
+            <a:fld id="{ED3AFAD2-D747-4048-8515-CCE24575B1D2}" type="slidenum">
               <a:t>&lt;#&gt;</a:t>
             </a:fld>
           </a:p>
@@ -4652,7 +4654,7 @@
         <p:txBody>
           <a:bodyPr/>
           <a:p>
-            <a:fld id="{DFCA745F-963F-4C40-B658-C7A95F7AD696}" type="slidenum">
+            <a:fld id="{C1AD09BC-50DA-4104-9F95-6D3743A1DC5B}" type="slidenum">
               <a:t>&lt;#&gt;</a:t>
             </a:fld>
           </a:p>
@@ -4904,7 +4906,7 @@
         <p:txBody>
           <a:bodyPr/>
           <a:p>
-            <a:fld id="{2EC0F4FA-8FA7-4565-B58A-39769483BC84}" type="slidenum">
+            <a:fld id="{3026BA36-0128-4753-93ED-12302B95E4D3}" type="slidenum">
               <a:t>&lt;#&gt;</a:t>
             </a:fld>
           </a:p>
@@ -5156,7 +5158,7 @@
         <p:txBody>
           <a:bodyPr/>
           <a:p>
-            <a:fld id="{FBA0CA72-C099-49B3-87B4-0D0FA86E41AC}" type="slidenum">
+            <a:fld id="{883BB01D-5D94-4EBF-8A78-17F778EE28B7}" type="slidenum">
               <a:t>&lt;#&gt;</a:t>
             </a:fld>
           </a:p>
@@ -5408,7 +5410,7 @@
         <p:txBody>
           <a:bodyPr/>
           <a:p>
-            <a:fld id="{126C313E-62B7-46B3-9BBD-E1975E240B02}" type="slidenum">
+            <a:fld id="{E94C05AA-A573-477A-8143-2EB26FC98E4C}" type="slidenum">
               <a:t>&lt;#&gt;</a:t>
             </a:fld>
           </a:p>
@@ -5617,7 +5619,7 @@
         <p:txBody>
           <a:bodyPr/>
           <a:p>
-            <a:fld id="{CA440A40-B008-4C59-B13C-9F30AFE1CBB5}" type="slidenum">
+            <a:fld id="{A415E500-F9CF-4EF7-AF39-1B4BE0E3BF4C}" type="slidenum">
               <a:t>&lt;#&gt;</a:t>
             </a:fld>
           </a:p>
@@ -5912,7 +5914,7 @@
         <p:txBody>
           <a:bodyPr/>
           <a:p>
-            <a:fld id="{7694B51F-ED15-42F1-BC3E-9C10A0E15EBD}" type="slidenum">
+            <a:fld id="{E9771F06-86A7-4B0D-8F5C-F3D989B6F4E4}" type="slidenum">
               <a:t>&lt;#&gt;</a:t>
             </a:fld>
           </a:p>
@@ -6293,7 +6295,7 @@
         <p:txBody>
           <a:bodyPr/>
           <a:p>
-            <a:fld id="{F0291510-85B5-4F72-8557-A9E495748EC5}" type="slidenum">
+            <a:fld id="{74EE6515-931D-4FD6-8FE3-F55B78625728}" type="slidenum">
               <a:t>&lt;#&gt;</a:t>
             </a:fld>
           </a:p>
@@ -6307,6 +6309,418 @@
           </p:cNvSpPr>
           <p:nvPr>
             <p:ph type="dt" idx="9"/>
+          </p:nvPr>
+        </p:nvSpPr>
+        <p:spPr/>
+        <p:txBody>
+          <a:bodyPr/>
+          <a:p>
+            <a:r>
+              <a:rPr lang="en-US"/>
+              <a:t/>
+            </a:r>
+          </a:p>
+        </p:txBody>
+      </p:sp>
+    </p:spTree>
+  </p:cSld>
+</p:sldLayout>
+</file>
+
+<file path=ppt/slideLayouts/slideLayout37.xml><?xml version="1.0" encoding="utf-8"?>
+<p:sldLayout xmlns:a="http://schemas.openxmlformats.org/drawingml/2006/main" xmlns:p="http://schemas.openxmlformats.org/presentationml/2006/main" xmlns:r="http://schemas.openxmlformats.org/officeDocument/2006/relationships" xmlns:p14="http://schemas.microsoft.com/office/powerpoint/2010/main" xmlns:p15="http://schemas.microsoft.com/office/powerpoint/2012/main" xmlns:mc="http://schemas.openxmlformats.org/markup-compatibility/2006" type="blank" preserve="1">
+  <p:cSld name="Blank Slide">
+    <p:spTree>
+      <p:nvGrpSpPr>
+        <p:cNvPr id="1" name=""/>
+        <p:cNvGrpSpPr/>
+        <p:nvPr/>
+      </p:nvGrpSpPr>
+      <p:grpSpPr>
+        <a:xfrm>
+          <a:off x="0" y="0"/>
+          <a:ext cx="0" cy="0"/>
+          <a:chOff x="0" y="0"/>
+          <a:chExt cx="0" cy="0"/>
+        </a:xfrm>
+      </p:grpSpPr>
+      <p:sp>
+        <p:nvSpPr>
+          <p:cNvPr id="2" name="PlaceHolder 1"/>
+          <p:cNvSpPr>
+            <a:spLocks noGrp="1"/>
+          </p:cNvSpPr>
+          <p:nvPr>
+            <p:ph type="ftr" idx="10"/>
+          </p:nvPr>
+        </p:nvSpPr>
+        <p:spPr/>
+        <p:txBody>
+          <a:bodyPr/>
+          <a:p>
+            <a:r>
+              <a:t>Footer</a:t>
+            </a:r>
+          </a:p>
+        </p:txBody>
+      </p:sp>
+      <p:sp>
+        <p:nvSpPr>
+          <p:cNvPr id="3" name="PlaceHolder 2"/>
+          <p:cNvSpPr>
+            <a:spLocks noGrp="1"/>
+          </p:cNvSpPr>
+          <p:nvPr>
+            <p:ph type="sldNum" idx="11"/>
+          </p:nvPr>
+        </p:nvSpPr>
+        <p:spPr/>
+        <p:txBody>
+          <a:bodyPr/>
+          <a:p>
+            <a:fld id="{279127A5-3A5E-40DA-8AF5-1E5D93F5BBF6}" type="slidenum">
+              <a:t>&lt;#&gt;</a:t>
+            </a:fld>
+          </a:p>
+        </p:txBody>
+      </p:sp>
+      <p:sp>
+        <p:nvSpPr>
+          <p:cNvPr id="4" name="PlaceHolder 3"/>
+          <p:cNvSpPr>
+            <a:spLocks noGrp="1"/>
+          </p:cNvSpPr>
+          <p:nvPr>
+            <p:ph type="dt" idx="12"/>
+          </p:nvPr>
+        </p:nvSpPr>
+        <p:spPr/>
+        <p:txBody>
+          <a:bodyPr/>
+          <a:p>
+            <a:r>
+              <a:rPr lang="en-US"/>
+              <a:t/>
+            </a:r>
+          </a:p>
+        </p:txBody>
+      </p:sp>
+    </p:spTree>
+  </p:cSld>
+</p:sldLayout>
+</file>
+
+<file path=ppt/slideLayouts/slideLayout38.xml><?xml version="1.0" encoding="utf-8"?>
+<p:sldLayout xmlns:a="http://schemas.openxmlformats.org/drawingml/2006/main" xmlns:p="http://schemas.openxmlformats.org/presentationml/2006/main" xmlns:r="http://schemas.openxmlformats.org/officeDocument/2006/relationships" xmlns:p14="http://schemas.microsoft.com/office/powerpoint/2010/main" xmlns:p15="http://schemas.microsoft.com/office/powerpoint/2012/main" xmlns:mc="http://schemas.openxmlformats.org/markup-compatibility/2006" type="tx" preserve="1">
+  <p:cSld name="Title Slide">
+    <p:spTree>
+      <p:nvGrpSpPr>
+        <p:cNvPr id="1" name=""/>
+        <p:cNvGrpSpPr/>
+        <p:nvPr/>
+      </p:nvGrpSpPr>
+      <p:grpSpPr>
+        <a:xfrm>
+          <a:off x="0" y="0"/>
+          <a:ext cx="0" cy="0"/>
+          <a:chOff x="0" y="0"/>
+          <a:chExt cx="0" cy="0"/>
+        </a:xfrm>
+      </p:grpSpPr>
+      <p:sp>
+        <p:nvSpPr>
+          <p:cNvPr id="126" name="PlaceHolder 1"/>
+          <p:cNvSpPr>
+            <a:spLocks noGrp="1"/>
+          </p:cNvSpPr>
+          <p:nvPr>
+            <p:ph type="title"/>
+          </p:nvPr>
+        </p:nvSpPr>
+        <p:spPr>
+          <a:xfrm>
+            <a:off x="457200" y="273600"/>
+            <a:ext cx="8229240" cy="1144800"/>
+          </a:xfrm>
+          <a:prstGeom prst="rect">
+            <a:avLst/>
+          </a:prstGeom>
+          <a:noFill/>
+          <a:ln w="0">
+            <a:noFill/>
+          </a:ln>
+        </p:spPr>
+        <p:txBody>
+          <a:bodyPr lIns="0" rIns="0" tIns="0" bIns="0" anchor="ctr">
+            <a:noAutofit/>
+          </a:bodyPr>
+          <a:p>
+            <a:pPr indent="0" algn="ctr">
+              <a:buNone/>
+            </a:pPr>
+            <a:endParaRPr b="0" lang="en-US" sz="4400" spc="-1" strike="noStrike">
+              <a:solidFill>
+                <a:srgbClr val="000000"/>
+              </a:solidFill>
+              <a:latin typeface="Arial"/>
+            </a:endParaRPr>
+          </a:p>
+        </p:txBody>
+      </p:sp>
+      <p:sp>
+        <p:nvSpPr>
+          <p:cNvPr id="127" name="PlaceHolder 2"/>
+          <p:cNvSpPr>
+            <a:spLocks noGrp="1"/>
+          </p:cNvSpPr>
+          <p:nvPr>
+            <p:ph type="subTitle"/>
+          </p:nvPr>
+        </p:nvSpPr>
+        <p:spPr>
+          <a:xfrm>
+            <a:off x="457200" y="1604520"/>
+            <a:ext cx="8229240" cy="3977280"/>
+          </a:xfrm>
+          <a:prstGeom prst="rect">
+            <a:avLst/>
+          </a:prstGeom>
+          <a:noFill/>
+          <a:ln w="0">
+            <a:noFill/>
+          </a:ln>
+        </p:spPr>
+        <p:txBody>
+          <a:bodyPr lIns="0" rIns="0" tIns="0" bIns="0" anchor="ctr">
+            <a:noAutofit/>
+          </a:bodyPr>
+          <a:p>
+            <a:pPr indent="0" algn="ctr">
+              <a:buNone/>
+            </a:pPr>
+            <a:endParaRPr b="0" lang="en-US" sz="3200" spc="-1" strike="noStrike">
+              <a:solidFill>
+                <a:srgbClr val="000000"/>
+              </a:solidFill>
+              <a:latin typeface="Arial"/>
+            </a:endParaRPr>
+          </a:p>
+        </p:txBody>
+      </p:sp>
+      <p:sp>
+        <p:nvSpPr>
+          <p:cNvPr id="4" name="PlaceHolder 3"/>
+          <p:cNvSpPr>
+            <a:spLocks noGrp="1"/>
+          </p:cNvSpPr>
+          <p:nvPr>
+            <p:ph type="ftr" idx="10"/>
+          </p:nvPr>
+        </p:nvSpPr>
+        <p:spPr/>
+        <p:txBody>
+          <a:bodyPr/>
+          <a:p>
+            <a:r>
+              <a:t>Footer</a:t>
+            </a:r>
+          </a:p>
+        </p:txBody>
+      </p:sp>
+      <p:sp>
+        <p:nvSpPr>
+          <p:cNvPr id="5" name="PlaceHolder 4"/>
+          <p:cNvSpPr>
+            <a:spLocks noGrp="1"/>
+          </p:cNvSpPr>
+          <p:nvPr>
+            <p:ph type="sldNum" idx="11"/>
+          </p:nvPr>
+        </p:nvSpPr>
+        <p:spPr/>
+        <p:txBody>
+          <a:bodyPr/>
+          <a:p>
+            <a:fld id="{1C3AC164-9922-4660-B49A-DD6E9B472955}" type="slidenum">
+              <a:t>&lt;#&gt;</a:t>
+            </a:fld>
+          </a:p>
+        </p:txBody>
+      </p:sp>
+      <p:sp>
+        <p:nvSpPr>
+          <p:cNvPr id="6" name="PlaceHolder 5"/>
+          <p:cNvSpPr>
+            <a:spLocks noGrp="1"/>
+          </p:cNvSpPr>
+          <p:nvPr>
+            <p:ph type="dt" idx="12"/>
+          </p:nvPr>
+        </p:nvSpPr>
+        <p:spPr/>
+        <p:txBody>
+          <a:bodyPr/>
+          <a:p>
+            <a:r>
+              <a:rPr lang="en-US"/>
+              <a:t/>
+            </a:r>
+          </a:p>
+        </p:txBody>
+      </p:sp>
+    </p:spTree>
+  </p:cSld>
+</p:sldLayout>
+</file>
+
+<file path=ppt/slideLayouts/slideLayout39.xml><?xml version="1.0" encoding="utf-8"?>
+<p:sldLayout xmlns:a="http://schemas.openxmlformats.org/drawingml/2006/main" xmlns:p="http://schemas.openxmlformats.org/presentationml/2006/main" xmlns:r="http://schemas.openxmlformats.org/officeDocument/2006/relationships" xmlns:p14="http://schemas.microsoft.com/office/powerpoint/2010/main" xmlns:p15="http://schemas.microsoft.com/office/powerpoint/2012/main" xmlns:mc="http://schemas.openxmlformats.org/markup-compatibility/2006" type="obj" preserve="1">
+  <p:cSld name="Title, Content">
+    <p:spTree>
+      <p:nvGrpSpPr>
+        <p:cNvPr id="1" name=""/>
+        <p:cNvGrpSpPr/>
+        <p:nvPr/>
+      </p:nvGrpSpPr>
+      <p:grpSpPr>
+        <a:xfrm>
+          <a:off x="0" y="0"/>
+          <a:ext cx="0" cy="0"/>
+          <a:chOff x="0" y="0"/>
+          <a:chExt cx="0" cy="0"/>
+        </a:xfrm>
+      </p:grpSpPr>
+      <p:sp>
+        <p:nvSpPr>
+          <p:cNvPr id="128" name="PlaceHolder 1"/>
+          <p:cNvSpPr>
+            <a:spLocks noGrp="1"/>
+          </p:cNvSpPr>
+          <p:nvPr>
+            <p:ph type="title"/>
+          </p:nvPr>
+        </p:nvSpPr>
+        <p:spPr>
+          <a:xfrm>
+            <a:off x="457200" y="273600"/>
+            <a:ext cx="8229240" cy="1144800"/>
+          </a:xfrm>
+          <a:prstGeom prst="rect">
+            <a:avLst/>
+          </a:prstGeom>
+          <a:noFill/>
+          <a:ln w="0">
+            <a:noFill/>
+          </a:ln>
+        </p:spPr>
+        <p:txBody>
+          <a:bodyPr lIns="0" rIns="0" tIns="0" bIns="0" anchor="ctr">
+            <a:noAutofit/>
+          </a:bodyPr>
+          <a:p>
+            <a:pPr indent="0" algn="ctr">
+              <a:buNone/>
+            </a:pPr>
+            <a:endParaRPr b="0" lang="en-US" sz="4400" spc="-1" strike="noStrike">
+              <a:solidFill>
+                <a:srgbClr val="000000"/>
+              </a:solidFill>
+              <a:latin typeface="Arial"/>
+            </a:endParaRPr>
+          </a:p>
+        </p:txBody>
+      </p:sp>
+      <p:sp>
+        <p:nvSpPr>
+          <p:cNvPr id="129" name="PlaceHolder 2"/>
+          <p:cNvSpPr>
+            <a:spLocks noGrp="1"/>
+          </p:cNvSpPr>
+          <p:nvPr>
+            <p:ph/>
+          </p:nvPr>
+        </p:nvSpPr>
+        <p:spPr>
+          <a:xfrm>
+            <a:off x="457200" y="1604520"/>
+            <a:ext cx="8229240" cy="3977280"/>
+          </a:xfrm>
+          <a:prstGeom prst="rect">
+            <a:avLst/>
+          </a:prstGeom>
+          <a:noFill/>
+          <a:ln w="0">
+            <a:noFill/>
+          </a:ln>
+        </p:spPr>
+        <p:txBody>
+          <a:bodyPr lIns="0" rIns="0" tIns="0" bIns="0" anchor="t">
+            <a:normAutofit/>
+          </a:bodyPr>
+          <a:p>
+            <a:pPr indent="0">
+              <a:spcBef>
+                <a:spcPts val="1417"/>
+              </a:spcBef>
+              <a:buNone/>
+            </a:pPr>
+            <a:endParaRPr b="0" lang="en-US" sz="3200" spc="-1" strike="noStrike">
+              <a:solidFill>
+                <a:srgbClr val="000000"/>
+              </a:solidFill>
+              <a:latin typeface="Arial"/>
+            </a:endParaRPr>
+          </a:p>
+        </p:txBody>
+      </p:sp>
+      <p:sp>
+        <p:nvSpPr>
+          <p:cNvPr id="4" name="PlaceHolder 3"/>
+          <p:cNvSpPr>
+            <a:spLocks noGrp="1"/>
+          </p:cNvSpPr>
+          <p:nvPr>
+            <p:ph type="ftr" idx="10"/>
+          </p:nvPr>
+        </p:nvSpPr>
+        <p:spPr/>
+        <p:txBody>
+          <a:bodyPr/>
+          <a:p>
+            <a:r>
+              <a:t>Footer</a:t>
+            </a:r>
+          </a:p>
+        </p:txBody>
+      </p:sp>
+      <p:sp>
+        <p:nvSpPr>
+          <p:cNvPr id="5" name="PlaceHolder 4"/>
+          <p:cNvSpPr>
+            <a:spLocks noGrp="1"/>
+          </p:cNvSpPr>
+          <p:nvPr>
+            <p:ph type="sldNum" idx="11"/>
+          </p:nvPr>
+        </p:nvSpPr>
+        <p:spPr/>
+        <p:txBody>
+          <a:bodyPr/>
+          <a:p>
+            <a:fld id="{F9B61D32-E537-48D0-A87A-B055E9225B2E}" type="slidenum">
+              <a:t>&lt;#&gt;</a:t>
+            </a:fld>
+          </a:p>
+        </p:txBody>
+      </p:sp>
+      <p:sp>
+        <p:nvSpPr>
+          <p:cNvPr id="6" name="PlaceHolder 5"/>
+          <p:cNvSpPr>
+            <a:spLocks noGrp="1"/>
+          </p:cNvSpPr>
+          <p:nvPr>
+            <p:ph type="dt" idx="12"/>
           </p:nvPr>
         </p:nvSpPr>
         <p:spPr/>
@@ -6502,7 +6916,7 @@
         <p:txBody>
           <a:bodyPr/>
           <a:p>
-            <a:fld id="{3F761768-7D1B-4789-ADA4-4B1416D268A5}" type="slidenum">
+            <a:fld id="{115A85D5-D55F-4C57-8564-4BA0C485B411}" type="slidenum">
               <a:t>&lt;#&gt;</a:t>
             </a:fld>
           </a:p>
@@ -6516,6 +6930,2100 @@
           </p:cNvSpPr>
           <p:nvPr>
             <p:ph type="dt" idx="3"/>
+          </p:nvPr>
+        </p:nvSpPr>
+        <p:spPr/>
+        <p:txBody>
+          <a:bodyPr/>
+          <a:p>
+            <a:r>
+              <a:rPr lang="en-US"/>
+              <a:t/>
+            </a:r>
+          </a:p>
+        </p:txBody>
+      </p:sp>
+    </p:spTree>
+  </p:cSld>
+</p:sldLayout>
+</file>
+
+<file path=ppt/slideLayouts/slideLayout40.xml><?xml version="1.0" encoding="utf-8"?>
+<p:sldLayout xmlns:a="http://schemas.openxmlformats.org/drawingml/2006/main" xmlns:p="http://schemas.openxmlformats.org/presentationml/2006/main" xmlns:r="http://schemas.openxmlformats.org/officeDocument/2006/relationships" xmlns:p14="http://schemas.microsoft.com/office/powerpoint/2010/main" xmlns:p15="http://schemas.microsoft.com/office/powerpoint/2012/main" xmlns:mc="http://schemas.openxmlformats.org/markup-compatibility/2006" type="twoObj" preserve="1">
+  <p:cSld name="Title, 2 Content">
+    <p:spTree>
+      <p:nvGrpSpPr>
+        <p:cNvPr id="1" name=""/>
+        <p:cNvGrpSpPr/>
+        <p:nvPr/>
+      </p:nvGrpSpPr>
+      <p:grpSpPr>
+        <a:xfrm>
+          <a:off x="0" y="0"/>
+          <a:ext cx="0" cy="0"/>
+          <a:chOff x="0" y="0"/>
+          <a:chExt cx="0" cy="0"/>
+        </a:xfrm>
+      </p:grpSpPr>
+      <p:sp>
+        <p:nvSpPr>
+          <p:cNvPr id="130" name="PlaceHolder 1"/>
+          <p:cNvSpPr>
+            <a:spLocks noGrp="1"/>
+          </p:cNvSpPr>
+          <p:nvPr>
+            <p:ph type="title"/>
+          </p:nvPr>
+        </p:nvSpPr>
+        <p:spPr>
+          <a:xfrm>
+            <a:off x="457200" y="273600"/>
+            <a:ext cx="8229240" cy="1144800"/>
+          </a:xfrm>
+          <a:prstGeom prst="rect">
+            <a:avLst/>
+          </a:prstGeom>
+          <a:noFill/>
+          <a:ln w="0">
+            <a:noFill/>
+          </a:ln>
+        </p:spPr>
+        <p:txBody>
+          <a:bodyPr lIns="0" rIns="0" tIns="0" bIns="0" anchor="ctr">
+            <a:noAutofit/>
+          </a:bodyPr>
+          <a:p>
+            <a:pPr indent="0" algn="ctr">
+              <a:buNone/>
+            </a:pPr>
+            <a:endParaRPr b="0" lang="en-US" sz="4400" spc="-1" strike="noStrike">
+              <a:solidFill>
+                <a:srgbClr val="000000"/>
+              </a:solidFill>
+              <a:latin typeface="Arial"/>
+            </a:endParaRPr>
+          </a:p>
+        </p:txBody>
+      </p:sp>
+      <p:sp>
+        <p:nvSpPr>
+          <p:cNvPr id="131" name="PlaceHolder 2"/>
+          <p:cNvSpPr>
+            <a:spLocks noGrp="1"/>
+          </p:cNvSpPr>
+          <p:nvPr>
+            <p:ph/>
+          </p:nvPr>
+        </p:nvSpPr>
+        <p:spPr>
+          <a:xfrm>
+            <a:off x="457200" y="1604520"/>
+            <a:ext cx="4015800" cy="3977280"/>
+          </a:xfrm>
+          <a:prstGeom prst="rect">
+            <a:avLst/>
+          </a:prstGeom>
+          <a:noFill/>
+          <a:ln w="0">
+            <a:noFill/>
+          </a:ln>
+        </p:spPr>
+        <p:txBody>
+          <a:bodyPr lIns="0" rIns="0" tIns="0" bIns="0" anchor="t">
+            <a:normAutofit/>
+          </a:bodyPr>
+          <a:p>
+            <a:pPr indent="0">
+              <a:spcBef>
+                <a:spcPts val="1417"/>
+              </a:spcBef>
+              <a:buNone/>
+            </a:pPr>
+            <a:endParaRPr b="0" lang="en-US" sz="3200" spc="-1" strike="noStrike">
+              <a:solidFill>
+                <a:srgbClr val="000000"/>
+              </a:solidFill>
+              <a:latin typeface="Arial"/>
+            </a:endParaRPr>
+          </a:p>
+        </p:txBody>
+      </p:sp>
+      <p:sp>
+        <p:nvSpPr>
+          <p:cNvPr id="132" name="PlaceHolder 3"/>
+          <p:cNvSpPr>
+            <a:spLocks noGrp="1"/>
+          </p:cNvSpPr>
+          <p:nvPr>
+            <p:ph/>
+          </p:nvPr>
+        </p:nvSpPr>
+        <p:spPr>
+          <a:xfrm>
+            <a:off x="4674240" y="1604520"/>
+            <a:ext cx="4015800" cy="3977280"/>
+          </a:xfrm>
+          <a:prstGeom prst="rect">
+            <a:avLst/>
+          </a:prstGeom>
+          <a:noFill/>
+          <a:ln w="0">
+            <a:noFill/>
+          </a:ln>
+        </p:spPr>
+        <p:txBody>
+          <a:bodyPr lIns="0" rIns="0" tIns="0" bIns="0" anchor="t">
+            <a:normAutofit/>
+          </a:bodyPr>
+          <a:p>
+            <a:pPr indent="0">
+              <a:spcBef>
+                <a:spcPts val="1417"/>
+              </a:spcBef>
+              <a:buNone/>
+            </a:pPr>
+            <a:endParaRPr b="0" lang="en-US" sz="3200" spc="-1" strike="noStrike">
+              <a:solidFill>
+                <a:srgbClr val="000000"/>
+              </a:solidFill>
+              <a:latin typeface="Arial"/>
+            </a:endParaRPr>
+          </a:p>
+        </p:txBody>
+      </p:sp>
+      <p:sp>
+        <p:nvSpPr>
+          <p:cNvPr id="5" name="PlaceHolder 4"/>
+          <p:cNvSpPr>
+            <a:spLocks noGrp="1"/>
+          </p:cNvSpPr>
+          <p:nvPr>
+            <p:ph type="ftr" idx="10"/>
+          </p:nvPr>
+        </p:nvSpPr>
+        <p:spPr/>
+        <p:txBody>
+          <a:bodyPr/>
+          <a:p>
+            <a:r>
+              <a:t>Footer</a:t>
+            </a:r>
+          </a:p>
+        </p:txBody>
+      </p:sp>
+      <p:sp>
+        <p:nvSpPr>
+          <p:cNvPr id="6" name="PlaceHolder 5"/>
+          <p:cNvSpPr>
+            <a:spLocks noGrp="1"/>
+          </p:cNvSpPr>
+          <p:nvPr>
+            <p:ph type="sldNum" idx="11"/>
+          </p:nvPr>
+        </p:nvSpPr>
+        <p:spPr/>
+        <p:txBody>
+          <a:bodyPr/>
+          <a:p>
+            <a:fld id="{EBB452A3-027E-4808-A1A7-D841B9B23F2F}" type="slidenum">
+              <a:t>&lt;#&gt;</a:t>
+            </a:fld>
+          </a:p>
+        </p:txBody>
+      </p:sp>
+      <p:sp>
+        <p:nvSpPr>
+          <p:cNvPr id="7" name="PlaceHolder 6"/>
+          <p:cNvSpPr>
+            <a:spLocks noGrp="1"/>
+          </p:cNvSpPr>
+          <p:nvPr>
+            <p:ph type="dt" idx="12"/>
+          </p:nvPr>
+        </p:nvSpPr>
+        <p:spPr/>
+        <p:txBody>
+          <a:bodyPr/>
+          <a:p>
+            <a:r>
+              <a:rPr lang="en-US"/>
+              <a:t/>
+            </a:r>
+          </a:p>
+        </p:txBody>
+      </p:sp>
+    </p:spTree>
+  </p:cSld>
+</p:sldLayout>
+</file>
+
+<file path=ppt/slideLayouts/slideLayout41.xml><?xml version="1.0" encoding="utf-8"?>
+<p:sldLayout xmlns:a="http://schemas.openxmlformats.org/drawingml/2006/main" xmlns:p="http://schemas.openxmlformats.org/presentationml/2006/main" xmlns:r="http://schemas.openxmlformats.org/officeDocument/2006/relationships" xmlns:p14="http://schemas.microsoft.com/office/powerpoint/2010/main" xmlns:p15="http://schemas.microsoft.com/office/powerpoint/2012/main" xmlns:mc="http://schemas.openxmlformats.org/markup-compatibility/2006" type="titleOnly" preserve="1">
+  <p:cSld name="Title Only">
+    <p:spTree>
+      <p:nvGrpSpPr>
+        <p:cNvPr id="1" name=""/>
+        <p:cNvGrpSpPr/>
+        <p:nvPr/>
+      </p:nvGrpSpPr>
+      <p:grpSpPr>
+        <a:xfrm>
+          <a:off x="0" y="0"/>
+          <a:ext cx="0" cy="0"/>
+          <a:chOff x="0" y="0"/>
+          <a:chExt cx="0" cy="0"/>
+        </a:xfrm>
+      </p:grpSpPr>
+      <p:sp>
+        <p:nvSpPr>
+          <p:cNvPr id="133" name="PlaceHolder 1"/>
+          <p:cNvSpPr>
+            <a:spLocks noGrp="1"/>
+          </p:cNvSpPr>
+          <p:nvPr>
+            <p:ph type="title"/>
+          </p:nvPr>
+        </p:nvSpPr>
+        <p:spPr>
+          <a:xfrm>
+            <a:off x="457200" y="273600"/>
+            <a:ext cx="8229240" cy="1144800"/>
+          </a:xfrm>
+          <a:prstGeom prst="rect">
+            <a:avLst/>
+          </a:prstGeom>
+          <a:noFill/>
+          <a:ln w="0">
+            <a:noFill/>
+          </a:ln>
+        </p:spPr>
+        <p:txBody>
+          <a:bodyPr lIns="0" rIns="0" tIns="0" bIns="0" anchor="ctr">
+            <a:noAutofit/>
+          </a:bodyPr>
+          <a:p>
+            <a:pPr indent="0" algn="ctr">
+              <a:buNone/>
+            </a:pPr>
+            <a:endParaRPr b="0" lang="en-US" sz="4400" spc="-1" strike="noStrike">
+              <a:solidFill>
+                <a:srgbClr val="000000"/>
+              </a:solidFill>
+              <a:latin typeface="Arial"/>
+            </a:endParaRPr>
+          </a:p>
+        </p:txBody>
+      </p:sp>
+      <p:sp>
+        <p:nvSpPr>
+          <p:cNvPr id="3" name="PlaceHolder 2"/>
+          <p:cNvSpPr>
+            <a:spLocks noGrp="1"/>
+          </p:cNvSpPr>
+          <p:nvPr>
+            <p:ph type="ftr" idx="10"/>
+          </p:nvPr>
+        </p:nvSpPr>
+        <p:spPr/>
+        <p:txBody>
+          <a:bodyPr/>
+          <a:p>
+            <a:r>
+              <a:t>Footer</a:t>
+            </a:r>
+          </a:p>
+        </p:txBody>
+      </p:sp>
+      <p:sp>
+        <p:nvSpPr>
+          <p:cNvPr id="4" name="PlaceHolder 3"/>
+          <p:cNvSpPr>
+            <a:spLocks noGrp="1"/>
+          </p:cNvSpPr>
+          <p:nvPr>
+            <p:ph type="sldNum" idx="11"/>
+          </p:nvPr>
+        </p:nvSpPr>
+        <p:spPr/>
+        <p:txBody>
+          <a:bodyPr/>
+          <a:p>
+            <a:fld id="{1ED8B1E3-7520-40D6-8DCA-39FE9456FB37}" type="slidenum">
+              <a:t>&lt;#&gt;</a:t>
+            </a:fld>
+          </a:p>
+        </p:txBody>
+      </p:sp>
+      <p:sp>
+        <p:nvSpPr>
+          <p:cNvPr id="5" name="PlaceHolder 4"/>
+          <p:cNvSpPr>
+            <a:spLocks noGrp="1"/>
+          </p:cNvSpPr>
+          <p:nvPr>
+            <p:ph type="dt" idx="12"/>
+          </p:nvPr>
+        </p:nvSpPr>
+        <p:spPr/>
+        <p:txBody>
+          <a:bodyPr/>
+          <a:p>
+            <a:r>
+              <a:rPr lang="en-US"/>
+              <a:t/>
+            </a:r>
+          </a:p>
+        </p:txBody>
+      </p:sp>
+    </p:spTree>
+  </p:cSld>
+</p:sldLayout>
+</file>
+
+<file path=ppt/slideLayouts/slideLayout42.xml><?xml version="1.0" encoding="utf-8"?>
+<p:sldLayout xmlns:a="http://schemas.openxmlformats.org/drawingml/2006/main" xmlns:p="http://schemas.openxmlformats.org/presentationml/2006/main" xmlns:r="http://schemas.openxmlformats.org/officeDocument/2006/relationships" xmlns:p14="http://schemas.microsoft.com/office/powerpoint/2010/main" xmlns:p15="http://schemas.microsoft.com/office/powerpoint/2012/main" xmlns:mc="http://schemas.openxmlformats.org/markup-compatibility/2006" type="objOnly" preserve="1">
+  <p:cSld name="Centered Text">
+    <p:spTree>
+      <p:nvGrpSpPr>
+        <p:cNvPr id="1" name=""/>
+        <p:cNvGrpSpPr/>
+        <p:nvPr/>
+      </p:nvGrpSpPr>
+      <p:grpSpPr>
+        <a:xfrm>
+          <a:off x="0" y="0"/>
+          <a:ext cx="0" cy="0"/>
+          <a:chOff x="0" y="0"/>
+          <a:chExt cx="0" cy="0"/>
+        </a:xfrm>
+      </p:grpSpPr>
+      <p:sp>
+        <p:nvSpPr>
+          <p:cNvPr id="134" name="PlaceHolder 1"/>
+          <p:cNvSpPr>
+            <a:spLocks noGrp="1"/>
+          </p:cNvSpPr>
+          <p:nvPr>
+            <p:ph type="subTitle"/>
+          </p:nvPr>
+        </p:nvSpPr>
+        <p:spPr>
+          <a:xfrm>
+            <a:off x="457200" y="273600"/>
+            <a:ext cx="8229240" cy="5307840"/>
+          </a:xfrm>
+          <a:prstGeom prst="rect">
+            <a:avLst/>
+          </a:prstGeom>
+          <a:noFill/>
+          <a:ln w="0">
+            <a:noFill/>
+          </a:ln>
+        </p:spPr>
+        <p:txBody>
+          <a:bodyPr lIns="0" rIns="0" tIns="0" bIns="0" anchor="ctr">
+            <a:noAutofit/>
+          </a:bodyPr>
+          <a:p>
+            <a:pPr algn="ctr"/>
+            <a:endParaRPr b="0" lang="en-US" sz="3200" spc="-1" strike="noStrike">
+              <a:solidFill>
+                <a:srgbClr val="000000"/>
+              </a:solidFill>
+              <a:latin typeface="Arial"/>
+            </a:endParaRPr>
+          </a:p>
+        </p:txBody>
+      </p:sp>
+      <p:sp>
+        <p:nvSpPr>
+          <p:cNvPr id="3" name="PlaceHolder 2"/>
+          <p:cNvSpPr>
+            <a:spLocks noGrp="1"/>
+          </p:cNvSpPr>
+          <p:nvPr>
+            <p:ph type="ftr" idx="10"/>
+          </p:nvPr>
+        </p:nvSpPr>
+        <p:spPr/>
+        <p:txBody>
+          <a:bodyPr/>
+          <a:p>
+            <a:r>
+              <a:t>Footer</a:t>
+            </a:r>
+          </a:p>
+        </p:txBody>
+      </p:sp>
+      <p:sp>
+        <p:nvSpPr>
+          <p:cNvPr id="4" name="PlaceHolder 3"/>
+          <p:cNvSpPr>
+            <a:spLocks noGrp="1"/>
+          </p:cNvSpPr>
+          <p:nvPr>
+            <p:ph type="sldNum" idx="11"/>
+          </p:nvPr>
+        </p:nvSpPr>
+        <p:spPr/>
+        <p:txBody>
+          <a:bodyPr/>
+          <a:p>
+            <a:fld id="{891E4460-E245-4DF3-8ABB-02BD26F53480}" type="slidenum">
+              <a:t>&lt;#&gt;</a:t>
+            </a:fld>
+          </a:p>
+        </p:txBody>
+      </p:sp>
+      <p:sp>
+        <p:nvSpPr>
+          <p:cNvPr id="5" name="PlaceHolder 4"/>
+          <p:cNvSpPr>
+            <a:spLocks noGrp="1"/>
+          </p:cNvSpPr>
+          <p:nvPr>
+            <p:ph type="dt" idx="12"/>
+          </p:nvPr>
+        </p:nvSpPr>
+        <p:spPr/>
+        <p:txBody>
+          <a:bodyPr/>
+          <a:p>
+            <a:r>
+              <a:rPr lang="en-US"/>
+              <a:t/>
+            </a:r>
+          </a:p>
+        </p:txBody>
+      </p:sp>
+    </p:spTree>
+  </p:cSld>
+</p:sldLayout>
+</file>
+
+<file path=ppt/slideLayouts/slideLayout43.xml><?xml version="1.0" encoding="utf-8"?>
+<p:sldLayout xmlns:a="http://schemas.openxmlformats.org/drawingml/2006/main" xmlns:p="http://schemas.openxmlformats.org/presentationml/2006/main" xmlns:r="http://schemas.openxmlformats.org/officeDocument/2006/relationships" xmlns:p14="http://schemas.microsoft.com/office/powerpoint/2010/main" xmlns:p15="http://schemas.microsoft.com/office/powerpoint/2012/main" xmlns:mc="http://schemas.openxmlformats.org/markup-compatibility/2006" type="twoObjAndObj" preserve="1">
+  <p:cSld name="Title, 2 Content and Content">
+    <p:spTree>
+      <p:nvGrpSpPr>
+        <p:cNvPr id="1" name=""/>
+        <p:cNvGrpSpPr/>
+        <p:nvPr/>
+      </p:nvGrpSpPr>
+      <p:grpSpPr>
+        <a:xfrm>
+          <a:off x="0" y="0"/>
+          <a:ext cx="0" cy="0"/>
+          <a:chOff x="0" y="0"/>
+          <a:chExt cx="0" cy="0"/>
+        </a:xfrm>
+      </p:grpSpPr>
+      <p:sp>
+        <p:nvSpPr>
+          <p:cNvPr id="135" name="PlaceHolder 1"/>
+          <p:cNvSpPr>
+            <a:spLocks noGrp="1"/>
+          </p:cNvSpPr>
+          <p:nvPr>
+            <p:ph type="title"/>
+          </p:nvPr>
+        </p:nvSpPr>
+        <p:spPr>
+          <a:xfrm>
+            <a:off x="457200" y="273600"/>
+            <a:ext cx="8229240" cy="1144800"/>
+          </a:xfrm>
+          <a:prstGeom prst="rect">
+            <a:avLst/>
+          </a:prstGeom>
+          <a:noFill/>
+          <a:ln w="0">
+            <a:noFill/>
+          </a:ln>
+        </p:spPr>
+        <p:txBody>
+          <a:bodyPr lIns="0" rIns="0" tIns="0" bIns="0" anchor="ctr">
+            <a:noAutofit/>
+          </a:bodyPr>
+          <a:p>
+            <a:pPr indent="0" algn="ctr">
+              <a:buNone/>
+            </a:pPr>
+            <a:endParaRPr b="0" lang="en-US" sz="4400" spc="-1" strike="noStrike">
+              <a:solidFill>
+                <a:srgbClr val="000000"/>
+              </a:solidFill>
+              <a:latin typeface="Arial"/>
+            </a:endParaRPr>
+          </a:p>
+        </p:txBody>
+      </p:sp>
+      <p:sp>
+        <p:nvSpPr>
+          <p:cNvPr id="136" name="PlaceHolder 2"/>
+          <p:cNvSpPr>
+            <a:spLocks noGrp="1"/>
+          </p:cNvSpPr>
+          <p:nvPr>
+            <p:ph/>
+          </p:nvPr>
+        </p:nvSpPr>
+        <p:spPr>
+          <a:xfrm>
+            <a:off x="457200" y="1604520"/>
+            <a:ext cx="4015800" cy="1896840"/>
+          </a:xfrm>
+          <a:prstGeom prst="rect">
+            <a:avLst/>
+          </a:prstGeom>
+          <a:noFill/>
+          <a:ln w="0">
+            <a:noFill/>
+          </a:ln>
+        </p:spPr>
+        <p:txBody>
+          <a:bodyPr lIns="0" rIns="0" tIns="0" bIns="0" anchor="t">
+            <a:normAutofit/>
+          </a:bodyPr>
+          <a:p>
+            <a:pPr indent="0">
+              <a:spcBef>
+                <a:spcPts val="1417"/>
+              </a:spcBef>
+              <a:buNone/>
+            </a:pPr>
+            <a:endParaRPr b="0" lang="en-US" sz="3200" spc="-1" strike="noStrike">
+              <a:solidFill>
+                <a:srgbClr val="000000"/>
+              </a:solidFill>
+              <a:latin typeface="Arial"/>
+            </a:endParaRPr>
+          </a:p>
+        </p:txBody>
+      </p:sp>
+      <p:sp>
+        <p:nvSpPr>
+          <p:cNvPr id="137" name="PlaceHolder 3"/>
+          <p:cNvSpPr>
+            <a:spLocks noGrp="1"/>
+          </p:cNvSpPr>
+          <p:nvPr>
+            <p:ph/>
+          </p:nvPr>
+        </p:nvSpPr>
+        <p:spPr>
+          <a:xfrm>
+            <a:off x="4674240" y="1604520"/>
+            <a:ext cx="4015800" cy="3977280"/>
+          </a:xfrm>
+          <a:prstGeom prst="rect">
+            <a:avLst/>
+          </a:prstGeom>
+          <a:noFill/>
+          <a:ln w="0">
+            <a:noFill/>
+          </a:ln>
+        </p:spPr>
+        <p:txBody>
+          <a:bodyPr lIns="0" rIns="0" tIns="0" bIns="0" anchor="t">
+            <a:normAutofit/>
+          </a:bodyPr>
+          <a:p>
+            <a:pPr indent="0">
+              <a:spcBef>
+                <a:spcPts val="1417"/>
+              </a:spcBef>
+              <a:buNone/>
+            </a:pPr>
+            <a:endParaRPr b="0" lang="en-US" sz="3200" spc="-1" strike="noStrike">
+              <a:solidFill>
+                <a:srgbClr val="000000"/>
+              </a:solidFill>
+              <a:latin typeface="Arial"/>
+            </a:endParaRPr>
+          </a:p>
+        </p:txBody>
+      </p:sp>
+      <p:sp>
+        <p:nvSpPr>
+          <p:cNvPr id="138" name="PlaceHolder 4"/>
+          <p:cNvSpPr>
+            <a:spLocks noGrp="1"/>
+          </p:cNvSpPr>
+          <p:nvPr>
+            <p:ph/>
+          </p:nvPr>
+        </p:nvSpPr>
+        <p:spPr>
+          <a:xfrm>
+            <a:off x="457200" y="3682080"/>
+            <a:ext cx="4015800" cy="1896840"/>
+          </a:xfrm>
+          <a:prstGeom prst="rect">
+            <a:avLst/>
+          </a:prstGeom>
+          <a:noFill/>
+          <a:ln w="0">
+            <a:noFill/>
+          </a:ln>
+        </p:spPr>
+        <p:txBody>
+          <a:bodyPr lIns="0" rIns="0" tIns="0" bIns="0" anchor="t">
+            <a:normAutofit/>
+          </a:bodyPr>
+          <a:p>
+            <a:pPr indent="0">
+              <a:spcBef>
+                <a:spcPts val="1417"/>
+              </a:spcBef>
+              <a:buNone/>
+            </a:pPr>
+            <a:endParaRPr b="0" lang="en-US" sz="3200" spc="-1" strike="noStrike">
+              <a:solidFill>
+                <a:srgbClr val="000000"/>
+              </a:solidFill>
+              <a:latin typeface="Arial"/>
+            </a:endParaRPr>
+          </a:p>
+        </p:txBody>
+      </p:sp>
+      <p:sp>
+        <p:nvSpPr>
+          <p:cNvPr id="6" name="PlaceHolder 5"/>
+          <p:cNvSpPr>
+            <a:spLocks noGrp="1"/>
+          </p:cNvSpPr>
+          <p:nvPr>
+            <p:ph type="ftr" idx="10"/>
+          </p:nvPr>
+        </p:nvSpPr>
+        <p:spPr/>
+        <p:txBody>
+          <a:bodyPr/>
+          <a:p>
+            <a:r>
+              <a:t>Footer</a:t>
+            </a:r>
+          </a:p>
+        </p:txBody>
+      </p:sp>
+      <p:sp>
+        <p:nvSpPr>
+          <p:cNvPr id="7" name="PlaceHolder 6"/>
+          <p:cNvSpPr>
+            <a:spLocks noGrp="1"/>
+          </p:cNvSpPr>
+          <p:nvPr>
+            <p:ph type="sldNum" idx="11"/>
+          </p:nvPr>
+        </p:nvSpPr>
+        <p:spPr/>
+        <p:txBody>
+          <a:bodyPr/>
+          <a:p>
+            <a:fld id="{F96A4350-4A7D-4B58-947D-FD4B06C0F9EE}" type="slidenum">
+              <a:t>&lt;#&gt;</a:t>
+            </a:fld>
+          </a:p>
+        </p:txBody>
+      </p:sp>
+      <p:sp>
+        <p:nvSpPr>
+          <p:cNvPr id="8" name="PlaceHolder 7"/>
+          <p:cNvSpPr>
+            <a:spLocks noGrp="1"/>
+          </p:cNvSpPr>
+          <p:nvPr>
+            <p:ph type="dt" idx="12"/>
+          </p:nvPr>
+        </p:nvSpPr>
+        <p:spPr/>
+        <p:txBody>
+          <a:bodyPr/>
+          <a:p>
+            <a:r>
+              <a:rPr lang="en-US"/>
+              <a:t/>
+            </a:r>
+          </a:p>
+        </p:txBody>
+      </p:sp>
+    </p:spTree>
+  </p:cSld>
+</p:sldLayout>
+</file>
+
+<file path=ppt/slideLayouts/slideLayout44.xml><?xml version="1.0" encoding="utf-8"?>
+<p:sldLayout xmlns:a="http://schemas.openxmlformats.org/drawingml/2006/main" xmlns:p="http://schemas.openxmlformats.org/presentationml/2006/main" xmlns:r="http://schemas.openxmlformats.org/officeDocument/2006/relationships" xmlns:p14="http://schemas.microsoft.com/office/powerpoint/2010/main" xmlns:p15="http://schemas.microsoft.com/office/powerpoint/2012/main" xmlns:mc="http://schemas.openxmlformats.org/markup-compatibility/2006" type="objAndTwoObj" preserve="1">
+  <p:cSld name="Title Content and 2 Content">
+    <p:spTree>
+      <p:nvGrpSpPr>
+        <p:cNvPr id="1" name=""/>
+        <p:cNvGrpSpPr/>
+        <p:nvPr/>
+      </p:nvGrpSpPr>
+      <p:grpSpPr>
+        <a:xfrm>
+          <a:off x="0" y="0"/>
+          <a:ext cx="0" cy="0"/>
+          <a:chOff x="0" y="0"/>
+          <a:chExt cx="0" cy="0"/>
+        </a:xfrm>
+      </p:grpSpPr>
+      <p:sp>
+        <p:nvSpPr>
+          <p:cNvPr id="139" name="PlaceHolder 1"/>
+          <p:cNvSpPr>
+            <a:spLocks noGrp="1"/>
+          </p:cNvSpPr>
+          <p:nvPr>
+            <p:ph type="title"/>
+          </p:nvPr>
+        </p:nvSpPr>
+        <p:spPr>
+          <a:xfrm>
+            <a:off x="457200" y="273600"/>
+            <a:ext cx="8229240" cy="1144800"/>
+          </a:xfrm>
+          <a:prstGeom prst="rect">
+            <a:avLst/>
+          </a:prstGeom>
+          <a:noFill/>
+          <a:ln w="0">
+            <a:noFill/>
+          </a:ln>
+        </p:spPr>
+        <p:txBody>
+          <a:bodyPr lIns="0" rIns="0" tIns="0" bIns="0" anchor="ctr">
+            <a:noAutofit/>
+          </a:bodyPr>
+          <a:p>
+            <a:pPr indent="0" algn="ctr">
+              <a:buNone/>
+            </a:pPr>
+            <a:endParaRPr b="0" lang="en-US" sz="4400" spc="-1" strike="noStrike">
+              <a:solidFill>
+                <a:srgbClr val="000000"/>
+              </a:solidFill>
+              <a:latin typeface="Arial"/>
+            </a:endParaRPr>
+          </a:p>
+        </p:txBody>
+      </p:sp>
+      <p:sp>
+        <p:nvSpPr>
+          <p:cNvPr id="140" name="PlaceHolder 2"/>
+          <p:cNvSpPr>
+            <a:spLocks noGrp="1"/>
+          </p:cNvSpPr>
+          <p:nvPr>
+            <p:ph/>
+          </p:nvPr>
+        </p:nvSpPr>
+        <p:spPr>
+          <a:xfrm>
+            <a:off x="457200" y="1604520"/>
+            <a:ext cx="4015800" cy="3977280"/>
+          </a:xfrm>
+          <a:prstGeom prst="rect">
+            <a:avLst/>
+          </a:prstGeom>
+          <a:noFill/>
+          <a:ln w="0">
+            <a:noFill/>
+          </a:ln>
+        </p:spPr>
+        <p:txBody>
+          <a:bodyPr lIns="0" rIns="0" tIns="0" bIns="0" anchor="t">
+            <a:normAutofit/>
+          </a:bodyPr>
+          <a:p>
+            <a:pPr indent="0">
+              <a:spcBef>
+                <a:spcPts val="1417"/>
+              </a:spcBef>
+              <a:buNone/>
+            </a:pPr>
+            <a:endParaRPr b="0" lang="en-US" sz="3200" spc="-1" strike="noStrike">
+              <a:solidFill>
+                <a:srgbClr val="000000"/>
+              </a:solidFill>
+              <a:latin typeface="Arial"/>
+            </a:endParaRPr>
+          </a:p>
+        </p:txBody>
+      </p:sp>
+      <p:sp>
+        <p:nvSpPr>
+          <p:cNvPr id="141" name="PlaceHolder 3"/>
+          <p:cNvSpPr>
+            <a:spLocks noGrp="1"/>
+          </p:cNvSpPr>
+          <p:nvPr>
+            <p:ph/>
+          </p:nvPr>
+        </p:nvSpPr>
+        <p:spPr>
+          <a:xfrm>
+            <a:off x="4674240" y="1604520"/>
+            <a:ext cx="4015800" cy="1896840"/>
+          </a:xfrm>
+          <a:prstGeom prst="rect">
+            <a:avLst/>
+          </a:prstGeom>
+          <a:noFill/>
+          <a:ln w="0">
+            <a:noFill/>
+          </a:ln>
+        </p:spPr>
+        <p:txBody>
+          <a:bodyPr lIns="0" rIns="0" tIns="0" bIns="0" anchor="t">
+            <a:normAutofit/>
+          </a:bodyPr>
+          <a:p>
+            <a:pPr indent="0">
+              <a:spcBef>
+                <a:spcPts val="1417"/>
+              </a:spcBef>
+              <a:buNone/>
+            </a:pPr>
+            <a:endParaRPr b="0" lang="en-US" sz="3200" spc="-1" strike="noStrike">
+              <a:solidFill>
+                <a:srgbClr val="000000"/>
+              </a:solidFill>
+              <a:latin typeface="Arial"/>
+            </a:endParaRPr>
+          </a:p>
+        </p:txBody>
+      </p:sp>
+      <p:sp>
+        <p:nvSpPr>
+          <p:cNvPr id="142" name="PlaceHolder 4"/>
+          <p:cNvSpPr>
+            <a:spLocks noGrp="1"/>
+          </p:cNvSpPr>
+          <p:nvPr>
+            <p:ph/>
+          </p:nvPr>
+        </p:nvSpPr>
+        <p:spPr>
+          <a:xfrm>
+            <a:off x="4674240" y="3682080"/>
+            <a:ext cx="4015800" cy="1896840"/>
+          </a:xfrm>
+          <a:prstGeom prst="rect">
+            <a:avLst/>
+          </a:prstGeom>
+          <a:noFill/>
+          <a:ln w="0">
+            <a:noFill/>
+          </a:ln>
+        </p:spPr>
+        <p:txBody>
+          <a:bodyPr lIns="0" rIns="0" tIns="0" bIns="0" anchor="t">
+            <a:normAutofit/>
+          </a:bodyPr>
+          <a:p>
+            <a:pPr indent="0">
+              <a:spcBef>
+                <a:spcPts val="1417"/>
+              </a:spcBef>
+              <a:buNone/>
+            </a:pPr>
+            <a:endParaRPr b="0" lang="en-US" sz="3200" spc="-1" strike="noStrike">
+              <a:solidFill>
+                <a:srgbClr val="000000"/>
+              </a:solidFill>
+              <a:latin typeface="Arial"/>
+            </a:endParaRPr>
+          </a:p>
+        </p:txBody>
+      </p:sp>
+      <p:sp>
+        <p:nvSpPr>
+          <p:cNvPr id="6" name="PlaceHolder 5"/>
+          <p:cNvSpPr>
+            <a:spLocks noGrp="1"/>
+          </p:cNvSpPr>
+          <p:nvPr>
+            <p:ph type="ftr" idx="10"/>
+          </p:nvPr>
+        </p:nvSpPr>
+        <p:spPr/>
+        <p:txBody>
+          <a:bodyPr/>
+          <a:p>
+            <a:r>
+              <a:t>Footer</a:t>
+            </a:r>
+          </a:p>
+        </p:txBody>
+      </p:sp>
+      <p:sp>
+        <p:nvSpPr>
+          <p:cNvPr id="7" name="PlaceHolder 6"/>
+          <p:cNvSpPr>
+            <a:spLocks noGrp="1"/>
+          </p:cNvSpPr>
+          <p:nvPr>
+            <p:ph type="sldNum" idx="11"/>
+          </p:nvPr>
+        </p:nvSpPr>
+        <p:spPr/>
+        <p:txBody>
+          <a:bodyPr/>
+          <a:p>
+            <a:fld id="{4562FB1A-6326-46C6-90F2-60ADE4289E25}" type="slidenum">
+              <a:t>&lt;#&gt;</a:t>
+            </a:fld>
+          </a:p>
+        </p:txBody>
+      </p:sp>
+      <p:sp>
+        <p:nvSpPr>
+          <p:cNvPr id="8" name="PlaceHolder 7"/>
+          <p:cNvSpPr>
+            <a:spLocks noGrp="1"/>
+          </p:cNvSpPr>
+          <p:nvPr>
+            <p:ph type="dt" idx="12"/>
+          </p:nvPr>
+        </p:nvSpPr>
+        <p:spPr/>
+        <p:txBody>
+          <a:bodyPr/>
+          <a:p>
+            <a:r>
+              <a:rPr lang="en-US"/>
+              <a:t/>
+            </a:r>
+          </a:p>
+        </p:txBody>
+      </p:sp>
+    </p:spTree>
+  </p:cSld>
+</p:sldLayout>
+</file>
+
+<file path=ppt/slideLayouts/slideLayout45.xml><?xml version="1.0" encoding="utf-8"?>
+<p:sldLayout xmlns:a="http://schemas.openxmlformats.org/drawingml/2006/main" xmlns:p="http://schemas.openxmlformats.org/presentationml/2006/main" xmlns:r="http://schemas.openxmlformats.org/officeDocument/2006/relationships" xmlns:p14="http://schemas.microsoft.com/office/powerpoint/2010/main" xmlns:p15="http://schemas.microsoft.com/office/powerpoint/2012/main" xmlns:mc="http://schemas.openxmlformats.org/markup-compatibility/2006" type="twoObjOverTx" preserve="1">
+  <p:cSld name="Title, 2 Content over Content">
+    <p:spTree>
+      <p:nvGrpSpPr>
+        <p:cNvPr id="1" name=""/>
+        <p:cNvGrpSpPr/>
+        <p:nvPr/>
+      </p:nvGrpSpPr>
+      <p:grpSpPr>
+        <a:xfrm>
+          <a:off x="0" y="0"/>
+          <a:ext cx="0" cy="0"/>
+          <a:chOff x="0" y="0"/>
+          <a:chExt cx="0" cy="0"/>
+        </a:xfrm>
+      </p:grpSpPr>
+      <p:sp>
+        <p:nvSpPr>
+          <p:cNvPr id="143" name="PlaceHolder 1"/>
+          <p:cNvSpPr>
+            <a:spLocks noGrp="1"/>
+          </p:cNvSpPr>
+          <p:nvPr>
+            <p:ph type="title"/>
+          </p:nvPr>
+        </p:nvSpPr>
+        <p:spPr>
+          <a:xfrm>
+            <a:off x="457200" y="273600"/>
+            <a:ext cx="8229240" cy="1144800"/>
+          </a:xfrm>
+          <a:prstGeom prst="rect">
+            <a:avLst/>
+          </a:prstGeom>
+          <a:noFill/>
+          <a:ln w="0">
+            <a:noFill/>
+          </a:ln>
+        </p:spPr>
+        <p:txBody>
+          <a:bodyPr lIns="0" rIns="0" tIns="0" bIns="0" anchor="ctr">
+            <a:noAutofit/>
+          </a:bodyPr>
+          <a:p>
+            <a:pPr indent="0" algn="ctr">
+              <a:buNone/>
+            </a:pPr>
+            <a:endParaRPr b="0" lang="en-US" sz="4400" spc="-1" strike="noStrike">
+              <a:solidFill>
+                <a:srgbClr val="000000"/>
+              </a:solidFill>
+              <a:latin typeface="Arial"/>
+            </a:endParaRPr>
+          </a:p>
+        </p:txBody>
+      </p:sp>
+      <p:sp>
+        <p:nvSpPr>
+          <p:cNvPr id="144" name="PlaceHolder 2"/>
+          <p:cNvSpPr>
+            <a:spLocks noGrp="1"/>
+          </p:cNvSpPr>
+          <p:nvPr>
+            <p:ph/>
+          </p:nvPr>
+        </p:nvSpPr>
+        <p:spPr>
+          <a:xfrm>
+            <a:off x="457200" y="1604520"/>
+            <a:ext cx="4015800" cy="1896840"/>
+          </a:xfrm>
+          <a:prstGeom prst="rect">
+            <a:avLst/>
+          </a:prstGeom>
+          <a:noFill/>
+          <a:ln w="0">
+            <a:noFill/>
+          </a:ln>
+        </p:spPr>
+        <p:txBody>
+          <a:bodyPr lIns="0" rIns="0" tIns="0" bIns="0" anchor="t">
+            <a:normAutofit/>
+          </a:bodyPr>
+          <a:p>
+            <a:pPr indent="0">
+              <a:spcBef>
+                <a:spcPts val="1417"/>
+              </a:spcBef>
+              <a:buNone/>
+            </a:pPr>
+            <a:endParaRPr b="0" lang="en-US" sz="3200" spc="-1" strike="noStrike">
+              <a:solidFill>
+                <a:srgbClr val="000000"/>
+              </a:solidFill>
+              <a:latin typeface="Arial"/>
+            </a:endParaRPr>
+          </a:p>
+        </p:txBody>
+      </p:sp>
+      <p:sp>
+        <p:nvSpPr>
+          <p:cNvPr id="145" name="PlaceHolder 3"/>
+          <p:cNvSpPr>
+            <a:spLocks noGrp="1"/>
+          </p:cNvSpPr>
+          <p:nvPr>
+            <p:ph/>
+          </p:nvPr>
+        </p:nvSpPr>
+        <p:spPr>
+          <a:xfrm>
+            <a:off x="4674240" y="1604520"/>
+            <a:ext cx="4015800" cy="1896840"/>
+          </a:xfrm>
+          <a:prstGeom prst="rect">
+            <a:avLst/>
+          </a:prstGeom>
+          <a:noFill/>
+          <a:ln w="0">
+            <a:noFill/>
+          </a:ln>
+        </p:spPr>
+        <p:txBody>
+          <a:bodyPr lIns="0" rIns="0" tIns="0" bIns="0" anchor="t">
+            <a:normAutofit/>
+          </a:bodyPr>
+          <a:p>
+            <a:pPr indent="0">
+              <a:spcBef>
+                <a:spcPts val="1417"/>
+              </a:spcBef>
+              <a:buNone/>
+            </a:pPr>
+            <a:endParaRPr b="0" lang="en-US" sz="3200" spc="-1" strike="noStrike">
+              <a:solidFill>
+                <a:srgbClr val="000000"/>
+              </a:solidFill>
+              <a:latin typeface="Arial"/>
+            </a:endParaRPr>
+          </a:p>
+        </p:txBody>
+      </p:sp>
+      <p:sp>
+        <p:nvSpPr>
+          <p:cNvPr id="146" name="PlaceHolder 4"/>
+          <p:cNvSpPr>
+            <a:spLocks noGrp="1"/>
+          </p:cNvSpPr>
+          <p:nvPr>
+            <p:ph/>
+          </p:nvPr>
+        </p:nvSpPr>
+        <p:spPr>
+          <a:xfrm>
+            <a:off x="457200" y="3682080"/>
+            <a:ext cx="8229240" cy="1896840"/>
+          </a:xfrm>
+          <a:prstGeom prst="rect">
+            <a:avLst/>
+          </a:prstGeom>
+          <a:noFill/>
+          <a:ln w="0">
+            <a:noFill/>
+          </a:ln>
+        </p:spPr>
+        <p:txBody>
+          <a:bodyPr lIns="0" rIns="0" tIns="0" bIns="0" anchor="t">
+            <a:normAutofit/>
+          </a:bodyPr>
+          <a:p>
+            <a:pPr indent="0">
+              <a:spcBef>
+                <a:spcPts val="1417"/>
+              </a:spcBef>
+              <a:buNone/>
+            </a:pPr>
+            <a:endParaRPr b="0" lang="en-US" sz="3200" spc="-1" strike="noStrike">
+              <a:solidFill>
+                <a:srgbClr val="000000"/>
+              </a:solidFill>
+              <a:latin typeface="Arial"/>
+            </a:endParaRPr>
+          </a:p>
+        </p:txBody>
+      </p:sp>
+      <p:sp>
+        <p:nvSpPr>
+          <p:cNvPr id="6" name="PlaceHolder 5"/>
+          <p:cNvSpPr>
+            <a:spLocks noGrp="1"/>
+          </p:cNvSpPr>
+          <p:nvPr>
+            <p:ph type="ftr" idx="10"/>
+          </p:nvPr>
+        </p:nvSpPr>
+        <p:spPr/>
+        <p:txBody>
+          <a:bodyPr/>
+          <a:p>
+            <a:r>
+              <a:t>Footer</a:t>
+            </a:r>
+          </a:p>
+        </p:txBody>
+      </p:sp>
+      <p:sp>
+        <p:nvSpPr>
+          <p:cNvPr id="7" name="PlaceHolder 6"/>
+          <p:cNvSpPr>
+            <a:spLocks noGrp="1"/>
+          </p:cNvSpPr>
+          <p:nvPr>
+            <p:ph type="sldNum" idx="11"/>
+          </p:nvPr>
+        </p:nvSpPr>
+        <p:spPr/>
+        <p:txBody>
+          <a:bodyPr/>
+          <a:p>
+            <a:fld id="{32C8D224-F262-4D54-915E-1912AA396C5A}" type="slidenum">
+              <a:t>&lt;#&gt;</a:t>
+            </a:fld>
+          </a:p>
+        </p:txBody>
+      </p:sp>
+      <p:sp>
+        <p:nvSpPr>
+          <p:cNvPr id="8" name="PlaceHolder 7"/>
+          <p:cNvSpPr>
+            <a:spLocks noGrp="1"/>
+          </p:cNvSpPr>
+          <p:nvPr>
+            <p:ph type="dt" idx="12"/>
+          </p:nvPr>
+        </p:nvSpPr>
+        <p:spPr/>
+        <p:txBody>
+          <a:bodyPr/>
+          <a:p>
+            <a:r>
+              <a:rPr lang="en-US"/>
+              <a:t/>
+            </a:r>
+          </a:p>
+        </p:txBody>
+      </p:sp>
+    </p:spTree>
+  </p:cSld>
+</p:sldLayout>
+</file>
+
+<file path=ppt/slideLayouts/slideLayout46.xml><?xml version="1.0" encoding="utf-8"?>
+<p:sldLayout xmlns:a="http://schemas.openxmlformats.org/drawingml/2006/main" xmlns:p="http://schemas.openxmlformats.org/presentationml/2006/main" xmlns:r="http://schemas.openxmlformats.org/officeDocument/2006/relationships" xmlns:p14="http://schemas.microsoft.com/office/powerpoint/2010/main" xmlns:p15="http://schemas.microsoft.com/office/powerpoint/2012/main" xmlns:mc="http://schemas.openxmlformats.org/markup-compatibility/2006" type="objOverTx" preserve="1">
+  <p:cSld name="Title, Content over Content">
+    <p:spTree>
+      <p:nvGrpSpPr>
+        <p:cNvPr id="1" name=""/>
+        <p:cNvGrpSpPr/>
+        <p:nvPr/>
+      </p:nvGrpSpPr>
+      <p:grpSpPr>
+        <a:xfrm>
+          <a:off x="0" y="0"/>
+          <a:ext cx="0" cy="0"/>
+          <a:chOff x="0" y="0"/>
+          <a:chExt cx="0" cy="0"/>
+        </a:xfrm>
+      </p:grpSpPr>
+      <p:sp>
+        <p:nvSpPr>
+          <p:cNvPr id="147" name="PlaceHolder 1"/>
+          <p:cNvSpPr>
+            <a:spLocks noGrp="1"/>
+          </p:cNvSpPr>
+          <p:nvPr>
+            <p:ph type="title"/>
+          </p:nvPr>
+        </p:nvSpPr>
+        <p:spPr>
+          <a:xfrm>
+            <a:off x="457200" y="273600"/>
+            <a:ext cx="8229240" cy="1144800"/>
+          </a:xfrm>
+          <a:prstGeom prst="rect">
+            <a:avLst/>
+          </a:prstGeom>
+          <a:noFill/>
+          <a:ln w="0">
+            <a:noFill/>
+          </a:ln>
+        </p:spPr>
+        <p:txBody>
+          <a:bodyPr lIns="0" rIns="0" tIns="0" bIns="0" anchor="ctr">
+            <a:noAutofit/>
+          </a:bodyPr>
+          <a:p>
+            <a:pPr indent="0" algn="ctr">
+              <a:buNone/>
+            </a:pPr>
+            <a:endParaRPr b="0" lang="en-US" sz="4400" spc="-1" strike="noStrike">
+              <a:solidFill>
+                <a:srgbClr val="000000"/>
+              </a:solidFill>
+              <a:latin typeface="Arial"/>
+            </a:endParaRPr>
+          </a:p>
+        </p:txBody>
+      </p:sp>
+      <p:sp>
+        <p:nvSpPr>
+          <p:cNvPr id="148" name="PlaceHolder 2"/>
+          <p:cNvSpPr>
+            <a:spLocks noGrp="1"/>
+          </p:cNvSpPr>
+          <p:nvPr>
+            <p:ph/>
+          </p:nvPr>
+        </p:nvSpPr>
+        <p:spPr>
+          <a:xfrm>
+            <a:off x="457200" y="1604520"/>
+            <a:ext cx="8229240" cy="1896840"/>
+          </a:xfrm>
+          <a:prstGeom prst="rect">
+            <a:avLst/>
+          </a:prstGeom>
+          <a:noFill/>
+          <a:ln w="0">
+            <a:noFill/>
+          </a:ln>
+        </p:spPr>
+        <p:txBody>
+          <a:bodyPr lIns="0" rIns="0" tIns="0" bIns="0" anchor="t">
+            <a:normAutofit/>
+          </a:bodyPr>
+          <a:p>
+            <a:pPr indent="0">
+              <a:spcBef>
+                <a:spcPts val="1417"/>
+              </a:spcBef>
+              <a:buNone/>
+            </a:pPr>
+            <a:endParaRPr b="0" lang="en-US" sz="3200" spc="-1" strike="noStrike">
+              <a:solidFill>
+                <a:srgbClr val="000000"/>
+              </a:solidFill>
+              <a:latin typeface="Arial"/>
+            </a:endParaRPr>
+          </a:p>
+        </p:txBody>
+      </p:sp>
+      <p:sp>
+        <p:nvSpPr>
+          <p:cNvPr id="149" name="PlaceHolder 3"/>
+          <p:cNvSpPr>
+            <a:spLocks noGrp="1"/>
+          </p:cNvSpPr>
+          <p:nvPr>
+            <p:ph/>
+          </p:nvPr>
+        </p:nvSpPr>
+        <p:spPr>
+          <a:xfrm>
+            <a:off x="457200" y="3682080"/>
+            <a:ext cx="8229240" cy="1896840"/>
+          </a:xfrm>
+          <a:prstGeom prst="rect">
+            <a:avLst/>
+          </a:prstGeom>
+          <a:noFill/>
+          <a:ln w="0">
+            <a:noFill/>
+          </a:ln>
+        </p:spPr>
+        <p:txBody>
+          <a:bodyPr lIns="0" rIns="0" tIns="0" bIns="0" anchor="t">
+            <a:normAutofit/>
+          </a:bodyPr>
+          <a:p>
+            <a:pPr indent="0">
+              <a:spcBef>
+                <a:spcPts val="1417"/>
+              </a:spcBef>
+              <a:buNone/>
+            </a:pPr>
+            <a:endParaRPr b="0" lang="en-US" sz="3200" spc="-1" strike="noStrike">
+              <a:solidFill>
+                <a:srgbClr val="000000"/>
+              </a:solidFill>
+              <a:latin typeface="Arial"/>
+            </a:endParaRPr>
+          </a:p>
+        </p:txBody>
+      </p:sp>
+      <p:sp>
+        <p:nvSpPr>
+          <p:cNvPr id="5" name="PlaceHolder 4"/>
+          <p:cNvSpPr>
+            <a:spLocks noGrp="1"/>
+          </p:cNvSpPr>
+          <p:nvPr>
+            <p:ph type="ftr" idx="10"/>
+          </p:nvPr>
+        </p:nvSpPr>
+        <p:spPr/>
+        <p:txBody>
+          <a:bodyPr/>
+          <a:p>
+            <a:r>
+              <a:t>Footer</a:t>
+            </a:r>
+          </a:p>
+        </p:txBody>
+      </p:sp>
+      <p:sp>
+        <p:nvSpPr>
+          <p:cNvPr id="6" name="PlaceHolder 5"/>
+          <p:cNvSpPr>
+            <a:spLocks noGrp="1"/>
+          </p:cNvSpPr>
+          <p:nvPr>
+            <p:ph type="sldNum" idx="11"/>
+          </p:nvPr>
+        </p:nvSpPr>
+        <p:spPr/>
+        <p:txBody>
+          <a:bodyPr/>
+          <a:p>
+            <a:fld id="{FAE8753D-B5CB-429C-9777-BC1A39FE95C1}" type="slidenum">
+              <a:t>&lt;#&gt;</a:t>
+            </a:fld>
+          </a:p>
+        </p:txBody>
+      </p:sp>
+      <p:sp>
+        <p:nvSpPr>
+          <p:cNvPr id="7" name="PlaceHolder 6"/>
+          <p:cNvSpPr>
+            <a:spLocks noGrp="1"/>
+          </p:cNvSpPr>
+          <p:nvPr>
+            <p:ph type="dt" idx="12"/>
+          </p:nvPr>
+        </p:nvSpPr>
+        <p:spPr/>
+        <p:txBody>
+          <a:bodyPr/>
+          <a:p>
+            <a:r>
+              <a:rPr lang="en-US"/>
+              <a:t/>
+            </a:r>
+          </a:p>
+        </p:txBody>
+      </p:sp>
+    </p:spTree>
+  </p:cSld>
+</p:sldLayout>
+</file>
+
+<file path=ppt/slideLayouts/slideLayout47.xml><?xml version="1.0" encoding="utf-8"?>
+<p:sldLayout xmlns:a="http://schemas.openxmlformats.org/drawingml/2006/main" xmlns:p="http://schemas.openxmlformats.org/presentationml/2006/main" xmlns:r="http://schemas.openxmlformats.org/officeDocument/2006/relationships" xmlns:p14="http://schemas.microsoft.com/office/powerpoint/2010/main" xmlns:p15="http://schemas.microsoft.com/office/powerpoint/2012/main" xmlns:mc="http://schemas.openxmlformats.org/markup-compatibility/2006" type="fourObj" preserve="1">
+  <p:cSld name="Title, 4 Content">
+    <p:spTree>
+      <p:nvGrpSpPr>
+        <p:cNvPr id="1" name=""/>
+        <p:cNvGrpSpPr/>
+        <p:nvPr/>
+      </p:nvGrpSpPr>
+      <p:grpSpPr>
+        <a:xfrm>
+          <a:off x="0" y="0"/>
+          <a:ext cx="0" cy="0"/>
+          <a:chOff x="0" y="0"/>
+          <a:chExt cx="0" cy="0"/>
+        </a:xfrm>
+      </p:grpSpPr>
+      <p:sp>
+        <p:nvSpPr>
+          <p:cNvPr id="150" name="PlaceHolder 1"/>
+          <p:cNvSpPr>
+            <a:spLocks noGrp="1"/>
+          </p:cNvSpPr>
+          <p:nvPr>
+            <p:ph type="title"/>
+          </p:nvPr>
+        </p:nvSpPr>
+        <p:spPr>
+          <a:xfrm>
+            <a:off x="457200" y="273600"/>
+            <a:ext cx="8229240" cy="1144800"/>
+          </a:xfrm>
+          <a:prstGeom prst="rect">
+            <a:avLst/>
+          </a:prstGeom>
+          <a:noFill/>
+          <a:ln w="0">
+            <a:noFill/>
+          </a:ln>
+        </p:spPr>
+        <p:txBody>
+          <a:bodyPr lIns="0" rIns="0" tIns="0" bIns="0" anchor="ctr">
+            <a:noAutofit/>
+          </a:bodyPr>
+          <a:p>
+            <a:pPr indent="0" algn="ctr">
+              <a:buNone/>
+            </a:pPr>
+            <a:endParaRPr b="0" lang="en-US" sz="4400" spc="-1" strike="noStrike">
+              <a:solidFill>
+                <a:srgbClr val="000000"/>
+              </a:solidFill>
+              <a:latin typeface="Arial"/>
+            </a:endParaRPr>
+          </a:p>
+        </p:txBody>
+      </p:sp>
+      <p:sp>
+        <p:nvSpPr>
+          <p:cNvPr id="151" name="PlaceHolder 2"/>
+          <p:cNvSpPr>
+            <a:spLocks noGrp="1"/>
+          </p:cNvSpPr>
+          <p:nvPr>
+            <p:ph/>
+          </p:nvPr>
+        </p:nvSpPr>
+        <p:spPr>
+          <a:xfrm>
+            <a:off x="457200" y="1604520"/>
+            <a:ext cx="4015800" cy="1896840"/>
+          </a:xfrm>
+          <a:prstGeom prst="rect">
+            <a:avLst/>
+          </a:prstGeom>
+          <a:noFill/>
+          <a:ln w="0">
+            <a:noFill/>
+          </a:ln>
+        </p:spPr>
+        <p:txBody>
+          <a:bodyPr lIns="0" rIns="0" tIns="0" bIns="0" anchor="t">
+            <a:normAutofit/>
+          </a:bodyPr>
+          <a:p>
+            <a:pPr indent="0">
+              <a:spcBef>
+                <a:spcPts val="1417"/>
+              </a:spcBef>
+              <a:buNone/>
+            </a:pPr>
+            <a:endParaRPr b="0" lang="en-US" sz="3200" spc="-1" strike="noStrike">
+              <a:solidFill>
+                <a:srgbClr val="000000"/>
+              </a:solidFill>
+              <a:latin typeface="Arial"/>
+            </a:endParaRPr>
+          </a:p>
+        </p:txBody>
+      </p:sp>
+      <p:sp>
+        <p:nvSpPr>
+          <p:cNvPr id="152" name="PlaceHolder 3"/>
+          <p:cNvSpPr>
+            <a:spLocks noGrp="1"/>
+          </p:cNvSpPr>
+          <p:nvPr>
+            <p:ph/>
+          </p:nvPr>
+        </p:nvSpPr>
+        <p:spPr>
+          <a:xfrm>
+            <a:off x="4674240" y="1604520"/>
+            <a:ext cx="4015800" cy="1896840"/>
+          </a:xfrm>
+          <a:prstGeom prst="rect">
+            <a:avLst/>
+          </a:prstGeom>
+          <a:noFill/>
+          <a:ln w="0">
+            <a:noFill/>
+          </a:ln>
+        </p:spPr>
+        <p:txBody>
+          <a:bodyPr lIns="0" rIns="0" tIns="0" bIns="0" anchor="t">
+            <a:normAutofit/>
+          </a:bodyPr>
+          <a:p>
+            <a:pPr indent="0">
+              <a:spcBef>
+                <a:spcPts val="1417"/>
+              </a:spcBef>
+              <a:buNone/>
+            </a:pPr>
+            <a:endParaRPr b="0" lang="en-US" sz="3200" spc="-1" strike="noStrike">
+              <a:solidFill>
+                <a:srgbClr val="000000"/>
+              </a:solidFill>
+              <a:latin typeface="Arial"/>
+            </a:endParaRPr>
+          </a:p>
+        </p:txBody>
+      </p:sp>
+      <p:sp>
+        <p:nvSpPr>
+          <p:cNvPr id="153" name="PlaceHolder 4"/>
+          <p:cNvSpPr>
+            <a:spLocks noGrp="1"/>
+          </p:cNvSpPr>
+          <p:nvPr>
+            <p:ph/>
+          </p:nvPr>
+        </p:nvSpPr>
+        <p:spPr>
+          <a:xfrm>
+            <a:off x="457200" y="3682080"/>
+            <a:ext cx="4015800" cy="1896840"/>
+          </a:xfrm>
+          <a:prstGeom prst="rect">
+            <a:avLst/>
+          </a:prstGeom>
+          <a:noFill/>
+          <a:ln w="0">
+            <a:noFill/>
+          </a:ln>
+        </p:spPr>
+        <p:txBody>
+          <a:bodyPr lIns="0" rIns="0" tIns="0" bIns="0" anchor="t">
+            <a:normAutofit/>
+          </a:bodyPr>
+          <a:p>
+            <a:pPr indent="0">
+              <a:spcBef>
+                <a:spcPts val="1417"/>
+              </a:spcBef>
+              <a:buNone/>
+            </a:pPr>
+            <a:endParaRPr b="0" lang="en-US" sz="3200" spc="-1" strike="noStrike">
+              <a:solidFill>
+                <a:srgbClr val="000000"/>
+              </a:solidFill>
+              <a:latin typeface="Arial"/>
+            </a:endParaRPr>
+          </a:p>
+        </p:txBody>
+      </p:sp>
+      <p:sp>
+        <p:nvSpPr>
+          <p:cNvPr id="154" name="PlaceHolder 5"/>
+          <p:cNvSpPr>
+            <a:spLocks noGrp="1"/>
+          </p:cNvSpPr>
+          <p:nvPr>
+            <p:ph/>
+          </p:nvPr>
+        </p:nvSpPr>
+        <p:spPr>
+          <a:xfrm>
+            <a:off x="4674240" y="3682080"/>
+            <a:ext cx="4015800" cy="1896840"/>
+          </a:xfrm>
+          <a:prstGeom prst="rect">
+            <a:avLst/>
+          </a:prstGeom>
+          <a:noFill/>
+          <a:ln w="0">
+            <a:noFill/>
+          </a:ln>
+        </p:spPr>
+        <p:txBody>
+          <a:bodyPr lIns="0" rIns="0" tIns="0" bIns="0" anchor="t">
+            <a:normAutofit/>
+          </a:bodyPr>
+          <a:p>
+            <a:pPr indent="0">
+              <a:spcBef>
+                <a:spcPts val="1417"/>
+              </a:spcBef>
+              <a:buNone/>
+            </a:pPr>
+            <a:endParaRPr b="0" lang="en-US" sz="3200" spc="-1" strike="noStrike">
+              <a:solidFill>
+                <a:srgbClr val="000000"/>
+              </a:solidFill>
+              <a:latin typeface="Arial"/>
+            </a:endParaRPr>
+          </a:p>
+        </p:txBody>
+      </p:sp>
+      <p:sp>
+        <p:nvSpPr>
+          <p:cNvPr id="7" name="PlaceHolder 6"/>
+          <p:cNvSpPr>
+            <a:spLocks noGrp="1"/>
+          </p:cNvSpPr>
+          <p:nvPr>
+            <p:ph type="ftr" idx="10"/>
+          </p:nvPr>
+        </p:nvSpPr>
+        <p:spPr/>
+        <p:txBody>
+          <a:bodyPr/>
+          <a:p>
+            <a:r>
+              <a:t>Footer</a:t>
+            </a:r>
+          </a:p>
+        </p:txBody>
+      </p:sp>
+      <p:sp>
+        <p:nvSpPr>
+          <p:cNvPr id="8" name="PlaceHolder 7"/>
+          <p:cNvSpPr>
+            <a:spLocks noGrp="1"/>
+          </p:cNvSpPr>
+          <p:nvPr>
+            <p:ph type="sldNum" idx="11"/>
+          </p:nvPr>
+        </p:nvSpPr>
+        <p:spPr/>
+        <p:txBody>
+          <a:bodyPr/>
+          <a:p>
+            <a:fld id="{FF4897C7-2D95-422D-8B73-AD320EB64021}" type="slidenum">
+              <a:t>&lt;#&gt;</a:t>
+            </a:fld>
+          </a:p>
+        </p:txBody>
+      </p:sp>
+      <p:sp>
+        <p:nvSpPr>
+          <p:cNvPr id="9" name="PlaceHolder 8"/>
+          <p:cNvSpPr>
+            <a:spLocks noGrp="1"/>
+          </p:cNvSpPr>
+          <p:nvPr>
+            <p:ph type="dt" idx="12"/>
+          </p:nvPr>
+        </p:nvSpPr>
+        <p:spPr/>
+        <p:txBody>
+          <a:bodyPr/>
+          <a:p>
+            <a:r>
+              <a:rPr lang="en-US"/>
+              <a:t/>
+            </a:r>
+          </a:p>
+        </p:txBody>
+      </p:sp>
+    </p:spTree>
+  </p:cSld>
+</p:sldLayout>
+</file>
+
+<file path=ppt/slideLayouts/slideLayout48.xml><?xml version="1.0" encoding="utf-8"?>
+<p:sldLayout xmlns:a="http://schemas.openxmlformats.org/drawingml/2006/main" xmlns:p="http://schemas.openxmlformats.org/presentationml/2006/main" xmlns:r="http://schemas.openxmlformats.org/officeDocument/2006/relationships" xmlns:p14="http://schemas.microsoft.com/office/powerpoint/2010/main" xmlns:p15="http://schemas.microsoft.com/office/powerpoint/2012/main" xmlns:mc="http://schemas.openxmlformats.org/markup-compatibility/2006" type="blank" preserve="1">
+  <p:cSld name="Title, 6 Content">
+    <p:spTree>
+      <p:nvGrpSpPr>
+        <p:cNvPr id="1" name=""/>
+        <p:cNvGrpSpPr/>
+        <p:nvPr/>
+      </p:nvGrpSpPr>
+      <p:grpSpPr>
+        <a:xfrm>
+          <a:off x="0" y="0"/>
+          <a:ext cx="0" cy="0"/>
+          <a:chOff x="0" y="0"/>
+          <a:chExt cx="0" cy="0"/>
+        </a:xfrm>
+      </p:grpSpPr>
+      <p:sp>
+        <p:nvSpPr>
+          <p:cNvPr id="155" name="PlaceHolder 1"/>
+          <p:cNvSpPr>
+            <a:spLocks noGrp="1"/>
+          </p:cNvSpPr>
+          <p:nvPr>
+            <p:ph type="title"/>
+          </p:nvPr>
+        </p:nvSpPr>
+        <p:spPr>
+          <a:xfrm>
+            <a:off x="457200" y="273600"/>
+            <a:ext cx="8229240" cy="1144800"/>
+          </a:xfrm>
+          <a:prstGeom prst="rect">
+            <a:avLst/>
+          </a:prstGeom>
+          <a:noFill/>
+          <a:ln w="0">
+            <a:noFill/>
+          </a:ln>
+        </p:spPr>
+        <p:txBody>
+          <a:bodyPr lIns="0" rIns="0" tIns="0" bIns="0" anchor="ctr">
+            <a:noAutofit/>
+          </a:bodyPr>
+          <a:p>
+            <a:pPr indent="0" algn="ctr">
+              <a:buNone/>
+            </a:pPr>
+            <a:endParaRPr b="0" lang="en-US" sz="4400" spc="-1" strike="noStrike">
+              <a:solidFill>
+                <a:srgbClr val="000000"/>
+              </a:solidFill>
+              <a:latin typeface="Arial"/>
+            </a:endParaRPr>
+          </a:p>
+        </p:txBody>
+      </p:sp>
+      <p:sp>
+        <p:nvSpPr>
+          <p:cNvPr id="156" name="PlaceHolder 2"/>
+          <p:cNvSpPr>
+            <a:spLocks noGrp="1"/>
+          </p:cNvSpPr>
+          <p:nvPr>
+            <p:ph/>
+          </p:nvPr>
+        </p:nvSpPr>
+        <p:spPr>
+          <a:xfrm>
+            <a:off x="457200" y="1604520"/>
+            <a:ext cx="2649600" cy="1896840"/>
+          </a:xfrm>
+          <a:prstGeom prst="rect">
+            <a:avLst/>
+          </a:prstGeom>
+          <a:noFill/>
+          <a:ln w="0">
+            <a:noFill/>
+          </a:ln>
+        </p:spPr>
+        <p:txBody>
+          <a:bodyPr lIns="0" rIns="0" tIns="0" bIns="0" anchor="t">
+            <a:normAutofit/>
+          </a:bodyPr>
+          <a:p>
+            <a:pPr indent="0">
+              <a:spcBef>
+                <a:spcPts val="1417"/>
+              </a:spcBef>
+              <a:buNone/>
+            </a:pPr>
+            <a:endParaRPr b="0" lang="en-US" sz="3200" spc="-1" strike="noStrike">
+              <a:solidFill>
+                <a:srgbClr val="000000"/>
+              </a:solidFill>
+              <a:latin typeface="Arial"/>
+            </a:endParaRPr>
+          </a:p>
+        </p:txBody>
+      </p:sp>
+      <p:sp>
+        <p:nvSpPr>
+          <p:cNvPr id="157" name="PlaceHolder 3"/>
+          <p:cNvSpPr>
+            <a:spLocks noGrp="1"/>
+          </p:cNvSpPr>
+          <p:nvPr>
+            <p:ph/>
+          </p:nvPr>
+        </p:nvSpPr>
+        <p:spPr>
+          <a:xfrm>
+            <a:off x="3239640" y="1604520"/>
+            <a:ext cx="2649600" cy="1896840"/>
+          </a:xfrm>
+          <a:prstGeom prst="rect">
+            <a:avLst/>
+          </a:prstGeom>
+          <a:noFill/>
+          <a:ln w="0">
+            <a:noFill/>
+          </a:ln>
+        </p:spPr>
+        <p:txBody>
+          <a:bodyPr lIns="0" rIns="0" tIns="0" bIns="0" anchor="t">
+            <a:normAutofit/>
+          </a:bodyPr>
+          <a:p>
+            <a:pPr indent="0">
+              <a:spcBef>
+                <a:spcPts val="1417"/>
+              </a:spcBef>
+              <a:buNone/>
+            </a:pPr>
+            <a:endParaRPr b="0" lang="en-US" sz="3200" spc="-1" strike="noStrike">
+              <a:solidFill>
+                <a:srgbClr val="000000"/>
+              </a:solidFill>
+              <a:latin typeface="Arial"/>
+            </a:endParaRPr>
+          </a:p>
+        </p:txBody>
+      </p:sp>
+      <p:sp>
+        <p:nvSpPr>
+          <p:cNvPr id="158" name="PlaceHolder 4"/>
+          <p:cNvSpPr>
+            <a:spLocks noGrp="1"/>
+          </p:cNvSpPr>
+          <p:nvPr>
+            <p:ph/>
+          </p:nvPr>
+        </p:nvSpPr>
+        <p:spPr>
+          <a:xfrm>
+            <a:off x="6022080" y="1604520"/>
+            <a:ext cx="2649600" cy="1896840"/>
+          </a:xfrm>
+          <a:prstGeom prst="rect">
+            <a:avLst/>
+          </a:prstGeom>
+          <a:noFill/>
+          <a:ln w="0">
+            <a:noFill/>
+          </a:ln>
+        </p:spPr>
+        <p:txBody>
+          <a:bodyPr lIns="0" rIns="0" tIns="0" bIns="0" anchor="t">
+            <a:normAutofit/>
+          </a:bodyPr>
+          <a:p>
+            <a:pPr indent="0">
+              <a:spcBef>
+                <a:spcPts val="1417"/>
+              </a:spcBef>
+              <a:buNone/>
+            </a:pPr>
+            <a:endParaRPr b="0" lang="en-US" sz="3200" spc="-1" strike="noStrike">
+              <a:solidFill>
+                <a:srgbClr val="000000"/>
+              </a:solidFill>
+              <a:latin typeface="Arial"/>
+            </a:endParaRPr>
+          </a:p>
+        </p:txBody>
+      </p:sp>
+      <p:sp>
+        <p:nvSpPr>
+          <p:cNvPr id="159" name="PlaceHolder 5"/>
+          <p:cNvSpPr>
+            <a:spLocks noGrp="1"/>
+          </p:cNvSpPr>
+          <p:nvPr>
+            <p:ph/>
+          </p:nvPr>
+        </p:nvSpPr>
+        <p:spPr>
+          <a:xfrm>
+            <a:off x="457200" y="3682080"/>
+            <a:ext cx="2649600" cy="1896840"/>
+          </a:xfrm>
+          <a:prstGeom prst="rect">
+            <a:avLst/>
+          </a:prstGeom>
+          <a:noFill/>
+          <a:ln w="0">
+            <a:noFill/>
+          </a:ln>
+        </p:spPr>
+        <p:txBody>
+          <a:bodyPr lIns="0" rIns="0" tIns="0" bIns="0" anchor="t">
+            <a:normAutofit/>
+          </a:bodyPr>
+          <a:p>
+            <a:pPr indent="0">
+              <a:spcBef>
+                <a:spcPts val="1417"/>
+              </a:spcBef>
+              <a:buNone/>
+            </a:pPr>
+            <a:endParaRPr b="0" lang="en-US" sz="3200" spc="-1" strike="noStrike">
+              <a:solidFill>
+                <a:srgbClr val="000000"/>
+              </a:solidFill>
+              <a:latin typeface="Arial"/>
+            </a:endParaRPr>
+          </a:p>
+        </p:txBody>
+      </p:sp>
+      <p:sp>
+        <p:nvSpPr>
+          <p:cNvPr id="160" name="PlaceHolder 6"/>
+          <p:cNvSpPr>
+            <a:spLocks noGrp="1"/>
+          </p:cNvSpPr>
+          <p:nvPr>
+            <p:ph/>
+          </p:nvPr>
+        </p:nvSpPr>
+        <p:spPr>
+          <a:xfrm>
+            <a:off x="3239640" y="3682080"/>
+            <a:ext cx="2649600" cy="1896840"/>
+          </a:xfrm>
+          <a:prstGeom prst="rect">
+            <a:avLst/>
+          </a:prstGeom>
+          <a:noFill/>
+          <a:ln w="0">
+            <a:noFill/>
+          </a:ln>
+        </p:spPr>
+        <p:txBody>
+          <a:bodyPr lIns="0" rIns="0" tIns="0" bIns="0" anchor="t">
+            <a:normAutofit/>
+          </a:bodyPr>
+          <a:p>
+            <a:pPr indent="0">
+              <a:spcBef>
+                <a:spcPts val="1417"/>
+              </a:spcBef>
+              <a:buNone/>
+            </a:pPr>
+            <a:endParaRPr b="0" lang="en-US" sz="3200" spc="-1" strike="noStrike">
+              <a:solidFill>
+                <a:srgbClr val="000000"/>
+              </a:solidFill>
+              <a:latin typeface="Arial"/>
+            </a:endParaRPr>
+          </a:p>
+        </p:txBody>
+      </p:sp>
+      <p:sp>
+        <p:nvSpPr>
+          <p:cNvPr id="161" name="PlaceHolder 7"/>
+          <p:cNvSpPr>
+            <a:spLocks noGrp="1"/>
+          </p:cNvSpPr>
+          <p:nvPr>
+            <p:ph/>
+          </p:nvPr>
+        </p:nvSpPr>
+        <p:spPr>
+          <a:xfrm>
+            <a:off x="6022080" y="3682080"/>
+            <a:ext cx="2649600" cy="1896840"/>
+          </a:xfrm>
+          <a:prstGeom prst="rect">
+            <a:avLst/>
+          </a:prstGeom>
+          <a:noFill/>
+          <a:ln w="0">
+            <a:noFill/>
+          </a:ln>
+        </p:spPr>
+        <p:txBody>
+          <a:bodyPr lIns="0" rIns="0" tIns="0" bIns="0" anchor="t">
+            <a:normAutofit/>
+          </a:bodyPr>
+          <a:p>
+            <a:pPr indent="0">
+              <a:spcBef>
+                <a:spcPts val="1417"/>
+              </a:spcBef>
+              <a:buNone/>
+            </a:pPr>
+            <a:endParaRPr b="0" lang="en-US" sz="3200" spc="-1" strike="noStrike">
+              <a:solidFill>
+                <a:srgbClr val="000000"/>
+              </a:solidFill>
+              <a:latin typeface="Arial"/>
+            </a:endParaRPr>
+          </a:p>
+        </p:txBody>
+      </p:sp>
+      <p:sp>
+        <p:nvSpPr>
+          <p:cNvPr id="9" name="PlaceHolder 8"/>
+          <p:cNvSpPr>
+            <a:spLocks noGrp="1"/>
+          </p:cNvSpPr>
+          <p:nvPr>
+            <p:ph type="ftr" idx="10"/>
+          </p:nvPr>
+        </p:nvSpPr>
+        <p:spPr/>
+        <p:txBody>
+          <a:bodyPr/>
+          <a:p>
+            <a:r>
+              <a:t>Footer</a:t>
+            </a:r>
+          </a:p>
+        </p:txBody>
+      </p:sp>
+      <p:sp>
+        <p:nvSpPr>
+          <p:cNvPr id="10" name="PlaceHolder 9"/>
+          <p:cNvSpPr>
+            <a:spLocks noGrp="1"/>
+          </p:cNvSpPr>
+          <p:nvPr>
+            <p:ph type="sldNum" idx="11"/>
+          </p:nvPr>
+        </p:nvSpPr>
+        <p:spPr/>
+        <p:txBody>
+          <a:bodyPr/>
+          <a:p>
+            <a:fld id="{E4A12117-4C91-4B58-A9A8-1149D853511B}" type="slidenum">
+              <a:t>&lt;#&gt;</a:t>
+            </a:fld>
+          </a:p>
+        </p:txBody>
+      </p:sp>
+      <p:sp>
+        <p:nvSpPr>
+          <p:cNvPr id="11" name="PlaceHolder 10"/>
+          <p:cNvSpPr>
+            <a:spLocks noGrp="1"/>
+          </p:cNvSpPr>
+          <p:nvPr>
+            <p:ph type="dt" idx="12"/>
           </p:nvPr>
         </p:nvSpPr>
         <p:spPr/>
@@ -6625,7 +9133,7 @@
         <p:txBody>
           <a:bodyPr/>
           <a:p>
-            <a:fld id="{C13A17C7-EE81-45C9-B7FD-8DFB0E44C18C}" type="slidenum">
+            <a:fld id="{B08DAE81-A090-4BF0-97E3-D5DC6487EFDA}" type="slidenum">
               <a:t>&lt;#&gt;</a:t>
             </a:fld>
           </a:p>
@@ -6746,7 +9254,7 @@
         <p:txBody>
           <a:bodyPr/>
           <a:p>
-            <a:fld id="{010EC02A-5E4E-4AF9-881E-7019E10BFAC6}" type="slidenum">
+            <a:fld id="{1FD919D2-93C3-43D1-A0CD-DC885DA968D7}" type="slidenum">
               <a:t>&lt;#&gt;</a:t>
             </a:fld>
           </a:p>
@@ -6998,7 +9506,7 @@
         <p:txBody>
           <a:bodyPr/>
           <a:p>
-            <a:fld id="{E5F7683F-BE69-41E4-9429-C68C8F253558}" type="slidenum">
+            <a:fld id="{2387C661-5CEB-4865-A5AD-0E9355126520}" type="slidenum">
               <a:t>&lt;#&gt;</a:t>
             </a:fld>
           </a:p>
@@ -7250,7 +9758,7 @@
         <p:txBody>
           <a:bodyPr/>
           <a:p>
-            <a:fld id="{20FE9D68-FCF4-41D1-97D2-231293121DF5}" type="slidenum">
+            <a:fld id="{4920CD18-91CE-4FFC-8775-08054E84C2B8}" type="slidenum">
               <a:t>&lt;#&gt;</a:t>
             </a:fld>
           </a:p>
@@ -7502,7 +10010,7 @@
         <p:txBody>
           <a:bodyPr/>
           <a:p>
-            <a:fld id="{DDB9E90D-29F1-407E-A71B-C4894B50BB09}" type="slidenum">
+            <a:fld id="{5F7DFA67-1789-4697-ADAB-866217EBFDD2}" type="slidenum">
               <a:t>&lt;#&gt;</a:t>
             </a:fld>
           </a:p>
@@ -7571,7 +10079,7 @@
         <p:spPr>
           <a:xfrm>
             <a:off x="3124080" y="6356520"/>
-            <a:ext cx="2893680" cy="363240"/>
+            <a:ext cx="2893320" cy="362880"/>
           </a:xfrm>
           <a:prstGeom prst="rect">
             <a:avLst/>
@@ -7643,7 +10151,7 @@
         <p:spPr>
           <a:xfrm>
             <a:off x="6553080" y="6356520"/>
-            <a:ext cx="2131920" cy="363240"/>
+            <a:ext cx="2131560" cy="362880"/>
           </a:xfrm>
           <a:prstGeom prst="rect">
             <a:avLst/>
@@ -7684,7 +10192,7 @@
                 <a:tab algn="l" pos="0"/>
               </a:tabLst>
             </a:pPr>
-            <a:fld id="{DB203660-362A-4335-90C2-60D2F0C6354A}" type="slidenum">
+            <a:fld id="{21F6AD3F-E05E-466E-A29D-F1D1EF5DD70A}" type="slidenum">
               <a:rPr b="0" lang="en-US" sz="1200" spc="-1" strike="noStrike">
                 <a:solidFill>
                   <a:srgbClr val="8b8b8b"/>
@@ -7715,7 +10223,7 @@
         <p:spPr>
           <a:xfrm>
             <a:off x="457200" y="6356520"/>
-            <a:ext cx="2131920" cy="363240"/>
+            <a:ext cx="2131560" cy="362880"/>
           </a:xfrm>
           <a:prstGeom prst="rect">
             <a:avLst/>
@@ -8093,7 +10601,7 @@
         <p:spPr>
           <a:xfrm>
             <a:off x="3124080" y="6356520"/>
-            <a:ext cx="2893680" cy="363240"/>
+            <a:ext cx="2893320" cy="362880"/>
           </a:xfrm>
           <a:prstGeom prst="rect">
             <a:avLst/>
@@ -8165,7 +10673,7 @@
         <p:spPr>
           <a:xfrm>
             <a:off x="6553080" y="6356520"/>
-            <a:ext cx="2131920" cy="363240"/>
+            <a:ext cx="2131560" cy="362880"/>
           </a:xfrm>
           <a:prstGeom prst="rect">
             <a:avLst/>
@@ -8206,7 +10714,7 @@
                 <a:tab algn="l" pos="0"/>
               </a:tabLst>
             </a:pPr>
-            <a:fld id="{88FF4686-6B1A-4ADF-960B-EFACA387D408}" type="slidenum">
+            <a:fld id="{C35203B9-1E64-4E87-8E7D-893C4AE59ECC}" type="slidenum">
               <a:rPr b="0" lang="en-US" sz="1200" spc="-1" strike="noStrike">
                 <a:solidFill>
                   <a:srgbClr val="8b8b8b"/>
@@ -8237,7 +10745,7 @@
         <p:spPr>
           <a:xfrm>
             <a:off x="457200" y="6356520"/>
-            <a:ext cx="2131920" cy="363240"/>
+            <a:ext cx="2131560" cy="362880"/>
           </a:xfrm>
           <a:prstGeom prst="rect">
             <a:avLst/>
@@ -8280,6 +10788,280 @@
                 <a:srgbClr val="000000"/>
               </a:solidFill>
               <a:latin typeface="Times New Roman"/>
+            </a:endParaRPr>
+          </a:p>
+        </p:txBody>
+      </p:sp>
+      <p:sp>
+        <p:nvSpPr>
+          <p:cNvPr id="44" name="PlaceHolder 4"/>
+          <p:cNvSpPr>
+            <a:spLocks noGrp="1"/>
+          </p:cNvSpPr>
+          <p:nvPr>
+            <p:ph type="title"/>
+          </p:nvPr>
+        </p:nvSpPr>
+        <p:spPr>
+          <a:xfrm>
+            <a:off x="457200" y="273600"/>
+            <a:ext cx="8229240" cy="1144800"/>
+          </a:xfrm>
+          <a:prstGeom prst="rect">
+            <a:avLst/>
+          </a:prstGeom>
+          <a:noFill/>
+          <a:ln w="0">
+            <a:noFill/>
+          </a:ln>
+        </p:spPr>
+        <p:txBody>
+          <a:bodyPr lIns="0" rIns="0" tIns="0" bIns="0" anchor="ctr">
+            <a:noAutofit/>
+          </a:bodyPr>
+          <a:p>
+            <a:pPr indent="0" algn="ctr">
+              <a:buNone/>
+            </a:pPr>
+            <a:r>
+              <a:rPr b="0" lang="en-US" sz="4400" spc="-1" strike="noStrike">
+                <a:solidFill>
+                  <a:srgbClr val="000000"/>
+                </a:solidFill>
+                <a:latin typeface="Arial"/>
+              </a:rPr>
+              <a:t>Click to edit the title text format</a:t>
+            </a:r>
+            <a:endParaRPr b="0" lang="en-US" sz="4400" spc="-1" strike="noStrike">
+              <a:solidFill>
+                <a:srgbClr val="000000"/>
+              </a:solidFill>
+              <a:latin typeface="Arial"/>
+            </a:endParaRPr>
+          </a:p>
+        </p:txBody>
+      </p:sp>
+      <p:sp>
+        <p:nvSpPr>
+          <p:cNvPr id="45" name="PlaceHolder 5"/>
+          <p:cNvSpPr>
+            <a:spLocks noGrp="1"/>
+          </p:cNvSpPr>
+          <p:nvPr>
+            <p:ph type="body"/>
+          </p:nvPr>
+        </p:nvSpPr>
+        <p:spPr>
+          <a:xfrm>
+            <a:off x="457200" y="1604520"/>
+            <a:ext cx="8229240" cy="3977280"/>
+          </a:xfrm>
+          <a:prstGeom prst="rect">
+            <a:avLst/>
+          </a:prstGeom>
+          <a:noFill/>
+          <a:ln w="0">
+            <a:noFill/>
+          </a:ln>
+        </p:spPr>
+        <p:txBody>
+          <a:bodyPr lIns="0" rIns="0" tIns="0" bIns="0" anchor="t">
+            <a:normAutofit/>
+          </a:bodyPr>
+          <a:p>
+            <a:pPr marL="432000" indent="-324000">
+              <a:spcBef>
+                <a:spcPts val="1417"/>
+              </a:spcBef>
+              <a:buClr>
+                <a:srgbClr val="000000"/>
+              </a:buClr>
+              <a:buSzPct val="45000"/>
+              <a:buFont typeface="Wingdings" charset="2"/>
+              <a:buChar char=""/>
+            </a:pPr>
+            <a:r>
+              <a:rPr b="0" lang="en-US" sz="3200" spc="-1" strike="noStrike">
+                <a:solidFill>
+                  <a:srgbClr val="000000"/>
+                </a:solidFill>
+                <a:latin typeface="Arial"/>
+              </a:rPr>
+              <a:t>Click to edit the outline text format</a:t>
+            </a:r>
+            <a:endParaRPr b="0" lang="en-US" sz="3200" spc="-1" strike="noStrike">
+              <a:solidFill>
+                <a:srgbClr val="000000"/>
+              </a:solidFill>
+              <a:latin typeface="Arial"/>
+            </a:endParaRPr>
+          </a:p>
+          <a:p>
+            <a:pPr lvl="1" marL="864000" indent="-324000">
+              <a:spcBef>
+                <a:spcPts val="1134"/>
+              </a:spcBef>
+              <a:buClr>
+                <a:srgbClr val="000000"/>
+              </a:buClr>
+              <a:buSzPct val="75000"/>
+              <a:buFont typeface="Symbol" charset="2"/>
+              <a:buChar char=""/>
+            </a:pPr>
+            <a:r>
+              <a:rPr b="0" lang="en-US" sz="2800" spc="-1" strike="noStrike">
+                <a:solidFill>
+                  <a:srgbClr val="000000"/>
+                </a:solidFill>
+                <a:latin typeface="Arial"/>
+              </a:rPr>
+              <a:t>Second Outline Level</a:t>
+            </a:r>
+            <a:endParaRPr b="0" lang="en-US" sz="2800" spc="-1" strike="noStrike">
+              <a:solidFill>
+                <a:srgbClr val="000000"/>
+              </a:solidFill>
+              <a:latin typeface="Arial"/>
+            </a:endParaRPr>
+          </a:p>
+          <a:p>
+            <a:pPr lvl="2" marL="1296000" indent="-288000">
+              <a:spcBef>
+                <a:spcPts val="850"/>
+              </a:spcBef>
+              <a:buClr>
+                <a:srgbClr val="000000"/>
+              </a:buClr>
+              <a:buSzPct val="45000"/>
+              <a:buFont typeface="Wingdings" charset="2"/>
+              <a:buChar char=""/>
+            </a:pPr>
+            <a:r>
+              <a:rPr b="0" lang="en-US" sz="2400" spc="-1" strike="noStrike">
+                <a:solidFill>
+                  <a:srgbClr val="000000"/>
+                </a:solidFill>
+                <a:latin typeface="Arial"/>
+              </a:rPr>
+              <a:t>Third Outline Level</a:t>
+            </a:r>
+            <a:endParaRPr b="0" lang="en-US" sz="2400" spc="-1" strike="noStrike">
+              <a:solidFill>
+                <a:srgbClr val="000000"/>
+              </a:solidFill>
+              <a:latin typeface="Arial"/>
+            </a:endParaRPr>
+          </a:p>
+          <a:p>
+            <a:pPr lvl="3" marL="1728000" indent="-216000">
+              <a:spcBef>
+                <a:spcPts val="567"/>
+              </a:spcBef>
+              <a:buClr>
+                <a:srgbClr val="000000"/>
+              </a:buClr>
+              <a:buSzPct val="75000"/>
+              <a:buFont typeface="Symbol" charset="2"/>
+              <a:buChar char=""/>
+            </a:pPr>
+            <a:r>
+              <a:rPr b="0" lang="en-US" sz="2000" spc="-1" strike="noStrike">
+                <a:solidFill>
+                  <a:srgbClr val="000000"/>
+                </a:solidFill>
+                <a:latin typeface="Arial"/>
+              </a:rPr>
+              <a:t>Fourth Outline Level</a:t>
+            </a:r>
+            <a:endParaRPr b="0" lang="en-US" sz="2000" spc="-1" strike="noStrike">
+              <a:solidFill>
+                <a:srgbClr val="000000"/>
+              </a:solidFill>
+              <a:latin typeface="Arial"/>
+            </a:endParaRPr>
+          </a:p>
+          <a:p>
+            <a:pPr lvl="4" marL="2160000" indent="-216000">
+              <a:spcBef>
+                <a:spcPts val="283"/>
+              </a:spcBef>
+              <a:buClr>
+                <a:srgbClr val="000000"/>
+              </a:buClr>
+              <a:buSzPct val="45000"/>
+              <a:buFont typeface="Wingdings" charset="2"/>
+              <a:buChar char=""/>
+            </a:pPr>
+            <a:r>
+              <a:rPr b="0" lang="en-US" sz="2000" spc="-1" strike="noStrike">
+                <a:solidFill>
+                  <a:srgbClr val="000000"/>
+                </a:solidFill>
+                <a:latin typeface="Arial"/>
+              </a:rPr>
+              <a:t>Fifth Outline Level</a:t>
+            </a:r>
+            <a:endParaRPr b="0" lang="en-US" sz="2000" spc="-1" strike="noStrike">
+              <a:solidFill>
+                <a:srgbClr val="000000"/>
+              </a:solidFill>
+              <a:latin typeface="Arial"/>
+            </a:endParaRPr>
+          </a:p>
+          <a:p>
+            <a:pPr lvl="5" marL="2592000" indent="-216000">
+              <a:spcBef>
+                <a:spcPts val="283"/>
+              </a:spcBef>
+              <a:buClr>
+                <a:srgbClr val="000000"/>
+              </a:buClr>
+              <a:buSzPct val="45000"/>
+              <a:buFont typeface="Wingdings" charset="2"/>
+              <a:buChar char=""/>
+            </a:pPr>
+            <a:r>
+              <a:rPr b="0" lang="en-US" sz="2000" spc="-1" strike="noStrike">
+                <a:solidFill>
+                  <a:srgbClr val="000000"/>
+                </a:solidFill>
+                <a:latin typeface="Arial"/>
+              </a:rPr>
+              <a:t>Sixth Outline Level</a:t>
+            </a:r>
+            <a:endParaRPr b="0" lang="en-US" sz="2000" spc="-1" strike="noStrike">
+              <a:solidFill>
+                <a:srgbClr val="000000"/>
+              </a:solidFill>
+              <a:latin typeface="Arial"/>
+            </a:endParaRPr>
+          </a:p>
+          <a:p>
+            <a:pPr lvl="6" marL="3024000" indent="-216000">
+              <a:spcBef>
+                <a:spcPts val="283"/>
+              </a:spcBef>
+              <a:buClr>
+                <a:srgbClr val="000000"/>
+              </a:buClr>
+              <a:buSzPct val="45000"/>
+              <a:buFont typeface="Wingdings" charset="2"/>
+              <a:buChar char=""/>
+            </a:pPr>
+            <a:r>
+              <a:rPr b="0" lang="en-US" sz="2000" spc="-1" strike="noStrike">
+                <a:solidFill>
+                  <a:srgbClr val="000000"/>
+                </a:solidFill>
+                <a:latin typeface="Arial"/>
+              </a:rPr>
+              <a:t>Seventh Outline Level</a:t>
+            </a:r>
+            <a:endParaRPr b="0" lang="en-US" sz="2000" spc="-1" strike="noStrike">
+              <a:solidFill>
+                <a:srgbClr val="000000"/>
+              </a:solidFill>
+              <a:latin typeface="Arial"/>
             </a:endParaRPr>
           </a:p>
         </p:txBody>
@@ -8330,7 +11112,7 @@
       </p:grpSpPr>
       <p:sp>
         <p:nvSpPr>
-          <p:cNvPr id="80" name="PlaceHolder 1"/>
+          <p:cNvPr id="82" name="PlaceHolder 1"/>
           <p:cNvSpPr>
             <a:spLocks noGrp="1"/>
           </p:cNvSpPr>
@@ -8341,7 +11123,7 @@
         <p:spPr>
           <a:xfrm>
             <a:off x="3124080" y="6356520"/>
-            <a:ext cx="2894400" cy="363960"/>
+            <a:ext cx="2894040" cy="363600"/>
           </a:xfrm>
           <a:prstGeom prst="rect">
             <a:avLst/>
@@ -8402,7 +11184,7 @@
       </p:sp>
       <p:sp>
         <p:nvSpPr>
-          <p:cNvPr id="81" name="PlaceHolder 2"/>
+          <p:cNvPr id="83" name="PlaceHolder 2"/>
           <p:cNvSpPr>
             <a:spLocks noGrp="1"/>
           </p:cNvSpPr>
@@ -8413,7 +11195,7 @@
         <p:spPr>
           <a:xfrm>
             <a:off x="6553080" y="6356520"/>
-            <a:ext cx="2132640" cy="363960"/>
+            <a:ext cx="2132280" cy="363600"/>
           </a:xfrm>
           <a:prstGeom prst="rect">
             <a:avLst/>
@@ -8454,7 +11236,7 @@
                 <a:tab algn="l" pos="0"/>
               </a:tabLst>
             </a:pPr>
-            <a:fld id="{09EBB320-73E0-41A2-BB10-86E4CFF1AD79}" type="slidenum">
+            <a:fld id="{C8AB67B9-27F6-41B5-AA46-ECA938B054D8}" type="slidenum">
               <a:rPr b="0" lang="en-US" sz="1200" spc="-1" strike="noStrike">
                 <a:solidFill>
                   <a:srgbClr val="8b8b8b"/>
@@ -8474,7 +11256,7 @@
       </p:sp>
       <p:sp>
         <p:nvSpPr>
-          <p:cNvPr id="82" name="PlaceHolder 3"/>
+          <p:cNvPr id="84" name="PlaceHolder 3"/>
           <p:cNvSpPr>
             <a:spLocks noGrp="1"/>
           </p:cNvSpPr>
@@ -8485,7 +11267,7 @@
         <p:spPr>
           <a:xfrm>
             <a:off x="457200" y="6356520"/>
-            <a:ext cx="2132640" cy="363960"/>
+            <a:ext cx="2132280" cy="363600"/>
           </a:xfrm>
           <a:prstGeom prst="rect">
             <a:avLst/>
@@ -8528,280 +11310,6 @@
                 <a:srgbClr val="000000"/>
               </a:solidFill>
               <a:latin typeface="Times New Roman"/>
-            </a:endParaRPr>
-          </a:p>
-        </p:txBody>
-      </p:sp>
-      <p:sp>
-        <p:nvSpPr>
-          <p:cNvPr id="83" name="PlaceHolder 4"/>
-          <p:cNvSpPr>
-            <a:spLocks noGrp="1"/>
-          </p:cNvSpPr>
-          <p:nvPr>
-            <p:ph type="title"/>
-          </p:nvPr>
-        </p:nvSpPr>
-        <p:spPr>
-          <a:xfrm>
-            <a:off x="457200" y="273600"/>
-            <a:ext cx="8229240" cy="1144800"/>
-          </a:xfrm>
-          <a:prstGeom prst="rect">
-            <a:avLst/>
-          </a:prstGeom>
-          <a:noFill/>
-          <a:ln w="0">
-            <a:noFill/>
-          </a:ln>
-        </p:spPr>
-        <p:txBody>
-          <a:bodyPr lIns="0" rIns="0" tIns="0" bIns="0" anchor="ctr">
-            <a:noAutofit/>
-          </a:bodyPr>
-          <a:p>
-            <a:pPr indent="0" algn="ctr">
-              <a:buNone/>
-            </a:pPr>
-            <a:r>
-              <a:rPr b="0" lang="en-US" sz="4400" spc="-1" strike="noStrike">
-                <a:solidFill>
-                  <a:srgbClr val="000000"/>
-                </a:solidFill>
-                <a:latin typeface="Arial"/>
-              </a:rPr>
-              <a:t>Click to edit the title text format</a:t>
-            </a:r>
-            <a:endParaRPr b="0" lang="en-US" sz="4400" spc="-1" strike="noStrike">
-              <a:solidFill>
-                <a:srgbClr val="000000"/>
-              </a:solidFill>
-              <a:latin typeface="Arial"/>
-            </a:endParaRPr>
-          </a:p>
-        </p:txBody>
-      </p:sp>
-      <p:sp>
-        <p:nvSpPr>
-          <p:cNvPr id="84" name="PlaceHolder 5"/>
-          <p:cNvSpPr>
-            <a:spLocks noGrp="1"/>
-          </p:cNvSpPr>
-          <p:nvPr>
-            <p:ph type="body"/>
-          </p:nvPr>
-        </p:nvSpPr>
-        <p:spPr>
-          <a:xfrm>
-            <a:off x="457200" y="1604520"/>
-            <a:ext cx="8229240" cy="3977280"/>
-          </a:xfrm>
-          <a:prstGeom prst="rect">
-            <a:avLst/>
-          </a:prstGeom>
-          <a:noFill/>
-          <a:ln w="0">
-            <a:noFill/>
-          </a:ln>
-        </p:spPr>
-        <p:txBody>
-          <a:bodyPr lIns="0" rIns="0" tIns="0" bIns="0" anchor="t">
-            <a:normAutofit/>
-          </a:bodyPr>
-          <a:p>
-            <a:pPr marL="432000" indent="-324000">
-              <a:spcBef>
-                <a:spcPts val="1417"/>
-              </a:spcBef>
-              <a:buClr>
-                <a:srgbClr val="000000"/>
-              </a:buClr>
-              <a:buSzPct val="45000"/>
-              <a:buFont typeface="Wingdings" charset="2"/>
-              <a:buChar char=""/>
-            </a:pPr>
-            <a:r>
-              <a:rPr b="0" lang="en-US" sz="3200" spc="-1" strike="noStrike">
-                <a:solidFill>
-                  <a:srgbClr val="000000"/>
-                </a:solidFill>
-                <a:latin typeface="Arial"/>
-              </a:rPr>
-              <a:t>Click to edit the outline text format</a:t>
-            </a:r>
-            <a:endParaRPr b="0" lang="en-US" sz="3200" spc="-1" strike="noStrike">
-              <a:solidFill>
-                <a:srgbClr val="000000"/>
-              </a:solidFill>
-              <a:latin typeface="Arial"/>
-            </a:endParaRPr>
-          </a:p>
-          <a:p>
-            <a:pPr lvl="1" marL="864000" indent="-324000">
-              <a:spcBef>
-                <a:spcPts val="1134"/>
-              </a:spcBef>
-              <a:buClr>
-                <a:srgbClr val="000000"/>
-              </a:buClr>
-              <a:buSzPct val="75000"/>
-              <a:buFont typeface="Symbol" charset="2"/>
-              <a:buChar char=""/>
-            </a:pPr>
-            <a:r>
-              <a:rPr b="0" lang="en-US" sz="2800" spc="-1" strike="noStrike">
-                <a:solidFill>
-                  <a:srgbClr val="000000"/>
-                </a:solidFill>
-                <a:latin typeface="Arial"/>
-              </a:rPr>
-              <a:t>Second Outline Level</a:t>
-            </a:r>
-            <a:endParaRPr b="0" lang="en-US" sz="2800" spc="-1" strike="noStrike">
-              <a:solidFill>
-                <a:srgbClr val="000000"/>
-              </a:solidFill>
-              <a:latin typeface="Arial"/>
-            </a:endParaRPr>
-          </a:p>
-          <a:p>
-            <a:pPr lvl="2" marL="1296000" indent="-288000">
-              <a:spcBef>
-                <a:spcPts val="850"/>
-              </a:spcBef>
-              <a:buClr>
-                <a:srgbClr val="000000"/>
-              </a:buClr>
-              <a:buSzPct val="45000"/>
-              <a:buFont typeface="Wingdings" charset="2"/>
-              <a:buChar char=""/>
-            </a:pPr>
-            <a:r>
-              <a:rPr b="0" lang="en-US" sz="2400" spc="-1" strike="noStrike">
-                <a:solidFill>
-                  <a:srgbClr val="000000"/>
-                </a:solidFill>
-                <a:latin typeface="Arial"/>
-              </a:rPr>
-              <a:t>Third Outline Level</a:t>
-            </a:r>
-            <a:endParaRPr b="0" lang="en-US" sz="2400" spc="-1" strike="noStrike">
-              <a:solidFill>
-                <a:srgbClr val="000000"/>
-              </a:solidFill>
-              <a:latin typeface="Arial"/>
-            </a:endParaRPr>
-          </a:p>
-          <a:p>
-            <a:pPr lvl="3" marL="1728000" indent="-216000">
-              <a:spcBef>
-                <a:spcPts val="567"/>
-              </a:spcBef>
-              <a:buClr>
-                <a:srgbClr val="000000"/>
-              </a:buClr>
-              <a:buSzPct val="75000"/>
-              <a:buFont typeface="Symbol" charset="2"/>
-              <a:buChar char=""/>
-            </a:pPr>
-            <a:r>
-              <a:rPr b="0" lang="en-US" sz="2000" spc="-1" strike="noStrike">
-                <a:solidFill>
-                  <a:srgbClr val="000000"/>
-                </a:solidFill>
-                <a:latin typeface="Arial"/>
-              </a:rPr>
-              <a:t>Fourth Outline Level</a:t>
-            </a:r>
-            <a:endParaRPr b="0" lang="en-US" sz="2000" spc="-1" strike="noStrike">
-              <a:solidFill>
-                <a:srgbClr val="000000"/>
-              </a:solidFill>
-              <a:latin typeface="Arial"/>
-            </a:endParaRPr>
-          </a:p>
-          <a:p>
-            <a:pPr lvl="4" marL="2160000" indent="-216000">
-              <a:spcBef>
-                <a:spcPts val="283"/>
-              </a:spcBef>
-              <a:buClr>
-                <a:srgbClr val="000000"/>
-              </a:buClr>
-              <a:buSzPct val="45000"/>
-              <a:buFont typeface="Wingdings" charset="2"/>
-              <a:buChar char=""/>
-            </a:pPr>
-            <a:r>
-              <a:rPr b="0" lang="en-US" sz="2000" spc="-1" strike="noStrike">
-                <a:solidFill>
-                  <a:srgbClr val="000000"/>
-                </a:solidFill>
-                <a:latin typeface="Arial"/>
-              </a:rPr>
-              <a:t>Fifth Outline Level</a:t>
-            </a:r>
-            <a:endParaRPr b="0" lang="en-US" sz="2000" spc="-1" strike="noStrike">
-              <a:solidFill>
-                <a:srgbClr val="000000"/>
-              </a:solidFill>
-              <a:latin typeface="Arial"/>
-            </a:endParaRPr>
-          </a:p>
-          <a:p>
-            <a:pPr lvl="5" marL="2592000" indent="-216000">
-              <a:spcBef>
-                <a:spcPts val="283"/>
-              </a:spcBef>
-              <a:buClr>
-                <a:srgbClr val="000000"/>
-              </a:buClr>
-              <a:buSzPct val="45000"/>
-              <a:buFont typeface="Wingdings" charset="2"/>
-              <a:buChar char=""/>
-            </a:pPr>
-            <a:r>
-              <a:rPr b="0" lang="en-US" sz="2000" spc="-1" strike="noStrike">
-                <a:solidFill>
-                  <a:srgbClr val="000000"/>
-                </a:solidFill>
-                <a:latin typeface="Arial"/>
-              </a:rPr>
-              <a:t>Sixth Outline Level</a:t>
-            </a:r>
-            <a:endParaRPr b="0" lang="en-US" sz="2000" spc="-1" strike="noStrike">
-              <a:solidFill>
-                <a:srgbClr val="000000"/>
-              </a:solidFill>
-              <a:latin typeface="Arial"/>
-            </a:endParaRPr>
-          </a:p>
-          <a:p>
-            <a:pPr lvl="6" marL="3024000" indent="-216000">
-              <a:spcBef>
-                <a:spcPts val="283"/>
-              </a:spcBef>
-              <a:buClr>
-                <a:srgbClr val="000000"/>
-              </a:buClr>
-              <a:buSzPct val="45000"/>
-              <a:buFont typeface="Wingdings" charset="2"/>
-              <a:buChar char=""/>
-            </a:pPr>
-            <a:r>
-              <a:rPr b="0" lang="en-US" sz="2000" spc="-1" strike="noStrike">
-                <a:solidFill>
-                  <a:srgbClr val="000000"/>
-                </a:solidFill>
-                <a:latin typeface="Arial"/>
-              </a:rPr>
-              <a:t>Seventh Outline Level</a:t>
-            </a:r>
-            <a:endParaRPr b="0" lang="en-US" sz="2000" spc="-1" strike="noStrike">
-              <a:solidFill>
-                <a:srgbClr val="000000"/>
-              </a:solidFill>
-              <a:latin typeface="Arial"/>
             </a:endParaRPr>
           </a:p>
         </p:txBody>
@@ -8822,6 +11330,528 @@
     <p:sldLayoutId id="2147483684" r:id="rId11"/>
     <p:sldLayoutId id="2147483685" r:id="rId12"/>
     <p:sldLayoutId id="2147483686" r:id="rId13"/>
+  </p:sldLayoutIdLst>
+</p:sldMaster>
+</file>
+
+<file path=ppt/slideMasters/slideMaster4.xml><?xml version="1.0" encoding="utf-8"?>
+<p:sldMaster xmlns:a="http://schemas.openxmlformats.org/drawingml/2006/main" xmlns:p="http://schemas.openxmlformats.org/presentationml/2006/main" xmlns:r="http://schemas.openxmlformats.org/officeDocument/2006/relationships" xmlns:p14="http://schemas.microsoft.com/office/powerpoint/2010/main" xmlns:p15="http://schemas.microsoft.com/office/powerpoint/2012/main" xmlns:mc="http://schemas.openxmlformats.org/markup-compatibility/2006">
+  <p:cSld>
+    <p:bg>
+      <p:bgPr>
+        <a:solidFill>
+          <a:srgbClr val="ffffff"/>
+        </a:solidFill>
+      </p:bgPr>
+    </p:bg>
+    <p:spTree>
+      <p:nvGrpSpPr>
+        <p:cNvPr id="1" name=""/>
+        <p:cNvGrpSpPr/>
+        <p:nvPr/>
+      </p:nvGrpSpPr>
+      <p:grpSpPr>
+        <a:xfrm>
+          <a:off x="0" y="0"/>
+          <a:ext cx="0" cy="0"/>
+          <a:chOff x="0" y="0"/>
+          <a:chExt cx="0" cy="0"/>
+        </a:xfrm>
+      </p:grpSpPr>
+      <p:sp>
+        <p:nvSpPr>
+          <p:cNvPr id="121" name="PlaceHolder 1"/>
+          <p:cNvSpPr>
+            <a:spLocks noGrp="1"/>
+          </p:cNvSpPr>
+          <p:nvPr>
+            <p:ph type="ftr" idx="10"/>
+          </p:nvPr>
+        </p:nvSpPr>
+        <p:spPr>
+          <a:xfrm>
+            <a:off x="3124080" y="6356520"/>
+            <a:ext cx="2894400" cy="363960"/>
+          </a:xfrm>
+          <a:prstGeom prst="rect">
+            <a:avLst/>
+          </a:prstGeom>
+          <a:noFill/>
+          <a:ln w="0">
+            <a:noFill/>
+          </a:ln>
+        </p:spPr>
+        <p:txBody>
+          <a:bodyPr lIns="90000" rIns="90000" tIns="45000" bIns="45000" anchor="ctr">
+            <a:noAutofit/>
+          </a:bodyPr>
+          <a:lstStyle>
+            <a:lvl1pPr indent="0" algn="ctr">
+              <a:lnSpc>
+                <a:spcPct val="100000"/>
+              </a:lnSpc>
+              <a:buNone/>
+              <a:tabLst>
+                <a:tab algn="l" pos="0"/>
+              </a:tabLst>
+              <a:defRPr b="0" lang="en-US" sz="1400" spc="-1" strike="noStrike">
+                <a:solidFill>
+                  <a:srgbClr val="000000"/>
+                </a:solidFill>
+                <a:latin typeface="Times New Roman"/>
+              </a:defRPr>
+            </a:lvl1pPr>
+          </a:lstStyle>
+          <a:p>
+            <a:pPr indent="0" algn="ctr">
+              <a:lnSpc>
+                <a:spcPct val="100000"/>
+              </a:lnSpc>
+              <a:buNone/>
+              <a:tabLst>
+                <a:tab algn="l" pos="0"/>
+              </a:tabLst>
+            </a:pPr>
+            <a:r>
+              <a:rPr b="0" lang="en-US" sz="1400" spc="-1" strike="noStrike">
+                <a:solidFill>
+                  <a:srgbClr val="000000"/>
+                </a:solidFill>
+                <a:latin typeface="Times New Roman"/>
+              </a:rPr>
+              <a:t>&lt;footer&gt;</a:t>
+            </a:r>
+            <a:endParaRPr b="0" lang="en-US" sz="1400" spc="-1" strike="noStrike">
+              <a:solidFill>
+                <a:srgbClr val="000000"/>
+              </a:solidFill>
+              <a:latin typeface="Times New Roman"/>
+            </a:endParaRPr>
+          </a:p>
+        </p:txBody>
+      </p:sp>
+      <p:sp>
+        <p:nvSpPr>
+          <p:cNvPr id="122" name="PlaceHolder 2"/>
+          <p:cNvSpPr>
+            <a:spLocks noGrp="1"/>
+          </p:cNvSpPr>
+          <p:nvPr>
+            <p:ph type="sldNum" idx="11"/>
+          </p:nvPr>
+        </p:nvSpPr>
+        <p:spPr>
+          <a:xfrm>
+            <a:off x="6553080" y="6356520"/>
+            <a:ext cx="2132640" cy="363960"/>
+          </a:xfrm>
+          <a:prstGeom prst="rect">
+            <a:avLst/>
+          </a:prstGeom>
+          <a:noFill/>
+          <a:ln w="0">
+            <a:noFill/>
+          </a:ln>
+        </p:spPr>
+        <p:txBody>
+          <a:bodyPr lIns="90000" rIns="90000" tIns="45000" bIns="45000" anchor="ctr">
+            <a:noAutofit/>
+          </a:bodyPr>
+          <a:lstStyle>
+            <a:lvl1pPr indent="0" algn="r">
+              <a:lnSpc>
+                <a:spcPct val="100000"/>
+              </a:lnSpc>
+              <a:buNone/>
+              <a:tabLst>
+                <a:tab algn="l" pos="0"/>
+              </a:tabLst>
+              <a:defRPr b="0" lang="en-US" sz="1200" spc="-1" strike="noStrike">
+                <a:solidFill>
+                  <a:srgbClr val="8b8b8b"/>
+                </a:solidFill>
+                <a:latin typeface="Calibri"/>
+              </a:defRPr>
+            </a:lvl1pPr>
+          </a:lstStyle>
+          <a:p>
+            <a:pPr indent="0" algn="r">
+              <a:lnSpc>
+                <a:spcPct val="100000"/>
+              </a:lnSpc>
+              <a:buNone/>
+              <a:tabLst>
+                <a:tab algn="l" pos="0"/>
+              </a:tabLst>
+            </a:pPr>
+            <a:fld id="{7F17FFFE-CBFB-4F9E-A7E0-73852D899210}" type="slidenum">
+              <a:rPr b="0" lang="en-US" sz="1200" spc="-1" strike="noStrike">
+                <a:solidFill>
+                  <a:srgbClr val="8b8b8b"/>
+                </a:solidFill>
+                <a:latin typeface="Calibri"/>
+              </a:rPr>
+              <a:t>&lt;number&gt;</a:t>
+            </a:fld>
+            <a:endParaRPr b="0" lang="en-US" sz="1200" spc="-1" strike="noStrike">
+              <a:solidFill>
+                <a:srgbClr val="000000"/>
+              </a:solidFill>
+              <a:latin typeface="Times New Roman"/>
+            </a:endParaRPr>
+          </a:p>
+        </p:txBody>
+      </p:sp>
+      <p:sp>
+        <p:nvSpPr>
+          <p:cNvPr id="123" name="PlaceHolder 3"/>
+          <p:cNvSpPr>
+            <a:spLocks noGrp="1"/>
+          </p:cNvSpPr>
+          <p:nvPr>
+            <p:ph type="dt" idx="12"/>
+          </p:nvPr>
+        </p:nvSpPr>
+        <p:spPr>
+          <a:xfrm>
+            <a:off x="457200" y="6356520"/>
+            <a:ext cx="2132640" cy="363960"/>
+          </a:xfrm>
+          <a:prstGeom prst="rect">
+            <a:avLst/>
+          </a:prstGeom>
+          <a:noFill/>
+          <a:ln w="0">
+            <a:noFill/>
+          </a:ln>
+        </p:spPr>
+        <p:txBody>
+          <a:bodyPr lIns="90000" rIns="90000" tIns="45000" bIns="45000" anchor="ctr">
+            <a:noAutofit/>
+          </a:bodyPr>
+          <a:lstStyle>
+            <a:lvl1pPr indent="0">
+              <a:buNone/>
+              <a:defRPr b="0" lang="en-US" sz="1400" spc="-1" strike="noStrike">
+                <a:solidFill>
+                  <a:srgbClr val="000000"/>
+                </a:solidFill>
+                <a:latin typeface="Times New Roman"/>
+              </a:defRPr>
+            </a:lvl1pPr>
+          </a:lstStyle>
+          <a:p>
+            <a:pPr indent="0">
+              <a:buNone/>
+            </a:pPr>
+            <a:r>
+              <a:rPr b="0" lang="en-US" sz="1400" spc="-1" strike="noStrike">
+                <a:solidFill>
+                  <a:srgbClr val="000000"/>
+                </a:solidFill>
+                <a:latin typeface="Times New Roman"/>
+              </a:rPr>
+              <a:t>&lt;date/time&gt;</a:t>
+            </a:r>
+            <a:endParaRPr b="0" lang="en-US" sz="1400" spc="-1" strike="noStrike">
+              <a:solidFill>
+                <a:srgbClr val="000000"/>
+              </a:solidFill>
+              <a:latin typeface="Times New Roman"/>
+            </a:endParaRPr>
+          </a:p>
+        </p:txBody>
+      </p:sp>
+      <p:sp>
+        <p:nvSpPr>
+          <p:cNvPr id="124" name="PlaceHolder 4"/>
+          <p:cNvSpPr>
+            <a:spLocks noGrp="1"/>
+          </p:cNvSpPr>
+          <p:nvPr>
+            <p:ph type="title"/>
+          </p:nvPr>
+        </p:nvSpPr>
+        <p:spPr>
+          <a:xfrm>
+            <a:off x="457200" y="273600"/>
+            <a:ext cx="8229240" cy="1144800"/>
+          </a:xfrm>
+          <a:prstGeom prst="rect">
+            <a:avLst/>
+          </a:prstGeom>
+          <a:noFill/>
+          <a:ln w="0">
+            <a:noFill/>
+          </a:ln>
+        </p:spPr>
+        <p:txBody>
+          <a:bodyPr lIns="0" rIns="0" tIns="0" bIns="0" anchor="ctr">
+            <a:noAutofit/>
+          </a:bodyPr>
+          <a:p>
+            <a:pPr indent="0" algn="ctr">
+              <a:buNone/>
+            </a:pPr>
+            <a:r>
+              <a:rPr b="0" lang="en-US" sz="4400" spc="-1" strike="noStrike">
+                <a:solidFill>
+                  <a:srgbClr val="000000"/>
+                </a:solidFill>
+                <a:latin typeface="Arial"/>
+              </a:rPr>
+              <a:t>Click to edit the title text format</a:t>
+            </a:r>
+            <a:endParaRPr b="0" lang="en-US" sz="4400" spc="-1" strike="noStrike">
+              <a:solidFill>
+                <a:srgbClr val="000000"/>
+              </a:solidFill>
+              <a:latin typeface="Arial"/>
+            </a:endParaRPr>
+          </a:p>
+        </p:txBody>
+      </p:sp>
+      <p:sp>
+        <p:nvSpPr>
+          <p:cNvPr id="125" name="PlaceHolder 5"/>
+          <p:cNvSpPr>
+            <a:spLocks noGrp="1"/>
+          </p:cNvSpPr>
+          <p:nvPr>
+            <p:ph type="body"/>
+          </p:nvPr>
+        </p:nvSpPr>
+        <p:spPr>
+          <a:xfrm>
+            <a:off x="457200" y="1604520"/>
+            <a:ext cx="8229240" cy="3977280"/>
+          </a:xfrm>
+          <a:prstGeom prst="rect">
+            <a:avLst/>
+          </a:prstGeom>
+          <a:noFill/>
+          <a:ln w="0">
+            <a:noFill/>
+          </a:ln>
+        </p:spPr>
+        <p:txBody>
+          <a:bodyPr lIns="0" rIns="0" tIns="0" bIns="0" anchor="t">
+            <a:normAutofit/>
+          </a:bodyPr>
+          <a:p>
+            <a:pPr marL="432000" indent="-324000">
+              <a:spcBef>
+                <a:spcPts val="1417"/>
+              </a:spcBef>
+              <a:buClr>
+                <a:srgbClr val="000000"/>
+              </a:buClr>
+              <a:buSzPct val="45000"/>
+              <a:buFont typeface="Wingdings" charset="2"/>
+              <a:buChar char=""/>
+            </a:pPr>
+            <a:r>
+              <a:rPr b="0" lang="en-US" sz="3200" spc="-1" strike="noStrike">
+                <a:solidFill>
+                  <a:srgbClr val="000000"/>
+                </a:solidFill>
+                <a:latin typeface="Arial"/>
+              </a:rPr>
+              <a:t>Click to edit the outline text format</a:t>
+            </a:r>
+            <a:endParaRPr b="0" lang="en-US" sz="3200" spc="-1" strike="noStrike">
+              <a:solidFill>
+                <a:srgbClr val="000000"/>
+              </a:solidFill>
+              <a:latin typeface="Arial"/>
+            </a:endParaRPr>
+          </a:p>
+          <a:p>
+            <a:pPr lvl="1" marL="864000" indent="-324000">
+              <a:spcBef>
+                <a:spcPts val="1134"/>
+              </a:spcBef>
+              <a:buClr>
+                <a:srgbClr val="000000"/>
+              </a:buClr>
+              <a:buSzPct val="75000"/>
+              <a:buFont typeface="Symbol" charset="2"/>
+              <a:buChar char=""/>
+            </a:pPr>
+            <a:r>
+              <a:rPr b="0" lang="en-US" sz="2800" spc="-1" strike="noStrike">
+                <a:solidFill>
+                  <a:srgbClr val="000000"/>
+                </a:solidFill>
+                <a:latin typeface="Arial"/>
+              </a:rPr>
+              <a:t>Second Outline Level</a:t>
+            </a:r>
+            <a:endParaRPr b="0" lang="en-US" sz="2800" spc="-1" strike="noStrike">
+              <a:solidFill>
+                <a:srgbClr val="000000"/>
+              </a:solidFill>
+              <a:latin typeface="Arial"/>
+            </a:endParaRPr>
+          </a:p>
+          <a:p>
+            <a:pPr lvl="2" marL="1296000" indent="-288000">
+              <a:spcBef>
+                <a:spcPts val="850"/>
+              </a:spcBef>
+              <a:buClr>
+                <a:srgbClr val="000000"/>
+              </a:buClr>
+              <a:buSzPct val="45000"/>
+              <a:buFont typeface="Wingdings" charset="2"/>
+              <a:buChar char=""/>
+            </a:pPr>
+            <a:r>
+              <a:rPr b="0" lang="en-US" sz="2400" spc="-1" strike="noStrike">
+                <a:solidFill>
+                  <a:srgbClr val="000000"/>
+                </a:solidFill>
+                <a:latin typeface="Arial"/>
+              </a:rPr>
+              <a:t>Third Outline Level</a:t>
+            </a:r>
+            <a:endParaRPr b="0" lang="en-US" sz="2400" spc="-1" strike="noStrike">
+              <a:solidFill>
+                <a:srgbClr val="000000"/>
+              </a:solidFill>
+              <a:latin typeface="Arial"/>
+            </a:endParaRPr>
+          </a:p>
+          <a:p>
+            <a:pPr lvl="3" marL="1728000" indent="-216000">
+              <a:spcBef>
+                <a:spcPts val="567"/>
+              </a:spcBef>
+              <a:buClr>
+                <a:srgbClr val="000000"/>
+              </a:buClr>
+              <a:buSzPct val="75000"/>
+              <a:buFont typeface="Symbol" charset="2"/>
+              <a:buChar char=""/>
+            </a:pPr>
+            <a:r>
+              <a:rPr b="0" lang="en-US" sz="2000" spc="-1" strike="noStrike">
+                <a:solidFill>
+                  <a:srgbClr val="000000"/>
+                </a:solidFill>
+                <a:latin typeface="Arial"/>
+              </a:rPr>
+              <a:t>Fourth Outline Level</a:t>
+            </a:r>
+            <a:endParaRPr b="0" lang="en-US" sz="2000" spc="-1" strike="noStrike">
+              <a:solidFill>
+                <a:srgbClr val="000000"/>
+              </a:solidFill>
+              <a:latin typeface="Arial"/>
+            </a:endParaRPr>
+          </a:p>
+          <a:p>
+            <a:pPr lvl="4" marL="2160000" indent="-216000">
+              <a:spcBef>
+                <a:spcPts val="283"/>
+              </a:spcBef>
+              <a:buClr>
+                <a:srgbClr val="000000"/>
+              </a:buClr>
+              <a:buSzPct val="45000"/>
+              <a:buFont typeface="Wingdings" charset="2"/>
+              <a:buChar char=""/>
+            </a:pPr>
+            <a:r>
+              <a:rPr b="0" lang="en-US" sz="2000" spc="-1" strike="noStrike">
+                <a:solidFill>
+                  <a:srgbClr val="000000"/>
+                </a:solidFill>
+                <a:latin typeface="Arial"/>
+              </a:rPr>
+              <a:t>Fifth Outline Level</a:t>
+            </a:r>
+            <a:endParaRPr b="0" lang="en-US" sz="2000" spc="-1" strike="noStrike">
+              <a:solidFill>
+                <a:srgbClr val="000000"/>
+              </a:solidFill>
+              <a:latin typeface="Arial"/>
+            </a:endParaRPr>
+          </a:p>
+          <a:p>
+            <a:pPr lvl="5" marL="2592000" indent="-216000">
+              <a:spcBef>
+                <a:spcPts val="283"/>
+              </a:spcBef>
+              <a:buClr>
+                <a:srgbClr val="000000"/>
+              </a:buClr>
+              <a:buSzPct val="45000"/>
+              <a:buFont typeface="Wingdings" charset="2"/>
+              <a:buChar char=""/>
+            </a:pPr>
+            <a:r>
+              <a:rPr b="0" lang="en-US" sz="2000" spc="-1" strike="noStrike">
+                <a:solidFill>
+                  <a:srgbClr val="000000"/>
+                </a:solidFill>
+                <a:latin typeface="Arial"/>
+              </a:rPr>
+              <a:t>Sixth Outline Level</a:t>
+            </a:r>
+            <a:endParaRPr b="0" lang="en-US" sz="2000" spc="-1" strike="noStrike">
+              <a:solidFill>
+                <a:srgbClr val="000000"/>
+              </a:solidFill>
+              <a:latin typeface="Arial"/>
+            </a:endParaRPr>
+          </a:p>
+          <a:p>
+            <a:pPr lvl="6" marL="3024000" indent="-216000">
+              <a:spcBef>
+                <a:spcPts val="283"/>
+              </a:spcBef>
+              <a:buClr>
+                <a:srgbClr val="000000"/>
+              </a:buClr>
+              <a:buSzPct val="45000"/>
+              <a:buFont typeface="Wingdings" charset="2"/>
+              <a:buChar char=""/>
+            </a:pPr>
+            <a:r>
+              <a:rPr b="0" lang="en-US" sz="2000" spc="-1" strike="noStrike">
+                <a:solidFill>
+                  <a:srgbClr val="000000"/>
+                </a:solidFill>
+                <a:latin typeface="Arial"/>
+              </a:rPr>
+              <a:t>Seventh Outline Level</a:t>
+            </a:r>
+            <a:endParaRPr b="0" lang="en-US" sz="2000" spc="-1" strike="noStrike">
+              <a:solidFill>
+                <a:srgbClr val="000000"/>
+              </a:solidFill>
+              <a:latin typeface="Arial"/>
+            </a:endParaRPr>
+          </a:p>
+        </p:txBody>
+      </p:sp>
+    </p:spTree>
+  </p:cSld>
+  <p:clrMap bg1="lt1" bg2="lt2" tx1="dk1" tx2="dk2" accent1="accent1" accent2="accent2" accent3="accent3" accent4="accent4" accent5="accent5" accent6="accent6" hlink="hlink" folHlink="folHlink"/>
+  <p:sldLayoutIdLst>
+    <p:sldLayoutId id="2147483688" r:id="rId2"/>
+    <p:sldLayoutId id="2147483689" r:id="rId3"/>
+    <p:sldLayoutId id="2147483690" r:id="rId4"/>
+    <p:sldLayoutId id="2147483691" r:id="rId5"/>
+    <p:sldLayoutId id="2147483692" r:id="rId6"/>
+    <p:sldLayoutId id="2147483693" r:id="rId7"/>
+    <p:sldLayoutId id="2147483694" r:id="rId8"/>
+    <p:sldLayoutId id="2147483695" r:id="rId9"/>
+    <p:sldLayoutId id="2147483696" r:id="rId10"/>
+    <p:sldLayoutId id="2147483697" r:id="rId11"/>
+    <p:sldLayoutId id="2147483698" r:id="rId12"/>
+    <p:sldLayoutId id="2147483699" r:id="rId13"/>
   </p:sldLayoutIdLst>
 </p:sldMaster>
 </file>
@@ -8845,14 +11875,14 @@
       </p:grpSpPr>
       <p:sp>
         <p:nvSpPr>
-          <p:cNvPr id="121" name="Rectangle 1"/>
+          <p:cNvPr id="162" name="Rectangle 1"/>
           <p:cNvSpPr/>
           <p:nvPr/>
         </p:nvSpPr>
         <p:spPr>
           <a:xfrm>
             <a:off x="0" y="0"/>
-            <a:ext cx="12187080" cy="6856200"/>
+            <a:ext cx="12186720" cy="6855840"/>
           </a:xfrm>
           <a:prstGeom prst="rect">
             <a:avLst/>
@@ -8905,14 +11935,14 @@
       </p:sp>
       <p:sp>
         <p:nvSpPr>
-          <p:cNvPr id="122" name="Rectangle 2"/>
+          <p:cNvPr id="163" name="Rectangle 2"/>
           <p:cNvSpPr/>
           <p:nvPr/>
         </p:nvSpPr>
         <p:spPr>
           <a:xfrm>
             <a:off x="0" y="0"/>
-            <a:ext cx="16560" cy="6856200"/>
+            <a:ext cx="16200" cy="6855840"/>
           </a:xfrm>
           <a:prstGeom prst="rect">
             <a:avLst/>
@@ -8965,14 +11995,14 @@
       </p:sp>
       <p:sp>
         <p:nvSpPr>
-          <p:cNvPr id="123" name="Rectangle 3"/>
+          <p:cNvPr id="164" name="Rectangle 3"/>
           <p:cNvSpPr/>
           <p:nvPr/>
         </p:nvSpPr>
         <p:spPr>
           <a:xfrm>
             <a:off x="914400" y="0"/>
-            <a:ext cx="16560" cy="6856200"/>
+            <a:ext cx="16200" cy="6855840"/>
           </a:xfrm>
           <a:prstGeom prst="rect">
             <a:avLst/>
@@ -9025,14 +12055,14 @@
       </p:sp>
       <p:sp>
         <p:nvSpPr>
-          <p:cNvPr id="124" name="Rectangle 4"/>
+          <p:cNvPr id="165" name="Rectangle 4"/>
           <p:cNvSpPr/>
           <p:nvPr/>
         </p:nvSpPr>
         <p:spPr>
           <a:xfrm>
             <a:off x="1828800" y="0"/>
-            <a:ext cx="16560" cy="6856200"/>
+            <a:ext cx="16200" cy="6855840"/>
           </a:xfrm>
           <a:prstGeom prst="rect">
             <a:avLst/>
@@ -9085,14 +12115,14 @@
       </p:sp>
       <p:sp>
         <p:nvSpPr>
-          <p:cNvPr id="125" name="Rectangle 5"/>
+          <p:cNvPr id="166" name="Rectangle 5"/>
           <p:cNvSpPr/>
           <p:nvPr/>
         </p:nvSpPr>
         <p:spPr>
           <a:xfrm>
             <a:off x="2743200" y="0"/>
-            <a:ext cx="16560" cy="6856200"/>
+            <a:ext cx="16200" cy="6855840"/>
           </a:xfrm>
           <a:prstGeom prst="rect">
             <a:avLst/>
@@ -9145,14 +12175,14 @@
       </p:sp>
       <p:sp>
         <p:nvSpPr>
-          <p:cNvPr id="126" name="Rectangle 6"/>
+          <p:cNvPr id="167" name="Rectangle 6"/>
           <p:cNvSpPr/>
           <p:nvPr/>
         </p:nvSpPr>
         <p:spPr>
           <a:xfrm>
             <a:off x="3657600" y="0"/>
-            <a:ext cx="16560" cy="6856200"/>
+            <a:ext cx="16200" cy="6855840"/>
           </a:xfrm>
           <a:prstGeom prst="rect">
             <a:avLst/>
@@ -9205,14 +12235,14 @@
       </p:sp>
       <p:sp>
         <p:nvSpPr>
-          <p:cNvPr id="127" name="Rectangle 7"/>
+          <p:cNvPr id="168" name="Rectangle 7"/>
           <p:cNvSpPr/>
           <p:nvPr/>
         </p:nvSpPr>
         <p:spPr>
           <a:xfrm>
             <a:off x="4572000" y="0"/>
-            <a:ext cx="16560" cy="6856200"/>
+            <a:ext cx="16200" cy="6855840"/>
           </a:xfrm>
           <a:prstGeom prst="rect">
             <a:avLst/>
@@ -9265,14 +12295,14 @@
       </p:sp>
       <p:sp>
         <p:nvSpPr>
-          <p:cNvPr id="128" name="Rectangle 8"/>
+          <p:cNvPr id="169" name="Rectangle 8"/>
           <p:cNvSpPr/>
           <p:nvPr/>
         </p:nvSpPr>
         <p:spPr>
           <a:xfrm>
             <a:off x="5486400" y="0"/>
-            <a:ext cx="16560" cy="6856200"/>
+            <a:ext cx="16200" cy="6855840"/>
           </a:xfrm>
           <a:prstGeom prst="rect">
             <a:avLst/>
@@ -9325,14 +12355,14 @@
       </p:sp>
       <p:sp>
         <p:nvSpPr>
-          <p:cNvPr id="129" name="Rectangle 9"/>
+          <p:cNvPr id="170" name="Rectangle 9"/>
           <p:cNvSpPr/>
           <p:nvPr/>
         </p:nvSpPr>
         <p:spPr>
           <a:xfrm>
             <a:off x="6400800" y="0"/>
-            <a:ext cx="16560" cy="6856200"/>
+            <a:ext cx="16200" cy="6855840"/>
           </a:xfrm>
           <a:prstGeom prst="rect">
             <a:avLst/>
@@ -9385,14 +12415,14 @@
       </p:sp>
       <p:sp>
         <p:nvSpPr>
-          <p:cNvPr id="130" name="Rectangle 10"/>
+          <p:cNvPr id="171" name="Rectangle 10"/>
           <p:cNvSpPr/>
           <p:nvPr/>
         </p:nvSpPr>
         <p:spPr>
           <a:xfrm>
             <a:off x="7315200" y="0"/>
-            <a:ext cx="16560" cy="6856200"/>
+            <a:ext cx="16200" cy="6855840"/>
           </a:xfrm>
           <a:prstGeom prst="rect">
             <a:avLst/>
@@ -9445,14 +12475,14 @@
       </p:sp>
       <p:sp>
         <p:nvSpPr>
-          <p:cNvPr id="131" name="Rectangle 11"/>
+          <p:cNvPr id="172" name="Rectangle 11"/>
           <p:cNvSpPr/>
           <p:nvPr/>
         </p:nvSpPr>
         <p:spPr>
           <a:xfrm>
             <a:off x="8229600" y="0"/>
-            <a:ext cx="16560" cy="6856200"/>
+            <a:ext cx="16200" cy="6855840"/>
           </a:xfrm>
           <a:prstGeom prst="rect">
             <a:avLst/>
@@ -9505,14 +12535,14 @@
       </p:sp>
       <p:sp>
         <p:nvSpPr>
-          <p:cNvPr id="132" name="Rectangle 12"/>
+          <p:cNvPr id="173" name="Rectangle 12"/>
           <p:cNvSpPr/>
           <p:nvPr/>
         </p:nvSpPr>
         <p:spPr>
           <a:xfrm>
             <a:off x="9144000" y="0"/>
-            <a:ext cx="16560" cy="6856200"/>
+            <a:ext cx="16200" cy="6855840"/>
           </a:xfrm>
           <a:prstGeom prst="rect">
             <a:avLst/>
@@ -9565,14 +12595,14 @@
       </p:sp>
       <p:sp>
         <p:nvSpPr>
-          <p:cNvPr id="133" name="Rectangle 13"/>
+          <p:cNvPr id="174" name="Rectangle 13"/>
           <p:cNvSpPr/>
           <p:nvPr/>
         </p:nvSpPr>
         <p:spPr>
           <a:xfrm>
             <a:off x="10058400" y="0"/>
-            <a:ext cx="16560" cy="6856200"/>
+            <a:ext cx="16200" cy="6855840"/>
           </a:xfrm>
           <a:prstGeom prst="rect">
             <a:avLst/>
@@ -9625,14 +12655,14 @@
       </p:sp>
       <p:sp>
         <p:nvSpPr>
-          <p:cNvPr id="134" name="Rectangle 14"/>
+          <p:cNvPr id="175" name="Rectangle 14"/>
           <p:cNvSpPr/>
           <p:nvPr/>
         </p:nvSpPr>
         <p:spPr>
           <a:xfrm>
             <a:off x="10972800" y="0"/>
-            <a:ext cx="16560" cy="6856200"/>
+            <a:ext cx="16200" cy="6855840"/>
           </a:xfrm>
           <a:prstGeom prst="rect">
             <a:avLst/>
@@ -9685,14 +12715,14 @@
       </p:sp>
       <p:sp>
         <p:nvSpPr>
-          <p:cNvPr id="135" name="Rectangle 15"/>
+          <p:cNvPr id="176" name="Rectangle 15"/>
           <p:cNvSpPr/>
           <p:nvPr/>
         </p:nvSpPr>
         <p:spPr>
           <a:xfrm>
             <a:off x="11887200" y="0"/>
-            <a:ext cx="16560" cy="6856200"/>
+            <a:ext cx="16200" cy="6855840"/>
           </a:xfrm>
           <a:prstGeom prst="rect">
             <a:avLst/>
@@ -9745,14 +12775,14 @@
       </p:sp>
       <p:sp>
         <p:nvSpPr>
-          <p:cNvPr id="136" name="Rectangle 16"/>
+          <p:cNvPr id="177" name="Rectangle 16"/>
           <p:cNvSpPr/>
           <p:nvPr/>
         </p:nvSpPr>
         <p:spPr>
           <a:xfrm>
             <a:off x="0" y="0"/>
-            <a:ext cx="318240" cy="6856200"/>
+            <a:ext cx="317880" cy="6855840"/>
           </a:xfrm>
           <a:prstGeom prst="rect">
             <a:avLst/>
@@ -9805,14 +12835,14 @@
       </p:sp>
       <p:sp>
         <p:nvSpPr>
-          <p:cNvPr id="137" name="Rounded Rectangle 17"/>
+          <p:cNvPr id="178" name="Rounded Rectangle 17"/>
           <p:cNvSpPr/>
           <p:nvPr/>
         </p:nvSpPr>
         <p:spPr>
           <a:xfrm>
             <a:off x="9875520" y="365760"/>
-            <a:ext cx="2009880" cy="501120"/>
+            <a:ext cx="2009520" cy="500760"/>
           </a:xfrm>
           <a:prstGeom prst="roundRect">
             <a:avLst>
@@ -9879,14 +12909,14 @@
       </p:sp>
       <p:sp>
         <p:nvSpPr>
-          <p:cNvPr id="138" name="TextBox 18"/>
+          <p:cNvPr id="179" name="TextBox 18"/>
           <p:cNvSpPr/>
           <p:nvPr/>
         </p:nvSpPr>
         <p:spPr>
           <a:xfrm>
             <a:off x="1730160" y="1005840"/>
-            <a:ext cx="7511040" cy="820800"/>
+            <a:ext cx="7510680" cy="820800"/>
           </a:xfrm>
           <a:prstGeom prst="rect">
             <a:avLst/>
@@ -9933,14 +12963,14 @@
       </p:sp>
       <p:sp>
         <p:nvSpPr>
-          <p:cNvPr id="139" name="TextBox 19"/>
+          <p:cNvPr id="180" name="TextBox 19"/>
           <p:cNvSpPr/>
           <p:nvPr/>
         </p:nvSpPr>
         <p:spPr>
           <a:xfrm>
             <a:off x="3707640" y="2057400"/>
-            <a:ext cx="3556440" cy="379080"/>
+            <a:ext cx="3556080" cy="379080"/>
           </a:xfrm>
           <a:prstGeom prst="rect">
             <a:avLst/>
@@ -9987,14 +13017,14 @@
       </p:sp>
       <p:sp>
         <p:nvSpPr>
-          <p:cNvPr id="140" name="Rounded Rectangle 20"/>
+          <p:cNvPr id="181" name="Rounded Rectangle 20"/>
           <p:cNvSpPr/>
           <p:nvPr/>
         </p:nvSpPr>
         <p:spPr>
           <a:xfrm>
             <a:off x="987480" y="3182040"/>
-            <a:ext cx="3290040" cy="2741400"/>
+            <a:ext cx="3289680" cy="2741040"/>
           </a:xfrm>
           <a:prstGeom prst="roundRect">
             <a:avLst>
@@ -10049,14 +13079,14 @@
       </p:sp>
       <p:sp>
         <p:nvSpPr>
-          <p:cNvPr id="141" name="Rounded Rectangle 21"/>
+          <p:cNvPr id="182" name="Rounded Rectangle 21"/>
           <p:cNvSpPr/>
           <p:nvPr/>
         </p:nvSpPr>
         <p:spPr>
           <a:xfrm>
             <a:off x="685800" y="2521440"/>
-            <a:ext cx="3428280" cy="3328920"/>
+            <a:ext cx="3427920" cy="3328560"/>
           </a:xfrm>
           <a:prstGeom prst="roundRect">
             <a:avLst>
@@ -10462,14 +13492,14 @@
       </p:sp>
       <p:sp>
         <p:nvSpPr>
-          <p:cNvPr id="142" name="Rounded Rectangle 22"/>
+          <p:cNvPr id="183" name="Rounded Rectangle 22"/>
           <p:cNvSpPr/>
           <p:nvPr/>
         </p:nvSpPr>
         <p:spPr>
           <a:xfrm>
             <a:off x="4507920" y="3182040"/>
-            <a:ext cx="3290040" cy="2741400"/>
+            <a:ext cx="3289680" cy="2741040"/>
           </a:xfrm>
           <a:prstGeom prst="roundRect">
             <a:avLst>
@@ -10524,14 +13554,14 @@
       </p:sp>
       <p:sp>
         <p:nvSpPr>
-          <p:cNvPr id="143" name="Rounded Rectangle 23"/>
+          <p:cNvPr id="184" name="Rounded Rectangle 23"/>
           <p:cNvSpPr/>
           <p:nvPr/>
         </p:nvSpPr>
         <p:spPr>
           <a:xfrm>
             <a:off x="4434840" y="3108960"/>
-            <a:ext cx="3290040" cy="2741400"/>
+            <a:ext cx="3289680" cy="2741040"/>
           </a:xfrm>
           <a:prstGeom prst="roundRect">
             <a:avLst>
@@ -10812,14 +13842,14 @@
       </p:sp>
       <p:sp>
         <p:nvSpPr>
-          <p:cNvPr id="144" name="Rounded Rectangle 24"/>
+          <p:cNvPr id="185" name="Rounded Rectangle 24"/>
           <p:cNvSpPr/>
           <p:nvPr/>
         </p:nvSpPr>
         <p:spPr>
           <a:xfrm>
             <a:off x="8028360" y="3182040"/>
-            <a:ext cx="3290040" cy="2741400"/>
+            <a:ext cx="3289680" cy="2741040"/>
           </a:xfrm>
           <a:prstGeom prst="roundRect">
             <a:avLst>
@@ -10874,14 +13904,14 @@
       </p:sp>
       <p:sp>
         <p:nvSpPr>
-          <p:cNvPr id="145" name="Rounded Rectangle 25"/>
+          <p:cNvPr id="186" name="Rounded Rectangle 25"/>
           <p:cNvSpPr/>
           <p:nvPr/>
         </p:nvSpPr>
         <p:spPr>
           <a:xfrm>
             <a:off x="7955280" y="3108960"/>
-            <a:ext cx="3290040" cy="2741400"/>
+            <a:ext cx="3289680" cy="2741040"/>
           </a:xfrm>
           <a:prstGeom prst="roundRect">
             <a:avLst>
@@ -11083,7 +14113,7 @@
       </p:sp>
       <p:sp>
         <p:nvSpPr>
-          <p:cNvPr id="146" name="TextBox 26"/>
+          <p:cNvPr id="187" name="TextBox 26"/>
           <p:cNvSpPr/>
           <p:nvPr/>
         </p:nvSpPr>
@@ -11167,14 +14197,14 @@
       </p:grpSpPr>
       <p:sp>
         <p:nvSpPr>
-          <p:cNvPr id="147" name="Rectangle 32"/>
+          <p:cNvPr id="188" name="Rectangle 32"/>
           <p:cNvSpPr/>
           <p:nvPr/>
         </p:nvSpPr>
         <p:spPr>
           <a:xfrm>
             <a:off x="0" y="0"/>
-            <a:ext cx="12187080" cy="6856200"/>
+            <a:ext cx="12186720" cy="6855840"/>
           </a:xfrm>
           <a:prstGeom prst="rect">
             <a:avLst/>
@@ -11227,14 +14257,14 @@
       </p:sp>
       <p:sp>
         <p:nvSpPr>
-          <p:cNvPr id="148" name="Rectangle 33"/>
+          <p:cNvPr id="189" name="Rectangle 33"/>
           <p:cNvSpPr/>
           <p:nvPr/>
         </p:nvSpPr>
         <p:spPr>
           <a:xfrm>
             <a:off x="0" y="0"/>
-            <a:ext cx="16560" cy="6856200"/>
+            <a:ext cx="16200" cy="6855840"/>
           </a:xfrm>
           <a:prstGeom prst="rect">
             <a:avLst/>
@@ -11287,14 +14317,14 @@
       </p:sp>
       <p:sp>
         <p:nvSpPr>
-          <p:cNvPr id="149" name="Rectangle 34"/>
+          <p:cNvPr id="190" name="Rectangle 34"/>
           <p:cNvSpPr/>
           <p:nvPr/>
         </p:nvSpPr>
         <p:spPr>
           <a:xfrm>
             <a:off x="914400" y="0"/>
-            <a:ext cx="16560" cy="6856200"/>
+            <a:ext cx="16200" cy="6855840"/>
           </a:xfrm>
           <a:prstGeom prst="rect">
             <a:avLst/>
@@ -11347,14 +14377,14 @@
       </p:sp>
       <p:sp>
         <p:nvSpPr>
-          <p:cNvPr id="150" name="Rectangle 35"/>
+          <p:cNvPr id="191" name="Rectangle 35"/>
           <p:cNvSpPr/>
           <p:nvPr/>
         </p:nvSpPr>
         <p:spPr>
           <a:xfrm>
             <a:off x="1828800" y="0"/>
-            <a:ext cx="16560" cy="6856200"/>
+            <a:ext cx="16200" cy="6855840"/>
           </a:xfrm>
           <a:prstGeom prst="rect">
             <a:avLst/>
@@ -11407,14 +14437,14 @@
       </p:sp>
       <p:sp>
         <p:nvSpPr>
-          <p:cNvPr id="151" name="Rectangle 36"/>
+          <p:cNvPr id="192" name="Rectangle 36"/>
           <p:cNvSpPr/>
           <p:nvPr/>
         </p:nvSpPr>
         <p:spPr>
           <a:xfrm>
             <a:off x="2743200" y="0"/>
-            <a:ext cx="16560" cy="6856200"/>
+            <a:ext cx="16200" cy="6855840"/>
           </a:xfrm>
           <a:prstGeom prst="rect">
             <a:avLst/>
@@ -11467,14 +14497,14 @@
       </p:sp>
       <p:sp>
         <p:nvSpPr>
-          <p:cNvPr id="152" name="Rectangle 37"/>
+          <p:cNvPr id="193" name="Rectangle 37"/>
           <p:cNvSpPr/>
           <p:nvPr/>
         </p:nvSpPr>
         <p:spPr>
           <a:xfrm>
             <a:off x="3657600" y="0"/>
-            <a:ext cx="16560" cy="6856200"/>
+            <a:ext cx="16200" cy="6855840"/>
           </a:xfrm>
           <a:prstGeom prst="rect">
             <a:avLst/>
@@ -11527,14 +14557,14 @@
       </p:sp>
       <p:sp>
         <p:nvSpPr>
-          <p:cNvPr id="153" name="Rectangle 38"/>
+          <p:cNvPr id="194" name="Rectangle 38"/>
           <p:cNvSpPr/>
           <p:nvPr/>
         </p:nvSpPr>
         <p:spPr>
           <a:xfrm>
             <a:off x="4572000" y="0"/>
-            <a:ext cx="16560" cy="6856200"/>
+            <a:ext cx="16200" cy="6855840"/>
           </a:xfrm>
           <a:prstGeom prst="rect">
             <a:avLst/>
@@ -11587,14 +14617,14 @@
       </p:sp>
       <p:sp>
         <p:nvSpPr>
-          <p:cNvPr id="154" name="Rectangle 39"/>
+          <p:cNvPr id="195" name="Rectangle 39"/>
           <p:cNvSpPr/>
           <p:nvPr/>
         </p:nvSpPr>
         <p:spPr>
           <a:xfrm>
             <a:off x="5486400" y="0"/>
-            <a:ext cx="16560" cy="6856200"/>
+            <a:ext cx="16200" cy="6855840"/>
           </a:xfrm>
           <a:prstGeom prst="rect">
             <a:avLst/>
@@ -11647,14 +14677,14 @@
       </p:sp>
       <p:sp>
         <p:nvSpPr>
-          <p:cNvPr id="155" name="Rectangle 40"/>
+          <p:cNvPr id="196" name="Rectangle 40"/>
           <p:cNvSpPr/>
           <p:nvPr/>
         </p:nvSpPr>
         <p:spPr>
           <a:xfrm>
             <a:off x="6400800" y="0"/>
-            <a:ext cx="16560" cy="6856200"/>
+            <a:ext cx="16200" cy="6855840"/>
           </a:xfrm>
           <a:prstGeom prst="rect">
             <a:avLst/>
@@ -11707,14 +14737,14 @@
       </p:sp>
       <p:sp>
         <p:nvSpPr>
-          <p:cNvPr id="156" name="Rectangle 41"/>
+          <p:cNvPr id="197" name="Rectangle 41"/>
           <p:cNvSpPr/>
           <p:nvPr/>
         </p:nvSpPr>
         <p:spPr>
           <a:xfrm>
             <a:off x="7315200" y="0"/>
-            <a:ext cx="16560" cy="6856200"/>
+            <a:ext cx="16200" cy="6855840"/>
           </a:xfrm>
           <a:prstGeom prst="rect">
             <a:avLst/>
@@ -11767,14 +14797,14 @@
       </p:sp>
       <p:sp>
         <p:nvSpPr>
-          <p:cNvPr id="157" name="Rectangle 42"/>
+          <p:cNvPr id="198" name="Rectangle 42"/>
           <p:cNvSpPr/>
           <p:nvPr/>
         </p:nvSpPr>
         <p:spPr>
           <a:xfrm>
             <a:off x="8229600" y="0"/>
-            <a:ext cx="16560" cy="6856200"/>
+            <a:ext cx="16200" cy="6855840"/>
           </a:xfrm>
           <a:prstGeom prst="rect">
             <a:avLst/>
@@ -11827,14 +14857,14 @@
       </p:sp>
       <p:sp>
         <p:nvSpPr>
-          <p:cNvPr id="158" name="Rectangle 43"/>
+          <p:cNvPr id="199" name="Rectangle 43"/>
           <p:cNvSpPr/>
           <p:nvPr/>
         </p:nvSpPr>
         <p:spPr>
           <a:xfrm>
             <a:off x="9144000" y="0"/>
-            <a:ext cx="16560" cy="6856200"/>
+            <a:ext cx="16200" cy="6855840"/>
           </a:xfrm>
           <a:prstGeom prst="rect">
             <a:avLst/>
@@ -11887,14 +14917,14 @@
       </p:sp>
       <p:sp>
         <p:nvSpPr>
-          <p:cNvPr id="159" name="Rectangle 44"/>
+          <p:cNvPr id="200" name="Rectangle 44"/>
           <p:cNvSpPr/>
           <p:nvPr/>
         </p:nvSpPr>
         <p:spPr>
           <a:xfrm>
             <a:off x="10058400" y="0"/>
-            <a:ext cx="16560" cy="6856200"/>
+            <a:ext cx="16200" cy="6855840"/>
           </a:xfrm>
           <a:prstGeom prst="rect">
             <a:avLst/>
@@ -11947,14 +14977,14 @@
       </p:sp>
       <p:sp>
         <p:nvSpPr>
-          <p:cNvPr id="160" name="Rectangle 45"/>
+          <p:cNvPr id="201" name="Rectangle 45"/>
           <p:cNvSpPr/>
           <p:nvPr/>
         </p:nvSpPr>
         <p:spPr>
           <a:xfrm>
             <a:off x="10972800" y="0"/>
-            <a:ext cx="16560" cy="6856200"/>
+            <a:ext cx="16200" cy="6855840"/>
           </a:xfrm>
           <a:prstGeom prst="rect">
             <a:avLst/>
@@ -12007,14 +15037,14 @@
       </p:sp>
       <p:sp>
         <p:nvSpPr>
-          <p:cNvPr id="161" name="Rectangle 46"/>
+          <p:cNvPr id="202" name="Rectangle 46"/>
           <p:cNvSpPr/>
           <p:nvPr/>
         </p:nvSpPr>
         <p:spPr>
           <a:xfrm>
             <a:off x="11887200" y="0"/>
-            <a:ext cx="16560" cy="6856200"/>
+            <a:ext cx="16200" cy="6855840"/>
           </a:xfrm>
           <a:prstGeom prst="rect">
             <a:avLst/>
@@ -12067,14 +15097,14 @@
       </p:sp>
       <p:sp>
         <p:nvSpPr>
-          <p:cNvPr id="162" name="Rectangle 47"/>
+          <p:cNvPr id="203" name="Rectangle 47"/>
           <p:cNvSpPr/>
           <p:nvPr/>
         </p:nvSpPr>
         <p:spPr>
           <a:xfrm>
             <a:off x="0" y="0"/>
-            <a:ext cx="318240" cy="6856200"/>
+            <a:ext cx="317880" cy="6855840"/>
           </a:xfrm>
           <a:prstGeom prst="rect">
             <a:avLst/>
@@ -12127,14 +15157,14 @@
       </p:sp>
       <p:sp>
         <p:nvSpPr>
-          <p:cNvPr id="163" name="Rounded Rectangle 8"/>
+          <p:cNvPr id="204" name="Rounded Rectangle 8"/>
           <p:cNvSpPr/>
           <p:nvPr/>
         </p:nvSpPr>
         <p:spPr>
           <a:xfrm>
             <a:off x="9875520" y="365760"/>
-            <a:ext cx="2009880" cy="501120"/>
+            <a:ext cx="2009520" cy="500760"/>
           </a:xfrm>
           <a:prstGeom prst="roundRect">
             <a:avLst>
@@ -12201,14 +15231,14 @@
       </p:sp>
       <p:sp>
         <p:nvSpPr>
-          <p:cNvPr id="164" name="TextBox 4"/>
+          <p:cNvPr id="205" name="TextBox 4"/>
           <p:cNvSpPr/>
           <p:nvPr/>
         </p:nvSpPr>
         <p:spPr>
           <a:xfrm>
             <a:off x="3660120" y="1005840"/>
-            <a:ext cx="3650760" cy="820800"/>
+            <a:ext cx="3650400" cy="820800"/>
           </a:xfrm>
           <a:prstGeom prst="rect">
             <a:avLst/>
@@ -12255,14 +15285,14 @@
       </p:sp>
       <p:sp>
         <p:nvSpPr>
-          <p:cNvPr id="165" name="TextBox 5"/>
+          <p:cNvPr id="206" name="TextBox 5"/>
           <p:cNvSpPr/>
           <p:nvPr/>
         </p:nvSpPr>
         <p:spPr>
           <a:xfrm>
             <a:off x="3961440" y="2194560"/>
-            <a:ext cx="3048840" cy="379080"/>
+            <a:ext cx="3048480" cy="379080"/>
           </a:xfrm>
           <a:prstGeom prst="rect">
             <a:avLst/>
@@ -12309,14 +15339,14 @@
       </p:sp>
       <p:sp>
         <p:nvSpPr>
-          <p:cNvPr id="166" name="Rounded Rectangle 9"/>
+          <p:cNvPr id="207" name="Rounded Rectangle 9"/>
           <p:cNvSpPr/>
           <p:nvPr/>
         </p:nvSpPr>
         <p:spPr>
           <a:xfrm>
             <a:off x="987480" y="3182040"/>
-            <a:ext cx="3290040" cy="2741400"/>
+            <a:ext cx="3289680" cy="2741040"/>
           </a:xfrm>
           <a:prstGeom prst="roundRect">
             <a:avLst>
@@ -12371,14 +15401,14 @@
       </p:sp>
       <p:sp>
         <p:nvSpPr>
-          <p:cNvPr id="167" name="Rounded Rectangle 10"/>
+          <p:cNvPr id="208" name="Rounded Rectangle 10"/>
           <p:cNvSpPr/>
           <p:nvPr/>
         </p:nvSpPr>
         <p:spPr>
           <a:xfrm>
             <a:off x="914400" y="3108960"/>
-            <a:ext cx="3290040" cy="2741400"/>
+            <a:ext cx="3289680" cy="2741040"/>
           </a:xfrm>
           <a:prstGeom prst="roundRect">
             <a:avLst>
@@ -12626,14 +15656,14 @@
       </p:sp>
       <p:sp>
         <p:nvSpPr>
-          <p:cNvPr id="168" name="Rounded Rectangle 11"/>
+          <p:cNvPr id="209" name="Rounded Rectangle 11"/>
           <p:cNvSpPr/>
           <p:nvPr/>
         </p:nvSpPr>
         <p:spPr>
           <a:xfrm>
             <a:off x="4507920" y="3182040"/>
-            <a:ext cx="3290040" cy="2741400"/>
+            <a:ext cx="3289680" cy="2741040"/>
           </a:xfrm>
           <a:prstGeom prst="roundRect">
             <a:avLst>
@@ -12688,14 +15718,14 @@
       </p:sp>
       <p:sp>
         <p:nvSpPr>
-          <p:cNvPr id="169" name="Rounded Rectangle 12"/>
+          <p:cNvPr id="210" name="Rounded Rectangle 12"/>
           <p:cNvSpPr/>
           <p:nvPr/>
         </p:nvSpPr>
         <p:spPr>
           <a:xfrm>
             <a:off x="4434840" y="3108960"/>
-            <a:ext cx="3290040" cy="2741400"/>
+            <a:ext cx="3289680" cy="2741040"/>
           </a:xfrm>
           <a:prstGeom prst="roundRect">
             <a:avLst>
@@ -12900,14 +15930,14 @@
       </p:sp>
       <p:sp>
         <p:nvSpPr>
-          <p:cNvPr id="170" name="Rounded Rectangle 13"/>
+          <p:cNvPr id="211" name="Rounded Rectangle 13"/>
           <p:cNvSpPr/>
           <p:nvPr/>
         </p:nvSpPr>
         <p:spPr>
           <a:xfrm>
             <a:off x="8028360" y="3182040"/>
-            <a:ext cx="3290040" cy="2741400"/>
+            <a:ext cx="3289680" cy="2741040"/>
           </a:xfrm>
           <a:prstGeom prst="roundRect">
             <a:avLst>
@@ -12962,14 +15992,14 @@
       </p:sp>
       <p:sp>
         <p:nvSpPr>
-          <p:cNvPr id="171" name="Rounded Rectangle 14"/>
+          <p:cNvPr id="212" name="Rounded Rectangle 14"/>
           <p:cNvSpPr/>
           <p:nvPr/>
         </p:nvSpPr>
         <p:spPr>
           <a:xfrm>
             <a:off x="7955280" y="3108960"/>
-            <a:ext cx="3290040" cy="2741400"/>
+            <a:ext cx="3289680" cy="2741040"/>
           </a:xfrm>
           <a:prstGeom prst="roundRect">
             <a:avLst>
@@ -13243,7 +16273,7 @@
       </p:sp>
       <p:sp>
         <p:nvSpPr>
-          <p:cNvPr id="172" name="TextBox 6"/>
+          <p:cNvPr id="213" name="TextBox 6"/>
           <p:cNvSpPr/>
           <p:nvPr/>
         </p:nvSpPr>
@@ -13327,14 +16357,14 @@
       </p:grpSpPr>
       <p:sp>
         <p:nvSpPr>
-          <p:cNvPr id="173" name="Rectangle 48"/>
+          <p:cNvPr id="214" name="Rectangle 48"/>
           <p:cNvSpPr/>
           <p:nvPr/>
         </p:nvSpPr>
         <p:spPr>
           <a:xfrm>
             <a:off x="0" y="0"/>
-            <a:ext cx="12187800" cy="6856920"/>
+            <a:ext cx="12187440" cy="6856560"/>
           </a:xfrm>
           <a:prstGeom prst="rect">
             <a:avLst/>
@@ -13370,6 +16400,11 @@
             <a:noAutofit/>
           </a:bodyPr>
           <a:p>
+            <a:pPr>
+              <a:lnSpc>
+                <a:spcPct val="100000"/>
+              </a:lnSpc>
+            </a:pPr>
             <a:endParaRPr b="0" lang="en-US" sz="1800" spc="-1" strike="noStrike">
               <a:solidFill>
                 <a:schemeClr val="lt1"/>
@@ -13382,14 +16417,14 @@
       </p:sp>
       <p:sp>
         <p:nvSpPr>
-          <p:cNvPr id="174" name="Rectangle 17"/>
+          <p:cNvPr id="215" name="Rectangle 17"/>
           <p:cNvSpPr/>
           <p:nvPr/>
         </p:nvSpPr>
         <p:spPr>
           <a:xfrm>
             <a:off x="0" y="0"/>
-            <a:ext cx="17280" cy="6856920"/>
+            <a:ext cx="16920" cy="6856560"/>
           </a:xfrm>
           <a:prstGeom prst="rect">
             <a:avLst/>
@@ -13425,6 +16460,11 @@
             <a:noAutofit/>
           </a:bodyPr>
           <a:p>
+            <a:pPr>
+              <a:lnSpc>
+                <a:spcPct val="100000"/>
+              </a:lnSpc>
+            </a:pPr>
             <a:endParaRPr b="0" lang="en-US" sz="1800" spc="-1" strike="noStrike">
               <a:solidFill>
                 <a:schemeClr val="lt1"/>
@@ -13437,14 +16477,14 @@
       </p:sp>
       <p:sp>
         <p:nvSpPr>
-          <p:cNvPr id="175" name="Rectangle 18"/>
+          <p:cNvPr id="216" name="Rectangle 18"/>
           <p:cNvSpPr/>
           <p:nvPr/>
         </p:nvSpPr>
         <p:spPr>
           <a:xfrm>
             <a:off x="914400" y="0"/>
-            <a:ext cx="17280" cy="6856920"/>
+            <a:ext cx="16920" cy="6856560"/>
           </a:xfrm>
           <a:prstGeom prst="rect">
             <a:avLst/>
@@ -13480,6 +16520,11 @@
             <a:noAutofit/>
           </a:bodyPr>
           <a:p>
+            <a:pPr>
+              <a:lnSpc>
+                <a:spcPct val="100000"/>
+              </a:lnSpc>
+            </a:pPr>
             <a:endParaRPr b="0" lang="en-US" sz="1800" spc="-1" strike="noStrike">
               <a:solidFill>
                 <a:schemeClr val="lt1"/>
@@ -13492,14 +16537,14 @@
       </p:sp>
       <p:sp>
         <p:nvSpPr>
-          <p:cNvPr id="176" name="Rectangle 19"/>
+          <p:cNvPr id="217" name="Rectangle 19"/>
           <p:cNvSpPr/>
           <p:nvPr/>
         </p:nvSpPr>
         <p:spPr>
           <a:xfrm>
             <a:off x="1828800" y="0"/>
-            <a:ext cx="17280" cy="6856920"/>
+            <a:ext cx="16920" cy="6856560"/>
           </a:xfrm>
           <a:prstGeom prst="rect">
             <a:avLst/>
@@ -13535,6 +16580,11 @@
             <a:noAutofit/>
           </a:bodyPr>
           <a:p>
+            <a:pPr>
+              <a:lnSpc>
+                <a:spcPct val="100000"/>
+              </a:lnSpc>
+            </a:pPr>
             <a:endParaRPr b="0" lang="en-US" sz="1800" spc="-1" strike="noStrike">
               <a:solidFill>
                 <a:schemeClr val="lt1"/>
@@ -13547,14 +16597,14 @@
       </p:sp>
       <p:sp>
         <p:nvSpPr>
-          <p:cNvPr id="177" name="Rectangle 20"/>
+          <p:cNvPr id="218" name="Rectangle 20"/>
           <p:cNvSpPr/>
           <p:nvPr/>
         </p:nvSpPr>
         <p:spPr>
           <a:xfrm>
             <a:off x="2743200" y="0"/>
-            <a:ext cx="17280" cy="6856920"/>
+            <a:ext cx="16920" cy="6856560"/>
           </a:xfrm>
           <a:prstGeom prst="rect">
             <a:avLst/>
@@ -13590,6 +16640,11 @@
             <a:noAutofit/>
           </a:bodyPr>
           <a:p>
+            <a:pPr>
+              <a:lnSpc>
+                <a:spcPct val="100000"/>
+              </a:lnSpc>
+            </a:pPr>
             <a:endParaRPr b="0" lang="en-US" sz="1800" spc="-1" strike="noStrike">
               <a:solidFill>
                 <a:schemeClr val="lt1"/>
@@ -13602,14 +16657,14 @@
       </p:sp>
       <p:sp>
         <p:nvSpPr>
-          <p:cNvPr id="178" name="Rectangle 21"/>
+          <p:cNvPr id="219" name="Rectangle 21"/>
           <p:cNvSpPr/>
           <p:nvPr/>
         </p:nvSpPr>
         <p:spPr>
           <a:xfrm>
             <a:off x="3657600" y="0"/>
-            <a:ext cx="17280" cy="6856920"/>
+            <a:ext cx="16920" cy="6856560"/>
           </a:xfrm>
           <a:prstGeom prst="rect">
             <a:avLst/>
@@ -13645,6 +16700,11 @@
             <a:noAutofit/>
           </a:bodyPr>
           <a:p>
+            <a:pPr>
+              <a:lnSpc>
+                <a:spcPct val="100000"/>
+              </a:lnSpc>
+            </a:pPr>
             <a:endParaRPr b="0" lang="en-US" sz="1800" spc="-1" strike="noStrike">
               <a:solidFill>
                 <a:schemeClr val="lt1"/>
@@ -13657,14 +16717,14 @@
       </p:sp>
       <p:sp>
         <p:nvSpPr>
-          <p:cNvPr id="179" name="Rectangle 22"/>
+          <p:cNvPr id="220" name="Rectangle 22"/>
           <p:cNvSpPr/>
           <p:nvPr/>
         </p:nvSpPr>
         <p:spPr>
           <a:xfrm>
             <a:off x="4572000" y="0"/>
-            <a:ext cx="17280" cy="6856920"/>
+            <a:ext cx="16920" cy="6856560"/>
           </a:xfrm>
           <a:prstGeom prst="rect">
             <a:avLst/>
@@ -13700,6 +16760,11 @@
             <a:noAutofit/>
           </a:bodyPr>
           <a:p>
+            <a:pPr>
+              <a:lnSpc>
+                <a:spcPct val="100000"/>
+              </a:lnSpc>
+            </a:pPr>
             <a:endParaRPr b="0" lang="en-US" sz="1800" spc="-1" strike="noStrike">
               <a:solidFill>
                 <a:schemeClr val="lt1"/>
@@ -13712,14 +16777,14 @@
       </p:sp>
       <p:sp>
         <p:nvSpPr>
-          <p:cNvPr id="180" name="Rectangle 23"/>
+          <p:cNvPr id="221" name="Rectangle 23"/>
           <p:cNvSpPr/>
           <p:nvPr/>
         </p:nvSpPr>
         <p:spPr>
           <a:xfrm>
             <a:off x="5486400" y="0"/>
-            <a:ext cx="17280" cy="6856920"/>
+            <a:ext cx="16920" cy="6856560"/>
           </a:xfrm>
           <a:prstGeom prst="rect">
             <a:avLst/>
@@ -13755,6 +16820,11 @@
             <a:noAutofit/>
           </a:bodyPr>
           <a:p>
+            <a:pPr>
+              <a:lnSpc>
+                <a:spcPct val="100000"/>
+              </a:lnSpc>
+            </a:pPr>
             <a:endParaRPr b="0" lang="en-US" sz="1800" spc="-1" strike="noStrike">
               <a:solidFill>
                 <a:schemeClr val="lt1"/>
@@ -13767,14 +16837,14 @@
       </p:sp>
       <p:sp>
         <p:nvSpPr>
-          <p:cNvPr id="181" name="Rectangle 24"/>
+          <p:cNvPr id="222" name="Rectangle 24"/>
           <p:cNvSpPr/>
           <p:nvPr/>
         </p:nvSpPr>
         <p:spPr>
           <a:xfrm>
             <a:off x="6400800" y="0"/>
-            <a:ext cx="17280" cy="6856920"/>
+            <a:ext cx="16920" cy="6856560"/>
           </a:xfrm>
           <a:prstGeom prst="rect">
             <a:avLst/>
@@ -13810,6 +16880,11 @@
             <a:noAutofit/>
           </a:bodyPr>
           <a:p>
+            <a:pPr>
+              <a:lnSpc>
+                <a:spcPct val="100000"/>
+              </a:lnSpc>
+            </a:pPr>
             <a:endParaRPr b="0" lang="en-US" sz="1800" spc="-1" strike="noStrike">
               <a:solidFill>
                 <a:schemeClr val="lt1"/>
@@ -13822,14 +16897,14 @@
       </p:sp>
       <p:sp>
         <p:nvSpPr>
-          <p:cNvPr id="182" name="Rectangle 25"/>
+          <p:cNvPr id="223" name="Rectangle 25"/>
           <p:cNvSpPr/>
           <p:nvPr/>
         </p:nvSpPr>
         <p:spPr>
           <a:xfrm>
             <a:off x="7315200" y="0"/>
-            <a:ext cx="17280" cy="6856920"/>
+            <a:ext cx="16920" cy="6856560"/>
           </a:xfrm>
           <a:prstGeom prst="rect">
             <a:avLst/>
@@ -13865,6 +16940,11 @@
             <a:noAutofit/>
           </a:bodyPr>
           <a:p>
+            <a:pPr>
+              <a:lnSpc>
+                <a:spcPct val="100000"/>
+              </a:lnSpc>
+            </a:pPr>
             <a:endParaRPr b="0" lang="en-US" sz="1800" spc="-1" strike="noStrike">
               <a:solidFill>
                 <a:schemeClr val="lt1"/>
@@ -13877,14 +16957,14 @@
       </p:sp>
       <p:sp>
         <p:nvSpPr>
-          <p:cNvPr id="183" name="Rectangle 26"/>
+          <p:cNvPr id="224" name="Rectangle 26"/>
           <p:cNvSpPr/>
           <p:nvPr/>
         </p:nvSpPr>
         <p:spPr>
           <a:xfrm>
             <a:off x="8229600" y="0"/>
-            <a:ext cx="17280" cy="6856920"/>
+            <a:ext cx="16920" cy="6856560"/>
           </a:xfrm>
           <a:prstGeom prst="rect">
             <a:avLst/>
@@ -13920,6 +17000,11 @@
             <a:noAutofit/>
           </a:bodyPr>
           <a:p>
+            <a:pPr>
+              <a:lnSpc>
+                <a:spcPct val="100000"/>
+              </a:lnSpc>
+            </a:pPr>
             <a:endParaRPr b="0" lang="en-US" sz="1800" spc="-1" strike="noStrike">
               <a:solidFill>
                 <a:schemeClr val="lt1"/>
@@ -13932,14 +17017,14 @@
       </p:sp>
       <p:sp>
         <p:nvSpPr>
-          <p:cNvPr id="184" name="Rectangle 27"/>
+          <p:cNvPr id="225" name="Rectangle 27"/>
           <p:cNvSpPr/>
           <p:nvPr/>
         </p:nvSpPr>
         <p:spPr>
           <a:xfrm>
             <a:off x="9144000" y="0"/>
-            <a:ext cx="17280" cy="6856920"/>
+            <a:ext cx="16920" cy="6856560"/>
           </a:xfrm>
           <a:prstGeom prst="rect">
             <a:avLst/>
@@ -13975,6 +17060,11 @@
             <a:noAutofit/>
           </a:bodyPr>
           <a:p>
+            <a:pPr>
+              <a:lnSpc>
+                <a:spcPct val="100000"/>
+              </a:lnSpc>
+            </a:pPr>
             <a:endParaRPr b="0" lang="en-US" sz="1800" spc="-1" strike="noStrike">
               <a:solidFill>
                 <a:schemeClr val="lt1"/>
@@ -13987,14 +17077,14 @@
       </p:sp>
       <p:sp>
         <p:nvSpPr>
-          <p:cNvPr id="185" name="Rectangle 28"/>
+          <p:cNvPr id="226" name="Rectangle 28"/>
           <p:cNvSpPr/>
           <p:nvPr/>
         </p:nvSpPr>
         <p:spPr>
           <a:xfrm>
             <a:off x="10058400" y="0"/>
-            <a:ext cx="17280" cy="6856920"/>
+            <a:ext cx="16920" cy="6856560"/>
           </a:xfrm>
           <a:prstGeom prst="rect">
             <a:avLst/>
@@ -14030,6 +17120,11 @@
             <a:noAutofit/>
           </a:bodyPr>
           <a:p>
+            <a:pPr>
+              <a:lnSpc>
+                <a:spcPct val="100000"/>
+              </a:lnSpc>
+            </a:pPr>
             <a:endParaRPr b="0" lang="en-US" sz="1800" spc="-1" strike="noStrike">
               <a:solidFill>
                 <a:schemeClr val="lt1"/>
@@ -14042,14 +17137,14 @@
       </p:sp>
       <p:sp>
         <p:nvSpPr>
-          <p:cNvPr id="186" name="Rectangle 29"/>
+          <p:cNvPr id="227" name="Rectangle 29"/>
           <p:cNvSpPr/>
           <p:nvPr/>
         </p:nvSpPr>
         <p:spPr>
           <a:xfrm>
             <a:off x="10972800" y="0"/>
-            <a:ext cx="17280" cy="6856920"/>
+            <a:ext cx="16920" cy="6856560"/>
           </a:xfrm>
           <a:prstGeom prst="rect">
             <a:avLst/>
@@ -14085,6 +17180,11 @@
             <a:noAutofit/>
           </a:bodyPr>
           <a:p>
+            <a:pPr>
+              <a:lnSpc>
+                <a:spcPct val="100000"/>
+              </a:lnSpc>
+            </a:pPr>
             <a:endParaRPr b="0" lang="en-US" sz="1800" spc="-1" strike="noStrike">
               <a:solidFill>
                 <a:schemeClr val="lt1"/>
@@ -14097,14 +17197,14 @@
       </p:sp>
       <p:sp>
         <p:nvSpPr>
-          <p:cNvPr id="187" name="Rectangle 30"/>
+          <p:cNvPr id="228" name="Rectangle 30"/>
           <p:cNvSpPr/>
           <p:nvPr/>
         </p:nvSpPr>
         <p:spPr>
           <a:xfrm>
             <a:off x="11887200" y="0"/>
-            <a:ext cx="17280" cy="6856920"/>
+            <a:ext cx="16920" cy="6856560"/>
           </a:xfrm>
           <a:prstGeom prst="rect">
             <a:avLst/>
@@ -14140,6 +17240,11 @@
             <a:noAutofit/>
           </a:bodyPr>
           <a:p>
+            <a:pPr>
+              <a:lnSpc>
+                <a:spcPct val="100000"/>
+              </a:lnSpc>
+            </a:pPr>
             <a:endParaRPr b="0" lang="en-US" sz="1800" spc="-1" strike="noStrike">
               <a:solidFill>
                 <a:schemeClr val="lt1"/>
@@ -14152,14 +17257,14 @@
       </p:sp>
       <p:sp>
         <p:nvSpPr>
-          <p:cNvPr id="188" name="Rectangle 31"/>
+          <p:cNvPr id="229" name="Rectangle 31"/>
           <p:cNvSpPr/>
           <p:nvPr/>
         </p:nvSpPr>
         <p:spPr>
           <a:xfrm>
             <a:off x="0" y="0"/>
-            <a:ext cx="318960" cy="6856920"/>
+            <a:ext cx="318600" cy="6856560"/>
           </a:xfrm>
           <a:prstGeom prst="rect">
             <a:avLst/>
@@ -14195,6 +17300,11 @@
             <a:noAutofit/>
           </a:bodyPr>
           <a:p>
+            <a:pPr>
+              <a:lnSpc>
+                <a:spcPct val="100000"/>
+              </a:lnSpc>
+            </a:pPr>
             <a:endParaRPr b="0" lang="en-US" sz="1800" spc="-1" strike="noStrike">
               <a:solidFill>
                 <a:schemeClr val="lt1"/>
@@ -14207,14 +17317,14 @@
       </p:sp>
       <p:sp>
         <p:nvSpPr>
-          <p:cNvPr id="189" name="Rounded Rectangle 15"/>
+          <p:cNvPr id="230" name="Rounded Rectangle 15"/>
           <p:cNvSpPr/>
           <p:nvPr/>
         </p:nvSpPr>
         <p:spPr>
           <a:xfrm>
             <a:off x="9875520" y="365760"/>
-            <a:ext cx="2010600" cy="501840"/>
+            <a:ext cx="2010240" cy="501480"/>
           </a:xfrm>
           <a:prstGeom prst="roundRect">
             <a:avLst>
@@ -14281,7 +17391,7 @@
       </p:sp>
       <p:sp>
         <p:nvSpPr>
-          <p:cNvPr id="190" name="TextBox 7"/>
+          <p:cNvPr id="231" name="TextBox 7"/>
           <p:cNvSpPr/>
           <p:nvPr/>
         </p:nvSpPr>
@@ -14335,7 +17445,7 @@
       </p:sp>
       <p:sp>
         <p:nvSpPr>
-          <p:cNvPr id="191" name="TextBox 8"/>
+          <p:cNvPr id="232" name="TextBox 8"/>
           <p:cNvSpPr/>
           <p:nvPr/>
         </p:nvSpPr>
@@ -14389,14 +17499,14 @@
       </p:sp>
       <p:sp>
         <p:nvSpPr>
-          <p:cNvPr id="192" name="Rounded Rectangle 16"/>
+          <p:cNvPr id="233" name="Rounded Rectangle 16"/>
           <p:cNvSpPr/>
           <p:nvPr/>
         </p:nvSpPr>
         <p:spPr>
           <a:xfrm>
             <a:off x="987480" y="3182040"/>
-            <a:ext cx="3290760" cy="2742120"/>
+            <a:ext cx="3290400" cy="2741760"/>
           </a:xfrm>
           <a:prstGeom prst="roundRect">
             <a:avLst>
@@ -14434,6 +17544,11 @@
             <a:noAutofit/>
           </a:bodyPr>
           <a:p>
+            <a:pPr>
+              <a:lnSpc>
+                <a:spcPct val="100000"/>
+              </a:lnSpc>
+            </a:pPr>
             <a:endParaRPr b="0" lang="en-US" sz="1800" spc="-1" strike="noStrike">
               <a:solidFill>
                 <a:schemeClr val="lt1"/>
@@ -14446,14 +17561,14 @@
       </p:sp>
       <p:sp>
         <p:nvSpPr>
-          <p:cNvPr id="193" name="Rounded Rectangle 18"/>
+          <p:cNvPr id="234" name="Rounded Rectangle 18"/>
           <p:cNvSpPr/>
           <p:nvPr/>
         </p:nvSpPr>
         <p:spPr>
           <a:xfrm>
             <a:off x="475560" y="2743200"/>
-            <a:ext cx="3729600" cy="3107880"/>
+            <a:ext cx="3729240" cy="3107520"/>
           </a:xfrm>
           <a:prstGeom prst="roundRect">
             <a:avLst>
@@ -14723,14 +17838,14 @@
       </p:sp>
       <p:sp>
         <p:nvSpPr>
-          <p:cNvPr id="194" name="Rounded Rectangle 19"/>
+          <p:cNvPr id="235" name="Rounded Rectangle 19"/>
           <p:cNvSpPr/>
           <p:nvPr/>
         </p:nvSpPr>
         <p:spPr>
           <a:xfrm>
             <a:off x="4507920" y="3182040"/>
-            <a:ext cx="3290760" cy="2742120"/>
+            <a:ext cx="3290400" cy="2741760"/>
           </a:xfrm>
           <a:prstGeom prst="roundRect">
             <a:avLst>
@@ -14768,6 +17883,11 @@
             <a:noAutofit/>
           </a:bodyPr>
           <a:p>
+            <a:pPr>
+              <a:lnSpc>
+                <a:spcPct val="100000"/>
+              </a:lnSpc>
+            </a:pPr>
             <a:endParaRPr b="0" lang="en-US" sz="1800" spc="-1" strike="noStrike">
               <a:solidFill>
                 <a:schemeClr val="lt1"/>
@@ -14780,14 +17900,14 @@
       </p:sp>
       <p:sp>
         <p:nvSpPr>
-          <p:cNvPr id="195" name="Rounded Rectangle 26"/>
+          <p:cNvPr id="236" name="Rounded Rectangle 26"/>
           <p:cNvSpPr/>
           <p:nvPr/>
         </p:nvSpPr>
         <p:spPr>
           <a:xfrm>
             <a:off x="4343400" y="2918520"/>
-            <a:ext cx="3519360" cy="2932560"/>
+            <a:ext cx="3519000" cy="2932200"/>
           </a:xfrm>
           <a:prstGeom prst="roundRect">
             <a:avLst>
@@ -15242,14 +18362,14 @@
       </p:sp>
       <p:sp>
         <p:nvSpPr>
-          <p:cNvPr id="196" name="Rounded Rectangle 27"/>
+          <p:cNvPr id="237" name="Rounded Rectangle 27"/>
           <p:cNvSpPr/>
           <p:nvPr/>
         </p:nvSpPr>
         <p:spPr>
           <a:xfrm>
             <a:off x="8028360" y="3182040"/>
-            <a:ext cx="3290760" cy="2742120"/>
+            <a:ext cx="3290400" cy="2741760"/>
           </a:xfrm>
           <a:prstGeom prst="roundRect">
             <a:avLst>
@@ -15287,6 +18407,11 @@
             <a:noAutofit/>
           </a:bodyPr>
           <a:p>
+            <a:pPr>
+              <a:lnSpc>
+                <a:spcPct val="100000"/>
+              </a:lnSpc>
+            </a:pPr>
             <a:endParaRPr b="0" lang="en-US" sz="1800" spc="-1" strike="noStrike">
               <a:solidFill>
                 <a:schemeClr val="lt1"/>
@@ -15299,14 +18424,14 @@
       </p:sp>
       <p:sp>
         <p:nvSpPr>
-          <p:cNvPr id="197" name="Rounded Rectangle 28"/>
+          <p:cNvPr id="238" name="Rounded Rectangle 28"/>
           <p:cNvSpPr/>
           <p:nvPr/>
         </p:nvSpPr>
         <p:spPr>
           <a:xfrm>
             <a:off x="8023680" y="2743200"/>
-            <a:ext cx="3840840" cy="3200400"/>
+            <a:ext cx="3840480" cy="3200040"/>
           </a:xfrm>
           <a:prstGeom prst="roundRect">
             <a:avLst>
@@ -15771,7 +18896,2548 @@
       </p:sp>
       <p:sp>
         <p:nvSpPr>
-          <p:cNvPr id="198" name="TextBox 9"/>
+          <p:cNvPr id="239" name="TextBox 9"/>
+          <p:cNvSpPr/>
+          <p:nvPr/>
+        </p:nvSpPr>
+        <p:spPr>
+          <a:xfrm>
+            <a:off x="4600080" y="6446520"/>
+            <a:ext cx="3051360" cy="363960"/>
+          </a:xfrm>
+          <a:prstGeom prst="rect">
+            <a:avLst/>
+          </a:prstGeom>
+          <a:noFill/>
+          <a:ln w="0">
+            <a:noFill/>
+          </a:ln>
+        </p:spPr>
+        <p:style>
+          <a:lnRef idx="0"/>
+          <a:fillRef idx="0"/>
+          <a:effectRef idx="0"/>
+          <a:fontRef idx="minor"/>
+        </p:style>
+        <p:txBody>
+          <a:bodyPr wrap="none" lIns="90000" rIns="90000" tIns="45000" bIns="45000" anchor="t">
+            <a:spAutoFit/>
+          </a:bodyPr>
+          <a:p>
+            <a:pPr>
+              <a:lnSpc>
+                <a:spcPct val="100000"/>
+              </a:lnSpc>
+            </a:pPr>
+            <a:r>
+              <a:rPr b="0" lang="en-US" sz="1800" spc="-1" strike="noStrike">
+                <a:solidFill>
+                  <a:srgbClr val="000000"/>
+                </a:solidFill>
+                <a:latin typeface="Calibri"/>
+                <a:ea typeface="DejaVu Sans"/>
+              </a:rPr>
+              <a:t>Java • Ultra Premium Template</a:t>
+            </a:r>
+            <a:endParaRPr b="0" lang="en-US" sz="1800" spc="-1" strike="noStrike">
+              <a:solidFill>
+                <a:srgbClr val="000000"/>
+              </a:solidFill>
+              <a:latin typeface="Arial"/>
+            </a:endParaRPr>
+          </a:p>
+        </p:txBody>
+      </p:sp>
+    </p:spTree>
+  </p:cSld>
+  <mc:AlternateContent>
+    <mc:Choice Requires="p14">
+      <p:transition spd="slow" p14:dur="2000"/>
+    </mc:Choice>
+    <mc:Fallback>
+      <p:transition spd="slow"/>
+    </mc:Fallback>
+  </mc:AlternateContent>
+</p:sld>
+</file>
+
+<file path=ppt/slides/slide4.xml><?xml version="1.0" encoding="utf-8"?>
+<p:sld xmlns:a="http://schemas.openxmlformats.org/drawingml/2006/main" xmlns:p="http://schemas.openxmlformats.org/presentationml/2006/main" xmlns:r="http://schemas.openxmlformats.org/officeDocument/2006/relationships" xmlns:p14="http://schemas.microsoft.com/office/powerpoint/2010/main" xmlns:p15="http://schemas.microsoft.com/office/powerpoint/2012/main" xmlns:mc="http://schemas.openxmlformats.org/markup-compatibility/2006">
+  <p:cSld>
+    <p:spTree>
+      <p:nvGrpSpPr>
+        <p:cNvPr id="1" name=""/>
+        <p:cNvGrpSpPr/>
+        <p:nvPr/>
+      </p:nvGrpSpPr>
+      <p:grpSpPr>
+        <a:xfrm>
+          <a:off x="0" y="0"/>
+          <a:ext cx="0" cy="0"/>
+          <a:chOff x="0" y="0"/>
+          <a:chExt cx="0" cy="0"/>
+        </a:xfrm>
+      </p:grpSpPr>
+      <p:sp>
+        <p:nvSpPr>
+          <p:cNvPr id="240" name="Rectangle 64"/>
+          <p:cNvSpPr/>
+          <p:nvPr/>
+        </p:nvSpPr>
+        <p:spPr>
+          <a:xfrm>
+            <a:off x="0" y="0"/>
+            <a:ext cx="12187800" cy="6856920"/>
+          </a:xfrm>
+          <a:prstGeom prst="rect">
+            <a:avLst/>
+          </a:prstGeom>
+          <a:solidFill>
+            <a:srgbClr val="0b0b0d"/>
+          </a:solidFill>
+          <a:ln>
+            <a:noFill/>
+          </a:ln>
+          <a:effectLst>
+            <a:outerShdw blurRad="39960" dir="5400000" dist="23040" rotWithShape="0">
+              <a:srgbClr val="000000">
+                <a:alpha val="35000"/>
+              </a:srgbClr>
+            </a:outerShdw>
+          </a:effectLst>
+        </p:spPr>
+        <p:style>
+          <a:lnRef idx="1">
+            <a:schemeClr val="accent1"/>
+          </a:lnRef>
+          <a:fillRef idx="3">
+            <a:schemeClr val="accent1"/>
+          </a:fillRef>
+          <a:effectRef idx="2">
+            <a:schemeClr val="accent1"/>
+          </a:effectRef>
+          <a:fontRef idx="minor"/>
+        </p:style>
+        <p:txBody>
+          <a:bodyPr lIns="90000" rIns="90000" tIns="45000" bIns="45000" anchor="ctr">
+            <a:noAutofit/>
+          </a:bodyPr>
+          <a:p>
+            <a:endParaRPr b="0" lang="en-US" sz="1800" spc="-1" strike="noStrike">
+              <a:solidFill>
+                <a:schemeClr val="lt1"/>
+              </a:solidFill>
+              <a:latin typeface="Calibri"/>
+              <a:ea typeface="DejaVu Sans"/>
+            </a:endParaRPr>
+          </a:p>
+        </p:txBody>
+      </p:sp>
+      <p:sp>
+        <p:nvSpPr>
+          <p:cNvPr id="241" name="Rectangle 49"/>
+          <p:cNvSpPr/>
+          <p:nvPr/>
+        </p:nvSpPr>
+        <p:spPr>
+          <a:xfrm>
+            <a:off x="0" y="0"/>
+            <a:ext cx="17280" cy="6856920"/>
+          </a:xfrm>
+          <a:prstGeom prst="rect">
+            <a:avLst/>
+          </a:prstGeom>
+          <a:solidFill>
+            <a:srgbClr val="121216"/>
+          </a:solidFill>
+          <a:ln>
+            <a:noFill/>
+          </a:ln>
+          <a:effectLst>
+            <a:outerShdw blurRad="39960" dir="5400000" dist="23040" rotWithShape="0">
+              <a:srgbClr val="000000">
+                <a:alpha val="35000"/>
+              </a:srgbClr>
+            </a:outerShdw>
+          </a:effectLst>
+        </p:spPr>
+        <p:style>
+          <a:lnRef idx="1">
+            <a:schemeClr val="accent1"/>
+          </a:lnRef>
+          <a:fillRef idx="3">
+            <a:schemeClr val="accent1"/>
+          </a:fillRef>
+          <a:effectRef idx="2">
+            <a:schemeClr val="accent1"/>
+          </a:effectRef>
+          <a:fontRef idx="minor"/>
+        </p:style>
+        <p:txBody>
+          <a:bodyPr lIns="90000" rIns="90000" tIns="45000" bIns="45000" anchor="ctr">
+            <a:noAutofit/>
+          </a:bodyPr>
+          <a:p>
+            <a:endParaRPr b="0" lang="en-US" sz="1800" spc="-1" strike="noStrike">
+              <a:solidFill>
+                <a:schemeClr val="lt1"/>
+              </a:solidFill>
+              <a:latin typeface="Calibri"/>
+              <a:ea typeface="DejaVu Sans"/>
+            </a:endParaRPr>
+          </a:p>
+        </p:txBody>
+      </p:sp>
+      <p:sp>
+        <p:nvSpPr>
+          <p:cNvPr id="242" name="Rectangle 50"/>
+          <p:cNvSpPr/>
+          <p:nvPr/>
+        </p:nvSpPr>
+        <p:spPr>
+          <a:xfrm>
+            <a:off x="914400" y="0"/>
+            <a:ext cx="17280" cy="6856920"/>
+          </a:xfrm>
+          <a:prstGeom prst="rect">
+            <a:avLst/>
+          </a:prstGeom>
+          <a:solidFill>
+            <a:srgbClr val="121216"/>
+          </a:solidFill>
+          <a:ln>
+            <a:noFill/>
+          </a:ln>
+          <a:effectLst>
+            <a:outerShdw blurRad="39960" dir="5400000" dist="23040" rotWithShape="0">
+              <a:srgbClr val="000000">
+                <a:alpha val="35000"/>
+              </a:srgbClr>
+            </a:outerShdw>
+          </a:effectLst>
+        </p:spPr>
+        <p:style>
+          <a:lnRef idx="1">
+            <a:schemeClr val="accent1"/>
+          </a:lnRef>
+          <a:fillRef idx="3">
+            <a:schemeClr val="accent1"/>
+          </a:fillRef>
+          <a:effectRef idx="2">
+            <a:schemeClr val="accent1"/>
+          </a:effectRef>
+          <a:fontRef idx="minor"/>
+        </p:style>
+        <p:txBody>
+          <a:bodyPr lIns="90000" rIns="90000" tIns="45000" bIns="45000" anchor="ctr">
+            <a:noAutofit/>
+          </a:bodyPr>
+          <a:p>
+            <a:endParaRPr b="0" lang="en-US" sz="1800" spc="-1" strike="noStrike">
+              <a:solidFill>
+                <a:schemeClr val="lt1"/>
+              </a:solidFill>
+              <a:latin typeface="Calibri"/>
+              <a:ea typeface="DejaVu Sans"/>
+            </a:endParaRPr>
+          </a:p>
+        </p:txBody>
+      </p:sp>
+      <p:sp>
+        <p:nvSpPr>
+          <p:cNvPr id="243" name="Rectangle 51"/>
+          <p:cNvSpPr/>
+          <p:nvPr/>
+        </p:nvSpPr>
+        <p:spPr>
+          <a:xfrm>
+            <a:off x="1828800" y="0"/>
+            <a:ext cx="17280" cy="6856920"/>
+          </a:xfrm>
+          <a:prstGeom prst="rect">
+            <a:avLst/>
+          </a:prstGeom>
+          <a:solidFill>
+            <a:srgbClr val="121216"/>
+          </a:solidFill>
+          <a:ln>
+            <a:noFill/>
+          </a:ln>
+          <a:effectLst>
+            <a:outerShdw blurRad="39960" dir="5400000" dist="23040" rotWithShape="0">
+              <a:srgbClr val="000000">
+                <a:alpha val="35000"/>
+              </a:srgbClr>
+            </a:outerShdw>
+          </a:effectLst>
+        </p:spPr>
+        <p:style>
+          <a:lnRef idx="1">
+            <a:schemeClr val="accent1"/>
+          </a:lnRef>
+          <a:fillRef idx="3">
+            <a:schemeClr val="accent1"/>
+          </a:fillRef>
+          <a:effectRef idx="2">
+            <a:schemeClr val="accent1"/>
+          </a:effectRef>
+          <a:fontRef idx="minor"/>
+        </p:style>
+        <p:txBody>
+          <a:bodyPr lIns="90000" rIns="90000" tIns="45000" bIns="45000" anchor="ctr">
+            <a:noAutofit/>
+          </a:bodyPr>
+          <a:p>
+            <a:endParaRPr b="0" lang="en-US" sz="1800" spc="-1" strike="noStrike">
+              <a:solidFill>
+                <a:schemeClr val="lt1"/>
+              </a:solidFill>
+              <a:latin typeface="Calibri"/>
+              <a:ea typeface="DejaVu Sans"/>
+            </a:endParaRPr>
+          </a:p>
+        </p:txBody>
+      </p:sp>
+      <p:sp>
+        <p:nvSpPr>
+          <p:cNvPr id="244" name="Rectangle 52"/>
+          <p:cNvSpPr/>
+          <p:nvPr/>
+        </p:nvSpPr>
+        <p:spPr>
+          <a:xfrm>
+            <a:off x="2743200" y="0"/>
+            <a:ext cx="17280" cy="6856920"/>
+          </a:xfrm>
+          <a:prstGeom prst="rect">
+            <a:avLst/>
+          </a:prstGeom>
+          <a:solidFill>
+            <a:srgbClr val="121216"/>
+          </a:solidFill>
+          <a:ln>
+            <a:noFill/>
+          </a:ln>
+          <a:effectLst>
+            <a:outerShdw blurRad="39960" dir="5400000" dist="23040" rotWithShape="0">
+              <a:srgbClr val="000000">
+                <a:alpha val="35000"/>
+              </a:srgbClr>
+            </a:outerShdw>
+          </a:effectLst>
+        </p:spPr>
+        <p:style>
+          <a:lnRef idx="1">
+            <a:schemeClr val="accent1"/>
+          </a:lnRef>
+          <a:fillRef idx="3">
+            <a:schemeClr val="accent1"/>
+          </a:fillRef>
+          <a:effectRef idx="2">
+            <a:schemeClr val="accent1"/>
+          </a:effectRef>
+          <a:fontRef idx="minor"/>
+        </p:style>
+        <p:txBody>
+          <a:bodyPr lIns="90000" rIns="90000" tIns="45000" bIns="45000" anchor="ctr">
+            <a:noAutofit/>
+          </a:bodyPr>
+          <a:p>
+            <a:endParaRPr b="0" lang="en-US" sz="1800" spc="-1" strike="noStrike">
+              <a:solidFill>
+                <a:schemeClr val="lt1"/>
+              </a:solidFill>
+              <a:latin typeface="Calibri"/>
+              <a:ea typeface="DejaVu Sans"/>
+            </a:endParaRPr>
+          </a:p>
+        </p:txBody>
+      </p:sp>
+      <p:sp>
+        <p:nvSpPr>
+          <p:cNvPr id="245" name="Rectangle 53"/>
+          <p:cNvSpPr/>
+          <p:nvPr/>
+        </p:nvSpPr>
+        <p:spPr>
+          <a:xfrm>
+            <a:off x="3657600" y="0"/>
+            <a:ext cx="17280" cy="6856920"/>
+          </a:xfrm>
+          <a:prstGeom prst="rect">
+            <a:avLst/>
+          </a:prstGeom>
+          <a:solidFill>
+            <a:srgbClr val="121216"/>
+          </a:solidFill>
+          <a:ln>
+            <a:noFill/>
+          </a:ln>
+          <a:effectLst>
+            <a:outerShdw blurRad="39960" dir="5400000" dist="23040" rotWithShape="0">
+              <a:srgbClr val="000000">
+                <a:alpha val="35000"/>
+              </a:srgbClr>
+            </a:outerShdw>
+          </a:effectLst>
+        </p:spPr>
+        <p:style>
+          <a:lnRef idx="1">
+            <a:schemeClr val="accent1"/>
+          </a:lnRef>
+          <a:fillRef idx="3">
+            <a:schemeClr val="accent1"/>
+          </a:fillRef>
+          <a:effectRef idx="2">
+            <a:schemeClr val="accent1"/>
+          </a:effectRef>
+          <a:fontRef idx="minor"/>
+        </p:style>
+        <p:txBody>
+          <a:bodyPr lIns="90000" rIns="90000" tIns="45000" bIns="45000" anchor="ctr">
+            <a:noAutofit/>
+          </a:bodyPr>
+          <a:p>
+            <a:endParaRPr b="0" lang="en-US" sz="1800" spc="-1" strike="noStrike">
+              <a:solidFill>
+                <a:schemeClr val="lt1"/>
+              </a:solidFill>
+              <a:latin typeface="Calibri"/>
+              <a:ea typeface="DejaVu Sans"/>
+            </a:endParaRPr>
+          </a:p>
+        </p:txBody>
+      </p:sp>
+      <p:sp>
+        <p:nvSpPr>
+          <p:cNvPr id="246" name="Rectangle 54"/>
+          <p:cNvSpPr/>
+          <p:nvPr/>
+        </p:nvSpPr>
+        <p:spPr>
+          <a:xfrm>
+            <a:off x="4572000" y="0"/>
+            <a:ext cx="17280" cy="6856920"/>
+          </a:xfrm>
+          <a:prstGeom prst="rect">
+            <a:avLst/>
+          </a:prstGeom>
+          <a:solidFill>
+            <a:srgbClr val="121216"/>
+          </a:solidFill>
+          <a:ln>
+            <a:noFill/>
+          </a:ln>
+          <a:effectLst>
+            <a:outerShdw blurRad="39960" dir="5400000" dist="23040" rotWithShape="0">
+              <a:srgbClr val="000000">
+                <a:alpha val="35000"/>
+              </a:srgbClr>
+            </a:outerShdw>
+          </a:effectLst>
+        </p:spPr>
+        <p:style>
+          <a:lnRef idx="1">
+            <a:schemeClr val="accent1"/>
+          </a:lnRef>
+          <a:fillRef idx="3">
+            <a:schemeClr val="accent1"/>
+          </a:fillRef>
+          <a:effectRef idx="2">
+            <a:schemeClr val="accent1"/>
+          </a:effectRef>
+          <a:fontRef idx="minor"/>
+        </p:style>
+        <p:txBody>
+          <a:bodyPr lIns="90000" rIns="90000" tIns="45000" bIns="45000" anchor="ctr">
+            <a:noAutofit/>
+          </a:bodyPr>
+          <a:p>
+            <a:endParaRPr b="0" lang="en-US" sz="1800" spc="-1" strike="noStrike">
+              <a:solidFill>
+                <a:schemeClr val="lt1"/>
+              </a:solidFill>
+              <a:latin typeface="Calibri"/>
+              <a:ea typeface="DejaVu Sans"/>
+            </a:endParaRPr>
+          </a:p>
+        </p:txBody>
+      </p:sp>
+      <p:sp>
+        <p:nvSpPr>
+          <p:cNvPr id="247" name="Rectangle 55"/>
+          <p:cNvSpPr/>
+          <p:nvPr/>
+        </p:nvSpPr>
+        <p:spPr>
+          <a:xfrm>
+            <a:off x="5486400" y="0"/>
+            <a:ext cx="17280" cy="6856920"/>
+          </a:xfrm>
+          <a:prstGeom prst="rect">
+            <a:avLst/>
+          </a:prstGeom>
+          <a:solidFill>
+            <a:srgbClr val="121216"/>
+          </a:solidFill>
+          <a:ln>
+            <a:noFill/>
+          </a:ln>
+          <a:effectLst>
+            <a:outerShdw blurRad="39960" dir="5400000" dist="23040" rotWithShape="0">
+              <a:srgbClr val="000000">
+                <a:alpha val="35000"/>
+              </a:srgbClr>
+            </a:outerShdw>
+          </a:effectLst>
+        </p:spPr>
+        <p:style>
+          <a:lnRef idx="1">
+            <a:schemeClr val="accent1"/>
+          </a:lnRef>
+          <a:fillRef idx="3">
+            <a:schemeClr val="accent1"/>
+          </a:fillRef>
+          <a:effectRef idx="2">
+            <a:schemeClr val="accent1"/>
+          </a:effectRef>
+          <a:fontRef idx="minor"/>
+        </p:style>
+        <p:txBody>
+          <a:bodyPr lIns="90000" rIns="90000" tIns="45000" bIns="45000" anchor="ctr">
+            <a:noAutofit/>
+          </a:bodyPr>
+          <a:p>
+            <a:endParaRPr b="0" lang="en-US" sz="1800" spc="-1" strike="noStrike">
+              <a:solidFill>
+                <a:schemeClr val="lt1"/>
+              </a:solidFill>
+              <a:latin typeface="Calibri"/>
+              <a:ea typeface="DejaVu Sans"/>
+            </a:endParaRPr>
+          </a:p>
+        </p:txBody>
+      </p:sp>
+      <p:sp>
+        <p:nvSpPr>
+          <p:cNvPr id="248" name="Rectangle 56"/>
+          <p:cNvSpPr/>
+          <p:nvPr/>
+        </p:nvSpPr>
+        <p:spPr>
+          <a:xfrm>
+            <a:off x="6400800" y="0"/>
+            <a:ext cx="17280" cy="6856920"/>
+          </a:xfrm>
+          <a:prstGeom prst="rect">
+            <a:avLst/>
+          </a:prstGeom>
+          <a:solidFill>
+            <a:srgbClr val="121216"/>
+          </a:solidFill>
+          <a:ln>
+            <a:noFill/>
+          </a:ln>
+          <a:effectLst>
+            <a:outerShdw blurRad="39960" dir="5400000" dist="23040" rotWithShape="0">
+              <a:srgbClr val="000000">
+                <a:alpha val="35000"/>
+              </a:srgbClr>
+            </a:outerShdw>
+          </a:effectLst>
+        </p:spPr>
+        <p:style>
+          <a:lnRef idx="1">
+            <a:schemeClr val="accent1"/>
+          </a:lnRef>
+          <a:fillRef idx="3">
+            <a:schemeClr val="accent1"/>
+          </a:fillRef>
+          <a:effectRef idx="2">
+            <a:schemeClr val="accent1"/>
+          </a:effectRef>
+          <a:fontRef idx="minor"/>
+        </p:style>
+        <p:txBody>
+          <a:bodyPr lIns="90000" rIns="90000" tIns="45000" bIns="45000" anchor="ctr">
+            <a:noAutofit/>
+          </a:bodyPr>
+          <a:p>
+            <a:endParaRPr b="0" lang="en-US" sz="1800" spc="-1" strike="noStrike">
+              <a:solidFill>
+                <a:schemeClr val="lt1"/>
+              </a:solidFill>
+              <a:latin typeface="Calibri"/>
+              <a:ea typeface="DejaVu Sans"/>
+            </a:endParaRPr>
+          </a:p>
+        </p:txBody>
+      </p:sp>
+      <p:sp>
+        <p:nvSpPr>
+          <p:cNvPr id="249" name="Rectangle 57"/>
+          <p:cNvSpPr/>
+          <p:nvPr/>
+        </p:nvSpPr>
+        <p:spPr>
+          <a:xfrm>
+            <a:off x="7315200" y="0"/>
+            <a:ext cx="17280" cy="6856920"/>
+          </a:xfrm>
+          <a:prstGeom prst="rect">
+            <a:avLst/>
+          </a:prstGeom>
+          <a:solidFill>
+            <a:srgbClr val="121216"/>
+          </a:solidFill>
+          <a:ln>
+            <a:noFill/>
+          </a:ln>
+          <a:effectLst>
+            <a:outerShdw blurRad="39960" dir="5400000" dist="23040" rotWithShape="0">
+              <a:srgbClr val="000000">
+                <a:alpha val="35000"/>
+              </a:srgbClr>
+            </a:outerShdw>
+          </a:effectLst>
+        </p:spPr>
+        <p:style>
+          <a:lnRef idx="1">
+            <a:schemeClr val="accent1"/>
+          </a:lnRef>
+          <a:fillRef idx="3">
+            <a:schemeClr val="accent1"/>
+          </a:fillRef>
+          <a:effectRef idx="2">
+            <a:schemeClr val="accent1"/>
+          </a:effectRef>
+          <a:fontRef idx="minor"/>
+        </p:style>
+        <p:txBody>
+          <a:bodyPr lIns="90000" rIns="90000" tIns="45000" bIns="45000" anchor="ctr">
+            <a:noAutofit/>
+          </a:bodyPr>
+          <a:p>
+            <a:endParaRPr b="0" lang="en-US" sz="1800" spc="-1" strike="noStrike">
+              <a:solidFill>
+                <a:schemeClr val="lt1"/>
+              </a:solidFill>
+              <a:latin typeface="Calibri"/>
+              <a:ea typeface="DejaVu Sans"/>
+            </a:endParaRPr>
+          </a:p>
+        </p:txBody>
+      </p:sp>
+      <p:sp>
+        <p:nvSpPr>
+          <p:cNvPr id="250" name="Rectangle 58"/>
+          <p:cNvSpPr/>
+          <p:nvPr/>
+        </p:nvSpPr>
+        <p:spPr>
+          <a:xfrm>
+            <a:off x="8229600" y="0"/>
+            <a:ext cx="17280" cy="6856920"/>
+          </a:xfrm>
+          <a:prstGeom prst="rect">
+            <a:avLst/>
+          </a:prstGeom>
+          <a:solidFill>
+            <a:srgbClr val="121216"/>
+          </a:solidFill>
+          <a:ln>
+            <a:noFill/>
+          </a:ln>
+          <a:effectLst>
+            <a:outerShdw blurRad="39960" dir="5400000" dist="23040" rotWithShape="0">
+              <a:srgbClr val="000000">
+                <a:alpha val="35000"/>
+              </a:srgbClr>
+            </a:outerShdw>
+          </a:effectLst>
+        </p:spPr>
+        <p:style>
+          <a:lnRef idx="1">
+            <a:schemeClr val="accent1"/>
+          </a:lnRef>
+          <a:fillRef idx="3">
+            <a:schemeClr val="accent1"/>
+          </a:fillRef>
+          <a:effectRef idx="2">
+            <a:schemeClr val="accent1"/>
+          </a:effectRef>
+          <a:fontRef idx="minor"/>
+        </p:style>
+        <p:txBody>
+          <a:bodyPr lIns="90000" rIns="90000" tIns="45000" bIns="45000" anchor="ctr">
+            <a:noAutofit/>
+          </a:bodyPr>
+          <a:p>
+            <a:endParaRPr b="0" lang="en-US" sz="1800" spc="-1" strike="noStrike">
+              <a:solidFill>
+                <a:schemeClr val="lt1"/>
+              </a:solidFill>
+              <a:latin typeface="Calibri"/>
+              <a:ea typeface="DejaVu Sans"/>
+            </a:endParaRPr>
+          </a:p>
+        </p:txBody>
+      </p:sp>
+      <p:sp>
+        <p:nvSpPr>
+          <p:cNvPr id="251" name="Rectangle 59"/>
+          <p:cNvSpPr/>
+          <p:nvPr/>
+        </p:nvSpPr>
+        <p:spPr>
+          <a:xfrm>
+            <a:off x="9144000" y="0"/>
+            <a:ext cx="17280" cy="6856920"/>
+          </a:xfrm>
+          <a:prstGeom prst="rect">
+            <a:avLst/>
+          </a:prstGeom>
+          <a:solidFill>
+            <a:srgbClr val="121216"/>
+          </a:solidFill>
+          <a:ln>
+            <a:noFill/>
+          </a:ln>
+          <a:effectLst>
+            <a:outerShdw blurRad="39960" dir="5400000" dist="23040" rotWithShape="0">
+              <a:srgbClr val="000000">
+                <a:alpha val="35000"/>
+              </a:srgbClr>
+            </a:outerShdw>
+          </a:effectLst>
+        </p:spPr>
+        <p:style>
+          <a:lnRef idx="1">
+            <a:schemeClr val="accent1"/>
+          </a:lnRef>
+          <a:fillRef idx="3">
+            <a:schemeClr val="accent1"/>
+          </a:fillRef>
+          <a:effectRef idx="2">
+            <a:schemeClr val="accent1"/>
+          </a:effectRef>
+          <a:fontRef idx="minor"/>
+        </p:style>
+        <p:txBody>
+          <a:bodyPr lIns="90000" rIns="90000" tIns="45000" bIns="45000" anchor="ctr">
+            <a:noAutofit/>
+          </a:bodyPr>
+          <a:p>
+            <a:endParaRPr b="0" lang="en-US" sz="1800" spc="-1" strike="noStrike">
+              <a:solidFill>
+                <a:schemeClr val="lt1"/>
+              </a:solidFill>
+              <a:latin typeface="Calibri"/>
+              <a:ea typeface="DejaVu Sans"/>
+            </a:endParaRPr>
+          </a:p>
+        </p:txBody>
+      </p:sp>
+      <p:sp>
+        <p:nvSpPr>
+          <p:cNvPr id="252" name="Rectangle 60"/>
+          <p:cNvSpPr/>
+          <p:nvPr/>
+        </p:nvSpPr>
+        <p:spPr>
+          <a:xfrm>
+            <a:off x="10058400" y="0"/>
+            <a:ext cx="17280" cy="6856920"/>
+          </a:xfrm>
+          <a:prstGeom prst="rect">
+            <a:avLst/>
+          </a:prstGeom>
+          <a:solidFill>
+            <a:srgbClr val="121216"/>
+          </a:solidFill>
+          <a:ln>
+            <a:noFill/>
+          </a:ln>
+          <a:effectLst>
+            <a:outerShdw blurRad="39960" dir="5400000" dist="23040" rotWithShape="0">
+              <a:srgbClr val="000000">
+                <a:alpha val="35000"/>
+              </a:srgbClr>
+            </a:outerShdw>
+          </a:effectLst>
+        </p:spPr>
+        <p:style>
+          <a:lnRef idx="1">
+            <a:schemeClr val="accent1"/>
+          </a:lnRef>
+          <a:fillRef idx="3">
+            <a:schemeClr val="accent1"/>
+          </a:fillRef>
+          <a:effectRef idx="2">
+            <a:schemeClr val="accent1"/>
+          </a:effectRef>
+          <a:fontRef idx="minor"/>
+        </p:style>
+        <p:txBody>
+          <a:bodyPr lIns="90000" rIns="90000" tIns="45000" bIns="45000" anchor="ctr">
+            <a:noAutofit/>
+          </a:bodyPr>
+          <a:p>
+            <a:endParaRPr b="0" lang="en-US" sz="1800" spc="-1" strike="noStrike">
+              <a:solidFill>
+                <a:schemeClr val="lt1"/>
+              </a:solidFill>
+              <a:latin typeface="Calibri"/>
+              <a:ea typeface="DejaVu Sans"/>
+            </a:endParaRPr>
+          </a:p>
+        </p:txBody>
+      </p:sp>
+      <p:sp>
+        <p:nvSpPr>
+          <p:cNvPr id="253" name="Rectangle 61"/>
+          <p:cNvSpPr/>
+          <p:nvPr/>
+        </p:nvSpPr>
+        <p:spPr>
+          <a:xfrm>
+            <a:off x="10972800" y="0"/>
+            <a:ext cx="17280" cy="6856920"/>
+          </a:xfrm>
+          <a:prstGeom prst="rect">
+            <a:avLst/>
+          </a:prstGeom>
+          <a:solidFill>
+            <a:srgbClr val="121216"/>
+          </a:solidFill>
+          <a:ln>
+            <a:noFill/>
+          </a:ln>
+          <a:effectLst>
+            <a:outerShdw blurRad="39960" dir="5400000" dist="23040" rotWithShape="0">
+              <a:srgbClr val="000000">
+                <a:alpha val="35000"/>
+              </a:srgbClr>
+            </a:outerShdw>
+          </a:effectLst>
+        </p:spPr>
+        <p:style>
+          <a:lnRef idx="1">
+            <a:schemeClr val="accent1"/>
+          </a:lnRef>
+          <a:fillRef idx="3">
+            <a:schemeClr val="accent1"/>
+          </a:fillRef>
+          <a:effectRef idx="2">
+            <a:schemeClr val="accent1"/>
+          </a:effectRef>
+          <a:fontRef idx="minor"/>
+        </p:style>
+        <p:txBody>
+          <a:bodyPr lIns="90000" rIns="90000" tIns="45000" bIns="45000" anchor="ctr">
+            <a:noAutofit/>
+          </a:bodyPr>
+          <a:p>
+            <a:endParaRPr b="0" lang="en-US" sz="1800" spc="-1" strike="noStrike">
+              <a:solidFill>
+                <a:schemeClr val="lt1"/>
+              </a:solidFill>
+              <a:latin typeface="Calibri"/>
+              <a:ea typeface="DejaVu Sans"/>
+            </a:endParaRPr>
+          </a:p>
+        </p:txBody>
+      </p:sp>
+      <p:sp>
+        <p:nvSpPr>
+          <p:cNvPr id="254" name="Rectangle 62"/>
+          <p:cNvSpPr/>
+          <p:nvPr/>
+        </p:nvSpPr>
+        <p:spPr>
+          <a:xfrm>
+            <a:off x="11887200" y="0"/>
+            <a:ext cx="17280" cy="6856920"/>
+          </a:xfrm>
+          <a:prstGeom prst="rect">
+            <a:avLst/>
+          </a:prstGeom>
+          <a:solidFill>
+            <a:srgbClr val="121216"/>
+          </a:solidFill>
+          <a:ln>
+            <a:noFill/>
+          </a:ln>
+          <a:effectLst>
+            <a:outerShdw blurRad="39960" dir="5400000" dist="23040" rotWithShape="0">
+              <a:srgbClr val="000000">
+                <a:alpha val="35000"/>
+              </a:srgbClr>
+            </a:outerShdw>
+          </a:effectLst>
+        </p:spPr>
+        <p:style>
+          <a:lnRef idx="1">
+            <a:schemeClr val="accent1"/>
+          </a:lnRef>
+          <a:fillRef idx="3">
+            <a:schemeClr val="accent1"/>
+          </a:fillRef>
+          <a:effectRef idx="2">
+            <a:schemeClr val="accent1"/>
+          </a:effectRef>
+          <a:fontRef idx="minor"/>
+        </p:style>
+        <p:txBody>
+          <a:bodyPr lIns="90000" rIns="90000" tIns="45000" bIns="45000" anchor="ctr">
+            <a:noAutofit/>
+          </a:bodyPr>
+          <a:p>
+            <a:endParaRPr b="0" lang="en-US" sz="1800" spc="-1" strike="noStrike">
+              <a:solidFill>
+                <a:schemeClr val="lt1"/>
+              </a:solidFill>
+              <a:latin typeface="Calibri"/>
+              <a:ea typeface="DejaVu Sans"/>
+            </a:endParaRPr>
+          </a:p>
+        </p:txBody>
+      </p:sp>
+      <p:sp>
+        <p:nvSpPr>
+          <p:cNvPr id="255" name="Rectangle 63"/>
+          <p:cNvSpPr/>
+          <p:nvPr/>
+        </p:nvSpPr>
+        <p:spPr>
+          <a:xfrm>
+            <a:off x="0" y="0"/>
+            <a:ext cx="318960" cy="6856920"/>
+          </a:xfrm>
+          <a:prstGeom prst="rect">
+            <a:avLst/>
+          </a:prstGeom>
+          <a:solidFill>
+            <a:srgbClr val="ff8c00"/>
+          </a:solidFill>
+          <a:ln>
+            <a:noFill/>
+          </a:ln>
+          <a:effectLst>
+            <a:outerShdw blurRad="39960" dir="5400000" dist="23040" rotWithShape="0">
+              <a:srgbClr val="000000">
+                <a:alpha val="35000"/>
+              </a:srgbClr>
+            </a:outerShdw>
+          </a:effectLst>
+        </p:spPr>
+        <p:style>
+          <a:lnRef idx="1">
+            <a:schemeClr val="accent1"/>
+          </a:lnRef>
+          <a:fillRef idx="3">
+            <a:schemeClr val="accent1"/>
+          </a:fillRef>
+          <a:effectRef idx="2">
+            <a:schemeClr val="accent1"/>
+          </a:effectRef>
+          <a:fontRef idx="minor"/>
+        </p:style>
+        <p:txBody>
+          <a:bodyPr lIns="90000" rIns="90000" tIns="45000" bIns="45000" anchor="ctr">
+            <a:noAutofit/>
+          </a:bodyPr>
+          <a:p>
+            <a:endParaRPr b="0" lang="en-US" sz="1800" spc="-1" strike="noStrike">
+              <a:solidFill>
+                <a:schemeClr val="lt1"/>
+              </a:solidFill>
+              <a:latin typeface="Calibri"/>
+              <a:ea typeface="DejaVu Sans"/>
+            </a:endParaRPr>
+          </a:p>
+        </p:txBody>
+      </p:sp>
+      <p:sp>
+        <p:nvSpPr>
+          <p:cNvPr id="256" name="Rounded Rectangle 29"/>
+          <p:cNvSpPr/>
+          <p:nvPr/>
+        </p:nvSpPr>
+        <p:spPr>
+          <a:xfrm>
+            <a:off x="9875520" y="365760"/>
+            <a:ext cx="2010600" cy="501840"/>
+          </a:xfrm>
+          <a:prstGeom prst="roundRect">
+            <a:avLst>
+              <a:gd name="adj" fmla="val 16667"/>
+            </a:avLst>
+          </a:prstGeom>
+          <a:solidFill>
+            <a:srgbClr val="1e1e24"/>
+          </a:solidFill>
+          <a:ln>
+            <a:solidFill>
+              <a:srgbClr val="ff8c00"/>
+            </a:solidFill>
+            <a:round/>
+          </a:ln>
+          <a:effectLst>
+            <a:outerShdw blurRad="39960" dir="5400000" dist="23040" rotWithShape="0">
+              <a:srgbClr val="000000">
+                <a:alpha val="35000"/>
+              </a:srgbClr>
+            </a:outerShdw>
+          </a:effectLst>
+        </p:spPr>
+        <p:style>
+          <a:lnRef idx="1">
+            <a:schemeClr val="accent1"/>
+          </a:lnRef>
+          <a:fillRef idx="3">
+            <a:schemeClr val="accent1"/>
+          </a:fillRef>
+          <a:effectRef idx="2">
+            <a:schemeClr val="accent1"/>
+          </a:effectRef>
+          <a:fontRef idx="minor"/>
+        </p:style>
+        <p:txBody>
+          <a:bodyPr lIns="90000" rIns="90000" tIns="45000" bIns="45000" anchor="ctr">
+            <a:noAutofit/>
+          </a:bodyPr>
+          <a:p>
+            <a:pPr algn="ctr">
+              <a:lnSpc>
+                <a:spcPct val="100000"/>
+              </a:lnSpc>
+            </a:pPr>
+            <a:r>
+              <a:rPr b="1" lang="en-US" sz="1400" spc="-1" strike="noStrike">
+                <a:solidFill>
+                  <a:srgbClr val="ffb45a"/>
+                </a:solidFill>
+                <a:latin typeface="Calibri"/>
+                <a:ea typeface="DejaVu Sans"/>
+              </a:rPr>
+              <a:t>JAVA TEMELLERI</a:t>
+            </a:r>
+            <a:endParaRPr b="0" lang="en-US" sz="1400" spc="-1" strike="noStrike">
+              <a:solidFill>
+                <a:srgbClr val="ffffff"/>
+              </a:solidFill>
+              <a:latin typeface="Arial"/>
+            </a:endParaRPr>
+          </a:p>
+        </p:txBody>
+      </p:sp>
+      <p:sp>
+        <p:nvSpPr>
+          <p:cNvPr id="257" name="TextBox 10"/>
+          <p:cNvSpPr/>
+          <p:nvPr/>
+        </p:nvSpPr>
+        <p:spPr>
+          <a:xfrm>
+            <a:off x="3163320" y="1005840"/>
+            <a:ext cx="4645080" cy="820800"/>
+          </a:xfrm>
+          <a:prstGeom prst="rect">
+            <a:avLst/>
+          </a:prstGeom>
+          <a:noFill/>
+          <a:ln w="0">
+            <a:noFill/>
+          </a:ln>
+        </p:spPr>
+        <p:style>
+          <a:lnRef idx="0"/>
+          <a:fillRef idx="0"/>
+          <a:effectRef idx="0"/>
+          <a:fontRef idx="minor"/>
+        </p:style>
+        <p:txBody>
+          <a:bodyPr wrap="none" lIns="90000" rIns="90000" tIns="45000" bIns="45000" anchor="t">
+            <a:spAutoFit/>
+          </a:bodyPr>
+          <a:p>
+            <a:pPr>
+              <a:lnSpc>
+                <a:spcPct val="100000"/>
+              </a:lnSpc>
+            </a:pPr>
+            <a:r>
+              <a:rPr b="1" lang="en-US" sz="4800" spc="-1" strike="noStrike">
+                <a:solidFill>
+                  <a:srgbClr val="f5f5f5"/>
+                </a:solidFill>
+                <a:latin typeface="Calibri"/>
+                <a:ea typeface="DejaVu Sans"/>
+              </a:rPr>
+              <a:t>JRE vs JDK vs JVM</a:t>
+            </a:r>
+            <a:endParaRPr b="0" lang="en-US" sz="4800" spc="-1" strike="noStrike">
+              <a:solidFill>
+                <a:srgbClr val="000000"/>
+              </a:solidFill>
+              <a:latin typeface="Arial"/>
+            </a:endParaRPr>
+          </a:p>
+        </p:txBody>
+      </p:sp>
+      <p:sp>
+        <p:nvSpPr>
+          <p:cNvPr id="258" name="TextBox 11"/>
+          <p:cNvSpPr/>
+          <p:nvPr/>
+        </p:nvSpPr>
+        <p:spPr>
+          <a:xfrm>
+            <a:off x="3609720" y="2194560"/>
+            <a:ext cx="3751920" cy="379080"/>
+          </a:xfrm>
+          <a:prstGeom prst="rect">
+            <a:avLst/>
+          </a:prstGeom>
+          <a:noFill/>
+          <a:ln w="0">
+            <a:noFill/>
+          </a:ln>
+        </p:spPr>
+        <p:style>
+          <a:lnRef idx="0"/>
+          <a:fillRef idx="0"/>
+          <a:effectRef idx="0"/>
+          <a:fontRef idx="minor"/>
+        </p:style>
+        <p:txBody>
+          <a:bodyPr wrap="none" lIns="90000" rIns="90000" tIns="45000" bIns="45000" anchor="t">
+            <a:spAutoFit/>
+          </a:bodyPr>
+          <a:p>
+            <a:pPr>
+              <a:lnSpc>
+                <a:spcPct val="100000"/>
+              </a:lnSpc>
+            </a:pPr>
+            <a:r>
+              <a:rPr b="0" lang="en-US" sz="1900" spc="-1" strike="noStrike">
+                <a:solidFill>
+                  <a:srgbClr val="aaaaaa"/>
+                </a:solidFill>
+                <a:latin typeface="Calibri"/>
+                <a:ea typeface="DejaVu Sans"/>
+              </a:rPr>
+              <a:t>Java’nın Temel Bileşenlerini Anlamak</a:t>
+            </a:r>
+            <a:endParaRPr b="0" lang="en-US" sz="1900" spc="-1" strike="noStrike">
+              <a:solidFill>
+                <a:srgbClr val="000000"/>
+              </a:solidFill>
+              <a:latin typeface="Arial"/>
+            </a:endParaRPr>
+          </a:p>
+        </p:txBody>
+      </p:sp>
+      <p:sp>
+        <p:nvSpPr>
+          <p:cNvPr id="259" name="Rounded Rectangle 30"/>
+          <p:cNvSpPr/>
+          <p:nvPr/>
+        </p:nvSpPr>
+        <p:spPr>
+          <a:xfrm>
+            <a:off x="987480" y="3182040"/>
+            <a:ext cx="3290760" cy="2742120"/>
+          </a:xfrm>
+          <a:prstGeom prst="roundRect">
+            <a:avLst>
+              <a:gd name="adj" fmla="val 16667"/>
+            </a:avLst>
+          </a:prstGeom>
+          <a:solidFill>
+            <a:srgbClr val="08080a"/>
+          </a:solidFill>
+          <a:ln>
+            <a:noFill/>
+          </a:ln>
+          <a:effectLst>
+            <a:outerShdw blurRad="39960" dir="5400000" dist="23040" rotWithShape="0">
+              <a:srgbClr val="000000">
+                <a:alpha val="35000"/>
+              </a:srgbClr>
+            </a:outerShdw>
+          </a:effectLst>
+        </p:spPr>
+        <p:style>
+          <a:lnRef idx="1">
+            <a:schemeClr val="accent1"/>
+          </a:lnRef>
+          <a:fillRef idx="3">
+            <a:schemeClr val="accent1"/>
+          </a:fillRef>
+          <a:effectRef idx="2">
+            <a:schemeClr val="accent1"/>
+          </a:effectRef>
+          <a:fontRef idx="minor"/>
+        </p:style>
+        <p:txBody>
+          <a:bodyPr lIns="90000" rIns="90000" tIns="45000" bIns="45000" anchor="ctr">
+            <a:noAutofit/>
+          </a:bodyPr>
+          <a:p>
+            <a:endParaRPr b="0" lang="en-US" sz="1800" spc="-1" strike="noStrike">
+              <a:solidFill>
+                <a:schemeClr val="lt1"/>
+              </a:solidFill>
+              <a:latin typeface="Calibri"/>
+              <a:ea typeface="DejaVu Sans"/>
+            </a:endParaRPr>
+          </a:p>
+        </p:txBody>
+      </p:sp>
+      <p:sp>
+        <p:nvSpPr>
+          <p:cNvPr id="260" name="Rounded Rectangle 31"/>
+          <p:cNvSpPr/>
+          <p:nvPr/>
+        </p:nvSpPr>
+        <p:spPr>
+          <a:xfrm>
+            <a:off x="685800" y="2971800"/>
+            <a:ext cx="3519360" cy="3200400"/>
+          </a:xfrm>
+          <a:prstGeom prst="roundRect">
+            <a:avLst>
+              <a:gd name="adj" fmla="val 16667"/>
+            </a:avLst>
+          </a:prstGeom>
+          <a:solidFill>
+            <a:srgbClr val="16161c"/>
+          </a:solidFill>
+          <a:ln>
+            <a:solidFill>
+              <a:srgbClr val="464655"/>
+            </a:solidFill>
+            <a:round/>
+          </a:ln>
+          <a:effectLst>
+            <a:outerShdw blurRad="39960" dir="5400000" dist="23040" rotWithShape="0">
+              <a:srgbClr val="000000">
+                <a:alpha val="35000"/>
+              </a:srgbClr>
+            </a:outerShdw>
+          </a:effectLst>
+        </p:spPr>
+        <p:style>
+          <a:lnRef idx="1">
+            <a:schemeClr val="accent1"/>
+          </a:lnRef>
+          <a:fillRef idx="3">
+            <a:schemeClr val="accent1"/>
+          </a:fillRef>
+          <a:effectRef idx="2">
+            <a:schemeClr val="accent1"/>
+          </a:effectRef>
+          <a:fontRef idx="minor"/>
+        </p:style>
+        <p:txBody>
+          <a:bodyPr lIns="90000" rIns="90000" tIns="45000" bIns="45000" anchor="ctr">
+            <a:noAutofit/>
+          </a:bodyPr>
+          <a:p>
+            <a:pPr>
+              <a:lnSpc>
+                <a:spcPct val="100000"/>
+              </a:lnSpc>
+            </a:pPr>
+            <a:r>
+              <a:rPr b="0" lang="en-US" sz="1100" spc="-1" strike="noStrike">
+                <a:solidFill>
+                  <a:schemeClr val="lt1"/>
+                </a:solidFill>
+                <a:latin typeface="Calibri"/>
+                <a:ea typeface="DejaVu Sans"/>
+              </a:rPr>
+              <a:t>Java, uygulamaları geliştirmek ve çalıştırmak için birlikte çalışan üç temel katmandan oluşur.</a:t>
+            </a:r>
+            <a:endParaRPr b="0" lang="en-US" sz="1100" spc="-1" strike="noStrike">
+              <a:solidFill>
+                <a:srgbClr val="ffffff"/>
+              </a:solidFill>
+              <a:latin typeface="Calibri"/>
+            </a:endParaRPr>
+          </a:p>
+          <a:p>
+            <a:pPr>
+              <a:lnSpc>
+                <a:spcPct val="100000"/>
+              </a:lnSpc>
+            </a:pPr>
+            <a:endParaRPr b="0" lang="en-US" sz="1100" spc="-1" strike="noStrike">
+              <a:solidFill>
+                <a:srgbClr val="ffffff"/>
+              </a:solidFill>
+              <a:latin typeface="Calibri"/>
+            </a:endParaRPr>
+          </a:p>
+          <a:p>
+            <a:pPr>
+              <a:lnSpc>
+                <a:spcPct val="100000"/>
+              </a:lnSpc>
+            </a:pPr>
+            <a:r>
+              <a:rPr b="0" lang="en-US" sz="1100" spc="-1" strike="noStrike">
+                <a:solidFill>
+                  <a:schemeClr val="lt1"/>
+                </a:solidFill>
+                <a:latin typeface="Calibri"/>
+                <a:ea typeface="DejaVu Sans"/>
+              </a:rPr>
+              <a:t>✔ </a:t>
+            </a:r>
+            <a:r>
+              <a:rPr b="0" lang="en-US" sz="1100" spc="-1" strike="noStrike">
+                <a:solidFill>
+                  <a:schemeClr val="lt1"/>
+                </a:solidFill>
+                <a:latin typeface="Calibri"/>
+                <a:ea typeface="DejaVu Sans"/>
+              </a:rPr>
+              <a:t>JVM (Java Sanal Makinesi)</a:t>
+            </a:r>
+            <a:endParaRPr b="0" lang="en-US" sz="1100" spc="-1" strike="noStrike">
+              <a:solidFill>
+                <a:srgbClr val="ffffff"/>
+              </a:solidFill>
+              <a:latin typeface="Calibri"/>
+            </a:endParaRPr>
+          </a:p>
+          <a:p>
+            <a:pPr>
+              <a:lnSpc>
+                <a:spcPct val="100000"/>
+              </a:lnSpc>
+            </a:pPr>
+            <a:r>
+              <a:rPr b="0" lang="en-US" sz="1100" spc="-1" strike="noStrike">
+                <a:solidFill>
+                  <a:schemeClr val="lt1"/>
+                </a:solidFill>
+                <a:latin typeface="Calibri"/>
+                <a:ea typeface="DejaVu Sans"/>
+              </a:rPr>
+              <a:t>Java bytecode’u çalıştırır ve Java’yı platformdan bağımsız hale getirir.</a:t>
+            </a:r>
+            <a:endParaRPr b="0" lang="en-US" sz="1100" spc="-1" strike="noStrike">
+              <a:solidFill>
+                <a:srgbClr val="ffffff"/>
+              </a:solidFill>
+              <a:latin typeface="Calibri"/>
+            </a:endParaRPr>
+          </a:p>
+          <a:p>
+            <a:pPr>
+              <a:lnSpc>
+                <a:spcPct val="100000"/>
+              </a:lnSpc>
+            </a:pPr>
+            <a:endParaRPr b="0" lang="en-US" sz="1100" spc="-1" strike="noStrike">
+              <a:solidFill>
+                <a:srgbClr val="ffffff"/>
+              </a:solidFill>
+              <a:latin typeface="Calibri"/>
+            </a:endParaRPr>
+          </a:p>
+          <a:p>
+            <a:pPr>
+              <a:lnSpc>
+                <a:spcPct val="100000"/>
+              </a:lnSpc>
+            </a:pPr>
+            <a:r>
+              <a:rPr b="0" lang="en-US" sz="1100" spc="-1" strike="noStrike">
+                <a:solidFill>
+                  <a:schemeClr val="lt1"/>
+                </a:solidFill>
+                <a:latin typeface="Calibri"/>
+                <a:ea typeface="DejaVu Sans"/>
+              </a:rPr>
+              <a:t>✔ </a:t>
+            </a:r>
+            <a:r>
+              <a:rPr b="0" lang="en-US" sz="1100" spc="-1" strike="noStrike">
+                <a:solidFill>
+                  <a:schemeClr val="lt1"/>
+                </a:solidFill>
+                <a:latin typeface="Calibri"/>
+                <a:ea typeface="DejaVu Sans"/>
+              </a:rPr>
+              <a:t>JRE (Java Çalışma Ortamı)</a:t>
+            </a:r>
+            <a:endParaRPr b="0" lang="en-US" sz="1100" spc="-1" strike="noStrike">
+              <a:solidFill>
+                <a:srgbClr val="ffffff"/>
+              </a:solidFill>
+              <a:latin typeface="Calibri"/>
+            </a:endParaRPr>
+          </a:p>
+          <a:p>
+            <a:pPr>
+              <a:lnSpc>
+                <a:spcPct val="100000"/>
+              </a:lnSpc>
+            </a:pPr>
+            <a:r>
+              <a:rPr b="0" lang="en-US" sz="1100" spc="-1" strike="noStrike">
+                <a:solidFill>
+                  <a:schemeClr val="lt1"/>
+                </a:solidFill>
+                <a:latin typeface="Calibri"/>
+                <a:ea typeface="DejaVu Sans"/>
+              </a:rPr>
+              <a:t>Java uygulamalarını çalıştırmak için gereken her şeyi sağlar.</a:t>
+            </a:r>
+            <a:endParaRPr b="0" lang="en-US" sz="1100" spc="-1" strike="noStrike">
+              <a:solidFill>
+                <a:srgbClr val="ffffff"/>
+              </a:solidFill>
+              <a:latin typeface="Calibri"/>
+            </a:endParaRPr>
+          </a:p>
+          <a:p>
+            <a:pPr>
+              <a:lnSpc>
+                <a:spcPct val="100000"/>
+              </a:lnSpc>
+            </a:pPr>
+            <a:endParaRPr b="0" lang="en-US" sz="1100" spc="-1" strike="noStrike">
+              <a:solidFill>
+                <a:srgbClr val="ffffff"/>
+              </a:solidFill>
+              <a:latin typeface="Calibri"/>
+            </a:endParaRPr>
+          </a:p>
+          <a:p>
+            <a:pPr>
+              <a:lnSpc>
+                <a:spcPct val="100000"/>
+              </a:lnSpc>
+            </a:pPr>
+            <a:r>
+              <a:rPr b="0" lang="en-US" sz="1100" spc="-1" strike="noStrike">
+                <a:solidFill>
+                  <a:schemeClr val="lt1"/>
+                </a:solidFill>
+                <a:latin typeface="Calibri"/>
+                <a:ea typeface="DejaVu Sans"/>
+              </a:rPr>
+              <a:t>✔ </a:t>
+            </a:r>
+            <a:r>
+              <a:rPr b="0" lang="en-US" sz="1100" spc="-1" strike="noStrike">
+                <a:solidFill>
+                  <a:schemeClr val="lt1"/>
+                </a:solidFill>
+                <a:latin typeface="Calibri"/>
+                <a:ea typeface="DejaVu Sans"/>
+              </a:rPr>
+              <a:t>JDK (Java Geliştirme Kiti)</a:t>
+            </a:r>
+            <a:endParaRPr b="0" lang="en-US" sz="1100" spc="-1" strike="noStrike">
+              <a:solidFill>
+                <a:srgbClr val="ffffff"/>
+              </a:solidFill>
+              <a:latin typeface="Calibri"/>
+            </a:endParaRPr>
+          </a:p>
+          <a:p>
+            <a:pPr>
+              <a:lnSpc>
+                <a:spcPct val="100000"/>
+              </a:lnSpc>
+            </a:pPr>
+            <a:r>
+              <a:rPr b="0" lang="en-US" sz="1100" spc="-1" strike="noStrike">
+                <a:solidFill>
+                  <a:schemeClr val="lt1"/>
+                </a:solidFill>
+                <a:latin typeface="Calibri"/>
+                <a:ea typeface="DejaVu Sans"/>
+              </a:rPr>
+              <a:t>Java uygulamaları geliştirmek için gerekli araçları sağlar.</a:t>
+            </a:r>
+            <a:endParaRPr b="0" lang="en-US" sz="1100" spc="-1" strike="noStrike">
+              <a:solidFill>
+                <a:srgbClr val="ffffff"/>
+              </a:solidFill>
+              <a:latin typeface="Calibri"/>
+            </a:endParaRPr>
+          </a:p>
+          <a:p>
+            <a:pPr>
+              <a:lnSpc>
+                <a:spcPct val="100000"/>
+              </a:lnSpc>
+            </a:pPr>
+            <a:endParaRPr b="0" lang="en-US" sz="1100" spc="-1" strike="noStrike">
+              <a:solidFill>
+                <a:srgbClr val="ffffff"/>
+              </a:solidFill>
+              <a:latin typeface="Calibri"/>
+            </a:endParaRPr>
+          </a:p>
+          <a:p>
+            <a:pPr>
+              <a:lnSpc>
+                <a:spcPct val="100000"/>
+              </a:lnSpc>
+            </a:pPr>
+            <a:r>
+              <a:rPr b="1" lang="en-US" sz="1100" spc="-1" strike="noStrike">
+                <a:solidFill>
+                  <a:schemeClr val="lt1"/>
+                </a:solidFill>
+                <a:latin typeface="Calibri"/>
+                <a:ea typeface="DejaVu Sans"/>
+              </a:rPr>
+              <a:t>Şöyle düşünebilirsin:</a:t>
+            </a:r>
+            <a:endParaRPr b="0" lang="en-US" sz="1100" spc="-1" strike="noStrike">
+              <a:solidFill>
+                <a:srgbClr val="ffffff"/>
+              </a:solidFill>
+              <a:latin typeface="Calibri"/>
+            </a:endParaRPr>
+          </a:p>
+          <a:p>
+            <a:pPr>
+              <a:lnSpc>
+                <a:spcPct val="100000"/>
+              </a:lnSpc>
+            </a:pPr>
+            <a:r>
+              <a:rPr b="0" lang="en-US" sz="1100" spc="-1" strike="noStrike">
+                <a:solidFill>
+                  <a:schemeClr val="lt1"/>
+                </a:solidFill>
+                <a:latin typeface="Calibri"/>
+                <a:ea typeface="DejaVu Sans"/>
+              </a:rPr>
+              <a:t>JVM = Motor</a:t>
+            </a:r>
+            <a:endParaRPr b="0" lang="en-US" sz="1100" spc="-1" strike="noStrike">
+              <a:solidFill>
+                <a:srgbClr val="ffffff"/>
+              </a:solidFill>
+              <a:latin typeface="Calibri"/>
+            </a:endParaRPr>
+          </a:p>
+          <a:p>
+            <a:pPr>
+              <a:lnSpc>
+                <a:spcPct val="100000"/>
+              </a:lnSpc>
+            </a:pPr>
+            <a:r>
+              <a:rPr b="0" lang="en-US" sz="1100" spc="-1" strike="noStrike">
+                <a:solidFill>
+                  <a:schemeClr val="lt1"/>
+                </a:solidFill>
+                <a:latin typeface="Calibri"/>
+                <a:ea typeface="DejaVu Sans"/>
+              </a:rPr>
+              <a:t>JRE = Motor + Yakıt Sistemi</a:t>
+            </a:r>
+            <a:endParaRPr b="0" lang="en-US" sz="1100" spc="-1" strike="noStrike">
+              <a:solidFill>
+                <a:srgbClr val="ffffff"/>
+              </a:solidFill>
+              <a:latin typeface="Calibri"/>
+            </a:endParaRPr>
+          </a:p>
+          <a:p>
+            <a:pPr>
+              <a:lnSpc>
+                <a:spcPct val="100000"/>
+              </a:lnSpc>
+            </a:pPr>
+            <a:r>
+              <a:rPr b="0" lang="en-US" sz="1100" spc="-1" strike="noStrike">
+                <a:solidFill>
+                  <a:schemeClr val="lt1"/>
+                </a:solidFill>
+                <a:latin typeface="Calibri"/>
+                <a:ea typeface="DejaVu Sans"/>
+              </a:rPr>
+              <a:t>JDK = Tüm Arabanın Üretildiği Fabrika</a:t>
+            </a:r>
+            <a:endParaRPr b="0" lang="en-US" sz="1100" spc="-1" strike="noStrike">
+              <a:solidFill>
+                <a:srgbClr val="ffffff"/>
+              </a:solidFill>
+              <a:latin typeface="Calibri"/>
+            </a:endParaRPr>
+          </a:p>
+        </p:txBody>
+      </p:sp>
+      <p:sp>
+        <p:nvSpPr>
+          <p:cNvPr id="261" name="Rounded Rectangle 32"/>
+          <p:cNvSpPr/>
+          <p:nvPr/>
+        </p:nvSpPr>
+        <p:spPr>
+          <a:xfrm>
+            <a:off x="4507920" y="3182040"/>
+            <a:ext cx="3290760" cy="2742120"/>
+          </a:xfrm>
+          <a:prstGeom prst="roundRect">
+            <a:avLst>
+              <a:gd name="adj" fmla="val 16667"/>
+            </a:avLst>
+          </a:prstGeom>
+          <a:solidFill>
+            <a:srgbClr val="08080a"/>
+          </a:solidFill>
+          <a:ln>
+            <a:noFill/>
+          </a:ln>
+          <a:effectLst>
+            <a:outerShdw blurRad="39960" dir="5400000" dist="23040" rotWithShape="0">
+              <a:srgbClr val="000000">
+                <a:alpha val="35000"/>
+              </a:srgbClr>
+            </a:outerShdw>
+          </a:effectLst>
+        </p:spPr>
+        <p:style>
+          <a:lnRef idx="1">
+            <a:schemeClr val="accent1"/>
+          </a:lnRef>
+          <a:fillRef idx="3">
+            <a:schemeClr val="accent1"/>
+          </a:fillRef>
+          <a:effectRef idx="2">
+            <a:schemeClr val="accent1"/>
+          </a:effectRef>
+          <a:fontRef idx="minor"/>
+        </p:style>
+        <p:txBody>
+          <a:bodyPr lIns="90000" rIns="90000" tIns="45000" bIns="45000" anchor="ctr">
+            <a:noAutofit/>
+          </a:bodyPr>
+          <a:p>
+            <a:endParaRPr b="0" lang="en-US" sz="1800" spc="-1" strike="noStrike">
+              <a:solidFill>
+                <a:schemeClr val="lt1"/>
+              </a:solidFill>
+              <a:latin typeface="Calibri"/>
+              <a:ea typeface="DejaVu Sans"/>
+            </a:endParaRPr>
+          </a:p>
+        </p:txBody>
+      </p:sp>
+      <p:sp>
+        <p:nvSpPr>
+          <p:cNvPr id="262" name="Rounded Rectangle 33"/>
+          <p:cNvSpPr/>
+          <p:nvPr/>
+        </p:nvSpPr>
+        <p:spPr>
+          <a:xfrm>
+            <a:off x="4434840" y="3108960"/>
+            <a:ext cx="3290760" cy="2742120"/>
+          </a:xfrm>
+          <a:prstGeom prst="roundRect">
+            <a:avLst>
+              <a:gd name="adj" fmla="val 16667"/>
+            </a:avLst>
+          </a:prstGeom>
+          <a:solidFill>
+            <a:srgbClr val="16161c"/>
+          </a:solidFill>
+          <a:ln>
+            <a:solidFill>
+              <a:srgbClr val="464655"/>
+            </a:solidFill>
+            <a:round/>
+          </a:ln>
+          <a:effectLst>
+            <a:outerShdw blurRad="39960" dir="5400000" dist="23040" rotWithShape="0">
+              <a:srgbClr val="000000">
+                <a:alpha val="35000"/>
+              </a:srgbClr>
+            </a:outerShdw>
+          </a:effectLst>
+        </p:spPr>
+        <p:style>
+          <a:lnRef idx="1">
+            <a:schemeClr val="accent1"/>
+          </a:lnRef>
+          <a:fillRef idx="3">
+            <a:schemeClr val="accent1"/>
+          </a:fillRef>
+          <a:effectRef idx="2">
+            <a:schemeClr val="accent1"/>
+          </a:effectRef>
+          <a:fontRef idx="minor"/>
+        </p:style>
+        <p:txBody>
+          <a:bodyPr lIns="90000" rIns="90000" tIns="45000" bIns="45000" anchor="ctr">
+            <a:noAutofit/>
+          </a:bodyPr>
+          <a:p>
+            <a:pPr>
+              <a:lnSpc>
+                <a:spcPct val="100000"/>
+              </a:lnSpc>
+            </a:pPr>
+            <a:r>
+              <a:rPr b="0" lang="en-US" sz="1200" spc="-1" strike="noStrike">
+                <a:solidFill>
+                  <a:schemeClr val="lt1"/>
+                </a:solidFill>
+                <a:latin typeface="Calibri"/>
+                <a:ea typeface="DejaVu Sans"/>
+              </a:rPr>
+              <a:t>Java Kaynak Kodu (.java)</a:t>
+            </a:r>
+            <a:endParaRPr b="0" lang="en-US" sz="1200" spc="-1" strike="noStrike">
+              <a:solidFill>
+                <a:srgbClr val="ffffff"/>
+              </a:solidFill>
+              <a:latin typeface="Arial"/>
+            </a:endParaRPr>
+          </a:p>
+          <a:p>
+            <a:pPr>
+              <a:lnSpc>
+                <a:spcPct val="100000"/>
+              </a:lnSpc>
+            </a:pPr>
+            <a:r>
+              <a:rPr b="0" lang="en-US" sz="1200" spc="-1" strike="noStrike">
+                <a:solidFill>
+                  <a:schemeClr val="lt1"/>
+                </a:solidFill>
+                <a:latin typeface="Calibri"/>
+                <a:ea typeface="DejaVu Sans"/>
+              </a:rPr>
+              <a:t>          ↓</a:t>
+            </a:r>
+            <a:endParaRPr b="0" lang="en-US" sz="1200" spc="-1" strike="noStrike">
+              <a:solidFill>
+                <a:srgbClr val="ffffff"/>
+              </a:solidFill>
+              <a:latin typeface="Arial"/>
+            </a:endParaRPr>
+          </a:p>
+          <a:p>
+            <a:pPr>
+              <a:lnSpc>
+                <a:spcPct val="100000"/>
+              </a:lnSpc>
+            </a:pPr>
+            <a:r>
+              <a:rPr b="0" lang="en-US" sz="1200" spc="-1" strike="noStrike">
+                <a:solidFill>
+                  <a:schemeClr val="lt1"/>
+                </a:solidFill>
+                <a:latin typeface="Calibri"/>
+                <a:ea typeface="DejaVu Sans"/>
+              </a:rPr>
+              <a:t>         </a:t>
+            </a:r>
+            <a:r>
+              <a:rPr b="0" lang="en-US" sz="1200" spc="-1" strike="noStrike">
+                <a:solidFill>
+                  <a:schemeClr val="lt1"/>
+                </a:solidFill>
+                <a:latin typeface="Calibri"/>
+                <a:ea typeface="DejaVu Sans"/>
+              </a:rPr>
+              <a:t>JDK</a:t>
+            </a:r>
+            <a:endParaRPr b="0" lang="en-US" sz="1200" spc="-1" strike="noStrike">
+              <a:solidFill>
+                <a:srgbClr val="ffffff"/>
+              </a:solidFill>
+              <a:latin typeface="Arial"/>
+            </a:endParaRPr>
+          </a:p>
+          <a:p>
+            <a:pPr>
+              <a:lnSpc>
+                <a:spcPct val="100000"/>
+              </a:lnSpc>
+            </a:pPr>
+            <a:r>
+              <a:rPr b="0" lang="en-US" sz="1200" spc="-1" strike="noStrike">
+                <a:solidFill>
+                  <a:schemeClr val="lt1"/>
+                </a:solidFill>
+                <a:latin typeface="Calibri"/>
+                <a:ea typeface="DejaVu Sans"/>
+              </a:rPr>
+              <a:t> </a:t>
+            </a:r>
+            <a:r>
+              <a:rPr b="0" lang="en-US" sz="1200" spc="-1" strike="noStrike">
+                <a:solidFill>
+                  <a:schemeClr val="lt1"/>
+                </a:solidFill>
+                <a:latin typeface="Calibri"/>
+                <a:ea typeface="DejaVu Sans"/>
+              </a:rPr>
+              <a:t>(Derleyici + Geliştirme Araçları)</a:t>
+            </a:r>
+            <a:endParaRPr b="0" lang="en-US" sz="1200" spc="-1" strike="noStrike">
+              <a:solidFill>
+                <a:srgbClr val="ffffff"/>
+              </a:solidFill>
+              <a:latin typeface="Arial"/>
+            </a:endParaRPr>
+          </a:p>
+          <a:p>
+            <a:pPr>
+              <a:lnSpc>
+                <a:spcPct val="100000"/>
+              </a:lnSpc>
+            </a:pPr>
+            <a:r>
+              <a:rPr b="0" lang="en-US" sz="1200" spc="-1" strike="noStrike">
+                <a:solidFill>
+                  <a:schemeClr val="lt1"/>
+                </a:solidFill>
+                <a:latin typeface="Calibri"/>
+                <a:ea typeface="DejaVu Sans"/>
+              </a:rPr>
+              <a:t>          ↓</a:t>
+            </a:r>
+            <a:endParaRPr b="0" lang="en-US" sz="1200" spc="-1" strike="noStrike">
+              <a:solidFill>
+                <a:srgbClr val="ffffff"/>
+              </a:solidFill>
+              <a:latin typeface="Arial"/>
+            </a:endParaRPr>
+          </a:p>
+          <a:p>
+            <a:pPr>
+              <a:lnSpc>
+                <a:spcPct val="100000"/>
+              </a:lnSpc>
+            </a:pPr>
+            <a:r>
+              <a:rPr b="0" lang="en-US" sz="1200" spc="-1" strike="noStrike">
+                <a:solidFill>
+                  <a:schemeClr val="lt1"/>
+                </a:solidFill>
+                <a:latin typeface="Calibri"/>
+                <a:ea typeface="DejaVu Sans"/>
+              </a:rPr>
+              <a:t>Bytecode (.class dosyaları)</a:t>
+            </a:r>
+            <a:endParaRPr b="0" lang="en-US" sz="1200" spc="-1" strike="noStrike">
+              <a:solidFill>
+                <a:srgbClr val="ffffff"/>
+              </a:solidFill>
+              <a:latin typeface="Arial"/>
+            </a:endParaRPr>
+          </a:p>
+          <a:p>
+            <a:pPr>
+              <a:lnSpc>
+                <a:spcPct val="100000"/>
+              </a:lnSpc>
+            </a:pPr>
+            <a:r>
+              <a:rPr b="0" lang="en-US" sz="1200" spc="-1" strike="noStrike">
+                <a:solidFill>
+                  <a:schemeClr val="lt1"/>
+                </a:solidFill>
+                <a:latin typeface="Calibri"/>
+                <a:ea typeface="DejaVu Sans"/>
+              </a:rPr>
+              <a:t>          ↓</a:t>
+            </a:r>
+            <a:endParaRPr b="0" lang="en-US" sz="1200" spc="-1" strike="noStrike">
+              <a:solidFill>
+                <a:srgbClr val="ffffff"/>
+              </a:solidFill>
+              <a:latin typeface="Arial"/>
+            </a:endParaRPr>
+          </a:p>
+          <a:p>
+            <a:pPr>
+              <a:lnSpc>
+                <a:spcPct val="100000"/>
+              </a:lnSpc>
+            </a:pPr>
+            <a:r>
+              <a:rPr b="0" lang="en-US" sz="1200" spc="-1" strike="noStrike">
+                <a:solidFill>
+                  <a:schemeClr val="lt1"/>
+                </a:solidFill>
+                <a:latin typeface="Calibri"/>
+                <a:ea typeface="DejaVu Sans"/>
+              </a:rPr>
+              <a:t>         </a:t>
+            </a:r>
+            <a:r>
+              <a:rPr b="0" lang="en-US" sz="1200" spc="-1" strike="noStrike">
+                <a:solidFill>
+                  <a:schemeClr val="lt1"/>
+                </a:solidFill>
+                <a:latin typeface="Calibri"/>
+                <a:ea typeface="DejaVu Sans"/>
+              </a:rPr>
+              <a:t>JRE</a:t>
+            </a:r>
+            <a:endParaRPr b="0" lang="en-US" sz="1200" spc="-1" strike="noStrike">
+              <a:solidFill>
+                <a:srgbClr val="ffffff"/>
+              </a:solidFill>
+              <a:latin typeface="Arial"/>
+            </a:endParaRPr>
+          </a:p>
+          <a:p>
+            <a:pPr>
+              <a:lnSpc>
+                <a:spcPct val="100000"/>
+              </a:lnSpc>
+            </a:pPr>
+            <a:r>
+              <a:rPr b="0" lang="en-US" sz="1200" spc="-1" strike="noStrike">
+                <a:solidFill>
+                  <a:schemeClr val="lt1"/>
+                </a:solidFill>
+                <a:latin typeface="Calibri"/>
+                <a:ea typeface="DejaVu Sans"/>
+              </a:rPr>
+              <a:t> </a:t>
+            </a:r>
+            <a:r>
+              <a:rPr b="0" lang="en-US" sz="1200" spc="-1" strike="noStrike">
+                <a:solidFill>
+                  <a:schemeClr val="lt1"/>
+                </a:solidFill>
+                <a:latin typeface="Calibri"/>
+                <a:ea typeface="DejaVu Sans"/>
+              </a:rPr>
+              <a:t>(Kütüphaneler + JVM)</a:t>
+            </a:r>
+            <a:endParaRPr b="0" lang="en-US" sz="1200" spc="-1" strike="noStrike">
+              <a:solidFill>
+                <a:srgbClr val="ffffff"/>
+              </a:solidFill>
+              <a:latin typeface="Arial"/>
+            </a:endParaRPr>
+          </a:p>
+          <a:p>
+            <a:pPr>
+              <a:lnSpc>
+                <a:spcPct val="100000"/>
+              </a:lnSpc>
+            </a:pPr>
+            <a:r>
+              <a:rPr b="0" lang="en-US" sz="1200" spc="-1" strike="noStrike">
+                <a:solidFill>
+                  <a:schemeClr val="lt1"/>
+                </a:solidFill>
+                <a:latin typeface="Calibri"/>
+                <a:ea typeface="DejaVu Sans"/>
+              </a:rPr>
+              <a:t>          ↓</a:t>
+            </a:r>
+            <a:endParaRPr b="0" lang="en-US" sz="1200" spc="-1" strike="noStrike">
+              <a:solidFill>
+                <a:srgbClr val="ffffff"/>
+              </a:solidFill>
+              <a:latin typeface="Arial"/>
+            </a:endParaRPr>
+          </a:p>
+          <a:p>
+            <a:pPr>
+              <a:lnSpc>
+                <a:spcPct val="100000"/>
+              </a:lnSpc>
+            </a:pPr>
+            <a:r>
+              <a:rPr b="0" lang="en-US" sz="1200" spc="-1" strike="noStrike">
+                <a:solidFill>
+                  <a:schemeClr val="lt1"/>
+                </a:solidFill>
+                <a:latin typeface="Calibri"/>
+                <a:ea typeface="DejaVu Sans"/>
+              </a:rPr>
+              <a:t>         </a:t>
+            </a:r>
+            <a:r>
+              <a:rPr b="0" lang="en-US" sz="1200" spc="-1" strike="noStrike">
+                <a:solidFill>
+                  <a:schemeClr val="lt1"/>
+                </a:solidFill>
+                <a:latin typeface="Calibri"/>
+                <a:ea typeface="DejaVu Sans"/>
+              </a:rPr>
+              <a:t>JVM</a:t>
+            </a:r>
+            <a:endParaRPr b="0" lang="en-US" sz="1200" spc="-1" strike="noStrike">
+              <a:solidFill>
+                <a:srgbClr val="ffffff"/>
+              </a:solidFill>
+              <a:latin typeface="Arial"/>
+            </a:endParaRPr>
+          </a:p>
+          <a:p>
+            <a:pPr>
+              <a:lnSpc>
+                <a:spcPct val="100000"/>
+              </a:lnSpc>
+            </a:pPr>
+            <a:r>
+              <a:rPr b="0" lang="en-US" sz="1200" spc="-1" strike="noStrike">
+                <a:solidFill>
+                  <a:schemeClr val="lt1"/>
+                </a:solidFill>
+                <a:latin typeface="Calibri"/>
+                <a:ea typeface="DejaVu Sans"/>
+              </a:rPr>
+              <a:t> </a:t>
+            </a:r>
+            <a:r>
+              <a:rPr b="0" lang="en-US" sz="1200" spc="-1" strike="noStrike">
+                <a:solidFill>
+                  <a:schemeClr val="lt1"/>
+                </a:solidFill>
+                <a:latin typeface="Calibri"/>
+                <a:ea typeface="DejaVu Sans"/>
+              </a:rPr>
+              <a:t>(Çalıştırma Motoru)</a:t>
+            </a:r>
+            <a:endParaRPr b="0" lang="en-US" sz="1200" spc="-1" strike="noStrike">
+              <a:solidFill>
+                <a:srgbClr val="ffffff"/>
+              </a:solidFill>
+              <a:latin typeface="Arial"/>
+            </a:endParaRPr>
+          </a:p>
+          <a:p>
+            <a:pPr>
+              <a:lnSpc>
+                <a:spcPct val="100000"/>
+              </a:lnSpc>
+            </a:pPr>
+            <a:r>
+              <a:rPr b="0" lang="en-US" sz="1200" spc="-1" strike="noStrike">
+                <a:solidFill>
+                  <a:schemeClr val="lt1"/>
+                </a:solidFill>
+                <a:latin typeface="Calibri"/>
+                <a:ea typeface="DejaVu Sans"/>
+              </a:rPr>
+              <a:t>          ↓</a:t>
+            </a:r>
+            <a:endParaRPr b="0" lang="en-US" sz="1200" spc="-1" strike="noStrike">
+              <a:solidFill>
+                <a:srgbClr val="ffffff"/>
+              </a:solidFill>
+              <a:latin typeface="Arial"/>
+            </a:endParaRPr>
+          </a:p>
+          <a:p>
+            <a:pPr>
+              <a:lnSpc>
+                <a:spcPct val="100000"/>
+              </a:lnSpc>
+            </a:pPr>
+            <a:r>
+              <a:rPr b="0" lang="en-US" sz="1200" spc="-1" strike="noStrike">
+                <a:solidFill>
+                  <a:schemeClr val="lt1"/>
+                </a:solidFill>
+                <a:latin typeface="Calibri"/>
+                <a:ea typeface="DejaVu Sans"/>
+              </a:rPr>
+              <a:t>Makine Kodu (İşletim Sistemi / CPU)</a:t>
+            </a:r>
+            <a:endParaRPr b="0" lang="en-US" sz="1200" spc="-1" strike="noStrike">
+              <a:solidFill>
+                <a:srgbClr val="ffffff"/>
+              </a:solidFill>
+              <a:latin typeface="Arial"/>
+            </a:endParaRPr>
+          </a:p>
+          <a:p>
+            <a:pPr>
+              <a:lnSpc>
+                <a:spcPct val="100000"/>
+              </a:lnSpc>
+            </a:pPr>
+            <a:endParaRPr b="0" lang="en-US" sz="1200" spc="-1" strike="noStrike">
+              <a:solidFill>
+                <a:srgbClr val="ffffff"/>
+              </a:solidFill>
+              <a:latin typeface="Arial"/>
+            </a:endParaRPr>
+          </a:p>
+        </p:txBody>
+      </p:sp>
+      <p:sp>
+        <p:nvSpPr>
+          <p:cNvPr id="263" name="Rounded Rectangle 34"/>
+          <p:cNvSpPr/>
+          <p:nvPr/>
+        </p:nvSpPr>
+        <p:spPr>
+          <a:xfrm>
+            <a:off x="8028360" y="3182040"/>
+            <a:ext cx="3290760" cy="2742120"/>
+          </a:xfrm>
+          <a:prstGeom prst="roundRect">
+            <a:avLst>
+              <a:gd name="adj" fmla="val 16667"/>
+            </a:avLst>
+          </a:prstGeom>
+          <a:solidFill>
+            <a:srgbClr val="08080a"/>
+          </a:solidFill>
+          <a:ln>
+            <a:noFill/>
+          </a:ln>
+          <a:effectLst>
+            <a:outerShdw blurRad="39960" dir="5400000" dist="23040" rotWithShape="0">
+              <a:srgbClr val="000000">
+                <a:alpha val="35000"/>
+              </a:srgbClr>
+            </a:outerShdw>
+          </a:effectLst>
+        </p:spPr>
+        <p:style>
+          <a:lnRef idx="1">
+            <a:schemeClr val="accent1"/>
+          </a:lnRef>
+          <a:fillRef idx="3">
+            <a:schemeClr val="accent1"/>
+          </a:fillRef>
+          <a:effectRef idx="2">
+            <a:schemeClr val="accent1"/>
+          </a:effectRef>
+          <a:fontRef idx="minor"/>
+        </p:style>
+        <p:txBody>
+          <a:bodyPr lIns="90000" rIns="90000" tIns="45000" bIns="45000" anchor="ctr">
+            <a:noAutofit/>
+          </a:bodyPr>
+          <a:p>
+            <a:endParaRPr b="0" lang="en-US" sz="1800" spc="-1" strike="noStrike">
+              <a:solidFill>
+                <a:schemeClr val="lt1"/>
+              </a:solidFill>
+              <a:latin typeface="Calibri"/>
+              <a:ea typeface="DejaVu Sans"/>
+            </a:endParaRPr>
+          </a:p>
+        </p:txBody>
+      </p:sp>
+      <p:sp>
+        <p:nvSpPr>
+          <p:cNvPr id="264" name="Rounded Rectangle 35"/>
+          <p:cNvSpPr/>
+          <p:nvPr/>
+        </p:nvSpPr>
+        <p:spPr>
+          <a:xfrm>
+            <a:off x="7955280" y="3108960"/>
+            <a:ext cx="3290760" cy="2742120"/>
+          </a:xfrm>
+          <a:prstGeom prst="roundRect">
+            <a:avLst>
+              <a:gd name="adj" fmla="val 16667"/>
+            </a:avLst>
+          </a:prstGeom>
+          <a:solidFill>
+            <a:srgbClr val="16161c"/>
+          </a:solidFill>
+          <a:ln>
+            <a:solidFill>
+              <a:srgbClr val="464655"/>
+            </a:solidFill>
+            <a:round/>
+          </a:ln>
+          <a:effectLst>
+            <a:outerShdw blurRad="39960" dir="5400000" dist="23040" rotWithShape="0">
+              <a:srgbClr val="000000">
+                <a:alpha val="35000"/>
+              </a:srgbClr>
+            </a:outerShdw>
+          </a:effectLst>
+        </p:spPr>
+        <p:style>
+          <a:lnRef idx="1">
+            <a:schemeClr val="accent1"/>
+          </a:lnRef>
+          <a:fillRef idx="3">
+            <a:schemeClr val="accent1"/>
+          </a:fillRef>
+          <a:effectRef idx="2">
+            <a:schemeClr val="accent1"/>
+          </a:effectRef>
+          <a:fontRef idx="minor"/>
+        </p:style>
+        <p:txBody>
+          <a:bodyPr lIns="90000" rIns="90000" tIns="45000" bIns="45000" anchor="ctr">
+            <a:noAutofit/>
+          </a:bodyPr>
+          <a:p>
+            <a:pPr algn="ctr">
+              <a:lnSpc>
+                <a:spcPct val="100000"/>
+              </a:lnSpc>
+            </a:pPr>
+            <a:endParaRPr b="0" lang="en-US" sz="1200" spc="-1" strike="noStrike">
+              <a:solidFill>
+                <a:srgbClr val="ffffff"/>
+              </a:solidFill>
+              <a:latin typeface="Arial"/>
+            </a:endParaRPr>
+          </a:p>
+          <a:p>
+            <a:pPr algn="ctr">
+              <a:lnSpc>
+                <a:spcPct val="100000"/>
+              </a:lnSpc>
+            </a:pPr>
+            <a:endParaRPr b="0" lang="en-US" sz="1200" spc="-1" strike="noStrike">
+              <a:solidFill>
+                <a:srgbClr val="ffffff"/>
+              </a:solidFill>
+              <a:latin typeface="Arial"/>
+            </a:endParaRPr>
+          </a:p>
+          <a:p>
+            <a:pPr algn="ctr">
+              <a:lnSpc>
+                <a:spcPct val="100000"/>
+              </a:lnSpc>
+            </a:pPr>
+            <a:endParaRPr b="0" lang="en-US" sz="1200" spc="-1" strike="noStrike">
+              <a:solidFill>
+                <a:srgbClr val="ffffff"/>
+              </a:solidFill>
+              <a:latin typeface="Arial"/>
+            </a:endParaRPr>
+          </a:p>
+          <a:p>
+            <a:pPr algn="ctr">
+              <a:lnSpc>
+                <a:spcPct val="100000"/>
+              </a:lnSpc>
+            </a:pPr>
+            <a:r>
+              <a:rPr b="0" lang="en-US" sz="1200" spc="-1" strike="noStrike">
+                <a:solidFill>
+                  <a:srgbClr val="78ffc8"/>
+                </a:solidFill>
+                <a:latin typeface="Consolas"/>
+                <a:ea typeface="DejaVu Sans"/>
+              </a:rPr>
+              <a:t># JDK ile derleme</a:t>
+            </a:r>
+            <a:endParaRPr b="0" lang="en-US" sz="1200" spc="-1" strike="noStrike">
+              <a:solidFill>
+                <a:srgbClr val="ffffff"/>
+              </a:solidFill>
+              <a:latin typeface="Arial"/>
+            </a:endParaRPr>
+          </a:p>
+          <a:p>
+            <a:pPr algn="ctr">
+              <a:lnSpc>
+                <a:spcPct val="100000"/>
+              </a:lnSpc>
+            </a:pPr>
+            <a:r>
+              <a:rPr b="0" lang="en-US" sz="1200" spc="-1" strike="noStrike">
+                <a:solidFill>
+                  <a:srgbClr val="78ffc8"/>
+                </a:solidFill>
+                <a:latin typeface="Consolas"/>
+                <a:ea typeface="DejaVu Sans"/>
+              </a:rPr>
+              <a:t>javac Main.java</a:t>
+            </a:r>
+            <a:endParaRPr b="0" lang="en-US" sz="1200" spc="-1" strike="noStrike">
+              <a:solidFill>
+                <a:srgbClr val="ffffff"/>
+              </a:solidFill>
+              <a:latin typeface="Arial"/>
+            </a:endParaRPr>
+          </a:p>
+          <a:p>
+            <a:pPr algn="ctr">
+              <a:lnSpc>
+                <a:spcPct val="100000"/>
+              </a:lnSpc>
+            </a:pPr>
+            <a:endParaRPr b="0" lang="en-US" sz="1200" spc="-1" strike="noStrike">
+              <a:solidFill>
+                <a:srgbClr val="ffffff"/>
+              </a:solidFill>
+              <a:latin typeface="Arial"/>
+            </a:endParaRPr>
+          </a:p>
+          <a:p>
+            <a:pPr algn="ctr">
+              <a:lnSpc>
+                <a:spcPct val="100000"/>
+              </a:lnSpc>
+            </a:pPr>
+            <a:r>
+              <a:rPr b="0" lang="en-US" sz="1200" spc="-1" strike="noStrike">
+                <a:solidFill>
+                  <a:srgbClr val="78ffc8"/>
+                </a:solidFill>
+                <a:latin typeface="Consolas"/>
+                <a:ea typeface="DejaVu Sans"/>
+              </a:rPr>
+              <a:t># JRE üzerinden çalıştırma (arka planda JVM kullanılır)</a:t>
+            </a:r>
+            <a:endParaRPr b="0" lang="en-US" sz="1200" spc="-1" strike="noStrike">
+              <a:solidFill>
+                <a:srgbClr val="ffffff"/>
+              </a:solidFill>
+              <a:latin typeface="Arial"/>
+            </a:endParaRPr>
+          </a:p>
+          <a:p>
+            <a:pPr algn="ctr">
+              <a:lnSpc>
+                <a:spcPct val="100000"/>
+              </a:lnSpc>
+            </a:pPr>
+            <a:r>
+              <a:rPr b="0" lang="en-US" sz="1200" spc="-1" strike="noStrike">
+                <a:solidFill>
+                  <a:srgbClr val="78ffc8"/>
+                </a:solidFill>
+                <a:latin typeface="Consolas"/>
+                <a:ea typeface="DejaVu Sans"/>
+              </a:rPr>
+              <a:t>java Main</a:t>
+            </a:r>
+            <a:endParaRPr b="0" lang="en-US" sz="1200" spc="-1" strike="noStrike">
+              <a:solidFill>
+                <a:srgbClr val="ffffff"/>
+              </a:solidFill>
+              <a:latin typeface="Arial"/>
+            </a:endParaRPr>
+          </a:p>
+          <a:p>
+            <a:pPr algn="ctr">
+              <a:lnSpc>
+                <a:spcPct val="100000"/>
+              </a:lnSpc>
+            </a:pPr>
+            <a:endParaRPr b="0" lang="en-US" sz="1200" spc="-1" strike="noStrike">
+              <a:solidFill>
+                <a:srgbClr val="ffffff"/>
+              </a:solidFill>
+              <a:latin typeface="Arial"/>
+            </a:endParaRPr>
+          </a:p>
+          <a:p>
+            <a:pPr algn="ctr">
+              <a:lnSpc>
+                <a:spcPct val="100000"/>
+              </a:lnSpc>
+            </a:pPr>
+            <a:r>
+              <a:rPr b="0" lang="en-US" sz="1200" spc="-1" strike="noStrike">
+                <a:solidFill>
+                  <a:srgbClr val="78ffc8"/>
+                </a:solidFill>
+                <a:latin typeface="Consolas"/>
+                <a:ea typeface="DejaVu Sans"/>
+              </a:rPr>
+              <a:t>public class Main {</a:t>
+            </a:r>
+            <a:endParaRPr b="0" lang="en-US" sz="1200" spc="-1" strike="noStrike">
+              <a:solidFill>
+                <a:srgbClr val="ffffff"/>
+              </a:solidFill>
+              <a:latin typeface="Arial"/>
+            </a:endParaRPr>
+          </a:p>
+          <a:p>
+            <a:pPr algn="ctr">
+              <a:lnSpc>
+                <a:spcPct val="100000"/>
+              </a:lnSpc>
+            </a:pPr>
+            <a:r>
+              <a:rPr b="0" lang="en-US" sz="1200" spc="-1" strike="noStrike">
+                <a:solidFill>
+                  <a:srgbClr val="78ffc8"/>
+                </a:solidFill>
+                <a:latin typeface="Consolas"/>
+                <a:ea typeface="DejaVu Sans"/>
+              </a:rPr>
+              <a:t>    </a:t>
+            </a:r>
+            <a:r>
+              <a:rPr b="0" lang="en-US" sz="1200" spc="-1" strike="noStrike">
+                <a:solidFill>
+                  <a:srgbClr val="78ffc8"/>
+                </a:solidFill>
+                <a:latin typeface="Consolas"/>
+                <a:ea typeface="DejaVu Sans"/>
+              </a:rPr>
+              <a:t>public static void main(String[] args) {</a:t>
+            </a:r>
+            <a:endParaRPr b="0" lang="en-US" sz="1200" spc="-1" strike="noStrike">
+              <a:solidFill>
+                <a:srgbClr val="ffffff"/>
+              </a:solidFill>
+              <a:latin typeface="Arial"/>
+            </a:endParaRPr>
+          </a:p>
+          <a:p>
+            <a:pPr algn="ctr">
+              <a:lnSpc>
+                <a:spcPct val="100000"/>
+              </a:lnSpc>
+            </a:pPr>
+            <a:r>
+              <a:rPr b="0" lang="en-US" sz="1200" spc="-1" strike="noStrike">
+                <a:solidFill>
+                  <a:srgbClr val="78ffc8"/>
+                </a:solidFill>
+                <a:latin typeface="Consolas"/>
+                <a:ea typeface="DejaVu Sans"/>
+              </a:rPr>
+              <a:t>        </a:t>
+            </a:r>
+            <a:r>
+              <a:rPr b="0" lang="en-US" sz="1200" spc="-1" strike="noStrike">
+                <a:solidFill>
+                  <a:srgbClr val="78ffc8"/>
+                </a:solidFill>
+                <a:latin typeface="Consolas"/>
+                <a:ea typeface="DejaVu Sans"/>
+              </a:rPr>
+              <a:t>System.out.println("JDK, JRE ve JVM’i Anlıyoruz!");</a:t>
+            </a:r>
+            <a:endParaRPr b="0" lang="en-US" sz="1200" spc="-1" strike="noStrike">
+              <a:solidFill>
+                <a:srgbClr val="ffffff"/>
+              </a:solidFill>
+              <a:latin typeface="Arial"/>
+            </a:endParaRPr>
+          </a:p>
+          <a:p>
+            <a:pPr algn="ctr">
+              <a:lnSpc>
+                <a:spcPct val="100000"/>
+              </a:lnSpc>
+            </a:pPr>
+            <a:r>
+              <a:rPr b="0" lang="en-US" sz="1200" spc="-1" strike="noStrike">
+                <a:solidFill>
+                  <a:srgbClr val="78ffc8"/>
+                </a:solidFill>
+                <a:latin typeface="Consolas"/>
+                <a:ea typeface="DejaVu Sans"/>
+              </a:rPr>
+              <a:t>    </a:t>
+            </a:r>
+            <a:r>
+              <a:rPr b="0" lang="en-US" sz="1200" spc="-1" strike="noStrike">
+                <a:solidFill>
+                  <a:srgbClr val="78ffc8"/>
+                </a:solidFill>
+                <a:latin typeface="Consolas"/>
+                <a:ea typeface="DejaVu Sans"/>
+              </a:rPr>
+              <a:t>}</a:t>
+            </a:r>
+            <a:endParaRPr b="0" lang="en-US" sz="1200" spc="-1" strike="noStrike">
+              <a:solidFill>
+                <a:srgbClr val="ffffff"/>
+              </a:solidFill>
+              <a:latin typeface="Arial"/>
+            </a:endParaRPr>
+          </a:p>
+          <a:p>
+            <a:pPr algn="ctr">
+              <a:lnSpc>
+                <a:spcPct val="100000"/>
+              </a:lnSpc>
+            </a:pPr>
+            <a:r>
+              <a:rPr b="0" lang="en-US" sz="1200" spc="-1" strike="noStrike">
+                <a:solidFill>
+                  <a:srgbClr val="78ffc8"/>
+                </a:solidFill>
+                <a:latin typeface="Consolas"/>
+                <a:ea typeface="DejaVu Sans"/>
+              </a:rPr>
+              <a:t>}</a:t>
+            </a:r>
+            <a:endParaRPr b="0" lang="en-US" sz="1200" spc="-1" strike="noStrike">
+              <a:solidFill>
+                <a:srgbClr val="ffffff"/>
+              </a:solidFill>
+              <a:latin typeface="Arial"/>
+            </a:endParaRPr>
+          </a:p>
+          <a:p>
+            <a:pPr algn="ctr">
+              <a:lnSpc>
+                <a:spcPct val="100000"/>
+              </a:lnSpc>
+            </a:pPr>
+            <a:endParaRPr b="0" lang="en-US" sz="1200" spc="-1" strike="noStrike">
+              <a:solidFill>
+                <a:srgbClr val="ffffff"/>
+              </a:solidFill>
+              <a:latin typeface="Arial"/>
+            </a:endParaRPr>
+          </a:p>
+          <a:p>
+            <a:pPr algn="ctr">
+              <a:lnSpc>
+                <a:spcPct val="100000"/>
+              </a:lnSpc>
+            </a:pPr>
+            <a:endParaRPr b="0" lang="en-US" sz="1200" spc="-1" strike="noStrike">
+              <a:solidFill>
+                <a:srgbClr val="ffffff"/>
+              </a:solidFill>
+              <a:latin typeface="Arial"/>
+            </a:endParaRPr>
+          </a:p>
+          <a:p>
+            <a:pPr algn="ctr">
+              <a:lnSpc>
+                <a:spcPct val="100000"/>
+              </a:lnSpc>
+            </a:pPr>
+            <a:endParaRPr b="0" lang="en-US" sz="1200" spc="-1" strike="noStrike">
+              <a:solidFill>
+                <a:srgbClr val="ffffff"/>
+              </a:solidFill>
+              <a:latin typeface="Arial"/>
+            </a:endParaRPr>
+          </a:p>
+        </p:txBody>
+      </p:sp>
+      <p:sp>
+        <p:nvSpPr>
+          <p:cNvPr id="265" name="TextBox 12"/>
           <p:cNvSpPr/>
           <p:nvPr/>
         </p:nvSpPr>
@@ -16293,6 +21959,232 @@
   <a:themeElements>
     <a:clrScheme name="Office">
       <a:dk1>
+        <a:srgbClr val="000000"/>
+      </a:dk1>
+      <a:lt1>
+        <a:srgbClr val="ffffff"/>
+      </a:lt1>
+      <a:dk2>
+        <a:srgbClr val="1f497d"/>
+      </a:dk2>
+      <a:lt2>
+        <a:srgbClr val="eeece1"/>
+      </a:lt2>
+      <a:accent1>
+        <a:srgbClr val="4f81bd"/>
+      </a:accent1>
+      <a:accent2>
+        <a:srgbClr val="c0504d"/>
+      </a:accent2>
+      <a:accent3>
+        <a:srgbClr val="9bbb59"/>
+      </a:accent3>
+      <a:accent4>
+        <a:srgbClr val="8064a2"/>
+      </a:accent4>
+      <a:accent5>
+        <a:srgbClr val="4bacc6"/>
+      </a:accent5>
+      <a:accent6>
+        <a:srgbClr val="f79646"/>
+      </a:accent6>
+      <a:hlink>
+        <a:srgbClr val="0000ff"/>
+      </a:hlink>
+      <a:folHlink>
+        <a:srgbClr val="800080"/>
+      </a:folHlink>
+    </a:clrScheme>
+    <a:fontScheme name="Office">
+      <a:majorFont>
+        <a:latin typeface="Arial"/>
+        <a:ea typeface="DejaVu Sans"/>
+        <a:cs typeface="DejaVu Sans"/>
+      </a:majorFont>
+      <a:minorFont>
+        <a:latin typeface="Arial"/>
+        <a:ea typeface="DejaVu Sans"/>
+        <a:cs typeface="DejaVu Sans"/>
+      </a:minorFont>
+    </a:fontScheme>
+    <a:fmtScheme name="Office">
+      <a:fillStyleLst>
+        <a:solidFill>
+          <a:schemeClr val="phClr"/>
+        </a:solidFill>
+        <a:gradFill rotWithShape="1">
+          <a:gsLst>
+            <a:gs pos="0">
+              <a:schemeClr val="phClr">
+                <a:tint val="50000"/>
+                <a:satMod val="300000"/>
+              </a:schemeClr>
+            </a:gs>
+            <a:gs pos="35000">
+              <a:schemeClr val="phClr">
+                <a:tint val="37000"/>
+                <a:satMod val="300000"/>
+              </a:schemeClr>
+            </a:gs>
+            <a:gs pos="100000">
+              <a:schemeClr val="phClr">
+                <a:tint val="15000"/>
+                <a:satMod val="350000"/>
+              </a:schemeClr>
+            </a:gs>
+          </a:gsLst>
+          <a:lin ang="16200000" scaled="1"/>
+        </a:gradFill>
+        <a:gradFill rotWithShape="1">
+          <a:gsLst>
+            <a:gs pos="0">
+              <a:schemeClr val="phClr">
+                <a:shade val="51000"/>
+                <a:satMod val="130000"/>
+              </a:schemeClr>
+            </a:gs>
+            <a:gs pos="80000">
+              <a:schemeClr val="phClr">
+                <a:shade val="93000"/>
+                <a:satMod val="130000"/>
+              </a:schemeClr>
+            </a:gs>
+            <a:gs pos="100000">
+              <a:schemeClr val="phClr">
+                <a:shade val="94000"/>
+                <a:satMod val="135000"/>
+              </a:schemeClr>
+            </a:gs>
+          </a:gsLst>
+          <a:lin ang="16200000" scaled="0"/>
+        </a:gradFill>
+      </a:fillStyleLst>
+      <a:lnStyleLst>
+        <a:ln w="9525" cap="flat" cmpd="sng" algn="ctr">
+          <a:solidFill>
+            <a:schemeClr val="phClr">
+              <a:shade val="95000"/>
+              <a:satMod val="105000"/>
+            </a:schemeClr>
+          </a:solidFill>
+          <a:prstDash val="solid"/>
+          <a:miter/>
+        </a:ln>
+        <a:ln w="25400" cap="flat" cmpd="sng" algn="ctr">
+          <a:solidFill>
+            <a:schemeClr val="phClr"/>
+          </a:solidFill>
+          <a:prstDash val="solid"/>
+          <a:miter/>
+        </a:ln>
+        <a:ln w="38100" cap="flat" cmpd="sng" algn="ctr">
+          <a:solidFill>
+            <a:schemeClr val="phClr"/>
+          </a:solidFill>
+          <a:prstDash val="solid"/>
+          <a:miter/>
+        </a:ln>
+      </a:lnStyleLst>
+      <a:effectStyleLst>
+        <a:effectStyle>
+          <a:effectLst>
+            <a:outerShdw blurRad="40000" dist="20000" dir="5400000" rotWithShape="0">
+              <a:srgbClr val="000000">
+                <a:alpha val="38000"/>
+              </a:srgbClr>
+            </a:outerShdw>
+          </a:effectLst>
+        </a:effectStyle>
+        <a:effectStyle>
+          <a:effectLst>
+            <a:outerShdw blurRad="40000" dist="23000" dir="5400000" rotWithShape="0">
+              <a:srgbClr val="000000">
+                <a:alpha val="35000"/>
+              </a:srgbClr>
+            </a:outerShdw>
+          </a:effectLst>
+        </a:effectStyle>
+        <a:effectStyle>
+          <a:effectLst>
+            <a:outerShdw blurRad="40000" dist="23000" dir="5400000" rotWithShape="0">
+              <a:srgbClr val="000000">
+                <a:alpha val="35000"/>
+              </a:srgbClr>
+            </a:outerShdw>
+          </a:effectLst>
+          <a:scene3d>
+            <a:camera prst="orthographicFront">
+              <a:rot lat="0" lon="0" rev="0"/>
+            </a:camera>
+            <a:lightRig rig="threePt" dir="t">
+              <a:rot lat="0" lon="0" rev="1200000"/>
+            </a:lightRig>
+          </a:scene3d>
+          <a:sp3d>
+            <a:bevelT w="63500" h="25400"/>
+          </a:sp3d>
+        </a:effectStyle>
+      </a:effectStyleLst>
+      <a:bgFillStyleLst>
+        <a:solidFill>
+          <a:schemeClr val="phClr"/>
+        </a:solidFill>
+        <a:gradFill rotWithShape="1">
+          <a:gsLst>
+            <a:gs pos="0">
+              <a:schemeClr val="phClr">
+                <a:tint val="40000"/>
+                <a:satMod val="350000"/>
+              </a:schemeClr>
+            </a:gs>
+            <a:gs pos="40000">
+              <a:schemeClr val="phClr">
+                <a:tint val="45000"/>
+                <a:shade val="99000"/>
+                <a:satMod val="350000"/>
+              </a:schemeClr>
+            </a:gs>
+            <a:gs pos="100000">
+              <a:schemeClr val="phClr">
+                <a:shade val="20000"/>
+                <a:satMod val="255000"/>
+              </a:schemeClr>
+            </a:gs>
+          </a:gsLst>
+          <a:path path="circle">
+            <a:fillToRect l="50000" t="-80000" r="50000" b="180000"/>
+          </a:path>
+        </a:gradFill>
+        <a:gradFill rotWithShape="1">
+          <a:gsLst>
+            <a:gs pos="0">
+              <a:schemeClr val="phClr">
+                <a:tint val="80000"/>
+                <a:satMod val="300000"/>
+              </a:schemeClr>
+            </a:gs>
+            <a:gs pos="100000">
+              <a:schemeClr val="phClr">
+                <a:shade val="30000"/>
+                <a:satMod val="200000"/>
+              </a:schemeClr>
+            </a:gs>
+          </a:gsLst>
+          <a:path path="circle">
+            <a:fillToRect l="50000" t="50000" r="50000" b="50000"/>
+          </a:path>
+        </a:gradFill>
+      </a:bgFillStyleLst>
+    </a:fmtScheme>
+  </a:themeElements>
+</a:theme>
+</file>
+
+<file path=ppt/theme/theme4.xml><?xml version="1.0" encoding="utf-8"?>
+<a:theme xmlns:a="http://schemas.openxmlformats.org/drawingml/2006/main" name="Office Theme">
+  <a:themeElements>
+    <a:clrScheme name="Office">
+      <a:dk1>
         <a:sysClr val="windowText" lastClr="000000"/>
       </a:dk1>
       <a:lt1>

--- a/Java/Java #2/TR/Java #2.pptx
+++ b/Java/Java #2/TR/Java #2.pptx
@@ -15,6 +15,8 @@
     <p:sldId id="259" r:id="rId10"/>
     <p:sldId id="260" r:id="rId11"/>
     <p:sldId id="261" r:id="rId12"/>
+    <p:sldId id="262" r:id="rId13"/>
+    <p:sldId id="263" r:id="rId14"/>
   </p:sldIdLst>
   <p:sldSz cx="9144000" cy="6858000"/>
   <p:notesSz cx="7772400" cy="10058400"/>
@@ -72,7 +74,7 @@
         <p:txBody>
           <a:bodyPr/>
           <a:p>
-            <a:fld id="{B825B133-3D47-4DAC-8021-17E796BAE9AB}" type="slidenum">
+            <a:fld id="{41C1BB08-356D-4669-9AA5-929E81895774}" type="slidenum">
               <a:t>&lt;#&gt;</a:t>
             </a:fld>
           </a:p>
@@ -281,7 +283,7 @@
         <p:txBody>
           <a:bodyPr/>
           <a:p>
-            <a:fld id="{5106FB9D-AE8E-4643-954E-FEAC830E0E4F}" type="slidenum">
+            <a:fld id="{0BA0DB65-3B69-4983-8ACA-105593DBE847}" type="slidenum">
               <a:t>&lt;#&gt;</a:t>
             </a:fld>
           </a:p>
@@ -576,7 +578,7 @@
         <p:txBody>
           <a:bodyPr/>
           <a:p>
-            <a:fld id="{937BDA7C-BEEC-463C-9C8A-D754611A5413}" type="slidenum">
+            <a:fld id="{1167A658-FE18-46AB-9E9F-E54906A9CA4B}" type="slidenum">
               <a:t>&lt;#&gt;</a:t>
             </a:fld>
           </a:p>
@@ -957,7 +959,7 @@
         <p:txBody>
           <a:bodyPr/>
           <a:p>
-            <a:fld id="{16280D09-0F74-4CF8-8E58-71EC995BA1AD}" type="slidenum">
+            <a:fld id="{00D12CB9-4D2E-40D9-AD7E-ECA61675B89D}" type="slidenum">
               <a:t>&lt;#&gt;</a:t>
             </a:fld>
           </a:p>
@@ -1040,7 +1042,7 @@
         <p:txBody>
           <a:bodyPr/>
           <a:p>
-            <a:fld id="{65E6FB6E-ADEB-4714-8E08-88D54504E49B}" type="slidenum">
+            <a:fld id="{706071FC-5C02-4C49-B9E7-2CB52F8FF1B8}" type="slidenum">
               <a:t>&lt;#&gt;</a:t>
             </a:fld>
           </a:p>
@@ -1203,7 +1205,7 @@
         <p:txBody>
           <a:bodyPr/>
           <a:p>
-            <a:fld id="{2EDE64BA-1A0E-4F0E-B9FC-9361FDE0B3F8}" type="slidenum">
+            <a:fld id="{995C742D-F136-4161-9D69-BE80415A6244}" type="slidenum">
               <a:t>&lt;#&gt;</a:t>
             </a:fld>
           </a:p>
@@ -1369,7 +1371,7 @@
         <p:txBody>
           <a:bodyPr/>
           <a:p>
-            <a:fld id="{7B05D828-5CC9-455B-91A3-C13DFA456661}" type="slidenum">
+            <a:fld id="{781E33E5-EBBE-4B42-AF2A-2BCEDE723D6E}" type="slidenum">
               <a:t>&lt;#&gt;</a:t>
             </a:fld>
           </a:p>
@@ -1578,7 +1580,7 @@
         <p:txBody>
           <a:bodyPr/>
           <a:p>
-            <a:fld id="{C9BAEC77-5756-4799-BC9D-5E7CE9F246A7}" type="slidenum">
+            <a:fld id="{89B3A5FE-E3D7-4D17-9285-774FA2F4AC6B}" type="slidenum">
               <a:t>&lt;#&gt;</a:t>
             </a:fld>
           </a:p>
@@ -1701,7 +1703,7 @@
         <p:txBody>
           <a:bodyPr/>
           <a:p>
-            <a:fld id="{1516041D-E254-4AE5-97D3-65642A47AB89}" type="slidenum">
+            <a:fld id="{850EF7E0-7FF2-4B2B-8420-E6A91942BAB3}" type="slidenum">
               <a:t>&lt;#&gt;</a:t>
             </a:fld>
           </a:p>
@@ -1822,7 +1824,7 @@
         <p:txBody>
           <a:bodyPr/>
           <a:p>
-            <a:fld id="{2CA8A984-1869-4343-8F08-3878646D9A05}" type="slidenum">
+            <a:fld id="{96CFA858-0AE9-4EAF-BE47-0444401E3C20}" type="slidenum">
               <a:t>&lt;#&gt;</a:t>
             </a:fld>
           </a:p>
@@ -2074,7 +2076,7 @@
         <p:txBody>
           <a:bodyPr/>
           <a:p>
-            <a:fld id="{DE420835-B419-45F2-A2D0-E839FA5BE1F1}" type="slidenum">
+            <a:fld id="{DB36484C-DD5F-489F-B445-92AD1A20A2F4}" type="slidenum">
               <a:t>&lt;#&gt;</a:t>
             </a:fld>
           </a:p>
@@ -2237,7 +2239,7 @@
         <p:txBody>
           <a:bodyPr/>
           <a:p>
-            <a:fld id="{057FB0BB-E38D-418F-AE10-CBD523E68232}" type="slidenum">
+            <a:fld id="{AF9ED49B-7185-4330-8C1C-D54AA9BEB3FE}" type="slidenum">
               <a:t>&lt;#&gt;</a:t>
             </a:fld>
           </a:p>
@@ -2489,7 +2491,7 @@
         <p:txBody>
           <a:bodyPr/>
           <a:p>
-            <a:fld id="{4EDDC378-CDC3-440A-9E54-769183B18926}" type="slidenum">
+            <a:fld id="{FF994C81-4D65-4CEF-BD1E-1E04EC7E6681}" type="slidenum">
               <a:t>&lt;#&gt;</a:t>
             </a:fld>
           </a:p>
@@ -2741,7 +2743,7 @@
         <p:txBody>
           <a:bodyPr/>
           <a:p>
-            <a:fld id="{D411616B-3A47-4550-A867-5A4DC7929E21}" type="slidenum">
+            <a:fld id="{0EB5D077-6996-4EAF-98B4-1FB2B28C9074}" type="slidenum">
               <a:t>&lt;#&gt;</a:t>
             </a:fld>
           </a:p>
@@ -2950,7 +2952,7 @@
         <p:txBody>
           <a:bodyPr/>
           <a:p>
-            <a:fld id="{999C24BA-2909-40E7-92ED-947A2EA348EC}" type="slidenum">
+            <a:fld id="{26D99DC5-0474-4639-8492-3972910945AE}" type="slidenum">
               <a:t>&lt;#&gt;</a:t>
             </a:fld>
           </a:p>
@@ -3245,7 +3247,7 @@
         <p:txBody>
           <a:bodyPr/>
           <a:p>
-            <a:fld id="{A792D86F-77D7-4AB3-8560-777F24F19FEA}" type="slidenum">
+            <a:fld id="{3A98BED1-B09A-4B01-A5E7-F7B38960BD5D}" type="slidenum">
               <a:t>&lt;#&gt;</a:t>
             </a:fld>
           </a:p>
@@ -3626,7 +3628,7 @@
         <p:txBody>
           <a:bodyPr/>
           <a:p>
-            <a:fld id="{8BE1447A-A50E-4771-87EE-9CE181C74A14}" type="slidenum">
+            <a:fld id="{E401A577-5CB9-483E-9AE3-360D47734064}" type="slidenum">
               <a:t>&lt;#&gt;</a:t>
             </a:fld>
           </a:p>
@@ -3709,7 +3711,7 @@
         <p:txBody>
           <a:bodyPr/>
           <a:p>
-            <a:fld id="{F6F16982-3207-4827-A422-C8C1E7994C6B}" type="slidenum">
+            <a:fld id="{AC48E0ED-33CA-4467-B43A-CFACF8486D1F}" type="slidenum">
               <a:t>&lt;#&gt;</a:t>
             </a:fld>
           </a:p>
@@ -3872,7 +3874,7 @@
         <p:txBody>
           <a:bodyPr/>
           <a:p>
-            <a:fld id="{2330C922-08B8-400B-8081-1EEF5C31F5CD}" type="slidenum">
+            <a:fld id="{EB7C9919-D53A-49DA-9BA9-E6E01DF006B8}" type="slidenum">
               <a:t>&lt;#&gt;</a:t>
             </a:fld>
           </a:p>
@@ -4038,7 +4040,7 @@
         <p:txBody>
           <a:bodyPr/>
           <a:p>
-            <a:fld id="{05073E6C-97C4-4706-99DF-46F1A3F0C186}" type="slidenum">
+            <a:fld id="{FBE0DBB4-B5E9-499C-957C-4E2FA25BCC19}" type="slidenum">
               <a:t>&lt;#&gt;</a:t>
             </a:fld>
           </a:p>
@@ -4247,7 +4249,7 @@
         <p:txBody>
           <a:bodyPr/>
           <a:p>
-            <a:fld id="{7058715D-D885-403F-A7CB-037104CBD1C2}" type="slidenum">
+            <a:fld id="{3437848A-343C-41DD-AE00-73FC8BEC3537}" type="slidenum">
               <a:t>&lt;#&gt;</a:t>
             </a:fld>
           </a:p>
@@ -4370,7 +4372,7 @@
         <p:txBody>
           <a:bodyPr/>
           <a:p>
-            <a:fld id="{CE0314E0-0C2E-4E42-84AA-672DE4CA10FB}" type="slidenum">
+            <a:fld id="{F43A1898-6BE3-4589-9CE6-4AA34F928E08}" type="slidenum">
               <a:t>&lt;#&gt;</a:t>
             </a:fld>
           </a:p>
@@ -4536,7 +4538,7 @@
         <p:txBody>
           <a:bodyPr/>
           <a:p>
-            <a:fld id="{0AAA5877-A1AF-411E-859A-35E0AC30C409}" type="slidenum">
+            <a:fld id="{2D1565FF-5AB7-4180-9797-30EBBEDD4FCC}" type="slidenum">
               <a:t>&lt;#&gt;</a:t>
             </a:fld>
           </a:p>
@@ -4657,7 +4659,7 @@
         <p:txBody>
           <a:bodyPr/>
           <a:p>
-            <a:fld id="{9881BE1D-F833-4ECD-8BB5-70A181A14966}" type="slidenum">
+            <a:fld id="{B23457EC-E38E-436C-A26C-9A20EF66B849}" type="slidenum">
               <a:t>&lt;#&gt;</a:t>
             </a:fld>
           </a:p>
@@ -4909,7 +4911,7 @@
         <p:txBody>
           <a:bodyPr/>
           <a:p>
-            <a:fld id="{29526D65-9546-4FB1-9735-6CEEA3DC94A5}" type="slidenum">
+            <a:fld id="{5B6C5D55-9D55-4502-860B-A105FAC01D5C}" type="slidenum">
               <a:t>&lt;#&gt;</a:t>
             </a:fld>
           </a:p>
@@ -5161,7 +5163,7 @@
         <p:txBody>
           <a:bodyPr/>
           <a:p>
-            <a:fld id="{96FC13C4-EEA5-46B1-B21A-F6E911CE52F4}" type="slidenum">
+            <a:fld id="{7E89E58D-0DDC-4ACF-9B80-E228B40EBC35}" type="slidenum">
               <a:t>&lt;#&gt;</a:t>
             </a:fld>
           </a:p>
@@ -5413,7 +5415,7 @@
         <p:txBody>
           <a:bodyPr/>
           <a:p>
-            <a:fld id="{779BAB6D-7430-49F6-9788-A36CE4B68FF6}" type="slidenum">
+            <a:fld id="{DE1ACF36-DFD8-4DC5-A2FA-C057CA088F43}" type="slidenum">
               <a:t>&lt;#&gt;</a:t>
             </a:fld>
           </a:p>
@@ -5622,7 +5624,7 @@
         <p:txBody>
           <a:bodyPr/>
           <a:p>
-            <a:fld id="{B3C07D13-F36B-4F73-978C-0C396F71ACC7}" type="slidenum">
+            <a:fld id="{E7AEB188-61B9-4A8C-960D-DEA14B614E8C}" type="slidenum">
               <a:t>&lt;#&gt;</a:t>
             </a:fld>
           </a:p>
@@ -5917,7 +5919,7 @@
         <p:txBody>
           <a:bodyPr/>
           <a:p>
-            <a:fld id="{B82F1715-0356-4A0E-B1F8-573515777479}" type="slidenum">
+            <a:fld id="{0FA9CB16-A66E-470B-BC00-640D94BBB2E6}" type="slidenum">
               <a:t>&lt;#&gt;</a:t>
             </a:fld>
           </a:p>
@@ -6298,7 +6300,7 @@
         <p:txBody>
           <a:bodyPr/>
           <a:p>
-            <a:fld id="{F17A5C03-D634-4DBE-91F9-F390BA9C835A}" type="slidenum">
+            <a:fld id="{002856B5-5332-4D7A-8238-49ACE0A8C5C3}" type="slidenum">
               <a:t>&lt;#&gt;</a:t>
             </a:fld>
           </a:p>
@@ -6381,7 +6383,7 @@
         <p:txBody>
           <a:bodyPr/>
           <a:p>
-            <a:fld id="{A36A637E-8C3A-401D-91CC-E01DA28044FF}" type="slidenum">
+            <a:fld id="{FEFBAC94-914E-4387-8460-DAF4724B03A0}" type="slidenum">
               <a:t>&lt;#&gt;</a:t>
             </a:fld>
           </a:p>
@@ -6432,7 +6434,7 @@
       </p:grpSpPr>
       <p:sp>
         <p:nvSpPr>
-          <p:cNvPr id="126" name="PlaceHolder 1"/>
+          <p:cNvPr id="128" name="PlaceHolder 1"/>
           <p:cNvSpPr>
             <a:spLocks noGrp="1"/>
           </p:cNvSpPr>
@@ -6472,7 +6474,7 @@
       </p:sp>
       <p:sp>
         <p:nvSpPr>
-          <p:cNvPr id="127" name="PlaceHolder 2"/>
+          <p:cNvPr id="129" name="PlaceHolder 2"/>
           <p:cNvSpPr>
             <a:spLocks noGrp="1"/>
           </p:cNvSpPr>
@@ -6544,7 +6546,7 @@
         <p:txBody>
           <a:bodyPr/>
           <a:p>
-            <a:fld id="{169C8FED-96DC-4170-88F5-24A518AA8B0E}" type="slidenum">
+            <a:fld id="{0EB68B78-7469-4B17-9AF1-8613CCA891F9}" type="slidenum">
               <a:t>&lt;#&gt;</a:t>
             </a:fld>
           </a:p>
@@ -6595,7 +6597,7 @@
       </p:grpSpPr>
       <p:sp>
         <p:nvSpPr>
-          <p:cNvPr id="128" name="PlaceHolder 1"/>
+          <p:cNvPr id="130" name="PlaceHolder 1"/>
           <p:cNvSpPr>
             <a:spLocks noGrp="1"/>
           </p:cNvSpPr>
@@ -6635,7 +6637,7 @@
       </p:sp>
       <p:sp>
         <p:nvSpPr>
-          <p:cNvPr id="129" name="PlaceHolder 2"/>
+          <p:cNvPr id="131" name="PlaceHolder 2"/>
           <p:cNvSpPr>
             <a:spLocks noGrp="1"/>
           </p:cNvSpPr>
@@ -6710,7 +6712,7 @@
         <p:txBody>
           <a:bodyPr/>
           <a:p>
-            <a:fld id="{3F7F2A72-938E-4A9A-A75A-FD1102959C92}" type="slidenum">
+            <a:fld id="{8E96763C-E723-4E41-BA8D-556BA1F84186}" type="slidenum">
               <a:t>&lt;#&gt;</a:t>
             </a:fld>
           </a:p>
@@ -6919,7 +6921,7 @@
         <p:txBody>
           <a:bodyPr/>
           <a:p>
-            <a:fld id="{E827FB04-A281-488E-AC06-1EEBB6EB777A}" type="slidenum">
+            <a:fld id="{9AB9F276-6066-413D-A477-CDF67B1F61D1}" type="slidenum">
               <a:t>&lt;#&gt;</a:t>
             </a:fld>
           </a:p>
@@ -6970,7 +6972,7 @@
       </p:grpSpPr>
       <p:sp>
         <p:nvSpPr>
-          <p:cNvPr id="130" name="PlaceHolder 1"/>
+          <p:cNvPr id="132" name="PlaceHolder 1"/>
           <p:cNvSpPr>
             <a:spLocks noGrp="1"/>
           </p:cNvSpPr>
@@ -7010,7 +7012,7 @@
       </p:sp>
       <p:sp>
         <p:nvSpPr>
-          <p:cNvPr id="131" name="PlaceHolder 2"/>
+          <p:cNvPr id="133" name="PlaceHolder 2"/>
           <p:cNvSpPr>
             <a:spLocks noGrp="1"/>
           </p:cNvSpPr>
@@ -7053,7 +7055,7 @@
       </p:sp>
       <p:sp>
         <p:nvSpPr>
-          <p:cNvPr id="132" name="PlaceHolder 3"/>
+          <p:cNvPr id="134" name="PlaceHolder 3"/>
           <p:cNvSpPr>
             <a:spLocks noGrp="1"/>
           </p:cNvSpPr>
@@ -7128,7 +7130,7 @@
         <p:txBody>
           <a:bodyPr/>
           <a:p>
-            <a:fld id="{BBE3067D-DD62-4F67-A4E1-9B2E03146D6A}" type="slidenum">
+            <a:fld id="{AC808699-EFBD-4612-994B-7B945E324A24}" type="slidenum">
               <a:t>&lt;#&gt;</a:t>
             </a:fld>
           </a:p>
@@ -7179,7 +7181,7 @@
       </p:grpSpPr>
       <p:sp>
         <p:nvSpPr>
-          <p:cNvPr id="133" name="PlaceHolder 1"/>
+          <p:cNvPr id="135" name="PlaceHolder 1"/>
           <p:cNvSpPr>
             <a:spLocks noGrp="1"/>
           </p:cNvSpPr>
@@ -7251,7 +7253,7 @@
         <p:txBody>
           <a:bodyPr/>
           <a:p>
-            <a:fld id="{957D70A2-5217-4620-9801-92E982326539}" type="slidenum">
+            <a:fld id="{722D19BD-DF09-406A-8668-D84D1D8BEA34}" type="slidenum">
               <a:t>&lt;#&gt;</a:t>
             </a:fld>
           </a:p>
@@ -7302,7 +7304,7 @@
       </p:grpSpPr>
       <p:sp>
         <p:nvSpPr>
-          <p:cNvPr id="134" name="PlaceHolder 1"/>
+          <p:cNvPr id="136" name="PlaceHolder 1"/>
           <p:cNvSpPr>
             <a:spLocks noGrp="1"/>
           </p:cNvSpPr>
@@ -7372,7 +7374,7 @@
         <p:txBody>
           <a:bodyPr/>
           <a:p>
-            <a:fld id="{2CC1E4DD-DB92-443C-A0FE-FCC00A73658F}" type="slidenum">
+            <a:fld id="{19229858-A20E-4FC8-9DD6-F21FE9C74CB1}" type="slidenum">
               <a:t>&lt;#&gt;</a:t>
             </a:fld>
           </a:p>
@@ -7423,7 +7425,7 @@
       </p:grpSpPr>
       <p:sp>
         <p:nvSpPr>
-          <p:cNvPr id="135" name="PlaceHolder 1"/>
+          <p:cNvPr id="137" name="PlaceHolder 1"/>
           <p:cNvSpPr>
             <a:spLocks noGrp="1"/>
           </p:cNvSpPr>
@@ -7463,7 +7465,7 @@
       </p:sp>
       <p:sp>
         <p:nvSpPr>
-          <p:cNvPr id="136" name="PlaceHolder 2"/>
+          <p:cNvPr id="138" name="PlaceHolder 2"/>
           <p:cNvSpPr>
             <a:spLocks noGrp="1"/>
           </p:cNvSpPr>
@@ -7506,7 +7508,7 @@
       </p:sp>
       <p:sp>
         <p:nvSpPr>
-          <p:cNvPr id="137" name="PlaceHolder 3"/>
+          <p:cNvPr id="139" name="PlaceHolder 3"/>
           <p:cNvSpPr>
             <a:spLocks noGrp="1"/>
           </p:cNvSpPr>
@@ -7549,7 +7551,7 @@
       </p:sp>
       <p:sp>
         <p:nvSpPr>
-          <p:cNvPr id="138" name="PlaceHolder 4"/>
+          <p:cNvPr id="140" name="PlaceHolder 4"/>
           <p:cNvSpPr>
             <a:spLocks noGrp="1"/>
           </p:cNvSpPr>
@@ -7624,7 +7626,7 @@
         <p:txBody>
           <a:bodyPr/>
           <a:p>
-            <a:fld id="{7357D1F7-6EC1-4EBC-930A-A62717ABA6A8}" type="slidenum">
+            <a:fld id="{6182B8C8-FE87-4CF2-884D-1361B39CAF2E}" type="slidenum">
               <a:t>&lt;#&gt;</a:t>
             </a:fld>
           </a:p>
@@ -7675,7 +7677,7 @@
       </p:grpSpPr>
       <p:sp>
         <p:nvSpPr>
-          <p:cNvPr id="139" name="PlaceHolder 1"/>
+          <p:cNvPr id="141" name="PlaceHolder 1"/>
           <p:cNvSpPr>
             <a:spLocks noGrp="1"/>
           </p:cNvSpPr>
@@ -7715,7 +7717,7 @@
       </p:sp>
       <p:sp>
         <p:nvSpPr>
-          <p:cNvPr id="140" name="PlaceHolder 2"/>
+          <p:cNvPr id="142" name="PlaceHolder 2"/>
           <p:cNvSpPr>
             <a:spLocks noGrp="1"/>
           </p:cNvSpPr>
@@ -7758,7 +7760,7 @@
       </p:sp>
       <p:sp>
         <p:nvSpPr>
-          <p:cNvPr id="141" name="PlaceHolder 3"/>
+          <p:cNvPr id="143" name="PlaceHolder 3"/>
           <p:cNvSpPr>
             <a:spLocks noGrp="1"/>
           </p:cNvSpPr>
@@ -7801,7 +7803,7 @@
       </p:sp>
       <p:sp>
         <p:nvSpPr>
-          <p:cNvPr id="142" name="PlaceHolder 4"/>
+          <p:cNvPr id="144" name="PlaceHolder 4"/>
           <p:cNvSpPr>
             <a:spLocks noGrp="1"/>
           </p:cNvSpPr>
@@ -7876,7 +7878,7 @@
         <p:txBody>
           <a:bodyPr/>
           <a:p>
-            <a:fld id="{288BAB08-B1A5-4119-BDF8-0596C4BB5E13}" type="slidenum">
+            <a:fld id="{8E9372CE-6384-4660-8A91-20D1D4C85618}" type="slidenum">
               <a:t>&lt;#&gt;</a:t>
             </a:fld>
           </a:p>
@@ -7927,7 +7929,7 @@
       </p:grpSpPr>
       <p:sp>
         <p:nvSpPr>
-          <p:cNvPr id="143" name="PlaceHolder 1"/>
+          <p:cNvPr id="145" name="PlaceHolder 1"/>
           <p:cNvSpPr>
             <a:spLocks noGrp="1"/>
           </p:cNvSpPr>
@@ -7967,7 +7969,7 @@
       </p:sp>
       <p:sp>
         <p:nvSpPr>
-          <p:cNvPr id="144" name="PlaceHolder 2"/>
+          <p:cNvPr id="146" name="PlaceHolder 2"/>
           <p:cNvSpPr>
             <a:spLocks noGrp="1"/>
           </p:cNvSpPr>
@@ -8010,7 +8012,7 @@
       </p:sp>
       <p:sp>
         <p:nvSpPr>
-          <p:cNvPr id="145" name="PlaceHolder 3"/>
+          <p:cNvPr id="147" name="PlaceHolder 3"/>
           <p:cNvSpPr>
             <a:spLocks noGrp="1"/>
           </p:cNvSpPr>
@@ -8053,7 +8055,7 @@
       </p:sp>
       <p:sp>
         <p:nvSpPr>
-          <p:cNvPr id="146" name="PlaceHolder 4"/>
+          <p:cNvPr id="148" name="PlaceHolder 4"/>
           <p:cNvSpPr>
             <a:spLocks noGrp="1"/>
           </p:cNvSpPr>
@@ -8128,7 +8130,7 @@
         <p:txBody>
           <a:bodyPr/>
           <a:p>
-            <a:fld id="{B0E7D7BE-031B-4DBC-8BBD-CD70EFF4F547}" type="slidenum">
+            <a:fld id="{9F82CF5A-E4F2-47E8-B24E-B6D82A8DD36C}" type="slidenum">
               <a:t>&lt;#&gt;</a:t>
             </a:fld>
           </a:p>
@@ -8179,7 +8181,7 @@
       </p:grpSpPr>
       <p:sp>
         <p:nvSpPr>
-          <p:cNvPr id="147" name="PlaceHolder 1"/>
+          <p:cNvPr id="149" name="PlaceHolder 1"/>
           <p:cNvSpPr>
             <a:spLocks noGrp="1"/>
           </p:cNvSpPr>
@@ -8219,7 +8221,7 @@
       </p:sp>
       <p:sp>
         <p:nvSpPr>
-          <p:cNvPr id="148" name="PlaceHolder 2"/>
+          <p:cNvPr id="150" name="PlaceHolder 2"/>
           <p:cNvSpPr>
             <a:spLocks noGrp="1"/>
           </p:cNvSpPr>
@@ -8262,7 +8264,7 @@
       </p:sp>
       <p:sp>
         <p:nvSpPr>
-          <p:cNvPr id="149" name="PlaceHolder 3"/>
+          <p:cNvPr id="151" name="PlaceHolder 3"/>
           <p:cNvSpPr>
             <a:spLocks noGrp="1"/>
           </p:cNvSpPr>
@@ -8337,7 +8339,7 @@
         <p:txBody>
           <a:bodyPr/>
           <a:p>
-            <a:fld id="{653A859C-E4B7-4631-9E33-EDFA9506062D}" type="slidenum">
+            <a:fld id="{42DF041B-1E32-49D1-9637-C4C1070C8D2F}" type="slidenum">
               <a:t>&lt;#&gt;</a:t>
             </a:fld>
           </a:p>
@@ -8388,7 +8390,7 @@
       </p:grpSpPr>
       <p:sp>
         <p:nvSpPr>
-          <p:cNvPr id="150" name="PlaceHolder 1"/>
+          <p:cNvPr id="152" name="PlaceHolder 1"/>
           <p:cNvSpPr>
             <a:spLocks noGrp="1"/>
           </p:cNvSpPr>
@@ -8428,7 +8430,7 @@
       </p:sp>
       <p:sp>
         <p:nvSpPr>
-          <p:cNvPr id="151" name="PlaceHolder 2"/>
+          <p:cNvPr id="153" name="PlaceHolder 2"/>
           <p:cNvSpPr>
             <a:spLocks noGrp="1"/>
           </p:cNvSpPr>
@@ -8471,7 +8473,7 @@
       </p:sp>
       <p:sp>
         <p:nvSpPr>
-          <p:cNvPr id="152" name="PlaceHolder 3"/>
+          <p:cNvPr id="154" name="PlaceHolder 3"/>
           <p:cNvSpPr>
             <a:spLocks noGrp="1"/>
           </p:cNvSpPr>
@@ -8514,7 +8516,7 @@
       </p:sp>
       <p:sp>
         <p:nvSpPr>
-          <p:cNvPr id="153" name="PlaceHolder 4"/>
+          <p:cNvPr id="155" name="PlaceHolder 4"/>
           <p:cNvSpPr>
             <a:spLocks noGrp="1"/>
           </p:cNvSpPr>
@@ -8557,7 +8559,7 @@
       </p:sp>
       <p:sp>
         <p:nvSpPr>
-          <p:cNvPr id="154" name="PlaceHolder 5"/>
+          <p:cNvPr id="156" name="PlaceHolder 5"/>
           <p:cNvSpPr>
             <a:spLocks noGrp="1"/>
           </p:cNvSpPr>
@@ -8632,7 +8634,7 @@
         <p:txBody>
           <a:bodyPr/>
           <a:p>
-            <a:fld id="{DDF91215-4073-416E-9E38-8386B0D05891}" type="slidenum">
+            <a:fld id="{FC017B92-DB32-4F99-9D15-64C952F5CD80}" type="slidenum">
               <a:t>&lt;#&gt;</a:t>
             </a:fld>
           </a:p>
@@ -8683,7 +8685,7 @@
       </p:grpSpPr>
       <p:sp>
         <p:nvSpPr>
-          <p:cNvPr id="155" name="PlaceHolder 1"/>
+          <p:cNvPr id="157" name="PlaceHolder 1"/>
           <p:cNvSpPr>
             <a:spLocks noGrp="1"/>
           </p:cNvSpPr>
@@ -8723,7 +8725,7 @@
       </p:sp>
       <p:sp>
         <p:nvSpPr>
-          <p:cNvPr id="156" name="PlaceHolder 2"/>
+          <p:cNvPr id="158" name="PlaceHolder 2"/>
           <p:cNvSpPr>
             <a:spLocks noGrp="1"/>
           </p:cNvSpPr>
@@ -8766,7 +8768,7 @@
       </p:sp>
       <p:sp>
         <p:nvSpPr>
-          <p:cNvPr id="157" name="PlaceHolder 3"/>
+          <p:cNvPr id="159" name="PlaceHolder 3"/>
           <p:cNvSpPr>
             <a:spLocks noGrp="1"/>
           </p:cNvSpPr>
@@ -8809,7 +8811,7 @@
       </p:sp>
       <p:sp>
         <p:nvSpPr>
-          <p:cNvPr id="158" name="PlaceHolder 4"/>
+          <p:cNvPr id="160" name="PlaceHolder 4"/>
           <p:cNvSpPr>
             <a:spLocks noGrp="1"/>
           </p:cNvSpPr>
@@ -8852,7 +8854,7 @@
       </p:sp>
       <p:sp>
         <p:nvSpPr>
-          <p:cNvPr id="159" name="PlaceHolder 5"/>
+          <p:cNvPr id="161" name="PlaceHolder 5"/>
           <p:cNvSpPr>
             <a:spLocks noGrp="1"/>
           </p:cNvSpPr>
@@ -8895,7 +8897,7 @@
       </p:sp>
       <p:sp>
         <p:nvSpPr>
-          <p:cNvPr id="160" name="PlaceHolder 6"/>
+          <p:cNvPr id="162" name="PlaceHolder 6"/>
           <p:cNvSpPr>
             <a:spLocks noGrp="1"/>
           </p:cNvSpPr>
@@ -8938,7 +8940,7 @@
       </p:sp>
       <p:sp>
         <p:nvSpPr>
-          <p:cNvPr id="161" name="PlaceHolder 7"/>
+          <p:cNvPr id="163" name="PlaceHolder 7"/>
           <p:cNvSpPr>
             <a:spLocks noGrp="1"/>
           </p:cNvSpPr>
@@ -9013,7 +9015,7 @@
         <p:txBody>
           <a:bodyPr/>
           <a:p>
-            <a:fld id="{BD230192-524C-4807-811A-537CA4100018}" type="slidenum">
+            <a:fld id="{21327591-A1CA-4A99-8610-D61AF50559CD}" type="slidenum">
               <a:t>&lt;#&gt;</a:t>
             </a:fld>
           </a:p>
@@ -9096,7 +9098,7 @@
         <p:txBody>
           <a:bodyPr/>
           <a:p>
-            <a:fld id="{F07EEFF7-AF52-4166-8619-158105B48582}" type="slidenum">
+            <a:fld id="{73794C18-D88D-4694-8084-6C80284683AA}" type="slidenum">
               <a:t>&lt;#&gt;</a:t>
             </a:fld>
           </a:p>
@@ -9219,7 +9221,7 @@
         <p:txBody>
           <a:bodyPr/>
           <a:p>
-            <a:fld id="{4EAD9405-CC60-4F14-A51B-D816B229F487}" type="slidenum">
+            <a:fld id="{10CB179B-1A49-42E6-B0D4-150472D07C53}" type="slidenum">
               <a:t>&lt;#&gt;</a:t>
             </a:fld>
           </a:p>
@@ -9270,7 +9272,7 @@
       </p:grpSpPr>
       <p:sp>
         <p:nvSpPr>
-          <p:cNvPr id="167" name="PlaceHolder 1"/>
+          <p:cNvPr id="169" name="PlaceHolder 1"/>
           <p:cNvSpPr>
             <a:spLocks noGrp="1"/>
           </p:cNvSpPr>
@@ -9310,7 +9312,7 @@
       </p:sp>
       <p:sp>
         <p:nvSpPr>
-          <p:cNvPr id="168" name="PlaceHolder 2"/>
+          <p:cNvPr id="170" name="PlaceHolder 2"/>
           <p:cNvSpPr>
             <a:spLocks noGrp="1"/>
           </p:cNvSpPr>
@@ -9382,7 +9384,7 @@
         <p:txBody>
           <a:bodyPr/>
           <a:p>
-            <a:fld id="{6A043AFB-2409-4C7F-81B8-E1D0A51FA9D9}" type="slidenum">
+            <a:fld id="{891DDE16-D6F7-4EDA-BE22-0F8F8D00F617}" type="slidenum">
               <a:t>&lt;#&gt;</a:t>
             </a:fld>
           </a:p>
@@ -9433,7 +9435,7 @@
       </p:grpSpPr>
       <p:sp>
         <p:nvSpPr>
-          <p:cNvPr id="169" name="PlaceHolder 1"/>
+          <p:cNvPr id="171" name="PlaceHolder 1"/>
           <p:cNvSpPr>
             <a:spLocks noGrp="1"/>
           </p:cNvSpPr>
@@ -9473,7 +9475,7 @@
       </p:sp>
       <p:sp>
         <p:nvSpPr>
-          <p:cNvPr id="170" name="PlaceHolder 2"/>
+          <p:cNvPr id="172" name="PlaceHolder 2"/>
           <p:cNvSpPr>
             <a:spLocks noGrp="1"/>
           </p:cNvSpPr>
@@ -9548,7 +9550,7 @@
         <p:txBody>
           <a:bodyPr/>
           <a:p>
-            <a:fld id="{0C206025-E1AF-4F83-BD0D-14D7F0C57E6F}" type="slidenum">
+            <a:fld id="{F865A154-613E-42AA-AA5D-FFC652728228}" type="slidenum">
               <a:t>&lt;#&gt;</a:t>
             </a:fld>
           </a:p>
@@ -9599,7 +9601,7 @@
       </p:grpSpPr>
       <p:sp>
         <p:nvSpPr>
-          <p:cNvPr id="171" name="PlaceHolder 1"/>
+          <p:cNvPr id="173" name="PlaceHolder 1"/>
           <p:cNvSpPr>
             <a:spLocks noGrp="1"/>
           </p:cNvSpPr>
@@ -9639,7 +9641,7 @@
       </p:sp>
       <p:sp>
         <p:nvSpPr>
-          <p:cNvPr id="172" name="PlaceHolder 2"/>
+          <p:cNvPr id="174" name="PlaceHolder 2"/>
           <p:cNvSpPr>
             <a:spLocks noGrp="1"/>
           </p:cNvSpPr>
@@ -9682,7 +9684,7 @@
       </p:sp>
       <p:sp>
         <p:nvSpPr>
-          <p:cNvPr id="173" name="PlaceHolder 3"/>
+          <p:cNvPr id="175" name="PlaceHolder 3"/>
           <p:cNvSpPr>
             <a:spLocks noGrp="1"/>
           </p:cNvSpPr>
@@ -9757,7 +9759,7 @@
         <p:txBody>
           <a:bodyPr/>
           <a:p>
-            <a:fld id="{06E11EB2-7D82-4DAA-B135-FF5B212F43AD}" type="slidenum">
+            <a:fld id="{26AF8BC7-3842-487D-910C-4E202EAD16CB}" type="slidenum">
               <a:t>&lt;#&gt;</a:t>
             </a:fld>
           </a:p>
@@ -9808,7 +9810,7 @@
       </p:grpSpPr>
       <p:sp>
         <p:nvSpPr>
-          <p:cNvPr id="174" name="PlaceHolder 1"/>
+          <p:cNvPr id="176" name="PlaceHolder 1"/>
           <p:cNvSpPr>
             <a:spLocks noGrp="1"/>
           </p:cNvSpPr>
@@ -9880,7 +9882,7 @@
         <p:txBody>
           <a:bodyPr/>
           <a:p>
-            <a:fld id="{B919A57F-A7C4-48F1-A1EF-0CB0F9A32859}" type="slidenum">
+            <a:fld id="{EA2D20F2-3191-4867-B759-2BBB30A1A78C}" type="slidenum">
               <a:t>&lt;#&gt;</a:t>
             </a:fld>
           </a:p>
@@ -9931,7 +9933,7 @@
       </p:grpSpPr>
       <p:sp>
         <p:nvSpPr>
-          <p:cNvPr id="175" name="PlaceHolder 1"/>
+          <p:cNvPr id="177" name="PlaceHolder 1"/>
           <p:cNvSpPr>
             <a:spLocks noGrp="1"/>
           </p:cNvSpPr>
@@ -10001,7 +10003,7 @@
         <p:txBody>
           <a:bodyPr/>
           <a:p>
-            <a:fld id="{1B1F2F08-3873-487D-B834-E14FBE69DCAF}" type="slidenum">
+            <a:fld id="{C5760A56-8137-4804-B9CC-981BF832C785}" type="slidenum">
               <a:t>&lt;#&gt;</a:t>
             </a:fld>
           </a:p>
@@ -10052,7 +10054,7 @@
       </p:grpSpPr>
       <p:sp>
         <p:nvSpPr>
-          <p:cNvPr id="176" name="PlaceHolder 1"/>
+          <p:cNvPr id="178" name="PlaceHolder 1"/>
           <p:cNvSpPr>
             <a:spLocks noGrp="1"/>
           </p:cNvSpPr>
@@ -10092,7 +10094,7 @@
       </p:sp>
       <p:sp>
         <p:nvSpPr>
-          <p:cNvPr id="177" name="PlaceHolder 2"/>
+          <p:cNvPr id="179" name="PlaceHolder 2"/>
           <p:cNvSpPr>
             <a:spLocks noGrp="1"/>
           </p:cNvSpPr>
@@ -10135,7 +10137,7 @@
       </p:sp>
       <p:sp>
         <p:nvSpPr>
-          <p:cNvPr id="178" name="PlaceHolder 3"/>
+          <p:cNvPr id="180" name="PlaceHolder 3"/>
           <p:cNvSpPr>
             <a:spLocks noGrp="1"/>
           </p:cNvSpPr>
@@ -10178,7 +10180,7 @@
       </p:sp>
       <p:sp>
         <p:nvSpPr>
-          <p:cNvPr id="179" name="PlaceHolder 4"/>
+          <p:cNvPr id="181" name="PlaceHolder 4"/>
           <p:cNvSpPr>
             <a:spLocks noGrp="1"/>
           </p:cNvSpPr>
@@ -10253,7 +10255,7 @@
         <p:txBody>
           <a:bodyPr/>
           <a:p>
-            <a:fld id="{A9FE3EC0-6896-4985-8D57-1BEDFE9F5F31}" type="slidenum">
+            <a:fld id="{416A4E43-6D6E-4066-927E-BB1DFA0E3FD6}" type="slidenum">
               <a:t>&lt;#&gt;</a:t>
             </a:fld>
           </a:p>
@@ -10304,7 +10306,7 @@
       </p:grpSpPr>
       <p:sp>
         <p:nvSpPr>
-          <p:cNvPr id="180" name="PlaceHolder 1"/>
+          <p:cNvPr id="182" name="PlaceHolder 1"/>
           <p:cNvSpPr>
             <a:spLocks noGrp="1"/>
           </p:cNvSpPr>
@@ -10344,7 +10346,7 @@
       </p:sp>
       <p:sp>
         <p:nvSpPr>
-          <p:cNvPr id="181" name="PlaceHolder 2"/>
+          <p:cNvPr id="183" name="PlaceHolder 2"/>
           <p:cNvSpPr>
             <a:spLocks noGrp="1"/>
           </p:cNvSpPr>
@@ -10387,7 +10389,7 @@
       </p:sp>
       <p:sp>
         <p:nvSpPr>
-          <p:cNvPr id="182" name="PlaceHolder 3"/>
+          <p:cNvPr id="184" name="PlaceHolder 3"/>
           <p:cNvSpPr>
             <a:spLocks noGrp="1"/>
           </p:cNvSpPr>
@@ -10430,7 +10432,7 @@
       </p:sp>
       <p:sp>
         <p:nvSpPr>
-          <p:cNvPr id="183" name="PlaceHolder 4"/>
+          <p:cNvPr id="185" name="PlaceHolder 4"/>
           <p:cNvSpPr>
             <a:spLocks noGrp="1"/>
           </p:cNvSpPr>
@@ -10505,7 +10507,7 @@
         <p:txBody>
           <a:bodyPr/>
           <a:p>
-            <a:fld id="{16A09AAC-148B-4B76-9E56-DA15D01A962C}" type="slidenum">
+            <a:fld id="{E73DB3E9-2B81-4462-A062-2F1848CB3EBA}" type="slidenum">
               <a:t>&lt;#&gt;</a:t>
             </a:fld>
           </a:p>
@@ -10556,7 +10558,7 @@
       </p:grpSpPr>
       <p:sp>
         <p:nvSpPr>
-          <p:cNvPr id="184" name="PlaceHolder 1"/>
+          <p:cNvPr id="186" name="PlaceHolder 1"/>
           <p:cNvSpPr>
             <a:spLocks noGrp="1"/>
           </p:cNvSpPr>
@@ -10596,7 +10598,7 @@
       </p:sp>
       <p:sp>
         <p:nvSpPr>
-          <p:cNvPr id="185" name="PlaceHolder 2"/>
+          <p:cNvPr id="187" name="PlaceHolder 2"/>
           <p:cNvSpPr>
             <a:spLocks noGrp="1"/>
           </p:cNvSpPr>
@@ -10639,7 +10641,7 @@
       </p:sp>
       <p:sp>
         <p:nvSpPr>
-          <p:cNvPr id="186" name="PlaceHolder 3"/>
+          <p:cNvPr id="188" name="PlaceHolder 3"/>
           <p:cNvSpPr>
             <a:spLocks noGrp="1"/>
           </p:cNvSpPr>
@@ -10682,7 +10684,7 @@
       </p:sp>
       <p:sp>
         <p:nvSpPr>
-          <p:cNvPr id="187" name="PlaceHolder 4"/>
+          <p:cNvPr id="189" name="PlaceHolder 4"/>
           <p:cNvSpPr>
             <a:spLocks noGrp="1"/>
           </p:cNvSpPr>
@@ -10757,7 +10759,7 @@
         <p:txBody>
           <a:bodyPr/>
           <a:p>
-            <a:fld id="{E86AFEE6-D4ED-4C65-B0CB-B5ED1BCEE06B}" type="slidenum">
+            <a:fld id="{DADFABCA-8E91-4E65-AB3B-00E711823279}" type="slidenum">
               <a:t>&lt;#&gt;</a:t>
             </a:fld>
           </a:p>
@@ -10808,7 +10810,7 @@
       </p:grpSpPr>
       <p:sp>
         <p:nvSpPr>
-          <p:cNvPr id="188" name="PlaceHolder 1"/>
+          <p:cNvPr id="190" name="PlaceHolder 1"/>
           <p:cNvSpPr>
             <a:spLocks noGrp="1"/>
           </p:cNvSpPr>
@@ -10848,7 +10850,7 @@
       </p:sp>
       <p:sp>
         <p:nvSpPr>
-          <p:cNvPr id="189" name="PlaceHolder 2"/>
+          <p:cNvPr id="191" name="PlaceHolder 2"/>
           <p:cNvSpPr>
             <a:spLocks noGrp="1"/>
           </p:cNvSpPr>
@@ -10891,7 +10893,7 @@
       </p:sp>
       <p:sp>
         <p:nvSpPr>
-          <p:cNvPr id="190" name="PlaceHolder 3"/>
+          <p:cNvPr id="192" name="PlaceHolder 3"/>
           <p:cNvSpPr>
             <a:spLocks noGrp="1"/>
           </p:cNvSpPr>
@@ -10966,7 +10968,7 @@
         <p:txBody>
           <a:bodyPr/>
           <a:p>
-            <a:fld id="{7315E0DE-8E24-48AB-AF66-0A42FA1D887C}" type="slidenum">
+            <a:fld id="{8FC8A0D5-F0A1-4463-AB4E-E1857EF01E77}" type="slidenum">
               <a:t>&lt;#&gt;</a:t>
             </a:fld>
           </a:p>
@@ -11017,7 +11019,7 @@
       </p:grpSpPr>
       <p:sp>
         <p:nvSpPr>
-          <p:cNvPr id="191" name="PlaceHolder 1"/>
+          <p:cNvPr id="193" name="PlaceHolder 1"/>
           <p:cNvSpPr>
             <a:spLocks noGrp="1"/>
           </p:cNvSpPr>
@@ -11057,7 +11059,7 @@
       </p:sp>
       <p:sp>
         <p:nvSpPr>
-          <p:cNvPr id="192" name="PlaceHolder 2"/>
+          <p:cNvPr id="194" name="PlaceHolder 2"/>
           <p:cNvSpPr>
             <a:spLocks noGrp="1"/>
           </p:cNvSpPr>
@@ -11100,7 +11102,7 @@
       </p:sp>
       <p:sp>
         <p:nvSpPr>
-          <p:cNvPr id="193" name="PlaceHolder 3"/>
+          <p:cNvPr id="195" name="PlaceHolder 3"/>
           <p:cNvSpPr>
             <a:spLocks noGrp="1"/>
           </p:cNvSpPr>
@@ -11143,7 +11145,7 @@
       </p:sp>
       <p:sp>
         <p:nvSpPr>
-          <p:cNvPr id="194" name="PlaceHolder 4"/>
+          <p:cNvPr id="196" name="PlaceHolder 4"/>
           <p:cNvSpPr>
             <a:spLocks noGrp="1"/>
           </p:cNvSpPr>
@@ -11186,7 +11188,7 @@
       </p:sp>
       <p:sp>
         <p:nvSpPr>
-          <p:cNvPr id="195" name="PlaceHolder 5"/>
+          <p:cNvPr id="197" name="PlaceHolder 5"/>
           <p:cNvSpPr>
             <a:spLocks noGrp="1"/>
           </p:cNvSpPr>
@@ -11261,7 +11263,7 @@
         <p:txBody>
           <a:bodyPr/>
           <a:p>
-            <a:fld id="{8A507C29-0835-4B63-BE38-AEB251EBCE80}" type="slidenum">
+            <a:fld id="{1C0F788C-0D98-41B9-8CC9-DE947930EC84}" type="slidenum">
               <a:t>&lt;#&gt;</a:t>
             </a:fld>
           </a:p>
@@ -11382,7 +11384,7 @@
         <p:txBody>
           <a:bodyPr/>
           <a:p>
-            <a:fld id="{57D20369-3E3B-4CE6-A968-63135710A945}" type="slidenum">
+            <a:fld id="{C6EF1388-8AE9-48D7-B354-BAB2C5A56C26}" type="slidenum">
               <a:t>&lt;#&gt;</a:t>
             </a:fld>
           </a:p>
@@ -11433,7 +11435,7 @@
       </p:grpSpPr>
       <p:sp>
         <p:nvSpPr>
-          <p:cNvPr id="196" name="PlaceHolder 1"/>
+          <p:cNvPr id="198" name="PlaceHolder 1"/>
           <p:cNvSpPr>
             <a:spLocks noGrp="1"/>
           </p:cNvSpPr>
@@ -11473,7 +11475,7 @@
       </p:sp>
       <p:sp>
         <p:nvSpPr>
-          <p:cNvPr id="197" name="PlaceHolder 2"/>
+          <p:cNvPr id="199" name="PlaceHolder 2"/>
           <p:cNvSpPr>
             <a:spLocks noGrp="1"/>
           </p:cNvSpPr>
@@ -11516,7 +11518,7 @@
       </p:sp>
       <p:sp>
         <p:nvSpPr>
-          <p:cNvPr id="198" name="PlaceHolder 3"/>
+          <p:cNvPr id="200" name="PlaceHolder 3"/>
           <p:cNvSpPr>
             <a:spLocks noGrp="1"/>
           </p:cNvSpPr>
@@ -11559,7 +11561,7 @@
       </p:sp>
       <p:sp>
         <p:nvSpPr>
-          <p:cNvPr id="199" name="PlaceHolder 4"/>
+          <p:cNvPr id="201" name="PlaceHolder 4"/>
           <p:cNvSpPr>
             <a:spLocks noGrp="1"/>
           </p:cNvSpPr>
@@ -11602,7 +11604,7 @@
       </p:sp>
       <p:sp>
         <p:nvSpPr>
-          <p:cNvPr id="200" name="PlaceHolder 5"/>
+          <p:cNvPr id="202" name="PlaceHolder 5"/>
           <p:cNvSpPr>
             <a:spLocks noGrp="1"/>
           </p:cNvSpPr>
@@ -11645,7 +11647,7 @@
       </p:sp>
       <p:sp>
         <p:nvSpPr>
-          <p:cNvPr id="201" name="PlaceHolder 6"/>
+          <p:cNvPr id="203" name="PlaceHolder 6"/>
           <p:cNvSpPr>
             <a:spLocks noGrp="1"/>
           </p:cNvSpPr>
@@ -11688,7 +11690,7 @@
       </p:sp>
       <p:sp>
         <p:nvSpPr>
-          <p:cNvPr id="202" name="PlaceHolder 7"/>
+          <p:cNvPr id="204" name="PlaceHolder 7"/>
           <p:cNvSpPr>
             <a:spLocks noGrp="1"/>
           </p:cNvSpPr>
@@ -11763,7 +11765,7 @@
         <p:txBody>
           <a:bodyPr/>
           <a:p>
-            <a:fld id="{A49810B4-DCC6-4D97-8533-4B4AD8DF7F26}" type="slidenum">
+            <a:fld id="{4AC83D43-5455-4FA7-99DE-BDD34E19322E}" type="slidenum">
               <a:t>&lt;#&gt;</a:t>
             </a:fld>
           </a:p>
@@ -12015,7 +12017,7 @@
         <p:txBody>
           <a:bodyPr/>
           <a:p>
-            <a:fld id="{1FD7C5C8-5D21-4845-9948-90EB65F4D848}" type="slidenum">
+            <a:fld id="{E0C7EFD2-E987-4264-BE41-7B9D022E30EC}" type="slidenum">
               <a:t>&lt;#&gt;</a:t>
             </a:fld>
           </a:p>
@@ -12267,7 +12269,7 @@
         <p:txBody>
           <a:bodyPr/>
           <a:p>
-            <a:fld id="{20662853-4B99-409A-8D49-D1093079E32A}" type="slidenum">
+            <a:fld id="{872B7143-8332-4C1B-8A02-574702FE8F16}" type="slidenum">
               <a:t>&lt;#&gt;</a:t>
             </a:fld>
           </a:p>
@@ -12519,7 +12521,7 @@
         <p:txBody>
           <a:bodyPr/>
           <a:p>
-            <a:fld id="{03E4DA3F-C81E-4B01-A6A5-F8E49A1FD149}" type="slidenum">
+            <a:fld id="{BFC44578-EC5E-4FE5-AFB4-AF5F4E54A002}" type="slidenum">
               <a:t>&lt;#&gt;</a:t>
             </a:fld>
           </a:p>
@@ -12588,7 +12590,7 @@
         <p:spPr>
           <a:xfrm>
             <a:off x="3124080" y="6356520"/>
-            <a:ext cx="2892960" cy="362520"/>
+            <a:ext cx="2892600" cy="362160"/>
           </a:xfrm>
           <a:prstGeom prst="rect">
             <a:avLst/>
@@ -12660,7 +12662,7 @@
         <p:spPr>
           <a:xfrm>
             <a:off x="6553080" y="6356520"/>
-            <a:ext cx="2131200" cy="362520"/>
+            <a:ext cx="2130840" cy="362160"/>
           </a:xfrm>
           <a:prstGeom prst="rect">
             <a:avLst/>
@@ -12701,7 +12703,7 @@
                 <a:tab algn="l" pos="0"/>
               </a:tabLst>
             </a:pPr>
-            <a:fld id="{BFB40A50-E09C-4B17-9EC6-A3EA30E32B17}" type="slidenum">
+            <a:fld id="{401D6CEE-B097-4E2E-887B-1C9551ED3178}" type="slidenum">
               <a:rPr b="0" lang="en-US" sz="1200" spc="-1" strike="noStrike">
                 <a:solidFill>
                   <a:srgbClr val="8b8b8b"/>
@@ -12732,7 +12734,7 @@
         <p:spPr>
           <a:xfrm>
             <a:off x="457200" y="6356520"/>
-            <a:ext cx="2131200" cy="362520"/>
+            <a:ext cx="2130840" cy="362160"/>
           </a:xfrm>
           <a:prstGeom prst="rect">
             <a:avLst/>
@@ -13110,7 +13112,7 @@
         <p:spPr>
           <a:xfrm>
             <a:off x="3124080" y="6356520"/>
-            <a:ext cx="2892960" cy="362520"/>
+            <a:ext cx="2892600" cy="362160"/>
           </a:xfrm>
           <a:prstGeom prst="rect">
             <a:avLst/>
@@ -13182,7 +13184,7 @@
         <p:spPr>
           <a:xfrm>
             <a:off x="6553080" y="6356520"/>
-            <a:ext cx="2131200" cy="362520"/>
+            <a:ext cx="2130840" cy="362160"/>
           </a:xfrm>
           <a:prstGeom prst="rect">
             <a:avLst/>
@@ -13223,7 +13225,7 @@
                 <a:tab algn="l" pos="0"/>
               </a:tabLst>
             </a:pPr>
-            <a:fld id="{3A9D1566-E7EF-4CA9-A4B4-D882BCC37CC9}" type="slidenum">
+            <a:fld id="{7445169E-8F39-4840-8A98-B91BAB5C0DF7}" type="slidenum">
               <a:rPr b="0" lang="en-US" sz="1200" spc="-1" strike="noStrike">
                 <a:solidFill>
                   <a:srgbClr val="8b8b8b"/>
@@ -13254,7 +13256,7 @@
         <p:spPr>
           <a:xfrm>
             <a:off x="457200" y="6356520"/>
-            <a:ext cx="2131200" cy="362520"/>
+            <a:ext cx="2130840" cy="362160"/>
           </a:xfrm>
           <a:prstGeom prst="rect">
             <a:avLst/>
@@ -13632,7 +13634,7 @@
         <p:spPr>
           <a:xfrm>
             <a:off x="3124080" y="6356520"/>
-            <a:ext cx="2893680" cy="363240"/>
+            <a:ext cx="2893320" cy="362880"/>
           </a:xfrm>
           <a:prstGeom prst="rect">
             <a:avLst/>
@@ -13704,7 +13706,7 @@
         <p:spPr>
           <a:xfrm>
             <a:off x="6553080" y="6356520"/>
-            <a:ext cx="2131920" cy="363240"/>
+            <a:ext cx="2131560" cy="362880"/>
           </a:xfrm>
           <a:prstGeom prst="rect">
             <a:avLst/>
@@ -13745,7 +13747,7 @@
                 <a:tab algn="l" pos="0"/>
               </a:tabLst>
             </a:pPr>
-            <a:fld id="{481CC1D5-85EC-492B-8BED-C8BA9B30EC9B}" type="slidenum">
+            <a:fld id="{28ED7407-055B-4572-8D10-1B61472B710A}" type="slidenum">
               <a:rPr b="0" lang="en-US" sz="1200" spc="-1" strike="noStrike">
                 <a:solidFill>
                   <a:srgbClr val="8b8b8b"/>
@@ -13776,7 +13778,7 @@
         <p:spPr>
           <a:xfrm>
             <a:off x="457200" y="6356520"/>
-            <a:ext cx="2131920" cy="363240"/>
+            <a:ext cx="2131560" cy="362880"/>
           </a:xfrm>
           <a:prstGeom prst="rect">
             <a:avLst/>
@@ -14154,7 +14156,7 @@
         <p:spPr>
           <a:xfrm>
             <a:off x="3124080" y="6356520"/>
-            <a:ext cx="2894040" cy="363600"/>
+            <a:ext cx="2893680" cy="363240"/>
           </a:xfrm>
           <a:prstGeom prst="rect">
             <a:avLst/>
@@ -14226,7 +14228,7 @@
         <p:spPr>
           <a:xfrm>
             <a:off x="6553080" y="6356520"/>
-            <a:ext cx="2132280" cy="363600"/>
+            <a:ext cx="2131920" cy="363240"/>
           </a:xfrm>
           <a:prstGeom prst="rect">
             <a:avLst/>
@@ -14267,7 +14269,7 @@
                 <a:tab algn="l" pos="0"/>
               </a:tabLst>
             </a:pPr>
-            <a:fld id="{15E1A7E7-545D-4F69-BE34-8705AE56F548}" type="slidenum">
+            <a:fld id="{179B5395-EF32-4D2C-ADF1-282128335AC6}" type="slidenum">
               <a:rPr b="0" lang="en-US" sz="1200" spc="-1" strike="noStrike">
                 <a:solidFill>
                   <a:srgbClr val="8b8b8b"/>
@@ -14298,7 +14300,7 @@
         <p:spPr>
           <a:xfrm>
             <a:off x="457200" y="6356520"/>
-            <a:ext cx="2132280" cy="363600"/>
+            <a:ext cx="2131920" cy="363240"/>
           </a:xfrm>
           <a:prstGeom prst="rect">
             <a:avLst/>
@@ -14341,6 +14343,280 @@
                 <a:srgbClr val="000000"/>
               </a:solidFill>
               <a:latin typeface="Times New Roman"/>
+            </a:endParaRPr>
+          </a:p>
+        </p:txBody>
+      </p:sp>
+      <p:sp>
+        <p:nvSpPr>
+          <p:cNvPr id="126" name="PlaceHolder 4"/>
+          <p:cNvSpPr>
+            <a:spLocks noGrp="1"/>
+          </p:cNvSpPr>
+          <p:nvPr>
+            <p:ph type="title"/>
+          </p:nvPr>
+        </p:nvSpPr>
+        <p:spPr>
+          <a:xfrm>
+            <a:off x="457200" y="273600"/>
+            <a:ext cx="8229240" cy="1144800"/>
+          </a:xfrm>
+          <a:prstGeom prst="rect">
+            <a:avLst/>
+          </a:prstGeom>
+          <a:noFill/>
+          <a:ln w="0">
+            <a:noFill/>
+          </a:ln>
+        </p:spPr>
+        <p:txBody>
+          <a:bodyPr lIns="0" rIns="0" tIns="0" bIns="0" anchor="ctr">
+            <a:noAutofit/>
+          </a:bodyPr>
+          <a:p>
+            <a:pPr indent="0" algn="ctr">
+              <a:buNone/>
+            </a:pPr>
+            <a:r>
+              <a:rPr b="0" lang="en-US" sz="4400" spc="-1" strike="noStrike">
+                <a:solidFill>
+                  <a:srgbClr val="000000"/>
+                </a:solidFill>
+                <a:latin typeface="Arial"/>
+              </a:rPr>
+              <a:t>Click to edit the title text format</a:t>
+            </a:r>
+            <a:endParaRPr b="0" lang="en-US" sz="4400" spc="-1" strike="noStrike">
+              <a:solidFill>
+                <a:srgbClr val="000000"/>
+              </a:solidFill>
+              <a:latin typeface="Arial"/>
+            </a:endParaRPr>
+          </a:p>
+        </p:txBody>
+      </p:sp>
+      <p:sp>
+        <p:nvSpPr>
+          <p:cNvPr id="127" name="PlaceHolder 5"/>
+          <p:cNvSpPr>
+            <a:spLocks noGrp="1"/>
+          </p:cNvSpPr>
+          <p:nvPr>
+            <p:ph type="body"/>
+          </p:nvPr>
+        </p:nvSpPr>
+        <p:spPr>
+          <a:xfrm>
+            <a:off x="457200" y="1604520"/>
+            <a:ext cx="8229240" cy="3977280"/>
+          </a:xfrm>
+          <a:prstGeom prst="rect">
+            <a:avLst/>
+          </a:prstGeom>
+          <a:noFill/>
+          <a:ln w="0">
+            <a:noFill/>
+          </a:ln>
+        </p:spPr>
+        <p:txBody>
+          <a:bodyPr lIns="0" rIns="0" tIns="0" bIns="0" anchor="t">
+            <a:normAutofit/>
+          </a:bodyPr>
+          <a:p>
+            <a:pPr marL="432000" indent="-324000">
+              <a:spcBef>
+                <a:spcPts val="1417"/>
+              </a:spcBef>
+              <a:buClr>
+                <a:srgbClr val="000000"/>
+              </a:buClr>
+              <a:buSzPct val="45000"/>
+              <a:buFont typeface="Wingdings" charset="2"/>
+              <a:buChar char=""/>
+            </a:pPr>
+            <a:r>
+              <a:rPr b="0" lang="en-US" sz="3200" spc="-1" strike="noStrike">
+                <a:solidFill>
+                  <a:srgbClr val="000000"/>
+                </a:solidFill>
+                <a:latin typeface="Arial"/>
+              </a:rPr>
+              <a:t>Click to edit the outline text format</a:t>
+            </a:r>
+            <a:endParaRPr b="0" lang="en-US" sz="3200" spc="-1" strike="noStrike">
+              <a:solidFill>
+                <a:srgbClr val="000000"/>
+              </a:solidFill>
+              <a:latin typeface="Arial"/>
+            </a:endParaRPr>
+          </a:p>
+          <a:p>
+            <a:pPr lvl="1" marL="864000" indent="-324000">
+              <a:spcBef>
+                <a:spcPts val="1134"/>
+              </a:spcBef>
+              <a:buClr>
+                <a:srgbClr val="000000"/>
+              </a:buClr>
+              <a:buSzPct val="75000"/>
+              <a:buFont typeface="Symbol" charset="2"/>
+              <a:buChar char=""/>
+            </a:pPr>
+            <a:r>
+              <a:rPr b="0" lang="en-US" sz="2800" spc="-1" strike="noStrike">
+                <a:solidFill>
+                  <a:srgbClr val="000000"/>
+                </a:solidFill>
+                <a:latin typeface="Arial"/>
+              </a:rPr>
+              <a:t>Second Outline Level</a:t>
+            </a:r>
+            <a:endParaRPr b="0" lang="en-US" sz="2800" spc="-1" strike="noStrike">
+              <a:solidFill>
+                <a:srgbClr val="000000"/>
+              </a:solidFill>
+              <a:latin typeface="Arial"/>
+            </a:endParaRPr>
+          </a:p>
+          <a:p>
+            <a:pPr lvl="2" marL="1296000" indent="-288000">
+              <a:spcBef>
+                <a:spcPts val="850"/>
+              </a:spcBef>
+              <a:buClr>
+                <a:srgbClr val="000000"/>
+              </a:buClr>
+              <a:buSzPct val="45000"/>
+              <a:buFont typeface="Wingdings" charset="2"/>
+              <a:buChar char=""/>
+            </a:pPr>
+            <a:r>
+              <a:rPr b="0" lang="en-US" sz="2400" spc="-1" strike="noStrike">
+                <a:solidFill>
+                  <a:srgbClr val="000000"/>
+                </a:solidFill>
+                <a:latin typeface="Arial"/>
+              </a:rPr>
+              <a:t>Third Outline Level</a:t>
+            </a:r>
+            <a:endParaRPr b="0" lang="en-US" sz="2400" spc="-1" strike="noStrike">
+              <a:solidFill>
+                <a:srgbClr val="000000"/>
+              </a:solidFill>
+              <a:latin typeface="Arial"/>
+            </a:endParaRPr>
+          </a:p>
+          <a:p>
+            <a:pPr lvl="3" marL="1728000" indent="-216000">
+              <a:spcBef>
+                <a:spcPts val="567"/>
+              </a:spcBef>
+              <a:buClr>
+                <a:srgbClr val="000000"/>
+              </a:buClr>
+              <a:buSzPct val="75000"/>
+              <a:buFont typeface="Symbol" charset="2"/>
+              <a:buChar char=""/>
+            </a:pPr>
+            <a:r>
+              <a:rPr b="0" lang="en-US" sz="2000" spc="-1" strike="noStrike">
+                <a:solidFill>
+                  <a:srgbClr val="000000"/>
+                </a:solidFill>
+                <a:latin typeface="Arial"/>
+              </a:rPr>
+              <a:t>Fourth Outline Level</a:t>
+            </a:r>
+            <a:endParaRPr b="0" lang="en-US" sz="2000" spc="-1" strike="noStrike">
+              <a:solidFill>
+                <a:srgbClr val="000000"/>
+              </a:solidFill>
+              <a:latin typeface="Arial"/>
+            </a:endParaRPr>
+          </a:p>
+          <a:p>
+            <a:pPr lvl="4" marL="2160000" indent="-216000">
+              <a:spcBef>
+                <a:spcPts val="283"/>
+              </a:spcBef>
+              <a:buClr>
+                <a:srgbClr val="000000"/>
+              </a:buClr>
+              <a:buSzPct val="45000"/>
+              <a:buFont typeface="Wingdings" charset="2"/>
+              <a:buChar char=""/>
+            </a:pPr>
+            <a:r>
+              <a:rPr b="0" lang="en-US" sz="2000" spc="-1" strike="noStrike">
+                <a:solidFill>
+                  <a:srgbClr val="000000"/>
+                </a:solidFill>
+                <a:latin typeface="Arial"/>
+              </a:rPr>
+              <a:t>Fifth Outline Level</a:t>
+            </a:r>
+            <a:endParaRPr b="0" lang="en-US" sz="2000" spc="-1" strike="noStrike">
+              <a:solidFill>
+                <a:srgbClr val="000000"/>
+              </a:solidFill>
+              <a:latin typeface="Arial"/>
+            </a:endParaRPr>
+          </a:p>
+          <a:p>
+            <a:pPr lvl="5" marL="2592000" indent="-216000">
+              <a:spcBef>
+                <a:spcPts val="283"/>
+              </a:spcBef>
+              <a:buClr>
+                <a:srgbClr val="000000"/>
+              </a:buClr>
+              <a:buSzPct val="45000"/>
+              <a:buFont typeface="Wingdings" charset="2"/>
+              <a:buChar char=""/>
+            </a:pPr>
+            <a:r>
+              <a:rPr b="0" lang="en-US" sz="2000" spc="-1" strike="noStrike">
+                <a:solidFill>
+                  <a:srgbClr val="000000"/>
+                </a:solidFill>
+                <a:latin typeface="Arial"/>
+              </a:rPr>
+              <a:t>Sixth Outline Level</a:t>
+            </a:r>
+            <a:endParaRPr b="0" lang="en-US" sz="2000" spc="-1" strike="noStrike">
+              <a:solidFill>
+                <a:srgbClr val="000000"/>
+              </a:solidFill>
+              <a:latin typeface="Arial"/>
+            </a:endParaRPr>
+          </a:p>
+          <a:p>
+            <a:pPr lvl="6" marL="3024000" indent="-216000">
+              <a:spcBef>
+                <a:spcPts val="283"/>
+              </a:spcBef>
+              <a:buClr>
+                <a:srgbClr val="000000"/>
+              </a:buClr>
+              <a:buSzPct val="45000"/>
+              <a:buFont typeface="Wingdings" charset="2"/>
+              <a:buChar char=""/>
+            </a:pPr>
+            <a:r>
+              <a:rPr b="0" lang="en-US" sz="2000" spc="-1" strike="noStrike">
+                <a:solidFill>
+                  <a:srgbClr val="000000"/>
+                </a:solidFill>
+                <a:latin typeface="Arial"/>
+              </a:rPr>
+              <a:t>Seventh Outline Level</a:t>
+            </a:r>
+            <a:endParaRPr b="0" lang="en-US" sz="2000" spc="-1" strike="noStrike">
+              <a:solidFill>
+                <a:srgbClr val="000000"/>
+              </a:solidFill>
+              <a:latin typeface="Arial"/>
             </a:endParaRPr>
           </a:p>
         </p:txBody>
@@ -14391,7 +14667,7 @@
       </p:grpSpPr>
       <p:sp>
         <p:nvSpPr>
-          <p:cNvPr id="162" name="PlaceHolder 1"/>
+          <p:cNvPr id="164" name="PlaceHolder 1"/>
           <p:cNvSpPr>
             <a:spLocks noGrp="1"/>
           </p:cNvSpPr>
@@ -14402,7 +14678,7 @@
         <p:spPr>
           <a:xfrm>
             <a:off x="3124080" y="6356520"/>
-            <a:ext cx="2894400" cy="363960"/>
+            <a:ext cx="2894040" cy="363600"/>
           </a:xfrm>
           <a:prstGeom prst="rect">
             <a:avLst/>
@@ -14463,7 +14739,7 @@
       </p:sp>
       <p:sp>
         <p:nvSpPr>
-          <p:cNvPr id="163" name="PlaceHolder 2"/>
+          <p:cNvPr id="165" name="PlaceHolder 2"/>
           <p:cNvSpPr>
             <a:spLocks noGrp="1"/>
           </p:cNvSpPr>
@@ -14474,7 +14750,7 @@
         <p:spPr>
           <a:xfrm>
             <a:off x="6553080" y="6356520"/>
-            <a:ext cx="2132640" cy="363960"/>
+            <a:ext cx="2132280" cy="363600"/>
           </a:xfrm>
           <a:prstGeom prst="rect">
             <a:avLst/>
@@ -14515,7 +14791,7 @@
                 <a:tab algn="l" pos="0"/>
               </a:tabLst>
             </a:pPr>
-            <a:fld id="{E9E90FB9-AB0D-4583-A80B-31051335BC21}" type="slidenum">
+            <a:fld id="{21D4F6EB-CA39-41B8-B609-E1C4DF677EB5}" type="slidenum">
               <a:rPr b="0" lang="en-US" sz="1200" spc="-1" strike="noStrike">
                 <a:solidFill>
                   <a:srgbClr val="8b8b8b"/>
@@ -14535,7 +14811,7 @@
       </p:sp>
       <p:sp>
         <p:nvSpPr>
-          <p:cNvPr id="164" name="PlaceHolder 3"/>
+          <p:cNvPr id="166" name="PlaceHolder 3"/>
           <p:cNvSpPr>
             <a:spLocks noGrp="1"/>
           </p:cNvSpPr>
@@ -14546,7 +14822,7 @@
         <p:spPr>
           <a:xfrm>
             <a:off x="457200" y="6356520"/>
-            <a:ext cx="2132640" cy="363960"/>
+            <a:ext cx="2132280" cy="363600"/>
           </a:xfrm>
           <a:prstGeom prst="rect">
             <a:avLst/>
@@ -14595,7 +14871,7 @@
       </p:sp>
       <p:sp>
         <p:nvSpPr>
-          <p:cNvPr id="165" name="PlaceHolder 4"/>
+          <p:cNvPr id="167" name="PlaceHolder 4"/>
           <p:cNvSpPr>
             <a:spLocks noGrp="1"/>
           </p:cNvSpPr>
@@ -14644,7 +14920,7 @@
       </p:sp>
       <p:sp>
         <p:nvSpPr>
-          <p:cNvPr id="166" name="PlaceHolder 5"/>
+          <p:cNvPr id="168" name="PlaceHolder 5"/>
           <p:cNvSpPr>
             <a:spLocks noGrp="1"/>
           </p:cNvSpPr>
@@ -14906,14 +15182,14 @@
       </p:grpSpPr>
       <p:sp>
         <p:nvSpPr>
-          <p:cNvPr id="203" name="Rectangle 1"/>
+          <p:cNvPr id="205" name="Rectangle 1"/>
           <p:cNvSpPr/>
           <p:nvPr/>
         </p:nvSpPr>
         <p:spPr>
           <a:xfrm>
             <a:off x="0" y="0"/>
-            <a:ext cx="12186360" cy="6855480"/>
+            <a:ext cx="12186000" cy="6855120"/>
           </a:xfrm>
           <a:prstGeom prst="rect">
             <a:avLst/>
@@ -14966,14 +15242,14 @@
       </p:sp>
       <p:sp>
         <p:nvSpPr>
-          <p:cNvPr id="204" name="Rectangle 2"/>
+          <p:cNvPr id="206" name="Rectangle 2"/>
           <p:cNvSpPr/>
           <p:nvPr/>
         </p:nvSpPr>
         <p:spPr>
           <a:xfrm>
             <a:off x="0" y="0"/>
-            <a:ext cx="15840" cy="6855480"/>
+            <a:ext cx="15480" cy="6855120"/>
           </a:xfrm>
           <a:prstGeom prst="rect">
             <a:avLst/>
@@ -15026,14 +15302,14 @@
       </p:sp>
       <p:sp>
         <p:nvSpPr>
-          <p:cNvPr id="205" name="Rectangle 3"/>
+          <p:cNvPr id="207" name="Rectangle 3"/>
           <p:cNvSpPr/>
           <p:nvPr/>
         </p:nvSpPr>
         <p:spPr>
           <a:xfrm>
             <a:off x="914400" y="0"/>
-            <a:ext cx="15840" cy="6855480"/>
+            <a:ext cx="15480" cy="6855120"/>
           </a:xfrm>
           <a:prstGeom prst="rect">
             <a:avLst/>
@@ -15086,14 +15362,14 @@
       </p:sp>
       <p:sp>
         <p:nvSpPr>
-          <p:cNvPr id="206" name="Rectangle 4"/>
+          <p:cNvPr id="208" name="Rectangle 4"/>
           <p:cNvSpPr/>
           <p:nvPr/>
         </p:nvSpPr>
         <p:spPr>
           <a:xfrm>
             <a:off x="1828800" y="0"/>
-            <a:ext cx="15840" cy="6855480"/>
+            <a:ext cx="15480" cy="6855120"/>
           </a:xfrm>
           <a:prstGeom prst="rect">
             <a:avLst/>
@@ -15146,14 +15422,14 @@
       </p:sp>
       <p:sp>
         <p:nvSpPr>
-          <p:cNvPr id="207" name="Rectangle 5"/>
+          <p:cNvPr id="209" name="Rectangle 5"/>
           <p:cNvSpPr/>
           <p:nvPr/>
         </p:nvSpPr>
         <p:spPr>
           <a:xfrm>
             <a:off x="2743200" y="0"/>
-            <a:ext cx="15840" cy="6855480"/>
+            <a:ext cx="15480" cy="6855120"/>
           </a:xfrm>
           <a:prstGeom prst="rect">
             <a:avLst/>
@@ -15206,14 +15482,14 @@
       </p:sp>
       <p:sp>
         <p:nvSpPr>
-          <p:cNvPr id="208" name="Rectangle 6"/>
+          <p:cNvPr id="210" name="Rectangle 6"/>
           <p:cNvSpPr/>
           <p:nvPr/>
         </p:nvSpPr>
         <p:spPr>
           <a:xfrm>
             <a:off x="3657600" y="0"/>
-            <a:ext cx="15840" cy="6855480"/>
+            <a:ext cx="15480" cy="6855120"/>
           </a:xfrm>
           <a:prstGeom prst="rect">
             <a:avLst/>
@@ -15266,14 +15542,14 @@
       </p:sp>
       <p:sp>
         <p:nvSpPr>
-          <p:cNvPr id="209" name="Rectangle 7"/>
+          <p:cNvPr id="211" name="Rectangle 7"/>
           <p:cNvSpPr/>
           <p:nvPr/>
         </p:nvSpPr>
         <p:spPr>
           <a:xfrm>
             <a:off x="4572000" y="0"/>
-            <a:ext cx="15840" cy="6855480"/>
+            <a:ext cx="15480" cy="6855120"/>
           </a:xfrm>
           <a:prstGeom prst="rect">
             <a:avLst/>
@@ -15326,14 +15602,14 @@
       </p:sp>
       <p:sp>
         <p:nvSpPr>
-          <p:cNvPr id="210" name="Rectangle 8"/>
+          <p:cNvPr id="212" name="Rectangle 8"/>
           <p:cNvSpPr/>
           <p:nvPr/>
         </p:nvSpPr>
         <p:spPr>
           <a:xfrm>
             <a:off x="5486400" y="0"/>
-            <a:ext cx="15840" cy="6855480"/>
+            <a:ext cx="15480" cy="6855120"/>
           </a:xfrm>
           <a:prstGeom prst="rect">
             <a:avLst/>
@@ -15386,14 +15662,14 @@
       </p:sp>
       <p:sp>
         <p:nvSpPr>
-          <p:cNvPr id="211" name="Rectangle 9"/>
+          <p:cNvPr id="213" name="Rectangle 9"/>
           <p:cNvSpPr/>
           <p:nvPr/>
         </p:nvSpPr>
         <p:spPr>
           <a:xfrm>
             <a:off x="6400800" y="0"/>
-            <a:ext cx="15840" cy="6855480"/>
+            <a:ext cx="15480" cy="6855120"/>
           </a:xfrm>
           <a:prstGeom prst="rect">
             <a:avLst/>
@@ -15446,14 +15722,14 @@
       </p:sp>
       <p:sp>
         <p:nvSpPr>
-          <p:cNvPr id="212" name="Rectangle 10"/>
+          <p:cNvPr id="214" name="Rectangle 10"/>
           <p:cNvSpPr/>
           <p:nvPr/>
         </p:nvSpPr>
         <p:spPr>
           <a:xfrm>
             <a:off x="7315200" y="0"/>
-            <a:ext cx="15840" cy="6855480"/>
+            <a:ext cx="15480" cy="6855120"/>
           </a:xfrm>
           <a:prstGeom prst="rect">
             <a:avLst/>
@@ -15506,14 +15782,14 @@
       </p:sp>
       <p:sp>
         <p:nvSpPr>
-          <p:cNvPr id="213" name="Rectangle 11"/>
+          <p:cNvPr id="215" name="Rectangle 11"/>
           <p:cNvSpPr/>
           <p:nvPr/>
         </p:nvSpPr>
         <p:spPr>
           <a:xfrm>
             <a:off x="8229600" y="0"/>
-            <a:ext cx="15840" cy="6855480"/>
+            <a:ext cx="15480" cy="6855120"/>
           </a:xfrm>
           <a:prstGeom prst="rect">
             <a:avLst/>
@@ -15566,14 +15842,14 @@
       </p:sp>
       <p:sp>
         <p:nvSpPr>
-          <p:cNvPr id="214" name="Rectangle 12"/>
+          <p:cNvPr id="216" name="Rectangle 12"/>
           <p:cNvSpPr/>
           <p:nvPr/>
         </p:nvSpPr>
         <p:spPr>
           <a:xfrm>
             <a:off x="9144000" y="0"/>
-            <a:ext cx="15840" cy="6855480"/>
+            <a:ext cx="15480" cy="6855120"/>
           </a:xfrm>
           <a:prstGeom prst="rect">
             <a:avLst/>
@@ -15626,14 +15902,14 @@
       </p:sp>
       <p:sp>
         <p:nvSpPr>
-          <p:cNvPr id="215" name="Rectangle 13"/>
+          <p:cNvPr id="217" name="Rectangle 13"/>
           <p:cNvSpPr/>
           <p:nvPr/>
         </p:nvSpPr>
         <p:spPr>
           <a:xfrm>
             <a:off x="10058400" y="0"/>
-            <a:ext cx="15840" cy="6855480"/>
+            <a:ext cx="15480" cy="6855120"/>
           </a:xfrm>
           <a:prstGeom prst="rect">
             <a:avLst/>
@@ -15686,14 +15962,14 @@
       </p:sp>
       <p:sp>
         <p:nvSpPr>
-          <p:cNvPr id="216" name="Rectangle 14"/>
+          <p:cNvPr id="218" name="Rectangle 14"/>
           <p:cNvSpPr/>
           <p:nvPr/>
         </p:nvSpPr>
         <p:spPr>
           <a:xfrm>
             <a:off x="10972800" y="0"/>
-            <a:ext cx="15840" cy="6855480"/>
+            <a:ext cx="15480" cy="6855120"/>
           </a:xfrm>
           <a:prstGeom prst="rect">
             <a:avLst/>
@@ -15746,14 +16022,14 @@
       </p:sp>
       <p:sp>
         <p:nvSpPr>
-          <p:cNvPr id="217" name="Rectangle 15"/>
+          <p:cNvPr id="219" name="Rectangle 15"/>
           <p:cNvSpPr/>
           <p:nvPr/>
         </p:nvSpPr>
         <p:spPr>
           <a:xfrm>
             <a:off x="11887200" y="0"/>
-            <a:ext cx="15840" cy="6855480"/>
+            <a:ext cx="15480" cy="6855120"/>
           </a:xfrm>
           <a:prstGeom prst="rect">
             <a:avLst/>
@@ -15806,14 +16082,14 @@
       </p:sp>
       <p:sp>
         <p:nvSpPr>
-          <p:cNvPr id="218" name="Rectangle 16"/>
+          <p:cNvPr id="220" name="Rectangle 16"/>
           <p:cNvSpPr/>
           <p:nvPr/>
         </p:nvSpPr>
         <p:spPr>
           <a:xfrm>
             <a:off x="0" y="0"/>
-            <a:ext cx="317520" cy="6855480"/>
+            <a:ext cx="317160" cy="6855120"/>
           </a:xfrm>
           <a:prstGeom prst="rect">
             <a:avLst/>
@@ -15866,14 +16142,14 @@
       </p:sp>
       <p:sp>
         <p:nvSpPr>
-          <p:cNvPr id="219" name="Rounded Rectangle 17"/>
+          <p:cNvPr id="221" name="Rounded Rectangle 17"/>
           <p:cNvSpPr/>
           <p:nvPr/>
         </p:nvSpPr>
         <p:spPr>
           <a:xfrm>
             <a:off x="9875520" y="365760"/>
-            <a:ext cx="2009160" cy="500400"/>
+            <a:ext cx="2008800" cy="500040"/>
           </a:xfrm>
           <a:prstGeom prst="roundRect">
             <a:avLst>
@@ -15940,14 +16216,14 @@
       </p:sp>
       <p:sp>
         <p:nvSpPr>
-          <p:cNvPr id="220" name="TextBox 18"/>
+          <p:cNvPr id="222" name="TextBox 18"/>
           <p:cNvSpPr/>
           <p:nvPr/>
         </p:nvSpPr>
         <p:spPr>
           <a:xfrm>
             <a:off x="1730160" y="1005840"/>
-            <a:ext cx="7510320" cy="820800"/>
+            <a:ext cx="7509960" cy="820800"/>
           </a:xfrm>
           <a:prstGeom prst="rect">
             <a:avLst/>
@@ -15994,14 +16270,14 @@
       </p:sp>
       <p:sp>
         <p:nvSpPr>
-          <p:cNvPr id="221" name="TextBox 19"/>
+          <p:cNvPr id="223" name="TextBox 19"/>
           <p:cNvSpPr/>
           <p:nvPr/>
         </p:nvSpPr>
         <p:spPr>
           <a:xfrm>
             <a:off x="3707640" y="2057400"/>
-            <a:ext cx="3555720" cy="379080"/>
+            <a:ext cx="3555360" cy="379080"/>
           </a:xfrm>
           <a:prstGeom prst="rect">
             <a:avLst/>
@@ -16048,14 +16324,14 @@
       </p:sp>
       <p:sp>
         <p:nvSpPr>
-          <p:cNvPr id="222" name="Rounded Rectangle 20"/>
+          <p:cNvPr id="224" name="Rounded Rectangle 20"/>
           <p:cNvSpPr/>
           <p:nvPr/>
         </p:nvSpPr>
         <p:spPr>
           <a:xfrm>
             <a:off x="987480" y="3182040"/>
-            <a:ext cx="3289320" cy="2740680"/>
+            <a:ext cx="3288960" cy="2740320"/>
           </a:xfrm>
           <a:prstGeom prst="roundRect">
             <a:avLst>
@@ -16110,14 +16386,14 @@
       </p:sp>
       <p:sp>
         <p:nvSpPr>
-          <p:cNvPr id="223" name="Rounded Rectangle 21"/>
+          <p:cNvPr id="225" name="Rounded Rectangle 21"/>
           <p:cNvSpPr/>
           <p:nvPr/>
         </p:nvSpPr>
         <p:spPr>
           <a:xfrm>
             <a:off x="685800" y="2521440"/>
-            <a:ext cx="3427560" cy="3328200"/>
+            <a:ext cx="3427200" cy="3327840"/>
           </a:xfrm>
           <a:prstGeom prst="roundRect">
             <a:avLst>
@@ -16523,14 +16799,14 @@
       </p:sp>
       <p:sp>
         <p:nvSpPr>
-          <p:cNvPr id="224" name="Rounded Rectangle 22"/>
+          <p:cNvPr id="226" name="Rounded Rectangle 22"/>
           <p:cNvSpPr/>
           <p:nvPr/>
         </p:nvSpPr>
         <p:spPr>
           <a:xfrm>
             <a:off x="4507920" y="3182040"/>
-            <a:ext cx="3289320" cy="2740680"/>
+            <a:ext cx="3288960" cy="2740320"/>
           </a:xfrm>
           <a:prstGeom prst="roundRect">
             <a:avLst>
@@ -16585,14 +16861,14 @@
       </p:sp>
       <p:sp>
         <p:nvSpPr>
-          <p:cNvPr id="225" name="Rounded Rectangle 23"/>
+          <p:cNvPr id="227" name="Rounded Rectangle 23"/>
           <p:cNvSpPr/>
           <p:nvPr/>
         </p:nvSpPr>
         <p:spPr>
           <a:xfrm>
             <a:off x="4434840" y="3108960"/>
-            <a:ext cx="3289320" cy="2740680"/>
+            <a:ext cx="3288960" cy="2740320"/>
           </a:xfrm>
           <a:prstGeom prst="roundRect">
             <a:avLst>
@@ -16873,14 +17149,14 @@
       </p:sp>
       <p:sp>
         <p:nvSpPr>
-          <p:cNvPr id="226" name="Rounded Rectangle 24"/>
+          <p:cNvPr id="228" name="Rounded Rectangle 24"/>
           <p:cNvSpPr/>
           <p:nvPr/>
         </p:nvSpPr>
         <p:spPr>
           <a:xfrm>
             <a:off x="8028360" y="3182040"/>
-            <a:ext cx="3289320" cy="2740680"/>
+            <a:ext cx="3288960" cy="2740320"/>
           </a:xfrm>
           <a:prstGeom prst="roundRect">
             <a:avLst>
@@ -16935,14 +17211,14 @@
       </p:sp>
       <p:sp>
         <p:nvSpPr>
-          <p:cNvPr id="227" name="Rounded Rectangle 25"/>
+          <p:cNvPr id="229" name="Rounded Rectangle 25"/>
           <p:cNvSpPr/>
           <p:nvPr/>
         </p:nvSpPr>
         <p:spPr>
           <a:xfrm>
             <a:off x="7955280" y="3108960"/>
-            <a:ext cx="3289320" cy="2740680"/>
+            <a:ext cx="3288960" cy="2740320"/>
           </a:xfrm>
           <a:prstGeom prst="roundRect">
             <a:avLst>
@@ -17144,7 +17420,7 @@
       </p:sp>
       <p:sp>
         <p:nvSpPr>
-          <p:cNvPr id="228" name="TextBox 26"/>
+          <p:cNvPr id="230" name="TextBox 26"/>
           <p:cNvSpPr/>
           <p:nvPr/>
         </p:nvSpPr>
@@ -17228,14 +17504,14 @@
       </p:grpSpPr>
       <p:sp>
         <p:nvSpPr>
-          <p:cNvPr id="229" name="Rectangle 32"/>
+          <p:cNvPr id="231" name="Rectangle 32"/>
           <p:cNvSpPr/>
           <p:nvPr/>
         </p:nvSpPr>
         <p:spPr>
           <a:xfrm>
             <a:off x="0" y="0"/>
-            <a:ext cx="12186360" cy="6855480"/>
+            <a:ext cx="12186000" cy="6855120"/>
           </a:xfrm>
           <a:prstGeom prst="rect">
             <a:avLst/>
@@ -17288,14 +17564,14 @@
       </p:sp>
       <p:sp>
         <p:nvSpPr>
-          <p:cNvPr id="230" name="Rectangle 33"/>
+          <p:cNvPr id="232" name="Rectangle 33"/>
           <p:cNvSpPr/>
           <p:nvPr/>
         </p:nvSpPr>
         <p:spPr>
           <a:xfrm>
             <a:off x="0" y="0"/>
-            <a:ext cx="15840" cy="6855480"/>
+            <a:ext cx="15480" cy="6855120"/>
           </a:xfrm>
           <a:prstGeom prst="rect">
             <a:avLst/>
@@ -17348,14 +17624,14 @@
       </p:sp>
       <p:sp>
         <p:nvSpPr>
-          <p:cNvPr id="231" name="Rectangle 34"/>
+          <p:cNvPr id="233" name="Rectangle 34"/>
           <p:cNvSpPr/>
           <p:nvPr/>
         </p:nvSpPr>
         <p:spPr>
           <a:xfrm>
             <a:off x="914400" y="0"/>
-            <a:ext cx="15840" cy="6855480"/>
+            <a:ext cx="15480" cy="6855120"/>
           </a:xfrm>
           <a:prstGeom prst="rect">
             <a:avLst/>
@@ -17408,14 +17684,14 @@
       </p:sp>
       <p:sp>
         <p:nvSpPr>
-          <p:cNvPr id="232" name="Rectangle 35"/>
+          <p:cNvPr id="234" name="Rectangle 35"/>
           <p:cNvSpPr/>
           <p:nvPr/>
         </p:nvSpPr>
         <p:spPr>
           <a:xfrm>
             <a:off x="1828800" y="0"/>
-            <a:ext cx="15840" cy="6855480"/>
+            <a:ext cx="15480" cy="6855120"/>
           </a:xfrm>
           <a:prstGeom prst="rect">
             <a:avLst/>
@@ -17468,14 +17744,14 @@
       </p:sp>
       <p:sp>
         <p:nvSpPr>
-          <p:cNvPr id="233" name="Rectangle 36"/>
+          <p:cNvPr id="235" name="Rectangle 36"/>
           <p:cNvSpPr/>
           <p:nvPr/>
         </p:nvSpPr>
         <p:spPr>
           <a:xfrm>
             <a:off x="2743200" y="0"/>
-            <a:ext cx="15840" cy="6855480"/>
+            <a:ext cx="15480" cy="6855120"/>
           </a:xfrm>
           <a:prstGeom prst="rect">
             <a:avLst/>
@@ -17528,14 +17804,14 @@
       </p:sp>
       <p:sp>
         <p:nvSpPr>
-          <p:cNvPr id="234" name="Rectangle 37"/>
+          <p:cNvPr id="236" name="Rectangle 37"/>
           <p:cNvSpPr/>
           <p:nvPr/>
         </p:nvSpPr>
         <p:spPr>
           <a:xfrm>
             <a:off x="3657600" y="0"/>
-            <a:ext cx="15840" cy="6855480"/>
+            <a:ext cx="15480" cy="6855120"/>
           </a:xfrm>
           <a:prstGeom prst="rect">
             <a:avLst/>
@@ -17588,14 +17864,14 @@
       </p:sp>
       <p:sp>
         <p:nvSpPr>
-          <p:cNvPr id="235" name="Rectangle 38"/>
+          <p:cNvPr id="237" name="Rectangle 38"/>
           <p:cNvSpPr/>
           <p:nvPr/>
         </p:nvSpPr>
         <p:spPr>
           <a:xfrm>
             <a:off x="4572000" y="0"/>
-            <a:ext cx="15840" cy="6855480"/>
+            <a:ext cx="15480" cy="6855120"/>
           </a:xfrm>
           <a:prstGeom prst="rect">
             <a:avLst/>
@@ -17648,14 +17924,14 @@
       </p:sp>
       <p:sp>
         <p:nvSpPr>
-          <p:cNvPr id="236" name="Rectangle 39"/>
+          <p:cNvPr id="238" name="Rectangle 39"/>
           <p:cNvSpPr/>
           <p:nvPr/>
         </p:nvSpPr>
         <p:spPr>
           <a:xfrm>
             <a:off x="5486400" y="0"/>
-            <a:ext cx="15840" cy="6855480"/>
+            <a:ext cx="15480" cy="6855120"/>
           </a:xfrm>
           <a:prstGeom prst="rect">
             <a:avLst/>
@@ -17708,14 +17984,14 @@
       </p:sp>
       <p:sp>
         <p:nvSpPr>
-          <p:cNvPr id="237" name="Rectangle 40"/>
+          <p:cNvPr id="239" name="Rectangle 40"/>
           <p:cNvSpPr/>
           <p:nvPr/>
         </p:nvSpPr>
         <p:spPr>
           <a:xfrm>
             <a:off x="6400800" y="0"/>
-            <a:ext cx="15840" cy="6855480"/>
+            <a:ext cx="15480" cy="6855120"/>
           </a:xfrm>
           <a:prstGeom prst="rect">
             <a:avLst/>
@@ -17768,14 +18044,14 @@
       </p:sp>
       <p:sp>
         <p:nvSpPr>
-          <p:cNvPr id="238" name="Rectangle 41"/>
+          <p:cNvPr id="240" name="Rectangle 41"/>
           <p:cNvSpPr/>
           <p:nvPr/>
         </p:nvSpPr>
         <p:spPr>
           <a:xfrm>
             <a:off x="7315200" y="0"/>
-            <a:ext cx="15840" cy="6855480"/>
+            <a:ext cx="15480" cy="6855120"/>
           </a:xfrm>
           <a:prstGeom prst="rect">
             <a:avLst/>
@@ -17828,14 +18104,14 @@
       </p:sp>
       <p:sp>
         <p:nvSpPr>
-          <p:cNvPr id="239" name="Rectangle 42"/>
+          <p:cNvPr id="241" name="Rectangle 42"/>
           <p:cNvSpPr/>
           <p:nvPr/>
         </p:nvSpPr>
         <p:spPr>
           <a:xfrm>
             <a:off x="8229600" y="0"/>
-            <a:ext cx="15840" cy="6855480"/>
+            <a:ext cx="15480" cy="6855120"/>
           </a:xfrm>
           <a:prstGeom prst="rect">
             <a:avLst/>
@@ -17888,14 +18164,14 @@
       </p:sp>
       <p:sp>
         <p:nvSpPr>
-          <p:cNvPr id="240" name="Rectangle 43"/>
+          <p:cNvPr id="242" name="Rectangle 43"/>
           <p:cNvSpPr/>
           <p:nvPr/>
         </p:nvSpPr>
         <p:spPr>
           <a:xfrm>
             <a:off x="9144000" y="0"/>
-            <a:ext cx="15840" cy="6855480"/>
+            <a:ext cx="15480" cy="6855120"/>
           </a:xfrm>
           <a:prstGeom prst="rect">
             <a:avLst/>
@@ -17948,14 +18224,14 @@
       </p:sp>
       <p:sp>
         <p:nvSpPr>
-          <p:cNvPr id="241" name="Rectangle 44"/>
+          <p:cNvPr id="243" name="Rectangle 44"/>
           <p:cNvSpPr/>
           <p:nvPr/>
         </p:nvSpPr>
         <p:spPr>
           <a:xfrm>
             <a:off x="10058400" y="0"/>
-            <a:ext cx="15840" cy="6855480"/>
+            <a:ext cx="15480" cy="6855120"/>
           </a:xfrm>
           <a:prstGeom prst="rect">
             <a:avLst/>
@@ -18008,14 +18284,14 @@
       </p:sp>
       <p:sp>
         <p:nvSpPr>
-          <p:cNvPr id="242" name="Rectangle 45"/>
+          <p:cNvPr id="244" name="Rectangle 45"/>
           <p:cNvSpPr/>
           <p:nvPr/>
         </p:nvSpPr>
         <p:spPr>
           <a:xfrm>
             <a:off x="10972800" y="0"/>
-            <a:ext cx="15840" cy="6855480"/>
+            <a:ext cx="15480" cy="6855120"/>
           </a:xfrm>
           <a:prstGeom prst="rect">
             <a:avLst/>
@@ -18068,14 +18344,14 @@
       </p:sp>
       <p:sp>
         <p:nvSpPr>
-          <p:cNvPr id="243" name="Rectangle 46"/>
+          <p:cNvPr id="245" name="Rectangle 46"/>
           <p:cNvSpPr/>
           <p:nvPr/>
         </p:nvSpPr>
         <p:spPr>
           <a:xfrm>
             <a:off x="11887200" y="0"/>
-            <a:ext cx="15840" cy="6855480"/>
+            <a:ext cx="15480" cy="6855120"/>
           </a:xfrm>
           <a:prstGeom prst="rect">
             <a:avLst/>
@@ -18128,14 +18404,14 @@
       </p:sp>
       <p:sp>
         <p:nvSpPr>
-          <p:cNvPr id="244" name="Rectangle 47"/>
+          <p:cNvPr id="246" name="Rectangle 47"/>
           <p:cNvSpPr/>
           <p:nvPr/>
         </p:nvSpPr>
         <p:spPr>
           <a:xfrm>
             <a:off x="0" y="0"/>
-            <a:ext cx="317520" cy="6855480"/>
+            <a:ext cx="317160" cy="6855120"/>
           </a:xfrm>
           <a:prstGeom prst="rect">
             <a:avLst/>
@@ -18188,14 +18464,14 @@
       </p:sp>
       <p:sp>
         <p:nvSpPr>
-          <p:cNvPr id="245" name="Rounded Rectangle 8"/>
+          <p:cNvPr id="247" name="Rounded Rectangle 8"/>
           <p:cNvSpPr/>
           <p:nvPr/>
         </p:nvSpPr>
         <p:spPr>
           <a:xfrm>
             <a:off x="9875520" y="365760"/>
-            <a:ext cx="2009160" cy="500400"/>
+            <a:ext cx="2008800" cy="500040"/>
           </a:xfrm>
           <a:prstGeom prst="roundRect">
             <a:avLst>
@@ -18262,14 +18538,14 @@
       </p:sp>
       <p:sp>
         <p:nvSpPr>
-          <p:cNvPr id="246" name="TextBox 4"/>
+          <p:cNvPr id="248" name="TextBox 4"/>
           <p:cNvSpPr/>
           <p:nvPr/>
         </p:nvSpPr>
         <p:spPr>
           <a:xfrm>
             <a:off x="3660120" y="1005840"/>
-            <a:ext cx="3650040" cy="820800"/>
+            <a:ext cx="3649680" cy="820800"/>
           </a:xfrm>
           <a:prstGeom prst="rect">
             <a:avLst/>
@@ -18316,14 +18592,14 @@
       </p:sp>
       <p:sp>
         <p:nvSpPr>
-          <p:cNvPr id="247" name="TextBox 5"/>
+          <p:cNvPr id="249" name="TextBox 5"/>
           <p:cNvSpPr/>
           <p:nvPr/>
         </p:nvSpPr>
         <p:spPr>
           <a:xfrm>
             <a:off x="3961440" y="2194560"/>
-            <a:ext cx="3048120" cy="379080"/>
+            <a:ext cx="3047760" cy="379080"/>
           </a:xfrm>
           <a:prstGeom prst="rect">
             <a:avLst/>
@@ -18370,14 +18646,14 @@
       </p:sp>
       <p:sp>
         <p:nvSpPr>
-          <p:cNvPr id="248" name="Rounded Rectangle 9"/>
+          <p:cNvPr id="250" name="Rounded Rectangle 9"/>
           <p:cNvSpPr/>
           <p:nvPr/>
         </p:nvSpPr>
         <p:spPr>
           <a:xfrm>
             <a:off x="987480" y="3182040"/>
-            <a:ext cx="3289320" cy="2740680"/>
+            <a:ext cx="3288960" cy="2740320"/>
           </a:xfrm>
           <a:prstGeom prst="roundRect">
             <a:avLst>
@@ -18432,14 +18708,14 @@
       </p:sp>
       <p:sp>
         <p:nvSpPr>
-          <p:cNvPr id="249" name="Rounded Rectangle 10"/>
+          <p:cNvPr id="251" name="Rounded Rectangle 10"/>
           <p:cNvSpPr/>
           <p:nvPr/>
         </p:nvSpPr>
         <p:spPr>
           <a:xfrm>
             <a:off x="914400" y="3108960"/>
-            <a:ext cx="3289320" cy="2740680"/>
+            <a:ext cx="3288960" cy="2740320"/>
           </a:xfrm>
           <a:prstGeom prst="roundRect">
             <a:avLst>
@@ -18687,14 +18963,14 @@
       </p:sp>
       <p:sp>
         <p:nvSpPr>
-          <p:cNvPr id="250" name="Rounded Rectangle 11"/>
+          <p:cNvPr id="252" name="Rounded Rectangle 11"/>
           <p:cNvSpPr/>
           <p:nvPr/>
         </p:nvSpPr>
         <p:spPr>
           <a:xfrm>
             <a:off x="4507920" y="3182040"/>
-            <a:ext cx="3289320" cy="2740680"/>
+            <a:ext cx="3288960" cy="2740320"/>
           </a:xfrm>
           <a:prstGeom prst="roundRect">
             <a:avLst>
@@ -18749,14 +19025,14 @@
       </p:sp>
       <p:sp>
         <p:nvSpPr>
-          <p:cNvPr id="251" name="Rounded Rectangle 12"/>
+          <p:cNvPr id="253" name="Rounded Rectangle 12"/>
           <p:cNvSpPr/>
           <p:nvPr/>
         </p:nvSpPr>
         <p:spPr>
           <a:xfrm>
             <a:off x="4434840" y="3108960"/>
-            <a:ext cx="3289320" cy="2740680"/>
+            <a:ext cx="3288960" cy="2740320"/>
           </a:xfrm>
           <a:prstGeom prst="roundRect">
             <a:avLst>
@@ -18961,14 +19237,14 @@
       </p:sp>
       <p:sp>
         <p:nvSpPr>
-          <p:cNvPr id="252" name="Rounded Rectangle 13"/>
+          <p:cNvPr id="254" name="Rounded Rectangle 13"/>
           <p:cNvSpPr/>
           <p:nvPr/>
         </p:nvSpPr>
         <p:spPr>
           <a:xfrm>
             <a:off x="8028360" y="3182040"/>
-            <a:ext cx="3289320" cy="2740680"/>
+            <a:ext cx="3288960" cy="2740320"/>
           </a:xfrm>
           <a:prstGeom prst="roundRect">
             <a:avLst>
@@ -19023,14 +19299,14 @@
       </p:sp>
       <p:sp>
         <p:nvSpPr>
-          <p:cNvPr id="253" name="Rounded Rectangle 14"/>
+          <p:cNvPr id="255" name="Rounded Rectangle 14"/>
           <p:cNvSpPr/>
           <p:nvPr/>
         </p:nvSpPr>
         <p:spPr>
           <a:xfrm>
             <a:off x="7955280" y="3108960"/>
-            <a:ext cx="3289320" cy="2740680"/>
+            <a:ext cx="3288960" cy="2740320"/>
           </a:xfrm>
           <a:prstGeom prst="roundRect">
             <a:avLst>
@@ -19304,7 +19580,7 @@
       </p:sp>
       <p:sp>
         <p:nvSpPr>
-          <p:cNvPr id="254" name="TextBox 6"/>
+          <p:cNvPr id="256" name="TextBox 6"/>
           <p:cNvSpPr/>
           <p:nvPr/>
         </p:nvSpPr>
@@ -19388,14 +19664,14 @@
       </p:grpSpPr>
       <p:sp>
         <p:nvSpPr>
-          <p:cNvPr id="255" name="Rectangle 48"/>
+          <p:cNvPr id="257" name="Rectangle 48"/>
           <p:cNvSpPr/>
           <p:nvPr/>
         </p:nvSpPr>
         <p:spPr>
           <a:xfrm>
             <a:off x="0" y="0"/>
-            <a:ext cx="12187080" cy="6856200"/>
+            <a:ext cx="12186720" cy="6855840"/>
           </a:xfrm>
           <a:prstGeom prst="rect">
             <a:avLst/>
@@ -19448,14 +19724,14 @@
       </p:sp>
       <p:sp>
         <p:nvSpPr>
-          <p:cNvPr id="256" name="Rectangle 17"/>
+          <p:cNvPr id="258" name="Rectangle 17"/>
           <p:cNvSpPr/>
           <p:nvPr/>
         </p:nvSpPr>
         <p:spPr>
           <a:xfrm>
             <a:off x="0" y="0"/>
-            <a:ext cx="16560" cy="6856200"/>
+            <a:ext cx="16200" cy="6855840"/>
           </a:xfrm>
           <a:prstGeom prst="rect">
             <a:avLst/>
@@ -19508,14 +19784,14 @@
       </p:sp>
       <p:sp>
         <p:nvSpPr>
-          <p:cNvPr id="257" name="Rectangle 18"/>
+          <p:cNvPr id="259" name="Rectangle 18"/>
           <p:cNvSpPr/>
           <p:nvPr/>
         </p:nvSpPr>
         <p:spPr>
           <a:xfrm>
             <a:off x="914400" y="0"/>
-            <a:ext cx="16560" cy="6856200"/>
+            <a:ext cx="16200" cy="6855840"/>
           </a:xfrm>
           <a:prstGeom prst="rect">
             <a:avLst/>
@@ -19568,14 +19844,14 @@
       </p:sp>
       <p:sp>
         <p:nvSpPr>
-          <p:cNvPr id="258" name="Rectangle 19"/>
+          <p:cNvPr id="260" name="Rectangle 19"/>
           <p:cNvSpPr/>
           <p:nvPr/>
         </p:nvSpPr>
         <p:spPr>
           <a:xfrm>
             <a:off x="1828800" y="0"/>
-            <a:ext cx="16560" cy="6856200"/>
+            <a:ext cx="16200" cy="6855840"/>
           </a:xfrm>
           <a:prstGeom prst="rect">
             <a:avLst/>
@@ -19628,14 +19904,14 @@
       </p:sp>
       <p:sp>
         <p:nvSpPr>
-          <p:cNvPr id="259" name="Rectangle 20"/>
+          <p:cNvPr id="261" name="Rectangle 20"/>
           <p:cNvSpPr/>
           <p:nvPr/>
         </p:nvSpPr>
         <p:spPr>
           <a:xfrm>
             <a:off x="2743200" y="0"/>
-            <a:ext cx="16560" cy="6856200"/>
+            <a:ext cx="16200" cy="6855840"/>
           </a:xfrm>
           <a:prstGeom prst="rect">
             <a:avLst/>
@@ -19688,14 +19964,14 @@
       </p:sp>
       <p:sp>
         <p:nvSpPr>
-          <p:cNvPr id="260" name="Rectangle 21"/>
+          <p:cNvPr id="262" name="Rectangle 21"/>
           <p:cNvSpPr/>
           <p:nvPr/>
         </p:nvSpPr>
         <p:spPr>
           <a:xfrm>
             <a:off x="3657600" y="0"/>
-            <a:ext cx="16560" cy="6856200"/>
+            <a:ext cx="16200" cy="6855840"/>
           </a:xfrm>
           <a:prstGeom prst="rect">
             <a:avLst/>
@@ -19748,14 +20024,14 @@
       </p:sp>
       <p:sp>
         <p:nvSpPr>
-          <p:cNvPr id="261" name="Rectangle 22"/>
+          <p:cNvPr id="263" name="Rectangle 22"/>
           <p:cNvSpPr/>
           <p:nvPr/>
         </p:nvSpPr>
         <p:spPr>
           <a:xfrm>
             <a:off x="4572000" y="0"/>
-            <a:ext cx="16560" cy="6856200"/>
+            <a:ext cx="16200" cy="6855840"/>
           </a:xfrm>
           <a:prstGeom prst="rect">
             <a:avLst/>
@@ -19808,14 +20084,14 @@
       </p:sp>
       <p:sp>
         <p:nvSpPr>
-          <p:cNvPr id="262" name="Rectangle 23"/>
+          <p:cNvPr id="264" name="Rectangle 23"/>
           <p:cNvSpPr/>
           <p:nvPr/>
         </p:nvSpPr>
         <p:spPr>
           <a:xfrm>
             <a:off x="5486400" y="0"/>
-            <a:ext cx="16560" cy="6856200"/>
+            <a:ext cx="16200" cy="6855840"/>
           </a:xfrm>
           <a:prstGeom prst="rect">
             <a:avLst/>
@@ -19868,14 +20144,14 @@
       </p:sp>
       <p:sp>
         <p:nvSpPr>
-          <p:cNvPr id="263" name="Rectangle 24"/>
+          <p:cNvPr id="265" name="Rectangle 24"/>
           <p:cNvSpPr/>
           <p:nvPr/>
         </p:nvSpPr>
         <p:spPr>
           <a:xfrm>
             <a:off x="6400800" y="0"/>
-            <a:ext cx="16560" cy="6856200"/>
+            <a:ext cx="16200" cy="6855840"/>
           </a:xfrm>
           <a:prstGeom prst="rect">
             <a:avLst/>
@@ -19928,14 +20204,14 @@
       </p:sp>
       <p:sp>
         <p:nvSpPr>
-          <p:cNvPr id="264" name="Rectangle 25"/>
+          <p:cNvPr id="266" name="Rectangle 25"/>
           <p:cNvSpPr/>
           <p:nvPr/>
         </p:nvSpPr>
         <p:spPr>
           <a:xfrm>
             <a:off x="7315200" y="0"/>
-            <a:ext cx="16560" cy="6856200"/>
+            <a:ext cx="16200" cy="6855840"/>
           </a:xfrm>
           <a:prstGeom prst="rect">
             <a:avLst/>
@@ -19988,14 +20264,14 @@
       </p:sp>
       <p:sp>
         <p:nvSpPr>
-          <p:cNvPr id="265" name="Rectangle 26"/>
+          <p:cNvPr id="267" name="Rectangle 26"/>
           <p:cNvSpPr/>
           <p:nvPr/>
         </p:nvSpPr>
         <p:spPr>
           <a:xfrm>
             <a:off x="8229600" y="0"/>
-            <a:ext cx="16560" cy="6856200"/>
+            <a:ext cx="16200" cy="6855840"/>
           </a:xfrm>
           <a:prstGeom prst="rect">
             <a:avLst/>
@@ -20048,14 +20324,14 @@
       </p:sp>
       <p:sp>
         <p:nvSpPr>
-          <p:cNvPr id="266" name="Rectangle 27"/>
+          <p:cNvPr id="268" name="Rectangle 27"/>
           <p:cNvSpPr/>
           <p:nvPr/>
         </p:nvSpPr>
         <p:spPr>
           <a:xfrm>
             <a:off x="9144000" y="0"/>
-            <a:ext cx="16560" cy="6856200"/>
+            <a:ext cx="16200" cy="6855840"/>
           </a:xfrm>
           <a:prstGeom prst="rect">
             <a:avLst/>
@@ -20108,14 +20384,14 @@
       </p:sp>
       <p:sp>
         <p:nvSpPr>
-          <p:cNvPr id="267" name="Rectangle 28"/>
+          <p:cNvPr id="269" name="Rectangle 28"/>
           <p:cNvSpPr/>
           <p:nvPr/>
         </p:nvSpPr>
         <p:spPr>
           <a:xfrm>
             <a:off x="10058400" y="0"/>
-            <a:ext cx="16560" cy="6856200"/>
+            <a:ext cx="16200" cy="6855840"/>
           </a:xfrm>
           <a:prstGeom prst="rect">
             <a:avLst/>
@@ -20168,14 +20444,14 @@
       </p:sp>
       <p:sp>
         <p:nvSpPr>
-          <p:cNvPr id="268" name="Rectangle 29"/>
+          <p:cNvPr id="270" name="Rectangle 29"/>
           <p:cNvSpPr/>
           <p:nvPr/>
         </p:nvSpPr>
         <p:spPr>
           <a:xfrm>
             <a:off x="10972800" y="0"/>
-            <a:ext cx="16560" cy="6856200"/>
+            <a:ext cx="16200" cy="6855840"/>
           </a:xfrm>
           <a:prstGeom prst="rect">
             <a:avLst/>
@@ -20228,14 +20504,14 @@
       </p:sp>
       <p:sp>
         <p:nvSpPr>
-          <p:cNvPr id="269" name="Rectangle 30"/>
+          <p:cNvPr id="271" name="Rectangle 30"/>
           <p:cNvSpPr/>
           <p:nvPr/>
         </p:nvSpPr>
         <p:spPr>
           <a:xfrm>
             <a:off x="11887200" y="0"/>
-            <a:ext cx="16560" cy="6856200"/>
+            <a:ext cx="16200" cy="6855840"/>
           </a:xfrm>
           <a:prstGeom prst="rect">
             <a:avLst/>
@@ -20288,14 +20564,14 @@
       </p:sp>
       <p:sp>
         <p:nvSpPr>
-          <p:cNvPr id="270" name="Rectangle 31"/>
+          <p:cNvPr id="272" name="Rectangle 31"/>
           <p:cNvSpPr/>
           <p:nvPr/>
         </p:nvSpPr>
         <p:spPr>
           <a:xfrm>
             <a:off x="0" y="0"/>
-            <a:ext cx="318240" cy="6856200"/>
+            <a:ext cx="317880" cy="6855840"/>
           </a:xfrm>
           <a:prstGeom prst="rect">
             <a:avLst/>
@@ -20348,14 +20624,14 @@
       </p:sp>
       <p:sp>
         <p:nvSpPr>
-          <p:cNvPr id="271" name="Rounded Rectangle 15"/>
+          <p:cNvPr id="273" name="Rounded Rectangle 15"/>
           <p:cNvSpPr/>
           <p:nvPr/>
         </p:nvSpPr>
         <p:spPr>
           <a:xfrm>
             <a:off x="9875520" y="365760"/>
-            <a:ext cx="2009880" cy="501120"/>
+            <a:ext cx="2009520" cy="500760"/>
           </a:xfrm>
           <a:prstGeom prst="roundRect">
             <a:avLst>
@@ -20422,7 +20698,7 @@
       </p:sp>
       <p:sp>
         <p:nvSpPr>
-          <p:cNvPr id="272" name="TextBox 7"/>
+          <p:cNvPr id="274" name="TextBox 7"/>
           <p:cNvSpPr/>
           <p:nvPr/>
         </p:nvSpPr>
@@ -20476,7 +20752,7 @@
       </p:sp>
       <p:sp>
         <p:nvSpPr>
-          <p:cNvPr id="273" name="TextBox 8"/>
+          <p:cNvPr id="275" name="TextBox 8"/>
           <p:cNvSpPr/>
           <p:nvPr/>
         </p:nvSpPr>
@@ -20530,14 +20806,14 @@
       </p:sp>
       <p:sp>
         <p:nvSpPr>
-          <p:cNvPr id="274" name="Rounded Rectangle 16"/>
+          <p:cNvPr id="276" name="Rounded Rectangle 16"/>
           <p:cNvSpPr/>
           <p:nvPr/>
         </p:nvSpPr>
         <p:spPr>
           <a:xfrm>
             <a:off x="987480" y="3182040"/>
-            <a:ext cx="3290040" cy="2741400"/>
+            <a:ext cx="3289680" cy="2741040"/>
           </a:xfrm>
           <a:prstGeom prst="roundRect">
             <a:avLst>
@@ -20592,14 +20868,14 @@
       </p:sp>
       <p:sp>
         <p:nvSpPr>
-          <p:cNvPr id="275" name="Rounded Rectangle 18"/>
+          <p:cNvPr id="277" name="Rounded Rectangle 18"/>
           <p:cNvSpPr/>
           <p:nvPr/>
         </p:nvSpPr>
         <p:spPr>
           <a:xfrm>
             <a:off x="475560" y="2743200"/>
-            <a:ext cx="3728880" cy="3107160"/>
+            <a:ext cx="3728520" cy="3106800"/>
           </a:xfrm>
           <a:prstGeom prst="roundRect">
             <a:avLst>
@@ -20869,14 +21145,14 @@
       </p:sp>
       <p:sp>
         <p:nvSpPr>
-          <p:cNvPr id="276" name="Rounded Rectangle 19"/>
+          <p:cNvPr id="278" name="Rounded Rectangle 19"/>
           <p:cNvSpPr/>
           <p:nvPr/>
         </p:nvSpPr>
         <p:spPr>
           <a:xfrm>
             <a:off x="4507920" y="3182040"/>
-            <a:ext cx="3290040" cy="2741400"/>
+            <a:ext cx="3289680" cy="2741040"/>
           </a:xfrm>
           <a:prstGeom prst="roundRect">
             <a:avLst>
@@ -20931,14 +21207,14 @@
       </p:sp>
       <p:sp>
         <p:nvSpPr>
-          <p:cNvPr id="277" name="Rounded Rectangle 26"/>
+          <p:cNvPr id="279" name="Rounded Rectangle 26"/>
           <p:cNvSpPr/>
           <p:nvPr/>
         </p:nvSpPr>
         <p:spPr>
           <a:xfrm>
             <a:off x="4343400" y="2918520"/>
-            <a:ext cx="3518640" cy="2931840"/>
+            <a:ext cx="3518280" cy="2931480"/>
           </a:xfrm>
           <a:prstGeom prst="roundRect">
             <a:avLst>
@@ -21393,14 +21669,14 @@
       </p:sp>
       <p:sp>
         <p:nvSpPr>
-          <p:cNvPr id="278" name="Rounded Rectangle 27"/>
+          <p:cNvPr id="280" name="Rounded Rectangle 27"/>
           <p:cNvSpPr/>
           <p:nvPr/>
         </p:nvSpPr>
         <p:spPr>
           <a:xfrm>
             <a:off x="8028360" y="3182040"/>
-            <a:ext cx="3290040" cy="2741400"/>
+            <a:ext cx="3289680" cy="2741040"/>
           </a:xfrm>
           <a:prstGeom prst="roundRect">
             <a:avLst>
@@ -21455,14 +21731,14 @@
       </p:sp>
       <p:sp>
         <p:nvSpPr>
-          <p:cNvPr id="279" name="Rounded Rectangle 28"/>
+          <p:cNvPr id="281" name="Rounded Rectangle 28"/>
           <p:cNvSpPr/>
           <p:nvPr/>
         </p:nvSpPr>
         <p:spPr>
           <a:xfrm>
             <a:off x="8023680" y="2743200"/>
-            <a:ext cx="3840120" cy="3199680"/>
+            <a:ext cx="3839760" cy="3199320"/>
           </a:xfrm>
           <a:prstGeom prst="roundRect">
             <a:avLst>
@@ -21927,7 +22203,7 @@
       </p:sp>
       <p:sp>
         <p:nvSpPr>
-          <p:cNvPr id="280" name="TextBox 9"/>
+          <p:cNvPr id="282" name="TextBox 9"/>
           <p:cNvSpPr/>
           <p:nvPr/>
         </p:nvSpPr>
@@ -22011,14 +22287,14 @@
       </p:grpSpPr>
       <p:sp>
         <p:nvSpPr>
-          <p:cNvPr id="281" name="Rectangle 64"/>
+          <p:cNvPr id="283" name="Rectangle 64"/>
           <p:cNvSpPr/>
           <p:nvPr/>
         </p:nvSpPr>
         <p:spPr>
           <a:xfrm>
             <a:off x="0" y="0"/>
-            <a:ext cx="12187440" cy="6856560"/>
+            <a:ext cx="12187080" cy="6856200"/>
           </a:xfrm>
           <a:prstGeom prst="rect">
             <a:avLst/>
@@ -22071,14 +22347,14 @@
       </p:sp>
       <p:sp>
         <p:nvSpPr>
-          <p:cNvPr id="282" name="Rectangle 49"/>
+          <p:cNvPr id="284" name="Rectangle 49"/>
           <p:cNvSpPr/>
           <p:nvPr/>
         </p:nvSpPr>
         <p:spPr>
           <a:xfrm>
             <a:off x="0" y="0"/>
-            <a:ext cx="16920" cy="6856560"/>
+            <a:ext cx="16560" cy="6856200"/>
           </a:xfrm>
           <a:prstGeom prst="rect">
             <a:avLst/>
@@ -22131,14 +22407,14 @@
       </p:sp>
       <p:sp>
         <p:nvSpPr>
-          <p:cNvPr id="283" name="Rectangle 50"/>
+          <p:cNvPr id="285" name="Rectangle 50"/>
           <p:cNvSpPr/>
           <p:nvPr/>
         </p:nvSpPr>
         <p:spPr>
           <a:xfrm>
             <a:off x="914400" y="0"/>
-            <a:ext cx="16920" cy="6856560"/>
+            <a:ext cx="16560" cy="6856200"/>
           </a:xfrm>
           <a:prstGeom prst="rect">
             <a:avLst/>
@@ -22191,14 +22467,14 @@
       </p:sp>
       <p:sp>
         <p:nvSpPr>
-          <p:cNvPr id="284" name="Rectangle 51"/>
+          <p:cNvPr id="286" name="Rectangle 51"/>
           <p:cNvSpPr/>
           <p:nvPr/>
         </p:nvSpPr>
         <p:spPr>
           <a:xfrm>
             <a:off x="1828800" y="0"/>
-            <a:ext cx="16920" cy="6856560"/>
+            <a:ext cx="16560" cy="6856200"/>
           </a:xfrm>
           <a:prstGeom prst="rect">
             <a:avLst/>
@@ -22251,14 +22527,14 @@
       </p:sp>
       <p:sp>
         <p:nvSpPr>
-          <p:cNvPr id="285" name="Rectangle 52"/>
+          <p:cNvPr id="287" name="Rectangle 52"/>
           <p:cNvSpPr/>
           <p:nvPr/>
         </p:nvSpPr>
         <p:spPr>
           <a:xfrm>
             <a:off x="2743200" y="0"/>
-            <a:ext cx="16920" cy="6856560"/>
+            <a:ext cx="16560" cy="6856200"/>
           </a:xfrm>
           <a:prstGeom prst="rect">
             <a:avLst/>
@@ -22311,14 +22587,14 @@
       </p:sp>
       <p:sp>
         <p:nvSpPr>
-          <p:cNvPr id="286" name="Rectangle 53"/>
+          <p:cNvPr id="288" name="Rectangle 53"/>
           <p:cNvSpPr/>
           <p:nvPr/>
         </p:nvSpPr>
         <p:spPr>
           <a:xfrm>
             <a:off x="3657600" y="0"/>
-            <a:ext cx="16920" cy="6856560"/>
+            <a:ext cx="16560" cy="6856200"/>
           </a:xfrm>
           <a:prstGeom prst="rect">
             <a:avLst/>
@@ -22371,14 +22647,14 @@
       </p:sp>
       <p:sp>
         <p:nvSpPr>
-          <p:cNvPr id="287" name="Rectangle 54"/>
+          <p:cNvPr id="289" name="Rectangle 54"/>
           <p:cNvSpPr/>
           <p:nvPr/>
         </p:nvSpPr>
         <p:spPr>
           <a:xfrm>
             <a:off x="4572000" y="0"/>
-            <a:ext cx="16920" cy="6856560"/>
+            <a:ext cx="16560" cy="6856200"/>
           </a:xfrm>
           <a:prstGeom prst="rect">
             <a:avLst/>
@@ -22431,14 +22707,14 @@
       </p:sp>
       <p:sp>
         <p:nvSpPr>
-          <p:cNvPr id="288" name="Rectangle 55"/>
+          <p:cNvPr id="290" name="Rectangle 55"/>
           <p:cNvSpPr/>
           <p:nvPr/>
         </p:nvSpPr>
         <p:spPr>
           <a:xfrm>
             <a:off x="5486400" y="0"/>
-            <a:ext cx="16920" cy="6856560"/>
+            <a:ext cx="16560" cy="6856200"/>
           </a:xfrm>
           <a:prstGeom prst="rect">
             <a:avLst/>
@@ -22491,14 +22767,14 @@
       </p:sp>
       <p:sp>
         <p:nvSpPr>
-          <p:cNvPr id="289" name="Rectangle 56"/>
+          <p:cNvPr id="291" name="Rectangle 56"/>
           <p:cNvSpPr/>
           <p:nvPr/>
         </p:nvSpPr>
         <p:spPr>
           <a:xfrm>
             <a:off x="6400800" y="0"/>
-            <a:ext cx="16920" cy="6856560"/>
+            <a:ext cx="16560" cy="6856200"/>
           </a:xfrm>
           <a:prstGeom prst="rect">
             <a:avLst/>
@@ -22551,14 +22827,14 @@
       </p:sp>
       <p:sp>
         <p:nvSpPr>
-          <p:cNvPr id="290" name="Rectangle 57"/>
+          <p:cNvPr id="292" name="Rectangle 57"/>
           <p:cNvSpPr/>
           <p:nvPr/>
         </p:nvSpPr>
         <p:spPr>
           <a:xfrm>
             <a:off x="7315200" y="0"/>
-            <a:ext cx="16920" cy="6856560"/>
+            <a:ext cx="16560" cy="6856200"/>
           </a:xfrm>
           <a:prstGeom prst="rect">
             <a:avLst/>
@@ -22611,14 +22887,14 @@
       </p:sp>
       <p:sp>
         <p:nvSpPr>
-          <p:cNvPr id="291" name="Rectangle 58"/>
+          <p:cNvPr id="293" name="Rectangle 58"/>
           <p:cNvSpPr/>
           <p:nvPr/>
         </p:nvSpPr>
         <p:spPr>
           <a:xfrm>
             <a:off x="8229600" y="0"/>
-            <a:ext cx="16920" cy="6856560"/>
+            <a:ext cx="16560" cy="6856200"/>
           </a:xfrm>
           <a:prstGeom prst="rect">
             <a:avLst/>
@@ -22671,14 +22947,14 @@
       </p:sp>
       <p:sp>
         <p:nvSpPr>
-          <p:cNvPr id="292" name="Rectangle 59"/>
+          <p:cNvPr id="294" name="Rectangle 59"/>
           <p:cNvSpPr/>
           <p:nvPr/>
         </p:nvSpPr>
         <p:spPr>
           <a:xfrm>
             <a:off x="9144000" y="0"/>
-            <a:ext cx="16920" cy="6856560"/>
+            <a:ext cx="16560" cy="6856200"/>
           </a:xfrm>
           <a:prstGeom prst="rect">
             <a:avLst/>
@@ -22731,14 +23007,14 @@
       </p:sp>
       <p:sp>
         <p:nvSpPr>
-          <p:cNvPr id="293" name="Rectangle 60"/>
+          <p:cNvPr id="295" name="Rectangle 60"/>
           <p:cNvSpPr/>
           <p:nvPr/>
         </p:nvSpPr>
         <p:spPr>
           <a:xfrm>
             <a:off x="10058400" y="0"/>
-            <a:ext cx="16920" cy="6856560"/>
+            <a:ext cx="16560" cy="6856200"/>
           </a:xfrm>
           <a:prstGeom prst="rect">
             <a:avLst/>
@@ -22791,14 +23067,14 @@
       </p:sp>
       <p:sp>
         <p:nvSpPr>
-          <p:cNvPr id="294" name="Rectangle 61"/>
+          <p:cNvPr id="296" name="Rectangle 61"/>
           <p:cNvSpPr/>
           <p:nvPr/>
         </p:nvSpPr>
         <p:spPr>
           <a:xfrm>
             <a:off x="10972800" y="0"/>
-            <a:ext cx="16920" cy="6856560"/>
+            <a:ext cx="16560" cy="6856200"/>
           </a:xfrm>
           <a:prstGeom prst="rect">
             <a:avLst/>
@@ -22851,14 +23127,14 @@
       </p:sp>
       <p:sp>
         <p:nvSpPr>
-          <p:cNvPr id="295" name="Rectangle 62"/>
+          <p:cNvPr id="297" name="Rectangle 62"/>
           <p:cNvSpPr/>
           <p:nvPr/>
         </p:nvSpPr>
         <p:spPr>
           <a:xfrm>
             <a:off x="11887200" y="0"/>
-            <a:ext cx="16920" cy="6856560"/>
+            <a:ext cx="16560" cy="6856200"/>
           </a:xfrm>
           <a:prstGeom prst="rect">
             <a:avLst/>
@@ -22911,14 +23187,14 @@
       </p:sp>
       <p:sp>
         <p:nvSpPr>
-          <p:cNvPr id="296" name="Rectangle 63"/>
+          <p:cNvPr id="298" name="Rectangle 63"/>
           <p:cNvSpPr/>
           <p:nvPr/>
         </p:nvSpPr>
         <p:spPr>
           <a:xfrm>
             <a:off x="0" y="0"/>
-            <a:ext cx="318600" cy="6856560"/>
+            <a:ext cx="318240" cy="6856200"/>
           </a:xfrm>
           <a:prstGeom prst="rect">
             <a:avLst/>
@@ -22971,14 +23247,14 @@
       </p:sp>
       <p:sp>
         <p:nvSpPr>
-          <p:cNvPr id="297" name="Rounded Rectangle 29"/>
+          <p:cNvPr id="299" name="Rounded Rectangle 29"/>
           <p:cNvSpPr/>
           <p:nvPr/>
         </p:nvSpPr>
         <p:spPr>
           <a:xfrm>
             <a:off x="9875520" y="365760"/>
-            <a:ext cx="2010240" cy="501480"/>
+            <a:ext cx="2009880" cy="501120"/>
           </a:xfrm>
           <a:prstGeom prst="roundRect">
             <a:avLst>
@@ -23045,7 +23321,7 @@
       </p:sp>
       <p:sp>
         <p:nvSpPr>
-          <p:cNvPr id="298" name="TextBox 10"/>
+          <p:cNvPr id="300" name="TextBox 10"/>
           <p:cNvSpPr/>
           <p:nvPr/>
         </p:nvSpPr>
@@ -23099,14 +23375,14 @@
       </p:sp>
       <p:sp>
         <p:nvSpPr>
-          <p:cNvPr id="299" name="TextBox 11"/>
+          <p:cNvPr id="301" name="TextBox 11"/>
           <p:cNvSpPr/>
           <p:nvPr/>
         </p:nvSpPr>
         <p:spPr>
           <a:xfrm>
             <a:off x="3609720" y="2194560"/>
-            <a:ext cx="3751560" cy="379080"/>
+            <a:ext cx="3751200" cy="379080"/>
           </a:xfrm>
           <a:prstGeom prst="rect">
             <a:avLst/>
@@ -23153,14 +23429,14 @@
       </p:sp>
       <p:sp>
         <p:nvSpPr>
-          <p:cNvPr id="300" name="Rounded Rectangle 30"/>
+          <p:cNvPr id="302" name="Rounded Rectangle 30"/>
           <p:cNvSpPr/>
           <p:nvPr/>
         </p:nvSpPr>
         <p:spPr>
           <a:xfrm>
             <a:off x="987480" y="3182040"/>
-            <a:ext cx="3290400" cy="2741760"/>
+            <a:ext cx="3290040" cy="2741400"/>
           </a:xfrm>
           <a:prstGeom prst="roundRect">
             <a:avLst>
@@ -23215,14 +23491,14 @@
       </p:sp>
       <p:sp>
         <p:nvSpPr>
-          <p:cNvPr id="301" name="Rounded Rectangle 31"/>
+          <p:cNvPr id="303" name="Rounded Rectangle 31"/>
           <p:cNvSpPr/>
           <p:nvPr/>
         </p:nvSpPr>
         <p:spPr>
           <a:xfrm>
             <a:off x="685800" y="2971800"/>
-            <a:ext cx="3519000" cy="3200040"/>
+            <a:ext cx="3518640" cy="3199680"/>
           </a:xfrm>
           <a:prstGeom prst="roundRect">
             <a:avLst>
@@ -23601,14 +23877,14 @@
       </p:sp>
       <p:sp>
         <p:nvSpPr>
-          <p:cNvPr id="302" name="Rounded Rectangle 32"/>
+          <p:cNvPr id="304" name="Rounded Rectangle 32"/>
           <p:cNvSpPr/>
           <p:nvPr/>
         </p:nvSpPr>
         <p:spPr>
           <a:xfrm>
             <a:off x="4507920" y="3182040"/>
-            <a:ext cx="3290400" cy="2741760"/>
+            <a:ext cx="3290040" cy="2741400"/>
           </a:xfrm>
           <a:prstGeom prst="roundRect">
             <a:avLst>
@@ -23663,14 +23939,14 @@
       </p:sp>
       <p:sp>
         <p:nvSpPr>
-          <p:cNvPr id="303" name="Rounded Rectangle 33"/>
+          <p:cNvPr id="305" name="Rounded Rectangle 33"/>
           <p:cNvSpPr/>
           <p:nvPr/>
         </p:nvSpPr>
         <p:spPr>
           <a:xfrm>
             <a:off x="4434840" y="3108960"/>
-            <a:ext cx="3290400" cy="2741760"/>
+            <a:ext cx="3290040" cy="2741400"/>
           </a:xfrm>
           <a:prstGeom prst="roundRect">
             <a:avLst>
@@ -24109,14 +24385,14 @@
       </p:sp>
       <p:sp>
         <p:nvSpPr>
-          <p:cNvPr id="304" name="Rounded Rectangle 34"/>
+          <p:cNvPr id="306" name="Rounded Rectangle 34"/>
           <p:cNvSpPr/>
           <p:nvPr/>
         </p:nvSpPr>
         <p:spPr>
           <a:xfrm>
             <a:off x="8028360" y="3182040"/>
-            <a:ext cx="3290400" cy="2741760"/>
+            <a:ext cx="3290040" cy="2741400"/>
           </a:xfrm>
           <a:prstGeom prst="roundRect">
             <a:avLst>
@@ -24171,14 +24447,14 @@
       </p:sp>
       <p:sp>
         <p:nvSpPr>
-          <p:cNvPr id="305" name="Rounded Rectangle 35"/>
+          <p:cNvPr id="307" name="Rounded Rectangle 35"/>
           <p:cNvSpPr/>
           <p:nvPr/>
         </p:nvSpPr>
         <p:spPr>
           <a:xfrm>
             <a:off x="7955280" y="3108960"/>
-            <a:ext cx="3290400" cy="2741760"/>
+            <a:ext cx="3290040" cy="2741400"/>
           </a:xfrm>
           <a:prstGeom prst="roundRect">
             <a:avLst>
@@ -24563,14 +24839,14 @@
       </p:sp>
       <p:sp>
         <p:nvSpPr>
-          <p:cNvPr id="306" name="TextBox 12"/>
+          <p:cNvPr id="308" name="TextBox 12"/>
           <p:cNvSpPr/>
           <p:nvPr/>
         </p:nvSpPr>
         <p:spPr>
           <a:xfrm>
             <a:off x="4600080" y="6446520"/>
-            <a:ext cx="3051360" cy="363960"/>
+            <a:ext cx="3051000" cy="363960"/>
           </a:xfrm>
           <a:prstGeom prst="rect">
             <a:avLst/>
@@ -24647,14 +24923,14 @@
       </p:grpSpPr>
       <p:sp>
         <p:nvSpPr>
-          <p:cNvPr id="307" name="Rectangle 80"/>
+          <p:cNvPr id="309" name="Rectangle 80"/>
           <p:cNvSpPr/>
           <p:nvPr/>
         </p:nvSpPr>
         <p:spPr>
           <a:xfrm>
             <a:off x="0" y="0"/>
-            <a:ext cx="12187800" cy="6856920"/>
+            <a:ext cx="12187440" cy="6856560"/>
           </a:xfrm>
           <a:prstGeom prst="rect">
             <a:avLst/>
@@ -24690,6 +24966,11 @@
             <a:noAutofit/>
           </a:bodyPr>
           <a:p>
+            <a:pPr>
+              <a:lnSpc>
+                <a:spcPct val="100000"/>
+              </a:lnSpc>
+            </a:pPr>
             <a:endParaRPr b="0" lang="en-US" sz="1800" spc="-1" strike="noStrike">
               <a:solidFill>
                 <a:schemeClr val="lt1"/>
@@ -24702,14 +24983,14 @@
       </p:sp>
       <p:sp>
         <p:nvSpPr>
-          <p:cNvPr id="308" name="Rectangle 65"/>
+          <p:cNvPr id="310" name="Rectangle 65"/>
           <p:cNvSpPr/>
           <p:nvPr/>
         </p:nvSpPr>
         <p:spPr>
           <a:xfrm>
             <a:off x="0" y="0"/>
-            <a:ext cx="17280" cy="6856920"/>
+            <a:ext cx="16920" cy="6856560"/>
           </a:xfrm>
           <a:prstGeom prst="rect">
             <a:avLst/>
@@ -24745,6 +25026,11 @@
             <a:noAutofit/>
           </a:bodyPr>
           <a:p>
+            <a:pPr>
+              <a:lnSpc>
+                <a:spcPct val="100000"/>
+              </a:lnSpc>
+            </a:pPr>
             <a:endParaRPr b="0" lang="en-US" sz="1800" spc="-1" strike="noStrike">
               <a:solidFill>
                 <a:schemeClr val="lt1"/>
@@ -24757,14 +25043,14 @@
       </p:sp>
       <p:sp>
         <p:nvSpPr>
-          <p:cNvPr id="309" name="Rectangle 66"/>
+          <p:cNvPr id="311" name="Rectangle 66"/>
           <p:cNvSpPr/>
           <p:nvPr/>
         </p:nvSpPr>
         <p:spPr>
           <a:xfrm>
             <a:off x="914400" y="0"/>
-            <a:ext cx="17280" cy="6856920"/>
+            <a:ext cx="16920" cy="6856560"/>
           </a:xfrm>
           <a:prstGeom prst="rect">
             <a:avLst/>
@@ -24800,6 +25086,11 @@
             <a:noAutofit/>
           </a:bodyPr>
           <a:p>
+            <a:pPr>
+              <a:lnSpc>
+                <a:spcPct val="100000"/>
+              </a:lnSpc>
+            </a:pPr>
             <a:endParaRPr b="0" lang="en-US" sz="1800" spc="-1" strike="noStrike">
               <a:solidFill>
                 <a:schemeClr val="lt1"/>
@@ -24812,14 +25103,14 @@
       </p:sp>
       <p:sp>
         <p:nvSpPr>
-          <p:cNvPr id="310" name="Rectangle 67"/>
+          <p:cNvPr id="312" name="Rectangle 67"/>
           <p:cNvSpPr/>
           <p:nvPr/>
         </p:nvSpPr>
         <p:spPr>
           <a:xfrm>
             <a:off x="1828800" y="0"/>
-            <a:ext cx="17280" cy="6856920"/>
+            <a:ext cx="16920" cy="6856560"/>
           </a:xfrm>
           <a:prstGeom prst="rect">
             <a:avLst/>
@@ -24855,6 +25146,11 @@
             <a:noAutofit/>
           </a:bodyPr>
           <a:p>
+            <a:pPr>
+              <a:lnSpc>
+                <a:spcPct val="100000"/>
+              </a:lnSpc>
+            </a:pPr>
             <a:endParaRPr b="0" lang="en-US" sz="1800" spc="-1" strike="noStrike">
               <a:solidFill>
                 <a:schemeClr val="lt1"/>
@@ -24867,14 +25163,14 @@
       </p:sp>
       <p:sp>
         <p:nvSpPr>
-          <p:cNvPr id="311" name="Rectangle 68"/>
+          <p:cNvPr id="313" name="Rectangle 68"/>
           <p:cNvSpPr/>
           <p:nvPr/>
         </p:nvSpPr>
         <p:spPr>
           <a:xfrm>
             <a:off x="2743200" y="0"/>
-            <a:ext cx="17280" cy="6856920"/>
+            <a:ext cx="16920" cy="6856560"/>
           </a:xfrm>
           <a:prstGeom prst="rect">
             <a:avLst/>
@@ -24910,6 +25206,11 @@
             <a:noAutofit/>
           </a:bodyPr>
           <a:p>
+            <a:pPr>
+              <a:lnSpc>
+                <a:spcPct val="100000"/>
+              </a:lnSpc>
+            </a:pPr>
             <a:endParaRPr b="0" lang="en-US" sz="1800" spc="-1" strike="noStrike">
               <a:solidFill>
                 <a:schemeClr val="lt1"/>
@@ -24922,14 +25223,14 @@
       </p:sp>
       <p:sp>
         <p:nvSpPr>
-          <p:cNvPr id="312" name="Rectangle 69"/>
+          <p:cNvPr id="314" name="Rectangle 69"/>
           <p:cNvSpPr/>
           <p:nvPr/>
         </p:nvSpPr>
         <p:spPr>
           <a:xfrm>
             <a:off x="3657600" y="0"/>
-            <a:ext cx="17280" cy="6856920"/>
+            <a:ext cx="16920" cy="6856560"/>
           </a:xfrm>
           <a:prstGeom prst="rect">
             <a:avLst/>
@@ -24965,6 +25266,11 @@
             <a:noAutofit/>
           </a:bodyPr>
           <a:p>
+            <a:pPr>
+              <a:lnSpc>
+                <a:spcPct val="100000"/>
+              </a:lnSpc>
+            </a:pPr>
             <a:endParaRPr b="0" lang="en-US" sz="1800" spc="-1" strike="noStrike">
               <a:solidFill>
                 <a:schemeClr val="lt1"/>
@@ -24977,14 +25283,14 @@
       </p:sp>
       <p:sp>
         <p:nvSpPr>
-          <p:cNvPr id="313" name="Rectangle 70"/>
+          <p:cNvPr id="315" name="Rectangle 70"/>
           <p:cNvSpPr/>
           <p:nvPr/>
         </p:nvSpPr>
         <p:spPr>
           <a:xfrm>
             <a:off x="4572000" y="0"/>
-            <a:ext cx="17280" cy="6856920"/>
+            <a:ext cx="16920" cy="6856560"/>
           </a:xfrm>
           <a:prstGeom prst="rect">
             <a:avLst/>
@@ -25020,6 +25326,11 @@
             <a:noAutofit/>
           </a:bodyPr>
           <a:p>
+            <a:pPr>
+              <a:lnSpc>
+                <a:spcPct val="100000"/>
+              </a:lnSpc>
+            </a:pPr>
             <a:endParaRPr b="0" lang="en-US" sz="1800" spc="-1" strike="noStrike">
               <a:solidFill>
                 <a:schemeClr val="lt1"/>
@@ -25032,14 +25343,14 @@
       </p:sp>
       <p:sp>
         <p:nvSpPr>
-          <p:cNvPr id="314" name="Rectangle 71"/>
+          <p:cNvPr id="316" name="Rectangle 71"/>
           <p:cNvSpPr/>
           <p:nvPr/>
         </p:nvSpPr>
         <p:spPr>
           <a:xfrm>
             <a:off x="5486400" y="0"/>
-            <a:ext cx="17280" cy="6856920"/>
+            <a:ext cx="16920" cy="6856560"/>
           </a:xfrm>
           <a:prstGeom prst="rect">
             <a:avLst/>
@@ -25075,6 +25386,11 @@
             <a:noAutofit/>
           </a:bodyPr>
           <a:p>
+            <a:pPr>
+              <a:lnSpc>
+                <a:spcPct val="100000"/>
+              </a:lnSpc>
+            </a:pPr>
             <a:endParaRPr b="0" lang="en-US" sz="1800" spc="-1" strike="noStrike">
               <a:solidFill>
                 <a:schemeClr val="lt1"/>
@@ -25087,14 +25403,14 @@
       </p:sp>
       <p:sp>
         <p:nvSpPr>
-          <p:cNvPr id="315" name="Rectangle 72"/>
+          <p:cNvPr id="317" name="Rectangle 72"/>
           <p:cNvSpPr/>
           <p:nvPr/>
         </p:nvSpPr>
         <p:spPr>
           <a:xfrm>
             <a:off x="6400800" y="0"/>
-            <a:ext cx="17280" cy="6856920"/>
+            <a:ext cx="16920" cy="6856560"/>
           </a:xfrm>
           <a:prstGeom prst="rect">
             <a:avLst/>
@@ -25130,6 +25446,11 @@
             <a:noAutofit/>
           </a:bodyPr>
           <a:p>
+            <a:pPr>
+              <a:lnSpc>
+                <a:spcPct val="100000"/>
+              </a:lnSpc>
+            </a:pPr>
             <a:endParaRPr b="0" lang="en-US" sz="1800" spc="-1" strike="noStrike">
               <a:solidFill>
                 <a:schemeClr val="lt1"/>
@@ -25142,14 +25463,14 @@
       </p:sp>
       <p:sp>
         <p:nvSpPr>
-          <p:cNvPr id="316" name="Rectangle 73"/>
+          <p:cNvPr id="318" name="Rectangle 73"/>
           <p:cNvSpPr/>
           <p:nvPr/>
         </p:nvSpPr>
         <p:spPr>
           <a:xfrm>
             <a:off x="7315200" y="0"/>
-            <a:ext cx="17280" cy="6856920"/>
+            <a:ext cx="16920" cy="6856560"/>
           </a:xfrm>
           <a:prstGeom prst="rect">
             <a:avLst/>
@@ -25185,6 +25506,11 @@
             <a:noAutofit/>
           </a:bodyPr>
           <a:p>
+            <a:pPr>
+              <a:lnSpc>
+                <a:spcPct val="100000"/>
+              </a:lnSpc>
+            </a:pPr>
             <a:endParaRPr b="0" lang="en-US" sz="1800" spc="-1" strike="noStrike">
               <a:solidFill>
                 <a:schemeClr val="lt1"/>
@@ -25197,14 +25523,14 @@
       </p:sp>
       <p:sp>
         <p:nvSpPr>
-          <p:cNvPr id="317" name="Rectangle 74"/>
+          <p:cNvPr id="319" name="Rectangle 74"/>
           <p:cNvSpPr/>
           <p:nvPr/>
         </p:nvSpPr>
         <p:spPr>
           <a:xfrm>
             <a:off x="8229600" y="0"/>
-            <a:ext cx="17280" cy="6856920"/>
+            <a:ext cx="16920" cy="6856560"/>
           </a:xfrm>
           <a:prstGeom prst="rect">
             <a:avLst/>
@@ -25240,6 +25566,11 @@
             <a:noAutofit/>
           </a:bodyPr>
           <a:p>
+            <a:pPr>
+              <a:lnSpc>
+                <a:spcPct val="100000"/>
+              </a:lnSpc>
+            </a:pPr>
             <a:endParaRPr b="0" lang="en-US" sz="1800" spc="-1" strike="noStrike">
               <a:solidFill>
                 <a:schemeClr val="lt1"/>
@@ -25252,14 +25583,14 @@
       </p:sp>
       <p:sp>
         <p:nvSpPr>
-          <p:cNvPr id="318" name="Rectangle 75"/>
+          <p:cNvPr id="320" name="Rectangle 75"/>
           <p:cNvSpPr/>
           <p:nvPr/>
         </p:nvSpPr>
         <p:spPr>
           <a:xfrm>
             <a:off x="9144000" y="0"/>
-            <a:ext cx="17280" cy="6856920"/>
+            <a:ext cx="16920" cy="6856560"/>
           </a:xfrm>
           <a:prstGeom prst="rect">
             <a:avLst/>
@@ -25295,6 +25626,11 @@
             <a:noAutofit/>
           </a:bodyPr>
           <a:p>
+            <a:pPr>
+              <a:lnSpc>
+                <a:spcPct val="100000"/>
+              </a:lnSpc>
+            </a:pPr>
             <a:endParaRPr b="0" lang="en-US" sz="1800" spc="-1" strike="noStrike">
               <a:solidFill>
                 <a:schemeClr val="lt1"/>
@@ -25307,14 +25643,14 @@
       </p:sp>
       <p:sp>
         <p:nvSpPr>
-          <p:cNvPr id="319" name="Rectangle 76"/>
+          <p:cNvPr id="321" name="Rectangle 76"/>
           <p:cNvSpPr/>
           <p:nvPr/>
         </p:nvSpPr>
         <p:spPr>
           <a:xfrm>
             <a:off x="10058400" y="0"/>
-            <a:ext cx="17280" cy="6856920"/>
+            <a:ext cx="16920" cy="6856560"/>
           </a:xfrm>
           <a:prstGeom prst="rect">
             <a:avLst/>
@@ -25350,6 +25686,11 @@
             <a:noAutofit/>
           </a:bodyPr>
           <a:p>
+            <a:pPr>
+              <a:lnSpc>
+                <a:spcPct val="100000"/>
+              </a:lnSpc>
+            </a:pPr>
             <a:endParaRPr b="0" lang="en-US" sz="1800" spc="-1" strike="noStrike">
               <a:solidFill>
                 <a:schemeClr val="lt1"/>
@@ -25362,14 +25703,14 @@
       </p:sp>
       <p:sp>
         <p:nvSpPr>
-          <p:cNvPr id="320" name="Rectangle 77"/>
+          <p:cNvPr id="322" name="Rectangle 77"/>
           <p:cNvSpPr/>
           <p:nvPr/>
         </p:nvSpPr>
         <p:spPr>
           <a:xfrm>
             <a:off x="10972800" y="0"/>
-            <a:ext cx="17280" cy="6856920"/>
+            <a:ext cx="16920" cy="6856560"/>
           </a:xfrm>
           <a:prstGeom prst="rect">
             <a:avLst/>
@@ -25405,6 +25746,11 @@
             <a:noAutofit/>
           </a:bodyPr>
           <a:p>
+            <a:pPr>
+              <a:lnSpc>
+                <a:spcPct val="100000"/>
+              </a:lnSpc>
+            </a:pPr>
             <a:endParaRPr b="0" lang="en-US" sz="1800" spc="-1" strike="noStrike">
               <a:solidFill>
                 <a:schemeClr val="lt1"/>
@@ -25417,14 +25763,14 @@
       </p:sp>
       <p:sp>
         <p:nvSpPr>
-          <p:cNvPr id="321" name="Rectangle 78"/>
+          <p:cNvPr id="323" name="Rectangle 78"/>
           <p:cNvSpPr/>
           <p:nvPr/>
         </p:nvSpPr>
         <p:spPr>
           <a:xfrm>
             <a:off x="11887200" y="0"/>
-            <a:ext cx="17280" cy="6856920"/>
+            <a:ext cx="16920" cy="6856560"/>
           </a:xfrm>
           <a:prstGeom prst="rect">
             <a:avLst/>
@@ -25460,6 +25806,11 @@
             <a:noAutofit/>
           </a:bodyPr>
           <a:p>
+            <a:pPr>
+              <a:lnSpc>
+                <a:spcPct val="100000"/>
+              </a:lnSpc>
+            </a:pPr>
             <a:endParaRPr b="0" lang="en-US" sz="1800" spc="-1" strike="noStrike">
               <a:solidFill>
                 <a:schemeClr val="lt1"/>
@@ -25472,14 +25823,14 @@
       </p:sp>
       <p:sp>
         <p:nvSpPr>
-          <p:cNvPr id="322" name="Rectangle 79"/>
+          <p:cNvPr id="324" name="Rectangle 79"/>
           <p:cNvSpPr/>
           <p:nvPr/>
         </p:nvSpPr>
         <p:spPr>
           <a:xfrm>
             <a:off x="0" y="0"/>
-            <a:ext cx="318960" cy="6856920"/>
+            <a:ext cx="318600" cy="6856560"/>
           </a:xfrm>
           <a:prstGeom prst="rect">
             <a:avLst/>
@@ -25515,6 +25866,11 @@
             <a:noAutofit/>
           </a:bodyPr>
           <a:p>
+            <a:pPr>
+              <a:lnSpc>
+                <a:spcPct val="100000"/>
+              </a:lnSpc>
+            </a:pPr>
             <a:endParaRPr b="0" lang="en-US" sz="1800" spc="-1" strike="noStrike">
               <a:solidFill>
                 <a:schemeClr val="lt1"/>
@@ -25527,14 +25883,14 @@
       </p:sp>
       <p:sp>
         <p:nvSpPr>
-          <p:cNvPr id="323" name="Rounded Rectangle 36"/>
+          <p:cNvPr id="325" name="Rounded Rectangle 36"/>
           <p:cNvSpPr/>
           <p:nvPr/>
         </p:nvSpPr>
         <p:spPr>
           <a:xfrm>
             <a:off x="9875520" y="365760"/>
-            <a:ext cx="2010600" cy="501840"/>
+            <a:ext cx="2010240" cy="501480"/>
           </a:xfrm>
           <a:prstGeom prst="roundRect">
             <a:avLst>
@@ -25601,14 +25957,14 @@
       </p:sp>
       <p:sp>
         <p:nvSpPr>
-          <p:cNvPr id="324" name="TextBox 13"/>
+          <p:cNvPr id="326" name="TextBox 13"/>
           <p:cNvSpPr/>
           <p:nvPr/>
         </p:nvSpPr>
         <p:spPr>
           <a:xfrm>
             <a:off x="2175120" y="1005840"/>
-            <a:ext cx="6621480" cy="820800"/>
+            <a:ext cx="6621120" cy="820800"/>
           </a:xfrm>
           <a:prstGeom prst="rect">
             <a:avLst/>
@@ -25655,14 +26011,14 @@
       </p:sp>
       <p:sp>
         <p:nvSpPr>
-          <p:cNvPr id="325" name="TextBox 14"/>
+          <p:cNvPr id="327" name="TextBox 14"/>
           <p:cNvSpPr/>
           <p:nvPr/>
         </p:nvSpPr>
         <p:spPr>
           <a:xfrm>
             <a:off x="2093040" y="2194560"/>
-            <a:ext cx="6786000" cy="668520"/>
+            <a:ext cx="6785640" cy="668520"/>
           </a:xfrm>
           <a:prstGeom prst="rect">
             <a:avLst/>
@@ -25732,14 +26088,14 @@
       </p:sp>
       <p:sp>
         <p:nvSpPr>
-          <p:cNvPr id="326" name="Rounded Rectangle 37"/>
+          <p:cNvPr id="328" name="Rounded Rectangle 37"/>
           <p:cNvSpPr/>
           <p:nvPr/>
         </p:nvSpPr>
         <p:spPr>
           <a:xfrm>
             <a:off x="987480" y="3182040"/>
-            <a:ext cx="3290760" cy="2742120"/>
+            <a:ext cx="3290400" cy="2741760"/>
           </a:xfrm>
           <a:prstGeom prst="roundRect">
             <a:avLst>
@@ -25777,6 +26133,11 @@
             <a:noAutofit/>
           </a:bodyPr>
           <a:p>
+            <a:pPr>
+              <a:lnSpc>
+                <a:spcPct val="100000"/>
+              </a:lnSpc>
+            </a:pPr>
             <a:endParaRPr b="0" lang="en-US" sz="1800" spc="-1" strike="noStrike">
               <a:solidFill>
                 <a:schemeClr val="lt1"/>
@@ -25789,14 +26150,14 @@
       </p:sp>
       <p:sp>
         <p:nvSpPr>
-          <p:cNvPr id="327" name="Rounded Rectangle 38"/>
+          <p:cNvPr id="329" name="Rounded Rectangle 38"/>
           <p:cNvSpPr/>
           <p:nvPr/>
         </p:nvSpPr>
         <p:spPr>
           <a:xfrm>
             <a:off x="914400" y="3108960"/>
-            <a:ext cx="3290760" cy="2742120"/>
+            <a:ext cx="3290400" cy="2741760"/>
           </a:xfrm>
           <a:prstGeom prst="roundRect">
             <a:avLst>
@@ -25852,7 +26213,7 @@
               </a:rPr>
               <a:t>JDK (Java Development Kit) derleyici (javac) ve çalıştırma ortamını (java) içerir.</a:t>
             </a:r>
-            <a:endParaRPr b="1" lang="en-US" sz="1400" spc="-1" strike="noStrike">
+            <a:endParaRPr b="0" lang="en-US" sz="1400" spc="-1" strike="noStrike">
               <a:solidFill>
                 <a:srgbClr val="ffffff"/>
               </a:solidFill>
@@ -25865,7 +26226,7 @@
                 <a:spcPct val="100000"/>
               </a:lnSpc>
             </a:pPr>
-            <a:endParaRPr b="1" lang="en-US" sz="1400" spc="-1" strike="noStrike">
+            <a:endParaRPr b="0" lang="en-US" sz="1400" spc="-1" strike="noStrike">
               <a:solidFill>
                 <a:srgbClr val="ffffff"/>
               </a:solidFill>
@@ -25888,7 +26249,7 @@
               </a:rPr>
               <a:t>PATH ve JAVA_HOME gibi sistem değişkenleri, komut satırının Java’yı bulmasını sağlar.</a:t>
             </a:r>
-            <a:endParaRPr b="1" lang="en-US" sz="1400" spc="-1" strike="noStrike">
+            <a:endParaRPr b="0" lang="en-US" sz="1400" spc="-1" strike="noStrike">
               <a:solidFill>
                 <a:srgbClr val="ffffff"/>
               </a:solidFill>
@@ -25901,7 +26262,7 @@
                 <a:spcPct val="100000"/>
               </a:lnSpc>
             </a:pPr>
-            <a:endParaRPr b="1" lang="en-US" sz="1400" spc="-1" strike="noStrike">
+            <a:endParaRPr b="0" lang="en-US" sz="1400" spc="-1" strike="noStrike">
               <a:solidFill>
                 <a:srgbClr val="ffffff"/>
               </a:solidFill>
@@ -25924,7 +26285,7 @@
               </a:rPr>
               <a:t>Doğru kurulum sayesinde Java programları sistemin her yerinden derlenip çalıştırılabilir.</a:t>
             </a:r>
-            <a:endParaRPr b="1" lang="en-US" sz="1400" spc="-1" strike="noStrike">
+            <a:endParaRPr b="0" lang="en-US" sz="1400" spc="-1" strike="noStrike">
               <a:solidFill>
                 <a:srgbClr val="ffffff"/>
               </a:solidFill>
@@ -25935,14 +26296,14 @@
       </p:sp>
       <p:sp>
         <p:nvSpPr>
-          <p:cNvPr id="328" name="Rounded Rectangle 39"/>
+          <p:cNvPr id="330" name="Rounded Rectangle 39"/>
           <p:cNvSpPr/>
           <p:nvPr/>
         </p:nvSpPr>
         <p:spPr>
           <a:xfrm>
             <a:off x="4507920" y="3182040"/>
-            <a:ext cx="3290760" cy="2742120"/>
+            <a:ext cx="3290400" cy="2741760"/>
           </a:xfrm>
           <a:prstGeom prst="roundRect">
             <a:avLst>
@@ -25980,6 +26341,11 @@
             <a:noAutofit/>
           </a:bodyPr>
           <a:p>
+            <a:pPr>
+              <a:lnSpc>
+                <a:spcPct val="100000"/>
+              </a:lnSpc>
+            </a:pPr>
             <a:endParaRPr b="0" lang="en-US" sz="1800" spc="-1" strike="noStrike">
               <a:solidFill>
                 <a:schemeClr val="lt1"/>
@@ -25992,14 +26358,14 @@
       </p:sp>
       <p:sp>
         <p:nvSpPr>
-          <p:cNvPr id="329" name="Rounded Rectangle 40"/>
+          <p:cNvPr id="331" name="Rounded Rectangle 40"/>
           <p:cNvSpPr/>
           <p:nvPr/>
         </p:nvSpPr>
         <p:spPr>
           <a:xfrm>
             <a:off x="4434840" y="3108960"/>
-            <a:ext cx="3290760" cy="2742120"/>
+            <a:ext cx="3290400" cy="2741760"/>
           </a:xfrm>
           <a:prstGeom prst="roundRect">
             <a:avLst>
@@ -26210,14 +26576,14 @@
       </p:sp>
       <p:sp>
         <p:nvSpPr>
-          <p:cNvPr id="330" name="Rounded Rectangle 41"/>
+          <p:cNvPr id="332" name="Rounded Rectangle 41"/>
           <p:cNvSpPr/>
           <p:nvPr/>
         </p:nvSpPr>
         <p:spPr>
           <a:xfrm>
             <a:off x="8028360" y="3182040"/>
-            <a:ext cx="3290760" cy="2742120"/>
+            <a:ext cx="3290400" cy="2741760"/>
           </a:xfrm>
           <a:prstGeom prst="roundRect">
             <a:avLst>
@@ -26255,6 +26621,11 @@
             <a:noAutofit/>
           </a:bodyPr>
           <a:p>
+            <a:pPr>
+              <a:lnSpc>
+                <a:spcPct val="100000"/>
+              </a:lnSpc>
+            </a:pPr>
             <a:endParaRPr b="0" lang="en-US" sz="1800" spc="-1" strike="noStrike">
               <a:solidFill>
                 <a:schemeClr val="lt1"/>
@@ -26267,14 +26638,14 @@
       </p:sp>
       <p:sp>
         <p:nvSpPr>
-          <p:cNvPr id="331" name="Rounded Rectangle 42"/>
+          <p:cNvPr id="333" name="Rounded Rectangle 42"/>
           <p:cNvSpPr/>
           <p:nvPr/>
         </p:nvSpPr>
         <p:spPr>
           <a:xfrm>
             <a:off x="7955280" y="3108960"/>
-            <a:ext cx="3290760" cy="2742120"/>
+            <a:ext cx="3290400" cy="2741760"/>
           </a:xfrm>
           <a:prstGeom prst="roundRect">
             <a:avLst>
@@ -26387,14 +26758,14 @@
       </p:sp>
       <p:sp>
         <p:nvSpPr>
-          <p:cNvPr id="332" name="TextBox 15"/>
+          <p:cNvPr id="334" name="TextBox 15"/>
           <p:cNvSpPr/>
           <p:nvPr/>
         </p:nvSpPr>
         <p:spPr>
           <a:xfrm>
             <a:off x="4600080" y="6446520"/>
-            <a:ext cx="3051720" cy="363960"/>
+            <a:ext cx="3051360" cy="363960"/>
           </a:xfrm>
           <a:prstGeom prst="rect">
             <a:avLst/>
@@ -26471,14 +26842,14 @@
       </p:grpSpPr>
       <p:sp>
         <p:nvSpPr>
-          <p:cNvPr id="333" name="Rectangle 81"/>
+          <p:cNvPr id="335" name="Rectangle 81"/>
           <p:cNvSpPr/>
           <p:nvPr/>
         </p:nvSpPr>
         <p:spPr>
           <a:xfrm>
             <a:off x="0" y="0"/>
-            <a:ext cx="12187800" cy="6856920"/>
+            <a:ext cx="12187440" cy="6856560"/>
           </a:xfrm>
           <a:prstGeom prst="rect">
             <a:avLst/>
@@ -26514,6 +26885,11 @@
             <a:noAutofit/>
           </a:bodyPr>
           <a:p>
+            <a:pPr>
+              <a:lnSpc>
+                <a:spcPct val="100000"/>
+              </a:lnSpc>
+            </a:pPr>
             <a:endParaRPr b="0" lang="en-US" sz="1800" spc="-1" strike="noStrike">
               <a:solidFill>
                 <a:schemeClr val="lt1"/>
@@ -26526,14 +26902,14 @@
       </p:sp>
       <p:sp>
         <p:nvSpPr>
-          <p:cNvPr id="334" name="Rectangle 82"/>
+          <p:cNvPr id="336" name="Rectangle 82"/>
           <p:cNvSpPr/>
           <p:nvPr/>
         </p:nvSpPr>
         <p:spPr>
           <a:xfrm>
             <a:off x="0" y="0"/>
-            <a:ext cx="17280" cy="6856920"/>
+            <a:ext cx="16920" cy="6856560"/>
           </a:xfrm>
           <a:prstGeom prst="rect">
             <a:avLst/>
@@ -26569,6 +26945,11 @@
             <a:noAutofit/>
           </a:bodyPr>
           <a:p>
+            <a:pPr>
+              <a:lnSpc>
+                <a:spcPct val="100000"/>
+              </a:lnSpc>
+            </a:pPr>
             <a:endParaRPr b="0" lang="en-US" sz="1800" spc="-1" strike="noStrike">
               <a:solidFill>
                 <a:schemeClr val="lt1"/>
@@ -26581,14 +26962,14 @@
       </p:sp>
       <p:sp>
         <p:nvSpPr>
-          <p:cNvPr id="335" name="Rectangle 83"/>
+          <p:cNvPr id="337" name="Rectangle 83"/>
           <p:cNvSpPr/>
           <p:nvPr/>
         </p:nvSpPr>
         <p:spPr>
           <a:xfrm>
             <a:off x="914400" y="0"/>
-            <a:ext cx="17280" cy="6856920"/>
+            <a:ext cx="16920" cy="6856560"/>
           </a:xfrm>
           <a:prstGeom prst="rect">
             <a:avLst/>
@@ -26624,6 +27005,11 @@
             <a:noAutofit/>
           </a:bodyPr>
           <a:p>
+            <a:pPr>
+              <a:lnSpc>
+                <a:spcPct val="100000"/>
+              </a:lnSpc>
+            </a:pPr>
             <a:endParaRPr b="0" lang="en-US" sz="1800" spc="-1" strike="noStrike">
               <a:solidFill>
                 <a:schemeClr val="lt1"/>
@@ -26636,14 +27022,14 @@
       </p:sp>
       <p:sp>
         <p:nvSpPr>
-          <p:cNvPr id="336" name="Rectangle 84"/>
+          <p:cNvPr id="338" name="Rectangle 84"/>
           <p:cNvSpPr/>
           <p:nvPr/>
         </p:nvSpPr>
         <p:spPr>
           <a:xfrm>
             <a:off x="1828800" y="0"/>
-            <a:ext cx="17280" cy="6856920"/>
+            <a:ext cx="16920" cy="6856560"/>
           </a:xfrm>
           <a:prstGeom prst="rect">
             <a:avLst/>
@@ -26679,6 +27065,11 @@
             <a:noAutofit/>
           </a:bodyPr>
           <a:p>
+            <a:pPr>
+              <a:lnSpc>
+                <a:spcPct val="100000"/>
+              </a:lnSpc>
+            </a:pPr>
             <a:endParaRPr b="0" lang="en-US" sz="1800" spc="-1" strike="noStrike">
               <a:solidFill>
                 <a:schemeClr val="lt1"/>
@@ -26691,14 +27082,14 @@
       </p:sp>
       <p:sp>
         <p:nvSpPr>
-          <p:cNvPr id="337" name="Rectangle 85"/>
+          <p:cNvPr id="339" name="Rectangle 85"/>
           <p:cNvSpPr/>
           <p:nvPr/>
         </p:nvSpPr>
         <p:spPr>
           <a:xfrm>
             <a:off x="2743200" y="0"/>
-            <a:ext cx="17280" cy="6856920"/>
+            <a:ext cx="16920" cy="6856560"/>
           </a:xfrm>
           <a:prstGeom prst="rect">
             <a:avLst/>
@@ -26734,6 +27125,11 @@
             <a:noAutofit/>
           </a:bodyPr>
           <a:p>
+            <a:pPr>
+              <a:lnSpc>
+                <a:spcPct val="100000"/>
+              </a:lnSpc>
+            </a:pPr>
             <a:endParaRPr b="0" lang="en-US" sz="1800" spc="-1" strike="noStrike">
               <a:solidFill>
                 <a:schemeClr val="lt1"/>
@@ -26746,14 +27142,14 @@
       </p:sp>
       <p:sp>
         <p:nvSpPr>
-          <p:cNvPr id="338" name="Rectangle 86"/>
+          <p:cNvPr id="340" name="Rectangle 86"/>
           <p:cNvSpPr/>
           <p:nvPr/>
         </p:nvSpPr>
         <p:spPr>
           <a:xfrm>
             <a:off x="3657600" y="0"/>
-            <a:ext cx="17280" cy="6856920"/>
+            <a:ext cx="16920" cy="6856560"/>
           </a:xfrm>
           <a:prstGeom prst="rect">
             <a:avLst/>
@@ -26789,6 +27185,11 @@
             <a:noAutofit/>
           </a:bodyPr>
           <a:p>
+            <a:pPr>
+              <a:lnSpc>
+                <a:spcPct val="100000"/>
+              </a:lnSpc>
+            </a:pPr>
             <a:endParaRPr b="0" lang="en-US" sz="1800" spc="-1" strike="noStrike">
               <a:solidFill>
                 <a:schemeClr val="lt1"/>
@@ -26801,14 +27202,14 @@
       </p:sp>
       <p:sp>
         <p:nvSpPr>
-          <p:cNvPr id="339" name="Rectangle 87"/>
+          <p:cNvPr id="341" name="Rectangle 87"/>
           <p:cNvSpPr/>
           <p:nvPr/>
         </p:nvSpPr>
         <p:spPr>
           <a:xfrm>
             <a:off x="4572000" y="0"/>
-            <a:ext cx="17280" cy="6856920"/>
+            <a:ext cx="16920" cy="6856560"/>
           </a:xfrm>
           <a:prstGeom prst="rect">
             <a:avLst/>
@@ -26844,6 +27245,11 @@
             <a:noAutofit/>
           </a:bodyPr>
           <a:p>
+            <a:pPr>
+              <a:lnSpc>
+                <a:spcPct val="100000"/>
+              </a:lnSpc>
+            </a:pPr>
             <a:endParaRPr b="0" lang="en-US" sz="1800" spc="-1" strike="noStrike">
               <a:solidFill>
                 <a:schemeClr val="lt1"/>
@@ -26856,14 +27262,14 @@
       </p:sp>
       <p:sp>
         <p:nvSpPr>
-          <p:cNvPr id="340" name="Rectangle 88"/>
+          <p:cNvPr id="342" name="Rectangle 88"/>
           <p:cNvSpPr/>
           <p:nvPr/>
         </p:nvSpPr>
         <p:spPr>
           <a:xfrm>
             <a:off x="5486400" y="0"/>
-            <a:ext cx="17280" cy="6856920"/>
+            <a:ext cx="16920" cy="6856560"/>
           </a:xfrm>
           <a:prstGeom prst="rect">
             <a:avLst/>
@@ -26899,6 +27305,11 @@
             <a:noAutofit/>
           </a:bodyPr>
           <a:p>
+            <a:pPr>
+              <a:lnSpc>
+                <a:spcPct val="100000"/>
+              </a:lnSpc>
+            </a:pPr>
             <a:endParaRPr b="0" lang="en-US" sz="1800" spc="-1" strike="noStrike">
               <a:solidFill>
                 <a:schemeClr val="lt1"/>
@@ -26911,14 +27322,14 @@
       </p:sp>
       <p:sp>
         <p:nvSpPr>
-          <p:cNvPr id="341" name="Rectangle 89"/>
+          <p:cNvPr id="343" name="Rectangle 89"/>
           <p:cNvSpPr/>
           <p:nvPr/>
         </p:nvSpPr>
         <p:spPr>
           <a:xfrm>
             <a:off x="6400800" y="0"/>
-            <a:ext cx="17280" cy="6856920"/>
+            <a:ext cx="16920" cy="6856560"/>
           </a:xfrm>
           <a:prstGeom prst="rect">
             <a:avLst/>
@@ -26954,6 +27365,11 @@
             <a:noAutofit/>
           </a:bodyPr>
           <a:p>
+            <a:pPr>
+              <a:lnSpc>
+                <a:spcPct val="100000"/>
+              </a:lnSpc>
+            </a:pPr>
             <a:endParaRPr b="0" lang="en-US" sz="1800" spc="-1" strike="noStrike">
               <a:solidFill>
                 <a:schemeClr val="lt1"/>
@@ -26966,14 +27382,14 @@
       </p:sp>
       <p:sp>
         <p:nvSpPr>
-          <p:cNvPr id="342" name="Rectangle 90"/>
+          <p:cNvPr id="344" name="Rectangle 90"/>
           <p:cNvSpPr/>
           <p:nvPr/>
         </p:nvSpPr>
         <p:spPr>
           <a:xfrm>
             <a:off x="7315200" y="0"/>
-            <a:ext cx="17280" cy="6856920"/>
+            <a:ext cx="16920" cy="6856560"/>
           </a:xfrm>
           <a:prstGeom prst="rect">
             <a:avLst/>
@@ -27009,6 +27425,11 @@
             <a:noAutofit/>
           </a:bodyPr>
           <a:p>
+            <a:pPr>
+              <a:lnSpc>
+                <a:spcPct val="100000"/>
+              </a:lnSpc>
+            </a:pPr>
             <a:endParaRPr b="0" lang="en-US" sz="1800" spc="-1" strike="noStrike">
               <a:solidFill>
                 <a:schemeClr val="lt1"/>
@@ -27021,14 +27442,14 @@
       </p:sp>
       <p:sp>
         <p:nvSpPr>
-          <p:cNvPr id="343" name="Rectangle 91"/>
+          <p:cNvPr id="345" name="Rectangle 91"/>
           <p:cNvSpPr/>
           <p:nvPr/>
         </p:nvSpPr>
         <p:spPr>
           <a:xfrm>
             <a:off x="8229600" y="0"/>
-            <a:ext cx="17280" cy="6856920"/>
+            <a:ext cx="16920" cy="6856560"/>
           </a:xfrm>
           <a:prstGeom prst="rect">
             <a:avLst/>
@@ -27064,6 +27485,11 @@
             <a:noAutofit/>
           </a:bodyPr>
           <a:p>
+            <a:pPr>
+              <a:lnSpc>
+                <a:spcPct val="100000"/>
+              </a:lnSpc>
+            </a:pPr>
             <a:endParaRPr b="0" lang="en-US" sz="1800" spc="-1" strike="noStrike">
               <a:solidFill>
                 <a:schemeClr val="lt1"/>
@@ -27076,14 +27502,14 @@
       </p:sp>
       <p:sp>
         <p:nvSpPr>
-          <p:cNvPr id="344" name="Rectangle 92"/>
+          <p:cNvPr id="346" name="Rectangle 92"/>
           <p:cNvSpPr/>
           <p:nvPr/>
         </p:nvSpPr>
         <p:spPr>
           <a:xfrm>
             <a:off x="9144000" y="0"/>
-            <a:ext cx="17280" cy="6856920"/>
+            <a:ext cx="16920" cy="6856560"/>
           </a:xfrm>
           <a:prstGeom prst="rect">
             <a:avLst/>
@@ -27119,6 +27545,11 @@
             <a:noAutofit/>
           </a:bodyPr>
           <a:p>
+            <a:pPr>
+              <a:lnSpc>
+                <a:spcPct val="100000"/>
+              </a:lnSpc>
+            </a:pPr>
             <a:endParaRPr b="0" lang="en-US" sz="1800" spc="-1" strike="noStrike">
               <a:solidFill>
                 <a:schemeClr val="lt1"/>
@@ -27131,14 +27562,14 @@
       </p:sp>
       <p:sp>
         <p:nvSpPr>
-          <p:cNvPr id="345" name="Rectangle 93"/>
+          <p:cNvPr id="347" name="Rectangle 93"/>
           <p:cNvSpPr/>
           <p:nvPr/>
         </p:nvSpPr>
         <p:spPr>
           <a:xfrm>
             <a:off x="10058400" y="0"/>
-            <a:ext cx="17280" cy="6856920"/>
+            <a:ext cx="16920" cy="6856560"/>
           </a:xfrm>
           <a:prstGeom prst="rect">
             <a:avLst/>
@@ -27174,6 +27605,11 @@
             <a:noAutofit/>
           </a:bodyPr>
           <a:p>
+            <a:pPr>
+              <a:lnSpc>
+                <a:spcPct val="100000"/>
+              </a:lnSpc>
+            </a:pPr>
             <a:endParaRPr b="0" lang="en-US" sz="1800" spc="-1" strike="noStrike">
               <a:solidFill>
                 <a:schemeClr val="lt1"/>
@@ -27186,14 +27622,14 @@
       </p:sp>
       <p:sp>
         <p:nvSpPr>
-          <p:cNvPr id="346" name="Rectangle 94"/>
+          <p:cNvPr id="348" name="Rectangle 94"/>
           <p:cNvSpPr/>
           <p:nvPr/>
         </p:nvSpPr>
         <p:spPr>
           <a:xfrm>
             <a:off x="10972800" y="0"/>
-            <a:ext cx="17280" cy="6856920"/>
+            <a:ext cx="16920" cy="6856560"/>
           </a:xfrm>
           <a:prstGeom prst="rect">
             <a:avLst/>
@@ -27229,6 +27665,11 @@
             <a:noAutofit/>
           </a:bodyPr>
           <a:p>
+            <a:pPr>
+              <a:lnSpc>
+                <a:spcPct val="100000"/>
+              </a:lnSpc>
+            </a:pPr>
             <a:endParaRPr b="0" lang="en-US" sz="1800" spc="-1" strike="noStrike">
               <a:solidFill>
                 <a:schemeClr val="lt1"/>
@@ -27241,14 +27682,14 @@
       </p:sp>
       <p:sp>
         <p:nvSpPr>
-          <p:cNvPr id="347" name="Rectangle 95"/>
+          <p:cNvPr id="349" name="Rectangle 95"/>
           <p:cNvSpPr/>
           <p:nvPr/>
         </p:nvSpPr>
         <p:spPr>
           <a:xfrm>
             <a:off x="11887200" y="0"/>
-            <a:ext cx="17280" cy="6856920"/>
+            <a:ext cx="16920" cy="6856560"/>
           </a:xfrm>
           <a:prstGeom prst="rect">
             <a:avLst/>
@@ -27284,6 +27725,11 @@
             <a:noAutofit/>
           </a:bodyPr>
           <a:p>
+            <a:pPr>
+              <a:lnSpc>
+                <a:spcPct val="100000"/>
+              </a:lnSpc>
+            </a:pPr>
             <a:endParaRPr b="0" lang="en-US" sz="1800" spc="-1" strike="noStrike">
               <a:solidFill>
                 <a:schemeClr val="lt1"/>
@@ -27296,14 +27742,14 @@
       </p:sp>
       <p:sp>
         <p:nvSpPr>
-          <p:cNvPr id="348" name="Rectangle 96"/>
+          <p:cNvPr id="350" name="Rectangle 96"/>
           <p:cNvSpPr/>
           <p:nvPr/>
         </p:nvSpPr>
         <p:spPr>
           <a:xfrm>
             <a:off x="0" y="0"/>
-            <a:ext cx="318960" cy="6856920"/>
+            <a:ext cx="318600" cy="6856560"/>
           </a:xfrm>
           <a:prstGeom prst="rect">
             <a:avLst/>
@@ -27339,6 +27785,11 @@
             <a:noAutofit/>
           </a:bodyPr>
           <a:p>
+            <a:pPr>
+              <a:lnSpc>
+                <a:spcPct val="100000"/>
+              </a:lnSpc>
+            </a:pPr>
             <a:endParaRPr b="0" lang="en-US" sz="1800" spc="-1" strike="noStrike">
               <a:solidFill>
                 <a:schemeClr val="lt1"/>
@@ -27351,14 +27802,14 @@
       </p:sp>
       <p:sp>
         <p:nvSpPr>
-          <p:cNvPr id="349" name="Rounded Rectangle 43"/>
+          <p:cNvPr id="351" name="Rounded Rectangle 43"/>
           <p:cNvSpPr/>
           <p:nvPr/>
         </p:nvSpPr>
         <p:spPr>
           <a:xfrm>
             <a:off x="9875520" y="365760"/>
-            <a:ext cx="2010600" cy="501840"/>
+            <a:ext cx="2010240" cy="501480"/>
           </a:xfrm>
           <a:prstGeom prst="roundRect">
             <a:avLst>
@@ -27425,14 +27876,14 @@
       </p:sp>
       <p:sp>
         <p:nvSpPr>
-          <p:cNvPr id="350" name="TextBox 16"/>
+          <p:cNvPr id="352" name="TextBox 16"/>
           <p:cNvSpPr/>
           <p:nvPr/>
         </p:nvSpPr>
         <p:spPr>
           <a:xfrm>
             <a:off x="1023840" y="1005840"/>
-            <a:ext cx="8924400" cy="639000"/>
+            <a:ext cx="8924040" cy="638280"/>
           </a:xfrm>
           <a:prstGeom prst="rect">
             <a:avLst/>
@@ -27479,7 +27930,7 @@
       </p:sp>
       <p:sp>
         <p:nvSpPr>
-          <p:cNvPr id="351" name="TextBox 17"/>
+          <p:cNvPr id="353" name="TextBox 17"/>
           <p:cNvSpPr/>
           <p:nvPr/>
         </p:nvSpPr>
@@ -27543,14 +27994,14 @@
       </p:sp>
       <p:sp>
         <p:nvSpPr>
-          <p:cNvPr id="352" name="Rounded Rectangle 44"/>
+          <p:cNvPr id="354" name="Rounded Rectangle 44"/>
           <p:cNvSpPr/>
           <p:nvPr/>
         </p:nvSpPr>
         <p:spPr>
           <a:xfrm>
             <a:off x="987480" y="3182040"/>
-            <a:ext cx="3290760" cy="2742120"/>
+            <a:ext cx="3290400" cy="2741760"/>
           </a:xfrm>
           <a:prstGeom prst="roundRect">
             <a:avLst>
@@ -27588,6 +28039,11 @@
             <a:noAutofit/>
           </a:bodyPr>
           <a:p>
+            <a:pPr>
+              <a:lnSpc>
+                <a:spcPct val="100000"/>
+              </a:lnSpc>
+            </a:pPr>
             <a:endParaRPr b="0" lang="en-US" sz="1800" spc="-1" strike="noStrike">
               <a:solidFill>
                 <a:schemeClr val="lt1"/>
@@ -27600,14 +28056,14 @@
       </p:sp>
       <p:sp>
         <p:nvSpPr>
-          <p:cNvPr id="353" name="Rounded Rectangle 45"/>
+          <p:cNvPr id="355" name="Rounded Rectangle 45"/>
           <p:cNvSpPr/>
           <p:nvPr/>
         </p:nvSpPr>
         <p:spPr>
           <a:xfrm>
             <a:off x="914400" y="3108960"/>
-            <a:ext cx="3290760" cy="2742120"/>
+            <a:ext cx="3290400" cy="2741760"/>
           </a:xfrm>
           <a:prstGeom prst="roundRect">
             <a:avLst>
@@ -27663,7 +28119,7 @@
               </a:rPr>
               <a:t>JAVA_HOME, JDK’nın kurulu olduğu klasörü gösterir.</a:t>
             </a:r>
-            <a:endParaRPr b="1" lang="en-US" sz="1400" spc="-1" strike="noStrike">
+            <a:endParaRPr b="0" lang="en-US" sz="1400" spc="-1" strike="noStrike">
               <a:solidFill>
                 <a:srgbClr val="ffffff"/>
               </a:solidFill>
@@ -27676,7 +28132,7 @@
                 <a:spcPct val="100000"/>
               </a:lnSpc>
             </a:pPr>
-            <a:endParaRPr b="1" lang="en-US" sz="1400" spc="-1" strike="noStrike">
+            <a:endParaRPr b="0" lang="en-US" sz="1400" spc="-1" strike="noStrike">
               <a:solidFill>
                 <a:srgbClr val="ffffff"/>
               </a:solidFill>
@@ -27699,7 +28155,7 @@
               </a:rPr>
               <a:t>PATH, Java’nın bin klasörünü içerir, böylece Java araçları terminal/komut istemcisinden çalıştırılabilir.</a:t>
             </a:r>
-            <a:endParaRPr b="1" lang="en-US" sz="1400" spc="-1" strike="noStrike">
+            <a:endParaRPr b="0" lang="en-US" sz="1400" spc="-1" strike="noStrike">
               <a:solidFill>
                 <a:srgbClr val="ffffff"/>
               </a:solidFill>
@@ -27712,7 +28168,7 @@
                 <a:spcPct val="100000"/>
               </a:lnSpc>
             </a:pPr>
-            <a:endParaRPr b="1" lang="en-US" sz="1400" spc="-1" strike="noStrike">
+            <a:endParaRPr b="0" lang="en-US" sz="1400" spc="-1" strike="noStrike">
               <a:solidFill>
                 <a:srgbClr val="ffffff"/>
               </a:solidFill>
@@ -27735,7 +28191,7 @@
               </a:rPr>
               <a:t>Bunlar ayarlanmazsa Java komutları çalışmayabilir.</a:t>
             </a:r>
-            <a:endParaRPr b="1" lang="en-US" sz="1400" spc="-1" strike="noStrike">
+            <a:endParaRPr b="0" lang="en-US" sz="1400" spc="-1" strike="noStrike">
               <a:solidFill>
                 <a:srgbClr val="ffffff"/>
               </a:solidFill>
@@ -27746,14 +28202,14 @@
       </p:sp>
       <p:sp>
         <p:nvSpPr>
-          <p:cNvPr id="354" name="Rounded Rectangle 46"/>
+          <p:cNvPr id="356" name="Rounded Rectangle 46"/>
           <p:cNvSpPr/>
           <p:nvPr/>
         </p:nvSpPr>
         <p:spPr>
           <a:xfrm>
             <a:off x="4507920" y="3182040"/>
-            <a:ext cx="3290760" cy="2742120"/>
+            <a:ext cx="3290400" cy="2741760"/>
           </a:xfrm>
           <a:prstGeom prst="roundRect">
             <a:avLst>
@@ -27791,6 +28247,11 @@
             <a:noAutofit/>
           </a:bodyPr>
           <a:p>
+            <a:pPr>
+              <a:lnSpc>
+                <a:spcPct val="100000"/>
+              </a:lnSpc>
+            </a:pPr>
             <a:endParaRPr b="0" lang="en-US" sz="1800" spc="-1" strike="noStrike">
               <a:solidFill>
                 <a:schemeClr val="lt1"/>
@@ -27803,14 +28264,14 @@
       </p:sp>
       <p:sp>
         <p:nvSpPr>
-          <p:cNvPr id="355" name="Rounded Rectangle 47"/>
+          <p:cNvPr id="357" name="Rounded Rectangle 47"/>
           <p:cNvSpPr/>
           <p:nvPr/>
         </p:nvSpPr>
         <p:spPr>
           <a:xfrm>
             <a:off x="4434840" y="3108960"/>
-            <a:ext cx="3290760" cy="2742120"/>
+            <a:ext cx="3290400" cy="2741760"/>
           </a:xfrm>
           <a:prstGeom prst="roundRect">
             <a:avLst>
@@ -28101,14 +28562,14 @@
       </p:sp>
       <p:sp>
         <p:nvSpPr>
-          <p:cNvPr id="356" name="Rounded Rectangle 48"/>
+          <p:cNvPr id="358" name="Rounded Rectangle 48"/>
           <p:cNvSpPr/>
           <p:nvPr/>
         </p:nvSpPr>
         <p:spPr>
           <a:xfrm>
             <a:off x="8028360" y="3182040"/>
-            <a:ext cx="3290760" cy="2742120"/>
+            <a:ext cx="3290400" cy="2741760"/>
           </a:xfrm>
           <a:prstGeom prst="roundRect">
             <a:avLst>
@@ -28146,6 +28607,11 @@
             <a:noAutofit/>
           </a:bodyPr>
           <a:p>
+            <a:pPr>
+              <a:lnSpc>
+                <a:spcPct val="100000"/>
+              </a:lnSpc>
+            </a:pPr>
             <a:endParaRPr b="0" lang="en-US" sz="1800" spc="-1" strike="noStrike">
               <a:solidFill>
                 <a:schemeClr val="lt1"/>
@@ -28158,14 +28624,14 @@
       </p:sp>
       <p:sp>
         <p:nvSpPr>
-          <p:cNvPr id="357" name="Rounded Rectangle 49"/>
+          <p:cNvPr id="359" name="Rounded Rectangle 49"/>
           <p:cNvSpPr/>
           <p:nvPr/>
         </p:nvSpPr>
         <p:spPr>
           <a:xfrm>
             <a:off x="7955280" y="3108960"/>
-            <a:ext cx="3290760" cy="2742120"/>
+            <a:ext cx="3290400" cy="2741760"/>
           </a:xfrm>
           <a:prstGeom prst="roundRect">
             <a:avLst>
@@ -28360,14 +28826,4311 @@
       </p:sp>
       <p:sp>
         <p:nvSpPr>
-          <p:cNvPr id="358" name="TextBox 20"/>
+          <p:cNvPr id="360" name="TextBox 20"/>
           <p:cNvSpPr/>
           <p:nvPr/>
         </p:nvSpPr>
         <p:spPr>
           <a:xfrm>
             <a:off x="4600080" y="6446520"/>
-            <a:ext cx="3051720" cy="363960"/>
+            <a:ext cx="3051360" cy="363960"/>
+          </a:xfrm>
+          <a:prstGeom prst="rect">
+            <a:avLst/>
+          </a:prstGeom>
+          <a:noFill/>
+          <a:ln w="0">
+            <a:noFill/>
+          </a:ln>
+        </p:spPr>
+        <p:style>
+          <a:lnRef idx="0"/>
+          <a:fillRef idx="0"/>
+          <a:effectRef idx="0"/>
+          <a:fontRef idx="minor"/>
+        </p:style>
+        <p:txBody>
+          <a:bodyPr wrap="none" lIns="90000" rIns="90000" tIns="45000" bIns="45000" anchor="t">
+            <a:spAutoFit/>
+          </a:bodyPr>
+          <a:p>
+            <a:pPr>
+              <a:lnSpc>
+                <a:spcPct val="100000"/>
+              </a:lnSpc>
+            </a:pPr>
+            <a:r>
+              <a:rPr b="0" lang="en-US" sz="1800" spc="-1" strike="noStrike">
+                <a:solidFill>
+                  <a:srgbClr val="000000"/>
+                </a:solidFill>
+                <a:latin typeface="Calibri"/>
+                <a:ea typeface="DejaVu Sans"/>
+              </a:rPr>
+              <a:t>Java • Ultra Premium Template</a:t>
+            </a:r>
+            <a:endParaRPr b="0" lang="en-US" sz="1800" spc="-1" strike="noStrike">
+              <a:solidFill>
+                <a:srgbClr val="000000"/>
+              </a:solidFill>
+              <a:latin typeface="Arial"/>
+            </a:endParaRPr>
+          </a:p>
+        </p:txBody>
+      </p:sp>
+    </p:spTree>
+  </p:cSld>
+  <mc:AlternateContent>
+    <mc:Choice Requires="p14">
+      <p:transition spd="slow" p14:dur="2000"/>
+    </mc:Choice>
+    <mc:Fallback>
+      <p:transition spd="slow"/>
+    </mc:Fallback>
+  </mc:AlternateContent>
+</p:sld>
+</file>
+
+<file path=ppt/slides/slide7.xml><?xml version="1.0" encoding="utf-8"?>
+<p:sld xmlns:a="http://schemas.openxmlformats.org/drawingml/2006/main" xmlns:p="http://schemas.openxmlformats.org/presentationml/2006/main" xmlns:r="http://schemas.openxmlformats.org/officeDocument/2006/relationships" xmlns:p14="http://schemas.microsoft.com/office/powerpoint/2010/main" xmlns:p15="http://schemas.microsoft.com/office/powerpoint/2012/main" xmlns:mc="http://schemas.openxmlformats.org/markup-compatibility/2006">
+  <p:cSld>
+    <p:spTree>
+      <p:nvGrpSpPr>
+        <p:cNvPr id="1" name=""/>
+        <p:cNvGrpSpPr/>
+        <p:nvPr/>
+      </p:nvGrpSpPr>
+      <p:grpSpPr>
+        <a:xfrm>
+          <a:off x="0" y="0"/>
+          <a:ext cx="0" cy="0"/>
+          <a:chOff x="0" y="0"/>
+          <a:chExt cx="0" cy="0"/>
+        </a:xfrm>
+      </p:grpSpPr>
+      <p:sp>
+        <p:nvSpPr>
+          <p:cNvPr id="361" name="Rectangle 97"/>
+          <p:cNvSpPr/>
+          <p:nvPr/>
+        </p:nvSpPr>
+        <p:spPr>
+          <a:xfrm>
+            <a:off x="0" y="0"/>
+            <a:ext cx="12187440" cy="6856560"/>
+          </a:xfrm>
+          <a:prstGeom prst="rect">
+            <a:avLst/>
+          </a:prstGeom>
+          <a:solidFill>
+            <a:srgbClr val="0b0b0d"/>
+          </a:solidFill>
+          <a:ln>
+            <a:noFill/>
+          </a:ln>
+          <a:effectLst>
+            <a:outerShdw blurRad="39960" dir="5400000" dist="23040" rotWithShape="0">
+              <a:srgbClr val="000000">
+                <a:alpha val="35000"/>
+              </a:srgbClr>
+            </a:outerShdw>
+          </a:effectLst>
+        </p:spPr>
+        <p:style>
+          <a:lnRef idx="1">
+            <a:schemeClr val="accent1"/>
+          </a:lnRef>
+          <a:fillRef idx="3">
+            <a:schemeClr val="accent1"/>
+          </a:fillRef>
+          <a:effectRef idx="2">
+            <a:schemeClr val="accent1"/>
+          </a:effectRef>
+          <a:fontRef idx="minor"/>
+        </p:style>
+        <p:txBody>
+          <a:bodyPr lIns="90000" rIns="90000" tIns="45000" bIns="45000" anchor="ctr">
+            <a:noAutofit/>
+          </a:bodyPr>
+          <a:p>
+            <a:endParaRPr b="0" lang="en-US" sz="1800" spc="-1" strike="noStrike">
+              <a:solidFill>
+                <a:schemeClr val="lt1"/>
+              </a:solidFill>
+              <a:latin typeface="Calibri"/>
+              <a:ea typeface="DejaVu Sans"/>
+            </a:endParaRPr>
+          </a:p>
+        </p:txBody>
+      </p:sp>
+      <p:sp>
+        <p:nvSpPr>
+          <p:cNvPr id="362" name="Rectangle 98"/>
+          <p:cNvSpPr/>
+          <p:nvPr/>
+        </p:nvSpPr>
+        <p:spPr>
+          <a:xfrm>
+            <a:off x="0" y="0"/>
+            <a:ext cx="16920" cy="6856560"/>
+          </a:xfrm>
+          <a:prstGeom prst="rect">
+            <a:avLst/>
+          </a:prstGeom>
+          <a:solidFill>
+            <a:srgbClr val="121216"/>
+          </a:solidFill>
+          <a:ln>
+            <a:noFill/>
+          </a:ln>
+          <a:effectLst>
+            <a:outerShdw blurRad="39960" dir="5400000" dist="23040" rotWithShape="0">
+              <a:srgbClr val="000000">
+                <a:alpha val="35000"/>
+              </a:srgbClr>
+            </a:outerShdw>
+          </a:effectLst>
+        </p:spPr>
+        <p:style>
+          <a:lnRef idx="1">
+            <a:schemeClr val="accent1"/>
+          </a:lnRef>
+          <a:fillRef idx="3">
+            <a:schemeClr val="accent1"/>
+          </a:fillRef>
+          <a:effectRef idx="2">
+            <a:schemeClr val="accent1"/>
+          </a:effectRef>
+          <a:fontRef idx="minor"/>
+        </p:style>
+        <p:txBody>
+          <a:bodyPr lIns="90000" rIns="90000" tIns="45000" bIns="45000" anchor="ctr">
+            <a:noAutofit/>
+          </a:bodyPr>
+          <a:p>
+            <a:endParaRPr b="0" lang="en-US" sz="1800" spc="-1" strike="noStrike">
+              <a:solidFill>
+                <a:schemeClr val="lt1"/>
+              </a:solidFill>
+              <a:latin typeface="Calibri"/>
+              <a:ea typeface="DejaVu Sans"/>
+            </a:endParaRPr>
+          </a:p>
+        </p:txBody>
+      </p:sp>
+      <p:sp>
+        <p:nvSpPr>
+          <p:cNvPr id="363" name="Rectangle 99"/>
+          <p:cNvSpPr/>
+          <p:nvPr/>
+        </p:nvSpPr>
+        <p:spPr>
+          <a:xfrm>
+            <a:off x="914400" y="0"/>
+            <a:ext cx="16920" cy="6856560"/>
+          </a:xfrm>
+          <a:prstGeom prst="rect">
+            <a:avLst/>
+          </a:prstGeom>
+          <a:solidFill>
+            <a:srgbClr val="121216"/>
+          </a:solidFill>
+          <a:ln>
+            <a:noFill/>
+          </a:ln>
+          <a:effectLst>
+            <a:outerShdw blurRad="39960" dir="5400000" dist="23040" rotWithShape="0">
+              <a:srgbClr val="000000">
+                <a:alpha val="35000"/>
+              </a:srgbClr>
+            </a:outerShdw>
+          </a:effectLst>
+        </p:spPr>
+        <p:style>
+          <a:lnRef idx="1">
+            <a:schemeClr val="accent1"/>
+          </a:lnRef>
+          <a:fillRef idx="3">
+            <a:schemeClr val="accent1"/>
+          </a:fillRef>
+          <a:effectRef idx="2">
+            <a:schemeClr val="accent1"/>
+          </a:effectRef>
+          <a:fontRef idx="minor"/>
+        </p:style>
+        <p:txBody>
+          <a:bodyPr lIns="90000" rIns="90000" tIns="45000" bIns="45000" anchor="ctr">
+            <a:noAutofit/>
+          </a:bodyPr>
+          <a:p>
+            <a:endParaRPr b="0" lang="en-US" sz="1800" spc="-1" strike="noStrike">
+              <a:solidFill>
+                <a:schemeClr val="lt1"/>
+              </a:solidFill>
+              <a:latin typeface="Calibri"/>
+              <a:ea typeface="DejaVu Sans"/>
+            </a:endParaRPr>
+          </a:p>
+        </p:txBody>
+      </p:sp>
+      <p:sp>
+        <p:nvSpPr>
+          <p:cNvPr id="364" name="Rectangle 100"/>
+          <p:cNvSpPr/>
+          <p:nvPr/>
+        </p:nvSpPr>
+        <p:spPr>
+          <a:xfrm>
+            <a:off x="1828800" y="0"/>
+            <a:ext cx="16920" cy="6856560"/>
+          </a:xfrm>
+          <a:prstGeom prst="rect">
+            <a:avLst/>
+          </a:prstGeom>
+          <a:solidFill>
+            <a:srgbClr val="121216"/>
+          </a:solidFill>
+          <a:ln>
+            <a:noFill/>
+          </a:ln>
+          <a:effectLst>
+            <a:outerShdw blurRad="39960" dir="5400000" dist="23040" rotWithShape="0">
+              <a:srgbClr val="000000">
+                <a:alpha val="35000"/>
+              </a:srgbClr>
+            </a:outerShdw>
+          </a:effectLst>
+        </p:spPr>
+        <p:style>
+          <a:lnRef idx="1">
+            <a:schemeClr val="accent1"/>
+          </a:lnRef>
+          <a:fillRef idx="3">
+            <a:schemeClr val="accent1"/>
+          </a:fillRef>
+          <a:effectRef idx="2">
+            <a:schemeClr val="accent1"/>
+          </a:effectRef>
+          <a:fontRef idx="minor"/>
+        </p:style>
+        <p:txBody>
+          <a:bodyPr lIns="90000" rIns="90000" tIns="45000" bIns="45000" anchor="ctr">
+            <a:noAutofit/>
+          </a:bodyPr>
+          <a:p>
+            <a:endParaRPr b="0" lang="en-US" sz="1800" spc="-1" strike="noStrike">
+              <a:solidFill>
+                <a:schemeClr val="lt1"/>
+              </a:solidFill>
+              <a:latin typeface="Calibri"/>
+              <a:ea typeface="DejaVu Sans"/>
+            </a:endParaRPr>
+          </a:p>
+        </p:txBody>
+      </p:sp>
+      <p:sp>
+        <p:nvSpPr>
+          <p:cNvPr id="365" name="Rectangle 101"/>
+          <p:cNvSpPr/>
+          <p:nvPr/>
+        </p:nvSpPr>
+        <p:spPr>
+          <a:xfrm>
+            <a:off x="2743200" y="0"/>
+            <a:ext cx="16920" cy="6856560"/>
+          </a:xfrm>
+          <a:prstGeom prst="rect">
+            <a:avLst/>
+          </a:prstGeom>
+          <a:solidFill>
+            <a:srgbClr val="121216"/>
+          </a:solidFill>
+          <a:ln>
+            <a:noFill/>
+          </a:ln>
+          <a:effectLst>
+            <a:outerShdw blurRad="39960" dir="5400000" dist="23040" rotWithShape="0">
+              <a:srgbClr val="000000">
+                <a:alpha val="35000"/>
+              </a:srgbClr>
+            </a:outerShdw>
+          </a:effectLst>
+        </p:spPr>
+        <p:style>
+          <a:lnRef idx="1">
+            <a:schemeClr val="accent1"/>
+          </a:lnRef>
+          <a:fillRef idx="3">
+            <a:schemeClr val="accent1"/>
+          </a:fillRef>
+          <a:effectRef idx="2">
+            <a:schemeClr val="accent1"/>
+          </a:effectRef>
+          <a:fontRef idx="minor"/>
+        </p:style>
+        <p:txBody>
+          <a:bodyPr lIns="90000" rIns="90000" tIns="45000" bIns="45000" anchor="ctr">
+            <a:noAutofit/>
+          </a:bodyPr>
+          <a:p>
+            <a:endParaRPr b="0" lang="en-US" sz="1800" spc="-1" strike="noStrike">
+              <a:solidFill>
+                <a:schemeClr val="lt1"/>
+              </a:solidFill>
+              <a:latin typeface="Calibri"/>
+              <a:ea typeface="DejaVu Sans"/>
+            </a:endParaRPr>
+          </a:p>
+        </p:txBody>
+      </p:sp>
+      <p:sp>
+        <p:nvSpPr>
+          <p:cNvPr id="366" name="Rectangle 102"/>
+          <p:cNvSpPr/>
+          <p:nvPr/>
+        </p:nvSpPr>
+        <p:spPr>
+          <a:xfrm>
+            <a:off x="3657600" y="0"/>
+            <a:ext cx="16920" cy="6856560"/>
+          </a:xfrm>
+          <a:prstGeom prst="rect">
+            <a:avLst/>
+          </a:prstGeom>
+          <a:solidFill>
+            <a:srgbClr val="121216"/>
+          </a:solidFill>
+          <a:ln>
+            <a:noFill/>
+          </a:ln>
+          <a:effectLst>
+            <a:outerShdw blurRad="39960" dir="5400000" dist="23040" rotWithShape="0">
+              <a:srgbClr val="000000">
+                <a:alpha val="35000"/>
+              </a:srgbClr>
+            </a:outerShdw>
+          </a:effectLst>
+        </p:spPr>
+        <p:style>
+          <a:lnRef idx="1">
+            <a:schemeClr val="accent1"/>
+          </a:lnRef>
+          <a:fillRef idx="3">
+            <a:schemeClr val="accent1"/>
+          </a:fillRef>
+          <a:effectRef idx="2">
+            <a:schemeClr val="accent1"/>
+          </a:effectRef>
+          <a:fontRef idx="minor"/>
+        </p:style>
+        <p:txBody>
+          <a:bodyPr lIns="90000" rIns="90000" tIns="45000" bIns="45000" anchor="ctr">
+            <a:noAutofit/>
+          </a:bodyPr>
+          <a:p>
+            <a:endParaRPr b="0" lang="en-US" sz="1800" spc="-1" strike="noStrike">
+              <a:solidFill>
+                <a:schemeClr val="lt1"/>
+              </a:solidFill>
+              <a:latin typeface="Calibri"/>
+              <a:ea typeface="DejaVu Sans"/>
+            </a:endParaRPr>
+          </a:p>
+        </p:txBody>
+      </p:sp>
+      <p:sp>
+        <p:nvSpPr>
+          <p:cNvPr id="367" name="Rectangle 103"/>
+          <p:cNvSpPr/>
+          <p:nvPr/>
+        </p:nvSpPr>
+        <p:spPr>
+          <a:xfrm>
+            <a:off x="4572000" y="0"/>
+            <a:ext cx="16920" cy="6856560"/>
+          </a:xfrm>
+          <a:prstGeom prst="rect">
+            <a:avLst/>
+          </a:prstGeom>
+          <a:solidFill>
+            <a:srgbClr val="121216"/>
+          </a:solidFill>
+          <a:ln>
+            <a:noFill/>
+          </a:ln>
+          <a:effectLst>
+            <a:outerShdw blurRad="39960" dir="5400000" dist="23040" rotWithShape="0">
+              <a:srgbClr val="000000">
+                <a:alpha val="35000"/>
+              </a:srgbClr>
+            </a:outerShdw>
+          </a:effectLst>
+        </p:spPr>
+        <p:style>
+          <a:lnRef idx="1">
+            <a:schemeClr val="accent1"/>
+          </a:lnRef>
+          <a:fillRef idx="3">
+            <a:schemeClr val="accent1"/>
+          </a:fillRef>
+          <a:effectRef idx="2">
+            <a:schemeClr val="accent1"/>
+          </a:effectRef>
+          <a:fontRef idx="minor"/>
+        </p:style>
+        <p:txBody>
+          <a:bodyPr lIns="90000" rIns="90000" tIns="45000" bIns="45000" anchor="ctr">
+            <a:noAutofit/>
+          </a:bodyPr>
+          <a:p>
+            <a:endParaRPr b="0" lang="en-US" sz="1800" spc="-1" strike="noStrike">
+              <a:solidFill>
+                <a:schemeClr val="lt1"/>
+              </a:solidFill>
+              <a:latin typeface="Calibri"/>
+              <a:ea typeface="DejaVu Sans"/>
+            </a:endParaRPr>
+          </a:p>
+        </p:txBody>
+      </p:sp>
+      <p:sp>
+        <p:nvSpPr>
+          <p:cNvPr id="368" name="Rectangle 104"/>
+          <p:cNvSpPr/>
+          <p:nvPr/>
+        </p:nvSpPr>
+        <p:spPr>
+          <a:xfrm>
+            <a:off x="5486400" y="0"/>
+            <a:ext cx="16920" cy="6856560"/>
+          </a:xfrm>
+          <a:prstGeom prst="rect">
+            <a:avLst/>
+          </a:prstGeom>
+          <a:solidFill>
+            <a:srgbClr val="121216"/>
+          </a:solidFill>
+          <a:ln>
+            <a:noFill/>
+          </a:ln>
+          <a:effectLst>
+            <a:outerShdw blurRad="39960" dir="5400000" dist="23040" rotWithShape="0">
+              <a:srgbClr val="000000">
+                <a:alpha val="35000"/>
+              </a:srgbClr>
+            </a:outerShdw>
+          </a:effectLst>
+        </p:spPr>
+        <p:style>
+          <a:lnRef idx="1">
+            <a:schemeClr val="accent1"/>
+          </a:lnRef>
+          <a:fillRef idx="3">
+            <a:schemeClr val="accent1"/>
+          </a:fillRef>
+          <a:effectRef idx="2">
+            <a:schemeClr val="accent1"/>
+          </a:effectRef>
+          <a:fontRef idx="minor"/>
+        </p:style>
+        <p:txBody>
+          <a:bodyPr lIns="90000" rIns="90000" tIns="45000" bIns="45000" anchor="ctr">
+            <a:noAutofit/>
+          </a:bodyPr>
+          <a:p>
+            <a:endParaRPr b="0" lang="en-US" sz="1800" spc="-1" strike="noStrike">
+              <a:solidFill>
+                <a:schemeClr val="lt1"/>
+              </a:solidFill>
+              <a:latin typeface="Calibri"/>
+              <a:ea typeface="DejaVu Sans"/>
+            </a:endParaRPr>
+          </a:p>
+        </p:txBody>
+      </p:sp>
+      <p:sp>
+        <p:nvSpPr>
+          <p:cNvPr id="369" name="Rectangle 105"/>
+          <p:cNvSpPr/>
+          <p:nvPr/>
+        </p:nvSpPr>
+        <p:spPr>
+          <a:xfrm>
+            <a:off x="6400800" y="0"/>
+            <a:ext cx="16920" cy="6856560"/>
+          </a:xfrm>
+          <a:prstGeom prst="rect">
+            <a:avLst/>
+          </a:prstGeom>
+          <a:solidFill>
+            <a:srgbClr val="121216"/>
+          </a:solidFill>
+          <a:ln>
+            <a:noFill/>
+          </a:ln>
+          <a:effectLst>
+            <a:outerShdw blurRad="39960" dir="5400000" dist="23040" rotWithShape="0">
+              <a:srgbClr val="000000">
+                <a:alpha val="35000"/>
+              </a:srgbClr>
+            </a:outerShdw>
+          </a:effectLst>
+        </p:spPr>
+        <p:style>
+          <a:lnRef idx="1">
+            <a:schemeClr val="accent1"/>
+          </a:lnRef>
+          <a:fillRef idx="3">
+            <a:schemeClr val="accent1"/>
+          </a:fillRef>
+          <a:effectRef idx="2">
+            <a:schemeClr val="accent1"/>
+          </a:effectRef>
+          <a:fontRef idx="minor"/>
+        </p:style>
+        <p:txBody>
+          <a:bodyPr lIns="90000" rIns="90000" tIns="45000" bIns="45000" anchor="ctr">
+            <a:noAutofit/>
+          </a:bodyPr>
+          <a:p>
+            <a:endParaRPr b="0" lang="en-US" sz="1800" spc="-1" strike="noStrike">
+              <a:solidFill>
+                <a:schemeClr val="lt1"/>
+              </a:solidFill>
+              <a:latin typeface="Calibri"/>
+              <a:ea typeface="DejaVu Sans"/>
+            </a:endParaRPr>
+          </a:p>
+        </p:txBody>
+      </p:sp>
+      <p:sp>
+        <p:nvSpPr>
+          <p:cNvPr id="370" name="Rectangle 106"/>
+          <p:cNvSpPr/>
+          <p:nvPr/>
+        </p:nvSpPr>
+        <p:spPr>
+          <a:xfrm>
+            <a:off x="7315200" y="0"/>
+            <a:ext cx="16920" cy="6856560"/>
+          </a:xfrm>
+          <a:prstGeom prst="rect">
+            <a:avLst/>
+          </a:prstGeom>
+          <a:solidFill>
+            <a:srgbClr val="121216"/>
+          </a:solidFill>
+          <a:ln>
+            <a:noFill/>
+          </a:ln>
+          <a:effectLst>
+            <a:outerShdw blurRad="39960" dir="5400000" dist="23040" rotWithShape="0">
+              <a:srgbClr val="000000">
+                <a:alpha val="35000"/>
+              </a:srgbClr>
+            </a:outerShdw>
+          </a:effectLst>
+        </p:spPr>
+        <p:style>
+          <a:lnRef idx="1">
+            <a:schemeClr val="accent1"/>
+          </a:lnRef>
+          <a:fillRef idx="3">
+            <a:schemeClr val="accent1"/>
+          </a:fillRef>
+          <a:effectRef idx="2">
+            <a:schemeClr val="accent1"/>
+          </a:effectRef>
+          <a:fontRef idx="minor"/>
+        </p:style>
+        <p:txBody>
+          <a:bodyPr lIns="90000" rIns="90000" tIns="45000" bIns="45000" anchor="ctr">
+            <a:noAutofit/>
+          </a:bodyPr>
+          <a:p>
+            <a:endParaRPr b="0" lang="en-US" sz="1800" spc="-1" strike="noStrike">
+              <a:solidFill>
+                <a:schemeClr val="lt1"/>
+              </a:solidFill>
+              <a:latin typeface="Calibri"/>
+              <a:ea typeface="DejaVu Sans"/>
+            </a:endParaRPr>
+          </a:p>
+        </p:txBody>
+      </p:sp>
+      <p:sp>
+        <p:nvSpPr>
+          <p:cNvPr id="371" name="Rectangle 107"/>
+          <p:cNvSpPr/>
+          <p:nvPr/>
+        </p:nvSpPr>
+        <p:spPr>
+          <a:xfrm>
+            <a:off x="8229600" y="0"/>
+            <a:ext cx="16920" cy="6856560"/>
+          </a:xfrm>
+          <a:prstGeom prst="rect">
+            <a:avLst/>
+          </a:prstGeom>
+          <a:solidFill>
+            <a:srgbClr val="121216"/>
+          </a:solidFill>
+          <a:ln>
+            <a:noFill/>
+          </a:ln>
+          <a:effectLst>
+            <a:outerShdw blurRad="39960" dir="5400000" dist="23040" rotWithShape="0">
+              <a:srgbClr val="000000">
+                <a:alpha val="35000"/>
+              </a:srgbClr>
+            </a:outerShdw>
+          </a:effectLst>
+        </p:spPr>
+        <p:style>
+          <a:lnRef idx="1">
+            <a:schemeClr val="accent1"/>
+          </a:lnRef>
+          <a:fillRef idx="3">
+            <a:schemeClr val="accent1"/>
+          </a:fillRef>
+          <a:effectRef idx="2">
+            <a:schemeClr val="accent1"/>
+          </a:effectRef>
+          <a:fontRef idx="minor"/>
+        </p:style>
+        <p:txBody>
+          <a:bodyPr lIns="90000" rIns="90000" tIns="45000" bIns="45000" anchor="ctr">
+            <a:noAutofit/>
+          </a:bodyPr>
+          <a:p>
+            <a:endParaRPr b="0" lang="en-US" sz="1800" spc="-1" strike="noStrike">
+              <a:solidFill>
+                <a:schemeClr val="lt1"/>
+              </a:solidFill>
+              <a:latin typeface="Calibri"/>
+              <a:ea typeface="DejaVu Sans"/>
+            </a:endParaRPr>
+          </a:p>
+        </p:txBody>
+      </p:sp>
+      <p:sp>
+        <p:nvSpPr>
+          <p:cNvPr id="372" name="Rectangle 108"/>
+          <p:cNvSpPr/>
+          <p:nvPr/>
+        </p:nvSpPr>
+        <p:spPr>
+          <a:xfrm>
+            <a:off x="9144000" y="0"/>
+            <a:ext cx="16920" cy="6856560"/>
+          </a:xfrm>
+          <a:prstGeom prst="rect">
+            <a:avLst/>
+          </a:prstGeom>
+          <a:solidFill>
+            <a:srgbClr val="121216"/>
+          </a:solidFill>
+          <a:ln>
+            <a:noFill/>
+          </a:ln>
+          <a:effectLst>
+            <a:outerShdw blurRad="39960" dir="5400000" dist="23040" rotWithShape="0">
+              <a:srgbClr val="000000">
+                <a:alpha val="35000"/>
+              </a:srgbClr>
+            </a:outerShdw>
+          </a:effectLst>
+        </p:spPr>
+        <p:style>
+          <a:lnRef idx="1">
+            <a:schemeClr val="accent1"/>
+          </a:lnRef>
+          <a:fillRef idx="3">
+            <a:schemeClr val="accent1"/>
+          </a:fillRef>
+          <a:effectRef idx="2">
+            <a:schemeClr val="accent1"/>
+          </a:effectRef>
+          <a:fontRef idx="minor"/>
+        </p:style>
+        <p:txBody>
+          <a:bodyPr lIns="90000" rIns="90000" tIns="45000" bIns="45000" anchor="ctr">
+            <a:noAutofit/>
+          </a:bodyPr>
+          <a:p>
+            <a:endParaRPr b="0" lang="en-US" sz="1800" spc="-1" strike="noStrike">
+              <a:solidFill>
+                <a:schemeClr val="lt1"/>
+              </a:solidFill>
+              <a:latin typeface="Calibri"/>
+              <a:ea typeface="DejaVu Sans"/>
+            </a:endParaRPr>
+          </a:p>
+        </p:txBody>
+      </p:sp>
+      <p:sp>
+        <p:nvSpPr>
+          <p:cNvPr id="373" name="Rectangle 109"/>
+          <p:cNvSpPr/>
+          <p:nvPr/>
+        </p:nvSpPr>
+        <p:spPr>
+          <a:xfrm>
+            <a:off x="10058400" y="0"/>
+            <a:ext cx="16920" cy="6856560"/>
+          </a:xfrm>
+          <a:prstGeom prst="rect">
+            <a:avLst/>
+          </a:prstGeom>
+          <a:solidFill>
+            <a:srgbClr val="121216"/>
+          </a:solidFill>
+          <a:ln>
+            <a:noFill/>
+          </a:ln>
+          <a:effectLst>
+            <a:outerShdw blurRad="39960" dir="5400000" dist="23040" rotWithShape="0">
+              <a:srgbClr val="000000">
+                <a:alpha val="35000"/>
+              </a:srgbClr>
+            </a:outerShdw>
+          </a:effectLst>
+        </p:spPr>
+        <p:style>
+          <a:lnRef idx="1">
+            <a:schemeClr val="accent1"/>
+          </a:lnRef>
+          <a:fillRef idx="3">
+            <a:schemeClr val="accent1"/>
+          </a:fillRef>
+          <a:effectRef idx="2">
+            <a:schemeClr val="accent1"/>
+          </a:effectRef>
+          <a:fontRef idx="minor"/>
+        </p:style>
+        <p:txBody>
+          <a:bodyPr lIns="90000" rIns="90000" tIns="45000" bIns="45000" anchor="ctr">
+            <a:noAutofit/>
+          </a:bodyPr>
+          <a:p>
+            <a:endParaRPr b="0" lang="en-US" sz="1800" spc="-1" strike="noStrike">
+              <a:solidFill>
+                <a:schemeClr val="lt1"/>
+              </a:solidFill>
+              <a:latin typeface="Calibri"/>
+              <a:ea typeface="DejaVu Sans"/>
+            </a:endParaRPr>
+          </a:p>
+        </p:txBody>
+      </p:sp>
+      <p:sp>
+        <p:nvSpPr>
+          <p:cNvPr id="374" name="Rectangle 110"/>
+          <p:cNvSpPr/>
+          <p:nvPr/>
+        </p:nvSpPr>
+        <p:spPr>
+          <a:xfrm>
+            <a:off x="10972800" y="0"/>
+            <a:ext cx="16920" cy="6856560"/>
+          </a:xfrm>
+          <a:prstGeom prst="rect">
+            <a:avLst/>
+          </a:prstGeom>
+          <a:solidFill>
+            <a:srgbClr val="121216"/>
+          </a:solidFill>
+          <a:ln>
+            <a:noFill/>
+          </a:ln>
+          <a:effectLst>
+            <a:outerShdw blurRad="39960" dir="5400000" dist="23040" rotWithShape="0">
+              <a:srgbClr val="000000">
+                <a:alpha val="35000"/>
+              </a:srgbClr>
+            </a:outerShdw>
+          </a:effectLst>
+        </p:spPr>
+        <p:style>
+          <a:lnRef idx="1">
+            <a:schemeClr val="accent1"/>
+          </a:lnRef>
+          <a:fillRef idx="3">
+            <a:schemeClr val="accent1"/>
+          </a:fillRef>
+          <a:effectRef idx="2">
+            <a:schemeClr val="accent1"/>
+          </a:effectRef>
+          <a:fontRef idx="minor"/>
+        </p:style>
+        <p:txBody>
+          <a:bodyPr lIns="90000" rIns="90000" tIns="45000" bIns="45000" anchor="ctr">
+            <a:noAutofit/>
+          </a:bodyPr>
+          <a:p>
+            <a:endParaRPr b="0" lang="en-US" sz="1800" spc="-1" strike="noStrike">
+              <a:solidFill>
+                <a:schemeClr val="lt1"/>
+              </a:solidFill>
+              <a:latin typeface="Calibri"/>
+              <a:ea typeface="DejaVu Sans"/>
+            </a:endParaRPr>
+          </a:p>
+        </p:txBody>
+      </p:sp>
+      <p:sp>
+        <p:nvSpPr>
+          <p:cNvPr id="375" name="Rectangle 111"/>
+          <p:cNvSpPr/>
+          <p:nvPr/>
+        </p:nvSpPr>
+        <p:spPr>
+          <a:xfrm>
+            <a:off x="11887200" y="0"/>
+            <a:ext cx="16920" cy="6856560"/>
+          </a:xfrm>
+          <a:prstGeom prst="rect">
+            <a:avLst/>
+          </a:prstGeom>
+          <a:solidFill>
+            <a:srgbClr val="121216"/>
+          </a:solidFill>
+          <a:ln>
+            <a:noFill/>
+          </a:ln>
+          <a:effectLst>
+            <a:outerShdw blurRad="39960" dir="5400000" dist="23040" rotWithShape="0">
+              <a:srgbClr val="000000">
+                <a:alpha val="35000"/>
+              </a:srgbClr>
+            </a:outerShdw>
+          </a:effectLst>
+        </p:spPr>
+        <p:style>
+          <a:lnRef idx="1">
+            <a:schemeClr val="accent1"/>
+          </a:lnRef>
+          <a:fillRef idx="3">
+            <a:schemeClr val="accent1"/>
+          </a:fillRef>
+          <a:effectRef idx="2">
+            <a:schemeClr val="accent1"/>
+          </a:effectRef>
+          <a:fontRef idx="minor"/>
+        </p:style>
+        <p:txBody>
+          <a:bodyPr lIns="90000" rIns="90000" tIns="45000" bIns="45000" anchor="ctr">
+            <a:noAutofit/>
+          </a:bodyPr>
+          <a:p>
+            <a:endParaRPr b="0" lang="en-US" sz="1800" spc="-1" strike="noStrike">
+              <a:solidFill>
+                <a:schemeClr val="lt1"/>
+              </a:solidFill>
+              <a:latin typeface="Calibri"/>
+              <a:ea typeface="DejaVu Sans"/>
+            </a:endParaRPr>
+          </a:p>
+        </p:txBody>
+      </p:sp>
+      <p:sp>
+        <p:nvSpPr>
+          <p:cNvPr id="376" name="Rectangle 112"/>
+          <p:cNvSpPr/>
+          <p:nvPr/>
+        </p:nvSpPr>
+        <p:spPr>
+          <a:xfrm>
+            <a:off x="0" y="0"/>
+            <a:ext cx="318600" cy="6856560"/>
+          </a:xfrm>
+          <a:prstGeom prst="rect">
+            <a:avLst/>
+          </a:prstGeom>
+          <a:solidFill>
+            <a:srgbClr val="ff8c00"/>
+          </a:solidFill>
+          <a:ln>
+            <a:noFill/>
+          </a:ln>
+          <a:effectLst>
+            <a:outerShdw blurRad="39960" dir="5400000" dist="23040" rotWithShape="0">
+              <a:srgbClr val="000000">
+                <a:alpha val="35000"/>
+              </a:srgbClr>
+            </a:outerShdw>
+          </a:effectLst>
+        </p:spPr>
+        <p:style>
+          <a:lnRef idx="1">
+            <a:schemeClr val="accent1"/>
+          </a:lnRef>
+          <a:fillRef idx="3">
+            <a:schemeClr val="accent1"/>
+          </a:fillRef>
+          <a:effectRef idx="2">
+            <a:schemeClr val="accent1"/>
+          </a:effectRef>
+          <a:fontRef idx="minor"/>
+        </p:style>
+        <p:txBody>
+          <a:bodyPr lIns="90000" rIns="90000" tIns="45000" bIns="45000" anchor="ctr">
+            <a:noAutofit/>
+          </a:bodyPr>
+          <a:p>
+            <a:endParaRPr b="0" lang="en-US" sz="1800" spc="-1" strike="noStrike">
+              <a:solidFill>
+                <a:schemeClr val="lt1"/>
+              </a:solidFill>
+              <a:latin typeface="Calibri"/>
+              <a:ea typeface="DejaVu Sans"/>
+            </a:endParaRPr>
+          </a:p>
+        </p:txBody>
+      </p:sp>
+      <p:sp>
+        <p:nvSpPr>
+          <p:cNvPr id="377" name="Rounded Rectangle 50"/>
+          <p:cNvSpPr/>
+          <p:nvPr/>
+        </p:nvSpPr>
+        <p:spPr>
+          <a:xfrm>
+            <a:off x="9875520" y="365760"/>
+            <a:ext cx="2010240" cy="501480"/>
+          </a:xfrm>
+          <a:prstGeom prst="roundRect">
+            <a:avLst>
+              <a:gd name="adj" fmla="val 16667"/>
+            </a:avLst>
+          </a:prstGeom>
+          <a:solidFill>
+            <a:srgbClr val="1e1e24"/>
+          </a:solidFill>
+          <a:ln>
+            <a:solidFill>
+              <a:srgbClr val="ff8c00"/>
+            </a:solidFill>
+            <a:round/>
+          </a:ln>
+          <a:effectLst>
+            <a:outerShdw blurRad="39960" dir="5400000" dist="23040" rotWithShape="0">
+              <a:srgbClr val="000000">
+                <a:alpha val="35000"/>
+              </a:srgbClr>
+            </a:outerShdw>
+          </a:effectLst>
+        </p:spPr>
+        <p:style>
+          <a:lnRef idx="1">
+            <a:schemeClr val="accent1"/>
+          </a:lnRef>
+          <a:fillRef idx="3">
+            <a:schemeClr val="accent1"/>
+          </a:fillRef>
+          <a:effectRef idx="2">
+            <a:schemeClr val="accent1"/>
+          </a:effectRef>
+          <a:fontRef idx="minor"/>
+        </p:style>
+        <p:txBody>
+          <a:bodyPr lIns="90000" rIns="90000" tIns="45000" bIns="45000" anchor="ctr">
+            <a:noAutofit/>
+          </a:bodyPr>
+          <a:p>
+            <a:pPr algn="ctr">
+              <a:lnSpc>
+                <a:spcPct val="100000"/>
+              </a:lnSpc>
+            </a:pPr>
+            <a:r>
+              <a:rPr b="1" lang="en-US" sz="1400" spc="-1" strike="noStrike">
+                <a:solidFill>
+                  <a:srgbClr val="ffb45a"/>
+                </a:solidFill>
+                <a:latin typeface="Calibri"/>
+                <a:ea typeface="DejaVu Sans"/>
+              </a:rPr>
+              <a:t>JAVA TEMELLERI</a:t>
+            </a:r>
+            <a:endParaRPr b="0" lang="en-US" sz="1400" spc="-1" strike="noStrike">
+              <a:solidFill>
+                <a:srgbClr val="ffffff"/>
+              </a:solidFill>
+              <a:latin typeface="Arial"/>
+            </a:endParaRPr>
+          </a:p>
+        </p:txBody>
+      </p:sp>
+      <p:sp>
+        <p:nvSpPr>
+          <p:cNvPr id="378" name="TextBox 21"/>
+          <p:cNvSpPr/>
+          <p:nvPr/>
+        </p:nvSpPr>
+        <p:spPr>
+          <a:xfrm>
+            <a:off x="1706400" y="1005840"/>
+            <a:ext cx="7558920" cy="638280"/>
+          </a:xfrm>
+          <a:prstGeom prst="rect">
+            <a:avLst/>
+          </a:prstGeom>
+          <a:noFill/>
+          <a:ln w="0">
+            <a:noFill/>
+          </a:ln>
+        </p:spPr>
+        <p:style>
+          <a:lnRef idx="0"/>
+          <a:fillRef idx="0"/>
+          <a:effectRef idx="0"/>
+          <a:fontRef idx="minor"/>
+        </p:style>
+        <p:txBody>
+          <a:bodyPr wrap="none" lIns="90000" rIns="90000" tIns="45000" bIns="45000" anchor="t">
+            <a:spAutoFit/>
+          </a:bodyPr>
+          <a:p>
+            <a:pPr>
+              <a:lnSpc>
+                <a:spcPct val="100000"/>
+              </a:lnSpc>
+            </a:pPr>
+            <a:r>
+              <a:rPr b="1" lang="en-US" sz="3600" spc="-1" strike="noStrike">
+                <a:solidFill>
+                  <a:srgbClr val="f5f5f5"/>
+                </a:solidFill>
+                <a:latin typeface="Calibri"/>
+                <a:ea typeface="DejaVu Sans"/>
+              </a:rPr>
+              <a:t>JAVA KURULDUKTAN SONRA NE OLUR?</a:t>
+            </a:r>
+            <a:endParaRPr b="0" lang="en-US" sz="3600" spc="-1" strike="noStrike">
+              <a:solidFill>
+                <a:srgbClr val="000000"/>
+              </a:solidFill>
+              <a:latin typeface="Arial"/>
+            </a:endParaRPr>
+          </a:p>
+        </p:txBody>
+      </p:sp>
+      <p:sp>
+        <p:nvSpPr>
+          <p:cNvPr id="379" name="TextBox 22"/>
+          <p:cNvSpPr/>
+          <p:nvPr/>
+        </p:nvSpPr>
+        <p:spPr>
+          <a:xfrm>
+            <a:off x="4241160" y="2194560"/>
+            <a:ext cx="2496240" cy="333720"/>
+          </a:xfrm>
+          <a:prstGeom prst="rect">
+            <a:avLst/>
+          </a:prstGeom>
+          <a:noFill/>
+          <a:ln w="0">
+            <a:noFill/>
+          </a:ln>
+        </p:spPr>
+        <p:style>
+          <a:lnRef idx="0"/>
+          <a:fillRef idx="0"/>
+          <a:effectRef idx="0"/>
+          <a:fontRef idx="minor"/>
+        </p:style>
+        <p:txBody>
+          <a:bodyPr wrap="none" lIns="90000" rIns="90000" tIns="45000" bIns="45000" anchor="t">
+            <a:spAutoFit/>
+          </a:bodyPr>
+          <a:p>
+            <a:pPr>
+              <a:lnSpc>
+                <a:spcPct val="100000"/>
+              </a:lnSpc>
+            </a:pPr>
+            <a:r>
+              <a:rPr b="0" lang="en-US" sz="1600" spc="-1" strike="noStrike">
+                <a:solidFill>
+                  <a:srgbClr val="aaaaaa"/>
+                </a:solidFill>
+                <a:latin typeface="Calibri"/>
+                <a:ea typeface="DejaVu Sans"/>
+              </a:rPr>
+              <a:t>Ortam Kurulumundan Sonra</a:t>
+            </a:r>
+            <a:endParaRPr b="0" lang="en-US" sz="1600" spc="-1" strike="noStrike">
+              <a:solidFill>
+                <a:srgbClr val="000000"/>
+              </a:solidFill>
+              <a:latin typeface="Arial"/>
+            </a:endParaRPr>
+          </a:p>
+        </p:txBody>
+      </p:sp>
+      <p:sp>
+        <p:nvSpPr>
+          <p:cNvPr id="380" name="Rounded Rectangle 51"/>
+          <p:cNvSpPr/>
+          <p:nvPr/>
+        </p:nvSpPr>
+        <p:spPr>
+          <a:xfrm>
+            <a:off x="987480" y="3182040"/>
+            <a:ext cx="3290400" cy="2741760"/>
+          </a:xfrm>
+          <a:prstGeom prst="roundRect">
+            <a:avLst>
+              <a:gd name="adj" fmla="val 16667"/>
+            </a:avLst>
+          </a:prstGeom>
+          <a:solidFill>
+            <a:srgbClr val="08080a"/>
+          </a:solidFill>
+          <a:ln>
+            <a:noFill/>
+          </a:ln>
+          <a:effectLst>
+            <a:outerShdw blurRad="39960" dir="5400000" dist="23040" rotWithShape="0">
+              <a:srgbClr val="000000">
+                <a:alpha val="35000"/>
+              </a:srgbClr>
+            </a:outerShdw>
+          </a:effectLst>
+        </p:spPr>
+        <p:style>
+          <a:lnRef idx="1">
+            <a:schemeClr val="accent1"/>
+          </a:lnRef>
+          <a:fillRef idx="3">
+            <a:schemeClr val="accent1"/>
+          </a:fillRef>
+          <a:effectRef idx="2">
+            <a:schemeClr val="accent1"/>
+          </a:effectRef>
+          <a:fontRef idx="minor"/>
+        </p:style>
+        <p:txBody>
+          <a:bodyPr lIns="90000" rIns="90000" tIns="45000" bIns="45000" anchor="ctr">
+            <a:noAutofit/>
+          </a:bodyPr>
+          <a:p>
+            <a:endParaRPr b="0" lang="en-US" sz="1800" spc="-1" strike="noStrike">
+              <a:solidFill>
+                <a:schemeClr val="lt1"/>
+              </a:solidFill>
+              <a:latin typeface="Calibri"/>
+              <a:ea typeface="DejaVu Sans"/>
+            </a:endParaRPr>
+          </a:p>
+        </p:txBody>
+      </p:sp>
+      <p:sp>
+        <p:nvSpPr>
+          <p:cNvPr id="381" name="Rounded Rectangle 52"/>
+          <p:cNvSpPr/>
+          <p:nvPr/>
+        </p:nvSpPr>
+        <p:spPr>
+          <a:xfrm>
+            <a:off x="914400" y="3108960"/>
+            <a:ext cx="3290400" cy="2741760"/>
+          </a:xfrm>
+          <a:prstGeom prst="roundRect">
+            <a:avLst>
+              <a:gd name="adj" fmla="val 16667"/>
+            </a:avLst>
+          </a:prstGeom>
+          <a:solidFill>
+            <a:srgbClr val="16161c"/>
+          </a:solidFill>
+          <a:ln>
+            <a:solidFill>
+              <a:srgbClr val="464655"/>
+            </a:solidFill>
+            <a:round/>
+          </a:ln>
+          <a:effectLst>
+            <a:outerShdw blurRad="39960" dir="5400000" dist="23040" rotWithShape="0">
+              <a:srgbClr val="000000">
+                <a:alpha val="35000"/>
+              </a:srgbClr>
+            </a:outerShdw>
+          </a:effectLst>
+        </p:spPr>
+        <p:style>
+          <a:lnRef idx="1">
+            <a:schemeClr val="accent1"/>
+          </a:lnRef>
+          <a:fillRef idx="3">
+            <a:schemeClr val="accent1"/>
+          </a:fillRef>
+          <a:effectRef idx="2">
+            <a:schemeClr val="accent1"/>
+          </a:effectRef>
+          <a:fontRef idx="minor"/>
+        </p:style>
+        <p:txBody>
+          <a:bodyPr lIns="90000" rIns="90000" tIns="45000" bIns="45000" anchor="ctr">
+            <a:noAutofit/>
+          </a:bodyPr>
+          <a:p>
+            <a:pPr>
+              <a:lnSpc>
+                <a:spcPct val="100000"/>
+              </a:lnSpc>
+            </a:pPr>
+            <a:r>
+              <a:rPr b="1" lang="en-US" sz="1200" spc="-1" strike="noStrike">
+                <a:solidFill>
+                  <a:schemeClr val="lt1"/>
+                </a:solidFill>
+                <a:latin typeface="Calibri"/>
+                <a:ea typeface="DejaVu Sans"/>
+              </a:rPr>
+              <a:t>Java kurulduktan ve yapılandırıldıktan sonra, sisteminiz artık Java programlarını derleyip çalıştırmaya hazırdır.</a:t>
+            </a:r>
+            <a:endParaRPr b="0" lang="en-US" sz="1200" spc="-1" strike="noStrike">
+              <a:solidFill>
+                <a:srgbClr val="ffffff"/>
+              </a:solidFill>
+              <a:latin typeface="Arial"/>
+            </a:endParaRPr>
+          </a:p>
+          <a:p>
+            <a:pPr>
+              <a:lnSpc>
+                <a:spcPct val="100000"/>
+              </a:lnSpc>
+            </a:pPr>
+            <a:endParaRPr b="0" lang="en-US" sz="1200" spc="-1" strike="noStrike">
+              <a:solidFill>
+                <a:srgbClr val="ffffff"/>
+              </a:solidFill>
+              <a:latin typeface="Arial"/>
+            </a:endParaRPr>
+          </a:p>
+          <a:p>
+            <a:pPr marL="216000" indent="-216000">
+              <a:lnSpc>
+                <a:spcPct val="100000"/>
+              </a:lnSpc>
+              <a:buClr>
+                <a:srgbClr val="ffffff"/>
+              </a:buClr>
+              <a:buFont typeface="Wingdings" charset="2"/>
+              <a:buChar char=""/>
+            </a:pPr>
+            <a:r>
+              <a:rPr b="1" lang="en-US" sz="1200" spc="-1" strike="noStrike">
+                <a:solidFill>
+                  <a:schemeClr val="lt1"/>
+                </a:solidFill>
+                <a:latin typeface="Calibri"/>
+                <a:ea typeface="DejaVu Sans"/>
+              </a:rPr>
+              <a:t>.java uzantılı kaynak dosyalar oluşturabilirsiniz</a:t>
+            </a:r>
+            <a:endParaRPr b="0" lang="en-US" sz="1200" spc="-1" strike="noStrike">
+              <a:solidFill>
+                <a:srgbClr val="ffffff"/>
+              </a:solidFill>
+              <a:latin typeface="Arial"/>
+            </a:endParaRPr>
+          </a:p>
+          <a:p>
+            <a:pPr marL="216000" indent="-216000">
+              <a:lnSpc>
+                <a:spcPct val="100000"/>
+              </a:lnSpc>
+              <a:buClr>
+                <a:srgbClr val="ffffff"/>
+              </a:buClr>
+              <a:buFont typeface="Wingdings" charset="2"/>
+              <a:buChar char=""/>
+            </a:pPr>
+            <a:r>
+              <a:rPr b="1" lang="en-US" sz="1200" spc="-1" strike="noStrike">
+                <a:solidFill>
+                  <a:schemeClr val="lt1"/>
+                </a:solidFill>
+                <a:latin typeface="Calibri"/>
+                <a:ea typeface="DejaVu Sans"/>
+              </a:rPr>
+              <a:t>javac derleyicisi, kaynak kodu bytecode (.class) dosyasına çevirir</a:t>
+            </a:r>
+            <a:endParaRPr b="0" lang="en-US" sz="1200" spc="-1" strike="noStrike">
+              <a:solidFill>
+                <a:srgbClr val="ffffff"/>
+              </a:solidFill>
+              <a:latin typeface="Arial"/>
+            </a:endParaRPr>
+          </a:p>
+          <a:p>
+            <a:pPr marL="216000" indent="-216000">
+              <a:lnSpc>
+                <a:spcPct val="100000"/>
+              </a:lnSpc>
+              <a:buClr>
+                <a:srgbClr val="ffffff"/>
+              </a:buClr>
+              <a:buFont typeface="Wingdings" charset="2"/>
+              <a:buChar char=""/>
+            </a:pPr>
+            <a:r>
+              <a:rPr b="1" lang="en-US" sz="1200" spc="-1" strike="noStrike">
+                <a:solidFill>
+                  <a:schemeClr val="lt1"/>
+                </a:solidFill>
+                <a:latin typeface="Calibri"/>
+                <a:ea typeface="DejaVu Sans"/>
+              </a:rPr>
+              <a:t>JVM, bu bytecode'u çalıştırır</a:t>
+            </a:r>
+            <a:endParaRPr b="0" lang="en-US" sz="1200" spc="-1" strike="noStrike">
+              <a:solidFill>
+                <a:srgbClr val="ffffff"/>
+              </a:solidFill>
+              <a:latin typeface="Arial"/>
+            </a:endParaRPr>
+          </a:p>
+          <a:p>
+            <a:pPr>
+              <a:lnSpc>
+                <a:spcPct val="100000"/>
+              </a:lnSpc>
+            </a:pPr>
+            <a:endParaRPr b="0" lang="en-US" sz="1200" spc="-1" strike="noStrike">
+              <a:solidFill>
+                <a:srgbClr val="ffffff"/>
+              </a:solidFill>
+              <a:latin typeface="Arial"/>
+            </a:endParaRPr>
+          </a:p>
+          <a:p>
+            <a:pPr>
+              <a:lnSpc>
+                <a:spcPct val="100000"/>
+              </a:lnSpc>
+            </a:pPr>
+            <a:r>
+              <a:rPr b="1" lang="en-US" sz="1200" spc="-1" strike="noStrike">
+                <a:solidFill>
+                  <a:schemeClr val="lt1"/>
+                </a:solidFill>
+                <a:latin typeface="Calibri"/>
+                <a:ea typeface="DejaVu Sans"/>
+              </a:rPr>
+              <a:t>Programınız artık JVM bulunan herhangi bir sistemde çalışabilir.</a:t>
+            </a:r>
+            <a:endParaRPr b="0" lang="en-US" sz="1200" spc="-1" strike="noStrike">
+              <a:solidFill>
+                <a:srgbClr val="ffffff"/>
+              </a:solidFill>
+              <a:latin typeface="Arial"/>
+            </a:endParaRPr>
+          </a:p>
+          <a:p>
+            <a:pPr>
+              <a:lnSpc>
+                <a:spcPct val="100000"/>
+              </a:lnSpc>
+            </a:pPr>
+            <a:r>
+              <a:rPr b="1" lang="en-US" sz="1200" spc="-1" strike="noStrike">
+                <a:solidFill>
+                  <a:schemeClr val="lt1"/>
+                </a:solidFill>
+                <a:latin typeface="Calibri"/>
+                <a:ea typeface="DejaVu Sans"/>
+              </a:rPr>
+              <a:t>Kurulum tamamlandı — artık Java geliştirmeye başlayabilirsiniz.</a:t>
+            </a:r>
+            <a:endParaRPr b="0" lang="en-US" sz="1200" spc="-1" strike="noStrike">
+              <a:solidFill>
+                <a:srgbClr val="ffffff"/>
+              </a:solidFill>
+              <a:latin typeface="Arial"/>
+            </a:endParaRPr>
+          </a:p>
+        </p:txBody>
+      </p:sp>
+      <p:sp>
+        <p:nvSpPr>
+          <p:cNvPr id="382" name="Rounded Rectangle 53"/>
+          <p:cNvSpPr/>
+          <p:nvPr/>
+        </p:nvSpPr>
+        <p:spPr>
+          <a:xfrm>
+            <a:off x="4507920" y="3182040"/>
+            <a:ext cx="3290400" cy="2741760"/>
+          </a:xfrm>
+          <a:prstGeom prst="roundRect">
+            <a:avLst>
+              <a:gd name="adj" fmla="val 16667"/>
+            </a:avLst>
+          </a:prstGeom>
+          <a:solidFill>
+            <a:srgbClr val="08080a"/>
+          </a:solidFill>
+          <a:ln>
+            <a:noFill/>
+          </a:ln>
+          <a:effectLst>
+            <a:outerShdw blurRad="39960" dir="5400000" dist="23040" rotWithShape="0">
+              <a:srgbClr val="000000">
+                <a:alpha val="35000"/>
+              </a:srgbClr>
+            </a:outerShdw>
+          </a:effectLst>
+        </p:spPr>
+        <p:style>
+          <a:lnRef idx="1">
+            <a:schemeClr val="accent1"/>
+          </a:lnRef>
+          <a:fillRef idx="3">
+            <a:schemeClr val="accent1"/>
+          </a:fillRef>
+          <a:effectRef idx="2">
+            <a:schemeClr val="accent1"/>
+          </a:effectRef>
+          <a:fontRef idx="minor"/>
+        </p:style>
+        <p:txBody>
+          <a:bodyPr lIns="90000" rIns="90000" tIns="45000" bIns="45000" anchor="ctr">
+            <a:noAutofit/>
+          </a:bodyPr>
+          <a:p>
+            <a:endParaRPr b="0" lang="en-US" sz="1800" spc="-1" strike="noStrike">
+              <a:solidFill>
+                <a:schemeClr val="lt1"/>
+              </a:solidFill>
+              <a:latin typeface="Calibri"/>
+              <a:ea typeface="DejaVu Sans"/>
+            </a:endParaRPr>
+          </a:p>
+        </p:txBody>
+      </p:sp>
+      <p:sp>
+        <p:nvSpPr>
+          <p:cNvPr id="383" name="Rounded Rectangle 54"/>
+          <p:cNvSpPr/>
+          <p:nvPr/>
+        </p:nvSpPr>
+        <p:spPr>
+          <a:xfrm>
+            <a:off x="4434840" y="3108960"/>
+            <a:ext cx="3290400" cy="2741760"/>
+          </a:xfrm>
+          <a:prstGeom prst="roundRect">
+            <a:avLst>
+              <a:gd name="adj" fmla="val 16667"/>
+            </a:avLst>
+          </a:prstGeom>
+          <a:solidFill>
+            <a:srgbClr val="16161c"/>
+          </a:solidFill>
+          <a:ln>
+            <a:solidFill>
+              <a:srgbClr val="464655"/>
+            </a:solidFill>
+            <a:round/>
+          </a:ln>
+          <a:effectLst>
+            <a:outerShdw blurRad="39960" dir="5400000" dist="23040" rotWithShape="0">
+              <a:srgbClr val="000000">
+                <a:alpha val="35000"/>
+              </a:srgbClr>
+            </a:outerShdw>
+          </a:effectLst>
+        </p:spPr>
+        <p:style>
+          <a:lnRef idx="1">
+            <a:schemeClr val="accent1"/>
+          </a:lnRef>
+          <a:fillRef idx="3">
+            <a:schemeClr val="accent1"/>
+          </a:fillRef>
+          <a:effectRef idx="2">
+            <a:schemeClr val="accent1"/>
+          </a:effectRef>
+          <a:fontRef idx="minor"/>
+        </p:style>
+        <p:txBody>
+          <a:bodyPr lIns="90000" rIns="90000" tIns="45000" bIns="45000" anchor="ctr">
+            <a:noAutofit/>
+          </a:bodyPr>
+          <a:p>
+            <a:pPr>
+              <a:lnSpc>
+                <a:spcPct val="100000"/>
+              </a:lnSpc>
+            </a:pPr>
+            <a:r>
+              <a:rPr b="0" lang="en-US" sz="1600" spc="-1" strike="noStrike">
+                <a:solidFill>
+                  <a:schemeClr val="lt1"/>
+                </a:solidFill>
+                <a:latin typeface="Calibri"/>
+                <a:ea typeface="DejaVu Sans"/>
+              </a:rPr>
+              <a:t>Java Kodu Yaz (.java)</a:t>
+            </a:r>
+            <a:endParaRPr b="0" lang="en-US" sz="1600" spc="-1" strike="noStrike">
+              <a:solidFill>
+                <a:srgbClr val="ffffff"/>
+              </a:solidFill>
+              <a:latin typeface="Arial"/>
+            </a:endParaRPr>
+          </a:p>
+          <a:p>
+            <a:pPr>
+              <a:lnSpc>
+                <a:spcPct val="100000"/>
+              </a:lnSpc>
+            </a:pPr>
+            <a:r>
+              <a:rPr b="0" lang="en-US" sz="1600" spc="-1" strike="noStrike">
+                <a:solidFill>
+                  <a:schemeClr val="lt1"/>
+                </a:solidFill>
+                <a:latin typeface="Calibri"/>
+                <a:ea typeface="DejaVu Sans"/>
+              </a:rPr>
+              <a:t>⬇</a:t>
+            </a:r>
+            <a:endParaRPr b="0" lang="en-US" sz="1600" spc="-1" strike="noStrike">
+              <a:solidFill>
+                <a:srgbClr val="ffffff"/>
+              </a:solidFill>
+              <a:latin typeface="Arial"/>
+            </a:endParaRPr>
+          </a:p>
+          <a:p>
+            <a:pPr>
+              <a:lnSpc>
+                <a:spcPct val="100000"/>
+              </a:lnSpc>
+            </a:pPr>
+            <a:r>
+              <a:rPr b="0" lang="en-US" sz="1600" spc="-1" strike="noStrike">
+                <a:solidFill>
+                  <a:schemeClr val="lt1"/>
+                </a:solidFill>
+                <a:latin typeface="Calibri"/>
+                <a:ea typeface="DejaVu Sans"/>
+              </a:rPr>
+              <a:t>javac ile Derle</a:t>
+            </a:r>
+            <a:endParaRPr b="0" lang="en-US" sz="1600" spc="-1" strike="noStrike">
+              <a:solidFill>
+                <a:srgbClr val="ffffff"/>
+              </a:solidFill>
+              <a:latin typeface="Arial"/>
+            </a:endParaRPr>
+          </a:p>
+          <a:p>
+            <a:pPr>
+              <a:lnSpc>
+                <a:spcPct val="100000"/>
+              </a:lnSpc>
+            </a:pPr>
+            <a:r>
+              <a:rPr b="0" lang="en-US" sz="1600" spc="-1" strike="noStrike">
+                <a:solidFill>
+                  <a:schemeClr val="lt1"/>
+                </a:solidFill>
+                <a:latin typeface="Calibri"/>
+                <a:ea typeface="DejaVu Sans"/>
+              </a:rPr>
+              <a:t>⬇</a:t>
+            </a:r>
+            <a:endParaRPr b="0" lang="en-US" sz="1600" spc="-1" strike="noStrike">
+              <a:solidFill>
+                <a:srgbClr val="ffffff"/>
+              </a:solidFill>
+              <a:latin typeface="Arial"/>
+            </a:endParaRPr>
+          </a:p>
+          <a:p>
+            <a:pPr>
+              <a:lnSpc>
+                <a:spcPct val="100000"/>
+              </a:lnSpc>
+            </a:pPr>
+            <a:r>
+              <a:rPr b="0" lang="en-US" sz="1600" spc="-1" strike="noStrike">
+                <a:solidFill>
+                  <a:schemeClr val="lt1"/>
+                </a:solidFill>
+                <a:latin typeface="Calibri"/>
+                <a:ea typeface="DejaVu Sans"/>
+              </a:rPr>
+              <a:t>Bytecode Dosyası Oluşur (.class)</a:t>
+            </a:r>
+            <a:endParaRPr b="0" lang="en-US" sz="1600" spc="-1" strike="noStrike">
+              <a:solidFill>
+                <a:srgbClr val="ffffff"/>
+              </a:solidFill>
+              <a:latin typeface="Arial"/>
+            </a:endParaRPr>
+          </a:p>
+          <a:p>
+            <a:pPr>
+              <a:lnSpc>
+                <a:spcPct val="100000"/>
+              </a:lnSpc>
+            </a:pPr>
+            <a:r>
+              <a:rPr b="0" lang="en-US" sz="1600" spc="-1" strike="noStrike">
+                <a:solidFill>
+                  <a:schemeClr val="lt1"/>
+                </a:solidFill>
+                <a:latin typeface="Calibri"/>
+                <a:ea typeface="DejaVu Sans"/>
+              </a:rPr>
+              <a:t>⬇</a:t>
+            </a:r>
+            <a:endParaRPr b="0" lang="en-US" sz="1600" spc="-1" strike="noStrike">
+              <a:solidFill>
+                <a:srgbClr val="ffffff"/>
+              </a:solidFill>
+              <a:latin typeface="Arial"/>
+            </a:endParaRPr>
+          </a:p>
+          <a:p>
+            <a:pPr>
+              <a:lnSpc>
+                <a:spcPct val="100000"/>
+              </a:lnSpc>
+            </a:pPr>
+            <a:r>
+              <a:rPr b="0" lang="en-US" sz="1600" spc="-1" strike="noStrike">
+                <a:solidFill>
+                  <a:schemeClr val="lt1"/>
+                </a:solidFill>
+                <a:latin typeface="Calibri"/>
+                <a:ea typeface="DejaVu Sans"/>
+              </a:rPr>
+              <a:t>java komutu ile Çalıştır</a:t>
+            </a:r>
+            <a:endParaRPr b="0" lang="en-US" sz="1600" spc="-1" strike="noStrike">
+              <a:solidFill>
+                <a:srgbClr val="ffffff"/>
+              </a:solidFill>
+              <a:latin typeface="Arial"/>
+            </a:endParaRPr>
+          </a:p>
+          <a:p>
+            <a:pPr>
+              <a:lnSpc>
+                <a:spcPct val="100000"/>
+              </a:lnSpc>
+            </a:pPr>
+            <a:r>
+              <a:rPr b="0" lang="en-US" sz="1600" spc="-1" strike="noStrike">
+                <a:solidFill>
+                  <a:schemeClr val="lt1"/>
+                </a:solidFill>
+                <a:latin typeface="Calibri"/>
+                <a:ea typeface="DejaVu Sans"/>
+              </a:rPr>
+              <a:t>⬇</a:t>
+            </a:r>
+            <a:endParaRPr b="0" lang="en-US" sz="1600" spc="-1" strike="noStrike">
+              <a:solidFill>
+                <a:srgbClr val="ffffff"/>
+              </a:solidFill>
+              <a:latin typeface="Arial"/>
+            </a:endParaRPr>
+          </a:p>
+          <a:p>
+            <a:pPr>
+              <a:lnSpc>
+                <a:spcPct val="100000"/>
+              </a:lnSpc>
+            </a:pPr>
+            <a:r>
+              <a:rPr b="0" lang="en-US" sz="1600" spc="-1" strike="noStrike">
+                <a:solidFill>
+                  <a:schemeClr val="lt1"/>
+                </a:solidFill>
+                <a:latin typeface="Calibri"/>
+                <a:ea typeface="DejaVu Sans"/>
+              </a:rPr>
+              <a:t>JVM Programı Çalıştırır</a:t>
+            </a:r>
+            <a:endParaRPr b="0" lang="en-US" sz="1600" spc="-1" strike="noStrike">
+              <a:solidFill>
+                <a:srgbClr val="ffffff"/>
+              </a:solidFill>
+              <a:latin typeface="Arial"/>
+            </a:endParaRPr>
+          </a:p>
+          <a:p>
+            <a:pPr>
+              <a:lnSpc>
+                <a:spcPct val="100000"/>
+              </a:lnSpc>
+            </a:pPr>
+            <a:r>
+              <a:rPr b="0" lang="en-US" sz="1600" spc="-1" strike="noStrike">
+                <a:solidFill>
+                  <a:schemeClr val="lt1"/>
+                </a:solidFill>
+                <a:latin typeface="Calibri"/>
+                <a:ea typeface="DejaVu Sans"/>
+              </a:rPr>
+              <a:t>⬇</a:t>
+            </a:r>
+            <a:endParaRPr b="0" lang="en-US" sz="1600" spc="-1" strike="noStrike">
+              <a:solidFill>
+                <a:srgbClr val="ffffff"/>
+              </a:solidFill>
+              <a:latin typeface="Arial"/>
+            </a:endParaRPr>
+          </a:p>
+          <a:p>
+            <a:pPr>
+              <a:lnSpc>
+                <a:spcPct val="100000"/>
+              </a:lnSpc>
+            </a:pPr>
+            <a:r>
+              <a:rPr b="0" lang="en-US" sz="1600" spc="-1" strike="noStrike">
+                <a:solidFill>
+                  <a:schemeClr val="lt1"/>
+                </a:solidFill>
+                <a:latin typeface="Calibri"/>
+                <a:ea typeface="DejaVu Sans"/>
+              </a:rPr>
+              <a:t>Çıktı Ekranda Görünür</a:t>
+            </a:r>
+            <a:endParaRPr b="0" lang="en-US" sz="1600" spc="-1" strike="noStrike">
+              <a:solidFill>
+                <a:srgbClr val="ffffff"/>
+              </a:solidFill>
+              <a:latin typeface="Arial"/>
+            </a:endParaRPr>
+          </a:p>
+        </p:txBody>
+      </p:sp>
+      <p:sp>
+        <p:nvSpPr>
+          <p:cNvPr id="384" name="Rounded Rectangle 55"/>
+          <p:cNvSpPr/>
+          <p:nvPr/>
+        </p:nvSpPr>
+        <p:spPr>
+          <a:xfrm>
+            <a:off x="8028360" y="3182040"/>
+            <a:ext cx="3290400" cy="2741760"/>
+          </a:xfrm>
+          <a:prstGeom prst="roundRect">
+            <a:avLst>
+              <a:gd name="adj" fmla="val 16667"/>
+            </a:avLst>
+          </a:prstGeom>
+          <a:solidFill>
+            <a:srgbClr val="08080a"/>
+          </a:solidFill>
+          <a:ln>
+            <a:noFill/>
+          </a:ln>
+          <a:effectLst>
+            <a:outerShdw blurRad="39960" dir="5400000" dist="23040" rotWithShape="0">
+              <a:srgbClr val="000000">
+                <a:alpha val="35000"/>
+              </a:srgbClr>
+            </a:outerShdw>
+          </a:effectLst>
+        </p:spPr>
+        <p:style>
+          <a:lnRef idx="1">
+            <a:schemeClr val="accent1"/>
+          </a:lnRef>
+          <a:fillRef idx="3">
+            <a:schemeClr val="accent1"/>
+          </a:fillRef>
+          <a:effectRef idx="2">
+            <a:schemeClr val="accent1"/>
+          </a:effectRef>
+          <a:fontRef idx="minor"/>
+        </p:style>
+        <p:txBody>
+          <a:bodyPr lIns="90000" rIns="90000" tIns="45000" bIns="45000" anchor="ctr">
+            <a:noAutofit/>
+          </a:bodyPr>
+          <a:p>
+            <a:endParaRPr b="0" lang="en-US" sz="1800" spc="-1" strike="noStrike">
+              <a:solidFill>
+                <a:schemeClr val="lt1"/>
+              </a:solidFill>
+              <a:latin typeface="Calibri"/>
+              <a:ea typeface="DejaVu Sans"/>
+            </a:endParaRPr>
+          </a:p>
+        </p:txBody>
+      </p:sp>
+      <p:sp>
+        <p:nvSpPr>
+          <p:cNvPr id="385" name="Rounded Rectangle 56"/>
+          <p:cNvSpPr/>
+          <p:nvPr/>
+        </p:nvSpPr>
+        <p:spPr>
+          <a:xfrm>
+            <a:off x="7955280" y="3108960"/>
+            <a:ext cx="3290400" cy="2741760"/>
+          </a:xfrm>
+          <a:prstGeom prst="roundRect">
+            <a:avLst>
+              <a:gd name="adj" fmla="val 16667"/>
+            </a:avLst>
+          </a:prstGeom>
+          <a:solidFill>
+            <a:srgbClr val="16161c"/>
+          </a:solidFill>
+          <a:ln>
+            <a:solidFill>
+              <a:srgbClr val="464655"/>
+            </a:solidFill>
+            <a:round/>
+          </a:ln>
+          <a:effectLst>
+            <a:outerShdw blurRad="39960" dir="5400000" dist="23040" rotWithShape="0">
+              <a:srgbClr val="000000">
+                <a:alpha val="35000"/>
+              </a:srgbClr>
+            </a:outerShdw>
+          </a:effectLst>
+        </p:spPr>
+        <p:style>
+          <a:lnRef idx="1">
+            <a:schemeClr val="accent1"/>
+          </a:lnRef>
+          <a:fillRef idx="3">
+            <a:schemeClr val="accent1"/>
+          </a:fillRef>
+          <a:effectRef idx="2">
+            <a:schemeClr val="accent1"/>
+          </a:effectRef>
+          <a:fontRef idx="minor"/>
+        </p:style>
+        <p:txBody>
+          <a:bodyPr lIns="90000" rIns="90000" tIns="45000" bIns="45000" anchor="ctr">
+            <a:noAutofit/>
+          </a:bodyPr>
+          <a:p>
+            <a:pPr algn="ctr">
+              <a:lnSpc>
+                <a:spcPct val="100000"/>
+              </a:lnSpc>
+            </a:pPr>
+            <a:r>
+              <a:rPr b="0" lang="en-US" sz="1500" spc="-1" strike="noStrike">
+                <a:solidFill>
+                  <a:srgbClr val="78ffc8"/>
+                </a:solidFill>
+                <a:latin typeface="Consolas"/>
+                <a:ea typeface="DejaVu Sans"/>
+              </a:rPr>
+              <a:t>public class HelloJava {</a:t>
+            </a:r>
+            <a:endParaRPr b="0" lang="en-US" sz="1500" spc="-1" strike="noStrike">
+              <a:solidFill>
+                <a:srgbClr val="ffffff"/>
+              </a:solidFill>
+              <a:latin typeface="Arial"/>
+            </a:endParaRPr>
+          </a:p>
+          <a:p>
+            <a:pPr algn="ctr">
+              <a:lnSpc>
+                <a:spcPct val="100000"/>
+              </a:lnSpc>
+            </a:pPr>
+            <a:r>
+              <a:rPr b="0" lang="en-US" sz="1500" spc="-1" strike="noStrike">
+                <a:solidFill>
+                  <a:srgbClr val="78ffc8"/>
+                </a:solidFill>
+                <a:latin typeface="Consolas"/>
+                <a:ea typeface="DejaVu Sans"/>
+              </a:rPr>
+              <a:t>    </a:t>
+            </a:r>
+            <a:r>
+              <a:rPr b="0" lang="en-US" sz="1500" spc="-1" strike="noStrike">
+                <a:solidFill>
+                  <a:srgbClr val="78ffc8"/>
+                </a:solidFill>
+                <a:latin typeface="Consolas"/>
+                <a:ea typeface="DejaVu Sans"/>
+              </a:rPr>
+              <a:t>public static void main(String[] args) {</a:t>
+            </a:r>
+            <a:endParaRPr b="0" lang="en-US" sz="1500" spc="-1" strike="noStrike">
+              <a:solidFill>
+                <a:srgbClr val="ffffff"/>
+              </a:solidFill>
+              <a:latin typeface="Arial"/>
+            </a:endParaRPr>
+          </a:p>
+          <a:p>
+            <a:pPr algn="ctr">
+              <a:lnSpc>
+                <a:spcPct val="100000"/>
+              </a:lnSpc>
+            </a:pPr>
+            <a:r>
+              <a:rPr b="0" lang="en-US" sz="1500" spc="-1" strike="noStrike">
+                <a:solidFill>
+                  <a:srgbClr val="78ffc8"/>
+                </a:solidFill>
+                <a:latin typeface="Consolas"/>
+                <a:ea typeface="DejaVu Sans"/>
+              </a:rPr>
+              <a:t>        </a:t>
+            </a:r>
+            <a:r>
+              <a:rPr b="0" lang="en-US" sz="1500" spc="-1" strike="noStrike">
+                <a:solidFill>
+                  <a:srgbClr val="78ffc8"/>
+                </a:solidFill>
+                <a:latin typeface="Consolas"/>
+                <a:ea typeface="DejaVu Sans"/>
+              </a:rPr>
+              <a:t>System.out.println("Java ortamı hazır!");</a:t>
+            </a:r>
+            <a:endParaRPr b="0" lang="en-US" sz="1500" spc="-1" strike="noStrike">
+              <a:solidFill>
+                <a:srgbClr val="ffffff"/>
+              </a:solidFill>
+              <a:latin typeface="Arial"/>
+            </a:endParaRPr>
+          </a:p>
+          <a:p>
+            <a:pPr algn="ctr">
+              <a:lnSpc>
+                <a:spcPct val="100000"/>
+              </a:lnSpc>
+            </a:pPr>
+            <a:r>
+              <a:rPr b="0" lang="en-US" sz="1500" spc="-1" strike="noStrike">
+                <a:solidFill>
+                  <a:srgbClr val="78ffc8"/>
+                </a:solidFill>
+                <a:latin typeface="Consolas"/>
+                <a:ea typeface="DejaVu Sans"/>
+              </a:rPr>
+              <a:t>    </a:t>
+            </a:r>
+            <a:r>
+              <a:rPr b="0" lang="en-US" sz="1500" spc="-1" strike="noStrike">
+                <a:solidFill>
+                  <a:srgbClr val="78ffc8"/>
+                </a:solidFill>
+                <a:latin typeface="Consolas"/>
+                <a:ea typeface="DejaVu Sans"/>
+              </a:rPr>
+              <a:t>}</a:t>
+            </a:r>
+            <a:endParaRPr b="0" lang="en-US" sz="1500" spc="-1" strike="noStrike">
+              <a:solidFill>
+                <a:srgbClr val="ffffff"/>
+              </a:solidFill>
+              <a:latin typeface="Arial"/>
+            </a:endParaRPr>
+          </a:p>
+          <a:p>
+            <a:pPr algn="ctr">
+              <a:lnSpc>
+                <a:spcPct val="100000"/>
+              </a:lnSpc>
+            </a:pPr>
+            <a:r>
+              <a:rPr b="0" lang="en-US" sz="1500" spc="-1" strike="noStrike">
+                <a:solidFill>
+                  <a:srgbClr val="78ffc8"/>
+                </a:solidFill>
+                <a:latin typeface="Consolas"/>
+                <a:ea typeface="DejaVu Sans"/>
+              </a:rPr>
+              <a:t>}</a:t>
+            </a:r>
+            <a:endParaRPr b="0" lang="en-US" sz="1500" spc="-1" strike="noStrike">
+              <a:solidFill>
+                <a:srgbClr val="ffffff"/>
+              </a:solidFill>
+              <a:latin typeface="Arial"/>
+            </a:endParaRPr>
+          </a:p>
+          <a:p>
+            <a:pPr algn="ctr">
+              <a:lnSpc>
+                <a:spcPct val="100000"/>
+              </a:lnSpc>
+            </a:pPr>
+            <a:endParaRPr b="0" lang="en-US" sz="1500" spc="-1" strike="noStrike">
+              <a:solidFill>
+                <a:srgbClr val="ffffff"/>
+              </a:solidFill>
+              <a:latin typeface="Arial"/>
+            </a:endParaRPr>
+          </a:p>
+          <a:p>
+            <a:pPr algn="ctr">
+              <a:lnSpc>
+                <a:spcPct val="100000"/>
+              </a:lnSpc>
+            </a:pPr>
+            <a:endParaRPr b="0" lang="en-US" sz="1500" spc="-1" strike="noStrike">
+              <a:solidFill>
+                <a:srgbClr val="ffffff"/>
+              </a:solidFill>
+              <a:latin typeface="Arial"/>
+            </a:endParaRPr>
+          </a:p>
+        </p:txBody>
+      </p:sp>
+      <p:sp>
+        <p:nvSpPr>
+          <p:cNvPr id="386" name="TextBox 23"/>
+          <p:cNvSpPr/>
+          <p:nvPr/>
+        </p:nvSpPr>
+        <p:spPr>
+          <a:xfrm>
+            <a:off x="4600080" y="6446520"/>
+            <a:ext cx="3051360" cy="363960"/>
+          </a:xfrm>
+          <a:prstGeom prst="rect">
+            <a:avLst/>
+          </a:prstGeom>
+          <a:noFill/>
+          <a:ln w="0">
+            <a:noFill/>
+          </a:ln>
+        </p:spPr>
+        <p:style>
+          <a:lnRef idx="0"/>
+          <a:fillRef idx="0"/>
+          <a:effectRef idx="0"/>
+          <a:fontRef idx="minor"/>
+        </p:style>
+        <p:txBody>
+          <a:bodyPr wrap="none" lIns="90000" rIns="90000" tIns="45000" bIns="45000" anchor="t">
+            <a:spAutoFit/>
+          </a:bodyPr>
+          <a:p>
+            <a:pPr>
+              <a:lnSpc>
+                <a:spcPct val="100000"/>
+              </a:lnSpc>
+            </a:pPr>
+            <a:r>
+              <a:rPr b="0" lang="en-US" sz="1800" spc="-1" strike="noStrike">
+                <a:solidFill>
+                  <a:srgbClr val="000000"/>
+                </a:solidFill>
+                <a:latin typeface="Calibri"/>
+                <a:ea typeface="DejaVu Sans"/>
+              </a:rPr>
+              <a:t>Java • Ultra Premium Template</a:t>
+            </a:r>
+            <a:endParaRPr b="0" lang="en-US" sz="1800" spc="-1" strike="noStrike">
+              <a:solidFill>
+                <a:srgbClr val="000000"/>
+              </a:solidFill>
+              <a:latin typeface="Arial"/>
+            </a:endParaRPr>
+          </a:p>
+        </p:txBody>
+      </p:sp>
+    </p:spTree>
+  </p:cSld>
+  <mc:AlternateContent>
+    <mc:Choice Requires="p14">
+      <p:transition spd="slow" p14:dur="2000"/>
+    </mc:Choice>
+    <mc:Fallback>
+      <p:transition spd="slow"/>
+    </mc:Fallback>
+  </mc:AlternateContent>
+</p:sld>
+</file>
+
+<file path=ppt/slides/slide8.xml><?xml version="1.0" encoding="utf-8"?>
+<p:sld xmlns:a="http://schemas.openxmlformats.org/drawingml/2006/main" xmlns:p="http://schemas.openxmlformats.org/presentationml/2006/main" xmlns:r="http://schemas.openxmlformats.org/officeDocument/2006/relationships" xmlns:p14="http://schemas.microsoft.com/office/powerpoint/2010/main" xmlns:p15="http://schemas.microsoft.com/office/powerpoint/2012/main" xmlns:mc="http://schemas.openxmlformats.org/markup-compatibility/2006">
+  <p:cSld>
+    <p:spTree>
+      <p:nvGrpSpPr>
+        <p:cNvPr id="1" name=""/>
+        <p:cNvGrpSpPr/>
+        <p:nvPr/>
+      </p:nvGrpSpPr>
+      <p:grpSpPr>
+        <a:xfrm>
+          <a:off x="0" y="0"/>
+          <a:ext cx="0" cy="0"/>
+          <a:chOff x="0" y="0"/>
+          <a:chExt cx="0" cy="0"/>
+        </a:xfrm>
+      </p:grpSpPr>
+      <p:sp>
+        <p:nvSpPr>
+          <p:cNvPr id="387" name="Rectangle 113"/>
+          <p:cNvSpPr/>
+          <p:nvPr/>
+        </p:nvSpPr>
+        <p:spPr>
+          <a:xfrm>
+            <a:off x="0" y="0"/>
+            <a:ext cx="12187440" cy="6856560"/>
+          </a:xfrm>
+          <a:prstGeom prst="rect">
+            <a:avLst/>
+          </a:prstGeom>
+          <a:solidFill>
+            <a:srgbClr val="0b0b0d"/>
+          </a:solidFill>
+          <a:ln>
+            <a:noFill/>
+          </a:ln>
+          <a:effectLst>
+            <a:outerShdw blurRad="39960" dir="5400000" dist="23040" rotWithShape="0">
+              <a:srgbClr val="000000">
+                <a:alpha val="35000"/>
+              </a:srgbClr>
+            </a:outerShdw>
+          </a:effectLst>
+        </p:spPr>
+        <p:style>
+          <a:lnRef idx="1">
+            <a:schemeClr val="accent1"/>
+          </a:lnRef>
+          <a:fillRef idx="3">
+            <a:schemeClr val="accent1"/>
+          </a:fillRef>
+          <a:effectRef idx="2">
+            <a:schemeClr val="accent1"/>
+          </a:effectRef>
+          <a:fontRef idx="minor"/>
+        </p:style>
+        <p:txBody>
+          <a:bodyPr lIns="90000" rIns="90000" tIns="45000" bIns="45000" anchor="ctr">
+            <a:noAutofit/>
+          </a:bodyPr>
+          <a:p>
+            <a:endParaRPr b="0" lang="en-US" sz="1800" spc="-1" strike="noStrike">
+              <a:solidFill>
+                <a:schemeClr val="lt1"/>
+              </a:solidFill>
+              <a:latin typeface="Calibri"/>
+              <a:ea typeface="DejaVu Sans"/>
+            </a:endParaRPr>
+          </a:p>
+        </p:txBody>
+      </p:sp>
+      <p:sp>
+        <p:nvSpPr>
+          <p:cNvPr id="388" name="Rectangle 114"/>
+          <p:cNvSpPr/>
+          <p:nvPr/>
+        </p:nvSpPr>
+        <p:spPr>
+          <a:xfrm>
+            <a:off x="0" y="0"/>
+            <a:ext cx="16920" cy="6856560"/>
+          </a:xfrm>
+          <a:prstGeom prst="rect">
+            <a:avLst/>
+          </a:prstGeom>
+          <a:solidFill>
+            <a:srgbClr val="121216"/>
+          </a:solidFill>
+          <a:ln>
+            <a:noFill/>
+          </a:ln>
+          <a:effectLst>
+            <a:outerShdw blurRad="39960" dir="5400000" dist="23040" rotWithShape="0">
+              <a:srgbClr val="000000">
+                <a:alpha val="35000"/>
+              </a:srgbClr>
+            </a:outerShdw>
+          </a:effectLst>
+        </p:spPr>
+        <p:style>
+          <a:lnRef idx="1">
+            <a:schemeClr val="accent1"/>
+          </a:lnRef>
+          <a:fillRef idx="3">
+            <a:schemeClr val="accent1"/>
+          </a:fillRef>
+          <a:effectRef idx="2">
+            <a:schemeClr val="accent1"/>
+          </a:effectRef>
+          <a:fontRef idx="minor"/>
+        </p:style>
+        <p:txBody>
+          <a:bodyPr lIns="90000" rIns="90000" tIns="45000" bIns="45000" anchor="ctr">
+            <a:noAutofit/>
+          </a:bodyPr>
+          <a:p>
+            <a:endParaRPr b="0" lang="en-US" sz="1800" spc="-1" strike="noStrike">
+              <a:solidFill>
+                <a:schemeClr val="lt1"/>
+              </a:solidFill>
+              <a:latin typeface="Calibri"/>
+              <a:ea typeface="DejaVu Sans"/>
+            </a:endParaRPr>
+          </a:p>
+        </p:txBody>
+      </p:sp>
+      <p:sp>
+        <p:nvSpPr>
+          <p:cNvPr id="389" name="Rectangle 115"/>
+          <p:cNvSpPr/>
+          <p:nvPr/>
+        </p:nvSpPr>
+        <p:spPr>
+          <a:xfrm>
+            <a:off x="914400" y="0"/>
+            <a:ext cx="16920" cy="6856560"/>
+          </a:xfrm>
+          <a:prstGeom prst="rect">
+            <a:avLst/>
+          </a:prstGeom>
+          <a:solidFill>
+            <a:srgbClr val="121216"/>
+          </a:solidFill>
+          <a:ln>
+            <a:noFill/>
+          </a:ln>
+          <a:effectLst>
+            <a:outerShdw blurRad="39960" dir="5400000" dist="23040" rotWithShape="0">
+              <a:srgbClr val="000000">
+                <a:alpha val="35000"/>
+              </a:srgbClr>
+            </a:outerShdw>
+          </a:effectLst>
+        </p:spPr>
+        <p:style>
+          <a:lnRef idx="1">
+            <a:schemeClr val="accent1"/>
+          </a:lnRef>
+          <a:fillRef idx="3">
+            <a:schemeClr val="accent1"/>
+          </a:fillRef>
+          <a:effectRef idx="2">
+            <a:schemeClr val="accent1"/>
+          </a:effectRef>
+          <a:fontRef idx="minor"/>
+        </p:style>
+        <p:txBody>
+          <a:bodyPr lIns="90000" rIns="90000" tIns="45000" bIns="45000" anchor="ctr">
+            <a:noAutofit/>
+          </a:bodyPr>
+          <a:p>
+            <a:endParaRPr b="0" lang="en-US" sz="1800" spc="-1" strike="noStrike">
+              <a:solidFill>
+                <a:schemeClr val="lt1"/>
+              </a:solidFill>
+              <a:latin typeface="Calibri"/>
+              <a:ea typeface="DejaVu Sans"/>
+            </a:endParaRPr>
+          </a:p>
+        </p:txBody>
+      </p:sp>
+      <p:sp>
+        <p:nvSpPr>
+          <p:cNvPr id="390" name="Rectangle 116"/>
+          <p:cNvSpPr/>
+          <p:nvPr/>
+        </p:nvSpPr>
+        <p:spPr>
+          <a:xfrm>
+            <a:off x="1828800" y="0"/>
+            <a:ext cx="16920" cy="6856560"/>
+          </a:xfrm>
+          <a:prstGeom prst="rect">
+            <a:avLst/>
+          </a:prstGeom>
+          <a:solidFill>
+            <a:srgbClr val="121216"/>
+          </a:solidFill>
+          <a:ln>
+            <a:noFill/>
+          </a:ln>
+          <a:effectLst>
+            <a:outerShdw blurRad="39960" dir="5400000" dist="23040" rotWithShape="0">
+              <a:srgbClr val="000000">
+                <a:alpha val="35000"/>
+              </a:srgbClr>
+            </a:outerShdw>
+          </a:effectLst>
+        </p:spPr>
+        <p:style>
+          <a:lnRef idx="1">
+            <a:schemeClr val="accent1"/>
+          </a:lnRef>
+          <a:fillRef idx="3">
+            <a:schemeClr val="accent1"/>
+          </a:fillRef>
+          <a:effectRef idx="2">
+            <a:schemeClr val="accent1"/>
+          </a:effectRef>
+          <a:fontRef idx="minor"/>
+        </p:style>
+        <p:txBody>
+          <a:bodyPr lIns="90000" rIns="90000" tIns="45000" bIns="45000" anchor="ctr">
+            <a:noAutofit/>
+          </a:bodyPr>
+          <a:p>
+            <a:endParaRPr b="0" lang="en-US" sz="1800" spc="-1" strike="noStrike">
+              <a:solidFill>
+                <a:schemeClr val="lt1"/>
+              </a:solidFill>
+              <a:latin typeface="Calibri"/>
+              <a:ea typeface="DejaVu Sans"/>
+            </a:endParaRPr>
+          </a:p>
+        </p:txBody>
+      </p:sp>
+      <p:sp>
+        <p:nvSpPr>
+          <p:cNvPr id="391" name="Rectangle 117"/>
+          <p:cNvSpPr/>
+          <p:nvPr/>
+        </p:nvSpPr>
+        <p:spPr>
+          <a:xfrm>
+            <a:off x="2743200" y="0"/>
+            <a:ext cx="16920" cy="6856560"/>
+          </a:xfrm>
+          <a:prstGeom prst="rect">
+            <a:avLst/>
+          </a:prstGeom>
+          <a:solidFill>
+            <a:srgbClr val="121216"/>
+          </a:solidFill>
+          <a:ln>
+            <a:noFill/>
+          </a:ln>
+          <a:effectLst>
+            <a:outerShdw blurRad="39960" dir="5400000" dist="23040" rotWithShape="0">
+              <a:srgbClr val="000000">
+                <a:alpha val="35000"/>
+              </a:srgbClr>
+            </a:outerShdw>
+          </a:effectLst>
+        </p:spPr>
+        <p:style>
+          <a:lnRef idx="1">
+            <a:schemeClr val="accent1"/>
+          </a:lnRef>
+          <a:fillRef idx="3">
+            <a:schemeClr val="accent1"/>
+          </a:fillRef>
+          <a:effectRef idx="2">
+            <a:schemeClr val="accent1"/>
+          </a:effectRef>
+          <a:fontRef idx="minor"/>
+        </p:style>
+        <p:txBody>
+          <a:bodyPr lIns="90000" rIns="90000" tIns="45000" bIns="45000" anchor="ctr">
+            <a:noAutofit/>
+          </a:bodyPr>
+          <a:p>
+            <a:endParaRPr b="0" lang="en-US" sz="1800" spc="-1" strike="noStrike">
+              <a:solidFill>
+                <a:schemeClr val="lt1"/>
+              </a:solidFill>
+              <a:latin typeface="Calibri"/>
+              <a:ea typeface="DejaVu Sans"/>
+            </a:endParaRPr>
+          </a:p>
+        </p:txBody>
+      </p:sp>
+      <p:sp>
+        <p:nvSpPr>
+          <p:cNvPr id="392" name="Rectangle 118"/>
+          <p:cNvSpPr/>
+          <p:nvPr/>
+        </p:nvSpPr>
+        <p:spPr>
+          <a:xfrm>
+            <a:off x="3657600" y="0"/>
+            <a:ext cx="16920" cy="6856560"/>
+          </a:xfrm>
+          <a:prstGeom prst="rect">
+            <a:avLst/>
+          </a:prstGeom>
+          <a:solidFill>
+            <a:srgbClr val="121216"/>
+          </a:solidFill>
+          <a:ln>
+            <a:noFill/>
+          </a:ln>
+          <a:effectLst>
+            <a:outerShdw blurRad="39960" dir="5400000" dist="23040" rotWithShape="0">
+              <a:srgbClr val="000000">
+                <a:alpha val="35000"/>
+              </a:srgbClr>
+            </a:outerShdw>
+          </a:effectLst>
+        </p:spPr>
+        <p:style>
+          <a:lnRef idx="1">
+            <a:schemeClr val="accent1"/>
+          </a:lnRef>
+          <a:fillRef idx="3">
+            <a:schemeClr val="accent1"/>
+          </a:fillRef>
+          <a:effectRef idx="2">
+            <a:schemeClr val="accent1"/>
+          </a:effectRef>
+          <a:fontRef idx="minor"/>
+        </p:style>
+        <p:txBody>
+          <a:bodyPr lIns="90000" rIns="90000" tIns="45000" bIns="45000" anchor="ctr">
+            <a:noAutofit/>
+          </a:bodyPr>
+          <a:p>
+            <a:endParaRPr b="0" lang="en-US" sz="1800" spc="-1" strike="noStrike">
+              <a:solidFill>
+                <a:schemeClr val="lt1"/>
+              </a:solidFill>
+              <a:latin typeface="Calibri"/>
+              <a:ea typeface="DejaVu Sans"/>
+            </a:endParaRPr>
+          </a:p>
+        </p:txBody>
+      </p:sp>
+      <p:sp>
+        <p:nvSpPr>
+          <p:cNvPr id="393" name="Rectangle 119"/>
+          <p:cNvSpPr/>
+          <p:nvPr/>
+        </p:nvSpPr>
+        <p:spPr>
+          <a:xfrm>
+            <a:off x="4572000" y="0"/>
+            <a:ext cx="16920" cy="6856560"/>
+          </a:xfrm>
+          <a:prstGeom prst="rect">
+            <a:avLst/>
+          </a:prstGeom>
+          <a:solidFill>
+            <a:srgbClr val="121216"/>
+          </a:solidFill>
+          <a:ln>
+            <a:noFill/>
+          </a:ln>
+          <a:effectLst>
+            <a:outerShdw blurRad="39960" dir="5400000" dist="23040" rotWithShape="0">
+              <a:srgbClr val="000000">
+                <a:alpha val="35000"/>
+              </a:srgbClr>
+            </a:outerShdw>
+          </a:effectLst>
+        </p:spPr>
+        <p:style>
+          <a:lnRef idx="1">
+            <a:schemeClr val="accent1"/>
+          </a:lnRef>
+          <a:fillRef idx="3">
+            <a:schemeClr val="accent1"/>
+          </a:fillRef>
+          <a:effectRef idx="2">
+            <a:schemeClr val="accent1"/>
+          </a:effectRef>
+          <a:fontRef idx="minor"/>
+        </p:style>
+        <p:txBody>
+          <a:bodyPr lIns="90000" rIns="90000" tIns="45000" bIns="45000" anchor="ctr">
+            <a:noAutofit/>
+          </a:bodyPr>
+          <a:p>
+            <a:endParaRPr b="0" lang="en-US" sz="1800" spc="-1" strike="noStrike">
+              <a:solidFill>
+                <a:schemeClr val="lt1"/>
+              </a:solidFill>
+              <a:latin typeface="Calibri"/>
+              <a:ea typeface="DejaVu Sans"/>
+            </a:endParaRPr>
+          </a:p>
+        </p:txBody>
+      </p:sp>
+      <p:sp>
+        <p:nvSpPr>
+          <p:cNvPr id="394" name="Rectangle 120"/>
+          <p:cNvSpPr/>
+          <p:nvPr/>
+        </p:nvSpPr>
+        <p:spPr>
+          <a:xfrm>
+            <a:off x="5486400" y="0"/>
+            <a:ext cx="16920" cy="6856560"/>
+          </a:xfrm>
+          <a:prstGeom prst="rect">
+            <a:avLst/>
+          </a:prstGeom>
+          <a:solidFill>
+            <a:srgbClr val="121216"/>
+          </a:solidFill>
+          <a:ln>
+            <a:noFill/>
+          </a:ln>
+          <a:effectLst>
+            <a:outerShdw blurRad="39960" dir="5400000" dist="23040" rotWithShape="0">
+              <a:srgbClr val="000000">
+                <a:alpha val="35000"/>
+              </a:srgbClr>
+            </a:outerShdw>
+          </a:effectLst>
+        </p:spPr>
+        <p:style>
+          <a:lnRef idx="1">
+            <a:schemeClr val="accent1"/>
+          </a:lnRef>
+          <a:fillRef idx="3">
+            <a:schemeClr val="accent1"/>
+          </a:fillRef>
+          <a:effectRef idx="2">
+            <a:schemeClr val="accent1"/>
+          </a:effectRef>
+          <a:fontRef idx="minor"/>
+        </p:style>
+        <p:txBody>
+          <a:bodyPr lIns="90000" rIns="90000" tIns="45000" bIns="45000" anchor="ctr">
+            <a:noAutofit/>
+          </a:bodyPr>
+          <a:p>
+            <a:endParaRPr b="0" lang="en-US" sz="1800" spc="-1" strike="noStrike">
+              <a:solidFill>
+                <a:schemeClr val="lt1"/>
+              </a:solidFill>
+              <a:latin typeface="Calibri"/>
+              <a:ea typeface="DejaVu Sans"/>
+            </a:endParaRPr>
+          </a:p>
+        </p:txBody>
+      </p:sp>
+      <p:sp>
+        <p:nvSpPr>
+          <p:cNvPr id="395" name="Rectangle 121"/>
+          <p:cNvSpPr/>
+          <p:nvPr/>
+        </p:nvSpPr>
+        <p:spPr>
+          <a:xfrm>
+            <a:off x="6400800" y="0"/>
+            <a:ext cx="16920" cy="6856560"/>
+          </a:xfrm>
+          <a:prstGeom prst="rect">
+            <a:avLst/>
+          </a:prstGeom>
+          <a:solidFill>
+            <a:srgbClr val="121216"/>
+          </a:solidFill>
+          <a:ln>
+            <a:noFill/>
+          </a:ln>
+          <a:effectLst>
+            <a:outerShdw blurRad="39960" dir="5400000" dist="23040" rotWithShape="0">
+              <a:srgbClr val="000000">
+                <a:alpha val="35000"/>
+              </a:srgbClr>
+            </a:outerShdw>
+          </a:effectLst>
+        </p:spPr>
+        <p:style>
+          <a:lnRef idx="1">
+            <a:schemeClr val="accent1"/>
+          </a:lnRef>
+          <a:fillRef idx="3">
+            <a:schemeClr val="accent1"/>
+          </a:fillRef>
+          <a:effectRef idx="2">
+            <a:schemeClr val="accent1"/>
+          </a:effectRef>
+          <a:fontRef idx="minor"/>
+        </p:style>
+        <p:txBody>
+          <a:bodyPr lIns="90000" rIns="90000" tIns="45000" bIns="45000" anchor="ctr">
+            <a:noAutofit/>
+          </a:bodyPr>
+          <a:p>
+            <a:endParaRPr b="0" lang="en-US" sz="1800" spc="-1" strike="noStrike">
+              <a:solidFill>
+                <a:schemeClr val="lt1"/>
+              </a:solidFill>
+              <a:latin typeface="Calibri"/>
+              <a:ea typeface="DejaVu Sans"/>
+            </a:endParaRPr>
+          </a:p>
+        </p:txBody>
+      </p:sp>
+      <p:sp>
+        <p:nvSpPr>
+          <p:cNvPr id="396" name="Rectangle 122"/>
+          <p:cNvSpPr/>
+          <p:nvPr/>
+        </p:nvSpPr>
+        <p:spPr>
+          <a:xfrm>
+            <a:off x="7315200" y="0"/>
+            <a:ext cx="16920" cy="6856560"/>
+          </a:xfrm>
+          <a:prstGeom prst="rect">
+            <a:avLst/>
+          </a:prstGeom>
+          <a:solidFill>
+            <a:srgbClr val="121216"/>
+          </a:solidFill>
+          <a:ln>
+            <a:noFill/>
+          </a:ln>
+          <a:effectLst>
+            <a:outerShdw blurRad="39960" dir="5400000" dist="23040" rotWithShape="0">
+              <a:srgbClr val="000000">
+                <a:alpha val="35000"/>
+              </a:srgbClr>
+            </a:outerShdw>
+          </a:effectLst>
+        </p:spPr>
+        <p:style>
+          <a:lnRef idx="1">
+            <a:schemeClr val="accent1"/>
+          </a:lnRef>
+          <a:fillRef idx="3">
+            <a:schemeClr val="accent1"/>
+          </a:fillRef>
+          <a:effectRef idx="2">
+            <a:schemeClr val="accent1"/>
+          </a:effectRef>
+          <a:fontRef idx="minor"/>
+        </p:style>
+        <p:txBody>
+          <a:bodyPr lIns="90000" rIns="90000" tIns="45000" bIns="45000" anchor="ctr">
+            <a:noAutofit/>
+          </a:bodyPr>
+          <a:p>
+            <a:endParaRPr b="0" lang="en-US" sz="1800" spc="-1" strike="noStrike">
+              <a:solidFill>
+                <a:schemeClr val="lt1"/>
+              </a:solidFill>
+              <a:latin typeface="Calibri"/>
+              <a:ea typeface="DejaVu Sans"/>
+            </a:endParaRPr>
+          </a:p>
+        </p:txBody>
+      </p:sp>
+      <p:sp>
+        <p:nvSpPr>
+          <p:cNvPr id="397" name="Rectangle 123"/>
+          <p:cNvSpPr/>
+          <p:nvPr/>
+        </p:nvSpPr>
+        <p:spPr>
+          <a:xfrm>
+            <a:off x="8229600" y="0"/>
+            <a:ext cx="16920" cy="6856560"/>
+          </a:xfrm>
+          <a:prstGeom prst="rect">
+            <a:avLst/>
+          </a:prstGeom>
+          <a:solidFill>
+            <a:srgbClr val="121216"/>
+          </a:solidFill>
+          <a:ln>
+            <a:noFill/>
+          </a:ln>
+          <a:effectLst>
+            <a:outerShdw blurRad="39960" dir="5400000" dist="23040" rotWithShape="0">
+              <a:srgbClr val="000000">
+                <a:alpha val="35000"/>
+              </a:srgbClr>
+            </a:outerShdw>
+          </a:effectLst>
+        </p:spPr>
+        <p:style>
+          <a:lnRef idx="1">
+            <a:schemeClr val="accent1"/>
+          </a:lnRef>
+          <a:fillRef idx="3">
+            <a:schemeClr val="accent1"/>
+          </a:fillRef>
+          <a:effectRef idx="2">
+            <a:schemeClr val="accent1"/>
+          </a:effectRef>
+          <a:fontRef idx="minor"/>
+        </p:style>
+        <p:txBody>
+          <a:bodyPr lIns="90000" rIns="90000" tIns="45000" bIns="45000" anchor="ctr">
+            <a:noAutofit/>
+          </a:bodyPr>
+          <a:p>
+            <a:endParaRPr b="0" lang="en-US" sz="1800" spc="-1" strike="noStrike">
+              <a:solidFill>
+                <a:schemeClr val="lt1"/>
+              </a:solidFill>
+              <a:latin typeface="Calibri"/>
+              <a:ea typeface="DejaVu Sans"/>
+            </a:endParaRPr>
+          </a:p>
+        </p:txBody>
+      </p:sp>
+      <p:sp>
+        <p:nvSpPr>
+          <p:cNvPr id="398" name="Rectangle 124"/>
+          <p:cNvSpPr/>
+          <p:nvPr/>
+        </p:nvSpPr>
+        <p:spPr>
+          <a:xfrm>
+            <a:off x="9144000" y="0"/>
+            <a:ext cx="16920" cy="6856560"/>
+          </a:xfrm>
+          <a:prstGeom prst="rect">
+            <a:avLst/>
+          </a:prstGeom>
+          <a:solidFill>
+            <a:srgbClr val="121216"/>
+          </a:solidFill>
+          <a:ln>
+            <a:noFill/>
+          </a:ln>
+          <a:effectLst>
+            <a:outerShdw blurRad="39960" dir="5400000" dist="23040" rotWithShape="0">
+              <a:srgbClr val="000000">
+                <a:alpha val="35000"/>
+              </a:srgbClr>
+            </a:outerShdw>
+          </a:effectLst>
+        </p:spPr>
+        <p:style>
+          <a:lnRef idx="1">
+            <a:schemeClr val="accent1"/>
+          </a:lnRef>
+          <a:fillRef idx="3">
+            <a:schemeClr val="accent1"/>
+          </a:fillRef>
+          <a:effectRef idx="2">
+            <a:schemeClr val="accent1"/>
+          </a:effectRef>
+          <a:fontRef idx="minor"/>
+        </p:style>
+        <p:txBody>
+          <a:bodyPr lIns="90000" rIns="90000" tIns="45000" bIns="45000" anchor="ctr">
+            <a:noAutofit/>
+          </a:bodyPr>
+          <a:p>
+            <a:endParaRPr b="0" lang="en-US" sz="1800" spc="-1" strike="noStrike">
+              <a:solidFill>
+                <a:schemeClr val="lt1"/>
+              </a:solidFill>
+              <a:latin typeface="Calibri"/>
+              <a:ea typeface="DejaVu Sans"/>
+            </a:endParaRPr>
+          </a:p>
+        </p:txBody>
+      </p:sp>
+      <p:sp>
+        <p:nvSpPr>
+          <p:cNvPr id="399" name="Rectangle 125"/>
+          <p:cNvSpPr/>
+          <p:nvPr/>
+        </p:nvSpPr>
+        <p:spPr>
+          <a:xfrm>
+            <a:off x="10058400" y="0"/>
+            <a:ext cx="16920" cy="6856560"/>
+          </a:xfrm>
+          <a:prstGeom prst="rect">
+            <a:avLst/>
+          </a:prstGeom>
+          <a:solidFill>
+            <a:srgbClr val="121216"/>
+          </a:solidFill>
+          <a:ln>
+            <a:noFill/>
+          </a:ln>
+          <a:effectLst>
+            <a:outerShdw blurRad="39960" dir="5400000" dist="23040" rotWithShape="0">
+              <a:srgbClr val="000000">
+                <a:alpha val="35000"/>
+              </a:srgbClr>
+            </a:outerShdw>
+          </a:effectLst>
+        </p:spPr>
+        <p:style>
+          <a:lnRef idx="1">
+            <a:schemeClr val="accent1"/>
+          </a:lnRef>
+          <a:fillRef idx="3">
+            <a:schemeClr val="accent1"/>
+          </a:fillRef>
+          <a:effectRef idx="2">
+            <a:schemeClr val="accent1"/>
+          </a:effectRef>
+          <a:fontRef idx="minor"/>
+        </p:style>
+        <p:txBody>
+          <a:bodyPr lIns="90000" rIns="90000" tIns="45000" bIns="45000" anchor="ctr">
+            <a:noAutofit/>
+          </a:bodyPr>
+          <a:p>
+            <a:endParaRPr b="0" lang="en-US" sz="1800" spc="-1" strike="noStrike">
+              <a:solidFill>
+                <a:schemeClr val="lt1"/>
+              </a:solidFill>
+              <a:latin typeface="Calibri"/>
+              <a:ea typeface="DejaVu Sans"/>
+            </a:endParaRPr>
+          </a:p>
+        </p:txBody>
+      </p:sp>
+      <p:sp>
+        <p:nvSpPr>
+          <p:cNvPr id="400" name="Rectangle 126"/>
+          <p:cNvSpPr/>
+          <p:nvPr/>
+        </p:nvSpPr>
+        <p:spPr>
+          <a:xfrm>
+            <a:off x="10972800" y="0"/>
+            <a:ext cx="16920" cy="6856560"/>
+          </a:xfrm>
+          <a:prstGeom prst="rect">
+            <a:avLst/>
+          </a:prstGeom>
+          <a:solidFill>
+            <a:srgbClr val="121216"/>
+          </a:solidFill>
+          <a:ln>
+            <a:noFill/>
+          </a:ln>
+          <a:effectLst>
+            <a:outerShdw blurRad="39960" dir="5400000" dist="23040" rotWithShape="0">
+              <a:srgbClr val="000000">
+                <a:alpha val="35000"/>
+              </a:srgbClr>
+            </a:outerShdw>
+          </a:effectLst>
+        </p:spPr>
+        <p:style>
+          <a:lnRef idx="1">
+            <a:schemeClr val="accent1"/>
+          </a:lnRef>
+          <a:fillRef idx="3">
+            <a:schemeClr val="accent1"/>
+          </a:fillRef>
+          <a:effectRef idx="2">
+            <a:schemeClr val="accent1"/>
+          </a:effectRef>
+          <a:fontRef idx="minor"/>
+        </p:style>
+        <p:txBody>
+          <a:bodyPr lIns="90000" rIns="90000" tIns="45000" bIns="45000" anchor="ctr">
+            <a:noAutofit/>
+          </a:bodyPr>
+          <a:p>
+            <a:endParaRPr b="0" lang="en-US" sz="1800" spc="-1" strike="noStrike">
+              <a:solidFill>
+                <a:schemeClr val="lt1"/>
+              </a:solidFill>
+              <a:latin typeface="Calibri"/>
+              <a:ea typeface="DejaVu Sans"/>
+            </a:endParaRPr>
+          </a:p>
+        </p:txBody>
+      </p:sp>
+      <p:sp>
+        <p:nvSpPr>
+          <p:cNvPr id="401" name="Rectangle 127"/>
+          <p:cNvSpPr/>
+          <p:nvPr/>
+        </p:nvSpPr>
+        <p:spPr>
+          <a:xfrm>
+            <a:off x="11887200" y="0"/>
+            <a:ext cx="16920" cy="6856560"/>
+          </a:xfrm>
+          <a:prstGeom prst="rect">
+            <a:avLst/>
+          </a:prstGeom>
+          <a:solidFill>
+            <a:srgbClr val="121216"/>
+          </a:solidFill>
+          <a:ln>
+            <a:noFill/>
+          </a:ln>
+          <a:effectLst>
+            <a:outerShdw blurRad="39960" dir="5400000" dist="23040" rotWithShape="0">
+              <a:srgbClr val="000000">
+                <a:alpha val="35000"/>
+              </a:srgbClr>
+            </a:outerShdw>
+          </a:effectLst>
+        </p:spPr>
+        <p:style>
+          <a:lnRef idx="1">
+            <a:schemeClr val="accent1"/>
+          </a:lnRef>
+          <a:fillRef idx="3">
+            <a:schemeClr val="accent1"/>
+          </a:fillRef>
+          <a:effectRef idx="2">
+            <a:schemeClr val="accent1"/>
+          </a:effectRef>
+          <a:fontRef idx="minor"/>
+        </p:style>
+        <p:txBody>
+          <a:bodyPr lIns="90000" rIns="90000" tIns="45000" bIns="45000" anchor="ctr">
+            <a:noAutofit/>
+          </a:bodyPr>
+          <a:p>
+            <a:endParaRPr b="0" lang="en-US" sz="1800" spc="-1" strike="noStrike">
+              <a:solidFill>
+                <a:schemeClr val="lt1"/>
+              </a:solidFill>
+              <a:latin typeface="Calibri"/>
+              <a:ea typeface="DejaVu Sans"/>
+            </a:endParaRPr>
+          </a:p>
+        </p:txBody>
+      </p:sp>
+      <p:sp>
+        <p:nvSpPr>
+          <p:cNvPr id="402" name="Rectangle 128"/>
+          <p:cNvSpPr/>
+          <p:nvPr/>
+        </p:nvSpPr>
+        <p:spPr>
+          <a:xfrm>
+            <a:off x="0" y="0"/>
+            <a:ext cx="318600" cy="6856560"/>
+          </a:xfrm>
+          <a:prstGeom prst="rect">
+            <a:avLst/>
+          </a:prstGeom>
+          <a:solidFill>
+            <a:srgbClr val="ff8c00"/>
+          </a:solidFill>
+          <a:ln>
+            <a:noFill/>
+          </a:ln>
+          <a:effectLst>
+            <a:outerShdw blurRad="39960" dir="5400000" dist="23040" rotWithShape="0">
+              <a:srgbClr val="000000">
+                <a:alpha val="35000"/>
+              </a:srgbClr>
+            </a:outerShdw>
+          </a:effectLst>
+        </p:spPr>
+        <p:style>
+          <a:lnRef idx="1">
+            <a:schemeClr val="accent1"/>
+          </a:lnRef>
+          <a:fillRef idx="3">
+            <a:schemeClr val="accent1"/>
+          </a:fillRef>
+          <a:effectRef idx="2">
+            <a:schemeClr val="accent1"/>
+          </a:effectRef>
+          <a:fontRef idx="minor"/>
+        </p:style>
+        <p:txBody>
+          <a:bodyPr lIns="90000" rIns="90000" tIns="45000" bIns="45000" anchor="ctr">
+            <a:noAutofit/>
+          </a:bodyPr>
+          <a:p>
+            <a:endParaRPr b="0" lang="en-US" sz="1800" spc="-1" strike="noStrike">
+              <a:solidFill>
+                <a:schemeClr val="lt1"/>
+              </a:solidFill>
+              <a:latin typeface="Calibri"/>
+              <a:ea typeface="DejaVu Sans"/>
+            </a:endParaRPr>
+          </a:p>
+        </p:txBody>
+      </p:sp>
+      <p:sp>
+        <p:nvSpPr>
+          <p:cNvPr id="403" name="Rounded Rectangle 57"/>
+          <p:cNvSpPr/>
+          <p:nvPr/>
+        </p:nvSpPr>
+        <p:spPr>
+          <a:xfrm>
+            <a:off x="9875520" y="365760"/>
+            <a:ext cx="2010240" cy="501480"/>
+          </a:xfrm>
+          <a:prstGeom prst="roundRect">
+            <a:avLst>
+              <a:gd name="adj" fmla="val 16667"/>
+            </a:avLst>
+          </a:prstGeom>
+          <a:solidFill>
+            <a:srgbClr val="1e1e24"/>
+          </a:solidFill>
+          <a:ln>
+            <a:solidFill>
+              <a:srgbClr val="ff8c00"/>
+            </a:solidFill>
+            <a:round/>
+          </a:ln>
+          <a:effectLst>
+            <a:outerShdw blurRad="39960" dir="5400000" dist="23040" rotWithShape="0">
+              <a:srgbClr val="000000">
+                <a:alpha val="35000"/>
+              </a:srgbClr>
+            </a:outerShdw>
+          </a:effectLst>
+        </p:spPr>
+        <p:style>
+          <a:lnRef idx="1">
+            <a:schemeClr val="accent1"/>
+          </a:lnRef>
+          <a:fillRef idx="3">
+            <a:schemeClr val="accent1"/>
+          </a:fillRef>
+          <a:effectRef idx="2">
+            <a:schemeClr val="accent1"/>
+          </a:effectRef>
+          <a:fontRef idx="minor"/>
+        </p:style>
+        <p:txBody>
+          <a:bodyPr lIns="90000" rIns="90000" tIns="45000" bIns="45000" anchor="ctr">
+            <a:noAutofit/>
+          </a:bodyPr>
+          <a:p>
+            <a:pPr algn="ctr">
+              <a:lnSpc>
+                <a:spcPct val="100000"/>
+              </a:lnSpc>
+            </a:pPr>
+            <a:r>
+              <a:rPr b="1" lang="en-US" sz="1400" spc="-1" strike="noStrike">
+                <a:solidFill>
+                  <a:srgbClr val="ffb45a"/>
+                </a:solidFill>
+                <a:latin typeface="Calibri"/>
+                <a:ea typeface="DejaVu Sans"/>
+              </a:rPr>
+              <a:t>JAVA TEMELLERI</a:t>
+            </a:r>
+            <a:endParaRPr b="0" lang="en-US" sz="1400" spc="-1" strike="noStrike">
+              <a:solidFill>
+                <a:srgbClr val="ffffff"/>
+              </a:solidFill>
+              <a:latin typeface="Arial"/>
+            </a:endParaRPr>
+          </a:p>
+        </p:txBody>
+      </p:sp>
+      <p:sp>
+        <p:nvSpPr>
+          <p:cNvPr id="404" name="TextBox 24"/>
+          <p:cNvSpPr/>
+          <p:nvPr/>
+        </p:nvSpPr>
+        <p:spPr>
+          <a:xfrm>
+            <a:off x="2983320" y="1005840"/>
+            <a:ext cx="5004720" cy="638280"/>
+          </a:xfrm>
+          <a:prstGeom prst="rect">
+            <a:avLst/>
+          </a:prstGeom>
+          <a:noFill/>
+          <a:ln w="0">
+            <a:noFill/>
+          </a:ln>
+        </p:spPr>
+        <p:style>
+          <a:lnRef idx="0"/>
+          <a:fillRef idx="0"/>
+          <a:effectRef idx="0"/>
+          <a:fontRef idx="minor"/>
+        </p:style>
+        <p:txBody>
+          <a:bodyPr wrap="none" lIns="90000" rIns="90000" tIns="45000" bIns="45000" anchor="t">
+            <a:spAutoFit/>
+          </a:bodyPr>
+          <a:p>
+            <a:pPr>
+              <a:lnSpc>
+                <a:spcPct val="100000"/>
+              </a:lnSpc>
+            </a:pPr>
+            <a:r>
+              <a:rPr b="1" lang="en-US" sz="3600" spc="-1" strike="noStrike">
+                <a:solidFill>
+                  <a:srgbClr val="f5f5f5"/>
+                </a:solidFill>
+                <a:latin typeface="Calibri"/>
+                <a:ea typeface="DejaVu Sans"/>
+              </a:rPr>
+              <a:t>JAVA GELİŞTİRME İŞ AKIŞI</a:t>
+            </a:r>
+            <a:endParaRPr b="0" lang="en-US" sz="3600" spc="-1" strike="noStrike">
+              <a:solidFill>
+                <a:srgbClr val="000000"/>
+              </a:solidFill>
+              <a:latin typeface="Arial"/>
+            </a:endParaRPr>
+          </a:p>
+        </p:txBody>
+      </p:sp>
+      <p:sp>
+        <p:nvSpPr>
+          <p:cNvPr id="405" name="TextBox 25"/>
+          <p:cNvSpPr/>
+          <p:nvPr/>
+        </p:nvSpPr>
+        <p:spPr>
+          <a:xfrm>
+            <a:off x="1775880" y="2057400"/>
+            <a:ext cx="7434000" cy="546840"/>
+          </a:xfrm>
+          <a:prstGeom prst="rect">
+            <a:avLst/>
+          </a:prstGeom>
+          <a:noFill/>
+          <a:ln w="0">
+            <a:noFill/>
+          </a:ln>
+        </p:spPr>
+        <p:style>
+          <a:lnRef idx="0"/>
+          <a:fillRef idx="0"/>
+          <a:effectRef idx="0"/>
+          <a:fontRef idx="minor"/>
+        </p:style>
+        <p:txBody>
+          <a:bodyPr wrap="none" lIns="90000" rIns="90000" tIns="45000" bIns="45000" anchor="t">
+            <a:spAutoFit/>
+          </a:bodyPr>
+          <a:p>
+            <a:pPr>
+              <a:lnSpc>
+                <a:spcPct val="100000"/>
+              </a:lnSpc>
+            </a:pPr>
+            <a:r>
+              <a:rPr b="0" lang="en-US" sz="1500" spc="-1" strike="noStrike">
+                <a:solidFill>
+                  <a:srgbClr val="aaaaaa"/>
+                </a:solidFill>
+                <a:latin typeface="Calibri"/>
+                <a:ea typeface="DejaVu Sans"/>
+              </a:rPr>
+              <a:t>Bu slayt, ortam kurulumu tamamlandıktan sonra geliştiricilerin Java programlarını oluşturmak,</a:t>
+            </a:r>
+            <a:endParaRPr b="0" lang="en-US" sz="1500" spc="-1" strike="noStrike">
+              <a:solidFill>
+                <a:srgbClr val="000000"/>
+              </a:solidFill>
+              <a:latin typeface="Arial"/>
+            </a:endParaRPr>
+          </a:p>
+          <a:p>
+            <a:pPr>
+              <a:lnSpc>
+                <a:spcPct val="100000"/>
+              </a:lnSpc>
+            </a:pPr>
+            <a:r>
+              <a:rPr b="0" lang="en-US" sz="1500" spc="-1" strike="noStrike">
+                <a:solidFill>
+                  <a:srgbClr val="aaaaaa"/>
+                </a:solidFill>
+                <a:latin typeface="Calibri"/>
+                <a:ea typeface="DejaVu Sans"/>
+              </a:rPr>
+              <a:t> </a:t>
+            </a:r>
+            <a:r>
+              <a:rPr b="0" lang="en-US" sz="1500" spc="-1" strike="noStrike">
+                <a:solidFill>
+                  <a:srgbClr val="aaaaaa"/>
+                </a:solidFill>
+                <a:latin typeface="Calibri"/>
+                <a:ea typeface="DejaVu Sans"/>
+              </a:rPr>
+              <a:t>test etmek ve geliştirmek için izlediği temel adım adım süreci açıklar.</a:t>
+            </a:r>
+            <a:endParaRPr b="0" lang="en-US" sz="1500" spc="-1" strike="noStrike">
+              <a:solidFill>
+                <a:srgbClr val="000000"/>
+              </a:solidFill>
+              <a:latin typeface="Arial"/>
+            </a:endParaRPr>
+          </a:p>
+        </p:txBody>
+      </p:sp>
+      <p:sp>
+        <p:nvSpPr>
+          <p:cNvPr id="406" name="Rounded Rectangle 58"/>
+          <p:cNvSpPr/>
+          <p:nvPr/>
+        </p:nvSpPr>
+        <p:spPr>
+          <a:xfrm>
+            <a:off x="987480" y="3182040"/>
+            <a:ext cx="3290400" cy="2741760"/>
+          </a:xfrm>
+          <a:prstGeom prst="roundRect">
+            <a:avLst>
+              <a:gd name="adj" fmla="val 16667"/>
+            </a:avLst>
+          </a:prstGeom>
+          <a:solidFill>
+            <a:srgbClr val="08080a"/>
+          </a:solidFill>
+          <a:ln>
+            <a:noFill/>
+          </a:ln>
+          <a:effectLst>
+            <a:outerShdw blurRad="39960" dir="5400000" dist="23040" rotWithShape="0">
+              <a:srgbClr val="000000">
+                <a:alpha val="35000"/>
+              </a:srgbClr>
+            </a:outerShdw>
+          </a:effectLst>
+        </p:spPr>
+        <p:style>
+          <a:lnRef idx="1">
+            <a:schemeClr val="accent1"/>
+          </a:lnRef>
+          <a:fillRef idx="3">
+            <a:schemeClr val="accent1"/>
+          </a:fillRef>
+          <a:effectRef idx="2">
+            <a:schemeClr val="accent1"/>
+          </a:effectRef>
+          <a:fontRef idx="minor"/>
+        </p:style>
+        <p:txBody>
+          <a:bodyPr lIns="90000" rIns="90000" tIns="45000" bIns="45000" anchor="ctr">
+            <a:noAutofit/>
+          </a:bodyPr>
+          <a:p>
+            <a:endParaRPr b="0" lang="en-US" sz="1800" spc="-1" strike="noStrike">
+              <a:solidFill>
+                <a:schemeClr val="lt1"/>
+              </a:solidFill>
+              <a:latin typeface="Calibri"/>
+              <a:ea typeface="DejaVu Sans"/>
+            </a:endParaRPr>
+          </a:p>
+        </p:txBody>
+      </p:sp>
+      <p:sp>
+        <p:nvSpPr>
+          <p:cNvPr id="407" name="Rounded Rectangle 59"/>
+          <p:cNvSpPr/>
+          <p:nvPr/>
+        </p:nvSpPr>
+        <p:spPr>
+          <a:xfrm>
+            <a:off x="914400" y="3108960"/>
+            <a:ext cx="3290400" cy="2741760"/>
+          </a:xfrm>
+          <a:prstGeom prst="roundRect">
+            <a:avLst>
+              <a:gd name="adj" fmla="val 16667"/>
+            </a:avLst>
+          </a:prstGeom>
+          <a:solidFill>
+            <a:srgbClr val="16161c"/>
+          </a:solidFill>
+          <a:ln>
+            <a:solidFill>
+              <a:srgbClr val="464655"/>
+            </a:solidFill>
+            <a:round/>
+          </a:ln>
+          <a:effectLst>
+            <a:outerShdw blurRad="39960" dir="5400000" dist="23040" rotWithShape="0">
+              <a:srgbClr val="000000">
+                <a:alpha val="35000"/>
+              </a:srgbClr>
+            </a:outerShdw>
+          </a:effectLst>
+        </p:spPr>
+        <p:style>
+          <a:lnRef idx="1">
+            <a:schemeClr val="accent1"/>
+          </a:lnRef>
+          <a:fillRef idx="3">
+            <a:schemeClr val="accent1"/>
+          </a:fillRef>
+          <a:effectRef idx="2">
+            <a:schemeClr val="accent1"/>
+          </a:effectRef>
+          <a:fontRef idx="minor"/>
+        </p:style>
+        <p:txBody>
+          <a:bodyPr lIns="90000" rIns="90000" tIns="45000" bIns="45000" anchor="ctr">
+            <a:noAutofit/>
+          </a:bodyPr>
+          <a:p>
+            <a:pPr>
+              <a:lnSpc>
+                <a:spcPct val="100000"/>
+              </a:lnSpc>
+            </a:pPr>
+            <a:r>
+              <a:rPr b="1" lang="en-US" sz="1400" spc="-1" strike="noStrike">
+                <a:solidFill>
+                  <a:schemeClr val="lt1"/>
+                </a:solidFill>
+                <a:latin typeface="Calibri"/>
+                <a:ea typeface="DejaVu Sans"/>
+              </a:rPr>
+              <a:t>Kurulumdan sonra Java programlama şu basit geliştirme döngüsünü izler:</a:t>
+            </a:r>
+            <a:endParaRPr b="0" lang="en-US" sz="1400" spc="-1" strike="noStrike">
+              <a:solidFill>
+                <a:srgbClr val="ffffff"/>
+              </a:solidFill>
+              <a:latin typeface="Arial"/>
+            </a:endParaRPr>
+          </a:p>
+          <a:p>
+            <a:pPr>
+              <a:lnSpc>
+                <a:spcPct val="100000"/>
+              </a:lnSpc>
+            </a:pPr>
+            <a:endParaRPr b="0" lang="en-US" sz="1400" spc="-1" strike="noStrike">
+              <a:solidFill>
+                <a:srgbClr val="ffffff"/>
+              </a:solidFill>
+              <a:latin typeface="Arial"/>
+            </a:endParaRPr>
+          </a:p>
+          <a:p>
+            <a:pPr marL="216000" indent="-216000">
+              <a:lnSpc>
+                <a:spcPct val="100000"/>
+              </a:lnSpc>
+              <a:buClr>
+                <a:srgbClr val="ffffff"/>
+              </a:buClr>
+              <a:buFont typeface="StarSymbol"/>
+              <a:buAutoNum type="arabicParenR"/>
+            </a:pPr>
+            <a:r>
+              <a:rPr b="1" lang="en-US" sz="1400" spc="-1" strike="noStrike">
+                <a:solidFill>
+                  <a:schemeClr val="lt1"/>
+                </a:solidFill>
+                <a:latin typeface="Calibri"/>
+                <a:ea typeface="DejaVu Sans"/>
+              </a:rPr>
+              <a:t>Programı yaz</a:t>
+            </a:r>
+            <a:endParaRPr b="0" lang="en-US" sz="1400" spc="-1" strike="noStrike">
+              <a:solidFill>
+                <a:srgbClr val="ffffff"/>
+              </a:solidFill>
+              <a:latin typeface="Arial"/>
+            </a:endParaRPr>
+          </a:p>
+          <a:p>
+            <a:pPr marL="216000" indent="-216000">
+              <a:lnSpc>
+                <a:spcPct val="100000"/>
+              </a:lnSpc>
+              <a:buClr>
+                <a:srgbClr val="ffffff"/>
+              </a:buClr>
+              <a:buFont typeface="StarSymbol"/>
+              <a:buAutoNum type="arabicParenR"/>
+            </a:pPr>
+            <a:r>
+              <a:rPr b="1" lang="en-US" sz="1400" spc="-1" strike="noStrike">
+                <a:solidFill>
+                  <a:schemeClr val="lt1"/>
+                </a:solidFill>
+                <a:latin typeface="Calibri"/>
+                <a:ea typeface="DejaVu Sans"/>
+              </a:rPr>
+              <a:t>Programı derle</a:t>
+            </a:r>
+            <a:endParaRPr b="0" lang="en-US" sz="1400" spc="-1" strike="noStrike">
+              <a:solidFill>
+                <a:srgbClr val="ffffff"/>
+              </a:solidFill>
+              <a:latin typeface="Arial"/>
+            </a:endParaRPr>
+          </a:p>
+          <a:p>
+            <a:pPr marL="216000" indent="-216000">
+              <a:lnSpc>
+                <a:spcPct val="100000"/>
+              </a:lnSpc>
+              <a:buClr>
+                <a:srgbClr val="ffffff"/>
+              </a:buClr>
+              <a:buFont typeface="StarSymbol"/>
+              <a:buAutoNum type="arabicParenR"/>
+            </a:pPr>
+            <a:r>
+              <a:rPr b="1" lang="en-US" sz="1400" spc="-1" strike="noStrike">
+                <a:solidFill>
+                  <a:schemeClr val="lt1"/>
+                </a:solidFill>
+                <a:latin typeface="Calibri"/>
+                <a:ea typeface="DejaVu Sans"/>
+              </a:rPr>
+              <a:t>Programı çalıştır</a:t>
+            </a:r>
+            <a:endParaRPr b="0" lang="en-US" sz="1400" spc="-1" strike="noStrike">
+              <a:solidFill>
+                <a:srgbClr val="ffffff"/>
+              </a:solidFill>
+              <a:latin typeface="Arial"/>
+            </a:endParaRPr>
+          </a:p>
+          <a:p>
+            <a:pPr marL="216000" indent="-216000">
+              <a:lnSpc>
+                <a:spcPct val="100000"/>
+              </a:lnSpc>
+              <a:buClr>
+                <a:srgbClr val="ffffff"/>
+              </a:buClr>
+              <a:buFont typeface="StarSymbol"/>
+              <a:buAutoNum type="arabicParenR"/>
+            </a:pPr>
+            <a:r>
+              <a:rPr b="1" lang="en-US" sz="1400" spc="-1" strike="noStrike">
+                <a:solidFill>
+                  <a:schemeClr val="lt1"/>
+                </a:solidFill>
+                <a:latin typeface="Calibri"/>
+                <a:ea typeface="DejaVu Sans"/>
+              </a:rPr>
+              <a:t>Gerekirse hataları düzelt</a:t>
+            </a:r>
+            <a:endParaRPr b="0" lang="en-US" sz="1400" spc="-1" strike="noStrike">
+              <a:solidFill>
+                <a:srgbClr val="ffffff"/>
+              </a:solidFill>
+              <a:latin typeface="Arial"/>
+            </a:endParaRPr>
+          </a:p>
+          <a:p>
+            <a:pPr marL="216000" indent="-216000">
+              <a:lnSpc>
+                <a:spcPct val="100000"/>
+              </a:lnSpc>
+              <a:buClr>
+                <a:srgbClr val="ffffff"/>
+              </a:buClr>
+              <a:buFont typeface="StarSymbol"/>
+              <a:buAutoNum type="arabicParenR"/>
+            </a:pPr>
+            <a:r>
+              <a:rPr b="1" lang="en-US" sz="1400" spc="-1" strike="noStrike">
+                <a:solidFill>
+                  <a:schemeClr val="lt1"/>
+                </a:solidFill>
+                <a:latin typeface="Calibri"/>
+                <a:ea typeface="DejaVu Sans"/>
+              </a:rPr>
+              <a:t>Süreci tekrarla</a:t>
+            </a:r>
+            <a:endParaRPr b="0" lang="en-US" sz="1400" spc="-1" strike="noStrike">
+              <a:solidFill>
+                <a:srgbClr val="ffffff"/>
+              </a:solidFill>
+              <a:latin typeface="Arial"/>
+            </a:endParaRPr>
+          </a:p>
+          <a:p>
+            <a:pPr>
+              <a:lnSpc>
+                <a:spcPct val="100000"/>
+              </a:lnSpc>
+            </a:pPr>
+            <a:endParaRPr b="0" lang="en-US" sz="1400" spc="-1" strike="noStrike">
+              <a:solidFill>
+                <a:srgbClr val="ffffff"/>
+              </a:solidFill>
+              <a:latin typeface="Arial"/>
+            </a:endParaRPr>
+          </a:p>
+          <a:p>
+            <a:pPr>
+              <a:lnSpc>
+                <a:spcPct val="100000"/>
+              </a:lnSpc>
+            </a:pPr>
+            <a:r>
+              <a:rPr b="1" lang="en-US" sz="1400" spc="-1" strike="noStrike">
+                <a:solidFill>
+                  <a:schemeClr val="lt1"/>
+                </a:solidFill>
+                <a:latin typeface="Calibri"/>
+                <a:ea typeface="DejaVu Sans"/>
+              </a:rPr>
+              <a:t>Bu döngü, gerçek dünyadaki Java yazılımlarının nasıl geliştirildiğini gösterir.</a:t>
+            </a:r>
+            <a:endParaRPr b="0" lang="en-US" sz="1400" spc="-1" strike="noStrike">
+              <a:solidFill>
+                <a:srgbClr val="ffffff"/>
+              </a:solidFill>
+              <a:latin typeface="Arial"/>
+            </a:endParaRPr>
+          </a:p>
+        </p:txBody>
+      </p:sp>
+      <p:sp>
+        <p:nvSpPr>
+          <p:cNvPr id="408" name="Rounded Rectangle 60"/>
+          <p:cNvSpPr/>
+          <p:nvPr/>
+        </p:nvSpPr>
+        <p:spPr>
+          <a:xfrm>
+            <a:off x="4507920" y="3182040"/>
+            <a:ext cx="3290400" cy="2741760"/>
+          </a:xfrm>
+          <a:prstGeom prst="roundRect">
+            <a:avLst>
+              <a:gd name="adj" fmla="val 16667"/>
+            </a:avLst>
+          </a:prstGeom>
+          <a:solidFill>
+            <a:srgbClr val="08080a"/>
+          </a:solidFill>
+          <a:ln>
+            <a:noFill/>
+          </a:ln>
+          <a:effectLst>
+            <a:outerShdw blurRad="39960" dir="5400000" dist="23040" rotWithShape="0">
+              <a:srgbClr val="000000">
+                <a:alpha val="35000"/>
+              </a:srgbClr>
+            </a:outerShdw>
+          </a:effectLst>
+        </p:spPr>
+        <p:style>
+          <a:lnRef idx="1">
+            <a:schemeClr val="accent1"/>
+          </a:lnRef>
+          <a:fillRef idx="3">
+            <a:schemeClr val="accent1"/>
+          </a:fillRef>
+          <a:effectRef idx="2">
+            <a:schemeClr val="accent1"/>
+          </a:effectRef>
+          <a:fontRef idx="minor"/>
+        </p:style>
+        <p:txBody>
+          <a:bodyPr lIns="90000" rIns="90000" tIns="45000" bIns="45000" anchor="ctr">
+            <a:noAutofit/>
+          </a:bodyPr>
+          <a:p>
+            <a:endParaRPr b="0" lang="en-US" sz="1800" spc="-1" strike="noStrike">
+              <a:solidFill>
+                <a:schemeClr val="lt1"/>
+              </a:solidFill>
+              <a:latin typeface="Calibri"/>
+              <a:ea typeface="DejaVu Sans"/>
+            </a:endParaRPr>
+          </a:p>
+        </p:txBody>
+      </p:sp>
+      <p:sp>
+        <p:nvSpPr>
+          <p:cNvPr id="409" name="Rounded Rectangle 61"/>
+          <p:cNvSpPr/>
+          <p:nvPr/>
+        </p:nvSpPr>
+        <p:spPr>
+          <a:xfrm>
+            <a:off x="4434840" y="3108960"/>
+            <a:ext cx="3290400" cy="2741760"/>
+          </a:xfrm>
+          <a:prstGeom prst="roundRect">
+            <a:avLst>
+              <a:gd name="adj" fmla="val 16667"/>
+            </a:avLst>
+          </a:prstGeom>
+          <a:solidFill>
+            <a:srgbClr val="16161c"/>
+          </a:solidFill>
+          <a:ln>
+            <a:solidFill>
+              <a:srgbClr val="464655"/>
+            </a:solidFill>
+            <a:round/>
+          </a:ln>
+          <a:effectLst>
+            <a:outerShdw blurRad="39960" dir="5400000" dist="23040" rotWithShape="0">
+              <a:srgbClr val="000000">
+                <a:alpha val="35000"/>
+              </a:srgbClr>
+            </a:outerShdw>
+          </a:effectLst>
+        </p:spPr>
+        <p:style>
+          <a:lnRef idx="1">
+            <a:schemeClr val="accent1"/>
+          </a:lnRef>
+          <a:fillRef idx="3">
+            <a:schemeClr val="accent1"/>
+          </a:fillRef>
+          <a:effectRef idx="2">
+            <a:schemeClr val="accent1"/>
+          </a:effectRef>
+          <a:fontRef idx="minor"/>
+        </p:style>
+        <p:txBody>
+          <a:bodyPr lIns="90000" rIns="90000" tIns="45000" bIns="45000" anchor="ctr">
+            <a:noAutofit/>
+          </a:bodyPr>
+          <a:p>
+            <a:pPr>
+              <a:lnSpc>
+                <a:spcPct val="100000"/>
+              </a:lnSpc>
+            </a:pPr>
+            <a:r>
+              <a:rPr b="0" lang="en-US" sz="1600" spc="-1" strike="noStrike">
+                <a:solidFill>
+                  <a:schemeClr val="lt1"/>
+                </a:solidFill>
+                <a:latin typeface="Calibri"/>
+                <a:ea typeface="DejaVu Sans"/>
+              </a:rPr>
+              <a:t>Kodu Yaz</a:t>
+            </a:r>
+            <a:endParaRPr b="0" lang="en-US" sz="1600" spc="-1" strike="noStrike">
+              <a:solidFill>
+                <a:srgbClr val="ffffff"/>
+              </a:solidFill>
+              <a:latin typeface="Arial"/>
+            </a:endParaRPr>
+          </a:p>
+          <a:p>
+            <a:pPr>
+              <a:lnSpc>
+                <a:spcPct val="100000"/>
+              </a:lnSpc>
+            </a:pPr>
+            <a:r>
+              <a:rPr b="0" lang="en-US" sz="1600" spc="-1" strike="noStrike">
+                <a:solidFill>
+                  <a:schemeClr val="lt1"/>
+                </a:solidFill>
+                <a:latin typeface="Calibri"/>
+                <a:ea typeface="DejaVu Sans"/>
+              </a:rPr>
+              <a:t>⬇</a:t>
+            </a:r>
+            <a:endParaRPr b="0" lang="en-US" sz="1600" spc="-1" strike="noStrike">
+              <a:solidFill>
+                <a:srgbClr val="ffffff"/>
+              </a:solidFill>
+              <a:latin typeface="Arial"/>
+            </a:endParaRPr>
+          </a:p>
+          <a:p>
+            <a:pPr>
+              <a:lnSpc>
+                <a:spcPct val="100000"/>
+              </a:lnSpc>
+            </a:pPr>
+            <a:r>
+              <a:rPr b="0" lang="en-US" sz="1600" spc="-1" strike="noStrike">
+                <a:solidFill>
+                  <a:schemeClr val="lt1"/>
+                </a:solidFill>
+                <a:latin typeface="Calibri"/>
+                <a:ea typeface="DejaVu Sans"/>
+              </a:rPr>
+              <a:t>Derle → javac</a:t>
+            </a:r>
+            <a:endParaRPr b="0" lang="en-US" sz="1600" spc="-1" strike="noStrike">
+              <a:solidFill>
+                <a:srgbClr val="ffffff"/>
+              </a:solidFill>
+              <a:latin typeface="Arial"/>
+            </a:endParaRPr>
+          </a:p>
+          <a:p>
+            <a:pPr>
+              <a:lnSpc>
+                <a:spcPct val="100000"/>
+              </a:lnSpc>
+            </a:pPr>
+            <a:r>
+              <a:rPr b="0" lang="en-US" sz="1600" spc="-1" strike="noStrike">
+                <a:solidFill>
+                  <a:schemeClr val="lt1"/>
+                </a:solidFill>
+                <a:latin typeface="Calibri"/>
+                <a:ea typeface="DejaVu Sans"/>
+              </a:rPr>
+              <a:t>⬇</a:t>
+            </a:r>
+            <a:endParaRPr b="0" lang="en-US" sz="1600" spc="-1" strike="noStrike">
+              <a:solidFill>
+                <a:srgbClr val="ffffff"/>
+              </a:solidFill>
+              <a:latin typeface="Arial"/>
+            </a:endParaRPr>
+          </a:p>
+          <a:p>
+            <a:pPr>
+              <a:lnSpc>
+                <a:spcPct val="100000"/>
+              </a:lnSpc>
+            </a:pPr>
+            <a:r>
+              <a:rPr b="0" lang="en-US" sz="1600" spc="-1" strike="noStrike">
+                <a:solidFill>
+                  <a:schemeClr val="lt1"/>
+                </a:solidFill>
+                <a:latin typeface="Calibri"/>
+                <a:ea typeface="DejaVu Sans"/>
+              </a:rPr>
+              <a:t>Çalıştır → java</a:t>
+            </a:r>
+            <a:endParaRPr b="0" lang="en-US" sz="1600" spc="-1" strike="noStrike">
+              <a:solidFill>
+                <a:srgbClr val="ffffff"/>
+              </a:solidFill>
+              <a:latin typeface="Arial"/>
+            </a:endParaRPr>
+          </a:p>
+          <a:p>
+            <a:pPr>
+              <a:lnSpc>
+                <a:spcPct val="100000"/>
+              </a:lnSpc>
+            </a:pPr>
+            <a:r>
+              <a:rPr b="0" lang="en-US" sz="1600" spc="-1" strike="noStrike">
+                <a:solidFill>
+                  <a:schemeClr val="lt1"/>
+                </a:solidFill>
+                <a:latin typeface="Calibri"/>
+                <a:ea typeface="DejaVu Sans"/>
+              </a:rPr>
+              <a:t>⬇</a:t>
+            </a:r>
+            <a:endParaRPr b="0" lang="en-US" sz="1600" spc="-1" strike="noStrike">
+              <a:solidFill>
+                <a:srgbClr val="ffffff"/>
+              </a:solidFill>
+              <a:latin typeface="Arial"/>
+            </a:endParaRPr>
+          </a:p>
+          <a:p>
+            <a:pPr>
+              <a:lnSpc>
+                <a:spcPct val="100000"/>
+              </a:lnSpc>
+            </a:pPr>
+            <a:r>
+              <a:rPr b="0" lang="en-US" sz="1600" spc="-1" strike="noStrike">
+                <a:solidFill>
+                  <a:schemeClr val="lt1"/>
+                </a:solidFill>
+                <a:latin typeface="Calibri"/>
+                <a:ea typeface="DejaVu Sans"/>
+              </a:rPr>
+              <a:t>Çıktıyı Kontrol Et</a:t>
+            </a:r>
+            <a:endParaRPr b="0" lang="en-US" sz="1600" spc="-1" strike="noStrike">
+              <a:solidFill>
+                <a:srgbClr val="ffffff"/>
+              </a:solidFill>
+              <a:latin typeface="Arial"/>
+            </a:endParaRPr>
+          </a:p>
+          <a:p>
+            <a:pPr>
+              <a:lnSpc>
+                <a:spcPct val="100000"/>
+              </a:lnSpc>
+            </a:pPr>
+            <a:r>
+              <a:rPr b="0" lang="en-US" sz="1600" spc="-1" strike="noStrike">
+                <a:solidFill>
+                  <a:schemeClr val="lt1"/>
+                </a:solidFill>
+                <a:latin typeface="Calibri"/>
+                <a:ea typeface="DejaVu Sans"/>
+              </a:rPr>
+              <a:t>⬇</a:t>
+            </a:r>
+            <a:endParaRPr b="0" lang="en-US" sz="1600" spc="-1" strike="noStrike">
+              <a:solidFill>
+                <a:srgbClr val="ffffff"/>
+              </a:solidFill>
+              <a:latin typeface="Arial"/>
+            </a:endParaRPr>
+          </a:p>
+          <a:p>
+            <a:pPr>
+              <a:lnSpc>
+                <a:spcPct val="100000"/>
+              </a:lnSpc>
+            </a:pPr>
+            <a:r>
+              <a:rPr b="0" lang="en-US" sz="1600" spc="-1" strike="noStrike">
+                <a:solidFill>
+                  <a:schemeClr val="lt1"/>
+                </a:solidFill>
+                <a:latin typeface="Calibri"/>
+                <a:ea typeface="DejaVu Sans"/>
+              </a:rPr>
+              <a:t>Hata Varsa → Kodu Düzelt</a:t>
+            </a:r>
+            <a:endParaRPr b="0" lang="en-US" sz="1600" spc="-1" strike="noStrike">
+              <a:solidFill>
+                <a:srgbClr val="ffffff"/>
+              </a:solidFill>
+              <a:latin typeface="Arial"/>
+            </a:endParaRPr>
+          </a:p>
+          <a:p>
+            <a:pPr>
+              <a:lnSpc>
+                <a:spcPct val="100000"/>
+              </a:lnSpc>
+            </a:pPr>
+            <a:r>
+              <a:rPr b="0" lang="en-US" sz="1600" spc="-1" strike="noStrike">
+                <a:solidFill>
+                  <a:schemeClr val="lt1"/>
+                </a:solidFill>
+                <a:latin typeface="Calibri"/>
+                <a:ea typeface="DejaVu Sans"/>
+              </a:rPr>
+              <a:t>⬇</a:t>
+            </a:r>
+            <a:endParaRPr b="0" lang="en-US" sz="1600" spc="-1" strike="noStrike">
+              <a:solidFill>
+                <a:srgbClr val="ffffff"/>
+              </a:solidFill>
+              <a:latin typeface="Arial"/>
+            </a:endParaRPr>
+          </a:p>
+          <a:p>
+            <a:pPr>
+              <a:lnSpc>
+                <a:spcPct val="100000"/>
+              </a:lnSpc>
+            </a:pPr>
+            <a:r>
+              <a:rPr b="0" lang="en-US" sz="1600" spc="-1" strike="noStrike">
+                <a:solidFill>
+                  <a:schemeClr val="lt1"/>
+                </a:solidFill>
+                <a:latin typeface="Calibri"/>
+                <a:ea typeface="DejaVu Sans"/>
+              </a:rPr>
+              <a:t>Tekrar Derle ve Çalıştır</a:t>
+            </a:r>
+            <a:endParaRPr b="0" lang="en-US" sz="1600" spc="-1" strike="noStrike">
+              <a:solidFill>
+                <a:srgbClr val="ffffff"/>
+              </a:solidFill>
+              <a:latin typeface="Arial"/>
+            </a:endParaRPr>
+          </a:p>
+        </p:txBody>
+      </p:sp>
+      <p:sp>
+        <p:nvSpPr>
+          <p:cNvPr id="410" name="Rounded Rectangle 62"/>
+          <p:cNvSpPr/>
+          <p:nvPr/>
+        </p:nvSpPr>
+        <p:spPr>
+          <a:xfrm>
+            <a:off x="8028360" y="3182040"/>
+            <a:ext cx="3290400" cy="2741760"/>
+          </a:xfrm>
+          <a:prstGeom prst="roundRect">
+            <a:avLst>
+              <a:gd name="adj" fmla="val 16667"/>
+            </a:avLst>
+          </a:prstGeom>
+          <a:solidFill>
+            <a:srgbClr val="08080a"/>
+          </a:solidFill>
+          <a:ln>
+            <a:noFill/>
+          </a:ln>
+          <a:effectLst>
+            <a:outerShdw blurRad="39960" dir="5400000" dist="23040" rotWithShape="0">
+              <a:srgbClr val="000000">
+                <a:alpha val="35000"/>
+              </a:srgbClr>
+            </a:outerShdw>
+          </a:effectLst>
+        </p:spPr>
+        <p:style>
+          <a:lnRef idx="1">
+            <a:schemeClr val="accent1"/>
+          </a:lnRef>
+          <a:fillRef idx="3">
+            <a:schemeClr val="accent1"/>
+          </a:fillRef>
+          <a:effectRef idx="2">
+            <a:schemeClr val="accent1"/>
+          </a:effectRef>
+          <a:fontRef idx="minor"/>
+        </p:style>
+        <p:txBody>
+          <a:bodyPr lIns="90000" rIns="90000" tIns="45000" bIns="45000" anchor="ctr">
+            <a:noAutofit/>
+          </a:bodyPr>
+          <a:p>
+            <a:endParaRPr b="0" lang="en-US" sz="1800" spc="-1" strike="noStrike">
+              <a:solidFill>
+                <a:schemeClr val="lt1"/>
+              </a:solidFill>
+              <a:latin typeface="Calibri"/>
+              <a:ea typeface="DejaVu Sans"/>
+            </a:endParaRPr>
+          </a:p>
+        </p:txBody>
+      </p:sp>
+      <p:sp>
+        <p:nvSpPr>
+          <p:cNvPr id="411" name="Rounded Rectangle 63"/>
+          <p:cNvSpPr/>
+          <p:nvPr/>
+        </p:nvSpPr>
+        <p:spPr>
+          <a:xfrm>
+            <a:off x="7955280" y="3108960"/>
+            <a:ext cx="3290400" cy="2741760"/>
+          </a:xfrm>
+          <a:prstGeom prst="roundRect">
+            <a:avLst>
+              <a:gd name="adj" fmla="val 16667"/>
+            </a:avLst>
+          </a:prstGeom>
+          <a:solidFill>
+            <a:srgbClr val="16161c"/>
+          </a:solidFill>
+          <a:ln>
+            <a:solidFill>
+              <a:srgbClr val="464655"/>
+            </a:solidFill>
+            <a:round/>
+          </a:ln>
+          <a:effectLst>
+            <a:outerShdw blurRad="39960" dir="5400000" dist="23040" rotWithShape="0">
+              <a:srgbClr val="000000">
+                <a:alpha val="35000"/>
+              </a:srgbClr>
+            </a:outerShdw>
+          </a:effectLst>
+        </p:spPr>
+        <p:style>
+          <a:lnRef idx="1">
+            <a:schemeClr val="accent1"/>
+          </a:lnRef>
+          <a:fillRef idx="3">
+            <a:schemeClr val="accent1"/>
+          </a:fillRef>
+          <a:effectRef idx="2">
+            <a:schemeClr val="accent1"/>
+          </a:effectRef>
+          <a:fontRef idx="minor"/>
+        </p:style>
+        <p:txBody>
+          <a:bodyPr lIns="90000" rIns="90000" tIns="45000" bIns="45000" anchor="ctr">
+            <a:noAutofit/>
+          </a:bodyPr>
+          <a:p>
+            <a:pPr algn="ctr">
+              <a:lnSpc>
+                <a:spcPct val="100000"/>
+              </a:lnSpc>
+            </a:pPr>
+            <a:endParaRPr b="0" lang="en-US" sz="1300" spc="-1" strike="noStrike">
+              <a:solidFill>
+                <a:srgbClr val="ffffff"/>
+              </a:solidFill>
+              <a:latin typeface="Arial"/>
+            </a:endParaRPr>
+          </a:p>
+          <a:p>
+            <a:pPr algn="ctr">
+              <a:lnSpc>
+                <a:spcPct val="100000"/>
+              </a:lnSpc>
+            </a:pPr>
+            <a:r>
+              <a:rPr b="0" lang="en-US" sz="1300" spc="-1" strike="noStrike">
+                <a:solidFill>
+                  <a:srgbClr val="78ffc8"/>
+                </a:solidFill>
+                <a:latin typeface="Consolas"/>
+                <a:ea typeface="DejaVu Sans"/>
+              </a:rPr>
+              <a:t>public class Calculator {</a:t>
+            </a:r>
+            <a:endParaRPr b="0" lang="en-US" sz="1300" spc="-1" strike="noStrike">
+              <a:solidFill>
+                <a:srgbClr val="ffffff"/>
+              </a:solidFill>
+              <a:latin typeface="Arial"/>
+            </a:endParaRPr>
+          </a:p>
+          <a:p>
+            <a:pPr algn="ctr">
+              <a:lnSpc>
+                <a:spcPct val="100000"/>
+              </a:lnSpc>
+            </a:pPr>
+            <a:r>
+              <a:rPr b="0" lang="en-US" sz="1300" spc="-1" strike="noStrike">
+                <a:solidFill>
+                  <a:srgbClr val="78ffc8"/>
+                </a:solidFill>
+                <a:latin typeface="Consolas"/>
+                <a:ea typeface="DejaVu Sans"/>
+              </a:rPr>
+              <a:t>    </a:t>
+            </a:r>
+            <a:r>
+              <a:rPr b="0" lang="en-US" sz="1300" spc="-1" strike="noStrike">
+                <a:solidFill>
+                  <a:srgbClr val="78ffc8"/>
+                </a:solidFill>
+                <a:latin typeface="Consolas"/>
+                <a:ea typeface="DejaVu Sans"/>
+              </a:rPr>
+              <a:t>public static void main(String[] args) {</a:t>
+            </a:r>
+            <a:endParaRPr b="0" lang="en-US" sz="1300" spc="-1" strike="noStrike">
+              <a:solidFill>
+                <a:srgbClr val="ffffff"/>
+              </a:solidFill>
+              <a:latin typeface="Arial"/>
+            </a:endParaRPr>
+          </a:p>
+          <a:p>
+            <a:pPr algn="ctr">
+              <a:lnSpc>
+                <a:spcPct val="100000"/>
+              </a:lnSpc>
+            </a:pPr>
+            <a:r>
+              <a:rPr b="0" lang="en-US" sz="1300" spc="-1" strike="noStrike">
+                <a:solidFill>
+                  <a:srgbClr val="78ffc8"/>
+                </a:solidFill>
+                <a:latin typeface="Consolas"/>
+                <a:ea typeface="DejaVu Sans"/>
+              </a:rPr>
+              <a:t>        </a:t>
+            </a:r>
+            <a:r>
+              <a:rPr b="0" lang="en-US" sz="1300" spc="-1" strike="noStrike">
+                <a:solidFill>
+                  <a:srgbClr val="78ffc8"/>
+                </a:solidFill>
+                <a:latin typeface="Consolas"/>
+                <a:ea typeface="DejaVu Sans"/>
+              </a:rPr>
+              <a:t>int sum = 5 + 7;</a:t>
+            </a:r>
+            <a:endParaRPr b="0" lang="en-US" sz="1300" spc="-1" strike="noStrike">
+              <a:solidFill>
+                <a:srgbClr val="ffffff"/>
+              </a:solidFill>
+              <a:latin typeface="Arial"/>
+            </a:endParaRPr>
+          </a:p>
+          <a:p>
+            <a:pPr algn="ctr">
+              <a:lnSpc>
+                <a:spcPct val="100000"/>
+              </a:lnSpc>
+            </a:pPr>
+            <a:r>
+              <a:rPr b="0" lang="en-US" sz="1300" spc="-1" strike="noStrike">
+                <a:solidFill>
+                  <a:srgbClr val="78ffc8"/>
+                </a:solidFill>
+                <a:latin typeface="Consolas"/>
+                <a:ea typeface="DejaVu Sans"/>
+              </a:rPr>
+              <a:t>        </a:t>
+            </a:r>
+            <a:r>
+              <a:rPr b="0" lang="en-US" sz="1300" spc="-1" strike="noStrike">
+                <a:solidFill>
+                  <a:srgbClr val="78ffc8"/>
+                </a:solidFill>
+                <a:latin typeface="Consolas"/>
+                <a:ea typeface="DejaVu Sans"/>
+              </a:rPr>
+              <a:t>System.out.println("Sonuç: " + sum);</a:t>
+            </a:r>
+            <a:endParaRPr b="0" lang="en-US" sz="1300" spc="-1" strike="noStrike">
+              <a:solidFill>
+                <a:srgbClr val="ffffff"/>
+              </a:solidFill>
+              <a:latin typeface="Arial"/>
+            </a:endParaRPr>
+          </a:p>
+          <a:p>
+            <a:pPr algn="ctr">
+              <a:lnSpc>
+                <a:spcPct val="100000"/>
+              </a:lnSpc>
+            </a:pPr>
+            <a:r>
+              <a:rPr b="0" lang="en-US" sz="1300" spc="-1" strike="noStrike">
+                <a:solidFill>
+                  <a:srgbClr val="78ffc8"/>
+                </a:solidFill>
+                <a:latin typeface="Consolas"/>
+                <a:ea typeface="DejaVu Sans"/>
+              </a:rPr>
+              <a:t>    </a:t>
+            </a:r>
+            <a:r>
+              <a:rPr b="0" lang="en-US" sz="1300" spc="-1" strike="noStrike">
+                <a:solidFill>
+                  <a:srgbClr val="78ffc8"/>
+                </a:solidFill>
+                <a:latin typeface="Consolas"/>
+                <a:ea typeface="DejaVu Sans"/>
+              </a:rPr>
+              <a:t>}</a:t>
+            </a:r>
+            <a:endParaRPr b="0" lang="en-US" sz="1300" spc="-1" strike="noStrike">
+              <a:solidFill>
+                <a:srgbClr val="ffffff"/>
+              </a:solidFill>
+              <a:latin typeface="Arial"/>
+            </a:endParaRPr>
+          </a:p>
+          <a:p>
+            <a:pPr algn="ctr">
+              <a:lnSpc>
+                <a:spcPct val="100000"/>
+              </a:lnSpc>
+            </a:pPr>
+            <a:r>
+              <a:rPr b="0" lang="en-US" sz="1300" spc="-1" strike="noStrike">
+                <a:solidFill>
+                  <a:srgbClr val="78ffc8"/>
+                </a:solidFill>
+                <a:latin typeface="Consolas"/>
+                <a:ea typeface="DejaVu Sans"/>
+              </a:rPr>
+              <a:t>}</a:t>
+            </a:r>
+            <a:br>
+              <a:rPr sz="1300"/>
+            </a:br>
+            <a:br>
+              <a:rPr sz="1300"/>
+            </a:br>
+            <a:r>
+              <a:rPr b="0" lang="en-US" sz="1300" spc="-1" strike="noStrike">
+                <a:solidFill>
+                  <a:srgbClr val="78ffc8"/>
+                </a:solidFill>
+                <a:latin typeface="Consolas"/>
+                <a:ea typeface="DejaVu Sans"/>
+              </a:rPr>
+              <a:t>javac Calculator.java</a:t>
+            </a:r>
+            <a:endParaRPr b="0" lang="en-US" sz="1300" spc="-1" strike="noStrike">
+              <a:solidFill>
+                <a:srgbClr val="ffffff"/>
+              </a:solidFill>
+              <a:latin typeface="Arial"/>
+            </a:endParaRPr>
+          </a:p>
+          <a:p>
+            <a:pPr algn="ctr">
+              <a:lnSpc>
+                <a:spcPct val="100000"/>
+              </a:lnSpc>
+            </a:pPr>
+            <a:r>
+              <a:rPr b="0" lang="en-US" sz="1300" spc="-1" strike="noStrike">
+                <a:solidFill>
+                  <a:srgbClr val="78ffc8"/>
+                </a:solidFill>
+                <a:latin typeface="Consolas"/>
+                <a:ea typeface="DejaVu Sans"/>
+              </a:rPr>
+              <a:t>java Calculator</a:t>
+            </a:r>
+            <a:endParaRPr b="0" lang="en-US" sz="1300" spc="-1" strike="noStrike">
+              <a:solidFill>
+                <a:srgbClr val="ffffff"/>
+              </a:solidFill>
+              <a:latin typeface="Arial"/>
+            </a:endParaRPr>
+          </a:p>
+          <a:p>
+            <a:pPr algn="ctr">
+              <a:lnSpc>
+                <a:spcPct val="100000"/>
+              </a:lnSpc>
+            </a:pPr>
+            <a:endParaRPr b="0" lang="en-US" sz="1300" spc="-1" strike="noStrike">
+              <a:solidFill>
+                <a:srgbClr val="ffffff"/>
+              </a:solidFill>
+              <a:latin typeface="Arial"/>
+            </a:endParaRPr>
+          </a:p>
+          <a:p>
+            <a:pPr algn="ctr">
+              <a:lnSpc>
+                <a:spcPct val="100000"/>
+              </a:lnSpc>
+            </a:pPr>
+            <a:endParaRPr b="0" lang="en-US" sz="1300" spc="-1" strike="noStrike">
+              <a:solidFill>
+                <a:srgbClr val="ffffff"/>
+              </a:solidFill>
+              <a:latin typeface="Arial"/>
+            </a:endParaRPr>
+          </a:p>
+        </p:txBody>
+      </p:sp>
+      <p:sp>
+        <p:nvSpPr>
+          <p:cNvPr id="412" name="TextBox 27"/>
+          <p:cNvSpPr/>
+          <p:nvPr/>
+        </p:nvSpPr>
+        <p:spPr>
+          <a:xfrm>
+            <a:off x="4600080" y="6446520"/>
+            <a:ext cx="3051360" cy="363960"/>
           </a:xfrm>
           <a:prstGeom prst="rect">
             <a:avLst/>
@@ -29334,10 +34097,10 @@
   <a:themeElements>
     <a:clrScheme name="Office">
       <a:dk1>
-        <a:sysClr val="windowText" lastClr="000000"/>
+        <a:srgbClr val="000000"/>
       </a:dk1>
       <a:lt1>
-        <a:sysClr val="window" lastClr="FFFFFF"/>
+        <a:srgbClr val="ffffff"/>
       </a:lt1>
       <a:dk2>
         <a:srgbClr val="1f497d"/>

--- a/Java/Java #2/TR/Java #2.pptx
+++ b/Java/Java #2/TR/Java #2.pptx
@@ -17,6 +17,8 @@
     <p:sldId id="261" r:id="rId12"/>
     <p:sldId id="262" r:id="rId13"/>
     <p:sldId id="263" r:id="rId14"/>
+    <p:sldId id="264" r:id="rId15"/>
+    <p:sldId id="265" r:id="rId16"/>
   </p:sldIdLst>
   <p:sldSz cx="9144000" cy="6858000"/>
   <p:notesSz cx="7772400" cy="10058400"/>
@@ -74,7 +76,7 @@
         <p:txBody>
           <a:bodyPr/>
           <a:p>
-            <a:fld id="{41C1BB08-356D-4669-9AA5-929E81895774}" type="slidenum">
+            <a:fld id="{ED28D025-19E0-4AE9-B3C1-285FBC6411D3}" type="slidenum">
               <a:t>&lt;#&gt;</a:t>
             </a:fld>
           </a:p>
@@ -283,7 +285,7 @@
         <p:txBody>
           <a:bodyPr/>
           <a:p>
-            <a:fld id="{0BA0DB65-3B69-4983-8ACA-105593DBE847}" type="slidenum">
+            <a:fld id="{895377CF-1077-42CD-848D-59D5B1D89189}" type="slidenum">
               <a:t>&lt;#&gt;</a:t>
             </a:fld>
           </a:p>
@@ -578,7 +580,7 @@
         <p:txBody>
           <a:bodyPr/>
           <a:p>
-            <a:fld id="{1167A658-FE18-46AB-9E9F-E54906A9CA4B}" type="slidenum">
+            <a:fld id="{790A1789-B44F-4A9A-8BC7-A64DAF04E262}" type="slidenum">
               <a:t>&lt;#&gt;</a:t>
             </a:fld>
           </a:p>
@@ -959,7 +961,7 @@
         <p:txBody>
           <a:bodyPr/>
           <a:p>
-            <a:fld id="{00D12CB9-4D2E-40D9-AD7E-ECA61675B89D}" type="slidenum">
+            <a:fld id="{EBF5456D-A539-40F8-8B3C-D625854E0DCD}" type="slidenum">
               <a:t>&lt;#&gt;</a:t>
             </a:fld>
           </a:p>
@@ -1042,7 +1044,7 @@
         <p:txBody>
           <a:bodyPr/>
           <a:p>
-            <a:fld id="{706071FC-5C02-4C49-B9E7-2CB52F8FF1B8}" type="slidenum">
+            <a:fld id="{D245FB99-404E-4B08-9237-A12BDA0A658C}" type="slidenum">
               <a:t>&lt;#&gt;</a:t>
             </a:fld>
           </a:p>
@@ -1205,7 +1207,7 @@
         <p:txBody>
           <a:bodyPr/>
           <a:p>
-            <a:fld id="{995C742D-F136-4161-9D69-BE80415A6244}" type="slidenum">
+            <a:fld id="{BB50B8D5-CB09-4EF2-BCB1-6432CCE2D002}" type="slidenum">
               <a:t>&lt;#&gt;</a:t>
             </a:fld>
           </a:p>
@@ -1371,7 +1373,7 @@
         <p:txBody>
           <a:bodyPr/>
           <a:p>
-            <a:fld id="{781E33E5-EBBE-4B42-AF2A-2BCEDE723D6E}" type="slidenum">
+            <a:fld id="{51FFF644-ABF2-4F3F-A43C-2FE187F4945A}" type="slidenum">
               <a:t>&lt;#&gt;</a:t>
             </a:fld>
           </a:p>
@@ -1580,7 +1582,7 @@
         <p:txBody>
           <a:bodyPr/>
           <a:p>
-            <a:fld id="{89B3A5FE-E3D7-4D17-9285-774FA2F4AC6B}" type="slidenum">
+            <a:fld id="{306BB96C-599C-43A6-AF0A-E1D6113E6A06}" type="slidenum">
               <a:t>&lt;#&gt;</a:t>
             </a:fld>
           </a:p>
@@ -1703,7 +1705,7 @@
         <p:txBody>
           <a:bodyPr/>
           <a:p>
-            <a:fld id="{850EF7E0-7FF2-4B2B-8420-E6A91942BAB3}" type="slidenum">
+            <a:fld id="{DE8DB74A-1FC5-4734-B683-2D455B0EF7B5}" type="slidenum">
               <a:t>&lt;#&gt;</a:t>
             </a:fld>
           </a:p>
@@ -1824,7 +1826,7 @@
         <p:txBody>
           <a:bodyPr/>
           <a:p>
-            <a:fld id="{96CFA858-0AE9-4EAF-BE47-0444401E3C20}" type="slidenum">
+            <a:fld id="{8E4373A9-D7AC-47F8-9942-7DA09738EF56}" type="slidenum">
               <a:t>&lt;#&gt;</a:t>
             </a:fld>
           </a:p>
@@ -2076,7 +2078,7 @@
         <p:txBody>
           <a:bodyPr/>
           <a:p>
-            <a:fld id="{DB36484C-DD5F-489F-B445-92AD1A20A2F4}" type="slidenum">
+            <a:fld id="{42BB532C-055D-4023-BB57-59897885B738}" type="slidenum">
               <a:t>&lt;#&gt;</a:t>
             </a:fld>
           </a:p>
@@ -2239,7 +2241,7 @@
         <p:txBody>
           <a:bodyPr/>
           <a:p>
-            <a:fld id="{AF9ED49B-7185-4330-8C1C-D54AA9BEB3FE}" type="slidenum">
+            <a:fld id="{96D96CA3-F7E9-4B5B-9887-4B87C64A59CC}" type="slidenum">
               <a:t>&lt;#&gt;</a:t>
             </a:fld>
           </a:p>
@@ -2491,7 +2493,7 @@
         <p:txBody>
           <a:bodyPr/>
           <a:p>
-            <a:fld id="{FF994C81-4D65-4CEF-BD1E-1E04EC7E6681}" type="slidenum">
+            <a:fld id="{F05D4FC1-BAF3-48CD-871B-C6DFA3A09488}" type="slidenum">
               <a:t>&lt;#&gt;</a:t>
             </a:fld>
           </a:p>
@@ -2743,7 +2745,7 @@
         <p:txBody>
           <a:bodyPr/>
           <a:p>
-            <a:fld id="{0EB5D077-6996-4EAF-98B4-1FB2B28C9074}" type="slidenum">
+            <a:fld id="{EEB8E50B-9FE3-4859-A072-718A33FEB2D7}" type="slidenum">
               <a:t>&lt;#&gt;</a:t>
             </a:fld>
           </a:p>
@@ -2952,7 +2954,7 @@
         <p:txBody>
           <a:bodyPr/>
           <a:p>
-            <a:fld id="{26D99DC5-0474-4639-8492-3972910945AE}" type="slidenum">
+            <a:fld id="{2707C49A-B9A7-42C0-B646-4196438A4776}" type="slidenum">
               <a:t>&lt;#&gt;</a:t>
             </a:fld>
           </a:p>
@@ -3247,7 +3249,7 @@
         <p:txBody>
           <a:bodyPr/>
           <a:p>
-            <a:fld id="{3A98BED1-B09A-4B01-A5E7-F7B38960BD5D}" type="slidenum">
+            <a:fld id="{14DCE0C0-8DDD-4124-A88A-B966C0DAE10A}" type="slidenum">
               <a:t>&lt;#&gt;</a:t>
             </a:fld>
           </a:p>
@@ -3628,7 +3630,7 @@
         <p:txBody>
           <a:bodyPr/>
           <a:p>
-            <a:fld id="{E401A577-5CB9-483E-9AE3-360D47734064}" type="slidenum">
+            <a:fld id="{58C58A09-2CA3-478B-B86C-66FA661A2C3D}" type="slidenum">
               <a:t>&lt;#&gt;</a:t>
             </a:fld>
           </a:p>
@@ -3711,7 +3713,7 @@
         <p:txBody>
           <a:bodyPr/>
           <a:p>
-            <a:fld id="{AC48E0ED-33CA-4467-B43A-CFACF8486D1F}" type="slidenum">
+            <a:fld id="{9E7507FD-2DFA-4D82-AA9C-01CE4F3D3274}" type="slidenum">
               <a:t>&lt;#&gt;</a:t>
             </a:fld>
           </a:p>
@@ -3874,7 +3876,7 @@
         <p:txBody>
           <a:bodyPr/>
           <a:p>
-            <a:fld id="{EB7C9919-D53A-49DA-9BA9-E6E01DF006B8}" type="slidenum">
+            <a:fld id="{0BD3B548-C674-4EB2-8320-A64A498A739D}" type="slidenum">
               <a:t>&lt;#&gt;</a:t>
             </a:fld>
           </a:p>
@@ -4040,7 +4042,7 @@
         <p:txBody>
           <a:bodyPr/>
           <a:p>
-            <a:fld id="{FBE0DBB4-B5E9-499C-957C-4E2FA25BCC19}" type="slidenum">
+            <a:fld id="{3707C5DE-604B-4FB8-ACFE-CCC5E8F95AD0}" type="slidenum">
               <a:t>&lt;#&gt;</a:t>
             </a:fld>
           </a:p>
@@ -4249,7 +4251,7 @@
         <p:txBody>
           <a:bodyPr/>
           <a:p>
-            <a:fld id="{3437848A-343C-41DD-AE00-73FC8BEC3537}" type="slidenum">
+            <a:fld id="{200A3031-1D4C-439A-8D0F-F22BFDFF1A12}" type="slidenum">
               <a:t>&lt;#&gt;</a:t>
             </a:fld>
           </a:p>
@@ -4372,7 +4374,7 @@
         <p:txBody>
           <a:bodyPr/>
           <a:p>
-            <a:fld id="{F43A1898-6BE3-4589-9CE6-4AA34F928E08}" type="slidenum">
+            <a:fld id="{4E1273BE-42B6-4180-AC82-EC665E97CF0E}" type="slidenum">
               <a:t>&lt;#&gt;</a:t>
             </a:fld>
           </a:p>
@@ -4538,7 +4540,7 @@
         <p:txBody>
           <a:bodyPr/>
           <a:p>
-            <a:fld id="{2D1565FF-5AB7-4180-9797-30EBBEDD4FCC}" type="slidenum">
+            <a:fld id="{C24AD53D-9BB3-4D60-A963-B4A362EA792E}" type="slidenum">
               <a:t>&lt;#&gt;</a:t>
             </a:fld>
           </a:p>
@@ -4659,7 +4661,7 @@
         <p:txBody>
           <a:bodyPr/>
           <a:p>
-            <a:fld id="{B23457EC-E38E-436C-A26C-9A20EF66B849}" type="slidenum">
+            <a:fld id="{193403CD-B2C9-4A5A-A0D7-5E53EB9A9E23}" type="slidenum">
               <a:t>&lt;#&gt;</a:t>
             </a:fld>
           </a:p>
@@ -4911,7 +4913,7 @@
         <p:txBody>
           <a:bodyPr/>
           <a:p>
-            <a:fld id="{5B6C5D55-9D55-4502-860B-A105FAC01D5C}" type="slidenum">
+            <a:fld id="{3872F20E-3707-4E8E-A120-B6FACDD3523A}" type="slidenum">
               <a:t>&lt;#&gt;</a:t>
             </a:fld>
           </a:p>
@@ -5163,7 +5165,7 @@
         <p:txBody>
           <a:bodyPr/>
           <a:p>
-            <a:fld id="{7E89E58D-0DDC-4ACF-9B80-E228B40EBC35}" type="slidenum">
+            <a:fld id="{016FF69A-B3E1-44BF-A2F0-1D7E4462D7A2}" type="slidenum">
               <a:t>&lt;#&gt;</a:t>
             </a:fld>
           </a:p>
@@ -5415,7 +5417,7 @@
         <p:txBody>
           <a:bodyPr/>
           <a:p>
-            <a:fld id="{DE1ACF36-DFD8-4DC5-A2FA-C057CA088F43}" type="slidenum">
+            <a:fld id="{387DF8B2-5F92-4D45-A48E-8A89349C1DD0}" type="slidenum">
               <a:t>&lt;#&gt;</a:t>
             </a:fld>
           </a:p>
@@ -5624,7 +5626,7 @@
         <p:txBody>
           <a:bodyPr/>
           <a:p>
-            <a:fld id="{E7AEB188-61B9-4A8C-960D-DEA14B614E8C}" type="slidenum">
+            <a:fld id="{72A2DDC6-3FE1-4C11-B550-897B61E24215}" type="slidenum">
               <a:t>&lt;#&gt;</a:t>
             </a:fld>
           </a:p>
@@ -5919,7 +5921,7 @@
         <p:txBody>
           <a:bodyPr/>
           <a:p>
-            <a:fld id="{0FA9CB16-A66E-470B-BC00-640D94BBB2E6}" type="slidenum">
+            <a:fld id="{96A35D5D-A4BF-4CD1-A851-2EE71ABB112B}" type="slidenum">
               <a:t>&lt;#&gt;</a:t>
             </a:fld>
           </a:p>
@@ -6300,7 +6302,7 @@
         <p:txBody>
           <a:bodyPr/>
           <a:p>
-            <a:fld id="{002856B5-5332-4D7A-8238-49ACE0A8C5C3}" type="slidenum">
+            <a:fld id="{018A4674-D086-40DB-A567-EF1DB3FF89FB}" type="slidenum">
               <a:t>&lt;#&gt;</a:t>
             </a:fld>
           </a:p>
@@ -6383,7 +6385,7 @@
         <p:txBody>
           <a:bodyPr/>
           <a:p>
-            <a:fld id="{FEFBAC94-914E-4387-8460-DAF4724B03A0}" type="slidenum">
+            <a:fld id="{322E4650-5007-4510-ADBF-716D29822D58}" type="slidenum">
               <a:t>&lt;#&gt;</a:t>
             </a:fld>
           </a:p>
@@ -6546,7 +6548,7 @@
         <p:txBody>
           <a:bodyPr/>
           <a:p>
-            <a:fld id="{0EB68B78-7469-4B17-9AF1-8613CCA891F9}" type="slidenum">
+            <a:fld id="{4BFD1813-BE92-45E4-9B0F-74DE3CA97822}" type="slidenum">
               <a:t>&lt;#&gt;</a:t>
             </a:fld>
           </a:p>
@@ -6712,7 +6714,7 @@
         <p:txBody>
           <a:bodyPr/>
           <a:p>
-            <a:fld id="{8E96763C-E723-4E41-BA8D-556BA1F84186}" type="slidenum">
+            <a:fld id="{B3A26C02-9442-4E5E-A40A-86E126C17B74}" type="slidenum">
               <a:t>&lt;#&gt;</a:t>
             </a:fld>
           </a:p>
@@ -6921,7 +6923,7 @@
         <p:txBody>
           <a:bodyPr/>
           <a:p>
-            <a:fld id="{9AB9F276-6066-413D-A477-CDF67B1F61D1}" type="slidenum">
+            <a:fld id="{DF6AB503-8614-4768-BC0E-4E244F2D9B96}" type="slidenum">
               <a:t>&lt;#&gt;</a:t>
             </a:fld>
           </a:p>
@@ -7130,7 +7132,7 @@
         <p:txBody>
           <a:bodyPr/>
           <a:p>
-            <a:fld id="{AC808699-EFBD-4612-994B-7B945E324A24}" type="slidenum">
+            <a:fld id="{06072B58-ADA8-41DF-8F3A-995B07B0109E}" type="slidenum">
               <a:t>&lt;#&gt;</a:t>
             </a:fld>
           </a:p>
@@ -7253,7 +7255,7 @@
         <p:txBody>
           <a:bodyPr/>
           <a:p>
-            <a:fld id="{722D19BD-DF09-406A-8668-D84D1D8BEA34}" type="slidenum">
+            <a:fld id="{4C26BDDF-CF06-4274-8966-55781B078D4A}" type="slidenum">
               <a:t>&lt;#&gt;</a:t>
             </a:fld>
           </a:p>
@@ -7374,7 +7376,7 @@
         <p:txBody>
           <a:bodyPr/>
           <a:p>
-            <a:fld id="{19229858-A20E-4FC8-9DD6-F21FE9C74CB1}" type="slidenum">
+            <a:fld id="{7B1FE2F1-3514-4A05-9917-4DBF2BCBBFF4}" type="slidenum">
               <a:t>&lt;#&gt;</a:t>
             </a:fld>
           </a:p>
@@ -7626,7 +7628,7 @@
         <p:txBody>
           <a:bodyPr/>
           <a:p>
-            <a:fld id="{6182B8C8-FE87-4CF2-884D-1361B39CAF2E}" type="slidenum">
+            <a:fld id="{0FDF2D8B-6B60-4B20-96EE-1B7926C7F00C}" type="slidenum">
               <a:t>&lt;#&gt;</a:t>
             </a:fld>
           </a:p>
@@ -7878,7 +7880,7 @@
         <p:txBody>
           <a:bodyPr/>
           <a:p>
-            <a:fld id="{8E9372CE-6384-4660-8A91-20D1D4C85618}" type="slidenum">
+            <a:fld id="{5423B802-9C30-4ED7-9E5F-48F8AC78DE04}" type="slidenum">
               <a:t>&lt;#&gt;</a:t>
             </a:fld>
           </a:p>
@@ -8130,7 +8132,7 @@
         <p:txBody>
           <a:bodyPr/>
           <a:p>
-            <a:fld id="{9F82CF5A-E4F2-47E8-B24E-B6D82A8DD36C}" type="slidenum">
+            <a:fld id="{3888BE9E-7879-42D8-A069-063350A38C0E}" type="slidenum">
               <a:t>&lt;#&gt;</a:t>
             </a:fld>
           </a:p>
@@ -8339,7 +8341,7 @@
         <p:txBody>
           <a:bodyPr/>
           <a:p>
-            <a:fld id="{42DF041B-1E32-49D1-9637-C4C1070C8D2F}" type="slidenum">
+            <a:fld id="{2C0937C0-8162-4B32-8914-CD4B9578B168}" type="slidenum">
               <a:t>&lt;#&gt;</a:t>
             </a:fld>
           </a:p>
@@ -8634,7 +8636,7 @@
         <p:txBody>
           <a:bodyPr/>
           <a:p>
-            <a:fld id="{FC017B92-DB32-4F99-9D15-64C952F5CD80}" type="slidenum">
+            <a:fld id="{5303056F-669F-4E8B-9DAC-451BAC8AF8CB}" type="slidenum">
               <a:t>&lt;#&gt;</a:t>
             </a:fld>
           </a:p>
@@ -9015,7 +9017,7 @@
         <p:txBody>
           <a:bodyPr/>
           <a:p>
-            <a:fld id="{21327591-A1CA-4A99-8610-D61AF50559CD}" type="slidenum">
+            <a:fld id="{2CA756B1-5FB7-4B47-B83F-E42421440358}" type="slidenum">
               <a:t>&lt;#&gt;</a:t>
             </a:fld>
           </a:p>
@@ -9098,7 +9100,7 @@
         <p:txBody>
           <a:bodyPr/>
           <a:p>
-            <a:fld id="{73794C18-D88D-4694-8084-6C80284683AA}" type="slidenum">
+            <a:fld id="{3B4CEFF8-CE8C-4ECB-B448-C03639441888}" type="slidenum">
               <a:t>&lt;#&gt;</a:t>
             </a:fld>
           </a:p>
@@ -9221,7 +9223,7 @@
         <p:txBody>
           <a:bodyPr/>
           <a:p>
-            <a:fld id="{10CB179B-1A49-42E6-B0D4-150472D07C53}" type="slidenum">
+            <a:fld id="{6F58828B-A1AB-4175-82E5-03518F0F22DC}" type="slidenum">
               <a:t>&lt;#&gt;</a:t>
             </a:fld>
           </a:p>
@@ -9384,7 +9386,7 @@
         <p:txBody>
           <a:bodyPr/>
           <a:p>
-            <a:fld id="{891DDE16-D6F7-4EDA-BE22-0F8F8D00F617}" type="slidenum">
+            <a:fld id="{F8AC4C2D-AD21-4AED-940C-F4A11B48C9FD}" type="slidenum">
               <a:t>&lt;#&gt;</a:t>
             </a:fld>
           </a:p>
@@ -9550,7 +9552,7 @@
         <p:txBody>
           <a:bodyPr/>
           <a:p>
-            <a:fld id="{F865A154-613E-42AA-AA5D-FFC652728228}" type="slidenum">
+            <a:fld id="{14053EBE-F2DA-491F-82FF-8C6058F4B133}" type="slidenum">
               <a:t>&lt;#&gt;</a:t>
             </a:fld>
           </a:p>
@@ -9759,7 +9761,7 @@
         <p:txBody>
           <a:bodyPr/>
           <a:p>
-            <a:fld id="{26AF8BC7-3842-487D-910C-4E202EAD16CB}" type="slidenum">
+            <a:fld id="{60016CE3-D419-4F18-9282-CDB610AAF368}" type="slidenum">
               <a:t>&lt;#&gt;</a:t>
             </a:fld>
           </a:p>
@@ -9882,7 +9884,7 @@
         <p:txBody>
           <a:bodyPr/>
           <a:p>
-            <a:fld id="{EA2D20F2-3191-4867-B759-2BBB30A1A78C}" type="slidenum">
+            <a:fld id="{4AA7F07C-EE70-4C22-8FBC-A36D8692DD2C}" type="slidenum">
               <a:t>&lt;#&gt;</a:t>
             </a:fld>
           </a:p>
@@ -10003,7 +10005,7 @@
         <p:txBody>
           <a:bodyPr/>
           <a:p>
-            <a:fld id="{C5760A56-8137-4804-B9CC-981BF832C785}" type="slidenum">
+            <a:fld id="{41CE6CE8-6982-45FC-B12A-1A0241E3E7E1}" type="slidenum">
               <a:t>&lt;#&gt;</a:t>
             </a:fld>
           </a:p>
@@ -10255,7 +10257,7 @@
         <p:txBody>
           <a:bodyPr/>
           <a:p>
-            <a:fld id="{416A4E43-6D6E-4066-927E-BB1DFA0E3FD6}" type="slidenum">
+            <a:fld id="{F833ADEB-CB57-44A7-9855-B1CB65C70414}" type="slidenum">
               <a:t>&lt;#&gt;</a:t>
             </a:fld>
           </a:p>
@@ -10507,7 +10509,7 @@
         <p:txBody>
           <a:bodyPr/>
           <a:p>
-            <a:fld id="{E73DB3E9-2B81-4462-A062-2F1848CB3EBA}" type="slidenum">
+            <a:fld id="{9C48B69F-4FA1-4B9F-B1D1-1807E07BE972}" type="slidenum">
               <a:t>&lt;#&gt;</a:t>
             </a:fld>
           </a:p>
@@ -10759,7 +10761,7 @@
         <p:txBody>
           <a:bodyPr/>
           <a:p>
-            <a:fld id="{DADFABCA-8E91-4E65-AB3B-00E711823279}" type="slidenum">
+            <a:fld id="{33266CF1-D378-4180-ACCF-9E1E82AFF439}" type="slidenum">
               <a:t>&lt;#&gt;</a:t>
             </a:fld>
           </a:p>
@@ -10968,7 +10970,7 @@
         <p:txBody>
           <a:bodyPr/>
           <a:p>
-            <a:fld id="{8FC8A0D5-F0A1-4463-AB4E-E1857EF01E77}" type="slidenum">
+            <a:fld id="{886B20FF-ED1D-4859-B1CA-B198FEBDCAF4}" type="slidenum">
               <a:t>&lt;#&gt;</a:t>
             </a:fld>
           </a:p>
@@ -11263,7 +11265,7 @@
         <p:txBody>
           <a:bodyPr/>
           <a:p>
-            <a:fld id="{1C0F788C-0D98-41B9-8CC9-DE947930EC84}" type="slidenum">
+            <a:fld id="{C7D153CE-EB6C-4E08-A07B-BFCA9F18FC91}" type="slidenum">
               <a:t>&lt;#&gt;</a:t>
             </a:fld>
           </a:p>
@@ -11384,7 +11386,7 @@
         <p:txBody>
           <a:bodyPr/>
           <a:p>
-            <a:fld id="{C6EF1388-8AE9-48D7-B354-BAB2C5A56C26}" type="slidenum">
+            <a:fld id="{61DBF95B-D0B8-4B1C-B6FC-79622C310079}" type="slidenum">
               <a:t>&lt;#&gt;</a:t>
             </a:fld>
           </a:p>
@@ -11765,7 +11767,7 @@
         <p:txBody>
           <a:bodyPr/>
           <a:p>
-            <a:fld id="{4AC83D43-5455-4FA7-99DE-BDD34E19322E}" type="slidenum">
+            <a:fld id="{3EFEDE41-162C-4B79-9D6F-2FA9DE774A90}" type="slidenum">
               <a:t>&lt;#&gt;</a:t>
             </a:fld>
           </a:p>
@@ -12017,7 +12019,7 @@
         <p:txBody>
           <a:bodyPr/>
           <a:p>
-            <a:fld id="{E0C7EFD2-E987-4264-BE41-7B9D022E30EC}" type="slidenum">
+            <a:fld id="{2E28CA42-9884-4F33-B809-D1E1FB659616}" type="slidenum">
               <a:t>&lt;#&gt;</a:t>
             </a:fld>
           </a:p>
@@ -12269,7 +12271,7 @@
         <p:txBody>
           <a:bodyPr/>
           <a:p>
-            <a:fld id="{872B7143-8332-4C1B-8A02-574702FE8F16}" type="slidenum">
+            <a:fld id="{F3A320B5-6F0F-4F45-A995-C1D9EDBCC8F7}" type="slidenum">
               <a:t>&lt;#&gt;</a:t>
             </a:fld>
           </a:p>
@@ -12521,7 +12523,7 @@
         <p:txBody>
           <a:bodyPr/>
           <a:p>
-            <a:fld id="{BFC44578-EC5E-4FE5-AFB4-AF5F4E54A002}" type="slidenum">
+            <a:fld id="{8A7DF063-7BE1-44F8-B91C-54DDA689E796}" type="slidenum">
               <a:t>&lt;#&gt;</a:t>
             </a:fld>
           </a:p>
@@ -12590,7 +12592,7 @@
         <p:spPr>
           <a:xfrm>
             <a:off x="3124080" y="6356520"/>
-            <a:ext cx="2892600" cy="362160"/>
+            <a:ext cx="2892240" cy="361800"/>
           </a:xfrm>
           <a:prstGeom prst="rect">
             <a:avLst/>
@@ -12662,7 +12664,7 @@
         <p:spPr>
           <a:xfrm>
             <a:off x="6553080" y="6356520"/>
-            <a:ext cx="2130840" cy="362160"/>
+            <a:ext cx="2130480" cy="361800"/>
           </a:xfrm>
           <a:prstGeom prst="rect">
             <a:avLst/>
@@ -12703,7 +12705,7 @@
                 <a:tab algn="l" pos="0"/>
               </a:tabLst>
             </a:pPr>
-            <a:fld id="{401D6CEE-B097-4E2E-887B-1C9551ED3178}" type="slidenum">
+            <a:fld id="{70CFCF8D-757B-4524-A700-CA3B15F1FE00}" type="slidenum">
               <a:rPr b="0" lang="en-US" sz="1200" spc="-1" strike="noStrike">
                 <a:solidFill>
                   <a:srgbClr val="8b8b8b"/>
@@ -12734,7 +12736,7 @@
         <p:spPr>
           <a:xfrm>
             <a:off x="457200" y="6356520"/>
-            <a:ext cx="2130840" cy="362160"/>
+            <a:ext cx="2130480" cy="361800"/>
           </a:xfrm>
           <a:prstGeom prst="rect">
             <a:avLst/>
@@ -13112,7 +13114,7 @@
         <p:spPr>
           <a:xfrm>
             <a:off x="3124080" y="6356520"/>
-            <a:ext cx="2892600" cy="362160"/>
+            <a:ext cx="2892240" cy="361800"/>
           </a:xfrm>
           <a:prstGeom prst="rect">
             <a:avLst/>
@@ -13184,7 +13186,7 @@
         <p:spPr>
           <a:xfrm>
             <a:off x="6553080" y="6356520"/>
-            <a:ext cx="2130840" cy="362160"/>
+            <a:ext cx="2130480" cy="361800"/>
           </a:xfrm>
           <a:prstGeom prst="rect">
             <a:avLst/>
@@ -13225,7 +13227,7 @@
                 <a:tab algn="l" pos="0"/>
               </a:tabLst>
             </a:pPr>
-            <a:fld id="{7445169E-8F39-4840-8A98-B91BAB5C0DF7}" type="slidenum">
+            <a:fld id="{418607F8-55D4-4BBE-9D3F-CC422154E025}" type="slidenum">
               <a:rPr b="0" lang="en-US" sz="1200" spc="-1" strike="noStrike">
                 <a:solidFill>
                   <a:srgbClr val="8b8b8b"/>
@@ -13256,7 +13258,7 @@
         <p:spPr>
           <a:xfrm>
             <a:off x="457200" y="6356520"/>
-            <a:ext cx="2130840" cy="362160"/>
+            <a:ext cx="2130480" cy="361800"/>
           </a:xfrm>
           <a:prstGeom prst="rect">
             <a:avLst/>
@@ -13634,7 +13636,7 @@
         <p:spPr>
           <a:xfrm>
             <a:off x="3124080" y="6356520"/>
-            <a:ext cx="2893320" cy="362880"/>
+            <a:ext cx="2892960" cy="362520"/>
           </a:xfrm>
           <a:prstGeom prst="rect">
             <a:avLst/>
@@ -13706,7 +13708,7 @@
         <p:spPr>
           <a:xfrm>
             <a:off x="6553080" y="6356520"/>
-            <a:ext cx="2131560" cy="362880"/>
+            <a:ext cx="2131200" cy="362520"/>
           </a:xfrm>
           <a:prstGeom prst="rect">
             <a:avLst/>
@@ -13747,7 +13749,7 @@
                 <a:tab algn="l" pos="0"/>
               </a:tabLst>
             </a:pPr>
-            <a:fld id="{28ED7407-055B-4572-8D10-1B61472B710A}" type="slidenum">
+            <a:fld id="{243B2F70-D0AE-47F6-AEC0-D792E0E5DB12}" type="slidenum">
               <a:rPr b="0" lang="en-US" sz="1200" spc="-1" strike="noStrike">
                 <a:solidFill>
                   <a:srgbClr val="8b8b8b"/>
@@ -13778,7 +13780,7 @@
         <p:spPr>
           <a:xfrm>
             <a:off x="457200" y="6356520"/>
-            <a:ext cx="2131560" cy="362880"/>
+            <a:ext cx="2131200" cy="362520"/>
           </a:xfrm>
           <a:prstGeom prst="rect">
             <a:avLst/>
@@ -14156,7 +14158,7 @@
         <p:spPr>
           <a:xfrm>
             <a:off x="3124080" y="6356520"/>
-            <a:ext cx="2893680" cy="363240"/>
+            <a:ext cx="2893320" cy="362880"/>
           </a:xfrm>
           <a:prstGeom prst="rect">
             <a:avLst/>
@@ -14228,7 +14230,7 @@
         <p:spPr>
           <a:xfrm>
             <a:off x="6553080" y="6356520"/>
-            <a:ext cx="2131920" cy="363240"/>
+            <a:ext cx="2131560" cy="362880"/>
           </a:xfrm>
           <a:prstGeom prst="rect">
             <a:avLst/>
@@ -14269,7 +14271,7 @@
                 <a:tab algn="l" pos="0"/>
               </a:tabLst>
             </a:pPr>
-            <a:fld id="{179B5395-EF32-4D2C-ADF1-282128335AC6}" type="slidenum">
+            <a:fld id="{0BB5D24C-2BB0-4EA7-84D3-BA67112D1B2E}" type="slidenum">
               <a:rPr b="0" lang="en-US" sz="1200" spc="-1" strike="noStrike">
                 <a:solidFill>
                   <a:srgbClr val="8b8b8b"/>
@@ -14300,7 +14302,7 @@
         <p:spPr>
           <a:xfrm>
             <a:off x="457200" y="6356520"/>
-            <a:ext cx="2131920" cy="363240"/>
+            <a:ext cx="2131560" cy="362880"/>
           </a:xfrm>
           <a:prstGeom prst="rect">
             <a:avLst/>
@@ -14678,7 +14680,7 @@
         <p:spPr>
           <a:xfrm>
             <a:off x="3124080" y="6356520"/>
-            <a:ext cx="2894040" cy="363600"/>
+            <a:ext cx="2893680" cy="363240"/>
           </a:xfrm>
           <a:prstGeom prst="rect">
             <a:avLst/>
@@ -14750,7 +14752,7 @@
         <p:spPr>
           <a:xfrm>
             <a:off x="6553080" y="6356520"/>
-            <a:ext cx="2132280" cy="363600"/>
+            <a:ext cx="2131920" cy="363240"/>
           </a:xfrm>
           <a:prstGeom prst="rect">
             <a:avLst/>
@@ -14791,7 +14793,7 @@
                 <a:tab algn="l" pos="0"/>
               </a:tabLst>
             </a:pPr>
-            <a:fld id="{21D4F6EB-CA39-41B8-B609-E1C4DF677EB5}" type="slidenum">
+            <a:fld id="{894199F1-F176-4868-B93A-C5874CD101F1}" type="slidenum">
               <a:rPr b="0" lang="en-US" sz="1200" spc="-1" strike="noStrike">
                 <a:solidFill>
                   <a:srgbClr val="8b8b8b"/>
@@ -14822,7 +14824,7 @@
         <p:spPr>
           <a:xfrm>
             <a:off x="457200" y="6356520"/>
-            <a:ext cx="2132280" cy="363600"/>
+            <a:ext cx="2131920" cy="363240"/>
           </a:xfrm>
           <a:prstGeom prst="rect">
             <a:avLst/>
@@ -15189,7 +15191,7 @@
         <p:spPr>
           <a:xfrm>
             <a:off x="0" y="0"/>
-            <a:ext cx="12186000" cy="6855120"/>
+            <a:ext cx="12185640" cy="6854760"/>
           </a:xfrm>
           <a:prstGeom prst="rect">
             <a:avLst/>
@@ -15249,7 +15251,7 @@
         <p:spPr>
           <a:xfrm>
             <a:off x="0" y="0"/>
-            <a:ext cx="15480" cy="6855120"/>
+            <a:ext cx="15120" cy="6854760"/>
           </a:xfrm>
           <a:prstGeom prst="rect">
             <a:avLst/>
@@ -15309,7 +15311,7 @@
         <p:spPr>
           <a:xfrm>
             <a:off x="914400" y="0"/>
-            <a:ext cx="15480" cy="6855120"/>
+            <a:ext cx="15120" cy="6854760"/>
           </a:xfrm>
           <a:prstGeom prst="rect">
             <a:avLst/>
@@ -15369,7 +15371,7 @@
         <p:spPr>
           <a:xfrm>
             <a:off x="1828800" y="0"/>
-            <a:ext cx="15480" cy="6855120"/>
+            <a:ext cx="15120" cy="6854760"/>
           </a:xfrm>
           <a:prstGeom prst="rect">
             <a:avLst/>
@@ -15429,7 +15431,7 @@
         <p:spPr>
           <a:xfrm>
             <a:off x="2743200" y="0"/>
-            <a:ext cx="15480" cy="6855120"/>
+            <a:ext cx="15120" cy="6854760"/>
           </a:xfrm>
           <a:prstGeom prst="rect">
             <a:avLst/>
@@ -15489,7 +15491,7 @@
         <p:spPr>
           <a:xfrm>
             <a:off x="3657600" y="0"/>
-            <a:ext cx="15480" cy="6855120"/>
+            <a:ext cx="15120" cy="6854760"/>
           </a:xfrm>
           <a:prstGeom prst="rect">
             <a:avLst/>
@@ -15549,7 +15551,7 @@
         <p:spPr>
           <a:xfrm>
             <a:off x="4572000" y="0"/>
-            <a:ext cx="15480" cy="6855120"/>
+            <a:ext cx="15120" cy="6854760"/>
           </a:xfrm>
           <a:prstGeom prst="rect">
             <a:avLst/>
@@ -15609,7 +15611,7 @@
         <p:spPr>
           <a:xfrm>
             <a:off x="5486400" y="0"/>
-            <a:ext cx="15480" cy="6855120"/>
+            <a:ext cx="15120" cy="6854760"/>
           </a:xfrm>
           <a:prstGeom prst="rect">
             <a:avLst/>
@@ -15669,7 +15671,7 @@
         <p:spPr>
           <a:xfrm>
             <a:off x="6400800" y="0"/>
-            <a:ext cx="15480" cy="6855120"/>
+            <a:ext cx="15120" cy="6854760"/>
           </a:xfrm>
           <a:prstGeom prst="rect">
             <a:avLst/>
@@ -15729,7 +15731,7 @@
         <p:spPr>
           <a:xfrm>
             <a:off x="7315200" y="0"/>
-            <a:ext cx="15480" cy="6855120"/>
+            <a:ext cx="15120" cy="6854760"/>
           </a:xfrm>
           <a:prstGeom prst="rect">
             <a:avLst/>
@@ -15789,7 +15791,7 @@
         <p:spPr>
           <a:xfrm>
             <a:off x="8229600" y="0"/>
-            <a:ext cx="15480" cy="6855120"/>
+            <a:ext cx="15120" cy="6854760"/>
           </a:xfrm>
           <a:prstGeom prst="rect">
             <a:avLst/>
@@ -15849,7 +15851,7 @@
         <p:spPr>
           <a:xfrm>
             <a:off x="9144000" y="0"/>
-            <a:ext cx="15480" cy="6855120"/>
+            <a:ext cx="15120" cy="6854760"/>
           </a:xfrm>
           <a:prstGeom prst="rect">
             <a:avLst/>
@@ -15909,7 +15911,7 @@
         <p:spPr>
           <a:xfrm>
             <a:off x="10058400" y="0"/>
-            <a:ext cx="15480" cy="6855120"/>
+            <a:ext cx="15120" cy="6854760"/>
           </a:xfrm>
           <a:prstGeom prst="rect">
             <a:avLst/>
@@ -15969,7 +15971,7 @@
         <p:spPr>
           <a:xfrm>
             <a:off x="10972800" y="0"/>
-            <a:ext cx="15480" cy="6855120"/>
+            <a:ext cx="15120" cy="6854760"/>
           </a:xfrm>
           <a:prstGeom prst="rect">
             <a:avLst/>
@@ -16029,7 +16031,7 @@
         <p:spPr>
           <a:xfrm>
             <a:off x="11887200" y="0"/>
-            <a:ext cx="15480" cy="6855120"/>
+            <a:ext cx="15120" cy="6854760"/>
           </a:xfrm>
           <a:prstGeom prst="rect">
             <a:avLst/>
@@ -16089,7 +16091,7 @@
         <p:spPr>
           <a:xfrm>
             <a:off x="0" y="0"/>
-            <a:ext cx="317160" cy="6855120"/>
+            <a:ext cx="316800" cy="6854760"/>
           </a:xfrm>
           <a:prstGeom prst="rect">
             <a:avLst/>
@@ -16149,7 +16151,7 @@
         <p:spPr>
           <a:xfrm>
             <a:off x="9875520" y="365760"/>
-            <a:ext cx="2008800" cy="500040"/>
+            <a:ext cx="2008440" cy="499680"/>
           </a:xfrm>
           <a:prstGeom prst="roundRect">
             <a:avLst>
@@ -16331,7 +16333,7 @@
         <p:spPr>
           <a:xfrm>
             <a:off x="987480" y="3182040"/>
-            <a:ext cx="3288960" cy="2740320"/>
+            <a:ext cx="3288600" cy="2739960"/>
           </a:xfrm>
           <a:prstGeom prst="roundRect">
             <a:avLst>
@@ -16393,7 +16395,7 @@
         <p:spPr>
           <a:xfrm>
             <a:off x="685800" y="2521440"/>
-            <a:ext cx="3427200" cy="3327840"/>
+            <a:ext cx="3426840" cy="3327480"/>
           </a:xfrm>
           <a:prstGeom prst="roundRect">
             <a:avLst>
@@ -16806,7 +16808,7 @@
         <p:spPr>
           <a:xfrm>
             <a:off x="4507920" y="3182040"/>
-            <a:ext cx="3288960" cy="2740320"/>
+            <a:ext cx="3288600" cy="2739960"/>
           </a:xfrm>
           <a:prstGeom prst="roundRect">
             <a:avLst>
@@ -16868,7 +16870,7 @@
         <p:spPr>
           <a:xfrm>
             <a:off x="4434840" y="3108960"/>
-            <a:ext cx="3288960" cy="2740320"/>
+            <a:ext cx="3288600" cy="2739960"/>
           </a:xfrm>
           <a:prstGeom prst="roundRect">
             <a:avLst>
@@ -17156,7 +17158,7 @@
         <p:spPr>
           <a:xfrm>
             <a:off x="8028360" y="3182040"/>
-            <a:ext cx="3288960" cy="2740320"/>
+            <a:ext cx="3288600" cy="2739960"/>
           </a:xfrm>
           <a:prstGeom prst="roundRect">
             <a:avLst>
@@ -17218,7 +17220,7 @@
         <p:spPr>
           <a:xfrm>
             <a:off x="7955280" y="3108960"/>
-            <a:ext cx="3288960" cy="2740320"/>
+            <a:ext cx="3288600" cy="2739960"/>
           </a:xfrm>
           <a:prstGeom prst="roundRect">
             <a:avLst>
@@ -17421,6 +17423,2165 @@
       <p:sp>
         <p:nvSpPr>
           <p:cNvPr id="230" name="TextBox 26"/>
+          <p:cNvSpPr/>
+          <p:nvPr/>
+        </p:nvSpPr>
+        <p:spPr>
+          <a:xfrm>
+            <a:off x="4600080" y="6446520"/>
+            <a:ext cx="3051000" cy="363960"/>
+          </a:xfrm>
+          <a:prstGeom prst="rect">
+            <a:avLst/>
+          </a:prstGeom>
+          <a:noFill/>
+          <a:ln w="0">
+            <a:noFill/>
+          </a:ln>
+        </p:spPr>
+        <p:style>
+          <a:lnRef idx="0"/>
+          <a:fillRef idx="0"/>
+          <a:effectRef idx="0"/>
+          <a:fontRef idx="minor"/>
+        </p:style>
+        <p:txBody>
+          <a:bodyPr wrap="none" lIns="90000" rIns="90000" tIns="45000" bIns="45000" anchor="t">
+            <a:spAutoFit/>
+          </a:bodyPr>
+          <a:p>
+            <a:pPr>
+              <a:lnSpc>
+                <a:spcPct val="100000"/>
+              </a:lnSpc>
+            </a:pPr>
+            <a:r>
+              <a:rPr b="0" lang="en-US" sz="1800" spc="-1" strike="noStrike">
+                <a:solidFill>
+                  <a:srgbClr val="000000"/>
+                </a:solidFill>
+                <a:latin typeface="Calibri"/>
+                <a:ea typeface="DejaVu Sans"/>
+              </a:rPr>
+              <a:t>Java • Ultra Premium Template</a:t>
+            </a:r>
+            <a:endParaRPr b="0" lang="en-US" sz="1800" spc="-1" strike="noStrike">
+              <a:solidFill>
+                <a:srgbClr val="000000"/>
+              </a:solidFill>
+              <a:latin typeface="Arial"/>
+            </a:endParaRPr>
+          </a:p>
+        </p:txBody>
+      </p:sp>
+    </p:spTree>
+  </p:cSld>
+  <mc:AlternateContent>
+    <mc:Choice Requires="p14">
+      <p:transition spd="slow" p14:dur="2000"/>
+    </mc:Choice>
+    <mc:Fallback>
+      <p:transition spd="slow"/>
+    </mc:Fallback>
+  </mc:AlternateContent>
+</p:sld>
+</file>
+
+<file path=ppt/slides/slide10.xml><?xml version="1.0" encoding="utf-8"?>
+<p:sld xmlns:a="http://schemas.openxmlformats.org/drawingml/2006/main" xmlns:p="http://schemas.openxmlformats.org/presentationml/2006/main" xmlns:r="http://schemas.openxmlformats.org/officeDocument/2006/relationships" xmlns:p14="http://schemas.microsoft.com/office/powerpoint/2010/main" xmlns:p15="http://schemas.microsoft.com/office/powerpoint/2012/main" xmlns:mc="http://schemas.openxmlformats.org/markup-compatibility/2006">
+  <p:cSld>
+    <p:spTree>
+      <p:nvGrpSpPr>
+        <p:cNvPr id="1" name=""/>
+        <p:cNvGrpSpPr/>
+        <p:nvPr/>
+      </p:nvGrpSpPr>
+      <p:grpSpPr>
+        <a:xfrm>
+          <a:off x="0" y="0"/>
+          <a:ext cx="0" cy="0"/>
+          <a:chOff x="0" y="0"/>
+          <a:chExt cx="0" cy="0"/>
+        </a:xfrm>
+      </p:grpSpPr>
+      <p:sp>
+        <p:nvSpPr>
+          <p:cNvPr id="439" name="Rectangle 145"/>
+          <p:cNvSpPr/>
+          <p:nvPr/>
+        </p:nvSpPr>
+        <p:spPr>
+          <a:xfrm>
+            <a:off x="0" y="0"/>
+            <a:ext cx="12187080" cy="6856200"/>
+          </a:xfrm>
+          <a:prstGeom prst="rect">
+            <a:avLst/>
+          </a:prstGeom>
+          <a:solidFill>
+            <a:srgbClr val="0b0b0d"/>
+          </a:solidFill>
+          <a:ln>
+            <a:noFill/>
+          </a:ln>
+          <a:effectLst>
+            <a:outerShdw blurRad="39960" dir="5400000" dist="23040" rotWithShape="0">
+              <a:srgbClr val="000000">
+                <a:alpha val="35000"/>
+              </a:srgbClr>
+            </a:outerShdw>
+          </a:effectLst>
+        </p:spPr>
+        <p:style>
+          <a:lnRef idx="1">
+            <a:schemeClr val="accent1"/>
+          </a:lnRef>
+          <a:fillRef idx="3">
+            <a:schemeClr val="accent1"/>
+          </a:fillRef>
+          <a:effectRef idx="2">
+            <a:schemeClr val="accent1"/>
+          </a:effectRef>
+          <a:fontRef idx="minor"/>
+        </p:style>
+        <p:txBody>
+          <a:bodyPr lIns="90000" rIns="90000" tIns="45000" bIns="45000" anchor="ctr">
+            <a:noAutofit/>
+          </a:bodyPr>
+          <a:p>
+            <a:endParaRPr b="0" lang="en-US" sz="1800" spc="-1" strike="noStrike">
+              <a:solidFill>
+                <a:schemeClr val="lt1"/>
+              </a:solidFill>
+              <a:latin typeface="Calibri"/>
+              <a:ea typeface="DejaVu Sans"/>
+            </a:endParaRPr>
+          </a:p>
+        </p:txBody>
+      </p:sp>
+      <p:sp>
+        <p:nvSpPr>
+          <p:cNvPr id="440" name="Rectangle 146"/>
+          <p:cNvSpPr/>
+          <p:nvPr/>
+        </p:nvSpPr>
+        <p:spPr>
+          <a:xfrm>
+            <a:off x="0" y="0"/>
+            <a:ext cx="16560" cy="6856200"/>
+          </a:xfrm>
+          <a:prstGeom prst="rect">
+            <a:avLst/>
+          </a:prstGeom>
+          <a:solidFill>
+            <a:srgbClr val="121216"/>
+          </a:solidFill>
+          <a:ln>
+            <a:noFill/>
+          </a:ln>
+          <a:effectLst>
+            <a:outerShdw blurRad="39960" dir="5400000" dist="23040" rotWithShape="0">
+              <a:srgbClr val="000000">
+                <a:alpha val="35000"/>
+              </a:srgbClr>
+            </a:outerShdw>
+          </a:effectLst>
+        </p:spPr>
+        <p:style>
+          <a:lnRef idx="1">
+            <a:schemeClr val="accent1"/>
+          </a:lnRef>
+          <a:fillRef idx="3">
+            <a:schemeClr val="accent1"/>
+          </a:fillRef>
+          <a:effectRef idx="2">
+            <a:schemeClr val="accent1"/>
+          </a:effectRef>
+          <a:fontRef idx="minor"/>
+        </p:style>
+        <p:txBody>
+          <a:bodyPr lIns="90000" rIns="90000" tIns="45000" bIns="45000" anchor="ctr">
+            <a:noAutofit/>
+          </a:bodyPr>
+          <a:p>
+            <a:endParaRPr b="0" lang="en-US" sz="1800" spc="-1" strike="noStrike">
+              <a:solidFill>
+                <a:schemeClr val="lt1"/>
+              </a:solidFill>
+              <a:latin typeface="Calibri"/>
+              <a:ea typeface="DejaVu Sans"/>
+            </a:endParaRPr>
+          </a:p>
+        </p:txBody>
+      </p:sp>
+      <p:sp>
+        <p:nvSpPr>
+          <p:cNvPr id="441" name="Rectangle 147"/>
+          <p:cNvSpPr/>
+          <p:nvPr/>
+        </p:nvSpPr>
+        <p:spPr>
+          <a:xfrm>
+            <a:off x="914400" y="0"/>
+            <a:ext cx="16560" cy="6856200"/>
+          </a:xfrm>
+          <a:prstGeom prst="rect">
+            <a:avLst/>
+          </a:prstGeom>
+          <a:solidFill>
+            <a:srgbClr val="121216"/>
+          </a:solidFill>
+          <a:ln>
+            <a:noFill/>
+          </a:ln>
+          <a:effectLst>
+            <a:outerShdw blurRad="39960" dir="5400000" dist="23040" rotWithShape="0">
+              <a:srgbClr val="000000">
+                <a:alpha val="35000"/>
+              </a:srgbClr>
+            </a:outerShdw>
+          </a:effectLst>
+        </p:spPr>
+        <p:style>
+          <a:lnRef idx="1">
+            <a:schemeClr val="accent1"/>
+          </a:lnRef>
+          <a:fillRef idx="3">
+            <a:schemeClr val="accent1"/>
+          </a:fillRef>
+          <a:effectRef idx="2">
+            <a:schemeClr val="accent1"/>
+          </a:effectRef>
+          <a:fontRef idx="minor"/>
+        </p:style>
+        <p:txBody>
+          <a:bodyPr lIns="90000" rIns="90000" tIns="45000" bIns="45000" anchor="ctr">
+            <a:noAutofit/>
+          </a:bodyPr>
+          <a:p>
+            <a:endParaRPr b="0" lang="en-US" sz="1800" spc="-1" strike="noStrike">
+              <a:solidFill>
+                <a:schemeClr val="lt1"/>
+              </a:solidFill>
+              <a:latin typeface="Calibri"/>
+              <a:ea typeface="DejaVu Sans"/>
+            </a:endParaRPr>
+          </a:p>
+        </p:txBody>
+      </p:sp>
+      <p:sp>
+        <p:nvSpPr>
+          <p:cNvPr id="442" name="Rectangle 148"/>
+          <p:cNvSpPr/>
+          <p:nvPr/>
+        </p:nvSpPr>
+        <p:spPr>
+          <a:xfrm>
+            <a:off x="1828800" y="0"/>
+            <a:ext cx="16560" cy="6856200"/>
+          </a:xfrm>
+          <a:prstGeom prst="rect">
+            <a:avLst/>
+          </a:prstGeom>
+          <a:solidFill>
+            <a:srgbClr val="121216"/>
+          </a:solidFill>
+          <a:ln>
+            <a:noFill/>
+          </a:ln>
+          <a:effectLst>
+            <a:outerShdw blurRad="39960" dir="5400000" dist="23040" rotWithShape="0">
+              <a:srgbClr val="000000">
+                <a:alpha val="35000"/>
+              </a:srgbClr>
+            </a:outerShdw>
+          </a:effectLst>
+        </p:spPr>
+        <p:style>
+          <a:lnRef idx="1">
+            <a:schemeClr val="accent1"/>
+          </a:lnRef>
+          <a:fillRef idx="3">
+            <a:schemeClr val="accent1"/>
+          </a:fillRef>
+          <a:effectRef idx="2">
+            <a:schemeClr val="accent1"/>
+          </a:effectRef>
+          <a:fontRef idx="minor"/>
+        </p:style>
+        <p:txBody>
+          <a:bodyPr lIns="90000" rIns="90000" tIns="45000" bIns="45000" anchor="ctr">
+            <a:noAutofit/>
+          </a:bodyPr>
+          <a:p>
+            <a:endParaRPr b="0" lang="en-US" sz="1800" spc="-1" strike="noStrike">
+              <a:solidFill>
+                <a:schemeClr val="lt1"/>
+              </a:solidFill>
+              <a:latin typeface="Calibri"/>
+              <a:ea typeface="DejaVu Sans"/>
+            </a:endParaRPr>
+          </a:p>
+        </p:txBody>
+      </p:sp>
+      <p:sp>
+        <p:nvSpPr>
+          <p:cNvPr id="443" name="Rectangle 149"/>
+          <p:cNvSpPr/>
+          <p:nvPr/>
+        </p:nvSpPr>
+        <p:spPr>
+          <a:xfrm>
+            <a:off x="2743200" y="0"/>
+            <a:ext cx="16560" cy="6856200"/>
+          </a:xfrm>
+          <a:prstGeom prst="rect">
+            <a:avLst/>
+          </a:prstGeom>
+          <a:solidFill>
+            <a:srgbClr val="121216"/>
+          </a:solidFill>
+          <a:ln>
+            <a:noFill/>
+          </a:ln>
+          <a:effectLst>
+            <a:outerShdw blurRad="39960" dir="5400000" dist="23040" rotWithShape="0">
+              <a:srgbClr val="000000">
+                <a:alpha val="35000"/>
+              </a:srgbClr>
+            </a:outerShdw>
+          </a:effectLst>
+        </p:spPr>
+        <p:style>
+          <a:lnRef idx="1">
+            <a:schemeClr val="accent1"/>
+          </a:lnRef>
+          <a:fillRef idx="3">
+            <a:schemeClr val="accent1"/>
+          </a:fillRef>
+          <a:effectRef idx="2">
+            <a:schemeClr val="accent1"/>
+          </a:effectRef>
+          <a:fontRef idx="minor"/>
+        </p:style>
+        <p:txBody>
+          <a:bodyPr lIns="90000" rIns="90000" tIns="45000" bIns="45000" anchor="ctr">
+            <a:noAutofit/>
+          </a:bodyPr>
+          <a:p>
+            <a:endParaRPr b="0" lang="en-US" sz="1800" spc="-1" strike="noStrike">
+              <a:solidFill>
+                <a:schemeClr val="lt1"/>
+              </a:solidFill>
+              <a:latin typeface="Calibri"/>
+              <a:ea typeface="DejaVu Sans"/>
+            </a:endParaRPr>
+          </a:p>
+        </p:txBody>
+      </p:sp>
+      <p:sp>
+        <p:nvSpPr>
+          <p:cNvPr id="444" name="Rectangle 150"/>
+          <p:cNvSpPr/>
+          <p:nvPr/>
+        </p:nvSpPr>
+        <p:spPr>
+          <a:xfrm>
+            <a:off x="3657600" y="0"/>
+            <a:ext cx="16560" cy="6856200"/>
+          </a:xfrm>
+          <a:prstGeom prst="rect">
+            <a:avLst/>
+          </a:prstGeom>
+          <a:solidFill>
+            <a:srgbClr val="121216"/>
+          </a:solidFill>
+          <a:ln>
+            <a:noFill/>
+          </a:ln>
+          <a:effectLst>
+            <a:outerShdw blurRad="39960" dir="5400000" dist="23040" rotWithShape="0">
+              <a:srgbClr val="000000">
+                <a:alpha val="35000"/>
+              </a:srgbClr>
+            </a:outerShdw>
+          </a:effectLst>
+        </p:spPr>
+        <p:style>
+          <a:lnRef idx="1">
+            <a:schemeClr val="accent1"/>
+          </a:lnRef>
+          <a:fillRef idx="3">
+            <a:schemeClr val="accent1"/>
+          </a:fillRef>
+          <a:effectRef idx="2">
+            <a:schemeClr val="accent1"/>
+          </a:effectRef>
+          <a:fontRef idx="minor"/>
+        </p:style>
+        <p:txBody>
+          <a:bodyPr lIns="90000" rIns="90000" tIns="45000" bIns="45000" anchor="ctr">
+            <a:noAutofit/>
+          </a:bodyPr>
+          <a:p>
+            <a:endParaRPr b="0" lang="en-US" sz="1800" spc="-1" strike="noStrike">
+              <a:solidFill>
+                <a:schemeClr val="lt1"/>
+              </a:solidFill>
+              <a:latin typeface="Calibri"/>
+              <a:ea typeface="DejaVu Sans"/>
+            </a:endParaRPr>
+          </a:p>
+        </p:txBody>
+      </p:sp>
+      <p:sp>
+        <p:nvSpPr>
+          <p:cNvPr id="445" name="Rectangle 151"/>
+          <p:cNvSpPr/>
+          <p:nvPr/>
+        </p:nvSpPr>
+        <p:spPr>
+          <a:xfrm>
+            <a:off x="4572000" y="0"/>
+            <a:ext cx="16560" cy="6856200"/>
+          </a:xfrm>
+          <a:prstGeom prst="rect">
+            <a:avLst/>
+          </a:prstGeom>
+          <a:solidFill>
+            <a:srgbClr val="121216"/>
+          </a:solidFill>
+          <a:ln>
+            <a:noFill/>
+          </a:ln>
+          <a:effectLst>
+            <a:outerShdw blurRad="39960" dir="5400000" dist="23040" rotWithShape="0">
+              <a:srgbClr val="000000">
+                <a:alpha val="35000"/>
+              </a:srgbClr>
+            </a:outerShdw>
+          </a:effectLst>
+        </p:spPr>
+        <p:style>
+          <a:lnRef idx="1">
+            <a:schemeClr val="accent1"/>
+          </a:lnRef>
+          <a:fillRef idx="3">
+            <a:schemeClr val="accent1"/>
+          </a:fillRef>
+          <a:effectRef idx="2">
+            <a:schemeClr val="accent1"/>
+          </a:effectRef>
+          <a:fontRef idx="minor"/>
+        </p:style>
+        <p:txBody>
+          <a:bodyPr lIns="90000" rIns="90000" tIns="45000" bIns="45000" anchor="ctr">
+            <a:noAutofit/>
+          </a:bodyPr>
+          <a:p>
+            <a:endParaRPr b="0" lang="en-US" sz="1800" spc="-1" strike="noStrike">
+              <a:solidFill>
+                <a:schemeClr val="lt1"/>
+              </a:solidFill>
+              <a:latin typeface="Calibri"/>
+              <a:ea typeface="DejaVu Sans"/>
+            </a:endParaRPr>
+          </a:p>
+        </p:txBody>
+      </p:sp>
+      <p:sp>
+        <p:nvSpPr>
+          <p:cNvPr id="446" name="Rectangle 152"/>
+          <p:cNvSpPr/>
+          <p:nvPr/>
+        </p:nvSpPr>
+        <p:spPr>
+          <a:xfrm>
+            <a:off x="5486400" y="0"/>
+            <a:ext cx="16560" cy="6856200"/>
+          </a:xfrm>
+          <a:prstGeom prst="rect">
+            <a:avLst/>
+          </a:prstGeom>
+          <a:solidFill>
+            <a:srgbClr val="121216"/>
+          </a:solidFill>
+          <a:ln>
+            <a:noFill/>
+          </a:ln>
+          <a:effectLst>
+            <a:outerShdw blurRad="39960" dir="5400000" dist="23040" rotWithShape="0">
+              <a:srgbClr val="000000">
+                <a:alpha val="35000"/>
+              </a:srgbClr>
+            </a:outerShdw>
+          </a:effectLst>
+        </p:spPr>
+        <p:style>
+          <a:lnRef idx="1">
+            <a:schemeClr val="accent1"/>
+          </a:lnRef>
+          <a:fillRef idx="3">
+            <a:schemeClr val="accent1"/>
+          </a:fillRef>
+          <a:effectRef idx="2">
+            <a:schemeClr val="accent1"/>
+          </a:effectRef>
+          <a:fontRef idx="minor"/>
+        </p:style>
+        <p:txBody>
+          <a:bodyPr lIns="90000" rIns="90000" tIns="45000" bIns="45000" anchor="ctr">
+            <a:noAutofit/>
+          </a:bodyPr>
+          <a:p>
+            <a:endParaRPr b="0" lang="en-US" sz="1800" spc="-1" strike="noStrike">
+              <a:solidFill>
+                <a:schemeClr val="lt1"/>
+              </a:solidFill>
+              <a:latin typeface="Calibri"/>
+              <a:ea typeface="DejaVu Sans"/>
+            </a:endParaRPr>
+          </a:p>
+        </p:txBody>
+      </p:sp>
+      <p:sp>
+        <p:nvSpPr>
+          <p:cNvPr id="447" name="Rectangle 153"/>
+          <p:cNvSpPr/>
+          <p:nvPr/>
+        </p:nvSpPr>
+        <p:spPr>
+          <a:xfrm>
+            <a:off x="6400800" y="0"/>
+            <a:ext cx="16560" cy="6856200"/>
+          </a:xfrm>
+          <a:prstGeom prst="rect">
+            <a:avLst/>
+          </a:prstGeom>
+          <a:solidFill>
+            <a:srgbClr val="121216"/>
+          </a:solidFill>
+          <a:ln>
+            <a:noFill/>
+          </a:ln>
+          <a:effectLst>
+            <a:outerShdw blurRad="39960" dir="5400000" dist="23040" rotWithShape="0">
+              <a:srgbClr val="000000">
+                <a:alpha val="35000"/>
+              </a:srgbClr>
+            </a:outerShdw>
+          </a:effectLst>
+        </p:spPr>
+        <p:style>
+          <a:lnRef idx="1">
+            <a:schemeClr val="accent1"/>
+          </a:lnRef>
+          <a:fillRef idx="3">
+            <a:schemeClr val="accent1"/>
+          </a:fillRef>
+          <a:effectRef idx="2">
+            <a:schemeClr val="accent1"/>
+          </a:effectRef>
+          <a:fontRef idx="minor"/>
+        </p:style>
+        <p:txBody>
+          <a:bodyPr lIns="90000" rIns="90000" tIns="45000" bIns="45000" anchor="ctr">
+            <a:noAutofit/>
+          </a:bodyPr>
+          <a:p>
+            <a:endParaRPr b="0" lang="en-US" sz="1800" spc="-1" strike="noStrike">
+              <a:solidFill>
+                <a:schemeClr val="lt1"/>
+              </a:solidFill>
+              <a:latin typeface="Calibri"/>
+              <a:ea typeface="DejaVu Sans"/>
+            </a:endParaRPr>
+          </a:p>
+        </p:txBody>
+      </p:sp>
+      <p:sp>
+        <p:nvSpPr>
+          <p:cNvPr id="448" name="Rectangle 154"/>
+          <p:cNvSpPr/>
+          <p:nvPr/>
+        </p:nvSpPr>
+        <p:spPr>
+          <a:xfrm>
+            <a:off x="7315200" y="0"/>
+            <a:ext cx="16560" cy="6856200"/>
+          </a:xfrm>
+          <a:prstGeom prst="rect">
+            <a:avLst/>
+          </a:prstGeom>
+          <a:solidFill>
+            <a:srgbClr val="121216"/>
+          </a:solidFill>
+          <a:ln>
+            <a:noFill/>
+          </a:ln>
+          <a:effectLst>
+            <a:outerShdw blurRad="39960" dir="5400000" dist="23040" rotWithShape="0">
+              <a:srgbClr val="000000">
+                <a:alpha val="35000"/>
+              </a:srgbClr>
+            </a:outerShdw>
+          </a:effectLst>
+        </p:spPr>
+        <p:style>
+          <a:lnRef idx="1">
+            <a:schemeClr val="accent1"/>
+          </a:lnRef>
+          <a:fillRef idx="3">
+            <a:schemeClr val="accent1"/>
+          </a:fillRef>
+          <a:effectRef idx="2">
+            <a:schemeClr val="accent1"/>
+          </a:effectRef>
+          <a:fontRef idx="minor"/>
+        </p:style>
+        <p:txBody>
+          <a:bodyPr lIns="90000" rIns="90000" tIns="45000" bIns="45000" anchor="ctr">
+            <a:noAutofit/>
+          </a:bodyPr>
+          <a:p>
+            <a:endParaRPr b="0" lang="en-US" sz="1800" spc="-1" strike="noStrike">
+              <a:solidFill>
+                <a:schemeClr val="lt1"/>
+              </a:solidFill>
+              <a:latin typeface="Calibri"/>
+              <a:ea typeface="DejaVu Sans"/>
+            </a:endParaRPr>
+          </a:p>
+        </p:txBody>
+      </p:sp>
+      <p:sp>
+        <p:nvSpPr>
+          <p:cNvPr id="449" name="Rectangle 155"/>
+          <p:cNvSpPr/>
+          <p:nvPr/>
+        </p:nvSpPr>
+        <p:spPr>
+          <a:xfrm>
+            <a:off x="8229600" y="0"/>
+            <a:ext cx="16560" cy="6856200"/>
+          </a:xfrm>
+          <a:prstGeom prst="rect">
+            <a:avLst/>
+          </a:prstGeom>
+          <a:solidFill>
+            <a:srgbClr val="121216"/>
+          </a:solidFill>
+          <a:ln>
+            <a:noFill/>
+          </a:ln>
+          <a:effectLst>
+            <a:outerShdw blurRad="39960" dir="5400000" dist="23040" rotWithShape="0">
+              <a:srgbClr val="000000">
+                <a:alpha val="35000"/>
+              </a:srgbClr>
+            </a:outerShdw>
+          </a:effectLst>
+        </p:spPr>
+        <p:style>
+          <a:lnRef idx="1">
+            <a:schemeClr val="accent1"/>
+          </a:lnRef>
+          <a:fillRef idx="3">
+            <a:schemeClr val="accent1"/>
+          </a:fillRef>
+          <a:effectRef idx="2">
+            <a:schemeClr val="accent1"/>
+          </a:effectRef>
+          <a:fontRef idx="minor"/>
+        </p:style>
+        <p:txBody>
+          <a:bodyPr lIns="90000" rIns="90000" tIns="45000" bIns="45000" anchor="ctr">
+            <a:noAutofit/>
+          </a:bodyPr>
+          <a:p>
+            <a:endParaRPr b="0" lang="en-US" sz="1800" spc="-1" strike="noStrike">
+              <a:solidFill>
+                <a:schemeClr val="lt1"/>
+              </a:solidFill>
+              <a:latin typeface="Calibri"/>
+              <a:ea typeface="DejaVu Sans"/>
+            </a:endParaRPr>
+          </a:p>
+        </p:txBody>
+      </p:sp>
+      <p:sp>
+        <p:nvSpPr>
+          <p:cNvPr id="450" name="Rectangle 156"/>
+          <p:cNvSpPr/>
+          <p:nvPr/>
+        </p:nvSpPr>
+        <p:spPr>
+          <a:xfrm>
+            <a:off x="9144000" y="0"/>
+            <a:ext cx="16560" cy="6856200"/>
+          </a:xfrm>
+          <a:prstGeom prst="rect">
+            <a:avLst/>
+          </a:prstGeom>
+          <a:solidFill>
+            <a:srgbClr val="121216"/>
+          </a:solidFill>
+          <a:ln>
+            <a:noFill/>
+          </a:ln>
+          <a:effectLst>
+            <a:outerShdw blurRad="39960" dir="5400000" dist="23040" rotWithShape="0">
+              <a:srgbClr val="000000">
+                <a:alpha val="35000"/>
+              </a:srgbClr>
+            </a:outerShdw>
+          </a:effectLst>
+        </p:spPr>
+        <p:style>
+          <a:lnRef idx="1">
+            <a:schemeClr val="accent1"/>
+          </a:lnRef>
+          <a:fillRef idx="3">
+            <a:schemeClr val="accent1"/>
+          </a:fillRef>
+          <a:effectRef idx="2">
+            <a:schemeClr val="accent1"/>
+          </a:effectRef>
+          <a:fontRef idx="minor"/>
+        </p:style>
+        <p:txBody>
+          <a:bodyPr lIns="90000" rIns="90000" tIns="45000" bIns="45000" anchor="ctr">
+            <a:noAutofit/>
+          </a:bodyPr>
+          <a:p>
+            <a:endParaRPr b="0" lang="en-US" sz="1800" spc="-1" strike="noStrike">
+              <a:solidFill>
+                <a:schemeClr val="lt1"/>
+              </a:solidFill>
+              <a:latin typeface="Calibri"/>
+              <a:ea typeface="DejaVu Sans"/>
+            </a:endParaRPr>
+          </a:p>
+        </p:txBody>
+      </p:sp>
+      <p:sp>
+        <p:nvSpPr>
+          <p:cNvPr id="451" name="Rectangle 157"/>
+          <p:cNvSpPr/>
+          <p:nvPr/>
+        </p:nvSpPr>
+        <p:spPr>
+          <a:xfrm>
+            <a:off x="10058400" y="0"/>
+            <a:ext cx="16560" cy="6856200"/>
+          </a:xfrm>
+          <a:prstGeom prst="rect">
+            <a:avLst/>
+          </a:prstGeom>
+          <a:solidFill>
+            <a:srgbClr val="121216"/>
+          </a:solidFill>
+          <a:ln>
+            <a:noFill/>
+          </a:ln>
+          <a:effectLst>
+            <a:outerShdw blurRad="39960" dir="5400000" dist="23040" rotWithShape="0">
+              <a:srgbClr val="000000">
+                <a:alpha val="35000"/>
+              </a:srgbClr>
+            </a:outerShdw>
+          </a:effectLst>
+        </p:spPr>
+        <p:style>
+          <a:lnRef idx="1">
+            <a:schemeClr val="accent1"/>
+          </a:lnRef>
+          <a:fillRef idx="3">
+            <a:schemeClr val="accent1"/>
+          </a:fillRef>
+          <a:effectRef idx="2">
+            <a:schemeClr val="accent1"/>
+          </a:effectRef>
+          <a:fontRef idx="minor"/>
+        </p:style>
+        <p:txBody>
+          <a:bodyPr lIns="90000" rIns="90000" tIns="45000" bIns="45000" anchor="ctr">
+            <a:noAutofit/>
+          </a:bodyPr>
+          <a:p>
+            <a:endParaRPr b="0" lang="en-US" sz="1800" spc="-1" strike="noStrike">
+              <a:solidFill>
+                <a:schemeClr val="lt1"/>
+              </a:solidFill>
+              <a:latin typeface="Calibri"/>
+              <a:ea typeface="DejaVu Sans"/>
+            </a:endParaRPr>
+          </a:p>
+        </p:txBody>
+      </p:sp>
+      <p:sp>
+        <p:nvSpPr>
+          <p:cNvPr id="452" name="Rectangle 158"/>
+          <p:cNvSpPr/>
+          <p:nvPr/>
+        </p:nvSpPr>
+        <p:spPr>
+          <a:xfrm>
+            <a:off x="10972800" y="0"/>
+            <a:ext cx="16560" cy="6856200"/>
+          </a:xfrm>
+          <a:prstGeom prst="rect">
+            <a:avLst/>
+          </a:prstGeom>
+          <a:solidFill>
+            <a:srgbClr val="121216"/>
+          </a:solidFill>
+          <a:ln>
+            <a:noFill/>
+          </a:ln>
+          <a:effectLst>
+            <a:outerShdw blurRad="39960" dir="5400000" dist="23040" rotWithShape="0">
+              <a:srgbClr val="000000">
+                <a:alpha val="35000"/>
+              </a:srgbClr>
+            </a:outerShdw>
+          </a:effectLst>
+        </p:spPr>
+        <p:style>
+          <a:lnRef idx="1">
+            <a:schemeClr val="accent1"/>
+          </a:lnRef>
+          <a:fillRef idx="3">
+            <a:schemeClr val="accent1"/>
+          </a:fillRef>
+          <a:effectRef idx="2">
+            <a:schemeClr val="accent1"/>
+          </a:effectRef>
+          <a:fontRef idx="minor"/>
+        </p:style>
+        <p:txBody>
+          <a:bodyPr lIns="90000" rIns="90000" tIns="45000" bIns="45000" anchor="ctr">
+            <a:noAutofit/>
+          </a:bodyPr>
+          <a:p>
+            <a:endParaRPr b="0" lang="en-US" sz="1800" spc="-1" strike="noStrike">
+              <a:solidFill>
+                <a:schemeClr val="lt1"/>
+              </a:solidFill>
+              <a:latin typeface="Calibri"/>
+              <a:ea typeface="DejaVu Sans"/>
+            </a:endParaRPr>
+          </a:p>
+        </p:txBody>
+      </p:sp>
+      <p:sp>
+        <p:nvSpPr>
+          <p:cNvPr id="453" name="Rectangle 159"/>
+          <p:cNvSpPr/>
+          <p:nvPr/>
+        </p:nvSpPr>
+        <p:spPr>
+          <a:xfrm>
+            <a:off x="11887200" y="0"/>
+            <a:ext cx="16560" cy="6856200"/>
+          </a:xfrm>
+          <a:prstGeom prst="rect">
+            <a:avLst/>
+          </a:prstGeom>
+          <a:solidFill>
+            <a:srgbClr val="121216"/>
+          </a:solidFill>
+          <a:ln>
+            <a:noFill/>
+          </a:ln>
+          <a:effectLst>
+            <a:outerShdw blurRad="39960" dir="5400000" dist="23040" rotWithShape="0">
+              <a:srgbClr val="000000">
+                <a:alpha val="35000"/>
+              </a:srgbClr>
+            </a:outerShdw>
+          </a:effectLst>
+        </p:spPr>
+        <p:style>
+          <a:lnRef idx="1">
+            <a:schemeClr val="accent1"/>
+          </a:lnRef>
+          <a:fillRef idx="3">
+            <a:schemeClr val="accent1"/>
+          </a:fillRef>
+          <a:effectRef idx="2">
+            <a:schemeClr val="accent1"/>
+          </a:effectRef>
+          <a:fontRef idx="minor"/>
+        </p:style>
+        <p:txBody>
+          <a:bodyPr lIns="90000" rIns="90000" tIns="45000" bIns="45000" anchor="ctr">
+            <a:noAutofit/>
+          </a:bodyPr>
+          <a:p>
+            <a:endParaRPr b="0" lang="en-US" sz="1800" spc="-1" strike="noStrike">
+              <a:solidFill>
+                <a:schemeClr val="lt1"/>
+              </a:solidFill>
+              <a:latin typeface="Calibri"/>
+              <a:ea typeface="DejaVu Sans"/>
+            </a:endParaRPr>
+          </a:p>
+        </p:txBody>
+      </p:sp>
+      <p:sp>
+        <p:nvSpPr>
+          <p:cNvPr id="454" name="Rectangle 160"/>
+          <p:cNvSpPr/>
+          <p:nvPr/>
+        </p:nvSpPr>
+        <p:spPr>
+          <a:xfrm>
+            <a:off x="0" y="0"/>
+            <a:ext cx="318240" cy="6856200"/>
+          </a:xfrm>
+          <a:prstGeom prst="rect">
+            <a:avLst/>
+          </a:prstGeom>
+          <a:solidFill>
+            <a:srgbClr val="ff8c00"/>
+          </a:solidFill>
+          <a:ln>
+            <a:noFill/>
+          </a:ln>
+          <a:effectLst>
+            <a:outerShdw blurRad="39960" dir="5400000" dist="23040" rotWithShape="0">
+              <a:srgbClr val="000000">
+                <a:alpha val="35000"/>
+              </a:srgbClr>
+            </a:outerShdw>
+          </a:effectLst>
+        </p:spPr>
+        <p:style>
+          <a:lnRef idx="1">
+            <a:schemeClr val="accent1"/>
+          </a:lnRef>
+          <a:fillRef idx="3">
+            <a:schemeClr val="accent1"/>
+          </a:fillRef>
+          <a:effectRef idx="2">
+            <a:schemeClr val="accent1"/>
+          </a:effectRef>
+          <a:fontRef idx="minor"/>
+        </p:style>
+        <p:txBody>
+          <a:bodyPr lIns="90000" rIns="90000" tIns="45000" bIns="45000" anchor="ctr">
+            <a:noAutofit/>
+          </a:bodyPr>
+          <a:p>
+            <a:endParaRPr b="0" lang="en-US" sz="1800" spc="-1" strike="noStrike">
+              <a:solidFill>
+                <a:schemeClr val="lt1"/>
+              </a:solidFill>
+              <a:latin typeface="Calibri"/>
+              <a:ea typeface="DejaVu Sans"/>
+            </a:endParaRPr>
+          </a:p>
+        </p:txBody>
+      </p:sp>
+      <p:sp>
+        <p:nvSpPr>
+          <p:cNvPr id="455" name="Rounded Rectangle 71"/>
+          <p:cNvSpPr/>
+          <p:nvPr/>
+        </p:nvSpPr>
+        <p:spPr>
+          <a:xfrm>
+            <a:off x="9875520" y="365760"/>
+            <a:ext cx="2009880" cy="501120"/>
+          </a:xfrm>
+          <a:prstGeom prst="roundRect">
+            <a:avLst>
+              <a:gd name="adj" fmla="val 16667"/>
+            </a:avLst>
+          </a:prstGeom>
+          <a:solidFill>
+            <a:srgbClr val="1e1e24"/>
+          </a:solidFill>
+          <a:ln>
+            <a:solidFill>
+              <a:srgbClr val="ff8c00"/>
+            </a:solidFill>
+            <a:round/>
+          </a:ln>
+          <a:effectLst>
+            <a:outerShdw blurRad="39960" dir="5400000" dist="23040" rotWithShape="0">
+              <a:srgbClr val="000000">
+                <a:alpha val="35000"/>
+              </a:srgbClr>
+            </a:outerShdw>
+          </a:effectLst>
+        </p:spPr>
+        <p:style>
+          <a:lnRef idx="1">
+            <a:schemeClr val="accent1"/>
+          </a:lnRef>
+          <a:fillRef idx="3">
+            <a:schemeClr val="accent1"/>
+          </a:fillRef>
+          <a:effectRef idx="2">
+            <a:schemeClr val="accent1"/>
+          </a:effectRef>
+          <a:fontRef idx="minor"/>
+        </p:style>
+        <p:txBody>
+          <a:bodyPr lIns="90000" rIns="90000" tIns="45000" bIns="45000" anchor="ctr">
+            <a:noAutofit/>
+          </a:bodyPr>
+          <a:p>
+            <a:pPr algn="ctr">
+              <a:lnSpc>
+                <a:spcPct val="100000"/>
+              </a:lnSpc>
+            </a:pPr>
+            <a:r>
+              <a:rPr b="1" lang="en-US" sz="1400" spc="-1" strike="noStrike">
+                <a:solidFill>
+                  <a:srgbClr val="ffb45a"/>
+                </a:solidFill>
+                <a:latin typeface="Calibri"/>
+                <a:ea typeface="DejaVu Sans"/>
+              </a:rPr>
+              <a:t>JAVA TEMELLERI</a:t>
+            </a:r>
+            <a:endParaRPr b="0" lang="en-US" sz="1400" spc="-1" strike="noStrike">
+              <a:solidFill>
+                <a:srgbClr val="ffffff"/>
+              </a:solidFill>
+              <a:latin typeface="Arial"/>
+            </a:endParaRPr>
+          </a:p>
+        </p:txBody>
+      </p:sp>
+      <p:sp>
+        <p:nvSpPr>
+          <p:cNvPr id="456" name="TextBox 31"/>
+          <p:cNvSpPr/>
+          <p:nvPr/>
+        </p:nvSpPr>
+        <p:spPr>
+          <a:xfrm>
+            <a:off x="1023120" y="1005840"/>
+            <a:ext cx="8924400" cy="638280"/>
+          </a:xfrm>
+          <a:prstGeom prst="rect">
+            <a:avLst/>
+          </a:prstGeom>
+          <a:noFill/>
+          <a:ln w="0">
+            <a:noFill/>
+          </a:ln>
+        </p:spPr>
+        <p:style>
+          <a:lnRef idx="0"/>
+          <a:fillRef idx="0"/>
+          <a:effectRef idx="0"/>
+          <a:fontRef idx="minor"/>
+        </p:style>
+        <p:txBody>
+          <a:bodyPr wrap="none" lIns="90000" rIns="90000" tIns="45000" bIns="45000" anchor="t">
+            <a:spAutoFit/>
+          </a:bodyPr>
+          <a:p>
+            <a:pPr>
+              <a:lnSpc>
+                <a:spcPct val="100000"/>
+              </a:lnSpc>
+            </a:pPr>
+            <a:r>
+              <a:rPr b="1" lang="en-US" sz="3600" spc="-1" strike="noStrike">
+                <a:solidFill>
+                  <a:srgbClr val="f5f5f5"/>
+                </a:solidFill>
+                <a:latin typeface="Calibri"/>
+                <a:ea typeface="DejaVu Sans"/>
+              </a:rPr>
+              <a:t>YAYGIN KURULUM SORUNLARI VE ÇÖZÜMLERİ</a:t>
+            </a:r>
+            <a:endParaRPr b="0" lang="en-US" sz="3600" spc="-1" strike="noStrike">
+              <a:solidFill>
+                <a:srgbClr val="000000"/>
+              </a:solidFill>
+              <a:latin typeface="Arial"/>
+            </a:endParaRPr>
+          </a:p>
+        </p:txBody>
+      </p:sp>
+      <p:sp>
+        <p:nvSpPr>
+          <p:cNvPr id="457" name="TextBox 32"/>
+          <p:cNvSpPr/>
+          <p:nvPr/>
+        </p:nvSpPr>
+        <p:spPr>
+          <a:xfrm>
+            <a:off x="2109960" y="2194560"/>
+            <a:ext cx="6764760" cy="317880"/>
+          </a:xfrm>
+          <a:prstGeom prst="rect">
+            <a:avLst/>
+          </a:prstGeom>
+          <a:noFill/>
+          <a:ln w="0">
+            <a:noFill/>
+          </a:ln>
+        </p:spPr>
+        <p:style>
+          <a:lnRef idx="0"/>
+          <a:fillRef idx="0"/>
+          <a:effectRef idx="0"/>
+          <a:fontRef idx="minor"/>
+        </p:style>
+        <p:txBody>
+          <a:bodyPr wrap="none" lIns="90000" rIns="90000" tIns="45000" bIns="45000" anchor="t">
+            <a:spAutoFit/>
+          </a:bodyPr>
+          <a:p>
+            <a:pPr>
+              <a:lnSpc>
+                <a:spcPct val="100000"/>
+              </a:lnSpc>
+            </a:pPr>
+            <a:r>
+              <a:rPr b="0" lang="en-US" sz="1500" spc="-1" strike="noStrike">
+                <a:solidFill>
+                  <a:srgbClr val="aaaaaa"/>
+                </a:solidFill>
+                <a:latin typeface="Calibri"/>
+                <a:ea typeface="DejaVu Sans"/>
+              </a:rPr>
+              <a:t>Yanlış ortam (environment) yapılandırması, Java’nın düzgün çalışmasını engelleyebilir.</a:t>
+            </a:r>
+            <a:endParaRPr b="0" lang="en-US" sz="1500" spc="-1" strike="noStrike">
+              <a:solidFill>
+                <a:srgbClr val="000000"/>
+              </a:solidFill>
+              <a:latin typeface="Arial"/>
+            </a:endParaRPr>
+          </a:p>
+        </p:txBody>
+      </p:sp>
+      <p:sp>
+        <p:nvSpPr>
+          <p:cNvPr id="458" name="Rounded Rectangle 72"/>
+          <p:cNvSpPr/>
+          <p:nvPr/>
+        </p:nvSpPr>
+        <p:spPr>
+          <a:xfrm>
+            <a:off x="987480" y="3182040"/>
+            <a:ext cx="3290040" cy="2741400"/>
+          </a:xfrm>
+          <a:prstGeom prst="roundRect">
+            <a:avLst>
+              <a:gd name="adj" fmla="val 16667"/>
+            </a:avLst>
+          </a:prstGeom>
+          <a:solidFill>
+            <a:srgbClr val="08080a"/>
+          </a:solidFill>
+          <a:ln>
+            <a:noFill/>
+          </a:ln>
+          <a:effectLst>
+            <a:outerShdw blurRad="39960" dir="5400000" dist="23040" rotWithShape="0">
+              <a:srgbClr val="000000">
+                <a:alpha val="35000"/>
+              </a:srgbClr>
+            </a:outerShdw>
+          </a:effectLst>
+        </p:spPr>
+        <p:style>
+          <a:lnRef idx="1">
+            <a:schemeClr val="accent1"/>
+          </a:lnRef>
+          <a:fillRef idx="3">
+            <a:schemeClr val="accent1"/>
+          </a:fillRef>
+          <a:effectRef idx="2">
+            <a:schemeClr val="accent1"/>
+          </a:effectRef>
+          <a:fontRef idx="minor"/>
+        </p:style>
+        <p:txBody>
+          <a:bodyPr lIns="90000" rIns="90000" tIns="45000" bIns="45000" anchor="ctr">
+            <a:noAutofit/>
+          </a:bodyPr>
+          <a:p>
+            <a:endParaRPr b="0" lang="en-US" sz="1800" spc="-1" strike="noStrike">
+              <a:solidFill>
+                <a:schemeClr val="lt1"/>
+              </a:solidFill>
+              <a:latin typeface="Calibri"/>
+              <a:ea typeface="DejaVu Sans"/>
+            </a:endParaRPr>
+          </a:p>
+        </p:txBody>
+      </p:sp>
+      <p:sp>
+        <p:nvSpPr>
+          <p:cNvPr id="459" name="Rounded Rectangle 73"/>
+          <p:cNvSpPr/>
+          <p:nvPr/>
+        </p:nvSpPr>
+        <p:spPr>
+          <a:xfrm>
+            <a:off x="914400" y="3108960"/>
+            <a:ext cx="3290040" cy="2741400"/>
+          </a:xfrm>
+          <a:prstGeom prst="roundRect">
+            <a:avLst>
+              <a:gd name="adj" fmla="val 16667"/>
+            </a:avLst>
+          </a:prstGeom>
+          <a:solidFill>
+            <a:srgbClr val="16161c"/>
+          </a:solidFill>
+          <a:ln>
+            <a:solidFill>
+              <a:srgbClr val="464655"/>
+            </a:solidFill>
+            <a:round/>
+          </a:ln>
+          <a:effectLst>
+            <a:outerShdw blurRad="39960" dir="5400000" dist="23040" rotWithShape="0">
+              <a:srgbClr val="000000">
+                <a:alpha val="35000"/>
+              </a:srgbClr>
+            </a:outerShdw>
+          </a:effectLst>
+        </p:spPr>
+        <p:style>
+          <a:lnRef idx="1">
+            <a:schemeClr val="accent1"/>
+          </a:lnRef>
+          <a:fillRef idx="3">
+            <a:schemeClr val="accent1"/>
+          </a:fillRef>
+          <a:effectRef idx="2">
+            <a:schemeClr val="accent1"/>
+          </a:effectRef>
+          <a:fontRef idx="minor"/>
+        </p:style>
+        <p:txBody>
+          <a:bodyPr lIns="90000" rIns="90000" tIns="45000" bIns="45000" anchor="ctr">
+            <a:noAutofit/>
+          </a:bodyPr>
+          <a:p>
+            <a:pPr>
+              <a:lnSpc>
+                <a:spcPct val="100000"/>
+              </a:lnSpc>
+            </a:pPr>
+            <a:r>
+              <a:rPr b="0" lang="en-US" sz="1400" spc="-1" strike="noStrike">
+                <a:solidFill>
+                  <a:schemeClr val="lt1"/>
+                </a:solidFill>
+                <a:latin typeface="Calibri"/>
+                <a:ea typeface="DejaVu Sans"/>
+              </a:rPr>
+              <a:t>Yaygın Sorunlar:</a:t>
+            </a:r>
+            <a:endParaRPr b="0" lang="en-US" sz="1400" spc="-1" strike="noStrike">
+              <a:solidFill>
+                <a:srgbClr val="ffffff"/>
+              </a:solidFill>
+              <a:latin typeface="Arial"/>
+            </a:endParaRPr>
+          </a:p>
+          <a:p>
+            <a:pPr>
+              <a:lnSpc>
+                <a:spcPct val="100000"/>
+              </a:lnSpc>
+            </a:pPr>
+            <a:endParaRPr b="0" lang="en-US" sz="1400" spc="-1" strike="noStrike">
+              <a:solidFill>
+                <a:srgbClr val="ffffff"/>
+              </a:solidFill>
+              <a:latin typeface="Arial"/>
+            </a:endParaRPr>
+          </a:p>
+          <a:p>
+            <a:pPr>
+              <a:lnSpc>
+                <a:spcPct val="100000"/>
+              </a:lnSpc>
+            </a:pPr>
+            <a:r>
+              <a:rPr b="1" lang="en-US" sz="1400" spc="-1" strike="noStrike">
+                <a:solidFill>
+                  <a:schemeClr val="lt1"/>
+                </a:solidFill>
+                <a:latin typeface="Calibri"/>
+                <a:ea typeface="DejaVu Sans"/>
+              </a:rPr>
+              <a:t>• </a:t>
+            </a:r>
+            <a:r>
+              <a:rPr b="1" lang="en-US" sz="1400" spc="-1" strike="noStrike">
+                <a:solidFill>
+                  <a:schemeClr val="lt1"/>
+                </a:solidFill>
+                <a:latin typeface="Calibri"/>
+                <a:ea typeface="DejaVu Sans"/>
+              </a:rPr>
+              <a:t>'java is not recognized as an internal or external command' hatası</a:t>
+            </a:r>
+            <a:endParaRPr b="0" lang="en-US" sz="1400" spc="-1" strike="noStrike">
+              <a:solidFill>
+                <a:srgbClr val="ffffff"/>
+              </a:solidFill>
+              <a:latin typeface="Arial"/>
+            </a:endParaRPr>
+          </a:p>
+          <a:p>
+            <a:pPr>
+              <a:lnSpc>
+                <a:spcPct val="100000"/>
+              </a:lnSpc>
+            </a:pPr>
+            <a:r>
+              <a:rPr b="1" lang="en-US" sz="1400" spc="-1" strike="noStrike">
+                <a:solidFill>
+                  <a:schemeClr val="lt1"/>
+                </a:solidFill>
+                <a:latin typeface="Calibri"/>
+                <a:ea typeface="DejaVu Sans"/>
+              </a:rPr>
+              <a:t>• </a:t>
+            </a:r>
+            <a:r>
+              <a:rPr b="1" lang="en-US" sz="1400" spc="-1" strike="noStrike">
+                <a:solidFill>
+                  <a:schemeClr val="lt1"/>
+                </a:solidFill>
+                <a:latin typeface="Calibri"/>
+                <a:ea typeface="DejaVu Sans"/>
+              </a:rPr>
+              <a:t>Yanlış JAVA_HOME yolu</a:t>
+            </a:r>
+            <a:endParaRPr b="0" lang="en-US" sz="1400" spc="-1" strike="noStrike">
+              <a:solidFill>
+                <a:srgbClr val="ffffff"/>
+              </a:solidFill>
+              <a:latin typeface="Arial"/>
+            </a:endParaRPr>
+          </a:p>
+          <a:p>
+            <a:pPr>
+              <a:lnSpc>
+                <a:spcPct val="100000"/>
+              </a:lnSpc>
+            </a:pPr>
+            <a:r>
+              <a:rPr b="1" lang="en-US" sz="1400" spc="-1" strike="noStrike">
+                <a:solidFill>
+                  <a:schemeClr val="lt1"/>
+                </a:solidFill>
+                <a:latin typeface="Calibri"/>
+                <a:ea typeface="DejaVu Sans"/>
+              </a:rPr>
+              <a:t>• </a:t>
+            </a:r>
+            <a:r>
+              <a:rPr b="1" lang="en-US" sz="1400" spc="-1" strike="noStrike">
+                <a:solidFill>
+                  <a:schemeClr val="lt1"/>
+                </a:solidFill>
+                <a:latin typeface="Calibri"/>
+                <a:ea typeface="DejaVu Sans"/>
+              </a:rPr>
+              <a:t>PATH değişkeninin güncellenmemesi</a:t>
+            </a:r>
+            <a:endParaRPr b="0" lang="en-US" sz="1400" spc="-1" strike="noStrike">
+              <a:solidFill>
+                <a:srgbClr val="ffffff"/>
+              </a:solidFill>
+              <a:latin typeface="Arial"/>
+            </a:endParaRPr>
+          </a:p>
+          <a:p>
+            <a:pPr>
+              <a:lnSpc>
+                <a:spcPct val="100000"/>
+              </a:lnSpc>
+            </a:pPr>
+            <a:r>
+              <a:rPr b="1" lang="en-US" sz="1400" spc="-1" strike="noStrike">
+                <a:solidFill>
+                  <a:schemeClr val="lt1"/>
+                </a:solidFill>
+                <a:latin typeface="Calibri"/>
+                <a:ea typeface="DejaVu Sans"/>
+              </a:rPr>
+              <a:t>• </a:t>
+            </a:r>
+            <a:r>
+              <a:rPr b="1" lang="en-US" sz="1400" spc="-1" strike="noStrike">
+                <a:solidFill>
+                  <a:schemeClr val="lt1"/>
+                </a:solidFill>
+                <a:latin typeface="Calibri"/>
+                <a:ea typeface="DejaVu Sans"/>
+              </a:rPr>
+              <a:t>Birden fazla Java sürümünün çakışması</a:t>
+            </a:r>
+            <a:endParaRPr b="0" lang="en-US" sz="1400" spc="-1" strike="noStrike">
+              <a:solidFill>
+                <a:srgbClr val="ffffff"/>
+              </a:solidFill>
+              <a:latin typeface="Arial"/>
+            </a:endParaRPr>
+          </a:p>
+          <a:p>
+            <a:pPr>
+              <a:lnSpc>
+                <a:spcPct val="100000"/>
+              </a:lnSpc>
+            </a:pPr>
+            <a:r>
+              <a:rPr b="1" lang="en-US" sz="1400" spc="-1" strike="noStrike">
+                <a:solidFill>
+                  <a:schemeClr val="lt1"/>
+                </a:solidFill>
+                <a:latin typeface="Calibri"/>
+                <a:ea typeface="DejaVu Sans"/>
+              </a:rPr>
+              <a:t>• </a:t>
+            </a:r>
+            <a:r>
+              <a:rPr b="1" lang="en-US" sz="1400" spc="-1" strike="noStrike">
+                <a:solidFill>
+                  <a:schemeClr val="lt1"/>
+                </a:solidFill>
+                <a:latin typeface="Calibri"/>
+                <a:ea typeface="DejaVu Sans"/>
+              </a:rPr>
+              <a:t>JDK yerine sadece JRE’nin kurulmuş olması</a:t>
+            </a:r>
+            <a:endParaRPr b="0" lang="en-US" sz="1400" spc="-1" strike="noStrike">
+              <a:solidFill>
+                <a:srgbClr val="ffffff"/>
+              </a:solidFill>
+              <a:latin typeface="Arial"/>
+            </a:endParaRPr>
+          </a:p>
+          <a:p>
+            <a:pPr>
+              <a:lnSpc>
+                <a:spcPct val="100000"/>
+              </a:lnSpc>
+            </a:pPr>
+            <a:endParaRPr b="0" lang="en-US" sz="1400" spc="-1" strike="noStrike">
+              <a:solidFill>
+                <a:srgbClr val="ffffff"/>
+              </a:solidFill>
+              <a:latin typeface="Arial"/>
+            </a:endParaRPr>
+          </a:p>
+          <a:p>
+            <a:pPr>
+              <a:lnSpc>
+                <a:spcPct val="100000"/>
+              </a:lnSpc>
+            </a:pPr>
+            <a:r>
+              <a:rPr b="0" lang="en-US" sz="1400" spc="-1" strike="noStrike">
+                <a:solidFill>
+                  <a:schemeClr val="lt1"/>
+                </a:solidFill>
+                <a:latin typeface="Calibri"/>
+                <a:ea typeface="DejaVu Sans"/>
+              </a:rPr>
+              <a:t>Çoğu sorun, ortam değişkenlerinin hatalı ayarlanmasından kaynaklanır.</a:t>
+            </a:r>
+            <a:endParaRPr b="0" lang="en-US" sz="1400" spc="-1" strike="noStrike">
+              <a:solidFill>
+                <a:srgbClr val="ffffff"/>
+              </a:solidFill>
+              <a:latin typeface="Arial"/>
+            </a:endParaRPr>
+          </a:p>
+        </p:txBody>
+      </p:sp>
+      <p:sp>
+        <p:nvSpPr>
+          <p:cNvPr id="460" name="Rounded Rectangle 74"/>
+          <p:cNvSpPr/>
+          <p:nvPr/>
+        </p:nvSpPr>
+        <p:spPr>
+          <a:xfrm>
+            <a:off x="4507920" y="3182040"/>
+            <a:ext cx="3290040" cy="2741400"/>
+          </a:xfrm>
+          <a:prstGeom prst="roundRect">
+            <a:avLst>
+              <a:gd name="adj" fmla="val 16667"/>
+            </a:avLst>
+          </a:prstGeom>
+          <a:solidFill>
+            <a:srgbClr val="08080a"/>
+          </a:solidFill>
+          <a:ln>
+            <a:noFill/>
+          </a:ln>
+          <a:effectLst>
+            <a:outerShdw blurRad="39960" dir="5400000" dist="23040" rotWithShape="0">
+              <a:srgbClr val="000000">
+                <a:alpha val="35000"/>
+              </a:srgbClr>
+            </a:outerShdw>
+          </a:effectLst>
+        </p:spPr>
+        <p:style>
+          <a:lnRef idx="1">
+            <a:schemeClr val="accent1"/>
+          </a:lnRef>
+          <a:fillRef idx="3">
+            <a:schemeClr val="accent1"/>
+          </a:fillRef>
+          <a:effectRef idx="2">
+            <a:schemeClr val="accent1"/>
+          </a:effectRef>
+          <a:fontRef idx="minor"/>
+        </p:style>
+        <p:txBody>
+          <a:bodyPr lIns="90000" rIns="90000" tIns="45000" bIns="45000" anchor="ctr">
+            <a:noAutofit/>
+          </a:bodyPr>
+          <a:p>
+            <a:endParaRPr b="0" lang="en-US" sz="1800" spc="-1" strike="noStrike">
+              <a:solidFill>
+                <a:schemeClr val="lt1"/>
+              </a:solidFill>
+              <a:latin typeface="Calibri"/>
+              <a:ea typeface="DejaVu Sans"/>
+            </a:endParaRPr>
+          </a:p>
+        </p:txBody>
+      </p:sp>
+      <p:sp>
+        <p:nvSpPr>
+          <p:cNvPr id="461" name="Rounded Rectangle 75"/>
+          <p:cNvSpPr/>
+          <p:nvPr/>
+        </p:nvSpPr>
+        <p:spPr>
+          <a:xfrm>
+            <a:off x="4434840" y="3108960"/>
+            <a:ext cx="3290040" cy="2741400"/>
+          </a:xfrm>
+          <a:prstGeom prst="roundRect">
+            <a:avLst>
+              <a:gd name="adj" fmla="val 16667"/>
+            </a:avLst>
+          </a:prstGeom>
+          <a:solidFill>
+            <a:srgbClr val="16161c"/>
+          </a:solidFill>
+          <a:ln>
+            <a:solidFill>
+              <a:srgbClr val="464655"/>
+            </a:solidFill>
+            <a:round/>
+          </a:ln>
+          <a:effectLst>
+            <a:outerShdw blurRad="39960" dir="5400000" dist="23040" rotWithShape="0">
+              <a:srgbClr val="000000">
+                <a:alpha val="35000"/>
+              </a:srgbClr>
+            </a:outerShdw>
+          </a:effectLst>
+        </p:spPr>
+        <p:style>
+          <a:lnRef idx="1">
+            <a:schemeClr val="accent1"/>
+          </a:lnRef>
+          <a:fillRef idx="3">
+            <a:schemeClr val="accent1"/>
+          </a:fillRef>
+          <a:effectRef idx="2">
+            <a:schemeClr val="accent1"/>
+          </a:effectRef>
+          <a:fontRef idx="minor"/>
+        </p:style>
+        <p:txBody>
+          <a:bodyPr lIns="90000" rIns="90000" tIns="45000" bIns="45000" anchor="ctr">
+            <a:noAutofit/>
+          </a:bodyPr>
+          <a:p>
+            <a:pPr>
+              <a:lnSpc>
+                <a:spcPct val="100000"/>
+              </a:lnSpc>
+            </a:pPr>
+            <a:r>
+              <a:rPr b="0" lang="en-US" sz="1600" spc="-1" strike="noStrike">
+                <a:solidFill>
+                  <a:schemeClr val="lt1"/>
+                </a:solidFill>
+                <a:latin typeface="Calibri"/>
+                <a:ea typeface="DejaVu Sans"/>
+              </a:rPr>
+              <a:t>Hata ortaya çıkar</a:t>
+            </a:r>
+            <a:endParaRPr b="0" lang="en-US" sz="1600" spc="-1" strike="noStrike">
+              <a:solidFill>
+                <a:srgbClr val="ffffff"/>
+              </a:solidFill>
+              <a:latin typeface="Arial"/>
+            </a:endParaRPr>
+          </a:p>
+          <a:p>
+            <a:pPr>
+              <a:lnSpc>
+                <a:spcPct val="100000"/>
+              </a:lnSpc>
+            </a:pPr>
+            <a:r>
+              <a:rPr b="0" lang="en-US" sz="1600" spc="-1" strike="noStrike">
+                <a:solidFill>
+                  <a:schemeClr val="lt1"/>
+                </a:solidFill>
+                <a:latin typeface="Calibri"/>
+                <a:ea typeface="DejaVu Sans"/>
+              </a:rPr>
+              <a:t>↓</a:t>
+            </a:r>
+            <a:endParaRPr b="0" lang="en-US" sz="1600" spc="-1" strike="noStrike">
+              <a:solidFill>
+                <a:srgbClr val="ffffff"/>
+              </a:solidFill>
+              <a:latin typeface="Arial"/>
+            </a:endParaRPr>
+          </a:p>
+          <a:p>
+            <a:pPr>
+              <a:lnSpc>
+                <a:spcPct val="100000"/>
+              </a:lnSpc>
+            </a:pPr>
+            <a:r>
+              <a:rPr b="0" lang="en-US" sz="1600" spc="-1" strike="noStrike">
+                <a:solidFill>
+                  <a:schemeClr val="lt1"/>
+                </a:solidFill>
+                <a:latin typeface="Calibri"/>
+                <a:ea typeface="DejaVu Sans"/>
+              </a:rPr>
+              <a:t>java -version kontrol et</a:t>
+            </a:r>
+            <a:endParaRPr b="0" lang="en-US" sz="1600" spc="-1" strike="noStrike">
+              <a:solidFill>
+                <a:srgbClr val="ffffff"/>
+              </a:solidFill>
+              <a:latin typeface="Arial"/>
+            </a:endParaRPr>
+          </a:p>
+          <a:p>
+            <a:pPr>
+              <a:lnSpc>
+                <a:spcPct val="100000"/>
+              </a:lnSpc>
+            </a:pPr>
+            <a:r>
+              <a:rPr b="0" lang="en-US" sz="1600" spc="-1" strike="noStrike">
+                <a:solidFill>
+                  <a:schemeClr val="lt1"/>
+                </a:solidFill>
+                <a:latin typeface="Calibri"/>
+                <a:ea typeface="DejaVu Sans"/>
+              </a:rPr>
+              <a:t>↓</a:t>
+            </a:r>
+            <a:endParaRPr b="0" lang="en-US" sz="1600" spc="-1" strike="noStrike">
+              <a:solidFill>
+                <a:srgbClr val="ffffff"/>
+              </a:solidFill>
+              <a:latin typeface="Arial"/>
+            </a:endParaRPr>
+          </a:p>
+          <a:p>
+            <a:pPr>
+              <a:lnSpc>
+                <a:spcPct val="100000"/>
+              </a:lnSpc>
+            </a:pPr>
+            <a:r>
+              <a:rPr b="0" lang="en-US" sz="1600" spc="-1" strike="noStrike">
+                <a:solidFill>
+                  <a:schemeClr val="lt1"/>
+                </a:solidFill>
+                <a:latin typeface="Calibri"/>
+                <a:ea typeface="DejaVu Sans"/>
+              </a:rPr>
+              <a:t>JAVA_HOME doğrula</a:t>
+            </a:r>
+            <a:endParaRPr b="0" lang="en-US" sz="1600" spc="-1" strike="noStrike">
+              <a:solidFill>
+                <a:srgbClr val="ffffff"/>
+              </a:solidFill>
+              <a:latin typeface="Arial"/>
+            </a:endParaRPr>
+          </a:p>
+          <a:p>
+            <a:pPr>
+              <a:lnSpc>
+                <a:spcPct val="100000"/>
+              </a:lnSpc>
+            </a:pPr>
+            <a:r>
+              <a:rPr b="0" lang="en-US" sz="1600" spc="-1" strike="noStrike">
+                <a:solidFill>
+                  <a:schemeClr val="lt1"/>
+                </a:solidFill>
+                <a:latin typeface="Calibri"/>
+                <a:ea typeface="DejaVu Sans"/>
+              </a:rPr>
+              <a:t>↓</a:t>
+            </a:r>
+            <a:endParaRPr b="0" lang="en-US" sz="1600" spc="-1" strike="noStrike">
+              <a:solidFill>
+                <a:srgbClr val="ffffff"/>
+              </a:solidFill>
+              <a:latin typeface="Arial"/>
+            </a:endParaRPr>
+          </a:p>
+          <a:p>
+            <a:pPr>
+              <a:lnSpc>
+                <a:spcPct val="100000"/>
+              </a:lnSpc>
+            </a:pPr>
+            <a:r>
+              <a:rPr b="0" lang="en-US" sz="1600" spc="-1" strike="noStrike">
+                <a:solidFill>
+                  <a:schemeClr val="lt1"/>
+                </a:solidFill>
+                <a:latin typeface="Calibri"/>
+                <a:ea typeface="DejaVu Sans"/>
+              </a:rPr>
+              <a:t>PATH değişkenini kontrol et</a:t>
+            </a:r>
+            <a:endParaRPr b="0" lang="en-US" sz="1600" spc="-1" strike="noStrike">
+              <a:solidFill>
+                <a:srgbClr val="ffffff"/>
+              </a:solidFill>
+              <a:latin typeface="Arial"/>
+            </a:endParaRPr>
+          </a:p>
+          <a:p>
+            <a:pPr>
+              <a:lnSpc>
+                <a:spcPct val="100000"/>
+              </a:lnSpc>
+            </a:pPr>
+            <a:r>
+              <a:rPr b="0" lang="en-US" sz="1600" spc="-1" strike="noStrike">
+                <a:solidFill>
+                  <a:schemeClr val="lt1"/>
+                </a:solidFill>
+                <a:latin typeface="Calibri"/>
+                <a:ea typeface="DejaVu Sans"/>
+              </a:rPr>
+              <a:t>↓</a:t>
+            </a:r>
+            <a:endParaRPr b="0" lang="en-US" sz="1600" spc="-1" strike="noStrike">
+              <a:solidFill>
+                <a:srgbClr val="ffffff"/>
+              </a:solidFill>
+              <a:latin typeface="Arial"/>
+            </a:endParaRPr>
+          </a:p>
+          <a:p>
+            <a:pPr>
+              <a:lnSpc>
+                <a:spcPct val="100000"/>
+              </a:lnSpc>
+            </a:pPr>
+            <a:r>
+              <a:rPr b="0" lang="en-US" sz="1600" spc="-1" strike="noStrike">
+                <a:solidFill>
+                  <a:schemeClr val="lt1"/>
+                </a:solidFill>
+                <a:latin typeface="Calibri"/>
+                <a:ea typeface="DejaVu Sans"/>
+              </a:rPr>
+              <a:t>Terminali yeniden başlat</a:t>
+            </a:r>
+            <a:endParaRPr b="0" lang="en-US" sz="1600" spc="-1" strike="noStrike">
+              <a:solidFill>
+                <a:srgbClr val="ffffff"/>
+              </a:solidFill>
+              <a:latin typeface="Arial"/>
+            </a:endParaRPr>
+          </a:p>
+          <a:p>
+            <a:pPr>
+              <a:lnSpc>
+                <a:spcPct val="100000"/>
+              </a:lnSpc>
+            </a:pPr>
+            <a:r>
+              <a:rPr b="0" lang="en-US" sz="1600" spc="-1" strike="noStrike">
+                <a:solidFill>
+                  <a:schemeClr val="lt1"/>
+                </a:solidFill>
+                <a:latin typeface="Calibri"/>
+                <a:ea typeface="DejaVu Sans"/>
+              </a:rPr>
+              <a:t>↓</a:t>
+            </a:r>
+            <a:endParaRPr b="0" lang="en-US" sz="1600" spc="-1" strike="noStrike">
+              <a:solidFill>
+                <a:srgbClr val="ffffff"/>
+              </a:solidFill>
+              <a:latin typeface="Arial"/>
+            </a:endParaRPr>
+          </a:p>
+          <a:p>
+            <a:pPr>
+              <a:lnSpc>
+                <a:spcPct val="100000"/>
+              </a:lnSpc>
+            </a:pPr>
+            <a:r>
+              <a:rPr b="0" lang="en-US" sz="1600" spc="-1" strike="noStrike">
+                <a:solidFill>
+                  <a:schemeClr val="lt1"/>
+                </a:solidFill>
+                <a:latin typeface="Calibri"/>
+                <a:ea typeface="DejaVu Sans"/>
+              </a:rPr>
+              <a:t>Sorun çözülür</a:t>
+            </a:r>
+            <a:endParaRPr b="0" lang="en-US" sz="1600" spc="-1" strike="noStrike">
+              <a:solidFill>
+                <a:srgbClr val="ffffff"/>
+              </a:solidFill>
+              <a:latin typeface="Arial"/>
+            </a:endParaRPr>
+          </a:p>
+        </p:txBody>
+      </p:sp>
+      <p:sp>
+        <p:nvSpPr>
+          <p:cNvPr id="462" name="Rounded Rectangle 76"/>
+          <p:cNvSpPr/>
+          <p:nvPr/>
+        </p:nvSpPr>
+        <p:spPr>
+          <a:xfrm>
+            <a:off x="8028360" y="3182040"/>
+            <a:ext cx="3290040" cy="2741400"/>
+          </a:xfrm>
+          <a:prstGeom prst="roundRect">
+            <a:avLst>
+              <a:gd name="adj" fmla="val 16667"/>
+            </a:avLst>
+          </a:prstGeom>
+          <a:solidFill>
+            <a:srgbClr val="08080a"/>
+          </a:solidFill>
+          <a:ln>
+            <a:noFill/>
+          </a:ln>
+          <a:effectLst>
+            <a:outerShdw blurRad="39960" dir="5400000" dist="23040" rotWithShape="0">
+              <a:srgbClr val="000000">
+                <a:alpha val="35000"/>
+              </a:srgbClr>
+            </a:outerShdw>
+          </a:effectLst>
+        </p:spPr>
+        <p:style>
+          <a:lnRef idx="1">
+            <a:schemeClr val="accent1"/>
+          </a:lnRef>
+          <a:fillRef idx="3">
+            <a:schemeClr val="accent1"/>
+          </a:fillRef>
+          <a:effectRef idx="2">
+            <a:schemeClr val="accent1"/>
+          </a:effectRef>
+          <a:fontRef idx="minor"/>
+        </p:style>
+        <p:txBody>
+          <a:bodyPr lIns="90000" rIns="90000" tIns="45000" bIns="45000" anchor="ctr">
+            <a:noAutofit/>
+          </a:bodyPr>
+          <a:p>
+            <a:endParaRPr b="0" lang="en-US" sz="1800" spc="-1" strike="noStrike">
+              <a:solidFill>
+                <a:schemeClr val="lt1"/>
+              </a:solidFill>
+              <a:latin typeface="Calibri"/>
+              <a:ea typeface="DejaVu Sans"/>
+            </a:endParaRPr>
+          </a:p>
+        </p:txBody>
+      </p:sp>
+      <p:sp>
+        <p:nvSpPr>
+          <p:cNvPr id="463" name="Rounded Rectangle 77"/>
+          <p:cNvSpPr/>
+          <p:nvPr/>
+        </p:nvSpPr>
+        <p:spPr>
+          <a:xfrm>
+            <a:off x="7955280" y="3108960"/>
+            <a:ext cx="3290040" cy="3063240"/>
+          </a:xfrm>
+          <a:prstGeom prst="roundRect">
+            <a:avLst>
+              <a:gd name="adj" fmla="val 16667"/>
+            </a:avLst>
+          </a:prstGeom>
+          <a:solidFill>
+            <a:srgbClr val="16161c"/>
+          </a:solidFill>
+          <a:ln>
+            <a:solidFill>
+              <a:srgbClr val="464655"/>
+            </a:solidFill>
+            <a:round/>
+          </a:ln>
+          <a:effectLst>
+            <a:outerShdw blurRad="39960" dir="5400000" dist="23040" rotWithShape="0">
+              <a:srgbClr val="000000">
+                <a:alpha val="35000"/>
+              </a:srgbClr>
+            </a:outerShdw>
+          </a:effectLst>
+        </p:spPr>
+        <p:style>
+          <a:lnRef idx="1">
+            <a:schemeClr val="accent1"/>
+          </a:lnRef>
+          <a:fillRef idx="3">
+            <a:schemeClr val="accent1"/>
+          </a:fillRef>
+          <a:effectRef idx="2">
+            <a:schemeClr val="accent1"/>
+          </a:effectRef>
+          <a:fontRef idx="minor"/>
+        </p:style>
+        <p:txBody>
+          <a:bodyPr lIns="90000" rIns="90000" tIns="45000" bIns="45000" anchor="ctr">
+            <a:noAutofit/>
+          </a:bodyPr>
+          <a:p>
+            <a:pPr algn="ctr">
+              <a:lnSpc>
+                <a:spcPct val="100000"/>
+              </a:lnSpc>
+            </a:pPr>
+            <a:endParaRPr b="0" lang="en-US" sz="1400" spc="-1" strike="noStrike">
+              <a:solidFill>
+                <a:srgbClr val="ffffff"/>
+              </a:solidFill>
+              <a:latin typeface="Arial"/>
+            </a:endParaRPr>
+          </a:p>
+          <a:p>
+            <a:pPr algn="ctr">
+              <a:lnSpc>
+                <a:spcPct val="100000"/>
+              </a:lnSpc>
+            </a:pPr>
+            <a:r>
+              <a:rPr b="0" lang="en-US" sz="1400" spc="-1" strike="noStrike">
+                <a:solidFill>
+                  <a:srgbClr val="78ffc8"/>
+                </a:solidFill>
+                <a:latin typeface="Consolas"/>
+                <a:ea typeface="DejaVu Sans"/>
+              </a:rPr>
+              <a:t>Windows:</a:t>
+            </a:r>
+            <a:br>
+              <a:rPr sz="1400"/>
+            </a:br>
+            <a:r>
+              <a:rPr b="0" lang="en-US" sz="1400" spc="-1" strike="noStrike">
+                <a:solidFill>
+                  <a:srgbClr val="78ffc8"/>
+                </a:solidFill>
+                <a:latin typeface="Consolas"/>
+                <a:ea typeface="DejaVu Sans"/>
+              </a:rPr>
+              <a:t>echo %JAVA_HOME%</a:t>
+            </a:r>
+            <a:endParaRPr b="0" lang="en-US" sz="1400" spc="-1" strike="noStrike">
+              <a:solidFill>
+                <a:srgbClr val="ffffff"/>
+              </a:solidFill>
+              <a:latin typeface="Arial"/>
+            </a:endParaRPr>
+          </a:p>
+          <a:p>
+            <a:pPr algn="ctr">
+              <a:lnSpc>
+                <a:spcPct val="100000"/>
+              </a:lnSpc>
+            </a:pPr>
+            <a:r>
+              <a:rPr b="0" lang="en-US" sz="1400" spc="-1" strike="noStrike">
+                <a:solidFill>
+                  <a:srgbClr val="78ffc8"/>
+                </a:solidFill>
+                <a:latin typeface="Consolas"/>
+                <a:ea typeface="DejaVu Sans"/>
+              </a:rPr>
+              <a:t>echo %PATH%</a:t>
+            </a:r>
+            <a:br>
+              <a:rPr sz="1400"/>
+            </a:br>
+            <a:br>
+              <a:rPr sz="1400"/>
+            </a:br>
+            <a:r>
+              <a:rPr b="0" lang="en-US" sz="1400" spc="-1" strike="noStrike">
+                <a:solidFill>
+                  <a:srgbClr val="78ffc8"/>
+                </a:solidFill>
+                <a:latin typeface="Consolas"/>
+                <a:ea typeface="DejaVu Sans"/>
+              </a:rPr>
+              <a:t>Linux / Mac:</a:t>
+            </a:r>
+            <a:br>
+              <a:rPr sz="1400"/>
+            </a:br>
+            <a:r>
+              <a:rPr b="0" lang="en-US" sz="1400" spc="-1" strike="noStrike">
+                <a:solidFill>
+                  <a:srgbClr val="78ffc8"/>
+                </a:solidFill>
+                <a:latin typeface="Consolas"/>
+                <a:ea typeface="DejaVu Sans"/>
+              </a:rPr>
+              <a:t>echo $JAVA_HOME</a:t>
+            </a:r>
+            <a:endParaRPr b="0" lang="en-US" sz="1400" spc="-1" strike="noStrike">
+              <a:solidFill>
+                <a:srgbClr val="ffffff"/>
+              </a:solidFill>
+              <a:latin typeface="Arial"/>
+            </a:endParaRPr>
+          </a:p>
+          <a:p>
+            <a:pPr algn="ctr">
+              <a:lnSpc>
+                <a:spcPct val="100000"/>
+              </a:lnSpc>
+            </a:pPr>
+            <a:r>
+              <a:rPr b="0" lang="en-US" sz="1400" spc="-1" strike="noStrike">
+                <a:solidFill>
+                  <a:srgbClr val="78ffc8"/>
+                </a:solidFill>
+                <a:latin typeface="Consolas"/>
+                <a:ea typeface="DejaVu Sans"/>
+              </a:rPr>
+              <a:t>echo $PATH</a:t>
+            </a:r>
+            <a:endParaRPr b="0" lang="en-US" sz="1400" spc="-1" strike="noStrike">
+              <a:solidFill>
+                <a:srgbClr val="ffffff"/>
+              </a:solidFill>
+              <a:latin typeface="Arial"/>
+            </a:endParaRPr>
+          </a:p>
+          <a:p>
+            <a:pPr algn="ctr">
+              <a:lnSpc>
+                <a:spcPct val="100000"/>
+              </a:lnSpc>
+            </a:pPr>
+            <a:br>
+              <a:rPr sz="1400"/>
+            </a:br>
+            <a:r>
+              <a:rPr b="0" lang="en-US" sz="1400" spc="-1" strike="noStrike">
+                <a:solidFill>
+                  <a:srgbClr val="78ffc8"/>
+                </a:solidFill>
+                <a:latin typeface="Consolas"/>
+                <a:ea typeface="DejaVu Sans"/>
+              </a:rPr>
+              <a:t>Geçici olarak JAVA_HOME ayarlama (Linux/Mac):</a:t>
+            </a:r>
+            <a:br>
+              <a:rPr sz="1400"/>
+            </a:br>
+            <a:r>
+              <a:rPr b="0" lang="en-US" sz="1400" spc="-1" strike="noStrike">
+                <a:solidFill>
+                  <a:srgbClr val="78ffc8"/>
+                </a:solidFill>
+                <a:latin typeface="Consolas"/>
+                <a:ea typeface="DejaVu Sans"/>
+              </a:rPr>
+              <a:t>export JAVA_HOME=/usr/lib/jvm/jdk-xx</a:t>
+            </a:r>
+            <a:endParaRPr b="0" lang="en-US" sz="1400" spc="-1" strike="noStrike">
+              <a:solidFill>
+                <a:srgbClr val="ffffff"/>
+              </a:solidFill>
+              <a:latin typeface="Arial"/>
+            </a:endParaRPr>
+          </a:p>
+          <a:p>
+            <a:pPr algn="ctr">
+              <a:lnSpc>
+                <a:spcPct val="100000"/>
+              </a:lnSpc>
+            </a:pPr>
+            <a:r>
+              <a:rPr b="0" lang="en-US" sz="1400" spc="-1" strike="noStrike">
+                <a:solidFill>
+                  <a:srgbClr val="78ffc8"/>
+                </a:solidFill>
+                <a:latin typeface="Consolas"/>
+                <a:ea typeface="DejaVu Sans"/>
+              </a:rPr>
+              <a:t>export PATH=$JAVA_HOME/bin:$PATH</a:t>
+            </a:r>
+            <a:endParaRPr b="0" lang="en-US" sz="1400" spc="-1" strike="noStrike">
+              <a:solidFill>
+                <a:srgbClr val="ffffff"/>
+              </a:solidFill>
+              <a:latin typeface="Arial"/>
+            </a:endParaRPr>
+          </a:p>
+          <a:p>
+            <a:pPr algn="ctr">
+              <a:lnSpc>
+                <a:spcPct val="100000"/>
+              </a:lnSpc>
+            </a:pPr>
+            <a:endParaRPr b="0" lang="en-US" sz="1400" spc="-1" strike="noStrike">
+              <a:solidFill>
+                <a:srgbClr val="ffffff"/>
+              </a:solidFill>
+              <a:latin typeface="Arial"/>
+            </a:endParaRPr>
+          </a:p>
+        </p:txBody>
+      </p:sp>
+      <p:sp>
+        <p:nvSpPr>
+          <p:cNvPr id="464" name="TextBox 33"/>
           <p:cNvSpPr/>
           <p:nvPr/>
         </p:nvSpPr>
@@ -17511,7 +19672,7 @@
         <p:spPr>
           <a:xfrm>
             <a:off x="0" y="0"/>
-            <a:ext cx="12186000" cy="6855120"/>
+            <a:ext cx="12185640" cy="6854760"/>
           </a:xfrm>
           <a:prstGeom prst="rect">
             <a:avLst/>
@@ -17571,7 +19732,7 @@
         <p:spPr>
           <a:xfrm>
             <a:off x="0" y="0"/>
-            <a:ext cx="15480" cy="6855120"/>
+            <a:ext cx="15120" cy="6854760"/>
           </a:xfrm>
           <a:prstGeom prst="rect">
             <a:avLst/>
@@ -17631,7 +19792,7 @@
         <p:spPr>
           <a:xfrm>
             <a:off x="914400" y="0"/>
-            <a:ext cx="15480" cy="6855120"/>
+            <a:ext cx="15120" cy="6854760"/>
           </a:xfrm>
           <a:prstGeom prst="rect">
             <a:avLst/>
@@ -17691,7 +19852,7 @@
         <p:spPr>
           <a:xfrm>
             <a:off x="1828800" y="0"/>
-            <a:ext cx="15480" cy="6855120"/>
+            <a:ext cx="15120" cy="6854760"/>
           </a:xfrm>
           <a:prstGeom prst="rect">
             <a:avLst/>
@@ -17751,7 +19912,7 @@
         <p:spPr>
           <a:xfrm>
             <a:off x="2743200" y="0"/>
-            <a:ext cx="15480" cy="6855120"/>
+            <a:ext cx="15120" cy="6854760"/>
           </a:xfrm>
           <a:prstGeom prst="rect">
             <a:avLst/>
@@ -17811,7 +19972,7 @@
         <p:spPr>
           <a:xfrm>
             <a:off x="3657600" y="0"/>
-            <a:ext cx="15480" cy="6855120"/>
+            <a:ext cx="15120" cy="6854760"/>
           </a:xfrm>
           <a:prstGeom prst="rect">
             <a:avLst/>
@@ -17871,7 +20032,7 @@
         <p:spPr>
           <a:xfrm>
             <a:off x="4572000" y="0"/>
-            <a:ext cx="15480" cy="6855120"/>
+            <a:ext cx="15120" cy="6854760"/>
           </a:xfrm>
           <a:prstGeom prst="rect">
             <a:avLst/>
@@ -17931,7 +20092,7 @@
         <p:spPr>
           <a:xfrm>
             <a:off x="5486400" y="0"/>
-            <a:ext cx="15480" cy="6855120"/>
+            <a:ext cx="15120" cy="6854760"/>
           </a:xfrm>
           <a:prstGeom prst="rect">
             <a:avLst/>
@@ -17991,7 +20152,7 @@
         <p:spPr>
           <a:xfrm>
             <a:off x="6400800" y="0"/>
-            <a:ext cx="15480" cy="6855120"/>
+            <a:ext cx="15120" cy="6854760"/>
           </a:xfrm>
           <a:prstGeom prst="rect">
             <a:avLst/>
@@ -18051,7 +20212,7 @@
         <p:spPr>
           <a:xfrm>
             <a:off x="7315200" y="0"/>
-            <a:ext cx="15480" cy="6855120"/>
+            <a:ext cx="15120" cy="6854760"/>
           </a:xfrm>
           <a:prstGeom prst="rect">
             <a:avLst/>
@@ -18111,7 +20272,7 @@
         <p:spPr>
           <a:xfrm>
             <a:off x="8229600" y="0"/>
-            <a:ext cx="15480" cy="6855120"/>
+            <a:ext cx="15120" cy="6854760"/>
           </a:xfrm>
           <a:prstGeom prst="rect">
             <a:avLst/>
@@ -18171,7 +20332,7 @@
         <p:spPr>
           <a:xfrm>
             <a:off x="9144000" y="0"/>
-            <a:ext cx="15480" cy="6855120"/>
+            <a:ext cx="15120" cy="6854760"/>
           </a:xfrm>
           <a:prstGeom prst="rect">
             <a:avLst/>
@@ -18231,7 +20392,7 @@
         <p:spPr>
           <a:xfrm>
             <a:off x="10058400" y="0"/>
-            <a:ext cx="15480" cy="6855120"/>
+            <a:ext cx="15120" cy="6854760"/>
           </a:xfrm>
           <a:prstGeom prst="rect">
             <a:avLst/>
@@ -18291,7 +20452,7 @@
         <p:spPr>
           <a:xfrm>
             <a:off x="10972800" y="0"/>
-            <a:ext cx="15480" cy="6855120"/>
+            <a:ext cx="15120" cy="6854760"/>
           </a:xfrm>
           <a:prstGeom prst="rect">
             <a:avLst/>
@@ -18351,7 +20512,7 @@
         <p:spPr>
           <a:xfrm>
             <a:off x="11887200" y="0"/>
-            <a:ext cx="15480" cy="6855120"/>
+            <a:ext cx="15120" cy="6854760"/>
           </a:xfrm>
           <a:prstGeom prst="rect">
             <a:avLst/>
@@ -18411,7 +20572,7 @@
         <p:spPr>
           <a:xfrm>
             <a:off x="0" y="0"/>
-            <a:ext cx="317160" cy="6855120"/>
+            <a:ext cx="316800" cy="6854760"/>
           </a:xfrm>
           <a:prstGeom prst="rect">
             <a:avLst/>
@@ -18471,7 +20632,7 @@
         <p:spPr>
           <a:xfrm>
             <a:off x="9875520" y="365760"/>
-            <a:ext cx="2008800" cy="500040"/>
+            <a:ext cx="2008440" cy="499680"/>
           </a:xfrm>
           <a:prstGeom prst="roundRect">
             <a:avLst>
@@ -18653,7 +20814,7 @@
         <p:spPr>
           <a:xfrm>
             <a:off x="987480" y="3182040"/>
-            <a:ext cx="3288960" cy="2740320"/>
+            <a:ext cx="3288600" cy="2739960"/>
           </a:xfrm>
           <a:prstGeom prst="roundRect">
             <a:avLst>
@@ -18715,7 +20876,7 @@
         <p:spPr>
           <a:xfrm>
             <a:off x="914400" y="3108960"/>
-            <a:ext cx="3288960" cy="2740320"/>
+            <a:ext cx="3288600" cy="2739960"/>
           </a:xfrm>
           <a:prstGeom prst="roundRect">
             <a:avLst>
@@ -18970,7 +21131,7 @@
         <p:spPr>
           <a:xfrm>
             <a:off x="4507920" y="3182040"/>
-            <a:ext cx="3288960" cy="2740320"/>
+            <a:ext cx="3288600" cy="2739960"/>
           </a:xfrm>
           <a:prstGeom prst="roundRect">
             <a:avLst>
@@ -19032,7 +21193,7 @@
         <p:spPr>
           <a:xfrm>
             <a:off x="4434840" y="3108960"/>
-            <a:ext cx="3288960" cy="2740320"/>
+            <a:ext cx="3288600" cy="2739960"/>
           </a:xfrm>
           <a:prstGeom prst="roundRect">
             <a:avLst>
@@ -19244,7 +21405,7 @@
         <p:spPr>
           <a:xfrm>
             <a:off x="8028360" y="3182040"/>
-            <a:ext cx="3288960" cy="2740320"/>
+            <a:ext cx="3288600" cy="2739960"/>
           </a:xfrm>
           <a:prstGeom prst="roundRect">
             <a:avLst>
@@ -19306,7 +21467,7 @@
         <p:spPr>
           <a:xfrm>
             <a:off x="7955280" y="3108960"/>
-            <a:ext cx="3288960" cy="2740320"/>
+            <a:ext cx="3288600" cy="2739960"/>
           </a:xfrm>
           <a:prstGeom prst="roundRect">
             <a:avLst>
@@ -19671,7 +21832,7 @@
         <p:spPr>
           <a:xfrm>
             <a:off x="0" y="0"/>
-            <a:ext cx="12186720" cy="6855840"/>
+            <a:ext cx="12186360" cy="6855480"/>
           </a:xfrm>
           <a:prstGeom prst="rect">
             <a:avLst/>
@@ -19731,7 +21892,7 @@
         <p:spPr>
           <a:xfrm>
             <a:off x="0" y="0"/>
-            <a:ext cx="16200" cy="6855840"/>
+            <a:ext cx="15840" cy="6855480"/>
           </a:xfrm>
           <a:prstGeom prst="rect">
             <a:avLst/>
@@ -19791,7 +21952,7 @@
         <p:spPr>
           <a:xfrm>
             <a:off x="914400" y="0"/>
-            <a:ext cx="16200" cy="6855840"/>
+            <a:ext cx="15840" cy="6855480"/>
           </a:xfrm>
           <a:prstGeom prst="rect">
             <a:avLst/>
@@ -19851,7 +22012,7 @@
         <p:spPr>
           <a:xfrm>
             <a:off x="1828800" y="0"/>
-            <a:ext cx="16200" cy="6855840"/>
+            <a:ext cx="15840" cy="6855480"/>
           </a:xfrm>
           <a:prstGeom prst="rect">
             <a:avLst/>
@@ -19911,7 +22072,7 @@
         <p:spPr>
           <a:xfrm>
             <a:off x="2743200" y="0"/>
-            <a:ext cx="16200" cy="6855840"/>
+            <a:ext cx="15840" cy="6855480"/>
           </a:xfrm>
           <a:prstGeom prst="rect">
             <a:avLst/>
@@ -19971,7 +22132,7 @@
         <p:spPr>
           <a:xfrm>
             <a:off x="3657600" y="0"/>
-            <a:ext cx="16200" cy="6855840"/>
+            <a:ext cx="15840" cy="6855480"/>
           </a:xfrm>
           <a:prstGeom prst="rect">
             <a:avLst/>
@@ -20031,7 +22192,7 @@
         <p:spPr>
           <a:xfrm>
             <a:off x="4572000" y="0"/>
-            <a:ext cx="16200" cy="6855840"/>
+            <a:ext cx="15840" cy="6855480"/>
           </a:xfrm>
           <a:prstGeom prst="rect">
             <a:avLst/>
@@ -20091,7 +22252,7 @@
         <p:spPr>
           <a:xfrm>
             <a:off x="5486400" y="0"/>
-            <a:ext cx="16200" cy="6855840"/>
+            <a:ext cx="15840" cy="6855480"/>
           </a:xfrm>
           <a:prstGeom prst="rect">
             <a:avLst/>
@@ -20151,7 +22312,7 @@
         <p:spPr>
           <a:xfrm>
             <a:off x="6400800" y="0"/>
-            <a:ext cx="16200" cy="6855840"/>
+            <a:ext cx="15840" cy="6855480"/>
           </a:xfrm>
           <a:prstGeom prst="rect">
             <a:avLst/>
@@ -20211,7 +22372,7 @@
         <p:spPr>
           <a:xfrm>
             <a:off x="7315200" y="0"/>
-            <a:ext cx="16200" cy="6855840"/>
+            <a:ext cx="15840" cy="6855480"/>
           </a:xfrm>
           <a:prstGeom prst="rect">
             <a:avLst/>
@@ -20271,7 +22432,7 @@
         <p:spPr>
           <a:xfrm>
             <a:off x="8229600" y="0"/>
-            <a:ext cx="16200" cy="6855840"/>
+            <a:ext cx="15840" cy="6855480"/>
           </a:xfrm>
           <a:prstGeom prst="rect">
             <a:avLst/>
@@ -20331,7 +22492,7 @@
         <p:spPr>
           <a:xfrm>
             <a:off x="9144000" y="0"/>
-            <a:ext cx="16200" cy="6855840"/>
+            <a:ext cx="15840" cy="6855480"/>
           </a:xfrm>
           <a:prstGeom prst="rect">
             <a:avLst/>
@@ -20391,7 +22552,7 @@
         <p:spPr>
           <a:xfrm>
             <a:off x="10058400" y="0"/>
-            <a:ext cx="16200" cy="6855840"/>
+            <a:ext cx="15840" cy="6855480"/>
           </a:xfrm>
           <a:prstGeom prst="rect">
             <a:avLst/>
@@ -20451,7 +22612,7 @@
         <p:spPr>
           <a:xfrm>
             <a:off x="10972800" y="0"/>
-            <a:ext cx="16200" cy="6855840"/>
+            <a:ext cx="15840" cy="6855480"/>
           </a:xfrm>
           <a:prstGeom prst="rect">
             <a:avLst/>
@@ -20511,7 +22672,7 @@
         <p:spPr>
           <a:xfrm>
             <a:off x="11887200" y="0"/>
-            <a:ext cx="16200" cy="6855840"/>
+            <a:ext cx="15840" cy="6855480"/>
           </a:xfrm>
           <a:prstGeom prst="rect">
             <a:avLst/>
@@ -20571,7 +22732,7 @@
         <p:spPr>
           <a:xfrm>
             <a:off x="0" y="0"/>
-            <a:ext cx="317880" cy="6855840"/>
+            <a:ext cx="317520" cy="6855480"/>
           </a:xfrm>
           <a:prstGeom prst="rect">
             <a:avLst/>
@@ -20631,7 +22792,7 @@
         <p:spPr>
           <a:xfrm>
             <a:off x="9875520" y="365760"/>
-            <a:ext cx="2009520" cy="500760"/>
+            <a:ext cx="2009160" cy="500400"/>
           </a:xfrm>
           <a:prstGeom prst="roundRect">
             <a:avLst>
@@ -20813,7 +22974,7 @@
         <p:spPr>
           <a:xfrm>
             <a:off x="987480" y="3182040"/>
-            <a:ext cx="3289680" cy="2741040"/>
+            <a:ext cx="3289320" cy="2740680"/>
           </a:xfrm>
           <a:prstGeom prst="roundRect">
             <a:avLst>
@@ -20875,7 +23036,7 @@
         <p:spPr>
           <a:xfrm>
             <a:off x="475560" y="2743200"/>
-            <a:ext cx="3728520" cy="3106800"/>
+            <a:ext cx="3728160" cy="3106440"/>
           </a:xfrm>
           <a:prstGeom prst="roundRect">
             <a:avLst>
@@ -21152,7 +23313,7 @@
         <p:spPr>
           <a:xfrm>
             <a:off x="4507920" y="3182040"/>
-            <a:ext cx="3289680" cy="2741040"/>
+            <a:ext cx="3289320" cy="2740680"/>
           </a:xfrm>
           <a:prstGeom prst="roundRect">
             <a:avLst>
@@ -21214,7 +23375,7 @@
         <p:spPr>
           <a:xfrm>
             <a:off x="4343400" y="2918520"/>
-            <a:ext cx="3518280" cy="2931480"/>
+            <a:ext cx="3517920" cy="2931120"/>
           </a:xfrm>
           <a:prstGeom prst="roundRect">
             <a:avLst>
@@ -21676,7 +23837,7 @@
         <p:spPr>
           <a:xfrm>
             <a:off x="8028360" y="3182040"/>
-            <a:ext cx="3289680" cy="2741040"/>
+            <a:ext cx="3289320" cy="2740680"/>
           </a:xfrm>
           <a:prstGeom prst="roundRect">
             <a:avLst>
@@ -21738,7 +23899,7 @@
         <p:spPr>
           <a:xfrm>
             <a:off x="8023680" y="2743200"/>
-            <a:ext cx="3839760" cy="3199320"/>
+            <a:ext cx="3839400" cy="3198960"/>
           </a:xfrm>
           <a:prstGeom prst="roundRect">
             <a:avLst>
@@ -22294,7 +24455,7 @@
         <p:spPr>
           <a:xfrm>
             <a:off x="0" y="0"/>
-            <a:ext cx="12187080" cy="6856200"/>
+            <a:ext cx="12186720" cy="6855840"/>
           </a:xfrm>
           <a:prstGeom prst="rect">
             <a:avLst/>
@@ -22354,7 +24515,7 @@
         <p:spPr>
           <a:xfrm>
             <a:off x="0" y="0"/>
-            <a:ext cx="16560" cy="6856200"/>
+            <a:ext cx="16200" cy="6855840"/>
           </a:xfrm>
           <a:prstGeom prst="rect">
             <a:avLst/>
@@ -22414,7 +24575,7 @@
         <p:spPr>
           <a:xfrm>
             <a:off x="914400" y="0"/>
-            <a:ext cx="16560" cy="6856200"/>
+            <a:ext cx="16200" cy="6855840"/>
           </a:xfrm>
           <a:prstGeom prst="rect">
             <a:avLst/>
@@ -22474,7 +24635,7 @@
         <p:spPr>
           <a:xfrm>
             <a:off x="1828800" y="0"/>
-            <a:ext cx="16560" cy="6856200"/>
+            <a:ext cx="16200" cy="6855840"/>
           </a:xfrm>
           <a:prstGeom prst="rect">
             <a:avLst/>
@@ -22534,7 +24695,7 @@
         <p:spPr>
           <a:xfrm>
             <a:off x="2743200" y="0"/>
-            <a:ext cx="16560" cy="6856200"/>
+            <a:ext cx="16200" cy="6855840"/>
           </a:xfrm>
           <a:prstGeom prst="rect">
             <a:avLst/>
@@ -22594,7 +24755,7 @@
         <p:spPr>
           <a:xfrm>
             <a:off x="3657600" y="0"/>
-            <a:ext cx="16560" cy="6856200"/>
+            <a:ext cx="16200" cy="6855840"/>
           </a:xfrm>
           <a:prstGeom prst="rect">
             <a:avLst/>
@@ -22654,7 +24815,7 @@
         <p:spPr>
           <a:xfrm>
             <a:off x="4572000" y="0"/>
-            <a:ext cx="16560" cy="6856200"/>
+            <a:ext cx="16200" cy="6855840"/>
           </a:xfrm>
           <a:prstGeom prst="rect">
             <a:avLst/>
@@ -22714,7 +24875,7 @@
         <p:spPr>
           <a:xfrm>
             <a:off x="5486400" y="0"/>
-            <a:ext cx="16560" cy="6856200"/>
+            <a:ext cx="16200" cy="6855840"/>
           </a:xfrm>
           <a:prstGeom prst="rect">
             <a:avLst/>
@@ -22774,7 +24935,7 @@
         <p:spPr>
           <a:xfrm>
             <a:off x="6400800" y="0"/>
-            <a:ext cx="16560" cy="6856200"/>
+            <a:ext cx="16200" cy="6855840"/>
           </a:xfrm>
           <a:prstGeom prst="rect">
             <a:avLst/>
@@ -22834,7 +24995,7 @@
         <p:spPr>
           <a:xfrm>
             <a:off x="7315200" y="0"/>
-            <a:ext cx="16560" cy="6856200"/>
+            <a:ext cx="16200" cy="6855840"/>
           </a:xfrm>
           <a:prstGeom prst="rect">
             <a:avLst/>
@@ -22894,7 +25055,7 @@
         <p:spPr>
           <a:xfrm>
             <a:off x="8229600" y="0"/>
-            <a:ext cx="16560" cy="6856200"/>
+            <a:ext cx="16200" cy="6855840"/>
           </a:xfrm>
           <a:prstGeom prst="rect">
             <a:avLst/>
@@ -22954,7 +25115,7 @@
         <p:spPr>
           <a:xfrm>
             <a:off x="9144000" y="0"/>
-            <a:ext cx="16560" cy="6856200"/>
+            <a:ext cx="16200" cy="6855840"/>
           </a:xfrm>
           <a:prstGeom prst="rect">
             <a:avLst/>
@@ -23014,7 +25175,7 @@
         <p:spPr>
           <a:xfrm>
             <a:off x="10058400" y="0"/>
-            <a:ext cx="16560" cy="6856200"/>
+            <a:ext cx="16200" cy="6855840"/>
           </a:xfrm>
           <a:prstGeom prst="rect">
             <a:avLst/>
@@ -23074,7 +25235,7 @@
         <p:spPr>
           <a:xfrm>
             <a:off x="10972800" y="0"/>
-            <a:ext cx="16560" cy="6856200"/>
+            <a:ext cx="16200" cy="6855840"/>
           </a:xfrm>
           <a:prstGeom prst="rect">
             <a:avLst/>
@@ -23134,7 +25295,7 @@
         <p:spPr>
           <a:xfrm>
             <a:off x="11887200" y="0"/>
-            <a:ext cx="16560" cy="6856200"/>
+            <a:ext cx="16200" cy="6855840"/>
           </a:xfrm>
           <a:prstGeom prst="rect">
             <a:avLst/>
@@ -23194,7 +25355,7 @@
         <p:spPr>
           <a:xfrm>
             <a:off x="0" y="0"/>
-            <a:ext cx="318240" cy="6856200"/>
+            <a:ext cx="317880" cy="6855840"/>
           </a:xfrm>
           <a:prstGeom prst="rect">
             <a:avLst/>
@@ -23254,7 +25415,7 @@
         <p:spPr>
           <a:xfrm>
             <a:off x="9875520" y="365760"/>
-            <a:ext cx="2009880" cy="501120"/>
+            <a:ext cx="2009520" cy="500760"/>
           </a:xfrm>
           <a:prstGeom prst="roundRect">
             <a:avLst>
@@ -23382,7 +25543,7 @@
         <p:spPr>
           <a:xfrm>
             <a:off x="3609720" y="2194560"/>
-            <a:ext cx="3751200" cy="379080"/>
+            <a:ext cx="3750840" cy="379080"/>
           </a:xfrm>
           <a:prstGeom prst="rect">
             <a:avLst/>
@@ -23436,7 +25597,7 @@
         <p:spPr>
           <a:xfrm>
             <a:off x="987480" y="3182040"/>
-            <a:ext cx="3290040" cy="2741400"/>
+            <a:ext cx="3289680" cy="2741040"/>
           </a:xfrm>
           <a:prstGeom prst="roundRect">
             <a:avLst>
@@ -23498,7 +25659,7 @@
         <p:spPr>
           <a:xfrm>
             <a:off x="685800" y="2971800"/>
-            <a:ext cx="3518640" cy="3199680"/>
+            <a:ext cx="3518280" cy="3199320"/>
           </a:xfrm>
           <a:prstGeom prst="roundRect">
             <a:avLst>
@@ -23884,7 +26045,7 @@
         <p:spPr>
           <a:xfrm>
             <a:off x="4507920" y="3182040"/>
-            <a:ext cx="3290040" cy="2741400"/>
+            <a:ext cx="3289680" cy="2741040"/>
           </a:xfrm>
           <a:prstGeom prst="roundRect">
             <a:avLst>
@@ -23946,7 +26107,7 @@
         <p:spPr>
           <a:xfrm>
             <a:off x="4434840" y="3108960"/>
-            <a:ext cx="3290040" cy="2741400"/>
+            <a:ext cx="3289680" cy="2741040"/>
           </a:xfrm>
           <a:prstGeom prst="roundRect">
             <a:avLst>
@@ -24392,7 +26553,7 @@
         <p:spPr>
           <a:xfrm>
             <a:off x="8028360" y="3182040"/>
-            <a:ext cx="3290040" cy="2741400"/>
+            <a:ext cx="3289680" cy="2741040"/>
           </a:xfrm>
           <a:prstGeom prst="roundRect">
             <a:avLst>
@@ -24454,7 +26615,7 @@
         <p:spPr>
           <a:xfrm>
             <a:off x="7955280" y="3108960"/>
-            <a:ext cx="3290040" cy="2741400"/>
+            <a:ext cx="3289680" cy="2741040"/>
           </a:xfrm>
           <a:prstGeom prst="roundRect">
             <a:avLst>
@@ -24930,7 +27091,7 @@
         <p:spPr>
           <a:xfrm>
             <a:off x="0" y="0"/>
-            <a:ext cx="12187440" cy="6856560"/>
+            <a:ext cx="12187080" cy="6856200"/>
           </a:xfrm>
           <a:prstGeom prst="rect">
             <a:avLst/>
@@ -24990,7 +27151,7 @@
         <p:spPr>
           <a:xfrm>
             <a:off x="0" y="0"/>
-            <a:ext cx="16920" cy="6856560"/>
+            <a:ext cx="16560" cy="6856200"/>
           </a:xfrm>
           <a:prstGeom prst="rect">
             <a:avLst/>
@@ -25050,7 +27211,7 @@
         <p:spPr>
           <a:xfrm>
             <a:off x="914400" y="0"/>
-            <a:ext cx="16920" cy="6856560"/>
+            <a:ext cx="16560" cy="6856200"/>
           </a:xfrm>
           <a:prstGeom prst="rect">
             <a:avLst/>
@@ -25110,7 +27271,7 @@
         <p:spPr>
           <a:xfrm>
             <a:off x="1828800" y="0"/>
-            <a:ext cx="16920" cy="6856560"/>
+            <a:ext cx="16560" cy="6856200"/>
           </a:xfrm>
           <a:prstGeom prst="rect">
             <a:avLst/>
@@ -25170,7 +27331,7 @@
         <p:spPr>
           <a:xfrm>
             <a:off x="2743200" y="0"/>
-            <a:ext cx="16920" cy="6856560"/>
+            <a:ext cx="16560" cy="6856200"/>
           </a:xfrm>
           <a:prstGeom prst="rect">
             <a:avLst/>
@@ -25230,7 +27391,7 @@
         <p:spPr>
           <a:xfrm>
             <a:off x="3657600" y="0"/>
-            <a:ext cx="16920" cy="6856560"/>
+            <a:ext cx="16560" cy="6856200"/>
           </a:xfrm>
           <a:prstGeom prst="rect">
             <a:avLst/>
@@ -25290,7 +27451,7 @@
         <p:spPr>
           <a:xfrm>
             <a:off x="4572000" y="0"/>
-            <a:ext cx="16920" cy="6856560"/>
+            <a:ext cx="16560" cy="6856200"/>
           </a:xfrm>
           <a:prstGeom prst="rect">
             <a:avLst/>
@@ -25350,7 +27511,7 @@
         <p:spPr>
           <a:xfrm>
             <a:off x="5486400" y="0"/>
-            <a:ext cx="16920" cy="6856560"/>
+            <a:ext cx="16560" cy="6856200"/>
           </a:xfrm>
           <a:prstGeom prst="rect">
             <a:avLst/>
@@ -25410,7 +27571,7 @@
         <p:spPr>
           <a:xfrm>
             <a:off x="6400800" y="0"/>
-            <a:ext cx="16920" cy="6856560"/>
+            <a:ext cx="16560" cy="6856200"/>
           </a:xfrm>
           <a:prstGeom prst="rect">
             <a:avLst/>
@@ -25470,7 +27631,7 @@
         <p:spPr>
           <a:xfrm>
             <a:off x="7315200" y="0"/>
-            <a:ext cx="16920" cy="6856560"/>
+            <a:ext cx="16560" cy="6856200"/>
           </a:xfrm>
           <a:prstGeom prst="rect">
             <a:avLst/>
@@ -25530,7 +27691,7 @@
         <p:spPr>
           <a:xfrm>
             <a:off x="8229600" y="0"/>
-            <a:ext cx="16920" cy="6856560"/>
+            <a:ext cx="16560" cy="6856200"/>
           </a:xfrm>
           <a:prstGeom prst="rect">
             <a:avLst/>
@@ -25590,7 +27751,7 @@
         <p:spPr>
           <a:xfrm>
             <a:off x="9144000" y="0"/>
-            <a:ext cx="16920" cy="6856560"/>
+            <a:ext cx="16560" cy="6856200"/>
           </a:xfrm>
           <a:prstGeom prst="rect">
             <a:avLst/>
@@ -25650,7 +27811,7 @@
         <p:spPr>
           <a:xfrm>
             <a:off x="10058400" y="0"/>
-            <a:ext cx="16920" cy="6856560"/>
+            <a:ext cx="16560" cy="6856200"/>
           </a:xfrm>
           <a:prstGeom prst="rect">
             <a:avLst/>
@@ -25710,7 +27871,7 @@
         <p:spPr>
           <a:xfrm>
             <a:off x="10972800" y="0"/>
-            <a:ext cx="16920" cy="6856560"/>
+            <a:ext cx="16560" cy="6856200"/>
           </a:xfrm>
           <a:prstGeom prst="rect">
             <a:avLst/>
@@ -25770,7 +27931,7 @@
         <p:spPr>
           <a:xfrm>
             <a:off x="11887200" y="0"/>
-            <a:ext cx="16920" cy="6856560"/>
+            <a:ext cx="16560" cy="6856200"/>
           </a:xfrm>
           <a:prstGeom prst="rect">
             <a:avLst/>
@@ -25830,7 +27991,7 @@
         <p:spPr>
           <a:xfrm>
             <a:off x="0" y="0"/>
-            <a:ext cx="318600" cy="6856560"/>
+            <a:ext cx="318240" cy="6856200"/>
           </a:xfrm>
           <a:prstGeom prst="rect">
             <a:avLst/>
@@ -25890,7 +28051,7 @@
         <p:spPr>
           <a:xfrm>
             <a:off x="9875520" y="365760"/>
-            <a:ext cx="2010240" cy="501480"/>
+            <a:ext cx="2009880" cy="501120"/>
           </a:xfrm>
           <a:prstGeom prst="roundRect">
             <a:avLst>
@@ -25964,7 +28125,7 @@
         <p:spPr>
           <a:xfrm>
             <a:off x="2175120" y="1005840"/>
-            <a:ext cx="6621120" cy="820800"/>
+            <a:ext cx="6620760" cy="820800"/>
           </a:xfrm>
           <a:prstGeom prst="rect">
             <a:avLst/>
@@ -26018,7 +28179,7 @@
         <p:spPr>
           <a:xfrm>
             <a:off x="2093040" y="2194560"/>
-            <a:ext cx="6785640" cy="668520"/>
+            <a:ext cx="6785280" cy="668520"/>
           </a:xfrm>
           <a:prstGeom prst="rect">
             <a:avLst/>
@@ -26095,7 +28256,7 @@
         <p:spPr>
           <a:xfrm>
             <a:off x="987480" y="3182040"/>
-            <a:ext cx="3290400" cy="2741760"/>
+            <a:ext cx="3290040" cy="2741400"/>
           </a:xfrm>
           <a:prstGeom prst="roundRect">
             <a:avLst>
@@ -26157,7 +28318,7 @@
         <p:spPr>
           <a:xfrm>
             <a:off x="914400" y="3108960"/>
-            <a:ext cx="3290400" cy="2741760"/>
+            <a:ext cx="3290040" cy="2741400"/>
           </a:xfrm>
           <a:prstGeom prst="roundRect">
             <a:avLst>
@@ -26303,7 +28464,7 @@
         <p:spPr>
           <a:xfrm>
             <a:off x="4507920" y="3182040"/>
-            <a:ext cx="3290400" cy="2741760"/>
+            <a:ext cx="3290040" cy="2741400"/>
           </a:xfrm>
           <a:prstGeom prst="roundRect">
             <a:avLst>
@@ -26365,7 +28526,7 @@
         <p:spPr>
           <a:xfrm>
             <a:off x="4434840" y="3108960"/>
-            <a:ext cx="3290400" cy="2741760"/>
+            <a:ext cx="3290040" cy="2741400"/>
           </a:xfrm>
           <a:prstGeom prst="roundRect">
             <a:avLst>
@@ -26583,7 +28744,7 @@
         <p:spPr>
           <a:xfrm>
             <a:off x="8028360" y="3182040"/>
-            <a:ext cx="3290400" cy="2741760"/>
+            <a:ext cx="3290040" cy="2741400"/>
           </a:xfrm>
           <a:prstGeom prst="roundRect">
             <a:avLst>
@@ -26645,7 +28806,7 @@
         <p:spPr>
           <a:xfrm>
             <a:off x="7955280" y="3108960"/>
-            <a:ext cx="3290400" cy="2741760"/>
+            <a:ext cx="3290040" cy="2741400"/>
           </a:xfrm>
           <a:prstGeom prst="roundRect">
             <a:avLst>
@@ -26765,7 +28926,7 @@
         <p:spPr>
           <a:xfrm>
             <a:off x="4600080" y="6446520"/>
-            <a:ext cx="3051360" cy="363960"/>
+            <a:ext cx="3051000" cy="363960"/>
           </a:xfrm>
           <a:prstGeom prst="rect">
             <a:avLst/>
@@ -26849,7 +29010,7 @@
         <p:spPr>
           <a:xfrm>
             <a:off x="0" y="0"/>
-            <a:ext cx="12187440" cy="6856560"/>
+            <a:ext cx="12187080" cy="6856200"/>
           </a:xfrm>
           <a:prstGeom prst="rect">
             <a:avLst/>
@@ -26909,7 +29070,7 @@
         <p:spPr>
           <a:xfrm>
             <a:off x="0" y="0"/>
-            <a:ext cx="16920" cy="6856560"/>
+            <a:ext cx="16560" cy="6856200"/>
           </a:xfrm>
           <a:prstGeom prst="rect">
             <a:avLst/>
@@ -26969,7 +29130,7 @@
         <p:spPr>
           <a:xfrm>
             <a:off x="914400" y="0"/>
-            <a:ext cx="16920" cy="6856560"/>
+            <a:ext cx="16560" cy="6856200"/>
           </a:xfrm>
           <a:prstGeom prst="rect">
             <a:avLst/>
@@ -27029,7 +29190,7 @@
         <p:spPr>
           <a:xfrm>
             <a:off x="1828800" y="0"/>
-            <a:ext cx="16920" cy="6856560"/>
+            <a:ext cx="16560" cy="6856200"/>
           </a:xfrm>
           <a:prstGeom prst="rect">
             <a:avLst/>
@@ -27089,7 +29250,7 @@
         <p:spPr>
           <a:xfrm>
             <a:off x="2743200" y="0"/>
-            <a:ext cx="16920" cy="6856560"/>
+            <a:ext cx="16560" cy="6856200"/>
           </a:xfrm>
           <a:prstGeom prst="rect">
             <a:avLst/>
@@ -27149,7 +29310,7 @@
         <p:spPr>
           <a:xfrm>
             <a:off x="3657600" y="0"/>
-            <a:ext cx="16920" cy="6856560"/>
+            <a:ext cx="16560" cy="6856200"/>
           </a:xfrm>
           <a:prstGeom prst="rect">
             <a:avLst/>
@@ -27209,7 +29370,7 @@
         <p:spPr>
           <a:xfrm>
             <a:off x="4572000" y="0"/>
-            <a:ext cx="16920" cy="6856560"/>
+            <a:ext cx="16560" cy="6856200"/>
           </a:xfrm>
           <a:prstGeom prst="rect">
             <a:avLst/>
@@ -27269,7 +29430,7 @@
         <p:spPr>
           <a:xfrm>
             <a:off x="5486400" y="0"/>
-            <a:ext cx="16920" cy="6856560"/>
+            <a:ext cx="16560" cy="6856200"/>
           </a:xfrm>
           <a:prstGeom prst="rect">
             <a:avLst/>
@@ -27329,7 +29490,7 @@
         <p:spPr>
           <a:xfrm>
             <a:off x="6400800" y="0"/>
-            <a:ext cx="16920" cy="6856560"/>
+            <a:ext cx="16560" cy="6856200"/>
           </a:xfrm>
           <a:prstGeom prst="rect">
             <a:avLst/>
@@ -27389,7 +29550,7 @@
         <p:spPr>
           <a:xfrm>
             <a:off x="7315200" y="0"/>
-            <a:ext cx="16920" cy="6856560"/>
+            <a:ext cx="16560" cy="6856200"/>
           </a:xfrm>
           <a:prstGeom prst="rect">
             <a:avLst/>
@@ -27449,7 +29610,7 @@
         <p:spPr>
           <a:xfrm>
             <a:off x="8229600" y="0"/>
-            <a:ext cx="16920" cy="6856560"/>
+            <a:ext cx="16560" cy="6856200"/>
           </a:xfrm>
           <a:prstGeom prst="rect">
             <a:avLst/>
@@ -27509,7 +29670,7 @@
         <p:spPr>
           <a:xfrm>
             <a:off x="9144000" y="0"/>
-            <a:ext cx="16920" cy="6856560"/>
+            <a:ext cx="16560" cy="6856200"/>
           </a:xfrm>
           <a:prstGeom prst="rect">
             <a:avLst/>
@@ -27569,7 +29730,7 @@
         <p:spPr>
           <a:xfrm>
             <a:off x="10058400" y="0"/>
-            <a:ext cx="16920" cy="6856560"/>
+            <a:ext cx="16560" cy="6856200"/>
           </a:xfrm>
           <a:prstGeom prst="rect">
             <a:avLst/>
@@ -27629,7 +29790,7 @@
         <p:spPr>
           <a:xfrm>
             <a:off x="10972800" y="0"/>
-            <a:ext cx="16920" cy="6856560"/>
+            <a:ext cx="16560" cy="6856200"/>
           </a:xfrm>
           <a:prstGeom prst="rect">
             <a:avLst/>
@@ -27689,7 +29850,7 @@
         <p:spPr>
           <a:xfrm>
             <a:off x="11887200" y="0"/>
-            <a:ext cx="16920" cy="6856560"/>
+            <a:ext cx="16560" cy="6856200"/>
           </a:xfrm>
           <a:prstGeom prst="rect">
             <a:avLst/>
@@ -27749,7 +29910,7 @@
         <p:spPr>
           <a:xfrm>
             <a:off x="0" y="0"/>
-            <a:ext cx="318600" cy="6856560"/>
+            <a:ext cx="318240" cy="6856200"/>
           </a:xfrm>
           <a:prstGeom prst="rect">
             <a:avLst/>
@@ -27809,7 +29970,7 @@
         <p:spPr>
           <a:xfrm>
             <a:off x="9875520" y="365760"/>
-            <a:ext cx="2010240" cy="501480"/>
+            <a:ext cx="2009880" cy="501120"/>
           </a:xfrm>
           <a:prstGeom prst="roundRect">
             <a:avLst>
@@ -27883,7 +30044,7 @@
         <p:spPr>
           <a:xfrm>
             <a:off x="1023840" y="1005840"/>
-            <a:ext cx="8924040" cy="638280"/>
+            <a:ext cx="8923680" cy="638280"/>
           </a:xfrm>
           <a:prstGeom prst="rect">
             <a:avLst/>
@@ -28001,7 +30162,7 @@
         <p:spPr>
           <a:xfrm>
             <a:off x="987480" y="3182040"/>
-            <a:ext cx="3290400" cy="2741760"/>
+            <a:ext cx="3290040" cy="2741400"/>
           </a:xfrm>
           <a:prstGeom prst="roundRect">
             <a:avLst>
@@ -28063,7 +30224,7 @@
         <p:spPr>
           <a:xfrm>
             <a:off x="914400" y="3108960"/>
-            <a:ext cx="3290400" cy="2741760"/>
+            <a:ext cx="3290040" cy="2741400"/>
           </a:xfrm>
           <a:prstGeom prst="roundRect">
             <a:avLst>
@@ -28209,7 +30370,7 @@
         <p:spPr>
           <a:xfrm>
             <a:off x="4507920" y="3182040"/>
-            <a:ext cx="3290400" cy="2741760"/>
+            <a:ext cx="3290040" cy="2741400"/>
           </a:xfrm>
           <a:prstGeom prst="roundRect">
             <a:avLst>
@@ -28271,7 +30432,7 @@
         <p:spPr>
           <a:xfrm>
             <a:off x="4434840" y="3108960"/>
-            <a:ext cx="3290400" cy="2741760"/>
+            <a:ext cx="3290040" cy="2741400"/>
           </a:xfrm>
           <a:prstGeom prst="roundRect">
             <a:avLst>
@@ -28569,7 +30730,7 @@
         <p:spPr>
           <a:xfrm>
             <a:off x="8028360" y="3182040"/>
-            <a:ext cx="3290400" cy="2741760"/>
+            <a:ext cx="3290040" cy="2741400"/>
           </a:xfrm>
           <a:prstGeom prst="roundRect">
             <a:avLst>
@@ -28631,7 +30792,7 @@
         <p:spPr>
           <a:xfrm>
             <a:off x="7955280" y="3108960"/>
-            <a:ext cx="3290400" cy="2741760"/>
+            <a:ext cx="3290040" cy="2741400"/>
           </a:xfrm>
           <a:prstGeom prst="roundRect">
             <a:avLst>
@@ -28833,7 +30994,7 @@
         <p:spPr>
           <a:xfrm>
             <a:off x="4600080" y="6446520"/>
-            <a:ext cx="3051360" cy="363960"/>
+            <a:ext cx="3051000" cy="363960"/>
           </a:xfrm>
           <a:prstGeom prst="rect">
             <a:avLst/>
@@ -28917,7 +31078,7 @@
         <p:spPr>
           <a:xfrm>
             <a:off x="0" y="0"/>
-            <a:ext cx="12187440" cy="6856560"/>
+            <a:ext cx="12187080" cy="6856200"/>
           </a:xfrm>
           <a:prstGeom prst="rect">
             <a:avLst/>
@@ -28953,6 +31114,11 @@
             <a:noAutofit/>
           </a:bodyPr>
           <a:p>
+            <a:pPr>
+              <a:lnSpc>
+                <a:spcPct val="100000"/>
+              </a:lnSpc>
+            </a:pPr>
             <a:endParaRPr b="0" lang="en-US" sz="1800" spc="-1" strike="noStrike">
               <a:solidFill>
                 <a:schemeClr val="lt1"/>
@@ -28972,7 +31138,7 @@
         <p:spPr>
           <a:xfrm>
             <a:off x="0" y="0"/>
-            <a:ext cx="16920" cy="6856560"/>
+            <a:ext cx="16560" cy="6856200"/>
           </a:xfrm>
           <a:prstGeom prst="rect">
             <a:avLst/>
@@ -29008,6 +31174,11 @@
             <a:noAutofit/>
           </a:bodyPr>
           <a:p>
+            <a:pPr>
+              <a:lnSpc>
+                <a:spcPct val="100000"/>
+              </a:lnSpc>
+            </a:pPr>
             <a:endParaRPr b="0" lang="en-US" sz="1800" spc="-1" strike="noStrike">
               <a:solidFill>
                 <a:schemeClr val="lt1"/>
@@ -29027,7 +31198,7 @@
         <p:spPr>
           <a:xfrm>
             <a:off x="914400" y="0"/>
-            <a:ext cx="16920" cy="6856560"/>
+            <a:ext cx="16560" cy="6856200"/>
           </a:xfrm>
           <a:prstGeom prst="rect">
             <a:avLst/>
@@ -29063,6 +31234,11 @@
             <a:noAutofit/>
           </a:bodyPr>
           <a:p>
+            <a:pPr>
+              <a:lnSpc>
+                <a:spcPct val="100000"/>
+              </a:lnSpc>
+            </a:pPr>
             <a:endParaRPr b="0" lang="en-US" sz="1800" spc="-1" strike="noStrike">
               <a:solidFill>
                 <a:schemeClr val="lt1"/>
@@ -29082,7 +31258,7 @@
         <p:spPr>
           <a:xfrm>
             <a:off x="1828800" y="0"/>
-            <a:ext cx="16920" cy="6856560"/>
+            <a:ext cx="16560" cy="6856200"/>
           </a:xfrm>
           <a:prstGeom prst="rect">
             <a:avLst/>
@@ -29118,6 +31294,11 @@
             <a:noAutofit/>
           </a:bodyPr>
           <a:p>
+            <a:pPr>
+              <a:lnSpc>
+                <a:spcPct val="100000"/>
+              </a:lnSpc>
+            </a:pPr>
             <a:endParaRPr b="0" lang="en-US" sz="1800" spc="-1" strike="noStrike">
               <a:solidFill>
                 <a:schemeClr val="lt1"/>
@@ -29137,7 +31318,7 @@
         <p:spPr>
           <a:xfrm>
             <a:off x="2743200" y="0"/>
-            <a:ext cx="16920" cy="6856560"/>
+            <a:ext cx="16560" cy="6856200"/>
           </a:xfrm>
           <a:prstGeom prst="rect">
             <a:avLst/>
@@ -29173,6 +31354,11 @@
             <a:noAutofit/>
           </a:bodyPr>
           <a:p>
+            <a:pPr>
+              <a:lnSpc>
+                <a:spcPct val="100000"/>
+              </a:lnSpc>
+            </a:pPr>
             <a:endParaRPr b="0" lang="en-US" sz="1800" spc="-1" strike="noStrike">
               <a:solidFill>
                 <a:schemeClr val="lt1"/>
@@ -29192,7 +31378,7 @@
         <p:spPr>
           <a:xfrm>
             <a:off x="3657600" y="0"/>
-            <a:ext cx="16920" cy="6856560"/>
+            <a:ext cx="16560" cy="6856200"/>
           </a:xfrm>
           <a:prstGeom prst="rect">
             <a:avLst/>
@@ -29228,6 +31414,11 @@
             <a:noAutofit/>
           </a:bodyPr>
           <a:p>
+            <a:pPr>
+              <a:lnSpc>
+                <a:spcPct val="100000"/>
+              </a:lnSpc>
+            </a:pPr>
             <a:endParaRPr b="0" lang="en-US" sz="1800" spc="-1" strike="noStrike">
               <a:solidFill>
                 <a:schemeClr val="lt1"/>
@@ -29247,7 +31438,7 @@
         <p:spPr>
           <a:xfrm>
             <a:off x="4572000" y="0"/>
-            <a:ext cx="16920" cy="6856560"/>
+            <a:ext cx="16560" cy="6856200"/>
           </a:xfrm>
           <a:prstGeom prst="rect">
             <a:avLst/>
@@ -29283,6 +31474,11 @@
             <a:noAutofit/>
           </a:bodyPr>
           <a:p>
+            <a:pPr>
+              <a:lnSpc>
+                <a:spcPct val="100000"/>
+              </a:lnSpc>
+            </a:pPr>
             <a:endParaRPr b="0" lang="en-US" sz="1800" spc="-1" strike="noStrike">
               <a:solidFill>
                 <a:schemeClr val="lt1"/>
@@ -29302,7 +31498,7 @@
         <p:spPr>
           <a:xfrm>
             <a:off x="5486400" y="0"/>
-            <a:ext cx="16920" cy="6856560"/>
+            <a:ext cx="16560" cy="6856200"/>
           </a:xfrm>
           <a:prstGeom prst="rect">
             <a:avLst/>
@@ -29338,6 +31534,11 @@
             <a:noAutofit/>
           </a:bodyPr>
           <a:p>
+            <a:pPr>
+              <a:lnSpc>
+                <a:spcPct val="100000"/>
+              </a:lnSpc>
+            </a:pPr>
             <a:endParaRPr b="0" lang="en-US" sz="1800" spc="-1" strike="noStrike">
               <a:solidFill>
                 <a:schemeClr val="lt1"/>
@@ -29357,7 +31558,7 @@
         <p:spPr>
           <a:xfrm>
             <a:off x="6400800" y="0"/>
-            <a:ext cx="16920" cy="6856560"/>
+            <a:ext cx="16560" cy="6856200"/>
           </a:xfrm>
           <a:prstGeom prst="rect">
             <a:avLst/>
@@ -29393,6 +31594,11 @@
             <a:noAutofit/>
           </a:bodyPr>
           <a:p>
+            <a:pPr>
+              <a:lnSpc>
+                <a:spcPct val="100000"/>
+              </a:lnSpc>
+            </a:pPr>
             <a:endParaRPr b="0" lang="en-US" sz="1800" spc="-1" strike="noStrike">
               <a:solidFill>
                 <a:schemeClr val="lt1"/>
@@ -29412,7 +31618,7 @@
         <p:spPr>
           <a:xfrm>
             <a:off x="7315200" y="0"/>
-            <a:ext cx="16920" cy="6856560"/>
+            <a:ext cx="16560" cy="6856200"/>
           </a:xfrm>
           <a:prstGeom prst="rect">
             <a:avLst/>
@@ -29448,6 +31654,11 @@
             <a:noAutofit/>
           </a:bodyPr>
           <a:p>
+            <a:pPr>
+              <a:lnSpc>
+                <a:spcPct val="100000"/>
+              </a:lnSpc>
+            </a:pPr>
             <a:endParaRPr b="0" lang="en-US" sz="1800" spc="-1" strike="noStrike">
               <a:solidFill>
                 <a:schemeClr val="lt1"/>
@@ -29467,7 +31678,7 @@
         <p:spPr>
           <a:xfrm>
             <a:off x="8229600" y="0"/>
-            <a:ext cx="16920" cy="6856560"/>
+            <a:ext cx="16560" cy="6856200"/>
           </a:xfrm>
           <a:prstGeom prst="rect">
             <a:avLst/>
@@ -29503,6 +31714,11 @@
             <a:noAutofit/>
           </a:bodyPr>
           <a:p>
+            <a:pPr>
+              <a:lnSpc>
+                <a:spcPct val="100000"/>
+              </a:lnSpc>
+            </a:pPr>
             <a:endParaRPr b="0" lang="en-US" sz="1800" spc="-1" strike="noStrike">
               <a:solidFill>
                 <a:schemeClr val="lt1"/>
@@ -29522,7 +31738,7 @@
         <p:spPr>
           <a:xfrm>
             <a:off x="9144000" y="0"/>
-            <a:ext cx="16920" cy="6856560"/>
+            <a:ext cx="16560" cy="6856200"/>
           </a:xfrm>
           <a:prstGeom prst="rect">
             <a:avLst/>
@@ -29558,6 +31774,11 @@
             <a:noAutofit/>
           </a:bodyPr>
           <a:p>
+            <a:pPr>
+              <a:lnSpc>
+                <a:spcPct val="100000"/>
+              </a:lnSpc>
+            </a:pPr>
             <a:endParaRPr b="0" lang="en-US" sz="1800" spc="-1" strike="noStrike">
               <a:solidFill>
                 <a:schemeClr val="lt1"/>
@@ -29577,7 +31798,7 @@
         <p:spPr>
           <a:xfrm>
             <a:off x="10058400" y="0"/>
-            <a:ext cx="16920" cy="6856560"/>
+            <a:ext cx="16560" cy="6856200"/>
           </a:xfrm>
           <a:prstGeom prst="rect">
             <a:avLst/>
@@ -29613,6 +31834,11 @@
             <a:noAutofit/>
           </a:bodyPr>
           <a:p>
+            <a:pPr>
+              <a:lnSpc>
+                <a:spcPct val="100000"/>
+              </a:lnSpc>
+            </a:pPr>
             <a:endParaRPr b="0" lang="en-US" sz="1800" spc="-1" strike="noStrike">
               <a:solidFill>
                 <a:schemeClr val="lt1"/>
@@ -29632,7 +31858,7 @@
         <p:spPr>
           <a:xfrm>
             <a:off x="10972800" y="0"/>
-            <a:ext cx="16920" cy="6856560"/>
+            <a:ext cx="16560" cy="6856200"/>
           </a:xfrm>
           <a:prstGeom prst="rect">
             <a:avLst/>
@@ -29668,6 +31894,11 @@
             <a:noAutofit/>
           </a:bodyPr>
           <a:p>
+            <a:pPr>
+              <a:lnSpc>
+                <a:spcPct val="100000"/>
+              </a:lnSpc>
+            </a:pPr>
             <a:endParaRPr b="0" lang="en-US" sz="1800" spc="-1" strike="noStrike">
               <a:solidFill>
                 <a:schemeClr val="lt1"/>
@@ -29687,7 +31918,7 @@
         <p:spPr>
           <a:xfrm>
             <a:off x="11887200" y="0"/>
-            <a:ext cx="16920" cy="6856560"/>
+            <a:ext cx="16560" cy="6856200"/>
           </a:xfrm>
           <a:prstGeom prst="rect">
             <a:avLst/>
@@ -29723,6 +31954,11 @@
             <a:noAutofit/>
           </a:bodyPr>
           <a:p>
+            <a:pPr>
+              <a:lnSpc>
+                <a:spcPct val="100000"/>
+              </a:lnSpc>
+            </a:pPr>
             <a:endParaRPr b="0" lang="en-US" sz="1800" spc="-1" strike="noStrike">
               <a:solidFill>
                 <a:schemeClr val="lt1"/>
@@ -29742,7 +31978,7 @@
         <p:spPr>
           <a:xfrm>
             <a:off x="0" y="0"/>
-            <a:ext cx="318600" cy="6856560"/>
+            <a:ext cx="318240" cy="6856200"/>
           </a:xfrm>
           <a:prstGeom prst="rect">
             <a:avLst/>
@@ -29778,6 +32014,11 @@
             <a:noAutofit/>
           </a:bodyPr>
           <a:p>
+            <a:pPr>
+              <a:lnSpc>
+                <a:spcPct val="100000"/>
+              </a:lnSpc>
+            </a:pPr>
             <a:endParaRPr b="0" lang="en-US" sz="1800" spc="-1" strike="noStrike">
               <a:solidFill>
                 <a:schemeClr val="lt1"/>
@@ -29797,7 +32038,7 @@
         <p:spPr>
           <a:xfrm>
             <a:off x="9875520" y="365760"/>
-            <a:ext cx="2010240" cy="501480"/>
+            <a:ext cx="2009880" cy="501120"/>
           </a:xfrm>
           <a:prstGeom prst="roundRect">
             <a:avLst>
@@ -29871,7 +32112,7 @@
         <p:spPr>
           <a:xfrm>
             <a:off x="1706400" y="1005840"/>
-            <a:ext cx="7558920" cy="638280"/>
+            <a:ext cx="7558560" cy="638280"/>
           </a:xfrm>
           <a:prstGeom prst="rect">
             <a:avLst/>
@@ -29925,7 +32166,7 @@
         <p:spPr>
           <a:xfrm>
             <a:off x="4241160" y="2194560"/>
-            <a:ext cx="2496240" cy="333720"/>
+            <a:ext cx="2496240" cy="333000"/>
           </a:xfrm>
           <a:prstGeom prst="rect">
             <a:avLst/>
@@ -29979,7 +32220,7 @@
         <p:spPr>
           <a:xfrm>
             <a:off x="987480" y="3182040"/>
-            <a:ext cx="3290400" cy="2741760"/>
+            <a:ext cx="3290040" cy="2741400"/>
           </a:xfrm>
           <a:prstGeom prst="roundRect">
             <a:avLst>
@@ -30017,6 +32258,11 @@
             <a:noAutofit/>
           </a:bodyPr>
           <a:p>
+            <a:pPr>
+              <a:lnSpc>
+                <a:spcPct val="100000"/>
+              </a:lnSpc>
+            </a:pPr>
             <a:endParaRPr b="0" lang="en-US" sz="1800" spc="-1" strike="noStrike">
               <a:solidFill>
                 <a:schemeClr val="lt1"/>
@@ -30036,7 +32282,7 @@
         <p:spPr>
           <a:xfrm>
             <a:off x="914400" y="3108960"/>
-            <a:ext cx="3290400" cy="2741760"/>
+            <a:ext cx="3290040" cy="2741400"/>
           </a:xfrm>
           <a:prstGeom prst="roundRect">
             <a:avLst>
@@ -30266,7 +32512,7 @@
         <p:spPr>
           <a:xfrm>
             <a:off x="4507920" y="3182040"/>
-            <a:ext cx="3290400" cy="2741760"/>
+            <a:ext cx="3290040" cy="2741400"/>
           </a:xfrm>
           <a:prstGeom prst="roundRect">
             <a:avLst>
@@ -30304,6 +32550,11 @@
             <a:noAutofit/>
           </a:bodyPr>
           <a:p>
+            <a:pPr>
+              <a:lnSpc>
+                <a:spcPct val="100000"/>
+              </a:lnSpc>
+            </a:pPr>
             <a:endParaRPr b="0" lang="en-US" sz="1800" spc="-1" strike="noStrike">
               <a:solidFill>
                 <a:schemeClr val="lt1"/>
@@ -30323,7 +32574,7 @@
         <p:spPr>
           <a:xfrm>
             <a:off x="4434840" y="3108960"/>
-            <a:ext cx="3290400" cy="2741760"/>
+            <a:ext cx="3290040" cy="2741400"/>
           </a:xfrm>
           <a:prstGeom prst="roundRect">
             <a:avLst>
@@ -30627,7 +32878,7 @@
         <p:spPr>
           <a:xfrm>
             <a:off x="8028360" y="3182040"/>
-            <a:ext cx="3290400" cy="2741760"/>
+            <a:ext cx="3290040" cy="2741400"/>
           </a:xfrm>
           <a:prstGeom prst="roundRect">
             <a:avLst>
@@ -30665,6 +32916,11 @@
             <a:noAutofit/>
           </a:bodyPr>
           <a:p>
+            <a:pPr>
+              <a:lnSpc>
+                <a:spcPct val="100000"/>
+              </a:lnSpc>
+            </a:pPr>
             <a:endParaRPr b="0" lang="en-US" sz="1800" spc="-1" strike="noStrike">
               <a:solidFill>
                 <a:schemeClr val="lt1"/>
@@ -30684,7 +32940,7 @@
         <p:spPr>
           <a:xfrm>
             <a:off x="7955280" y="3108960"/>
-            <a:ext cx="3290400" cy="2741760"/>
+            <a:ext cx="3290040" cy="2741400"/>
           </a:xfrm>
           <a:prstGeom prst="roundRect">
             <a:avLst>
@@ -30906,7 +33162,7 @@
         <p:spPr>
           <a:xfrm>
             <a:off x="4600080" y="6446520"/>
-            <a:ext cx="3051360" cy="363960"/>
+            <a:ext cx="3051000" cy="363960"/>
           </a:xfrm>
           <a:prstGeom prst="rect">
             <a:avLst/>
@@ -30990,7 +33246,7 @@
         <p:spPr>
           <a:xfrm>
             <a:off x="0" y="0"/>
-            <a:ext cx="12187440" cy="6856560"/>
+            <a:ext cx="12187080" cy="6856200"/>
           </a:xfrm>
           <a:prstGeom prst="rect">
             <a:avLst/>
@@ -31026,6 +33282,11 @@
             <a:noAutofit/>
           </a:bodyPr>
           <a:p>
+            <a:pPr>
+              <a:lnSpc>
+                <a:spcPct val="100000"/>
+              </a:lnSpc>
+            </a:pPr>
             <a:endParaRPr b="0" lang="en-US" sz="1800" spc="-1" strike="noStrike">
               <a:solidFill>
                 <a:schemeClr val="lt1"/>
@@ -31045,7 +33306,7 @@
         <p:spPr>
           <a:xfrm>
             <a:off x="0" y="0"/>
-            <a:ext cx="16920" cy="6856560"/>
+            <a:ext cx="16560" cy="6856200"/>
           </a:xfrm>
           <a:prstGeom prst="rect">
             <a:avLst/>
@@ -31081,6 +33342,11 @@
             <a:noAutofit/>
           </a:bodyPr>
           <a:p>
+            <a:pPr>
+              <a:lnSpc>
+                <a:spcPct val="100000"/>
+              </a:lnSpc>
+            </a:pPr>
             <a:endParaRPr b="0" lang="en-US" sz="1800" spc="-1" strike="noStrike">
               <a:solidFill>
                 <a:schemeClr val="lt1"/>
@@ -31100,7 +33366,7 @@
         <p:spPr>
           <a:xfrm>
             <a:off x="914400" y="0"/>
-            <a:ext cx="16920" cy="6856560"/>
+            <a:ext cx="16560" cy="6856200"/>
           </a:xfrm>
           <a:prstGeom prst="rect">
             <a:avLst/>
@@ -31136,6 +33402,11 @@
             <a:noAutofit/>
           </a:bodyPr>
           <a:p>
+            <a:pPr>
+              <a:lnSpc>
+                <a:spcPct val="100000"/>
+              </a:lnSpc>
+            </a:pPr>
             <a:endParaRPr b="0" lang="en-US" sz="1800" spc="-1" strike="noStrike">
               <a:solidFill>
                 <a:schemeClr val="lt1"/>
@@ -31155,7 +33426,7 @@
         <p:spPr>
           <a:xfrm>
             <a:off x="1828800" y="0"/>
-            <a:ext cx="16920" cy="6856560"/>
+            <a:ext cx="16560" cy="6856200"/>
           </a:xfrm>
           <a:prstGeom prst="rect">
             <a:avLst/>
@@ -31191,6 +33462,11 @@
             <a:noAutofit/>
           </a:bodyPr>
           <a:p>
+            <a:pPr>
+              <a:lnSpc>
+                <a:spcPct val="100000"/>
+              </a:lnSpc>
+            </a:pPr>
             <a:endParaRPr b="0" lang="en-US" sz="1800" spc="-1" strike="noStrike">
               <a:solidFill>
                 <a:schemeClr val="lt1"/>
@@ -31210,7 +33486,7 @@
         <p:spPr>
           <a:xfrm>
             <a:off x="2743200" y="0"/>
-            <a:ext cx="16920" cy="6856560"/>
+            <a:ext cx="16560" cy="6856200"/>
           </a:xfrm>
           <a:prstGeom prst="rect">
             <a:avLst/>
@@ -31246,6 +33522,11 @@
             <a:noAutofit/>
           </a:bodyPr>
           <a:p>
+            <a:pPr>
+              <a:lnSpc>
+                <a:spcPct val="100000"/>
+              </a:lnSpc>
+            </a:pPr>
             <a:endParaRPr b="0" lang="en-US" sz="1800" spc="-1" strike="noStrike">
               <a:solidFill>
                 <a:schemeClr val="lt1"/>
@@ -31265,7 +33546,7 @@
         <p:spPr>
           <a:xfrm>
             <a:off x="3657600" y="0"/>
-            <a:ext cx="16920" cy="6856560"/>
+            <a:ext cx="16560" cy="6856200"/>
           </a:xfrm>
           <a:prstGeom prst="rect">
             <a:avLst/>
@@ -31301,6 +33582,11 @@
             <a:noAutofit/>
           </a:bodyPr>
           <a:p>
+            <a:pPr>
+              <a:lnSpc>
+                <a:spcPct val="100000"/>
+              </a:lnSpc>
+            </a:pPr>
             <a:endParaRPr b="0" lang="en-US" sz="1800" spc="-1" strike="noStrike">
               <a:solidFill>
                 <a:schemeClr val="lt1"/>
@@ -31320,7 +33606,7 @@
         <p:spPr>
           <a:xfrm>
             <a:off x="4572000" y="0"/>
-            <a:ext cx="16920" cy="6856560"/>
+            <a:ext cx="16560" cy="6856200"/>
           </a:xfrm>
           <a:prstGeom prst="rect">
             <a:avLst/>
@@ -31356,6 +33642,11 @@
             <a:noAutofit/>
           </a:bodyPr>
           <a:p>
+            <a:pPr>
+              <a:lnSpc>
+                <a:spcPct val="100000"/>
+              </a:lnSpc>
+            </a:pPr>
             <a:endParaRPr b="0" lang="en-US" sz="1800" spc="-1" strike="noStrike">
               <a:solidFill>
                 <a:schemeClr val="lt1"/>
@@ -31375,7 +33666,7 @@
         <p:spPr>
           <a:xfrm>
             <a:off x="5486400" y="0"/>
-            <a:ext cx="16920" cy="6856560"/>
+            <a:ext cx="16560" cy="6856200"/>
           </a:xfrm>
           <a:prstGeom prst="rect">
             <a:avLst/>
@@ -31411,6 +33702,11 @@
             <a:noAutofit/>
           </a:bodyPr>
           <a:p>
+            <a:pPr>
+              <a:lnSpc>
+                <a:spcPct val="100000"/>
+              </a:lnSpc>
+            </a:pPr>
             <a:endParaRPr b="0" lang="en-US" sz="1800" spc="-1" strike="noStrike">
               <a:solidFill>
                 <a:schemeClr val="lt1"/>
@@ -31430,7 +33726,7 @@
         <p:spPr>
           <a:xfrm>
             <a:off x="6400800" y="0"/>
-            <a:ext cx="16920" cy="6856560"/>
+            <a:ext cx="16560" cy="6856200"/>
           </a:xfrm>
           <a:prstGeom prst="rect">
             <a:avLst/>
@@ -31466,6 +33762,11 @@
             <a:noAutofit/>
           </a:bodyPr>
           <a:p>
+            <a:pPr>
+              <a:lnSpc>
+                <a:spcPct val="100000"/>
+              </a:lnSpc>
+            </a:pPr>
             <a:endParaRPr b="0" lang="en-US" sz="1800" spc="-1" strike="noStrike">
               <a:solidFill>
                 <a:schemeClr val="lt1"/>
@@ -31485,7 +33786,7 @@
         <p:spPr>
           <a:xfrm>
             <a:off x="7315200" y="0"/>
-            <a:ext cx="16920" cy="6856560"/>
+            <a:ext cx="16560" cy="6856200"/>
           </a:xfrm>
           <a:prstGeom prst="rect">
             <a:avLst/>
@@ -31521,6 +33822,11 @@
             <a:noAutofit/>
           </a:bodyPr>
           <a:p>
+            <a:pPr>
+              <a:lnSpc>
+                <a:spcPct val="100000"/>
+              </a:lnSpc>
+            </a:pPr>
             <a:endParaRPr b="0" lang="en-US" sz="1800" spc="-1" strike="noStrike">
               <a:solidFill>
                 <a:schemeClr val="lt1"/>
@@ -31540,7 +33846,7 @@
         <p:spPr>
           <a:xfrm>
             <a:off x="8229600" y="0"/>
-            <a:ext cx="16920" cy="6856560"/>
+            <a:ext cx="16560" cy="6856200"/>
           </a:xfrm>
           <a:prstGeom prst="rect">
             <a:avLst/>
@@ -31576,6 +33882,11 @@
             <a:noAutofit/>
           </a:bodyPr>
           <a:p>
+            <a:pPr>
+              <a:lnSpc>
+                <a:spcPct val="100000"/>
+              </a:lnSpc>
+            </a:pPr>
             <a:endParaRPr b="0" lang="en-US" sz="1800" spc="-1" strike="noStrike">
               <a:solidFill>
                 <a:schemeClr val="lt1"/>
@@ -31595,7 +33906,7 @@
         <p:spPr>
           <a:xfrm>
             <a:off x="9144000" y="0"/>
-            <a:ext cx="16920" cy="6856560"/>
+            <a:ext cx="16560" cy="6856200"/>
           </a:xfrm>
           <a:prstGeom prst="rect">
             <a:avLst/>
@@ -31631,6 +33942,11 @@
             <a:noAutofit/>
           </a:bodyPr>
           <a:p>
+            <a:pPr>
+              <a:lnSpc>
+                <a:spcPct val="100000"/>
+              </a:lnSpc>
+            </a:pPr>
             <a:endParaRPr b="0" lang="en-US" sz="1800" spc="-1" strike="noStrike">
               <a:solidFill>
                 <a:schemeClr val="lt1"/>
@@ -31650,7 +33966,7 @@
         <p:spPr>
           <a:xfrm>
             <a:off x="10058400" y="0"/>
-            <a:ext cx="16920" cy="6856560"/>
+            <a:ext cx="16560" cy="6856200"/>
           </a:xfrm>
           <a:prstGeom prst="rect">
             <a:avLst/>
@@ -31686,6 +34002,11 @@
             <a:noAutofit/>
           </a:bodyPr>
           <a:p>
+            <a:pPr>
+              <a:lnSpc>
+                <a:spcPct val="100000"/>
+              </a:lnSpc>
+            </a:pPr>
             <a:endParaRPr b="0" lang="en-US" sz="1800" spc="-1" strike="noStrike">
               <a:solidFill>
                 <a:schemeClr val="lt1"/>
@@ -31705,7 +34026,7 @@
         <p:spPr>
           <a:xfrm>
             <a:off x="10972800" y="0"/>
-            <a:ext cx="16920" cy="6856560"/>
+            <a:ext cx="16560" cy="6856200"/>
           </a:xfrm>
           <a:prstGeom prst="rect">
             <a:avLst/>
@@ -31741,6 +34062,11 @@
             <a:noAutofit/>
           </a:bodyPr>
           <a:p>
+            <a:pPr>
+              <a:lnSpc>
+                <a:spcPct val="100000"/>
+              </a:lnSpc>
+            </a:pPr>
             <a:endParaRPr b="0" lang="en-US" sz="1800" spc="-1" strike="noStrike">
               <a:solidFill>
                 <a:schemeClr val="lt1"/>
@@ -31760,7 +34086,7 @@
         <p:spPr>
           <a:xfrm>
             <a:off x="11887200" y="0"/>
-            <a:ext cx="16920" cy="6856560"/>
+            <a:ext cx="16560" cy="6856200"/>
           </a:xfrm>
           <a:prstGeom prst="rect">
             <a:avLst/>
@@ -31796,6 +34122,11 @@
             <a:noAutofit/>
           </a:bodyPr>
           <a:p>
+            <a:pPr>
+              <a:lnSpc>
+                <a:spcPct val="100000"/>
+              </a:lnSpc>
+            </a:pPr>
             <a:endParaRPr b="0" lang="en-US" sz="1800" spc="-1" strike="noStrike">
               <a:solidFill>
                 <a:schemeClr val="lt1"/>
@@ -31815,7 +34146,7 @@
         <p:spPr>
           <a:xfrm>
             <a:off x="0" y="0"/>
-            <a:ext cx="318600" cy="6856560"/>
+            <a:ext cx="318240" cy="6856200"/>
           </a:xfrm>
           <a:prstGeom prst="rect">
             <a:avLst/>
@@ -31851,6 +34182,11 @@
             <a:noAutofit/>
           </a:bodyPr>
           <a:p>
+            <a:pPr>
+              <a:lnSpc>
+                <a:spcPct val="100000"/>
+              </a:lnSpc>
+            </a:pPr>
             <a:endParaRPr b="0" lang="en-US" sz="1800" spc="-1" strike="noStrike">
               <a:solidFill>
                 <a:schemeClr val="lt1"/>
@@ -31870,7 +34206,7 @@
         <p:spPr>
           <a:xfrm>
             <a:off x="9875520" y="365760"/>
-            <a:ext cx="2010240" cy="501480"/>
+            <a:ext cx="2009880" cy="501120"/>
           </a:xfrm>
           <a:prstGeom prst="roundRect">
             <a:avLst>
@@ -31944,7 +34280,7 @@
         <p:spPr>
           <a:xfrm>
             <a:off x="2983320" y="1005840"/>
-            <a:ext cx="5004720" cy="638280"/>
+            <a:ext cx="5004360" cy="638280"/>
           </a:xfrm>
           <a:prstGeom prst="rect">
             <a:avLst/>
@@ -31998,7 +34334,7 @@
         <p:spPr>
           <a:xfrm>
             <a:off x="1775880" y="2057400"/>
-            <a:ext cx="7434000" cy="546840"/>
+            <a:ext cx="7434000" cy="546120"/>
           </a:xfrm>
           <a:prstGeom prst="rect">
             <a:avLst/>
@@ -32085,7 +34421,7 @@
         <p:spPr>
           <a:xfrm>
             <a:off x="987480" y="3182040"/>
-            <a:ext cx="3290400" cy="2741760"/>
+            <a:ext cx="3290040" cy="2741400"/>
           </a:xfrm>
           <a:prstGeom prst="roundRect">
             <a:avLst>
@@ -32123,6 +34459,11 @@
             <a:noAutofit/>
           </a:bodyPr>
           <a:p>
+            <a:pPr>
+              <a:lnSpc>
+                <a:spcPct val="100000"/>
+              </a:lnSpc>
+            </a:pPr>
             <a:endParaRPr b="0" lang="en-US" sz="1800" spc="-1" strike="noStrike">
               <a:solidFill>
                 <a:schemeClr val="lt1"/>
@@ -32142,7 +34483,7 @@
         <p:spPr>
           <a:xfrm>
             <a:off x="914400" y="3108960"/>
-            <a:ext cx="3290400" cy="2741760"/>
+            <a:ext cx="3290040" cy="2741400"/>
           </a:xfrm>
           <a:prstGeom prst="roundRect">
             <a:avLst>
@@ -32405,7 +34746,7 @@
         <p:spPr>
           <a:xfrm>
             <a:off x="4507920" y="3182040"/>
-            <a:ext cx="3290400" cy="2741760"/>
+            <a:ext cx="3290040" cy="2741400"/>
           </a:xfrm>
           <a:prstGeom prst="roundRect">
             <a:avLst>
@@ -32443,6 +34784,11 @@
             <a:noAutofit/>
           </a:bodyPr>
           <a:p>
+            <a:pPr>
+              <a:lnSpc>
+                <a:spcPct val="100000"/>
+              </a:lnSpc>
+            </a:pPr>
             <a:endParaRPr b="0" lang="en-US" sz="1800" spc="-1" strike="noStrike">
               <a:solidFill>
                 <a:schemeClr val="lt1"/>
@@ -32462,7 +34808,7 @@
         <p:spPr>
           <a:xfrm>
             <a:off x="4434840" y="3108960"/>
-            <a:ext cx="3290400" cy="2741760"/>
+            <a:ext cx="3290040" cy="2741400"/>
           </a:xfrm>
           <a:prstGeom prst="roundRect">
             <a:avLst>
@@ -32766,7 +35112,7 @@
         <p:spPr>
           <a:xfrm>
             <a:off x="8028360" y="3182040"/>
-            <a:ext cx="3290400" cy="2741760"/>
+            <a:ext cx="3290040" cy="2741400"/>
           </a:xfrm>
           <a:prstGeom prst="roundRect">
             <a:avLst>
@@ -32804,6 +35150,11 @@
             <a:noAutofit/>
           </a:bodyPr>
           <a:p>
+            <a:pPr>
+              <a:lnSpc>
+                <a:spcPct val="100000"/>
+              </a:lnSpc>
+            </a:pPr>
             <a:endParaRPr b="0" lang="en-US" sz="1800" spc="-1" strike="noStrike">
               <a:solidFill>
                 <a:schemeClr val="lt1"/>
@@ -32823,7 +35174,7 @@
         <p:spPr>
           <a:xfrm>
             <a:off x="7955280" y="3108960"/>
-            <a:ext cx="3290400" cy="2741760"/>
+            <a:ext cx="3290040" cy="2741400"/>
           </a:xfrm>
           <a:prstGeom prst="roundRect">
             <a:avLst>
@@ -33130,7 +35481,2143 @@
         <p:spPr>
           <a:xfrm>
             <a:off x="4600080" y="6446520"/>
-            <a:ext cx="3051360" cy="363960"/>
+            <a:ext cx="3051000" cy="363960"/>
+          </a:xfrm>
+          <a:prstGeom prst="rect">
+            <a:avLst/>
+          </a:prstGeom>
+          <a:noFill/>
+          <a:ln w="0">
+            <a:noFill/>
+          </a:ln>
+        </p:spPr>
+        <p:style>
+          <a:lnRef idx="0"/>
+          <a:fillRef idx="0"/>
+          <a:effectRef idx="0"/>
+          <a:fontRef idx="minor"/>
+        </p:style>
+        <p:txBody>
+          <a:bodyPr wrap="none" lIns="90000" rIns="90000" tIns="45000" bIns="45000" anchor="t">
+            <a:spAutoFit/>
+          </a:bodyPr>
+          <a:p>
+            <a:pPr>
+              <a:lnSpc>
+                <a:spcPct val="100000"/>
+              </a:lnSpc>
+            </a:pPr>
+            <a:r>
+              <a:rPr b="0" lang="en-US" sz="1800" spc="-1" strike="noStrike">
+                <a:solidFill>
+                  <a:srgbClr val="000000"/>
+                </a:solidFill>
+                <a:latin typeface="Calibri"/>
+                <a:ea typeface="DejaVu Sans"/>
+              </a:rPr>
+              <a:t>Java • Ultra Premium Template</a:t>
+            </a:r>
+            <a:endParaRPr b="0" lang="en-US" sz="1800" spc="-1" strike="noStrike">
+              <a:solidFill>
+                <a:srgbClr val="000000"/>
+              </a:solidFill>
+              <a:latin typeface="Arial"/>
+            </a:endParaRPr>
+          </a:p>
+        </p:txBody>
+      </p:sp>
+    </p:spTree>
+  </p:cSld>
+  <mc:AlternateContent>
+    <mc:Choice Requires="p14">
+      <p:transition spd="slow" p14:dur="2000"/>
+    </mc:Choice>
+    <mc:Fallback>
+      <p:transition spd="slow"/>
+    </mc:Fallback>
+  </mc:AlternateContent>
+</p:sld>
+</file>
+
+<file path=ppt/slides/slide9.xml><?xml version="1.0" encoding="utf-8"?>
+<p:sld xmlns:a="http://schemas.openxmlformats.org/drawingml/2006/main" xmlns:p="http://schemas.openxmlformats.org/presentationml/2006/main" xmlns:r="http://schemas.openxmlformats.org/officeDocument/2006/relationships" xmlns:p14="http://schemas.microsoft.com/office/powerpoint/2010/main" xmlns:p15="http://schemas.microsoft.com/office/powerpoint/2012/main" xmlns:mc="http://schemas.openxmlformats.org/markup-compatibility/2006">
+  <p:cSld>
+    <p:spTree>
+      <p:nvGrpSpPr>
+        <p:cNvPr id="1" name=""/>
+        <p:cNvGrpSpPr/>
+        <p:nvPr/>
+      </p:nvGrpSpPr>
+      <p:grpSpPr>
+        <a:xfrm>
+          <a:off x="0" y="0"/>
+          <a:ext cx="0" cy="0"/>
+          <a:chOff x="0" y="0"/>
+          <a:chExt cx="0" cy="0"/>
+        </a:xfrm>
+      </p:grpSpPr>
+      <p:sp>
+        <p:nvSpPr>
+          <p:cNvPr id="413" name="Rectangle 129"/>
+          <p:cNvSpPr/>
+          <p:nvPr/>
+        </p:nvSpPr>
+        <p:spPr>
+          <a:xfrm>
+            <a:off x="0" y="0"/>
+            <a:ext cx="12187080" cy="6856200"/>
+          </a:xfrm>
+          <a:prstGeom prst="rect">
+            <a:avLst/>
+          </a:prstGeom>
+          <a:solidFill>
+            <a:srgbClr val="0b0b0d"/>
+          </a:solidFill>
+          <a:ln>
+            <a:noFill/>
+          </a:ln>
+          <a:effectLst>
+            <a:outerShdw blurRad="39960" dir="5400000" dist="23040" rotWithShape="0">
+              <a:srgbClr val="000000">
+                <a:alpha val="35000"/>
+              </a:srgbClr>
+            </a:outerShdw>
+          </a:effectLst>
+        </p:spPr>
+        <p:style>
+          <a:lnRef idx="1">
+            <a:schemeClr val="accent1"/>
+          </a:lnRef>
+          <a:fillRef idx="3">
+            <a:schemeClr val="accent1"/>
+          </a:fillRef>
+          <a:effectRef idx="2">
+            <a:schemeClr val="accent1"/>
+          </a:effectRef>
+          <a:fontRef idx="minor"/>
+        </p:style>
+        <p:txBody>
+          <a:bodyPr lIns="90000" rIns="90000" tIns="45000" bIns="45000" anchor="ctr">
+            <a:noAutofit/>
+          </a:bodyPr>
+          <a:p>
+            <a:endParaRPr b="0" lang="en-US" sz="1800" spc="-1" strike="noStrike">
+              <a:solidFill>
+                <a:schemeClr val="lt1"/>
+              </a:solidFill>
+              <a:latin typeface="Calibri"/>
+              <a:ea typeface="DejaVu Sans"/>
+            </a:endParaRPr>
+          </a:p>
+        </p:txBody>
+      </p:sp>
+      <p:sp>
+        <p:nvSpPr>
+          <p:cNvPr id="414" name="Rectangle 130"/>
+          <p:cNvSpPr/>
+          <p:nvPr/>
+        </p:nvSpPr>
+        <p:spPr>
+          <a:xfrm>
+            <a:off x="0" y="0"/>
+            <a:ext cx="16560" cy="6856200"/>
+          </a:xfrm>
+          <a:prstGeom prst="rect">
+            <a:avLst/>
+          </a:prstGeom>
+          <a:solidFill>
+            <a:srgbClr val="121216"/>
+          </a:solidFill>
+          <a:ln>
+            <a:noFill/>
+          </a:ln>
+          <a:effectLst>
+            <a:outerShdw blurRad="39960" dir="5400000" dist="23040" rotWithShape="0">
+              <a:srgbClr val="000000">
+                <a:alpha val="35000"/>
+              </a:srgbClr>
+            </a:outerShdw>
+          </a:effectLst>
+        </p:spPr>
+        <p:style>
+          <a:lnRef idx="1">
+            <a:schemeClr val="accent1"/>
+          </a:lnRef>
+          <a:fillRef idx="3">
+            <a:schemeClr val="accent1"/>
+          </a:fillRef>
+          <a:effectRef idx="2">
+            <a:schemeClr val="accent1"/>
+          </a:effectRef>
+          <a:fontRef idx="minor"/>
+        </p:style>
+        <p:txBody>
+          <a:bodyPr lIns="90000" rIns="90000" tIns="45000" bIns="45000" anchor="ctr">
+            <a:noAutofit/>
+          </a:bodyPr>
+          <a:p>
+            <a:endParaRPr b="0" lang="en-US" sz="1800" spc="-1" strike="noStrike">
+              <a:solidFill>
+                <a:schemeClr val="lt1"/>
+              </a:solidFill>
+              <a:latin typeface="Calibri"/>
+              <a:ea typeface="DejaVu Sans"/>
+            </a:endParaRPr>
+          </a:p>
+        </p:txBody>
+      </p:sp>
+      <p:sp>
+        <p:nvSpPr>
+          <p:cNvPr id="415" name="Rectangle 131"/>
+          <p:cNvSpPr/>
+          <p:nvPr/>
+        </p:nvSpPr>
+        <p:spPr>
+          <a:xfrm>
+            <a:off x="914400" y="0"/>
+            <a:ext cx="16560" cy="6856200"/>
+          </a:xfrm>
+          <a:prstGeom prst="rect">
+            <a:avLst/>
+          </a:prstGeom>
+          <a:solidFill>
+            <a:srgbClr val="121216"/>
+          </a:solidFill>
+          <a:ln>
+            <a:noFill/>
+          </a:ln>
+          <a:effectLst>
+            <a:outerShdw blurRad="39960" dir="5400000" dist="23040" rotWithShape="0">
+              <a:srgbClr val="000000">
+                <a:alpha val="35000"/>
+              </a:srgbClr>
+            </a:outerShdw>
+          </a:effectLst>
+        </p:spPr>
+        <p:style>
+          <a:lnRef idx="1">
+            <a:schemeClr val="accent1"/>
+          </a:lnRef>
+          <a:fillRef idx="3">
+            <a:schemeClr val="accent1"/>
+          </a:fillRef>
+          <a:effectRef idx="2">
+            <a:schemeClr val="accent1"/>
+          </a:effectRef>
+          <a:fontRef idx="minor"/>
+        </p:style>
+        <p:txBody>
+          <a:bodyPr lIns="90000" rIns="90000" tIns="45000" bIns="45000" anchor="ctr">
+            <a:noAutofit/>
+          </a:bodyPr>
+          <a:p>
+            <a:endParaRPr b="0" lang="en-US" sz="1800" spc="-1" strike="noStrike">
+              <a:solidFill>
+                <a:schemeClr val="lt1"/>
+              </a:solidFill>
+              <a:latin typeface="Calibri"/>
+              <a:ea typeface="DejaVu Sans"/>
+            </a:endParaRPr>
+          </a:p>
+        </p:txBody>
+      </p:sp>
+      <p:sp>
+        <p:nvSpPr>
+          <p:cNvPr id="416" name="Rectangle 132"/>
+          <p:cNvSpPr/>
+          <p:nvPr/>
+        </p:nvSpPr>
+        <p:spPr>
+          <a:xfrm>
+            <a:off x="1828800" y="0"/>
+            <a:ext cx="16560" cy="6856200"/>
+          </a:xfrm>
+          <a:prstGeom prst="rect">
+            <a:avLst/>
+          </a:prstGeom>
+          <a:solidFill>
+            <a:srgbClr val="121216"/>
+          </a:solidFill>
+          <a:ln>
+            <a:noFill/>
+          </a:ln>
+          <a:effectLst>
+            <a:outerShdw blurRad="39960" dir="5400000" dist="23040" rotWithShape="0">
+              <a:srgbClr val="000000">
+                <a:alpha val="35000"/>
+              </a:srgbClr>
+            </a:outerShdw>
+          </a:effectLst>
+        </p:spPr>
+        <p:style>
+          <a:lnRef idx="1">
+            <a:schemeClr val="accent1"/>
+          </a:lnRef>
+          <a:fillRef idx="3">
+            <a:schemeClr val="accent1"/>
+          </a:fillRef>
+          <a:effectRef idx="2">
+            <a:schemeClr val="accent1"/>
+          </a:effectRef>
+          <a:fontRef idx="minor"/>
+        </p:style>
+        <p:txBody>
+          <a:bodyPr lIns="90000" rIns="90000" tIns="45000" bIns="45000" anchor="ctr">
+            <a:noAutofit/>
+          </a:bodyPr>
+          <a:p>
+            <a:endParaRPr b="0" lang="en-US" sz="1800" spc="-1" strike="noStrike">
+              <a:solidFill>
+                <a:schemeClr val="lt1"/>
+              </a:solidFill>
+              <a:latin typeface="Calibri"/>
+              <a:ea typeface="DejaVu Sans"/>
+            </a:endParaRPr>
+          </a:p>
+        </p:txBody>
+      </p:sp>
+      <p:sp>
+        <p:nvSpPr>
+          <p:cNvPr id="417" name="Rectangle 133"/>
+          <p:cNvSpPr/>
+          <p:nvPr/>
+        </p:nvSpPr>
+        <p:spPr>
+          <a:xfrm>
+            <a:off x="2743200" y="0"/>
+            <a:ext cx="16560" cy="6856200"/>
+          </a:xfrm>
+          <a:prstGeom prst="rect">
+            <a:avLst/>
+          </a:prstGeom>
+          <a:solidFill>
+            <a:srgbClr val="121216"/>
+          </a:solidFill>
+          <a:ln>
+            <a:noFill/>
+          </a:ln>
+          <a:effectLst>
+            <a:outerShdw blurRad="39960" dir="5400000" dist="23040" rotWithShape="0">
+              <a:srgbClr val="000000">
+                <a:alpha val="35000"/>
+              </a:srgbClr>
+            </a:outerShdw>
+          </a:effectLst>
+        </p:spPr>
+        <p:style>
+          <a:lnRef idx="1">
+            <a:schemeClr val="accent1"/>
+          </a:lnRef>
+          <a:fillRef idx="3">
+            <a:schemeClr val="accent1"/>
+          </a:fillRef>
+          <a:effectRef idx="2">
+            <a:schemeClr val="accent1"/>
+          </a:effectRef>
+          <a:fontRef idx="minor"/>
+        </p:style>
+        <p:txBody>
+          <a:bodyPr lIns="90000" rIns="90000" tIns="45000" bIns="45000" anchor="ctr">
+            <a:noAutofit/>
+          </a:bodyPr>
+          <a:p>
+            <a:endParaRPr b="0" lang="en-US" sz="1800" spc="-1" strike="noStrike">
+              <a:solidFill>
+                <a:schemeClr val="lt1"/>
+              </a:solidFill>
+              <a:latin typeface="Calibri"/>
+              <a:ea typeface="DejaVu Sans"/>
+            </a:endParaRPr>
+          </a:p>
+        </p:txBody>
+      </p:sp>
+      <p:sp>
+        <p:nvSpPr>
+          <p:cNvPr id="418" name="Rectangle 134"/>
+          <p:cNvSpPr/>
+          <p:nvPr/>
+        </p:nvSpPr>
+        <p:spPr>
+          <a:xfrm>
+            <a:off x="3657600" y="0"/>
+            <a:ext cx="16560" cy="6856200"/>
+          </a:xfrm>
+          <a:prstGeom prst="rect">
+            <a:avLst/>
+          </a:prstGeom>
+          <a:solidFill>
+            <a:srgbClr val="121216"/>
+          </a:solidFill>
+          <a:ln>
+            <a:noFill/>
+          </a:ln>
+          <a:effectLst>
+            <a:outerShdw blurRad="39960" dir="5400000" dist="23040" rotWithShape="0">
+              <a:srgbClr val="000000">
+                <a:alpha val="35000"/>
+              </a:srgbClr>
+            </a:outerShdw>
+          </a:effectLst>
+        </p:spPr>
+        <p:style>
+          <a:lnRef idx="1">
+            <a:schemeClr val="accent1"/>
+          </a:lnRef>
+          <a:fillRef idx="3">
+            <a:schemeClr val="accent1"/>
+          </a:fillRef>
+          <a:effectRef idx="2">
+            <a:schemeClr val="accent1"/>
+          </a:effectRef>
+          <a:fontRef idx="minor"/>
+        </p:style>
+        <p:txBody>
+          <a:bodyPr lIns="90000" rIns="90000" tIns="45000" bIns="45000" anchor="ctr">
+            <a:noAutofit/>
+          </a:bodyPr>
+          <a:p>
+            <a:endParaRPr b="0" lang="en-US" sz="1800" spc="-1" strike="noStrike">
+              <a:solidFill>
+                <a:schemeClr val="lt1"/>
+              </a:solidFill>
+              <a:latin typeface="Calibri"/>
+              <a:ea typeface="DejaVu Sans"/>
+            </a:endParaRPr>
+          </a:p>
+        </p:txBody>
+      </p:sp>
+      <p:sp>
+        <p:nvSpPr>
+          <p:cNvPr id="419" name="Rectangle 135"/>
+          <p:cNvSpPr/>
+          <p:nvPr/>
+        </p:nvSpPr>
+        <p:spPr>
+          <a:xfrm>
+            <a:off x="4572000" y="0"/>
+            <a:ext cx="16560" cy="6856200"/>
+          </a:xfrm>
+          <a:prstGeom prst="rect">
+            <a:avLst/>
+          </a:prstGeom>
+          <a:solidFill>
+            <a:srgbClr val="121216"/>
+          </a:solidFill>
+          <a:ln>
+            <a:noFill/>
+          </a:ln>
+          <a:effectLst>
+            <a:outerShdw blurRad="39960" dir="5400000" dist="23040" rotWithShape="0">
+              <a:srgbClr val="000000">
+                <a:alpha val="35000"/>
+              </a:srgbClr>
+            </a:outerShdw>
+          </a:effectLst>
+        </p:spPr>
+        <p:style>
+          <a:lnRef idx="1">
+            <a:schemeClr val="accent1"/>
+          </a:lnRef>
+          <a:fillRef idx="3">
+            <a:schemeClr val="accent1"/>
+          </a:fillRef>
+          <a:effectRef idx="2">
+            <a:schemeClr val="accent1"/>
+          </a:effectRef>
+          <a:fontRef idx="minor"/>
+        </p:style>
+        <p:txBody>
+          <a:bodyPr lIns="90000" rIns="90000" tIns="45000" bIns="45000" anchor="ctr">
+            <a:noAutofit/>
+          </a:bodyPr>
+          <a:p>
+            <a:endParaRPr b="0" lang="en-US" sz="1800" spc="-1" strike="noStrike">
+              <a:solidFill>
+                <a:schemeClr val="lt1"/>
+              </a:solidFill>
+              <a:latin typeface="Calibri"/>
+              <a:ea typeface="DejaVu Sans"/>
+            </a:endParaRPr>
+          </a:p>
+        </p:txBody>
+      </p:sp>
+      <p:sp>
+        <p:nvSpPr>
+          <p:cNvPr id="420" name="Rectangle 136"/>
+          <p:cNvSpPr/>
+          <p:nvPr/>
+        </p:nvSpPr>
+        <p:spPr>
+          <a:xfrm>
+            <a:off x="5486400" y="0"/>
+            <a:ext cx="16560" cy="6856200"/>
+          </a:xfrm>
+          <a:prstGeom prst="rect">
+            <a:avLst/>
+          </a:prstGeom>
+          <a:solidFill>
+            <a:srgbClr val="121216"/>
+          </a:solidFill>
+          <a:ln>
+            <a:noFill/>
+          </a:ln>
+          <a:effectLst>
+            <a:outerShdw blurRad="39960" dir="5400000" dist="23040" rotWithShape="0">
+              <a:srgbClr val="000000">
+                <a:alpha val="35000"/>
+              </a:srgbClr>
+            </a:outerShdw>
+          </a:effectLst>
+        </p:spPr>
+        <p:style>
+          <a:lnRef idx="1">
+            <a:schemeClr val="accent1"/>
+          </a:lnRef>
+          <a:fillRef idx="3">
+            <a:schemeClr val="accent1"/>
+          </a:fillRef>
+          <a:effectRef idx="2">
+            <a:schemeClr val="accent1"/>
+          </a:effectRef>
+          <a:fontRef idx="minor"/>
+        </p:style>
+        <p:txBody>
+          <a:bodyPr lIns="90000" rIns="90000" tIns="45000" bIns="45000" anchor="ctr">
+            <a:noAutofit/>
+          </a:bodyPr>
+          <a:p>
+            <a:endParaRPr b="0" lang="en-US" sz="1800" spc="-1" strike="noStrike">
+              <a:solidFill>
+                <a:schemeClr val="lt1"/>
+              </a:solidFill>
+              <a:latin typeface="Calibri"/>
+              <a:ea typeface="DejaVu Sans"/>
+            </a:endParaRPr>
+          </a:p>
+        </p:txBody>
+      </p:sp>
+      <p:sp>
+        <p:nvSpPr>
+          <p:cNvPr id="421" name="Rectangle 137"/>
+          <p:cNvSpPr/>
+          <p:nvPr/>
+        </p:nvSpPr>
+        <p:spPr>
+          <a:xfrm>
+            <a:off x="6400800" y="0"/>
+            <a:ext cx="16560" cy="6856200"/>
+          </a:xfrm>
+          <a:prstGeom prst="rect">
+            <a:avLst/>
+          </a:prstGeom>
+          <a:solidFill>
+            <a:srgbClr val="121216"/>
+          </a:solidFill>
+          <a:ln>
+            <a:noFill/>
+          </a:ln>
+          <a:effectLst>
+            <a:outerShdw blurRad="39960" dir="5400000" dist="23040" rotWithShape="0">
+              <a:srgbClr val="000000">
+                <a:alpha val="35000"/>
+              </a:srgbClr>
+            </a:outerShdw>
+          </a:effectLst>
+        </p:spPr>
+        <p:style>
+          <a:lnRef idx="1">
+            <a:schemeClr val="accent1"/>
+          </a:lnRef>
+          <a:fillRef idx="3">
+            <a:schemeClr val="accent1"/>
+          </a:fillRef>
+          <a:effectRef idx="2">
+            <a:schemeClr val="accent1"/>
+          </a:effectRef>
+          <a:fontRef idx="minor"/>
+        </p:style>
+        <p:txBody>
+          <a:bodyPr lIns="90000" rIns="90000" tIns="45000" bIns="45000" anchor="ctr">
+            <a:noAutofit/>
+          </a:bodyPr>
+          <a:p>
+            <a:endParaRPr b="0" lang="en-US" sz="1800" spc="-1" strike="noStrike">
+              <a:solidFill>
+                <a:schemeClr val="lt1"/>
+              </a:solidFill>
+              <a:latin typeface="Calibri"/>
+              <a:ea typeface="DejaVu Sans"/>
+            </a:endParaRPr>
+          </a:p>
+        </p:txBody>
+      </p:sp>
+      <p:sp>
+        <p:nvSpPr>
+          <p:cNvPr id="422" name="Rectangle 138"/>
+          <p:cNvSpPr/>
+          <p:nvPr/>
+        </p:nvSpPr>
+        <p:spPr>
+          <a:xfrm>
+            <a:off x="7315200" y="0"/>
+            <a:ext cx="16560" cy="6856200"/>
+          </a:xfrm>
+          <a:prstGeom prst="rect">
+            <a:avLst/>
+          </a:prstGeom>
+          <a:solidFill>
+            <a:srgbClr val="121216"/>
+          </a:solidFill>
+          <a:ln>
+            <a:noFill/>
+          </a:ln>
+          <a:effectLst>
+            <a:outerShdw blurRad="39960" dir="5400000" dist="23040" rotWithShape="0">
+              <a:srgbClr val="000000">
+                <a:alpha val="35000"/>
+              </a:srgbClr>
+            </a:outerShdw>
+          </a:effectLst>
+        </p:spPr>
+        <p:style>
+          <a:lnRef idx="1">
+            <a:schemeClr val="accent1"/>
+          </a:lnRef>
+          <a:fillRef idx="3">
+            <a:schemeClr val="accent1"/>
+          </a:fillRef>
+          <a:effectRef idx="2">
+            <a:schemeClr val="accent1"/>
+          </a:effectRef>
+          <a:fontRef idx="minor"/>
+        </p:style>
+        <p:txBody>
+          <a:bodyPr lIns="90000" rIns="90000" tIns="45000" bIns="45000" anchor="ctr">
+            <a:noAutofit/>
+          </a:bodyPr>
+          <a:p>
+            <a:endParaRPr b="0" lang="en-US" sz="1800" spc="-1" strike="noStrike">
+              <a:solidFill>
+                <a:schemeClr val="lt1"/>
+              </a:solidFill>
+              <a:latin typeface="Calibri"/>
+              <a:ea typeface="DejaVu Sans"/>
+            </a:endParaRPr>
+          </a:p>
+        </p:txBody>
+      </p:sp>
+      <p:sp>
+        <p:nvSpPr>
+          <p:cNvPr id="423" name="Rectangle 139"/>
+          <p:cNvSpPr/>
+          <p:nvPr/>
+        </p:nvSpPr>
+        <p:spPr>
+          <a:xfrm>
+            <a:off x="8229600" y="0"/>
+            <a:ext cx="16560" cy="6856200"/>
+          </a:xfrm>
+          <a:prstGeom prst="rect">
+            <a:avLst/>
+          </a:prstGeom>
+          <a:solidFill>
+            <a:srgbClr val="121216"/>
+          </a:solidFill>
+          <a:ln>
+            <a:noFill/>
+          </a:ln>
+          <a:effectLst>
+            <a:outerShdw blurRad="39960" dir="5400000" dist="23040" rotWithShape="0">
+              <a:srgbClr val="000000">
+                <a:alpha val="35000"/>
+              </a:srgbClr>
+            </a:outerShdw>
+          </a:effectLst>
+        </p:spPr>
+        <p:style>
+          <a:lnRef idx="1">
+            <a:schemeClr val="accent1"/>
+          </a:lnRef>
+          <a:fillRef idx="3">
+            <a:schemeClr val="accent1"/>
+          </a:fillRef>
+          <a:effectRef idx="2">
+            <a:schemeClr val="accent1"/>
+          </a:effectRef>
+          <a:fontRef idx="minor"/>
+        </p:style>
+        <p:txBody>
+          <a:bodyPr lIns="90000" rIns="90000" tIns="45000" bIns="45000" anchor="ctr">
+            <a:noAutofit/>
+          </a:bodyPr>
+          <a:p>
+            <a:endParaRPr b="0" lang="en-US" sz="1800" spc="-1" strike="noStrike">
+              <a:solidFill>
+                <a:schemeClr val="lt1"/>
+              </a:solidFill>
+              <a:latin typeface="Calibri"/>
+              <a:ea typeface="DejaVu Sans"/>
+            </a:endParaRPr>
+          </a:p>
+        </p:txBody>
+      </p:sp>
+      <p:sp>
+        <p:nvSpPr>
+          <p:cNvPr id="424" name="Rectangle 140"/>
+          <p:cNvSpPr/>
+          <p:nvPr/>
+        </p:nvSpPr>
+        <p:spPr>
+          <a:xfrm>
+            <a:off x="9144000" y="0"/>
+            <a:ext cx="16560" cy="6856200"/>
+          </a:xfrm>
+          <a:prstGeom prst="rect">
+            <a:avLst/>
+          </a:prstGeom>
+          <a:solidFill>
+            <a:srgbClr val="121216"/>
+          </a:solidFill>
+          <a:ln>
+            <a:noFill/>
+          </a:ln>
+          <a:effectLst>
+            <a:outerShdw blurRad="39960" dir="5400000" dist="23040" rotWithShape="0">
+              <a:srgbClr val="000000">
+                <a:alpha val="35000"/>
+              </a:srgbClr>
+            </a:outerShdw>
+          </a:effectLst>
+        </p:spPr>
+        <p:style>
+          <a:lnRef idx="1">
+            <a:schemeClr val="accent1"/>
+          </a:lnRef>
+          <a:fillRef idx="3">
+            <a:schemeClr val="accent1"/>
+          </a:fillRef>
+          <a:effectRef idx="2">
+            <a:schemeClr val="accent1"/>
+          </a:effectRef>
+          <a:fontRef idx="minor"/>
+        </p:style>
+        <p:txBody>
+          <a:bodyPr lIns="90000" rIns="90000" tIns="45000" bIns="45000" anchor="ctr">
+            <a:noAutofit/>
+          </a:bodyPr>
+          <a:p>
+            <a:endParaRPr b="0" lang="en-US" sz="1800" spc="-1" strike="noStrike">
+              <a:solidFill>
+                <a:schemeClr val="lt1"/>
+              </a:solidFill>
+              <a:latin typeface="Calibri"/>
+              <a:ea typeface="DejaVu Sans"/>
+            </a:endParaRPr>
+          </a:p>
+        </p:txBody>
+      </p:sp>
+      <p:sp>
+        <p:nvSpPr>
+          <p:cNvPr id="425" name="Rectangle 141"/>
+          <p:cNvSpPr/>
+          <p:nvPr/>
+        </p:nvSpPr>
+        <p:spPr>
+          <a:xfrm>
+            <a:off x="10058400" y="0"/>
+            <a:ext cx="16560" cy="6856200"/>
+          </a:xfrm>
+          <a:prstGeom prst="rect">
+            <a:avLst/>
+          </a:prstGeom>
+          <a:solidFill>
+            <a:srgbClr val="121216"/>
+          </a:solidFill>
+          <a:ln>
+            <a:noFill/>
+          </a:ln>
+          <a:effectLst>
+            <a:outerShdw blurRad="39960" dir="5400000" dist="23040" rotWithShape="0">
+              <a:srgbClr val="000000">
+                <a:alpha val="35000"/>
+              </a:srgbClr>
+            </a:outerShdw>
+          </a:effectLst>
+        </p:spPr>
+        <p:style>
+          <a:lnRef idx="1">
+            <a:schemeClr val="accent1"/>
+          </a:lnRef>
+          <a:fillRef idx="3">
+            <a:schemeClr val="accent1"/>
+          </a:fillRef>
+          <a:effectRef idx="2">
+            <a:schemeClr val="accent1"/>
+          </a:effectRef>
+          <a:fontRef idx="minor"/>
+        </p:style>
+        <p:txBody>
+          <a:bodyPr lIns="90000" rIns="90000" tIns="45000" bIns="45000" anchor="ctr">
+            <a:noAutofit/>
+          </a:bodyPr>
+          <a:p>
+            <a:endParaRPr b="0" lang="en-US" sz="1800" spc="-1" strike="noStrike">
+              <a:solidFill>
+                <a:schemeClr val="lt1"/>
+              </a:solidFill>
+              <a:latin typeface="Calibri"/>
+              <a:ea typeface="DejaVu Sans"/>
+            </a:endParaRPr>
+          </a:p>
+        </p:txBody>
+      </p:sp>
+      <p:sp>
+        <p:nvSpPr>
+          <p:cNvPr id="426" name="Rectangle 142"/>
+          <p:cNvSpPr/>
+          <p:nvPr/>
+        </p:nvSpPr>
+        <p:spPr>
+          <a:xfrm>
+            <a:off x="10972800" y="0"/>
+            <a:ext cx="16560" cy="6856200"/>
+          </a:xfrm>
+          <a:prstGeom prst="rect">
+            <a:avLst/>
+          </a:prstGeom>
+          <a:solidFill>
+            <a:srgbClr val="121216"/>
+          </a:solidFill>
+          <a:ln>
+            <a:noFill/>
+          </a:ln>
+          <a:effectLst>
+            <a:outerShdw blurRad="39960" dir="5400000" dist="23040" rotWithShape="0">
+              <a:srgbClr val="000000">
+                <a:alpha val="35000"/>
+              </a:srgbClr>
+            </a:outerShdw>
+          </a:effectLst>
+        </p:spPr>
+        <p:style>
+          <a:lnRef idx="1">
+            <a:schemeClr val="accent1"/>
+          </a:lnRef>
+          <a:fillRef idx="3">
+            <a:schemeClr val="accent1"/>
+          </a:fillRef>
+          <a:effectRef idx="2">
+            <a:schemeClr val="accent1"/>
+          </a:effectRef>
+          <a:fontRef idx="minor"/>
+        </p:style>
+        <p:txBody>
+          <a:bodyPr lIns="90000" rIns="90000" tIns="45000" bIns="45000" anchor="ctr">
+            <a:noAutofit/>
+          </a:bodyPr>
+          <a:p>
+            <a:endParaRPr b="0" lang="en-US" sz="1800" spc="-1" strike="noStrike">
+              <a:solidFill>
+                <a:schemeClr val="lt1"/>
+              </a:solidFill>
+              <a:latin typeface="Calibri"/>
+              <a:ea typeface="DejaVu Sans"/>
+            </a:endParaRPr>
+          </a:p>
+        </p:txBody>
+      </p:sp>
+      <p:sp>
+        <p:nvSpPr>
+          <p:cNvPr id="427" name="Rectangle 143"/>
+          <p:cNvSpPr/>
+          <p:nvPr/>
+        </p:nvSpPr>
+        <p:spPr>
+          <a:xfrm>
+            <a:off x="11887200" y="0"/>
+            <a:ext cx="16560" cy="6856200"/>
+          </a:xfrm>
+          <a:prstGeom prst="rect">
+            <a:avLst/>
+          </a:prstGeom>
+          <a:solidFill>
+            <a:srgbClr val="121216"/>
+          </a:solidFill>
+          <a:ln>
+            <a:noFill/>
+          </a:ln>
+          <a:effectLst>
+            <a:outerShdw blurRad="39960" dir="5400000" dist="23040" rotWithShape="0">
+              <a:srgbClr val="000000">
+                <a:alpha val="35000"/>
+              </a:srgbClr>
+            </a:outerShdw>
+          </a:effectLst>
+        </p:spPr>
+        <p:style>
+          <a:lnRef idx="1">
+            <a:schemeClr val="accent1"/>
+          </a:lnRef>
+          <a:fillRef idx="3">
+            <a:schemeClr val="accent1"/>
+          </a:fillRef>
+          <a:effectRef idx="2">
+            <a:schemeClr val="accent1"/>
+          </a:effectRef>
+          <a:fontRef idx="minor"/>
+        </p:style>
+        <p:txBody>
+          <a:bodyPr lIns="90000" rIns="90000" tIns="45000" bIns="45000" anchor="ctr">
+            <a:noAutofit/>
+          </a:bodyPr>
+          <a:p>
+            <a:endParaRPr b="0" lang="en-US" sz="1800" spc="-1" strike="noStrike">
+              <a:solidFill>
+                <a:schemeClr val="lt1"/>
+              </a:solidFill>
+              <a:latin typeface="Calibri"/>
+              <a:ea typeface="DejaVu Sans"/>
+            </a:endParaRPr>
+          </a:p>
+        </p:txBody>
+      </p:sp>
+      <p:sp>
+        <p:nvSpPr>
+          <p:cNvPr id="428" name="Rectangle 144"/>
+          <p:cNvSpPr/>
+          <p:nvPr/>
+        </p:nvSpPr>
+        <p:spPr>
+          <a:xfrm>
+            <a:off x="0" y="0"/>
+            <a:ext cx="318240" cy="6856200"/>
+          </a:xfrm>
+          <a:prstGeom prst="rect">
+            <a:avLst/>
+          </a:prstGeom>
+          <a:solidFill>
+            <a:srgbClr val="ff8c00"/>
+          </a:solidFill>
+          <a:ln>
+            <a:noFill/>
+          </a:ln>
+          <a:effectLst>
+            <a:outerShdw blurRad="39960" dir="5400000" dist="23040" rotWithShape="0">
+              <a:srgbClr val="000000">
+                <a:alpha val="35000"/>
+              </a:srgbClr>
+            </a:outerShdw>
+          </a:effectLst>
+        </p:spPr>
+        <p:style>
+          <a:lnRef idx="1">
+            <a:schemeClr val="accent1"/>
+          </a:lnRef>
+          <a:fillRef idx="3">
+            <a:schemeClr val="accent1"/>
+          </a:fillRef>
+          <a:effectRef idx="2">
+            <a:schemeClr val="accent1"/>
+          </a:effectRef>
+          <a:fontRef idx="minor"/>
+        </p:style>
+        <p:txBody>
+          <a:bodyPr lIns="90000" rIns="90000" tIns="45000" bIns="45000" anchor="ctr">
+            <a:noAutofit/>
+          </a:bodyPr>
+          <a:p>
+            <a:endParaRPr b="0" lang="en-US" sz="1800" spc="-1" strike="noStrike">
+              <a:solidFill>
+                <a:schemeClr val="lt1"/>
+              </a:solidFill>
+              <a:latin typeface="Calibri"/>
+              <a:ea typeface="DejaVu Sans"/>
+            </a:endParaRPr>
+          </a:p>
+        </p:txBody>
+      </p:sp>
+      <p:sp>
+        <p:nvSpPr>
+          <p:cNvPr id="429" name="Rounded Rectangle 64"/>
+          <p:cNvSpPr/>
+          <p:nvPr/>
+        </p:nvSpPr>
+        <p:spPr>
+          <a:xfrm>
+            <a:off x="9875520" y="365760"/>
+            <a:ext cx="2009880" cy="501120"/>
+          </a:xfrm>
+          <a:prstGeom prst="roundRect">
+            <a:avLst>
+              <a:gd name="adj" fmla="val 16667"/>
+            </a:avLst>
+          </a:prstGeom>
+          <a:solidFill>
+            <a:srgbClr val="1e1e24"/>
+          </a:solidFill>
+          <a:ln>
+            <a:solidFill>
+              <a:srgbClr val="ff8c00"/>
+            </a:solidFill>
+            <a:round/>
+          </a:ln>
+          <a:effectLst>
+            <a:outerShdw blurRad="39960" dir="5400000" dist="23040" rotWithShape="0">
+              <a:srgbClr val="000000">
+                <a:alpha val="35000"/>
+              </a:srgbClr>
+            </a:outerShdw>
+          </a:effectLst>
+        </p:spPr>
+        <p:style>
+          <a:lnRef idx="1">
+            <a:schemeClr val="accent1"/>
+          </a:lnRef>
+          <a:fillRef idx="3">
+            <a:schemeClr val="accent1"/>
+          </a:fillRef>
+          <a:effectRef idx="2">
+            <a:schemeClr val="accent1"/>
+          </a:effectRef>
+          <a:fontRef idx="minor"/>
+        </p:style>
+        <p:txBody>
+          <a:bodyPr lIns="90000" rIns="90000" tIns="45000" bIns="45000" anchor="ctr">
+            <a:noAutofit/>
+          </a:bodyPr>
+          <a:p>
+            <a:pPr algn="ctr">
+              <a:lnSpc>
+                <a:spcPct val="100000"/>
+              </a:lnSpc>
+            </a:pPr>
+            <a:r>
+              <a:rPr b="1" lang="en-US" sz="1400" spc="-1" strike="noStrike">
+                <a:solidFill>
+                  <a:srgbClr val="ffb45a"/>
+                </a:solidFill>
+                <a:latin typeface="Calibri"/>
+                <a:ea typeface="DejaVu Sans"/>
+              </a:rPr>
+              <a:t>JAVA TEMELLERI</a:t>
+            </a:r>
+            <a:endParaRPr b="0" lang="en-US" sz="1400" spc="-1" strike="noStrike">
+              <a:solidFill>
+                <a:srgbClr val="ffffff"/>
+              </a:solidFill>
+              <a:latin typeface="Arial"/>
+            </a:endParaRPr>
+          </a:p>
+        </p:txBody>
+      </p:sp>
+      <p:sp>
+        <p:nvSpPr>
+          <p:cNvPr id="430" name="TextBox 28"/>
+          <p:cNvSpPr/>
+          <p:nvPr/>
+        </p:nvSpPr>
+        <p:spPr>
+          <a:xfrm>
+            <a:off x="3053160" y="1005840"/>
+            <a:ext cx="4864320" cy="638280"/>
+          </a:xfrm>
+          <a:prstGeom prst="rect">
+            <a:avLst/>
+          </a:prstGeom>
+          <a:noFill/>
+          <a:ln w="0">
+            <a:noFill/>
+          </a:ln>
+        </p:spPr>
+        <p:style>
+          <a:lnRef idx="0"/>
+          <a:fillRef idx="0"/>
+          <a:effectRef idx="0"/>
+          <a:fontRef idx="minor"/>
+        </p:style>
+        <p:txBody>
+          <a:bodyPr wrap="none" lIns="90000" rIns="90000" tIns="45000" bIns="45000" anchor="t">
+            <a:spAutoFit/>
+          </a:bodyPr>
+          <a:p>
+            <a:pPr>
+              <a:lnSpc>
+                <a:spcPct val="100000"/>
+              </a:lnSpc>
+            </a:pPr>
+            <a:r>
+              <a:rPr b="1" lang="en-US" sz="3600" spc="-1" strike="noStrike">
+                <a:solidFill>
+                  <a:srgbClr val="f5f5f5"/>
+                </a:solidFill>
+                <a:latin typeface="Calibri"/>
+                <a:ea typeface="DejaVu Sans"/>
+              </a:rPr>
+              <a:t>JAVA KURULUM TÜRLERİ</a:t>
+            </a:r>
+            <a:endParaRPr b="0" lang="en-US" sz="3600" spc="-1" strike="noStrike">
+              <a:solidFill>
+                <a:srgbClr val="000000"/>
+              </a:solidFill>
+              <a:latin typeface="Arial"/>
+            </a:endParaRPr>
+          </a:p>
+        </p:txBody>
+      </p:sp>
+      <p:sp>
+        <p:nvSpPr>
+          <p:cNvPr id="431" name="TextBox 29"/>
+          <p:cNvSpPr/>
+          <p:nvPr/>
+        </p:nvSpPr>
+        <p:spPr>
+          <a:xfrm>
+            <a:off x="1154520" y="2194560"/>
+            <a:ext cx="8676000" cy="317880"/>
+          </a:xfrm>
+          <a:prstGeom prst="rect">
+            <a:avLst/>
+          </a:prstGeom>
+          <a:noFill/>
+          <a:ln w="0">
+            <a:noFill/>
+          </a:ln>
+        </p:spPr>
+        <p:style>
+          <a:lnRef idx="0"/>
+          <a:fillRef idx="0"/>
+          <a:effectRef idx="0"/>
+          <a:fontRef idx="minor"/>
+        </p:style>
+        <p:txBody>
+          <a:bodyPr wrap="none" lIns="90000" rIns="90000" tIns="45000" bIns="45000" anchor="t">
+            <a:spAutoFit/>
+          </a:bodyPr>
+          <a:p>
+            <a:pPr>
+              <a:lnSpc>
+                <a:spcPct val="100000"/>
+              </a:lnSpc>
+            </a:pPr>
+            <a:r>
+              <a:rPr b="0" lang="en-US" sz="1500" spc="-1" strike="noStrike">
+                <a:solidFill>
+                  <a:srgbClr val="aaaaaa"/>
+                </a:solidFill>
+                <a:latin typeface="Calibri"/>
+                <a:ea typeface="DejaVu Sans"/>
+              </a:rPr>
+              <a:t>Farklı Java dağıtımları ve kurulum türleri, geliştirme veya üretim (production) ihtiyaçlarına göre esneklik sağlar.</a:t>
+            </a:r>
+            <a:endParaRPr b="0" lang="en-US" sz="1500" spc="-1" strike="noStrike">
+              <a:solidFill>
+                <a:srgbClr val="000000"/>
+              </a:solidFill>
+              <a:latin typeface="Arial"/>
+            </a:endParaRPr>
+          </a:p>
+        </p:txBody>
+      </p:sp>
+      <p:sp>
+        <p:nvSpPr>
+          <p:cNvPr id="432" name="Rounded Rectangle 65"/>
+          <p:cNvSpPr/>
+          <p:nvPr/>
+        </p:nvSpPr>
+        <p:spPr>
+          <a:xfrm>
+            <a:off x="987480" y="3182040"/>
+            <a:ext cx="3290040" cy="2741400"/>
+          </a:xfrm>
+          <a:prstGeom prst="roundRect">
+            <a:avLst>
+              <a:gd name="adj" fmla="val 16667"/>
+            </a:avLst>
+          </a:prstGeom>
+          <a:solidFill>
+            <a:srgbClr val="08080a"/>
+          </a:solidFill>
+          <a:ln>
+            <a:noFill/>
+          </a:ln>
+          <a:effectLst>
+            <a:outerShdw blurRad="39960" dir="5400000" dist="23040" rotWithShape="0">
+              <a:srgbClr val="000000">
+                <a:alpha val="35000"/>
+              </a:srgbClr>
+            </a:outerShdw>
+          </a:effectLst>
+        </p:spPr>
+        <p:style>
+          <a:lnRef idx="1">
+            <a:schemeClr val="accent1"/>
+          </a:lnRef>
+          <a:fillRef idx="3">
+            <a:schemeClr val="accent1"/>
+          </a:fillRef>
+          <a:effectRef idx="2">
+            <a:schemeClr val="accent1"/>
+          </a:effectRef>
+          <a:fontRef idx="minor"/>
+        </p:style>
+        <p:txBody>
+          <a:bodyPr lIns="90000" rIns="90000" tIns="45000" bIns="45000" anchor="ctr">
+            <a:noAutofit/>
+          </a:bodyPr>
+          <a:p>
+            <a:endParaRPr b="0" lang="en-US" sz="1800" spc="-1" strike="noStrike">
+              <a:solidFill>
+                <a:schemeClr val="lt1"/>
+              </a:solidFill>
+              <a:latin typeface="Calibri"/>
+              <a:ea typeface="DejaVu Sans"/>
+            </a:endParaRPr>
+          </a:p>
+        </p:txBody>
+      </p:sp>
+      <p:sp>
+        <p:nvSpPr>
+          <p:cNvPr id="433" name="Rounded Rectangle 66"/>
+          <p:cNvSpPr/>
+          <p:nvPr/>
+        </p:nvSpPr>
+        <p:spPr>
+          <a:xfrm>
+            <a:off x="914400" y="3108960"/>
+            <a:ext cx="3290040" cy="2741400"/>
+          </a:xfrm>
+          <a:prstGeom prst="roundRect">
+            <a:avLst>
+              <a:gd name="adj" fmla="val 16667"/>
+            </a:avLst>
+          </a:prstGeom>
+          <a:solidFill>
+            <a:srgbClr val="16161c"/>
+          </a:solidFill>
+          <a:ln>
+            <a:solidFill>
+              <a:srgbClr val="464655"/>
+            </a:solidFill>
+            <a:round/>
+          </a:ln>
+          <a:effectLst>
+            <a:outerShdw blurRad="39960" dir="5400000" dist="23040" rotWithShape="0">
+              <a:srgbClr val="000000">
+                <a:alpha val="35000"/>
+              </a:srgbClr>
+            </a:outerShdw>
+          </a:effectLst>
+        </p:spPr>
+        <p:style>
+          <a:lnRef idx="1">
+            <a:schemeClr val="accent1"/>
+          </a:lnRef>
+          <a:fillRef idx="3">
+            <a:schemeClr val="accent1"/>
+          </a:fillRef>
+          <a:effectRef idx="2">
+            <a:schemeClr val="accent1"/>
+          </a:effectRef>
+          <a:fontRef idx="minor"/>
+        </p:style>
+        <p:txBody>
+          <a:bodyPr lIns="90000" rIns="90000" tIns="45000" bIns="45000" anchor="ctr">
+            <a:noAutofit/>
+          </a:bodyPr>
+          <a:p>
+            <a:pPr>
+              <a:lnSpc>
+                <a:spcPct val="100000"/>
+              </a:lnSpc>
+            </a:pPr>
+            <a:r>
+              <a:rPr b="0" lang="en-US" sz="1400" spc="-1" strike="noStrike">
+                <a:solidFill>
+                  <a:schemeClr val="lt1"/>
+                </a:solidFill>
+                <a:latin typeface="Calibri"/>
+                <a:ea typeface="DejaVu Sans"/>
+              </a:rPr>
+              <a:t>Java’yı kurmanın birden fazla yolu vardır:</a:t>
+            </a:r>
+            <a:endParaRPr b="0" lang="en-US" sz="1400" spc="-1" strike="noStrike">
+              <a:solidFill>
+                <a:srgbClr val="ffffff"/>
+              </a:solidFill>
+              <a:latin typeface="Arial"/>
+            </a:endParaRPr>
+          </a:p>
+          <a:p>
+            <a:pPr>
+              <a:lnSpc>
+                <a:spcPct val="100000"/>
+              </a:lnSpc>
+            </a:pPr>
+            <a:r>
+              <a:rPr b="1" lang="en-US" sz="1400" spc="-1" strike="noStrike">
+                <a:solidFill>
+                  <a:schemeClr val="lt1"/>
+                </a:solidFill>
+                <a:latin typeface="Calibri"/>
+                <a:ea typeface="DejaVu Sans"/>
+              </a:rPr>
+              <a:t>• </a:t>
+            </a:r>
+            <a:r>
+              <a:rPr b="1" lang="en-US" sz="1400" spc="-1" strike="noStrike">
+                <a:solidFill>
+                  <a:schemeClr val="lt1"/>
+                </a:solidFill>
+                <a:latin typeface="Calibri"/>
+                <a:ea typeface="DejaVu Sans"/>
+              </a:rPr>
+              <a:t>Oracle JDK (Resmi dağıtım)</a:t>
+            </a:r>
+            <a:endParaRPr b="0" lang="en-US" sz="1400" spc="-1" strike="noStrike">
+              <a:solidFill>
+                <a:srgbClr val="ffffff"/>
+              </a:solidFill>
+              <a:latin typeface="Arial"/>
+            </a:endParaRPr>
+          </a:p>
+          <a:p>
+            <a:pPr>
+              <a:lnSpc>
+                <a:spcPct val="100000"/>
+              </a:lnSpc>
+            </a:pPr>
+            <a:r>
+              <a:rPr b="1" lang="en-US" sz="1400" spc="-1" strike="noStrike">
+                <a:solidFill>
+                  <a:schemeClr val="lt1"/>
+                </a:solidFill>
+                <a:latin typeface="Calibri"/>
+                <a:ea typeface="DejaVu Sans"/>
+              </a:rPr>
+              <a:t>• </a:t>
+            </a:r>
+            <a:r>
+              <a:rPr b="1" lang="en-US" sz="1400" spc="-1" strike="noStrike">
+                <a:solidFill>
+                  <a:schemeClr val="lt1"/>
+                </a:solidFill>
+                <a:latin typeface="Calibri"/>
+                <a:ea typeface="DejaVu Sans"/>
+              </a:rPr>
+              <a:t>OpenJDK (Açık kaynak sürüm)</a:t>
+            </a:r>
+            <a:endParaRPr b="0" lang="en-US" sz="1400" spc="-1" strike="noStrike">
+              <a:solidFill>
+                <a:srgbClr val="ffffff"/>
+              </a:solidFill>
+              <a:latin typeface="Arial"/>
+            </a:endParaRPr>
+          </a:p>
+          <a:p>
+            <a:pPr>
+              <a:lnSpc>
+                <a:spcPct val="100000"/>
+              </a:lnSpc>
+            </a:pPr>
+            <a:r>
+              <a:rPr b="1" lang="en-US" sz="1400" spc="-1" strike="noStrike">
+                <a:solidFill>
+                  <a:schemeClr val="lt1"/>
+                </a:solidFill>
+                <a:latin typeface="Calibri"/>
+                <a:ea typeface="DejaVu Sans"/>
+              </a:rPr>
+              <a:t>• </a:t>
+            </a:r>
+            <a:r>
+              <a:rPr b="1" lang="en-US" sz="1400" spc="-1" strike="noStrike">
+                <a:solidFill>
+                  <a:schemeClr val="lt1"/>
+                </a:solidFill>
+                <a:latin typeface="Calibri"/>
+                <a:ea typeface="DejaVu Sans"/>
+              </a:rPr>
+              <a:t>LTS (Uzun Süreli Destek) sürümleri</a:t>
+            </a:r>
+            <a:endParaRPr b="0" lang="en-US" sz="1400" spc="-1" strike="noStrike">
+              <a:solidFill>
+                <a:srgbClr val="ffffff"/>
+              </a:solidFill>
+              <a:latin typeface="Arial"/>
+            </a:endParaRPr>
+          </a:p>
+          <a:p>
+            <a:pPr>
+              <a:lnSpc>
+                <a:spcPct val="100000"/>
+              </a:lnSpc>
+            </a:pPr>
+            <a:r>
+              <a:rPr b="1" lang="en-US" sz="1400" spc="-1" strike="noStrike">
+                <a:solidFill>
+                  <a:schemeClr val="lt1"/>
+                </a:solidFill>
+                <a:latin typeface="Calibri"/>
+                <a:ea typeface="DejaVu Sans"/>
+              </a:rPr>
+              <a:t>• </a:t>
+            </a:r>
+            <a:r>
+              <a:rPr b="1" lang="en-US" sz="1400" spc="-1" strike="noStrike">
+                <a:solidFill>
+                  <a:schemeClr val="lt1"/>
+                </a:solidFill>
+                <a:latin typeface="Calibri"/>
+                <a:ea typeface="DejaVu Sans"/>
+              </a:rPr>
+              <a:t>LTS olmayan sürümler</a:t>
+            </a:r>
+            <a:endParaRPr b="0" lang="en-US" sz="1400" spc="-1" strike="noStrike">
+              <a:solidFill>
+                <a:srgbClr val="ffffff"/>
+              </a:solidFill>
+              <a:latin typeface="Arial"/>
+            </a:endParaRPr>
+          </a:p>
+          <a:p>
+            <a:pPr>
+              <a:lnSpc>
+                <a:spcPct val="100000"/>
+              </a:lnSpc>
+            </a:pPr>
+            <a:endParaRPr b="0" lang="en-US" sz="1400" spc="-1" strike="noStrike">
+              <a:solidFill>
+                <a:srgbClr val="ffffff"/>
+              </a:solidFill>
+              <a:latin typeface="Arial"/>
+            </a:endParaRPr>
+          </a:p>
+          <a:p>
+            <a:pPr>
+              <a:lnSpc>
+                <a:spcPct val="100000"/>
+              </a:lnSpc>
+            </a:pPr>
+            <a:r>
+              <a:rPr b="0" lang="en-US" sz="1400" spc="-1" strike="noStrike">
+                <a:solidFill>
+                  <a:schemeClr val="lt1"/>
+                </a:solidFill>
+                <a:latin typeface="Calibri"/>
+                <a:ea typeface="DejaVu Sans"/>
+              </a:rPr>
+              <a:t>LTS sürümleri (örneğin Java 17, 21) kararlılık ve uzun vadeli projeler için önerilir.</a:t>
+            </a:r>
+            <a:endParaRPr b="0" lang="en-US" sz="1400" spc="-1" strike="noStrike">
+              <a:solidFill>
+                <a:srgbClr val="ffffff"/>
+              </a:solidFill>
+              <a:latin typeface="Arial"/>
+            </a:endParaRPr>
+          </a:p>
+          <a:p>
+            <a:pPr>
+              <a:lnSpc>
+                <a:spcPct val="100000"/>
+              </a:lnSpc>
+            </a:pPr>
+            <a:r>
+              <a:rPr b="0" lang="en-US" sz="1400" spc="-1" strike="noStrike">
+                <a:solidFill>
+                  <a:schemeClr val="lt1"/>
+                </a:solidFill>
+                <a:latin typeface="Calibri"/>
+                <a:ea typeface="DejaVu Sans"/>
+              </a:rPr>
+              <a:t>Doğru dağıtımı seçmek; uyumluluk, güvenlik güncellemeleri ve uzun süreli destek sağlar.</a:t>
+            </a:r>
+            <a:endParaRPr b="0" lang="en-US" sz="1400" spc="-1" strike="noStrike">
+              <a:solidFill>
+                <a:srgbClr val="ffffff"/>
+              </a:solidFill>
+              <a:latin typeface="Arial"/>
+            </a:endParaRPr>
+          </a:p>
+        </p:txBody>
+      </p:sp>
+      <p:sp>
+        <p:nvSpPr>
+          <p:cNvPr id="434" name="Rounded Rectangle 67"/>
+          <p:cNvSpPr/>
+          <p:nvPr/>
+        </p:nvSpPr>
+        <p:spPr>
+          <a:xfrm>
+            <a:off x="4507920" y="3182040"/>
+            <a:ext cx="3290040" cy="2741400"/>
+          </a:xfrm>
+          <a:prstGeom prst="roundRect">
+            <a:avLst>
+              <a:gd name="adj" fmla="val 16667"/>
+            </a:avLst>
+          </a:prstGeom>
+          <a:solidFill>
+            <a:srgbClr val="08080a"/>
+          </a:solidFill>
+          <a:ln>
+            <a:noFill/>
+          </a:ln>
+          <a:effectLst>
+            <a:outerShdw blurRad="39960" dir="5400000" dist="23040" rotWithShape="0">
+              <a:srgbClr val="000000">
+                <a:alpha val="35000"/>
+              </a:srgbClr>
+            </a:outerShdw>
+          </a:effectLst>
+        </p:spPr>
+        <p:style>
+          <a:lnRef idx="1">
+            <a:schemeClr val="accent1"/>
+          </a:lnRef>
+          <a:fillRef idx="3">
+            <a:schemeClr val="accent1"/>
+          </a:fillRef>
+          <a:effectRef idx="2">
+            <a:schemeClr val="accent1"/>
+          </a:effectRef>
+          <a:fontRef idx="minor"/>
+        </p:style>
+        <p:txBody>
+          <a:bodyPr lIns="90000" rIns="90000" tIns="45000" bIns="45000" anchor="ctr">
+            <a:noAutofit/>
+          </a:bodyPr>
+          <a:p>
+            <a:endParaRPr b="0" lang="en-US" sz="1800" spc="-1" strike="noStrike">
+              <a:solidFill>
+                <a:schemeClr val="lt1"/>
+              </a:solidFill>
+              <a:latin typeface="Calibri"/>
+              <a:ea typeface="DejaVu Sans"/>
+            </a:endParaRPr>
+          </a:p>
+        </p:txBody>
+      </p:sp>
+      <p:sp>
+        <p:nvSpPr>
+          <p:cNvPr id="435" name="Rounded Rectangle 68"/>
+          <p:cNvSpPr/>
+          <p:nvPr/>
+        </p:nvSpPr>
+        <p:spPr>
+          <a:xfrm>
+            <a:off x="4434840" y="3108960"/>
+            <a:ext cx="3290040" cy="2741400"/>
+          </a:xfrm>
+          <a:prstGeom prst="roundRect">
+            <a:avLst>
+              <a:gd name="adj" fmla="val 16667"/>
+            </a:avLst>
+          </a:prstGeom>
+          <a:solidFill>
+            <a:srgbClr val="16161c"/>
+          </a:solidFill>
+          <a:ln>
+            <a:solidFill>
+              <a:srgbClr val="464655"/>
+            </a:solidFill>
+            <a:round/>
+          </a:ln>
+          <a:effectLst>
+            <a:outerShdw blurRad="39960" dir="5400000" dist="23040" rotWithShape="0">
+              <a:srgbClr val="000000">
+                <a:alpha val="35000"/>
+              </a:srgbClr>
+            </a:outerShdw>
+          </a:effectLst>
+        </p:spPr>
+        <p:style>
+          <a:lnRef idx="1">
+            <a:schemeClr val="accent1"/>
+          </a:lnRef>
+          <a:fillRef idx="3">
+            <a:schemeClr val="accent1"/>
+          </a:fillRef>
+          <a:effectRef idx="2">
+            <a:schemeClr val="accent1"/>
+          </a:effectRef>
+          <a:fontRef idx="minor"/>
+        </p:style>
+        <p:txBody>
+          <a:bodyPr lIns="90000" rIns="90000" tIns="45000" bIns="45000" anchor="ctr">
+            <a:noAutofit/>
+          </a:bodyPr>
+          <a:p>
+            <a:pPr>
+              <a:lnSpc>
+                <a:spcPct val="100000"/>
+              </a:lnSpc>
+            </a:pPr>
+            <a:r>
+              <a:rPr b="0" lang="en-US" sz="1600" spc="-1" strike="noStrike">
+                <a:solidFill>
+                  <a:schemeClr val="lt1"/>
+                </a:solidFill>
+                <a:latin typeface="Calibri"/>
+                <a:ea typeface="DejaVu Sans"/>
+              </a:rPr>
+              <a:t>Sürüm Seç</a:t>
+            </a:r>
+            <a:endParaRPr b="0" lang="en-US" sz="1600" spc="-1" strike="noStrike">
+              <a:solidFill>
+                <a:srgbClr val="ffffff"/>
+              </a:solidFill>
+              <a:latin typeface="Arial"/>
+            </a:endParaRPr>
+          </a:p>
+          <a:p>
+            <a:pPr>
+              <a:lnSpc>
+                <a:spcPct val="100000"/>
+              </a:lnSpc>
+            </a:pPr>
+            <a:r>
+              <a:rPr b="0" lang="en-US" sz="1600" spc="-1" strike="noStrike">
+                <a:solidFill>
+                  <a:schemeClr val="lt1"/>
+                </a:solidFill>
+                <a:latin typeface="Calibri"/>
+                <a:ea typeface="DejaVu Sans"/>
+              </a:rPr>
+              <a:t>↓</a:t>
+            </a:r>
+            <a:endParaRPr b="0" lang="en-US" sz="1600" spc="-1" strike="noStrike">
+              <a:solidFill>
+                <a:srgbClr val="ffffff"/>
+              </a:solidFill>
+              <a:latin typeface="Arial"/>
+            </a:endParaRPr>
+          </a:p>
+          <a:p>
+            <a:pPr>
+              <a:lnSpc>
+                <a:spcPct val="100000"/>
+              </a:lnSpc>
+            </a:pPr>
+            <a:r>
+              <a:rPr b="0" lang="en-US" sz="1600" spc="-1" strike="noStrike">
+                <a:solidFill>
+                  <a:schemeClr val="lt1"/>
+                </a:solidFill>
+                <a:latin typeface="Calibri"/>
+                <a:ea typeface="DejaVu Sans"/>
+              </a:rPr>
+              <a:t>Dağıtımı İndir</a:t>
+            </a:r>
+            <a:endParaRPr b="0" lang="en-US" sz="1600" spc="-1" strike="noStrike">
+              <a:solidFill>
+                <a:srgbClr val="ffffff"/>
+              </a:solidFill>
+              <a:latin typeface="Arial"/>
+            </a:endParaRPr>
+          </a:p>
+          <a:p>
+            <a:pPr>
+              <a:lnSpc>
+                <a:spcPct val="100000"/>
+              </a:lnSpc>
+            </a:pPr>
+            <a:r>
+              <a:rPr b="0" lang="en-US" sz="1600" spc="-1" strike="noStrike">
+                <a:solidFill>
+                  <a:schemeClr val="lt1"/>
+                </a:solidFill>
+                <a:latin typeface="Calibri"/>
+                <a:ea typeface="DejaVu Sans"/>
+              </a:rPr>
+              <a:t>↓</a:t>
+            </a:r>
+            <a:endParaRPr b="0" lang="en-US" sz="1600" spc="-1" strike="noStrike">
+              <a:solidFill>
+                <a:srgbClr val="ffffff"/>
+              </a:solidFill>
+              <a:latin typeface="Arial"/>
+            </a:endParaRPr>
+          </a:p>
+          <a:p>
+            <a:pPr>
+              <a:lnSpc>
+                <a:spcPct val="100000"/>
+              </a:lnSpc>
+            </a:pPr>
+            <a:r>
+              <a:rPr b="0" lang="en-US" sz="1600" spc="-1" strike="noStrike">
+                <a:solidFill>
+                  <a:schemeClr val="lt1"/>
+                </a:solidFill>
+                <a:latin typeface="Calibri"/>
+                <a:ea typeface="DejaVu Sans"/>
+              </a:rPr>
+              <a:t>JDK’yı Kur</a:t>
+            </a:r>
+            <a:endParaRPr b="0" lang="en-US" sz="1600" spc="-1" strike="noStrike">
+              <a:solidFill>
+                <a:srgbClr val="ffffff"/>
+              </a:solidFill>
+              <a:latin typeface="Arial"/>
+            </a:endParaRPr>
+          </a:p>
+          <a:p>
+            <a:pPr>
+              <a:lnSpc>
+                <a:spcPct val="100000"/>
+              </a:lnSpc>
+            </a:pPr>
+            <a:r>
+              <a:rPr b="0" lang="en-US" sz="1600" spc="-1" strike="noStrike">
+                <a:solidFill>
+                  <a:schemeClr val="lt1"/>
+                </a:solidFill>
+                <a:latin typeface="Calibri"/>
+                <a:ea typeface="DejaVu Sans"/>
+              </a:rPr>
+              <a:t>↓</a:t>
+            </a:r>
+            <a:endParaRPr b="0" lang="en-US" sz="1600" spc="-1" strike="noStrike">
+              <a:solidFill>
+                <a:srgbClr val="ffffff"/>
+              </a:solidFill>
+              <a:latin typeface="Arial"/>
+            </a:endParaRPr>
+          </a:p>
+          <a:p>
+            <a:pPr>
+              <a:lnSpc>
+                <a:spcPct val="100000"/>
+              </a:lnSpc>
+            </a:pPr>
+            <a:r>
+              <a:rPr b="0" lang="en-US" sz="1600" spc="-1" strike="noStrike">
+                <a:solidFill>
+                  <a:schemeClr val="lt1"/>
+                </a:solidFill>
+                <a:latin typeface="Calibri"/>
+                <a:ea typeface="DejaVu Sans"/>
+              </a:rPr>
+              <a:t>JAVA_HOME Ayarla</a:t>
+            </a:r>
+            <a:endParaRPr b="0" lang="en-US" sz="1600" spc="-1" strike="noStrike">
+              <a:solidFill>
+                <a:srgbClr val="ffffff"/>
+              </a:solidFill>
+              <a:latin typeface="Arial"/>
+            </a:endParaRPr>
+          </a:p>
+          <a:p>
+            <a:pPr>
+              <a:lnSpc>
+                <a:spcPct val="100000"/>
+              </a:lnSpc>
+            </a:pPr>
+            <a:r>
+              <a:rPr b="0" lang="en-US" sz="1600" spc="-1" strike="noStrike">
+                <a:solidFill>
+                  <a:schemeClr val="lt1"/>
+                </a:solidFill>
+                <a:latin typeface="Calibri"/>
+                <a:ea typeface="DejaVu Sans"/>
+              </a:rPr>
+              <a:t>↓</a:t>
+            </a:r>
+            <a:endParaRPr b="0" lang="en-US" sz="1600" spc="-1" strike="noStrike">
+              <a:solidFill>
+                <a:srgbClr val="ffffff"/>
+              </a:solidFill>
+              <a:latin typeface="Arial"/>
+            </a:endParaRPr>
+          </a:p>
+          <a:p>
+            <a:pPr>
+              <a:lnSpc>
+                <a:spcPct val="100000"/>
+              </a:lnSpc>
+            </a:pPr>
+            <a:r>
+              <a:rPr b="0" lang="en-US" sz="1600" spc="-1" strike="noStrike">
+                <a:solidFill>
+                  <a:schemeClr val="lt1"/>
+                </a:solidFill>
+                <a:latin typeface="Calibri"/>
+                <a:ea typeface="DejaVu Sans"/>
+              </a:rPr>
+              <a:t>PATH Güncelle</a:t>
+            </a:r>
+            <a:endParaRPr b="0" lang="en-US" sz="1600" spc="-1" strike="noStrike">
+              <a:solidFill>
+                <a:srgbClr val="ffffff"/>
+              </a:solidFill>
+              <a:latin typeface="Arial"/>
+            </a:endParaRPr>
+          </a:p>
+          <a:p>
+            <a:pPr>
+              <a:lnSpc>
+                <a:spcPct val="100000"/>
+              </a:lnSpc>
+            </a:pPr>
+            <a:r>
+              <a:rPr b="0" lang="en-US" sz="1600" spc="-1" strike="noStrike">
+                <a:solidFill>
+                  <a:schemeClr val="lt1"/>
+                </a:solidFill>
+                <a:latin typeface="Calibri"/>
+                <a:ea typeface="DejaVu Sans"/>
+              </a:rPr>
+              <a:t>↓</a:t>
+            </a:r>
+            <a:endParaRPr b="0" lang="en-US" sz="1600" spc="-1" strike="noStrike">
+              <a:solidFill>
+                <a:srgbClr val="ffffff"/>
+              </a:solidFill>
+              <a:latin typeface="Arial"/>
+            </a:endParaRPr>
+          </a:p>
+          <a:p>
+            <a:pPr>
+              <a:lnSpc>
+                <a:spcPct val="100000"/>
+              </a:lnSpc>
+            </a:pPr>
+            <a:r>
+              <a:rPr b="0" lang="en-US" sz="1600" spc="-1" strike="noStrike">
+                <a:solidFill>
+                  <a:schemeClr val="lt1"/>
+                </a:solidFill>
+                <a:latin typeface="Calibri"/>
+                <a:ea typeface="DejaVu Sans"/>
+              </a:rPr>
+              <a:t>Kurulumu Doğrula</a:t>
+            </a:r>
+            <a:endParaRPr b="0" lang="en-US" sz="1600" spc="-1" strike="noStrike">
+              <a:solidFill>
+                <a:srgbClr val="ffffff"/>
+              </a:solidFill>
+              <a:latin typeface="Arial"/>
+            </a:endParaRPr>
+          </a:p>
+        </p:txBody>
+      </p:sp>
+      <p:sp>
+        <p:nvSpPr>
+          <p:cNvPr id="436" name="Rounded Rectangle 69"/>
+          <p:cNvSpPr/>
+          <p:nvPr/>
+        </p:nvSpPr>
+        <p:spPr>
+          <a:xfrm>
+            <a:off x="8028360" y="3182040"/>
+            <a:ext cx="3290040" cy="2741400"/>
+          </a:xfrm>
+          <a:prstGeom prst="roundRect">
+            <a:avLst>
+              <a:gd name="adj" fmla="val 16667"/>
+            </a:avLst>
+          </a:prstGeom>
+          <a:solidFill>
+            <a:srgbClr val="08080a"/>
+          </a:solidFill>
+          <a:ln>
+            <a:noFill/>
+          </a:ln>
+          <a:effectLst>
+            <a:outerShdw blurRad="39960" dir="5400000" dist="23040" rotWithShape="0">
+              <a:srgbClr val="000000">
+                <a:alpha val="35000"/>
+              </a:srgbClr>
+            </a:outerShdw>
+          </a:effectLst>
+        </p:spPr>
+        <p:style>
+          <a:lnRef idx="1">
+            <a:schemeClr val="accent1"/>
+          </a:lnRef>
+          <a:fillRef idx="3">
+            <a:schemeClr val="accent1"/>
+          </a:fillRef>
+          <a:effectRef idx="2">
+            <a:schemeClr val="accent1"/>
+          </a:effectRef>
+          <a:fontRef idx="minor"/>
+        </p:style>
+        <p:txBody>
+          <a:bodyPr lIns="90000" rIns="90000" tIns="45000" bIns="45000" anchor="ctr">
+            <a:noAutofit/>
+          </a:bodyPr>
+          <a:p>
+            <a:endParaRPr b="0" lang="en-US" sz="1800" spc="-1" strike="noStrike">
+              <a:solidFill>
+                <a:schemeClr val="lt1"/>
+              </a:solidFill>
+              <a:latin typeface="Calibri"/>
+              <a:ea typeface="DejaVu Sans"/>
+            </a:endParaRPr>
+          </a:p>
+        </p:txBody>
+      </p:sp>
+      <p:sp>
+        <p:nvSpPr>
+          <p:cNvPr id="437" name="Rounded Rectangle 70"/>
+          <p:cNvSpPr/>
+          <p:nvPr/>
+        </p:nvSpPr>
+        <p:spPr>
+          <a:xfrm>
+            <a:off x="7955280" y="3108960"/>
+            <a:ext cx="3290040" cy="2741400"/>
+          </a:xfrm>
+          <a:prstGeom prst="roundRect">
+            <a:avLst>
+              <a:gd name="adj" fmla="val 16667"/>
+            </a:avLst>
+          </a:prstGeom>
+          <a:solidFill>
+            <a:srgbClr val="16161c"/>
+          </a:solidFill>
+          <a:ln>
+            <a:solidFill>
+              <a:srgbClr val="464655"/>
+            </a:solidFill>
+            <a:round/>
+          </a:ln>
+          <a:effectLst>
+            <a:outerShdw blurRad="39960" dir="5400000" dist="23040" rotWithShape="0">
+              <a:srgbClr val="000000">
+                <a:alpha val="35000"/>
+              </a:srgbClr>
+            </a:outerShdw>
+          </a:effectLst>
+        </p:spPr>
+        <p:style>
+          <a:lnRef idx="1">
+            <a:schemeClr val="accent1"/>
+          </a:lnRef>
+          <a:fillRef idx="3">
+            <a:schemeClr val="accent1"/>
+          </a:fillRef>
+          <a:effectRef idx="2">
+            <a:schemeClr val="accent1"/>
+          </a:effectRef>
+          <a:fontRef idx="minor"/>
+        </p:style>
+        <p:txBody>
+          <a:bodyPr lIns="90000" rIns="90000" tIns="45000" bIns="45000" anchor="ctr">
+            <a:noAutofit/>
+          </a:bodyPr>
+          <a:p>
+            <a:pPr algn="ctr">
+              <a:lnSpc>
+                <a:spcPct val="100000"/>
+              </a:lnSpc>
+            </a:pPr>
+            <a:endParaRPr b="0" lang="en-US" sz="1500" spc="-1" strike="noStrike">
+              <a:solidFill>
+                <a:srgbClr val="ffffff"/>
+              </a:solidFill>
+              <a:latin typeface="Arial"/>
+            </a:endParaRPr>
+          </a:p>
+          <a:p>
+            <a:pPr algn="ctr">
+              <a:lnSpc>
+                <a:spcPct val="100000"/>
+              </a:lnSpc>
+            </a:pPr>
+            <a:r>
+              <a:rPr b="0" lang="en-US" sz="1500" spc="-1" strike="noStrike">
+                <a:solidFill>
+                  <a:srgbClr val="78ffc8"/>
+                </a:solidFill>
+                <a:latin typeface="Consolas"/>
+                <a:ea typeface="DejaVu Sans"/>
+              </a:rPr>
+              <a:t>Windows:</a:t>
+            </a:r>
+            <a:br>
+              <a:rPr sz="1500"/>
+            </a:br>
+            <a:r>
+              <a:rPr b="0" lang="en-US" sz="1500" spc="-1" strike="noStrike">
+                <a:solidFill>
+                  <a:srgbClr val="78ffc8"/>
+                </a:solidFill>
+                <a:latin typeface="Consolas"/>
+                <a:ea typeface="DejaVu Sans"/>
+              </a:rPr>
+              <a:t>where java</a:t>
+            </a:r>
+            <a:endParaRPr b="0" lang="en-US" sz="1500" spc="-1" strike="noStrike">
+              <a:solidFill>
+                <a:srgbClr val="ffffff"/>
+              </a:solidFill>
+              <a:latin typeface="Arial"/>
+            </a:endParaRPr>
+          </a:p>
+          <a:p>
+            <a:pPr algn="ctr">
+              <a:lnSpc>
+                <a:spcPct val="100000"/>
+              </a:lnSpc>
+            </a:pPr>
+            <a:r>
+              <a:rPr b="0" lang="en-US" sz="1500" spc="-1" strike="noStrike">
+                <a:solidFill>
+                  <a:srgbClr val="78ffc8"/>
+                </a:solidFill>
+                <a:latin typeface="Consolas"/>
+                <a:ea typeface="DejaVu Sans"/>
+              </a:rPr>
+              <a:t>where javac</a:t>
+            </a:r>
+            <a:br>
+              <a:rPr sz="1500"/>
+            </a:br>
+            <a:br>
+              <a:rPr sz="1500"/>
+            </a:br>
+            <a:r>
+              <a:rPr b="0" lang="en-US" sz="1500" spc="-1" strike="noStrike">
+                <a:solidFill>
+                  <a:srgbClr val="78ffc8"/>
+                </a:solidFill>
+                <a:latin typeface="Consolas"/>
+                <a:ea typeface="DejaVu Sans"/>
+              </a:rPr>
+              <a:t>Linux:</a:t>
+            </a:r>
+            <a:br>
+              <a:rPr sz="1500"/>
+            </a:br>
+            <a:r>
+              <a:rPr b="0" lang="en-US" sz="1500" spc="-1" strike="noStrike">
+                <a:solidFill>
+                  <a:srgbClr val="78ffc8"/>
+                </a:solidFill>
+                <a:latin typeface="Consolas"/>
+                <a:ea typeface="DejaVu Sans"/>
+              </a:rPr>
+              <a:t>which java</a:t>
+            </a:r>
+            <a:endParaRPr b="0" lang="en-US" sz="1500" spc="-1" strike="noStrike">
+              <a:solidFill>
+                <a:srgbClr val="ffffff"/>
+              </a:solidFill>
+              <a:latin typeface="Arial"/>
+            </a:endParaRPr>
+          </a:p>
+          <a:p>
+            <a:pPr algn="ctr">
+              <a:lnSpc>
+                <a:spcPct val="100000"/>
+              </a:lnSpc>
+            </a:pPr>
+            <a:r>
+              <a:rPr b="0" lang="en-US" sz="1500" spc="-1" strike="noStrike">
+                <a:solidFill>
+                  <a:srgbClr val="78ffc8"/>
+                </a:solidFill>
+                <a:latin typeface="Consolas"/>
+                <a:ea typeface="DejaVu Sans"/>
+              </a:rPr>
+              <a:t>which javac</a:t>
+            </a:r>
+            <a:endParaRPr b="0" lang="en-US" sz="1500" spc="-1" strike="noStrike">
+              <a:solidFill>
+                <a:srgbClr val="ffffff"/>
+              </a:solidFill>
+              <a:latin typeface="Arial"/>
+            </a:endParaRPr>
+          </a:p>
+          <a:p>
+            <a:pPr algn="ctr">
+              <a:lnSpc>
+                <a:spcPct val="100000"/>
+              </a:lnSpc>
+            </a:pPr>
+            <a:br>
+              <a:rPr sz="1500"/>
+            </a:br>
+            <a:r>
+              <a:rPr b="0" lang="en-US" sz="1500" spc="-1" strike="noStrike">
+                <a:solidFill>
+                  <a:srgbClr val="78ffc8"/>
+                </a:solidFill>
+                <a:latin typeface="Consolas"/>
+                <a:ea typeface="DejaVu Sans"/>
+              </a:rPr>
+              <a:t>Detaylı sürüm bilgisi kontrolü:</a:t>
+            </a:r>
+            <a:br>
+              <a:rPr sz="1500"/>
+            </a:br>
+            <a:r>
+              <a:rPr b="0" lang="en-US" sz="1500" spc="-1" strike="noStrike">
+                <a:solidFill>
+                  <a:srgbClr val="78ffc8"/>
+                </a:solidFill>
+                <a:latin typeface="Consolas"/>
+                <a:ea typeface="DejaVu Sans"/>
+              </a:rPr>
+              <a:t>java -version</a:t>
+            </a:r>
+            <a:endParaRPr b="0" lang="en-US" sz="1500" spc="-1" strike="noStrike">
+              <a:solidFill>
+                <a:srgbClr val="ffffff"/>
+              </a:solidFill>
+              <a:latin typeface="Arial"/>
+            </a:endParaRPr>
+          </a:p>
+          <a:p>
+            <a:pPr algn="ctr">
+              <a:lnSpc>
+                <a:spcPct val="100000"/>
+              </a:lnSpc>
+            </a:pPr>
+            <a:r>
+              <a:rPr b="0" lang="en-US" sz="1500" spc="-1" strike="noStrike">
+                <a:solidFill>
+                  <a:srgbClr val="78ffc8"/>
+                </a:solidFill>
+                <a:latin typeface="Consolas"/>
+                <a:ea typeface="DejaVu Sans"/>
+              </a:rPr>
+              <a:t>javac -version</a:t>
+            </a:r>
+            <a:endParaRPr b="0" lang="en-US" sz="1500" spc="-1" strike="noStrike">
+              <a:solidFill>
+                <a:srgbClr val="ffffff"/>
+              </a:solidFill>
+              <a:latin typeface="Arial"/>
+            </a:endParaRPr>
+          </a:p>
+          <a:p>
+            <a:pPr algn="ctr">
+              <a:lnSpc>
+                <a:spcPct val="100000"/>
+              </a:lnSpc>
+            </a:pPr>
+            <a:endParaRPr b="0" lang="en-US" sz="1500" spc="-1" strike="noStrike">
+              <a:solidFill>
+                <a:srgbClr val="ffffff"/>
+              </a:solidFill>
+              <a:latin typeface="Arial"/>
+            </a:endParaRPr>
+          </a:p>
+        </p:txBody>
+      </p:sp>
+      <p:sp>
+        <p:nvSpPr>
+          <p:cNvPr id="438" name="TextBox 30"/>
+          <p:cNvSpPr/>
+          <p:nvPr/>
+        </p:nvSpPr>
+        <p:spPr>
+          <a:xfrm>
+            <a:off x="4600080" y="6446520"/>
+            <a:ext cx="3051000" cy="363960"/>
           </a:xfrm>
           <a:prstGeom prst="rect">
             <a:avLst/>

--- a/Java/Java #2/TR/Java #2.pptx
+++ b/Java/Java #2/TR/Java #2.pptx
@@ -19,6 +19,7 @@
     <p:sldId id="263" r:id="rId14"/>
     <p:sldId id="264" r:id="rId15"/>
     <p:sldId id="265" r:id="rId16"/>
+    <p:sldId id="266" r:id="rId17"/>
   </p:sldIdLst>
   <p:sldSz cx="9144000" cy="6858000"/>
   <p:notesSz cx="7772400" cy="10058400"/>
@@ -76,7 +77,7 @@
         <p:txBody>
           <a:bodyPr/>
           <a:p>
-            <a:fld id="{ED28D025-19E0-4AE9-B3C1-285FBC6411D3}" type="slidenum">
+            <a:fld id="{C9F13BDF-A501-40A3-9C73-4D79C0255A36}" type="slidenum">
               <a:t>&lt;#&gt;</a:t>
             </a:fld>
           </a:p>
@@ -285,7 +286,7 @@
         <p:txBody>
           <a:bodyPr/>
           <a:p>
-            <a:fld id="{895377CF-1077-42CD-848D-59D5B1D89189}" type="slidenum">
+            <a:fld id="{E9FF2BF2-61B6-4B65-93CF-1022F2A2AD66}" type="slidenum">
               <a:t>&lt;#&gt;</a:t>
             </a:fld>
           </a:p>
@@ -580,7 +581,7 @@
         <p:txBody>
           <a:bodyPr/>
           <a:p>
-            <a:fld id="{790A1789-B44F-4A9A-8BC7-A64DAF04E262}" type="slidenum">
+            <a:fld id="{B0F6D821-C676-47DA-9EDE-71CC78B45587}" type="slidenum">
               <a:t>&lt;#&gt;</a:t>
             </a:fld>
           </a:p>
@@ -961,7 +962,7 @@
         <p:txBody>
           <a:bodyPr/>
           <a:p>
-            <a:fld id="{EBF5456D-A539-40F8-8B3C-D625854E0DCD}" type="slidenum">
+            <a:fld id="{2EB6694F-D842-4528-BF0D-B46D1950B127}" type="slidenum">
               <a:t>&lt;#&gt;</a:t>
             </a:fld>
           </a:p>
@@ -1044,7 +1045,7 @@
         <p:txBody>
           <a:bodyPr/>
           <a:p>
-            <a:fld id="{D245FB99-404E-4B08-9237-A12BDA0A658C}" type="slidenum">
+            <a:fld id="{CFE02ACF-356C-4E4C-B440-341E2091D063}" type="slidenum">
               <a:t>&lt;#&gt;</a:t>
             </a:fld>
           </a:p>
@@ -1207,7 +1208,7 @@
         <p:txBody>
           <a:bodyPr/>
           <a:p>
-            <a:fld id="{BB50B8D5-CB09-4EF2-BCB1-6432CCE2D002}" type="slidenum">
+            <a:fld id="{FDCA4EB8-6870-4C63-B05C-CED2FE19DDD4}" type="slidenum">
               <a:t>&lt;#&gt;</a:t>
             </a:fld>
           </a:p>
@@ -1373,7 +1374,7 @@
         <p:txBody>
           <a:bodyPr/>
           <a:p>
-            <a:fld id="{51FFF644-ABF2-4F3F-A43C-2FE187F4945A}" type="slidenum">
+            <a:fld id="{ECF17AD0-CF1F-4556-AF66-E5093DB62F41}" type="slidenum">
               <a:t>&lt;#&gt;</a:t>
             </a:fld>
           </a:p>
@@ -1582,7 +1583,7 @@
         <p:txBody>
           <a:bodyPr/>
           <a:p>
-            <a:fld id="{306BB96C-599C-43A6-AF0A-E1D6113E6A06}" type="slidenum">
+            <a:fld id="{98FA44F7-3D69-4B3B-80FE-E7A1B9644DAA}" type="slidenum">
               <a:t>&lt;#&gt;</a:t>
             </a:fld>
           </a:p>
@@ -1705,7 +1706,7 @@
         <p:txBody>
           <a:bodyPr/>
           <a:p>
-            <a:fld id="{DE8DB74A-1FC5-4734-B683-2D455B0EF7B5}" type="slidenum">
+            <a:fld id="{3DB93D80-641F-479F-B694-F45850A1F7B2}" type="slidenum">
               <a:t>&lt;#&gt;</a:t>
             </a:fld>
           </a:p>
@@ -1826,7 +1827,7 @@
         <p:txBody>
           <a:bodyPr/>
           <a:p>
-            <a:fld id="{8E4373A9-D7AC-47F8-9942-7DA09738EF56}" type="slidenum">
+            <a:fld id="{4C6EBAC9-ABB9-41C3-A2BA-1115B9CD9284}" type="slidenum">
               <a:t>&lt;#&gt;</a:t>
             </a:fld>
           </a:p>
@@ -2078,7 +2079,7 @@
         <p:txBody>
           <a:bodyPr/>
           <a:p>
-            <a:fld id="{42BB532C-055D-4023-BB57-59897885B738}" type="slidenum">
+            <a:fld id="{9582CA37-B20C-4A43-A72C-067E4C91F895}" type="slidenum">
               <a:t>&lt;#&gt;</a:t>
             </a:fld>
           </a:p>
@@ -2241,7 +2242,7 @@
         <p:txBody>
           <a:bodyPr/>
           <a:p>
-            <a:fld id="{96D96CA3-F7E9-4B5B-9887-4B87C64A59CC}" type="slidenum">
+            <a:fld id="{A802CE75-7261-4948-816F-80F2A8EAE90E}" type="slidenum">
               <a:t>&lt;#&gt;</a:t>
             </a:fld>
           </a:p>
@@ -2493,7 +2494,7 @@
         <p:txBody>
           <a:bodyPr/>
           <a:p>
-            <a:fld id="{F05D4FC1-BAF3-48CD-871B-C6DFA3A09488}" type="slidenum">
+            <a:fld id="{9C4CC1AA-BAE8-48E1-ABDB-E0279366AEA6}" type="slidenum">
               <a:t>&lt;#&gt;</a:t>
             </a:fld>
           </a:p>
@@ -2745,7 +2746,7 @@
         <p:txBody>
           <a:bodyPr/>
           <a:p>
-            <a:fld id="{EEB8E50B-9FE3-4859-A072-718A33FEB2D7}" type="slidenum">
+            <a:fld id="{467D1A31-D23F-43A4-8217-F44F96DF636F}" type="slidenum">
               <a:t>&lt;#&gt;</a:t>
             </a:fld>
           </a:p>
@@ -2954,7 +2955,7 @@
         <p:txBody>
           <a:bodyPr/>
           <a:p>
-            <a:fld id="{2707C49A-B9A7-42C0-B646-4196438A4776}" type="slidenum">
+            <a:fld id="{792FC342-800C-42EC-A6A5-E034F31D8DD9}" type="slidenum">
               <a:t>&lt;#&gt;</a:t>
             </a:fld>
           </a:p>
@@ -3249,7 +3250,7 @@
         <p:txBody>
           <a:bodyPr/>
           <a:p>
-            <a:fld id="{14DCE0C0-8DDD-4124-A88A-B966C0DAE10A}" type="slidenum">
+            <a:fld id="{75720219-FD73-43FB-8AD2-0A912EF51FD7}" type="slidenum">
               <a:t>&lt;#&gt;</a:t>
             </a:fld>
           </a:p>
@@ -3630,7 +3631,7 @@
         <p:txBody>
           <a:bodyPr/>
           <a:p>
-            <a:fld id="{58C58A09-2CA3-478B-B86C-66FA661A2C3D}" type="slidenum">
+            <a:fld id="{9D5EB93C-9A11-4007-BACB-54266A7B52E8}" type="slidenum">
               <a:t>&lt;#&gt;</a:t>
             </a:fld>
           </a:p>
@@ -3713,7 +3714,7 @@
         <p:txBody>
           <a:bodyPr/>
           <a:p>
-            <a:fld id="{9E7507FD-2DFA-4D82-AA9C-01CE4F3D3274}" type="slidenum">
+            <a:fld id="{36FDB207-8D1D-4A84-B5A4-8A56A902B531}" type="slidenum">
               <a:t>&lt;#&gt;</a:t>
             </a:fld>
           </a:p>
@@ -3876,7 +3877,7 @@
         <p:txBody>
           <a:bodyPr/>
           <a:p>
-            <a:fld id="{0BD3B548-C674-4EB2-8320-A64A498A739D}" type="slidenum">
+            <a:fld id="{6483D7A5-5328-4F41-AB60-D6FBA7E90D4B}" type="slidenum">
               <a:t>&lt;#&gt;</a:t>
             </a:fld>
           </a:p>
@@ -4042,7 +4043,7 @@
         <p:txBody>
           <a:bodyPr/>
           <a:p>
-            <a:fld id="{3707C5DE-604B-4FB8-ACFE-CCC5E8F95AD0}" type="slidenum">
+            <a:fld id="{E79268CA-96A7-4B1A-BB09-BCC38E276CF2}" type="slidenum">
               <a:t>&lt;#&gt;</a:t>
             </a:fld>
           </a:p>
@@ -4251,7 +4252,7 @@
         <p:txBody>
           <a:bodyPr/>
           <a:p>
-            <a:fld id="{200A3031-1D4C-439A-8D0F-F22BFDFF1A12}" type="slidenum">
+            <a:fld id="{C55D3F03-66C9-4B28-BB06-94BED8A3EC79}" type="slidenum">
               <a:t>&lt;#&gt;</a:t>
             </a:fld>
           </a:p>
@@ -4374,7 +4375,7 @@
         <p:txBody>
           <a:bodyPr/>
           <a:p>
-            <a:fld id="{4E1273BE-42B6-4180-AC82-EC665E97CF0E}" type="slidenum">
+            <a:fld id="{8A23B208-673B-4A90-84A0-6D022902E231}" type="slidenum">
               <a:t>&lt;#&gt;</a:t>
             </a:fld>
           </a:p>
@@ -4540,7 +4541,7 @@
         <p:txBody>
           <a:bodyPr/>
           <a:p>
-            <a:fld id="{C24AD53D-9BB3-4D60-A963-B4A362EA792E}" type="slidenum">
+            <a:fld id="{1AC78EA3-548D-4CFC-BDAB-C3B6DD9B2865}" type="slidenum">
               <a:t>&lt;#&gt;</a:t>
             </a:fld>
           </a:p>
@@ -4661,7 +4662,7 @@
         <p:txBody>
           <a:bodyPr/>
           <a:p>
-            <a:fld id="{193403CD-B2C9-4A5A-A0D7-5E53EB9A9E23}" type="slidenum">
+            <a:fld id="{083B8C7E-5716-4090-8032-B62771C1CA33}" type="slidenum">
               <a:t>&lt;#&gt;</a:t>
             </a:fld>
           </a:p>
@@ -4913,7 +4914,7 @@
         <p:txBody>
           <a:bodyPr/>
           <a:p>
-            <a:fld id="{3872F20E-3707-4E8E-A120-B6FACDD3523A}" type="slidenum">
+            <a:fld id="{0CF7A166-3ADC-4B46-B1E1-854BB5F19A11}" type="slidenum">
               <a:t>&lt;#&gt;</a:t>
             </a:fld>
           </a:p>
@@ -5165,7 +5166,7 @@
         <p:txBody>
           <a:bodyPr/>
           <a:p>
-            <a:fld id="{016FF69A-B3E1-44BF-A2F0-1D7E4462D7A2}" type="slidenum">
+            <a:fld id="{CD83474D-6BEA-42C1-A2F7-F99AD6FF76C7}" type="slidenum">
               <a:t>&lt;#&gt;</a:t>
             </a:fld>
           </a:p>
@@ -5417,7 +5418,7 @@
         <p:txBody>
           <a:bodyPr/>
           <a:p>
-            <a:fld id="{387DF8B2-5F92-4D45-A48E-8A89349C1DD0}" type="slidenum">
+            <a:fld id="{A2677D89-5471-4301-A2C5-86100ECF878F}" type="slidenum">
               <a:t>&lt;#&gt;</a:t>
             </a:fld>
           </a:p>
@@ -5626,7 +5627,7 @@
         <p:txBody>
           <a:bodyPr/>
           <a:p>
-            <a:fld id="{72A2DDC6-3FE1-4C11-B550-897B61E24215}" type="slidenum">
+            <a:fld id="{963D338A-5AAB-4D73-8FDB-412579CE5C21}" type="slidenum">
               <a:t>&lt;#&gt;</a:t>
             </a:fld>
           </a:p>
@@ -5921,7 +5922,7 @@
         <p:txBody>
           <a:bodyPr/>
           <a:p>
-            <a:fld id="{96A35D5D-A4BF-4CD1-A851-2EE71ABB112B}" type="slidenum">
+            <a:fld id="{874E03A6-7445-476E-88B1-911D76E75642}" type="slidenum">
               <a:t>&lt;#&gt;</a:t>
             </a:fld>
           </a:p>
@@ -6302,7 +6303,7 @@
         <p:txBody>
           <a:bodyPr/>
           <a:p>
-            <a:fld id="{018A4674-D086-40DB-A567-EF1DB3FF89FB}" type="slidenum">
+            <a:fld id="{8CBD91F5-6D3A-427D-84AD-93DC95AC384F}" type="slidenum">
               <a:t>&lt;#&gt;</a:t>
             </a:fld>
           </a:p>
@@ -6385,7 +6386,7 @@
         <p:txBody>
           <a:bodyPr/>
           <a:p>
-            <a:fld id="{322E4650-5007-4510-ADBF-716D29822D58}" type="slidenum">
+            <a:fld id="{0FCB074A-D173-469B-A445-C6C6BCB6A9FE}" type="slidenum">
               <a:t>&lt;#&gt;</a:t>
             </a:fld>
           </a:p>
@@ -6548,7 +6549,7 @@
         <p:txBody>
           <a:bodyPr/>
           <a:p>
-            <a:fld id="{4BFD1813-BE92-45E4-9B0F-74DE3CA97822}" type="slidenum">
+            <a:fld id="{6F227B34-5ED1-478A-8792-550E87951DF8}" type="slidenum">
               <a:t>&lt;#&gt;</a:t>
             </a:fld>
           </a:p>
@@ -6714,7 +6715,7 @@
         <p:txBody>
           <a:bodyPr/>
           <a:p>
-            <a:fld id="{B3A26C02-9442-4E5E-A40A-86E126C17B74}" type="slidenum">
+            <a:fld id="{F3226043-D8A2-4DC6-8439-7F676F986FAD}" type="slidenum">
               <a:t>&lt;#&gt;</a:t>
             </a:fld>
           </a:p>
@@ -6923,7 +6924,7 @@
         <p:txBody>
           <a:bodyPr/>
           <a:p>
-            <a:fld id="{DF6AB503-8614-4768-BC0E-4E244F2D9B96}" type="slidenum">
+            <a:fld id="{4C50D8DA-80AE-4732-8BDA-DC688BCE3C0D}" type="slidenum">
               <a:t>&lt;#&gt;</a:t>
             </a:fld>
           </a:p>
@@ -7132,7 +7133,7 @@
         <p:txBody>
           <a:bodyPr/>
           <a:p>
-            <a:fld id="{06072B58-ADA8-41DF-8F3A-995B07B0109E}" type="slidenum">
+            <a:fld id="{C70B226B-279B-4852-B8FB-96758827AB50}" type="slidenum">
               <a:t>&lt;#&gt;</a:t>
             </a:fld>
           </a:p>
@@ -7255,7 +7256,7 @@
         <p:txBody>
           <a:bodyPr/>
           <a:p>
-            <a:fld id="{4C26BDDF-CF06-4274-8966-55781B078D4A}" type="slidenum">
+            <a:fld id="{7A43B8D2-154A-407D-A549-52F29A1AA119}" type="slidenum">
               <a:t>&lt;#&gt;</a:t>
             </a:fld>
           </a:p>
@@ -7376,7 +7377,7 @@
         <p:txBody>
           <a:bodyPr/>
           <a:p>
-            <a:fld id="{7B1FE2F1-3514-4A05-9917-4DBF2BCBBFF4}" type="slidenum">
+            <a:fld id="{3A56C9A4-1D71-4415-860C-079768678A8A}" type="slidenum">
               <a:t>&lt;#&gt;</a:t>
             </a:fld>
           </a:p>
@@ -7628,7 +7629,7 @@
         <p:txBody>
           <a:bodyPr/>
           <a:p>
-            <a:fld id="{0FDF2D8B-6B60-4B20-96EE-1B7926C7F00C}" type="slidenum">
+            <a:fld id="{58870345-AD61-47B8-92A6-7E47A388689D}" type="slidenum">
               <a:t>&lt;#&gt;</a:t>
             </a:fld>
           </a:p>
@@ -7880,7 +7881,7 @@
         <p:txBody>
           <a:bodyPr/>
           <a:p>
-            <a:fld id="{5423B802-9C30-4ED7-9E5F-48F8AC78DE04}" type="slidenum">
+            <a:fld id="{26020140-18C5-4E2A-B9D8-F38AB58985B8}" type="slidenum">
               <a:t>&lt;#&gt;</a:t>
             </a:fld>
           </a:p>
@@ -8132,7 +8133,7 @@
         <p:txBody>
           <a:bodyPr/>
           <a:p>
-            <a:fld id="{3888BE9E-7879-42D8-A069-063350A38C0E}" type="slidenum">
+            <a:fld id="{8F07D3A2-44E0-4869-9243-2744F206D148}" type="slidenum">
               <a:t>&lt;#&gt;</a:t>
             </a:fld>
           </a:p>
@@ -8341,7 +8342,7 @@
         <p:txBody>
           <a:bodyPr/>
           <a:p>
-            <a:fld id="{2C0937C0-8162-4B32-8914-CD4B9578B168}" type="slidenum">
+            <a:fld id="{7992808B-8CE8-427A-9FCC-604927C4FE6F}" type="slidenum">
               <a:t>&lt;#&gt;</a:t>
             </a:fld>
           </a:p>
@@ -8636,7 +8637,7 @@
         <p:txBody>
           <a:bodyPr/>
           <a:p>
-            <a:fld id="{5303056F-669F-4E8B-9DAC-451BAC8AF8CB}" type="slidenum">
+            <a:fld id="{6C962717-2333-44E9-A3A5-7AA3E9D4A350}" type="slidenum">
               <a:t>&lt;#&gt;</a:t>
             </a:fld>
           </a:p>
@@ -9017,7 +9018,7 @@
         <p:txBody>
           <a:bodyPr/>
           <a:p>
-            <a:fld id="{2CA756B1-5FB7-4B47-B83F-E42421440358}" type="slidenum">
+            <a:fld id="{D4D890A3-7C5F-4F29-9979-4B1813AA2D4A}" type="slidenum">
               <a:t>&lt;#&gt;</a:t>
             </a:fld>
           </a:p>
@@ -9100,7 +9101,7 @@
         <p:txBody>
           <a:bodyPr/>
           <a:p>
-            <a:fld id="{3B4CEFF8-CE8C-4ECB-B448-C03639441888}" type="slidenum">
+            <a:fld id="{C82A2DAF-0918-4FC3-8BA4-97DBE260543B}" type="slidenum">
               <a:t>&lt;#&gt;</a:t>
             </a:fld>
           </a:p>
@@ -9223,7 +9224,7 @@
         <p:txBody>
           <a:bodyPr/>
           <a:p>
-            <a:fld id="{6F58828B-A1AB-4175-82E5-03518F0F22DC}" type="slidenum">
+            <a:fld id="{CA99788A-1208-4DB9-A5F4-92E291DE8803}" type="slidenum">
               <a:t>&lt;#&gt;</a:t>
             </a:fld>
           </a:p>
@@ -9386,7 +9387,7 @@
         <p:txBody>
           <a:bodyPr/>
           <a:p>
-            <a:fld id="{F8AC4C2D-AD21-4AED-940C-F4A11B48C9FD}" type="slidenum">
+            <a:fld id="{87B04334-050B-497F-B8A4-A262CA7ED2F3}" type="slidenum">
               <a:t>&lt;#&gt;</a:t>
             </a:fld>
           </a:p>
@@ -9552,7 +9553,7 @@
         <p:txBody>
           <a:bodyPr/>
           <a:p>
-            <a:fld id="{14053EBE-F2DA-491F-82FF-8C6058F4B133}" type="slidenum">
+            <a:fld id="{D8D93F25-FA1E-44A6-8ADD-BFB685B060EC}" type="slidenum">
               <a:t>&lt;#&gt;</a:t>
             </a:fld>
           </a:p>
@@ -9761,7 +9762,7 @@
         <p:txBody>
           <a:bodyPr/>
           <a:p>
-            <a:fld id="{60016CE3-D419-4F18-9282-CDB610AAF368}" type="slidenum">
+            <a:fld id="{8622E05B-F127-46E3-890D-E1AD2CBAF0A8}" type="slidenum">
               <a:t>&lt;#&gt;</a:t>
             </a:fld>
           </a:p>
@@ -9884,7 +9885,7 @@
         <p:txBody>
           <a:bodyPr/>
           <a:p>
-            <a:fld id="{4AA7F07C-EE70-4C22-8FBC-A36D8692DD2C}" type="slidenum">
+            <a:fld id="{C0903766-5351-4201-956F-AFD724BFE612}" type="slidenum">
               <a:t>&lt;#&gt;</a:t>
             </a:fld>
           </a:p>
@@ -10005,7 +10006,7 @@
         <p:txBody>
           <a:bodyPr/>
           <a:p>
-            <a:fld id="{41CE6CE8-6982-45FC-B12A-1A0241E3E7E1}" type="slidenum">
+            <a:fld id="{AFDBE4A5-71AD-43C3-A7E8-05F82EB82C7F}" type="slidenum">
               <a:t>&lt;#&gt;</a:t>
             </a:fld>
           </a:p>
@@ -10257,7 +10258,7 @@
         <p:txBody>
           <a:bodyPr/>
           <a:p>
-            <a:fld id="{F833ADEB-CB57-44A7-9855-B1CB65C70414}" type="slidenum">
+            <a:fld id="{40AD031A-D6A7-4199-ADCC-FE2675AEFFB8}" type="slidenum">
               <a:t>&lt;#&gt;</a:t>
             </a:fld>
           </a:p>
@@ -10509,7 +10510,7 @@
         <p:txBody>
           <a:bodyPr/>
           <a:p>
-            <a:fld id="{9C48B69F-4FA1-4B9F-B1D1-1807E07BE972}" type="slidenum">
+            <a:fld id="{BBE47166-0244-41AD-9295-0FC441086B2F}" type="slidenum">
               <a:t>&lt;#&gt;</a:t>
             </a:fld>
           </a:p>
@@ -10761,7 +10762,7 @@
         <p:txBody>
           <a:bodyPr/>
           <a:p>
-            <a:fld id="{33266CF1-D378-4180-ACCF-9E1E82AFF439}" type="slidenum">
+            <a:fld id="{D8C8FD53-A74D-48C0-BCAA-A8A4F92117A1}" type="slidenum">
               <a:t>&lt;#&gt;</a:t>
             </a:fld>
           </a:p>
@@ -10970,7 +10971,7 @@
         <p:txBody>
           <a:bodyPr/>
           <a:p>
-            <a:fld id="{886B20FF-ED1D-4859-B1CA-B198FEBDCAF4}" type="slidenum">
+            <a:fld id="{0029EA62-85EA-4096-80B3-919BB1CA04C2}" type="slidenum">
               <a:t>&lt;#&gt;</a:t>
             </a:fld>
           </a:p>
@@ -11265,7 +11266,7 @@
         <p:txBody>
           <a:bodyPr/>
           <a:p>
-            <a:fld id="{C7D153CE-EB6C-4E08-A07B-BFCA9F18FC91}" type="slidenum">
+            <a:fld id="{68A13779-EFC1-4441-8357-65AEA0525DF4}" type="slidenum">
               <a:t>&lt;#&gt;</a:t>
             </a:fld>
           </a:p>
@@ -11386,7 +11387,7 @@
         <p:txBody>
           <a:bodyPr/>
           <a:p>
-            <a:fld id="{61DBF95B-D0B8-4B1C-B6FC-79622C310079}" type="slidenum">
+            <a:fld id="{69BE7D08-C22E-49A5-90D4-3049293263E2}" type="slidenum">
               <a:t>&lt;#&gt;</a:t>
             </a:fld>
           </a:p>
@@ -11767,7 +11768,7 @@
         <p:txBody>
           <a:bodyPr/>
           <a:p>
-            <a:fld id="{3EFEDE41-162C-4B79-9D6F-2FA9DE774A90}" type="slidenum">
+            <a:fld id="{990B2786-84A5-4950-B9AB-F1B6FF3281A8}" type="slidenum">
               <a:t>&lt;#&gt;</a:t>
             </a:fld>
           </a:p>
@@ -12019,7 +12020,7 @@
         <p:txBody>
           <a:bodyPr/>
           <a:p>
-            <a:fld id="{2E28CA42-9884-4F33-B809-D1E1FB659616}" type="slidenum">
+            <a:fld id="{B88B10E6-B24E-4CC2-BE9E-68B7ABC3FE6D}" type="slidenum">
               <a:t>&lt;#&gt;</a:t>
             </a:fld>
           </a:p>
@@ -12271,7 +12272,7 @@
         <p:txBody>
           <a:bodyPr/>
           <a:p>
-            <a:fld id="{F3A320B5-6F0F-4F45-A995-C1D9EDBCC8F7}" type="slidenum">
+            <a:fld id="{CB70E47E-D70E-4490-8A8B-FE8C2BFABA46}" type="slidenum">
               <a:t>&lt;#&gt;</a:t>
             </a:fld>
           </a:p>
@@ -12523,7 +12524,7 @@
         <p:txBody>
           <a:bodyPr/>
           <a:p>
-            <a:fld id="{8A7DF063-7BE1-44F8-B91C-54DDA689E796}" type="slidenum">
+            <a:fld id="{637B61A1-82A1-4F29-8E1D-59DE53C3E52A}" type="slidenum">
               <a:t>&lt;#&gt;</a:t>
             </a:fld>
           </a:p>
@@ -12592,7 +12593,7 @@
         <p:spPr>
           <a:xfrm>
             <a:off x="3124080" y="6356520"/>
-            <a:ext cx="2892240" cy="361800"/>
+            <a:ext cx="2891880" cy="361440"/>
           </a:xfrm>
           <a:prstGeom prst="rect">
             <a:avLst/>
@@ -12664,7 +12665,7 @@
         <p:spPr>
           <a:xfrm>
             <a:off x="6553080" y="6356520"/>
-            <a:ext cx="2130480" cy="361800"/>
+            <a:ext cx="2130120" cy="361440"/>
           </a:xfrm>
           <a:prstGeom prst="rect">
             <a:avLst/>
@@ -12705,7 +12706,7 @@
                 <a:tab algn="l" pos="0"/>
               </a:tabLst>
             </a:pPr>
-            <a:fld id="{70CFCF8D-757B-4524-A700-CA3B15F1FE00}" type="slidenum">
+            <a:fld id="{20DBF747-20E3-491E-8000-E3A42B8443D1}" type="slidenum">
               <a:rPr b="0" lang="en-US" sz="1200" spc="-1" strike="noStrike">
                 <a:solidFill>
                   <a:srgbClr val="8b8b8b"/>
@@ -12736,7 +12737,7 @@
         <p:spPr>
           <a:xfrm>
             <a:off x="457200" y="6356520"/>
-            <a:ext cx="2130480" cy="361800"/>
+            <a:ext cx="2130120" cy="361440"/>
           </a:xfrm>
           <a:prstGeom prst="rect">
             <a:avLst/>
@@ -13114,7 +13115,7 @@
         <p:spPr>
           <a:xfrm>
             <a:off x="3124080" y="6356520"/>
-            <a:ext cx="2892240" cy="361800"/>
+            <a:ext cx="2891880" cy="361440"/>
           </a:xfrm>
           <a:prstGeom prst="rect">
             <a:avLst/>
@@ -13186,7 +13187,7 @@
         <p:spPr>
           <a:xfrm>
             <a:off x="6553080" y="6356520"/>
-            <a:ext cx="2130480" cy="361800"/>
+            <a:ext cx="2130120" cy="361440"/>
           </a:xfrm>
           <a:prstGeom prst="rect">
             <a:avLst/>
@@ -13227,7 +13228,7 @@
                 <a:tab algn="l" pos="0"/>
               </a:tabLst>
             </a:pPr>
-            <a:fld id="{418607F8-55D4-4BBE-9D3F-CC422154E025}" type="slidenum">
+            <a:fld id="{87AF28CE-852E-4205-BA3E-A17B81378C33}" type="slidenum">
               <a:rPr b="0" lang="en-US" sz="1200" spc="-1" strike="noStrike">
                 <a:solidFill>
                   <a:srgbClr val="8b8b8b"/>
@@ -13258,7 +13259,7 @@
         <p:spPr>
           <a:xfrm>
             <a:off x="457200" y="6356520"/>
-            <a:ext cx="2130480" cy="361800"/>
+            <a:ext cx="2130120" cy="361440"/>
           </a:xfrm>
           <a:prstGeom prst="rect">
             <a:avLst/>
@@ -13636,7 +13637,7 @@
         <p:spPr>
           <a:xfrm>
             <a:off x="3124080" y="6356520"/>
-            <a:ext cx="2892960" cy="362520"/>
+            <a:ext cx="2892600" cy="362160"/>
           </a:xfrm>
           <a:prstGeom prst="rect">
             <a:avLst/>
@@ -13708,7 +13709,7 @@
         <p:spPr>
           <a:xfrm>
             <a:off x="6553080" y="6356520"/>
-            <a:ext cx="2131200" cy="362520"/>
+            <a:ext cx="2130840" cy="362160"/>
           </a:xfrm>
           <a:prstGeom prst="rect">
             <a:avLst/>
@@ -13749,7 +13750,7 @@
                 <a:tab algn="l" pos="0"/>
               </a:tabLst>
             </a:pPr>
-            <a:fld id="{243B2F70-D0AE-47F6-AEC0-D792E0E5DB12}" type="slidenum">
+            <a:fld id="{01D5402B-F454-477A-8EE7-EDCBA4896A21}" type="slidenum">
               <a:rPr b="0" lang="en-US" sz="1200" spc="-1" strike="noStrike">
                 <a:solidFill>
                   <a:srgbClr val="8b8b8b"/>
@@ -13780,7 +13781,7 @@
         <p:spPr>
           <a:xfrm>
             <a:off x="457200" y="6356520"/>
-            <a:ext cx="2131200" cy="362520"/>
+            <a:ext cx="2130840" cy="362160"/>
           </a:xfrm>
           <a:prstGeom prst="rect">
             <a:avLst/>
@@ -14158,7 +14159,7 @@
         <p:spPr>
           <a:xfrm>
             <a:off x="3124080" y="6356520"/>
-            <a:ext cx="2893320" cy="362880"/>
+            <a:ext cx="2892960" cy="362520"/>
           </a:xfrm>
           <a:prstGeom prst="rect">
             <a:avLst/>
@@ -14230,7 +14231,7 @@
         <p:spPr>
           <a:xfrm>
             <a:off x="6553080" y="6356520"/>
-            <a:ext cx="2131560" cy="362880"/>
+            <a:ext cx="2131200" cy="362520"/>
           </a:xfrm>
           <a:prstGeom prst="rect">
             <a:avLst/>
@@ -14271,7 +14272,7 @@
                 <a:tab algn="l" pos="0"/>
               </a:tabLst>
             </a:pPr>
-            <a:fld id="{0BB5D24C-2BB0-4EA7-84D3-BA67112D1B2E}" type="slidenum">
+            <a:fld id="{B665F4E0-1282-4315-B47F-7F973A016618}" type="slidenum">
               <a:rPr b="0" lang="en-US" sz="1200" spc="-1" strike="noStrike">
                 <a:solidFill>
                   <a:srgbClr val="8b8b8b"/>
@@ -14302,7 +14303,7 @@
         <p:spPr>
           <a:xfrm>
             <a:off x="457200" y="6356520"/>
-            <a:ext cx="2131560" cy="362880"/>
+            <a:ext cx="2131200" cy="362520"/>
           </a:xfrm>
           <a:prstGeom prst="rect">
             <a:avLst/>
@@ -14680,7 +14681,7 @@
         <p:spPr>
           <a:xfrm>
             <a:off x="3124080" y="6356520"/>
-            <a:ext cx="2893680" cy="363240"/>
+            <a:ext cx="2893320" cy="362880"/>
           </a:xfrm>
           <a:prstGeom prst="rect">
             <a:avLst/>
@@ -14752,7 +14753,7 @@
         <p:spPr>
           <a:xfrm>
             <a:off x="6553080" y="6356520"/>
-            <a:ext cx="2131920" cy="363240"/>
+            <a:ext cx="2131560" cy="362880"/>
           </a:xfrm>
           <a:prstGeom prst="rect">
             <a:avLst/>
@@ -14793,7 +14794,7 @@
                 <a:tab algn="l" pos="0"/>
               </a:tabLst>
             </a:pPr>
-            <a:fld id="{894199F1-F176-4868-B93A-C5874CD101F1}" type="slidenum">
+            <a:fld id="{02896D17-42CA-4871-8C19-231FEA6EA5D2}" type="slidenum">
               <a:rPr b="0" lang="en-US" sz="1200" spc="-1" strike="noStrike">
                 <a:solidFill>
                   <a:srgbClr val="8b8b8b"/>
@@ -14824,7 +14825,7 @@
         <p:spPr>
           <a:xfrm>
             <a:off x="457200" y="6356520"/>
-            <a:ext cx="2131920" cy="363240"/>
+            <a:ext cx="2131560" cy="362880"/>
           </a:xfrm>
           <a:prstGeom prst="rect">
             <a:avLst/>
@@ -15191,7 +15192,7 @@
         <p:spPr>
           <a:xfrm>
             <a:off x="0" y="0"/>
-            <a:ext cx="12185640" cy="6854760"/>
+            <a:ext cx="12185280" cy="6854400"/>
           </a:xfrm>
           <a:prstGeom prst="rect">
             <a:avLst/>
@@ -15251,7 +15252,7 @@
         <p:spPr>
           <a:xfrm>
             <a:off x="0" y="0"/>
-            <a:ext cx="15120" cy="6854760"/>
+            <a:ext cx="14760" cy="6854400"/>
           </a:xfrm>
           <a:prstGeom prst="rect">
             <a:avLst/>
@@ -15311,7 +15312,7 @@
         <p:spPr>
           <a:xfrm>
             <a:off x="914400" y="0"/>
-            <a:ext cx="15120" cy="6854760"/>
+            <a:ext cx="14760" cy="6854400"/>
           </a:xfrm>
           <a:prstGeom prst="rect">
             <a:avLst/>
@@ -15371,7 +15372,7 @@
         <p:spPr>
           <a:xfrm>
             <a:off x="1828800" y="0"/>
-            <a:ext cx="15120" cy="6854760"/>
+            <a:ext cx="14760" cy="6854400"/>
           </a:xfrm>
           <a:prstGeom prst="rect">
             <a:avLst/>
@@ -15431,7 +15432,7 @@
         <p:spPr>
           <a:xfrm>
             <a:off x="2743200" y="0"/>
-            <a:ext cx="15120" cy="6854760"/>
+            <a:ext cx="14760" cy="6854400"/>
           </a:xfrm>
           <a:prstGeom prst="rect">
             <a:avLst/>
@@ -15491,7 +15492,7 @@
         <p:spPr>
           <a:xfrm>
             <a:off x="3657600" y="0"/>
-            <a:ext cx="15120" cy="6854760"/>
+            <a:ext cx="14760" cy="6854400"/>
           </a:xfrm>
           <a:prstGeom prst="rect">
             <a:avLst/>
@@ -15551,7 +15552,7 @@
         <p:spPr>
           <a:xfrm>
             <a:off x="4572000" y="0"/>
-            <a:ext cx="15120" cy="6854760"/>
+            <a:ext cx="14760" cy="6854400"/>
           </a:xfrm>
           <a:prstGeom prst="rect">
             <a:avLst/>
@@ -15611,7 +15612,7 @@
         <p:spPr>
           <a:xfrm>
             <a:off x="5486400" y="0"/>
-            <a:ext cx="15120" cy="6854760"/>
+            <a:ext cx="14760" cy="6854400"/>
           </a:xfrm>
           <a:prstGeom prst="rect">
             <a:avLst/>
@@ -15671,7 +15672,7 @@
         <p:spPr>
           <a:xfrm>
             <a:off x="6400800" y="0"/>
-            <a:ext cx="15120" cy="6854760"/>
+            <a:ext cx="14760" cy="6854400"/>
           </a:xfrm>
           <a:prstGeom prst="rect">
             <a:avLst/>
@@ -15731,7 +15732,7 @@
         <p:spPr>
           <a:xfrm>
             <a:off x="7315200" y="0"/>
-            <a:ext cx="15120" cy="6854760"/>
+            <a:ext cx="14760" cy="6854400"/>
           </a:xfrm>
           <a:prstGeom prst="rect">
             <a:avLst/>
@@ -15791,7 +15792,7 @@
         <p:spPr>
           <a:xfrm>
             <a:off x="8229600" y="0"/>
-            <a:ext cx="15120" cy="6854760"/>
+            <a:ext cx="14760" cy="6854400"/>
           </a:xfrm>
           <a:prstGeom prst="rect">
             <a:avLst/>
@@ -15851,7 +15852,7 @@
         <p:spPr>
           <a:xfrm>
             <a:off x="9144000" y="0"/>
-            <a:ext cx="15120" cy="6854760"/>
+            <a:ext cx="14760" cy="6854400"/>
           </a:xfrm>
           <a:prstGeom prst="rect">
             <a:avLst/>
@@ -15911,7 +15912,7 @@
         <p:spPr>
           <a:xfrm>
             <a:off x="10058400" y="0"/>
-            <a:ext cx="15120" cy="6854760"/>
+            <a:ext cx="14760" cy="6854400"/>
           </a:xfrm>
           <a:prstGeom prst="rect">
             <a:avLst/>
@@ -15971,7 +15972,7 @@
         <p:spPr>
           <a:xfrm>
             <a:off x="10972800" y="0"/>
-            <a:ext cx="15120" cy="6854760"/>
+            <a:ext cx="14760" cy="6854400"/>
           </a:xfrm>
           <a:prstGeom prst="rect">
             <a:avLst/>
@@ -16031,7 +16032,7 @@
         <p:spPr>
           <a:xfrm>
             <a:off x="11887200" y="0"/>
-            <a:ext cx="15120" cy="6854760"/>
+            <a:ext cx="14760" cy="6854400"/>
           </a:xfrm>
           <a:prstGeom prst="rect">
             <a:avLst/>
@@ -16091,7 +16092,7 @@
         <p:spPr>
           <a:xfrm>
             <a:off x="0" y="0"/>
-            <a:ext cx="316800" cy="6854760"/>
+            <a:ext cx="316440" cy="6854400"/>
           </a:xfrm>
           <a:prstGeom prst="rect">
             <a:avLst/>
@@ -16151,7 +16152,7 @@
         <p:spPr>
           <a:xfrm>
             <a:off x="9875520" y="365760"/>
-            <a:ext cx="2008440" cy="499680"/>
+            <a:ext cx="2008080" cy="499320"/>
           </a:xfrm>
           <a:prstGeom prst="roundRect">
             <a:avLst>
@@ -16333,7 +16334,7 @@
         <p:spPr>
           <a:xfrm>
             <a:off x="987480" y="3182040"/>
-            <a:ext cx="3288600" cy="2739960"/>
+            <a:ext cx="3288240" cy="2739600"/>
           </a:xfrm>
           <a:prstGeom prst="roundRect">
             <a:avLst>
@@ -16395,7 +16396,7 @@
         <p:spPr>
           <a:xfrm>
             <a:off x="685800" y="2521440"/>
-            <a:ext cx="3426840" cy="3327480"/>
+            <a:ext cx="3426480" cy="3327120"/>
           </a:xfrm>
           <a:prstGeom prst="roundRect">
             <a:avLst>
@@ -16808,7 +16809,7 @@
         <p:spPr>
           <a:xfrm>
             <a:off x="4507920" y="3182040"/>
-            <a:ext cx="3288600" cy="2739960"/>
+            <a:ext cx="3288240" cy="2739600"/>
           </a:xfrm>
           <a:prstGeom prst="roundRect">
             <a:avLst>
@@ -16870,7 +16871,7 @@
         <p:spPr>
           <a:xfrm>
             <a:off x="4434840" y="3108960"/>
-            <a:ext cx="3288600" cy="2739960"/>
+            <a:ext cx="3288240" cy="2739600"/>
           </a:xfrm>
           <a:prstGeom prst="roundRect">
             <a:avLst>
@@ -17158,7 +17159,7 @@
         <p:spPr>
           <a:xfrm>
             <a:off x="8028360" y="3182040"/>
-            <a:ext cx="3288600" cy="2739960"/>
+            <a:ext cx="3288240" cy="2739600"/>
           </a:xfrm>
           <a:prstGeom prst="roundRect">
             <a:avLst>
@@ -17220,7 +17221,7 @@
         <p:spPr>
           <a:xfrm>
             <a:off x="7955280" y="3108960"/>
-            <a:ext cx="3288600" cy="2739960"/>
+            <a:ext cx="3288240" cy="2739600"/>
           </a:xfrm>
           <a:prstGeom prst="roundRect">
             <a:avLst>
@@ -17513,7 +17514,7 @@
         <p:spPr>
           <a:xfrm>
             <a:off x="0" y="0"/>
-            <a:ext cx="12187080" cy="6856200"/>
+            <a:ext cx="12186720" cy="6855840"/>
           </a:xfrm>
           <a:prstGeom prst="rect">
             <a:avLst/>
@@ -17549,6 +17550,11 @@
             <a:noAutofit/>
           </a:bodyPr>
           <a:p>
+            <a:pPr>
+              <a:lnSpc>
+                <a:spcPct val="100000"/>
+              </a:lnSpc>
+            </a:pPr>
             <a:endParaRPr b="0" lang="en-US" sz="1800" spc="-1" strike="noStrike">
               <a:solidFill>
                 <a:schemeClr val="lt1"/>
@@ -17568,7 +17574,7 @@
         <p:spPr>
           <a:xfrm>
             <a:off x="0" y="0"/>
-            <a:ext cx="16560" cy="6856200"/>
+            <a:ext cx="16200" cy="6855840"/>
           </a:xfrm>
           <a:prstGeom prst="rect">
             <a:avLst/>
@@ -17604,6 +17610,11 @@
             <a:noAutofit/>
           </a:bodyPr>
           <a:p>
+            <a:pPr>
+              <a:lnSpc>
+                <a:spcPct val="100000"/>
+              </a:lnSpc>
+            </a:pPr>
             <a:endParaRPr b="0" lang="en-US" sz="1800" spc="-1" strike="noStrike">
               <a:solidFill>
                 <a:schemeClr val="lt1"/>
@@ -17623,7 +17634,7 @@
         <p:spPr>
           <a:xfrm>
             <a:off x="914400" y="0"/>
-            <a:ext cx="16560" cy="6856200"/>
+            <a:ext cx="16200" cy="6855840"/>
           </a:xfrm>
           <a:prstGeom prst="rect">
             <a:avLst/>
@@ -17659,6 +17670,11 @@
             <a:noAutofit/>
           </a:bodyPr>
           <a:p>
+            <a:pPr>
+              <a:lnSpc>
+                <a:spcPct val="100000"/>
+              </a:lnSpc>
+            </a:pPr>
             <a:endParaRPr b="0" lang="en-US" sz="1800" spc="-1" strike="noStrike">
               <a:solidFill>
                 <a:schemeClr val="lt1"/>
@@ -17678,7 +17694,7 @@
         <p:spPr>
           <a:xfrm>
             <a:off x="1828800" y="0"/>
-            <a:ext cx="16560" cy="6856200"/>
+            <a:ext cx="16200" cy="6855840"/>
           </a:xfrm>
           <a:prstGeom prst="rect">
             <a:avLst/>
@@ -17714,6 +17730,11 @@
             <a:noAutofit/>
           </a:bodyPr>
           <a:p>
+            <a:pPr>
+              <a:lnSpc>
+                <a:spcPct val="100000"/>
+              </a:lnSpc>
+            </a:pPr>
             <a:endParaRPr b="0" lang="en-US" sz="1800" spc="-1" strike="noStrike">
               <a:solidFill>
                 <a:schemeClr val="lt1"/>
@@ -17733,7 +17754,7 @@
         <p:spPr>
           <a:xfrm>
             <a:off x="2743200" y="0"/>
-            <a:ext cx="16560" cy="6856200"/>
+            <a:ext cx="16200" cy="6855840"/>
           </a:xfrm>
           <a:prstGeom prst="rect">
             <a:avLst/>
@@ -17769,6 +17790,11 @@
             <a:noAutofit/>
           </a:bodyPr>
           <a:p>
+            <a:pPr>
+              <a:lnSpc>
+                <a:spcPct val="100000"/>
+              </a:lnSpc>
+            </a:pPr>
             <a:endParaRPr b="0" lang="en-US" sz="1800" spc="-1" strike="noStrike">
               <a:solidFill>
                 <a:schemeClr val="lt1"/>
@@ -17788,7 +17814,7 @@
         <p:spPr>
           <a:xfrm>
             <a:off x="3657600" y="0"/>
-            <a:ext cx="16560" cy="6856200"/>
+            <a:ext cx="16200" cy="6855840"/>
           </a:xfrm>
           <a:prstGeom prst="rect">
             <a:avLst/>
@@ -17824,6 +17850,11 @@
             <a:noAutofit/>
           </a:bodyPr>
           <a:p>
+            <a:pPr>
+              <a:lnSpc>
+                <a:spcPct val="100000"/>
+              </a:lnSpc>
+            </a:pPr>
             <a:endParaRPr b="0" lang="en-US" sz="1800" spc="-1" strike="noStrike">
               <a:solidFill>
                 <a:schemeClr val="lt1"/>
@@ -17843,7 +17874,7 @@
         <p:spPr>
           <a:xfrm>
             <a:off x="4572000" y="0"/>
-            <a:ext cx="16560" cy="6856200"/>
+            <a:ext cx="16200" cy="6855840"/>
           </a:xfrm>
           <a:prstGeom prst="rect">
             <a:avLst/>
@@ -17879,6 +17910,11 @@
             <a:noAutofit/>
           </a:bodyPr>
           <a:p>
+            <a:pPr>
+              <a:lnSpc>
+                <a:spcPct val="100000"/>
+              </a:lnSpc>
+            </a:pPr>
             <a:endParaRPr b="0" lang="en-US" sz="1800" spc="-1" strike="noStrike">
               <a:solidFill>
                 <a:schemeClr val="lt1"/>
@@ -17898,7 +17934,7 @@
         <p:spPr>
           <a:xfrm>
             <a:off x="5486400" y="0"/>
-            <a:ext cx="16560" cy="6856200"/>
+            <a:ext cx="16200" cy="6855840"/>
           </a:xfrm>
           <a:prstGeom prst="rect">
             <a:avLst/>
@@ -17934,6 +17970,11 @@
             <a:noAutofit/>
           </a:bodyPr>
           <a:p>
+            <a:pPr>
+              <a:lnSpc>
+                <a:spcPct val="100000"/>
+              </a:lnSpc>
+            </a:pPr>
             <a:endParaRPr b="0" lang="en-US" sz="1800" spc="-1" strike="noStrike">
               <a:solidFill>
                 <a:schemeClr val="lt1"/>
@@ -17953,7 +17994,7 @@
         <p:spPr>
           <a:xfrm>
             <a:off x="6400800" y="0"/>
-            <a:ext cx="16560" cy="6856200"/>
+            <a:ext cx="16200" cy="6855840"/>
           </a:xfrm>
           <a:prstGeom prst="rect">
             <a:avLst/>
@@ -17989,6 +18030,11 @@
             <a:noAutofit/>
           </a:bodyPr>
           <a:p>
+            <a:pPr>
+              <a:lnSpc>
+                <a:spcPct val="100000"/>
+              </a:lnSpc>
+            </a:pPr>
             <a:endParaRPr b="0" lang="en-US" sz="1800" spc="-1" strike="noStrike">
               <a:solidFill>
                 <a:schemeClr val="lt1"/>
@@ -18008,7 +18054,7 @@
         <p:spPr>
           <a:xfrm>
             <a:off x="7315200" y="0"/>
-            <a:ext cx="16560" cy="6856200"/>
+            <a:ext cx="16200" cy="6855840"/>
           </a:xfrm>
           <a:prstGeom prst="rect">
             <a:avLst/>
@@ -18044,6 +18090,11 @@
             <a:noAutofit/>
           </a:bodyPr>
           <a:p>
+            <a:pPr>
+              <a:lnSpc>
+                <a:spcPct val="100000"/>
+              </a:lnSpc>
+            </a:pPr>
             <a:endParaRPr b="0" lang="en-US" sz="1800" spc="-1" strike="noStrike">
               <a:solidFill>
                 <a:schemeClr val="lt1"/>
@@ -18063,7 +18114,7 @@
         <p:spPr>
           <a:xfrm>
             <a:off x="8229600" y="0"/>
-            <a:ext cx="16560" cy="6856200"/>
+            <a:ext cx="16200" cy="6855840"/>
           </a:xfrm>
           <a:prstGeom prst="rect">
             <a:avLst/>
@@ -18099,6 +18150,11 @@
             <a:noAutofit/>
           </a:bodyPr>
           <a:p>
+            <a:pPr>
+              <a:lnSpc>
+                <a:spcPct val="100000"/>
+              </a:lnSpc>
+            </a:pPr>
             <a:endParaRPr b="0" lang="en-US" sz="1800" spc="-1" strike="noStrike">
               <a:solidFill>
                 <a:schemeClr val="lt1"/>
@@ -18118,7 +18174,7 @@
         <p:spPr>
           <a:xfrm>
             <a:off x="9144000" y="0"/>
-            <a:ext cx="16560" cy="6856200"/>
+            <a:ext cx="16200" cy="6855840"/>
           </a:xfrm>
           <a:prstGeom prst="rect">
             <a:avLst/>
@@ -18154,6 +18210,11 @@
             <a:noAutofit/>
           </a:bodyPr>
           <a:p>
+            <a:pPr>
+              <a:lnSpc>
+                <a:spcPct val="100000"/>
+              </a:lnSpc>
+            </a:pPr>
             <a:endParaRPr b="0" lang="en-US" sz="1800" spc="-1" strike="noStrike">
               <a:solidFill>
                 <a:schemeClr val="lt1"/>
@@ -18173,7 +18234,7 @@
         <p:spPr>
           <a:xfrm>
             <a:off x="10058400" y="0"/>
-            <a:ext cx="16560" cy="6856200"/>
+            <a:ext cx="16200" cy="6855840"/>
           </a:xfrm>
           <a:prstGeom prst="rect">
             <a:avLst/>
@@ -18209,6 +18270,11 @@
             <a:noAutofit/>
           </a:bodyPr>
           <a:p>
+            <a:pPr>
+              <a:lnSpc>
+                <a:spcPct val="100000"/>
+              </a:lnSpc>
+            </a:pPr>
             <a:endParaRPr b="0" lang="en-US" sz="1800" spc="-1" strike="noStrike">
               <a:solidFill>
                 <a:schemeClr val="lt1"/>
@@ -18228,7 +18294,7 @@
         <p:spPr>
           <a:xfrm>
             <a:off x="10972800" y="0"/>
-            <a:ext cx="16560" cy="6856200"/>
+            <a:ext cx="16200" cy="6855840"/>
           </a:xfrm>
           <a:prstGeom prst="rect">
             <a:avLst/>
@@ -18264,6 +18330,11 @@
             <a:noAutofit/>
           </a:bodyPr>
           <a:p>
+            <a:pPr>
+              <a:lnSpc>
+                <a:spcPct val="100000"/>
+              </a:lnSpc>
+            </a:pPr>
             <a:endParaRPr b="0" lang="en-US" sz="1800" spc="-1" strike="noStrike">
               <a:solidFill>
                 <a:schemeClr val="lt1"/>
@@ -18283,7 +18354,7 @@
         <p:spPr>
           <a:xfrm>
             <a:off x="11887200" y="0"/>
-            <a:ext cx="16560" cy="6856200"/>
+            <a:ext cx="16200" cy="6855840"/>
           </a:xfrm>
           <a:prstGeom prst="rect">
             <a:avLst/>
@@ -18319,6 +18390,11 @@
             <a:noAutofit/>
           </a:bodyPr>
           <a:p>
+            <a:pPr>
+              <a:lnSpc>
+                <a:spcPct val="100000"/>
+              </a:lnSpc>
+            </a:pPr>
             <a:endParaRPr b="0" lang="en-US" sz="1800" spc="-1" strike="noStrike">
               <a:solidFill>
                 <a:schemeClr val="lt1"/>
@@ -18338,7 +18414,7 @@
         <p:spPr>
           <a:xfrm>
             <a:off x="0" y="0"/>
-            <a:ext cx="318240" cy="6856200"/>
+            <a:ext cx="317880" cy="6855840"/>
           </a:xfrm>
           <a:prstGeom prst="rect">
             <a:avLst/>
@@ -18374,6 +18450,11 @@
             <a:noAutofit/>
           </a:bodyPr>
           <a:p>
+            <a:pPr>
+              <a:lnSpc>
+                <a:spcPct val="100000"/>
+              </a:lnSpc>
+            </a:pPr>
             <a:endParaRPr b="0" lang="en-US" sz="1800" spc="-1" strike="noStrike">
               <a:solidFill>
                 <a:schemeClr val="lt1"/>
@@ -18393,7 +18474,7 @@
         <p:spPr>
           <a:xfrm>
             <a:off x="9875520" y="365760"/>
-            <a:ext cx="2009880" cy="501120"/>
+            <a:ext cx="2009520" cy="500760"/>
           </a:xfrm>
           <a:prstGeom prst="roundRect">
             <a:avLst>
@@ -18521,7 +18602,7 @@
         <p:spPr>
           <a:xfrm>
             <a:off x="2109960" y="2194560"/>
-            <a:ext cx="6764760" cy="317880"/>
+            <a:ext cx="6764400" cy="317880"/>
           </a:xfrm>
           <a:prstGeom prst="rect">
             <a:avLst/>
@@ -18575,7 +18656,7 @@
         <p:spPr>
           <a:xfrm>
             <a:off x="987480" y="3182040"/>
-            <a:ext cx="3290040" cy="2741400"/>
+            <a:ext cx="3289680" cy="2741040"/>
           </a:xfrm>
           <a:prstGeom prst="roundRect">
             <a:avLst>
@@ -18613,6 +18694,11 @@
             <a:noAutofit/>
           </a:bodyPr>
           <a:p>
+            <a:pPr>
+              <a:lnSpc>
+                <a:spcPct val="100000"/>
+              </a:lnSpc>
+            </a:pPr>
             <a:endParaRPr b="0" lang="en-US" sz="1800" spc="-1" strike="noStrike">
               <a:solidFill>
                 <a:schemeClr val="lt1"/>
@@ -18632,7 +18718,7 @@
         <p:spPr>
           <a:xfrm>
             <a:off x="914400" y="3108960"/>
-            <a:ext cx="3290040" cy="2741400"/>
+            <a:ext cx="3289680" cy="2741040"/>
           </a:xfrm>
           <a:prstGeom prst="roundRect">
             <a:avLst>
@@ -18920,7 +19006,7 @@
         <p:spPr>
           <a:xfrm>
             <a:off x="4507920" y="3182040"/>
-            <a:ext cx="3290040" cy="2741400"/>
+            <a:ext cx="3289680" cy="2741040"/>
           </a:xfrm>
           <a:prstGeom prst="roundRect">
             <a:avLst>
@@ -18958,6 +19044,11 @@
             <a:noAutofit/>
           </a:bodyPr>
           <a:p>
+            <a:pPr>
+              <a:lnSpc>
+                <a:spcPct val="100000"/>
+              </a:lnSpc>
+            </a:pPr>
             <a:endParaRPr b="0" lang="en-US" sz="1800" spc="-1" strike="noStrike">
               <a:solidFill>
                 <a:schemeClr val="lt1"/>
@@ -18977,7 +19068,7 @@
         <p:spPr>
           <a:xfrm>
             <a:off x="4434840" y="3108960"/>
-            <a:ext cx="3290040" cy="2741400"/>
+            <a:ext cx="3289680" cy="2741040"/>
           </a:xfrm>
           <a:prstGeom prst="roundRect">
             <a:avLst>
@@ -19281,7 +19372,7 @@
         <p:spPr>
           <a:xfrm>
             <a:off x="8028360" y="3182040"/>
-            <a:ext cx="3290040" cy="2741400"/>
+            <a:ext cx="3289680" cy="2741040"/>
           </a:xfrm>
           <a:prstGeom prst="roundRect">
             <a:avLst>
@@ -19319,6 +19410,11 @@
             <a:noAutofit/>
           </a:bodyPr>
           <a:p>
+            <a:pPr>
+              <a:lnSpc>
+                <a:spcPct val="100000"/>
+              </a:lnSpc>
+            </a:pPr>
             <a:endParaRPr b="0" lang="en-US" sz="1800" spc="-1" strike="noStrike">
               <a:solidFill>
                 <a:schemeClr val="lt1"/>
@@ -19338,7 +19434,7 @@
         <p:spPr>
           <a:xfrm>
             <a:off x="7955280" y="3108960"/>
-            <a:ext cx="3290040" cy="3063240"/>
+            <a:ext cx="3289680" cy="3062880"/>
           </a:xfrm>
           <a:prstGeom prst="roundRect">
             <a:avLst>
@@ -19582,6 +19678,2459 @@
       <p:sp>
         <p:nvSpPr>
           <p:cNvPr id="464" name="TextBox 33"/>
+          <p:cNvSpPr/>
+          <p:nvPr/>
+        </p:nvSpPr>
+        <p:spPr>
+          <a:xfrm>
+            <a:off x="4600080" y="6446520"/>
+            <a:ext cx="3051000" cy="363960"/>
+          </a:xfrm>
+          <a:prstGeom prst="rect">
+            <a:avLst/>
+          </a:prstGeom>
+          <a:noFill/>
+          <a:ln w="0">
+            <a:noFill/>
+          </a:ln>
+        </p:spPr>
+        <p:style>
+          <a:lnRef idx="0"/>
+          <a:fillRef idx="0"/>
+          <a:effectRef idx="0"/>
+          <a:fontRef idx="minor"/>
+        </p:style>
+        <p:txBody>
+          <a:bodyPr wrap="none" lIns="90000" rIns="90000" tIns="45000" bIns="45000" anchor="t">
+            <a:spAutoFit/>
+          </a:bodyPr>
+          <a:p>
+            <a:pPr>
+              <a:lnSpc>
+                <a:spcPct val="100000"/>
+              </a:lnSpc>
+            </a:pPr>
+            <a:r>
+              <a:rPr b="0" lang="en-US" sz="1800" spc="-1" strike="noStrike">
+                <a:solidFill>
+                  <a:srgbClr val="000000"/>
+                </a:solidFill>
+                <a:latin typeface="Calibri"/>
+                <a:ea typeface="DejaVu Sans"/>
+              </a:rPr>
+              <a:t>Java • Ultra Premium Template</a:t>
+            </a:r>
+            <a:endParaRPr b="0" lang="en-US" sz="1800" spc="-1" strike="noStrike">
+              <a:solidFill>
+                <a:srgbClr val="000000"/>
+              </a:solidFill>
+              <a:latin typeface="Arial"/>
+            </a:endParaRPr>
+          </a:p>
+        </p:txBody>
+      </p:sp>
+    </p:spTree>
+  </p:cSld>
+  <mc:AlternateContent>
+    <mc:Choice Requires="p14">
+      <p:transition spd="slow" p14:dur="2000"/>
+    </mc:Choice>
+    <mc:Fallback>
+      <p:transition spd="slow"/>
+    </mc:Fallback>
+  </mc:AlternateContent>
+</p:sld>
+</file>
+
+<file path=ppt/slides/slide11.xml><?xml version="1.0" encoding="utf-8"?>
+<p:sld xmlns:a="http://schemas.openxmlformats.org/drawingml/2006/main" xmlns:p="http://schemas.openxmlformats.org/presentationml/2006/main" xmlns:r="http://schemas.openxmlformats.org/officeDocument/2006/relationships" xmlns:p14="http://schemas.microsoft.com/office/powerpoint/2010/main" xmlns:p15="http://schemas.microsoft.com/office/powerpoint/2012/main" xmlns:mc="http://schemas.openxmlformats.org/markup-compatibility/2006">
+  <p:cSld>
+    <p:spTree>
+      <p:nvGrpSpPr>
+        <p:cNvPr id="1" name=""/>
+        <p:cNvGrpSpPr/>
+        <p:nvPr/>
+      </p:nvGrpSpPr>
+      <p:grpSpPr>
+        <a:xfrm>
+          <a:off x="0" y="0"/>
+          <a:ext cx="0" cy="0"/>
+          <a:chOff x="0" y="0"/>
+          <a:chExt cx="0" cy="0"/>
+        </a:xfrm>
+      </p:grpSpPr>
+      <p:sp>
+        <p:nvSpPr>
+          <p:cNvPr id="465" name="Rectangle 161"/>
+          <p:cNvSpPr/>
+          <p:nvPr/>
+        </p:nvSpPr>
+        <p:spPr>
+          <a:xfrm>
+            <a:off x="0" y="0"/>
+            <a:ext cx="12186720" cy="6855840"/>
+          </a:xfrm>
+          <a:prstGeom prst="rect">
+            <a:avLst/>
+          </a:prstGeom>
+          <a:solidFill>
+            <a:srgbClr val="0b0b0d"/>
+          </a:solidFill>
+          <a:ln>
+            <a:noFill/>
+          </a:ln>
+          <a:effectLst>
+            <a:outerShdw blurRad="39960" dir="5400000" dist="23040" rotWithShape="0">
+              <a:srgbClr val="000000">
+                <a:alpha val="35000"/>
+              </a:srgbClr>
+            </a:outerShdw>
+          </a:effectLst>
+        </p:spPr>
+        <p:style>
+          <a:lnRef idx="1">
+            <a:schemeClr val="accent1"/>
+          </a:lnRef>
+          <a:fillRef idx="3">
+            <a:schemeClr val="accent1"/>
+          </a:fillRef>
+          <a:effectRef idx="2">
+            <a:schemeClr val="accent1"/>
+          </a:effectRef>
+          <a:fontRef idx="minor"/>
+        </p:style>
+        <p:txBody>
+          <a:bodyPr lIns="90000" rIns="90000" tIns="45000" bIns="45000" anchor="ctr">
+            <a:noAutofit/>
+          </a:bodyPr>
+          <a:p>
+            <a:endParaRPr b="0" lang="en-US" sz="1800" spc="-1" strike="noStrike">
+              <a:solidFill>
+                <a:schemeClr val="lt1"/>
+              </a:solidFill>
+              <a:latin typeface="Calibri"/>
+              <a:ea typeface="DejaVu Sans"/>
+            </a:endParaRPr>
+          </a:p>
+        </p:txBody>
+      </p:sp>
+      <p:sp>
+        <p:nvSpPr>
+          <p:cNvPr id="466" name="Rectangle 162"/>
+          <p:cNvSpPr/>
+          <p:nvPr/>
+        </p:nvSpPr>
+        <p:spPr>
+          <a:xfrm>
+            <a:off x="0" y="0"/>
+            <a:ext cx="16200" cy="6855840"/>
+          </a:xfrm>
+          <a:prstGeom prst="rect">
+            <a:avLst/>
+          </a:prstGeom>
+          <a:solidFill>
+            <a:srgbClr val="121216"/>
+          </a:solidFill>
+          <a:ln>
+            <a:noFill/>
+          </a:ln>
+          <a:effectLst>
+            <a:outerShdw blurRad="39960" dir="5400000" dist="23040" rotWithShape="0">
+              <a:srgbClr val="000000">
+                <a:alpha val="35000"/>
+              </a:srgbClr>
+            </a:outerShdw>
+          </a:effectLst>
+        </p:spPr>
+        <p:style>
+          <a:lnRef idx="1">
+            <a:schemeClr val="accent1"/>
+          </a:lnRef>
+          <a:fillRef idx="3">
+            <a:schemeClr val="accent1"/>
+          </a:fillRef>
+          <a:effectRef idx="2">
+            <a:schemeClr val="accent1"/>
+          </a:effectRef>
+          <a:fontRef idx="minor"/>
+        </p:style>
+        <p:txBody>
+          <a:bodyPr lIns="90000" rIns="90000" tIns="45000" bIns="45000" anchor="ctr">
+            <a:noAutofit/>
+          </a:bodyPr>
+          <a:p>
+            <a:endParaRPr b="0" lang="en-US" sz="1800" spc="-1" strike="noStrike">
+              <a:solidFill>
+                <a:schemeClr val="lt1"/>
+              </a:solidFill>
+              <a:latin typeface="Calibri"/>
+              <a:ea typeface="DejaVu Sans"/>
+            </a:endParaRPr>
+          </a:p>
+        </p:txBody>
+      </p:sp>
+      <p:sp>
+        <p:nvSpPr>
+          <p:cNvPr id="467" name="Rectangle 163"/>
+          <p:cNvSpPr/>
+          <p:nvPr/>
+        </p:nvSpPr>
+        <p:spPr>
+          <a:xfrm>
+            <a:off x="914400" y="0"/>
+            <a:ext cx="16200" cy="6855840"/>
+          </a:xfrm>
+          <a:prstGeom prst="rect">
+            <a:avLst/>
+          </a:prstGeom>
+          <a:solidFill>
+            <a:srgbClr val="121216"/>
+          </a:solidFill>
+          <a:ln>
+            <a:noFill/>
+          </a:ln>
+          <a:effectLst>
+            <a:outerShdw blurRad="39960" dir="5400000" dist="23040" rotWithShape="0">
+              <a:srgbClr val="000000">
+                <a:alpha val="35000"/>
+              </a:srgbClr>
+            </a:outerShdw>
+          </a:effectLst>
+        </p:spPr>
+        <p:style>
+          <a:lnRef idx="1">
+            <a:schemeClr val="accent1"/>
+          </a:lnRef>
+          <a:fillRef idx="3">
+            <a:schemeClr val="accent1"/>
+          </a:fillRef>
+          <a:effectRef idx="2">
+            <a:schemeClr val="accent1"/>
+          </a:effectRef>
+          <a:fontRef idx="minor"/>
+        </p:style>
+        <p:txBody>
+          <a:bodyPr lIns="90000" rIns="90000" tIns="45000" bIns="45000" anchor="ctr">
+            <a:noAutofit/>
+          </a:bodyPr>
+          <a:p>
+            <a:endParaRPr b="0" lang="en-US" sz="1800" spc="-1" strike="noStrike">
+              <a:solidFill>
+                <a:schemeClr val="lt1"/>
+              </a:solidFill>
+              <a:latin typeface="Calibri"/>
+              <a:ea typeface="DejaVu Sans"/>
+            </a:endParaRPr>
+          </a:p>
+        </p:txBody>
+      </p:sp>
+      <p:sp>
+        <p:nvSpPr>
+          <p:cNvPr id="468" name="Rectangle 164"/>
+          <p:cNvSpPr/>
+          <p:nvPr/>
+        </p:nvSpPr>
+        <p:spPr>
+          <a:xfrm>
+            <a:off x="1828800" y="0"/>
+            <a:ext cx="16200" cy="6855840"/>
+          </a:xfrm>
+          <a:prstGeom prst="rect">
+            <a:avLst/>
+          </a:prstGeom>
+          <a:solidFill>
+            <a:srgbClr val="121216"/>
+          </a:solidFill>
+          <a:ln>
+            <a:noFill/>
+          </a:ln>
+          <a:effectLst>
+            <a:outerShdw blurRad="39960" dir="5400000" dist="23040" rotWithShape="0">
+              <a:srgbClr val="000000">
+                <a:alpha val="35000"/>
+              </a:srgbClr>
+            </a:outerShdw>
+          </a:effectLst>
+        </p:spPr>
+        <p:style>
+          <a:lnRef idx="1">
+            <a:schemeClr val="accent1"/>
+          </a:lnRef>
+          <a:fillRef idx="3">
+            <a:schemeClr val="accent1"/>
+          </a:fillRef>
+          <a:effectRef idx="2">
+            <a:schemeClr val="accent1"/>
+          </a:effectRef>
+          <a:fontRef idx="minor"/>
+        </p:style>
+        <p:txBody>
+          <a:bodyPr lIns="90000" rIns="90000" tIns="45000" bIns="45000" anchor="ctr">
+            <a:noAutofit/>
+          </a:bodyPr>
+          <a:p>
+            <a:endParaRPr b="0" lang="en-US" sz="1800" spc="-1" strike="noStrike">
+              <a:solidFill>
+                <a:schemeClr val="lt1"/>
+              </a:solidFill>
+              <a:latin typeface="Calibri"/>
+              <a:ea typeface="DejaVu Sans"/>
+            </a:endParaRPr>
+          </a:p>
+        </p:txBody>
+      </p:sp>
+      <p:sp>
+        <p:nvSpPr>
+          <p:cNvPr id="469" name="Rectangle 165"/>
+          <p:cNvSpPr/>
+          <p:nvPr/>
+        </p:nvSpPr>
+        <p:spPr>
+          <a:xfrm>
+            <a:off x="2743200" y="0"/>
+            <a:ext cx="16200" cy="6855840"/>
+          </a:xfrm>
+          <a:prstGeom prst="rect">
+            <a:avLst/>
+          </a:prstGeom>
+          <a:solidFill>
+            <a:srgbClr val="121216"/>
+          </a:solidFill>
+          <a:ln>
+            <a:noFill/>
+          </a:ln>
+          <a:effectLst>
+            <a:outerShdw blurRad="39960" dir="5400000" dist="23040" rotWithShape="0">
+              <a:srgbClr val="000000">
+                <a:alpha val="35000"/>
+              </a:srgbClr>
+            </a:outerShdw>
+          </a:effectLst>
+        </p:spPr>
+        <p:style>
+          <a:lnRef idx="1">
+            <a:schemeClr val="accent1"/>
+          </a:lnRef>
+          <a:fillRef idx="3">
+            <a:schemeClr val="accent1"/>
+          </a:fillRef>
+          <a:effectRef idx="2">
+            <a:schemeClr val="accent1"/>
+          </a:effectRef>
+          <a:fontRef idx="minor"/>
+        </p:style>
+        <p:txBody>
+          <a:bodyPr lIns="90000" rIns="90000" tIns="45000" bIns="45000" anchor="ctr">
+            <a:noAutofit/>
+          </a:bodyPr>
+          <a:p>
+            <a:endParaRPr b="0" lang="en-US" sz="1800" spc="-1" strike="noStrike">
+              <a:solidFill>
+                <a:schemeClr val="lt1"/>
+              </a:solidFill>
+              <a:latin typeface="Calibri"/>
+              <a:ea typeface="DejaVu Sans"/>
+            </a:endParaRPr>
+          </a:p>
+        </p:txBody>
+      </p:sp>
+      <p:sp>
+        <p:nvSpPr>
+          <p:cNvPr id="470" name="Rectangle 166"/>
+          <p:cNvSpPr/>
+          <p:nvPr/>
+        </p:nvSpPr>
+        <p:spPr>
+          <a:xfrm>
+            <a:off x="3657600" y="0"/>
+            <a:ext cx="16200" cy="6855840"/>
+          </a:xfrm>
+          <a:prstGeom prst="rect">
+            <a:avLst/>
+          </a:prstGeom>
+          <a:solidFill>
+            <a:srgbClr val="121216"/>
+          </a:solidFill>
+          <a:ln>
+            <a:noFill/>
+          </a:ln>
+          <a:effectLst>
+            <a:outerShdw blurRad="39960" dir="5400000" dist="23040" rotWithShape="0">
+              <a:srgbClr val="000000">
+                <a:alpha val="35000"/>
+              </a:srgbClr>
+            </a:outerShdw>
+          </a:effectLst>
+        </p:spPr>
+        <p:style>
+          <a:lnRef idx="1">
+            <a:schemeClr val="accent1"/>
+          </a:lnRef>
+          <a:fillRef idx="3">
+            <a:schemeClr val="accent1"/>
+          </a:fillRef>
+          <a:effectRef idx="2">
+            <a:schemeClr val="accent1"/>
+          </a:effectRef>
+          <a:fontRef idx="minor"/>
+        </p:style>
+        <p:txBody>
+          <a:bodyPr lIns="90000" rIns="90000" tIns="45000" bIns="45000" anchor="ctr">
+            <a:noAutofit/>
+          </a:bodyPr>
+          <a:p>
+            <a:endParaRPr b="0" lang="en-US" sz="1800" spc="-1" strike="noStrike">
+              <a:solidFill>
+                <a:schemeClr val="lt1"/>
+              </a:solidFill>
+              <a:latin typeface="Calibri"/>
+              <a:ea typeface="DejaVu Sans"/>
+            </a:endParaRPr>
+          </a:p>
+        </p:txBody>
+      </p:sp>
+      <p:sp>
+        <p:nvSpPr>
+          <p:cNvPr id="471" name="Rectangle 167"/>
+          <p:cNvSpPr/>
+          <p:nvPr/>
+        </p:nvSpPr>
+        <p:spPr>
+          <a:xfrm>
+            <a:off x="4572000" y="0"/>
+            <a:ext cx="16200" cy="6855840"/>
+          </a:xfrm>
+          <a:prstGeom prst="rect">
+            <a:avLst/>
+          </a:prstGeom>
+          <a:solidFill>
+            <a:srgbClr val="121216"/>
+          </a:solidFill>
+          <a:ln>
+            <a:noFill/>
+          </a:ln>
+          <a:effectLst>
+            <a:outerShdw blurRad="39960" dir="5400000" dist="23040" rotWithShape="0">
+              <a:srgbClr val="000000">
+                <a:alpha val="35000"/>
+              </a:srgbClr>
+            </a:outerShdw>
+          </a:effectLst>
+        </p:spPr>
+        <p:style>
+          <a:lnRef idx="1">
+            <a:schemeClr val="accent1"/>
+          </a:lnRef>
+          <a:fillRef idx="3">
+            <a:schemeClr val="accent1"/>
+          </a:fillRef>
+          <a:effectRef idx="2">
+            <a:schemeClr val="accent1"/>
+          </a:effectRef>
+          <a:fontRef idx="minor"/>
+        </p:style>
+        <p:txBody>
+          <a:bodyPr lIns="90000" rIns="90000" tIns="45000" bIns="45000" anchor="ctr">
+            <a:noAutofit/>
+          </a:bodyPr>
+          <a:p>
+            <a:endParaRPr b="0" lang="en-US" sz="1800" spc="-1" strike="noStrike">
+              <a:solidFill>
+                <a:schemeClr val="lt1"/>
+              </a:solidFill>
+              <a:latin typeface="Calibri"/>
+              <a:ea typeface="DejaVu Sans"/>
+            </a:endParaRPr>
+          </a:p>
+        </p:txBody>
+      </p:sp>
+      <p:sp>
+        <p:nvSpPr>
+          <p:cNvPr id="472" name="Rectangle 168"/>
+          <p:cNvSpPr/>
+          <p:nvPr/>
+        </p:nvSpPr>
+        <p:spPr>
+          <a:xfrm>
+            <a:off x="5486400" y="0"/>
+            <a:ext cx="16200" cy="6855840"/>
+          </a:xfrm>
+          <a:prstGeom prst="rect">
+            <a:avLst/>
+          </a:prstGeom>
+          <a:solidFill>
+            <a:srgbClr val="121216"/>
+          </a:solidFill>
+          <a:ln>
+            <a:noFill/>
+          </a:ln>
+          <a:effectLst>
+            <a:outerShdw blurRad="39960" dir="5400000" dist="23040" rotWithShape="0">
+              <a:srgbClr val="000000">
+                <a:alpha val="35000"/>
+              </a:srgbClr>
+            </a:outerShdw>
+          </a:effectLst>
+        </p:spPr>
+        <p:style>
+          <a:lnRef idx="1">
+            <a:schemeClr val="accent1"/>
+          </a:lnRef>
+          <a:fillRef idx="3">
+            <a:schemeClr val="accent1"/>
+          </a:fillRef>
+          <a:effectRef idx="2">
+            <a:schemeClr val="accent1"/>
+          </a:effectRef>
+          <a:fontRef idx="minor"/>
+        </p:style>
+        <p:txBody>
+          <a:bodyPr lIns="90000" rIns="90000" tIns="45000" bIns="45000" anchor="ctr">
+            <a:noAutofit/>
+          </a:bodyPr>
+          <a:p>
+            <a:endParaRPr b="0" lang="en-US" sz="1800" spc="-1" strike="noStrike">
+              <a:solidFill>
+                <a:schemeClr val="lt1"/>
+              </a:solidFill>
+              <a:latin typeface="Calibri"/>
+              <a:ea typeface="DejaVu Sans"/>
+            </a:endParaRPr>
+          </a:p>
+        </p:txBody>
+      </p:sp>
+      <p:sp>
+        <p:nvSpPr>
+          <p:cNvPr id="473" name="Rectangle 169"/>
+          <p:cNvSpPr/>
+          <p:nvPr/>
+        </p:nvSpPr>
+        <p:spPr>
+          <a:xfrm>
+            <a:off x="6400800" y="0"/>
+            <a:ext cx="16200" cy="6855840"/>
+          </a:xfrm>
+          <a:prstGeom prst="rect">
+            <a:avLst/>
+          </a:prstGeom>
+          <a:solidFill>
+            <a:srgbClr val="121216"/>
+          </a:solidFill>
+          <a:ln>
+            <a:noFill/>
+          </a:ln>
+          <a:effectLst>
+            <a:outerShdw blurRad="39960" dir="5400000" dist="23040" rotWithShape="0">
+              <a:srgbClr val="000000">
+                <a:alpha val="35000"/>
+              </a:srgbClr>
+            </a:outerShdw>
+          </a:effectLst>
+        </p:spPr>
+        <p:style>
+          <a:lnRef idx="1">
+            <a:schemeClr val="accent1"/>
+          </a:lnRef>
+          <a:fillRef idx="3">
+            <a:schemeClr val="accent1"/>
+          </a:fillRef>
+          <a:effectRef idx="2">
+            <a:schemeClr val="accent1"/>
+          </a:effectRef>
+          <a:fontRef idx="minor"/>
+        </p:style>
+        <p:txBody>
+          <a:bodyPr lIns="90000" rIns="90000" tIns="45000" bIns="45000" anchor="ctr">
+            <a:noAutofit/>
+          </a:bodyPr>
+          <a:p>
+            <a:endParaRPr b="0" lang="en-US" sz="1800" spc="-1" strike="noStrike">
+              <a:solidFill>
+                <a:schemeClr val="lt1"/>
+              </a:solidFill>
+              <a:latin typeface="Calibri"/>
+              <a:ea typeface="DejaVu Sans"/>
+            </a:endParaRPr>
+          </a:p>
+        </p:txBody>
+      </p:sp>
+      <p:sp>
+        <p:nvSpPr>
+          <p:cNvPr id="474" name="Rectangle 170"/>
+          <p:cNvSpPr/>
+          <p:nvPr/>
+        </p:nvSpPr>
+        <p:spPr>
+          <a:xfrm>
+            <a:off x="7315200" y="0"/>
+            <a:ext cx="16200" cy="6855840"/>
+          </a:xfrm>
+          <a:prstGeom prst="rect">
+            <a:avLst/>
+          </a:prstGeom>
+          <a:solidFill>
+            <a:srgbClr val="121216"/>
+          </a:solidFill>
+          <a:ln>
+            <a:noFill/>
+          </a:ln>
+          <a:effectLst>
+            <a:outerShdw blurRad="39960" dir="5400000" dist="23040" rotWithShape="0">
+              <a:srgbClr val="000000">
+                <a:alpha val="35000"/>
+              </a:srgbClr>
+            </a:outerShdw>
+          </a:effectLst>
+        </p:spPr>
+        <p:style>
+          <a:lnRef idx="1">
+            <a:schemeClr val="accent1"/>
+          </a:lnRef>
+          <a:fillRef idx="3">
+            <a:schemeClr val="accent1"/>
+          </a:fillRef>
+          <a:effectRef idx="2">
+            <a:schemeClr val="accent1"/>
+          </a:effectRef>
+          <a:fontRef idx="minor"/>
+        </p:style>
+        <p:txBody>
+          <a:bodyPr lIns="90000" rIns="90000" tIns="45000" bIns="45000" anchor="ctr">
+            <a:noAutofit/>
+          </a:bodyPr>
+          <a:p>
+            <a:endParaRPr b="0" lang="en-US" sz="1800" spc="-1" strike="noStrike">
+              <a:solidFill>
+                <a:schemeClr val="lt1"/>
+              </a:solidFill>
+              <a:latin typeface="Calibri"/>
+              <a:ea typeface="DejaVu Sans"/>
+            </a:endParaRPr>
+          </a:p>
+        </p:txBody>
+      </p:sp>
+      <p:sp>
+        <p:nvSpPr>
+          <p:cNvPr id="475" name="Rectangle 171"/>
+          <p:cNvSpPr/>
+          <p:nvPr/>
+        </p:nvSpPr>
+        <p:spPr>
+          <a:xfrm>
+            <a:off x="8229600" y="0"/>
+            <a:ext cx="16200" cy="6855840"/>
+          </a:xfrm>
+          <a:prstGeom prst="rect">
+            <a:avLst/>
+          </a:prstGeom>
+          <a:solidFill>
+            <a:srgbClr val="121216"/>
+          </a:solidFill>
+          <a:ln>
+            <a:noFill/>
+          </a:ln>
+          <a:effectLst>
+            <a:outerShdw blurRad="39960" dir="5400000" dist="23040" rotWithShape="0">
+              <a:srgbClr val="000000">
+                <a:alpha val="35000"/>
+              </a:srgbClr>
+            </a:outerShdw>
+          </a:effectLst>
+        </p:spPr>
+        <p:style>
+          <a:lnRef idx="1">
+            <a:schemeClr val="accent1"/>
+          </a:lnRef>
+          <a:fillRef idx="3">
+            <a:schemeClr val="accent1"/>
+          </a:fillRef>
+          <a:effectRef idx="2">
+            <a:schemeClr val="accent1"/>
+          </a:effectRef>
+          <a:fontRef idx="minor"/>
+        </p:style>
+        <p:txBody>
+          <a:bodyPr lIns="90000" rIns="90000" tIns="45000" bIns="45000" anchor="ctr">
+            <a:noAutofit/>
+          </a:bodyPr>
+          <a:p>
+            <a:endParaRPr b="0" lang="en-US" sz="1800" spc="-1" strike="noStrike">
+              <a:solidFill>
+                <a:schemeClr val="lt1"/>
+              </a:solidFill>
+              <a:latin typeface="Calibri"/>
+              <a:ea typeface="DejaVu Sans"/>
+            </a:endParaRPr>
+          </a:p>
+        </p:txBody>
+      </p:sp>
+      <p:sp>
+        <p:nvSpPr>
+          <p:cNvPr id="476" name="Rectangle 172"/>
+          <p:cNvSpPr/>
+          <p:nvPr/>
+        </p:nvSpPr>
+        <p:spPr>
+          <a:xfrm>
+            <a:off x="9144000" y="0"/>
+            <a:ext cx="16200" cy="6855840"/>
+          </a:xfrm>
+          <a:prstGeom prst="rect">
+            <a:avLst/>
+          </a:prstGeom>
+          <a:solidFill>
+            <a:srgbClr val="121216"/>
+          </a:solidFill>
+          <a:ln>
+            <a:noFill/>
+          </a:ln>
+          <a:effectLst>
+            <a:outerShdw blurRad="39960" dir="5400000" dist="23040" rotWithShape="0">
+              <a:srgbClr val="000000">
+                <a:alpha val="35000"/>
+              </a:srgbClr>
+            </a:outerShdw>
+          </a:effectLst>
+        </p:spPr>
+        <p:style>
+          <a:lnRef idx="1">
+            <a:schemeClr val="accent1"/>
+          </a:lnRef>
+          <a:fillRef idx="3">
+            <a:schemeClr val="accent1"/>
+          </a:fillRef>
+          <a:effectRef idx="2">
+            <a:schemeClr val="accent1"/>
+          </a:effectRef>
+          <a:fontRef idx="minor"/>
+        </p:style>
+        <p:txBody>
+          <a:bodyPr lIns="90000" rIns="90000" tIns="45000" bIns="45000" anchor="ctr">
+            <a:noAutofit/>
+          </a:bodyPr>
+          <a:p>
+            <a:endParaRPr b="0" lang="en-US" sz="1800" spc="-1" strike="noStrike">
+              <a:solidFill>
+                <a:schemeClr val="lt1"/>
+              </a:solidFill>
+              <a:latin typeface="Calibri"/>
+              <a:ea typeface="DejaVu Sans"/>
+            </a:endParaRPr>
+          </a:p>
+        </p:txBody>
+      </p:sp>
+      <p:sp>
+        <p:nvSpPr>
+          <p:cNvPr id="477" name="Rectangle 173"/>
+          <p:cNvSpPr/>
+          <p:nvPr/>
+        </p:nvSpPr>
+        <p:spPr>
+          <a:xfrm>
+            <a:off x="10058400" y="0"/>
+            <a:ext cx="16200" cy="6855840"/>
+          </a:xfrm>
+          <a:prstGeom prst="rect">
+            <a:avLst/>
+          </a:prstGeom>
+          <a:solidFill>
+            <a:srgbClr val="121216"/>
+          </a:solidFill>
+          <a:ln>
+            <a:noFill/>
+          </a:ln>
+          <a:effectLst>
+            <a:outerShdw blurRad="39960" dir="5400000" dist="23040" rotWithShape="0">
+              <a:srgbClr val="000000">
+                <a:alpha val="35000"/>
+              </a:srgbClr>
+            </a:outerShdw>
+          </a:effectLst>
+        </p:spPr>
+        <p:style>
+          <a:lnRef idx="1">
+            <a:schemeClr val="accent1"/>
+          </a:lnRef>
+          <a:fillRef idx="3">
+            <a:schemeClr val="accent1"/>
+          </a:fillRef>
+          <a:effectRef idx="2">
+            <a:schemeClr val="accent1"/>
+          </a:effectRef>
+          <a:fontRef idx="minor"/>
+        </p:style>
+        <p:txBody>
+          <a:bodyPr lIns="90000" rIns="90000" tIns="45000" bIns="45000" anchor="ctr">
+            <a:noAutofit/>
+          </a:bodyPr>
+          <a:p>
+            <a:endParaRPr b="0" lang="en-US" sz="1800" spc="-1" strike="noStrike">
+              <a:solidFill>
+                <a:schemeClr val="lt1"/>
+              </a:solidFill>
+              <a:latin typeface="Calibri"/>
+              <a:ea typeface="DejaVu Sans"/>
+            </a:endParaRPr>
+          </a:p>
+        </p:txBody>
+      </p:sp>
+      <p:sp>
+        <p:nvSpPr>
+          <p:cNvPr id="478" name="Rectangle 174"/>
+          <p:cNvSpPr/>
+          <p:nvPr/>
+        </p:nvSpPr>
+        <p:spPr>
+          <a:xfrm>
+            <a:off x="10972800" y="0"/>
+            <a:ext cx="16200" cy="6855840"/>
+          </a:xfrm>
+          <a:prstGeom prst="rect">
+            <a:avLst/>
+          </a:prstGeom>
+          <a:solidFill>
+            <a:srgbClr val="121216"/>
+          </a:solidFill>
+          <a:ln>
+            <a:noFill/>
+          </a:ln>
+          <a:effectLst>
+            <a:outerShdw blurRad="39960" dir="5400000" dist="23040" rotWithShape="0">
+              <a:srgbClr val="000000">
+                <a:alpha val="35000"/>
+              </a:srgbClr>
+            </a:outerShdw>
+          </a:effectLst>
+        </p:spPr>
+        <p:style>
+          <a:lnRef idx="1">
+            <a:schemeClr val="accent1"/>
+          </a:lnRef>
+          <a:fillRef idx="3">
+            <a:schemeClr val="accent1"/>
+          </a:fillRef>
+          <a:effectRef idx="2">
+            <a:schemeClr val="accent1"/>
+          </a:effectRef>
+          <a:fontRef idx="minor"/>
+        </p:style>
+        <p:txBody>
+          <a:bodyPr lIns="90000" rIns="90000" tIns="45000" bIns="45000" anchor="ctr">
+            <a:noAutofit/>
+          </a:bodyPr>
+          <a:p>
+            <a:endParaRPr b="0" lang="en-US" sz="1800" spc="-1" strike="noStrike">
+              <a:solidFill>
+                <a:schemeClr val="lt1"/>
+              </a:solidFill>
+              <a:latin typeface="Calibri"/>
+              <a:ea typeface="DejaVu Sans"/>
+            </a:endParaRPr>
+          </a:p>
+        </p:txBody>
+      </p:sp>
+      <p:sp>
+        <p:nvSpPr>
+          <p:cNvPr id="479" name="Rectangle 175"/>
+          <p:cNvSpPr/>
+          <p:nvPr/>
+        </p:nvSpPr>
+        <p:spPr>
+          <a:xfrm>
+            <a:off x="11887200" y="0"/>
+            <a:ext cx="16200" cy="6855840"/>
+          </a:xfrm>
+          <a:prstGeom prst="rect">
+            <a:avLst/>
+          </a:prstGeom>
+          <a:solidFill>
+            <a:srgbClr val="121216"/>
+          </a:solidFill>
+          <a:ln>
+            <a:noFill/>
+          </a:ln>
+          <a:effectLst>
+            <a:outerShdw blurRad="39960" dir="5400000" dist="23040" rotWithShape="0">
+              <a:srgbClr val="000000">
+                <a:alpha val="35000"/>
+              </a:srgbClr>
+            </a:outerShdw>
+          </a:effectLst>
+        </p:spPr>
+        <p:style>
+          <a:lnRef idx="1">
+            <a:schemeClr val="accent1"/>
+          </a:lnRef>
+          <a:fillRef idx="3">
+            <a:schemeClr val="accent1"/>
+          </a:fillRef>
+          <a:effectRef idx="2">
+            <a:schemeClr val="accent1"/>
+          </a:effectRef>
+          <a:fontRef idx="minor"/>
+        </p:style>
+        <p:txBody>
+          <a:bodyPr lIns="90000" rIns="90000" tIns="45000" bIns="45000" anchor="ctr">
+            <a:noAutofit/>
+          </a:bodyPr>
+          <a:p>
+            <a:endParaRPr b="0" lang="en-US" sz="1800" spc="-1" strike="noStrike">
+              <a:solidFill>
+                <a:schemeClr val="lt1"/>
+              </a:solidFill>
+              <a:latin typeface="Calibri"/>
+              <a:ea typeface="DejaVu Sans"/>
+            </a:endParaRPr>
+          </a:p>
+        </p:txBody>
+      </p:sp>
+      <p:sp>
+        <p:nvSpPr>
+          <p:cNvPr id="480" name="Rectangle 176"/>
+          <p:cNvSpPr/>
+          <p:nvPr/>
+        </p:nvSpPr>
+        <p:spPr>
+          <a:xfrm>
+            <a:off x="0" y="0"/>
+            <a:ext cx="317880" cy="6855840"/>
+          </a:xfrm>
+          <a:prstGeom prst="rect">
+            <a:avLst/>
+          </a:prstGeom>
+          <a:solidFill>
+            <a:srgbClr val="ff8c00"/>
+          </a:solidFill>
+          <a:ln>
+            <a:noFill/>
+          </a:ln>
+          <a:effectLst>
+            <a:outerShdw blurRad="39960" dir="5400000" dist="23040" rotWithShape="0">
+              <a:srgbClr val="000000">
+                <a:alpha val="35000"/>
+              </a:srgbClr>
+            </a:outerShdw>
+          </a:effectLst>
+        </p:spPr>
+        <p:style>
+          <a:lnRef idx="1">
+            <a:schemeClr val="accent1"/>
+          </a:lnRef>
+          <a:fillRef idx="3">
+            <a:schemeClr val="accent1"/>
+          </a:fillRef>
+          <a:effectRef idx="2">
+            <a:schemeClr val="accent1"/>
+          </a:effectRef>
+          <a:fontRef idx="minor"/>
+        </p:style>
+        <p:txBody>
+          <a:bodyPr lIns="90000" rIns="90000" tIns="45000" bIns="45000" anchor="ctr">
+            <a:noAutofit/>
+          </a:bodyPr>
+          <a:p>
+            <a:endParaRPr b="0" lang="en-US" sz="1800" spc="-1" strike="noStrike">
+              <a:solidFill>
+                <a:schemeClr val="lt1"/>
+              </a:solidFill>
+              <a:latin typeface="Calibri"/>
+              <a:ea typeface="DejaVu Sans"/>
+            </a:endParaRPr>
+          </a:p>
+        </p:txBody>
+      </p:sp>
+      <p:sp>
+        <p:nvSpPr>
+          <p:cNvPr id="481" name="Rounded Rectangle 78"/>
+          <p:cNvSpPr/>
+          <p:nvPr/>
+        </p:nvSpPr>
+        <p:spPr>
+          <a:xfrm>
+            <a:off x="9875520" y="365760"/>
+            <a:ext cx="2009520" cy="500760"/>
+          </a:xfrm>
+          <a:prstGeom prst="roundRect">
+            <a:avLst>
+              <a:gd name="adj" fmla="val 16667"/>
+            </a:avLst>
+          </a:prstGeom>
+          <a:solidFill>
+            <a:srgbClr val="1e1e24"/>
+          </a:solidFill>
+          <a:ln>
+            <a:solidFill>
+              <a:srgbClr val="ff8c00"/>
+            </a:solidFill>
+            <a:round/>
+          </a:ln>
+          <a:effectLst>
+            <a:outerShdw blurRad="39960" dir="5400000" dist="23040" rotWithShape="0">
+              <a:srgbClr val="000000">
+                <a:alpha val="35000"/>
+              </a:srgbClr>
+            </a:outerShdw>
+          </a:effectLst>
+        </p:spPr>
+        <p:style>
+          <a:lnRef idx="1">
+            <a:schemeClr val="accent1"/>
+          </a:lnRef>
+          <a:fillRef idx="3">
+            <a:schemeClr val="accent1"/>
+          </a:fillRef>
+          <a:effectRef idx="2">
+            <a:schemeClr val="accent1"/>
+          </a:effectRef>
+          <a:fontRef idx="minor"/>
+        </p:style>
+        <p:txBody>
+          <a:bodyPr lIns="90000" rIns="90000" tIns="45000" bIns="45000" anchor="ctr">
+            <a:noAutofit/>
+          </a:bodyPr>
+          <a:p>
+            <a:pPr algn="ctr">
+              <a:lnSpc>
+                <a:spcPct val="100000"/>
+              </a:lnSpc>
+            </a:pPr>
+            <a:r>
+              <a:rPr b="1" lang="en-US" sz="1400" spc="-1" strike="noStrike">
+                <a:solidFill>
+                  <a:srgbClr val="ffb45a"/>
+                </a:solidFill>
+                <a:latin typeface="Calibri"/>
+                <a:ea typeface="DejaVu Sans"/>
+              </a:rPr>
+              <a:t>JAVA TEMELLERI</a:t>
+            </a:r>
+            <a:endParaRPr b="0" lang="en-US" sz="1400" spc="-1" strike="noStrike">
+              <a:solidFill>
+                <a:srgbClr val="ffffff"/>
+              </a:solidFill>
+              <a:latin typeface="Arial"/>
+            </a:endParaRPr>
+          </a:p>
+        </p:txBody>
+      </p:sp>
+      <p:sp>
+        <p:nvSpPr>
+          <p:cNvPr id="482" name="TextBox 34"/>
+          <p:cNvSpPr/>
+          <p:nvPr/>
+        </p:nvSpPr>
+        <p:spPr>
+          <a:xfrm>
+            <a:off x="3134520" y="1005840"/>
+            <a:ext cx="4701240" cy="638280"/>
+          </a:xfrm>
+          <a:prstGeom prst="rect">
+            <a:avLst/>
+          </a:prstGeom>
+          <a:noFill/>
+          <a:ln w="0">
+            <a:noFill/>
+          </a:ln>
+        </p:spPr>
+        <p:style>
+          <a:lnRef idx="0"/>
+          <a:fillRef idx="0"/>
+          <a:effectRef idx="0"/>
+          <a:fontRef idx="minor"/>
+        </p:style>
+        <p:txBody>
+          <a:bodyPr wrap="none" lIns="90000" rIns="90000" tIns="45000" bIns="45000" anchor="t">
+            <a:spAutoFit/>
+          </a:bodyPr>
+          <a:p>
+            <a:pPr>
+              <a:lnSpc>
+                <a:spcPct val="100000"/>
+              </a:lnSpc>
+            </a:pPr>
+            <a:r>
+              <a:rPr b="1" lang="en-US" sz="3600" spc="-1" strike="noStrike">
+                <a:solidFill>
+                  <a:srgbClr val="f5f5f5"/>
+                </a:solidFill>
+                <a:latin typeface="Calibri"/>
+                <a:ea typeface="DejaVu Sans"/>
+              </a:rPr>
+              <a:t>JAVA SÜRÜM YÖNETİMİ</a:t>
+            </a:r>
+            <a:endParaRPr b="0" lang="en-US" sz="3600" spc="-1" strike="noStrike">
+              <a:solidFill>
+                <a:srgbClr val="000000"/>
+              </a:solidFill>
+              <a:latin typeface="Arial"/>
+            </a:endParaRPr>
+          </a:p>
+        </p:txBody>
+      </p:sp>
+      <p:sp>
+        <p:nvSpPr>
+          <p:cNvPr id="483" name="TextBox 35"/>
+          <p:cNvSpPr/>
+          <p:nvPr/>
+        </p:nvSpPr>
+        <p:spPr>
+          <a:xfrm>
+            <a:off x="2258640" y="2194560"/>
+            <a:ext cx="6467760" cy="317880"/>
+          </a:xfrm>
+          <a:prstGeom prst="rect">
+            <a:avLst/>
+          </a:prstGeom>
+          <a:noFill/>
+          <a:ln w="0">
+            <a:noFill/>
+          </a:ln>
+        </p:spPr>
+        <p:style>
+          <a:lnRef idx="0"/>
+          <a:fillRef idx="0"/>
+          <a:effectRef idx="0"/>
+          <a:fontRef idx="minor"/>
+        </p:style>
+        <p:txBody>
+          <a:bodyPr wrap="none" lIns="90000" rIns="90000" tIns="45000" bIns="45000" anchor="t">
+            <a:spAutoFit/>
+          </a:bodyPr>
+          <a:p>
+            <a:pPr>
+              <a:lnSpc>
+                <a:spcPct val="100000"/>
+              </a:lnSpc>
+            </a:pPr>
+            <a:r>
+              <a:rPr b="0" lang="en-US" sz="1500" spc="-1" strike="noStrike">
+                <a:solidFill>
+                  <a:srgbClr val="aaaaaa"/>
+                </a:solidFill>
+                <a:latin typeface="Calibri"/>
+                <a:ea typeface="DejaVu Sans"/>
+              </a:rPr>
+              <a:t>Birden fazla Java sürümünü yönetmek ve aralarında güvenli şekilde geçiş yapmak.</a:t>
+            </a:r>
+            <a:endParaRPr b="0" lang="en-US" sz="1500" spc="-1" strike="noStrike">
+              <a:solidFill>
+                <a:srgbClr val="000000"/>
+              </a:solidFill>
+              <a:latin typeface="Arial"/>
+            </a:endParaRPr>
+          </a:p>
+        </p:txBody>
+      </p:sp>
+      <p:sp>
+        <p:nvSpPr>
+          <p:cNvPr id="484" name="Rounded Rectangle 79"/>
+          <p:cNvSpPr/>
+          <p:nvPr/>
+        </p:nvSpPr>
+        <p:spPr>
+          <a:xfrm>
+            <a:off x="987480" y="3182040"/>
+            <a:ext cx="3289680" cy="2741040"/>
+          </a:xfrm>
+          <a:prstGeom prst="roundRect">
+            <a:avLst>
+              <a:gd name="adj" fmla="val 16667"/>
+            </a:avLst>
+          </a:prstGeom>
+          <a:solidFill>
+            <a:srgbClr val="08080a"/>
+          </a:solidFill>
+          <a:ln>
+            <a:noFill/>
+          </a:ln>
+          <a:effectLst>
+            <a:outerShdw blurRad="39960" dir="5400000" dist="23040" rotWithShape="0">
+              <a:srgbClr val="000000">
+                <a:alpha val="35000"/>
+              </a:srgbClr>
+            </a:outerShdw>
+          </a:effectLst>
+        </p:spPr>
+        <p:style>
+          <a:lnRef idx="1">
+            <a:schemeClr val="accent1"/>
+          </a:lnRef>
+          <a:fillRef idx="3">
+            <a:schemeClr val="accent1"/>
+          </a:fillRef>
+          <a:effectRef idx="2">
+            <a:schemeClr val="accent1"/>
+          </a:effectRef>
+          <a:fontRef idx="minor"/>
+        </p:style>
+        <p:txBody>
+          <a:bodyPr lIns="90000" rIns="90000" tIns="45000" bIns="45000" anchor="ctr">
+            <a:noAutofit/>
+          </a:bodyPr>
+          <a:p>
+            <a:endParaRPr b="0" lang="en-US" sz="1800" spc="-1" strike="noStrike">
+              <a:solidFill>
+                <a:schemeClr val="lt1"/>
+              </a:solidFill>
+              <a:latin typeface="Calibri"/>
+              <a:ea typeface="DejaVu Sans"/>
+            </a:endParaRPr>
+          </a:p>
+        </p:txBody>
+      </p:sp>
+      <p:sp>
+        <p:nvSpPr>
+          <p:cNvPr id="485" name="Rounded Rectangle 80"/>
+          <p:cNvSpPr/>
+          <p:nvPr/>
+        </p:nvSpPr>
+        <p:spPr>
+          <a:xfrm>
+            <a:off x="457200" y="2971800"/>
+            <a:ext cx="3784680" cy="3200400"/>
+          </a:xfrm>
+          <a:prstGeom prst="roundRect">
+            <a:avLst>
+              <a:gd name="adj" fmla="val 16667"/>
+            </a:avLst>
+          </a:prstGeom>
+          <a:solidFill>
+            <a:srgbClr val="16161c"/>
+          </a:solidFill>
+          <a:ln>
+            <a:solidFill>
+              <a:srgbClr val="464655"/>
+            </a:solidFill>
+            <a:round/>
+          </a:ln>
+          <a:effectLst>
+            <a:outerShdw blurRad="39960" dir="5400000" dist="23040" rotWithShape="0">
+              <a:srgbClr val="000000">
+                <a:alpha val="35000"/>
+              </a:srgbClr>
+            </a:outerShdw>
+          </a:effectLst>
+        </p:spPr>
+        <p:style>
+          <a:lnRef idx="1">
+            <a:schemeClr val="accent1"/>
+          </a:lnRef>
+          <a:fillRef idx="3">
+            <a:schemeClr val="accent1"/>
+          </a:fillRef>
+          <a:effectRef idx="2">
+            <a:schemeClr val="accent1"/>
+          </a:effectRef>
+          <a:fontRef idx="minor"/>
+        </p:style>
+        <p:txBody>
+          <a:bodyPr lIns="90000" rIns="90000" tIns="45000" bIns="45000" anchor="ctr">
+            <a:noAutofit/>
+          </a:bodyPr>
+          <a:p>
+            <a:pPr>
+              <a:lnSpc>
+                <a:spcPct val="100000"/>
+              </a:lnSpc>
+            </a:pPr>
+            <a:r>
+              <a:rPr b="0" lang="en-US" sz="1300" spc="-1" strike="noStrike">
+                <a:solidFill>
+                  <a:schemeClr val="lt1"/>
+                </a:solidFill>
+                <a:latin typeface="Calibri"/>
+                <a:ea typeface="DejaVu Sans"/>
+              </a:rPr>
+              <a:t>Bazen aynı sistemde birden fazla Java sürümü yüklü olabilir.</a:t>
+            </a:r>
+            <a:endParaRPr b="0" lang="en-US" sz="1300" spc="-1" strike="noStrike">
+              <a:solidFill>
+                <a:srgbClr val="ffffff"/>
+              </a:solidFill>
+              <a:latin typeface="Arial"/>
+            </a:endParaRPr>
+          </a:p>
+          <a:p>
+            <a:pPr>
+              <a:lnSpc>
+                <a:spcPct val="100000"/>
+              </a:lnSpc>
+            </a:pPr>
+            <a:endParaRPr b="0" lang="en-US" sz="1300" spc="-1" strike="noStrike">
+              <a:solidFill>
+                <a:srgbClr val="ffffff"/>
+              </a:solidFill>
+              <a:latin typeface="Arial"/>
+            </a:endParaRPr>
+          </a:p>
+          <a:p>
+            <a:pPr>
+              <a:lnSpc>
+                <a:spcPct val="100000"/>
+              </a:lnSpc>
+            </a:pPr>
+            <a:r>
+              <a:rPr b="1" lang="en-US" sz="1300" spc="-1" strike="noStrike">
+                <a:solidFill>
+                  <a:schemeClr val="lt1"/>
+                </a:solidFill>
+                <a:latin typeface="Calibri"/>
+                <a:ea typeface="DejaVu Sans"/>
+              </a:rPr>
+              <a:t>Örneğin:</a:t>
+            </a:r>
+            <a:endParaRPr b="0" lang="en-US" sz="1300" spc="-1" strike="noStrike">
+              <a:solidFill>
+                <a:srgbClr val="ffffff"/>
+              </a:solidFill>
+              <a:latin typeface="Arial"/>
+            </a:endParaRPr>
+          </a:p>
+          <a:p>
+            <a:pPr marL="216000" indent="-216000">
+              <a:lnSpc>
+                <a:spcPct val="100000"/>
+              </a:lnSpc>
+              <a:buClr>
+                <a:srgbClr val="ffffff"/>
+              </a:buClr>
+              <a:buFont typeface="Wingdings" charset="2"/>
+              <a:buChar char=""/>
+            </a:pPr>
+            <a:r>
+              <a:rPr b="1" lang="en-US" sz="1300" spc="-1" strike="noStrike">
+                <a:solidFill>
+                  <a:schemeClr val="lt1"/>
+                </a:solidFill>
+                <a:latin typeface="Calibri"/>
+                <a:ea typeface="DejaVu Sans"/>
+              </a:rPr>
+              <a:t>Java 17 (LTS – Uzun Süreli Destek)</a:t>
+            </a:r>
+            <a:endParaRPr b="0" lang="en-US" sz="1300" spc="-1" strike="noStrike">
+              <a:solidFill>
+                <a:srgbClr val="ffffff"/>
+              </a:solidFill>
+              <a:latin typeface="Arial"/>
+            </a:endParaRPr>
+          </a:p>
+          <a:p>
+            <a:pPr marL="216000" indent="-216000">
+              <a:lnSpc>
+                <a:spcPct val="100000"/>
+              </a:lnSpc>
+              <a:buClr>
+                <a:srgbClr val="ffffff"/>
+              </a:buClr>
+              <a:buFont typeface="Wingdings" charset="2"/>
+              <a:buChar char=""/>
+            </a:pPr>
+            <a:r>
+              <a:rPr b="1" lang="en-US" sz="1300" spc="-1" strike="noStrike">
+                <a:solidFill>
+                  <a:schemeClr val="lt1"/>
+                </a:solidFill>
+                <a:latin typeface="Calibri"/>
+                <a:ea typeface="DejaVu Sans"/>
+              </a:rPr>
+              <a:t>Java 21 (LTS – Uzun Süreli Destek)</a:t>
+            </a:r>
+            <a:endParaRPr b="0" lang="en-US" sz="1300" spc="-1" strike="noStrike">
+              <a:solidFill>
+                <a:srgbClr val="ffffff"/>
+              </a:solidFill>
+              <a:latin typeface="Arial"/>
+            </a:endParaRPr>
+          </a:p>
+          <a:p>
+            <a:pPr marL="216000" indent="-216000">
+              <a:lnSpc>
+                <a:spcPct val="100000"/>
+              </a:lnSpc>
+              <a:buClr>
+                <a:srgbClr val="ffffff"/>
+              </a:buClr>
+              <a:buFont typeface="Wingdings" charset="2"/>
+              <a:buChar char=""/>
+            </a:pPr>
+            <a:r>
+              <a:rPr b="1" lang="en-US" sz="1300" spc="-1" strike="noStrike">
+                <a:solidFill>
+                  <a:schemeClr val="lt1"/>
+                </a:solidFill>
+                <a:latin typeface="Calibri"/>
+                <a:ea typeface="DejaVu Sans"/>
+              </a:rPr>
+              <a:t>Daha eski sürüm (Java 8)</a:t>
+            </a:r>
+            <a:endParaRPr b="0" lang="en-US" sz="1300" spc="-1" strike="noStrike">
+              <a:solidFill>
+                <a:srgbClr val="ffffff"/>
+              </a:solidFill>
+              <a:latin typeface="Arial"/>
+            </a:endParaRPr>
+          </a:p>
+          <a:p>
+            <a:pPr>
+              <a:lnSpc>
+                <a:spcPct val="100000"/>
+              </a:lnSpc>
+            </a:pPr>
+            <a:r>
+              <a:rPr b="0" lang="en-US" sz="1300" spc="-1" strike="noStrike">
+                <a:solidFill>
+                  <a:schemeClr val="lt1"/>
+                </a:solidFill>
+                <a:latin typeface="Calibri"/>
+                <a:ea typeface="DejaVu Sans"/>
+              </a:rPr>
+              <a:t>Farklı projeler farklı sürümler gerektirebilir.</a:t>
+            </a:r>
+            <a:endParaRPr b="0" lang="en-US" sz="1300" spc="-1" strike="noStrike">
+              <a:solidFill>
+                <a:srgbClr val="ffffff"/>
+              </a:solidFill>
+              <a:latin typeface="Arial"/>
+            </a:endParaRPr>
+          </a:p>
+          <a:p>
+            <a:pPr>
+              <a:lnSpc>
+                <a:spcPct val="100000"/>
+              </a:lnSpc>
+            </a:pPr>
+            <a:endParaRPr b="0" lang="en-US" sz="1300" spc="-1" strike="noStrike">
+              <a:solidFill>
+                <a:srgbClr val="ffffff"/>
+              </a:solidFill>
+              <a:latin typeface="Arial"/>
+            </a:endParaRPr>
+          </a:p>
+          <a:p>
+            <a:pPr>
+              <a:lnSpc>
+                <a:spcPct val="100000"/>
+              </a:lnSpc>
+            </a:pPr>
+            <a:r>
+              <a:rPr b="0" lang="en-US" sz="1300" spc="-1" strike="noStrike">
+                <a:solidFill>
+                  <a:schemeClr val="lt1"/>
+                </a:solidFill>
+                <a:latin typeface="Calibri"/>
+                <a:ea typeface="DejaVu Sans"/>
+              </a:rPr>
+              <a:t>Sürümler doğru şekilde yönetilmezse:</a:t>
+            </a:r>
+            <a:endParaRPr b="0" lang="en-US" sz="1300" spc="-1" strike="noStrike">
+              <a:solidFill>
+                <a:srgbClr val="ffffff"/>
+              </a:solidFill>
+              <a:latin typeface="Arial"/>
+            </a:endParaRPr>
+          </a:p>
+          <a:p>
+            <a:pPr marL="216000" indent="-216000">
+              <a:lnSpc>
+                <a:spcPct val="100000"/>
+              </a:lnSpc>
+              <a:buClr>
+                <a:srgbClr val="ffffff"/>
+              </a:buClr>
+              <a:buFont typeface="Wingdings" charset="2"/>
+              <a:buChar char=""/>
+            </a:pPr>
+            <a:r>
+              <a:rPr b="1" lang="en-US" sz="1300" spc="-1" strike="noStrike">
+                <a:solidFill>
+                  <a:schemeClr val="lt1"/>
+                </a:solidFill>
+                <a:latin typeface="Calibri"/>
+                <a:ea typeface="DejaVu Sans"/>
+              </a:rPr>
+              <a:t>PATH çakışmaları oluşur</a:t>
+            </a:r>
+            <a:endParaRPr b="0" lang="en-US" sz="1300" spc="-1" strike="noStrike">
+              <a:solidFill>
+                <a:srgbClr val="ffffff"/>
+              </a:solidFill>
+              <a:latin typeface="Arial"/>
+            </a:endParaRPr>
+          </a:p>
+          <a:p>
+            <a:pPr marL="216000" indent="-216000">
+              <a:lnSpc>
+                <a:spcPct val="100000"/>
+              </a:lnSpc>
+              <a:buClr>
+                <a:srgbClr val="ffffff"/>
+              </a:buClr>
+              <a:buFont typeface="Wingdings" charset="2"/>
+              <a:buChar char=""/>
+            </a:pPr>
+            <a:r>
+              <a:rPr b="1" lang="en-US" sz="1300" spc="-1" strike="noStrike">
+                <a:solidFill>
+                  <a:schemeClr val="lt1"/>
+                </a:solidFill>
+                <a:latin typeface="Calibri"/>
+                <a:ea typeface="DejaVu Sans"/>
+              </a:rPr>
+              <a:t>Yanlış JDK proje derler</a:t>
+            </a:r>
+            <a:endParaRPr b="0" lang="en-US" sz="1300" spc="-1" strike="noStrike">
+              <a:solidFill>
+                <a:srgbClr val="ffffff"/>
+              </a:solidFill>
+              <a:latin typeface="Arial"/>
+            </a:endParaRPr>
+          </a:p>
+          <a:p>
+            <a:pPr marL="216000" indent="-216000">
+              <a:lnSpc>
+                <a:spcPct val="100000"/>
+              </a:lnSpc>
+              <a:buClr>
+                <a:srgbClr val="ffffff"/>
+              </a:buClr>
+              <a:buFont typeface="Wingdings" charset="2"/>
+              <a:buChar char=""/>
+            </a:pPr>
+            <a:r>
+              <a:rPr b="1" lang="en-US" sz="1300" spc="-1" strike="noStrike">
+                <a:solidFill>
+                  <a:schemeClr val="lt1"/>
+                </a:solidFill>
+                <a:latin typeface="Calibri"/>
+                <a:ea typeface="DejaVu Sans"/>
+              </a:rPr>
+              <a:t>Build araçları (Maven / Gradle) hata verir</a:t>
+            </a:r>
+            <a:endParaRPr b="0" lang="en-US" sz="1300" spc="-1" strike="noStrike">
+              <a:solidFill>
+                <a:srgbClr val="ffffff"/>
+              </a:solidFill>
+              <a:latin typeface="Arial"/>
+            </a:endParaRPr>
+          </a:p>
+          <a:p>
+            <a:pPr marL="216000" indent="-216000">
+              <a:lnSpc>
+                <a:spcPct val="100000"/>
+              </a:lnSpc>
+              <a:buClr>
+                <a:srgbClr val="ffffff"/>
+              </a:buClr>
+              <a:buFont typeface="Wingdings" charset="2"/>
+              <a:buChar char=""/>
+            </a:pPr>
+            <a:endParaRPr b="0" lang="en-US" sz="1300" spc="-1" strike="noStrike">
+              <a:solidFill>
+                <a:srgbClr val="ffffff"/>
+              </a:solidFill>
+              <a:latin typeface="Arial"/>
+            </a:endParaRPr>
+          </a:p>
+          <a:p>
+            <a:pPr>
+              <a:lnSpc>
+                <a:spcPct val="100000"/>
+              </a:lnSpc>
+            </a:pPr>
+            <a:r>
+              <a:rPr b="0" lang="en-US" sz="1300" spc="-1" strike="noStrike">
+                <a:solidFill>
+                  <a:schemeClr val="lt1"/>
+                </a:solidFill>
+                <a:latin typeface="Calibri"/>
+                <a:ea typeface="DejaVu Sans"/>
+              </a:rPr>
+              <a:t>Doğru sürüm yönetimi çakışmaları önler.</a:t>
+            </a:r>
+            <a:endParaRPr b="0" lang="en-US" sz="1300" spc="-1" strike="noStrike">
+              <a:solidFill>
+                <a:srgbClr val="ffffff"/>
+              </a:solidFill>
+              <a:latin typeface="Arial"/>
+            </a:endParaRPr>
+          </a:p>
+        </p:txBody>
+      </p:sp>
+      <p:sp>
+        <p:nvSpPr>
+          <p:cNvPr id="486" name="Rounded Rectangle 81"/>
+          <p:cNvSpPr/>
+          <p:nvPr/>
+        </p:nvSpPr>
+        <p:spPr>
+          <a:xfrm>
+            <a:off x="4507920" y="3182040"/>
+            <a:ext cx="3289680" cy="2741040"/>
+          </a:xfrm>
+          <a:prstGeom prst="roundRect">
+            <a:avLst>
+              <a:gd name="adj" fmla="val 16667"/>
+            </a:avLst>
+          </a:prstGeom>
+          <a:solidFill>
+            <a:srgbClr val="08080a"/>
+          </a:solidFill>
+          <a:ln>
+            <a:noFill/>
+          </a:ln>
+          <a:effectLst>
+            <a:outerShdw blurRad="39960" dir="5400000" dist="23040" rotWithShape="0">
+              <a:srgbClr val="000000">
+                <a:alpha val="35000"/>
+              </a:srgbClr>
+            </a:outerShdw>
+          </a:effectLst>
+        </p:spPr>
+        <p:style>
+          <a:lnRef idx="1">
+            <a:schemeClr val="accent1"/>
+          </a:lnRef>
+          <a:fillRef idx="3">
+            <a:schemeClr val="accent1"/>
+          </a:fillRef>
+          <a:effectRef idx="2">
+            <a:schemeClr val="accent1"/>
+          </a:effectRef>
+          <a:fontRef idx="minor"/>
+        </p:style>
+        <p:txBody>
+          <a:bodyPr lIns="90000" rIns="90000" tIns="45000" bIns="45000" anchor="ctr">
+            <a:noAutofit/>
+          </a:bodyPr>
+          <a:p>
+            <a:endParaRPr b="0" lang="en-US" sz="1800" spc="-1" strike="noStrike">
+              <a:solidFill>
+                <a:schemeClr val="lt1"/>
+              </a:solidFill>
+              <a:latin typeface="Calibri"/>
+              <a:ea typeface="DejaVu Sans"/>
+            </a:endParaRPr>
+          </a:p>
+        </p:txBody>
+      </p:sp>
+      <p:sp>
+        <p:nvSpPr>
+          <p:cNvPr id="487" name="Rounded Rectangle 82"/>
+          <p:cNvSpPr/>
+          <p:nvPr/>
+        </p:nvSpPr>
+        <p:spPr>
+          <a:xfrm>
+            <a:off x="4434840" y="3108960"/>
+            <a:ext cx="3289680" cy="2834640"/>
+          </a:xfrm>
+          <a:prstGeom prst="roundRect">
+            <a:avLst>
+              <a:gd name="adj" fmla="val 16667"/>
+            </a:avLst>
+          </a:prstGeom>
+          <a:solidFill>
+            <a:srgbClr val="16161c"/>
+          </a:solidFill>
+          <a:ln>
+            <a:solidFill>
+              <a:srgbClr val="464655"/>
+            </a:solidFill>
+            <a:round/>
+          </a:ln>
+          <a:effectLst>
+            <a:outerShdw blurRad="39960" dir="5400000" dist="23040" rotWithShape="0">
+              <a:srgbClr val="000000">
+                <a:alpha val="35000"/>
+              </a:srgbClr>
+            </a:outerShdw>
+          </a:effectLst>
+        </p:spPr>
+        <p:style>
+          <a:lnRef idx="1">
+            <a:schemeClr val="accent1"/>
+          </a:lnRef>
+          <a:fillRef idx="3">
+            <a:schemeClr val="accent1"/>
+          </a:fillRef>
+          <a:effectRef idx="2">
+            <a:schemeClr val="accent1"/>
+          </a:effectRef>
+          <a:fontRef idx="minor"/>
+        </p:style>
+        <p:txBody>
+          <a:bodyPr lIns="90000" rIns="90000" tIns="45000" bIns="45000" anchor="ctr">
+            <a:noAutofit/>
+          </a:bodyPr>
+          <a:p>
+            <a:pPr>
+              <a:lnSpc>
+                <a:spcPct val="100000"/>
+              </a:lnSpc>
+            </a:pPr>
+            <a:r>
+              <a:rPr b="0" lang="en-US" sz="1400" spc="-1" strike="noStrike">
+                <a:solidFill>
+                  <a:schemeClr val="lt1"/>
+                </a:solidFill>
+                <a:latin typeface="Calibri"/>
+                <a:ea typeface="DejaVu Sans"/>
+              </a:rPr>
+              <a:t>Yüklü sürümleri kontrol et</a:t>
+            </a:r>
+            <a:endParaRPr b="0" lang="en-US" sz="1400" spc="-1" strike="noStrike">
+              <a:solidFill>
+                <a:srgbClr val="ffffff"/>
+              </a:solidFill>
+              <a:latin typeface="Arial"/>
+            </a:endParaRPr>
+          </a:p>
+          <a:p>
+            <a:pPr>
+              <a:lnSpc>
+                <a:spcPct val="100000"/>
+              </a:lnSpc>
+            </a:pPr>
+            <a:r>
+              <a:rPr b="0" lang="en-US" sz="1400" spc="-1" strike="noStrike">
+                <a:solidFill>
+                  <a:schemeClr val="lt1"/>
+                </a:solidFill>
+                <a:latin typeface="Calibri"/>
+                <a:ea typeface="DejaVu Sans"/>
+              </a:rPr>
+              <a:t>⬇</a:t>
+            </a:r>
+            <a:endParaRPr b="0" lang="en-US" sz="1400" spc="-1" strike="noStrike">
+              <a:solidFill>
+                <a:srgbClr val="ffffff"/>
+              </a:solidFill>
+              <a:latin typeface="Arial"/>
+            </a:endParaRPr>
+          </a:p>
+          <a:p>
+            <a:pPr>
+              <a:lnSpc>
+                <a:spcPct val="100000"/>
+              </a:lnSpc>
+            </a:pPr>
+            <a:r>
+              <a:rPr b="0" lang="en-US" sz="1400" spc="-1" strike="noStrike">
+                <a:solidFill>
+                  <a:schemeClr val="lt1"/>
+                </a:solidFill>
+                <a:latin typeface="Calibri"/>
+                <a:ea typeface="DejaVu Sans"/>
+              </a:rPr>
+              <a:t>JDK klasörlerini bul</a:t>
+            </a:r>
+            <a:endParaRPr b="0" lang="en-US" sz="1400" spc="-1" strike="noStrike">
+              <a:solidFill>
+                <a:srgbClr val="ffffff"/>
+              </a:solidFill>
+              <a:latin typeface="Arial"/>
+            </a:endParaRPr>
+          </a:p>
+          <a:p>
+            <a:pPr>
+              <a:lnSpc>
+                <a:spcPct val="100000"/>
+              </a:lnSpc>
+            </a:pPr>
+            <a:r>
+              <a:rPr b="0" lang="en-US" sz="1400" spc="-1" strike="noStrike">
+                <a:solidFill>
+                  <a:schemeClr val="lt1"/>
+                </a:solidFill>
+                <a:latin typeface="Calibri"/>
+                <a:ea typeface="DejaVu Sans"/>
+              </a:rPr>
+              <a:t>⬇</a:t>
+            </a:r>
+            <a:endParaRPr b="0" lang="en-US" sz="1400" spc="-1" strike="noStrike">
+              <a:solidFill>
+                <a:srgbClr val="ffffff"/>
+              </a:solidFill>
+              <a:latin typeface="Arial"/>
+            </a:endParaRPr>
+          </a:p>
+          <a:p>
+            <a:pPr>
+              <a:lnSpc>
+                <a:spcPct val="100000"/>
+              </a:lnSpc>
+            </a:pPr>
+            <a:r>
+              <a:rPr b="0" lang="en-US" sz="1400" spc="-1" strike="noStrike">
+                <a:solidFill>
+                  <a:schemeClr val="lt1"/>
+                </a:solidFill>
+                <a:latin typeface="Calibri"/>
+                <a:ea typeface="DejaVu Sans"/>
+              </a:rPr>
+              <a:t>JAVA_HOME değişkenini güncelle</a:t>
+            </a:r>
+            <a:endParaRPr b="0" lang="en-US" sz="1400" spc="-1" strike="noStrike">
+              <a:solidFill>
+                <a:srgbClr val="ffffff"/>
+              </a:solidFill>
+              <a:latin typeface="Arial"/>
+            </a:endParaRPr>
+          </a:p>
+          <a:p>
+            <a:pPr>
+              <a:lnSpc>
+                <a:spcPct val="100000"/>
+              </a:lnSpc>
+            </a:pPr>
+            <a:r>
+              <a:rPr b="0" lang="en-US" sz="1400" spc="-1" strike="noStrike">
+                <a:solidFill>
+                  <a:schemeClr val="lt1"/>
+                </a:solidFill>
+                <a:latin typeface="Calibri"/>
+                <a:ea typeface="DejaVu Sans"/>
+              </a:rPr>
+              <a:t>⬇</a:t>
+            </a:r>
+            <a:endParaRPr b="0" lang="en-US" sz="1400" spc="-1" strike="noStrike">
+              <a:solidFill>
+                <a:srgbClr val="ffffff"/>
+              </a:solidFill>
+              <a:latin typeface="Arial"/>
+            </a:endParaRPr>
+          </a:p>
+          <a:p>
+            <a:pPr>
+              <a:lnSpc>
+                <a:spcPct val="100000"/>
+              </a:lnSpc>
+            </a:pPr>
+            <a:r>
+              <a:rPr b="0" lang="en-US" sz="1400" spc="-1" strike="noStrike">
+                <a:solidFill>
+                  <a:schemeClr val="lt1"/>
+                </a:solidFill>
+                <a:latin typeface="Calibri"/>
+                <a:ea typeface="DejaVu Sans"/>
+              </a:rPr>
+              <a:t>PATH değişkenini güncelle</a:t>
+            </a:r>
+            <a:endParaRPr b="0" lang="en-US" sz="1400" spc="-1" strike="noStrike">
+              <a:solidFill>
+                <a:srgbClr val="ffffff"/>
+              </a:solidFill>
+              <a:latin typeface="Arial"/>
+            </a:endParaRPr>
+          </a:p>
+          <a:p>
+            <a:pPr>
+              <a:lnSpc>
+                <a:spcPct val="100000"/>
+              </a:lnSpc>
+            </a:pPr>
+            <a:r>
+              <a:rPr b="0" lang="en-US" sz="1400" spc="-1" strike="noStrike">
+                <a:solidFill>
+                  <a:schemeClr val="lt1"/>
+                </a:solidFill>
+                <a:latin typeface="Calibri"/>
+                <a:ea typeface="DejaVu Sans"/>
+              </a:rPr>
+              <a:t>⬇</a:t>
+            </a:r>
+            <a:endParaRPr b="0" lang="en-US" sz="1400" spc="-1" strike="noStrike">
+              <a:solidFill>
+                <a:srgbClr val="ffffff"/>
+              </a:solidFill>
+              <a:latin typeface="Arial"/>
+            </a:endParaRPr>
+          </a:p>
+          <a:p>
+            <a:pPr>
+              <a:lnSpc>
+                <a:spcPct val="100000"/>
+              </a:lnSpc>
+            </a:pPr>
+            <a:r>
+              <a:rPr b="0" lang="en-US" sz="1400" spc="-1" strike="noStrike">
+                <a:solidFill>
+                  <a:schemeClr val="lt1"/>
+                </a:solidFill>
+                <a:latin typeface="Calibri"/>
+                <a:ea typeface="DejaVu Sans"/>
+              </a:rPr>
+              <a:t>Terminali yeniden başlat</a:t>
+            </a:r>
+            <a:endParaRPr b="0" lang="en-US" sz="1400" spc="-1" strike="noStrike">
+              <a:solidFill>
+                <a:srgbClr val="ffffff"/>
+              </a:solidFill>
+              <a:latin typeface="Arial"/>
+            </a:endParaRPr>
+          </a:p>
+          <a:p>
+            <a:pPr>
+              <a:lnSpc>
+                <a:spcPct val="100000"/>
+              </a:lnSpc>
+            </a:pPr>
+            <a:r>
+              <a:rPr b="0" lang="en-US" sz="1400" spc="-1" strike="noStrike">
+                <a:solidFill>
+                  <a:schemeClr val="lt1"/>
+                </a:solidFill>
+                <a:latin typeface="Calibri"/>
+                <a:ea typeface="DejaVu Sans"/>
+              </a:rPr>
+              <a:t>⬇</a:t>
+            </a:r>
+            <a:endParaRPr b="0" lang="en-US" sz="1400" spc="-1" strike="noStrike">
+              <a:solidFill>
+                <a:srgbClr val="ffffff"/>
+              </a:solidFill>
+              <a:latin typeface="Arial"/>
+            </a:endParaRPr>
+          </a:p>
+          <a:p>
+            <a:pPr>
+              <a:lnSpc>
+                <a:spcPct val="100000"/>
+              </a:lnSpc>
+            </a:pPr>
+            <a:r>
+              <a:rPr b="0" lang="en-US" sz="1400" spc="-1" strike="noStrike">
+                <a:solidFill>
+                  <a:schemeClr val="lt1"/>
+                </a:solidFill>
+                <a:latin typeface="Calibri"/>
+                <a:ea typeface="DejaVu Sans"/>
+              </a:rPr>
+              <a:t>Şu komutlarla doğrula:</a:t>
+            </a:r>
+            <a:endParaRPr b="0" lang="en-US" sz="1400" spc="-1" strike="noStrike">
+              <a:solidFill>
+                <a:srgbClr val="ffffff"/>
+              </a:solidFill>
+              <a:latin typeface="Arial"/>
+            </a:endParaRPr>
+          </a:p>
+          <a:p>
+            <a:pPr>
+              <a:lnSpc>
+                <a:spcPct val="100000"/>
+              </a:lnSpc>
+            </a:pPr>
+            <a:r>
+              <a:rPr b="0" lang="en-US" sz="1400" spc="-1" strike="noStrike">
+                <a:solidFill>
+                  <a:schemeClr val="lt1"/>
+                </a:solidFill>
+                <a:latin typeface="Calibri"/>
+                <a:ea typeface="DejaVu Sans"/>
+              </a:rPr>
+              <a:t>java -version</a:t>
+            </a:r>
+            <a:endParaRPr b="0" lang="en-US" sz="1400" spc="-1" strike="noStrike">
+              <a:solidFill>
+                <a:srgbClr val="ffffff"/>
+              </a:solidFill>
+              <a:latin typeface="Arial"/>
+            </a:endParaRPr>
+          </a:p>
+          <a:p>
+            <a:pPr>
+              <a:lnSpc>
+                <a:spcPct val="100000"/>
+              </a:lnSpc>
+            </a:pPr>
+            <a:r>
+              <a:rPr b="0" lang="en-US" sz="1400" spc="-1" strike="noStrike">
+                <a:solidFill>
+                  <a:schemeClr val="lt1"/>
+                </a:solidFill>
+                <a:latin typeface="Calibri"/>
+                <a:ea typeface="DejaVu Sans"/>
+              </a:rPr>
+              <a:t>javac -version</a:t>
+            </a:r>
+            <a:endParaRPr b="0" lang="en-US" sz="1400" spc="-1" strike="noStrike">
+              <a:solidFill>
+                <a:srgbClr val="ffffff"/>
+              </a:solidFill>
+              <a:latin typeface="Arial"/>
+            </a:endParaRPr>
+          </a:p>
+        </p:txBody>
+      </p:sp>
+      <p:sp>
+        <p:nvSpPr>
+          <p:cNvPr id="488" name="Rounded Rectangle 83"/>
+          <p:cNvSpPr/>
+          <p:nvPr/>
+        </p:nvSpPr>
+        <p:spPr>
+          <a:xfrm>
+            <a:off x="8028360" y="3182040"/>
+            <a:ext cx="3289680" cy="2741040"/>
+          </a:xfrm>
+          <a:prstGeom prst="roundRect">
+            <a:avLst>
+              <a:gd name="adj" fmla="val 16667"/>
+            </a:avLst>
+          </a:prstGeom>
+          <a:solidFill>
+            <a:srgbClr val="08080a"/>
+          </a:solidFill>
+          <a:ln>
+            <a:noFill/>
+          </a:ln>
+          <a:effectLst>
+            <a:outerShdw blurRad="39960" dir="5400000" dist="23040" rotWithShape="0">
+              <a:srgbClr val="000000">
+                <a:alpha val="35000"/>
+              </a:srgbClr>
+            </a:outerShdw>
+          </a:effectLst>
+        </p:spPr>
+        <p:style>
+          <a:lnRef idx="1">
+            <a:schemeClr val="accent1"/>
+          </a:lnRef>
+          <a:fillRef idx="3">
+            <a:schemeClr val="accent1"/>
+          </a:fillRef>
+          <a:effectRef idx="2">
+            <a:schemeClr val="accent1"/>
+          </a:effectRef>
+          <a:fontRef idx="minor"/>
+        </p:style>
+        <p:txBody>
+          <a:bodyPr lIns="90000" rIns="90000" tIns="45000" bIns="45000" anchor="ctr">
+            <a:noAutofit/>
+          </a:bodyPr>
+          <a:p>
+            <a:endParaRPr b="0" lang="en-US" sz="1800" spc="-1" strike="noStrike">
+              <a:solidFill>
+                <a:schemeClr val="lt1"/>
+              </a:solidFill>
+              <a:latin typeface="Calibri"/>
+              <a:ea typeface="DejaVu Sans"/>
+            </a:endParaRPr>
+          </a:p>
+        </p:txBody>
+      </p:sp>
+      <p:sp>
+        <p:nvSpPr>
+          <p:cNvPr id="489" name="Rounded Rectangle 84"/>
+          <p:cNvSpPr/>
+          <p:nvPr/>
+        </p:nvSpPr>
+        <p:spPr>
+          <a:xfrm>
+            <a:off x="8001000" y="2743200"/>
+            <a:ext cx="3429000" cy="3429000"/>
+          </a:xfrm>
+          <a:prstGeom prst="roundRect">
+            <a:avLst>
+              <a:gd name="adj" fmla="val 16667"/>
+            </a:avLst>
+          </a:prstGeom>
+          <a:solidFill>
+            <a:srgbClr val="16161c"/>
+          </a:solidFill>
+          <a:ln>
+            <a:solidFill>
+              <a:srgbClr val="464655"/>
+            </a:solidFill>
+            <a:round/>
+          </a:ln>
+          <a:effectLst>
+            <a:outerShdw blurRad="39960" dir="5400000" dist="23040" rotWithShape="0">
+              <a:srgbClr val="000000">
+                <a:alpha val="35000"/>
+              </a:srgbClr>
+            </a:outerShdw>
+          </a:effectLst>
+        </p:spPr>
+        <p:style>
+          <a:lnRef idx="1">
+            <a:schemeClr val="accent1"/>
+          </a:lnRef>
+          <a:fillRef idx="3">
+            <a:schemeClr val="accent1"/>
+          </a:fillRef>
+          <a:effectRef idx="2">
+            <a:schemeClr val="accent1"/>
+          </a:effectRef>
+          <a:fontRef idx="minor"/>
+        </p:style>
+        <p:txBody>
+          <a:bodyPr lIns="90000" rIns="90000" tIns="45000" bIns="45000" anchor="ctr">
+            <a:noAutofit/>
+          </a:bodyPr>
+          <a:p>
+            <a:pPr algn="ctr">
+              <a:lnSpc>
+                <a:spcPct val="100000"/>
+              </a:lnSpc>
+            </a:pPr>
+            <a:endParaRPr b="0" lang="en-US" sz="1300" spc="-1" strike="noStrike">
+              <a:solidFill>
+                <a:srgbClr val="ffffff"/>
+              </a:solidFill>
+              <a:latin typeface="Arial"/>
+            </a:endParaRPr>
+          </a:p>
+          <a:p>
+            <a:pPr algn="ctr">
+              <a:lnSpc>
+                <a:spcPct val="100000"/>
+              </a:lnSpc>
+            </a:pPr>
+            <a:endParaRPr b="0" lang="en-US" sz="1300" spc="-1" strike="noStrike">
+              <a:solidFill>
+                <a:srgbClr val="ffffff"/>
+              </a:solidFill>
+              <a:latin typeface="Arial"/>
+            </a:endParaRPr>
+          </a:p>
+          <a:p>
+            <a:pPr algn="ctr">
+              <a:lnSpc>
+                <a:spcPct val="100000"/>
+              </a:lnSpc>
+            </a:pPr>
+            <a:r>
+              <a:rPr b="0" lang="en-US" sz="1300" spc="-1" strike="noStrike">
+                <a:solidFill>
+                  <a:srgbClr val="78ffc8"/>
+                </a:solidFill>
+                <a:latin typeface="Consolas"/>
+                <a:ea typeface="DejaVu Sans"/>
+              </a:rPr>
+              <a:t># Mevcut sürümü kontrol et</a:t>
+            </a:r>
+            <a:endParaRPr b="0" lang="en-US" sz="1300" spc="-1" strike="noStrike">
+              <a:solidFill>
+                <a:srgbClr val="ffffff"/>
+              </a:solidFill>
+              <a:latin typeface="Arial"/>
+            </a:endParaRPr>
+          </a:p>
+          <a:p>
+            <a:pPr algn="ctr">
+              <a:lnSpc>
+                <a:spcPct val="100000"/>
+              </a:lnSpc>
+            </a:pPr>
+            <a:r>
+              <a:rPr b="0" lang="en-US" sz="1300" spc="-1" strike="noStrike">
+                <a:solidFill>
+                  <a:srgbClr val="78ffc8"/>
+                </a:solidFill>
+                <a:latin typeface="Consolas"/>
+                <a:ea typeface="DejaVu Sans"/>
+              </a:rPr>
+              <a:t>java -version</a:t>
+            </a:r>
+            <a:endParaRPr b="0" lang="en-US" sz="1300" spc="-1" strike="noStrike">
+              <a:solidFill>
+                <a:srgbClr val="ffffff"/>
+              </a:solidFill>
+              <a:latin typeface="Arial"/>
+            </a:endParaRPr>
+          </a:p>
+          <a:p>
+            <a:pPr algn="ctr">
+              <a:lnSpc>
+                <a:spcPct val="100000"/>
+              </a:lnSpc>
+            </a:pPr>
+            <a:r>
+              <a:rPr b="0" lang="en-US" sz="1300" spc="-1" strike="noStrike">
+                <a:solidFill>
+                  <a:srgbClr val="78ffc8"/>
+                </a:solidFill>
+                <a:latin typeface="Consolas"/>
+                <a:ea typeface="DejaVu Sans"/>
+              </a:rPr>
+              <a:t>javac -version</a:t>
+            </a:r>
+            <a:endParaRPr b="0" lang="en-US" sz="1300" spc="-1" strike="noStrike">
+              <a:solidFill>
+                <a:srgbClr val="ffffff"/>
+              </a:solidFill>
+              <a:latin typeface="Arial"/>
+            </a:endParaRPr>
+          </a:p>
+          <a:p>
+            <a:pPr algn="ctr">
+              <a:lnSpc>
+                <a:spcPct val="100000"/>
+              </a:lnSpc>
+            </a:pPr>
+            <a:endParaRPr b="0" lang="en-US" sz="1300" spc="-1" strike="noStrike">
+              <a:solidFill>
+                <a:srgbClr val="ffffff"/>
+              </a:solidFill>
+              <a:latin typeface="Arial"/>
+            </a:endParaRPr>
+          </a:p>
+          <a:p>
+            <a:pPr algn="ctr">
+              <a:lnSpc>
+                <a:spcPct val="100000"/>
+              </a:lnSpc>
+            </a:pPr>
+            <a:r>
+              <a:rPr b="0" lang="en-US" sz="1300" spc="-1" strike="noStrike">
+                <a:solidFill>
+                  <a:srgbClr val="78ffc8"/>
+                </a:solidFill>
+                <a:latin typeface="Consolas"/>
+                <a:ea typeface="DejaVu Sans"/>
+              </a:rPr>
+              <a:t># Aktif JAVA_HOME değişkenini göster</a:t>
+            </a:r>
+            <a:endParaRPr b="0" lang="en-US" sz="1300" spc="-1" strike="noStrike">
+              <a:solidFill>
+                <a:srgbClr val="ffffff"/>
+              </a:solidFill>
+              <a:latin typeface="Arial"/>
+            </a:endParaRPr>
+          </a:p>
+          <a:p>
+            <a:pPr algn="ctr">
+              <a:lnSpc>
+                <a:spcPct val="100000"/>
+              </a:lnSpc>
+            </a:pPr>
+            <a:r>
+              <a:rPr b="0" lang="en-US" sz="1300" spc="-1" strike="noStrike">
+                <a:solidFill>
+                  <a:srgbClr val="78ffc8"/>
+                </a:solidFill>
+                <a:latin typeface="Consolas"/>
+                <a:ea typeface="DejaVu Sans"/>
+              </a:rPr>
+              <a:t>echo %JAVA_HOME%     (Windows)</a:t>
+            </a:r>
+            <a:endParaRPr b="0" lang="en-US" sz="1300" spc="-1" strike="noStrike">
+              <a:solidFill>
+                <a:srgbClr val="ffffff"/>
+              </a:solidFill>
+              <a:latin typeface="Arial"/>
+            </a:endParaRPr>
+          </a:p>
+          <a:p>
+            <a:pPr algn="ctr">
+              <a:lnSpc>
+                <a:spcPct val="100000"/>
+              </a:lnSpc>
+            </a:pPr>
+            <a:r>
+              <a:rPr b="0" lang="en-US" sz="1300" spc="-1" strike="noStrike">
+                <a:solidFill>
+                  <a:srgbClr val="78ffc8"/>
+                </a:solidFill>
+                <a:latin typeface="Consolas"/>
+                <a:ea typeface="DejaVu Sans"/>
+              </a:rPr>
+              <a:t>echo $JAVA_HOME      (Linux/Mac)</a:t>
+            </a:r>
+            <a:endParaRPr b="0" lang="en-US" sz="1300" spc="-1" strike="noStrike">
+              <a:solidFill>
+                <a:srgbClr val="ffffff"/>
+              </a:solidFill>
+              <a:latin typeface="Arial"/>
+            </a:endParaRPr>
+          </a:p>
+          <a:p>
+            <a:pPr algn="ctr">
+              <a:lnSpc>
+                <a:spcPct val="100000"/>
+              </a:lnSpc>
+            </a:pPr>
+            <a:endParaRPr b="0" lang="en-US" sz="1300" spc="-1" strike="noStrike">
+              <a:solidFill>
+                <a:srgbClr val="ffffff"/>
+              </a:solidFill>
+              <a:latin typeface="Arial"/>
+            </a:endParaRPr>
+          </a:p>
+          <a:p>
+            <a:pPr algn="ctr">
+              <a:lnSpc>
+                <a:spcPct val="100000"/>
+              </a:lnSpc>
+            </a:pPr>
+            <a:r>
+              <a:rPr b="0" lang="en-US" sz="1300" spc="-1" strike="noStrike">
+                <a:solidFill>
+                  <a:srgbClr val="78ffc8"/>
+                </a:solidFill>
+                <a:latin typeface="Consolas"/>
+                <a:ea typeface="DejaVu Sans"/>
+              </a:rPr>
+              <a:t># Örnek sürüm klasörleri</a:t>
+            </a:r>
+            <a:endParaRPr b="0" lang="en-US" sz="1300" spc="-1" strike="noStrike">
+              <a:solidFill>
+                <a:srgbClr val="ffffff"/>
+              </a:solidFill>
+              <a:latin typeface="Arial"/>
+            </a:endParaRPr>
+          </a:p>
+          <a:p>
+            <a:pPr algn="ctr">
+              <a:lnSpc>
+                <a:spcPct val="100000"/>
+              </a:lnSpc>
+            </a:pPr>
+            <a:r>
+              <a:rPr b="0" lang="en-US" sz="1300" spc="-1" strike="noStrike">
+                <a:solidFill>
+                  <a:srgbClr val="78ffc8"/>
+                </a:solidFill>
+                <a:latin typeface="Consolas"/>
+                <a:ea typeface="DejaVu Sans"/>
+              </a:rPr>
+              <a:t>Java 17 → /jdk-17</a:t>
+            </a:r>
+            <a:endParaRPr b="0" lang="en-US" sz="1300" spc="-1" strike="noStrike">
+              <a:solidFill>
+                <a:srgbClr val="ffffff"/>
+              </a:solidFill>
+              <a:latin typeface="Arial"/>
+            </a:endParaRPr>
+          </a:p>
+          <a:p>
+            <a:pPr algn="ctr">
+              <a:lnSpc>
+                <a:spcPct val="100000"/>
+              </a:lnSpc>
+            </a:pPr>
+            <a:r>
+              <a:rPr b="0" lang="en-US" sz="1300" spc="-1" strike="noStrike">
+                <a:solidFill>
+                  <a:srgbClr val="78ffc8"/>
+                </a:solidFill>
+                <a:latin typeface="Consolas"/>
+                <a:ea typeface="DejaVu Sans"/>
+              </a:rPr>
+              <a:t>Java 21 → /jdk-21</a:t>
+            </a:r>
+            <a:endParaRPr b="0" lang="en-US" sz="1300" spc="-1" strike="noStrike">
+              <a:solidFill>
+                <a:srgbClr val="ffffff"/>
+              </a:solidFill>
+              <a:latin typeface="Arial"/>
+            </a:endParaRPr>
+          </a:p>
+          <a:p>
+            <a:pPr algn="ctr">
+              <a:lnSpc>
+                <a:spcPct val="100000"/>
+              </a:lnSpc>
+            </a:pPr>
+            <a:endParaRPr b="0" lang="en-US" sz="1300" spc="-1" strike="noStrike">
+              <a:solidFill>
+                <a:srgbClr val="ffffff"/>
+              </a:solidFill>
+              <a:latin typeface="Arial"/>
+            </a:endParaRPr>
+          </a:p>
+          <a:p>
+            <a:pPr algn="ctr">
+              <a:lnSpc>
+                <a:spcPct val="100000"/>
+              </a:lnSpc>
+            </a:pPr>
+            <a:r>
+              <a:rPr b="0" lang="en-US" sz="1300" spc="-1" strike="noStrike">
+                <a:solidFill>
+                  <a:srgbClr val="78ffc8"/>
+                </a:solidFill>
+                <a:latin typeface="Consolas"/>
+                <a:ea typeface="DejaVu Sans"/>
+              </a:rPr>
+              <a:t># Sürüm değişiminden sonra kontrol</a:t>
+            </a:r>
+            <a:endParaRPr b="0" lang="en-US" sz="1300" spc="-1" strike="noStrike">
+              <a:solidFill>
+                <a:srgbClr val="ffffff"/>
+              </a:solidFill>
+              <a:latin typeface="Arial"/>
+            </a:endParaRPr>
+          </a:p>
+          <a:p>
+            <a:pPr algn="ctr">
+              <a:lnSpc>
+                <a:spcPct val="100000"/>
+              </a:lnSpc>
+            </a:pPr>
+            <a:r>
+              <a:rPr b="0" lang="en-US" sz="1300" spc="-1" strike="noStrike">
+                <a:solidFill>
+                  <a:srgbClr val="78ffc8"/>
+                </a:solidFill>
+                <a:latin typeface="Consolas"/>
+                <a:ea typeface="DejaVu Sans"/>
+              </a:rPr>
+              <a:t>java -version</a:t>
+            </a:r>
+            <a:endParaRPr b="0" lang="en-US" sz="1300" spc="-1" strike="noStrike">
+              <a:solidFill>
+                <a:srgbClr val="ffffff"/>
+              </a:solidFill>
+              <a:latin typeface="Arial"/>
+            </a:endParaRPr>
+          </a:p>
+          <a:p>
+            <a:pPr algn="ctr">
+              <a:lnSpc>
+                <a:spcPct val="100000"/>
+              </a:lnSpc>
+            </a:pPr>
+            <a:endParaRPr b="0" lang="en-US" sz="1300" spc="-1" strike="noStrike">
+              <a:solidFill>
+                <a:srgbClr val="ffffff"/>
+              </a:solidFill>
+              <a:latin typeface="Arial"/>
+            </a:endParaRPr>
+          </a:p>
+          <a:p>
+            <a:pPr algn="ctr">
+              <a:lnSpc>
+                <a:spcPct val="100000"/>
+              </a:lnSpc>
+            </a:pPr>
+            <a:endParaRPr b="0" lang="en-US" sz="1300" spc="-1" strike="noStrike">
+              <a:solidFill>
+                <a:srgbClr val="ffffff"/>
+              </a:solidFill>
+              <a:latin typeface="Arial"/>
+            </a:endParaRPr>
+          </a:p>
+          <a:p>
+            <a:pPr algn="ctr">
+              <a:lnSpc>
+                <a:spcPct val="100000"/>
+              </a:lnSpc>
+            </a:pPr>
+            <a:endParaRPr b="0" lang="en-US" sz="1300" spc="-1" strike="noStrike">
+              <a:solidFill>
+                <a:srgbClr val="ffffff"/>
+              </a:solidFill>
+              <a:latin typeface="Arial"/>
+            </a:endParaRPr>
+          </a:p>
+        </p:txBody>
+      </p:sp>
+      <p:sp>
+        <p:nvSpPr>
+          <p:cNvPr id="490" name="TextBox 36"/>
           <p:cNvSpPr/>
           <p:nvPr/>
         </p:nvSpPr>
@@ -19672,7 +22221,7 @@
         <p:spPr>
           <a:xfrm>
             <a:off x="0" y="0"/>
-            <a:ext cx="12185640" cy="6854760"/>
+            <a:ext cx="12185280" cy="6854400"/>
           </a:xfrm>
           <a:prstGeom prst="rect">
             <a:avLst/>
@@ -19732,7 +22281,7 @@
         <p:spPr>
           <a:xfrm>
             <a:off x="0" y="0"/>
-            <a:ext cx="15120" cy="6854760"/>
+            <a:ext cx="14760" cy="6854400"/>
           </a:xfrm>
           <a:prstGeom prst="rect">
             <a:avLst/>
@@ -19792,7 +22341,7 @@
         <p:spPr>
           <a:xfrm>
             <a:off x="914400" y="0"/>
-            <a:ext cx="15120" cy="6854760"/>
+            <a:ext cx="14760" cy="6854400"/>
           </a:xfrm>
           <a:prstGeom prst="rect">
             <a:avLst/>
@@ -19852,7 +22401,7 @@
         <p:spPr>
           <a:xfrm>
             <a:off x="1828800" y="0"/>
-            <a:ext cx="15120" cy="6854760"/>
+            <a:ext cx="14760" cy="6854400"/>
           </a:xfrm>
           <a:prstGeom prst="rect">
             <a:avLst/>
@@ -19912,7 +22461,7 @@
         <p:spPr>
           <a:xfrm>
             <a:off x="2743200" y="0"/>
-            <a:ext cx="15120" cy="6854760"/>
+            <a:ext cx="14760" cy="6854400"/>
           </a:xfrm>
           <a:prstGeom prst="rect">
             <a:avLst/>
@@ -19972,7 +22521,7 @@
         <p:spPr>
           <a:xfrm>
             <a:off x="3657600" y="0"/>
-            <a:ext cx="15120" cy="6854760"/>
+            <a:ext cx="14760" cy="6854400"/>
           </a:xfrm>
           <a:prstGeom prst="rect">
             <a:avLst/>
@@ -20032,7 +22581,7 @@
         <p:spPr>
           <a:xfrm>
             <a:off x="4572000" y="0"/>
-            <a:ext cx="15120" cy="6854760"/>
+            <a:ext cx="14760" cy="6854400"/>
           </a:xfrm>
           <a:prstGeom prst="rect">
             <a:avLst/>
@@ -20092,7 +22641,7 @@
         <p:spPr>
           <a:xfrm>
             <a:off x="5486400" y="0"/>
-            <a:ext cx="15120" cy="6854760"/>
+            <a:ext cx="14760" cy="6854400"/>
           </a:xfrm>
           <a:prstGeom prst="rect">
             <a:avLst/>
@@ -20152,7 +22701,7 @@
         <p:spPr>
           <a:xfrm>
             <a:off x="6400800" y="0"/>
-            <a:ext cx="15120" cy="6854760"/>
+            <a:ext cx="14760" cy="6854400"/>
           </a:xfrm>
           <a:prstGeom prst="rect">
             <a:avLst/>
@@ -20212,7 +22761,7 @@
         <p:spPr>
           <a:xfrm>
             <a:off x="7315200" y="0"/>
-            <a:ext cx="15120" cy="6854760"/>
+            <a:ext cx="14760" cy="6854400"/>
           </a:xfrm>
           <a:prstGeom prst="rect">
             <a:avLst/>
@@ -20272,7 +22821,7 @@
         <p:spPr>
           <a:xfrm>
             <a:off x="8229600" y="0"/>
-            <a:ext cx="15120" cy="6854760"/>
+            <a:ext cx="14760" cy="6854400"/>
           </a:xfrm>
           <a:prstGeom prst="rect">
             <a:avLst/>
@@ -20332,7 +22881,7 @@
         <p:spPr>
           <a:xfrm>
             <a:off x="9144000" y="0"/>
-            <a:ext cx="15120" cy="6854760"/>
+            <a:ext cx="14760" cy="6854400"/>
           </a:xfrm>
           <a:prstGeom prst="rect">
             <a:avLst/>
@@ -20392,7 +22941,7 @@
         <p:spPr>
           <a:xfrm>
             <a:off x="10058400" y="0"/>
-            <a:ext cx="15120" cy="6854760"/>
+            <a:ext cx="14760" cy="6854400"/>
           </a:xfrm>
           <a:prstGeom prst="rect">
             <a:avLst/>
@@ -20452,7 +23001,7 @@
         <p:spPr>
           <a:xfrm>
             <a:off x="10972800" y="0"/>
-            <a:ext cx="15120" cy="6854760"/>
+            <a:ext cx="14760" cy="6854400"/>
           </a:xfrm>
           <a:prstGeom prst="rect">
             <a:avLst/>
@@ -20512,7 +23061,7 @@
         <p:spPr>
           <a:xfrm>
             <a:off x="11887200" y="0"/>
-            <a:ext cx="15120" cy="6854760"/>
+            <a:ext cx="14760" cy="6854400"/>
           </a:xfrm>
           <a:prstGeom prst="rect">
             <a:avLst/>
@@ -20572,7 +23121,7 @@
         <p:spPr>
           <a:xfrm>
             <a:off x="0" y="0"/>
-            <a:ext cx="316800" cy="6854760"/>
+            <a:ext cx="316440" cy="6854400"/>
           </a:xfrm>
           <a:prstGeom prst="rect">
             <a:avLst/>
@@ -20632,7 +23181,7 @@
         <p:spPr>
           <a:xfrm>
             <a:off x="9875520" y="365760"/>
-            <a:ext cx="2008440" cy="499680"/>
+            <a:ext cx="2008080" cy="499320"/>
           </a:xfrm>
           <a:prstGeom prst="roundRect">
             <a:avLst>
@@ -20814,7 +23363,7 @@
         <p:spPr>
           <a:xfrm>
             <a:off x="987480" y="3182040"/>
-            <a:ext cx="3288600" cy="2739960"/>
+            <a:ext cx="3288240" cy="2739600"/>
           </a:xfrm>
           <a:prstGeom prst="roundRect">
             <a:avLst>
@@ -20876,7 +23425,7 @@
         <p:spPr>
           <a:xfrm>
             <a:off x="914400" y="3108960"/>
-            <a:ext cx="3288600" cy="2739960"/>
+            <a:ext cx="3288240" cy="2739600"/>
           </a:xfrm>
           <a:prstGeom prst="roundRect">
             <a:avLst>
@@ -21131,7 +23680,7 @@
         <p:spPr>
           <a:xfrm>
             <a:off x="4507920" y="3182040"/>
-            <a:ext cx="3288600" cy="2739960"/>
+            <a:ext cx="3288240" cy="2739600"/>
           </a:xfrm>
           <a:prstGeom prst="roundRect">
             <a:avLst>
@@ -21193,7 +23742,7 @@
         <p:spPr>
           <a:xfrm>
             <a:off x="4434840" y="3108960"/>
-            <a:ext cx="3288600" cy="2739960"/>
+            <a:ext cx="3288240" cy="2739600"/>
           </a:xfrm>
           <a:prstGeom prst="roundRect">
             <a:avLst>
@@ -21405,7 +23954,7 @@
         <p:spPr>
           <a:xfrm>
             <a:off x="8028360" y="3182040"/>
-            <a:ext cx="3288600" cy="2739960"/>
+            <a:ext cx="3288240" cy="2739600"/>
           </a:xfrm>
           <a:prstGeom prst="roundRect">
             <a:avLst>
@@ -21467,7 +24016,7 @@
         <p:spPr>
           <a:xfrm>
             <a:off x="7955280" y="3108960"/>
-            <a:ext cx="3288600" cy="2739960"/>
+            <a:ext cx="3288240" cy="2739600"/>
           </a:xfrm>
           <a:prstGeom prst="roundRect">
             <a:avLst>
@@ -21832,7 +24381,7 @@
         <p:spPr>
           <a:xfrm>
             <a:off x="0" y="0"/>
-            <a:ext cx="12186360" cy="6855480"/>
+            <a:ext cx="12186000" cy="6855120"/>
           </a:xfrm>
           <a:prstGeom prst="rect">
             <a:avLst/>
@@ -21892,7 +24441,7 @@
         <p:spPr>
           <a:xfrm>
             <a:off x="0" y="0"/>
-            <a:ext cx="15840" cy="6855480"/>
+            <a:ext cx="15480" cy="6855120"/>
           </a:xfrm>
           <a:prstGeom prst="rect">
             <a:avLst/>
@@ -21952,7 +24501,7 @@
         <p:spPr>
           <a:xfrm>
             <a:off x="914400" y="0"/>
-            <a:ext cx="15840" cy="6855480"/>
+            <a:ext cx="15480" cy="6855120"/>
           </a:xfrm>
           <a:prstGeom prst="rect">
             <a:avLst/>
@@ -22012,7 +24561,7 @@
         <p:spPr>
           <a:xfrm>
             <a:off x="1828800" y="0"/>
-            <a:ext cx="15840" cy="6855480"/>
+            <a:ext cx="15480" cy="6855120"/>
           </a:xfrm>
           <a:prstGeom prst="rect">
             <a:avLst/>
@@ -22072,7 +24621,7 @@
         <p:spPr>
           <a:xfrm>
             <a:off x="2743200" y="0"/>
-            <a:ext cx="15840" cy="6855480"/>
+            <a:ext cx="15480" cy="6855120"/>
           </a:xfrm>
           <a:prstGeom prst="rect">
             <a:avLst/>
@@ -22132,7 +24681,7 @@
         <p:spPr>
           <a:xfrm>
             <a:off x="3657600" y="0"/>
-            <a:ext cx="15840" cy="6855480"/>
+            <a:ext cx="15480" cy="6855120"/>
           </a:xfrm>
           <a:prstGeom prst="rect">
             <a:avLst/>
@@ -22192,7 +24741,7 @@
         <p:spPr>
           <a:xfrm>
             <a:off x="4572000" y="0"/>
-            <a:ext cx="15840" cy="6855480"/>
+            <a:ext cx="15480" cy="6855120"/>
           </a:xfrm>
           <a:prstGeom prst="rect">
             <a:avLst/>
@@ -22252,7 +24801,7 @@
         <p:spPr>
           <a:xfrm>
             <a:off x="5486400" y="0"/>
-            <a:ext cx="15840" cy="6855480"/>
+            <a:ext cx="15480" cy="6855120"/>
           </a:xfrm>
           <a:prstGeom prst="rect">
             <a:avLst/>
@@ -22312,7 +24861,7 @@
         <p:spPr>
           <a:xfrm>
             <a:off x="6400800" y="0"/>
-            <a:ext cx="15840" cy="6855480"/>
+            <a:ext cx="15480" cy="6855120"/>
           </a:xfrm>
           <a:prstGeom prst="rect">
             <a:avLst/>
@@ -22372,7 +24921,7 @@
         <p:spPr>
           <a:xfrm>
             <a:off x="7315200" y="0"/>
-            <a:ext cx="15840" cy="6855480"/>
+            <a:ext cx="15480" cy="6855120"/>
           </a:xfrm>
           <a:prstGeom prst="rect">
             <a:avLst/>
@@ -22432,7 +24981,7 @@
         <p:spPr>
           <a:xfrm>
             <a:off x="8229600" y="0"/>
-            <a:ext cx="15840" cy="6855480"/>
+            <a:ext cx="15480" cy="6855120"/>
           </a:xfrm>
           <a:prstGeom prst="rect">
             <a:avLst/>
@@ -22492,7 +25041,7 @@
         <p:spPr>
           <a:xfrm>
             <a:off x="9144000" y="0"/>
-            <a:ext cx="15840" cy="6855480"/>
+            <a:ext cx="15480" cy="6855120"/>
           </a:xfrm>
           <a:prstGeom prst="rect">
             <a:avLst/>
@@ -22552,7 +25101,7 @@
         <p:spPr>
           <a:xfrm>
             <a:off x="10058400" y="0"/>
-            <a:ext cx="15840" cy="6855480"/>
+            <a:ext cx="15480" cy="6855120"/>
           </a:xfrm>
           <a:prstGeom prst="rect">
             <a:avLst/>
@@ -22612,7 +25161,7 @@
         <p:spPr>
           <a:xfrm>
             <a:off x="10972800" y="0"/>
-            <a:ext cx="15840" cy="6855480"/>
+            <a:ext cx="15480" cy="6855120"/>
           </a:xfrm>
           <a:prstGeom prst="rect">
             <a:avLst/>
@@ -22672,7 +25221,7 @@
         <p:spPr>
           <a:xfrm>
             <a:off x="11887200" y="0"/>
-            <a:ext cx="15840" cy="6855480"/>
+            <a:ext cx="15480" cy="6855120"/>
           </a:xfrm>
           <a:prstGeom prst="rect">
             <a:avLst/>
@@ -22732,7 +25281,7 @@
         <p:spPr>
           <a:xfrm>
             <a:off x="0" y="0"/>
-            <a:ext cx="317520" cy="6855480"/>
+            <a:ext cx="317160" cy="6855120"/>
           </a:xfrm>
           <a:prstGeom prst="rect">
             <a:avLst/>
@@ -22792,7 +25341,7 @@
         <p:spPr>
           <a:xfrm>
             <a:off x="9875520" y="365760"/>
-            <a:ext cx="2009160" cy="500400"/>
+            <a:ext cx="2008800" cy="500040"/>
           </a:xfrm>
           <a:prstGeom prst="roundRect">
             <a:avLst>
@@ -22974,7 +25523,7 @@
         <p:spPr>
           <a:xfrm>
             <a:off x="987480" y="3182040"/>
-            <a:ext cx="3289320" cy="2740680"/>
+            <a:ext cx="3288960" cy="2740320"/>
           </a:xfrm>
           <a:prstGeom prst="roundRect">
             <a:avLst>
@@ -23036,7 +25585,7 @@
         <p:spPr>
           <a:xfrm>
             <a:off x="475560" y="2743200"/>
-            <a:ext cx="3728160" cy="3106440"/>
+            <a:ext cx="3727800" cy="3106080"/>
           </a:xfrm>
           <a:prstGeom prst="roundRect">
             <a:avLst>
@@ -23313,7 +25862,7 @@
         <p:spPr>
           <a:xfrm>
             <a:off x="4507920" y="3182040"/>
-            <a:ext cx="3289320" cy="2740680"/>
+            <a:ext cx="3288960" cy="2740320"/>
           </a:xfrm>
           <a:prstGeom prst="roundRect">
             <a:avLst>
@@ -23375,7 +25924,7 @@
         <p:spPr>
           <a:xfrm>
             <a:off x="4343400" y="2918520"/>
-            <a:ext cx="3517920" cy="2931120"/>
+            <a:ext cx="3517560" cy="2930760"/>
           </a:xfrm>
           <a:prstGeom prst="roundRect">
             <a:avLst>
@@ -23837,7 +26386,7 @@
         <p:spPr>
           <a:xfrm>
             <a:off x="8028360" y="3182040"/>
-            <a:ext cx="3289320" cy="2740680"/>
+            <a:ext cx="3288960" cy="2740320"/>
           </a:xfrm>
           <a:prstGeom prst="roundRect">
             <a:avLst>
@@ -23899,7 +26448,7 @@
         <p:spPr>
           <a:xfrm>
             <a:off x="8023680" y="2743200"/>
-            <a:ext cx="3839400" cy="3198960"/>
+            <a:ext cx="3839040" cy="3198600"/>
           </a:xfrm>
           <a:prstGeom prst="roundRect">
             <a:avLst>
@@ -24455,7 +27004,7 @@
         <p:spPr>
           <a:xfrm>
             <a:off x="0" y="0"/>
-            <a:ext cx="12186720" cy="6855840"/>
+            <a:ext cx="12186360" cy="6855480"/>
           </a:xfrm>
           <a:prstGeom prst="rect">
             <a:avLst/>
@@ -24515,7 +27064,7 @@
         <p:spPr>
           <a:xfrm>
             <a:off x="0" y="0"/>
-            <a:ext cx="16200" cy="6855840"/>
+            <a:ext cx="15840" cy="6855480"/>
           </a:xfrm>
           <a:prstGeom prst="rect">
             <a:avLst/>
@@ -24575,7 +27124,7 @@
         <p:spPr>
           <a:xfrm>
             <a:off x="914400" y="0"/>
-            <a:ext cx="16200" cy="6855840"/>
+            <a:ext cx="15840" cy="6855480"/>
           </a:xfrm>
           <a:prstGeom prst="rect">
             <a:avLst/>
@@ -24635,7 +27184,7 @@
         <p:spPr>
           <a:xfrm>
             <a:off x="1828800" y="0"/>
-            <a:ext cx="16200" cy="6855840"/>
+            <a:ext cx="15840" cy="6855480"/>
           </a:xfrm>
           <a:prstGeom prst="rect">
             <a:avLst/>
@@ -24695,7 +27244,7 @@
         <p:spPr>
           <a:xfrm>
             <a:off x="2743200" y="0"/>
-            <a:ext cx="16200" cy="6855840"/>
+            <a:ext cx="15840" cy="6855480"/>
           </a:xfrm>
           <a:prstGeom prst="rect">
             <a:avLst/>
@@ -24755,7 +27304,7 @@
         <p:spPr>
           <a:xfrm>
             <a:off x="3657600" y="0"/>
-            <a:ext cx="16200" cy="6855840"/>
+            <a:ext cx="15840" cy="6855480"/>
           </a:xfrm>
           <a:prstGeom prst="rect">
             <a:avLst/>
@@ -24815,7 +27364,7 @@
         <p:spPr>
           <a:xfrm>
             <a:off x="4572000" y="0"/>
-            <a:ext cx="16200" cy="6855840"/>
+            <a:ext cx="15840" cy="6855480"/>
           </a:xfrm>
           <a:prstGeom prst="rect">
             <a:avLst/>
@@ -24875,7 +27424,7 @@
         <p:spPr>
           <a:xfrm>
             <a:off x="5486400" y="0"/>
-            <a:ext cx="16200" cy="6855840"/>
+            <a:ext cx="15840" cy="6855480"/>
           </a:xfrm>
           <a:prstGeom prst="rect">
             <a:avLst/>
@@ -24935,7 +27484,7 @@
         <p:spPr>
           <a:xfrm>
             <a:off x="6400800" y="0"/>
-            <a:ext cx="16200" cy="6855840"/>
+            <a:ext cx="15840" cy="6855480"/>
           </a:xfrm>
           <a:prstGeom prst="rect">
             <a:avLst/>
@@ -24995,7 +27544,7 @@
         <p:spPr>
           <a:xfrm>
             <a:off x="7315200" y="0"/>
-            <a:ext cx="16200" cy="6855840"/>
+            <a:ext cx="15840" cy="6855480"/>
           </a:xfrm>
           <a:prstGeom prst="rect">
             <a:avLst/>
@@ -25055,7 +27604,7 @@
         <p:spPr>
           <a:xfrm>
             <a:off x="8229600" y="0"/>
-            <a:ext cx="16200" cy="6855840"/>
+            <a:ext cx="15840" cy="6855480"/>
           </a:xfrm>
           <a:prstGeom prst="rect">
             <a:avLst/>
@@ -25115,7 +27664,7 @@
         <p:spPr>
           <a:xfrm>
             <a:off x="9144000" y="0"/>
-            <a:ext cx="16200" cy="6855840"/>
+            <a:ext cx="15840" cy="6855480"/>
           </a:xfrm>
           <a:prstGeom prst="rect">
             <a:avLst/>
@@ -25175,7 +27724,7 @@
         <p:spPr>
           <a:xfrm>
             <a:off x="10058400" y="0"/>
-            <a:ext cx="16200" cy="6855840"/>
+            <a:ext cx="15840" cy="6855480"/>
           </a:xfrm>
           <a:prstGeom prst="rect">
             <a:avLst/>
@@ -25235,7 +27784,7 @@
         <p:spPr>
           <a:xfrm>
             <a:off x="10972800" y="0"/>
-            <a:ext cx="16200" cy="6855840"/>
+            <a:ext cx="15840" cy="6855480"/>
           </a:xfrm>
           <a:prstGeom prst="rect">
             <a:avLst/>
@@ -25295,7 +27844,7 @@
         <p:spPr>
           <a:xfrm>
             <a:off x="11887200" y="0"/>
-            <a:ext cx="16200" cy="6855840"/>
+            <a:ext cx="15840" cy="6855480"/>
           </a:xfrm>
           <a:prstGeom prst="rect">
             <a:avLst/>
@@ -25355,7 +27904,7 @@
         <p:spPr>
           <a:xfrm>
             <a:off x="0" y="0"/>
-            <a:ext cx="317880" cy="6855840"/>
+            <a:ext cx="317520" cy="6855480"/>
           </a:xfrm>
           <a:prstGeom prst="rect">
             <a:avLst/>
@@ -25415,7 +27964,7 @@
         <p:spPr>
           <a:xfrm>
             <a:off x="9875520" y="365760"/>
-            <a:ext cx="2009520" cy="500760"/>
+            <a:ext cx="2009160" cy="500400"/>
           </a:xfrm>
           <a:prstGeom prst="roundRect">
             <a:avLst>
@@ -25543,7 +28092,7 @@
         <p:spPr>
           <a:xfrm>
             <a:off x="3609720" y="2194560"/>
-            <a:ext cx="3750840" cy="379080"/>
+            <a:ext cx="3750480" cy="379080"/>
           </a:xfrm>
           <a:prstGeom prst="rect">
             <a:avLst/>
@@ -25597,7 +28146,7 @@
         <p:spPr>
           <a:xfrm>
             <a:off x="987480" y="3182040"/>
-            <a:ext cx="3289680" cy="2741040"/>
+            <a:ext cx="3289320" cy="2740680"/>
           </a:xfrm>
           <a:prstGeom prst="roundRect">
             <a:avLst>
@@ -25659,7 +28208,7 @@
         <p:spPr>
           <a:xfrm>
             <a:off x="685800" y="2971800"/>
-            <a:ext cx="3518280" cy="3199320"/>
+            <a:ext cx="3517920" cy="3198960"/>
           </a:xfrm>
           <a:prstGeom prst="roundRect">
             <a:avLst>
@@ -26045,7 +28594,7 @@
         <p:spPr>
           <a:xfrm>
             <a:off x="4507920" y="3182040"/>
-            <a:ext cx="3289680" cy="2741040"/>
+            <a:ext cx="3289320" cy="2740680"/>
           </a:xfrm>
           <a:prstGeom prst="roundRect">
             <a:avLst>
@@ -26107,7 +28656,7 @@
         <p:spPr>
           <a:xfrm>
             <a:off x="4434840" y="3108960"/>
-            <a:ext cx="3289680" cy="2741040"/>
+            <a:ext cx="3289320" cy="2740680"/>
           </a:xfrm>
           <a:prstGeom prst="roundRect">
             <a:avLst>
@@ -26553,7 +29102,7 @@
         <p:spPr>
           <a:xfrm>
             <a:off x="8028360" y="3182040"/>
-            <a:ext cx="3289680" cy="2741040"/>
+            <a:ext cx="3289320" cy="2740680"/>
           </a:xfrm>
           <a:prstGeom prst="roundRect">
             <a:avLst>
@@ -26615,7 +29164,7 @@
         <p:spPr>
           <a:xfrm>
             <a:off x="7955280" y="3108960"/>
-            <a:ext cx="3289680" cy="2741040"/>
+            <a:ext cx="3289320" cy="2740680"/>
           </a:xfrm>
           <a:prstGeom prst="roundRect">
             <a:avLst>
@@ -27091,7 +29640,7 @@
         <p:spPr>
           <a:xfrm>
             <a:off x="0" y="0"/>
-            <a:ext cx="12187080" cy="6856200"/>
+            <a:ext cx="12186720" cy="6855840"/>
           </a:xfrm>
           <a:prstGeom prst="rect">
             <a:avLst/>
@@ -27151,7 +29700,7 @@
         <p:spPr>
           <a:xfrm>
             <a:off x="0" y="0"/>
-            <a:ext cx="16560" cy="6856200"/>
+            <a:ext cx="16200" cy="6855840"/>
           </a:xfrm>
           <a:prstGeom prst="rect">
             <a:avLst/>
@@ -27211,7 +29760,7 @@
         <p:spPr>
           <a:xfrm>
             <a:off x="914400" y="0"/>
-            <a:ext cx="16560" cy="6856200"/>
+            <a:ext cx="16200" cy="6855840"/>
           </a:xfrm>
           <a:prstGeom prst="rect">
             <a:avLst/>
@@ -27271,7 +29820,7 @@
         <p:spPr>
           <a:xfrm>
             <a:off x="1828800" y="0"/>
-            <a:ext cx="16560" cy="6856200"/>
+            <a:ext cx="16200" cy="6855840"/>
           </a:xfrm>
           <a:prstGeom prst="rect">
             <a:avLst/>
@@ -27331,7 +29880,7 @@
         <p:spPr>
           <a:xfrm>
             <a:off x="2743200" y="0"/>
-            <a:ext cx="16560" cy="6856200"/>
+            <a:ext cx="16200" cy="6855840"/>
           </a:xfrm>
           <a:prstGeom prst="rect">
             <a:avLst/>
@@ -27391,7 +29940,7 @@
         <p:spPr>
           <a:xfrm>
             <a:off x="3657600" y="0"/>
-            <a:ext cx="16560" cy="6856200"/>
+            <a:ext cx="16200" cy="6855840"/>
           </a:xfrm>
           <a:prstGeom prst="rect">
             <a:avLst/>
@@ -27451,7 +30000,7 @@
         <p:spPr>
           <a:xfrm>
             <a:off x="4572000" y="0"/>
-            <a:ext cx="16560" cy="6856200"/>
+            <a:ext cx="16200" cy="6855840"/>
           </a:xfrm>
           <a:prstGeom prst="rect">
             <a:avLst/>
@@ -27511,7 +30060,7 @@
         <p:spPr>
           <a:xfrm>
             <a:off x="5486400" y="0"/>
-            <a:ext cx="16560" cy="6856200"/>
+            <a:ext cx="16200" cy="6855840"/>
           </a:xfrm>
           <a:prstGeom prst="rect">
             <a:avLst/>
@@ -27571,7 +30120,7 @@
         <p:spPr>
           <a:xfrm>
             <a:off x="6400800" y="0"/>
-            <a:ext cx="16560" cy="6856200"/>
+            <a:ext cx="16200" cy="6855840"/>
           </a:xfrm>
           <a:prstGeom prst="rect">
             <a:avLst/>
@@ -27631,7 +30180,7 @@
         <p:spPr>
           <a:xfrm>
             <a:off x="7315200" y="0"/>
-            <a:ext cx="16560" cy="6856200"/>
+            <a:ext cx="16200" cy="6855840"/>
           </a:xfrm>
           <a:prstGeom prst="rect">
             <a:avLst/>
@@ -27691,7 +30240,7 @@
         <p:spPr>
           <a:xfrm>
             <a:off x="8229600" y="0"/>
-            <a:ext cx="16560" cy="6856200"/>
+            <a:ext cx="16200" cy="6855840"/>
           </a:xfrm>
           <a:prstGeom prst="rect">
             <a:avLst/>
@@ -27751,7 +30300,7 @@
         <p:spPr>
           <a:xfrm>
             <a:off x="9144000" y="0"/>
-            <a:ext cx="16560" cy="6856200"/>
+            <a:ext cx="16200" cy="6855840"/>
           </a:xfrm>
           <a:prstGeom prst="rect">
             <a:avLst/>
@@ -27811,7 +30360,7 @@
         <p:spPr>
           <a:xfrm>
             <a:off x="10058400" y="0"/>
-            <a:ext cx="16560" cy="6856200"/>
+            <a:ext cx="16200" cy="6855840"/>
           </a:xfrm>
           <a:prstGeom prst="rect">
             <a:avLst/>
@@ -27871,7 +30420,7 @@
         <p:spPr>
           <a:xfrm>
             <a:off x="10972800" y="0"/>
-            <a:ext cx="16560" cy="6856200"/>
+            <a:ext cx="16200" cy="6855840"/>
           </a:xfrm>
           <a:prstGeom prst="rect">
             <a:avLst/>
@@ -27931,7 +30480,7 @@
         <p:spPr>
           <a:xfrm>
             <a:off x="11887200" y="0"/>
-            <a:ext cx="16560" cy="6856200"/>
+            <a:ext cx="16200" cy="6855840"/>
           </a:xfrm>
           <a:prstGeom prst="rect">
             <a:avLst/>
@@ -27991,7 +30540,7 @@
         <p:spPr>
           <a:xfrm>
             <a:off x="0" y="0"/>
-            <a:ext cx="318240" cy="6856200"/>
+            <a:ext cx="317880" cy="6855840"/>
           </a:xfrm>
           <a:prstGeom prst="rect">
             <a:avLst/>
@@ -28051,7 +30600,7 @@
         <p:spPr>
           <a:xfrm>
             <a:off x="9875520" y="365760"/>
-            <a:ext cx="2009880" cy="501120"/>
+            <a:ext cx="2009520" cy="500760"/>
           </a:xfrm>
           <a:prstGeom prst="roundRect">
             <a:avLst>
@@ -28125,7 +30674,7 @@
         <p:spPr>
           <a:xfrm>
             <a:off x="2175120" y="1005840"/>
-            <a:ext cx="6620760" cy="820800"/>
+            <a:ext cx="6620400" cy="820800"/>
           </a:xfrm>
           <a:prstGeom prst="rect">
             <a:avLst/>
@@ -28179,7 +30728,7 @@
         <p:spPr>
           <a:xfrm>
             <a:off x="2093040" y="2194560"/>
-            <a:ext cx="6785280" cy="668520"/>
+            <a:ext cx="6784920" cy="668520"/>
           </a:xfrm>
           <a:prstGeom prst="rect">
             <a:avLst/>
@@ -28256,7 +30805,7 @@
         <p:spPr>
           <a:xfrm>
             <a:off x="987480" y="3182040"/>
-            <a:ext cx="3290040" cy="2741400"/>
+            <a:ext cx="3289680" cy="2741040"/>
           </a:xfrm>
           <a:prstGeom prst="roundRect">
             <a:avLst>
@@ -28318,7 +30867,7 @@
         <p:spPr>
           <a:xfrm>
             <a:off x="914400" y="3108960"/>
-            <a:ext cx="3290040" cy="2741400"/>
+            <a:ext cx="3289680" cy="2741040"/>
           </a:xfrm>
           <a:prstGeom prst="roundRect">
             <a:avLst>
@@ -28464,7 +31013,7 @@
         <p:spPr>
           <a:xfrm>
             <a:off x="4507920" y="3182040"/>
-            <a:ext cx="3290040" cy="2741400"/>
+            <a:ext cx="3289680" cy="2741040"/>
           </a:xfrm>
           <a:prstGeom prst="roundRect">
             <a:avLst>
@@ -28526,7 +31075,7 @@
         <p:spPr>
           <a:xfrm>
             <a:off x="4434840" y="3108960"/>
-            <a:ext cx="3290040" cy="2741400"/>
+            <a:ext cx="3289680" cy="2741040"/>
           </a:xfrm>
           <a:prstGeom prst="roundRect">
             <a:avLst>
@@ -28744,7 +31293,7 @@
         <p:spPr>
           <a:xfrm>
             <a:off x="8028360" y="3182040"/>
-            <a:ext cx="3290040" cy="2741400"/>
+            <a:ext cx="3289680" cy="2741040"/>
           </a:xfrm>
           <a:prstGeom prst="roundRect">
             <a:avLst>
@@ -28806,7 +31355,7 @@
         <p:spPr>
           <a:xfrm>
             <a:off x="7955280" y="3108960"/>
-            <a:ext cx="3290040" cy="2741400"/>
+            <a:ext cx="3289680" cy="2741040"/>
           </a:xfrm>
           <a:prstGeom prst="roundRect">
             <a:avLst>
@@ -29010,7 +31559,7 @@
         <p:spPr>
           <a:xfrm>
             <a:off x="0" y="0"/>
-            <a:ext cx="12187080" cy="6856200"/>
+            <a:ext cx="12186720" cy="6855840"/>
           </a:xfrm>
           <a:prstGeom prst="rect">
             <a:avLst/>
@@ -29070,7 +31619,7 @@
         <p:spPr>
           <a:xfrm>
             <a:off x="0" y="0"/>
-            <a:ext cx="16560" cy="6856200"/>
+            <a:ext cx="16200" cy="6855840"/>
           </a:xfrm>
           <a:prstGeom prst="rect">
             <a:avLst/>
@@ -29130,7 +31679,7 @@
         <p:spPr>
           <a:xfrm>
             <a:off x="914400" y="0"/>
-            <a:ext cx="16560" cy="6856200"/>
+            <a:ext cx="16200" cy="6855840"/>
           </a:xfrm>
           <a:prstGeom prst="rect">
             <a:avLst/>
@@ -29190,7 +31739,7 @@
         <p:spPr>
           <a:xfrm>
             <a:off x="1828800" y="0"/>
-            <a:ext cx="16560" cy="6856200"/>
+            <a:ext cx="16200" cy="6855840"/>
           </a:xfrm>
           <a:prstGeom prst="rect">
             <a:avLst/>
@@ -29250,7 +31799,7 @@
         <p:spPr>
           <a:xfrm>
             <a:off x="2743200" y="0"/>
-            <a:ext cx="16560" cy="6856200"/>
+            <a:ext cx="16200" cy="6855840"/>
           </a:xfrm>
           <a:prstGeom prst="rect">
             <a:avLst/>
@@ -29310,7 +31859,7 @@
         <p:spPr>
           <a:xfrm>
             <a:off x="3657600" y="0"/>
-            <a:ext cx="16560" cy="6856200"/>
+            <a:ext cx="16200" cy="6855840"/>
           </a:xfrm>
           <a:prstGeom prst="rect">
             <a:avLst/>
@@ -29370,7 +31919,7 @@
         <p:spPr>
           <a:xfrm>
             <a:off x="4572000" y="0"/>
-            <a:ext cx="16560" cy="6856200"/>
+            <a:ext cx="16200" cy="6855840"/>
           </a:xfrm>
           <a:prstGeom prst="rect">
             <a:avLst/>
@@ -29430,7 +31979,7 @@
         <p:spPr>
           <a:xfrm>
             <a:off x="5486400" y="0"/>
-            <a:ext cx="16560" cy="6856200"/>
+            <a:ext cx="16200" cy="6855840"/>
           </a:xfrm>
           <a:prstGeom prst="rect">
             <a:avLst/>
@@ -29490,7 +32039,7 @@
         <p:spPr>
           <a:xfrm>
             <a:off x="6400800" y="0"/>
-            <a:ext cx="16560" cy="6856200"/>
+            <a:ext cx="16200" cy="6855840"/>
           </a:xfrm>
           <a:prstGeom prst="rect">
             <a:avLst/>
@@ -29550,7 +32099,7 @@
         <p:spPr>
           <a:xfrm>
             <a:off x="7315200" y="0"/>
-            <a:ext cx="16560" cy="6856200"/>
+            <a:ext cx="16200" cy="6855840"/>
           </a:xfrm>
           <a:prstGeom prst="rect">
             <a:avLst/>
@@ -29610,7 +32159,7 @@
         <p:spPr>
           <a:xfrm>
             <a:off x="8229600" y="0"/>
-            <a:ext cx="16560" cy="6856200"/>
+            <a:ext cx="16200" cy="6855840"/>
           </a:xfrm>
           <a:prstGeom prst="rect">
             <a:avLst/>
@@ -29670,7 +32219,7 @@
         <p:spPr>
           <a:xfrm>
             <a:off x="9144000" y="0"/>
-            <a:ext cx="16560" cy="6856200"/>
+            <a:ext cx="16200" cy="6855840"/>
           </a:xfrm>
           <a:prstGeom prst="rect">
             <a:avLst/>
@@ -29730,7 +32279,7 @@
         <p:spPr>
           <a:xfrm>
             <a:off x="10058400" y="0"/>
-            <a:ext cx="16560" cy="6856200"/>
+            <a:ext cx="16200" cy="6855840"/>
           </a:xfrm>
           <a:prstGeom prst="rect">
             <a:avLst/>
@@ -29790,7 +32339,7 @@
         <p:spPr>
           <a:xfrm>
             <a:off x="10972800" y="0"/>
-            <a:ext cx="16560" cy="6856200"/>
+            <a:ext cx="16200" cy="6855840"/>
           </a:xfrm>
           <a:prstGeom prst="rect">
             <a:avLst/>
@@ -29850,7 +32399,7 @@
         <p:spPr>
           <a:xfrm>
             <a:off x="11887200" y="0"/>
-            <a:ext cx="16560" cy="6856200"/>
+            <a:ext cx="16200" cy="6855840"/>
           </a:xfrm>
           <a:prstGeom prst="rect">
             <a:avLst/>
@@ -29910,7 +32459,7 @@
         <p:spPr>
           <a:xfrm>
             <a:off x="0" y="0"/>
-            <a:ext cx="318240" cy="6856200"/>
+            <a:ext cx="317880" cy="6855840"/>
           </a:xfrm>
           <a:prstGeom prst="rect">
             <a:avLst/>
@@ -29970,7 +32519,7 @@
         <p:spPr>
           <a:xfrm>
             <a:off x="9875520" y="365760"/>
-            <a:ext cx="2009880" cy="501120"/>
+            <a:ext cx="2009520" cy="500760"/>
           </a:xfrm>
           <a:prstGeom prst="roundRect">
             <a:avLst>
@@ -30044,7 +32593,7 @@
         <p:spPr>
           <a:xfrm>
             <a:off x="1023840" y="1005840"/>
-            <a:ext cx="8923680" cy="638280"/>
+            <a:ext cx="8923320" cy="638280"/>
           </a:xfrm>
           <a:prstGeom prst="rect">
             <a:avLst/>
@@ -30162,7 +32711,7 @@
         <p:spPr>
           <a:xfrm>
             <a:off x="987480" y="3182040"/>
-            <a:ext cx="3290040" cy="2741400"/>
+            <a:ext cx="3289680" cy="2741040"/>
           </a:xfrm>
           <a:prstGeom prst="roundRect">
             <a:avLst>
@@ -30224,7 +32773,7 @@
         <p:spPr>
           <a:xfrm>
             <a:off x="914400" y="3108960"/>
-            <a:ext cx="3290040" cy="2741400"/>
+            <a:ext cx="3289680" cy="2741040"/>
           </a:xfrm>
           <a:prstGeom prst="roundRect">
             <a:avLst>
@@ -30370,7 +32919,7 @@
         <p:spPr>
           <a:xfrm>
             <a:off x="4507920" y="3182040"/>
-            <a:ext cx="3290040" cy="2741400"/>
+            <a:ext cx="3289680" cy="2741040"/>
           </a:xfrm>
           <a:prstGeom prst="roundRect">
             <a:avLst>
@@ -30432,7 +32981,7 @@
         <p:spPr>
           <a:xfrm>
             <a:off x="4434840" y="3108960"/>
-            <a:ext cx="3290040" cy="2741400"/>
+            <a:ext cx="3289680" cy="2741040"/>
           </a:xfrm>
           <a:prstGeom prst="roundRect">
             <a:avLst>
@@ -30730,7 +33279,7 @@
         <p:spPr>
           <a:xfrm>
             <a:off x="8028360" y="3182040"/>
-            <a:ext cx="3290040" cy="2741400"/>
+            <a:ext cx="3289680" cy="2741040"/>
           </a:xfrm>
           <a:prstGeom prst="roundRect">
             <a:avLst>
@@ -30792,7 +33341,7 @@
         <p:spPr>
           <a:xfrm>
             <a:off x="7955280" y="3108960"/>
-            <a:ext cx="3290040" cy="2741400"/>
+            <a:ext cx="3289680" cy="2741040"/>
           </a:xfrm>
           <a:prstGeom prst="roundRect">
             <a:avLst>
@@ -31078,7 +33627,7 @@
         <p:spPr>
           <a:xfrm>
             <a:off x="0" y="0"/>
-            <a:ext cx="12187080" cy="6856200"/>
+            <a:ext cx="12186720" cy="6855840"/>
           </a:xfrm>
           <a:prstGeom prst="rect">
             <a:avLst/>
@@ -31138,7 +33687,7 @@
         <p:spPr>
           <a:xfrm>
             <a:off x="0" y="0"/>
-            <a:ext cx="16560" cy="6856200"/>
+            <a:ext cx="16200" cy="6855840"/>
           </a:xfrm>
           <a:prstGeom prst="rect">
             <a:avLst/>
@@ -31198,7 +33747,7 @@
         <p:spPr>
           <a:xfrm>
             <a:off x="914400" y="0"/>
-            <a:ext cx="16560" cy="6856200"/>
+            <a:ext cx="16200" cy="6855840"/>
           </a:xfrm>
           <a:prstGeom prst="rect">
             <a:avLst/>
@@ -31258,7 +33807,7 @@
         <p:spPr>
           <a:xfrm>
             <a:off x="1828800" y="0"/>
-            <a:ext cx="16560" cy="6856200"/>
+            <a:ext cx="16200" cy="6855840"/>
           </a:xfrm>
           <a:prstGeom prst="rect">
             <a:avLst/>
@@ -31318,7 +33867,7 @@
         <p:spPr>
           <a:xfrm>
             <a:off x="2743200" y="0"/>
-            <a:ext cx="16560" cy="6856200"/>
+            <a:ext cx="16200" cy="6855840"/>
           </a:xfrm>
           <a:prstGeom prst="rect">
             <a:avLst/>
@@ -31378,7 +33927,7 @@
         <p:spPr>
           <a:xfrm>
             <a:off x="3657600" y="0"/>
-            <a:ext cx="16560" cy="6856200"/>
+            <a:ext cx="16200" cy="6855840"/>
           </a:xfrm>
           <a:prstGeom prst="rect">
             <a:avLst/>
@@ -31438,7 +33987,7 @@
         <p:spPr>
           <a:xfrm>
             <a:off x="4572000" y="0"/>
-            <a:ext cx="16560" cy="6856200"/>
+            <a:ext cx="16200" cy="6855840"/>
           </a:xfrm>
           <a:prstGeom prst="rect">
             <a:avLst/>
@@ -31498,7 +34047,7 @@
         <p:spPr>
           <a:xfrm>
             <a:off x="5486400" y="0"/>
-            <a:ext cx="16560" cy="6856200"/>
+            <a:ext cx="16200" cy="6855840"/>
           </a:xfrm>
           <a:prstGeom prst="rect">
             <a:avLst/>
@@ -31558,7 +34107,7 @@
         <p:spPr>
           <a:xfrm>
             <a:off x="6400800" y="0"/>
-            <a:ext cx="16560" cy="6856200"/>
+            <a:ext cx="16200" cy="6855840"/>
           </a:xfrm>
           <a:prstGeom prst="rect">
             <a:avLst/>
@@ -31618,7 +34167,7 @@
         <p:spPr>
           <a:xfrm>
             <a:off x="7315200" y="0"/>
-            <a:ext cx="16560" cy="6856200"/>
+            <a:ext cx="16200" cy="6855840"/>
           </a:xfrm>
           <a:prstGeom prst="rect">
             <a:avLst/>
@@ -31678,7 +34227,7 @@
         <p:spPr>
           <a:xfrm>
             <a:off x="8229600" y="0"/>
-            <a:ext cx="16560" cy="6856200"/>
+            <a:ext cx="16200" cy="6855840"/>
           </a:xfrm>
           <a:prstGeom prst="rect">
             <a:avLst/>
@@ -31738,7 +34287,7 @@
         <p:spPr>
           <a:xfrm>
             <a:off x="9144000" y="0"/>
-            <a:ext cx="16560" cy="6856200"/>
+            <a:ext cx="16200" cy="6855840"/>
           </a:xfrm>
           <a:prstGeom prst="rect">
             <a:avLst/>
@@ -31798,7 +34347,7 @@
         <p:spPr>
           <a:xfrm>
             <a:off x="10058400" y="0"/>
-            <a:ext cx="16560" cy="6856200"/>
+            <a:ext cx="16200" cy="6855840"/>
           </a:xfrm>
           <a:prstGeom prst="rect">
             <a:avLst/>
@@ -31858,7 +34407,7 @@
         <p:spPr>
           <a:xfrm>
             <a:off x="10972800" y="0"/>
-            <a:ext cx="16560" cy="6856200"/>
+            <a:ext cx="16200" cy="6855840"/>
           </a:xfrm>
           <a:prstGeom prst="rect">
             <a:avLst/>
@@ -31918,7 +34467,7 @@
         <p:spPr>
           <a:xfrm>
             <a:off x="11887200" y="0"/>
-            <a:ext cx="16560" cy="6856200"/>
+            <a:ext cx="16200" cy="6855840"/>
           </a:xfrm>
           <a:prstGeom prst="rect">
             <a:avLst/>
@@ -31978,7 +34527,7 @@
         <p:spPr>
           <a:xfrm>
             <a:off x="0" y="0"/>
-            <a:ext cx="318240" cy="6856200"/>
+            <a:ext cx="317880" cy="6855840"/>
           </a:xfrm>
           <a:prstGeom prst="rect">
             <a:avLst/>
@@ -32038,7 +34587,7 @@
         <p:spPr>
           <a:xfrm>
             <a:off x="9875520" y="365760"/>
-            <a:ext cx="2009880" cy="501120"/>
+            <a:ext cx="2009520" cy="500760"/>
           </a:xfrm>
           <a:prstGeom prst="roundRect">
             <a:avLst>
@@ -32112,7 +34661,7 @@
         <p:spPr>
           <a:xfrm>
             <a:off x="1706400" y="1005840"/>
-            <a:ext cx="7558560" cy="638280"/>
+            <a:ext cx="7558200" cy="638280"/>
           </a:xfrm>
           <a:prstGeom prst="rect">
             <a:avLst/>
@@ -32220,7 +34769,7 @@
         <p:spPr>
           <a:xfrm>
             <a:off x="987480" y="3182040"/>
-            <a:ext cx="3290040" cy="2741400"/>
+            <a:ext cx="3289680" cy="2741040"/>
           </a:xfrm>
           <a:prstGeom prst="roundRect">
             <a:avLst>
@@ -32282,7 +34831,7 @@
         <p:spPr>
           <a:xfrm>
             <a:off x="914400" y="3108960"/>
-            <a:ext cx="3290040" cy="2741400"/>
+            <a:ext cx="3289680" cy="2741040"/>
           </a:xfrm>
           <a:prstGeom prst="roundRect">
             <a:avLst>
@@ -32512,7 +35061,7 @@
         <p:spPr>
           <a:xfrm>
             <a:off x="4507920" y="3182040"/>
-            <a:ext cx="3290040" cy="2741400"/>
+            <a:ext cx="3289680" cy="2741040"/>
           </a:xfrm>
           <a:prstGeom prst="roundRect">
             <a:avLst>
@@ -32574,7 +35123,7 @@
         <p:spPr>
           <a:xfrm>
             <a:off x="4434840" y="3108960"/>
-            <a:ext cx="3290040" cy="2741400"/>
+            <a:ext cx="3289680" cy="2741040"/>
           </a:xfrm>
           <a:prstGeom prst="roundRect">
             <a:avLst>
@@ -32878,7 +35427,7 @@
         <p:spPr>
           <a:xfrm>
             <a:off x="8028360" y="3182040"/>
-            <a:ext cx="3290040" cy="2741400"/>
+            <a:ext cx="3289680" cy="2741040"/>
           </a:xfrm>
           <a:prstGeom prst="roundRect">
             <a:avLst>
@@ -32940,7 +35489,7 @@
         <p:spPr>
           <a:xfrm>
             <a:off x="7955280" y="3108960"/>
-            <a:ext cx="3290040" cy="2741400"/>
+            <a:ext cx="3289680" cy="2741040"/>
           </a:xfrm>
           <a:prstGeom prst="roundRect">
             <a:avLst>
@@ -33246,7 +35795,7 @@
         <p:spPr>
           <a:xfrm>
             <a:off x="0" y="0"/>
-            <a:ext cx="12187080" cy="6856200"/>
+            <a:ext cx="12186720" cy="6855840"/>
           </a:xfrm>
           <a:prstGeom prst="rect">
             <a:avLst/>
@@ -33306,7 +35855,7 @@
         <p:spPr>
           <a:xfrm>
             <a:off x="0" y="0"/>
-            <a:ext cx="16560" cy="6856200"/>
+            <a:ext cx="16200" cy="6855840"/>
           </a:xfrm>
           <a:prstGeom prst="rect">
             <a:avLst/>
@@ -33366,7 +35915,7 @@
         <p:spPr>
           <a:xfrm>
             <a:off x="914400" y="0"/>
-            <a:ext cx="16560" cy="6856200"/>
+            <a:ext cx="16200" cy="6855840"/>
           </a:xfrm>
           <a:prstGeom prst="rect">
             <a:avLst/>
@@ -33426,7 +35975,7 @@
         <p:spPr>
           <a:xfrm>
             <a:off x="1828800" y="0"/>
-            <a:ext cx="16560" cy="6856200"/>
+            <a:ext cx="16200" cy="6855840"/>
           </a:xfrm>
           <a:prstGeom prst="rect">
             <a:avLst/>
@@ -33486,7 +36035,7 @@
         <p:spPr>
           <a:xfrm>
             <a:off x="2743200" y="0"/>
-            <a:ext cx="16560" cy="6856200"/>
+            <a:ext cx="16200" cy="6855840"/>
           </a:xfrm>
           <a:prstGeom prst="rect">
             <a:avLst/>
@@ -33546,7 +36095,7 @@
         <p:spPr>
           <a:xfrm>
             <a:off x="3657600" y="0"/>
-            <a:ext cx="16560" cy="6856200"/>
+            <a:ext cx="16200" cy="6855840"/>
           </a:xfrm>
           <a:prstGeom prst="rect">
             <a:avLst/>
@@ -33606,7 +36155,7 @@
         <p:spPr>
           <a:xfrm>
             <a:off x="4572000" y="0"/>
-            <a:ext cx="16560" cy="6856200"/>
+            <a:ext cx="16200" cy="6855840"/>
           </a:xfrm>
           <a:prstGeom prst="rect">
             <a:avLst/>
@@ -33666,7 +36215,7 @@
         <p:spPr>
           <a:xfrm>
             <a:off x="5486400" y="0"/>
-            <a:ext cx="16560" cy="6856200"/>
+            <a:ext cx="16200" cy="6855840"/>
           </a:xfrm>
           <a:prstGeom prst="rect">
             <a:avLst/>
@@ -33726,7 +36275,7 @@
         <p:spPr>
           <a:xfrm>
             <a:off x="6400800" y="0"/>
-            <a:ext cx="16560" cy="6856200"/>
+            <a:ext cx="16200" cy="6855840"/>
           </a:xfrm>
           <a:prstGeom prst="rect">
             <a:avLst/>
@@ -33786,7 +36335,7 @@
         <p:spPr>
           <a:xfrm>
             <a:off x="7315200" y="0"/>
-            <a:ext cx="16560" cy="6856200"/>
+            <a:ext cx="16200" cy="6855840"/>
           </a:xfrm>
           <a:prstGeom prst="rect">
             <a:avLst/>
@@ -33846,7 +36395,7 @@
         <p:spPr>
           <a:xfrm>
             <a:off x="8229600" y="0"/>
-            <a:ext cx="16560" cy="6856200"/>
+            <a:ext cx="16200" cy="6855840"/>
           </a:xfrm>
           <a:prstGeom prst="rect">
             <a:avLst/>
@@ -33906,7 +36455,7 @@
         <p:spPr>
           <a:xfrm>
             <a:off x="9144000" y="0"/>
-            <a:ext cx="16560" cy="6856200"/>
+            <a:ext cx="16200" cy="6855840"/>
           </a:xfrm>
           <a:prstGeom prst="rect">
             <a:avLst/>
@@ -33966,7 +36515,7 @@
         <p:spPr>
           <a:xfrm>
             <a:off x="10058400" y="0"/>
-            <a:ext cx="16560" cy="6856200"/>
+            <a:ext cx="16200" cy="6855840"/>
           </a:xfrm>
           <a:prstGeom prst="rect">
             <a:avLst/>
@@ -34026,7 +36575,7 @@
         <p:spPr>
           <a:xfrm>
             <a:off x="10972800" y="0"/>
-            <a:ext cx="16560" cy="6856200"/>
+            <a:ext cx="16200" cy="6855840"/>
           </a:xfrm>
           <a:prstGeom prst="rect">
             <a:avLst/>
@@ -34086,7 +36635,7 @@
         <p:spPr>
           <a:xfrm>
             <a:off x="11887200" y="0"/>
-            <a:ext cx="16560" cy="6856200"/>
+            <a:ext cx="16200" cy="6855840"/>
           </a:xfrm>
           <a:prstGeom prst="rect">
             <a:avLst/>
@@ -34146,7 +36695,7 @@
         <p:spPr>
           <a:xfrm>
             <a:off x="0" y="0"/>
-            <a:ext cx="318240" cy="6856200"/>
+            <a:ext cx="317880" cy="6855840"/>
           </a:xfrm>
           <a:prstGeom prst="rect">
             <a:avLst/>
@@ -34206,7 +36755,7 @@
         <p:spPr>
           <a:xfrm>
             <a:off x="9875520" y="365760"/>
-            <a:ext cx="2009880" cy="501120"/>
+            <a:ext cx="2009520" cy="500760"/>
           </a:xfrm>
           <a:prstGeom prst="roundRect">
             <a:avLst>
@@ -34280,7 +36829,7 @@
         <p:spPr>
           <a:xfrm>
             <a:off x="2983320" y="1005840"/>
-            <a:ext cx="5004360" cy="638280"/>
+            <a:ext cx="5004000" cy="638280"/>
           </a:xfrm>
           <a:prstGeom prst="rect">
             <a:avLst/>
@@ -34421,7 +36970,7 @@
         <p:spPr>
           <a:xfrm>
             <a:off x="987480" y="3182040"/>
-            <a:ext cx="3290040" cy="2741400"/>
+            <a:ext cx="3289680" cy="2741040"/>
           </a:xfrm>
           <a:prstGeom prst="roundRect">
             <a:avLst>
@@ -34483,7 +37032,7 @@
         <p:spPr>
           <a:xfrm>
             <a:off x="914400" y="3108960"/>
-            <a:ext cx="3290040" cy="2741400"/>
+            <a:ext cx="3289680" cy="2741040"/>
           </a:xfrm>
           <a:prstGeom prst="roundRect">
             <a:avLst>
@@ -34746,7 +37295,7 @@
         <p:spPr>
           <a:xfrm>
             <a:off x="4507920" y="3182040"/>
-            <a:ext cx="3290040" cy="2741400"/>
+            <a:ext cx="3289680" cy="2741040"/>
           </a:xfrm>
           <a:prstGeom prst="roundRect">
             <a:avLst>
@@ -34808,7 +37357,7 @@
         <p:spPr>
           <a:xfrm>
             <a:off x="4434840" y="3108960"/>
-            <a:ext cx="3290040" cy="2741400"/>
+            <a:ext cx="3289680" cy="2741040"/>
           </a:xfrm>
           <a:prstGeom prst="roundRect">
             <a:avLst>
@@ -35112,7 +37661,7 @@
         <p:spPr>
           <a:xfrm>
             <a:off x="8028360" y="3182040"/>
-            <a:ext cx="3290040" cy="2741400"/>
+            <a:ext cx="3289680" cy="2741040"/>
           </a:xfrm>
           <a:prstGeom prst="roundRect">
             <a:avLst>
@@ -35174,7 +37723,7 @@
         <p:spPr>
           <a:xfrm>
             <a:off x="7955280" y="3108960"/>
-            <a:ext cx="3290040" cy="2741400"/>
+            <a:ext cx="3289680" cy="2741040"/>
           </a:xfrm>
           <a:prstGeom prst="roundRect">
             <a:avLst>
@@ -35565,7 +38114,7 @@
         <p:spPr>
           <a:xfrm>
             <a:off x="0" y="0"/>
-            <a:ext cx="12187080" cy="6856200"/>
+            <a:ext cx="12186720" cy="6855840"/>
           </a:xfrm>
           <a:prstGeom prst="rect">
             <a:avLst/>
@@ -35601,6 +38150,11 @@
             <a:noAutofit/>
           </a:bodyPr>
           <a:p>
+            <a:pPr>
+              <a:lnSpc>
+                <a:spcPct val="100000"/>
+              </a:lnSpc>
+            </a:pPr>
             <a:endParaRPr b="0" lang="en-US" sz="1800" spc="-1" strike="noStrike">
               <a:solidFill>
                 <a:schemeClr val="lt1"/>
@@ -35620,7 +38174,7 @@
         <p:spPr>
           <a:xfrm>
             <a:off x="0" y="0"/>
-            <a:ext cx="16560" cy="6856200"/>
+            <a:ext cx="16200" cy="6855840"/>
           </a:xfrm>
           <a:prstGeom prst="rect">
             <a:avLst/>
@@ -35656,6 +38210,11 @@
             <a:noAutofit/>
           </a:bodyPr>
           <a:p>
+            <a:pPr>
+              <a:lnSpc>
+                <a:spcPct val="100000"/>
+              </a:lnSpc>
+            </a:pPr>
             <a:endParaRPr b="0" lang="en-US" sz="1800" spc="-1" strike="noStrike">
               <a:solidFill>
                 <a:schemeClr val="lt1"/>
@@ -35675,7 +38234,7 @@
         <p:spPr>
           <a:xfrm>
             <a:off x="914400" y="0"/>
-            <a:ext cx="16560" cy="6856200"/>
+            <a:ext cx="16200" cy="6855840"/>
           </a:xfrm>
           <a:prstGeom prst="rect">
             <a:avLst/>
@@ -35711,6 +38270,11 @@
             <a:noAutofit/>
           </a:bodyPr>
           <a:p>
+            <a:pPr>
+              <a:lnSpc>
+                <a:spcPct val="100000"/>
+              </a:lnSpc>
+            </a:pPr>
             <a:endParaRPr b="0" lang="en-US" sz="1800" spc="-1" strike="noStrike">
               <a:solidFill>
                 <a:schemeClr val="lt1"/>
@@ -35730,7 +38294,7 @@
         <p:spPr>
           <a:xfrm>
             <a:off x="1828800" y="0"/>
-            <a:ext cx="16560" cy="6856200"/>
+            <a:ext cx="16200" cy="6855840"/>
           </a:xfrm>
           <a:prstGeom prst="rect">
             <a:avLst/>
@@ -35766,6 +38330,11 @@
             <a:noAutofit/>
           </a:bodyPr>
           <a:p>
+            <a:pPr>
+              <a:lnSpc>
+                <a:spcPct val="100000"/>
+              </a:lnSpc>
+            </a:pPr>
             <a:endParaRPr b="0" lang="en-US" sz="1800" spc="-1" strike="noStrike">
               <a:solidFill>
                 <a:schemeClr val="lt1"/>
@@ -35785,7 +38354,7 @@
         <p:spPr>
           <a:xfrm>
             <a:off x="2743200" y="0"/>
-            <a:ext cx="16560" cy="6856200"/>
+            <a:ext cx="16200" cy="6855840"/>
           </a:xfrm>
           <a:prstGeom prst="rect">
             <a:avLst/>
@@ -35821,6 +38390,11 @@
             <a:noAutofit/>
           </a:bodyPr>
           <a:p>
+            <a:pPr>
+              <a:lnSpc>
+                <a:spcPct val="100000"/>
+              </a:lnSpc>
+            </a:pPr>
             <a:endParaRPr b="0" lang="en-US" sz="1800" spc="-1" strike="noStrike">
               <a:solidFill>
                 <a:schemeClr val="lt1"/>
@@ -35840,7 +38414,7 @@
         <p:spPr>
           <a:xfrm>
             <a:off x="3657600" y="0"/>
-            <a:ext cx="16560" cy="6856200"/>
+            <a:ext cx="16200" cy="6855840"/>
           </a:xfrm>
           <a:prstGeom prst="rect">
             <a:avLst/>
@@ -35876,6 +38450,11 @@
             <a:noAutofit/>
           </a:bodyPr>
           <a:p>
+            <a:pPr>
+              <a:lnSpc>
+                <a:spcPct val="100000"/>
+              </a:lnSpc>
+            </a:pPr>
             <a:endParaRPr b="0" lang="en-US" sz="1800" spc="-1" strike="noStrike">
               <a:solidFill>
                 <a:schemeClr val="lt1"/>
@@ -35895,7 +38474,7 @@
         <p:spPr>
           <a:xfrm>
             <a:off x="4572000" y="0"/>
-            <a:ext cx="16560" cy="6856200"/>
+            <a:ext cx="16200" cy="6855840"/>
           </a:xfrm>
           <a:prstGeom prst="rect">
             <a:avLst/>
@@ -35931,6 +38510,11 @@
             <a:noAutofit/>
           </a:bodyPr>
           <a:p>
+            <a:pPr>
+              <a:lnSpc>
+                <a:spcPct val="100000"/>
+              </a:lnSpc>
+            </a:pPr>
             <a:endParaRPr b="0" lang="en-US" sz="1800" spc="-1" strike="noStrike">
               <a:solidFill>
                 <a:schemeClr val="lt1"/>
@@ -35950,7 +38534,7 @@
         <p:spPr>
           <a:xfrm>
             <a:off x="5486400" y="0"/>
-            <a:ext cx="16560" cy="6856200"/>
+            <a:ext cx="16200" cy="6855840"/>
           </a:xfrm>
           <a:prstGeom prst="rect">
             <a:avLst/>
@@ -35986,6 +38570,11 @@
             <a:noAutofit/>
           </a:bodyPr>
           <a:p>
+            <a:pPr>
+              <a:lnSpc>
+                <a:spcPct val="100000"/>
+              </a:lnSpc>
+            </a:pPr>
             <a:endParaRPr b="0" lang="en-US" sz="1800" spc="-1" strike="noStrike">
               <a:solidFill>
                 <a:schemeClr val="lt1"/>
@@ -36005,7 +38594,7 @@
         <p:spPr>
           <a:xfrm>
             <a:off x="6400800" y="0"/>
-            <a:ext cx="16560" cy="6856200"/>
+            <a:ext cx="16200" cy="6855840"/>
           </a:xfrm>
           <a:prstGeom prst="rect">
             <a:avLst/>
@@ -36041,6 +38630,11 @@
             <a:noAutofit/>
           </a:bodyPr>
           <a:p>
+            <a:pPr>
+              <a:lnSpc>
+                <a:spcPct val="100000"/>
+              </a:lnSpc>
+            </a:pPr>
             <a:endParaRPr b="0" lang="en-US" sz="1800" spc="-1" strike="noStrike">
               <a:solidFill>
                 <a:schemeClr val="lt1"/>
@@ -36060,7 +38654,7 @@
         <p:spPr>
           <a:xfrm>
             <a:off x="7315200" y="0"/>
-            <a:ext cx="16560" cy="6856200"/>
+            <a:ext cx="16200" cy="6855840"/>
           </a:xfrm>
           <a:prstGeom prst="rect">
             <a:avLst/>
@@ -36096,6 +38690,11 @@
             <a:noAutofit/>
           </a:bodyPr>
           <a:p>
+            <a:pPr>
+              <a:lnSpc>
+                <a:spcPct val="100000"/>
+              </a:lnSpc>
+            </a:pPr>
             <a:endParaRPr b="0" lang="en-US" sz="1800" spc="-1" strike="noStrike">
               <a:solidFill>
                 <a:schemeClr val="lt1"/>
@@ -36115,7 +38714,7 @@
         <p:spPr>
           <a:xfrm>
             <a:off x="8229600" y="0"/>
-            <a:ext cx="16560" cy="6856200"/>
+            <a:ext cx="16200" cy="6855840"/>
           </a:xfrm>
           <a:prstGeom prst="rect">
             <a:avLst/>
@@ -36151,6 +38750,11 @@
             <a:noAutofit/>
           </a:bodyPr>
           <a:p>
+            <a:pPr>
+              <a:lnSpc>
+                <a:spcPct val="100000"/>
+              </a:lnSpc>
+            </a:pPr>
             <a:endParaRPr b="0" lang="en-US" sz="1800" spc="-1" strike="noStrike">
               <a:solidFill>
                 <a:schemeClr val="lt1"/>
@@ -36170,7 +38774,7 @@
         <p:spPr>
           <a:xfrm>
             <a:off x="9144000" y="0"/>
-            <a:ext cx="16560" cy="6856200"/>
+            <a:ext cx="16200" cy="6855840"/>
           </a:xfrm>
           <a:prstGeom prst="rect">
             <a:avLst/>
@@ -36206,6 +38810,11 @@
             <a:noAutofit/>
           </a:bodyPr>
           <a:p>
+            <a:pPr>
+              <a:lnSpc>
+                <a:spcPct val="100000"/>
+              </a:lnSpc>
+            </a:pPr>
             <a:endParaRPr b="0" lang="en-US" sz="1800" spc="-1" strike="noStrike">
               <a:solidFill>
                 <a:schemeClr val="lt1"/>
@@ -36225,7 +38834,7 @@
         <p:spPr>
           <a:xfrm>
             <a:off x="10058400" y="0"/>
-            <a:ext cx="16560" cy="6856200"/>
+            <a:ext cx="16200" cy="6855840"/>
           </a:xfrm>
           <a:prstGeom prst="rect">
             <a:avLst/>
@@ -36261,6 +38870,11 @@
             <a:noAutofit/>
           </a:bodyPr>
           <a:p>
+            <a:pPr>
+              <a:lnSpc>
+                <a:spcPct val="100000"/>
+              </a:lnSpc>
+            </a:pPr>
             <a:endParaRPr b="0" lang="en-US" sz="1800" spc="-1" strike="noStrike">
               <a:solidFill>
                 <a:schemeClr val="lt1"/>
@@ -36280,7 +38894,7 @@
         <p:spPr>
           <a:xfrm>
             <a:off x="10972800" y="0"/>
-            <a:ext cx="16560" cy="6856200"/>
+            <a:ext cx="16200" cy="6855840"/>
           </a:xfrm>
           <a:prstGeom prst="rect">
             <a:avLst/>
@@ -36316,6 +38930,11 @@
             <a:noAutofit/>
           </a:bodyPr>
           <a:p>
+            <a:pPr>
+              <a:lnSpc>
+                <a:spcPct val="100000"/>
+              </a:lnSpc>
+            </a:pPr>
             <a:endParaRPr b="0" lang="en-US" sz="1800" spc="-1" strike="noStrike">
               <a:solidFill>
                 <a:schemeClr val="lt1"/>
@@ -36335,7 +38954,7 @@
         <p:spPr>
           <a:xfrm>
             <a:off x="11887200" y="0"/>
-            <a:ext cx="16560" cy="6856200"/>
+            <a:ext cx="16200" cy="6855840"/>
           </a:xfrm>
           <a:prstGeom prst="rect">
             <a:avLst/>
@@ -36371,6 +38990,11 @@
             <a:noAutofit/>
           </a:bodyPr>
           <a:p>
+            <a:pPr>
+              <a:lnSpc>
+                <a:spcPct val="100000"/>
+              </a:lnSpc>
+            </a:pPr>
             <a:endParaRPr b="0" lang="en-US" sz="1800" spc="-1" strike="noStrike">
               <a:solidFill>
                 <a:schemeClr val="lt1"/>
@@ -36390,7 +39014,7 @@
         <p:spPr>
           <a:xfrm>
             <a:off x="0" y="0"/>
-            <a:ext cx="318240" cy="6856200"/>
+            <a:ext cx="317880" cy="6855840"/>
           </a:xfrm>
           <a:prstGeom prst="rect">
             <a:avLst/>
@@ -36426,6 +39050,11 @@
             <a:noAutofit/>
           </a:bodyPr>
           <a:p>
+            <a:pPr>
+              <a:lnSpc>
+                <a:spcPct val="100000"/>
+              </a:lnSpc>
+            </a:pPr>
             <a:endParaRPr b="0" lang="en-US" sz="1800" spc="-1" strike="noStrike">
               <a:solidFill>
                 <a:schemeClr val="lt1"/>
@@ -36445,7 +39074,7 @@
         <p:spPr>
           <a:xfrm>
             <a:off x="9875520" y="365760"/>
-            <a:ext cx="2009880" cy="501120"/>
+            <a:ext cx="2009520" cy="500760"/>
           </a:xfrm>
           <a:prstGeom prst="roundRect">
             <a:avLst>
@@ -36519,7 +39148,7 @@
         <p:spPr>
           <a:xfrm>
             <a:off x="3053160" y="1005840"/>
-            <a:ext cx="4864320" cy="638280"/>
+            <a:ext cx="4863960" cy="638280"/>
           </a:xfrm>
           <a:prstGeom prst="rect">
             <a:avLst/>
@@ -36573,7 +39202,7 @@
         <p:spPr>
           <a:xfrm>
             <a:off x="1154520" y="2194560"/>
-            <a:ext cx="8676000" cy="317880"/>
+            <a:ext cx="8675640" cy="317880"/>
           </a:xfrm>
           <a:prstGeom prst="rect">
             <a:avLst/>
@@ -36627,7 +39256,7 @@
         <p:spPr>
           <a:xfrm>
             <a:off x="987480" y="3182040"/>
-            <a:ext cx="3290040" cy="2741400"/>
+            <a:ext cx="3289680" cy="2741040"/>
           </a:xfrm>
           <a:prstGeom prst="roundRect">
             <a:avLst>
@@ -36665,6 +39294,11 @@
             <a:noAutofit/>
           </a:bodyPr>
           <a:p>
+            <a:pPr>
+              <a:lnSpc>
+                <a:spcPct val="100000"/>
+              </a:lnSpc>
+            </a:pPr>
             <a:endParaRPr b="0" lang="en-US" sz="1800" spc="-1" strike="noStrike">
               <a:solidFill>
                 <a:schemeClr val="lt1"/>
@@ -36684,7 +39318,7 @@
         <p:spPr>
           <a:xfrm>
             <a:off x="914400" y="3108960"/>
-            <a:ext cx="3290040" cy="2741400"/>
+            <a:ext cx="3289680" cy="2741040"/>
           </a:xfrm>
           <a:prstGeom prst="roundRect">
             <a:avLst>
@@ -36949,7 +39583,7 @@
         <p:spPr>
           <a:xfrm>
             <a:off x="4507920" y="3182040"/>
-            <a:ext cx="3290040" cy="2741400"/>
+            <a:ext cx="3289680" cy="2741040"/>
           </a:xfrm>
           <a:prstGeom prst="roundRect">
             <a:avLst>
@@ -36987,6 +39621,11 @@
             <a:noAutofit/>
           </a:bodyPr>
           <a:p>
+            <a:pPr>
+              <a:lnSpc>
+                <a:spcPct val="100000"/>
+              </a:lnSpc>
+            </a:pPr>
             <a:endParaRPr b="0" lang="en-US" sz="1800" spc="-1" strike="noStrike">
               <a:solidFill>
                 <a:schemeClr val="lt1"/>
@@ -37006,7 +39645,7 @@
         <p:spPr>
           <a:xfrm>
             <a:off x="4434840" y="3108960"/>
-            <a:ext cx="3290040" cy="2741400"/>
+            <a:ext cx="3289680" cy="2741040"/>
           </a:xfrm>
           <a:prstGeom prst="roundRect">
             <a:avLst>
@@ -37310,7 +39949,7 @@
         <p:spPr>
           <a:xfrm>
             <a:off x="8028360" y="3182040"/>
-            <a:ext cx="3290040" cy="2741400"/>
+            <a:ext cx="3289680" cy="2741040"/>
           </a:xfrm>
           <a:prstGeom prst="roundRect">
             <a:avLst>
@@ -37348,6 +39987,11 @@
             <a:noAutofit/>
           </a:bodyPr>
           <a:p>
+            <a:pPr>
+              <a:lnSpc>
+                <a:spcPct val="100000"/>
+              </a:lnSpc>
+            </a:pPr>
             <a:endParaRPr b="0" lang="en-US" sz="1800" spc="-1" strike="noStrike">
               <a:solidFill>
                 <a:schemeClr val="lt1"/>
@@ -37367,7 +40011,7 @@
         <p:spPr>
           <a:xfrm>
             <a:off x="7955280" y="3108960"/>
-            <a:ext cx="3290040" cy="2741400"/>
+            <a:ext cx="3289680" cy="2741040"/>
           </a:xfrm>
           <a:prstGeom prst="roundRect">
             <a:avLst>

--- a/Java/Java #2/TR/Java #2.pptx
+++ b/Java/Java #2/TR/Java #2.pptx
@@ -22,6 +22,7 @@
     <p:sldId id="265" r:id="rId17"/>
     <p:sldId id="266" r:id="rId18"/>
     <p:sldId id="267" r:id="rId19"/>
+    <p:sldId id="268" r:id="rId20"/>
   </p:sldIdLst>
   <p:sldSz cx="9144000" cy="6858000"/>
   <p:notesSz cx="7772400" cy="10058400"/>
@@ -79,7 +80,7 @@
         <p:txBody>
           <a:bodyPr/>
           <a:p>
-            <a:fld id="{2853220E-C788-4C76-A03E-9D94A58E7670}" type="slidenum">
+            <a:fld id="{6D16DEFA-F64A-4534-9F52-D34F39767AB4}" type="slidenum">
               <a:t>&lt;#&gt;</a:t>
             </a:fld>
           </a:p>
@@ -288,7 +289,7 @@
         <p:txBody>
           <a:bodyPr/>
           <a:p>
-            <a:fld id="{0C2BBD1F-4A5F-4421-A0FC-0977FD7549B9}" type="slidenum">
+            <a:fld id="{4F3B7A02-E8A8-4DA1-9FD8-98BF2E6AD840}" type="slidenum">
               <a:t>&lt;#&gt;</a:t>
             </a:fld>
           </a:p>
@@ -583,7 +584,7 @@
         <p:txBody>
           <a:bodyPr/>
           <a:p>
-            <a:fld id="{FD8990E2-03B1-4D2D-AA3E-9C952BBF4199}" type="slidenum">
+            <a:fld id="{F1B8674C-FDF8-4E53-9859-0E8452310BE5}" type="slidenum">
               <a:t>&lt;#&gt;</a:t>
             </a:fld>
           </a:p>
@@ -964,7 +965,7 @@
         <p:txBody>
           <a:bodyPr/>
           <a:p>
-            <a:fld id="{DE486DF6-AF55-4D39-88F9-4B86901015D7}" type="slidenum">
+            <a:fld id="{4618A0DA-9385-43B3-A361-ED499A67C0F8}" type="slidenum">
               <a:t>&lt;#&gt;</a:t>
             </a:fld>
           </a:p>
@@ -1047,7 +1048,7 @@
         <p:txBody>
           <a:bodyPr/>
           <a:p>
-            <a:fld id="{ED4B714B-F961-478F-950E-2EEC20FFB8AB}" type="slidenum">
+            <a:fld id="{2FBFB90E-2D06-43A3-8423-94032A4193FF}" type="slidenum">
               <a:t>&lt;#&gt;</a:t>
             </a:fld>
           </a:p>
@@ -1210,7 +1211,7 @@
         <p:txBody>
           <a:bodyPr/>
           <a:p>
-            <a:fld id="{1B153E99-B31D-4F3B-A163-0A2DB51545EC}" type="slidenum">
+            <a:fld id="{7D385E04-4DE3-4228-876D-B514E72658CA}" type="slidenum">
               <a:t>&lt;#&gt;</a:t>
             </a:fld>
           </a:p>
@@ -1376,7 +1377,7 @@
         <p:txBody>
           <a:bodyPr/>
           <a:p>
-            <a:fld id="{0977407D-9444-432C-A19A-2DCD57D9D761}" type="slidenum">
+            <a:fld id="{03ED5555-A12A-447A-A880-AFF76A31F64A}" type="slidenum">
               <a:t>&lt;#&gt;</a:t>
             </a:fld>
           </a:p>
@@ -1585,7 +1586,7 @@
         <p:txBody>
           <a:bodyPr/>
           <a:p>
-            <a:fld id="{EFDFDF6A-39B1-4952-B24B-7F08D292F96C}" type="slidenum">
+            <a:fld id="{ED724CDB-0569-473F-BE7C-1C1506346DE0}" type="slidenum">
               <a:t>&lt;#&gt;</a:t>
             </a:fld>
           </a:p>
@@ -1708,7 +1709,7 @@
         <p:txBody>
           <a:bodyPr/>
           <a:p>
-            <a:fld id="{444579AD-4E84-4DF0-8667-6F8DF72C416E}" type="slidenum">
+            <a:fld id="{78F4F084-60FA-42E1-9DCE-D0CAF8E63F04}" type="slidenum">
               <a:t>&lt;#&gt;</a:t>
             </a:fld>
           </a:p>
@@ -1829,7 +1830,7 @@
         <p:txBody>
           <a:bodyPr/>
           <a:p>
-            <a:fld id="{5FF52B3D-2E5F-479F-A4EF-71F111481CE4}" type="slidenum">
+            <a:fld id="{1B00D19E-D228-447A-8E4E-7F46DFA64B80}" type="slidenum">
               <a:t>&lt;#&gt;</a:t>
             </a:fld>
           </a:p>
@@ -2081,7 +2082,7 @@
         <p:txBody>
           <a:bodyPr/>
           <a:p>
-            <a:fld id="{2646420A-2057-47CC-8C22-8BCB2745A019}" type="slidenum">
+            <a:fld id="{76A96319-4C89-4660-9F8E-FEE83708BA87}" type="slidenum">
               <a:t>&lt;#&gt;</a:t>
             </a:fld>
           </a:p>
@@ -2244,7 +2245,7 @@
         <p:txBody>
           <a:bodyPr/>
           <a:p>
-            <a:fld id="{6C62801A-C0A2-4B7D-8181-379BBE040CD3}" type="slidenum">
+            <a:fld id="{2FB8D9EB-D209-4DB1-8D0E-E2ACCC16B59F}" type="slidenum">
               <a:t>&lt;#&gt;</a:t>
             </a:fld>
           </a:p>
@@ -2496,7 +2497,7 @@
         <p:txBody>
           <a:bodyPr/>
           <a:p>
-            <a:fld id="{5042618D-4D6C-4B10-B3A4-F5DEED053E63}" type="slidenum">
+            <a:fld id="{2B1E88E9-8149-41A7-8F96-C9B0AB5CBFF2}" type="slidenum">
               <a:t>&lt;#&gt;</a:t>
             </a:fld>
           </a:p>
@@ -2748,7 +2749,7 @@
         <p:txBody>
           <a:bodyPr/>
           <a:p>
-            <a:fld id="{ADB39543-CF3C-4909-84C1-34BB065E80F2}" type="slidenum">
+            <a:fld id="{CA2141F0-7A28-4125-A30A-295BE4262639}" type="slidenum">
               <a:t>&lt;#&gt;</a:t>
             </a:fld>
           </a:p>
@@ -2957,7 +2958,7 @@
         <p:txBody>
           <a:bodyPr/>
           <a:p>
-            <a:fld id="{84118779-14A6-4333-9B72-0C6D1C64E823}" type="slidenum">
+            <a:fld id="{9BFEEEF2-26C4-48C4-9C74-642564E81754}" type="slidenum">
               <a:t>&lt;#&gt;</a:t>
             </a:fld>
           </a:p>
@@ -3252,7 +3253,7 @@
         <p:txBody>
           <a:bodyPr/>
           <a:p>
-            <a:fld id="{01E67E8F-CBDD-441C-978B-6BF54BFF1D6F}" type="slidenum">
+            <a:fld id="{A2267FA6-C861-4BA8-A4CD-30BBA1431ED5}" type="slidenum">
               <a:t>&lt;#&gt;</a:t>
             </a:fld>
           </a:p>
@@ -3633,7 +3634,7 @@
         <p:txBody>
           <a:bodyPr/>
           <a:p>
-            <a:fld id="{ED560B66-9B69-45A9-8720-CE4A105270DD}" type="slidenum">
+            <a:fld id="{9FF8402A-B897-4C4D-8307-64E25346158D}" type="slidenum">
               <a:t>&lt;#&gt;</a:t>
             </a:fld>
           </a:p>
@@ -3716,7 +3717,7 @@
         <p:txBody>
           <a:bodyPr/>
           <a:p>
-            <a:fld id="{AF8DD584-B642-45AB-993C-FB0ED720B2FF}" type="slidenum">
+            <a:fld id="{B7DCDEB8-7E68-4987-9250-CA570CF3F8CB}" type="slidenum">
               <a:t>&lt;#&gt;</a:t>
             </a:fld>
           </a:p>
@@ -3879,7 +3880,7 @@
         <p:txBody>
           <a:bodyPr/>
           <a:p>
-            <a:fld id="{25E2E870-D34E-4126-A053-27AF4E9A1EA7}" type="slidenum">
+            <a:fld id="{F1ACC747-E9DD-46CE-B761-70EF3252B328}" type="slidenum">
               <a:t>&lt;#&gt;</a:t>
             </a:fld>
           </a:p>
@@ -4045,7 +4046,7 @@
         <p:txBody>
           <a:bodyPr/>
           <a:p>
-            <a:fld id="{489FF6C2-6483-40A0-B73B-1E01497C605E}" type="slidenum">
+            <a:fld id="{7A771558-C4D9-49D1-8938-A5877D050128}" type="slidenum">
               <a:t>&lt;#&gt;</a:t>
             </a:fld>
           </a:p>
@@ -4254,7 +4255,7 @@
         <p:txBody>
           <a:bodyPr/>
           <a:p>
-            <a:fld id="{0E82C2B4-BE51-43AA-B2A5-EBDF506E8CAF}" type="slidenum">
+            <a:fld id="{6F993691-5BD8-43E5-A24B-343E1B0D14FC}" type="slidenum">
               <a:t>&lt;#&gt;</a:t>
             </a:fld>
           </a:p>
@@ -4377,7 +4378,7 @@
         <p:txBody>
           <a:bodyPr/>
           <a:p>
-            <a:fld id="{97085894-8CBF-447B-AC50-3BBACA009A10}" type="slidenum">
+            <a:fld id="{1FB72EF2-32F0-4E86-B625-B4969ABCB454}" type="slidenum">
               <a:t>&lt;#&gt;</a:t>
             </a:fld>
           </a:p>
@@ -4543,7 +4544,7 @@
         <p:txBody>
           <a:bodyPr/>
           <a:p>
-            <a:fld id="{2952E706-EBAE-4424-84C6-3397C3481D7C}" type="slidenum">
+            <a:fld id="{CAF54B46-11D0-425F-8DA3-2F8A27D29269}" type="slidenum">
               <a:t>&lt;#&gt;</a:t>
             </a:fld>
           </a:p>
@@ -4664,7 +4665,7 @@
         <p:txBody>
           <a:bodyPr/>
           <a:p>
-            <a:fld id="{27601104-BADC-43EB-BD81-7B0802706D04}" type="slidenum">
+            <a:fld id="{326A18ED-1386-4D71-A67D-0A5B187852C3}" type="slidenum">
               <a:t>&lt;#&gt;</a:t>
             </a:fld>
           </a:p>
@@ -4916,7 +4917,7 @@
         <p:txBody>
           <a:bodyPr/>
           <a:p>
-            <a:fld id="{9ECE5FE3-9F29-4F58-9515-A24785B89576}" type="slidenum">
+            <a:fld id="{BA456C83-A390-4B16-9420-6AF5B5BBA7AB}" type="slidenum">
               <a:t>&lt;#&gt;</a:t>
             </a:fld>
           </a:p>
@@ -5168,7 +5169,7 @@
         <p:txBody>
           <a:bodyPr/>
           <a:p>
-            <a:fld id="{6D4708D5-D297-43E9-B422-69F1811E0AAE}" type="slidenum">
+            <a:fld id="{454FE606-5B1F-41C7-BED5-466A5DAFBAA0}" type="slidenum">
               <a:t>&lt;#&gt;</a:t>
             </a:fld>
           </a:p>
@@ -5420,7 +5421,7 @@
         <p:txBody>
           <a:bodyPr/>
           <a:p>
-            <a:fld id="{997A9351-F2CB-4DDC-8E74-4A48914E4649}" type="slidenum">
+            <a:fld id="{9B699481-F0B5-4B71-9B99-08F2E5EF5CD5}" type="slidenum">
               <a:t>&lt;#&gt;</a:t>
             </a:fld>
           </a:p>
@@ -5629,7 +5630,7 @@
         <p:txBody>
           <a:bodyPr/>
           <a:p>
-            <a:fld id="{1DFE7367-2D5F-477C-9223-E8BC3894A381}" type="slidenum">
+            <a:fld id="{F4E50F7C-7139-456A-86FE-1EC47EC060E8}" type="slidenum">
               <a:t>&lt;#&gt;</a:t>
             </a:fld>
           </a:p>
@@ -5924,7 +5925,7 @@
         <p:txBody>
           <a:bodyPr/>
           <a:p>
-            <a:fld id="{867A24A7-17C0-4411-B61D-4F166936A7C4}" type="slidenum">
+            <a:fld id="{75276056-22ED-44A8-9C36-F5F518D025E0}" type="slidenum">
               <a:t>&lt;#&gt;</a:t>
             </a:fld>
           </a:p>
@@ -6305,7 +6306,7 @@
         <p:txBody>
           <a:bodyPr/>
           <a:p>
-            <a:fld id="{2E1ADBFA-9544-49F0-8CE0-68AF48FD8058}" type="slidenum">
+            <a:fld id="{A60F6070-FAF2-4903-820C-C286EED4CA43}" type="slidenum">
               <a:t>&lt;#&gt;</a:t>
             </a:fld>
           </a:p>
@@ -6388,7 +6389,7 @@
         <p:txBody>
           <a:bodyPr/>
           <a:p>
-            <a:fld id="{74DC57BD-15EF-43EC-842D-8121CC2A1AC4}" type="slidenum">
+            <a:fld id="{9CF220BF-510A-4D49-AC9F-25D126286D67}" type="slidenum">
               <a:t>&lt;#&gt;</a:t>
             </a:fld>
           </a:p>
@@ -6551,7 +6552,7 @@
         <p:txBody>
           <a:bodyPr/>
           <a:p>
-            <a:fld id="{4812621C-6F5B-4B35-A503-2DE4AE025650}" type="slidenum">
+            <a:fld id="{69A02625-7E8A-473F-A91F-556CA7234448}" type="slidenum">
               <a:t>&lt;#&gt;</a:t>
             </a:fld>
           </a:p>
@@ -6717,7 +6718,7 @@
         <p:txBody>
           <a:bodyPr/>
           <a:p>
-            <a:fld id="{07F6DD2A-F26B-435C-9763-BC4DBBD758FE}" type="slidenum">
+            <a:fld id="{5B3ADDF1-6ACF-4E98-845B-640528BEA4D4}" type="slidenum">
               <a:t>&lt;#&gt;</a:t>
             </a:fld>
           </a:p>
@@ -6926,7 +6927,7 @@
         <p:txBody>
           <a:bodyPr/>
           <a:p>
-            <a:fld id="{8027B2E9-AA42-4B32-938B-66E8BAA035E9}" type="slidenum">
+            <a:fld id="{7A40633D-C2FB-451D-B416-EF76F863EAB6}" type="slidenum">
               <a:t>&lt;#&gt;</a:t>
             </a:fld>
           </a:p>
@@ -7135,7 +7136,7 @@
         <p:txBody>
           <a:bodyPr/>
           <a:p>
-            <a:fld id="{8614BACB-A7EC-44A6-9D0D-24C7EC307A84}" type="slidenum">
+            <a:fld id="{B9BAC81B-036C-4FCD-8599-4B02C933FF9D}" type="slidenum">
               <a:t>&lt;#&gt;</a:t>
             </a:fld>
           </a:p>
@@ -7258,7 +7259,7 @@
         <p:txBody>
           <a:bodyPr/>
           <a:p>
-            <a:fld id="{CFFE8796-DFF7-4D97-B9D2-887AFFB6C03D}" type="slidenum">
+            <a:fld id="{634BFD2D-C93A-4C62-8105-F7D77C90C5AF}" type="slidenum">
               <a:t>&lt;#&gt;</a:t>
             </a:fld>
           </a:p>
@@ -7379,7 +7380,7 @@
         <p:txBody>
           <a:bodyPr/>
           <a:p>
-            <a:fld id="{5B9EE7E5-F77D-4AEF-98B8-32A5C4FCBE36}" type="slidenum">
+            <a:fld id="{B8C24C48-5927-4E79-88F9-89A8811A04E1}" type="slidenum">
               <a:t>&lt;#&gt;</a:t>
             </a:fld>
           </a:p>
@@ -7631,7 +7632,7 @@
         <p:txBody>
           <a:bodyPr/>
           <a:p>
-            <a:fld id="{01537A58-BA01-45FC-BFAF-D6A20DB18048}" type="slidenum">
+            <a:fld id="{D10C2E7F-1A07-42C3-A8E6-0F282ED54B01}" type="slidenum">
               <a:t>&lt;#&gt;</a:t>
             </a:fld>
           </a:p>
@@ -7883,7 +7884,7 @@
         <p:txBody>
           <a:bodyPr/>
           <a:p>
-            <a:fld id="{B0D182A2-B409-4B43-BE7F-E5245D3AB437}" type="slidenum">
+            <a:fld id="{BE0B23B6-C83D-4E6B-AB1D-3A30E84240B0}" type="slidenum">
               <a:t>&lt;#&gt;</a:t>
             </a:fld>
           </a:p>
@@ -8135,7 +8136,7 @@
         <p:txBody>
           <a:bodyPr/>
           <a:p>
-            <a:fld id="{E15CB397-A192-4B22-809C-58D59770FCD5}" type="slidenum">
+            <a:fld id="{BF298868-9E0E-469B-903B-3074C1DBD5D9}" type="slidenum">
               <a:t>&lt;#&gt;</a:t>
             </a:fld>
           </a:p>
@@ -8344,7 +8345,7 @@
         <p:txBody>
           <a:bodyPr/>
           <a:p>
-            <a:fld id="{30D9D69D-A647-4C27-9D35-D2DA7CFA35FF}" type="slidenum">
+            <a:fld id="{4205EFB3-9A2D-4853-AB31-90F31E01F74E}" type="slidenum">
               <a:t>&lt;#&gt;</a:t>
             </a:fld>
           </a:p>
@@ -8639,7 +8640,7 @@
         <p:txBody>
           <a:bodyPr/>
           <a:p>
-            <a:fld id="{AE0D25C9-C08D-4389-A827-94DEE1B59EC8}" type="slidenum">
+            <a:fld id="{2FF74C42-6D39-4828-AB24-190CD61242A0}" type="slidenum">
               <a:t>&lt;#&gt;</a:t>
             </a:fld>
           </a:p>
@@ -9020,7 +9021,7 @@
         <p:txBody>
           <a:bodyPr/>
           <a:p>
-            <a:fld id="{9397D518-5B7C-4DF6-B565-86FB9FC00D20}" type="slidenum">
+            <a:fld id="{78E7FA95-E0F3-4542-8F91-465B4038DA38}" type="slidenum">
               <a:t>&lt;#&gt;</a:t>
             </a:fld>
           </a:p>
@@ -9103,7 +9104,7 @@
         <p:txBody>
           <a:bodyPr/>
           <a:p>
-            <a:fld id="{0B132712-6390-440B-95B2-B214A63A688C}" type="slidenum">
+            <a:fld id="{8E3AF793-E17F-49C6-BBE3-749AAB1B27D8}" type="slidenum">
               <a:t>&lt;#&gt;</a:t>
             </a:fld>
           </a:p>
@@ -9226,7 +9227,7 @@
         <p:txBody>
           <a:bodyPr/>
           <a:p>
-            <a:fld id="{D9CB6CDF-3C3D-4320-B3B6-5887C2F4D59E}" type="slidenum">
+            <a:fld id="{F56B1544-E806-48F1-BCFD-C3C3FA7FA104}" type="slidenum">
               <a:t>&lt;#&gt;</a:t>
             </a:fld>
           </a:p>
@@ -9389,7 +9390,7 @@
         <p:txBody>
           <a:bodyPr/>
           <a:p>
-            <a:fld id="{DAF20D01-AD5C-402C-90F5-1AA1102A259C}" type="slidenum">
+            <a:fld id="{7590D476-8EBB-4AC4-8C3D-2642BDCA1D2F}" type="slidenum">
               <a:t>&lt;#&gt;</a:t>
             </a:fld>
           </a:p>
@@ -9555,7 +9556,7 @@
         <p:txBody>
           <a:bodyPr/>
           <a:p>
-            <a:fld id="{75AAD696-2F4B-4E65-843C-6933ED6E0A6B}" type="slidenum">
+            <a:fld id="{34F6A5A6-69E1-4180-9F25-4390B60C39D3}" type="slidenum">
               <a:t>&lt;#&gt;</a:t>
             </a:fld>
           </a:p>
@@ -9764,7 +9765,7 @@
         <p:txBody>
           <a:bodyPr/>
           <a:p>
-            <a:fld id="{077647DA-E8D3-446F-89DC-D865A3A58A81}" type="slidenum">
+            <a:fld id="{C45A5013-B3CD-4DB4-90CF-21FEC4AFE65E}" type="slidenum">
               <a:t>&lt;#&gt;</a:t>
             </a:fld>
           </a:p>
@@ -9887,7 +9888,7 @@
         <p:txBody>
           <a:bodyPr/>
           <a:p>
-            <a:fld id="{D6CD810A-6E2F-4B74-A35C-CB1AF1BB71C4}" type="slidenum">
+            <a:fld id="{689ACF43-0F9D-4073-8927-493B1E42B07D}" type="slidenum">
               <a:t>&lt;#&gt;</a:t>
             </a:fld>
           </a:p>
@@ -10008,7 +10009,7 @@
         <p:txBody>
           <a:bodyPr/>
           <a:p>
-            <a:fld id="{587A26FC-1367-4074-AECE-8F8FF98649B8}" type="slidenum">
+            <a:fld id="{97A568BB-87E7-4585-BF4E-71B59E0BD747}" type="slidenum">
               <a:t>&lt;#&gt;</a:t>
             </a:fld>
           </a:p>
@@ -10260,7 +10261,7 @@
         <p:txBody>
           <a:bodyPr/>
           <a:p>
-            <a:fld id="{CDC70C3C-FE12-457F-8A6C-C36731A03F88}" type="slidenum">
+            <a:fld id="{B750F9E6-F37A-4521-88FD-A94EDE664239}" type="slidenum">
               <a:t>&lt;#&gt;</a:t>
             </a:fld>
           </a:p>
@@ -10512,7 +10513,7 @@
         <p:txBody>
           <a:bodyPr/>
           <a:p>
-            <a:fld id="{EAB27E7C-49E7-47EF-A114-088A4A9FDD36}" type="slidenum">
+            <a:fld id="{A29911DE-99FE-4988-B1BC-56112BA18280}" type="slidenum">
               <a:t>&lt;#&gt;</a:t>
             </a:fld>
           </a:p>
@@ -10764,7 +10765,7 @@
         <p:txBody>
           <a:bodyPr/>
           <a:p>
-            <a:fld id="{3FADCD93-AF50-4E3C-B0B3-2180800AE95D}" type="slidenum">
+            <a:fld id="{F90D8E73-76C7-4FCA-8DD6-A134FAE9A561}" type="slidenum">
               <a:t>&lt;#&gt;</a:t>
             </a:fld>
           </a:p>
@@ -10973,7 +10974,7 @@
         <p:txBody>
           <a:bodyPr/>
           <a:p>
-            <a:fld id="{1E5B15ED-FD52-4ECF-8D7D-B81C25E94DF1}" type="slidenum">
+            <a:fld id="{02BE1EFC-09F2-4E97-A549-FC9C28A2FD8D}" type="slidenum">
               <a:t>&lt;#&gt;</a:t>
             </a:fld>
           </a:p>
@@ -11268,7 +11269,7 @@
         <p:txBody>
           <a:bodyPr/>
           <a:p>
-            <a:fld id="{BA3E5DA4-6F6E-484C-AEFE-ECC6791B72AF}" type="slidenum">
+            <a:fld id="{240A0323-87E5-4DC3-93AD-AB203DD6092A}" type="slidenum">
               <a:t>&lt;#&gt;</a:t>
             </a:fld>
           </a:p>
@@ -11389,7 +11390,7 @@
         <p:txBody>
           <a:bodyPr/>
           <a:p>
-            <a:fld id="{87D74D28-1119-4617-BBF2-558007FE2F51}" type="slidenum">
+            <a:fld id="{BFF94E81-A628-4F76-B1B2-73A7F6F65D3A}" type="slidenum">
               <a:t>&lt;#&gt;</a:t>
             </a:fld>
           </a:p>
@@ -11770,7 +11771,7 @@
         <p:txBody>
           <a:bodyPr/>
           <a:p>
-            <a:fld id="{D18E8292-F037-4A32-A698-B0BCB0CD2BC8}" type="slidenum">
+            <a:fld id="{414F6166-026B-4101-BE30-07C45AE9CD27}" type="slidenum">
               <a:t>&lt;#&gt;</a:t>
             </a:fld>
           </a:p>
@@ -11853,7 +11854,7 @@
         <p:txBody>
           <a:bodyPr/>
           <a:p>
-            <a:fld id="{8E679423-BA2F-44B1-B4F9-B88598AEF91C}" type="slidenum">
+            <a:fld id="{5A4716B6-D716-4C07-B65C-114DD90B03EA}" type="slidenum">
               <a:t>&lt;#&gt;</a:t>
             </a:fld>
           </a:p>
@@ -12016,7 +12017,7 @@
         <p:txBody>
           <a:bodyPr/>
           <a:p>
-            <a:fld id="{C554F592-68C1-4874-A8B2-CA51661CECB4}" type="slidenum">
+            <a:fld id="{47BACD0E-E69F-496A-AD6F-2FD8CA82FE0F}" type="slidenum">
               <a:t>&lt;#&gt;</a:t>
             </a:fld>
           </a:p>
@@ -12182,7 +12183,7 @@
         <p:txBody>
           <a:bodyPr/>
           <a:p>
-            <a:fld id="{4DAF7F9B-9D55-4F5B-A30C-FFFCC43A28D7}" type="slidenum">
+            <a:fld id="{1DF65BFE-8290-4226-AA98-B8D9656EAB3D}" type="slidenum">
               <a:t>&lt;#&gt;</a:t>
             </a:fld>
           </a:p>
@@ -12391,7 +12392,7 @@
         <p:txBody>
           <a:bodyPr/>
           <a:p>
-            <a:fld id="{F0BE4B7E-E177-4537-8A2C-CCE5A3D57DB7}" type="slidenum">
+            <a:fld id="{8AFD3BD5-BFDF-49C5-A702-43FD56622A52}" type="slidenum">
               <a:t>&lt;#&gt;</a:t>
             </a:fld>
           </a:p>
@@ -12514,7 +12515,7 @@
         <p:txBody>
           <a:bodyPr/>
           <a:p>
-            <a:fld id="{5770B2E4-A2A9-4004-8093-AE19B2DDFCE4}" type="slidenum">
+            <a:fld id="{815D61D5-74E6-418E-8CF6-3EB0F15D8427}" type="slidenum">
               <a:t>&lt;#&gt;</a:t>
             </a:fld>
           </a:p>
@@ -12635,7 +12636,7 @@
         <p:txBody>
           <a:bodyPr/>
           <a:p>
-            <a:fld id="{97B76476-FCEA-4BEE-BF7D-AD9743BDF59C}" type="slidenum">
+            <a:fld id="{BC442018-F8A9-4A23-8C4B-56C66F5A206C}" type="slidenum">
               <a:t>&lt;#&gt;</a:t>
             </a:fld>
           </a:p>
@@ -12887,7 +12888,7 @@
         <p:txBody>
           <a:bodyPr/>
           <a:p>
-            <a:fld id="{B9462468-F477-4516-B823-15C9FE6E3CCB}" type="slidenum">
+            <a:fld id="{2430316E-4621-4E93-9C46-91534BCF7A1C}" type="slidenum">
               <a:t>&lt;#&gt;</a:t>
             </a:fld>
           </a:p>
@@ -13139,7 +13140,7 @@
         <p:txBody>
           <a:bodyPr/>
           <a:p>
-            <a:fld id="{C468578D-4895-45E5-95FD-53021BCE7B07}" type="slidenum">
+            <a:fld id="{DF95DFF3-E5A4-4F4D-AEC3-A441BBF0603B}" type="slidenum">
               <a:t>&lt;#&gt;</a:t>
             </a:fld>
           </a:p>
@@ -13391,7 +13392,7 @@
         <p:txBody>
           <a:bodyPr/>
           <a:p>
-            <a:fld id="{6C0298EB-21C9-4F3D-8441-4CAAFC810A17}" type="slidenum">
+            <a:fld id="{65A32CC0-72F6-4944-9F3B-7AE7E48A8A23}" type="slidenum">
               <a:t>&lt;#&gt;</a:t>
             </a:fld>
           </a:p>
@@ -13643,7 +13644,7 @@
         <p:txBody>
           <a:bodyPr/>
           <a:p>
-            <a:fld id="{3C5C4F89-2C94-44F2-B3E3-5E415A102635}" type="slidenum">
+            <a:fld id="{3DFA22C9-D7DB-47B6-A434-8D4E4E7D07B2}" type="slidenum">
               <a:t>&lt;#&gt;</a:t>
             </a:fld>
           </a:p>
@@ -13852,7 +13853,7 @@
         <p:txBody>
           <a:bodyPr/>
           <a:p>
-            <a:fld id="{5AEE0FFB-01B5-43EE-9B7A-D8FEA6B989F2}" type="slidenum">
+            <a:fld id="{9CED57DA-4C6D-4A8C-A6CD-02850F0B3463}" type="slidenum">
               <a:t>&lt;#&gt;</a:t>
             </a:fld>
           </a:p>
@@ -14147,7 +14148,7 @@
         <p:txBody>
           <a:bodyPr/>
           <a:p>
-            <a:fld id="{F93FD7C4-A67B-47A2-9CB6-5D51AFBBEA9F}" type="slidenum">
+            <a:fld id="{36C7C2B9-9F1B-422C-91A8-7032656506D2}" type="slidenum">
               <a:t>&lt;#&gt;</a:t>
             </a:fld>
           </a:p>
@@ -14528,7 +14529,7 @@
         <p:txBody>
           <a:bodyPr/>
           <a:p>
-            <a:fld id="{2B45C7D7-94EE-4B6E-BDB9-9F8C64CB5522}" type="slidenum">
+            <a:fld id="{3218E6E4-ED03-4D35-BBA0-BEF9F5F3AD77}" type="slidenum">
               <a:t>&lt;#&gt;</a:t>
             </a:fld>
           </a:p>
@@ -14780,7 +14781,7 @@
         <p:txBody>
           <a:bodyPr/>
           <a:p>
-            <a:fld id="{B0691668-E22F-4B40-A044-4DE50186D393}" type="slidenum">
+            <a:fld id="{E0E360AA-7574-42D3-9475-848E2852A9C5}" type="slidenum">
               <a:t>&lt;#&gt;</a:t>
             </a:fld>
           </a:p>
@@ -15032,7 +15033,7 @@
         <p:txBody>
           <a:bodyPr/>
           <a:p>
-            <a:fld id="{DB827C89-77E3-45DF-B75E-4E8D25B71665}" type="slidenum">
+            <a:fld id="{0505ED0C-D603-48E7-B726-5558965B1E89}" type="slidenum">
               <a:t>&lt;#&gt;</a:t>
             </a:fld>
           </a:p>
@@ -15101,7 +15102,7 @@
         <p:spPr>
           <a:xfrm>
             <a:off x="3124080" y="6356520"/>
-            <a:ext cx="2891520" cy="361080"/>
+            <a:ext cx="2891160" cy="360720"/>
           </a:xfrm>
           <a:prstGeom prst="rect">
             <a:avLst/>
@@ -15173,7 +15174,7 @@
         <p:spPr>
           <a:xfrm>
             <a:off x="6553080" y="6356520"/>
-            <a:ext cx="2129760" cy="361080"/>
+            <a:ext cx="2129400" cy="360720"/>
           </a:xfrm>
           <a:prstGeom prst="rect">
             <a:avLst/>
@@ -15214,7 +15215,7 @@
                 <a:tab algn="l" pos="0"/>
               </a:tabLst>
             </a:pPr>
-            <a:fld id="{8DF7512F-0E9C-4AE6-9DD6-D5D53ADEF900}" type="slidenum">
+            <a:fld id="{7B7088C6-0FFC-4349-A740-E267F16F5925}" type="slidenum">
               <a:rPr b="0" lang="en-US" sz="1200" spc="-1" strike="noStrike">
                 <a:solidFill>
                   <a:srgbClr val="8b8b8b"/>
@@ -15245,7 +15246,7 @@
         <p:spPr>
           <a:xfrm>
             <a:off x="457200" y="6356520"/>
-            <a:ext cx="2129760" cy="361080"/>
+            <a:ext cx="2129400" cy="360720"/>
           </a:xfrm>
           <a:prstGeom prst="rect">
             <a:avLst/>
@@ -15623,7 +15624,7 @@
         <p:spPr>
           <a:xfrm>
             <a:off x="3124080" y="6356520"/>
-            <a:ext cx="2891520" cy="361080"/>
+            <a:ext cx="2891160" cy="360720"/>
           </a:xfrm>
           <a:prstGeom prst="rect">
             <a:avLst/>
@@ -15695,7 +15696,7 @@
         <p:spPr>
           <a:xfrm>
             <a:off x="6553080" y="6356520"/>
-            <a:ext cx="2129760" cy="361080"/>
+            <a:ext cx="2129400" cy="360720"/>
           </a:xfrm>
           <a:prstGeom prst="rect">
             <a:avLst/>
@@ -15736,7 +15737,7 @@
                 <a:tab algn="l" pos="0"/>
               </a:tabLst>
             </a:pPr>
-            <a:fld id="{E9945D4E-C137-47BA-B219-2B0F155F9D6C}" type="slidenum">
+            <a:fld id="{49D5989C-974A-4A8E-B962-0762F2E97E61}" type="slidenum">
               <a:rPr b="0" lang="en-US" sz="1200" spc="-1" strike="noStrike">
                 <a:solidFill>
                   <a:srgbClr val="8b8b8b"/>
@@ -15767,7 +15768,7 @@
         <p:spPr>
           <a:xfrm>
             <a:off x="457200" y="6356520"/>
-            <a:ext cx="2129760" cy="361080"/>
+            <a:ext cx="2129400" cy="360720"/>
           </a:xfrm>
           <a:prstGeom prst="rect">
             <a:avLst/>
@@ -16145,7 +16146,7 @@
         <p:spPr>
           <a:xfrm>
             <a:off x="3124080" y="6356520"/>
-            <a:ext cx="2892240" cy="361800"/>
+            <a:ext cx="2891880" cy="361440"/>
           </a:xfrm>
           <a:prstGeom prst="rect">
             <a:avLst/>
@@ -16217,7 +16218,7 @@
         <p:spPr>
           <a:xfrm>
             <a:off x="6553080" y="6356520"/>
-            <a:ext cx="2130480" cy="361800"/>
+            <a:ext cx="2130120" cy="361440"/>
           </a:xfrm>
           <a:prstGeom prst="rect">
             <a:avLst/>
@@ -16258,7 +16259,7 @@
                 <a:tab algn="l" pos="0"/>
               </a:tabLst>
             </a:pPr>
-            <a:fld id="{21D45AA5-CCE2-44AD-8FB9-D0B64958C8AE}" type="slidenum">
+            <a:fld id="{E7D85F96-C6E9-442E-932C-99388042A7D8}" type="slidenum">
               <a:rPr b="0" lang="en-US" sz="1200" spc="-1" strike="noStrike">
                 <a:solidFill>
                   <a:srgbClr val="8b8b8b"/>
@@ -16289,7 +16290,7 @@
         <p:spPr>
           <a:xfrm>
             <a:off x="457200" y="6356520"/>
-            <a:ext cx="2130480" cy="361800"/>
+            <a:ext cx="2130120" cy="361440"/>
           </a:xfrm>
           <a:prstGeom prst="rect">
             <a:avLst/>
@@ -16667,7 +16668,7 @@
         <p:spPr>
           <a:xfrm>
             <a:off x="3124080" y="6356520"/>
-            <a:ext cx="2892600" cy="362160"/>
+            <a:ext cx="2892240" cy="361800"/>
           </a:xfrm>
           <a:prstGeom prst="rect">
             <a:avLst/>
@@ -16739,7 +16740,7 @@
         <p:spPr>
           <a:xfrm>
             <a:off x="6553080" y="6356520"/>
-            <a:ext cx="2130840" cy="362160"/>
+            <a:ext cx="2130480" cy="361800"/>
           </a:xfrm>
           <a:prstGeom prst="rect">
             <a:avLst/>
@@ -16780,7 +16781,7 @@
                 <a:tab algn="l" pos="0"/>
               </a:tabLst>
             </a:pPr>
-            <a:fld id="{E33532E6-417F-48C7-9EAE-E8CD7964899B}" type="slidenum">
+            <a:fld id="{3ABA4DF4-02C8-4A37-AD76-3BAADDA20274}" type="slidenum">
               <a:rPr b="0" lang="en-US" sz="1200" spc="-1" strike="noStrike">
                 <a:solidFill>
                   <a:srgbClr val="8b8b8b"/>
@@ -16811,7 +16812,7 @@
         <p:spPr>
           <a:xfrm>
             <a:off x="457200" y="6356520"/>
-            <a:ext cx="2130840" cy="362160"/>
+            <a:ext cx="2130480" cy="361800"/>
           </a:xfrm>
           <a:prstGeom prst="rect">
             <a:avLst/>
@@ -17189,7 +17190,7 @@
         <p:spPr>
           <a:xfrm>
             <a:off x="3124080" y="6356520"/>
-            <a:ext cx="2892960" cy="362520"/>
+            <a:ext cx="2892600" cy="362160"/>
           </a:xfrm>
           <a:prstGeom prst="rect">
             <a:avLst/>
@@ -17261,7 +17262,7 @@
         <p:spPr>
           <a:xfrm>
             <a:off x="6553080" y="6356520"/>
-            <a:ext cx="2131200" cy="362520"/>
+            <a:ext cx="2130840" cy="362160"/>
           </a:xfrm>
           <a:prstGeom prst="rect">
             <a:avLst/>
@@ -17302,7 +17303,7 @@
                 <a:tab algn="l" pos="0"/>
               </a:tabLst>
             </a:pPr>
-            <a:fld id="{CDD2ABC3-81C0-403D-9FC2-C5DCCED28851}" type="slidenum">
+            <a:fld id="{634D68E6-0142-491E-AEB7-8E264BB6E078}" type="slidenum">
               <a:rPr b="0" lang="en-US" sz="1200" spc="-1" strike="noStrike">
                 <a:solidFill>
                   <a:srgbClr val="8b8b8b"/>
@@ -17333,7 +17334,7 @@
         <p:spPr>
           <a:xfrm>
             <a:off x="457200" y="6356520"/>
-            <a:ext cx="2131200" cy="362520"/>
+            <a:ext cx="2130840" cy="362160"/>
           </a:xfrm>
           <a:prstGeom prst="rect">
             <a:avLst/>
@@ -17711,7 +17712,7 @@
         <p:spPr>
           <a:xfrm>
             <a:off x="3124080" y="6356520"/>
-            <a:ext cx="2894400" cy="363960"/>
+            <a:ext cx="2894040" cy="363600"/>
           </a:xfrm>
           <a:prstGeom prst="rect">
             <a:avLst/>
@@ -17783,7 +17784,7 @@
         <p:spPr>
           <a:xfrm>
             <a:off x="6553080" y="6356520"/>
-            <a:ext cx="2132640" cy="363960"/>
+            <a:ext cx="2132280" cy="363600"/>
           </a:xfrm>
           <a:prstGeom prst="rect">
             <a:avLst/>
@@ -17824,7 +17825,7 @@
                 <a:tab algn="l" pos="0"/>
               </a:tabLst>
             </a:pPr>
-            <a:fld id="{8BFAA883-CB6A-440E-8FCD-2D00A0C2A91F}" type="slidenum">
+            <a:fld id="{2FB09ED8-8348-47F7-A1CE-E5636D63541C}" type="slidenum">
               <a:rPr b="0" lang="en-US" sz="1200" spc="-1" strike="noStrike">
                 <a:solidFill>
                   <a:srgbClr val="8b8b8b"/>
@@ -17855,7 +17856,7 @@
         <p:spPr>
           <a:xfrm>
             <a:off x="457200" y="6356520"/>
-            <a:ext cx="2132640" cy="363960"/>
+            <a:ext cx="2132280" cy="363600"/>
           </a:xfrm>
           <a:prstGeom prst="rect">
             <a:avLst/>
@@ -18222,7 +18223,7 @@
         <p:spPr>
           <a:xfrm>
             <a:off x="0" y="0"/>
-            <a:ext cx="12184920" cy="6854040"/>
+            <a:ext cx="12184560" cy="6853680"/>
           </a:xfrm>
           <a:prstGeom prst="rect">
             <a:avLst/>
@@ -18282,7 +18283,7 @@
         <p:spPr>
           <a:xfrm>
             <a:off x="0" y="0"/>
-            <a:ext cx="14400" cy="6854040"/>
+            <a:ext cx="14040" cy="6853680"/>
           </a:xfrm>
           <a:prstGeom prst="rect">
             <a:avLst/>
@@ -18342,7 +18343,7 @@
         <p:spPr>
           <a:xfrm>
             <a:off x="914400" y="0"/>
-            <a:ext cx="14400" cy="6854040"/>
+            <a:ext cx="14040" cy="6853680"/>
           </a:xfrm>
           <a:prstGeom prst="rect">
             <a:avLst/>
@@ -18402,7 +18403,7 @@
         <p:spPr>
           <a:xfrm>
             <a:off x="1828800" y="0"/>
-            <a:ext cx="14400" cy="6854040"/>
+            <a:ext cx="14040" cy="6853680"/>
           </a:xfrm>
           <a:prstGeom prst="rect">
             <a:avLst/>
@@ -18462,7 +18463,7 @@
         <p:spPr>
           <a:xfrm>
             <a:off x="2743200" y="0"/>
-            <a:ext cx="14400" cy="6854040"/>
+            <a:ext cx="14040" cy="6853680"/>
           </a:xfrm>
           <a:prstGeom prst="rect">
             <a:avLst/>
@@ -18522,7 +18523,7 @@
         <p:spPr>
           <a:xfrm>
             <a:off x="3657600" y="0"/>
-            <a:ext cx="14400" cy="6854040"/>
+            <a:ext cx="14040" cy="6853680"/>
           </a:xfrm>
           <a:prstGeom prst="rect">
             <a:avLst/>
@@ -18582,7 +18583,7 @@
         <p:spPr>
           <a:xfrm>
             <a:off x="4572000" y="0"/>
-            <a:ext cx="14400" cy="6854040"/>
+            <a:ext cx="14040" cy="6853680"/>
           </a:xfrm>
           <a:prstGeom prst="rect">
             <a:avLst/>
@@ -18642,7 +18643,7 @@
         <p:spPr>
           <a:xfrm>
             <a:off x="5486400" y="0"/>
-            <a:ext cx="14400" cy="6854040"/>
+            <a:ext cx="14040" cy="6853680"/>
           </a:xfrm>
           <a:prstGeom prst="rect">
             <a:avLst/>
@@ -18702,7 +18703,7 @@
         <p:spPr>
           <a:xfrm>
             <a:off x="6400800" y="0"/>
-            <a:ext cx="14400" cy="6854040"/>
+            <a:ext cx="14040" cy="6853680"/>
           </a:xfrm>
           <a:prstGeom prst="rect">
             <a:avLst/>
@@ -18762,7 +18763,7 @@
         <p:spPr>
           <a:xfrm>
             <a:off x="7315200" y="0"/>
-            <a:ext cx="14400" cy="6854040"/>
+            <a:ext cx="14040" cy="6853680"/>
           </a:xfrm>
           <a:prstGeom prst="rect">
             <a:avLst/>
@@ -18822,7 +18823,7 @@
         <p:spPr>
           <a:xfrm>
             <a:off x="8229600" y="0"/>
-            <a:ext cx="14400" cy="6854040"/>
+            <a:ext cx="14040" cy="6853680"/>
           </a:xfrm>
           <a:prstGeom prst="rect">
             <a:avLst/>
@@ -18882,7 +18883,7 @@
         <p:spPr>
           <a:xfrm>
             <a:off x="9144000" y="0"/>
-            <a:ext cx="14400" cy="6854040"/>
+            <a:ext cx="14040" cy="6853680"/>
           </a:xfrm>
           <a:prstGeom prst="rect">
             <a:avLst/>
@@ -18942,7 +18943,7 @@
         <p:spPr>
           <a:xfrm>
             <a:off x="10058400" y="0"/>
-            <a:ext cx="14400" cy="6854040"/>
+            <a:ext cx="14040" cy="6853680"/>
           </a:xfrm>
           <a:prstGeom prst="rect">
             <a:avLst/>
@@ -19002,7 +19003,7 @@
         <p:spPr>
           <a:xfrm>
             <a:off x="10972800" y="0"/>
-            <a:ext cx="14400" cy="6854040"/>
+            <a:ext cx="14040" cy="6853680"/>
           </a:xfrm>
           <a:prstGeom prst="rect">
             <a:avLst/>
@@ -19062,7 +19063,7 @@
         <p:spPr>
           <a:xfrm>
             <a:off x="11887200" y="0"/>
-            <a:ext cx="14400" cy="6854040"/>
+            <a:ext cx="14040" cy="6853680"/>
           </a:xfrm>
           <a:prstGeom prst="rect">
             <a:avLst/>
@@ -19122,7 +19123,7 @@
         <p:spPr>
           <a:xfrm>
             <a:off x="0" y="0"/>
-            <a:ext cx="316080" cy="6854040"/>
+            <a:ext cx="315720" cy="6853680"/>
           </a:xfrm>
           <a:prstGeom prst="rect">
             <a:avLst/>
@@ -19182,7 +19183,7 @@
         <p:spPr>
           <a:xfrm>
             <a:off x="9875520" y="365760"/>
-            <a:ext cx="2007720" cy="498960"/>
+            <a:ext cx="2007360" cy="498600"/>
           </a:xfrm>
           <a:prstGeom prst="roundRect">
             <a:avLst>
@@ -19364,7 +19365,7 @@
         <p:spPr>
           <a:xfrm>
             <a:off x="987480" y="3182040"/>
-            <a:ext cx="3287880" cy="2739240"/>
+            <a:ext cx="3287520" cy="2738880"/>
           </a:xfrm>
           <a:prstGeom prst="roundRect">
             <a:avLst>
@@ -19426,7 +19427,7 @@
         <p:spPr>
           <a:xfrm>
             <a:off x="685800" y="2521440"/>
-            <a:ext cx="3426120" cy="3326760"/>
+            <a:ext cx="3425760" cy="3326400"/>
           </a:xfrm>
           <a:prstGeom prst="roundRect">
             <a:avLst>
@@ -19839,7 +19840,7 @@
         <p:spPr>
           <a:xfrm>
             <a:off x="4507920" y="3182040"/>
-            <a:ext cx="3287880" cy="2739240"/>
+            <a:ext cx="3287520" cy="2738880"/>
           </a:xfrm>
           <a:prstGeom prst="roundRect">
             <a:avLst>
@@ -19901,7 +19902,7 @@
         <p:spPr>
           <a:xfrm>
             <a:off x="4434840" y="3108960"/>
-            <a:ext cx="3287880" cy="2739240"/>
+            <a:ext cx="3287520" cy="2738880"/>
           </a:xfrm>
           <a:prstGeom prst="roundRect">
             <a:avLst>
@@ -20189,7 +20190,7 @@
         <p:spPr>
           <a:xfrm>
             <a:off x="8028360" y="3182040"/>
-            <a:ext cx="3287880" cy="2739240"/>
+            <a:ext cx="3287520" cy="2738880"/>
           </a:xfrm>
           <a:prstGeom prst="roundRect">
             <a:avLst>
@@ -20251,7 +20252,7 @@
         <p:spPr>
           <a:xfrm>
             <a:off x="7955280" y="3108960"/>
-            <a:ext cx="3287880" cy="2739240"/>
+            <a:ext cx="3287520" cy="2738880"/>
           </a:xfrm>
           <a:prstGeom prst="roundRect">
             <a:avLst>
@@ -20544,7 +20545,7 @@
         <p:spPr>
           <a:xfrm>
             <a:off x="0" y="0"/>
-            <a:ext cx="12186360" cy="6855480"/>
+            <a:ext cx="12186000" cy="6855120"/>
           </a:xfrm>
           <a:prstGeom prst="rect">
             <a:avLst/>
@@ -20604,7 +20605,7 @@
         <p:spPr>
           <a:xfrm>
             <a:off x="0" y="0"/>
-            <a:ext cx="15840" cy="6855480"/>
+            <a:ext cx="15480" cy="6855120"/>
           </a:xfrm>
           <a:prstGeom prst="rect">
             <a:avLst/>
@@ -20664,7 +20665,7 @@
         <p:spPr>
           <a:xfrm>
             <a:off x="914400" y="0"/>
-            <a:ext cx="15840" cy="6855480"/>
+            <a:ext cx="15480" cy="6855120"/>
           </a:xfrm>
           <a:prstGeom prst="rect">
             <a:avLst/>
@@ -20724,7 +20725,7 @@
         <p:spPr>
           <a:xfrm>
             <a:off x="1828800" y="0"/>
-            <a:ext cx="15840" cy="6855480"/>
+            <a:ext cx="15480" cy="6855120"/>
           </a:xfrm>
           <a:prstGeom prst="rect">
             <a:avLst/>
@@ -20784,7 +20785,7 @@
         <p:spPr>
           <a:xfrm>
             <a:off x="2743200" y="0"/>
-            <a:ext cx="15840" cy="6855480"/>
+            <a:ext cx="15480" cy="6855120"/>
           </a:xfrm>
           <a:prstGeom prst="rect">
             <a:avLst/>
@@ -20844,7 +20845,7 @@
         <p:spPr>
           <a:xfrm>
             <a:off x="3657600" y="0"/>
-            <a:ext cx="15840" cy="6855480"/>
+            <a:ext cx="15480" cy="6855120"/>
           </a:xfrm>
           <a:prstGeom prst="rect">
             <a:avLst/>
@@ -20904,7 +20905,7 @@
         <p:spPr>
           <a:xfrm>
             <a:off x="4572000" y="0"/>
-            <a:ext cx="15840" cy="6855480"/>
+            <a:ext cx="15480" cy="6855120"/>
           </a:xfrm>
           <a:prstGeom prst="rect">
             <a:avLst/>
@@ -20964,7 +20965,7 @@
         <p:spPr>
           <a:xfrm>
             <a:off x="5486400" y="0"/>
-            <a:ext cx="15840" cy="6855480"/>
+            <a:ext cx="15480" cy="6855120"/>
           </a:xfrm>
           <a:prstGeom prst="rect">
             <a:avLst/>
@@ -21024,7 +21025,7 @@
         <p:spPr>
           <a:xfrm>
             <a:off x="6400800" y="0"/>
-            <a:ext cx="15840" cy="6855480"/>
+            <a:ext cx="15480" cy="6855120"/>
           </a:xfrm>
           <a:prstGeom prst="rect">
             <a:avLst/>
@@ -21084,7 +21085,7 @@
         <p:spPr>
           <a:xfrm>
             <a:off x="7315200" y="0"/>
-            <a:ext cx="15840" cy="6855480"/>
+            <a:ext cx="15480" cy="6855120"/>
           </a:xfrm>
           <a:prstGeom prst="rect">
             <a:avLst/>
@@ -21144,7 +21145,7 @@
         <p:spPr>
           <a:xfrm>
             <a:off x="8229600" y="0"/>
-            <a:ext cx="15840" cy="6855480"/>
+            <a:ext cx="15480" cy="6855120"/>
           </a:xfrm>
           <a:prstGeom prst="rect">
             <a:avLst/>
@@ -21204,7 +21205,7 @@
         <p:spPr>
           <a:xfrm>
             <a:off x="9144000" y="0"/>
-            <a:ext cx="15840" cy="6855480"/>
+            <a:ext cx="15480" cy="6855120"/>
           </a:xfrm>
           <a:prstGeom prst="rect">
             <a:avLst/>
@@ -21264,7 +21265,7 @@
         <p:spPr>
           <a:xfrm>
             <a:off x="10058400" y="0"/>
-            <a:ext cx="15840" cy="6855480"/>
+            <a:ext cx="15480" cy="6855120"/>
           </a:xfrm>
           <a:prstGeom prst="rect">
             <a:avLst/>
@@ -21324,7 +21325,7 @@
         <p:spPr>
           <a:xfrm>
             <a:off x="10972800" y="0"/>
-            <a:ext cx="15840" cy="6855480"/>
+            <a:ext cx="15480" cy="6855120"/>
           </a:xfrm>
           <a:prstGeom prst="rect">
             <a:avLst/>
@@ -21384,7 +21385,7 @@
         <p:spPr>
           <a:xfrm>
             <a:off x="11887200" y="0"/>
-            <a:ext cx="15840" cy="6855480"/>
+            <a:ext cx="15480" cy="6855120"/>
           </a:xfrm>
           <a:prstGeom prst="rect">
             <a:avLst/>
@@ -21444,7 +21445,7 @@
         <p:spPr>
           <a:xfrm>
             <a:off x="0" y="0"/>
-            <a:ext cx="317520" cy="6855480"/>
+            <a:ext cx="317160" cy="6855120"/>
           </a:xfrm>
           <a:prstGeom prst="rect">
             <a:avLst/>
@@ -21504,7 +21505,7 @@
         <p:spPr>
           <a:xfrm>
             <a:off x="9875520" y="365760"/>
-            <a:ext cx="2009160" cy="500400"/>
+            <a:ext cx="2008800" cy="500040"/>
           </a:xfrm>
           <a:prstGeom prst="roundRect">
             <a:avLst>
@@ -21632,7 +21633,7 @@
         <p:spPr>
           <a:xfrm>
             <a:off x="2109960" y="2194560"/>
-            <a:ext cx="6764040" cy="317880"/>
+            <a:ext cx="6763680" cy="317880"/>
           </a:xfrm>
           <a:prstGeom prst="rect">
             <a:avLst/>
@@ -21686,7 +21687,7 @@
         <p:spPr>
           <a:xfrm>
             <a:off x="987480" y="3182040"/>
-            <a:ext cx="3289320" cy="2740680"/>
+            <a:ext cx="3288960" cy="2740320"/>
           </a:xfrm>
           <a:prstGeom prst="roundRect">
             <a:avLst>
@@ -21748,7 +21749,7 @@
         <p:spPr>
           <a:xfrm>
             <a:off x="914400" y="3108960"/>
-            <a:ext cx="3289320" cy="2740680"/>
+            <a:ext cx="3288960" cy="2740320"/>
           </a:xfrm>
           <a:prstGeom prst="roundRect">
             <a:avLst>
@@ -22036,7 +22037,7 @@
         <p:spPr>
           <a:xfrm>
             <a:off x="4507920" y="3182040"/>
-            <a:ext cx="3289320" cy="2740680"/>
+            <a:ext cx="3288960" cy="2740320"/>
           </a:xfrm>
           <a:prstGeom prst="roundRect">
             <a:avLst>
@@ -22098,7 +22099,7 @@
         <p:spPr>
           <a:xfrm>
             <a:off x="4434840" y="3108960"/>
-            <a:ext cx="3289320" cy="2740680"/>
+            <a:ext cx="3288960" cy="2740320"/>
           </a:xfrm>
           <a:prstGeom prst="roundRect">
             <a:avLst>
@@ -22402,7 +22403,7 @@
         <p:spPr>
           <a:xfrm>
             <a:off x="8028360" y="3182040"/>
-            <a:ext cx="3289320" cy="2740680"/>
+            <a:ext cx="3288960" cy="2740320"/>
           </a:xfrm>
           <a:prstGeom prst="roundRect">
             <a:avLst>
@@ -22464,7 +22465,7 @@
         <p:spPr>
           <a:xfrm>
             <a:off x="7955280" y="3108960"/>
-            <a:ext cx="3289320" cy="3062520"/>
+            <a:ext cx="3288960" cy="3062160"/>
           </a:xfrm>
           <a:prstGeom prst="roundRect">
             <a:avLst>
@@ -22798,7 +22799,7 @@
         <p:spPr>
           <a:xfrm>
             <a:off x="0" y="0"/>
-            <a:ext cx="12186360" cy="6855480"/>
+            <a:ext cx="12186000" cy="6855120"/>
           </a:xfrm>
           <a:prstGeom prst="rect">
             <a:avLst/>
@@ -22858,7 +22859,7 @@
         <p:spPr>
           <a:xfrm>
             <a:off x="0" y="0"/>
-            <a:ext cx="15840" cy="6855480"/>
+            <a:ext cx="15480" cy="6855120"/>
           </a:xfrm>
           <a:prstGeom prst="rect">
             <a:avLst/>
@@ -22918,7 +22919,7 @@
         <p:spPr>
           <a:xfrm>
             <a:off x="914400" y="0"/>
-            <a:ext cx="15840" cy="6855480"/>
+            <a:ext cx="15480" cy="6855120"/>
           </a:xfrm>
           <a:prstGeom prst="rect">
             <a:avLst/>
@@ -22978,7 +22979,7 @@
         <p:spPr>
           <a:xfrm>
             <a:off x="1828800" y="0"/>
-            <a:ext cx="15840" cy="6855480"/>
+            <a:ext cx="15480" cy="6855120"/>
           </a:xfrm>
           <a:prstGeom prst="rect">
             <a:avLst/>
@@ -23038,7 +23039,7 @@
         <p:spPr>
           <a:xfrm>
             <a:off x="2743200" y="0"/>
-            <a:ext cx="15840" cy="6855480"/>
+            <a:ext cx="15480" cy="6855120"/>
           </a:xfrm>
           <a:prstGeom prst="rect">
             <a:avLst/>
@@ -23098,7 +23099,7 @@
         <p:spPr>
           <a:xfrm>
             <a:off x="3657600" y="0"/>
-            <a:ext cx="15840" cy="6855480"/>
+            <a:ext cx="15480" cy="6855120"/>
           </a:xfrm>
           <a:prstGeom prst="rect">
             <a:avLst/>
@@ -23158,7 +23159,7 @@
         <p:spPr>
           <a:xfrm>
             <a:off x="4572000" y="0"/>
-            <a:ext cx="15840" cy="6855480"/>
+            <a:ext cx="15480" cy="6855120"/>
           </a:xfrm>
           <a:prstGeom prst="rect">
             <a:avLst/>
@@ -23218,7 +23219,7 @@
         <p:spPr>
           <a:xfrm>
             <a:off x="5486400" y="0"/>
-            <a:ext cx="15840" cy="6855480"/>
+            <a:ext cx="15480" cy="6855120"/>
           </a:xfrm>
           <a:prstGeom prst="rect">
             <a:avLst/>
@@ -23278,7 +23279,7 @@
         <p:spPr>
           <a:xfrm>
             <a:off x="6400800" y="0"/>
-            <a:ext cx="15840" cy="6855480"/>
+            <a:ext cx="15480" cy="6855120"/>
           </a:xfrm>
           <a:prstGeom prst="rect">
             <a:avLst/>
@@ -23338,7 +23339,7 @@
         <p:spPr>
           <a:xfrm>
             <a:off x="7315200" y="0"/>
-            <a:ext cx="15840" cy="6855480"/>
+            <a:ext cx="15480" cy="6855120"/>
           </a:xfrm>
           <a:prstGeom prst="rect">
             <a:avLst/>
@@ -23398,7 +23399,7 @@
         <p:spPr>
           <a:xfrm>
             <a:off x="8229600" y="0"/>
-            <a:ext cx="15840" cy="6855480"/>
+            <a:ext cx="15480" cy="6855120"/>
           </a:xfrm>
           <a:prstGeom prst="rect">
             <a:avLst/>
@@ -23458,7 +23459,7 @@
         <p:spPr>
           <a:xfrm>
             <a:off x="9144000" y="0"/>
-            <a:ext cx="15840" cy="6855480"/>
+            <a:ext cx="15480" cy="6855120"/>
           </a:xfrm>
           <a:prstGeom prst="rect">
             <a:avLst/>
@@ -23518,7 +23519,7 @@
         <p:spPr>
           <a:xfrm>
             <a:off x="10058400" y="0"/>
-            <a:ext cx="15840" cy="6855480"/>
+            <a:ext cx="15480" cy="6855120"/>
           </a:xfrm>
           <a:prstGeom prst="rect">
             <a:avLst/>
@@ -23578,7 +23579,7 @@
         <p:spPr>
           <a:xfrm>
             <a:off x="10972800" y="0"/>
-            <a:ext cx="15840" cy="6855480"/>
+            <a:ext cx="15480" cy="6855120"/>
           </a:xfrm>
           <a:prstGeom prst="rect">
             <a:avLst/>
@@ -23638,7 +23639,7 @@
         <p:spPr>
           <a:xfrm>
             <a:off x="11887200" y="0"/>
-            <a:ext cx="15840" cy="6855480"/>
+            <a:ext cx="15480" cy="6855120"/>
           </a:xfrm>
           <a:prstGeom prst="rect">
             <a:avLst/>
@@ -23698,7 +23699,7 @@
         <p:spPr>
           <a:xfrm>
             <a:off x="0" y="0"/>
-            <a:ext cx="317520" cy="6855480"/>
+            <a:ext cx="317160" cy="6855120"/>
           </a:xfrm>
           <a:prstGeom prst="rect">
             <a:avLst/>
@@ -23758,7 +23759,7 @@
         <p:spPr>
           <a:xfrm>
             <a:off x="9875520" y="365760"/>
-            <a:ext cx="2009160" cy="500400"/>
+            <a:ext cx="2008800" cy="500040"/>
           </a:xfrm>
           <a:prstGeom prst="roundRect">
             <a:avLst>
@@ -23832,7 +23833,7 @@
         <p:spPr>
           <a:xfrm>
             <a:off x="3134520" y="1005840"/>
-            <a:ext cx="4700880" cy="638280"/>
+            <a:ext cx="4700520" cy="638280"/>
           </a:xfrm>
           <a:prstGeom prst="rect">
             <a:avLst/>
@@ -23940,7 +23941,7 @@
         <p:spPr>
           <a:xfrm>
             <a:off x="987480" y="3182040"/>
-            <a:ext cx="3289320" cy="2740680"/>
+            <a:ext cx="3288960" cy="2740320"/>
           </a:xfrm>
           <a:prstGeom prst="roundRect">
             <a:avLst>
@@ -24002,7 +24003,7 @@
         <p:spPr>
           <a:xfrm>
             <a:off x="457200" y="2971800"/>
-            <a:ext cx="3784320" cy="3200040"/>
+            <a:ext cx="3783960" cy="3199680"/>
           </a:xfrm>
           <a:prstGeom prst="roundRect">
             <a:avLst>
@@ -24375,7 +24376,7 @@
         <p:spPr>
           <a:xfrm>
             <a:off x="4507920" y="3182040"/>
-            <a:ext cx="3289320" cy="2740680"/>
+            <a:ext cx="3288960" cy="2740320"/>
           </a:xfrm>
           <a:prstGeom prst="roundRect">
             <a:avLst>
@@ -24437,7 +24438,7 @@
         <p:spPr>
           <a:xfrm>
             <a:off x="4434840" y="3108960"/>
-            <a:ext cx="3289320" cy="2834280"/>
+            <a:ext cx="3288960" cy="2833920"/>
           </a:xfrm>
           <a:prstGeom prst="roundRect">
             <a:avLst>
@@ -24787,7 +24788,7 @@
         <p:spPr>
           <a:xfrm>
             <a:off x="8028360" y="3182040"/>
-            <a:ext cx="3289320" cy="2740680"/>
+            <a:ext cx="3288960" cy="2740320"/>
           </a:xfrm>
           <a:prstGeom prst="roundRect">
             <a:avLst>
@@ -24849,7 +24850,7 @@
         <p:spPr>
           <a:xfrm>
             <a:off x="8001000" y="2743200"/>
-            <a:ext cx="3428640" cy="3428640"/>
+            <a:ext cx="3428280" cy="3428280"/>
           </a:xfrm>
           <a:prstGeom prst="roundRect">
             <a:avLst>
@@ -25341,7 +25342,7 @@
         <p:spPr>
           <a:xfrm>
             <a:off x="0" y="0"/>
-            <a:ext cx="12187800" cy="6856920"/>
+            <a:ext cx="12187440" cy="6856560"/>
           </a:xfrm>
           <a:prstGeom prst="rect">
             <a:avLst/>
@@ -25377,6 +25378,11 @@
             <a:noAutofit/>
           </a:bodyPr>
           <a:p>
+            <a:pPr>
+              <a:lnSpc>
+                <a:spcPct val="100000"/>
+              </a:lnSpc>
+            </a:pPr>
             <a:endParaRPr b="0" lang="en-US" sz="1800" spc="-1" strike="noStrike">
               <a:solidFill>
                 <a:schemeClr val="lt1"/>
@@ -25396,7 +25402,7 @@
         <p:spPr>
           <a:xfrm>
             <a:off x="0" y="0"/>
-            <a:ext cx="17280" cy="6856920"/>
+            <a:ext cx="16920" cy="6856560"/>
           </a:xfrm>
           <a:prstGeom prst="rect">
             <a:avLst/>
@@ -25432,6 +25438,11 @@
             <a:noAutofit/>
           </a:bodyPr>
           <a:p>
+            <a:pPr>
+              <a:lnSpc>
+                <a:spcPct val="100000"/>
+              </a:lnSpc>
+            </a:pPr>
             <a:endParaRPr b="0" lang="en-US" sz="1800" spc="-1" strike="noStrike">
               <a:solidFill>
                 <a:schemeClr val="lt1"/>
@@ -25451,7 +25462,7 @@
         <p:spPr>
           <a:xfrm>
             <a:off x="914400" y="0"/>
-            <a:ext cx="17280" cy="6856920"/>
+            <a:ext cx="16920" cy="6856560"/>
           </a:xfrm>
           <a:prstGeom prst="rect">
             <a:avLst/>
@@ -25487,6 +25498,11 @@
             <a:noAutofit/>
           </a:bodyPr>
           <a:p>
+            <a:pPr>
+              <a:lnSpc>
+                <a:spcPct val="100000"/>
+              </a:lnSpc>
+            </a:pPr>
             <a:endParaRPr b="0" lang="en-US" sz="1800" spc="-1" strike="noStrike">
               <a:solidFill>
                 <a:schemeClr val="lt1"/>
@@ -25506,7 +25522,7 @@
         <p:spPr>
           <a:xfrm>
             <a:off x="1828800" y="0"/>
-            <a:ext cx="17280" cy="6856920"/>
+            <a:ext cx="16920" cy="6856560"/>
           </a:xfrm>
           <a:prstGeom prst="rect">
             <a:avLst/>
@@ -25542,6 +25558,11 @@
             <a:noAutofit/>
           </a:bodyPr>
           <a:p>
+            <a:pPr>
+              <a:lnSpc>
+                <a:spcPct val="100000"/>
+              </a:lnSpc>
+            </a:pPr>
             <a:endParaRPr b="0" lang="en-US" sz="1800" spc="-1" strike="noStrike">
               <a:solidFill>
                 <a:schemeClr val="lt1"/>
@@ -25561,7 +25582,7 @@
         <p:spPr>
           <a:xfrm>
             <a:off x="2743200" y="0"/>
-            <a:ext cx="17280" cy="6856920"/>
+            <a:ext cx="16920" cy="6856560"/>
           </a:xfrm>
           <a:prstGeom prst="rect">
             <a:avLst/>
@@ -25597,6 +25618,11 @@
             <a:noAutofit/>
           </a:bodyPr>
           <a:p>
+            <a:pPr>
+              <a:lnSpc>
+                <a:spcPct val="100000"/>
+              </a:lnSpc>
+            </a:pPr>
             <a:endParaRPr b="0" lang="en-US" sz="1800" spc="-1" strike="noStrike">
               <a:solidFill>
                 <a:schemeClr val="lt1"/>
@@ -25616,7 +25642,7 @@
         <p:spPr>
           <a:xfrm>
             <a:off x="3657600" y="0"/>
-            <a:ext cx="17280" cy="6856920"/>
+            <a:ext cx="16920" cy="6856560"/>
           </a:xfrm>
           <a:prstGeom prst="rect">
             <a:avLst/>
@@ -25652,6 +25678,11 @@
             <a:noAutofit/>
           </a:bodyPr>
           <a:p>
+            <a:pPr>
+              <a:lnSpc>
+                <a:spcPct val="100000"/>
+              </a:lnSpc>
+            </a:pPr>
             <a:endParaRPr b="0" lang="en-US" sz="1800" spc="-1" strike="noStrike">
               <a:solidFill>
                 <a:schemeClr val="lt1"/>
@@ -25671,7 +25702,7 @@
         <p:spPr>
           <a:xfrm>
             <a:off x="4572000" y="0"/>
-            <a:ext cx="17280" cy="6856920"/>
+            <a:ext cx="16920" cy="6856560"/>
           </a:xfrm>
           <a:prstGeom prst="rect">
             <a:avLst/>
@@ -25707,6 +25738,11 @@
             <a:noAutofit/>
           </a:bodyPr>
           <a:p>
+            <a:pPr>
+              <a:lnSpc>
+                <a:spcPct val="100000"/>
+              </a:lnSpc>
+            </a:pPr>
             <a:endParaRPr b="0" lang="en-US" sz="1800" spc="-1" strike="noStrike">
               <a:solidFill>
                 <a:schemeClr val="lt1"/>
@@ -25726,7 +25762,7 @@
         <p:spPr>
           <a:xfrm>
             <a:off x="5486400" y="0"/>
-            <a:ext cx="17280" cy="6856920"/>
+            <a:ext cx="16920" cy="6856560"/>
           </a:xfrm>
           <a:prstGeom prst="rect">
             <a:avLst/>
@@ -25762,6 +25798,11 @@
             <a:noAutofit/>
           </a:bodyPr>
           <a:p>
+            <a:pPr>
+              <a:lnSpc>
+                <a:spcPct val="100000"/>
+              </a:lnSpc>
+            </a:pPr>
             <a:endParaRPr b="0" lang="en-US" sz="1800" spc="-1" strike="noStrike">
               <a:solidFill>
                 <a:schemeClr val="lt1"/>
@@ -25781,7 +25822,7 @@
         <p:spPr>
           <a:xfrm>
             <a:off x="6400800" y="0"/>
-            <a:ext cx="17280" cy="6856920"/>
+            <a:ext cx="16920" cy="6856560"/>
           </a:xfrm>
           <a:prstGeom prst="rect">
             <a:avLst/>
@@ -25817,6 +25858,11 @@
             <a:noAutofit/>
           </a:bodyPr>
           <a:p>
+            <a:pPr>
+              <a:lnSpc>
+                <a:spcPct val="100000"/>
+              </a:lnSpc>
+            </a:pPr>
             <a:endParaRPr b="0" lang="en-US" sz="1800" spc="-1" strike="noStrike">
               <a:solidFill>
                 <a:schemeClr val="lt1"/>
@@ -25836,7 +25882,7 @@
         <p:spPr>
           <a:xfrm>
             <a:off x="7315200" y="0"/>
-            <a:ext cx="17280" cy="6856920"/>
+            <a:ext cx="16920" cy="6856560"/>
           </a:xfrm>
           <a:prstGeom prst="rect">
             <a:avLst/>
@@ -25872,6 +25918,11 @@
             <a:noAutofit/>
           </a:bodyPr>
           <a:p>
+            <a:pPr>
+              <a:lnSpc>
+                <a:spcPct val="100000"/>
+              </a:lnSpc>
+            </a:pPr>
             <a:endParaRPr b="0" lang="en-US" sz="1800" spc="-1" strike="noStrike">
               <a:solidFill>
                 <a:schemeClr val="lt1"/>
@@ -25891,7 +25942,7 @@
         <p:spPr>
           <a:xfrm>
             <a:off x="8212320" y="0"/>
-            <a:ext cx="17280" cy="6856920"/>
+            <a:ext cx="16920" cy="6856560"/>
           </a:xfrm>
           <a:prstGeom prst="rect">
             <a:avLst/>
@@ -25927,6 +25978,11 @@
             <a:noAutofit/>
           </a:bodyPr>
           <a:p>
+            <a:pPr>
+              <a:lnSpc>
+                <a:spcPct val="100000"/>
+              </a:lnSpc>
+            </a:pPr>
             <a:endParaRPr b="0" lang="en-US" sz="1800" spc="-1" strike="noStrike">
               <a:solidFill>
                 <a:schemeClr val="lt1"/>
@@ -25946,7 +26002,7 @@
         <p:spPr>
           <a:xfrm>
             <a:off x="9144000" y="0"/>
-            <a:ext cx="17280" cy="6856920"/>
+            <a:ext cx="16920" cy="6856560"/>
           </a:xfrm>
           <a:prstGeom prst="rect">
             <a:avLst/>
@@ -25982,6 +26038,11 @@
             <a:noAutofit/>
           </a:bodyPr>
           <a:p>
+            <a:pPr>
+              <a:lnSpc>
+                <a:spcPct val="100000"/>
+              </a:lnSpc>
+            </a:pPr>
             <a:endParaRPr b="0" lang="en-US" sz="1800" spc="-1" strike="noStrike">
               <a:solidFill>
                 <a:schemeClr val="lt1"/>
@@ -26001,7 +26062,7 @@
         <p:spPr>
           <a:xfrm>
             <a:off x="10058400" y="0"/>
-            <a:ext cx="17280" cy="6856920"/>
+            <a:ext cx="16920" cy="6856560"/>
           </a:xfrm>
           <a:prstGeom prst="rect">
             <a:avLst/>
@@ -26037,6 +26098,11 @@
             <a:noAutofit/>
           </a:bodyPr>
           <a:p>
+            <a:pPr>
+              <a:lnSpc>
+                <a:spcPct val="100000"/>
+              </a:lnSpc>
+            </a:pPr>
             <a:endParaRPr b="0" lang="en-US" sz="1800" spc="-1" strike="noStrike">
               <a:solidFill>
                 <a:schemeClr val="lt1"/>
@@ -26056,7 +26122,7 @@
         <p:spPr>
           <a:xfrm>
             <a:off x="10972800" y="0"/>
-            <a:ext cx="17280" cy="6856920"/>
+            <a:ext cx="16920" cy="6856560"/>
           </a:xfrm>
           <a:prstGeom prst="rect">
             <a:avLst/>
@@ -26092,6 +26158,11 @@
             <a:noAutofit/>
           </a:bodyPr>
           <a:p>
+            <a:pPr>
+              <a:lnSpc>
+                <a:spcPct val="100000"/>
+              </a:lnSpc>
+            </a:pPr>
             <a:endParaRPr b="0" lang="en-US" sz="1800" spc="-1" strike="noStrike">
               <a:solidFill>
                 <a:schemeClr val="lt1"/>
@@ -26111,7 +26182,7 @@
         <p:spPr>
           <a:xfrm>
             <a:off x="11887200" y="0"/>
-            <a:ext cx="17280" cy="6856920"/>
+            <a:ext cx="16920" cy="6856560"/>
           </a:xfrm>
           <a:prstGeom prst="rect">
             <a:avLst/>
@@ -26147,6 +26218,11 @@
             <a:noAutofit/>
           </a:bodyPr>
           <a:p>
+            <a:pPr>
+              <a:lnSpc>
+                <a:spcPct val="100000"/>
+              </a:lnSpc>
+            </a:pPr>
             <a:endParaRPr b="0" lang="en-US" sz="1800" spc="-1" strike="noStrike">
               <a:solidFill>
                 <a:schemeClr val="lt1"/>
@@ -26166,7 +26242,7 @@
         <p:spPr>
           <a:xfrm>
             <a:off x="0" y="0"/>
-            <a:ext cx="318960" cy="6856920"/>
+            <a:ext cx="318600" cy="6856560"/>
           </a:xfrm>
           <a:prstGeom prst="rect">
             <a:avLst/>
@@ -26202,6 +26278,11 @@
             <a:noAutofit/>
           </a:bodyPr>
           <a:p>
+            <a:pPr>
+              <a:lnSpc>
+                <a:spcPct val="100000"/>
+              </a:lnSpc>
+            </a:pPr>
             <a:endParaRPr b="0" lang="en-US" sz="1800" spc="-1" strike="noStrike">
               <a:solidFill>
                 <a:schemeClr val="lt1"/>
@@ -26221,7 +26302,7 @@
         <p:spPr>
           <a:xfrm>
             <a:off x="9875520" y="365760"/>
-            <a:ext cx="2010600" cy="501840"/>
+            <a:ext cx="2010240" cy="501480"/>
           </a:xfrm>
           <a:prstGeom prst="roundRect">
             <a:avLst>
@@ -26349,7 +26430,7 @@
         <p:spPr>
           <a:xfrm>
             <a:off x="1742040" y="2013840"/>
-            <a:ext cx="7630560" cy="957960"/>
+            <a:ext cx="7630200" cy="957960"/>
           </a:xfrm>
           <a:prstGeom prst="rect">
             <a:avLst/>
@@ -26449,7 +26530,7 @@
         <p:spPr>
           <a:xfrm>
             <a:off x="987480" y="3182040"/>
-            <a:ext cx="3290760" cy="2742120"/>
+            <a:ext cx="3290400" cy="2741760"/>
           </a:xfrm>
           <a:prstGeom prst="roundRect">
             <a:avLst>
@@ -26487,6 +26568,11 @@
             <a:noAutofit/>
           </a:bodyPr>
           <a:p>
+            <a:pPr>
+              <a:lnSpc>
+                <a:spcPct val="100000"/>
+              </a:lnSpc>
+            </a:pPr>
             <a:endParaRPr b="0" lang="en-US" sz="1800" spc="-1" strike="noStrike">
               <a:solidFill>
                 <a:schemeClr val="lt1"/>
@@ -26506,7 +26592,7 @@
         <p:spPr>
           <a:xfrm>
             <a:off x="914400" y="3108960"/>
-            <a:ext cx="3290760" cy="2742120"/>
+            <a:ext cx="3290400" cy="2741760"/>
           </a:xfrm>
           <a:prstGeom prst="roundRect">
             <a:avLst>
@@ -26743,7 +26829,7 @@
         <p:spPr>
           <a:xfrm>
             <a:off x="4507920" y="3182040"/>
-            <a:ext cx="3290760" cy="2742120"/>
+            <a:ext cx="3290400" cy="2741760"/>
           </a:xfrm>
           <a:prstGeom prst="roundRect">
             <a:avLst>
@@ -26781,6 +26867,11 @@
             <a:noAutofit/>
           </a:bodyPr>
           <a:p>
+            <a:pPr>
+              <a:lnSpc>
+                <a:spcPct val="100000"/>
+              </a:lnSpc>
+            </a:pPr>
             <a:endParaRPr b="0" lang="en-US" sz="1800" spc="-1" strike="noStrike">
               <a:solidFill>
                 <a:schemeClr val="lt1"/>
@@ -26800,7 +26891,7 @@
         <p:spPr>
           <a:xfrm>
             <a:off x="4434840" y="3108960"/>
-            <a:ext cx="3290760" cy="2742120"/>
+            <a:ext cx="3290400" cy="2741760"/>
           </a:xfrm>
           <a:prstGeom prst="roundRect">
             <a:avLst>
@@ -27071,7 +27162,7 @@
         <p:spPr>
           <a:xfrm>
             <a:off x="8028360" y="3182040"/>
-            <a:ext cx="3290760" cy="2742120"/>
+            <a:ext cx="3290400" cy="2741760"/>
           </a:xfrm>
           <a:prstGeom prst="roundRect">
             <a:avLst>
@@ -27109,6 +27200,11 @@
             <a:noAutofit/>
           </a:bodyPr>
           <a:p>
+            <a:pPr>
+              <a:lnSpc>
+                <a:spcPct val="100000"/>
+              </a:lnSpc>
+            </a:pPr>
             <a:endParaRPr b="0" lang="en-US" sz="1800" spc="-1" strike="noStrike">
               <a:solidFill>
                 <a:schemeClr val="lt1"/>
@@ -27128,7 +27224,7 @@
         <p:spPr>
           <a:xfrm>
             <a:off x="7955280" y="3108960"/>
-            <a:ext cx="3290760" cy="2742120"/>
+            <a:ext cx="3290400" cy="2741760"/>
           </a:xfrm>
           <a:prstGeom prst="roundRect">
             <a:avLst>
@@ -27402,7 +27498,2154 @@
         <p:spPr>
           <a:xfrm>
             <a:off x="4600080" y="6446520"/>
-            <a:ext cx="3051720" cy="363960"/>
+            <a:ext cx="3051360" cy="363960"/>
+          </a:xfrm>
+          <a:prstGeom prst="rect">
+            <a:avLst/>
+          </a:prstGeom>
+          <a:noFill/>
+          <a:ln w="0">
+            <a:noFill/>
+          </a:ln>
+        </p:spPr>
+        <p:style>
+          <a:lnRef idx="0"/>
+          <a:fillRef idx="0"/>
+          <a:effectRef idx="0"/>
+          <a:fontRef idx="minor"/>
+        </p:style>
+        <p:txBody>
+          <a:bodyPr wrap="none" lIns="90000" rIns="90000" tIns="45000" bIns="45000" anchor="t">
+            <a:spAutoFit/>
+          </a:bodyPr>
+          <a:p>
+            <a:pPr>
+              <a:lnSpc>
+                <a:spcPct val="100000"/>
+              </a:lnSpc>
+            </a:pPr>
+            <a:r>
+              <a:rPr b="0" lang="en-US" sz="1800" spc="-1" strike="noStrike">
+                <a:solidFill>
+                  <a:srgbClr val="000000"/>
+                </a:solidFill>
+                <a:latin typeface="Calibri"/>
+                <a:ea typeface="DejaVu Sans"/>
+              </a:rPr>
+              <a:t>Java • Ultra Premium Template</a:t>
+            </a:r>
+            <a:endParaRPr b="0" lang="en-US" sz="1800" spc="-1" strike="noStrike">
+              <a:solidFill>
+                <a:srgbClr val="000000"/>
+              </a:solidFill>
+              <a:latin typeface="Arial"/>
+            </a:endParaRPr>
+          </a:p>
+        </p:txBody>
+      </p:sp>
+    </p:spTree>
+  </p:cSld>
+  <mc:AlternateContent>
+    <mc:Choice Requires="p14">
+      <p:transition spd="slow" p14:dur="2000"/>
+    </mc:Choice>
+    <mc:Fallback>
+      <p:transition spd="slow"/>
+    </mc:Fallback>
+  </mc:AlternateContent>
+</p:sld>
+</file>
+
+<file path=ppt/slides/slide13.xml><?xml version="1.0" encoding="utf-8"?>
+<p:sld xmlns:a="http://schemas.openxmlformats.org/drawingml/2006/main" xmlns:p="http://schemas.openxmlformats.org/presentationml/2006/main" xmlns:r="http://schemas.openxmlformats.org/officeDocument/2006/relationships" xmlns:p14="http://schemas.microsoft.com/office/powerpoint/2010/main" xmlns:p15="http://schemas.microsoft.com/office/powerpoint/2012/main" xmlns:mc="http://schemas.openxmlformats.org/markup-compatibility/2006">
+  <p:cSld>
+    <p:spTree>
+      <p:nvGrpSpPr>
+        <p:cNvPr id="1" name=""/>
+        <p:cNvGrpSpPr/>
+        <p:nvPr/>
+      </p:nvGrpSpPr>
+      <p:grpSpPr>
+        <a:xfrm>
+          <a:off x="0" y="0"/>
+          <a:ext cx="0" cy="0"/>
+          <a:chOff x="0" y="0"/>
+          <a:chExt cx="0" cy="0"/>
+        </a:xfrm>
+      </p:grpSpPr>
+      <p:sp>
+        <p:nvSpPr>
+          <p:cNvPr id="558" name="Rectangle 193"/>
+          <p:cNvSpPr/>
+          <p:nvPr/>
+        </p:nvSpPr>
+        <p:spPr>
+          <a:xfrm>
+            <a:off x="0" y="0"/>
+            <a:ext cx="12187440" cy="6856560"/>
+          </a:xfrm>
+          <a:prstGeom prst="rect">
+            <a:avLst/>
+          </a:prstGeom>
+          <a:solidFill>
+            <a:srgbClr val="0b0b0d"/>
+          </a:solidFill>
+          <a:ln>
+            <a:noFill/>
+          </a:ln>
+          <a:effectLst>
+            <a:outerShdw blurRad="39960" dir="5400000" dist="23040" rotWithShape="0">
+              <a:srgbClr val="000000">
+                <a:alpha val="35000"/>
+              </a:srgbClr>
+            </a:outerShdw>
+          </a:effectLst>
+        </p:spPr>
+        <p:style>
+          <a:lnRef idx="1">
+            <a:schemeClr val="accent1"/>
+          </a:lnRef>
+          <a:fillRef idx="3">
+            <a:schemeClr val="accent1"/>
+          </a:fillRef>
+          <a:effectRef idx="2">
+            <a:schemeClr val="accent1"/>
+          </a:effectRef>
+          <a:fontRef idx="minor"/>
+        </p:style>
+        <p:txBody>
+          <a:bodyPr lIns="90000" rIns="90000" tIns="45000" bIns="45000" anchor="ctr">
+            <a:noAutofit/>
+          </a:bodyPr>
+          <a:p>
+            <a:endParaRPr b="0" lang="en-US" sz="1800" spc="-1" strike="noStrike">
+              <a:solidFill>
+                <a:schemeClr val="lt1"/>
+              </a:solidFill>
+              <a:latin typeface="Calibri"/>
+              <a:ea typeface="DejaVu Sans"/>
+            </a:endParaRPr>
+          </a:p>
+        </p:txBody>
+      </p:sp>
+      <p:sp>
+        <p:nvSpPr>
+          <p:cNvPr id="559" name="Rectangle 194"/>
+          <p:cNvSpPr/>
+          <p:nvPr/>
+        </p:nvSpPr>
+        <p:spPr>
+          <a:xfrm>
+            <a:off x="0" y="0"/>
+            <a:ext cx="16920" cy="6856560"/>
+          </a:xfrm>
+          <a:prstGeom prst="rect">
+            <a:avLst/>
+          </a:prstGeom>
+          <a:solidFill>
+            <a:srgbClr val="121216"/>
+          </a:solidFill>
+          <a:ln>
+            <a:noFill/>
+          </a:ln>
+          <a:effectLst>
+            <a:outerShdw blurRad="39960" dir="5400000" dist="23040" rotWithShape="0">
+              <a:srgbClr val="000000">
+                <a:alpha val="35000"/>
+              </a:srgbClr>
+            </a:outerShdw>
+          </a:effectLst>
+        </p:spPr>
+        <p:style>
+          <a:lnRef idx="1">
+            <a:schemeClr val="accent1"/>
+          </a:lnRef>
+          <a:fillRef idx="3">
+            <a:schemeClr val="accent1"/>
+          </a:fillRef>
+          <a:effectRef idx="2">
+            <a:schemeClr val="accent1"/>
+          </a:effectRef>
+          <a:fontRef idx="minor"/>
+        </p:style>
+        <p:txBody>
+          <a:bodyPr lIns="90000" rIns="90000" tIns="45000" bIns="45000" anchor="ctr">
+            <a:noAutofit/>
+          </a:bodyPr>
+          <a:p>
+            <a:endParaRPr b="0" lang="en-US" sz="1800" spc="-1" strike="noStrike">
+              <a:solidFill>
+                <a:schemeClr val="lt1"/>
+              </a:solidFill>
+              <a:latin typeface="Calibri"/>
+              <a:ea typeface="DejaVu Sans"/>
+            </a:endParaRPr>
+          </a:p>
+        </p:txBody>
+      </p:sp>
+      <p:sp>
+        <p:nvSpPr>
+          <p:cNvPr id="560" name="Rectangle 195"/>
+          <p:cNvSpPr/>
+          <p:nvPr/>
+        </p:nvSpPr>
+        <p:spPr>
+          <a:xfrm>
+            <a:off x="914400" y="0"/>
+            <a:ext cx="16920" cy="6856560"/>
+          </a:xfrm>
+          <a:prstGeom prst="rect">
+            <a:avLst/>
+          </a:prstGeom>
+          <a:solidFill>
+            <a:srgbClr val="121216"/>
+          </a:solidFill>
+          <a:ln>
+            <a:noFill/>
+          </a:ln>
+          <a:effectLst>
+            <a:outerShdw blurRad="39960" dir="5400000" dist="23040" rotWithShape="0">
+              <a:srgbClr val="000000">
+                <a:alpha val="35000"/>
+              </a:srgbClr>
+            </a:outerShdw>
+          </a:effectLst>
+        </p:spPr>
+        <p:style>
+          <a:lnRef idx="1">
+            <a:schemeClr val="accent1"/>
+          </a:lnRef>
+          <a:fillRef idx="3">
+            <a:schemeClr val="accent1"/>
+          </a:fillRef>
+          <a:effectRef idx="2">
+            <a:schemeClr val="accent1"/>
+          </a:effectRef>
+          <a:fontRef idx="minor"/>
+        </p:style>
+        <p:txBody>
+          <a:bodyPr lIns="90000" rIns="90000" tIns="45000" bIns="45000" anchor="ctr">
+            <a:noAutofit/>
+          </a:bodyPr>
+          <a:p>
+            <a:endParaRPr b="0" lang="en-US" sz="1800" spc="-1" strike="noStrike">
+              <a:solidFill>
+                <a:schemeClr val="lt1"/>
+              </a:solidFill>
+              <a:latin typeface="Calibri"/>
+              <a:ea typeface="DejaVu Sans"/>
+            </a:endParaRPr>
+          </a:p>
+        </p:txBody>
+      </p:sp>
+      <p:sp>
+        <p:nvSpPr>
+          <p:cNvPr id="561" name="Rectangle 196"/>
+          <p:cNvSpPr/>
+          <p:nvPr/>
+        </p:nvSpPr>
+        <p:spPr>
+          <a:xfrm>
+            <a:off x="1828800" y="0"/>
+            <a:ext cx="16920" cy="6856560"/>
+          </a:xfrm>
+          <a:prstGeom prst="rect">
+            <a:avLst/>
+          </a:prstGeom>
+          <a:solidFill>
+            <a:srgbClr val="121216"/>
+          </a:solidFill>
+          <a:ln>
+            <a:noFill/>
+          </a:ln>
+          <a:effectLst>
+            <a:outerShdw blurRad="39960" dir="5400000" dist="23040" rotWithShape="0">
+              <a:srgbClr val="000000">
+                <a:alpha val="35000"/>
+              </a:srgbClr>
+            </a:outerShdw>
+          </a:effectLst>
+        </p:spPr>
+        <p:style>
+          <a:lnRef idx="1">
+            <a:schemeClr val="accent1"/>
+          </a:lnRef>
+          <a:fillRef idx="3">
+            <a:schemeClr val="accent1"/>
+          </a:fillRef>
+          <a:effectRef idx="2">
+            <a:schemeClr val="accent1"/>
+          </a:effectRef>
+          <a:fontRef idx="minor"/>
+        </p:style>
+        <p:txBody>
+          <a:bodyPr lIns="90000" rIns="90000" tIns="45000" bIns="45000" anchor="ctr">
+            <a:noAutofit/>
+          </a:bodyPr>
+          <a:p>
+            <a:endParaRPr b="0" lang="en-US" sz="1800" spc="-1" strike="noStrike">
+              <a:solidFill>
+                <a:schemeClr val="lt1"/>
+              </a:solidFill>
+              <a:latin typeface="Calibri"/>
+              <a:ea typeface="DejaVu Sans"/>
+            </a:endParaRPr>
+          </a:p>
+        </p:txBody>
+      </p:sp>
+      <p:sp>
+        <p:nvSpPr>
+          <p:cNvPr id="562" name="Rectangle 197"/>
+          <p:cNvSpPr/>
+          <p:nvPr/>
+        </p:nvSpPr>
+        <p:spPr>
+          <a:xfrm>
+            <a:off x="2743200" y="0"/>
+            <a:ext cx="16920" cy="6856560"/>
+          </a:xfrm>
+          <a:prstGeom prst="rect">
+            <a:avLst/>
+          </a:prstGeom>
+          <a:solidFill>
+            <a:srgbClr val="121216"/>
+          </a:solidFill>
+          <a:ln>
+            <a:noFill/>
+          </a:ln>
+          <a:effectLst>
+            <a:outerShdw blurRad="39960" dir="5400000" dist="23040" rotWithShape="0">
+              <a:srgbClr val="000000">
+                <a:alpha val="35000"/>
+              </a:srgbClr>
+            </a:outerShdw>
+          </a:effectLst>
+        </p:spPr>
+        <p:style>
+          <a:lnRef idx="1">
+            <a:schemeClr val="accent1"/>
+          </a:lnRef>
+          <a:fillRef idx="3">
+            <a:schemeClr val="accent1"/>
+          </a:fillRef>
+          <a:effectRef idx="2">
+            <a:schemeClr val="accent1"/>
+          </a:effectRef>
+          <a:fontRef idx="minor"/>
+        </p:style>
+        <p:txBody>
+          <a:bodyPr lIns="90000" rIns="90000" tIns="45000" bIns="45000" anchor="ctr">
+            <a:noAutofit/>
+          </a:bodyPr>
+          <a:p>
+            <a:endParaRPr b="0" lang="en-US" sz="1800" spc="-1" strike="noStrike">
+              <a:solidFill>
+                <a:schemeClr val="lt1"/>
+              </a:solidFill>
+              <a:latin typeface="Calibri"/>
+              <a:ea typeface="DejaVu Sans"/>
+            </a:endParaRPr>
+          </a:p>
+        </p:txBody>
+      </p:sp>
+      <p:sp>
+        <p:nvSpPr>
+          <p:cNvPr id="563" name="Rectangle 198"/>
+          <p:cNvSpPr/>
+          <p:nvPr/>
+        </p:nvSpPr>
+        <p:spPr>
+          <a:xfrm>
+            <a:off x="3657600" y="0"/>
+            <a:ext cx="16920" cy="6856560"/>
+          </a:xfrm>
+          <a:prstGeom prst="rect">
+            <a:avLst/>
+          </a:prstGeom>
+          <a:solidFill>
+            <a:srgbClr val="121216"/>
+          </a:solidFill>
+          <a:ln>
+            <a:noFill/>
+          </a:ln>
+          <a:effectLst>
+            <a:outerShdw blurRad="39960" dir="5400000" dist="23040" rotWithShape="0">
+              <a:srgbClr val="000000">
+                <a:alpha val="35000"/>
+              </a:srgbClr>
+            </a:outerShdw>
+          </a:effectLst>
+        </p:spPr>
+        <p:style>
+          <a:lnRef idx="1">
+            <a:schemeClr val="accent1"/>
+          </a:lnRef>
+          <a:fillRef idx="3">
+            <a:schemeClr val="accent1"/>
+          </a:fillRef>
+          <a:effectRef idx="2">
+            <a:schemeClr val="accent1"/>
+          </a:effectRef>
+          <a:fontRef idx="minor"/>
+        </p:style>
+        <p:txBody>
+          <a:bodyPr lIns="90000" rIns="90000" tIns="45000" bIns="45000" anchor="ctr">
+            <a:noAutofit/>
+          </a:bodyPr>
+          <a:p>
+            <a:endParaRPr b="0" lang="en-US" sz="1800" spc="-1" strike="noStrike">
+              <a:solidFill>
+                <a:schemeClr val="lt1"/>
+              </a:solidFill>
+              <a:latin typeface="Calibri"/>
+              <a:ea typeface="DejaVu Sans"/>
+            </a:endParaRPr>
+          </a:p>
+        </p:txBody>
+      </p:sp>
+      <p:sp>
+        <p:nvSpPr>
+          <p:cNvPr id="564" name="Rectangle 199"/>
+          <p:cNvSpPr/>
+          <p:nvPr/>
+        </p:nvSpPr>
+        <p:spPr>
+          <a:xfrm>
+            <a:off x="4572000" y="0"/>
+            <a:ext cx="16920" cy="6856560"/>
+          </a:xfrm>
+          <a:prstGeom prst="rect">
+            <a:avLst/>
+          </a:prstGeom>
+          <a:solidFill>
+            <a:srgbClr val="121216"/>
+          </a:solidFill>
+          <a:ln>
+            <a:noFill/>
+          </a:ln>
+          <a:effectLst>
+            <a:outerShdw blurRad="39960" dir="5400000" dist="23040" rotWithShape="0">
+              <a:srgbClr val="000000">
+                <a:alpha val="35000"/>
+              </a:srgbClr>
+            </a:outerShdw>
+          </a:effectLst>
+        </p:spPr>
+        <p:style>
+          <a:lnRef idx="1">
+            <a:schemeClr val="accent1"/>
+          </a:lnRef>
+          <a:fillRef idx="3">
+            <a:schemeClr val="accent1"/>
+          </a:fillRef>
+          <a:effectRef idx="2">
+            <a:schemeClr val="accent1"/>
+          </a:effectRef>
+          <a:fontRef idx="minor"/>
+        </p:style>
+        <p:txBody>
+          <a:bodyPr lIns="90000" rIns="90000" tIns="45000" bIns="45000" anchor="ctr">
+            <a:noAutofit/>
+          </a:bodyPr>
+          <a:p>
+            <a:endParaRPr b="0" lang="en-US" sz="1800" spc="-1" strike="noStrike">
+              <a:solidFill>
+                <a:schemeClr val="lt1"/>
+              </a:solidFill>
+              <a:latin typeface="Calibri"/>
+              <a:ea typeface="DejaVu Sans"/>
+            </a:endParaRPr>
+          </a:p>
+        </p:txBody>
+      </p:sp>
+      <p:sp>
+        <p:nvSpPr>
+          <p:cNvPr id="565" name="Rectangle 200"/>
+          <p:cNvSpPr/>
+          <p:nvPr/>
+        </p:nvSpPr>
+        <p:spPr>
+          <a:xfrm>
+            <a:off x="5486400" y="0"/>
+            <a:ext cx="16920" cy="6856560"/>
+          </a:xfrm>
+          <a:prstGeom prst="rect">
+            <a:avLst/>
+          </a:prstGeom>
+          <a:solidFill>
+            <a:srgbClr val="121216"/>
+          </a:solidFill>
+          <a:ln>
+            <a:noFill/>
+          </a:ln>
+          <a:effectLst>
+            <a:outerShdw blurRad="39960" dir="5400000" dist="23040" rotWithShape="0">
+              <a:srgbClr val="000000">
+                <a:alpha val="35000"/>
+              </a:srgbClr>
+            </a:outerShdw>
+          </a:effectLst>
+        </p:spPr>
+        <p:style>
+          <a:lnRef idx="1">
+            <a:schemeClr val="accent1"/>
+          </a:lnRef>
+          <a:fillRef idx="3">
+            <a:schemeClr val="accent1"/>
+          </a:fillRef>
+          <a:effectRef idx="2">
+            <a:schemeClr val="accent1"/>
+          </a:effectRef>
+          <a:fontRef idx="minor"/>
+        </p:style>
+        <p:txBody>
+          <a:bodyPr lIns="90000" rIns="90000" tIns="45000" bIns="45000" anchor="ctr">
+            <a:noAutofit/>
+          </a:bodyPr>
+          <a:p>
+            <a:endParaRPr b="0" lang="en-US" sz="1800" spc="-1" strike="noStrike">
+              <a:solidFill>
+                <a:schemeClr val="lt1"/>
+              </a:solidFill>
+              <a:latin typeface="Calibri"/>
+              <a:ea typeface="DejaVu Sans"/>
+            </a:endParaRPr>
+          </a:p>
+        </p:txBody>
+      </p:sp>
+      <p:sp>
+        <p:nvSpPr>
+          <p:cNvPr id="566" name="Rectangle 201"/>
+          <p:cNvSpPr/>
+          <p:nvPr/>
+        </p:nvSpPr>
+        <p:spPr>
+          <a:xfrm>
+            <a:off x="6400800" y="0"/>
+            <a:ext cx="16920" cy="6856560"/>
+          </a:xfrm>
+          <a:prstGeom prst="rect">
+            <a:avLst/>
+          </a:prstGeom>
+          <a:solidFill>
+            <a:srgbClr val="121216"/>
+          </a:solidFill>
+          <a:ln>
+            <a:noFill/>
+          </a:ln>
+          <a:effectLst>
+            <a:outerShdw blurRad="39960" dir="5400000" dist="23040" rotWithShape="0">
+              <a:srgbClr val="000000">
+                <a:alpha val="35000"/>
+              </a:srgbClr>
+            </a:outerShdw>
+          </a:effectLst>
+        </p:spPr>
+        <p:style>
+          <a:lnRef idx="1">
+            <a:schemeClr val="accent1"/>
+          </a:lnRef>
+          <a:fillRef idx="3">
+            <a:schemeClr val="accent1"/>
+          </a:fillRef>
+          <a:effectRef idx="2">
+            <a:schemeClr val="accent1"/>
+          </a:effectRef>
+          <a:fontRef idx="minor"/>
+        </p:style>
+        <p:txBody>
+          <a:bodyPr lIns="90000" rIns="90000" tIns="45000" bIns="45000" anchor="ctr">
+            <a:noAutofit/>
+          </a:bodyPr>
+          <a:p>
+            <a:endParaRPr b="0" lang="en-US" sz="1800" spc="-1" strike="noStrike">
+              <a:solidFill>
+                <a:schemeClr val="lt1"/>
+              </a:solidFill>
+              <a:latin typeface="Calibri"/>
+              <a:ea typeface="DejaVu Sans"/>
+            </a:endParaRPr>
+          </a:p>
+        </p:txBody>
+      </p:sp>
+      <p:sp>
+        <p:nvSpPr>
+          <p:cNvPr id="567" name="Rectangle 202"/>
+          <p:cNvSpPr/>
+          <p:nvPr/>
+        </p:nvSpPr>
+        <p:spPr>
+          <a:xfrm>
+            <a:off x="7315200" y="0"/>
+            <a:ext cx="16920" cy="6856560"/>
+          </a:xfrm>
+          <a:prstGeom prst="rect">
+            <a:avLst/>
+          </a:prstGeom>
+          <a:solidFill>
+            <a:srgbClr val="121216"/>
+          </a:solidFill>
+          <a:ln>
+            <a:noFill/>
+          </a:ln>
+          <a:effectLst>
+            <a:outerShdw blurRad="39960" dir="5400000" dist="23040" rotWithShape="0">
+              <a:srgbClr val="000000">
+                <a:alpha val="35000"/>
+              </a:srgbClr>
+            </a:outerShdw>
+          </a:effectLst>
+        </p:spPr>
+        <p:style>
+          <a:lnRef idx="1">
+            <a:schemeClr val="accent1"/>
+          </a:lnRef>
+          <a:fillRef idx="3">
+            <a:schemeClr val="accent1"/>
+          </a:fillRef>
+          <a:effectRef idx="2">
+            <a:schemeClr val="accent1"/>
+          </a:effectRef>
+          <a:fontRef idx="minor"/>
+        </p:style>
+        <p:txBody>
+          <a:bodyPr lIns="90000" rIns="90000" tIns="45000" bIns="45000" anchor="ctr">
+            <a:noAutofit/>
+          </a:bodyPr>
+          <a:p>
+            <a:endParaRPr b="0" lang="en-US" sz="1800" spc="-1" strike="noStrike">
+              <a:solidFill>
+                <a:schemeClr val="lt1"/>
+              </a:solidFill>
+              <a:latin typeface="Calibri"/>
+              <a:ea typeface="DejaVu Sans"/>
+            </a:endParaRPr>
+          </a:p>
+        </p:txBody>
+      </p:sp>
+      <p:sp>
+        <p:nvSpPr>
+          <p:cNvPr id="568" name="Rectangle 203"/>
+          <p:cNvSpPr/>
+          <p:nvPr/>
+        </p:nvSpPr>
+        <p:spPr>
+          <a:xfrm>
+            <a:off x="8212320" y="0"/>
+            <a:ext cx="16920" cy="6856560"/>
+          </a:xfrm>
+          <a:prstGeom prst="rect">
+            <a:avLst/>
+          </a:prstGeom>
+          <a:solidFill>
+            <a:srgbClr val="121216"/>
+          </a:solidFill>
+          <a:ln>
+            <a:noFill/>
+          </a:ln>
+          <a:effectLst>
+            <a:outerShdw blurRad="39960" dir="5400000" dist="23040" rotWithShape="0">
+              <a:srgbClr val="000000">
+                <a:alpha val="35000"/>
+              </a:srgbClr>
+            </a:outerShdw>
+          </a:effectLst>
+        </p:spPr>
+        <p:style>
+          <a:lnRef idx="1">
+            <a:schemeClr val="accent1"/>
+          </a:lnRef>
+          <a:fillRef idx="3">
+            <a:schemeClr val="accent1"/>
+          </a:fillRef>
+          <a:effectRef idx="2">
+            <a:schemeClr val="accent1"/>
+          </a:effectRef>
+          <a:fontRef idx="minor"/>
+        </p:style>
+        <p:txBody>
+          <a:bodyPr lIns="90000" rIns="90000" tIns="45000" bIns="45000" anchor="ctr">
+            <a:noAutofit/>
+          </a:bodyPr>
+          <a:p>
+            <a:endParaRPr b="0" lang="en-US" sz="1800" spc="-1" strike="noStrike">
+              <a:solidFill>
+                <a:schemeClr val="lt1"/>
+              </a:solidFill>
+              <a:latin typeface="Calibri"/>
+              <a:ea typeface="DejaVu Sans"/>
+            </a:endParaRPr>
+          </a:p>
+        </p:txBody>
+      </p:sp>
+      <p:sp>
+        <p:nvSpPr>
+          <p:cNvPr id="569" name="Rectangle 204"/>
+          <p:cNvSpPr/>
+          <p:nvPr/>
+        </p:nvSpPr>
+        <p:spPr>
+          <a:xfrm>
+            <a:off x="9144000" y="0"/>
+            <a:ext cx="16920" cy="6856560"/>
+          </a:xfrm>
+          <a:prstGeom prst="rect">
+            <a:avLst/>
+          </a:prstGeom>
+          <a:solidFill>
+            <a:srgbClr val="121216"/>
+          </a:solidFill>
+          <a:ln>
+            <a:noFill/>
+          </a:ln>
+          <a:effectLst>
+            <a:outerShdw blurRad="39960" dir="5400000" dist="23040" rotWithShape="0">
+              <a:srgbClr val="000000">
+                <a:alpha val="35000"/>
+              </a:srgbClr>
+            </a:outerShdw>
+          </a:effectLst>
+        </p:spPr>
+        <p:style>
+          <a:lnRef idx="1">
+            <a:schemeClr val="accent1"/>
+          </a:lnRef>
+          <a:fillRef idx="3">
+            <a:schemeClr val="accent1"/>
+          </a:fillRef>
+          <a:effectRef idx="2">
+            <a:schemeClr val="accent1"/>
+          </a:effectRef>
+          <a:fontRef idx="minor"/>
+        </p:style>
+        <p:txBody>
+          <a:bodyPr lIns="90000" rIns="90000" tIns="45000" bIns="45000" anchor="ctr">
+            <a:noAutofit/>
+          </a:bodyPr>
+          <a:p>
+            <a:endParaRPr b="0" lang="en-US" sz="1800" spc="-1" strike="noStrike">
+              <a:solidFill>
+                <a:schemeClr val="lt1"/>
+              </a:solidFill>
+              <a:latin typeface="Calibri"/>
+              <a:ea typeface="DejaVu Sans"/>
+            </a:endParaRPr>
+          </a:p>
+        </p:txBody>
+      </p:sp>
+      <p:sp>
+        <p:nvSpPr>
+          <p:cNvPr id="570" name="Rectangle 205"/>
+          <p:cNvSpPr/>
+          <p:nvPr/>
+        </p:nvSpPr>
+        <p:spPr>
+          <a:xfrm>
+            <a:off x="10058400" y="0"/>
+            <a:ext cx="16920" cy="6856560"/>
+          </a:xfrm>
+          <a:prstGeom prst="rect">
+            <a:avLst/>
+          </a:prstGeom>
+          <a:solidFill>
+            <a:srgbClr val="121216"/>
+          </a:solidFill>
+          <a:ln>
+            <a:noFill/>
+          </a:ln>
+          <a:effectLst>
+            <a:outerShdw blurRad="39960" dir="5400000" dist="23040" rotWithShape="0">
+              <a:srgbClr val="000000">
+                <a:alpha val="35000"/>
+              </a:srgbClr>
+            </a:outerShdw>
+          </a:effectLst>
+        </p:spPr>
+        <p:style>
+          <a:lnRef idx="1">
+            <a:schemeClr val="accent1"/>
+          </a:lnRef>
+          <a:fillRef idx="3">
+            <a:schemeClr val="accent1"/>
+          </a:fillRef>
+          <a:effectRef idx="2">
+            <a:schemeClr val="accent1"/>
+          </a:effectRef>
+          <a:fontRef idx="minor"/>
+        </p:style>
+        <p:txBody>
+          <a:bodyPr lIns="90000" rIns="90000" tIns="45000" bIns="45000" anchor="ctr">
+            <a:noAutofit/>
+          </a:bodyPr>
+          <a:p>
+            <a:endParaRPr b="0" lang="en-US" sz="1800" spc="-1" strike="noStrike">
+              <a:solidFill>
+                <a:schemeClr val="lt1"/>
+              </a:solidFill>
+              <a:latin typeface="Calibri"/>
+              <a:ea typeface="DejaVu Sans"/>
+            </a:endParaRPr>
+          </a:p>
+        </p:txBody>
+      </p:sp>
+      <p:sp>
+        <p:nvSpPr>
+          <p:cNvPr id="571" name="Rectangle 206"/>
+          <p:cNvSpPr/>
+          <p:nvPr/>
+        </p:nvSpPr>
+        <p:spPr>
+          <a:xfrm>
+            <a:off x="10972800" y="0"/>
+            <a:ext cx="16920" cy="6856560"/>
+          </a:xfrm>
+          <a:prstGeom prst="rect">
+            <a:avLst/>
+          </a:prstGeom>
+          <a:solidFill>
+            <a:srgbClr val="121216"/>
+          </a:solidFill>
+          <a:ln>
+            <a:noFill/>
+          </a:ln>
+          <a:effectLst>
+            <a:outerShdw blurRad="39960" dir="5400000" dist="23040" rotWithShape="0">
+              <a:srgbClr val="000000">
+                <a:alpha val="35000"/>
+              </a:srgbClr>
+            </a:outerShdw>
+          </a:effectLst>
+        </p:spPr>
+        <p:style>
+          <a:lnRef idx="1">
+            <a:schemeClr val="accent1"/>
+          </a:lnRef>
+          <a:fillRef idx="3">
+            <a:schemeClr val="accent1"/>
+          </a:fillRef>
+          <a:effectRef idx="2">
+            <a:schemeClr val="accent1"/>
+          </a:effectRef>
+          <a:fontRef idx="minor"/>
+        </p:style>
+        <p:txBody>
+          <a:bodyPr lIns="90000" rIns="90000" tIns="45000" bIns="45000" anchor="ctr">
+            <a:noAutofit/>
+          </a:bodyPr>
+          <a:p>
+            <a:endParaRPr b="0" lang="en-US" sz="1800" spc="-1" strike="noStrike">
+              <a:solidFill>
+                <a:schemeClr val="lt1"/>
+              </a:solidFill>
+              <a:latin typeface="Calibri"/>
+              <a:ea typeface="DejaVu Sans"/>
+            </a:endParaRPr>
+          </a:p>
+        </p:txBody>
+      </p:sp>
+      <p:sp>
+        <p:nvSpPr>
+          <p:cNvPr id="572" name="Rectangle 207"/>
+          <p:cNvSpPr/>
+          <p:nvPr/>
+        </p:nvSpPr>
+        <p:spPr>
+          <a:xfrm>
+            <a:off x="11887200" y="0"/>
+            <a:ext cx="16920" cy="6856560"/>
+          </a:xfrm>
+          <a:prstGeom prst="rect">
+            <a:avLst/>
+          </a:prstGeom>
+          <a:solidFill>
+            <a:srgbClr val="121216"/>
+          </a:solidFill>
+          <a:ln>
+            <a:noFill/>
+          </a:ln>
+          <a:effectLst>
+            <a:outerShdw blurRad="39960" dir="5400000" dist="23040" rotWithShape="0">
+              <a:srgbClr val="000000">
+                <a:alpha val="35000"/>
+              </a:srgbClr>
+            </a:outerShdw>
+          </a:effectLst>
+        </p:spPr>
+        <p:style>
+          <a:lnRef idx="1">
+            <a:schemeClr val="accent1"/>
+          </a:lnRef>
+          <a:fillRef idx="3">
+            <a:schemeClr val="accent1"/>
+          </a:fillRef>
+          <a:effectRef idx="2">
+            <a:schemeClr val="accent1"/>
+          </a:effectRef>
+          <a:fontRef idx="minor"/>
+        </p:style>
+        <p:txBody>
+          <a:bodyPr lIns="90000" rIns="90000" tIns="45000" bIns="45000" anchor="ctr">
+            <a:noAutofit/>
+          </a:bodyPr>
+          <a:p>
+            <a:endParaRPr b="0" lang="en-US" sz="1800" spc="-1" strike="noStrike">
+              <a:solidFill>
+                <a:schemeClr val="lt1"/>
+              </a:solidFill>
+              <a:latin typeface="Calibri"/>
+              <a:ea typeface="DejaVu Sans"/>
+            </a:endParaRPr>
+          </a:p>
+        </p:txBody>
+      </p:sp>
+      <p:sp>
+        <p:nvSpPr>
+          <p:cNvPr id="573" name="Rectangle 208"/>
+          <p:cNvSpPr/>
+          <p:nvPr/>
+        </p:nvSpPr>
+        <p:spPr>
+          <a:xfrm>
+            <a:off x="0" y="0"/>
+            <a:ext cx="318600" cy="6856560"/>
+          </a:xfrm>
+          <a:prstGeom prst="rect">
+            <a:avLst/>
+          </a:prstGeom>
+          <a:solidFill>
+            <a:srgbClr val="ff8c00"/>
+          </a:solidFill>
+          <a:ln>
+            <a:noFill/>
+          </a:ln>
+          <a:effectLst>
+            <a:outerShdw blurRad="39960" dir="5400000" dist="23040" rotWithShape="0">
+              <a:srgbClr val="000000">
+                <a:alpha val="35000"/>
+              </a:srgbClr>
+            </a:outerShdw>
+          </a:effectLst>
+        </p:spPr>
+        <p:style>
+          <a:lnRef idx="1">
+            <a:schemeClr val="accent1"/>
+          </a:lnRef>
+          <a:fillRef idx="3">
+            <a:schemeClr val="accent1"/>
+          </a:fillRef>
+          <a:effectRef idx="2">
+            <a:schemeClr val="accent1"/>
+          </a:effectRef>
+          <a:fontRef idx="minor"/>
+        </p:style>
+        <p:txBody>
+          <a:bodyPr lIns="90000" rIns="90000" tIns="45000" bIns="45000" anchor="ctr">
+            <a:noAutofit/>
+          </a:bodyPr>
+          <a:p>
+            <a:endParaRPr b="0" lang="en-US" sz="1800" spc="-1" strike="noStrike">
+              <a:solidFill>
+                <a:schemeClr val="lt1"/>
+              </a:solidFill>
+              <a:latin typeface="Calibri"/>
+              <a:ea typeface="DejaVu Sans"/>
+            </a:endParaRPr>
+          </a:p>
+        </p:txBody>
+      </p:sp>
+      <p:sp>
+        <p:nvSpPr>
+          <p:cNvPr id="574" name="Rounded Rectangle 92"/>
+          <p:cNvSpPr/>
+          <p:nvPr/>
+        </p:nvSpPr>
+        <p:spPr>
+          <a:xfrm>
+            <a:off x="9875520" y="365760"/>
+            <a:ext cx="2010240" cy="501480"/>
+          </a:xfrm>
+          <a:prstGeom prst="roundRect">
+            <a:avLst>
+              <a:gd name="adj" fmla="val 16667"/>
+            </a:avLst>
+          </a:prstGeom>
+          <a:solidFill>
+            <a:srgbClr val="1e1e24"/>
+          </a:solidFill>
+          <a:ln>
+            <a:solidFill>
+              <a:srgbClr val="ff8c00"/>
+            </a:solidFill>
+            <a:round/>
+          </a:ln>
+          <a:effectLst>
+            <a:outerShdw blurRad="39960" dir="5400000" dist="23040" rotWithShape="0">
+              <a:srgbClr val="000000">
+                <a:alpha val="35000"/>
+              </a:srgbClr>
+            </a:outerShdw>
+          </a:effectLst>
+        </p:spPr>
+        <p:style>
+          <a:lnRef idx="1">
+            <a:schemeClr val="accent1"/>
+          </a:lnRef>
+          <a:fillRef idx="3">
+            <a:schemeClr val="accent1"/>
+          </a:fillRef>
+          <a:effectRef idx="2">
+            <a:schemeClr val="accent1"/>
+          </a:effectRef>
+          <a:fontRef idx="minor"/>
+        </p:style>
+        <p:txBody>
+          <a:bodyPr lIns="90000" rIns="90000" tIns="45000" bIns="45000" anchor="ctr">
+            <a:noAutofit/>
+          </a:bodyPr>
+          <a:p>
+            <a:pPr algn="ctr">
+              <a:lnSpc>
+                <a:spcPct val="100000"/>
+              </a:lnSpc>
+            </a:pPr>
+            <a:r>
+              <a:rPr b="1" lang="en-US" sz="1400" spc="-1" strike="noStrike">
+                <a:solidFill>
+                  <a:srgbClr val="ffb45a"/>
+                </a:solidFill>
+                <a:latin typeface="Calibri"/>
+                <a:ea typeface="DejaVu Sans"/>
+              </a:rPr>
+              <a:t>JAVA TEMELLERI</a:t>
+            </a:r>
+            <a:endParaRPr b="0" lang="en-US" sz="1400" spc="-1" strike="noStrike">
+              <a:solidFill>
+                <a:srgbClr val="ffffff"/>
+              </a:solidFill>
+              <a:latin typeface="Arial"/>
+            </a:endParaRPr>
+          </a:p>
+        </p:txBody>
+      </p:sp>
+      <p:sp>
+        <p:nvSpPr>
+          <p:cNvPr id="575" name="TextBox 40"/>
+          <p:cNvSpPr/>
+          <p:nvPr/>
+        </p:nvSpPr>
+        <p:spPr>
+          <a:xfrm>
+            <a:off x="658080" y="1005840"/>
+            <a:ext cx="9655920" cy="699840"/>
+          </a:xfrm>
+          <a:prstGeom prst="rect">
+            <a:avLst/>
+          </a:prstGeom>
+          <a:noFill/>
+          <a:ln w="0">
+            <a:noFill/>
+          </a:ln>
+        </p:spPr>
+        <p:style>
+          <a:lnRef idx="0"/>
+          <a:fillRef idx="0"/>
+          <a:effectRef idx="0"/>
+          <a:fontRef idx="minor"/>
+        </p:style>
+        <p:txBody>
+          <a:bodyPr wrap="none" lIns="90000" rIns="90000" tIns="45000" bIns="45000" anchor="t">
+            <a:spAutoFit/>
+          </a:bodyPr>
+          <a:p>
+            <a:pPr>
+              <a:lnSpc>
+                <a:spcPct val="100000"/>
+              </a:lnSpc>
+            </a:pPr>
+            <a:r>
+              <a:rPr b="1" lang="en-US" sz="4000" spc="-1" strike="noStrike">
+                <a:solidFill>
+                  <a:srgbClr val="f5f5f5"/>
+                </a:solidFill>
+                <a:latin typeface="Calibri"/>
+                <a:ea typeface="DejaVu Sans"/>
+              </a:rPr>
+              <a:t>JAVA HELLO WORLD PROGRAMINI ANLAMAK</a:t>
+            </a:r>
+            <a:endParaRPr b="0" lang="en-US" sz="4000" spc="-1" strike="noStrike">
+              <a:solidFill>
+                <a:srgbClr val="000000"/>
+              </a:solidFill>
+              <a:latin typeface="Arial"/>
+            </a:endParaRPr>
+          </a:p>
+        </p:txBody>
+      </p:sp>
+      <p:sp>
+        <p:nvSpPr>
+          <p:cNvPr id="576" name="TextBox 41"/>
+          <p:cNvSpPr/>
+          <p:nvPr/>
+        </p:nvSpPr>
+        <p:spPr>
+          <a:xfrm>
+            <a:off x="2366640" y="2013840"/>
+            <a:ext cx="6380640" cy="668520"/>
+          </a:xfrm>
+          <a:prstGeom prst="rect">
+            <a:avLst/>
+          </a:prstGeom>
+          <a:noFill/>
+          <a:ln w="0">
+            <a:noFill/>
+          </a:ln>
+        </p:spPr>
+        <p:style>
+          <a:lnRef idx="0"/>
+          <a:fillRef idx="0"/>
+          <a:effectRef idx="0"/>
+          <a:fontRef idx="minor"/>
+        </p:style>
+        <p:txBody>
+          <a:bodyPr wrap="none" lIns="90000" rIns="90000" tIns="45000" bIns="45000" anchor="t">
+            <a:spAutoFit/>
+          </a:bodyPr>
+          <a:p>
+            <a:pPr>
+              <a:lnSpc>
+                <a:spcPct val="100000"/>
+              </a:lnSpc>
+            </a:pPr>
+            <a:r>
+              <a:rPr b="0" lang="en-US" sz="1900" spc="-1" strike="noStrike">
+                <a:solidFill>
+                  <a:srgbClr val="aaaaaa"/>
+                </a:solidFill>
+                <a:latin typeface="Calibri"/>
+                <a:ea typeface="DejaVu Sans"/>
+              </a:rPr>
+              <a:t>Hello World programı basit görünse de, her Java uygulamasının </a:t>
+            </a:r>
+            <a:endParaRPr b="0" lang="en-US" sz="1900" spc="-1" strike="noStrike">
+              <a:solidFill>
+                <a:srgbClr val="000000"/>
+              </a:solidFill>
+              <a:latin typeface="Arial"/>
+            </a:endParaRPr>
+          </a:p>
+          <a:p>
+            <a:pPr>
+              <a:lnSpc>
+                <a:spcPct val="100000"/>
+              </a:lnSpc>
+            </a:pPr>
+            <a:r>
+              <a:rPr b="0" lang="en-US" sz="1900" spc="-1" strike="noStrike">
+                <a:solidFill>
+                  <a:srgbClr val="aaaaaa"/>
+                </a:solidFill>
+                <a:latin typeface="Calibri"/>
+                <a:ea typeface="DejaVu Sans"/>
+              </a:rPr>
+              <a:t>temel yapısını ve çalışma mantığını içerir.</a:t>
+            </a:r>
+            <a:endParaRPr b="0" lang="en-US" sz="1900" spc="-1" strike="noStrike">
+              <a:solidFill>
+                <a:srgbClr val="000000"/>
+              </a:solidFill>
+              <a:latin typeface="Arial"/>
+            </a:endParaRPr>
+          </a:p>
+        </p:txBody>
+      </p:sp>
+      <p:sp>
+        <p:nvSpPr>
+          <p:cNvPr id="577" name="Rounded Rectangle 93"/>
+          <p:cNvSpPr/>
+          <p:nvPr/>
+        </p:nvSpPr>
+        <p:spPr>
+          <a:xfrm>
+            <a:off x="987480" y="3182040"/>
+            <a:ext cx="3290400" cy="2741760"/>
+          </a:xfrm>
+          <a:prstGeom prst="roundRect">
+            <a:avLst>
+              <a:gd name="adj" fmla="val 16667"/>
+            </a:avLst>
+          </a:prstGeom>
+          <a:solidFill>
+            <a:srgbClr val="08080a"/>
+          </a:solidFill>
+          <a:ln>
+            <a:noFill/>
+          </a:ln>
+          <a:effectLst>
+            <a:outerShdw blurRad="39960" dir="5400000" dist="23040" rotWithShape="0">
+              <a:srgbClr val="000000">
+                <a:alpha val="35000"/>
+              </a:srgbClr>
+            </a:outerShdw>
+          </a:effectLst>
+        </p:spPr>
+        <p:style>
+          <a:lnRef idx="1">
+            <a:schemeClr val="accent1"/>
+          </a:lnRef>
+          <a:fillRef idx="3">
+            <a:schemeClr val="accent1"/>
+          </a:fillRef>
+          <a:effectRef idx="2">
+            <a:schemeClr val="accent1"/>
+          </a:effectRef>
+          <a:fontRef idx="minor"/>
+        </p:style>
+        <p:txBody>
+          <a:bodyPr lIns="90000" rIns="90000" tIns="45000" bIns="45000" anchor="ctr">
+            <a:noAutofit/>
+          </a:bodyPr>
+          <a:p>
+            <a:endParaRPr b="0" lang="en-US" sz="1800" spc="-1" strike="noStrike">
+              <a:solidFill>
+                <a:schemeClr val="lt1"/>
+              </a:solidFill>
+              <a:latin typeface="Calibri"/>
+              <a:ea typeface="DejaVu Sans"/>
+            </a:endParaRPr>
+          </a:p>
+        </p:txBody>
+      </p:sp>
+      <p:sp>
+        <p:nvSpPr>
+          <p:cNvPr id="578" name="Rounded Rectangle 94"/>
+          <p:cNvSpPr/>
+          <p:nvPr/>
+        </p:nvSpPr>
+        <p:spPr>
+          <a:xfrm>
+            <a:off x="914400" y="3108960"/>
+            <a:ext cx="3290400" cy="2741760"/>
+          </a:xfrm>
+          <a:prstGeom prst="roundRect">
+            <a:avLst>
+              <a:gd name="adj" fmla="val 16667"/>
+            </a:avLst>
+          </a:prstGeom>
+          <a:solidFill>
+            <a:srgbClr val="16161c"/>
+          </a:solidFill>
+          <a:ln>
+            <a:solidFill>
+              <a:srgbClr val="464655"/>
+            </a:solidFill>
+            <a:round/>
+          </a:ln>
+          <a:effectLst>
+            <a:outerShdw blurRad="39960" dir="5400000" dist="23040" rotWithShape="0">
+              <a:srgbClr val="000000">
+                <a:alpha val="35000"/>
+              </a:srgbClr>
+            </a:outerShdw>
+          </a:effectLst>
+        </p:spPr>
+        <p:style>
+          <a:lnRef idx="1">
+            <a:schemeClr val="accent1"/>
+          </a:lnRef>
+          <a:fillRef idx="3">
+            <a:schemeClr val="accent1"/>
+          </a:fillRef>
+          <a:effectRef idx="2">
+            <a:schemeClr val="accent1"/>
+          </a:effectRef>
+          <a:fontRef idx="minor"/>
+        </p:style>
+        <p:txBody>
+          <a:bodyPr lIns="90000" rIns="90000" tIns="45000" bIns="45000" anchor="ctr">
+            <a:noAutofit/>
+          </a:bodyPr>
+          <a:p>
+            <a:pPr>
+              <a:lnSpc>
+                <a:spcPct val="100000"/>
+              </a:lnSpc>
+            </a:pPr>
+            <a:r>
+              <a:rPr b="1" lang="en-US" sz="1400" spc="-1" strike="noStrike">
+                <a:solidFill>
+                  <a:schemeClr val="lt1"/>
+                </a:solidFill>
+                <a:latin typeface="Calibri"/>
+                <a:ea typeface="DejaVu Sans"/>
+              </a:rPr>
+              <a:t>● </a:t>
+            </a:r>
+            <a:r>
+              <a:rPr b="1" lang="en-US" sz="1400" spc="-1" strike="noStrike">
+                <a:solidFill>
+                  <a:schemeClr val="lt1"/>
+                </a:solidFill>
+                <a:latin typeface="Calibri"/>
+                <a:ea typeface="DejaVu Sans"/>
+              </a:rPr>
+              <a:t>Java programı çalışmaya main() metodundan başlar</a:t>
+            </a:r>
+            <a:endParaRPr b="0" lang="en-US" sz="1400" spc="-1" strike="noStrike">
+              <a:solidFill>
+                <a:srgbClr val="ffffff"/>
+              </a:solidFill>
+              <a:latin typeface="Arial"/>
+            </a:endParaRPr>
+          </a:p>
+          <a:p>
+            <a:pPr>
+              <a:lnSpc>
+                <a:spcPct val="100000"/>
+              </a:lnSpc>
+            </a:pPr>
+            <a:r>
+              <a:rPr b="1" lang="en-US" sz="1400" spc="-1" strike="noStrike">
+                <a:solidFill>
+                  <a:schemeClr val="lt1"/>
+                </a:solidFill>
+                <a:latin typeface="Calibri"/>
+                <a:ea typeface="DejaVu Sans"/>
+              </a:rPr>
+              <a:t>● </a:t>
+            </a:r>
+            <a:r>
+              <a:rPr b="1" lang="en-US" sz="1400" spc="-1" strike="noStrike">
+                <a:solidFill>
+                  <a:schemeClr val="lt1"/>
+                </a:solidFill>
+                <a:latin typeface="Calibri"/>
+                <a:ea typeface="DejaVu Sans"/>
+              </a:rPr>
+              <a:t>public → her yerden erişilebilir</a:t>
+            </a:r>
+            <a:endParaRPr b="0" lang="en-US" sz="1400" spc="-1" strike="noStrike">
+              <a:solidFill>
+                <a:srgbClr val="ffffff"/>
+              </a:solidFill>
+              <a:latin typeface="Arial"/>
+            </a:endParaRPr>
+          </a:p>
+          <a:p>
+            <a:pPr>
+              <a:lnSpc>
+                <a:spcPct val="100000"/>
+              </a:lnSpc>
+            </a:pPr>
+            <a:r>
+              <a:rPr b="1" lang="en-US" sz="1400" spc="-1" strike="noStrike">
+                <a:solidFill>
+                  <a:schemeClr val="lt1"/>
+                </a:solidFill>
+                <a:latin typeface="Calibri"/>
+                <a:ea typeface="DejaVu Sans"/>
+              </a:rPr>
+              <a:t>● </a:t>
+            </a:r>
+            <a:r>
+              <a:rPr b="1" lang="en-US" sz="1400" spc="-1" strike="noStrike">
+                <a:solidFill>
+                  <a:schemeClr val="lt1"/>
+                </a:solidFill>
+                <a:latin typeface="Calibri"/>
+                <a:ea typeface="DejaVu Sans"/>
+              </a:rPr>
+              <a:t>static → nesne oluşturmadan çalışır</a:t>
+            </a:r>
+            <a:endParaRPr b="0" lang="en-US" sz="1400" spc="-1" strike="noStrike">
+              <a:solidFill>
+                <a:srgbClr val="ffffff"/>
+              </a:solidFill>
+              <a:latin typeface="Arial"/>
+            </a:endParaRPr>
+          </a:p>
+          <a:p>
+            <a:pPr>
+              <a:lnSpc>
+                <a:spcPct val="100000"/>
+              </a:lnSpc>
+            </a:pPr>
+            <a:r>
+              <a:rPr b="1" lang="en-US" sz="1400" spc="-1" strike="noStrike">
+                <a:solidFill>
+                  <a:schemeClr val="lt1"/>
+                </a:solidFill>
+                <a:latin typeface="Calibri"/>
+                <a:ea typeface="DejaVu Sans"/>
+              </a:rPr>
+              <a:t>● </a:t>
+            </a:r>
+            <a:r>
+              <a:rPr b="1" lang="en-US" sz="1400" spc="-1" strike="noStrike">
+                <a:solidFill>
+                  <a:schemeClr val="lt1"/>
+                </a:solidFill>
+                <a:latin typeface="Calibri"/>
+                <a:ea typeface="DejaVu Sans"/>
+              </a:rPr>
+              <a:t>void → metod geriye değer döndürmez</a:t>
+            </a:r>
+            <a:endParaRPr b="0" lang="en-US" sz="1400" spc="-1" strike="noStrike">
+              <a:solidFill>
+                <a:srgbClr val="ffffff"/>
+              </a:solidFill>
+              <a:latin typeface="Arial"/>
+            </a:endParaRPr>
+          </a:p>
+          <a:p>
+            <a:pPr>
+              <a:lnSpc>
+                <a:spcPct val="100000"/>
+              </a:lnSpc>
+            </a:pPr>
+            <a:r>
+              <a:rPr b="1" lang="en-US" sz="1400" spc="-1" strike="noStrike">
+                <a:solidFill>
+                  <a:schemeClr val="lt1"/>
+                </a:solidFill>
+                <a:latin typeface="Calibri"/>
+                <a:ea typeface="DejaVu Sans"/>
+              </a:rPr>
+              <a:t>● </a:t>
+            </a:r>
+            <a:r>
+              <a:rPr b="1" lang="en-US" sz="1400" spc="-1" strike="noStrike">
+                <a:solidFill>
+                  <a:schemeClr val="lt1"/>
+                </a:solidFill>
+                <a:latin typeface="Calibri"/>
+                <a:ea typeface="DejaVu Sans"/>
+              </a:rPr>
+              <a:t>String[] args → komut satırı parametreleri</a:t>
+            </a:r>
+            <a:endParaRPr b="0" lang="en-US" sz="1400" spc="-1" strike="noStrike">
+              <a:solidFill>
+                <a:srgbClr val="ffffff"/>
+              </a:solidFill>
+              <a:latin typeface="Arial"/>
+            </a:endParaRPr>
+          </a:p>
+          <a:p>
+            <a:pPr>
+              <a:lnSpc>
+                <a:spcPct val="100000"/>
+              </a:lnSpc>
+            </a:pPr>
+            <a:endParaRPr b="0" lang="en-US" sz="1400" spc="-1" strike="noStrike">
+              <a:solidFill>
+                <a:srgbClr val="ffffff"/>
+              </a:solidFill>
+              <a:latin typeface="Arial"/>
+            </a:endParaRPr>
+          </a:p>
+          <a:p>
+            <a:pPr>
+              <a:lnSpc>
+                <a:spcPct val="100000"/>
+              </a:lnSpc>
+            </a:pPr>
+            <a:r>
+              <a:rPr b="0" lang="en-US" sz="1400" spc="-1" strike="noStrike">
+                <a:solidFill>
+                  <a:schemeClr val="lt1"/>
+                </a:solidFill>
+                <a:latin typeface="Calibri"/>
+                <a:ea typeface="DejaVu Sans"/>
+              </a:rPr>
+              <a:t>Ana Fikir:</a:t>
+            </a:r>
+            <a:endParaRPr b="0" lang="en-US" sz="1400" spc="-1" strike="noStrike">
+              <a:solidFill>
+                <a:srgbClr val="ffffff"/>
+              </a:solidFill>
+              <a:latin typeface="Arial"/>
+            </a:endParaRPr>
+          </a:p>
+          <a:p>
+            <a:pPr>
+              <a:lnSpc>
+                <a:spcPct val="100000"/>
+              </a:lnSpc>
+            </a:pPr>
+            <a:r>
+              <a:rPr b="0" lang="en-US" sz="1400" spc="-1" strike="noStrike">
+                <a:solidFill>
+                  <a:schemeClr val="lt1"/>
+                </a:solidFill>
+                <a:latin typeface="Calibri"/>
+                <a:ea typeface="DejaVu Sans"/>
+              </a:rPr>
+              <a:t>main() metodu, Java uygulamasının başlangıç noktasıdır.</a:t>
+            </a:r>
+            <a:endParaRPr b="0" lang="en-US" sz="1400" spc="-1" strike="noStrike">
+              <a:solidFill>
+                <a:srgbClr val="ffffff"/>
+              </a:solidFill>
+              <a:latin typeface="Arial"/>
+            </a:endParaRPr>
+          </a:p>
+        </p:txBody>
+      </p:sp>
+      <p:sp>
+        <p:nvSpPr>
+          <p:cNvPr id="579" name="Rounded Rectangle 95"/>
+          <p:cNvSpPr/>
+          <p:nvPr/>
+        </p:nvSpPr>
+        <p:spPr>
+          <a:xfrm>
+            <a:off x="4507920" y="3182040"/>
+            <a:ext cx="3290400" cy="2741760"/>
+          </a:xfrm>
+          <a:prstGeom prst="roundRect">
+            <a:avLst>
+              <a:gd name="adj" fmla="val 16667"/>
+            </a:avLst>
+          </a:prstGeom>
+          <a:solidFill>
+            <a:srgbClr val="08080a"/>
+          </a:solidFill>
+          <a:ln>
+            <a:noFill/>
+          </a:ln>
+          <a:effectLst>
+            <a:outerShdw blurRad="39960" dir="5400000" dist="23040" rotWithShape="0">
+              <a:srgbClr val="000000">
+                <a:alpha val="35000"/>
+              </a:srgbClr>
+            </a:outerShdw>
+          </a:effectLst>
+        </p:spPr>
+        <p:style>
+          <a:lnRef idx="1">
+            <a:schemeClr val="accent1"/>
+          </a:lnRef>
+          <a:fillRef idx="3">
+            <a:schemeClr val="accent1"/>
+          </a:fillRef>
+          <a:effectRef idx="2">
+            <a:schemeClr val="accent1"/>
+          </a:effectRef>
+          <a:fontRef idx="minor"/>
+        </p:style>
+        <p:txBody>
+          <a:bodyPr lIns="90000" rIns="90000" tIns="45000" bIns="45000" anchor="ctr">
+            <a:noAutofit/>
+          </a:bodyPr>
+          <a:p>
+            <a:endParaRPr b="0" lang="en-US" sz="1800" spc="-1" strike="noStrike">
+              <a:solidFill>
+                <a:schemeClr val="lt1"/>
+              </a:solidFill>
+              <a:latin typeface="Calibri"/>
+              <a:ea typeface="DejaVu Sans"/>
+            </a:endParaRPr>
+          </a:p>
+        </p:txBody>
+      </p:sp>
+      <p:sp>
+        <p:nvSpPr>
+          <p:cNvPr id="580" name="Rounded Rectangle 96"/>
+          <p:cNvSpPr/>
+          <p:nvPr/>
+        </p:nvSpPr>
+        <p:spPr>
+          <a:xfrm>
+            <a:off x="4434840" y="3108960"/>
+            <a:ext cx="3290400" cy="2741760"/>
+          </a:xfrm>
+          <a:prstGeom prst="roundRect">
+            <a:avLst>
+              <a:gd name="adj" fmla="val 16667"/>
+            </a:avLst>
+          </a:prstGeom>
+          <a:solidFill>
+            <a:srgbClr val="16161c"/>
+          </a:solidFill>
+          <a:ln>
+            <a:solidFill>
+              <a:srgbClr val="464655"/>
+            </a:solidFill>
+            <a:round/>
+          </a:ln>
+          <a:effectLst>
+            <a:outerShdw blurRad="39960" dir="5400000" dist="23040" rotWithShape="0">
+              <a:srgbClr val="000000">
+                <a:alpha val="35000"/>
+              </a:srgbClr>
+            </a:outerShdw>
+          </a:effectLst>
+        </p:spPr>
+        <p:style>
+          <a:lnRef idx="1">
+            <a:schemeClr val="accent1"/>
+          </a:lnRef>
+          <a:fillRef idx="3">
+            <a:schemeClr val="accent1"/>
+          </a:fillRef>
+          <a:effectRef idx="2">
+            <a:schemeClr val="accent1"/>
+          </a:effectRef>
+          <a:fontRef idx="minor"/>
+        </p:style>
+        <p:txBody>
+          <a:bodyPr lIns="90000" rIns="90000" tIns="45000" bIns="45000" anchor="ctr">
+            <a:noAutofit/>
+          </a:bodyPr>
+          <a:p>
+            <a:pPr>
+              <a:lnSpc>
+                <a:spcPct val="100000"/>
+              </a:lnSpc>
+            </a:pPr>
+            <a:r>
+              <a:rPr b="0" lang="en-US" sz="1600" spc="-1" strike="noStrike">
+                <a:solidFill>
+                  <a:schemeClr val="lt1"/>
+                </a:solidFill>
+                <a:latin typeface="Calibri"/>
+                <a:ea typeface="DejaVu Sans"/>
+              </a:rPr>
+              <a:t>Program Başlar</a:t>
+            </a:r>
+            <a:endParaRPr b="0" lang="en-US" sz="1600" spc="-1" strike="noStrike">
+              <a:solidFill>
+                <a:srgbClr val="ffffff"/>
+              </a:solidFill>
+              <a:latin typeface="Arial"/>
+            </a:endParaRPr>
+          </a:p>
+          <a:p>
+            <a:pPr>
+              <a:lnSpc>
+                <a:spcPct val="100000"/>
+              </a:lnSpc>
+            </a:pPr>
+            <a:r>
+              <a:rPr b="0" lang="en-US" sz="1600" spc="-1" strike="noStrike">
+                <a:solidFill>
+                  <a:schemeClr val="lt1"/>
+                </a:solidFill>
+                <a:latin typeface="Calibri"/>
+                <a:ea typeface="DejaVu Sans"/>
+              </a:rPr>
+              <a:t>↓</a:t>
+            </a:r>
+            <a:endParaRPr b="0" lang="en-US" sz="1600" spc="-1" strike="noStrike">
+              <a:solidFill>
+                <a:srgbClr val="ffffff"/>
+              </a:solidFill>
+              <a:latin typeface="Arial"/>
+            </a:endParaRPr>
+          </a:p>
+          <a:p>
+            <a:pPr>
+              <a:lnSpc>
+                <a:spcPct val="100000"/>
+              </a:lnSpc>
+            </a:pPr>
+            <a:r>
+              <a:rPr b="0" lang="en-US" sz="1600" spc="-1" strike="noStrike">
+                <a:solidFill>
+                  <a:schemeClr val="lt1"/>
+                </a:solidFill>
+                <a:latin typeface="Calibri"/>
+                <a:ea typeface="DejaVu Sans"/>
+              </a:rPr>
+              <a:t>JVM main() metodunu arar</a:t>
+            </a:r>
+            <a:endParaRPr b="0" lang="en-US" sz="1600" spc="-1" strike="noStrike">
+              <a:solidFill>
+                <a:srgbClr val="ffffff"/>
+              </a:solidFill>
+              <a:latin typeface="Arial"/>
+            </a:endParaRPr>
+          </a:p>
+          <a:p>
+            <a:pPr>
+              <a:lnSpc>
+                <a:spcPct val="100000"/>
+              </a:lnSpc>
+            </a:pPr>
+            <a:r>
+              <a:rPr b="0" lang="en-US" sz="1600" spc="-1" strike="noStrike">
+                <a:solidFill>
+                  <a:schemeClr val="lt1"/>
+                </a:solidFill>
+                <a:latin typeface="Calibri"/>
+                <a:ea typeface="DejaVu Sans"/>
+              </a:rPr>
+              <a:t>↓</a:t>
+            </a:r>
+            <a:endParaRPr b="0" lang="en-US" sz="1600" spc="-1" strike="noStrike">
+              <a:solidFill>
+                <a:srgbClr val="ffffff"/>
+              </a:solidFill>
+              <a:latin typeface="Arial"/>
+            </a:endParaRPr>
+          </a:p>
+          <a:p>
+            <a:pPr>
+              <a:lnSpc>
+                <a:spcPct val="100000"/>
+              </a:lnSpc>
+            </a:pPr>
+            <a:r>
+              <a:rPr b="0" lang="en-US" sz="1600" spc="-1" strike="noStrike">
+                <a:solidFill>
+                  <a:schemeClr val="lt1"/>
+                </a:solidFill>
+                <a:latin typeface="Calibri"/>
+                <a:ea typeface="DejaVu Sans"/>
+              </a:rPr>
+              <a:t>main() içindeki komutlar çalışır</a:t>
+            </a:r>
+            <a:endParaRPr b="0" lang="en-US" sz="1600" spc="-1" strike="noStrike">
+              <a:solidFill>
+                <a:srgbClr val="ffffff"/>
+              </a:solidFill>
+              <a:latin typeface="Arial"/>
+            </a:endParaRPr>
+          </a:p>
+          <a:p>
+            <a:pPr>
+              <a:lnSpc>
+                <a:spcPct val="100000"/>
+              </a:lnSpc>
+            </a:pPr>
+            <a:r>
+              <a:rPr b="0" lang="en-US" sz="1600" spc="-1" strike="noStrike">
+                <a:solidFill>
+                  <a:schemeClr val="lt1"/>
+                </a:solidFill>
+                <a:latin typeface="Calibri"/>
+                <a:ea typeface="DejaVu Sans"/>
+              </a:rPr>
+              <a:t>↓</a:t>
+            </a:r>
+            <a:endParaRPr b="0" lang="en-US" sz="1600" spc="-1" strike="noStrike">
+              <a:solidFill>
+                <a:srgbClr val="ffffff"/>
+              </a:solidFill>
+              <a:latin typeface="Arial"/>
+            </a:endParaRPr>
+          </a:p>
+          <a:p>
+            <a:pPr>
+              <a:lnSpc>
+                <a:spcPct val="100000"/>
+              </a:lnSpc>
+            </a:pPr>
+            <a:r>
+              <a:rPr b="0" lang="en-US" sz="1600" spc="-1" strike="noStrike">
+                <a:solidFill>
+                  <a:schemeClr val="lt1"/>
+                </a:solidFill>
+                <a:latin typeface="Calibri"/>
+                <a:ea typeface="DejaVu Sans"/>
+              </a:rPr>
+              <a:t>System.out.println() çalışır</a:t>
+            </a:r>
+            <a:endParaRPr b="0" lang="en-US" sz="1600" spc="-1" strike="noStrike">
+              <a:solidFill>
+                <a:srgbClr val="ffffff"/>
+              </a:solidFill>
+              <a:latin typeface="Arial"/>
+            </a:endParaRPr>
+          </a:p>
+          <a:p>
+            <a:pPr>
+              <a:lnSpc>
+                <a:spcPct val="100000"/>
+              </a:lnSpc>
+            </a:pPr>
+            <a:r>
+              <a:rPr b="0" lang="en-US" sz="1600" spc="-1" strike="noStrike">
+                <a:solidFill>
+                  <a:schemeClr val="lt1"/>
+                </a:solidFill>
+                <a:latin typeface="Calibri"/>
+                <a:ea typeface="DejaVu Sans"/>
+              </a:rPr>
+              <a:t>↓</a:t>
+            </a:r>
+            <a:endParaRPr b="0" lang="en-US" sz="1600" spc="-1" strike="noStrike">
+              <a:solidFill>
+                <a:srgbClr val="ffffff"/>
+              </a:solidFill>
+              <a:latin typeface="Arial"/>
+            </a:endParaRPr>
+          </a:p>
+          <a:p>
+            <a:pPr>
+              <a:lnSpc>
+                <a:spcPct val="100000"/>
+              </a:lnSpc>
+            </a:pPr>
+            <a:r>
+              <a:rPr b="0" lang="en-US" sz="1600" spc="-1" strike="noStrike">
+                <a:solidFill>
+                  <a:schemeClr val="lt1"/>
+                </a:solidFill>
+                <a:latin typeface="Calibri"/>
+                <a:ea typeface="DejaVu Sans"/>
+              </a:rPr>
+              <a:t>Metin konsolda görüntülenir</a:t>
+            </a:r>
+            <a:endParaRPr b="0" lang="en-US" sz="1600" spc="-1" strike="noStrike">
+              <a:solidFill>
+                <a:srgbClr val="ffffff"/>
+              </a:solidFill>
+              <a:latin typeface="Arial"/>
+            </a:endParaRPr>
+          </a:p>
+        </p:txBody>
+      </p:sp>
+      <p:sp>
+        <p:nvSpPr>
+          <p:cNvPr id="581" name="Rounded Rectangle 97"/>
+          <p:cNvSpPr/>
+          <p:nvPr/>
+        </p:nvSpPr>
+        <p:spPr>
+          <a:xfrm>
+            <a:off x="8028360" y="3182040"/>
+            <a:ext cx="3290400" cy="2741760"/>
+          </a:xfrm>
+          <a:prstGeom prst="roundRect">
+            <a:avLst>
+              <a:gd name="adj" fmla="val 16667"/>
+            </a:avLst>
+          </a:prstGeom>
+          <a:solidFill>
+            <a:srgbClr val="08080a"/>
+          </a:solidFill>
+          <a:ln>
+            <a:noFill/>
+          </a:ln>
+          <a:effectLst>
+            <a:outerShdw blurRad="39960" dir="5400000" dist="23040" rotWithShape="0">
+              <a:srgbClr val="000000">
+                <a:alpha val="35000"/>
+              </a:srgbClr>
+            </a:outerShdw>
+          </a:effectLst>
+        </p:spPr>
+        <p:style>
+          <a:lnRef idx="1">
+            <a:schemeClr val="accent1"/>
+          </a:lnRef>
+          <a:fillRef idx="3">
+            <a:schemeClr val="accent1"/>
+          </a:fillRef>
+          <a:effectRef idx="2">
+            <a:schemeClr val="accent1"/>
+          </a:effectRef>
+          <a:fontRef idx="minor"/>
+        </p:style>
+        <p:txBody>
+          <a:bodyPr lIns="90000" rIns="90000" tIns="45000" bIns="45000" anchor="ctr">
+            <a:noAutofit/>
+          </a:bodyPr>
+          <a:p>
+            <a:endParaRPr b="0" lang="en-US" sz="1800" spc="-1" strike="noStrike">
+              <a:solidFill>
+                <a:schemeClr val="lt1"/>
+              </a:solidFill>
+              <a:latin typeface="Calibri"/>
+              <a:ea typeface="DejaVu Sans"/>
+            </a:endParaRPr>
+          </a:p>
+        </p:txBody>
+      </p:sp>
+      <p:sp>
+        <p:nvSpPr>
+          <p:cNvPr id="582" name="Rounded Rectangle 98"/>
+          <p:cNvSpPr/>
+          <p:nvPr/>
+        </p:nvSpPr>
+        <p:spPr>
+          <a:xfrm>
+            <a:off x="7955280" y="3108960"/>
+            <a:ext cx="3290400" cy="2741760"/>
+          </a:xfrm>
+          <a:prstGeom prst="roundRect">
+            <a:avLst>
+              <a:gd name="adj" fmla="val 16667"/>
+            </a:avLst>
+          </a:prstGeom>
+          <a:solidFill>
+            <a:srgbClr val="16161c"/>
+          </a:solidFill>
+          <a:ln>
+            <a:solidFill>
+              <a:srgbClr val="464655"/>
+            </a:solidFill>
+            <a:round/>
+          </a:ln>
+          <a:effectLst>
+            <a:outerShdw blurRad="39960" dir="5400000" dist="23040" rotWithShape="0">
+              <a:srgbClr val="000000">
+                <a:alpha val="35000"/>
+              </a:srgbClr>
+            </a:outerShdw>
+          </a:effectLst>
+        </p:spPr>
+        <p:style>
+          <a:lnRef idx="1">
+            <a:schemeClr val="accent1"/>
+          </a:lnRef>
+          <a:fillRef idx="3">
+            <a:schemeClr val="accent1"/>
+          </a:fillRef>
+          <a:effectRef idx="2">
+            <a:schemeClr val="accent1"/>
+          </a:effectRef>
+          <a:fontRef idx="minor"/>
+        </p:style>
+        <p:txBody>
+          <a:bodyPr lIns="90000" rIns="90000" tIns="45000" bIns="45000" anchor="ctr">
+            <a:noAutofit/>
+          </a:bodyPr>
+          <a:p>
+            <a:pPr algn="ctr">
+              <a:lnSpc>
+                <a:spcPct val="100000"/>
+              </a:lnSpc>
+            </a:pPr>
+            <a:endParaRPr b="0" lang="en-US" sz="1600" spc="-1" strike="noStrike">
+              <a:solidFill>
+                <a:srgbClr val="ffffff"/>
+              </a:solidFill>
+              <a:latin typeface="Arial"/>
+            </a:endParaRPr>
+          </a:p>
+          <a:p>
+            <a:pPr algn="ctr">
+              <a:lnSpc>
+                <a:spcPct val="100000"/>
+              </a:lnSpc>
+            </a:pPr>
+            <a:endParaRPr b="0" lang="en-US" sz="1600" spc="-1" strike="noStrike">
+              <a:solidFill>
+                <a:srgbClr val="ffffff"/>
+              </a:solidFill>
+              <a:latin typeface="Arial"/>
+            </a:endParaRPr>
+          </a:p>
+          <a:p>
+            <a:pPr algn="ctr">
+              <a:lnSpc>
+                <a:spcPct val="100000"/>
+              </a:lnSpc>
+            </a:pPr>
+            <a:r>
+              <a:rPr b="0" lang="en-US" sz="1600" spc="-1" strike="noStrike">
+                <a:solidFill>
+                  <a:srgbClr val="78ffc8"/>
+                </a:solidFill>
+                <a:latin typeface="Consolas"/>
+                <a:ea typeface="DejaVu Sans"/>
+              </a:rPr>
+              <a:t>public class HelloWorld {</a:t>
+            </a:r>
+            <a:endParaRPr b="0" lang="en-US" sz="1600" spc="-1" strike="noStrike">
+              <a:solidFill>
+                <a:srgbClr val="ffffff"/>
+              </a:solidFill>
+              <a:latin typeface="Arial"/>
+            </a:endParaRPr>
+          </a:p>
+          <a:p>
+            <a:pPr algn="ctr">
+              <a:lnSpc>
+                <a:spcPct val="100000"/>
+              </a:lnSpc>
+            </a:pPr>
+            <a:endParaRPr b="0" lang="en-US" sz="1600" spc="-1" strike="noStrike">
+              <a:solidFill>
+                <a:srgbClr val="ffffff"/>
+              </a:solidFill>
+              <a:latin typeface="Arial"/>
+            </a:endParaRPr>
+          </a:p>
+          <a:p>
+            <a:pPr algn="ctr">
+              <a:lnSpc>
+                <a:spcPct val="100000"/>
+              </a:lnSpc>
+            </a:pPr>
+            <a:r>
+              <a:rPr b="0" lang="en-US" sz="1600" spc="-1" strike="noStrike">
+                <a:solidFill>
+                  <a:srgbClr val="78ffc8"/>
+                </a:solidFill>
+                <a:latin typeface="Consolas"/>
+                <a:ea typeface="DejaVu Sans"/>
+              </a:rPr>
+              <a:t>    </a:t>
+            </a:r>
+            <a:r>
+              <a:rPr b="0" lang="en-US" sz="1600" spc="-1" strike="noStrike">
+                <a:solidFill>
+                  <a:srgbClr val="78ffc8"/>
+                </a:solidFill>
+                <a:latin typeface="Consolas"/>
+                <a:ea typeface="DejaVu Sans"/>
+              </a:rPr>
+              <a:t>public static void main(String[] args) {</a:t>
+            </a:r>
+            <a:endParaRPr b="0" lang="en-US" sz="1600" spc="-1" strike="noStrike">
+              <a:solidFill>
+                <a:srgbClr val="ffffff"/>
+              </a:solidFill>
+              <a:latin typeface="Arial"/>
+            </a:endParaRPr>
+          </a:p>
+          <a:p>
+            <a:pPr algn="ctr">
+              <a:lnSpc>
+                <a:spcPct val="100000"/>
+              </a:lnSpc>
+            </a:pPr>
+            <a:r>
+              <a:rPr b="0" lang="en-US" sz="1600" spc="-1" strike="noStrike">
+                <a:solidFill>
+                  <a:srgbClr val="78ffc8"/>
+                </a:solidFill>
+                <a:latin typeface="Consolas"/>
+                <a:ea typeface="DejaVu Sans"/>
+              </a:rPr>
+              <a:t>        </a:t>
+            </a:r>
+            <a:r>
+              <a:rPr b="0" lang="en-US" sz="1600" spc="-1" strike="noStrike">
+                <a:solidFill>
+                  <a:srgbClr val="78ffc8"/>
+                </a:solidFill>
+                <a:latin typeface="Consolas"/>
+                <a:ea typeface="DejaVu Sans"/>
+              </a:rPr>
+              <a:t>System.out.println("Hello World");</a:t>
+            </a:r>
+            <a:endParaRPr b="0" lang="en-US" sz="1600" spc="-1" strike="noStrike">
+              <a:solidFill>
+                <a:srgbClr val="ffffff"/>
+              </a:solidFill>
+              <a:latin typeface="Arial"/>
+            </a:endParaRPr>
+          </a:p>
+          <a:p>
+            <a:pPr algn="ctr">
+              <a:lnSpc>
+                <a:spcPct val="100000"/>
+              </a:lnSpc>
+            </a:pPr>
+            <a:r>
+              <a:rPr b="0" lang="en-US" sz="1600" spc="-1" strike="noStrike">
+                <a:solidFill>
+                  <a:srgbClr val="78ffc8"/>
+                </a:solidFill>
+                <a:latin typeface="Consolas"/>
+                <a:ea typeface="DejaVu Sans"/>
+              </a:rPr>
+              <a:t>    </a:t>
+            </a:r>
+            <a:r>
+              <a:rPr b="0" lang="en-US" sz="1600" spc="-1" strike="noStrike">
+                <a:solidFill>
+                  <a:srgbClr val="78ffc8"/>
+                </a:solidFill>
+                <a:latin typeface="Consolas"/>
+                <a:ea typeface="DejaVu Sans"/>
+              </a:rPr>
+              <a:t>}</a:t>
+            </a:r>
+            <a:endParaRPr b="0" lang="en-US" sz="1600" spc="-1" strike="noStrike">
+              <a:solidFill>
+                <a:srgbClr val="ffffff"/>
+              </a:solidFill>
+              <a:latin typeface="Arial"/>
+            </a:endParaRPr>
+          </a:p>
+          <a:p>
+            <a:pPr algn="ctr">
+              <a:lnSpc>
+                <a:spcPct val="100000"/>
+              </a:lnSpc>
+            </a:pPr>
+            <a:endParaRPr b="0" lang="en-US" sz="1600" spc="-1" strike="noStrike">
+              <a:solidFill>
+                <a:srgbClr val="ffffff"/>
+              </a:solidFill>
+              <a:latin typeface="Arial"/>
+            </a:endParaRPr>
+          </a:p>
+          <a:p>
+            <a:pPr algn="ctr">
+              <a:lnSpc>
+                <a:spcPct val="100000"/>
+              </a:lnSpc>
+            </a:pPr>
+            <a:r>
+              <a:rPr b="0" lang="en-US" sz="1600" spc="-1" strike="noStrike">
+                <a:solidFill>
+                  <a:srgbClr val="78ffc8"/>
+                </a:solidFill>
+                <a:latin typeface="Consolas"/>
+                <a:ea typeface="DejaVu Sans"/>
+              </a:rPr>
+              <a:t>}</a:t>
+            </a:r>
+            <a:endParaRPr b="0" lang="en-US" sz="1600" spc="-1" strike="noStrike">
+              <a:solidFill>
+                <a:srgbClr val="ffffff"/>
+              </a:solidFill>
+              <a:latin typeface="Arial"/>
+            </a:endParaRPr>
+          </a:p>
+          <a:p>
+            <a:pPr algn="ctr">
+              <a:lnSpc>
+                <a:spcPct val="100000"/>
+              </a:lnSpc>
+            </a:pPr>
+            <a:endParaRPr b="0" lang="en-US" sz="1600" spc="-1" strike="noStrike">
+              <a:solidFill>
+                <a:srgbClr val="ffffff"/>
+              </a:solidFill>
+              <a:latin typeface="Arial"/>
+            </a:endParaRPr>
+          </a:p>
+          <a:p>
+            <a:pPr algn="ctr">
+              <a:lnSpc>
+                <a:spcPct val="100000"/>
+              </a:lnSpc>
+            </a:pPr>
+            <a:endParaRPr b="0" lang="en-US" sz="1600" spc="-1" strike="noStrike">
+              <a:solidFill>
+                <a:srgbClr val="ffffff"/>
+              </a:solidFill>
+              <a:latin typeface="Arial"/>
+            </a:endParaRPr>
+          </a:p>
+        </p:txBody>
+      </p:sp>
+      <p:sp>
+        <p:nvSpPr>
+          <p:cNvPr id="583" name="TextBox 42"/>
+          <p:cNvSpPr/>
+          <p:nvPr/>
+        </p:nvSpPr>
+        <p:spPr>
+          <a:xfrm>
+            <a:off x="4600080" y="6446520"/>
+            <a:ext cx="3051360" cy="363960"/>
           </a:xfrm>
           <a:prstGeom prst="rect">
             <a:avLst/>
@@ -27486,7 +29729,7 @@
         <p:spPr>
           <a:xfrm>
             <a:off x="0" y="0"/>
-            <a:ext cx="12184920" cy="6854040"/>
+            <a:ext cx="12184560" cy="6853680"/>
           </a:xfrm>
           <a:prstGeom prst="rect">
             <a:avLst/>
@@ -27546,7 +29789,7 @@
         <p:spPr>
           <a:xfrm>
             <a:off x="0" y="0"/>
-            <a:ext cx="14400" cy="6854040"/>
+            <a:ext cx="14040" cy="6853680"/>
           </a:xfrm>
           <a:prstGeom prst="rect">
             <a:avLst/>
@@ -27606,7 +29849,7 @@
         <p:spPr>
           <a:xfrm>
             <a:off x="914400" y="0"/>
-            <a:ext cx="14400" cy="6854040"/>
+            <a:ext cx="14040" cy="6853680"/>
           </a:xfrm>
           <a:prstGeom prst="rect">
             <a:avLst/>
@@ -27666,7 +29909,7 @@
         <p:spPr>
           <a:xfrm>
             <a:off x="1828800" y="0"/>
-            <a:ext cx="14400" cy="6854040"/>
+            <a:ext cx="14040" cy="6853680"/>
           </a:xfrm>
           <a:prstGeom prst="rect">
             <a:avLst/>
@@ -27726,7 +29969,7 @@
         <p:spPr>
           <a:xfrm>
             <a:off x="2743200" y="0"/>
-            <a:ext cx="14400" cy="6854040"/>
+            <a:ext cx="14040" cy="6853680"/>
           </a:xfrm>
           <a:prstGeom prst="rect">
             <a:avLst/>
@@ -27786,7 +30029,7 @@
         <p:spPr>
           <a:xfrm>
             <a:off x="3657600" y="0"/>
-            <a:ext cx="14400" cy="6854040"/>
+            <a:ext cx="14040" cy="6853680"/>
           </a:xfrm>
           <a:prstGeom prst="rect">
             <a:avLst/>
@@ -27846,7 +30089,7 @@
         <p:spPr>
           <a:xfrm>
             <a:off x="4572000" y="0"/>
-            <a:ext cx="14400" cy="6854040"/>
+            <a:ext cx="14040" cy="6853680"/>
           </a:xfrm>
           <a:prstGeom prst="rect">
             <a:avLst/>
@@ -27906,7 +30149,7 @@
         <p:spPr>
           <a:xfrm>
             <a:off x="5486400" y="0"/>
-            <a:ext cx="14400" cy="6854040"/>
+            <a:ext cx="14040" cy="6853680"/>
           </a:xfrm>
           <a:prstGeom prst="rect">
             <a:avLst/>
@@ -27966,7 +30209,7 @@
         <p:spPr>
           <a:xfrm>
             <a:off x="6400800" y="0"/>
-            <a:ext cx="14400" cy="6854040"/>
+            <a:ext cx="14040" cy="6853680"/>
           </a:xfrm>
           <a:prstGeom prst="rect">
             <a:avLst/>
@@ -28026,7 +30269,7 @@
         <p:spPr>
           <a:xfrm>
             <a:off x="7315200" y="0"/>
-            <a:ext cx="14400" cy="6854040"/>
+            <a:ext cx="14040" cy="6853680"/>
           </a:xfrm>
           <a:prstGeom prst="rect">
             <a:avLst/>
@@ -28086,7 +30329,7 @@
         <p:spPr>
           <a:xfrm>
             <a:off x="8229600" y="0"/>
-            <a:ext cx="14400" cy="6854040"/>
+            <a:ext cx="14040" cy="6853680"/>
           </a:xfrm>
           <a:prstGeom prst="rect">
             <a:avLst/>
@@ -28146,7 +30389,7 @@
         <p:spPr>
           <a:xfrm>
             <a:off x="9144000" y="0"/>
-            <a:ext cx="14400" cy="6854040"/>
+            <a:ext cx="14040" cy="6853680"/>
           </a:xfrm>
           <a:prstGeom prst="rect">
             <a:avLst/>
@@ -28206,7 +30449,7 @@
         <p:spPr>
           <a:xfrm>
             <a:off x="10058400" y="0"/>
-            <a:ext cx="14400" cy="6854040"/>
+            <a:ext cx="14040" cy="6853680"/>
           </a:xfrm>
           <a:prstGeom prst="rect">
             <a:avLst/>
@@ -28266,7 +30509,7 @@
         <p:spPr>
           <a:xfrm>
             <a:off x="10972800" y="0"/>
-            <a:ext cx="14400" cy="6854040"/>
+            <a:ext cx="14040" cy="6853680"/>
           </a:xfrm>
           <a:prstGeom prst="rect">
             <a:avLst/>
@@ -28326,7 +30569,7 @@
         <p:spPr>
           <a:xfrm>
             <a:off x="11887200" y="0"/>
-            <a:ext cx="14400" cy="6854040"/>
+            <a:ext cx="14040" cy="6853680"/>
           </a:xfrm>
           <a:prstGeom prst="rect">
             <a:avLst/>
@@ -28386,7 +30629,7 @@
         <p:spPr>
           <a:xfrm>
             <a:off x="0" y="0"/>
-            <a:ext cx="316080" cy="6854040"/>
+            <a:ext cx="315720" cy="6853680"/>
           </a:xfrm>
           <a:prstGeom prst="rect">
             <a:avLst/>
@@ -28446,7 +30689,7 @@
         <p:spPr>
           <a:xfrm>
             <a:off x="9875520" y="365760"/>
-            <a:ext cx="2007720" cy="498960"/>
+            <a:ext cx="2007360" cy="498600"/>
           </a:xfrm>
           <a:prstGeom prst="roundRect">
             <a:avLst>
@@ -28628,7 +30871,7 @@
         <p:spPr>
           <a:xfrm>
             <a:off x="987480" y="3182040"/>
-            <a:ext cx="3287880" cy="2739240"/>
+            <a:ext cx="3287520" cy="2738880"/>
           </a:xfrm>
           <a:prstGeom prst="roundRect">
             <a:avLst>
@@ -28690,7 +30933,7 @@
         <p:spPr>
           <a:xfrm>
             <a:off x="914400" y="3108960"/>
-            <a:ext cx="3287880" cy="2739240"/>
+            <a:ext cx="3287520" cy="2738880"/>
           </a:xfrm>
           <a:prstGeom prst="roundRect">
             <a:avLst>
@@ -28945,7 +31188,7 @@
         <p:spPr>
           <a:xfrm>
             <a:off x="4507920" y="3182040"/>
-            <a:ext cx="3287880" cy="2739240"/>
+            <a:ext cx="3287520" cy="2738880"/>
           </a:xfrm>
           <a:prstGeom prst="roundRect">
             <a:avLst>
@@ -29007,7 +31250,7 @@
         <p:spPr>
           <a:xfrm>
             <a:off x="4434840" y="3108960"/>
-            <a:ext cx="3287880" cy="2739240"/>
+            <a:ext cx="3287520" cy="2738880"/>
           </a:xfrm>
           <a:prstGeom prst="roundRect">
             <a:avLst>
@@ -29219,7 +31462,7 @@
         <p:spPr>
           <a:xfrm>
             <a:off x="8028360" y="3182040"/>
-            <a:ext cx="3287880" cy="2739240"/>
+            <a:ext cx="3287520" cy="2738880"/>
           </a:xfrm>
           <a:prstGeom prst="roundRect">
             <a:avLst>
@@ -29281,7 +31524,7 @@
         <p:spPr>
           <a:xfrm>
             <a:off x="7955280" y="3108960"/>
-            <a:ext cx="3287880" cy="2739240"/>
+            <a:ext cx="3287520" cy="2738880"/>
           </a:xfrm>
           <a:prstGeom prst="roundRect">
             <a:avLst>
@@ -29646,7 +31889,7 @@
         <p:spPr>
           <a:xfrm>
             <a:off x="0" y="0"/>
-            <a:ext cx="12185640" cy="6854760"/>
+            <a:ext cx="12185280" cy="6854400"/>
           </a:xfrm>
           <a:prstGeom prst="rect">
             <a:avLst/>
@@ -29706,7 +31949,7 @@
         <p:spPr>
           <a:xfrm>
             <a:off x="0" y="0"/>
-            <a:ext cx="15120" cy="6854760"/>
+            <a:ext cx="14760" cy="6854400"/>
           </a:xfrm>
           <a:prstGeom prst="rect">
             <a:avLst/>
@@ -29766,7 +32009,7 @@
         <p:spPr>
           <a:xfrm>
             <a:off x="914400" y="0"/>
-            <a:ext cx="15120" cy="6854760"/>
+            <a:ext cx="14760" cy="6854400"/>
           </a:xfrm>
           <a:prstGeom prst="rect">
             <a:avLst/>
@@ -29826,7 +32069,7 @@
         <p:spPr>
           <a:xfrm>
             <a:off x="1828800" y="0"/>
-            <a:ext cx="15120" cy="6854760"/>
+            <a:ext cx="14760" cy="6854400"/>
           </a:xfrm>
           <a:prstGeom prst="rect">
             <a:avLst/>
@@ -29886,7 +32129,7 @@
         <p:spPr>
           <a:xfrm>
             <a:off x="2743200" y="0"/>
-            <a:ext cx="15120" cy="6854760"/>
+            <a:ext cx="14760" cy="6854400"/>
           </a:xfrm>
           <a:prstGeom prst="rect">
             <a:avLst/>
@@ -29946,7 +32189,7 @@
         <p:spPr>
           <a:xfrm>
             <a:off x="3657600" y="0"/>
-            <a:ext cx="15120" cy="6854760"/>
+            <a:ext cx="14760" cy="6854400"/>
           </a:xfrm>
           <a:prstGeom prst="rect">
             <a:avLst/>
@@ -30006,7 +32249,7 @@
         <p:spPr>
           <a:xfrm>
             <a:off x="4572000" y="0"/>
-            <a:ext cx="15120" cy="6854760"/>
+            <a:ext cx="14760" cy="6854400"/>
           </a:xfrm>
           <a:prstGeom prst="rect">
             <a:avLst/>
@@ -30066,7 +32309,7 @@
         <p:spPr>
           <a:xfrm>
             <a:off x="5486400" y="0"/>
-            <a:ext cx="15120" cy="6854760"/>
+            <a:ext cx="14760" cy="6854400"/>
           </a:xfrm>
           <a:prstGeom prst="rect">
             <a:avLst/>
@@ -30126,7 +32369,7 @@
         <p:spPr>
           <a:xfrm>
             <a:off x="6400800" y="0"/>
-            <a:ext cx="15120" cy="6854760"/>
+            <a:ext cx="14760" cy="6854400"/>
           </a:xfrm>
           <a:prstGeom prst="rect">
             <a:avLst/>
@@ -30186,7 +32429,7 @@
         <p:spPr>
           <a:xfrm>
             <a:off x="7315200" y="0"/>
-            <a:ext cx="15120" cy="6854760"/>
+            <a:ext cx="14760" cy="6854400"/>
           </a:xfrm>
           <a:prstGeom prst="rect">
             <a:avLst/>
@@ -30246,7 +32489,7 @@
         <p:spPr>
           <a:xfrm>
             <a:off x="8229600" y="0"/>
-            <a:ext cx="15120" cy="6854760"/>
+            <a:ext cx="14760" cy="6854400"/>
           </a:xfrm>
           <a:prstGeom prst="rect">
             <a:avLst/>
@@ -30306,7 +32549,7 @@
         <p:spPr>
           <a:xfrm>
             <a:off x="9144000" y="0"/>
-            <a:ext cx="15120" cy="6854760"/>
+            <a:ext cx="14760" cy="6854400"/>
           </a:xfrm>
           <a:prstGeom prst="rect">
             <a:avLst/>
@@ -30366,7 +32609,7 @@
         <p:spPr>
           <a:xfrm>
             <a:off x="10058400" y="0"/>
-            <a:ext cx="15120" cy="6854760"/>
+            <a:ext cx="14760" cy="6854400"/>
           </a:xfrm>
           <a:prstGeom prst="rect">
             <a:avLst/>
@@ -30426,7 +32669,7 @@
         <p:spPr>
           <a:xfrm>
             <a:off x="10972800" y="0"/>
-            <a:ext cx="15120" cy="6854760"/>
+            <a:ext cx="14760" cy="6854400"/>
           </a:xfrm>
           <a:prstGeom prst="rect">
             <a:avLst/>
@@ -30486,7 +32729,7 @@
         <p:spPr>
           <a:xfrm>
             <a:off x="11887200" y="0"/>
-            <a:ext cx="15120" cy="6854760"/>
+            <a:ext cx="14760" cy="6854400"/>
           </a:xfrm>
           <a:prstGeom prst="rect">
             <a:avLst/>
@@ -30546,7 +32789,7 @@
         <p:spPr>
           <a:xfrm>
             <a:off x="0" y="0"/>
-            <a:ext cx="316800" cy="6854760"/>
+            <a:ext cx="316440" cy="6854400"/>
           </a:xfrm>
           <a:prstGeom prst="rect">
             <a:avLst/>
@@ -30606,7 +32849,7 @@
         <p:spPr>
           <a:xfrm>
             <a:off x="9875520" y="365760"/>
-            <a:ext cx="2008440" cy="499680"/>
+            <a:ext cx="2008080" cy="499320"/>
           </a:xfrm>
           <a:prstGeom prst="roundRect">
             <a:avLst>
@@ -30788,7 +33031,7 @@
         <p:spPr>
           <a:xfrm>
             <a:off x="987480" y="3182040"/>
-            <a:ext cx="3288600" cy="2739960"/>
+            <a:ext cx="3288240" cy="2739600"/>
           </a:xfrm>
           <a:prstGeom prst="roundRect">
             <a:avLst>
@@ -30850,7 +33093,7 @@
         <p:spPr>
           <a:xfrm>
             <a:off x="475560" y="2743200"/>
-            <a:ext cx="3727440" cy="3105720"/>
+            <a:ext cx="3727080" cy="3105360"/>
           </a:xfrm>
           <a:prstGeom prst="roundRect">
             <a:avLst>
@@ -31127,7 +33370,7 @@
         <p:spPr>
           <a:xfrm>
             <a:off x="4507920" y="3182040"/>
-            <a:ext cx="3288600" cy="2739960"/>
+            <a:ext cx="3288240" cy="2739600"/>
           </a:xfrm>
           <a:prstGeom prst="roundRect">
             <a:avLst>
@@ -31189,7 +33432,7 @@
         <p:spPr>
           <a:xfrm>
             <a:off x="4343400" y="2918520"/>
-            <a:ext cx="3517200" cy="2930400"/>
+            <a:ext cx="3516840" cy="2930040"/>
           </a:xfrm>
           <a:prstGeom prst="roundRect">
             <a:avLst>
@@ -31651,7 +33894,7 @@
         <p:spPr>
           <a:xfrm>
             <a:off x="8028360" y="3182040"/>
-            <a:ext cx="3288600" cy="2739960"/>
+            <a:ext cx="3288240" cy="2739600"/>
           </a:xfrm>
           <a:prstGeom prst="roundRect">
             <a:avLst>
@@ -31713,7 +33956,7 @@
         <p:spPr>
           <a:xfrm>
             <a:off x="8023680" y="2743200"/>
-            <a:ext cx="3838680" cy="3198240"/>
+            <a:ext cx="3838320" cy="3197880"/>
           </a:xfrm>
           <a:prstGeom prst="roundRect">
             <a:avLst>
@@ -32269,7 +34512,7 @@
         <p:spPr>
           <a:xfrm>
             <a:off x="0" y="0"/>
-            <a:ext cx="12186000" cy="6855120"/>
+            <a:ext cx="12185640" cy="6854760"/>
           </a:xfrm>
           <a:prstGeom prst="rect">
             <a:avLst/>
@@ -32329,7 +34572,7 @@
         <p:spPr>
           <a:xfrm>
             <a:off x="0" y="0"/>
-            <a:ext cx="15480" cy="6855120"/>
+            <a:ext cx="15120" cy="6854760"/>
           </a:xfrm>
           <a:prstGeom prst="rect">
             <a:avLst/>
@@ -32389,7 +34632,7 @@
         <p:spPr>
           <a:xfrm>
             <a:off x="914400" y="0"/>
-            <a:ext cx="15480" cy="6855120"/>
+            <a:ext cx="15120" cy="6854760"/>
           </a:xfrm>
           <a:prstGeom prst="rect">
             <a:avLst/>
@@ -32449,7 +34692,7 @@
         <p:spPr>
           <a:xfrm>
             <a:off x="1828800" y="0"/>
-            <a:ext cx="15480" cy="6855120"/>
+            <a:ext cx="15120" cy="6854760"/>
           </a:xfrm>
           <a:prstGeom prst="rect">
             <a:avLst/>
@@ -32509,7 +34752,7 @@
         <p:spPr>
           <a:xfrm>
             <a:off x="2743200" y="0"/>
-            <a:ext cx="15480" cy="6855120"/>
+            <a:ext cx="15120" cy="6854760"/>
           </a:xfrm>
           <a:prstGeom prst="rect">
             <a:avLst/>
@@ -32569,7 +34812,7 @@
         <p:spPr>
           <a:xfrm>
             <a:off x="3657600" y="0"/>
-            <a:ext cx="15480" cy="6855120"/>
+            <a:ext cx="15120" cy="6854760"/>
           </a:xfrm>
           <a:prstGeom prst="rect">
             <a:avLst/>
@@ -32629,7 +34872,7 @@
         <p:spPr>
           <a:xfrm>
             <a:off x="4572000" y="0"/>
-            <a:ext cx="15480" cy="6855120"/>
+            <a:ext cx="15120" cy="6854760"/>
           </a:xfrm>
           <a:prstGeom prst="rect">
             <a:avLst/>
@@ -32689,7 +34932,7 @@
         <p:spPr>
           <a:xfrm>
             <a:off x="5486400" y="0"/>
-            <a:ext cx="15480" cy="6855120"/>
+            <a:ext cx="15120" cy="6854760"/>
           </a:xfrm>
           <a:prstGeom prst="rect">
             <a:avLst/>
@@ -32749,7 +34992,7 @@
         <p:spPr>
           <a:xfrm>
             <a:off x="6400800" y="0"/>
-            <a:ext cx="15480" cy="6855120"/>
+            <a:ext cx="15120" cy="6854760"/>
           </a:xfrm>
           <a:prstGeom prst="rect">
             <a:avLst/>
@@ -32809,7 +35052,7 @@
         <p:spPr>
           <a:xfrm>
             <a:off x="7315200" y="0"/>
-            <a:ext cx="15480" cy="6855120"/>
+            <a:ext cx="15120" cy="6854760"/>
           </a:xfrm>
           <a:prstGeom prst="rect">
             <a:avLst/>
@@ -32869,7 +35112,7 @@
         <p:spPr>
           <a:xfrm>
             <a:off x="8229600" y="0"/>
-            <a:ext cx="15480" cy="6855120"/>
+            <a:ext cx="15120" cy="6854760"/>
           </a:xfrm>
           <a:prstGeom prst="rect">
             <a:avLst/>
@@ -32929,7 +35172,7 @@
         <p:spPr>
           <a:xfrm>
             <a:off x="9144000" y="0"/>
-            <a:ext cx="15480" cy="6855120"/>
+            <a:ext cx="15120" cy="6854760"/>
           </a:xfrm>
           <a:prstGeom prst="rect">
             <a:avLst/>
@@ -32989,7 +35232,7 @@
         <p:spPr>
           <a:xfrm>
             <a:off x="10058400" y="0"/>
-            <a:ext cx="15480" cy="6855120"/>
+            <a:ext cx="15120" cy="6854760"/>
           </a:xfrm>
           <a:prstGeom prst="rect">
             <a:avLst/>
@@ -33049,7 +35292,7 @@
         <p:spPr>
           <a:xfrm>
             <a:off x="10972800" y="0"/>
-            <a:ext cx="15480" cy="6855120"/>
+            <a:ext cx="15120" cy="6854760"/>
           </a:xfrm>
           <a:prstGeom prst="rect">
             <a:avLst/>
@@ -33109,7 +35352,7 @@
         <p:spPr>
           <a:xfrm>
             <a:off x="11887200" y="0"/>
-            <a:ext cx="15480" cy="6855120"/>
+            <a:ext cx="15120" cy="6854760"/>
           </a:xfrm>
           <a:prstGeom prst="rect">
             <a:avLst/>
@@ -33169,7 +35412,7 @@
         <p:spPr>
           <a:xfrm>
             <a:off x="0" y="0"/>
-            <a:ext cx="317160" cy="6855120"/>
+            <a:ext cx="316800" cy="6854760"/>
           </a:xfrm>
           <a:prstGeom prst="rect">
             <a:avLst/>
@@ -33229,7 +35472,7 @@
         <p:spPr>
           <a:xfrm>
             <a:off x="9875520" y="365760"/>
-            <a:ext cx="2008800" cy="500040"/>
+            <a:ext cx="2008440" cy="499680"/>
           </a:xfrm>
           <a:prstGeom prst="roundRect">
             <a:avLst>
@@ -33411,7 +35654,7 @@
         <p:spPr>
           <a:xfrm>
             <a:off x="987480" y="3182040"/>
-            <a:ext cx="3288960" cy="2740320"/>
+            <a:ext cx="3288600" cy="2739960"/>
           </a:xfrm>
           <a:prstGeom prst="roundRect">
             <a:avLst>
@@ -33473,7 +35716,7 @@
         <p:spPr>
           <a:xfrm>
             <a:off x="685800" y="2971800"/>
-            <a:ext cx="3517560" cy="3198600"/>
+            <a:ext cx="3517200" cy="3198240"/>
           </a:xfrm>
           <a:prstGeom prst="roundRect">
             <a:avLst>
@@ -33859,7 +36102,7 @@
         <p:spPr>
           <a:xfrm>
             <a:off x="4507920" y="3182040"/>
-            <a:ext cx="3288960" cy="2740320"/>
+            <a:ext cx="3288600" cy="2739960"/>
           </a:xfrm>
           <a:prstGeom prst="roundRect">
             <a:avLst>
@@ -33921,7 +36164,7 @@
         <p:spPr>
           <a:xfrm>
             <a:off x="4434840" y="3108960"/>
-            <a:ext cx="3288960" cy="2740320"/>
+            <a:ext cx="3288600" cy="2739960"/>
           </a:xfrm>
           <a:prstGeom prst="roundRect">
             <a:avLst>
@@ -34367,7 +36610,7 @@
         <p:spPr>
           <a:xfrm>
             <a:off x="8028360" y="3182040"/>
-            <a:ext cx="3288960" cy="2740320"/>
+            <a:ext cx="3288600" cy="2739960"/>
           </a:xfrm>
           <a:prstGeom prst="roundRect">
             <a:avLst>
@@ -34429,7 +36672,7 @@
         <p:spPr>
           <a:xfrm>
             <a:off x="7955280" y="3108960"/>
-            <a:ext cx="3288960" cy="2740320"/>
+            <a:ext cx="3288600" cy="2739960"/>
           </a:xfrm>
           <a:prstGeom prst="roundRect">
             <a:avLst>
@@ -34905,7 +37148,7 @@
         <p:spPr>
           <a:xfrm>
             <a:off x="0" y="0"/>
-            <a:ext cx="12186360" cy="6855480"/>
+            <a:ext cx="12186000" cy="6855120"/>
           </a:xfrm>
           <a:prstGeom prst="rect">
             <a:avLst/>
@@ -34965,7 +37208,7 @@
         <p:spPr>
           <a:xfrm>
             <a:off x="0" y="0"/>
-            <a:ext cx="15840" cy="6855480"/>
+            <a:ext cx="15480" cy="6855120"/>
           </a:xfrm>
           <a:prstGeom prst="rect">
             <a:avLst/>
@@ -35025,7 +37268,7 @@
         <p:spPr>
           <a:xfrm>
             <a:off x="914400" y="0"/>
-            <a:ext cx="15840" cy="6855480"/>
+            <a:ext cx="15480" cy="6855120"/>
           </a:xfrm>
           <a:prstGeom prst="rect">
             <a:avLst/>
@@ -35085,7 +37328,7 @@
         <p:spPr>
           <a:xfrm>
             <a:off x="1828800" y="0"/>
-            <a:ext cx="15840" cy="6855480"/>
+            <a:ext cx="15480" cy="6855120"/>
           </a:xfrm>
           <a:prstGeom prst="rect">
             <a:avLst/>
@@ -35145,7 +37388,7 @@
         <p:spPr>
           <a:xfrm>
             <a:off x="2743200" y="0"/>
-            <a:ext cx="15840" cy="6855480"/>
+            <a:ext cx="15480" cy="6855120"/>
           </a:xfrm>
           <a:prstGeom prst="rect">
             <a:avLst/>
@@ -35205,7 +37448,7 @@
         <p:spPr>
           <a:xfrm>
             <a:off x="3657600" y="0"/>
-            <a:ext cx="15840" cy="6855480"/>
+            <a:ext cx="15480" cy="6855120"/>
           </a:xfrm>
           <a:prstGeom prst="rect">
             <a:avLst/>
@@ -35265,7 +37508,7 @@
         <p:spPr>
           <a:xfrm>
             <a:off x="4572000" y="0"/>
-            <a:ext cx="15840" cy="6855480"/>
+            <a:ext cx="15480" cy="6855120"/>
           </a:xfrm>
           <a:prstGeom prst="rect">
             <a:avLst/>
@@ -35325,7 +37568,7 @@
         <p:spPr>
           <a:xfrm>
             <a:off x="5486400" y="0"/>
-            <a:ext cx="15840" cy="6855480"/>
+            <a:ext cx="15480" cy="6855120"/>
           </a:xfrm>
           <a:prstGeom prst="rect">
             <a:avLst/>
@@ -35385,7 +37628,7 @@
         <p:spPr>
           <a:xfrm>
             <a:off x="6400800" y="0"/>
-            <a:ext cx="15840" cy="6855480"/>
+            <a:ext cx="15480" cy="6855120"/>
           </a:xfrm>
           <a:prstGeom prst="rect">
             <a:avLst/>
@@ -35445,7 +37688,7 @@
         <p:spPr>
           <a:xfrm>
             <a:off x="7315200" y="0"/>
-            <a:ext cx="15840" cy="6855480"/>
+            <a:ext cx="15480" cy="6855120"/>
           </a:xfrm>
           <a:prstGeom prst="rect">
             <a:avLst/>
@@ -35505,7 +37748,7 @@
         <p:spPr>
           <a:xfrm>
             <a:off x="8229600" y="0"/>
-            <a:ext cx="15840" cy="6855480"/>
+            <a:ext cx="15480" cy="6855120"/>
           </a:xfrm>
           <a:prstGeom prst="rect">
             <a:avLst/>
@@ -35565,7 +37808,7 @@
         <p:spPr>
           <a:xfrm>
             <a:off x="9144000" y="0"/>
-            <a:ext cx="15840" cy="6855480"/>
+            <a:ext cx="15480" cy="6855120"/>
           </a:xfrm>
           <a:prstGeom prst="rect">
             <a:avLst/>
@@ -35625,7 +37868,7 @@
         <p:spPr>
           <a:xfrm>
             <a:off x="10058400" y="0"/>
-            <a:ext cx="15840" cy="6855480"/>
+            <a:ext cx="15480" cy="6855120"/>
           </a:xfrm>
           <a:prstGeom prst="rect">
             <a:avLst/>
@@ -35685,7 +37928,7 @@
         <p:spPr>
           <a:xfrm>
             <a:off x="10972800" y="0"/>
-            <a:ext cx="15840" cy="6855480"/>
+            <a:ext cx="15480" cy="6855120"/>
           </a:xfrm>
           <a:prstGeom prst="rect">
             <a:avLst/>
@@ -35745,7 +37988,7 @@
         <p:spPr>
           <a:xfrm>
             <a:off x="11887200" y="0"/>
-            <a:ext cx="15840" cy="6855480"/>
+            <a:ext cx="15480" cy="6855120"/>
           </a:xfrm>
           <a:prstGeom prst="rect">
             <a:avLst/>
@@ -35805,7 +38048,7 @@
         <p:spPr>
           <a:xfrm>
             <a:off x="0" y="0"/>
-            <a:ext cx="317520" cy="6855480"/>
+            <a:ext cx="317160" cy="6855120"/>
           </a:xfrm>
           <a:prstGeom prst="rect">
             <a:avLst/>
@@ -35865,7 +38108,7 @@
         <p:spPr>
           <a:xfrm>
             <a:off x="9875520" y="365760"/>
-            <a:ext cx="2009160" cy="500400"/>
+            <a:ext cx="2008800" cy="500040"/>
           </a:xfrm>
           <a:prstGeom prst="roundRect">
             <a:avLst>
@@ -36070,7 +38313,7 @@
         <p:spPr>
           <a:xfrm>
             <a:off x="987480" y="3182040"/>
-            <a:ext cx="3289320" cy="2740680"/>
+            <a:ext cx="3288960" cy="2740320"/>
           </a:xfrm>
           <a:prstGeom prst="roundRect">
             <a:avLst>
@@ -36132,7 +38375,7 @@
         <p:spPr>
           <a:xfrm>
             <a:off x="914400" y="3108960"/>
-            <a:ext cx="3289320" cy="2740680"/>
+            <a:ext cx="3288960" cy="2740320"/>
           </a:xfrm>
           <a:prstGeom prst="roundRect">
             <a:avLst>
@@ -36278,7 +38521,7 @@
         <p:spPr>
           <a:xfrm>
             <a:off x="4507920" y="3182040"/>
-            <a:ext cx="3289320" cy="2740680"/>
+            <a:ext cx="3288960" cy="2740320"/>
           </a:xfrm>
           <a:prstGeom prst="roundRect">
             <a:avLst>
@@ -36340,7 +38583,7 @@
         <p:spPr>
           <a:xfrm>
             <a:off x="4434840" y="3108960"/>
-            <a:ext cx="3289320" cy="2740680"/>
+            <a:ext cx="3288960" cy="2740320"/>
           </a:xfrm>
           <a:prstGeom prst="roundRect">
             <a:avLst>
@@ -36558,7 +38801,7 @@
         <p:spPr>
           <a:xfrm>
             <a:off x="8028360" y="3182040"/>
-            <a:ext cx="3289320" cy="2740680"/>
+            <a:ext cx="3288960" cy="2740320"/>
           </a:xfrm>
           <a:prstGeom prst="roundRect">
             <a:avLst>
@@ -36620,7 +38863,7 @@
         <p:spPr>
           <a:xfrm>
             <a:off x="7955280" y="3108960"/>
-            <a:ext cx="3289320" cy="2740680"/>
+            <a:ext cx="3288960" cy="2740320"/>
           </a:xfrm>
           <a:prstGeom prst="roundRect">
             <a:avLst>
@@ -36824,7 +39067,7 @@
         <p:spPr>
           <a:xfrm>
             <a:off x="0" y="0"/>
-            <a:ext cx="12186360" cy="6855480"/>
+            <a:ext cx="12186000" cy="6855120"/>
           </a:xfrm>
           <a:prstGeom prst="rect">
             <a:avLst/>
@@ -36884,7 +39127,7 @@
         <p:spPr>
           <a:xfrm>
             <a:off x="0" y="0"/>
-            <a:ext cx="15840" cy="6855480"/>
+            <a:ext cx="15480" cy="6855120"/>
           </a:xfrm>
           <a:prstGeom prst="rect">
             <a:avLst/>
@@ -36944,7 +39187,7 @@
         <p:spPr>
           <a:xfrm>
             <a:off x="914400" y="0"/>
-            <a:ext cx="15840" cy="6855480"/>
+            <a:ext cx="15480" cy="6855120"/>
           </a:xfrm>
           <a:prstGeom prst="rect">
             <a:avLst/>
@@ -37004,7 +39247,7 @@
         <p:spPr>
           <a:xfrm>
             <a:off x="1828800" y="0"/>
-            <a:ext cx="15840" cy="6855480"/>
+            <a:ext cx="15480" cy="6855120"/>
           </a:xfrm>
           <a:prstGeom prst="rect">
             <a:avLst/>
@@ -37064,7 +39307,7 @@
         <p:spPr>
           <a:xfrm>
             <a:off x="2743200" y="0"/>
-            <a:ext cx="15840" cy="6855480"/>
+            <a:ext cx="15480" cy="6855120"/>
           </a:xfrm>
           <a:prstGeom prst="rect">
             <a:avLst/>
@@ -37124,7 +39367,7 @@
         <p:spPr>
           <a:xfrm>
             <a:off x="3657600" y="0"/>
-            <a:ext cx="15840" cy="6855480"/>
+            <a:ext cx="15480" cy="6855120"/>
           </a:xfrm>
           <a:prstGeom prst="rect">
             <a:avLst/>
@@ -37184,7 +39427,7 @@
         <p:spPr>
           <a:xfrm>
             <a:off x="4572000" y="0"/>
-            <a:ext cx="15840" cy="6855480"/>
+            <a:ext cx="15480" cy="6855120"/>
           </a:xfrm>
           <a:prstGeom prst="rect">
             <a:avLst/>
@@ -37244,7 +39487,7 @@
         <p:spPr>
           <a:xfrm>
             <a:off x="5486400" y="0"/>
-            <a:ext cx="15840" cy="6855480"/>
+            <a:ext cx="15480" cy="6855120"/>
           </a:xfrm>
           <a:prstGeom prst="rect">
             <a:avLst/>
@@ -37304,7 +39547,7 @@
         <p:spPr>
           <a:xfrm>
             <a:off x="6400800" y="0"/>
-            <a:ext cx="15840" cy="6855480"/>
+            <a:ext cx="15480" cy="6855120"/>
           </a:xfrm>
           <a:prstGeom prst="rect">
             <a:avLst/>
@@ -37364,7 +39607,7 @@
         <p:spPr>
           <a:xfrm>
             <a:off x="7315200" y="0"/>
-            <a:ext cx="15840" cy="6855480"/>
+            <a:ext cx="15480" cy="6855120"/>
           </a:xfrm>
           <a:prstGeom prst="rect">
             <a:avLst/>
@@ -37424,7 +39667,7 @@
         <p:spPr>
           <a:xfrm>
             <a:off x="8229600" y="0"/>
-            <a:ext cx="15840" cy="6855480"/>
+            <a:ext cx="15480" cy="6855120"/>
           </a:xfrm>
           <a:prstGeom prst="rect">
             <a:avLst/>
@@ -37484,7 +39727,7 @@
         <p:spPr>
           <a:xfrm>
             <a:off x="9144000" y="0"/>
-            <a:ext cx="15840" cy="6855480"/>
+            <a:ext cx="15480" cy="6855120"/>
           </a:xfrm>
           <a:prstGeom prst="rect">
             <a:avLst/>
@@ -37544,7 +39787,7 @@
         <p:spPr>
           <a:xfrm>
             <a:off x="10058400" y="0"/>
-            <a:ext cx="15840" cy="6855480"/>
+            <a:ext cx="15480" cy="6855120"/>
           </a:xfrm>
           <a:prstGeom prst="rect">
             <a:avLst/>
@@ -37604,7 +39847,7 @@
         <p:spPr>
           <a:xfrm>
             <a:off x="10972800" y="0"/>
-            <a:ext cx="15840" cy="6855480"/>
+            <a:ext cx="15480" cy="6855120"/>
           </a:xfrm>
           <a:prstGeom prst="rect">
             <a:avLst/>
@@ -37664,7 +39907,7 @@
         <p:spPr>
           <a:xfrm>
             <a:off x="11887200" y="0"/>
-            <a:ext cx="15840" cy="6855480"/>
+            <a:ext cx="15480" cy="6855120"/>
           </a:xfrm>
           <a:prstGeom prst="rect">
             <a:avLst/>
@@ -37724,7 +39967,7 @@
         <p:spPr>
           <a:xfrm>
             <a:off x="0" y="0"/>
-            <a:ext cx="317520" cy="6855480"/>
+            <a:ext cx="317160" cy="6855120"/>
           </a:xfrm>
           <a:prstGeom prst="rect">
             <a:avLst/>
@@ -37784,7 +40027,7 @@
         <p:spPr>
           <a:xfrm>
             <a:off x="9875520" y="365760"/>
-            <a:ext cx="2009160" cy="500400"/>
+            <a:ext cx="2008800" cy="500040"/>
           </a:xfrm>
           <a:prstGeom prst="roundRect">
             <a:avLst>
@@ -37976,7 +40219,7 @@
         <p:spPr>
           <a:xfrm>
             <a:off x="987480" y="3182040"/>
-            <a:ext cx="3289320" cy="2740680"/>
+            <a:ext cx="3288960" cy="2740320"/>
           </a:xfrm>
           <a:prstGeom prst="roundRect">
             <a:avLst>
@@ -38038,7 +40281,7 @@
         <p:spPr>
           <a:xfrm>
             <a:off x="914400" y="3108960"/>
-            <a:ext cx="3289320" cy="2740680"/>
+            <a:ext cx="3288960" cy="2740320"/>
           </a:xfrm>
           <a:prstGeom prst="roundRect">
             <a:avLst>
@@ -38184,7 +40427,7 @@
         <p:spPr>
           <a:xfrm>
             <a:off x="4507920" y="3182040"/>
-            <a:ext cx="3289320" cy="2740680"/>
+            <a:ext cx="3288960" cy="2740320"/>
           </a:xfrm>
           <a:prstGeom prst="roundRect">
             <a:avLst>
@@ -38246,7 +40489,7 @@
         <p:spPr>
           <a:xfrm>
             <a:off x="4434840" y="3108960"/>
-            <a:ext cx="3289320" cy="2740680"/>
+            <a:ext cx="3288960" cy="2740320"/>
           </a:xfrm>
           <a:prstGeom prst="roundRect">
             <a:avLst>
@@ -38544,7 +40787,7 @@
         <p:spPr>
           <a:xfrm>
             <a:off x="8028360" y="3182040"/>
-            <a:ext cx="3289320" cy="2740680"/>
+            <a:ext cx="3288960" cy="2740320"/>
           </a:xfrm>
           <a:prstGeom prst="roundRect">
             <a:avLst>
@@ -38606,7 +40849,7 @@
         <p:spPr>
           <a:xfrm>
             <a:off x="7955280" y="3108960"/>
-            <a:ext cx="3289320" cy="2740680"/>
+            <a:ext cx="3288960" cy="2740320"/>
           </a:xfrm>
           <a:prstGeom prst="roundRect">
             <a:avLst>
@@ -38892,7 +41135,7 @@
         <p:spPr>
           <a:xfrm>
             <a:off x="0" y="0"/>
-            <a:ext cx="12186360" cy="6855480"/>
+            <a:ext cx="12186000" cy="6855120"/>
           </a:xfrm>
           <a:prstGeom prst="rect">
             <a:avLst/>
@@ -38952,7 +41195,7 @@
         <p:spPr>
           <a:xfrm>
             <a:off x="0" y="0"/>
-            <a:ext cx="15840" cy="6855480"/>
+            <a:ext cx="15480" cy="6855120"/>
           </a:xfrm>
           <a:prstGeom prst="rect">
             <a:avLst/>
@@ -39012,7 +41255,7 @@
         <p:spPr>
           <a:xfrm>
             <a:off x="914400" y="0"/>
-            <a:ext cx="15840" cy="6855480"/>
+            <a:ext cx="15480" cy="6855120"/>
           </a:xfrm>
           <a:prstGeom prst="rect">
             <a:avLst/>
@@ -39072,7 +41315,7 @@
         <p:spPr>
           <a:xfrm>
             <a:off x="1828800" y="0"/>
-            <a:ext cx="15840" cy="6855480"/>
+            <a:ext cx="15480" cy="6855120"/>
           </a:xfrm>
           <a:prstGeom prst="rect">
             <a:avLst/>
@@ -39132,7 +41375,7 @@
         <p:spPr>
           <a:xfrm>
             <a:off x="2743200" y="0"/>
-            <a:ext cx="15840" cy="6855480"/>
+            <a:ext cx="15480" cy="6855120"/>
           </a:xfrm>
           <a:prstGeom prst="rect">
             <a:avLst/>
@@ -39192,7 +41435,7 @@
         <p:spPr>
           <a:xfrm>
             <a:off x="3657600" y="0"/>
-            <a:ext cx="15840" cy="6855480"/>
+            <a:ext cx="15480" cy="6855120"/>
           </a:xfrm>
           <a:prstGeom prst="rect">
             <a:avLst/>
@@ -39252,7 +41495,7 @@
         <p:spPr>
           <a:xfrm>
             <a:off x="4572000" y="0"/>
-            <a:ext cx="15840" cy="6855480"/>
+            <a:ext cx="15480" cy="6855120"/>
           </a:xfrm>
           <a:prstGeom prst="rect">
             <a:avLst/>
@@ -39312,7 +41555,7 @@
         <p:spPr>
           <a:xfrm>
             <a:off x="5486400" y="0"/>
-            <a:ext cx="15840" cy="6855480"/>
+            <a:ext cx="15480" cy="6855120"/>
           </a:xfrm>
           <a:prstGeom prst="rect">
             <a:avLst/>
@@ -39372,7 +41615,7 @@
         <p:spPr>
           <a:xfrm>
             <a:off x="6400800" y="0"/>
-            <a:ext cx="15840" cy="6855480"/>
+            <a:ext cx="15480" cy="6855120"/>
           </a:xfrm>
           <a:prstGeom prst="rect">
             <a:avLst/>
@@ -39432,7 +41675,7 @@
         <p:spPr>
           <a:xfrm>
             <a:off x="7315200" y="0"/>
-            <a:ext cx="15840" cy="6855480"/>
+            <a:ext cx="15480" cy="6855120"/>
           </a:xfrm>
           <a:prstGeom prst="rect">
             <a:avLst/>
@@ -39492,7 +41735,7 @@
         <p:spPr>
           <a:xfrm>
             <a:off x="8229600" y="0"/>
-            <a:ext cx="15840" cy="6855480"/>
+            <a:ext cx="15480" cy="6855120"/>
           </a:xfrm>
           <a:prstGeom prst="rect">
             <a:avLst/>
@@ -39552,7 +41795,7 @@
         <p:spPr>
           <a:xfrm>
             <a:off x="9144000" y="0"/>
-            <a:ext cx="15840" cy="6855480"/>
+            <a:ext cx="15480" cy="6855120"/>
           </a:xfrm>
           <a:prstGeom prst="rect">
             <a:avLst/>
@@ -39612,7 +41855,7 @@
         <p:spPr>
           <a:xfrm>
             <a:off x="10058400" y="0"/>
-            <a:ext cx="15840" cy="6855480"/>
+            <a:ext cx="15480" cy="6855120"/>
           </a:xfrm>
           <a:prstGeom prst="rect">
             <a:avLst/>
@@ -39672,7 +41915,7 @@
         <p:spPr>
           <a:xfrm>
             <a:off x="10972800" y="0"/>
-            <a:ext cx="15840" cy="6855480"/>
+            <a:ext cx="15480" cy="6855120"/>
           </a:xfrm>
           <a:prstGeom prst="rect">
             <a:avLst/>
@@ -39732,7 +41975,7 @@
         <p:spPr>
           <a:xfrm>
             <a:off x="11887200" y="0"/>
-            <a:ext cx="15840" cy="6855480"/>
+            <a:ext cx="15480" cy="6855120"/>
           </a:xfrm>
           <a:prstGeom prst="rect">
             <a:avLst/>
@@ -39792,7 +42035,7 @@
         <p:spPr>
           <a:xfrm>
             <a:off x="0" y="0"/>
-            <a:ext cx="317520" cy="6855480"/>
+            <a:ext cx="317160" cy="6855120"/>
           </a:xfrm>
           <a:prstGeom prst="rect">
             <a:avLst/>
@@ -39852,7 +42095,7 @@
         <p:spPr>
           <a:xfrm>
             <a:off x="9875520" y="365760"/>
-            <a:ext cx="2009160" cy="500400"/>
+            <a:ext cx="2008800" cy="500040"/>
           </a:xfrm>
           <a:prstGeom prst="roundRect">
             <a:avLst>
@@ -39926,7 +42169,7 @@
         <p:spPr>
           <a:xfrm>
             <a:off x="1706400" y="1005840"/>
-            <a:ext cx="7557840" cy="638280"/>
+            <a:ext cx="7557480" cy="638280"/>
           </a:xfrm>
           <a:prstGeom prst="rect">
             <a:avLst/>
@@ -40034,7 +42277,7 @@
         <p:spPr>
           <a:xfrm>
             <a:off x="987480" y="3182040"/>
-            <a:ext cx="3289320" cy="2740680"/>
+            <a:ext cx="3288960" cy="2740320"/>
           </a:xfrm>
           <a:prstGeom prst="roundRect">
             <a:avLst>
@@ -40096,7 +42339,7 @@
         <p:spPr>
           <a:xfrm>
             <a:off x="914400" y="3108960"/>
-            <a:ext cx="3289320" cy="2740680"/>
+            <a:ext cx="3288960" cy="2740320"/>
           </a:xfrm>
           <a:prstGeom prst="roundRect">
             <a:avLst>
@@ -40326,7 +42569,7 @@
         <p:spPr>
           <a:xfrm>
             <a:off x="4507920" y="3182040"/>
-            <a:ext cx="3289320" cy="2740680"/>
+            <a:ext cx="3288960" cy="2740320"/>
           </a:xfrm>
           <a:prstGeom prst="roundRect">
             <a:avLst>
@@ -40388,7 +42631,7 @@
         <p:spPr>
           <a:xfrm>
             <a:off x="4434840" y="3108960"/>
-            <a:ext cx="3289320" cy="2740680"/>
+            <a:ext cx="3288960" cy="2740320"/>
           </a:xfrm>
           <a:prstGeom prst="roundRect">
             <a:avLst>
@@ -40692,7 +42935,7 @@
         <p:spPr>
           <a:xfrm>
             <a:off x="8028360" y="3182040"/>
-            <a:ext cx="3289320" cy="2740680"/>
+            <a:ext cx="3288960" cy="2740320"/>
           </a:xfrm>
           <a:prstGeom prst="roundRect">
             <a:avLst>
@@ -40754,7 +42997,7 @@
         <p:spPr>
           <a:xfrm>
             <a:off x="7955280" y="3108960"/>
-            <a:ext cx="3289320" cy="2740680"/>
+            <a:ext cx="3288960" cy="2740320"/>
           </a:xfrm>
           <a:prstGeom prst="roundRect">
             <a:avLst>
@@ -41060,7 +43303,7 @@
         <p:spPr>
           <a:xfrm>
             <a:off x="0" y="0"/>
-            <a:ext cx="12186360" cy="6855480"/>
+            <a:ext cx="12186000" cy="6855120"/>
           </a:xfrm>
           <a:prstGeom prst="rect">
             <a:avLst/>
@@ -41120,7 +43363,7 @@
         <p:spPr>
           <a:xfrm>
             <a:off x="0" y="0"/>
-            <a:ext cx="15840" cy="6855480"/>
+            <a:ext cx="15480" cy="6855120"/>
           </a:xfrm>
           <a:prstGeom prst="rect">
             <a:avLst/>
@@ -41180,7 +43423,7 @@
         <p:spPr>
           <a:xfrm>
             <a:off x="914400" y="0"/>
-            <a:ext cx="15840" cy="6855480"/>
+            <a:ext cx="15480" cy="6855120"/>
           </a:xfrm>
           <a:prstGeom prst="rect">
             <a:avLst/>
@@ -41240,7 +43483,7 @@
         <p:spPr>
           <a:xfrm>
             <a:off x="1828800" y="0"/>
-            <a:ext cx="15840" cy="6855480"/>
+            <a:ext cx="15480" cy="6855120"/>
           </a:xfrm>
           <a:prstGeom prst="rect">
             <a:avLst/>
@@ -41300,7 +43543,7 @@
         <p:spPr>
           <a:xfrm>
             <a:off x="2743200" y="0"/>
-            <a:ext cx="15840" cy="6855480"/>
+            <a:ext cx="15480" cy="6855120"/>
           </a:xfrm>
           <a:prstGeom prst="rect">
             <a:avLst/>
@@ -41360,7 +43603,7 @@
         <p:spPr>
           <a:xfrm>
             <a:off x="3657600" y="0"/>
-            <a:ext cx="15840" cy="6855480"/>
+            <a:ext cx="15480" cy="6855120"/>
           </a:xfrm>
           <a:prstGeom prst="rect">
             <a:avLst/>
@@ -41420,7 +43663,7 @@
         <p:spPr>
           <a:xfrm>
             <a:off x="4572000" y="0"/>
-            <a:ext cx="15840" cy="6855480"/>
+            <a:ext cx="15480" cy="6855120"/>
           </a:xfrm>
           <a:prstGeom prst="rect">
             <a:avLst/>
@@ -41480,7 +43723,7 @@
         <p:spPr>
           <a:xfrm>
             <a:off x="5486400" y="0"/>
-            <a:ext cx="15840" cy="6855480"/>
+            <a:ext cx="15480" cy="6855120"/>
           </a:xfrm>
           <a:prstGeom prst="rect">
             <a:avLst/>
@@ -41540,7 +43783,7 @@
         <p:spPr>
           <a:xfrm>
             <a:off x="6400800" y="0"/>
-            <a:ext cx="15840" cy="6855480"/>
+            <a:ext cx="15480" cy="6855120"/>
           </a:xfrm>
           <a:prstGeom prst="rect">
             <a:avLst/>
@@ -41600,7 +43843,7 @@
         <p:spPr>
           <a:xfrm>
             <a:off x="7315200" y="0"/>
-            <a:ext cx="15840" cy="6855480"/>
+            <a:ext cx="15480" cy="6855120"/>
           </a:xfrm>
           <a:prstGeom prst="rect">
             <a:avLst/>
@@ -41660,7 +43903,7 @@
         <p:spPr>
           <a:xfrm>
             <a:off x="8229600" y="0"/>
-            <a:ext cx="15840" cy="6855480"/>
+            <a:ext cx="15480" cy="6855120"/>
           </a:xfrm>
           <a:prstGeom prst="rect">
             <a:avLst/>
@@ -41720,7 +43963,7 @@
         <p:spPr>
           <a:xfrm>
             <a:off x="9144000" y="0"/>
-            <a:ext cx="15840" cy="6855480"/>
+            <a:ext cx="15480" cy="6855120"/>
           </a:xfrm>
           <a:prstGeom prst="rect">
             <a:avLst/>
@@ -41780,7 +44023,7 @@
         <p:spPr>
           <a:xfrm>
             <a:off x="10058400" y="0"/>
-            <a:ext cx="15840" cy="6855480"/>
+            <a:ext cx="15480" cy="6855120"/>
           </a:xfrm>
           <a:prstGeom prst="rect">
             <a:avLst/>
@@ -41840,7 +44083,7 @@
         <p:spPr>
           <a:xfrm>
             <a:off x="10972800" y="0"/>
-            <a:ext cx="15840" cy="6855480"/>
+            <a:ext cx="15480" cy="6855120"/>
           </a:xfrm>
           <a:prstGeom prst="rect">
             <a:avLst/>
@@ -41900,7 +44143,7 @@
         <p:spPr>
           <a:xfrm>
             <a:off x="11887200" y="0"/>
-            <a:ext cx="15840" cy="6855480"/>
+            <a:ext cx="15480" cy="6855120"/>
           </a:xfrm>
           <a:prstGeom prst="rect">
             <a:avLst/>
@@ -41960,7 +44203,7 @@
         <p:spPr>
           <a:xfrm>
             <a:off x="0" y="0"/>
-            <a:ext cx="317520" cy="6855480"/>
+            <a:ext cx="317160" cy="6855120"/>
           </a:xfrm>
           <a:prstGeom prst="rect">
             <a:avLst/>
@@ -42020,7 +44263,7 @@
         <p:spPr>
           <a:xfrm>
             <a:off x="9875520" y="365760"/>
-            <a:ext cx="2009160" cy="500400"/>
+            <a:ext cx="2008800" cy="500040"/>
           </a:xfrm>
           <a:prstGeom prst="roundRect">
             <a:avLst>
@@ -42094,7 +44337,7 @@
         <p:spPr>
           <a:xfrm>
             <a:off x="2983320" y="1005840"/>
-            <a:ext cx="5003640" cy="638280"/>
+            <a:ext cx="5003280" cy="638280"/>
           </a:xfrm>
           <a:prstGeom prst="rect">
             <a:avLst/>
@@ -42235,7 +44478,7 @@
         <p:spPr>
           <a:xfrm>
             <a:off x="987480" y="3182040"/>
-            <a:ext cx="3289320" cy="2740680"/>
+            <a:ext cx="3288960" cy="2740320"/>
           </a:xfrm>
           <a:prstGeom prst="roundRect">
             <a:avLst>
@@ -42297,7 +44540,7 @@
         <p:spPr>
           <a:xfrm>
             <a:off x="914400" y="3108960"/>
-            <a:ext cx="3289320" cy="2740680"/>
+            <a:ext cx="3288960" cy="2740320"/>
           </a:xfrm>
           <a:prstGeom prst="roundRect">
             <a:avLst>
@@ -42560,7 +44803,7 @@
         <p:spPr>
           <a:xfrm>
             <a:off x="4507920" y="3182040"/>
-            <a:ext cx="3289320" cy="2740680"/>
+            <a:ext cx="3288960" cy="2740320"/>
           </a:xfrm>
           <a:prstGeom prst="roundRect">
             <a:avLst>
@@ -42622,7 +44865,7 @@
         <p:spPr>
           <a:xfrm>
             <a:off x="4434840" y="3108960"/>
-            <a:ext cx="3289320" cy="2740680"/>
+            <a:ext cx="3288960" cy="2740320"/>
           </a:xfrm>
           <a:prstGeom prst="roundRect">
             <a:avLst>
@@ -42926,7 +45169,7 @@
         <p:spPr>
           <a:xfrm>
             <a:off x="8028360" y="3182040"/>
-            <a:ext cx="3289320" cy="2740680"/>
+            <a:ext cx="3288960" cy="2740320"/>
           </a:xfrm>
           <a:prstGeom prst="roundRect">
             <a:avLst>
@@ -42988,7 +45231,7 @@
         <p:spPr>
           <a:xfrm>
             <a:off x="7955280" y="3108960"/>
-            <a:ext cx="3289320" cy="2740680"/>
+            <a:ext cx="3288960" cy="2740320"/>
           </a:xfrm>
           <a:prstGeom prst="roundRect">
             <a:avLst>
@@ -43379,7 +45622,7 @@
         <p:spPr>
           <a:xfrm>
             <a:off x="0" y="0"/>
-            <a:ext cx="12186360" cy="6855480"/>
+            <a:ext cx="12186000" cy="6855120"/>
           </a:xfrm>
           <a:prstGeom prst="rect">
             <a:avLst/>
@@ -43439,7 +45682,7 @@
         <p:spPr>
           <a:xfrm>
             <a:off x="0" y="0"/>
-            <a:ext cx="15840" cy="6855480"/>
+            <a:ext cx="15480" cy="6855120"/>
           </a:xfrm>
           <a:prstGeom prst="rect">
             <a:avLst/>
@@ -43499,7 +45742,7 @@
         <p:spPr>
           <a:xfrm>
             <a:off x="914400" y="0"/>
-            <a:ext cx="15840" cy="6855480"/>
+            <a:ext cx="15480" cy="6855120"/>
           </a:xfrm>
           <a:prstGeom prst="rect">
             <a:avLst/>
@@ -43559,7 +45802,7 @@
         <p:spPr>
           <a:xfrm>
             <a:off x="1828800" y="0"/>
-            <a:ext cx="15840" cy="6855480"/>
+            <a:ext cx="15480" cy="6855120"/>
           </a:xfrm>
           <a:prstGeom prst="rect">
             <a:avLst/>
@@ -43619,7 +45862,7 @@
         <p:spPr>
           <a:xfrm>
             <a:off x="2743200" y="0"/>
-            <a:ext cx="15840" cy="6855480"/>
+            <a:ext cx="15480" cy="6855120"/>
           </a:xfrm>
           <a:prstGeom prst="rect">
             <a:avLst/>
@@ -43679,7 +45922,7 @@
         <p:spPr>
           <a:xfrm>
             <a:off x="3657600" y="0"/>
-            <a:ext cx="15840" cy="6855480"/>
+            <a:ext cx="15480" cy="6855120"/>
           </a:xfrm>
           <a:prstGeom prst="rect">
             <a:avLst/>
@@ -43739,7 +45982,7 @@
         <p:spPr>
           <a:xfrm>
             <a:off x="4572000" y="0"/>
-            <a:ext cx="15840" cy="6855480"/>
+            <a:ext cx="15480" cy="6855120"/>
           </a:xfrm>
           <a:prstGeom prst="rect">
             <a:avLst/>
@@ -43799,7 +46042,7 @@
         <p:spPr>
           <a:xfrm>
             <a:off x="5486400" y="0"/>
-            <a:ext cx="15840" cy="6855480"/>
+            <a:ext cx="15480" cy="6855120"/>
           </a:xfrm>
           <a:prstGeom prst="rect">
             <a:avLst/>
@@ -43859,7 +46102,7 @@
         <p:spPr>
           <a:xfrm>
             <a:off x="6400800" y="0"/>
-            <a:ext cx="15840" cy="6855480"/>
+            <a:ext cx="15480" cy="6855120"/>
           </a:xfrm>
           <a:prstGeom prst="rect">
             <a:avLst/>
@@ -43919,7 +46162,7 @@
         <p:spPr>
           <a:xfrm>
             <a:off x="7315200" y="0"/>
-            <a:ext cx="15840" cy="6855480"/>
+            <a:ext cx="15480" cy="6855120"/>
           </a:xfrm>
           <a:prstGeom prst="rect">
             <a:avLst/>
@@ -43979,7 +46222,7 @@
         <p:spPr>
           <a:xfrm>
             <a:off x="8229600" y="0"/>
-            <a:ext cx="15840" cy="6855480"/>
+            <a:ext cx="15480" cy="6855120"/>
           </a:xfrm>
           <a:prstGeom prst="rect">
             <a:avLst/>
@@ -44039,7 +46282,7 @@
         <p:spPr>
           <a:xfrm>
             <a:off x="9144000" y="0"/>
-            <a:ext cx="15840" cy="6855480"/>
+            <a:ext cx="15480" cy="6855120"/>
           </a:xfrm>
           <a:prstGeom prst="rect">
             <a:avLst/>
@@ -44099,7 +46342,7 @@
         <p:spPr>
           <a:xfrm>
             <a:off x="10058400" y="0"/>
-            <a:ext cx="15840" cy="6855480"/>
+            <a:ext cx="15480" cy="6855120"/>
           </a:xfrm>
           <a:prstGeom prst="rect">
             <a:avLst/>
@@ -44159,7 +46402,7 @@
         <p:spPr>
           <a:xfrm>
             <a:off x="10972800" y="0"/>
-            <a:ext cx="15840" cy="6855480"/>
+            <a:ext cx="15480" cy="6855120"/>
           </a:xfrm>
           <a:prstGeom prst="rect">
             <a:avLst/>
@@ -44219,7 +46462,7 @@
         <p:spPr>
           <a:xfrm>
             <a:off x="11887200" y="0"/>
-            <a:ext cx="15840" cy="6855480"/>
+            <a:ext cx="15480" cy="6855120"/>
           </a:xfrm>
           <a:prstGeom prst="rect">
             <a:avLst/>
@@ -44279,7 +46522,7 @@
         <p:spPr>
           <a:xfrm>
             <a:off x="0" y="0"/>
-            <a:ext cx="317520" cy="6855480"/>
+            <a:ext cx="317160" cy="6855120"/>
           </a:xfrm>
           <a:prstGeom prst="rect">
             <a:avLst/>
@@ -44339,7 +46582,7 @@
         <p:spPr>
           <a:xfrm>
             <a:off x="9875520" y="365760"/>
-            <a:ext cx="2009160" cy="500400"/>
+            <a:ext cx="2008800" cy="500040"/>
           </a:xfrm>
           <a:prstGeom prst="roundRect">
             <a:avLst>
@@ -44413,7 +46656,7 @@
         <p:spPr>
           <a:xfrm>
             <a:off x="3053160" y="1005840"/>
-            <a:ext cx="4863600" cy="638280"/>
+            <a:ext cx="4863240" cy="638280"/>
           </a:xfrm>
           <a:prstGeom prst="rect">
             <a:avLst/>
@@ -44467,7 +46710,7 @@
         <p:spPr>
           <a:xfrm>
             <a:off x="1154520" y="2194560"/>
-            <a:ext cx="8675280" cy="317880"/>
+            <a:ext cx="8674920" cy="317880"/>
           </a:xfrm>
           <a:prstGeom prst="rect">
             <a:avLst/>
@@ -44521,7 +46764,7 @@
         <p:spPr>
           <a:xfrm>
             <a:off x="987480" y="3182040"/>
-            <a:ext cx="3289320" cy="2740680"/>
+            <a:ext cx="3288960" cy="2740320"/>
           </a:xfrm>
           <a:prstGeom prst="roundRect">
             <a:avLst>
@@ -44583,7 +46826,7 @@
         <p:spPr>
           <a:xfrm>
             <a:off x="914400" y="3108960"/>
-            <a:ext cx="3289320" cy="2740680"/>
+            <a:ext cx="3288960" cy="2740320"/>
           </a:xfrm>
           <a:prstGeom prst="roundRect">
             <a:avLst>
@@ -44848,7 +47091,7 @@
         <p:spPr>
           <a:xfrm>
             <a:off x="4507920" y="3182040"/>
-            <a:ext cx="3289320" cy="2740680"/>
+            <a:ext cx="3288960" cy="2740320"/>
           </a:xfrm>
           <a:prstGeom prst="roundRect">
             <a:avLst>
@@ -44910,7 +47153,7 @@
         <p:spPr>
           <a:xfrm>
             <a:off x="4434840" y="3108960"/>
-            <a:ext cx="3289320" cy="2740680"/>
+            <a:ext cx="3288960" cy="2740320"/>
           </a:xfrm>
           <a:prstGeom prst="roundRect">
             <a:avLst>
@@ -45214,7 +47457,7 @@
         <p:spPr>
           <a:xfrm>
             <a:off x="8028360" y="3182040"/>
-            <a:ext cx="3289320" cy="2740680"/>
+            <a:ext cx="3288960" cy="2740320"/>
           </a:xfrm>
           <a:prstGeom prst="roundRect">
             <a:avLst>
@@ -45276,7 +47519,7 @@
         <p:spPr>
           <a:xfrm>
             <a:off x="7955280" y="3108960"/>
-            <a:ext cx="3289320" cy="2740680"/>
+            <a:ext cx="3288960" cy="2740320"/>
           </a:xfrm>
           <a:prstGeom prst="roundRect">
             <a:avLst>
@@ -46719,10 +48962,10 @@
   <a:themeElements>
     <a:clrScheme name="Office">
       <a:dk1>
-        <a:sysClr val="windowText" lastClr="000000"/>
+        <a:srgbClr val="000000"/>
       </a:dk1>
       <a:lt1>
-        <a:sysClr val="window" lastClr="FFFFFF"/>
+        <a:srgbClr val="ffffff"/>
       </a:lt1>
       <a:dk2>
         <a:srgbClr val="1f497d"/>

--- a/Java/Java #2/TR/Java #2.pptx
+++ b/Java/Java #2/TR/Java #2.pptx
@@ -25,6 +25,7 @@
     <p:sldId id="267" r:id="rId20"/>
     <p:sldId id="268" r:id="rId21"/>
     <p:sldId id="269" r:id="rId22"/>
+    <p:sldId id="270" r:id="rId23"/>
   </p:sldIdLst>
   <p:sldSz cx="9144000" cy="6858000"/>
   <p:notesSz cx="7772400" cy="10058400"/>
@@ -82,7 +83,7 @@
         <p:txBody>
           <a:bodyPr/>
           <a:p>
-            <a:fld id="{42864B04-B0BB-4E5D-B4C4-90D8F9BB4B16}" type="slidenum">
+            <a:fld id="{F62D24AE-4BED-4660-B85F-6FCB0A8E5DA5}" type="slidenum">
               <a:t>&lt;#&gt;</a:t>
             </a:fld>
           </a:p>
@@ -291,7 +292,7 @@
         <p:txBody>
           <a:bodyPr/>
           <a:p>
-            <a:fld id="{2A537BB2-3880-4D85-B13D-B8A7F12632B9}" type="slidenum">
+            <a:fld id="{3B035D08-E508-4CAF-B805-679BF84B2597}" type="slidenum">
               <a:t>&lt;#&gt;</a:t>
             </a:fld>
           </a:p>
@@ -586,7 +587,7 @@
         <p:txBody>
           <a:bodyPr/>
           <a:p>
-            <a:fld id="{7BCE74D2-C0FA-4775-85E7-9562167889E7}" type="slidenum">
+            <a:fld id="{18A460CC-1283-4164-86EE-4A1D03EA7024}" type="slidenum">
               <a:t>&lt;#&gt;</a:t>
             </a:fld>
           </a:p>
@@ -967,7 +968,7 @@
         <p:txBody>
           <a:bodyPr/>
           <a:p>
-            <a:fld id="{2FA91E57-9403-47ED-B0E3-774A1F09ED3E}" type="slidenum">
+            <a:fld id="{7CDD7960-A4AD-4E3A-8B82-745EBA62B1CB}" type="slidenum">
               <a:t>&lt;#&gt;</a:t>
             </a:fld>
           </a:p>
@@ -1050,7 +1051,7 @@
         <p:txBody>
           <a:bodyPr/>
           <a:p>
-            <a:fld id="{3A1E57A4-788C-4E8F-A37C-C979F074A4AC}" type="slidenum">
+            <a:fld id="{0C0030AD-EF65-4D0C-9675-5EBEF6135200}" type="slidenum">
               <a:t>&lt;#&gt;</a:t>
             </a:fld>
           </a:p>
@@ -1213,7 +1214,7 @@
         <p:txBody>
           <a:bodyPr/>
           <a:p>
-            <a:fld id="{53347639-1EB0-4168-9D98-1FD09C4BD1E4}" type="slidenum">
+            <a:fld id="{8C1599D9-5A39-4312-BA0F-29DFD25F88CE}" type="slidenum">
               <a:t>&lt;#&gt;</a:t>
             </a:fld>
           </a:p>
@@ -1379,7 +1380,7 @@
         <p:txBody>
           <a:bodyPr/>
           <a:p>
-            <a:fld id="{FC070864-89F7-400A-BF46-77A798E8BEDB}" type="slidenum">
+            <a:fld id="{CFB582B1-7CB5-4BC5-BA05-AD8158BE3A57}" type="slidenum">
               <a:t>&lt;#&gt;</a:t>
             </a:fld>
           </a:p>
@@ -1588,7 +1589,7 @@
         <p:txBody>
           <a:bodyPr/>
           <a:p>
-            <a:fld id="{FD5EA386-9777-49C7-8CC3-3A7BFA0A56CA}" type="slidenum">
+            <a:fld id="{8F3C19B0-DE37-490B-B7F7-65B5E0D6ED49}" type="slidenum">
               <a:t>&lt;#&gt;</a:t>
             </a:fld>
           </a:p>
@@ -1711,7 +1712,7 @@
         <p:txBody>
           <a:bodyPr/>
           <a:p>
-            <a:fld id="{7B2D91ED-CBC2-4252-B441-4F9E61CA3BAC}" type="slidenum">
+            <a:fld id="{97EB8F7E-0DC8-4ECD-9409-A457C0E1154A}" type="slidenum">
               <a:t>&lt;#&gt;</a:t>
             </a:fld>
           </a:p>
@@ -1832,7 +1833,7 @@
         <p:txBody>
           <a:bodyPr/>
           <a:p>
-            <a:fld id="{3CE0B8D6-CCFE-4736-A1CC-EC5F8C49A604}" type="slidenum">
+            <a:fld id="{59445CB3-4416-46F0-9E99-E35F1AE94B6F}" type="slidenum">
               <a:t>&lt;#&gt;</a:t>
             </a:fld>
           </a:p>
@@ -2084,7 +2085,7 @@
         <p:txBody>
           <a:bodyPr/>
           <a:p>
-            <a:fld id="{9AE9EA1F-C643-4919-8C40-F930F2D48065}" type="slidenum">
+            <a:fld id="{17E416D1-3745-4CBC-9B58-DA895D5CF490}" type="slidenum">
               <a:t>&lt;#&gt;</a:t>
             </a:fld>
           </a:p>
@@ -2247,7 +2248,7 @@
         <p:txBody>
           <a:bodyPr/>
           <a:p>
-            <a:fld id="{40E32422-0714-41EC-995F-460A3CF4AF9A}" type="slidenum">
+            <a:fld id="{FAED82AC-BCAF-4A98-ADB9-391D199FE02E}" type="slidenum">
               <a:t>&lt;#&gt;</a:t>
             </a:fld>
           </a:p>
@@ -2499,7 +2500,7 @@
         <p:txBody>
           <a:bodyPr/>
           <a:p>
-            <a:fld id="{7C012E63-A171-445B-B34A-C5A7FF138DBA}" type="slidenum">
+            <a:fld id="{6DE6BEFC-5193-4EDB-8160-BC2A61A5962F}" type="slidenum">
               <a:t>&lt;#&gt;</a:t>
             </a:fld>
           </a:p>
@@ -2751,7 +2752,7 @@
         <p:txBody>
           <a:bodyPr/>
           <a:p>
-            <a:fld id="{4D99305D-0D4C-44B5-B204-12C15D04C396}" type="slidenum">
+            <a:fld id="{68B5F6FC-16CE-4146-BAD7-EDC87D7EFBE4}" type="slidenum">
               <a:t>&lt;#&gt;</a:t>
             </a:fld>
           </a:p>
@@ -2960,7 +2961,7 @@
         <p:txBody>
           <a:bodyPr/>
           <a:p>
-            <a:fld id="{316354BA-88DF-4F54-9845-1CB0235B3339}" type="slidenum">
+            <a:fld id="{7E06ABBE-8CCB-48E7-A186-914C880A484B}" type="slidenum">
               <a:t>&lt;#&gt;</a:t>
             </a:fld>
           </a:p>
@@ -3255,7 +3256,7 @@
         <p:txBody>
           <a:bodyPr/>
           <a:p>
-            <a:fld id="{2D451443-22C3-4293-9904-3A2806B13486}" type="slidenum">
+            <a:fld id="{099513F6-571F-477E-9701-848885335466}" type="slidenum">
               <a:t>&lt;#&gt;</a:t>
             </a:fld>
           </a:p>
@@ -3636,7 +3637,7 @@
         <p:txBody>
           <a:bodyPr/>
           <a:p>
-            <a:fld id="{E2543EAD-D468-4E24-B025-91EACE8769E9}" type="slidenum">
+            <a:fld id="{FE3A57B6-B65E-4E68-9BCC-60039F07FC62}" type="slidenum">
               <a:t>&lt;#&gt;</a:t>
             </a:fld>
           </a:p>
@@ -3719,7 +3720,7 @@
         <p:txBody>
           <a:bodyPr/>
           <a:p>
-            <a:fld id="{1D3686E0-C85A-44EB-9B58-1265AF8D9BCC}" type="slidenum">
+            <a:fld id="{69674662-A8F3-478F-BB31-016D2C6F67D6}" type="slidenum">
               <a:t>&lt;#&gt;</a:t>
             </a:fld>
           </a:p>
@@ -3882,7 +3883,7 @@
         <p:txBody>
           <a:bodyPr/>
           <a:p>
-            <a:fld id="{708EDBDE-F9E0-4E45-8A66-5BDEC103BD95}" type="slidenum">
+            <a:fld id="{38825F30-12D7-4FCD-A7AF-665829D9E76E}" type="slidenum">
               <a:t>&lt;#&gt;</a:t>
             </a:fld>
           </a:p>
@@ -4048,7 +4049,7 @@
         <p:txBody>
           <a:bodyPr/>
           <a:p>
-            <a:fld id="{CB24BD8F-01C7-469C-8861-6F7C242271BE}" type="slidenum">
+            <a:fld id="{A1FB37A8-6DB4-40A4-AB8F-704B29E1E406}" type="slidenum">
               <a:t>&lt;#&gt;</a:t>
             </a:fld>
           </a:p>
@@ -4257,7 +4258,7 @@
         <p:txBody>
           <a:bodyPr/>
           <a:p>
-            <a:fld id="{F4AE8CD3-03A3-457A-A6EF-39059A9DDF67}" type="slidenum">
+            <a:fld id="{2FF54A4C-45A7-4E34-B525-F2DE20FB1D24}" type="slidenum">
               <a:t>&lt;#&gt;</a:t>
             </a:fld>
           </a:p>
@@ -4380,7 +4381,7 @@
         <p:txBody>
           <a:bodyPr/>
           <a:p>
-            <a:fld id="{9DE7F916-0A05-42CE-ACE4-0CA976F853DE}" type="slidenum">
+            <a:fld id="{521B4705-778D-42F3-8873-1E348BF2CBD2}" type="slidenum">
               <a:t>&lt;#&gt;</a:t>
             </a:fld>
           </a:p>
@@ -4546,7 +4547,7 @@
         <p:txBody>
           <a:bodyPr/>
           <a:p>
-            <a:fld id="{9628423A-D57C-4B24-961A-B137ADC76A28}" type="slidenum">
+            <a:fld id="{06B0418E-6314-490D-8B2D-A3967E09CA28}" type="slidenum">
               <a:t>&lt;#&gt;</a:t>
             </a:fld>
           </a:p>
@@ -4667,7 +4668,7 @@
         <p:txBody>
           <a:bodyPr/>
           <a:p>
-            <a:fld id="{ADEEEC52-2E20-4760-9FCB-6BED72C8387D}" type="slidenum">
+            <a:fld id="{59310261-0AB0-41D8-8CD2-352A36532FA5}" type="slidenum">
               <a:t>&lt;#&gt;</a:t>
             </a:fld>
           </a:p>
@@ -4919,7 +4920,7 @@
         <p:txBody>
           <a:bodyPr/>
           <a:p>
-            <a:fld id="{ECAF3B0B-4DCE-4743-9080-B82F9D96780A}" type="slidenum">
+            <a:fld id="{3785AAF4-7917-4391-B63D-57E5584D57A2}" type="slidenum">
               <a:t>&lt;#&gt;</a:t>
             </a:fld>
           </a:p>
@@ -5171,7 +5172,7 @@
         <p:txBody>
           <a:bodyPr/>
           <a:p>
-            <a:fld id="{BC458070-0AF2-41EC-B15A-1268278E682C}" type="slidenum">
+            <a:fld id="{1E514F0C-80CB-4BFC-A16D-1D83A4433C36}" type="slidenum">
               <a:t>&lt;#&gt;</a:t>
             </a:fld>
           </a:p>
@@ -5423,7 +5424,7 @@
         <p:txBody>
           <a:bodyPr/>
           <a:p>
-            <a:fld id="{D5560843-2A2B-42F7-B3BF-731D402D012A}" type="slidenum">
+            <a:fld id="{E20FC942-4366-4D97-8C83-6A5AEF6DD90E}" type="slidenum">
               <a:t>&lt;#&gt;</a:t>
             </a:fld>
           </a:p>
@@ -5632,7 +5633,7 @@
         <p:txBody>
           <a:bodyPr/>
           <a:p>
-            <a:fld id="{53F549F7-E6A6-44A7-ABDB-E81CF1D936D1}" type="slidenum">
+            <a:fld id="{1559AB64-895E-4034-B413-2E5C4866E132}" type="slidenum">
               <a:t>&lt;#&gt;</a:t>
             </a:fld>
           </a:p>
@@ -5927,7 +5928,7 @@
         <p:txBody>
           <a:bodyPr/>
           <a:p>
-            <a:fld id="{41F538C7-91EF-4FEC-8BD1-FB8B13010443}" type="slidenum">
+            <a:fld id="{E2290C0B-C17E-45B2-B7BE-84AFDA32AA0D}" type="slidenum">
               <a:t>&lt;#&gt;</a:t>
             </a:fld>
           </a:p>
@@ -6308,7 +6309,7 @@
         <p:txBody>
           <a:bodyPr/>
           <a:p>
-            <a:fld id="{94303DEB-69FB-4F62-9F49-53FEBCD6CC15}" type="slidenum">
+            <a:fld id="{8316B776-E99F-4C2B-9249-44A53C4FFD02}" type="slidenum">
               <a:t>&lt;#&gt;</a:t>
             </a:fld>
           </a:p>
@@ -6391,7 +6392,7 @@
         <p:txBody>
           <a:bodyPr/>
           <a:p>
-            <a:fld id="{EB54FC57-5D6A-466F-BC6C-C2D37E6CF74F}" type="slidenum">
+            <a:fld id="{3C6FEC15-0962-4AC6-B975-279D394B8CC2}" type="slidenum">
               <a:t>&lt;#&gt;</a:t>
             </a:fld>
           </a:p>
@@ -6554,7 +6555,7 @@
         <p:txBody>
           <a:bodyPr/>
           <a:p>
-            <a:fld id="{2A7F6015-B6AB-4092-A0CF-4A4A87B09F29}" type="slidenum">
+            <a:fld id="{938312D7-B610-45D5-AC42-26D10F0B5BB7}" type="slidenum">
               <a:t>&lt;#&gt;</a:t>
             </a:fld>
           </a:p>
@@ -6720,7 +6721,7 @@
         <p:txBody>
           <a:bodyPr/>
           <a:p>
-            <a:fld id="{F498CFF6-BDAB-4899-BED5-3E7C53295F54}" type="slidenum">
+            <a:fld id="{D4CE1BBF-1C16-48FD-A28A-31805C9122E7}" type="slidenum">
               <a:t>&lt;#&gt;</a:t>
             </a:fld>
           </a:p>
@@ -6929,7 +6930,7 @@
         <p:txBody>
           <a:bodyPr/>
           <a:p>
-            <a:fld id="{E058563C-816E-40A3-9797-676CBAEF67D8}" type="slidenum">
+            <a:fld id="{979D0549-EB27-45C1-9E09-515E2745F417}" type="slidenum">
               <a:t>&lt;#&gt;</a:t>
             </a:fld>
           </a:p>
@@ -7138,7 +7139,7 @@
         <p:txBody>
           <a:bodyPr/>
           <a:p>
-            <a:fld id="{E7A11979-6B16-4554-AF58-BEA6E8D03CB9}" type="slidenum">
+            <a:fld id="{C1358D04-F035-408E-AE93-8CF2EF2F76A1}" type="slidenum">
               <a:t>&lt;#&gt;</a:t>
             </a:fld>
           </a:p>
@@ -7261,7 +7262,7 @@
         <p:txBody>
           <a:bodyPr/>
           <a:p>
-            <a:fld id="{24D8BA6C-3301-4C17-A498-22E6F6C3FA3A}" type="slidenum">
+            <a:fld id="{4266F7CC-0D23-4020-B1A3-5C9A48D60DFE}" type="slidenum">
               <a:t>&lt;#&gt;</a:t>
             </a:fld>
           </a:p>
@@ -7382,7 +7383,7 @@
         <p:txBody>
           <a:bodyPr/>
           <a:p>
-            <a:fld id="{324FFBD8-402B-4D35-A690-DD3C3E6F242F}" type="slidenum">
+            <a:fld id="{9A046C47-12C7-46EE-B105-4E7ACCEC4136}" type="slidenum">
               <a:t>&lt;#&gt;</a:t>
             </a:fld>
           </a:p>
@@ -7634,7 +7635,7 @@
         <p:txBody>
           <a:bodyPr/>
           <a:p>
-            <a:fld id="{54E41B2E-5259-4EA3-88F2-66C2B6EDA9D9}" type="slidenum">
+            <a:fld id="{37EF8D05-9B12-4C28-BB43-26D78DFAD50E}" type="slidenum">
               <a:t>&lt;#&gt;</a:t>
             </a:fld>
           </a:p>
@@ -7886,7 +7887,7 @@
         <p:txBody>
           <a:bodyPr/>
           <a:p>
-            <a:fld id="{FB425004-C00D-4B0F-B999-D368FA98EC9B}" type="slidenum">
+            <a:fld id="{9F7F97A4-0C71-4653-B548-6EFC6F936136}" type="slidenum">
               <a:t>&lt;#&gt;</a:t>
             </a:fld>
           </a:p>
@@ -8138,7 +8139,7 @@
         <p:txBody>
           <a:bodyPr/>
           <a:p>
-            <a:fld id="{A49A4969-BF74-4870-8ADB-F918213026E7}" type="slidenum">
+            <a:fld id="{E094F4E1-6505-4F41-8D50-CFA96B24B391}" type="slidenum">
               <a:t>&lt;#&gt;</a:t>
             </a:fld>
           </a:p>
@@ -8347,7 +8348,7 @@
         <p:txBody>
           <a:bodyPr/>
           <a:p>
-            <a:fld id="{FAE1102D-E57E-4852-8867-A1741518FFEB}" type="slidenum">
+            <a:fld id="{B3020A8E-01CC-43D4-B339-220B8CDE4723}" type="slidenum">
               <a:t>&lt;#&gt;</a:t>
             </a:fld>
           </a:p>
@@ -8642,7 +8643,7 @@
         <p:txBody>
           <a:bodyPr/>
           <a:p>
-            <a:fld id="{9767A6A4-594E-40FD-81A5-E1DA80DACA7E}" type="slidenum">
+            <a:fld id="{5493F13B-0480-45CD-9D07-C34BE9742F1F}" type="slidenum">
               <a:t>&lt;#&gt;</a:t>
             </a:fld>
           </a:p>
@@ -9023,7 +9024,7 @@
         <p:txBody>
           <a:bodyPr/>
           <a:p>
-            <a:fld id="{A054249A-9E26-416B-BC24-71D46D193EAB}" type="slidenum">
+            <a:fld id="{EC85A221-1B06-42AF-A78C-0DFA0FBA4119}" type="slidenum">
               <a:t>&lt;#&gt;</a:t>
             </a:fld>
           </a:p>
@@ -9106,7 +9107,7 @@
         <p:txBody>
           <a:bodyPr/>
           <a:p>
-            <a:fld id="{5069B574-52E9-478F-8C90-921214F978E4}" type="slidenum">
+            <a:fld id="{B6AAE62C-7A69-41DD-A4D4-EAADC957D80E}" type="slidenum">
               <a:t>&lt;#&gt;</a:t>
             </a:fld>
           </a:p>
@@ -9229,7 +9230,7 @@
         <p:txBody>
           <a:bodyPr/>
           <a:p>
-            <a:fld id="{84BBB870-D3FF-40C6-AACC-00DE73C27AB7}" type="slidenum">
+            <a:fld id="{BD967A05-BA51-492E-B732-30FB4FB6B37C}" type="slidenum">
               <a:t>&lt;#&gt;</a:t>
             </a:fld>
           </a:p>
@@ -9392,7 +9393,7 @@
         <p:txBody>
           <a:bodyPr/>
           <a:p>
-            <a:fld id="{D0D5DE01-B396-4D45-9F9D-279771A3A210}" type="slidenum">
+            <a:fld id="{141350AD-5AA0-4A75-957B-B594E980918B}" type="slidenum">
               <a:t>&lt;#&gt;</a:t>
             </a:fld>
           </a:p>
@@ -9558,7 +9559,7 @@
         <p:txBody>
           <a:bodyPr/>
           <a:p>
-            <a:fld id="{24475CB1-9DE3-4CDD-BA32-FA39B11D3244}" type="slidenum">
+            <a:fld id="{61945548-E9B9-4C10-98D3-1A0F19F40025}" type="slidenum">
               <a:t>&lt;#&gt;</a:t>
             </a:fld>
           </a:p>
@@ -9767,7 +9768,7 @@
         <p:txBody>
           <a:bodyPr/>
           <a:p>
-            <a:fld id="{9FD65DC6-6DED-4DD9-82C5-86EA89E21864}" type="slidenum">
+            <a:fld id="{82AF2572-9284-4278-AC6C-FFB9EE229887}" type="slidenum">
               <a:t>&lt;#&gt;</a:t>
             </a:fld>
           </a:p>
@@ -9890,7 +9891,7 @@
         <p:txBody>
           <a:bodyPr/>
           <a:p>
-            <a:fld id="{8C6675CF-3E95-402E-98D5-184750E42AEC}" type="slidenum">
+            <a:fld id="{8E43A0A6-5070-4189-8290-EB08EFE99E2E}" type="slidenum">
               <a:t>&lt;#&gt;</a:t>
             </a:fld>
           </a:p>
@@ -10011,7 +10012,7 @@
         <p:txBody>
           <a:bodyPr/>
           <a:p>
-            <a:fld id="{79ECF712-1FF4-4223-9395-9728D3F60BFC}" type="slidenum">
+            <a:fld id="{CD580FAD-E824-4E09-B0E1-A15C7C265CFF}" type="slidenum">
               <a:t>&lt;#&gt;</a:t>
             </a:fld>
           </a:p>
@@ -10263,7 +10264,7 @@
         <p:txBody>
           <a:bodyPr/>
           <a:p>
-            <a:fld id="{07E7625C-8842-4262-818F-81969D2449B5}" type="slidenum">
+            <a:fld id="{A1A8DA56-E509-419C-AFE0-9F338EEE3A26}" type="slidenum">
               <a:t>&lt;#&gt;</a:t>
             </a:fld>
           </a:p>
@@ -10515,7 +10516,7 @@
         <p:txBody>
           <a:bodyPr/>
           <a:p>
-            <a:fld id="{9674BEDF-9736-41A7-B0C1-13ABF8BB925A}" type="slidenum">
+            <a:fld id="{8857C20C-2C76-4178-9AAD-F156B51C639C}" type="slidenum">
               <a:t>&lt;#&gt;</a:t>
             </a:fld>
           </a:p>
@@ -10767,7 +10768,7 @@
         <p:txBody>
           <a:bodyPr/>
           <a:p>
-            <a:fld id="{415B03B2-B79D-4A0D-B098-342ECEDDC119}" type="slidenum">
+            <a:fld id="{977D5AE7-4B58-4479-909B-EEB19A1EDC6F}" type="slidenum">
               <a:t>&lt;#&gt;</a:t>
             </a:fld>
           </a:p>
@@ -10976,7 +10977,7 @@
         <p:txBody>
           <a:bodyPr/>
           <a:p>
-            <a:fld id="{F42945FB-181E-4EF7-A9D8-DEA6150FBF66}" type="slidenum">
+            <a:fld id="{9E8932F8-50DD-437F-A4C7-379BC93A5B36}" type="slidenum">
               <a:t>&lt;#&gt;</a:t>
             </a:fld>
           </a:p>
@@ -11271,7 +11272,7 @@
         <p:txBody>
           <a:bodyPr/>
           <a:p>
-            <a:fld id="{E928E69D-295E-4637-AA74-FF1BCB3BE16E}" type="slidenum">
+            <a:fld id="{38AE98DD-1B7A-4FE8-82BF-7FCD96755F07}" type="slidenum">
               <a:t>&lt;#&gt;</a:t>
             </a:fld>
           </a:p>
@@ -11392,7 +11393,7 @@
         <p:txBody>
           <a:bodyPr/>
           <a:p>
-            <a:fld id="{465F0AF5-B61E-4401-9A11-DF1BE8DE876F}" type="slidenum">
+            <a:fld id="{F3929D99-364A-4E1F-A3E9-79DBB5A98DCA}" type="slidenum">
               <a:t>&lt;#&gt;</a:t>
             </a:fld>
           </a:p>
@@ -11773,7 +11774,7 @@
         <p:txBody>
           <a:bodyPr/>
           <a:p>
-            <a:fld id="{E5C556B8-B35C-4E6F-B393-624F2396DCD0}" type="slidenum">
+            <a:fld id="{48A5811F-B6D4-4266-A9F5-E25AD87899A4}" type="slidenum">
               <a:t>&lt;#&gt;</a:t>
             </a:fld>
           </a:p>
@@ -11856,7 +11857,7 @@
         <p:txBody>
           <a:bodyPr/>
           <a:p>
-            <a:fld id="{5BE063E8-87AD-488E-8606-17C0708F7796}" type="slidenum">
+            <a:fld id="{02B624B0-C125-427A-B156-3DA848A4194D}" type="slidenum">
               <a:t>&lt;#&gt;</a:t>
             </a:fld>
           </a:p>
@@ -12019,7 +12020,7 @@
         <p:txBody>
           <a:bodyPr/>
           <a:p>
-            <a:fld id="{D545DA9B-E21B-4D6C-9FF0-669E188C8588}" type="slidenum">
+            <a:fld id="{8D3D8E33-34BD-40B0-B4DB-42BCAC1883C2}" type="slidenum">
               <a:t>&lt;#&gt;</a:t>
             </a:fld>
           </a:p>
@@ -12185,7 +12186,7 @@
         <p:txBody>
           <a:bodyPr/>
           <a:p>
-            <a:fld id="{A98E0417-1EEB-41AE-95BE-77FAF39B9D70}" type="slidenum">
+            <a:fld id="{F12BDFBA-FA18-4FD1-BB7D-0F895A1A8C48}" type="slidenum">
               <a:t>&lt;#&gt;</a:t>
             </a:fld>
           </a:p>
@@ -12394,7 +12395,7 @@
         <p:txBody>
           <a:bodyPr/>
           <a:p>
-            <a:fld id="{E2EDC20A-C288-4B15-BF78-2B6895C85175}" type="slidenum">
+            <a:fld id="{66C0DF5B-A86F-440E-95ED-D7D181876475}" type="slidenum">
               <a:t>&lt;#&gt;</a:t>
             </a:fld>
           </a:p>
@@ -12517,7 +12518,7 @@
         <p:txBody>
           <a:bodyPr/>
           <a:p>
-            <a:fld id="{41D1D8C0-D06F-48AC-BB2D-B324166FD302}" type="slidenum">
+            <a:fld id="{CBBC3BBE-0571-43A9-A656-B6D2551163E6}" type="slidenum">
               <a:t>&lt;#&gt;</a:t>
             </a:fld>
           </a:p>
@@ -12638,7 +12639,7 @@
         <p:txBody>
           <a:bodyPr/>
           <a:p>
-            <a:fld id="{1392093F-4305-4C51-A428-8D5903037BD4}" type="slidenum">
+            <a:fld id="{F47BAFD5-8E40-40C3-961C-C2E52ADB339A}" type="slidenum">
               <a:t>&lt;#&gt;</a:t>
             </a:fld>
           </a:p>
@@ -12890,7 +12891,7 @@
         <p:txBody>
           <a:bodyPr/>
           <a:p>
-            <a:fld id="{14994A0A-9988-40A2-84C5-B69EC1A77B14}" type="slidenum">
+            <a:fld id="{4C98FC19-DCA6-4D72-A090-1E4200155EFA}" type="slidenum">
               <a:t>&lt;#&gt;</a:t>
             </a:fld>
           </a:p>
@@ -13142,7 +13143,7 @@
         <p:txBody>
           <a:bodyPr/>
           <a:p>
-            <a:fld id="{A63C8DB7-5EDD-42AC-B67F-7D431ABE7F9A}" type="slidenum">
+            <a:fld id="{E03831A8-A00D-44A1-B1AA-9AF13E370821}" type="slidenum">
               <a:t>&lt;#&gt;</a:t>
             </a:fld>
           </a:p>
@@ -13394,7 +13395,7 @@
         <p:txBody>
           <a:bodyPr/>
           <a:p>
-            <a:fld id="{CE9DCCBC-95BF-4B7D-98EB-39EA7F741154}" type="slidenum">
+            <a:fld id="{BCC8727F-8EC3-424C-826C-F6F207A71C45}" type="slidenum">
               <a:t>&lt;#&gt;</a:t>
             </a:fld>
           </a:p>
@@ -13646,7 +13647,7 @@
         <p:txBody>
           <a:bodyPr/>
           <a:p>
-            <a:fld id="{4D8FC860-66DC-4DE1-8A40-54243B45A491}" type="slidenum">
+            <a:fld id="{AC39047B-3FF7-4235-B30E-4229B8DD822B}" type="slidenum">
               <a:t>&lt;#&gt;</a:t>
             </a:fld>
           </a:p>
@@ -13855,7 +13856,7 @@
         <p:txBody>
           <a:bodyPr/>
           <a:p>
-            <a:fld id="{DC07B4BF-FE48-4022-A237-12C17DE9DAAB}" type="slidenum">
+            <a:fld id="{3F86DA98-982A-4F1B-95C2-36F878F03CBB}" type="slidenum">
               <a:t>&lt;#&gt;</a:t>
             </a:fld>
           </a:p>
@@ -14150,7 +14151,7 @@
         <p:txBody>
           <a:bodyPr/>
           <a:p>
-            <a:fld id="{E83C5B1A-B16B-49D5-BC23-5308AD56369B}" type="slidenum">
+            <a:fld id="{979DEFF7-CA60-47DF-B122-CA402F067349}" type="slidenum">
               <a:t>&lt;#&gt;</a:t>
             </a:fld>
           </a:p>
@@ -14531,7 +14532,7 @@
         <p:txBody>
           <a:bodyPr/>
           <a:p>
-            <a:fld id="{D898C507-3965-4E46-92A1-BD06DB202AD8}" type="slidenum">
+            <a:fld id="{447122EA-DB14-4E8A-913C-5C88C010687B}" type="slidenum">
               <a:t>&lt;#&gt;</a:t>
             </a:fld>
           </a:p>
@@ -14614,7 +14615,7 @@
         <p:txBody>
           <a:bodyPr/>
           <a:p>
-            <a:fld id="{C9748436-DDEF-4ADB-A385-767A724C9F02}" type="slidenum">
+            <a:fld id="{CC51C3B0-9A71-47B6-A769-93B79861301A}" type="slidenum">
               <a:t>&lt;#&gt;</a:t>
             </a:fld>
           </a:p>
@@ -14777,7 +14778,7 @@
         <p:txBody>
           <a:bodyPr/>
           <a:p>
-            <a:fld id="{8EAC54B3-C82F-4DA1-BAE3-C563EF34964D}" type="slidenum">
+            <a:fld id="{DCD46B3A-1B99-4E97-9DF4-3DF032C6B86B}" type="slidenum">
               <a:t>&lt;#&gt;</a:t>
             </a:fld>
           </a:p>
@@ -14943,7 +14944,7 @@
         <p:txBody>
           <a:bodyPr/>
           <a:p>
-            <a:fld id="{67CB31E3-FF65-4411-AA8B-529C57E08BCC}" type="slidenum">
+            <a:fld id="{EF2C46E9-9DEE-4DD3-8E43-B8E195683CF1}" type="slidenum">
               <a:t>&lt;#&gt;</a:t>
             </a:fld>
           </a:p>
@@ -15152,7 +15153,7 @@
         <p:txBody>
           <a:bodyPr/>
           <a:p>
-            <a:fld id="{F4C8D2DC-BD31-4A88-849B-217D11DED702}" type="slidenum">
+            <a:fld id="{2EF629E3-76CD-4DF4-BA81-295D4B7DD3C3}" type="slidenum">
               <a:t>&lt;#&gt;</a:t>
             </a:fld>
           </a:p>
@@ -15275,7 +15276,7 @@
         <p:txBody>
           <a:bodyPr/>
           <a:p>
-            <a:fld id="{0B0F5FA3-8C97-43E3-81A4-FAE5E277FE1E}" type="slidenum">
+            <a:fld id="{BAB193CE-1527-492F-9ED3-0EF8ADE12300}" type="slidenum">
               <a:t>&lt;#&gt;</a:t>
             </a:fld>
           </a:p>
@@ -15396,7 +15397,7 @@
         <p:txBody>
           <a:bodyPr/>
           <a:p>
-            <a:fld id="{16BCF54B-23C9-4A8C-8736-9CBFC741E31E}" type="slidenum">
+            <a:fld id="{19769EC3-5BD6-457C-9D7F-C8257F595710}" type="slidenum">
               <a:t>&lt;#&gt;</a:t>
             </a:fld>
           </a:p>
@@ -15648,7 +15649,7 @@
         <p:txBody>
           <a:bodyPr/>
           <a:p>
-            <a:fld id="{26AADC4E-DAD1-4271-BBCA-FBE6C3B905AE}" type="slidenum">
+            <a:fld id="{9F908F43-FE9F-49BA-B9A0-113A661031CE}" type="slidenum">
               <a:t>&lt;#&gt;</a:t>
             </a:fld>
           </a:p>
@@ -15900,7 +15901,7 @@
         <p:txBody>
           <a:bodyPr/>
           <a:p>
-            <a:fld id="{F1D81190-B2B0-4083-978E-F41B1A1FFDBF}" type="slidenum">
+            <a:fld id="{B312DD22-04EF-404D-B12B-4CBEBC14673B}" type="slidenum">
               <a:t>&lt;#&gt;</a:t>
             </a:fld>
           </a:p>
@@ -16152,7 +16153,7 @@
         <p:txBody>
           <a:bodyPr/>
           <a:p>
-            <a:fld id="{1FFF6DC5-6B46-4C08-A05A-6265F9DA960C}" type="slidenum">
+            <a:fld id="{13A721A7-9DCB-46CB-A153-CAE548A9C6BB}" type="slidenum">
               <a:t>&lt;#&gt;</a:t>
             </a:fld>
           </a:p>
@@ -16404,7 +16405,7 @@
         <p:txBody>
           <a:bodyPr/>
           <a:p>
-            <a:fld id="{AB592EE9-30E2-438D-BF97-8ED43C4A13E0}" type="slidenum">
+            <a:fld id="{DC49AE8E-70BE-4821-B4E4-2602A8150048}" type="slidenum">
               <a:t>&lt;#&gt;</a:t>
             </a:fld>
           </a:p>
@@ -16613,7 +16614,7 @@
         <p:txBody>
           <a:bodyPr/>
           <a:p>
-            <a:fld id="{1E527063-1D00-476D-8AFE-3D01A8B403C5}" type="slidenum">
+            <a:fld id="{1F4FF3F9-91C3-4290-A94A-D309AD595294}" type="slidenum">
               <a:t>&lt;#&gt;</a:t>
             </a:fld>
           </a:p>
@@ -16908,7 +16909,7 @@
         <p:txBody>
           <a:bodyPr/>
           <a:p>
-            <a:fld id="{D0C65F04-675C-4807-AB0B-FF6C9AA21830}" type="slidenum">
+            <a:fld id="{4483D367-05C5-41D4-A870-247756D9927F}" type="slidenum">
               <a:t>&lt;#&gt;</a:t>
             </a:fld>
           </a:p>
@@ -17289,7 +17290,7 @@
         <p:txBody>
           <a:bodyPr/>
           <a:p>
-            <a:fld id="{6B68204D-5C77-4FC5-92F7-F70F0123CFC8}" type="slidenum">
+            <a:fld id="{F2D779DF-0D6D-4149-B78B-0FFC10F8E572}" type="slidenum">
               <a:t>&lt;#&gt;</a:t>
             </a:fld>
           </a:p>
@@ -17541,7 +17542,7 @@
         <p:txBody>
           <a:bodyPr/>
           <a:p>
-            <a:fld id="{214DCAEB-4FB6-404A-B2CA-15BF8B2F59E4}" type="slidenum">
+            <a:fld id="{BD737A45-DC81-4EDD-A701-13458CDD657A}" type="slidenum">
               <a:t>&lt;#&gt;</a:t>
             </a:fld>
           </a:p>
@@ -17610,7 +17611,7 @@
         <p:spPr>
           <a:xfrm>
             <a:off x="3124080" y="6356520"/>
-            <a:ext cx="2890800" cy="360360"/>
+            <a:ext cx="2890440" cy="360000"/>
           </a:xfrm>
           <a:prstGeom prst="rect">
             <a:avLst/>
@@ -17682,7 +17683,7 @@
         <p:spPr>
           <a:xfrm>
             <a:off x="6553080" y="6356520"/>
-            <a:ext cx="2129040" cy="360360"/>
+            <a:ext cx="2128680" cy="360000"/>
           </a:xfrm>
           <a:prstGeom prst="rect">
             <a:avLst/>
@@ -17723,7 +17724,7 @@
                 <a:tab algn="l" pos="0"/>
               </a:tabLst>
             </a:pPr>
-            <a:fld id="{0D10B420-7E2A-4E03-9D10-81EC7F23929E}" type="slidenum">
+            <a:fld id="{8F9A0F56-003B-4676-AA02-94BB62E43E7C}" type="slidenum">
               <a:rPr b="0" lang="en-US" sz="1200" spc="-1" strike="noStrike">
                 <a:solidFill>
                   <a:srgbClr val="8b8b8b"/>
@@ -17754,7 +17755,7 @@
         <p:spPr>
           <a:xfrm>
             <a:off x="457200" y="6356520"/>
-            <a:ext cx="2129040" cy="360360"/>
+            <a:ext cx="2128680" cy="360000"/>
           </a:xfrm>
           <a:prstGeom prst="rect">
             <a:avLst/>
@@ -18132,7 +18133,7 @@
         <p:spPr>
           <a:xfrm>
             <a:off x="3124080" y="6356520"/>
-            <a:ext cx="2890800" cy="360360"/>
+            <a:ext cx="2890440" cy="360000"/>
           </a:xfrm>
           <a:prstGeom prst="rect">
             <a:avLst/>
@@ -18204,7 +18205,7 @@
         <p:spPr>
           <a:xfrm>
             <a:off x="6553080" y="6356520"/>
-            <a:ext cx="2129040" cy="360360"/>
+            <a:ext cx="2128680" cy="360000"/>
           </a:xfrm>
           <a:prstGeom prst="rect">
             <a:avLst/>
@@ -18245,7 +18246,7 @@
                 <a:tab algn="l" pos="0"/>
               </a:tabLst>
             </a:pPr>
-            <a:fld id="{FDBFA369-0D93-4366-8D8F-463A40FDBC28}" type="slidenum">
+            <a:fld id="{676DC3C5-93A9-4E6F-A95B-ED2F39B9041F}" type="slidenum">
               <a:rPr b="0" lang="en-US" sz="1200" spc="-1" strike="noStrike">
                 <a:solidFill>
                   <a:srgbClr val="8b8b8b"/>
@@ -18276,7 +18277,7 @@
         <p:spPr>
           <a:xfrm>
             <a:off x="457200" y="6356520"/>
-            <a:ext cx="2129040" cy="360360"/>
+            <a:ext cx="2128680" cy="360000"/>
           </a:xfrm>
           <a:prstGeom prst="rect">
             <a:avLst/>
@@ -18654,7 +18655,7 @@
         <p:spPr>
           <a:xfrm>
             <a:off x="3124080" y="6356520"/>
-            <a:ext cx="2891520" cy="361080"/>
+            <a:ext cx="2891160" cy="360720"/>
           </a:xfrm>
           <a:prstGeom prst="rect">
             <a:avLst/>
@@ -18726,7 +18727,7 @@
         <p:spPr>
           <a:xfrm>
             <a:off x="6553080" y="6356520"/>
-            <a:ext cx="2129760" cy="361080"/>
+            <a:ext cx="2129400" cy="360720"/>
           </a:xfrm>
           <a:prstGeom prst="rect">
             <a:avLst/>
@@ -18767,7 +18768,7 @@
                 <a:tab algn="l" pos="0"/>
               </a:tabLst>
             </a:pPr>
-            <a:fld id="{A3C80C10-8BC9-4463-A761-6AD54C08DBF0}" type="slidenum">
+            <a:fld id="{9F69A137-F4F4-4D79-85DC-EB28FF344981}" type="slidenum">
               <a:rPr b="0" lang="en-US" sz="1200" spc="-1" strike="noStrike">
                 <a:solidFill>
                   <a:srgbClr val="8b8b8b"/>
@@ -18798,7 +18799,7 @@
         <p:spPr>
           <a:xfrm>
             <a:off x="457200" y="6356520"/>
-            <a:ext cx="2129760" cy="361080"/>
+            <a:ext cx="2129400" cy="360720"/>
           </a:xfrm>
           <a:prstGeom prst="rect">
             <a:avLst/>
@@ -19176,7 +19177,7 @@
         <p:spPr>
           <a:xfrm>
             <a:off x="3124080" y="6356520"/>
-            <a:ext cx="2891880" cy="361440"/>
+            <a:ext cx="2891520" cy="361080"/>
           </a:xfrm>
           <a:prstGeom prst="rect">
             <a:avLst/>
@@ -19248,7 +19249,7 @@
         <p:spPr>
           <a:xfrm>
             <a:off x="6553080" y="6356520"/>
-            <a:ext cx="2130120" cy="361440"/>
+            <a:ext cx="2129760" cy="361080"/>
           </a:xfrm>
           <a:prstGeom prst="rect">
             <a:avLst/>
@@ -19289,7 +19290,7 @@
                 <a:tab algn="l" pos="0"/>
               </a:tabLst>
             </a:pPr>
-            <a:fld id="{C87AEDD8-6EA5-4346-A347-8A50AC5D0583}" type="slidenum">
+            <a:fld id="{12A5D3B1-67A1-4EB5-8781-1A682276132A}" type="slidenum">
               <a:rPr b="0" lang="en-US" sz="1200" spc="-1" strike="noStrike">
                 <a:solidFill>
                   <a:srgbClr val="8b8b8b"/>
@@ -19320,7 +19321,7 @@
         <p:spPr>
           <a:xfrm>
             <a:off x="457200" y="6356520"/>
-            <a:ext cx="2130120" cy="361440"/>
+            <a:ext cx="2129760" cy="361080"/>
           </a:xfrm>
           <a:prstGeom prst="rect">
             <a:avLst/>
@@ -19698,7 +19699,7 @@
         <p:spPr>
           <a:xfrm>
             <a:off x="3124080" y="6356520"/>
-            <a:ext cx="2892240" cy="361800"/>
+            <a:ext cx="2891880" cy="361440"/>
           </a:xfrm>
           <a:prstGeom prst="rect">
             <a:avLst/>
@@ -19770,7 +19771,7 @@
         <p:spPr>
           <a:xfrm>
             <a:off x="6553080" y="6356520"/>
-            <a:ext cx="2130480" cy="361800"/>
+            <a:ext cx="2130120" cy="361440"/>
           </a:xfrm>
           <a:prstGeom prst="rect">
             <a:avLst/>
@@ -19811,7 +19812,7 @@
                 <a:tab algn="l" pos="0"/>
               </a:tabLst>
             </a:pPr>
-            <a:fld id="{7E4B6B2A-7C72-42B9-AF24-98821362E17A}" type="slidenum">
+            <a:fld id="{A6CF6C56-1A1B-4F65-B33D-7FC4A11AB978}" type="slidenum">
               <a:rPr b="0" lang="en-US" sz="1200" spc="-1" strike="noStrike">
                 <a:solidFill>
                   <a:srgbClr val="8b8b8b"/>
@@ -19842,7 +19843,7 @@
         <p:spPr>
           <a:xfrm>
             <a:off x="457200" y="6356520"/>
-            <a:ext cx="2130480" cy="361800"/>
+            <a:ext cx="2130120" cy="361440"/>
           </a:xfrm>
           <a:prstGeom prst="rect">
             <a:avLst/>
@@ -20220,7 +20221,7 @@
         <p:spPr>
           <a:xfrm>
             <a:off x="3124080" y="6356520"/>
-            <a:ext cx="2893680" cy="363240"/>
+            <a:ext cx="2893320" cy="362880"/>
           </a:xfrm>
           <a:prstGeom prst="rect">
             <a:avLst/>
@@ -20292,7 +20293,7 @@
         <p:spPr>
           <a:xfrm>
             <a:off x="6553080" y="6356520"/>
-            <a:ext cx="2131920" cy="363240"/>
+            <a:ext cx="2131560" cy="362880"/>
           </a:xfrm>
           <a:prstGeom prst="rect">
             <a:avLst/>
@@ -20333,7 +20334,7 @@
                 <a:tab algn="l" pos="0"/>
               </a:tabLst>
             </a:pPr>
-            <a:fld id="{E3204FEF-FBFC-444F-AB75-6D90AE94EE38}" type="slidenum">
+            <a:fld id="{857B1C41-DD57-4D8E-B0D5-EAFABF54DB24}" type="slidenum">
               <a:rPr b="0" lang="en-US" sz="1200" spc="-1" strike="noStrike">
                 <a:solidFill>
                   <a:srgbClr val="8b8b8b"/>
@@ -20364,7 +20365,7 @@
         <p:spPr>
           <a:xfrm>
             <a:off x="457200" y="6356520"/>
-            <a:ext cx="2131920" cy="363240"/>
+            <a:ext cx="2131560" cy="362880"/>
           </a:xfrm>
           <a:prstGeom prst="rect">
             <a:avLst/>
@@ -20742,7 +20743,7 @@
         <p:spPr>
           <a:xfrm>
             <a:off x="3124080" y="6356520"/>
-            <a:ext cx="2894400" cy="363960"/>
+            <a:ext cx="2894040" cy="363600"/>
           </a:xfrm>
           <a:prstGeom prst="rect">
             <a:avLst/>
@@ -20814,7 +20815,7 @@
         <p:spPr>
           <a:xfrm>
             <a:off x="6553080" y="6356520"/>
-            <a:ext cx="2132640" cy="363960"/>
+            <a:ext cx="2132280" cy="363600"/>
           </a:xfrm>
           <a:prstGeom prst="rect">
             <a:avLst/>
@@ -20855,7 +20856,7 @@
                 <a:tab algn="l" pos="0"/>
               </a:tabLst>
             </a:pPr>
-            <a:fld id="{DC1BFC62-1E77-4D87-9821-A401B687CA0D}" type="slidenum">
+            <a:fld id="{9BB996DC-D725-42BE-9E11-31E1B1A986A1}" type="slidenum">
               <a:rPr b="0" lang="en-US" sz="1200" spc="-1" strike="noStrike">
                 <a:solidFill>
                   <a:srgbClr val="8b8b8b"/>
@@ -20886,7 +20887,7 @@
         <p:spPr>
           <a:xfrm>
             <a:off x="457200" y="6356520"/>
-            <a:ext cx="2132640" cy="363960"/>
+            <a:ext cx="2132280" cy="363600"/>
           </a:xfrm>
           <a:prstGeom prst="rect">
             <a:avLst/>
@@ -21253,7 +21254,7 @@
         <p:spPr>
           <a:xfrm>
             <a:off x="0" y="0"/>
-            <a:ext cx="12184200" cy="6853320"/>
+            <a:ext cx="12183840" cy="6852960"/>
           </a:xfrm>
           <a:prstGeom prst="rect">
             <a:avLst/>
@@ -21313,7 +21314,7 @@
         <p:spPr>
           <a:xfrm>
             <a:off x="0" y="0"/>
-            <a:ext cx="13680" cy="6853320"/>
+            <a:ext cx="13320" cy="6852960"/>
           </a:xfrm>
           <a:prstGeom prst="rect">
             <a:avLst/>
@@ -21373,7 +21374,7 @@
         <p:spPr>
           <a:xfrm>
             <a:off x="914400" y="0"/>
-            <a:ext cx="13680" cy="6853320"/>
+            <a:ext cx="13320" cy="6852960"/>
           </a:xfrm>
           <a:prstGeom prst="rect">
             <a:avLst/>
@@ -21433,7 +21434,7 @@
         <p:spPr>
           <a:xfrm>
             <a:off x="1828800" y="0"/>
-            <a:ext cx="13680" cy="6853320"/>
+            <a:ext cx="13320" cy="6852960"/>
           </a:xfrm>
           <a:prstGeom prst="rect">
             <a:avLst/>
@@ -21493,7 +21494,7 @@
         <p:spPr>
           <a:xfrm>
             <a:off x="2743200" y="0"/>
-            <a:ext cx="13680" cy="6853320"/>
+            <a:ext cx="13320" cy="6852960"/>
           </a:xfrm>
           <a:prstGeom prst="rect">
             <a:avLst/>
@@ -21553,7 +21554,7 @@
         <p:spPr>
           <a:xfrm>
             <a:off x="3657600" y="0"/>
-            <a:ext cx="13680" cy="6853320"/>
+            <a:ext cx="13320" cy="6852960"/>
           </a:xfrm>
           <a:prstGeom prst="rect">
             <a:avLst/>
@@ -21613,7 +21614,7 @@
         <p:spPr>
           <a:xfrm>
             <a:off x="4572000" y="0"/>
-            <a:ext cx="13680" cy="6853320"/>
+            <a:ext cx="13320" cy="6852960"/>
           </a:xfrm>
           <a:prstGeom prst="rect">
             <a:avLst/>
@@ -21673,7 +21674,7 @@
         <p:spPr>
           <a:xfrm>
             <a:off x="5486400" y="0"/>
-            <a:ext cx="13680" cy="6853320"/>
+            <a:ext cx="13320" cy="6852960"/>
           </a:xfrm>
           <a:prstGeom prst="rect">
             <a:avLst/>
@@ -21733,7 +21734,7 @@
         <p:spPr>
           <a:xfrm>
             <a:off x="6400800" y="0"/>
-            <a:ext cx="13680" cy="6853320"/>
+            <a:ext cx="13320" cy="6852960"/>
           </a:xfrm>
           <a:prstGeom prst="rect">
             <a:avLst/>
@@ -21793,7 +21794,7 @@
         <p:spPr>
           <a:xfrm>
             <a:off x="7315200" y="0"/>
-            <a:ext cx="13680" cy="6853320"/>
+            <a:ext cx="13320" cy="6852960"/>
           </a:xfrm>
           <a:prstGeom prst="rect">
             <a:avLst/>
@@ -21853,7 +21854,7 @@
         <p:spPr>
           <a:xfrm>
             <a:off x="8229600" y="0"/>
-            <a:ext cx="13680" cy="6853320"/>
+            <a:ext cx="13320" cy="6852960"/>
           </a:xfrm>
           <a:prstGeom prst="rect">
             <a:avLst/>
@@ -21913,7 +21914,7 @@
         <p:spPr>
           <a:xfrm>
             <a:off x="9144000" y="0"/>
-            <a:ext cx="13680" cy="6853320"/>
+            <a:ext cx="13320" cy="6852960"/>
           </a:xfrm>
           <a:prstGeom prst="rect">
             <a:avLst/>
@@ -21973,7 +21974,7 @@
         <p:spPr>
           <a:xfrm>
             <a:off x="10058400" y="0"/>
-            <a:ext cx="13680" cy="6853320"/>
+            <a:ext cx="13320" cy="6852960"/>
           </a:xfrm>
           <a:prstGeom prst="rect">
             <a:avLst/>
@@ -22033,7 +22034,7 @@
         <p:spPr>
           <a:xfrm>
             <a:off x="10972800" y="0"/>
-            <a:ext cx="13680" cy="6853320"/>
+            <a:ext cx="13320" cy="6852960"/>
           </a:xfrm>
           <a:prstGeom prst="rect">
             <a:avLst/>
@@ -22093,7 +22094,7 @@
         <p:spPr>
           <a:xfrm>
             <a:off x="11887200" y="0"/>
-            <a:ext cx="13680" cy="6853320"/>
+            <a:ext cx="13320" cy="6852960"/>
           </a:xfrm>
           <a:prstGeom prst="rect">
             <a:avLst/>
@@ -22153,7 +22154,7 @@
         <p:spPr>
           <a:xfrm>
             <a:off x="0" y="0"/>
-            <a:ext cx="315360" cy="6853320"/>
+            <a:ext cx="315000" cy="6852960"/>
           </a:xfrm>
           <a:prstGeom prst="rect">
             <a:avLst/>
@@ -22213,7 +22214,7 @@
         <p:spPr>
           <a:xfrm>
             <a:off x="9875520" y="365760"/>
-            <a:ext cx="2007000" cy="498240"/>
+            <a:ext cx="2006640" cy="497880"/>
           </a:xfrm>
           <a:prstGeom prst="roundRect">
             <a:avLst>
@@ -22395,7 +22396,7 @@
         <p:spPr>
           <a:xfrm>
             <a:off x="987480" y="3182040"/>
-            <a:ext cx="3287160" cy="2738520"/>
+            <a:ext cx="3286800" cy="2738160"/>
           </a:xfrm>
           <a:prstGeom prst="roundRect">
             <a:avLst>
@@ -22457,7 +22458,7 @@
         <p:spPr>
           <a:xfrm>
             <a:off x="685800" y="2521440"/>
-            <a:ext cx="3425400" cy="3326040"/>
+            <a:ext cx="3425040" cy="3325680"/>
           </a:xfrm>
           <a:prstGeom prst="roundRect">
             <a:avLst>
@@ -22870,7 +22871,7 @@
         <p:spPr>
           <a:xfrm>
             <a:off x="4507920" y="3182040"/>
-            <a:ext cx="3287160" cy="2738520"/>
+            <a:ext cx="3286800" cy="2738160"/>
           </a:xfrm>
           <a:prstGeom prst="roundRect">
             <a:avLst>
@@ -22932,7 +22933,7 @@
         <p:spPr>
           <a:xfrm>
             <a:off x="4434840" y="3108960"/>
-            <a:ext cx="3287160" cy="2738520"/>
+            <a:ext cx="3286800" cy="2738160"/>
           </a:xfrm>
           <a:prstGeom prst="roundRect">
             <a:avLst>
@@ -23220,7 +23221,7 @@
         <p:spPr>
           <a:xfrm>
             <a:off x="8028360" y="3182040"/>
-            <a:ext cx="3287160" cy="2738520"/>
+            <a:ext cx="3286800" cy="2738160"/>
           </a:xfrm>
           <a:prstGeom prst="roundRect">
             <a:avLst>
@@ -23282,7 +23283,7 @@
         <p:spPr>
           <a:xfrm>
             <a:off x="7955280" y="3108960"/>
-            <a:ext cx="3287160" cy="2738520"/>
+            <a:ext cx="3286800" cy="2738160"/>
           </a:xfrm>
           <a:prstGeom prst="roundRect">
             <a:avLst>
@@ -23575,7 +23576,7 @@
         <p:spPr>
           <a:xfrm>
             <a:off x="0" y="0"/>
-            <a:ext cx="12185640" cy="6854760"/>
+            <a:ext cx="12185280" cy="6854400"/>
           </a:xfrm>
           <a:prstGeom prst="rect">
             <a:avLst/>
@@ -23635,7 +23636,7 @@
         <p:spPr>
           <a:xfrm>
             <a:off x="0" y="0"/>
-            <a:ext cx="15120" cy="6854760"/>
+            <a:ext cx="14760" cy="6854400"/>
           </a:xfrm>
           <a:prstGeom prst="rect">
             <a:avLst/>
@@ -23695,7 +23696,7 @@
         <p:spPr>
           <a:xfrm>
             <a:off x="914400" y="0"/>
-            <a:ext cx="15120" cy="6854760"/>
+            <a:ext cx="14760" cy="6854400"/>
           </a:xfrm>
           <a:prstGeom prst="rect">
             <a:avLst/>
@@ -23755,7 +23756,7 @@
         <p:spPr>
           <a:xfrm>
             <a:off x="1828800" y="0"/>
-            <a:ext cx="15120" cy="6854760"/>
+            <a:ext cx="14760" cy="6854400"/>
           </a:xfrm>
           <a:prstGeom prst="rect">
             <a:avLst/>
@@ -23815,7 +23816,7 @@
         <p:spPr>
           <a:xfrm>
             <a:off x="2743200" y="0"/>
-            <a:ext cx="15120" cy="6854760"/>
+            <a:ext cx="14760" cy="6854400"/>
           </a:xfrm>
           <a:prstGeom prst="rect">
             <a:avLst/>
@@ -23875,7 +23876,7 @@
         <p:spPr>
           <a:xfrm>
             <a:off x="3657600" y="0"/>
-            <a:ext cx="15120" cy="6854760"/>
+            <a:ext cx="14760" cy="6854400"/>
           </a:xfrm>
           <a:prstGeom prst="rect">
             <a:avLst/>
@@ -23935,7 +23936,7 @@
         <p:spPr>
           <a:xfrm>
             <a:off x="4572000" y="0"/>
-            <a:ext cx="15120" cy="6854760"/>
+            <a:ext cx="14760" cy="6854400"/>
           </a:xfrm>
           <a:prstGeom prst="rect">
             <a:avLst/>
@@ -23995,7 +23996,7 @@
         <p:spPr>
           <a:xfrm>
             <a:off x="5486400" y="0"/>
-            <a:ext cx="15120" cy="6854760"/>
+            <a:ext cx="14760" cy="6854400"/>
           </a:xfrm>
           <a:prstGeom prst="rect">
             <a:avLst/>
@@ -24055,7 +24056,7 @@
         <p:spPr>
           <a:xfrm>
             <a:off x="6400800" y="0"/>
-            <a:ext cx="15120" cy="6854760"/>
+            <a:ext cx="14760" cy="6854400"/>
           </a:xfrm>
           <a:prstGeom prst="rect">
             <a:avLst/>
@@ -24115,7 +24116,7 @@
         <p:spPr>
           <a:xfrm>
             <a:off x="7315200" y="0"/>
-            <a:ext cx="15120" cy="6854760"/>
+            <a:ext cx="14760" cy="6854400"/>
           </a:xfrm>
           <a:prstGeom prst="rect">
             <a:avLst/>
@@ -24175,7 +24176,7 @@
         <p:spPr>
           <a:xfrm>
             <a:off x="8229600" y="0"/>
-            <a:ext cx="15120" cy="6854760"/>
+            <a:ext cx="14760" cy="6854400"/>
           </a:xfrm>
           <a:prstGeom prst="rect">
             <a:avLst/>
@@ -24235,7 +24236,7 @@
         <p:spPr>
           <a:xfrm>
             <a:off x="9144000" y="0"/>
-            <a:ext cx="15120" cy="6854760"/>
+            <a:ext cx="14760" cy="6854400"/>
           </a:xfrm>
           <a:prstGeom prst="rect">
             <a:avLst/>
@@ -24295,7 +24296,7 @@
         <p:spPr>
           <a:xfrm>
             <a:off x="10058400" y="0"/>
-            <a:ext cx="15120" cy="6854760"/>
+            <a:ext cx="14760" cy="6854400"/>
           </a:xfrm>
           <a:prstGeom prst="rect">
             <a:avLst/>
@@ -24355,7 +24356,7 @@
         <p:spPr>
           <a:xfrm>
             <a:off x="10972800" y="0"/>
-            <a:ext cx="15120" cy="6854760"/>
+            <a:ext cx="14760" cy="6854400"/>
           </a:xfrm>
           <a:prstGeom prst="rect">
             <a:avLst/>
@@ -24415,7 +24416,7 @@
         <p:spPr>
           <a:xfrm>
             <a:off x="11887200" y="0"/>
-            <a:ext cx="15120" cy="6854760"/>
+            <a:ext cx="14760" cy="6854400"/>
           </a:xfrm>
           <a:prstGeom prst="rect">
             <a:avLst/>
@@ -24475,7 +24476,7 @@
         <p:spPr>
           <a:xfrm>
             <a:off x="0" y="0"/>
-            <a:ext cx="316800" cy="6854760"/>
+            <a:ext cx="316440" cy="6854400"/>
           </a:xfrm>
           <a:prstGeom prst="rect">
             <a:avLst/>
@@ -24535,7 +24536,7 @@
         <p:spPr>
           <a:xfrm>
             <a:off x="9875520" y="365760"/>
-            <a:ext cx="2008440" cy="499680"/>
+            <a:ext cx="2008080" cy="499320"/>
           </a:xfrm>
           <a:prstGeom prst="roundRect">
             <a:avLst>
@@ -24717,7 +24718,7 @@
         <p:spPr>
           <a:xfrm>
             <a:off x="987480" y="3182040"/>
-            <a:ext cx="3288600" cy="2739960"/>
+            <a:ext cx="3288240" cy="2739600"/>
           </a:xfrm>
           <a:prstGeom prst="roundRect">
             <a:avLst>
@@ -24779,7 +24780,7 @@
         <p:spPr>
           <a:xfrm>
             <a:off x="914400" y="3108960"/>
-            <a:ext cx="3288600" cy="2739960"/>
+            <a:ext cx="3288240" cy="2739600"/>
           </a:xfrm>
           <a:prstGeom prst="roundRect">
             <a:avLst>
@@ -25067,7 +25068,7 @@
         <p:spPr>
           <a:xfrm>
             <a:off x="4507920" y="3182040"/>
-            <a:ext cx="3288600" cy="2739960"/>
+            <a:ext cx="3288240" cy="2739600"/>
           </a:xfrm>
           <a:prstGeom prst="roundRect">
             <a:avLst>
@@ -25129,7 +25130,7 @@
         <p:spPr>
           <a:xfrm>
             <a:off x="4434840" y="3108960"/>
-            <a:ext cx="3288600" cy="2739960"/>
+            <a:ext cx="3288240" cy="2739600"/>
           </a:xfrm>
           <a:prstGeom prst="roundRect">
             <a:avLst>
@@ -25433,7 +25434,7 @@
         <p:spPr>
           <a:xfrm>
             <a:off x="8028360" y="3182040"/>
-            <a:ext cx="3288600" cy="2739960"/>
+            <a:ext cx="3288240" cy="2739600"/>
           </a:xfrm>
           <a:prstGeom prst="roundRect">
             <a:avLst>
@@ -25495,7 +25496,7 @@
         <p:spPr>
           <a:xfrm>
             <a:off x="7955280" y="3108960"/>
-            <a:ext cx="3288600" cy="3061800"/>
+            <a:ext cx="3288240" cy="3061440"/>
           </a:xfrm>
           <a:prstGeom prst="roundRect">
             <a:avLst>
@@ -25829,7 +25830,7 @@
         <p:spPr>
           <a:xfrm>
             <a:off x="0" y="0"/>
-            <a:ext cx="12185640" cy="6854760"/>
+            <a:ext cx="12185280" cy="6854400"/>
           </a:xfrm>
           <a:prstGeom prst="rect">
             <a:avLst/>
@@ -25889,7 +25890,7 @@
         <p:spPr>
           <a:xfrm>
             <a:off x="0" y="0"/>
-            <a:ext cx="15120" cy="6854760"/>
+            <a:ext cx="14760" cy="6854400"/>
           </a:xfrm>
           <a:prstGeom prst="rect">
             <a:avLst/>
@@ -25949,7 +25950,7 @@
         <p:spPr>
           <a:xfrm>
             <a:off x="914400" y="0"/>
-            <a:ext cx="15120" cy="6854760"/>
+            <a:ext cx="14760" cy="6854400"/>
           </a:xfrm>
           <a:prstGeom prst="rect">
             <a:avLst/>
@@ -26009,7 +26010,7 @@
         <p:spPr>
           <a:xfrm>
             <a:off x="1828800" y="0"/>
-            <a:ext cx="15120" cy="6854760"/>
+            <a:ext cx="14760" cy="6854400"/>
           </a:xfrm>
           <a:prstGeom prst="rect">
             <a:avLst/>
@@ -26069,7 +26070,7 @@
         <p:spPr>
           <a:xfrm>
             <a:off x="2743200" y="0"/>
-            <a:ext cx="15120" cy="6854760"/>
+            <a:ext cx="14760" cy="6854400"/>
           </a:xfrm>
           <a:prstGeom prst="rect">
             <a:avLst/>
@@ -26129,7 +26130,7 @@
         <p:spPr>
           <a:xfrm>
             <a:off x="3657600" y="0"/>
-            <a:ext cx="15120" cy="6854760"/>
+            <a:ext cx="14760" cy="6854400"/>
           </a:xfrm>
           <a:prstGeom prst="rect">
             <a:avLst/>
@@ -26189,7 +26190,7 @@
         <p:spPr>
           <a:xfrm>
             <a:off x="4572000" y="0"/>
-            <a:ext cx="15120" cy="6854760"/>
+            <a:ext cx="14760" cy="6854400"/>
           </a:xfrm>
           <a:prstGeom prst="rect">
             <a:avLst/>
@@ -26249,7 +26250,7 @@
         <p:spPr>
           <a:xfrm>
             <a:off x="5486400" y="0"/>
-            <a:ext cx="15120" cy="6854760"/>
+            <a:ext cx="14760" cy="6854400"/>
           </a:xfrm>
           <a:prstGeom prst="rect">
             <a:avLst/>
@@ -26309,7 +26310,7 @@
         <p:spPr>
           <a:xfrm>
             <a:off x="6400800" y="0"/>
-            <a:ext cx="15120" cy="6854760"/>
+            <a:ext cx="14760" cy="6854400"/>
           </a:xfrm>
           <a:prstGeom prst="rect">
             <a:avLst/>
@@ -26369,7 +26370,7 @@
         <p:spPr>
           <a:xfrm>
             <a:off x="7315200" y="0"/>
-            <a:ext cx="15120" cy="6854760"/>
+            <a:ext cx="14760" cy="6854400"/>
           </a:xfrm>
           <a:prstGeom prst="rect">
             <a:avLst/>
@@ -26429,7 +26430,7 @@
         <p:spPr>
           <a:xfrm>
             <a:off x="8229600" y="0"/>
-            <a:ext cx="15120" cy="6854760"/>
+            <a:ext cx="14760" cy="6854400"/>
           </a:xfrm>
           <a:prstGeom prst="rect">
             <a:avLst/>
@@ -26489,7 +26490,7 @@
         <p:spPr>
           <a:xfrm>
             <a:off x="9144000" y="0"/>
-            <a:ext cx="15120" cy="6854760"/>
+            <a:ext cx="14760" cy="6854400"/>
           </a:xfrm>
           <a:prstGeom prst="rect">
             <a:avLst/>
@@ -26549,7 +26550,7 @@
         <p:spPr>
           <a:xfrm>
             <a:off x="10058400" y="0"/>
-            <a:ext cx="15120" cy="6854760"/>
+            <a:ext cx="14760" cy="6854400"/>
           </a:xfrm>
           <a:prstGeom prst="rect">
             <a:avLst/>
@@ -26609,7 +26610,7 @@
         <p:spPr>
           <a:xfrm>
             <a:off x="10972800" y="0"/>
-            <a:ext cx="15120" cy="6854760"/>
+            <a:ext cx="14760" cy="6854400"/>
           </a:xfrm>
           <a:prstGeom prst="rect">
             <a:avLst/>
@@ -26669,7 +26670,7 @@
         <p:spPr>
           <a:xfrm>
             <a:off x="11887200" y="0"/>
-            <a:ext cx="15120" cy="6854760"/>
+            <a:ext cx="14760" cy="6854400"/>
           </a:xfrm>
           <a:prstGeom prst="rect">
             <a:avLst/>
@@ -26729,7 +26730,7 @@
         <p:spPr>
           <a:xfrm>
             <a:off x="0" y="0"/>
-            <a:ext cx="316800" cy="6854760"/>
+            <a:ext cx="316440" cy="6854400"/>
           </a:xfrm>
           <a:prstGeom prst="rect">
             <a:avLst/>
@@ -26789,7 +26790,7 @@
         <p:spPr>
           <a:xfrm>
             <a:off x="9875520" y="365760"/>
-            <a:ext cx="2008440" cy="499680"/>
+            <a:ext cx="2008080" cy="499320"/>
           </a:xfrm>
           <a:prstGeom prst="roundRect">
             <a:avLst>
@@ -26863,7 +26864,7 @@
         <p:spPr>
           <a:xfrm>
             <a:off x="3134520" y="1005840"/>
-            <a:ext cx="4700160" cy="638280"/>
+            <a:ext cx="4699800" cy="638280"/>
           </a:xfrm>
           <a:prstGeom prst="rect">
             <a:avLst/>
@@ -26971,7 +26972,7 @@
         <p:spPr>
           <a:xfrm>
             <a:off x="987480" y="3182040"/>
-            <a:ext cx="3288600" cy="2739960"/>
+            <a:ext cx="3288240" cy="2739600"/>
           </a:xfrm>
           <a:prstGeom prst="roundRect">
             <a:avLst>
@@ -27033,7 +27034,7 @@
         <p:spPr>
           <a:xfrm>
             <a:off x="457200" y="2971800"/>
-            <a:ext cx="3783600" cy="3199320"/>
+            <a:ext cx="3783240" cy="3198960"/>
           </a:xfrm>
           <a:prstGeom prst="roundRect">
             <a:avLst>
@@ -27406,7 +27407,7 @@
         <p:spPr>
           <a:xfrm>
             <a:off x="4507920" y="3182040"/>
-            <a:ext cx="3288600" cy="2739960"/>
+            <a:ext cx="3288240" cy="2739600"/>
           </a:xfrm>
           <a:prstGeom prst="roundRect">
             <a:avLst>
@@ -27468,7 +27469,7 @@
         <p:spPr>
           <a:xfrm>
             <a:off x="4434840" y="3108960"/>
-            <a:ext cx="3288600" cy="2833560"/>
+            <a:ext cx="3288240" cy="2833200"/>
           </a:xfrm>
           <a:prstGeom prst="roundRect">
             <a:avLst>
@@ -27818,7 +27819,7 @@
         <p:spPr>
           <a:xfrm>
             <a:off x="8028360" y="3182040"/>
-            <a:ext cx="3288600" cy="2739960"/>
+            <a:ext cx="3288240" cy="2739600"/>
           </a:xfrm>
           <a:prstGeom prst="roundRect">
             <a:avLst>
@@ -27880,7 +27881,7 @@
         <p:spPr>
           <a:xfrm>
             <a:off x="8001000" y="2743200"/>
-            <a:ext cx="3427920" cy="3427920"/>
+            <a:ext cx="3427560" cy="3427560"/>
           </a:xfrm>
           <a:prstGeom prst="roundRect">
             <a:avLst>
@@ -28372,7 +28373,7 @@
         <p:spPr>
           <a:xfrm>
             <a:off x="0" y="0"/>
-            <a:ext cx="12187080" cy="6856200"/>
+            <a:ext cx="12186720" cy="6855840"/>
           </a:xfrm>
           <a:prstGeom prst="rect">
             <a:avLst/>
@@ -28432,7 +28433,7 @@
         <p:spPr>
           <a:xfrm>
             <a:off x="0" y="0"/>
-            <a:ext cx="16560" cy="6856200"/>
+            <a:ext cx="16200" cy="6855840"/>
           </a:xfrm>
           <a:prstGeom prst="rect">
             <a:avLst/>
@@ -28492,7 +28493,7 @@
         <p:spPr>
           <a:xfrm>
             <a:off x="914400" y="0"/>
-            <a:ext cx="16560" cy="6856200"/>
+            <a:ext cx="16200" cy="6855840"/>
           </a:xfrm>
           <a:prstGeom prst="rect">
             <a:avLst/>
@@ -28552,7 +28553,7 @@
         <p:spPr>
           <a:xfrm>
             <a:off x="1828800" y="0"/>
-            <a:ext cx="16560" cy="6856200"/>
+            <a:ext cx="16200" cy="6855840"/>
           </a:xfrm>
           <a:prstGeom prst="rect">
             <a:avLst/>
@@ -28612,7 +28613,7 @@
         <p:spPr>
           <a:xfrm>
             <a:off x="2743200" y="0"/>
-            <a:ext cx="16560" cy="6856200"/>
+            <a:ext cx="16200" cy="6855840"/>
           </a:xfrm>
           <a:prstGeom prst="rect">
             <a:avLst/>
@@ -28672,7 +28673,7 @@
         <p:spPr>
           <a:xfrm>
             <a:off x="3657600" y="0"/>
-            <a:ext cx="16560" cy="6856200"/>
+            <a:ext cx="16200" cy="6855840"/>
           </a:xfrm>
           <a:prstGeom prst="rect">
             <a:avLst/>
@@ -28732,7 +28733,7 @@
         <p:spPr>
           <a:xfrm>
             <a:off x="4572000" y="0"/>
-            <a:ext cx="16560" cy="6856200"/>
+            <a:ext cx="16200" cy="6855840"/>
           </a:xfrm>
           <a:prstGeom prst="rect">
             <a:avLst/>
@@ -28792,7 +28793,7 @@
         <p:spPr>
           <a:xfrm>
             <a:off x="5486400" y="0"/>
-            <a:ext cx="16560" cy="6856200"/>
+            <a:ext cx="16200" cy="6855840"/>
           </a:xfrm>
           <a:prstGeom prst="rect">
             <a:avLst/>
@@ -28852,7 +28853,7 @@
         <p:spPr>
           <a:xfrm>
             <a:off x="6400800" y="0"/>
-            <a:ext cx="16560" cy="6856200"/>
+            <a:ext cx="16200" cy="6855840"/>
           </a:xfrm>
           <a:prstGeom prst="rect">
             <a:avLst/>
@@ -28912,7 +28913,7 @@
         <p:spPr>
           <a:xfrm>
             <a:off x="7315200" y="0"/>
-            <a:ext cx="16560" cy="6856200"/>
+            <a:ext cx="16200" cy="6855840"/>
           </a:xfrm>
           <a:prstGeom prst="rect">
             <a:avLst/>
@@ -28972,7 +28973,7 @@
         <p:spPr>
           <a:xfrm>
             <a:off x="8212320" y="0"/>
-            <a:ext cx="16560" cy="6856200"/>
+            <a:ext cx="16200" cy="6855840"/>
           </a:xfrm>
           <a:prstGeom prst="rect">
             <a:avLst/>
@@ -29032,7 +29033,7 @@
         <p:spPr>
           <a:xfrm>
             <a:off x="9144000" y="0"/>
-            <a:ext cx="16560" cy="6856200"/>
+            <a:ext cx="16200" cy="6855840"/>
           </a:xfrm>
           <a:prstGeom prst="rect">
             <a:avLst/>
@@ -29092,7 +29093,7 @@
         <p:spPr>
           <a:xfrm>
             <a:off x="10058400" y="0"/>
-            <a:ext cx="16560" cy="6856200"/>
+            <a:ext cx="16200" cy="6855840"/>
           </a:xfrm>
           <a:prstGeom prst="rect">
             <a:avLst/>
@@ -29152,7 +29153,7 @@
         <p:spPr>
           <a:xfrm>
             <a:off x="10972800" y="0"/>
-            <a:ext cx="16560" cy="6856200"/>
+            <a:ext cx="16200" cy="6855840"/>
           </a:xfrm>
           <a:prstGeom prst="rect">
             <a:avLst/>
@@ -29212,7 +29213,7 @@
         <p:spPr>
           <a:xfrm>
             <a:off x="11887200" y="0"/>
-            <a:ext cx="16560" cy="6856200"/>
+            <a:ext cx="16200" cy="6855840"/>
           </a:xfrm>
           <a:prstGeom prst="rect">
             <a:avLst/>
@@ -29272,7 +29273,7 @@
         <p:spPr>
           <a:xfrm>
             <a:off x="0" y="0"/>
-            <a:ext cx="318240" cy="6856200"/>
+            <a:ext cx="317880" cy="6855840"/>
           </a:xfrm>
           <a:prstGeom prst="rect">
             <a:avLst/>
@@ -29332,7 +29333,7 @@
         <p:spPr>
           <a:xfrm>
             <a:off x="9875520" y="365760"/>
-            <a:ext cx="2009880" cy="501120"/>
+            <a:ext cx="2009520" cy="500760"/>
           </a:xfrm>
           <a:prstGeom prst="roundRect">
             <a:avLst>
@@ -29460,7 +29461,7 @@
         <p:spPr>
           <a:xfrm>
             <a:off x="1742040" y="2013840"/>
-            <a:ext cx="7629840" cy="957960"/>
+            <a:ext cx="7629480" cy="957960"/>
           </a:xfrm>
           <a:prstGeom prst="rect">
             <a:avLst/>
@@ -29560,7 +29561,7 @@
         <p:spPr>
           <a:xfrm>
             <a:off x="987480" y="3182040"/>
-            <a:ext cx="3290040" cy="2741400"/>
+            <a:ext cx="3289680" cy="2741040"/>
           </a:xfrm>
           <a:prstGeom prst="roundRect">
             <a:avLst>
@@ -29622,7 +29623,7 @@
         <p:spPr>
           <a:xfrm>
             <a:off x="914400" y="3108960"/>
-            <a:ext cx="3290040" cy="2741400"/>
+            <a:ext cx="3289680" cy="2741040"/>
           </a:xfrm>
           <a:prstGeom prst="roundRect">
             <a:avLst>
@@ -29859,7 +29860,7 @@
         <p:spPr>
           <a:xfrm>
             <a:off x="4507920" y="3182040"/>
-            <a:ext cx="3290040" cy="2741400"/>
+            <a:ext cx="3289680" cy="2741040"/>
           </a:xfrm>
           <a:prstGeom prst="roundRect">
             <a:avLst>
@@ -29921,7 +29922,7 @@
         <p:spPr>
           <a:xfrm>
             <a:off x="4434840" y="3108960"/>
-            <a:ext cx="3290040" cy="2741400"/>
+            <a:ext cx="3289680" cy="2741040"/>
           </a:xfrm>
           <a:prstGeom prst="roundRect">
             <a:avLst>
@@ -30192,7 +30193,7 @@
         <p:spPr>
           <a:xfrm>
             <a:off x="8028360" y="3182040"/>
-            <a:ext cx="3290040" cy="2741400"/>
+            <a:ext cx="3289680" cy="2741040"/>
           </a:xfrm>
           <a:prstGeom prst="roundRect">
             <a:avLst>
@@ -30254,7 +30255,7 @@
         <p:spPr>
           <a:xfrm>
             <a:off x="7955280" y="3108960"/>
-            <a:ext cx="3290040" cy="2741400"/>
+            <a:ext cx="3289680" cy="2741040"/>
           </a:xfrm>
           <a:prstGeom prst="roundRect">
             <a:avLst>
@@ -30612,7 +30613,7 @@
         <p:spPr>
           <a:xfrm>
             <a:off x="0" y="0"/>
-            <a:ext cx="12187080" cy="6856200"/>
+            <a:ext cx="12186720" cy="6855840"/>
           </a:xfrm>
           <a:prstGeom prst="rect">
             <a:avLst/>
@@ -30672,7 +30673,7 @@
         <p:spPr>
           <a:xfrm>
             <a:off x="0" y="0"/>
-            <a:ext cx="16560" cy="6856200"/>
+            <a:ext cx="16200" cy="6855840"/>
           </a:xfrm>
           <a:prstGeom prst="rect">
             <a:avLst/>
@@ -30732,7 +30733,7 @@
         <p:spPr>
           <a:xfrm>
             <a:off x="914400" y="0"/>
-            <a:ext cx="16560" cy="6856200"/>
+            <a:ext cx="16200" cy="6855840"/>
           </a:xfrm>
           <a:prstGeom prst="rect">
             <a:avLst/>
@@ -30792,7 +30793,7 @@
         <p:spPr>
           <a:xfrm>
             <a:off x="1828800" y="0"/>
-            <a:ext cx="16560" cy="6856200"/>
+            <a:ext cx="16200" cy="6855840"/>
           </a:xfrm>
           <a:prstGeom prst="rect">
             <a:avLst/>
@@ -30852,7 +30853,7 @@
         <p:spPr>
           <a:xfrm>
             <a:off x="2743200" y="0"/>
-            <a:ext cx="16560" cy="6856200"/>
+            <a:ext cx="16200" cy="6855840"/>
           </a:xfrm>
           <a:prstGeom prst="rect">
             <a:avLst/>
@@ -30912,7 +30913,7 @@
         <p:spPr>
           <a:xfrm>
             <a:off x="3657600" y="0"/>
-            <a:ext cx="16560" cy="6856200"/>
+            <a:ext cx="16200" cy="6855840"/>
           </a:xfrm>
           <a:prstGeom prst="rect">
             <a:avLst/>
@@ -30972,7 +30973,7 @@
         <p:spPr>
           <a:xfrm>
             <a:off x="4572000" y="0"/>
-            <a:ext cx="16560" cy="6856200"/>
+            <a:ext cx="16200" cy="6855840"/>
           </a:xfrm>
           <a:prstGeom prst="rect">
             <a:avLst/>
@@ -31032,7 +31033,7 @@
         <p:spPr>
           <a:xfrm>
             <a:off x="5486400" y="0"/>
-            <a:ext cx="16560" cy="6856200"/>
+            <a:ext cx="16200" cy="6855840"/>
           </a:xfrm>
           <a:prstGeom prst="rect">
             <a:avLst/>
@@ -31092,7 +31093,7 @@
         <p:spPr>
           <a:xfrm>
             <a:off x="6400800" y="0"/>
-            <a:ext cx="16560" cy="6856200"/>
+            <a:ext cx="16200" cy="6855840"/>
           </a:xfrm>
           <a:prstGeom prst="rect">
             <a:avLst/>
@@ -31152,7 +31153,7 @@
         <p:spPr>
           <a:xfrm>
             <a:off x="7315200" y="0"/>
-            <a:ext cx="16560" cy="6856200"/>
+            <a:ext cx="16200" cy="6855840"/>
           </a:xfrm>
           <a:prstGeom prst="rect">
             <a:avLst/>
@@ -31212,7 +31213,7 @@
         <p:spPr>
           <a:xfrm>
             <a:off x="8212320" y="0"/>
-            <a:ext cx="16560" cy="6856200"/>
+            <a:ext cx="16200" cy="6855840"/>
           </a:xfrm>
           <a:prstGeom prst="rect">
             <a:avLst/>
@@ -31272,7 +31273,7 @@
         <p:spPr>
           <a:xfrm>
             <a:off x="9144000" y="0"/>
-            <a:ext cx="16560" cy="6856200"/>
+            <a:ext cx="16200" cy="6855840"/>
           </a:xfrm>
           <a:prstGeom prst="rect">
             <a:avLst/>
@@ -31332,7 +31333,7 @@
         <p:spPr>
           <a:xfrm>
             <a:off x="10058400" y="0"/>
-            <a:ext cx="16560" cy="6856200"/>
+            <a:ext cx="16200" cy="6855840"/>
           </a:xfrm>
           <a:prstGeom prst="rect">
             <a:avLst/>
@@ -31392,7 +31393,7 @@
         <p:spPr>
           <a:xfrm>
             <a:off x="10972800" y="0"/>
-            <a:ext cx="16560" cy="6856200"/>
+            <a:ext cx="16200" cy="6855840"/>
           </a:xfrm>
           <a:prstGeom prst="rect">
             <a:avLst/>
@@ -31452,7 +31453,7 @@
         <p:spPr>
           <a:xfrm>
             <a:off x="11887200" y="0"/>
-            <a:ext cx="16560" cy="6856200"/>
+            <a:ext cx="16200" cy="6855840"/>
           </a:xfrm>
           <a:prstGeom prst="rect">
             <a:avLst/>
@@ -31512,7 +31513,7 @@
         <p:spPr>
           <a:xfrm>
             <a:off x="0" y="0"/>
-            <a:ext cx="318240" cy="6856200"/>
+            <a:ext cx="317880" cy="6855840"/>
           </a:xfrm>
           <a:prstGeom prst="rect">
             <a:avLst/>
@@ -31572,7 +31573,7 @@
         <p:spPr>
           <a:xfrm>
             <a:off x="9875520" y="365760"/>
-            <a:ext cx="2009880" cy="501120"/>
+            <a:ext cx="2009520" cy="500760"/>
           </a:xfrm>
           <a:prstGeom prst="roundRect">
             <a:avLst>
@@ -31646,7 +31647,7 @@
         <p:spPr>
           <a:xfrm>
             <a:off x="658080" y="1005840"/>
-            <a:ext cx="9655560" cy="699120"/>
+            <a:ext cx="9655200" cy="699120"/>
           </a:xfrm>
           <a:prstGeom prst="rect">
             <a:avLst/>
@@ -31700,7 +31701,7 @@
         <p:spPr>
           <a:xfrm>
             <a:off x="2366640" y="2013840"/>
-            <a:ext cx="6380280" cy="668520"/>
+            <a:ext cx="6379920" cy="668520"/>
           </a:xfrm>
           <a:prstGeom prst="rect">
             <a:avLst/>
@@ -31777,7 +31778,7 @@
         <p:spPr>
           <a:xfrm>
             <a:off x="987480" y="3182040"/>
-            <a:ext cx="3290040" cy="2741400"/>
+            <a:ext cx="3289680" cy="2741040"/>
           </a:xfrm>
           <a:prstGeom prst="roundRect">
             <a:avLst>
@@ -31839,7 +31840,7 @@
         <p:spPr>
           <a:xfrm>
             <a:off x="914400" y="3108960"/>
-            <a:ext cx="3290040" cy="2741400"/>
+            <a:ext cx="3289680" cy="2741040"/>
           </a:xfrm>
           <a:prstGeom prst="roundRect">
             <a:avLst>
@@ -32114,7 +32115,7 @@
         <p:spPr>
           <a:xfrm>
             <a:off x="4507920" y="3182040"/>
-            <a:ext cx="3290040" cy="2741400"/>
+            <a:ext cx="3289680" cy="2741040"/>
           </a:xfrm>
           <a:prstGeom prst="roundRect">
             <a:avLst>
@@ -32176,7 +32177,7 @@
         <p:spPr>
           <a:xfrm>
             <a:off x="4434840" y="3108960"/>
-            <a:ext cx="3290040" cy="2741400"/>
+            <a:ext cx="3289680" cy="2741040"/>
           </a:xfrm>
           <a:prstGeom prst="roundRect">
             <a:avLst>
@@ -32434,7 +32435,7 @@
         <p:spPr>
           <a:xfrm>
             <a:off x="8028360" y="3182040"/>
-            <a:ext cx="3290040" cy="2741400"/>
+            <a:ext cx="3289680" cy="2741040"/>
           </a:xfrm>
           <a:prstGeom prst="roundRect">
             <a:avLst>
@@ -32496,7 +32497,7 @@
         <p:spPr>
           <a:xfrm>
             <a:off x="7955280" y="3108960"/>
-            <a:ext cx="3290040" cy="2741400"/>
+            <a:ext cx="3289680" cy="2741040"/>
           </a:xfrm>
           <a:prstGeom prst="roundRect">
             <a:avLst>
@@ -32854,7 +32855,7 @@
         <p:spPr>
           <a:xfrm>
             <a:off x="0" y="0"/>
-            <a:ext cx="12187800" cy="6856920"/>
+            <a:ext cx="12187440" cy="6856560"/>
           </a:xfrm>
           <a:prstGeom prst="rect">
             <a:avLst/>
@@ -32890,6 +32891,11 @@
             <a:noAutofit/>
           </a:bodyPr>
           <a:p>
+            <a:pPr>
+              <a:lnSpc>
+                <a:spcPct val="100000"/>
+              </a:lnSpc>
+            </a:pPr>
             <a:endParaRPr b="0" lang="en-US" sz="1800" spc="-1" strike="noStrike">
               <a:solidFill>
                 <a:schemeClr val="lt1"/>
@@ -32909,7 +32915,7 @@
         <p:spPr>
           <a:xfrm>
             <a:off x="0" y="0"/>
-            <a:ext cx="17280" cy="6856920"/>
+            <a:ext cx="16920" cy="6856560"/>
           </a:xfrm>
           <a:prstGeom prst="rect">
             <a:avLst/>
@@ -32945,6 +32951,11 @@
             <a:noAutofit/>
           </a:bodyPr>
           <a:p>
+            <a:pPr>
+              <a:lnSpc>
+                <a:spcPct val="100000"/>
+              </a:lnSpc>
+            </a:pPr>
             <a:endParaRPr b="0" lang="en-US" sz="1800" spc="-1" strike="noStrike">
               <a:solidFill>
                 <a:schemeClr val="lt1"/>
@@ -32964,7 +32975,7 @@
         <p:spPr>
           <a:xfrm>
             <a:off x="914400" y="0"/>
-            <a:ext cx="17280" cy="6856920"/>
+            <a:ext cx="16920" cy="6856560"/>
           </a:xfrm>
           <a:prstGeom prst="rect">
             <a:avLst/>
@@ -33000,6 +33011,11 @@
             <a:noAutofit/>
           </a:bodyPr>
           <a:p>
+            <a:pPr>
+              <a:lnSpc>
+                <a:spcPct val="100000"/>
+              </a:lnSpc>
+            </a:pPr>
             <a:endParaRPr b="0" lang="en-US" sz="1800" spc="-1" strike="noStrike">
               <a:solidFill>
                 <a:schemeClr val="lt1"/>
@@ -33019,7 +33035,7 @@
         <p:spPr>
           <a:xfrm>
             <a:off x="1828800" y="0"/>
-            <a:ext cx="17280" cy="6856920"/>
+            <a:ext cx="16920" cy="6856560"/>
           </a:xfrm>
           <a:prstGeom prst="rect">
             <a:avLst/>
@@ -33055,6 +33071,11 @@
             <a:noAutofit/>
           </a:bodyPr>
           <a:p>
+            <a:pPr>
+              <a:lnSpc>
+                <a:spcPct val="100000"/>
+              </a:lnSpc>
+            </a:pPr>
             <a:endParaRPr b="0" lang="en-US" sz="1800" spc="-1" strike="noStrike">
               <a:solidFill>
                 <a:schemeClr val="lt1"/>
@@ -33074,7 +33095,7 @@
         <p:spPr>
           <a:xfrm>
             <a:off x="2743200" y="0"/>
-            <a:ext cx="17280" cy="6856920"/>
+            <a:ext cx="16920" cy="6856560"/>
           </a:xfrm>
           <a:prstGeom prst="rect">
             <a:avLst/>
@@ -33110,6 +33131,11 @@
             <a:noAutofit/>
           </a:bodyPr>
           <a:p>
+            <a:pPr>
+              <a:lnSpc>
+                <a:spcPct val="100000"/>
+              </a:lnSpc>
+            </a:pPr>
             <a:endParaRPr b="0" lang="en-US" sz="1800" spc="-1" strike="noStrike">
               <a:solidFill>
                 <a:schemeClr val="lt1"/>
@@ -33129,7 +33155,7 @@
         <p:spPr>
           <a:xfrm>
             <a:off x="3657600" y="0"/>
-            <a:ext cx="17280" cy="6856920"/>
+            <a:ext cx="16920" cy="6856560"/>
           </a:xfrm>
           <a:prstGeom prst="rect">
             <a:avLst/>
@@ -33165,6 +33191,11 @@
             <a:noAutofit/>
           </a:bodyPr>
           <a:p>
+            <a:pPr>
+              <a:lnSpc>
+                <a:spcPct val="100000"/>
+              </a:lnSpc>
+            </a:pPr>
             <a:endParaRPr b="0" lang="en-US" sz="1800" spc="-1" strike="noStrike">
               <a:solidFill>
                 <a:schemeClr val="lt1"/>
@@ -33184,7 +33215,7 @@
         <p:spPr>
           <a:xfrm>
             <a:off x="4572000" y="0"/>
-            <a:ext cx="17280" cy="6856920"/>
+            <a:ext cx="16920" cy="6856560"/>
           </a:xfrm>
           <a:prstGeom prst="rect">
             <a:avLst/>
@@ -33220,6 +33251,11 @@
             <a:noAutofit/>
           </a:bodyPr>
           <a:p>
+            <a:pPr>
+              <a:lnSpc>
+                <a:spcPct val="100000"/>
+              </a:lnSpc>
+            </a:pPr>
             <a:endParaRPr b="0" lang="en-US" sz="1800" spc="-1" strike="noStrike">
               <a:solidFill>
                 <a:schemeClr val="lt1"/>
@@ -33239,7 +33275,7 @@
         <p:spPr>
           <a:xfrm>
             <a:off x="5486400" y="0"/>
-            <a:ext cx="17280" cy="6856920"/>
+            <a:ext cx="16920" cy="6856560"/>
           </a:xfrm>
           <a:prstGeom prst="rect">
             <a:avLst/>
@@ -33275,6 +33311,11 @@
             <a:noAutofit/>
           </a:bodyPr>
           <a:p>
+            <a:pPr>
+              <a:lnSpc>
+                <a:spcPct val="100000"/>
+              </a:lnSpc>
+            </a:pPr>
             <a:endParaRPr b="0" lang="en-US" sz="1800" spc="-1" strike="noStrike">
               <a:solidFill>
                 <a:schemeClr val="lt1"/>
@@ -33294,7 +33335,7 @@
         <p:spPr>
           <a:xfrm>
             <a:off x="6400800" y="0"/>
-            <a:ext cx="17280" cy="6856920"/>
+            <a:ext cx="16920" cy="6856560"/>
           </a:xfrm>
           <a:prstGeom prst="rect">
             <a:avLst/>
@@ -33330,6 +33371,11 @@
             <a:noAutofit/>
           </a:bodyPr>
           <a:p>
+            <a:pPr>
+              <a:lnSpc>
+                <a:spcPct val="100000"/>
+              </a:lnSpc>
+            </a:pPr>
             <a:endParaRPr b="0" lang="en-US" sz="1800" spc="-1" strike="noStrike">
               <a:solidFill>
                 <a:schemeClr val="lt1"/>
@@ -33349,7 +33395,7 @@
         <p:spPr>
           <a:xfrm>
             <a:off x="7315200" y="0"/>
-            <a:ext cx="17280" cy="6856920"/>
+            <a:ext cx="16920" cy="6856560"/>
           </a:xfrm>
           <a:prstGeom prst="rect">
             <a:avLst/>
@@ -33385,6 +33431,11 @@
             <a:noAutofit/>
           </a:bodyPr>
           <a:p>
+            <a:pPr>
+              <a:lnSpc>
+                <a:spcPct val="100000"/>
+              </a:lnSpc>
+            </a:pPr>
             <a:endParaRPr b="0" lang="en-US" sz="1800" spc="-1" strike="noStrike">
               <a:solidFill>
                 <a:schemeClr val="lt1"/>
@@ -33404,7 +33455,7 @@
         <p:spPr>
           <a:xfrm>
             <a:off x="8229600" y="0"/>
-            <a:ext cx="17280" cy="6856920"/>
+            <a:ext cx="16920" cy="6856560"/>
           </a:xfrm>
           <a:prstGeom prst="rect">
             <a:avLst/>
@@ -33440,6 +33491,11 @@
             <a:noAutofit/>
           </a:bodyPr>
           <a:p>
+            <a:pPr>
+              <a:lnSpc>
+                <a:spcPct val="100000"/>
+              </a:lnSpc>
+            </a:pPr>
             <a:endParaRPr b="0" lang="en-US" sz="1800" spc="-1" strike="noStrike">
               <a:solidFill>
                 <a:schemeClr val="lt1"/>
@@ -33459,7 +33515,7 @@
         <p:spPr>
           <a:xfrm>
             <a:off x="9144000" y="0"/>
-            <a:ext cx="17280" cy="6856920"/>
+            <a:ext cx="16920" cy="6856560"/>
           </a:xfrm>
           <a:prstGeom prst="rect">
             <a:avLst/>
@@ -33495,6 +33551,11 @@
             <a:noAutofit/>
           </a:bodyPr>
           <a:p>
+            <a:pPr>
+              <a:lnSpc>
+                <a:spcPct val="100000"/>
+              </a:lnSpc>
+            </a:pPr>
             <a:endParaRPr b="0" lang="en-US" sz="1800" spc="-1" strike="noStrike">
               <a:solidFill>
                 <a:schemeClr val="lt1"/>
@@ -33514,7 +33575,7 @@
         <p:spPr>
           <a:xfrm>
             <a:off x="10058400" y="0"/>
-            <a:ext cx="17280" cy="6856920"/>
+            <a:ext cx="16920" cy="6856560"/>
           </a:xfrm>
           <a:prstGeom prst="rect">
             <a:avLst/>
@@ -33550,6 +33611,11 @@
             <a:noAutofit/>
           </a:bodyPr>
           <a:p>
+            <a:pPr>
+              <a:lnSpc>
+                <a:spcPct val="100000"/>
+              </a:lnSpc>
+            </a:pPr>
             <a:endParaRPr b="0" lang="en-US" sz="1800" spc="-1" strike="noStrike">
               <a:solidFill>
                 <a:schemeClr val="lt1"/>
@@ -33569,7 +33635,7 @@
         <p:spPr>
           <a:xfrm>
             <a:off x="10972800" y="0"/>
-            <a:ext cx="17280" cy="6856920"/>
+            <a:ext cx="16920" cy="6856560"/>
           </a:xfrm>
           <a:prstGeom prst="rect">
             <a:avLst/>
@@ -33605,6 +33671,11 @@
             <a:noAutofit/>
           </a:bodyPr>
           <a:p>
+            <a:pPr>
+              <a:lnSpc>
+                <a:spcPct val="100000"/>
+              </a:lnSpc>
+            </a:pPr>
             <a:endParaRPr b="0" lang="en-US" sz="1800" spc="-1" strike="noStrike">
               <a:solidFill>
                 <a:schemeClr val="lt1"/>
@@ -33624,7 +33695,7 @@
         <p:spPr>
           <a:xfrm>
             <a:off x="11887200" y="0"/>
-            <a:ext cx="17280" cy="6856920"/>
+            <a:ext cx="16920" cy="6856560"/>
           </a:xfrm>
           <a:prstGeom prst="rect">
             <a:avLst/>
@@ -33660,6 +33731,11 @@
             <a:noAutofit/>
           </a:bodyPr>
           <a:p>
+            <a:pPr>
+              <a:lnSpc>
+                <a:spcPct val="100000"/>
+              </a:lnSpc>
+            </a:pPr>
             <a:endParaRPr b="0" lang="en-US" sz="1800" spc="-1" strike="noStrike">
               <a:solidFill>
                 <a:schemeClr val="lt1"/>
@@ -33679,7 +33755,7 @@
         <p:spPr>
           <a:xfrm>
             <a:off x="0" y="0"/>
-            <a:ext cx="318960" cy="6856920"/>
+            <a:ext cx="318600" cy="6856560"/>
           </a:xfrm>
           <a:prstGeom prst="rect">
             <a:avLst/>
@@ -33715,6 +33791,11 @@
             <a:noAutofit/>
           </a:bodyPr>
           <a:p>
+            <a:pPr>
+              <a:lnSpc>
+                <a:spcPct val="100000"/>
+              </a:lnSpc>
+            </a:pPr>
             <a:endParaRPr b="0" lang="en-US" sz="1800" spc="-1" strike="noStrike">
               <a:solidFill>
                 <a:schemeClr val="lt1"/>
@@ -33734,7 +33815,7 @@
         <p:spPr>
           <a:xfrm>
             <a:off x="9875520" y="365760"/>
-            <a:ext cx="2010600" cy="501840"/>
+            <a:ext cx="2010240" cy="501480"/>
           </a:xfrm>
           <a:prstGeom prst="roundRect">
             <a:avLst>
@@ -33862,7 +33943,7 @@
         <p:spPr>
           <a:xfrm>
             <a:off x="2525760" y="2194560"/>
-            <a:ext cx="5920560" cy="668520"/>
+            <a:ext cx="5920200" cy="668520"/>
           </a:xfrm>
           <a:prstGeom prst="rect">
             <a:avLst/>
@@ -33939,7 +34020,7 @@
         <p:spPr>
           <a:xfrm>
             <a:off x="987480" y="3182040"/>
-            <a:ext cx="3290760" cy="2742120"/>
+            <a:ext cx="3290400" cy="2741760"/>
           </a:xfrm>
           <a:prstGeom prst="roundRect">
             <a:avLst>
@@ -33977,6 +34058,11 @@
             <a:noAutofit/>
           </a:bodyPr>
           <a:p>
+            <a:pPr>
+              <a:lnSpc>
+                <a:spcPct val="100000"/>
+              </a:lnSpc>
+            </a:pPr>
             <a:endParaRPr b="0" lang="en-US" sz="1800" spc="-1" strike="noStrike">
               <a:solidFill>
                 <a:schemeClr val="lt1"/>
@@ -33996,7 +34082,7 @@
         <p:spPr>
           <a:xfrm>
             <a:off x="914400" y="3108960"/>
-            <a:ext cx="3290760" cy="2742120"/>
+            <a:ext cx="3290400" cy="2741760"/>
           </a:xfrm>
           <a:prstGeom prst="roundRect">
             <a:avLst>
@@ -34223,7 +34309,7 @@
         <p:spPr>
           <a:xfrm>
             <a:off x="4507920" y="3182040"/>
-            <a:ext cx="3290760" cy="2742120"/>
+            <a:ext cx="3290400" cy="2741760"/>
           </a:xfrm>
           <a:prstGeom prst="roundRect">
             <a:avLst>
@@ -34261,6 +34347,11 @@
             <a:noAutofit/>
           </a:bodyPr>
           <a:p>
+            <a:pPr>
+              <a:lnSpc>
+                <a:spcPct val="100000"/>
+              </a:lnSpc>
+            </a:pPr>
             <a:endParaRPr b="0" lang="en-US" sz="1800" spc="-1" strike="noStrike">
               <a:solidFill>
                 <a:schemeClr val="lt1"/>
@@ -34280,7 +34371,7 @@
         <p:spPr>
           <a:xfrm>
             <a:off x="4434840" y="3108960"/>
-            <a:ext cx="3290760" cy="2742120"/>
+            <a:ext cx="3290400" cy="2741760"/>
           </a:xfrm>
           <a:prstGeom prst="roundRect">
             <a:avLst>
@@ -34551,7 +34642,7 @@
         <p:spPr>
           <a:xfrm>
             <a:off x="8028360" y="3182040"/>
-            <a:ext cx="3290760" cy="2742120"/>
+            <a:ext cx="3290400" cy="2741760"/>
           </a:xfrm>
           <a:prstGeom prst="roundRect">
             <a:avLst>
@@ -34589,6 +34680,11 @@
             <a:noAutofit/>
           </a:bodyPr>
           <a:p>
+            <a:pPr>
+              <a:lnSpc>
+                <a:spcPct val="100000"/>
+              </a:lnSpc>
+            </a:pPr>
             <a:endParaRPr b="0" lang="en-US" sz="1800" spc="-1" strike="noStrike">
               <a:solidFill>
                 <a:schemeClr val="lt1"/>
@@ -34608,7 +34704,7 @@
         <p:spPr>
           <a:xfrm>
             <a:off x="7955280" y="3108960"/>
-            <a:ext cx="3290760" cy="2742120"/>
+            <a:ext cx="3290400" cy="2741760"/>
           </a:xfrm>
           <a:prstGeom prst="roundRect">
             <a:avLst>
@@ -34856,7 +34952,2098 @@
         <p:spPr>
           <a:xfrm>
             <a:off x="4600080" y="6446520"/>
-            <a:ext cx="3051720" cy="363960"/>
+            <a:ext cx="3051360" cy="363960"/>
+          </a:xfrm>
+          <a:prstGeom prst="rect">
+            <a:avLst/>
+          </a:prstGeom>
+          <a:noFill/>
+          <a:ln w="0">
+            <a:noFill/>
+          </a:ln>
+        </p:spPr>
+        <p:style>
+          <a:lnRef idx="0"/>
+          <a:fillRef idx="0"/>
+          <a:effectRef idx="0"/>
+          <a:fontRef idx="minor"/>
+        </p:style>
+        <p:txBody>
+          <a:bodyPr wrap="none" lIns="90000" rIns="90000" tIns="45000" bIns="45000" anchor="t">
+            <a:spAutoFit/>
+          </a:bodyPr>
+          <a:p>
+            <a:pPr>
+              <a:lnSpc>
+                <a:spcPct val="100000"/>
+              </a:lnSpc>
+            </a:pPr>
+            <a:r>
+              <a:rPr b="0" lang="en-US" sz="1800" spc="-1" strike="noStrike">
+                <a:solidFill>
+                  <a:srgbClr val="000000"/>
+                </a:solidFill>
+                <a:latin typeface="Calibri"/>
+                <a:ea typeface="DejaVu Sans"/>
+              </a:rPr>
+              <a:t>Java • Ultra Premium Template</a:t>
+            </a:r>
+            <a:endParaRPr b="0" lang="en-US" sz="1800" spc="-1" strike="noStrike">
+              <a:solidFill>
+                <a:srgbClr val="000000"/>
+              </a:solidFill>
+              <a:latin typeface="Arial"/>
+            </a:endParaRPr>
+          </a:p>
+        </p:txBody>
+      </p:sp>
+    </p:spTree>
+  </p:cSld>
+  <mc:AlternateContent>
+    <mc:Choice Requires="p14">
+      <p:transition spd="slow" p14:dur="2000"/>
+    </mc:Choice>
+    <mc:Fallback>
+      <p:transition spd="slow"/>
+    </mc:Fallback>
+  </mc:AlternateContent>
+</p:sld>
+</file>
+
+<file path=ppt/slides/slide15.xml><?xml version="1.0" encoding="utf-8"?>
+<p:sld xmlns:a="http://schemas.openxmlformats.org/drawingml/2006/main" xmlns:p="http://schemas.openxmlformats.org/presentationml/2006/main" xmlns:r="http://schemas.openxmlformats.org/officeDocument/2006/relationships" xmlns:p14="http://schemas.microsoft.com/office/powerpoint/2010/main" xmlns:p15="http://schemas.microsoft.com/office/powerpoint/2012/main" xmlns:mc="http://schemas.openxmlformats.org/markup-compatibility/2006">
+  <p:cSld>
+    <p:spTree>
+      <p:nvGrpSpPr>
+        <p:cNvPr id="1" name=""/>
+        <p:cNvGrpSpPr/>
+        <p:nvPr/>
+      </p:nvGrpSpPr>
+      <p:grpSpPr>
+        <a:xfrm>
+          <a:off x="0" y="0"/>
+          <a:ext cx="0" cy="0"/>
+          <a:chOff x="0" y="0"/>
+          <a:chExt cx="0" cy="0"/>
+        </a:xfrm>
+      </p:grpSpPr>
+      <p:sp>
+        <p:nvSpPr>
+          <p:cNvPr id="651" name="Rectangle 224"/>
+          <p:cNvSpPr/>
+          <p:nvPr/>
+        </p:nvSpPr>
+        <p:spPr>
+          <a:xfrm>
+            <a:off x="0" y="0"/>
+            <a:ext cx="12187440" cy="6856560"/>
+          </a:xfrm>
+          <a:prstGeom prst="rect">
+            <a:avLst/>
+          </a:prstGeom>
+          <a:solidFill>
+            <a:srgbClr val="0b0b0d"/>
+          </a:solidFill>
+          <a:ln>
+            <a:noFill/>
+          </a:ln>
+          <a:effectLst>
+            <a:outerShdw blurRad="39960" dir="5400000" dist="23040" rotWithShape="0">
+              <a:srgbClr val="000000">
+                <a:alpha val="35000"/>
+              </a:srgbClr>
+            </a:outerShdw>
+          </a:effectLst>
+        </p:spPr>
+        <p:style>
+          <a:lnRef idx="1">
+            <a:schemeClr val="accent1"/>
+          </a:lnRef>
+          <a:fillRef idx="3">
+            <a:schemeClr val="accent1"/>
+          </a:fillRef>
+          <a:effectRef idx="2">
+            <a:schemeClr val="accent1"/>
+          </a:effectRef>
+          <a:fontRef idx="minor"/>
+        </p:style>
+        <p:txBody>
+          <a:bodyPr lIns="90000" rIns="90000" tIns="45000" bIns="45000" anchor="ctr">
+            <a:noAutofit/>
+          </a:bodyPr>
+          <a:p>
+            <a:endParaRPr b="0" lang="en-US" sz="1800" spc="-1" strike="noStrike">
+              <a:solidFill>
+                <a:schemeClr val="lt1"/>
+              </a:solidFill>
+              <a:latin typeface="Calibri"/>
+              <a:ea typeface="DejaVu Sans"/>
+            </a:endParaRPr>
+          </a:p>
+        </p:txBody>
+      </p:sp>
+      <p:sp>
+        <p:nvSpPr>
+          <p:cNvPr id="652" name="Rectangle 226"/>
+          <p:cNvSpPr/>
+          <p:nvPr/>
+        </p:nvSpPr>
+        <p:spPr>
+          <a:xfrm>
+            <a:off x="0" y="0"/>
+            <a:ext cx="16920" cy="6856560"/>
+          </a:xfrm>
+          <a:prstGeom prst="rect">
+            <a:avLst/>
+          </a:prstGeom>
+          <a:solidFill>
+            <a:srgbClr val="121216"/>
+          </a:solidFill>
+          <a:ln>
+            <a:noFill/>
+          </a:ln>
+          <a:effectLst>
+            <a:outerShdw blurRad="39960" dir="5400000" dist="23040" rotWithShape="0">
+              <a:srgbClr val="000000">
+                <a:alpha val="35000"/>
+              </a:srgbClr>
+            </a:outerShdw>
+          </a:effectLst>
+        </p:spPr>
+        <p:style>
+          <a:lnRef idx="1">
+            <a:schemeClr val="accent1"/>
+          </a:lnRef>
+          <a:fillRef idx="3">
+            <a:schemeClr val="accent1"/>
+          </a:fillRef>
+          <a:effectRef idx="2">
+            <a:schemeClr val="accent1"/>
+          </a:effectRef>
+          <a:fontRef idx="minor"/>
+        </p:style>
+        <p:txBody>
+          <a:bodyPr lIns="90000" rIns="90000" tIns="45000" bIns="45000" anchor="ctr">
+            <a:noAutofit/>
+          </a:bodyPr>
+          <a:p>
+            <a:endParaRPr b="0" lang="en-US" sz="1800" spc="-1" strike="noStrike">
+              <a:solidFill>
+                <a:schemeClr val="lt1"/>
+              </a:solidFill>
+              <a:latin typeface="Calibri"/>
+              <a:ea typeface="DejaVu Sans"/>
+            </a:endParaRPr>
+          </a:p>
+        </p:txBody>
+      </p:sp>
+      <p:sp>
+        <p:nvSpPr>
+          <p:cNvPr id="653" name="Rectangle 227"/>
+          <p:cNvSpPr/>
+          <p:nvPr/>
+        </p:nvSpPr>
+        <p:spPr>
+          <a:xfrm>
+            <a:off x="914400" y="0"/>
+            <a:ext cx="16920" cy="6856560"/>
+          </a:xfrm>
+          <a:prstGeom prst="rect">
+            <a:avLst/>
+          </a:prstGeom>
+          <a:solidFill>
+            <a:srgbClr val="121216"/>
+          </a:solidFill>
+          <a:ln>
+            <a:noFill/>
+          </a:ln>
+          <a:effectLst>
+            <a:outerShdw blurRad="39960" dir="5400000" dist="23040" rotWithShape="0">
+              <a:srgbClr val="000000">
+                <a:alpha val="35000"/>
+              </a:srgbClr>
+            </a:outerShdw>
+          </a:effectLst>
+        </p:spPr>
+        <p:style>
+          <a:lnRef idx="1">
+            <a:schemeClr val="accent1"/>
+          </a:lnRef>
+          <a:fillRef idx="3">
+            <a:schemeClr val="accent1"/>
+          </a:fillRef>
+          <a:effectRef idx="2">
+            <a:schemeClr val="accent1"/>
+          </a:effectRef>
+          <a:fontRef idx="minor"/>
+        </p:style>
+        <p:txBody>
+          <a:bodyPr lIns="90000" rIns="90000" tIns="45000" bIns="45000" anchor="ctr">
+            <a:noAutofit/>
+          </a:bodyPr>
+          <a:p>
+            <a:endParaRPr b="0" lang="en-US" sz="1800" spc="-1" strike="noStrike">
+              <a:solidFill>
+                <a:schemeClr val="lt1"/>
+              </a:solidFill>
+              <a:latin typeface="Calibri"/>
+              <a:ea typeface="DejaVu Sans"/>
+            </a:endParaRPr>
+          </a:p>
+        </p:txBody>
+      </p:sp>
+      <p:sp>
+        <p:nvSpPr>
+          <p:cNvPr id="654" name="Rectangle 228"/>
+          <p:cNvSpPr/>
+          <p:nvPr/>
+        </p:nvSpPr>
+        <p:spPr>
+          <a:xfrm>
+            <a:off x="1828800" y="0"/>
+            <a:ext cx="16920" cy="6856560"/>
+          </a:xfrm>
+          <a:prstGeom prst="rect">
+            <a:avLst/>
+          </a:prstGeom>
+          <a:solidFill>
+            <a:srgbClr val="121216"/>
+          </a:solidFill>
+          <a:ln>
+            <a:noFill/>
+          </a:ln>
+          <a:effectLst>
+            <a:outerShdw blurRad="39960" dir="5400000" dist="23040" rotWithShape="0">
+              <a:srgbClr val="000000">
+                <a:alpha val="35000"/>
+              </a:srgbClr>
+            </a:outerShdw>
+          </a:effectLst>
+        </p:spPr>
+        <p:style>
+          <a:lnRef idx="1">
+            <a:schemeClr val="accent1"/>
+          </a:lnRef>
+          <a:fillRef idx="3">
+            <a:schemeClr val="accent1"/>
+          </a:fillRef>
+          <a:effectRef idx="2">
+            <a:schemeClr val="accent1"/>
+          </a:effectRef>
+          <a:fontRef idx="minor"/>
+        </p:style>
+        <p:txBody>
+          <a:bodyPr lIns="90000" rIns="90000" tIns="45000" bIns="45000" anchor="ctr">
+            <a:noAutofit/>
+          </a:bodyPr>
+          <a:p>
+            <a:endParaRPr b="0" lang="en-US" sz="1800" spc="-1" strike="noStrike">
+              <a:solidFill>
+                <a:schemeClr val="lt1"/>
+              </a:solidFill>
+              <a:latin typeface="Calibri"/>
+              <a:ea typeface="DejaVu Sans"/>
+            </a:endParaRPr>
+          </a:p>
+        </p:txBody>
+      </p:sp>
+      <p:sp>
+        <p:nvSpPr>
+          <p:cNvPr id="655" name="Rectangle 229"/>
+          <p:cNvSpPr/>
+          <p:nvPr/>
+        </p:nvSpPr>
+        <p:spPr>
+          <a:xfrm>
+            <a:off x="2743200" y="0"/>
+            <a:ext cx="16920" cy="6856560"/>
+          </a:xfrm>
+          <a:prstGeom prst="rect">
+            <a:avLst/>
+          </a:prstGeom>
+          <a:solidFill>
+            <a:srgbClr val="121216"/>
+          </a:solidFill>
+          <a:ln>
+            <a:noFill/>
+          </a:ln>
+          <a:effectLst>
+            <a:outerShdw blurRad="39960" dir="5400000" dist="23040" rotWithShape="0">
+              <a:srgbClr val="000000">
+                <a:alpha val="35000"/>
+              </a:srgbClr>
+            </a:outerShdw>
+          </a:effectLst>
+        </p:spPr>
+        <p:style>
+          <a:lnRef idx="1">
+            <a:schemeClr val="accent1"/>
+          </a:lnRef>
+          <a:fillRef idx="3">
+            <a:schemeClr val="accent1"/>
+          </a:fillRef>
+          <a:effectRef idx="2">
+            <a:schemeClr val="accent1"/>
+          </a:effectRef>
+          <a:fontRef idx="minor"/>
+        </p:style>
+        <p:txBody>
+          <a:bodyPr lIns="90000" rIns="90000" tIns="45000" bIns="45000" anchor="ctr">
+            <a:noAutofit/>
+          </a:bodyPr>
+          <a:p>
+            <a:endParaRPr b="0" lang="en-US" sz="1800" spc="-1" strike="noStrike">
+              <a:solidFill>
+                <a:schemeClr val="lt1"/>
+              </a:solidFill>
+              <a:latin typeface="Calibri"/>
+              <a:ea typeface="DejaVu Sans"/>
+            </a:endParaRPr>
+          </a:p>
+        </p:txBody>
+      </p:sp>
+      <p:sp>
+        <p:nvSpPr>
+          <p:cNvPr id="656" name="Rectangle 230"/>
+          <p:cNvSpPr/>
+          <p:nvPr/>
+        </p:nvSpPr>
+        <p:spPr>
+          <a:xfrm>
+            <a:off x="3657600" y="0"/>
+            <a:ext cx="16920" cy="6856560"/>
+          </a:xfrm>
+          <a:prstGeom prst="rect">
+            <a:avLst/>
+          </a:prstGeom>
+          <a:solidFill>
+            <a:srgbClr val="121216"/>
+          </a:solidFill>
+          <a:ln>
+            <a:noFill/>
+          </a:ln>
+          <a:effectLst>
+            <a:outerShdw blurRad="39960" dir="5400000" dist="23040" rotWithShape="0">
+              <a:srgbClr val="000000">
+                <a:alpha val="35000"/>
+              </a:srgbClr>
+            </a:outerShdw>
+          </a:effectLst>
+        </p:spPr>
+        <p:style>
+          <a:lnRef idx="1">
+            <a:schemeClr val="accent1"/>
+          </a:lnRef>
+          <a:fillRef idx="3">
+            <a:schemeClr val="accent1"/>
+          </a:fillRef>
+          <a:effectRef idx="2">
+            <a:schemeClr val="accent1"/>
+          </a:effectRef>
+          <a:fontRef idx="minor"/>
+        </p:style>
+        <p:txBody>
+          <a:bodyPr lIns="90000" rIns="90000" tIns="45000" bIns="45000" anchor="ctr">
+            <a:noAutofit/>
+          </a:bodyPr>
+          <a:p>
+            <a:endParaRPr b="0" lang="en-US" sz="1800" spc="-1" strike="noStrike">
+              <a:solidFill>
+                <a:schemeClr val="lt1"/>
+              </a:solidFill>
+              <a:latin typeface="Calibri"/>
+              <a:ea typeface="DejaVu Sans"/>
+            </a:endParaRPr>
+          </a:p>
+        </p:txBody>
+      </p:sp>
+      <p:sp>
+        <p:nvSpPr>
+          <p:cNvPr id="657" name="Rectangle 231"/>
+          <p:cNvSpPr/>
+          <p:nvPr/>
+        </p:nvSpPr>
+        <p:spPr>
+          <a:xfrm>
+            <a:off x="4572000" y="0"/>
+            <a:ext cx="16920" cy="6856560"/>
+          </a:xfrm>
+          <a:prstGeom prst="rect">
+            <a:avLst/>
+          </a:prstGeom>
+          <a:solidFill>
+            <a:srgbClr val="121216"/>
+          </a:solidFill>
+          <a:ln>
+            <a:noFill/>
+          </a:ln>
+          <a:effectLst>
+            <a:outerShdw blurRad="39960" dir="5400000" dist="23040" rotWithShape="0">
+              <a:srgbClr val="000000">
+                <a:alpha val="35000"/>
+              </a:srgbClr>
+            </a:outerShdw>
+          </a:effectLst>
+        </p:spPr>
+        <p:style>
+          <a:lnRef idx="1">
+            <a:schemeClr val="accent1"/>
+          </a:lnRef>
+          <a:fillRef idx="3">
+            <a:schemeClr val="accent1"/>
+          </a:fillRef>
+          <a:effectRef idx="2">
+            <a:schemeClr val="accent1"/>
+          </a:effectRef>
+          <a:fontRef idx="minor"/>
+        </p:style>
+        <p:txBody>
+          <a:bodyPr lIns="90000" rIns="90000" tIns="45000" bIns="45000" anchor="ctr">
+            <a:noAutofit/>
+          </a:bodyPr>
+          <a:p>
+            <a:endParaRPr b="0" lang="en-US" sz="1800" spc="-1" strike="noStrike">
+              <a:solidFill>
+                <a:schemeClr val="lt1"/>
+              </a:solidFill>
+              <a:latin typeface="Calibri"/>
+              <a:ea typeface="DejaVu Sans"/>
+            </a:endParaRPr>
+          </a:p>
+        </p:txBody>
+      </p:sp>
+      <p:sp>
+        <p:nvSpPr>
+          <p:cNvPr id="658" name="Rectangle 232"/>
+          <p:cNvSpPr/>
+          <p:nvPr/>
+        </p:nvSpPr>
+        <p:spPr>
+          <a:xfrm>
+            <a:off x="5486400" y="0"/>
+            <a:ext cx="16920" cy="6856560"/>
+          </a:xfrm>
+          <a:prstGeom prst="rect">
+            <a:avLst/>
+          </a:prstGeom>
+          <a:solidFill>
+            <a:srgbClr val="121216"/>
+          </a:solidFill>
+          <a:ln>
+            <a:noFill/>
+          </a:ln>
+          <a:effectLst>
+            <a:outerShdw blurRad="39960" dir="5400000" dist="23040" rotWithShape="0">
+              <a:srgbClr val="000000">
+                <a:alpha val="35000"/>
+              </a:srgbClr>
+            </a:outerShdw>
+          </a:effectLst>
+        </p:spPr>
+        <p:style>
+          <a:lnRef idx="1">
+            <a:schemeClr val="accent1"/>
+          </a:lnRef>
+          <a:fillRef idx="3">
+            <a:schemeClr val="accent1"/>
+          </a:fillRef>
+          <a:effectRef idx="2">
+            <a:schemeClr val="accent1"/>
+          </a:effectRef>
+          <a:fontRef idx="minor"/>
+        </p:style>
+        <p:txBody>
+          <a:bodyPr lIns="90000" rIns="90000" tIns="45000" bIns="45000" anchor="ctr">
+            <a:noAutofit/>
+          </a:bodyPr>
+          <a:p>
+            <a:endParaRPr b="0" lang="en-US" sz="1800" spc="-1" strike="noStrike">
+              <a:solidFill>
+                <a:schemeClr val="lt1"/>
+              </a:solidFill>
+              <a:latin typeface="Calibri"/>
+              <a:ea typeface="DejaVu Sans"/>
+            </a:endParaRPr>
+          </a:p>
+        </p:txBody>
+      </p:sp>
+      <p:sp>
+        <p:nvSpPr>
+          <p:cNvPr id="659" name="Rectangle 233"/>
+          <p:cNvSpPr/>
+          <p:nvPr/>
+        </p:nvSpPr>
+        <p:spPr>
+          <a:xfrm>
+            <a:off x="6400800" y="0"/>
+            <a:ext cx="16920" cy="6856560"/>
+          </a:xfrm>
+          <a:prstGeom prst="rect">
+            <a:avLst/>
+          </a:prstGeom>
+          <a:solidFill>
+            <a:srgbClr val="121216"/>
+          </a:solidFill>
+          <a:ln>
+            <a:noFill/>
+          </a:ln>
+          <a:effectLst>
+            <a:outerShdw blurRad="39960" dir="5400000" dist="23040" rotWithShape="0">
+              <a:srgbClr val="000000">
+                <a:alpha val="35000"/>
+              </a:srgbClr>
+            </a:outerShdw>
+          </a:effectLst>
+        </p:spPr>
+        <p:style>
+          <a:lnRef idx="1">
+            <a:schemeClr val="accent1"/>
+          </a:lnRef>
+          <a:fillRef idx="3">
+            <a:schemeClr val="accent1"/>
+          </a:fillRef>
+          <a:effectRef idx="2">
+            <a:schemeClr val="accent1"/>
+          </a:effectRef>
+          <a:fontRef idx="minor"/>
+        </p:style>
+        <p:txBody>
+          <a:bodyPr lIns="90000" rIns="90000" tIns="45000" bIns="45000" anchor="ctr">
+            <a:noAutofit/>
+          </a:bodyPr>
+          <a:p>
+            <a:endParaRPr b="0" lang="en-US" sz="1800" spc="-1" strike="noStrike">
+              <a:solidFill>
+                <a:schemeClr val="lt1"/>
+              </a:solidFill>
+              <a:latin typeface="Calibri"/>
+              <a:ea typeface="DejaVu Sans"/>
+            </a:endParaRPr>
+          </a:p>
+        </p:txBody>
+      </p:sp>
+      <p:sp>
+        <p:nvSpPr>
+          <p:cNvPr id="660" name="Rectangle 234"/>
+          <p:cNvSpPr/>
+          <p:nvPr/>
+        </p:nvSpPr>
+        <p:spPr>
+          <a:xfrm>
+            <a:off x="7315200" y="0"/>
+            <a:ext cx="16920" cy="6856560"/>
+          </a:xfrm>
+          <a:prstGeom prst="rect">
+            <a:avLst/>
+          </a:prstGeom>
+          <a:solidFill>
+            <a:srgbClr val="121216"/>
+          </a:solidFill>
+          <a:ln>
+            <a:noFill/>
+          </a:ln>
+          <a:effectLst>
+            <a:outerShdw blurRad="39960" dir="5400000" dist="23040" rotWithShape="0">
+              <a:srgbClr val="000000">
+                <a:alpha val="35000"/>
+              </a:srgbClr>
+            </a:outerShdw>
+          </a:effectLst>
+        </p:spPr>
+        <p:style>
+          <a:lnRef idx="1">
+            <a:schemeClr val="accent1"/>
+          </a:lnRef>
+          <a:fillRef idx="3">
+            <a:schemeClr val="accent1"/>
+          </a:fillRef>
+          <a:effectRef idx="2">
+            <a:schemeClr val="accent1"/>
+          </a:effectRef>
+          <a:fontRef idx="minor"/>
+        </p:style>
+        <p:txBody>
+          <a:bodyPr lIns="90000" rIns="90000" tIns="45000" bIns="45000" anchor="ctr">
+            <a:noAutofit/>
+          </a:bodyPr>
+          <a:p>
+            <a:endParaRPr b="0" lang="en-US" sz="1800" spc="-1" strike="noStrike">
+              <a:solidFill>
+                <a:schemeClr val="lt1"/>
+              </a:solidFill>
+              <a:latin typeface="Calibri"/>
+              <a:ea typeface="DejaVu Sans"/>
+            </a:endParaRPr>
+          </a:p>
+        </p:txBody>
+      </p:sp>
+      <p:sp>
+        <p:nvSpPr>
+          <p:cNvPr id="661" name="Rectangle 235"/>
+          <p:cNvSpPr/>
+          <p:nvPr/>
+        </p:nvSpPr>
+        <p:spPr>
+          <a:xfrm>
+            <a:off x="8229600" y="0"/>
+            <a:ext cx="16920" cy="6856560"/>
+          </a:xfrm>
+          <a:prstGeom prst="rect">
+            <a:avLst/>
+          </a:prstGeom>
+          <a:solidFill>
+            <a:srgbClr val="121216"/>
+          </a:solidFill>
+          <a:ln>
+            <a:noFill/>
+          </a:ln>
+          <a:effectLst>
+            <a:outerShdw blurRad="39960" dir="5400000" dist="23040" rotWithShape="0">
+              <a:srgbClr val="000000">
+                <a:alpha val="35000"/>
+              </a:srgbClr>
+            </a:outerShdw>
+          </a:effectLst>
+        </p:spPr>
+        <p:style>
+          <a:lnRef idx="1">
+            <a:schemeClr val="accent1"/>
+          </a:lnRef>
+          <a:fillRef idx="3">
+            <a:schemeClr val="accent1"/>
+          </a:fillRef>
+          <a:effectRef idx="2">
+            <a:schemeClr val="accent1"/>
+          </a:effectRef>
+          <a:fontRef idx="minor"/>
+        </p:style>
+        <p:txBody>
+          <a:bodyPr lIns="90000" rIns="90000" tIns="45000" bIns="45000" anchor="ctr">
+            <a:noAutofit/>
+          </a:bodyPr>
+          <a:p>
+            <a:endParaRPr b="0" lang="en-US" sz="1800" spc="-1" strike="noStrike">
+              <a:solidFill>
+                <a:schemeClr val="lt1"/>
+              </a:solidFill>
+              <a:latin typeface="Calibri"/>
+              <a:ea typeface="DejaVu Sans"/>
+            </a:endParaRPr>
+          </a:p>
+        </p:txBody>
+      </p:sp>
+      <p:sp>
+        <p:nvSpPr>
+          <p:cNvPr id="662" name="Rectangle 236"/>
+          <p:cNvSpPr/>
+          <p:nvPr/>
+        </p:nvSpPr>
+        <p:spPr>
+          <a:xfrm>
+            <a:off x="9144000" y="0"/>
+            <a:ext cx="16920" cy="6856560"/>
+          </a:xfrm>
+          <a:prstGeom prst="rect">
+            <a:avLst/>
+          </a:prstGeom>
+          <a:solidFill>
+            <a:srgbClr val="121216"/>
+          </a:solidFill>
+          <a:ln>
+            <a:noFill/>
+          </a:ln>
+          <a:effectLst>
+            <a:outerShdw blurRad="39960" dir="5400000" dist="23040" rotWithShape="0">
+              <a:srgbClr val="000000">
+                <a:alpha val="35000"/>
+              </a:srgbClr>
+            </a:outerShdw>
+          </a:effectLst>
+        </p:spPr>
+        <p:style>
+          <a:lnRef idx="1">
+            <a:schemeClr val="accent1"/>
+          </a:lnRef>
+          <a:fillRef idx="3">
+            <a:schemeClr val="accent1"/>
+          </a:fillRef>
+          <a:effectRef idx="2">
+            <a:schemeClr val="accent1"/>
+          </a:effectRef>
+          <a:fontRef idx="minor"/>
+        </p:style>
+        <p:txBody>
+          <a:bodyPr lIns="90000" rIns="90000" tIns="45000" bIns="45000" anchor="ctr">
+            <a:noAutofit/>
+          </a:bodyPr>
+          <a:p>
+            <a:endParaRPr b="0" lang="en-US" sz="1800" spc="-1" strike="noStrike">
+              <a:solidFill>
+                <a:schemeClr val="lt1"/>
+              </a:solidFill>
+              <a:latin typeface="Calibri"/>
+              <a:ea typeface="DejaVu Sans"/>
+            </a:endParaRPr>
+          </a:p>
+        </p:txBody>
+      </p:sp>
+      <p:sp>
+        <p:nvSpPr>
+          <p:cNvPr id="663" name="Rectangle 237"/>
+          <p:cNvSpPr/>
+          <p:nvPr/>
+        </p:nvSpPr>
+        <p:spPr>
+          <a:xfrm>
+            <a:off x="10058400" y="0"/>
+            <a:ext cx="16920" cy="6856560"/>
+          </a:xfrm>
+          <a:prstGeom prst="rect">
+            <a:avLst/>
+          </a:prstGeom>
+          <a:solidFill>
+            <a:srgbClr val="121216"/>
+          </a:solidFill>
+          <a:ln>
+            <a:noFill/>
+          </a:ln>
+          <a:effectLst>
+            <a:outerShdw blurRad="39960" dir="5400000" dist="23040" rotWithShape="0">
+              <a:srgbClr val="000000">
+                <a:alpha val="35000"/>
+              </a:srgbClr>
+            </a:outerShdw>
+          </a:effectLst>
+        </p:spPr>
+        <p:style>
+          <a:lnRef idx="1">
+            <a:schemeClr val="accent1"/>
+          </a:lnRef>
+          <a:fillRef idx="3">
+            <a:schemeClr val="accent1"/>
+          </a:fillRef>
+          <a:effectRef idx="2">
+            <a:schemeClr val="accent1"/>
+          </a:effectRef>
+          <a:fontRef idx="minor"/>
+        </p:style>
+        <p:txBody>
+          <a:bodyPr lIns="90000" rIns="90000" tIns="45000" bIns="45000" anchor="ctr">
+            <a:noAutofit/>
+          </a:bodyPr>
+          <a:p>
+            <a:endParaRPr b="0" lang="en-US" sz="1800" spc="-1" strike="noStrike">
+              <a:solidFill>
+                <a:schemeClr val="lt1"/>
+              </a:solidFill>
+              <a:latin typeface="Calibri"/>
+              <a:ea typeface="DejaVu Sans"/>
+            </a:endParaRPr>
+          </a:p>
+        </p:txBody>
+      </p:sp>
+      <p:sp>
+        <p:nvSpPr>
+          <p:cNvPr id="664" name="Rectangle 238"/>
+          <p:cNvSpPr/>
+          <p:nvPr/>
+        </p:nvSpPr>
+        <p:spPr>
+          <a:xfrm>
+            <a:off x="10972800" y="0"/>
+            <a:ext cx="16920" cy="6856560"/>
+          </a:xfrm>
+          <a:prstGeom prst="rect">
+            <a:avLst/>
+          </a:prstGeom>
+          <a:solidFill>
+            <a:srgbClr val="121216"/>
+          </a:solidFill>
+          <a:ln>
+            <a:noFill/>
+          </a:ln>
+          <a:effectLst>
+            <a:outerShdw blurRad="39960" dir="5400000" dist="23040" rotWithShape="0">
+              <a:srgbClr val="000000">
+                <a:alpha val="35000"/>
+              </a:srgbClr>
+            </a:outerShdw>
+          </a:effectLst>
+        </p:spPr>
+        <p:style>
+          <a:lnRef idx="1">
+            <a:schemeClr val="accent1"/>
+          </a:lnRef>
+          <a:fillRef idx="3">
+            <a:schemeClr val="accent1"/>
+          </a:fillRef>
+          <a:effectRef idx="2">
+            <a:schemeClr val="accent1"/>
+          </a:effectRef>
+          <a:fontRef idx="minor"/>
+        </p:style>
+        <p:txBody>
+          <a:bodyPr lIns="90000" rIns="90000" tIns="45000" bIns="45000" anchor="ctr">
+            <a:noAutofit/>
+          </a:bodyPr>
+          <a:p>
+            <a:endParaRPr b="0" lang="en-US" sz="1800" spc="-1" strike="noStrike">
+              <a:solidFill>
+                <a:schemeClr val="lt1"/>
+              </a:solidFill>
+              <a:latin typeface="Calibri"/>
+              <a:ea typeface="DejaVu Sans"/>
+            </a:endParaRPr>
+          </a:p>
+        </p:txBody>
+      </p:sp>
+      <p:sp>
+        <p:nvSpPr>
+          <p:cNvPr id="665" name="Rectangle 239"/>
+          <p:cNvSpPr/>
+          <p:nvPr/>
+        </p:nvSpPr>
+        <p:spPr>
+          <a:xfrm>
+            <a:off x="11887200" y="0"/>
+            <a:ext cx="16920" cy="6856560"/>
+          </a:xfrm>
+          <a:prstGeom prst="rect">
+            <a:avLst/>
+          </a:prstGeom>
+          <a:solidFill>
+            <a:srgbClr val="121216"/>
+          </a:solidFill>
+          <a:ln>
+            <a:noFill/>
+          </a:ln>
+          <a:effectLst>
+            <a:outerShdw blurRad="39960" dir="5400000" dist="23040" rotWithShape="0">
+              <a:srgbClr val="000000">
+                <a:alpha val="35000"/>
+              </a:srgbClr>
+            </a:outerShdw>
+          </a:effectLst>
+        </p:spPr>
+        <p:style>
+          <a:lnRef idx="1">
+            <a:schemeClr val="accent1"/>
+          </a:lnRef>
+          <a:fillRef idx="3">
+            <a:schemeClr val="accent1"/>
+          </a:fillRef>
+          <a:effectRef idx="2">
+            <a:schemeClr val="accent1"/>
+          </a:effectRef>
+          <a:fontRef idx="minor"/>
+        </p:style>
+        <p:txBody>
+          <a:bodyPr lIns="90000" rIns="90000" tIns="45000" bIns="45000" anchor="ctr">
+            <a:noAutofit/>
+          </a:bodyPr>
+          <a:p>
+            <a:endParaRPr b="0" lang="en-US" sz="1800" spc="-1" strike="noStrike">
+              <a:solidFill>
+                <a:schemeClr val="lt1"/>
+              </a:solidFill>
+              <a:latin typeface="Calibri"/>
+              <a:ea typeface="DejaVu Sans"/>
+            </a:endParaRPr>
+          </a:p>
+        </p:txBody>
+      </p:sp>
+      <p:sp>
+        <p:nvSpPr>
+          <p:cNvPr id="666" name="Rectangle 240"/>
+          <p:cNvSpPr/>
+          <p:nvPr/>
+        </p:nvSpPr>
+        <p:spPr>
+          <a:xfrm>
+            <a:off x="0" y="0"/>
+            <a:ext cx="318600" cy="6856560"/>
+          </a:xfrm>
+          <a:prstGeom prst="rect">
+            <a:avLst/>
+          </a:prstGeom>
+          <a:solidFill>
+            <a:srgbClr val="ff8c00"/>
+          </a:solidFill>
+          <a:ln>
+            <a:noFill/>
+          </a:ln>
+          <a:effectLst>
+            <a:outerShdw blurRad="39960" dir="5400000" dist="23040" rotWithShape="0">
+              <a:srgbClr val="000000">
+                <a:alpha val="35000"/>
+              </a:srgbClr>
+            </a:outerShdw>
+          </a:effectLst>
+        </p:spPr>
+        <p:style>
+          <a:lnRef idx="1">
+            <a:schemeClr val="accent1"/>
+          </a:lnRef>
+          <a:fillRef idx="3">
+            <a:schemeClr val="accent1"/>
+          </a:fillRef>
+          <a:effectRef idx="2">
+            <a:schemeClr val="accent1"/>
+          </a:effectRef>
+          <a:fontRef idx="minor"/>
+        </p:style>
+        <p:txBody>
+          <a:bodyPr lIns="90000" rIns="90000" tIns="45000" bIns="45000" anchor="ctr">
+            <a:noAutofit/>
+          </a:bodyPr>
+          <a:p>
+            <a:endParaRPr b="0" lang="en-US" sz="1800" spc="-1" strike="noStrike">
+              <a:solidFill>
+                <a:schemeClr val="lt1"/>
+              </a:solidFill>
+              <a:latin typeface="Calibri"/>
+              <a:ea typeface="DejaVu Sans"/>
+            </a:endParaRPr>
+          </a:p>
+        </p:txBody>
+      </p:sp>
+      <p:sp>
+        <p:nvSpPr>
+          <p:cNvPr id="667" name="Rounded Rectangle 106"/>
+          <p:cNvSpPr/>
+          <p:nvPr/>
+        </p:nvSpPr>
+        <p:spPr>
+          <a:xfrm>
+            <a:off x="9875520" y="365760"/>
+            <a:ext cx="2010240" cy="501480"/>
+          </a:xfrm>
+          <a:prstGeom prst="roundRect">
+            <a:avLst>
+              <a:gd name="adj" fmla="val 16667"/>
+            </a:avLst>
+          </a:prstGeom>
+          <a:solidFill>
+            <a:srgbClr val="1e1e24"/>
+          </a:solidFill>
+          <a:ln>
+            <a:solidFill>
+              <a:srgbClr val="ff8c00"/>
+            </a:solidFill>
+            <a:round/>
+          </a:ln>
+          <a:effectLst>
+            <a:outerShdw blurRad="39960" dir="5400000" dist="23040" rotWithShape="0">
+              <a:srgbClr val="000000">
+                <a:alpha val="35000"/>
+              </a:srgbClr>
+            </a:outerShdw>
+          </a:effectLst>
+        </p:spPr>
+        <p:style>
+          <a:lnRef idx="1">
+            <a:schemeClr val="accent1"/>
+          </a:lnRef>
+          <a:fillRef idx="3">
+            <a:schemeClr val="accent1"/>
+          </a:fillRef>
+          <a:effectRef idx="2">
+            <a:schemeClr val="accent1"/>
+          </a:effectRef>
+          <a:fontRef idx="minor"/>
+        </p:style>
+        <p:txBody>
+          <a:bodyPr lIns="90000" rIns="90000" tIns="45000" bIns="45000" anchor="ctr">
+            <a:noAutofit/>
+          </a:bodyPr>
+          <a:p>
+            <a:pPr algn="ctr">
+              <a:lnSpc>
+                <a:spcPct val="100000"/>
+              </a:lnSpc>
+            </a:pPr>
+            <a:r>
+              <a:rPr b="1" lang="en-US" sz="1400" spc="-1" strike="noStrike">
+                <a:solidFill>
+                  <a:srgbClr val="ffb45a"/>
+                </a:solidFill>
+                <a:latin typeface="Calibri"/>
+                <a:ea typeface="DejaVu Sans"/>
+              </a:rPr>
+              <a:t>JAVA TEMELLERI</a:t>
+            </a:r>
+            <a:endParaRPr b="0" lang="en-US" sz="1400" spc="-1" strike="noStrike">
+              <a:solidFill>
+                <a:srgbClr val="ffffff"/>
+              </a:solidFill>
+              <a:latin typeface="Arial"/>
+            </a:endParaRPr>
+          </a:p>
+        </p:txBody>
+      </p:sp>
+      <p:sp>
+        <p:nvSpPr>
+          <p:cNvPr id="668" name="TextBox 46"/>
+          <p:cNvSpPr/>
+          <p:nvPr/>
+        </p:nvSpPr>
+        <p:spPr>
+          <a:xfrm>
+            <a:off x="802080" y="1005840"/>
+            <a:ext cx="9367920" cy="820800"/>
+          </a:xfrm>
+          <a:prstGeom prst="rect">
+            <a:avLst/>
+          </a:prstGeom>
+          <a:noFill/>
+          <a:ln w="0">
+            <a:noFill/>
+          </a:ln>
+        </p:spPr>
+        <p:style>
+          <a:lnRef idx="0"/>
+          <a:fillRef idx="0"/>
+          <a:effectRef idx="0"/>
+          <a:fontRef idx="minor"/>
+        </p:style>
+        <p:txBody>
+          <a:bodyPr wrap="none" lIns="90000" rIns="90000" tIns="45000" bIns="45000" anchor="t">
+            <a:spAutoFit/>
+          </a:bodyPr>
+          <a:p>
+            <a:pPr>
+              <a:lnSpc>
+                <a:spcPct val="100000"/>
+              </a:lnSpc>
+            </a:pPr>
+            <a:r>
+              <a:rPr b="1" lang="en-US" sz="4800" spc="-1" strike="noStrike">
+                <a:solidFill>
+                  <a:srgbClr val="f5f5f5"/>
+                </a:solidFill>
+                <a:latin typeface="Calibri"/>
+                <a:ea typeface="DejaVu Sans"/>
+              </a:rPr>
+              <a:t>JAVA TANIMLAYICILAR (IDENTIFIERS)</a:t>
+            </a:r>
+            <a:endParaRPr b="0" lang="en-US" sz="4800" spc="-1" strike="noStrike">
+              <a:solidFill>
+                <a:srgbClr val="000000"/>
+              </a:solidFill>
+              <a:latin typeface="Arial"/>
+            </a:endParaRPr>
+          </a:p>
+        </p:txBody>
+      </p:sp>
+      <p:sp>
+        <p:nvSpPr>
+          <p:cNvPr id="669" name="TextBox 47"/>
+          <p:cNvSpPr/>
+          <p:nvPr/>
+        </p:nvSpPr>
+        <p:spPr>
+          <a:xfrm>
+            <a:off x="1519920" y="2194560"/>
+            <a:ext cx="7932240" cy="379800"/>
+          </a:xfrm>
+          <a:prstGeom prst="rect">
+            <a:avLst/>
+          </a:prstGeom>
+          <a:noFill/>
+          <a:ln w="0">
+            <a:noFill/>
+          </a:ln>
+        </p:spPr>
+        <p:style>
+          <a:lnRef idx="0"/>
+          <a:fillRef idx="0"/>
+          <a:effectRef idx="0"/>
+          <a:fontRef idx="minor"/>
+        </p:style>
+        <p:txBody>
+          <a:bodyPr wrap="none" lIns="90000" rIns="90000" tIns="45000" bIns="45000" anchor="t">
+            <a:spAutoFit/>
+          </a:bodyPr>
+          <a:p>
+            <a:pPr>
+              <a:lnSpc>
+                <a:spcPct val="100000"/>
+              </a:lnSpc>
+            </a:pPr>
+            <a:r>
+              <a:rPr b="0" lang="en-US" sz="1900" spc="-1" strike="noStrike">
+                <a:solidFill>
+                  <a:srgbClr val="aaaaaa"/>
+                </a:solidFill>
+                <a:latin typeface="Calibri"/>
+                <a:ea typeface="DejaVu Sans"/>
+              </a:rPr>
+              <a:t>Tanımlayıcılar, Java’da sınıf, değişken ve metot gibi elemanlara verilen isimlerdir.</a:t>
+            </a:r>
+            <a:endParaRPr b="0" lang="en-US" sz="1900" spc="-1" strike="noStrike">
+              <a:solidFill>
+                <a:srgbClr val="000000"/>
+              </a:solidFill>
+              <a:latin typeface="Arial"/>
+            </a:endParaRPr>
+          </a:p>
+        </p:txBody>
+      </p:sp>
+      <p:sp>
+        <p:nvSpPr>
+          <p:cNvPr id="670" name="Rounded Rectangle 107"/>
+          <p:cNvSpPr/>
+          <p:nvPr/>
+        </p:nvSpPr>
+        <p:spPr>
+          <a:xfrm>
+            <a:off x="987480" y="3182040"/>
+            <a:ext cx="3290400" cy="2741760"/>
+          </a:xfrm>
+          <a:prstGeom prst="roundRect">
+            <a:avLst>
+              <a:gd name="adj" fmla="val 16667"/>
+            </a:avLst>
+          </a:prstGeom>
+          <a:solidFill>
+            <a:srgbClr val="08080a"/>
+          </a:solidFill>
+          <a:ln>
+            <a:noFill/>
+          </a:ln>
+          <a:effectLst>
+            <a:outerShdw blurRad="39960" dir="5400000" dist="23040" rotWithShape="0">
+              <a:srgbClr val="000000">
+                <a:alpha val="35000"/>
+              </a:srgbClr>
+            </a:outerShdw>
+          </a:effectLst>
+        </p:spPr>
+        <p:style>
+          <a:lnRef idx="1">
+            <a:schemeClr val="accent1"/>
+          </a:lnRef>
+          <a:fillRef idx="3">
+            <a:schemeClr val="accent1"/>
+          </a:fillRef>
+          <a:effectRef idx="2">
+            <a:schemeClr val="accent1"/>
+          </a:effectRef>
+          <a:fontRef idx="minor"/>
+        </p:style>
+        <p:txBody>
+          <a:bodyPr lIns="90000" rIns="90000" tIns="45000" bIns="45000" anchor="ctr">
+            <a:noAutofit/>
+          </a:bodyPr>
+          <a:p>
+            <a:endParaRPr b="0" lang="en-US" sz="1800" spc="-1" strike="noStrike">
+              <a:solidFill>
+                <a:schemeClr val="lt1"/>
+              </a:solidFill>
+              <a:latin typeface="Calibri"/>
+              <a:ea typeface="DejaVu Sans"/>
+            </a:endParaRPr>
+          </a:p>
+        </p:txBody>
+      </p:sp>
+      <p:sp>
+        <p:nvSpPr>
+          <p:cNvPr id="671" name="Rounded Rectangle 108"/>
+          <p:cNvSpPr/>
+          <p:nvPr/>
+        </p:nvSpPr>
+        <p:spPr>
+          <a:xfrm>
+            <a:off x="914400" y="3108960"/>
+            <a:ext cx="3290400" cy="2741760"/>
+          </a:xfrm>
+          <a:prstGeom prst="roundRect">
+            <a:avLst>
+              <a:gd name="adj" fmla="val 16667"/>
+            </a:avLst>
+          </a:prstGeom>
+          <a:solidFill>
+            <a:srgbClr val="16161c"/>
+          </a:solidFill>
+          <a:ln>
+            <a:solidFill>
+              <a:srgbClr val="464655"/>
+            </a:solidFill>
+            <a:round/>
+          </a:ln>
+          <a:effectLst>
+            <a:outerShdw blurRad="39960" dir="5400000" dist="23040" rotWithShape="0">
+              <a:srgbClr val="000000">
+                <a:alpha val="35000"/>
+              </a:srgbClr>
+            </a:outerShdw>
+          </a:effectLst>
+        </p:spPr>
+        <p:style>
+          <a:lnRef idx="1">
+            <a:schemeClr val="accent1"/>
+          </a:lnRef>
+          <a:fillRef idx="3">
+            <a:schemeClr val="accent1"/>
+          </a:fillRef>
+          <a:effectRef idx="2">
+            <a:schemeClr val="accent1"/>
+          </a:effectRef>
+          <a:fontRef idx="minor"/>
+        </p:style>
+        <p:txBody>
+          <a:bodyPr lIns="90000" rIns="90000" tIns="45000" bIns="45000" anchor="ctr">
+            <a:noAutofit/>
+          </a:bodyPr>
+          <a:p>
+            <a:pPr>
+              <a:lnSpc>
+                <a:spcPct val="100000"/>
+              </a:lnSpc>
+            </a:pPr>
+            <a:r>
+              <a:rPr b="1" lang="en-US" sz="1500" spc="-1" strike="noStrike">
+                <a:solidFill>
+                  <a:schemeClr val="lt1"/>
+                </a:solidFill>
+                <a:latin typeface="Calibri"/>
+                <a:ea typeface="DejaVu Sans"/>
+              </a:rPr>
+              <a:t>Java Tanımlayıcıları için Kurallar</a:t>
+            </a:r>
+            <a:endParaRPr b="0" lang="en-US" sz="1500" spc="-1" strike="noStrike">
+              <a:solidFill>
+                <a:srgbClr val="ffffff"/>
+              </a:solidFill>
+              <a:latin typeface="Arial"/>
+            </a:endParaRPr>
+          </a:p>
+          <a:p>
+            <a:pPr>
+              <a:lnSpc>
+                <a:spcPct val="100000"/>
+              </a:lnSpc>
+            </a:pPr>
+            <a:endParaRPr b="0" lang="en-US" sz="1500" spc="-1" strike="noStrike">
+              <a:solidFill>
+                <a:srgbClr val="ffffff"/>
+              </a:solidFill>
+              <a:latin typeface="Arial"/>
+            </a:endParaRPr>
+          </a:p>
+          <a:p>
+            <a:pPr>
+              <a:lnSpc>
+                <a:spcPct val="100000"/>
+              </a:lnSpc>
+            </a:pPr>
+            <a:r>
+              <a:rPr b="0" lang="en-US" sz="1500" spc="-1" strike="noStrike">
+                <a:solidFill>
+                  <a:schemeClr val="lt1"/>
+                </a:solidFill>
+                <a:latin typeface="Calibri"/>
+                <a:ea typeface="DejaVu Sans"/>
+              </a:rPr>
+              <a:t>● </a:t>
+            </a:r>
+            <a:r>
+              <a:rPr b="0" lang="en-US" sz="1500" spc="-1" strike="noStrike">
+                <a:solidFill>
+                  <a:schemeClr val="lt1"/>
+                </a:solidFill>
+                <a:latin typeface="Calibri"/>
+                <a:ea typeface="DejaVu Sans"/>
+              </a:rPr>
+              <a:t>Bir harf, $ veya _ ile başlamalıdır</a:t>
+            </a:r>
+            <a:endParaRPr b="0" lang="en-US" sz="1500" spc="-1" strike="noStrike">
+              <a:solidFill>
+                <a:srgbClr val="ffffff"/>
+              </a:solidFill>
+              <a:latin typeface="Arial"/>
+            </a:endParaRPr>
+          </a:p>
+          <a:p>
+            <a:pPr>
+              <a:lnSpc>
+                <a:spcPct val="100000"/>
+              </a:lnSpc>
+            </a:pPr>
+            <a:r>
+              <a:rPr b="0" lang="en-US" sz="1500" spc="-1" strike="noStrike">
+                <a:solidFill>
+                  <a:schemeClr val="lt1"/>
+                </a:solidFill>
+                <a:latin typeface="Calibri"/>
+                <a:ea typeface="DejaVu Sans"/>
+              </a:rPr>
+              <a:t>● </a:t>
+            </a:r>
+            <a:r>
+              <a:rPr b="0" lang="en-US" sz="1500" spc="-1" strike="noStrike">
+                <a:solidFill>
+                  <a:schemeClr val="lt1"/>
+                </a:solidFill>
+                <a:latin typeface="Calibri"/>
+                <a:ea typeface="DejaVu Sans"/>
+              </a:rPr>
+              <a:t>İlk karakterden sonra her türlü kombinasyon kullanılabilir</a:t>
+            </a:r>
+            <a:endParaRPr b="0" lang="en-US" sz="1500" spc="-1" strike="noStrike">
+              <a:solidFill>
+                <a:srgbClr val="ffffff"/>
+              </a:solidFill>
+              <a:latin typeface="Arial"/>
+            </a:endParaRPr>
+          </a:p>
+          <a:p>
+            <a:pPr>
+              <a:lnSpc>
+                <a:spcPct val="100000"/>
+              </a:lnSpc>
+            </a:pPr>
+            <a:r>
+              <a:rPr b="0" lang="en-US" sz="1500" spc="-1" strike="noStrike">
+                <a:solidFill>
+                  <a:schemeClr val="lt1"/>
+                </a:solidFill>
+                <a:latin typeface="Calibri"/>
+                <a:ea typeface="DejaVu Sans"/>
+              </a:rPr>
+              <a:t>● </a:t>
+            </a:r>
+            <a:r>
+              <a:rPr b="0" lang="en-US" sz="1500" spc="-1" strike="noStrike">
+                <a:solidFill>
+                  <a:schemeClr val="lt1"/>
+                </a:solidFill>
+                <a:latin typeface="Calibri"/>
+                <a:ea typeface="DejaVu Sans"/>
+              </a:rPr>
+              <a:t>Anahtar kelimeler (keywords) tanımlayıcı olarak kullanılamaz</a:t>
+            </a:r>
+            <a:endParaRPr b="0" lang="en-US" sz="1500" spc="-1" strike="noStrike">
+              <a:solidFill>
+                <a:srgbClr val="ffffff"/>
+              </a:solidFill>
+              <a:latin typeface="Arial"/>
+            </a:endParaRPr>
+          </a:p>
+          <a:p>
+            <a:pPr>
+              <a:lnSpc>
+                <a:spcPct val="100000"/>
+              </a:lnSpc>
+            </a:pPr>
+            <a:r>
+              <a:rPr b="0" lang="en-US" sz="1500" spc="-1" strike="noStrike">
+                <a:solidFill>
+                  <a:schemeClr val="lt1"/>
+                </a:solidFill>
+                <a:latin typeface="Calibri"/>
+                <a:ea typeface="DejaVu Sans"/>
+              </a:rPr>
+              <a:t>● </a:t>
+            </a:r>
+            <a:r>
+              <a:rPr b="0" lang="en-US" sz="1500" spc="-1" strike="noStrike">
+                <a:solidFill>
+                  <a:schemeClr val="lt1"/>
+                </a:solidFill>
+                <a:latin typeface="Calibri"/>
+                <a:ea typeface="DejaVu Sans"/>
+              </a:rPr>
+              <a:t>Java tanımlayıcıları büyük/küçük harfe duyarlıdır</a:t>
+            </a:r>
+            <a:endParaRPr b="0" lang="en-US" sz="1500" spc="-1" strike="noStrike">
+              <a:solidFill>
+                <a:srgbClr val="ffffff"/>
+              </a:solidFill>
+              <a:latin typeface="Arial"/>
+            </a:endParaRPr>
+          </a:p>
+          <a:p>
+            <a:pPr>
+              <a:lnSpc>
+                <a:spcPct val="100000"/>
+              </a:lnSpc>
+            </a:pPr>
+            <a:r>
+              <a:rPr b="0" lang="en-US" sz="1500" spc="-1" strike="noStrike">
+                <a:solidFill>
+                  <a:schemeClr val="lt1"/>
+                </a:solidFill>
+                <a:latin typeface="Calibri"/>
+                <a:ea typeface="DejaVu Sans"/>
+              </a:rPr>
+              <a:t>● </a:t>
+            </a:r>
+            <a:r>
+              <a:rPr b="0" lang="en-US" sz="1500" spc="-1" strike="noStrike">
+                <a:solidFill>
+                  <a:schemeClr val="lt1"/>
+                </a:solidFill>
+                <a:latin typeface="Calibri"/>
+                <a:ea typeface="DejaVu Sans"/>
+              </a:rPr>
+              <a:t>İsimler anlamlı ve okunabilir olmalıdır</a:t>
+            </a:r>
+            <a:endParaRPr b="0" lang="en-US" sz="1500" spc="-1" strike="noStrike">
+              <a:solidFill>
+                <a:srgbClr val="ffffff"/>
+              </a:solidFill>
+              <a:latin typeface="Arial"/>
+            </a:endParaRPr>
+          </a:p>
+        </p:txBody>
+      </p:sp>
+      <p:sp>
+        <p:nvSpPr>
+          <p:cNvPr id="672" name="Rounded Rectangle 109"/>
+          <p:cNvSpPr/>
+          <p:nvPr/>
+        </p:nvSpPr>
+        <p:spPr>
+          <a:xfrm>
+            <a:off x="4507920" y="3182040"/>
+            <a:ext cx="3290400" cy="2741760"/>
+          </a:xfrm>
+          <a:prstGeom prst="roundRect">
+            <a:avLst>
+              <a:gd name="adj" fmla="val 16667"/>
+            </a:avLst>
+          </a:prstGeom>
+          <a:solidFill>
+            <a:srgbClr val="08080a"/>
+          </a:solidFill>
+          <a:ln>
+            <a:noFill/>
+          </a:ln>
+          <a:effectLst>
+            <a:outerShdw blurRad="39960" dir="5400000" dist="23040" rotWithShape="0">
+              <a:srgbClr val="000000">
+                <a:alpha val="35000"/>
+              </a:srgbClr>
+            </a:outerShdw>
+          </a:effectLst>
+        </p:spPr>
+        <p:style>
+          <a:lnRef idx="1">
+            <a:schemeClr val="accent1"/>
+          </a:lnRef>
+          <a:fillRef idx="3">
+            <a:schemeClr val="accent1"/>
+          </a:fillRef>
+          <a:effectRef idx="2">
+            <a:schemeClr val="accent1"/>
+          </a:effectRef>
+          <a:fontRef idx="minor"/>
+        </p:style>
+        <p:txBody>
+          <a:bodyPr lIns="90000" rIns="90000" tIns="45000" bIns="45000" anchor="ctr">
+            <a:noAutofit/>
+          </a:bodyPr>
+          <a:p>
+            <a:endParaRPr b="0" lang="en-US" sz="1800" spc="-1" strike="noStrike">
+              <a:solidFill>
+                <a:schemeClr val="lt1"/>
+              </a:solidFill>
+              <a:latin typeface="Calibri"/>
+              <a:ea typeface="DejaVu Sans"/>
+            </a:endParaRPr>
+          </a:p>
+        </p:txBody>
+      </p:sp>
+      <p:sp>
+        <p:nvSpPr>
+          <p:cNvPr id="673" name="Rounded Rectangle 110"/>
+          <p:cNvSpPr/>
+          <p:nvPr/>
+        </p:nvSpPr>
+        <p:spPr>
+          <a:xfrm>
+            <a:off x="4434840" y="3108960"/>
+            <a:ext cx="3290400" cy="2741760"/>
+          </a:xfrm>
+          <a:prstGeom prst="roundRect">
+            <a:avLst>
+              <a:gd name="adj" fmla="val 16667"/>
+            </a:avLst>
+          </a:prstGeom>
+          <a:solidFill>
+            <a:srgbClr val="16161c"/>
+          </a:solidFill>
+          <a:ln>
+            <a:solidFill>
+              <a:srgbClr val="464655"/>
+            </a:solidFill>
+            <a:round/>
+          </a:ln>
+          <a:effectLst>
+            <a:outerShdw blurRad="39960" dir="5400000" dist="23040" rotWithShape="0">
+              <a:srgbClr val="000000">
+                <a:alpha val="35000"/>
+              </a:srgbClr>
+            </a:outerShdw>
+          </a:effectLst>
+        </p:spPr>
+        <p:style>
+          <a:lnRef idx="1">
+            <a:schemeClr val="accent1"/>
+          </a:lnRef>
+          <a:fillRef idx="3">
+            <a:schemeClr val="accent1"/>
+          </a:fillRef>
+          <a:effectRef idx="2">
+            <a:schemeClr val="accent1"/>
+          </a:effectRef>
+          <a:fontRef idx="minor"/>
+        </p:style>
+        <p:txBody>
+          <a:bodyPr lIns="90000" rIns="90000" tIns="45000" bIns="45000" anchor="ctr">
+            <a:noAutofit/>
+          </a:bodyPr>
+          <a:p>
+            <a:pPr>
+              <a:lnSpc>
+                <a:spcPct val="100000"/>
+              </a:lnSpc>
+            </a:pPr>
+            <a:r>
+              <a:rPr b="0" lang="en-US" sz="1800" spc="-1" strike="noStrike">
+                <a:solidFill>
+                  <a:schemeClr val="lt1"/>
+                </a:solidFill>
+                <a:latin typeface="Calibri"/>
+                <a:ea typeface="DejaVu Sans"/>
+              </a:rPr>
+              <a:t>İsim Tanımlanır</a:t>
+            </a:r>
+            <a:endParaRPr b="0" lang="en-US" sz="1800" spc="-1" strike="noStrike">
+              <a:solidFill>
+                <a:srgbClr val="ffffff"/>
+              </a:solidFill>
+              <a:latin typeface="Arial"/>
+            </a:endParaRPr>
+          </a:p>
+          <a:p>
+            <a:pPr>
+              <a:lnSpc>
+                <a:spcPct val="100000"/>
+              </a:lnSpc>
+            </a:pPr>
+            <a:r>
+              <a:rPr b="0" lang="en-US" sz="1800" spc="-1" strike="noStrike">
+                <a:solidFill>
+                  <a:schemeClr val="lt1"/>
+                </a:solidFill>
+                <a:latin typeface="Calibri"/>
+                <a:ea typeface="DejaVu Sans"/>
+              </a:rPr>
+              <a:t>↓</a:t>
+            </a:r>
+            <a:endParaRPr b="0" lang="en-US" sz="1800" spc="-1" strike="noStrike">
+              <a:solidFill>
+                <a:srgbClr val="ffffff"/>
+              </a:solidFill>
+              <a:latin typeface="Arial"/>
+            </a:endParaRPr>
+          </a:p>
+          <a:p>
+            <a:pPr>
+              <a:lnSpc>
+                <a:spcPct val="100000"/>
+              </a:lnSpc>
+            </a:pPr>
+            <a:r>
+              <a:rPr b="0" lang="en-US" sz="1800" spc="-1" strike="noStrike">
+                <a:solidFill>
+                  <a:schemeClr val="lt1"/>
+                </a:solidFill>
+                <a:latin typeface="Calibri"/>
+                <a:ea typeface="DejaVu Sans"/>
+              </a:rPr>
+              <a:t>İlk Karakter Kontrol Edilir</a:t>
+            </a:r>
+            <a:endParaRPr b="0" lang="en-US" sz="1800" spc="-1" strike="noStrike">
+              <a:solidFill>
+                <a:srgbClr val="ffffff"/>
+              </a:solidFill>
+              <a:latin typeface="Arial"/>
+            </a:endParaRPr>
+          </a:p>
+          <a:p>
+            <a:pPr>
+              <a:lnSpc>
+                <a:spcPct val="100000"/>
+              </a:lnSpc>
+            </a:pPr>
+            <a:r>
+              <a:rPr b="0" lang="en-US" sz="1800" spc="-1" strike="noStrike">
+                <a:solidFill>
+                  <a:schemeClr val="lt1"/>
+                </a:solidFill>
+                <a:latin typeface="Calibri"/>
+                <a:ea typeface="DejaVu Sans"/>
+              </a:rPr>
+              <a:t>↓</a:t>
+            </a:r>
+            <a:endParaRPr b="0" lang="en-US" sz="1800" spc="-1" strike="noStrike">
+              <a:solidFill>
+                <a:srgbClr val="ffffff"/>
+              </a:solidFill>
+              <a:latin typeface="Arial"/>
+            </a:endParaRPr>
+          </a:p>
+          <a:p>
+            <a:pPr>
+              <a:lnSpc>
+                <a:spcPct val="100000"/>
+              </a:lnSpc>
+            </a:pPr>
+            <a:r>
+              <a:rPr b="0" lang="en-US" sz="1800" spc="-1" strike="noStrike">
+                <a:solidFill>
+                  <a:schemeClr val="lt1"/>
+                </a:solidFill>
+                <a:latin typeface="Calibri"/>
+                <a:ea typeface="DejaVu Sans"/>
+              </a:rPr>
+              <a:t>Anahtar Kelimeler Kontrol Edilir</a:t>
+            </a:r>
+            <a:endParaRPr b="0" lang="en-US" sz="1800" spc="-1" strike="noStrike">
+              <a:solidFill>
+                <a:srgbClr val="ffffff"/>
+              </a:solidFill>
+              <a:latin typeface="Arial"/>
+            </a:endParaRPr>
+          </a:p>
+          <a:p>
+            <a:pPr>
+              <a:lnSpc>
+                <a:spcPct val="100000"/>
+              </a:lnSpc>
+            </a:pPr>
+            <a:r>
+              <a:rPr b="0" lang="en-US" sz="1800" spc="-1" strike="noStrike">
+                <a:solidFill>
+                  <a:schemeClr val="lt1"/>
+                </a:solidFill>
+                <a:latin typeface="Calibri"/>
+                <a:ea typeface="DejaVu Sans"/>
+              </a:rPr>
+              <a:t>↓</a:t>
+            </a:r>
+            <a:endParaRPr b="0" lang="en-US" sz="1800" spc="-1" strike="noStrike">
+              <a:solidFill>
+                <a:srgbClr val="ffffff"/>
+              </a:solidFill>
+              <a:latin typeface="Arial"/>
+            </a:endParaRPr>
+          </a:p>
+          <a:p>
+            <a:pPr>
+              <a:lnSpc>
+                <a:spcPct val="100000"/>
+              </a:lnSpc>
+            </a:pPr>
+            <a:r>
+              <a:rPr b="0" lang="en-US" sz="1800" spc="-1" strike="noStrike">
+                <a:solidFill>
+                  <a:schemeClr val="lt1"/>
+                </a:solidFill>
+                <a:latin typeface="Calibri"/>
+                <a:ea typeface="DejaVu Sans"/>
+              </a:rPr>
+              <a:t>Geçerli Tanımlayıcı Oluşturulur</a:t>
+            </a:r>
+            <a:endParaRPr b="0" lang="en-US" sz="1800" spc="-1" strike="noStrike">
+              <a:solidFill>
+                <a:srgbClr val="ffffff"/>
+              </a:solidFill>
+              <a:latin typeface="Arial"/>
+            </a:endParaRPr>
+          </a:p>
+          <a:p>
+            <a:pPr>
+              <a:lnSpc>
+                <a:spcPct val="100000"/>
+              </a:lnSpc>
+            </a:pPr>
+            <a:r>
+              <a:rPr b="0" lang="en-US" sz="1800" spc="-1" strike="noStrike">
+                <a:solidFill>
+                  <a:schemeClr val="lt1"/>
+                </a:solidFill>
+                <a:latin typeface="Calibri"/>
+                <a:ea typeface="DejaVu Sans"/>
+              </a:rPr>
+              <a:t>↓</a:t>
+            </a:r>
+            <a:endParaRPr b="0" lang="en-US" sz="1800" spc="-1" strike="noStrike">
+              <a:solidFill>
+                <a:srgbClr val="ffffff"/>
+              </a:solidFill>
+              <a:latin typeface="Arial"/>
+            </a:endParaRPr>
+          </a:p>
+          <a:p>
+            <a:pPr>
+              <a:lnSpc>
+                <a:spcPct val="100000"/>
+              </a:lnSpc>
+            </a:pPr>
+            <a:r>
+              <a:rPr b="0" lang="en-US" sz="1800" spc="-1" strike="noStrike">
+                <a:solidFill>
+                  <a:schemeClr val="lt1"/>
+                </a:solidFill>
+                <a:latin typeface="Calibri"/>
+                <a:ea typeface="DejaVu Sans"/>
+              </a:rPr>
+              <a:t>Program İçinde Kullanılır</a:t>
+            </a:r>
+            <a:endParaRPr b="0" lang="en-US" sz="1800" spc="-1" strike="noStrike">
+              <a:solidFill>
+                <a:srgbClr val="ffffff"/>
+              </a:solidFill>
+              <a:latin typeface="Arial"/>
+            </a:endParaRPr>
+          </a:p>
+        </p:txBody>
+      </p:sp>
+      <p:sp>
+        <p:nvSpPr>
+          <p:cNvPr id="674" name="Rounded Rectangle 111"/>
+          <p:cNvSpPr/>
+          <p:nvPr/>
+        </p:nvSpPr>
+        <p:spPr>
+          <a:xfrm>
+            <a:off x="8028360" y="3182040"/>
+            <a:ext cx="3290400" cy="2741760"/>
+          </a:xfrm>
+          <a:prstGeom prst="roundRect">
+            <a:avLst>
+              <a:gd name="adj" fmla="val 16667"/>
+            </a:avLst>
+          </a:prstGeom>
+          <a:solidFill>
+            <a:srgbClr val="08080a"/>
+          </a:solidFill>
+          <a:ln>
+            <a:noFill/>
+          </a:ln>
+          <a:effectLst>
+            <a:outerShdw blurRad="39960" dir="5400000" dist="23040" rotWithShape="0">
+              <a:srgbClr val="000000">
+                <a:alpha val="35000"/>
+              </a:srgbClr>
+            </a:outerShdw>
+          </a:effectLst>
+        </p:spPr>
+        <p:style>
+          <a:lnRef idx="1">
+            <a:schemeClr val="accent1"/>
+          </a:lnRef>
+          <a:fillRef idx="3">
+            <a:schemeClr val="accent1"/>
+          </a:fillRef>
+          <a:effectRef idx="2">
+            <a:schemeClr val="accent1"/>
+          </a:effectRef>
+          <a:fontRef idx="minor"/>
+        </p:style>
+        <p:txBody>
+          <a:bodyPr lIns="90000" rIns="90000" tIns="45000" bIns="45000" anchor="ctr">
+            <a:noAutofit/>
+          </a:bodyPr>
+          <a:p>
+            <a:endParaRPr b="0" lang="en-US" sz="1800" spc="-1" strike="noStrike">
+              <a:solidFill>
+                <a:schemeClr val="lt1"/>
+              </a:solidFill>
+              <a:latin typeface="Calibri"/>
+              <a:ea typeface="DejaVu Sans"/>
+            </a:endParaRPr>
+          </a:p>
+        </p:txBody>
+      </p:sp>
+      <p:sp>
+        <p:nvSpPr>
+          <p:cNvPr id="675" name="Rounded Rectangle 112"/>
+          <p:cNvSpPr/>
+          <p:nvPr/>
+        </p:nvSpPr>
+        <p:spPr>
+          <a:xfrm>
+            <a:off x="7955280" y="3108960"/>
+            <a:ext cx="3290400" cy="2741760"/>
+          </a:xfrm>
+          <a:prstGeom prst="roundRect">
+            <a:avLst>
+              <a:gd name="adj" fmla="val 16667"/>
+            </a:avLst>
+          </a:prstGeom>
+          <a:solidFill>
+            <a:srgbClr val="16161c"/>
+          </a:solidFill>
+          <a:ln>
+            <a:solidFill>
+              <a:srgbClr val="464655"/>
+            </a:solidFill>
+            <a:round/>
+          </a:ln>
+          <a:effectLst>
+            <a:outerShdw blurRad="39960" dir="5400000" dist="23040" rotWithShape="0">
+              <a:srgbClr val="000000">
+                <a:alpha val="35000"/>
+              </a:srgbClr>
+            </a:outerShdw>
+          </a:effectLst>
+        </p:spPr>
+        <p:style>
+          <a:lnRef idx="1">
+            <a:schemeClr val="accent1"/>
+          </a:lnRef>
+          <a:fillRef idx="3">
+            <a:schemeClr val="accent1"/>
+          </a:fillRef>
+          <a:effectRef idx="2">
+            <a:schemeClr val="accent1"/>
+          </a:effectRef>
+          <a:fontRef idx="minor"/>
+        </p:style>
+        <p:txBody>
+          <a:bodyPr lIns="90000" rIns="90000" tIns="45000" bIns="45000" anchor="ctr">
+            <a:noAutofit/>
+          </a:bodyPr>
+          <a:p>
+            <a:pPr algn="ctr">
+              <a:lnSpc>
+                <a:spcPct val="100000"/>
+              </a:lnSpc>
+            </a:pPr>
+            <a:endParaRPr b="0" lang="en-US" sz="1600" spc="-1" strike="noStrike">
+              <a:solidFill>
+                <a:srgbClr val="ffffff"/>
+              </a:solidFill>
+              <a:latin typeface="Arial"/>
+            </a:endParaRPr>
+          </a:p>
+          <a:p>
+            <a:pPr algn="ctr">
+              <a:lnSpc>
+                <a:spcPct val="100000"/>
+              </a:lnSpc>
+            </a:pPr>
+            <a:r>
+              <a:rPr b="0" lang="en-US" sz="1600" spc="-1" strike="noStrike">
+                <a:solidFill>
+                  <a:srgbClr val="78ffc8"/>
+                </a:solidFill>
+                <a:latin typeface="Consolas"/>
+                <a:ea typeface="DejaVu Sans"/>
+              </a:rPr>
+              <a:t>int age = 25;</a:t>
+            </a:r>
+            <a:endParaRPr b="0" lang="en-US" sz="1600" spc="-1" strike="noStrike">
+              <a:solidFill>
+                <a:srgbClr val="ffffff"/>
+              </a:solidFill>
+              <a:latin typeface="Arial"/>
+            </a:endParaRPr>
+          </a:p>
+          <a:p>
+            <a:pPr algn="ctr">
+              <a:lnSpc>
+                <a:spcPct val="100000"/>
+              </a:lnSpc>
+            </a:pPr>
+            <a:r>
+              <a:rPr b="0" lang="en-US" sz="1600" spc="-1" strike="noStrike">
+                <a:solidFill>
+                  <a:srgbClr val="78ffc8"/>
+                </a:solidFill>
+                <a:latin typeface="Consolas"/>
+                <a:ea typeface="DejaVu Sans"/>
+              </a:rPr>
+              <a:t>double $salary = 5000;</a:t>
+            </a:r>
+            <a:endParaRPr b="0" lang="en-US" sz="1600" spc="-1" strike="noStrike">
+              <a:solidFill>
+                <a:srgbClr val="ffffff"/>
+              </a:solidFill>
+              <a:latin typeface="Arial"/>
+            </a:endParaRPr>
+          </a:p>
+          <a:p>
+            <a:pPr algn="ctr">
+              <a:lnSpc>
+                <a:spcPct val="100000"/>
+              </a:lnSpc>
+            </a:pPr>
+            <a:r>
+              <a:rPr b="0" lang="en-US" sz="1600" spc="-1" strike="noStrike">
+                <a:solidFill>
+                  <a:srgbClr val="78ffc8"/>
+                </a:solidFill>
+                <a:latin typeface="Consolas"/>
+                <a:ea typeface="DejaVu Sans"/>
+              </a:rPr>
+              <a:t>int _value = 10;</a:t>
+            </a:r>
+            <a:endParaRPr b="0" lang="en-US" sz="1600" spc="-1" strike="noStrike">
+              <a:solidFill>
+                <a:srgbClr val="ffffff"/>
+              </a:solidFill>
+              <a:latin typeface="Arial"/>
+            </a:endParaRPr>
+          </a:p>
+          <a:p>
+            <a:pPr algn="ctr">
+              <a:lnSpc>
+                <a:spcPct val="100000"/>
+              </a:lnSpc>
+            </a:pPr>
+            <a:r>
+              <a:rPr b="0" lang="en-US" sz="1600" spc="-1" strike="noStrike">
+                <a:solidFill>
+                  <a:srgbClr val="78ffc8"/>
+                </a:solidFill>
+                <a:latin typeface="Consolas"/>
+                <a:ea typeface="DejaVu Sans"/>
+              </a:rPr>
+              <a:t>int __1_value = 20;</a:t>
+            </a:r>
+            <a:endParaRPr b="0" lang="en-US" sz="1600" spc="-1" strike="noStrike">
+              <a:solidFill>
+                <a:srgbClr val="ffffff"/>
+              </a:solidFill>
+              <a:latin typeface="Arial"/>
+            </a:endParaRPr>
+          </a:p>
+          <a:p>
+            <a:pPr algn="ctr">
+              <a:lnSpc>
+                <a:spcPct val="100000"/>
+              </a:lnSpc>
+            </a:pPr>
+            <a:endParaRPr b="0" lang="en-US" sz="1600" spc="-1" strike="noStrike">
+              <a:solidFill>
+                <a:srgbClr val="ffffff"/>
+              </a:solidFill>
+              <a:latin typeface="Arial"/>
+            </a:endParaRPr>
+          </a:p>
+          <a:p>
+            <a:pPr algn="ctr">
+              <a:lnSpc>
+                <a:spcPct val="100000"/>
+              </a:lnSpc>
+            </a:pPr>
+            <a:r>
+              <a:rPr b="0" lang="en-US" sz="1600" spc="-1" strike="noStrike">
+                <a:solidFill>
+                  <a:srgbClr val="78ffc8"/>
+                </a:solidFill>
+                <a:latin typeface="Consolas"/>
+                <a:ea typeface="DejaVu Sans"/>
+              </a:rPr>
+              <a:t>// Geçersiz örnekler:</a:t>
+            </a:r>
+            <a:endParaRPr b="0" lang="en-US" sz="1600" spc="-1" strike="noStrike">
+              <a:solidFill>
+                <a:srgbClr val="ffffff"/>
+              </a:solidFill>
+              <a:latin typeface="Arial"/>
+            </a:endParaRPr>
+          </a:p>
+          <a:p>
+            <a:pPr algn="ctr">
+              <a:lnSpc>
+                <a:spcPct val="100000"/>
+              </a:lnSpc>
+            </a:pPr>
+            <a:r>
+              <a:rPr b="0" lang="en-US" sz="1600" spc="-1" strike="noStrike">
+                <a:solidFill>
+                  <a:srgbClr val="78ffc8"/>
+                </a:solidFill>
+                <a:latin typeface="Consolas"/>
+                <a:ea typeface="DejaVu Sans"/>
+              </a:rPr>
+              <a:t>// int 123abc;</a:t>
+            </a:r>
+            <a:endParaRPr b="0" lang="en-US" sz="1600" spc="-1" strike="noStrike">
+              <a:solidFill>
+                <a:srgbClr val="ffffff"/>
+              </a:solidFill>
+              <a:latin typeface="Arial"/>
+            </a:endParaRPr>
+          </a:p>
+          <a:p>
+            <a:pPr algn="ctr">
+              <a:lnSpc>
+                <a:spcPct val="100000"/>
+              </a:lnSpc>
+            </a:pPr>
+            <a:r>
+              <a:rPr b="0" lang="en-US" sz="1600" spc="-1" strike="noStrike">
+                <a:solidFill>
+                  <a:srgbClr val="78ffc8"/>
+                </a:solidFill>
+                <a:latin typeface="Consolas"/>
+                <a:ea typeface="DejaVu Sans"/>
+              </a:rPr>
+              <a:t>// int -salary;</a:t>
+            </a:r>
+            <a:endParaRPr b="0" lang="en-US" sz="1600" spc="-1" strike="noStrike">
+              <a:solidFill>
+                <a:srgbClr val="ffffff"/>
+              </a:solidFill>
+              <a:latin typeface="Arial"/>
+            </a:endParaRPr>
+          </a:p>
+          <a:p>
+            <a:pPr algn="ctr">
+              <a:lnSpc>
+                <a:spcPct val="100000"/>
+              </a:lnSpc>
+            </a:pPr>
+            <a:endParaRPr b="0" lang="en-US" sz="1600" spc="-1" strike="noStrike">
+              <a:solidFill>
+                <a:srgbClr val="ffffff"/>
+              </a:solidFill>
+              <a:latin typeface="Arial"/>
+            </a:endParaRPr>
+          </a:p>
+          <a:p>
+            <a:pPr algn="ctr">
+              <a:lnSpc>
+                <a:spcPct val="100000"/>
+              </a:lnSpc>
+            </a:pPr>
+            <a:endParaRPr b="0" lang="en-US" sz="1600" spc="-1" strike="noStrike">
+              <a:solidFill>
+                <a:srgbClr val="ffffff"/>
+              </a:solidFill>
+              <a:latin typeface="Arial"/>
+            </a:endParaRPr>
+          </a:p>
+        </p:txBody>
+      </p:sp>
+      <p:sp>
+        <p:nvSpPr>
+          <p:cNvPr id="676" name="TextBox 48"/>
+          <p:cNvSpPr/>
+          <p:nvPr/>
+        </p:nvSpPr>
+        <p:spPr>
+          <a:xfrm>
+            <a:off x="4600080" y="6446520"/>
+            <a:ext cx="3051360" cy="363960"/>
           </a:xfrm>
           <a:prstGeom prst="rect">
             <a:avLst/>
@@ -34940,7 +37127,7 @@
         <p:spPr>
           <a:xfrm>
             <a:off x="0" y="0"/>
-            <a:ext cx="12184200" cy="6853320"/>
+            <a:ext cx="12183840" cy="6852960"/>
           </a:xfrm>
           <a:prstGeom prst="rect">
             <a:avLst/>
@@ -35000,7 +37187,7 @@
         <p:spPr>
           <a:xfrm>
             <a:off x="0" y="0"/>
-            <a:ext cx="13680" cy="6853320"/>
+            <a:ext cx="13320" cy="6852960"/>
           </a:xfrm>
           <a:prstGeom prst="rect">
             <a:avLst/>
@@ -35060,7 +37247,7 @@
         <p:spPr>
           <a:xfrm>
             <a:off x="914400" y="0"/>
-            <a:ext cx="13680" cy="6853320"/>
+            <a:ext cx="13320" cy="6852960"/>
           </a:xfrm>
           <a:prstGeom prst="rect">
             <a:avLst/>
@@ -35120,7 +37307,7 @@
         <p:spPr>
           <a:xfrm>
             <a:off x="1828800" y="0"/>
-            <a:ext cx="13680" cy="6853320"/>
+            <a:ext cx="13320" cy="6852960"/>
           </a:xfrm>
           <a:prstGeom prst="rect">
             <a:avLst/>
@@ -35180,7 +37367,7 @@
         <p:spPr>
           <a:xfrm>
             <a:off x="2743200" y="0"/>
-            <a:ext cx="13680" cy="6853320"/>
+            <a:ext cx="13320" cy="6852960"/>
           </a:xfrm>
           <a:prstGeom prst="rect">
             <a:avLst/>
@@ -35240,7 +37427,7 @@
         <p:spPr>
           <a:xfrm>
             <a:off x="3657600" y="0"/>
-            <a:ext cx="13680" cy="6853320"/>
+            <a:ext cx="13320" cy="6852960"/>
           </a:xfrm>
           <a:prstGeom prst="rect">
             <a:avLst/>
@@ -35300,7 +37487,7 @@
         <p:spPr>
           <a:xfrm>
             <a:off x="4572000" y="0"/>
-            <a:ext cx="13680" cy="6853320"/>
+            <a:ext cx="13320" cy="6852960"/>
           </a:xfrm>
           <a:prstGeom prst="rect">
             <a:avLst/>
@@ -35360,7 +37547,7 @@
         <p:spPr>
           <a:xfrm>
             <a:off x="5486400" y="0"/>
-            <a:ext cx="13680" cy="6853320"/>
+            <a:ext cx="13320" cy="6852960"/>
           </a:xfrm>
           <a:prstGeom prst="rect">
             <a:avLst/>
@@ -35420,7 +37607,7 @@
         <p:spPr>
           <a:xfrm>
             <a:off x="6400800" y="0"/>
-            <a:ext cx="13680" cy="6853320"/>
+            <a:ext cx="13320" cy="6852960"/>
           </a:xfrm>
           <a:prstGeom prst="rect">
             <a:avLst/>
@@ -35480,7 +37667,7 @@
         <p:spPr>
           <a:xfrm>
             <a:off x="7315200" y="0"/>
-            <a:ext cx="13680" cy="6853320"/>
+            <a:ext cx="13320" cy="6852960"/>
           </a:xfrm>
           <a:prstGeom prst="rect">
             <a:avLst/>
@@ -35540,7 +37727,7 @@
         <p:spPr>
           <a:xfrm>
             <a:off x="8229600" y="0"/>
-            <a:ext cx="13680" cy="6853320"/>
+            <a:ext cx="13320" cy="6852960"/>
           </a:xfrm>
           <a:prstGeom prst="rect">
             <a:avLst/>
@@ -35600,7 +37787,7 @@
         <p:spPr>
           <a:xfrm>
             <a:off x="9144000" y="0"/>
-            <a:ext cx="13680" cy="6853320"/>
+            <a:ext cx="13320" cy="6852960"/>
           </a:xfrm>
           <a:prstGeom prst="rect">
             <a:avLst/>
@@ -35660,7 +37847,7 @@
         <p:spPr>
           <a:xfrm>
             <a:off x="10058400" y="0"/>
-            <a:ext cx="13680" cy="6853320"/>
+            <a:ext cx="13320" cy="6852960"/>
           </a:xfrm>
           <a:prstGeom prst="rect">
             <a:avLst/>
@@ -35720,7 +37907,7 @@
         <p:spPr>
           <a:xfrm>
             <a:off x="10972800" y="0"/>
-            <a:ext cx="13680" cy="6853320"/>
+            <a:ext cx="13320" cy="6852960"/>
           </a:xfrm>
           <a:prstGeom prst="rect">
             <a:avLst/>
@@ -35780,7 +37967,7 @@
         <p:spPr>
           <a:xfrm>
             <a:off x="11887200" y="0"/>
-            <a:ext cx="13680" cy="6853320"/>
+            <a:ext cx="13320" cy="6852960"/>
           </a:xfrm>
           <a:prstGeom prst="rect">
             <a:avLst/>
@@ -35840,7 +38027,7 @@
         <p:spPr>
           <a:xfrm>
             <a:off x="0" y="0"/>
-            <a:ext cx="315360" cy="6853320"/>
+            <a:ext cx="315000" cy="6852960"/>
           </a:xfrm>
           <a:prstGeom prst="rect">
             <a:avLst/>
@@ -35900,7 +38087,7 @@
         <p:spPr>
           <a:xfrm>
             <a:off x="9875520" y="365760"/>
-            <a:ext cx="2007000" cy="498240"/>
+            <a:ext cx="2006640" cy="497880"/>
           </a:xfrm>
           <a:prstGeom prst="roundRect">
             <a:avLst>
@@ -36082,7 +38269,7 @@
         <p:spPr>
           <a:xfrm>
             <a:off x="987480" y="3182040"/>
-            <a:ext cx="3287160" cy="2738520"/>
+            <a:ext cx="3286800" cy="2738160"/>
           </a:xfrm>
           <a:prstGeom prst="roundRect">
             <a:avLst>
@@ -36144,7 +38331,7 @@
         <p:spPr>
           <a:xfrm>
             <a:off x="914400" y="3108960"/>
-            <a:ext cx="3287160" cy="2738520"/>
+            <a:ext cx="3286800" cy="2738160"/>
           </a:xfrm>
           <a:prstGeom prst="roundRect">
             <a:avLst>
@@ -36399,7 +38586,7 @@
         <p:spPr>
           <a:xfrm>
             <a:off x="4507920" y="3182040"/>
-            <a:ext cx="3287160" cy="2738520"/>
+            <a:ext cx="3286800" cy="2738160"/>
           </a:xfrm>
           <a:prstGeom prst="roundRect">
             <a:avLst>
@@ -36461,7 +38648,7 @@
         <p:spPr>
           <a:xfrm>
             <a:off x="4434840" y="3108960"/>
-            <a:ext cx="3287160" cy="2738520"/>
+            <a:ext cx="3286800" cy="2738160"/>
           </a:xfrm>
           <a:prstGeom prst="roundRect">
             <a:avLst>
@@ -36673,7 +38860,7 @@
         <p:spPr>
           <a:xfrm>
             <a:off x="8028360" y="3182040"/>
-            <a:ext cx="3287160" cy="2738520"/>
+            <a:ext cx="3286800" cy="2738160"/>
           </a:xfrm>
           <a:prstGeom prst="roundRect">
             <a:avLst>
@@ -36735,7 +38922,7 @@
         <p:spPr>
           <a:xfrm>
             <a:off x="7955280" y="3108960"/>
-            <a:ext cx="3287160" cy="2738520"/>
+            <a:ext cx="3286800" cy="2738160"/>
           </a:xfrm>
           <a:prstGeom prst="roundRect">
             <a:avLst>
@@ -37100,7 +39287,7 @@
         <p:spPr>
           <a:xfrm>
             <a:off x="0" y="0"/>
-            <a:ext cx="12184920" cy="6854040"/>
+            <a:ext cx="12184560" cy="6853680"/>
           </a:xfrm>
           <a:prstGeom prst="rect">
             <a:avLst/>
@@ -37160,7 +39347,7 @@
         <p:spPr>
           <a:xfrm>
             <a:off x="0" y="0"/>
-            <a:ext cx="14400" cy="6854040"/>
+            <a:ext cx="14040" cy="6853680"/>
           </a:xfrm>
           <a:prstGeom prst="rect">
             <a:avLst/>
@@ -37220,7 +39407,7 @@
         <p:spPr>
           <a:xfrm>
             <a:off x="914400" y="0"/>
-            <a:ext cx="14400" cy="6854040"/>
+            <a:ext cx="14040" cy="6853680"/>
           </a:xfrm>
           <a:prstGeom prst="rect">
             <a:avLst/>
@@ -37280,7 +39467,7 @@
         <p:spPr>
           <a:xfrm>
             <a:off x="1828800" y="0"/>
-            <a:ext cx="14400" cy="6854040"/>
+            <a:ext cx="14040" cy="6853680"/>
           </a:xfrm>
           <a:prstGeom prst="rect">
             <a:avLst/>
@@ -37340,7 +39527,7 @@
         <p:spPr>
           <a:xfrm>
             <a:off x="2743200" y="0"/>
-            <a:ext cx="14400" cy="6854040"/>
+            <a:ext cx="14040" cy="6853680"/>
           </a:xfrm>
           <a:prstGeom prst="rect">
             <a:avLst/>
@@ -37400,7 +39587,7 @@
         <p:spPr>
           <a:xfrm>
             <a:off x="3657600" y="0"/>
-            <a:ext cx="14400" cy="6854040"/>
+            <a:ext cx="14040" cy="6853680"/>
           </a:xfrm>
           <a:prstGeom prst="rect">
             <a:avLst/>
@@ -37460,7 +39647,7 @@
         <p:spPr>
           <a:xfrm>
             <a:off x="4572000" y="0"/>
-            <a:ext cx="14400" cy="6854040"/>
+            <a:ext cx="14040" cy="6853680"/>
           </a:xfrm>
           <a:prstGeom prst="rect">
             <a:avLst/>
@@ -37520,7 +39707,7 @@
         <p:spPr>
           <a:xfrm>
             <a:off x="5486400" y="0"/>
-            <a:ext cx="14400" cy="6854040"/>
+            <a:ext cx="14040" cy="6853680"/>
           </a:xfrm>
           <a:prstGeom prst="rect">
             <a:avLst/>
@@ -37580,7 +39767,7 @@
         <p:spPr>
           <a:xfrm>
             <a:off x="6400800" y="0"/>
-            <a:ext cx="14400" cy="6854040"/>
+            <a:ext cx="14040" cy="6853680"/>
           </a:xfrm>
           <a:prstGeom prst="rect">
             <a:avLst/>
@@ -37640,7 +39827,7 @@
         <p:spPr>
           <a:xfrm>
             <a:off x="7315200" y="0"/>
-            <a:ext cx="14400" cy="6854040"/>
+            <a:ext cx="14040" cy="6853680"/>
           </a:xfrm>
           <a:prstGeom prst="rect">
             <a:avLst/>
@@ -37700,7 +39887,7 @@
         <p:spPr>
           <a:xfrm>
             <a:off x="8229600" y="0"/>
-            <a:ext cx="14400" cy="6854040"/>
+            <a:ext cx="14040" cy="6853680"/>
           </a:xfrm>
           <a:prstGeom prst="rect">
             <a:avLst/>
@@ -37760,7 +39947,7 @@
         <p:spPr>
           <a:xfrm>
             <a:off x="9144000" y="0"/>
-            <a:ext cx="14400" cy="6854040"/>
+            <a:ext cx="14040" cy="6853680"/>
           </a:xfrm>
           <a:prstGeom prst="rect">
             <a:avLst/>
@@ -37820,7 +40007,7 @@
         <p:spPr>
           <a:xfrm>
             <a:off x="10058400" y="0"/>
-            <a:ext cx="14400" cy="6854040"/>
+            <a:ext cx="14040" cy="6853680"/>
           </a:xfrm>
           <a:prstGeom prst="rect">
             <a:avLst/>
@@ -37880,7 +40067,7 @@
         <p:spPr>
           <a:xfrm>
             <a:off x="10972800" y="0"/>
-            <a:ext cx="14400" cy="6854040"/>
+            <a:ext cx="14040" cy="6853680"/>
           </a:xfrm>
           <a:prstGeom prst="rect">
             <a:avLst/>
@@ -37940,7 +40127,7 @@
         <p:spPr>
           <a:xfrm>
             <a:off x="11887200" y="0"/>
-            <a:ext cx="14400" cy="6854040"/>
+            <a:ext cx="14040" cy="6853680"/>
           </a:xfrm>
           <a:prstGeom prst="rect">
             <a:avLst/>
@@ -38000,7 +40187,7 @@
         <p:spPr>
           <a:xfrm>
             <a:off x="0" y="0"/>
-            <a:ext cx="316080" cy="6854040"/>
+            <a:ext cx="315720" cy="6853680"/>
           </a:xfrm>
           <a:prstGeom prst="rect">
             <a:avLst/>
@@ -38060,7 +40247,7 @@
         <p:spPr>
           <a:xfrm>
             <a:off x="9875520" y="365760"/>
-            <a:ext cx="2007720" cy="498960"/>
+            <a:ext cx="2007360" cy="498600"/>
           </a:xfrm>
           <a:prstGeom prst="roundRect">
             <a:avLst>
@@ -38242,7 +40429,7 @@
         <p:spPr>
           <a:xfrm>
             <a:off x="987480" y="3182040"/>
-            <a:ext cx="3287880" cy="2739240"/>
+            <a:ext cx="3287520" cy="2738880"/>
           </a:xfrm>
           <a:prstGeom prst="roundRect">
             <a:avLst>
@@ -38304,7 +40491,7 @@
         <p:spPr>
           <a:xfrm>
             <a:off x="475560" y="2743200"/>
-            <a:ext cx="3726720" cy="3105000"/>
+            <a:ext cx="3726360" cy="3104640"/>
           </a:xfrm>
           <a:prstGeom prst="roundRect">
             <a:avLst>
@@ -38581,7 +40768,7 @@
         <p:spPr>
           <a:xfrm>
             <a:off x="4507920" y="3182040"/>
-            <a:ext cx="3287880" cy="2739240"/>
+            <a:ext cx="3287520" cy="2738880"/>
           </a:xfrm>
           <a:prstGeom prst="roundRect">
             <a:avLst>
@@ -38643,7 +40830,7 @@
         <p:spPr>
           <a:xfrm>
             <a:off x="4343400" y="2918520"/>
-            <a:ext cx="3516480" cy="2929680"/>
+            <a:ext cx="3516120" cy="2929320"/>
           </a:xfrm>
           <a:prstGeom prst="roundRect">
             <a:avLst>
@@ -39105,7 +41292,7 @@
         <p:spPr>
           <a:xfrm>
             <a:off x="8028360" y="3182040"/>
-            <a:ext cx="3287880" cy="2739240"/>
+            <a:ext cx="3287520" cy="2738880"/>
           </a:xfrm>
           <a:prstGeom prst="roundRect">
             <a:avLst>
@@ -39167,7 +41354,7 @@
         <p:spPr>
           <a:xfrm>
             <a:off x="8023680" y="2743200"/>
-            <a:ext cx="3837960" cy="3197520"/>
+            <a:ext cx="3837600" cy="3197160"/>
           </a:xfrm>
           <a:prstGeom prst="roundRect">
             <a:avLst>
@@ -39723,7 +41910,7 @@
         <p:spPr>
           <a:xfrm>
             <a:off x="0" y="0"/>
-            <a:ext cx="12185280" cy="6854400"/>
+            <a:ext cx="12184920" cy="6854040"/>
           </a:xfrm>
           <a:prstGeom prst="rect">
             <a:avLst/>
@@ -39783,7 +41970,7 @@
         <p:spPr>
           <a:xfrm>
             <a:off x="0" y="0"/>
-            <a:ext cx="14760" cy="6854400"/>
+            <a:ext cx="14400" cy="6854040"/>
           </a:xfrm>
           <a:prstGeom prst="rect">
             <a:avLst/>
@@ -39843,7 +42030,7 @@
         <p:spPr>
           <a:xfrm>
             <a:off x="914400" y="0"/>
-            <a:ext cx="14760" cy="6854400"/>
+            <a:ext cx="14400" cy="6854040"/>
           </a:xfrm>
           <a:prstGeom prst="rect">
             <a:avLst/>
@@ -39903,7 +42090,7 @@
         <p:spPr>
           <a:xfrm>
             <a:off x="1828800" y="0"/>
-            <a:ext cx="14760" cy="6854400"/>
+            <a:ext cx="14400" cy="6854040"/>
           </a:xfrm>
           <a:prstGeom prst="rect">
             <a:avLst/>
@@ -39963,7 +42150,7 @@
         <p:spPr>
           <a:xfrm>
             <a:off x="2743200" y="0"/>
-            <a:ext cx="14760" cy="6854400"/>
+            <a:ext cx="14400" cy="6854040"/>
           </a:xfrm>
           <a:prstGeom prst="rect">
             <a:avLst/>
@@ -40023,7 +42210,7 @@
         <p:spPr>
           <a:xfrm>
             <a:off x="3657600" y="0"/>
-            <a:ext cx="14760" cy="6854400"/>
+            <a:ext cx="14400" cy="6854040"/>
           </a:xfrm>
           <a:prstGeom prst="rect">
             <a:avLst/>
@@ -40083,7 +42270,7 @@
         <p:spPr>
           <a:xfrm>
             <a:off x="4572000" y="0"/>
-            <a:ext cx="14760" cy="6854400"/>
+            <a:ext cx="14400" cy="6854040"/>
           </a:xfrm>
           <a:prstGeom prst="rect">
             <a:avLst/>
@@ -40143,7 +42330,7 @@
         <p:spPr>
           <a:xfrm>
             <a:off x="5486400" y="0"/>
-            <a:ext cx="14760" cy="6854400"/>
+            <a:ext cx="14400" cy="6854040"/>
           </a:xfrm>
           <a:prstGeom prst="rect">
             <a:avLst/>
@@ -40203,7 +42390,7 @@
         <p:spPr>
           <a:xfrm>
             <a:off x="6400800" y="0"/>
-            <a:ext cx="14760" cy="6854400"/>
+            <a:ext cx="14400" cy="6854040"/>
           </a:xfrm>
           <a:prstGeom prst="rect">
             <a:avLst/>
@@ -40263,7 +42450,7 @@
         <p:spPr>
           <a:xfrm>
             <a:off x="7315200" y="0"/>
-            <a:ext cx="14760" cy="6854400"/>
+            <a:ext cx="14400" cy="6854040"/>
           </a:xfrm>
           <a:prstGeom prst="rect">
             <a:avLst/>
@@ -40323,7 +42510,7 @@
         <p:spPr>
           <a:xfrm>
             <a:off x="8229600" y="0"/>
-            <a:ext cx="14760" cy="6854400"/>
+            <a:ext cx="14400" cy="6854040"/>
           </a:xfrm>
           <a:prstGeom prst="rect">
             <a:avLst/>
@@ -40383,7 +42570,7 @@
         <p:spPr>
           <a:xfrm>
             <a:off x="9144000" y="0"/>
-            <a:ext cx="14760" cy="6854400"/>
+            <a:ext cx="14400" cy="6854040"/>
           </a:xfrm>
           <a:prstGeom prst="rect">
             <a:avLst/>
@@ -40443,7 +42630,7 @@
         <p:spPr>
           <a:xfrm>
             <a:off x="10058400" y="0"/>
-            <a:ext cx="14760" cy="6854400"/>
+            <a:ext cx="14400" cy="6854040"/>
           </a:xfrm>
           <a:prstGeom prst="rect">
             <a:avLst/>
@@ -40503,7 +42690,7 @@
         <p:spPr>
           <a:xfrm>
             <a:off x="10972800" y="0"/>
-            <a:ext cx="14760" cy="6854400"/>
+            <a:ext cx="14400" cy="6854040"/>
           </a:xfrm>
           <a:prstGeom prst="rect">
             <a:avLst/>
@@ -40563,7 +42750,7 @@
         <p:spPr>
           <a:xfrm>
             <a:off x="11887200" y="0"/>
-            <a:ext cx="14760" cy="6854400"/>
+            <a:ext cx="14400" cy="6854040"/>
           </a:xfrm>
           <a:prstGeom prst="rect">
             <a:avLst/>
@@ -40623,7 +42810,7 @@
         <p:spPr>
           <a:xfrm>
             <a:off x="0" y="0"/>
-            <a:ext cx="316440" cy="6854400"/>
+            <a:ext cx="316080" cy="6854040"/>
           </a:xfrm>
           <a:prstGeom prst="rect">
             <a:avLst/>
@@ -40683,7 +42870,7 @@
         <p:spPr>
           <a:xfrm>
             <a:off x="9875520" y="365760"/>
-            <a:ext cx="2008080" cy="499320"/>
+            <a:ext cx="2007720" cy="498960"/>
           </a:xfrm>
           <a:prstGeom prst="roundRect">
             <a:avLst>
@@ -40865,7 +43052,7 @@
         <p:spPr>
           <a:xfrm>
             <a:off x="987480" y="3182040"/>
-            <a:ext cx="3288240" cy="2739600"/>
+            <a:ext cx="3287880" cy="2739240"/>
           </a:xfrm>
           <a:prstGeom prst="roundRect">
             <a:avLst>
@@ -40927,7 +43114,7 @@
         <p:spPr>
           <a:xfrm>
             <a:off x="685800" y="2971800"/>
-            <a:ext cx="3516840" cy="3197880"/>
+            <a:ext cx="3516480" cy="3197520"/>
           </a:xfrm>
           <a:prstGeom prst="roundRect">
             <a:avLst>
@@ -41313,7 +43500,7 @@
         <p:spPr>
           <a:xfrm>
             <a:off x="4507920" y="3182040"/>
-            <a:ext cx="3288240" cy="2739600"/>
+            <a:ext cx="3287880" cy="2739240"/>
           </a:xfrm>
           <a:prstGeom prst="roundRect">
             <a:avLst>
@@ -41375,7 +43562,7 @@
         <p:spPr>
           <a:xfrm>
             <a:off x="4434840" y="3108960"/>
-            <a:ext cx="3288240" cy="2739600"/>
+            <a:ext cx="3287880" cy="2739240"/>
           </a:xfrm>
           <a:prstGeom prst="roundRect">
             <a:avLst>
@@ -41821,7 +44008,7 @@
         <p:spPr>
           <a:xfrm>
             <a:off x="8028360" y="3182040"/>
-            <a:ext cx="3288240" cy="2739600"/>
+            <a:ext cx="3287880" cy="2739240"/>
           </a:xfrm>
           <a:prstGeom prst="roundRect">
             <a:avLst>
@@ -41883,7 +44070,7 @@
         <p:spPr>
           <a:xfrm>
             <a:off x="7955280" y="3108960"/>
-            <a:ext cx="3288240" cy="2739600"/>
+            <a:ext cx="3287880" cy="2739240"/>
           </a:xfrm>
           <a:prstGeom prst="roundRect">
             <a:avLst>
@@ -42359,7 +44546,7 @@
         <p:spPr>
           <a:xfrm>
             <a:off x="0" y="0"/>
-            <a:ext cx="12185640" cy="6854760"/>
+            <a:ext cx="12185280" cy="6854400"/>
           </a:xfrm>
           <a:prstGeom prst="rect">
             <a:avLst/>
@@ -42419,7 +44606,7 @@
         <p:spPr>
           <a:xfrm>
             <a:off x="0" y="0"/>
-            <a:ext cx="15120" cy="6854760"/>
+            <a:ext cx="14760" cy="6854400"/>
           </a:xfrm>
           <a:prstGeom prst="rect">
             <a:avLst/>
@@ -42479,7 +44666,7 @@
         <p:spPr>
           <a:xfrm>
             <a:off x="914400" y="0"/>
-            <a:ext cx="15120" cy="6854760"/>
+            <a:ext cx="14760" cy="6854400"/>
           </a:xfrm>
           <a:prstGeom prst="rect">
             <a:avLst/>
@@ -42539,7 +44726,7 @@
         <p:spPr>
           <a:xfrm>
             <a:off x="1828800" y="0"/>
-            <a:ext cx="15120" cy="6854760"/>
+            <a:ext cx="14760" cy="6854400"/>
           </a:xfrm>
           <a:prstGeom prst="rect">
             <a:avLst/>
@@ -42599,7 +44786,7 @@
         <p:spPr>
           <a:xfrm>
             <a:off x="2743200" y="0"/>
-            <a:ext cx="15120" cy="6854760"/>
+            <a:ext cx="14760" cy="6854400"/>
           </a:xfrm>
           <a:prstGeom prst="rect">
             <a:avLst/>
@@ -42659,7 +44846,7 @@
         <p:spPr>
           <a:xfrm>
             <a:off x="3657600" y="0"/>
-            <a:ext cx="15120" cy="6854760"/>
+            <a:ext cx="14760" cy="6854400"/>
           </a:xfrm>
           <a:prstGeom prst="rect">
             <a:avLst/>
@@ -42719,7 +44906,7 @@
         <p:spPr>
           <a:xfrm>
             <a:off x="4572000" y="0"/>
-            <a:ext cx="15120" cy="6854760"/>
+            <a:ext cx="14760" cy="6854400"/>
           </a:xfrm>
           <a:prstGeom prst="rect">
             <a:avLst/>
@@ -42779,7 +44966,7 @@
         <p:spPr>
           <a:xfrm>
             <a:off x="5486400" y="0"/>
-            <a:ext cx="15120" cy="6854760"/>
+            <a:ext cx="14760" cy="6854400"/>
           </a:xfrm>
           <a:prstGeom prst="rect">
             <a:avLst/>
@@ -42839,7 +45026,7 @@
         <p:spPr>
           <a:xfrm>
             <a:off x="6400800" y="0"/>
-            <a:ext cx="15120" cy="6854760"/>
+            <a:ext cx="14760" cy="6854400"/>
           </a:xfrm>
           <a:prstGeom prst="rect">
             <a:avLst/>
@@ -42899,7 +45086,7 @@
         <p:spPr>
           <a:xfrm>
             <a:off x="7315200" y="0"/>
-            <a:ext cx="15120" cy="6854760"/>
+            <a:ext cx="14760" cy="6854400"/>
           </a:xfrm>
           <a:prstGeom prst="rect">
             <a:avLst/>
@@ -42959,7 +45146,7 @@
         <p:spPr>
           <a:xfrm>
             <a:off x="8229600" y="0"/>
-            <a:ext cx="15120" cy="6854760"/>
+            <a:ext cx="14760" cy="6854400"/>
           </a:xfrm>
           <a:prstGeom prst="rect">
             <a:avLst/>
@@ -43019,7 +45206,7 @@
         <p:spPr>
           <a:xfrm>
             <a:off x="9144000" y="0"/>
-            <a:ext cx="15120" cy="6854760"/>
+            <a:ext cx="14760" cy="6854400"/>
           </a:xfrm>
           <a:prstGeom prst="rect">
             <a:avLst/>
@@ -43079,7 +45266,7 @@
         <p:spPr>
           <a:xfrm>
             <a:off x="10058400" y="0"/>
-            <a:ext cx="15120" cy="6854760"/>
+            <a:ext cx="14760" cy="6854400"/>
           </a:xfrm>
           <a:prstGeom prst="rect">
             <a:avLst/>
@@ -43139,7 +45326,7 @@
         <p:spPr>
           <a:xfrm>
             <a:off x="10972800" y="0"/>
-            <a:ext cx="15120" cy="6854760"/>
+            <a:ext cx="14760" cy="6854400"/>
           </a:xfrm>
           <a:prstGeom prst="rect">
             <a:avLst/>
@@ -43199,7 +45386,7 @@
         <p:spPr>
           <a:xfrm>
             <a:off x="11887200" y="0"/>
-            <a:ext cx="15120" cy="6854760"/>
+            <a:ext cx="14760" cy="6854400"/>
           </a:xfrm>
           <a:prstGeom prst="rect">
             <a:avLst/>
@@ -43259,7 +45446,7 @@
         <p:spPr>
           <a:xfrm>
             <a:off x="0" y="0"/>
-            <a:ext cx="316800" cy="6854760"/>
+            <a:ext cx="316440" cy="6854400"/>
           </a:xfrm>
           <a:prstGeom prst="rect">
             <a:avLst/>
@@ -43319,7 +45506,7 @@
         <p:spPr>
           <a:xfrm>
             <a:off x="9875520" y="365760"/>
-            <a:ext cx="2008440" cy="499680"/>
+            <a:ext cx="2008080" cy="499320"/>
           </a:xfrm>
           <a:prstGeom prst="roundRect">
             <a:avLst>
@@ -43524,7 +45711,7 @@
         <p:spPr>
           <a:xfrm>
             <a:off x="987480" y="3182040"/>
-            <a:ext cx="3288600" cy="2739960"/>
+            <a:ext cx="3288240" cy="2739600"/>
           </a:xfrm>
           <a:prstGeom prst="roundRect">
             <a:avLst>
@@ -43586,7 +45773,7 @@
         <p:spPr>
           <a:xfrm>
             <a:off x="914400" y="3108960"/>
-            <a:ext cx="3288600" cy="2739960"/>
+            <a:ext cx="3288240" cy="2739600"/>
           </a:xfrm>
           <a:prstGeom prst="roundRect">
             <a:avLst>
@@ -43732,7 +45919,7 @@
         <p:spPr>
           <a:xfrm>
             <a:off x="4507920" y="3182040"/>
-            <a:ext cx="3288600" cy="2739960"/>
+            <a:ext cx="3288240" cy="2739600"/>
           </a:xfrm>
           <a:prstGeom prst="roundRect">
             <a:avLst>
@@ -43794,7 +45981,7 @@
         <p:spPr>
           <a:xfrm>
             <a:off x="4434840" y="3108960"/>
-            <a:ext cx="3288600" cy="2739960"/>
+            <a:ext cx="3288240" cy="2739600"/>
           </a:xfrm>
           <a:prstGeom prst="roundRect">
             <a:avLst>
@@ -44012,7 +46199,7 @@
         <p:spPr>
           <a:xfrm>
             <a:off x="8028360" y="3182040"/>
-            <a:ext cx="3288600" cy="2739960"/>
+            <a:ext cx="3288240" cy="2739600"/>
           </a:xfrm>
           <a:prstGeom prst="roundRect">
             <a:avLst>
@@ -44074,7 +46261,7 @@
         <p:spPr>
           <a:xfrm>
             <a:off x="7955280" y="3108960"/>
-            <a:ext cx="3288600" cy="2739960"/>
+            <a:ext cx="3288240" cy="2739600"/>
           </a:xfrm>
           <a:prstGeom prst="roundRect">
             <a:avLst>
@@ -44278,7 +46465,7 @@
         <p:spPr>
           <a:xfrm>
             <a:off x="0" y="0"/>
-            <a:ext cx="12185640" cy="6854760"/>
+            <a:ext cx="12185280" cy="6854400"/>
           </a:xfrm>
           <a:prstGeom prst="rect">
             <a:avLst/>
@@ -44338,7 +46525,7 @@
         <p:spPr>
           <a:xfrm>
             <a:off x="0" y="0"/>
-            <a:ext cx="15120" cy="6854760"/>
+            <a:ext cx="14760" cy="6854400"/>
           </a:xfrm>
           <a:prstGeom prst="rect">
             <a:avLst/>
@@ -44398,7 +46585,7 @@
         <p:spPr>
           <a:xfrm>
             <a:off x="914400" y="0"/>
-            <a:ext cx="15120" cy="6854760"/>
+            <a:ext cx="14760" cy="6854400"/>
           </a:xfrm>
           <a:prstGeom prst="rect">
             <a:avLst/>
@@ -44458,7 +46645,7 @@
         <p:spPr>
           <a:xfrm>
             <a:off x="1828800" y="0"/>
-            <a:ext cx="15120" cy="6854760"/>
+            <a:ext cx="14760" cy="6854400"/>
           </a:xfrm>
           <a:prstGeom prst="rect">
             <a:avLst/>
@@ -44518,7 +46705,7 @@
         <p:spPr>
           <a:xfrm>
             <a:off x="2743200" y="0"/>
-            <a:ext cx="15120" cy="6854760"/>
+            <a:ext cx="14760" cy="6854400"/>
           </a:xfrm>
           <a:prstGeom prst="rect">
             <a:avLst/>
@@ -44578,7 +46765,7 @@
         <p:spPr>
           <a:xfrm>
             <a:off x="3657600" y="0"/>
-            <a:ext cx="15120" cy="6854760"/>
+            <a:ext cx="14760" cy="6854400"/>
           </a:xfrm>
           <a:prstGeom prst="rect">
             <a:avLst/>
@@ -44638,7 +46825,7 @@
         <p:spPr>
           <a:xfrm>
             <a:off x="4572000" y="0"/>
-            <a:ext cx="15120" cy="6854760"/>
+            <a:ext cx="14760" cy="6854400"/>
           </a:xfrm>
           <a:prstGeom prst="rect">
             <a:avLst/>
@@ -44698,7 +46885,7 @@
         <p:spPr>
           <a:xfrm>
             <a:off x="5486400" y="0"/>
-            <a:ext cx="15120" cy="6854760"/>
+            <a:ext cx="14760" cy="6854400"/>
           </a:xfrm>
           <a:prstGeom prst="rect">
             <a:avLst/>
@@ -44758,7 +46945,7 @@
         <p:spPr>
           <a:xfrm>
             <a:off x="6400800" y="0"/>
-            <a:ext cx="15120" cy="6854760"/>
+            <a:ext cx="14760" cy="6854400"/>
           </a:xfrm>
           <a:prstGeom prst="rect">
             <a:avLst/>
@@ -44818,7 +47005,7 @@
         <p:spPr>
           <a:xfrm>
             <a:off x="7315200" y="0"/>
-            <a:ext cx="15120" cy="6854760"/>
+            <a:ext cx="14760" cy="6854400"/>
           </a:xfrm>
           <a:prstGeom prst="rect">
             <a:avLst/>
@@ -44878,7 +47065,7 @@
         <p:spPr>
           <a:xfrm>
             <a:off x="8229600" y="0"/>
-            <a:ext cx="15120" cy="6854760"/>
+            <a:ext cx="14760" cy="6854400"/>
           </a:xfrm>
           <a:prstGeom prst="rect">
             <a:avLst/>
@@ -44938,7 +47125,7 @@
         <p:spPr>
           <a:xfrm>
             <a:off x="9144000" y="0"/>
-            <a:ext cx="15120" cy="6854760"/>
+            <a:ext cx="14760" cy="6854400"/>
           </a:xfrm>
           <a:prstGeom prst="rect">
             <a:avLst/>
@@ -44998,7 +47185,7 @@
         <p:spPr>
           <a:xfrm>
             <a:off x="10058400" y="0"/>
-            <a:ext cx="15120" cy="6854760"/>
+            <a:ext cx="14760" cy="6854400"/>
           </a:xfrm>
           <a:prstGeom prst="rect">
             <a:avLst/>
@@ -45058,7 +47245,7 @@
         <p:spPr>
           <a:xfrm>
             <a:off x="10972800" y="0"/>
-            <a:ext cx="15120" cy="6854760"/>
+            <a:ext cx="14760" cy="6854400"/>
           </a:xfrm>
           <a:prstGeom prst="rect">
             <a:avLst/>
@@ -45118,7 +47305,7 @@
         <p:spPr>
           <a:xfrm>
             <a:off x="11887200" y="0"/>
-            <a:ext cx="15120" cy="6854760"/>
+            <a:ext cx="14760" cy="6854400"/>
           </a:xfrm>
           <a:prstGeom prst="rect">
             <a:avLst/>
@@ -45178,7 +47365,7 @@
         <p:spPr>
           <a:xfrm>
             <a:off x="0" y="0"/>
-            <a:ext cx="316800" cy="6854760"/>
+            <a:ext cx="316440" cy="6854400"/>
           </a:xfrm>
           <a:prstGeom prst="rect">
             <a:avLst/>
@@ -45238,7 +47425,7 @@
         <p:spPr>
           <a:xfrm>
             <a:off x="9875520" y="365760"/>
-            <a:ext cx="2008440" cy="499680"/>
+            <a:ext cx="2008080" cy="499320"/>
           </a:xfrm>
           <a:prstGeom prst="roundRect">
             <a:avLst>
@@ -45430,7 +47617,7 @@
         <p:spPr>
           <a:xfrm>
             <a:off x="987480" y="3182040"/>
-            <a:ext cx="3288600" cy="2739960"/>
+            <a:ext cx="3288240" cy="2739600"/>
           </a:xfrm>
           <a:prstGeom prst="roundRect">
             <a:avLst>
@@ -45492,7 +47679,7 @@
         <p:spPr>
           <a:xfrm>
             <a:off x="914400" y="3108960"/>
-            <a:ext cx="3288600" cy="2739960"/>
+            <a:ext cx="3288240" cy="2739600"/>
           </a:xfrm>
           <a:prstGeom prst="roundRect">
             <a:avLst>
@@ -45638,7 +47825,7 @@
         <p:spPr>
           <a:xfrm>
             <a:off x="4507920" y="3182040"/>
-            <a:ext cx="3288600" cy="2739960"/>
+            <a:ext cx="3288240" cy="2739600"/>
           </a:xfrm>
           <a:prstGeom prst="roundRect">
             <a:avLst>
@@ -45700,7 +47887,7 @@
         <p:spPr>
           <a:xfrm>
             <a:off x="4434840" y="3108960"/>
-            <a:ext cx="3288600" cy="2739960"/>
+            <a:ext cx="3288240" cy="2739600"/>
           </a:xfrm>
           <a:prstGeom prst="roundRect">
             <a:avLst>
@@ -45998,7 +48185,7 @@
         <p:spPr>
           <a:xfrm>
             <a:off x="8028360" y="3182040"/>
-            <a:ext cx="3288600" cy="2739960"/>
+            <a:ext cx="3288240" cy="2739600"/>
           </a:xfrm>
           <a:prstGeom prst="roundRect">
             <a:avLst>
@@ -46060,7 +48247,7 @@
         <p:spPr>
           <a:xfrm>
             <a:off x="7955280" y="3108960"/>
-            <a:ext cx="3288600" cy="2739960"/>
+            <a:ext cx="3288240" cy="2739600"/>
           </a:xfrm>
           <a:prstGeom prst="roundRect">
             <a:avLst>
@@ -46346,7 +48533,7 @@
         <p:spPr>
           <a:xfrm>
             <a:off x="0" y="0"/>
-            <a:ext cx="12185640" cy="6854760"/>
+            <a:ext cx="12185280" cy="6854400"/>
           </a:xfrm>
           <a:prstGeom prst="rect">
             <a:avLst/>
@@ -46406,7 +48593,7 @@
         <p:spPr>
           <a:xfrm>
             <a:off x="0" y="0"/>
-            <a:ext cx="15120" cy="6854760"/>
+            <a:ext cx="14760" cy="6854400"/>
           </a:xfrm>
           <a:prstGeom prst="rect">
             <a:avLst/>
@@ -46466,7 +48653,7 @@
         <p:spPr>
           <a:xfrm>
             <a:off x="914400" y="0"/>
-            <a:ext cx="15120" cy="6854760"/>
+            <a:ext cx="14760" cy="6854400"/>
           </a:xfrm>
           <a:prstGeom prst="rect">
             <a:avLst/>
@@ -46526,7 +48713,7 @@
         <p:spPr>
           <a:xfrm>
             <a:off x="1828800" y="0"/>
-            <a:ext cx="15120" cy="6854760"/>
+            <a:ext cx="14760" cy="6854400"/>
           </a:xfrm>
           <a:prstGeom prst="rect">
             <a:avLst/>
@@ -46586,7 +48773,7 @@
         <p:spPr>
           <a:xfrm>
             <a:off x="2743200" y="0"/>
-            <a:ext cx="15120" cy="6854760"/>
+            <a:ext cx="14760" cy="6854400"/>
           </a:xfrm>
           <a:prstGeom prst="rect">
             <a:avLst/>
@@ -46646,7 +48833,7 @@
         <p:spPr>
           <a:xfrm>
             <a:off x="3657600" y="0"/>
-            <a:ext cx="15120" cy="6854760"/>
+            <a:ext cx="14760" cy="6854400"/>
           </a:xfrm>
           <a:prstGeom prst="rect">
             <a:avLst/>
@@ -46706,7 +48893,7 @@
         <p:spPr>
           <a:xfrm>
             <a:off x="4572000" y="0"/>
-            <a:ext cx="15120" cy="6854760"/>
+            <a:ext cx="14760" cy="6854400"/>
           </a:xfrm>
           <a:prstGeom prst="rect">
             <a:avLst/>
@@ -46766,7 +48953,7 @@
         <p:spPr>
           <a:xfrm>
             <a:off x="5486400" y="0"/>
-            <a:ext cx="15120" cy="6854760"/>
+            <a:ext cx="14760" cy="6854400"/>
           </a:xfrm>
           <a:prstGeom prst="rect">
             <a:avLst/>
@@ -46826,7 +49013,7 @@
         <p:spPr>
           <a:xfrm>
             <a:off x="6400800" y="0"/>
-            <a:ext cx="15120" cy="6854760"/>
+            <a:ext cx="14760" cy="6854400"/>
           </a:xfrm>
           <a:prstGeom prst="rect">
             <a:avLst/>
@@ -46886,7 +49073,7 @@
         <p:spPr>
           <a:xfrm>
             <a:off x="7315200" y="0"/>
-            <a:ext cx="15120" cy="6854760"/>
+            <a:ext cx="14760" cy="6854400"/>
           </a:xfrm>
           <a:prstGeom prst="rect">
             <a:avLst/>
@@ -46946,7 +49133,7 @@
         <p:spPr>
           <a:xfrm>
             <a:off x="8229600" y="0"/>
-            <a:ext cx="15120" cy="6854760"/>
+            <a:ext cx="14760" cy="6854400"/>
           </a:xfrm>
           <a:prstGeom prst="rect">
             <a:avLst/>
@@ -47006,7 +49193,7 @@
         <p:spPr>
           <a:xfrm>
             <a:off x="9144000" y="0"/>
-            <a:ext cx="15120" cy="6854760"/>
+            <a:ext cx="14760" cy="6854400"/>
           </a:xfrm>
           <a:prstGeom prst="rect">
             <a:avLst/>
@@ -47066,7 +49253,7 @@
         <p:spPr>
           <a:xfrm>
             <a:off x="10058400" y="0"/>
-            <a:ext cx="15120" cy="6854760"/>
+            <a:ext cx="14760" cy="6854400"/>
           </a:xfrm>
           <a:prstGeom prst="rect">
             <a:avLst/>
@@ -47126,7 +49313,7 @@
         <p:spPr>
           <a:xfrm>
             <a:off x="10972800" y="0"/>
-            <a:ext cx="15120" cy="6854760"/>
+            <a:ext cx="14760" cy="6854400"/>
           </a:xfrm>
           <a:prstGeom prst="rect">
             <a:avLst/>
@@ -47186,7 +49373,7 @@
         <p:spPr>
           <a:xfrm>
             <a:off x="11887200" y="0"/>
-            <a:ext cx="15120" cy="6854760"/>
+            <a:ext cx="14760" cy="6854400"/>
           </a:xfrm>
           <a:prstGeom prst="rect">
             <a:avLst/>
@@ -47246,7 +49433,7 @@
         <p:spPr>
           <a:xfrm>
             <a:off x="0" y="0"/>
-            <a:ext cx="316800" cy="6854760"/>
+            <a:ext cx="316440" cy="6854400"/>
           </a:xfrm>
           <a:prstGeom prst="rect">
             <a:avLst/>
@@ -47306,7 +49493,7 @@
         <p:spPr>
           <a:xfrm>
             <a:off x="9875520" y="365760"/>
-            <a:ext cx="2008440" cy="499680"/>
+            <a:ext cx="2008080" cy="499320"/>
           </a:xfrm>
           <a:prstGeom prst="roundRect">
             <a:avLst>
@@ -47488,7 +49675,7 @@
         <p:spPr>
           <a:xfrm>
             <a:off x="987480" y="3182040"/>
-            <a:ext cx="3288600" cy="2739960"/>
+            <a:ext cx="3288240" cy="2739600"/>
           </a:xfrm>
           <a:prstGeom prst="roundRect">
             <a:avLst>
@@ -47550,7 +49737,7 @@
         <p:spPr>
           <a:xfrm>
             <a:off x="914400" y="3108960"/>
-            <a:ext cx="3288600" cy="2739960"/>
+            <a:ext cx="3288240" cy="2739600"/>
           </a:xfrm>
           <a:prstGeom prst="roundRect">
             <a:avLst>
@@ -47780,7 +49967,7 @@
         <p:spPr>
           <a:xfrm>
             <a:off x="4507920" y="3182040"/>
-            <a:ext cx="3288600" cy="2739960"/>
+            <a:ext cx="3288240" cy="2739600"/>
           </a:xfrm>
           <a:prstGeom prst="roundRect">
             <a:avLst>
@@ -47842,7 +50029,7 @@
         <p:spPr>
           <a:xfrm>
             <a:off x="4434840" y="3108960"/>
-            <a:ext cx="3288600" cy="2739960"/>
+            <a:ext cx="3288240" cy="2739600"/>
           </a:xfrm>
           <a:prstGeom prst="roundRect">
             <a:avLst>
@@ -48146,7 +50333,7 @@
         <p:spPr>
           <a:xfrm>
             <a:off x="8028360" y="3182040"/>
-            <a:ext cx="3288600" cy="2739960"/>
+            <a:ext cx="3288240" cy="2739600"/>
           </a:xfrm>
           <a:prstGeom prst="roundRect">
             <a:avLst>
@@ -48208,7 +50395,7 @@
         <p:spPr>
           <a:xfrm>
             <a:off x="7955280" y="3108960"/>
-            <a:ext cx="3288600" cy="2739960"/>
+            <a:ext cx="3288240" cy="2739600"/>
           </a:xfrm>
           <a:prstGeom prst="roundRect">
             <a:avLst>
@@ -48514,7 +50701,7 @@
         <p:spPr>
           <a:xfrm>
             <a:off x="0" y="0"/>
-            <a:ext cx="12185640" cy="6854760"/>
+            <a:ext cx="12185280" cy="6854400"/>
           </a:xfrm>
           <a:prstGeom prst="rect">
             <a:avLst/>
@@ -48574,7 +50761,7 @@
         <p:spPr>
           <a:xfrm>
             <a:off x="0" y="0"/>
-            <a:ext cx="15120" cy="6854760"/>
+            <a:ext cx="14760" cy="6854400"/>
           </a:xfrm>
           <a:prstGeom prst="rect">
             <a:avLst/>
@@ -48634,7 +50821,7 @@
         <p:spPr>
           <a:xfrm>
             <a:off x="914400" y="0"/>
-            <a:ext cx="15120" cy="6854760"/>
+            <a:ext cx="14760" cy="6854400"/>
           </a:xfrm>
           <a:prstGeom prst="rect">
             <a:avLst/>
@@ -48694,7 +50881,7 @@
         <p:spPr>
           <a:xfrm>
             <a:off x="1828800" y="0"/>
-            <a:ext cx="15120" cy="6854760"/>
+            <a:ext cx="14760" cy="6854400"/>
           </a:xfrm>
           <a:prstGeom prst="rect">
             <a:avLst/>
@@ -48754,7 +50941,7 @@
         <p:spPr>
           <a:xfrm>
             <a:off x="2743200" y="0"/>
-            <a:ext cx="15120" cy="6854760"/>
+            <a:ext cx="14760" cy="6854400"/>
           </a:xfrm>
           <a:prstGeom prst="rect">
             <a:avLst/>
@@ -48814,7 +51001,7 @@
         <p:spPr>
           <a:xfrm>
             <a:off x="3657600" y="0"/>
-            <a:ext cx="15120" cy="6854760"/>
+            <a:ext cx="14760" cy="6854400"/>
           </a:xfrm>
           <a:prstGeom prst="rect">
             <a:avLst/>
@@ -48874,7 +51061,7 @@
         <p:spPr>
           <a:xfrm>
             <a:off x="4572000" y="0"/>
-            <a:ext cx="15120" cy="6854760"/>
+            <a:ext cx="14760" cy="6854400"/>
           </a:xfrm>
           <a:prstGeom prst="rect">
             <a:avLst/>
@@ -48934,7 +51121,7 @@
         <p:spPr>
           <a:xfrm>
             <a:off x="5486400" y="0"/>
-            <a:ext cx="15120" cy="6854760"/>
+            <a:ext cx="14760" cy="6854400"/>
           </a:xfrm>
           <a:prstGeom prst="rect">
             <a:avLst/>
@@ -48994,7 +51181,7 @@
         <p:spPr>
           <a:xfrm>
             <a:off x="6400800" y="0"/>
-            <a:ext cx="15120" cy="6854760"/>
+            <a:ext cx="14760" cy="6854400"/>
           </a:xfrm>
           <a:prstGeom prst="rect">
             <a:avLst/>
@@ -49054,7 +51241,7 @@
         <p:spPr>
           <a:xfrm>
             <a:off x="7315200" y="0"/>
-            <a:ext cx="15120" cy="6854760"/>
+            <a:ext cx="14760" cy="6854400"/>
           </a:xfrm>
           <a:prstGeom prst="rect">
             <a:avLst/>
@@ -49114,7 +51301,7 @@
         <p:spPr>
           <a:xfrm>
             <a:off x="8229600" y="0"/>
-            <a:ext cx="15120" cy="6854760"/>
+            <a:ext cx="14760" cy="6854400"/>
           </a:xfrm>
           <a:prstGeom prst="rect">
             <a:avLst/>
@@ -49174,7 +51361,7 @@
         <p:spPr>
           <a:xfrm>
             <a:off x="9144000" y="0"/>
-            <a:ext cx="15120" cy="6854760"/>
+            <a:ext cx="14760" cy="6854400"/>
           </a:xfrm>
           <a:prstGeom prst="rect">
             <a:avLst/>
@@ -49234,7 +51421,7 @@
         <p:spPr>
           <a:xfrm>
             <a:off x="10058400" y="0"/>
-            <a:ext cx="15120" cy="6854760"/>
+            <a:ext cx="14760" cy="6854400"/>
           </a:xfrm>
           <a:prstGeom prst="rect">
             <a:avLst/>
@@ -49294,7 +51481,7 @@
         <p:spPr>
           <a:xfrm>
             <a:off x="10972800" y="0"/>
-            <a:ext cx="15120" cy="6854760"/>
+            <a:ext cx="14760" cy="6854400"/>
           </a:xfrm>
           <a:prstGeom prst="rect">
             <a:avLst/>
@@ -49354,7 +51541,7 @@
         <p:spPr>
           <a:xfrm>
             <a:off x="11887200" y="0"/>
-            <a:ext cx="15120" cy="6854760"/>
+            <a:ext cx="14760" cy="6854400"/>
           </a:xfrm>
           <a:prstGeom prst="rect">
             <a:avLst/>
@@ -49414,7 +51601,7 @@
         <p:spPr>
           <a:xfrm>
             <a:off x="0" y="0"/>
-            <a:ext cx="316800" cy="6854760"/>
+            <a:ext cx="316440" cy="6854400"/>
           </a:xfrm>
           <a:prstGeom prst="rect">
             <a:avLst/>
@@ -49474,7 +51661,7 @@
         <p:spPr>
           <a:xfrm>
             <a:off x="9875520" y="365760"/>
-            <a:ext cx="2008440" cy="499680"/>
+            <a:ext cx="2008080" cy="499320"/>
           </a:xfrm>
           <a:prstGeom prst="roundRect">
             <a:avLst>
@@ -49689,7 +51876,7 @@
         <p:spPr>
           <a:xfrm>
             <a:off x="987480" y="3182040"/>
-            <a:ext cx="3288600" cy="2739960"/>
+            <a:ext cx="3288240" cy="2739600"/>
           </a:xfrm>
           <a:prstGeom prst="roundRect">
             <a:avLst>
@@ -49751,7 +51938,7 @@
         <p:spPr>
           <a:xfrm>
             <a:off x="914400" y="3108960"/>
-            <a:ext cx="3288600" cy="2739960"/>
+            <a:ext cx="3288240" cy="2739600"/>
           </a:xfrm>
           <a:prstGeom prst="roundRect">
             <a:avLst>
@@ -50014,7 +52201,7 @@
         <p:spPr>
           <a:xfrm>
             <a:off x="4507920" y="3182040"/>
-            <a:ext cx="3288600" cy="2739960"/>
+            <a:ext cx="3288240" cy="2739600"/>
           </a:xfrm>
           <a:prstGeom prst="roundRect">
             <a:avLst>
@@ -50076,7 +52263,7 @@
         <p:spPr>
           <a:xfrm>
             <a:off x="4434840" y="3108960"/>
-            <a:ext cx="3288600" cy="2739960"/>
+            <a:ext cx="3288240" cy="2739600"/>
           </a:xfrm>
           <a:prstGeom prst="roundRect">
             <a:avLst>
@@ -50380,7 +52567,7 @@
         <p:spPr>
           <a:xfrm>
             <a:off x="8028360" y="3182040"/>
-            <a:ext cx="3288600" cy="2739960"/>
+            <a:ext cx="3288240" cy="2739600"/>
           </a:xfrm>
           <a:prstGeom prst="roundRect">
             <a:avLst>
@@ -50442,7 +52629,7 @@
         <p:spPr>
           <a:xfrm>
             <a:off x="7955280" y="3108960"/>
-            <a:ext cx="3288600" cy="2739960"/>
+            <a:ext cx="3288240" cy="2739600"/>
           </a:xfrm>
           <a:prstGeom prst="roundRect">
             <a:avLst>
@@ -50833,7 +53020,7 @@
         <p:spPr>
           <a:xfrm>
             <a:off x="0" y="0"/>
-            <a:ext cx="12185640" cy="6854760"/>
+            <a:ext cx="12185280" cy="6854400"/>
           </a:xfrm>
           <a:prstGeom prst="rect">
             <a:avLst/>
@@ -50893,7 +53080,7 @@
         <p:spPr>
           <a:xfrm>
             <a:off x="0" y="0"/>
-            <a:ext cx="15120" cy="6854760"/>
+            <a:ext cx="14760" cy="6854400"/>
           </a:xfrm>
           <a:prstGeom prst="rect">
             <a:avLst/>
@@ -50953,7 +53140,7 @@
         <p:spPr>
           <a:xfrm>
             <a:off x="914400" y="0"/>
-            <a:ext cx="15120" cy="6854760"/>
+            <a:ext cx="14760" cy="6854400"/>
           </a:xfrm>
           <a:prstGeom prst="rect">
             <a:avLst/>
@@ -51013,7 +53200,7 @@
         <p:spPr>
           <a:xfrm>
             <a:off x="1828800" y="0"/>
-            <a:ext cx="15120" cy="6854760"/>
+            <a:ext cx="14760" cy="6854400"/>
           </a:xfrm>
           <a:prstGeom prst="rect">
             <a:avLst/>
@@ -51073,7 +53260,7 @@
         <p:spPr>
           <a:xfrm>
             <a:off x="2743200" y="0"/>
-            <a:ext cx="15120" cy="6854760"/>
+            <a:ext cx="14760" cy="6854400"/>
           </a:xfrm>
           <a:prstGeom prst="rect">
             <a:avLst/>
@@ -51133,7 +53320,7 @@
         <p:spPr>
           <a:xfrm>
             <a:off x="3657600" y="0"/>
-            <a:ext cx="15120" cy="6854760"/>
+            <a:ext cx="14760" cy="6854400"/>
           </a:xfrm>
           <a:prstGeom prst="rect">
             <a:avLst/>
@@ -51193,7 +53380,7 @@
         <p:spPr>
           <a:xfrm>
             <a:off x="4572000" y="0"/>
-            <a:ext cx="15120" cy="6854760"/>
+            <a:ext cx="14760" cy="6854400"/>
           </a:xfrm>
           <a:prstGeom prst="rect">
             <a:avLst/>
@@ -51253,7 +53440,7 @@
         <p:spPr>
           <a:xfrm>
             <a:off x="5486400" y="0"/>
-            <a:ext cx="15120" cy="6854760"/>
+            <a:ext cx="14760" cy="6854400"/>
           </a:xfrm>
           <a:prstGeom prst="rect">
             <a:avLst/>
@@ -51313,7 +53500,7 @@
         <p:spPr>
           <a:xfrm>
             <a:off x="6400800" y="0"/>
-            <a:ext cx="15120" cy="6854760"/>
+            <a:ext cx="14760" cy="6854400"/>
           </a:xfrm>
           <a:prstGeom prst="rect">
             <a:avLst/>
@@ -51373,7 +53560,7 @@
         <p:spPr>
           <a:xfrm>
             <a:off x="7315200" y="0"/>
-            <a:ext cx="15120" cy="6854760"/>
+            <a:ext cx="14760" cy="6854400"/>
           </a:xfrm>
           <a:prstGeom prst="rect">
             <a:avLst/>
@@ -51433,7 +53620,7 @@
         <p:spPr>
           <a:xfrm>
             <a:off x="8229600" y="0"/>
-            <a:ext cx="15120" cy="6854760"/>
+            <a:ext cx="14760" cy="6854400"/>
           </a:xfrm>
           <a:prstGeom prst="rect">
             <a:avLst/>
@@ -51493,7 +53680,7 @@
         <p:spPr>
           <a:xfrm>
             <a:off x="9144000" y="0"/>
-            <a:ext cx="15120" cy="6854760"/>
+            <a:ext cx="14760" cy="6854400"/>
           </a:xfrm>
           <a:prstGeom prst="rect">
             <a:avLst/>
@@ -51553,7 +53740,7 @@
         <p:spPr>
           <a:xfrm>
             <a:off x="10058400" y="0"/>
-            <a:ext cx="15120" cy="6854760"/>
+            <a:ext cx="14760" cy="6854400"/>
           </a:xfrm>
           <a:prstGeom prst="rect">
             <a:avLst/>
@@ -51613,7 +53800,7 @@
         <p:spPr>
           <a:xfrm>
             <a:off x="10972800" y="0"/>
-            <a:ext cx="15120" cy="6854760"/>
+            <a:ext cx="14760" cy="6854400"/>
           </a:xfrm>
           <a:prstGeom prst="rect">
             <a:avLst/>
@@ -51673,7 +53860,7 @@
         <p:spPr>
           <a:xfrm>
             <a:off x="11887200" y="0"/>
-            <a:ext cx="15120" cy="6854760"/>
+            <a:ext cx="14760" cy="6854400"/>
           </a:xfrm>
           <a:prstGeom prst="rect">
             <a:avLst/>
@@ -51733,7 +53920,7 @@
         <p:spPr>
           <a:xfrm>
             <a:off x="0" y="0"/>
-            <a:ext cx="316800" cy="6854760"/>
+            <a:ext cx="316440" cy="6854400"/>
           </a:xfrm>
           <a:prstGeom prst="rect">
             <a:avLst/>
@@ -51793,7 +53980,7 @@
         <p:spPr>
           <a:xfrm>
             <a:off x="9875520" y="365760"/>
-            <a:ext cx="2008440" cy="499680"/>
+            <a:ext cx="2008080" cy="499320"/>
           </a:xfrm>
           <a:prstGeom prst="roundRect">
             <a:avLst>
@@ -51975,7 +54162,7 @@
         <p:spPr>
           <a:xfrm>
             <a:off x="987480" y="3182040"/>
-            <a:ext cx="3288600" cy="2739960"/>
+            <a:ext cx="3288240" cy="2739600"/>
           </a:xfrm>
           <a:prstGeom prst="roundRect">
             <a:avLst>
@@ -52037,7 +54224,7 @@
         <p:spPr>
           <a:xfrm>
             <a:off x="914400" y="3108960"/>
-            <a:ext cx="3288600" cy="2739960"/>
+            <a:ext cx="3288240" cy="2739600"/>
           </a:xfrm>
           <a:prstGeom prst="roundRect">
             <a:avLst>
@@ -52302,7 +54489,7 @@
         <p:spPr>
           <a:xfrm>
             <a:off x="4507920" y="3182040"/>
-            <a:ext cx="3288600" cy="2739960"/>
+            <a:ext cx="3288240" cy="2739600"/>
           </a:xfrm>
           <a:prstGeom prst="roundRect">
             <a:avLst>
@@ -52364,7 +54551,7 @@
         <p:spPr>
           <a:xfrm>
             <a:off x="4434840" y="3108960"/>
-            <a:ext cx="3288600" cy="2739960"/>
+            <a:ext cx="3288240" cy="2739600"/>
           </a:xfrm>
           <a:prstGeom prst="roundRect">
             <a:avLst>
@@ -52668,7 +54855,7 @@
         <p:spPr>
           <a:xfrm>
             <a:off x="8028360" y="3182040"/>
-            <a:ext cx="3288600" cy="2739960"/>
+            <a:ext cx="3288240" cy="2739600"/>
           </a:xfrm>
           <a:prstGeom prst="roundRect">
             <a:avLst>
@@ -52730,7 +54917,7 @@
         <p:spPr>
           <a:xfrm>
             <a:off x="7955280" y="3108960"/>
-            <a:ext cx="3288600" cy="2739960"/>
+            <a:ext cx="3288240" cy="2739600"/>
           </a:xfrm>
           <a:prstGeom prst="roundRect">
             <a:avLst>
@@ -54399,10 +56586,10 @@
   <a:themeElements>
     <a:clrScheme name="Office">
       <a:dk1>
-        <a:sysClr val="windowText" lastClr="000000"/>
+        <a:srgbClr val="000000"/>
       </a:dk1>
       <a:lt1>
-        <a:sysClr val="window" lastClr="FFFFFF"/>
+        <a:srgbClr val="ffffff"/>
       </a:lt1>
       <a:dk2>
         <a:srgbClr val="1f497d"/>

--- a/Java/Java #2/TR/Java #2.pptx
+++ b/Java/Java #2/TR/Java #2.pptx
@@ -26,6 +26,8 @@
     <p:sldId id="268" r:id="rId21"/>
     <p:sldId id="269" r:id="rId22"/>
     <p:sldId id="270" r:id="rId23"/>
+    <p:sldId id="271" r:id="rId24"/>
+    <p:sldId id="272" r:id="rId25"/>
   </p:sldIdLst>
   <p:sldSz cx="9144000" cy="6858000"/>
   <p:notesSz cx="7772400" cy="10058400"/>
@@ -83,7 +85,7 @@
         <p:txBody>
           <a:bodyPr/>
           <a:p>
-            <a:fld id="{F62D24AE-4BED-4660-B85F-6FCB0A8E5DA5}" type="slidenum">
+            <a:fld id="{2DABE2D8-78D0-4DF9-B507-B0DCD67E0A32}" type="slidenum">
               <a:t>&lt;#&gt;</a:t>
             </a:fld>
           </a:p>
@@ -292,7 +294,7 @@
         <p:txBody>
           <a:bodyPr/>
           <a:p>
-            <a:fld id="{3B035D08-E508-4CAF-B805-679BF84B2597}" type="slidenum">
+            <a:fld id="{8B229950-8F64-4300-8FFD-EDAAFC9D6BB4}" type="slidenum">
               <a:t>&lt;#&gt;</a:t>
             </a:fld>
           </a:p>
@@ -587,7 +589,7 @@
         <p:txBody>
           <a:bodyPr/>
           <a:p>
-            <a:fld id="{18A460CC-1283-4164-86EE-4A1D03EA7024}" type="slidenum">
+            <a:fld id="{30BFFC64-9D78-4206-BAFD-1BF7E362AB63}" type="slidenum">
               <a:t>&lt;#&gt;</a:t>
             </a:fld>
           </a:p>
@@ -968,7 +970,7 @@
         <p:txBody>
           <a:bodyPr/>
           <a:p>
-            <a:fld id="{7CDD7960-A4AD-4E3A-8B82-745EBA62B1CB}" type="slidenum">
+            <a:fld id="{C632BA71-4E5C-45D4-A7D5-D931D536ED67}" type="slidenum">
               <a:t>&lt;#&gt;</a:t>
             </a:fld>
           </a:p>
@@ -1051,7 +1053,7 @@
         <p:txBody>
           <a:bodyPr/>
           <a:p>
-            <a:fld id="{0C0030AD-EF65-4D0C-9675-5EBEF6135200}" type="slidenum">
+            <a:fld id="{0263B48D-A7AD-4763-982A-AB6EDFD49355}" type="slidenum">
               <a:t>&lt;#&gt;</a:t>
             </a:fld>
           </a:p>
@@ -1214,7 +1216,7 @@
         <p:txBody>
           <a:bodyPr/>
           <a:p>
-            <a:fld id="{8C1599D9-5A39-4312-BA0F-29DFD25F88CE}" type="slidenum">
+            <a:fld id="{ED84761D-C5D3-46B2-87FA-13FCF8953188}" type="slidenum">
               <a:t>&lt;#&gt;</a:t>
             </a:fld>
           </a:p>
@@ -1380,7 +1382,7 @@
         <p:txBody>
           <a:bodyPr/>
           <a:p>
-            <a:fld id="{CFB582B1-7CB5-4BC5-BA05-AD8158BE3A57}" type="slidenum">
+            <a:fld id="{E58EA096-DBF9-484D-A421-E5D1FFDD37AA}" type="slidenum">
               <a:t>&lt;#&gt;</a:t>
             </a:fld>
           </a:p>
@@ -1589,7 +1591,7 @@
         <p:txBody>
           <a:bodyPr/>
           <a:p>
-            <a:fld id="{8F3C19B0-DE37-490B-B7F7-65B5E0D6ED49}" type="slidenum">
+            <a:fld id="{7D8E2B21-4261-4232-A3FD-FC4519F1BC04}" type="slidenum">
               <a:t>&lt;#&gt;</a:t>
             </a:fld>
           </a:p>
@@ -1712,7 +1714,7 @@
         <p:txBody>
           <a:bodyPr/>
           <a:p>
-            <a:fld id="{97EB8F7E-0DC8-4ECD-9409-A457C0E1154A}" type="slidenum">
+            <a:fld id="{B049B69E-8C78-478F-9A14-E07616F5E60C}" type="slidenum">
               <a:t>&lt;#&gt;</a:t>
             </a:fld>
           </a:p>
@@ -1833,7 +1835,7 @@
         <p:txBody>
           <a:bodyPr/>
           <a:p>
-            <a:fld id="{59445CB3-4416-46F0-9E99-E35F1AE94B6F}" type="slidenum">
+            <a:fld id="{A265ACA4-9690-48C2-B9DE-D0A496C64E78}" type="slidenum">
               <a:t>&lt;#&gt;</a:t>
             </a:fld>
           </a:p>
@@ -2085,7 +2087,7 @@
         <p:txBody>
           <a:bodyPr/>
           <a:p>
-            <a:fld id="{17E416D1-3745-4CBC-9B58-DA895D5CF490}" type="slidenum">
+            <a:fld id="{03BB5619-7579-4FBF-846A-47B0B02DB164}" type="slidenum">
               <a:t>&lt;#&gt;</a:t>
             </a:fld>
           </a:p>
@@ -2248,7 +2250,7 @@
         <p:txBody>
           <a:bodyPr/>
           <a:p>
-            <a:fld id="{FAED82AC-BCAF-4A98-ADB9-391D199FE02E}" type="slidenum">
+            <a:fld id="{1AAA236E-3514-4C19-AFF4-FAB338AE16EE}" type="slidenum">
               <a:t>&lt;#&gt;</a:t>
             </a:fld>
           </a:p>
@@ -2500,7 +2502,7 @@
         <p:txBody>
           <a:bodyPr/>
           <a:p>
-            <a:fld id="{6DE6BEFC-5193-4EDB-8160-BC2A61A5962F}" type="slidenum">
+            <a:fld id="{BB551B9E-EE6C-4EE8-AFE8-8756445CF985}" type="slidenum">
               <a:t>&lt;#&gt;</a:t>
             </a:fld>
           </a:p>
@@ -2752,7 +2754,7 @@
         <p:txBody>
           <a:bodyPr/>
           <a:p>
-            <a:fld id="{68B5F6FC-16CE-4146-BAD7-EDC87D7EFBE4}" type="slidenum">
+            <a:fld id="{401D4271-BBFB-4763-A6E7-E1887BD275A7}" type="slidenum">
               <a:t>&lt;#&gt;</a:t>
             </a:fld>
           </a:p>
@@ -2961,7 +2963,7 @@
         <p:txBody>
           <a:bodyPr/>
           <a:p>
-            <a:fld id="{7E06ABBE-8CCB-48E7-A186-914C880A484B}" type="slidenum">
+            <a:fld id="{21558983-C9F1-4FDB-90B5-63C2DB035668}" type="slidenum">
               <a:t>&lt;#&gt;</a:t>
             </a:fld>
           </a:p>
@@ -3256,7 +3258,7 @@
         <p:txBody>
           <a:bodyPr/>
           <a:p>
-            <a:fld id="{099513F6-571F-477E-9701-848885335466}" type="slidenum">
+            <a:fld id="{6FD5F534-2857-4780-8737-DC961462D431}" type="slidenum">
               <a:t>&lt;#&gt;</a:t>
             </a:fld>
           </a:p>
@@ -3637,7 +3639,7 @@
         <p:txBody>
           <a:bodyPr/>
           <a:p>
-            <a:fld id="{FE3A57B6-B65E-4E68-9BCC-60039F07FC62}" type="slidenum">
+            <a:fld id="{21566F2D-843B-4902-BBB8-F557EC8EC3E2}" type="slidenum">
               <a:t>&lt;#&gt;</a:t>
             </a:fld>
           </a:p>
@@ -3720,7 +3722,7 @@
         <p:txBody>
           <a:bodyPr/>
           <a:p>
-            <a:fld id="{69674662-A8F3-478F-BB31-016D2C6F67D6}" type="slidenum">
+            <a:fld id="{CE998DF5-4D39-4B8F-A7B3-214E66B5652F}" type="slidenum">
               <a:t>&lt;#&gt;</a:t>
             </a:fld>
           </a:p>
@@ -3883,7 +3885,7 @@
         <p:txBody>
           <a:bodyPr/>
           <a:p>
-            <a:fld id="{38825F30-12D7-4FCD-A7AF-665829D9E76E}" type="slidenum">
+            <a:fld id="{8B65CBED-79C0-4AB4-A4B2-F42A06E30D49}" type="slidenum">
               <a:t>&lt;#&gt;</a:t>
             </a:fld>
           </a:p>
@@ -4049,7 +4051,7 @@
         <p:txBody>
           <a:bodyPr/>
           <a:p>
-            <a:fld id="{A1FB37A8-6DB4-40A4-AB8F-704B29E1E406}" type="slidenum">
+            <a:fld id="{CB65B807-01F0-4199-8B30-05D644E37372}" type="slidenum">
               <a:t>&lt;#&gt;</a:t>
             </a:fld>
           </a:p>
@@ -4258,7 +4260,7 @@
         <p:txBody>
           <a:bodyPr/>
           <a:p>
-            <a:fld id="{2FF54A4C-45A7-4E34-B525-F2DE20FB1D24}" type="slidenum">
+            <a:fld id="{AAF05E1B-1019-47E4-A907-D697D2A246F0}" type="slidenum">
               <a:t>&lt;#&gt;</a:t>
             </a:fld>
           </a:p>
@@ -4381,7 +4383,7 @@
         <p:txBody>
           <a:bodyPr/>
           <a:p>
-            <a:fld id="{521B4705-778D-42F3-8873-1E348BF2CBD2}" type="slidenum">
+            <a:fld id="{9AA828C7-54C2-4739-9022-5333FF4AEA6C}" type="slidenum">
               <a:t>&lt;#&gt;</a:t>
             </a:fld>
           </a:p>
@@ -4547,7 +4549,7 @@
         <p:txBody>
           <a:bodyPr/>
           <a:p>
-            <a:fld id="{06B0418E-6314-490D-8B2D-A3967E09CA28}" type="slidenum">
+            <a:fld id="{913C143B-CA1E-4BEC-937D-E6B51F5AF4D9}" type="slidenum">
               <a:t>&lt;#&gt;</a:t>
             </a:fld>
           </a:p>
@@ -4668,7 +4670,7 @@
         <p:txBody>
           <a:bodyPr/>
           <a:p>
-            <a:fld id="{59310261-0AB0-41D8-8CD2-352A36532FA5}" type="slidenum">
+            <a:fld id="{8985E77D-32EC-4587-A7F2-ECF8090CB486}" type="slidenum">
               <a:t>&lt;#&gt;</a:t>
             </a:fld>
           </a:p>
@@ -4920,7 +4922,7 @@
         <p:txBody>
           <a:bodyPr/>
           <a:p>
-            <a:fld id="{3785AAF4-7917-4391-B63D-57E5584D57A2}" type="slidenum">
+            <a:fld id="{4EA4F985-A510-4F91-A282-F091298F51E6}" type="slidenum">
               <a:t>&lt;#&gt;</a:t>
             </a:fld>
           </a:p>
@@ -5172,7 +5174,7 @@
         <p:txBody>
           <a:bodyPr/>
           <a:p>
-            <a:fld id="{1E514F0C-80CB-4BFC-A16D-1D83A4433C36}" type="slidenum">
+            <a:fld id="{BB3861B3-60D1-466C-A7D7-D8D82ECCB80D}" type="slidenum">
               <a:t>&lt;#&gt;</a:t>
             </a:fld>
           </a:p>
@@ -5424,7 +5426,7 @@
         <p:txBody>
           <a:bodyPr/>
           <a:p>
-            <a:fld id="{E20FC942-4366-4D97-8C83-6A5AEF6DD90E}" type="slidenum">
+            <a:fld id="{CE490DF0-0980-447D-AC2F-C63D5C288406}" type="slidenum">
               <a:t>&lt;#&gt;</a:t>
             </a:fld>
           </a:p>
@@ -5633,7 +5635,7 @@
         <p:txBody>
           <a:bodyPr/>
           <a:p>
-            <a:fld id="{1559AB64-895E-4034-B413-2E5C4866E132}" type="slidenum">
+            <a:fld id="{841241CB-CDC0-4544-B279-DD41A837084F}" type="slidenum">
               <a:t>&lt;#&gt;</a:t>
             </a:fld>
           </a:p>
@@ -5928,7 +5930,7 @@
         <p:txBody>
           <a:bodyPr/>
           <a:p>
-            <a:fld id="{E2290C0B-C17E-45B2-B7BE-84AFDA32AA0D}" type="slidenum">
+            <a:fld id="{E2628BF2-464B-42F1-84EB-9DDBCA94469C}" type="slidenum">
               <a:t>&lt;#&gt;</a:t>
             </a:fld>
           </a:p>
@@ -6309,7 +6311,7 @@
         <p:txBody>
           <a:bodyPr/>
           <a:p>
-            <a:fld id="{8316B776-E99F-4C2B-9249-44A53C4FFD02}" type="slidenum">
+            <a:fld id="{04FA4ED3-F014-4AB9-B533-8369A13BA7CA}" type="slidenum">
               <a:t>&lt;#&gt;</a:t>
             </a:fld>
           </a:p>
@@ -6392,7 +6394,7 @@
         <p:txBody>
           <a:bodyPr/>
           <a:p>
-            <a:fld id="{3C6FEC15-0962-4AC6-B975-279D394B8CC2}" type="slidenum">
+            <a:fld id="{C8CC1C3F-A934-476A-B28C-97625859E80E}" type="slidenum">
               <a:t>&lt;#&gt;</a:t>
             </a:fld>
           </a:p>
@@ -6555,7 +6557,7 @@
         <p:txBody>
           <a:bodyPr/>
           <a:p>
-            <a:fld id="{938312D7-B610-45D5-AC42-26D10F0B5BB7}" type="slidenum">
+            <a:fld id="{C6A5F00D-0BFF-437D-9DC5-B30CADD228D8}" type="slidenum">
               <a:t>&lt;#&gt;</a:t>
             </a:fld>
           </a:p>
@@ -6721,7 +6723,7 @@
         <p:txBody>
           <a:bodyPr/>
           <a:p>
-            <a:fld id="{D4CE1BBF-1C16-48FD-A28A-31805C9122E7}" type="slidenum">
+            <a:fld id="{B8489F96-94C0-43DE-9354-72C9264ED805}" type="slidenum">
               <a:t>&lt;#&gt;</a:t>
             </a:fld>
           </a:p>
@@ -6930,7 +6932,7 @@
         <p:txBody>
           <a:bodyPr/>
           <a:p>
-            <a:fld id="{979D0549-EB27-45C1-9E09-515E2745F417}" type="slidenum">
+            <a:fld id="{1A1A0DFE-B003-47B1-AC8A-311D8A874C27}" type="slidenum">
               <a:t>&lt;#&gt;</a:t>
             </a:fld>
           </a:p>
@@ -7139,7 +7141,7 @@
         <p:txBody>
           <a:bodyPr/>
           <a:p>
-            <a:fld id="{C1358D04-F035-408E-AE93-8CF2EF2F76A1}" type="slidenum">
+            <a:fld id="{246ADAE7-18D4-4055-8DDE-A81098BC6722}" type="slidenum">
               <a:t>&lt;#&gt;</a:t>
             </a:fld>
           </a:p>
@@ -7262,7 +7264,7 @@
         <p:txBody>
           <a:bodyPr/>
           <a:p>
-            <a:fld id="{4266F7CC-0D23-4020-B1A3-5C9A48D60DFE}" type="slidenum">
+            <a:fld id="{0C02C7FF-F070-44C7-8EEF-BDB559117F4D}" type="slidenum">
               <a:t>&lt;#&gt;</a:t>
             </a:fld>
           </a:p>
@@ -7383,7 +7385,7 @@
         <p:txBody>
           <a:bodyPr/>
           <a:p>
-            <a:fld id="{9A046C47-12C7-46EE-B105-4E7ACCEC4136}" type="slidenum">
+            <a:fld id="{D3F95905-1F56-4EA1-B8FE-531CE0947269}" type="slidenum">
               <a:t>&lt;#&gt;</a:t>
             </a:fld>
           </a:p>
@@ -7635,7 +7637,7 @@
         <p:txBody>
           <a:bodyPr/>
           <a:p>
-            <a:fld id="{37EF8D05-9B12-4C28-BB43-26D78DFAD50E}" type="slidenum">
+            <a:fld id="{35B3156B-E559-43CC-81B3-54720139AF72}" type="slidenum">
               <a:t>&lt;#&gt;</a:t>
             </a:fld>
           </a:p>
@@ -7887,7 +7889,7 @@
         <p:txBody>
           <a:bodyPr/>
           <a:p>
-            <a:fld id="{9F7F97A4-0C71-4653-B548-6EFC6F936136}" type="slidenum">
+            <a:fld id="{D849CA34-E62B-4BA7-8B1D-3A9403D1BBE9}" type="slidenum">
               <a:t>&lt;#&gt;</a:t>
             </a:fld>
           </a:p>
@@ -8139,7 +8141,7 @@
         <p:txBody>
           <a:bodyPr/>
           <a:p>
-            <a:fld id="{E094F4E1-6505-4F41-8D50-CFA96B24B391}" type="slidenum">
+            <a:fld id="{7C8256A3-86F8-4ED9-870E-592ACB47D331}" type="slidenum">
               <a:t>&lt;#&gt;</a:t>
             </a:fld>
           </a:p>
@@ -8348,7 +8350,7 @@
         <p:txBody>
           <a:bodyPr/>
           <a:p>
-            <a:fld id="{B3020A8E-01CC-43D4-B339-220B8CDE4723}" type="slidenum">
+            <a:fld id="{95E328FD-3D82-4DE7-9953-8212A4850831}" type="slidenum">
               <a:t>&lt;#&gt;</a:t>
             </a:fld>
           </a:p>
@@ -8643,7 +8645,7 @@
         <p:txBody>
           <a:bodyPr/>
           <a:p>
-            <a:fld id="{5493F13B-0480-45CD-9D07-C34BE9742F1F}" type="slidenum">
+            <a:fld id="{7DE246F3-264C-40D5-8832-439E203BF40C}" type="slidenum">
               <a:t>&lt;#&gt;</a:t>
             </a:fld>
           </a:p>
@@ -9024,7 +9026,7 @@
         <p:txBody>
           <a:bodyPr/>
           <a:p>
-            <a:fld id="{EC85A221-1B06-42AF-A78C-0DFA0FBA4119}" type="slidenum">
+            <a:fld id="{F48209E5-9CC5-4162-A345-0F86C4E5D4D8}" type="slidenum">
               <a:t>&lt;#&gt;</a:t>
             </a:fld>
           </a:p>
@@ -9107,7 +9109,7 @@
         <p:txBody>
           <a:bodyPr/>
           <a:p>
-            <a:fld id="{B6AAE62C-7A69-41DD-A4D4-EAADC957D80E}" type="slidenum">
+            <a:fld id="{DF36E743-3347-4BFD-A293-8B8266E2A8D1}" type="slidenum">
               <a:t>&lt;#&gt;</a:t>
             </a:fld>
           </a:p>
@@ -9230,7 +9232,7 @@
         <p:txBody>
           <a:bodyPr/>
           <a:p>
-            <a:fld id="{BD967A05-BA51-492E-B732-30FB4FB6B37C}" type="slidenum">
+            <a:fld id="{A3593394-FF3A-41BB-98BA-F9E044084817}" type="slidenum">
               <a:t>&lt;#&gt;</a:t>
             </a:fld>
           </a:p>
@@ -9393,7 +9395,7 @@
         <p:txBody>
           <a:bodyPr/>
           <a:p>
-            <a:fld id="{141350AD-5AA0-4A75-957B-B594E980918B}" type="slidenum">
+            <a:fld id="{B2A75483-0A72-435A-B1D4-93B556A804E4}" type="slidenum">
               <a:t>&lt;#&gt;</a:t>
             </a:fld>
           </a:p>
@@ -9559,7 +9561,7 @@
         <p:txBody>
           <a:bodyPr/>
           <a:p>
-            <a:fld id="{61945548-E9B9-4C10-98D3-1A0F19F40025}" type="slidenum">
+            <a:fld id="{CDA65EEE-5F93-4F52-8EE9-7DF31D98D3CE}" type="slidenum">
               <a:t>&lt;#&gt;</a:t>
             </a:fld>
           </a:p>
@@ -9768,7 +9770,7 @@
         <p:txBody>
           <a:bodyPr/>
           <a:p>
-            <a:fld id="{82AF2572-9284-4278-AC6C-FFB9EE229887}" type="slidenum">
+            <a:fld id="{EE47748A-BCDA-4C46-819D-3E89F35A4283}" type="slidenum">
               <a:t>&lt;#&gt;</a:t>
             </a:fld>
           </a:p>
@@ -9891,7 +9893,7 @@
         <p:txBody>
           <a:bodyPr/>
           <a:p>
-            <a:fld id="{8E43A0A6-5070-4189-8290-EB08EFE99E2E}" type="slidenum">
+            <a:fld id="{8F56AECE-1DED-4D14-8FE9-E35977603977}" type="slidenum">
               <a:t>&lt;#&gt;</a:t>
             </a:fld>
           </a:p>
@@ -10012,7 +10014,7 @@
         <p:txBody>
           <a:bodyPr/>
           <a:p>
-            <a:fld id="{CD580FAD-E824-4E09-B0E1-A15C7C265CFF}" type="slidenum">
+            <a:fld id="{9AB4918C-A77F-4FCE-A84B-020128739BDB}" type="slidenum">
               <a:t>&lt;#&gt;</a:t>
             </a:fld>
           </a:p>
@@ -10264,7 +10266,7 @@
         <p:txBody>
           <a:bodyPr/>
           <a:p>
-            <a:fld id="{A1A8DA56-E509-419C-AFE0-9F338EEE3A26}" type="slidenum">
+            <a:fld id="{95DB9C8C-E94C-404A-B854-5081647303E2}" type="slidenum">
               <a:t>&lt;#&gt;</a:t>
             </a:fld>
           </a:p>
@@ -10516,7 +10518,7 @@
         <p:txBody>
           <a:bodyPr/>
           <a:p>
-            <a:fld id="{8857C20C-2C76-4178-9AAD-F156B51C639C}" type="slidenum">
+            <a:fld id="{8C45CE38-D08B-415A-89D0-EEFAD797A72C}" type="slidenum">
               <a:t>&lt;#&gt;</a:t>
             </a:fld>
           </a:p>
@@ -10768,7 +10770,7 @@
         <p:txBody>
           <a:bodyPr/>
           <a:p>
-            <a:fld id="{977D5AE7-4B58-4479-909B-EEB19A1EDC6F}" type="slidenum">
+            <a:fld id="{5360A5D9-74F6-4D2D-9009-185D0CDF1B37}" type="slidenum">
               <a:t>&lt;#&gt;</a:t>
             </a:fld>
           </a:p>
@@ -10977,7 +10979,7 @@
         <p:txBody>
           <a:bodyPr/>
           <a:p>
-            <a:fld id="{9E8932F8-50DD-437F-A4C7-379BC93A5B36}" type="slidenum">
+            <a:fld id="{76A790AC-43F5-4349-9013-5B14E1A4ED35}" type="slidenum">
               <a:t>&lt;#&gt;</a:t>
             </a:fld>
           </a:p>
@@ -11272,7 +11274,7 @@
         <p:txBody>
           <a:bodyPr/>
           <a:p>
-            <a:fld id="{38AE98DD-1B7A-4FE8-82BF-7FCD96755F07}" type="slidenum">
+            <a:fld id="{3EA5CCC6-BB08-407E-87E7-752EA78FFB1A}" type="slidenum">
               <a:t>&lt;#&gt;</a:t>
             </a:fld>
           </a:p>
@@ -11393,7 +11395,7 @@
         <p:txBody>
           <a:bodyPr/>
           <a:p>
-            <a:fld id="{F3929D99-364A-4E1F-A3E9-79DBB5A98DCA}" type="slidenum">
+            <a:fld id="{184C9E36-66D0-4962-86BF-849DC97C2DB8}" type="slidenum">
               <a:t>&lt;#&gt;</a:t>
             </a:fld>
           </a:p>
@@ -11774,7 +11776,7 @@
         <p:txBody>
           <a:bodyPr/>
           <a:p>
-            <a:fld id="{48A5811F-B6D4-4266-A9F5-E25AD87899A4}" type="slidenum">
+            <a:fld id="{7DE6AE37-C424-4E76-BD37-17C48E43ECB6}" type="slidenum">
               <a:t>&lt;#&gt;</a:t>
             </a:fld>
           </a:p>
@@ -11857,7 +11859,7 @@
         <p:txBody>
           <a:bodyPr/>
           <a:p>
-            <a:fld id="{02B624B0-C125-427A-B156-3DA848A4194D}" type="slidenum">
+            <a:fld id="{2EBD5369-8179-428B-9B82-8F0CE05F9D3A}" type="slidenum">
               <a:t>&lt;#&gt;</a:t>
             </a:fld>
           </a:p>
@@ -12020,7 +12022,7 @@
         <p:txBody>
           <a:bodyPr/>
           <a:p>
-            <a:fld id="{8D3D8E33-34BD-40B0-B4DB-42BCAC1883C2}" type="slidenum">
+            <a:fld id="{5AD616C1-3939-4F8A-BD0A-0AFFE8228AEA}" type="slidenum">
               <a:t>&lt;#&gt;</a:t>
             </a:fld>
           </a:p>
@@ -12186,7 +12188,7 @@
         <p:txBody>
           <a:bodyPr/>
           <a:p>
-            <a:fld id="{F12BDFBA-FA18-4FD1-BB7D-0F895A1A8C48}" type="slidenum">
+            <a:fld id="{56357DB0-C6CB-469A-A700-8AD458C5D9D7}" type="slidenum">
               <a:t>&lt;#&gt;</a:t>
             </a:fld>
           </a:p>
@@ -12395,7 +12397,7 @@
         <p:txBody>
           <a:bodyPr/>
           <a:p>
-            <a:fld id="{66C0DF5B-A86F-440E-95ED-D7D181876475}" type="slidenum">
+            <a:fld id="{EC669060-C05F-4C1D-BB00-4BB42B69FB7F}" type="slidenum">
               <a:t>&lt;#&gt;</a:t>
             </a:fld>
           </a:p>
@@ -12518,7 +12520,7 @@
         <p:txBody>
           <a:bodyPr/>
           <a:p>
-            <a:fld id="{CBBC3BBE-0571-43A9-A656-B6D2551163E6}" type="slidenum">
+            <a:fld id="{A5AE8236-DE51-4550-9B3B-3CAD05F449E0}" type="slidenum">
               <a:t>&lt;#&gt;</a:t>
             </a:fld>
           </a:p>
@@ -12639,7 +12641,7 @@
         <p:txBody>
           <a:bodyPr/>
           <a:p>
-            <a:fld id="{F47BAFD5-8E40-40C3-961C-C2E52ADB339A}" type="slidenum">
+            <a:fld id="{3E39C624-18B7-4068-8BB3-5AA475A0D57B}" type="slidenum">
               <a:t>&lt;#&gt;</a:t>
             </a:fld>
           </a:p>
@@ -12891,7 +12893,7 @@
         <p:txBody>
           <a:bodyPr/>
           <a:p>
-            <a:fld id="{4C98FC19-DCA6-4D72-A090-1E4200155EFA}" type="slidenum">
+            <a:fld id="{3CAC53A1-5DAD-4964-8457-DE8FE4BEC1B5}" type="slidenum">
               <a:t>&lt;#&gt;</a:t>
             </a:fld>
           </a:p>
@@ -13143,7 +13145,7 @@
         <p:txBody>
           <a:bodyPr/>
           <a:p>
-            <a:fld id="{E03831A8-A00D-44A1-B1AA-9AF13E370821}" type="slidenum">
+            <a:fld id="{CFBFE8C2-378E-47E5-8FAE-AEE549F20D17}" type="slidenum">
               <a:t>&lt;#&gt;</a:t>
             </a:fld>
           </a:p>
@@ -13395,7 +13397,7 @@
         <p:txBody>
           <a:bodyPr/>
           <a:p>
-            <a:fld id="{BCC8727F-8EC3-424C-826C-F6F207A71C45}" type="slidenum">
+            <a:fld id="{80A553FC-AA6F-4D97-8D55-FA9A64B39CB4}" type="slidenum">
               <a:t>&lt;#&gt;</a:t>
             </a:fld>
           </a:p>
@@ -13647,7 +13649,7 @@
         <p:txBody>
           <a:bodyPr/>
           <a:p>
-            <a:fld id="{AC39047B-3FF7-4235-B30E-4229B8DD822B}" type="slidenum">
+            <a:fld id="{A49DD9B5-47DF-41A1-8B89-00A89098215D}" type="slidenum">
               <a:t>&lt;#&gt;</a:t>
             </a:fld>
           </a:p>
@@ -13856,7 +13858,7 @@
         <p:txBody>
           <a:bodyPr/>
           <a:p>
-            <a:fld id="{3F86DA98-982A-4F1B-95C2-36F878F03CBB}" type="slidenum">
+            <a:fld id="{290FD9B9-6E39-4709-ADA8-945F7C2F4D23}" type="slidenum">
               <a:t>&lt;#&gt;</a:t>
             </a:fld>
           </a:p>
@@ -14151,7 +14153,7 @@
         <p:txBody>
           <a:bodyPr/>
           <a:p>
-            <a:fld id="{979DEFF7-CA60-47DF-B122-CA402F067349}" type="slidenum">
+            <a:fld id="{FE6D4347-79B7-40FE-9694-7DE18202A63F}" type="slidenum">
               <a:t>&lt;#&gt;</a:t>
             </a:fld>
           </a:p>
@@ -14532,7 +14534,7 @@
         <p:txBody>
           <a:bodyPr/>
           <a:p>
-            <a:fld id="{447122EA-DB14-4E8A-913C-5C88C010687B}" type="slidenum">
+            <a:fld id="{D0C41441-D6BD-4979-97CE-770A75B5DA1A}" type="slidenum">
               <a:t>&lt;#&gt;</a:t>
             </a:fld>
           </a:p>
@@ -14615,7 +14617,7 @@
         <p:txBody>
           <a:bodyPr/>
           <a:p>
-            <a:fld id="{CC51C3B0-9A71-47B6-A769-93B79861301A}" type="slidenum">
+            <a:fld id="{241632BF-CC34-4F9B-9CC8-8EC8E1745E45}" type="slidenum">
               <a:t>&lt;#&gt;</a:t>
             </a:fld>
           </a:p>
@@ -14778,7 +14780,7 @@
         <p:txBody>
           <a:bodyPr/>
           <a:p>
-            <a:fld id="{DCD46B3A-1B99-4E97-9DF4-3DF032C6B86B}" type="slidenum">
+            <a:fld id="{8EDEEC04-8E85-44F5-B83B-394A4E160EC3}" type="slidenum">
               <a:t>&lt;#&gt;</a:t>
             </a:fld>
           </a:p>
@@ -14944,7 +14946,7 @@
         <p:txBody>
           <a:bodyPr/>
           <a:p>
-            <a:fld id="{EF2C46E9-9DEE-4DD3-8E43-B8E195683CF1}" type="slidenum">
+            <a:fld id="{BBF58136-06D7-4F53-86FC-D40E60CD5E71}" type="slidenum">
               <a:t>&lt;#&gt;</a:t>
             </a:fld>
           </a:p>
@@ -15153,7 +15155,7 @@
         <p:txBody>
           <a:bodyPr/>
           <a:p>
-            <a:fld id="{2EF629E3-76CD-4DF4-BA81-295D4B7DD3C3}" type="slidenum">
+            <a:fld id="{C3F58902-EF18-4928-BC3B-F2779A909C1C}" type="slidenum">
               <a:t>&lt;#&gt;</a:t>
             </a:fld>
           </a:p>
@@ -15276,7 +15278,7 @@
         <p:txBody>
           <a:bodyPr/>
           <a:p>
-            <a:fld id="{BAB193CE-1527-492F-9ED3-0EF8ADE12300}" type="slidenum">
+            <a:fld id="{706CBF9E-64E0-4BEE-B444-FCC13C620660}" type="slidenum">
               <a:t>&lt;#&gt;</a:t>
             </a:fld>
           </a:p>
@@ -15397,7 +15399,7 @@
         <p:txBody>
           <a:bodyPr/>
           <a:p>
-            <a:fld id="{19769EC3-5BD6-457C-9D7F-C8257F595710}" type="slidenum">
+            <a:fld id="{441DF23F-7D84-4433-8A30-B725E430EC72}" type="slidenum">
               <a:t>&lt;#&gt;</a:t>
             </a:fld>
           </a:p>
@@ -15649,7 +15651,7 @@
         <p:txBody>
           <a:bodyPr/>
           <a:p>
-            <a:fld id="{9F908F43-FE9F-49BA-B9A0-113A661031CE}" type="slidenum">
+            <a:fld id="{7BA90EB1-448D-4F08-BE5B-FCFE5531B94D}" type="slidenum">
               <a:t>&lt;#&gt;</a:t>
             </a:fld>
           </a:p>
@@ -15901,7 +15903,7 @@
         <p:txBody>
           <a:bodyPr/>
           <a:p>
-            <a:fld id="{B312DD22-04EF-404D-B12B-4CBEBC14673B}" type="slidenum">
+            <a:fld id="{616735D9-BC19-4F19-A62B-44E64D8406CC}" type="slidenum">
               <a:t>&lt;#&gt;</a:t>
             </a:fld>
           </a:p>
@@ -16153,7 +16155,7 @@
         <p:txBody>
           <a:bodyPr/>
           <a:p>
-            <a:fld id="{13A721A7-9DCB-46CB-A153-CAE548A9C6BB}" type="slidenum">
+            <a:fld id="{3B38A2F2-BFA7-49E0-9AA2-884CCE0319B1}" type="slidenum">
               <a:t>&lt;#&gt;</a:t>
             </a:fld>
           </a:p>
@@ -16405,7 +16407,7 @@
         <p:txBody>
           <a:bodyPr/>
           <a:p>
-            <a:fld id="{DC49AE8E-70BE-4821-B4E4-2602A8150048}" type="slidenum">
+            <a:fld id="{09119470-25B0-49F2-B448-9F9730D1C5B9}" type="slidenum">
               <a:t>&lt;#&gt;</a:t>
             </a:fld>
           </a:p>
@@ -16614,7 +16616,7 @@
         <p:txBody>
           <a:bodyPr/>
           <a:p>
-            <a:fld id="{1F4FF3F9-91C3-4290-A94A-D309AD595294}" type="slidenum">
+            <a:fld id="{44DF19DD-669A-4B2A-B08B-12379F15EBE0}" type="slidenum">
               <a:t>&lt;#&gt;</a:t>
             </a:fld>
           </a:p>
@@ -16909,7 +16911,7 @@
         <p:txBody>
           <a:bodyPr/>
           <a:p>
-            <a:fld id="{4483D367-05C5-41D4-A870-247756D9927F}" type="slidenum">
+            <a:fld id="{791760C8-79D8-4333-BB4C-10926EB6444B}" type="slidenum">
               <a:t>&lt;#&gt;</a:t>
             </a:fld>
           </a:p>
@@ -17290,7 +17292,7 @@
         <p:txBody>
           <a:bodyPr/>
           <a:p>
-            <a:fld id="{F2D779DF-0D6D-4149-B78B-0FFC10F8E572}" type="slidenum">
+            <a:fld id="{F8868DDC-775C-4889-A661-3AEA8EA2CA0A}" type="slidenum">
               <a:t>&lt;#&gt;</a:t>
             </a:fld>
           </a:p>
@@ -17542,7 +17544,7 @@
         <p:txBody>
           <a:bodyPr/>
           <a:p>
-            <a:fld id="{BD737A45-DC81-4EDD-A701-13458CDD657A}" type="slidenum">
+            <a:fld id="{4705B943-9005-4841-A297-691BD84FAE0D}" type="slidenum">
               <a:t>&lt;#&gt;</a:t>
             </a:fld>
           </a:p>
@@ -17611,7 +17613,7 @@
         <p:spPr>
           <a:xfrm>
             <a:off x="3124080" y="6356520"/>
-            <a:ext cx="2890440" cy="360000"/>
+            <a:ext cx="2890080" cy="359640"/>
           </a:xfrm>
           <a:prstGeom prst="rect">
             <a:avLst/>
@@ -17683,7 +17685,7 @@
         <p:spPr>
           <a:xfrm>
             <a:off x="6553080" y="6356520"/>
-            <a:ext cx="2128680" cy="360000"/>
+            <a:ext cx="2128320" cy="359640"/>
           </a:xfrm>
           <a:prstGeom prst="rect">
             <a:avLst/>
@@ -17724,7 +17726,7 @@
                 <a:tab algn="l" pos="0"/>
               </a:tabLst>
             </a:pPr>
-            <a:fld id="{8F9A0F56-003B-4676-AA02-94BB62E43E7C}" type="slidenum">
+            <a:fld id="{CEB2D66C-B78F-49B7-B6D6-AC3823EEEEF7}" type="slidenum">
               <a:rPr b="0" lang="en-US" sz="1200" spc="-1" strike="noStrike">
                 <a:solidFill>
                   <a:srgbClr val="8b8b8b"/>
@@ -17755,7 +17757,7 @@
         <p:spPr>
           <a:xfrm>
             <a:off x="457200" y="6356520"/>
-            <a:ext cx="2128680" cy="360000"/>
+            <a:ext cx="2128320" cy="359640"/>
           </a:xfrm>
           <a:prstGeom prst="rect">
             <a:avLst/>
@@ -18133,7 +18135,7 @@
         <p:spPr>
           <a:xfrm>
             <a:off x="3124080" y="6356520"/>
-            <a:ext cx="2890440" cy="360000"/>
+            <a:ext cx="2890080" cy="359640"/>
           </a:xfrm>
           <a:prstGeom prst="rect">
             <a:avLst/>
@@ -18205,7 +18207,7 @@
         <p:spPr>
           <a:xfrm>
             <a:off x="6553080" y="6356520"/>
-            <a:ext cx="2128680" cy="360000"/>
+            <a:ext cx="2128320" cy="359640"/>
           </a:xfrm>
           <a:prstGeom prst="rect">
             <a:avLst/>
@@ -18246,7 +18248,7 @@
                 <a:tab algn="l" pos="0"/>
               </a:tabLst>
             </a:pPr>
-            <a:fld id="{676DC3C5-93A9-4E6F-A95B-ED2F39B9041F}" type="slidenum">
+            <a:fld id="{54B2F04D-B400-4504-B92E-A0BAE49BA81C}" type="slidenum">
               <a:rPr b="0" lang="en-US" sz="1200" spc="-1" strike="noStrike">
                 <a:solidFill>
                   <a:srgbClr val="8b8b8b"/>
@@ -18277,7 +18279,7 @@
         <p:spPr>
           <a:xfrm>
             <a:off x="457200" y="6356520"/>
-            <a:ext cx="2128680" cy="360000"/>
+            <a:ext cx="2128320" cy="359640"/>
           </a:xfrm>
           <a:prstGeom prst="rect">
             <a:avLst/>
@@ -18655,7 +18657,7 @@
         <p:spPr>
           <a:xfrm>
             <a:off x="3124080" y="6356520"/>
-            <a:ext cx="2891160" cy="360720"/>
+            <a:ext cx="2890800" cy="360360"/>
           </a:xfrm>
           <a:prstGeom prst="rect">
             <a:avLst/>
@@ -18727,7 +18729,7 @@
         <p:spPr>
           <a:xfrm>
             <a:off x="6553080" y="6356520"/>
-            <a:ext cx="2129400" cy="360720"/>
+            <a:ext cx="2129040" cy="360360"/>
           </a:xfrm>
           <a:prstGeom prst="rect">
             <a:avLst/>
@@ -18768,7 +18770,7 @@
                 <a:tab algn="l" pos="0"/>
               </a:tabLst>
             </a:pPr>
-            <a:fld id="{9F69A137-F4F4-4D79-85DC-EB28FF344981}" type="slidenum">
+            <a:fld id="{2AE780E0-63C9-4C56-94FB-3425B780F893}" type="slidenum">
               <a:rPr b="0" lang="en-US" sz="1200" spc="-1" strike="noStrike">
                 <a:solidFill>
                   <a:srgbClr val="8b8b8b"/>
@@ -18799,7 +18801,7 @@
         <p:spPr>
           <a:xfrm>
             <a:off x="457200" y="6356520"/>
-            <a:ext cx="2129400" cy="360720"/>
+            <a:ext cx="2129040" cy="360360"/>
           </a:xfrm>
           <a:prstGeom prst="rect">
             <a:avLst/>
@@ -19177,7 +19179,7 @@
         <p:spPr>
           <a:xfrm>
             <a:off x="3124080" y="6356520"/>
-            <a:ext cx="2891520" cy="361080"/>
+            <a:ext cx="2891160" cy="360720"/>
           </a:xfrm>
           <a:prstGeom prst="rect">
             <a:avLst/>
@@ -19249,7 +19251,7 @@
         <p:spPr>
           <a:xfrm>
             <a:off x="6553080" y="6356520"/>
-            <a:ext cx="2129760" cy="361080"/>
+            <a:ext cx="2129400" cy="360720"/>
           </a:xfrm>
           <a:prstGeom prst="rect">
             <a:avLst/>
@@ -19290,7 +19292,7 @@
                 <a:tab algn="l" pos="0"/>
               </a:tabLst>
             </a:pPr>
-            <a:fld id="{12A5D3B1-67A1-4EB5-8781-1A682276132A}" type="slidenum">
+            <a:fld id="{E8584E26-CD52-401E-9CCB-BDA05DB21AA0}" type="slidenum">
               <a:rPr b="0" lang="en-US" sz="1200" spc="-1" strike="noStrike">
                 <a:solidFill>
                   <a:srgbClr val="8b8b8b"/>
@@ -19321,7 +19323,7 @@
         <p:spPr>
           <a:xfrm>
             <a:off x="457200" y="6356520"/>
-            <a:ext cx="2129760" cy="361080"/>
+            <a:ext cx="2129400" cy="360720"/>
           </a:xfrm>
           <a:prstGeom prst="rect">
             <a:avLst/>
@@ -19699,7 +19701,7 @@
         <p:spPr>
           <a:xfrm>
             <a:off x="3124080" y="6356520"/>
-            <a:ext cx="2891880" cy="361440"/>
+            <a:ext cx="2891520" cy="361080"/>
           </a:xfrm>
           <a:prstGeom prst="rect">
             <a:avLst/>
@@ -19771,7 +19773,7 @@
         <p:spPr>
           <a:xfrm>
             <a:off x="6553080" y="6356520"/>
-            <a:ext cx="2130120" cy="361440"/>
+            <a:ext cx="2129760" cy="361080"/>
           </a:xfrm>
           <a:prstGeom prst="rect">
             <a:avLst/>
@@ -19812,7 +19814,7 @@
                 <a:tab algn="l" pos="0"/>
               </a:tabLst>
             </a:pPr>
-            <a:fld id="{A6CF6C56-1A1B-4F65-B33D-7FC4A11AB978}" type="slidenum">
+            <a:fld id="{4A6BE6AE-4EF9-4272-A631-7BBE769BCD3B}" type="slidenum">
               <a:rPr b="0" lang="en-US" sz="1200" spc="-1" strike="noStrike">
                 <a:solidFill>
                   <a:srgbClr val="8b8b8b"/>
@@ -19843,7 +19845,7 @@
         <p:spPr>
           <a:xfrm>
             <a:off x="457200" y="6356520"/>
-            <a:ext cx="2130120" cy="361440"/>
+            <a:ext cx="2129760" cy="361080"/>
           </a:xfrm>
           <a:prstGeom prst="rect">
             <a:avLst/>
@@ -20221,7 +20223,7 @@
         <p:spPr>
           <a:xfrm>
             <a:off x="3124080" y="6356520"/>
-            <a:ext cx="2893320" cy="362880"/>
+            <a:ext cx="2892960" cy="362520"/>
           </a:xfrm>
           <a:prstGeom prst="rect">
             <a:avLst/>
@@ -20293,7 +20295,7 @@
         <p:spPr>
           <a:xfrm>
             <a:off x="6553080" y="6356520"/>
-            <a:ext cx="2131560" cy="362880"/>
+            <a:ext cx="2131200" cy="362520"/>
           </a:xfrm>
           <a:prstGeom prst="rect">
             <a:avLst/>
@@ -20334,7 +20336,7 @@
                 <a:tab algn="l" pos="0"/>
               </a:tabLst>
             </a:pPr>
-            <a:fld id="{857B1C41-DD57-4D8E-B0D5-EAFABF54DB24}" type="slidenum">
+            <a:fld id="{BF017DF8-A35C-47F1-A705-8A79BF604B59}" type="slidenum">
               <a:rPr b="0" lang="en-US" sz="1200" spc="-1" strike="noStrike">
                 <a:solidFill>
                   <a:srgbClr val="8b8b8b"/>
@@ -20365,7 +20367,7 @@
         <p:spPr>
           <a:xfrm>
             <a:off x="457200" y="6356520"/>
-            <a:ext cx="2131560" cy="362880"/>
+            <a:ext cx="2131200" cy="362520"/>
           </a:xfrm>
           <a:prstGeom prst="rect">
             <a:avLst/>
@@ -20743,7 +20745,7 @@
         <p:spPr>
           <a:xfrm>
             <a:off x="3124080" y="6356520"/>
-            <a:ext cx="2894040" cy="363600"/>
+            <a:ext cx="2893680" cy="363240"/>
           </a:xfrm>
           <a:prstGeom prst="rect">
             <a:avLst/>
@@ -20815,7 +20817,7 @@
         <p:spPr>
           <a:xfrm>
             <a:off x="6553080" y="6356520"/>
-            <a:ext cx="2132280" cy="363600"/>
+            <a:ext cx="2131920" cy="363240"/>
           </a:xfrm>
           <a:prstGeom prst="rect">
             <a:avLst/>
@@ -20856,7 +20858,7 @@
                 <a:tab algn="l" pos="0"/>
               </a:tabLst>
             </a:pPr>
-            <a:fld id="{9BB996DC-D725-42BE-9E11-31E1B1A986A1}" type="slidenum">
+            <a:fld id="{AF9E6629-7AC1-4907-8811-45FB84753BA5}" type="slidenum">
               <a:rPr b="0" lang="en-US" sz="1200" spc="-1" strike="noStrike">
                 <a:solidFill>
                   <a:srgbClr val="8b8b8b"/>
@@ -20887,7 +20889,7 @@
         <p:spPr>
           <a:xfrm>
             <a:off x="457200" y="6356520"/>
-            <a:ext cx="2132280" cy="363600"/>
+            <a:ext cx="2131920" cy="363240"/>
           </a:xfrm>
           <a:prstGeom prst="rect">
             <a:avLst/>
@@ -21254,7 +21256,7 @@
         <p:spPr>
           <a:xfrm>
             <a:off x="0" y="0"/>
-            <a:ext cx="12183840" cy="6852960"/>
+            <a:ext cx="12183480" cy="6852600"/>
           </a:xfrm>
           <a:prstGeom prst="rect">
             <a:avLst/>
@@ -21314,7 +21316,7 @@
         <p:spPr>
           <a:xfrm>
             <a:off x="0" y="0"/>
-            <a:ext cx="13320" cy="6852960"/>
+            <a:ext cx="12960" cy="6852600"/>
           </a:xfrm>
           <a:prstGeom prst="rect">
             <a:avLst/>
@@ -21374,7 +21376,7 @@
         <p:spPr>
           <a:xfrm>
             <a:off x="914400" y="0"/>
-            <a:ext cx="13320" cy="6852960"/>
+            <a:ext cx="12960" cy="6852600"/>
           </a:xfrm>
           <a:prstGeom prst="rect">
             <a:avLst/>
@@ -21434,7 +21436,7 @@
         <p:spPr>
           <a:xfrm>
             <a:off x="1828800" y="0"/>
-            <a:ext cx="13320" cy="6852960"/>
+            <a:ext cx="12960" cy="6852600"/>
           </a:xfrm>
           <a:prstGeom prst="rect">
             <a:avLst/>
@@ -21494,7 +21496,7 @@
         <p:spPr>
           <a:xfrm>
             <a:off x="2743200" y="0"/>
-            <a:ext cx="13320" cy="6852960"/>
+            <a:ext cx="12960" cy="6852600"/>
           </a:xfrm>
           <a:prstGeom prst="rect">
             <a:avLst/>
@@ -21554,7 +21556,7 @@
         <p:spPr>
           <a:xfrm>
             <a:off x="3657600" y="0"/>
-            <a:ext cx="13320" cy="6852960"/>
+            <a:ext cx="12960" cy="6852600"/>
           </a:xfrm>
           <a:prstGeom prst="rect">
             <a:avLst/>
@@ -21614,7 +21616,7 @@
         <p:spPr>
           <a:xfrm>
             <a:off x="4572000" y="0"/>
-            <a:ext cx="13320" cy="6852960"/>
+            <a:ext cx="12960" cy="6852600"/>
           </a:xfrm>
           <a:prstGeom prst="rect">
             <a:avLst/>
@@ -21674,7 +21676,7 @@
         <p:spPr>
           <a:xfrm>
             <a:off x="5486400" y="0"/>
-            <a:ext cx="13320" cy="6852960"/>
+            <a:ext cx="12960" cy="6852600"/>
           </a:xfrm>
           <a:prstGeom prst="rect">
             <a:avLst/>
@@ -21734,7 +21736,7 @@
         <p:spPr>
           <a:xfrm>
             <a:off x="6400800" y="0"/>
-            <a:ext cx="13320" cy="6852960"/>
+            <a:ext cx="12960" cy="6852600"/>
           </a:xfrm>
           <a:prstGeom prst="rect">
             <a:avLst/>
@@ -21794,7 +21796,7 @@
         <p:spPr>
           <a:xfrm>
             <a:off x="7315200" y="0"/>
-            <a:ext cx="13320" cy="6852960"/>
+            <a:ext cx="12960" cy="6852600"/>
           </a:xfrm>
           <a:prstGeom prst="rect">
             <a:avLst/>
@@ -21854,7 +21856,7 @@
         <p:spPr>
           <a:xfrm>
             <a:off x="8229600" y="0"/>
-            <a:ext cx="13320" cy="6852960"/>
+            <a:ext cx="12960" cy="6852600"/>
           </a:xfrm>
           <a:prstGeom prst="rect">
             <a:avLst/>
@@ -21914,7 +21916,7 @@
         <p:spPr>
           <a:xfrm>
             <a:off x="9144000" y="0"/>
-            <a:ext cx="13320" cy="6852960"/>
+            <a:ext cx="12960" cy="6852600"/>
           </a:xfrm>
           <a:prstGeom prst="rect">
             <a:avLst/>
@@ -21974,7 +21976,7 @@
         <p:spPr>
           <a:xfrm>
             <a:off x="10058400" y="0"/>
-            <a:ext cx="13320" cy="6852960"/>
+            <a:ext cx="12960" cy="6852600"/>
           </a:xfrm>
           <a:prstGeom prst="rect">
             <a:avLst/>
@@ -22034,7 +22036,7 @@
         <p:spPr>
           <a:xfrm>
             <a:off x="10972800" y="0"/>
-            <a:ext cx="13320" cy="6852960"/>
+            <a:ext cx="12960" cy="6852600"/>
           </a:xfrm>
           <a:prstGeom prst="rect">
             <a:avLst/>
@@ -22094,7 +22096,7 @@
         <p:spPr>
           <a:xfrm>
             <a:off x="11887200" y="0"/>
-            <a:ext cx="13320" cy="6852960"/>
+            <a:ext cx="12960" cy="6852600"/>
           </a:xfrm>
           <a:prstGeom prst="rect">
             <a:avLst/>
@@ -22154,7 +22156,7 @@
         <p:spPr>
           <a:xfrm>
             <a:off x="0" y="0"/>
-            <a:ext cx="315000" cy="6852960"/>
+            <a:ext cx="314640" cy="6852600"/>
           </a:xfrm>
           <a:prstGeom prst="rect">
             <a:avLst/>
@@ -22214,7 +22216,7 @@
         <p:spPr>
           <a:xfrm>
             <a:off x="9875520" y="365760"/>
-            <a:ext cx="2006640" cy="497880"/>
+            <a:ext cx="2006280" cy="497520"/>
           </a:xfrm>
           <a:prstGeom prst="roundRect">
             <a:avLst>
@@ -22396,7 +22398,7 @@
         <p:spPr>
           <a:xfrm>
             <a:off x="987480" y="3182040"/>
-            <a:ext cx="3286800" cy="2738160"/>
+            <a:ext cx="3286440" cy="2737800"/>
           </a:xfrm>
           <a:prstGeom prst="roundRect">
             <a:avLst>
@@ -22458,7 +22460,7 @@
         <p:spPr>
           <a:xfrm>
             <a:off x="685800" y="2521440"/>
-            <a:ext cx="3425040" cy="3325680"/>
+            <a:ext cx="3424680" cy="3325320"/>
           </a:xfrm>
           <a:prstGeom prst="roundRect">
             <a:avLst>
@@ -22871,7 +22873,7 @@
         <p:spPr>
           <a:xfrm>
             <a:off x="4507920" y="3182040"/>
-            <a:ext cx="3286800" cy="2738160"/>
+            <a:ext cx="3286440" cy="2737800"/>
           </a:xfrm>
           <a:prstGeom prst="roundRect">
             <a:avLst>
@@ -22933,7 +22935,7 @@
         <p:spPr>
           <a:xfrm>
             <a:off x="4434840" y="3108960"/>
-            <a:ext cx="3286800" cy="2738160"/>
+            <a:ext cx="3286440" cy="2737800"/>
           </a:xfrm>
           <a:prstGeom prst="roundRect">
             <a:avLst>
@@ -23221,7 +23223,7 @@
         <p:spPr>
           <a:xfrm>
             <a:off x="8028360" y="3182040"/>
-            <a:ext cx="3286800" cy="2738160"/>
+            <a:ext cx="3286440" cy="2737800"/>
           </a:xfrm>
           <a:prstGeom prst="roundRect">
             <a:avLst>
@@ -23283,7 +23285,7 @@
         <p:spPr>
           <a:xfrm>
             <a:off x="7955280" y="3108960"/>
-            <a:ext cx="3286800" cy="2738160"/>
+            <a:ext cx="3286440" cy="2737800"/>
           </a:xfrm>
           <a:prstGeom prst="roundRect">
             <a:avLst>
@@ -23576,7 +23578,7 @@
         <p:spPr>
           <a:xfrm>
             <a:off x="0" y="0"/>
-            <a:ext cx="12185280" cy="6854400"/>
+            <a:ext cx="12184920" cy="6854040"/>
           </a:xfrm>
           <a:prstGeom prst="rect">
             <a:avLst/>
@@ -23636,7 +23638,7 @@
         <p:spPr>
           <a:xfrm>
             <a:off x="0" y="0"/>
-            <a:ext cx="14760" cy="6854400"/>
+            <a:ext cx="14400" cy="6854040"/>
           </a:xfrm>
           <a:prstGeom prst="rect">
             <a:avLst/>
@@ -23696,7 +23698,7 @@
         <p:spPr>
           <a:xfrm>
             <a:off x="914400" y="0"/>
-            <a:ext cx="14760" cy="6854400"/>
+            <a:ext cx="14400" cy="6854040"/>
           </a:xfrm>
           <a:prstGeom prst="rect">
             <a:avLst/>
@@ -23756,7 +23758,7 @@
         <p:spPr>
           <a:xfrm>
             <a:off x="1828800" y="0"/>
-            <a:ext cx="14760" cy="6854400"/>
+            <a:ext cx="14400" cy="6854040"/>
           </a:xfrm>
           <a:prstGeom prst="rect">
             <a:avLst/>
@@ -23816,7 +23818,7 @@
         <p:spPr>
           <a:xfrm>
             <a:off x="2743200" y="0"/>
-            <a:ext cx="14760" cy="6854400"/>
+            <a:ext cx="14400" cy="6854040"/>
           </a:xfrm>
           <a:prstGeom prst="rect">
             <a:avLst/>
@@ -23876,7 +23878,7 @@
         <p:spPr>
           <a:xfrm>
             <a:off x="3657600" y="0"/>
-            <a:ext cx="14760" cy="6854400"/>
+            <a:ext cx="14400" cy="6854040"/>
           </a:xfrm>
           <a:prstGeom prst="rect">
             <a:avLst/>
@@ -23936,7 +23938,7 @@
         <p:spPr>
           <a:xfrm>
             <a:off x="4572000" y="0"/>
-            <a:ext cx="14760" cy="6854400"/>
+            <a:ext cx="14400" cy="6854040"/>
           </a:xfrm>
           <a:prstGeom prst="rect">
             <a:avLst/>
@@ -23996,7 +23998,7 @@
         <p:spPr>
           <a:xfrm>
             <a:off x="5486400" y="0"/>
-            <a:ext cx="14760" cy="6854400"/>
+            <a:ext cx="14400" cy="6854040"/>
           </a:xfrm>
           <a:prstGeom prst="rect">
             <a:avLst/>
@@ -24056,7 +24058,7 @@
         <p:spPr>
           <a:xfrm>
             <a:off x="6400800" y="0"/>
-            <a:ext cx="14760" cy="6854400"/>
+            <a:ext cx="14400" cy="6854040"/>
           </a:xfrm>
           <a:prstGeom prst="rect">
             <a:avLst/>
@@ -24116,7 +24118,7 @@
         <p:spPr>
           <a:xfrm>
             <a:off x="7315200" y="0"/>
-            <a:ext cx="14760" cy="6854400"/>
+            <a:ext cx="14400" cy="6854040"/>
           </a:xfrm>
           <a:prstGeom prst="rect">
             <a:avLst/>
@@ -24176,7 +24178,7 @@
         <p:spPr>
           <a:xfrm>
             <a:off x="8229600" y="0"/>
-            <a:ext cx="14760" cy="6854400"/>
+            <a:ext cx="14400" cy="6854040"/>
           </a:xfrm>
           <a:prstGeom prst="rect">
             <a:avLst/>
@@ -24236,7 +24238,7 @@
         <p:spPr>
           <a:xfrm>
             <a:off x="9144000" y="0"/>
-            <a:ext cx="14760" cy="6854400"/>
+            <a:ext cx="14400" cy="6854040"/>
           </a:xfrm>
           <a:prstGeom prst="rect">
             <a:avLst/>
@@ -24296,7 +24298,7 @@
         <p:spPr>
           <a:xfrm>
             <a:off x="10058400" y="0"/>
-            <a:ext cx="14760" cy="6854400"/>
+            <a:ext cx="14400" cy="6854040"/>
           </a:xfrm>
           <a:prstGeom prst="rect">
             <a:avLst/>
@@ -24356,7 +24358,7 @@
         <p:spPr>
           <a:xfrm>
             <a:off x="10972800" y="0"/>
-            <a:ext cx="14760" cy="6854400"/>
+            <a:ext cx="14400" cy="6854040"/>
           </a:xfrm>
           <a:prstGeom prst="rect">
             <a:avLst/>
@@ -24416,7 +24418,7 @@
         <p:spPr>
           <a:xfrm>
             <a:off x="11887200" y="0"/>
-            <a:ext cx="14760" cy="6854400"/>
+            <a:ext cx="14400" cy="6854040"/>
           </a:xfrm>
           <a:prstGeom prst="rect">
             <a:avLst/>
@@ -24476,7 +24478,7 @@
         <p:spPr>
           <a:xfrm>
             <a:off x="0" y="0"/>
-            <a:ext cx="316440" cy="6854400"/>
+            <a:ext cx="316080" cy="6854040"/>
           </a:xfrm>
           <a:prstGeom prst="rect">
             <a:avLst/>
@@ -24536,7 +24538,7 @@
         <p:spPr>
           <a:xfrm>
             <a:off x="9875520" y="365760"/>
-            <a:ext cx="2008080" cy="499320"/>
+            <a:ext cx="2007720" cy="498960"/>
           </a:xfrm>
           <a:prstGeom prst="roundRect">
             <a:avLst>
@@ -24718,7 +24720,7 @@
         <p:spPr>
           <a:xfrm>
             <a:off x="987480" y="3182040"/>
-            <a:ext cx="3288240" cy="2739600"/>
+            <a:ext cx="3287880" cy="2739240"/>
           </a:xfrm>
           <a:prstGeom prst="roundRect">
             <a:avLst>
@@ -24780,7 +24782,7 @@
         <p:spPr>
           <a:xfrm>
             <a:off x="914400" y="3108960"/>
-            <a:ext cx="3288240" cy="2739600"/>
+            <a:ext cx="3287880" cy="2739240"/>
           </a:xfrm>
           <a:prstGeom prst="roundRect">
             <a:avLst>
@@ -25068,7 +25070,7 @@
         <p:spPr>
           <a:xfrm>
             <a:off x="4507920" y="3182040"/>
-            <a:ext cx="3288240" cy="2739600"/>
+            <a:ext cx="3287880" cy="2739240"/>
           </a:xfrm>
           <a:prstGeom prst="roundRect">
             <a:avLst>
@@ -25130,7 +25132,7 @@
         <p:spPr>
           <a:xfrm>
             <a:off x="4434840" y="3108960"/>
-            <a:ext cx="3288240" cy="2739600"/>
+            <a:ext cx="3287880" cy="2739240"/>
           </a:xfrm>
           <a:prstGeom prst="roundRect">
             <a:avLst>
@@ -25434,7 +25436,7 @@
         <p:spPr>
           <a:xfrm>
             <a:off x="8028360" y="3182040"/>
-            <a:ext cx="3288240" cy="2739600"/>
+            <a:ext cx="3287880" cy="2739240"/>
           </a:xfrm>
           <a:prstGeom prst="roundRect">
             <a:avLst>
@@ -25496,7 +25498,7 @@
         <p:spPr>
           <a:xfrm>
             <a:off x="7955280" y="3108960"/>
-            <a:ext cx="3288240" cy="3061440"/>
+            <a:ext cx="3287880" cy="3061080"/>
           </a:xfrm>
           <a:prstGeom prst="roundRect">
             <a:avLst>
@@ -25830,7 +25832,7 @@
         <p:spPr>
           <a:xfrm>
             <a:off x="0" y="0"/>
-            <a:ext cx="12185280" cy="6854400"/>
+            <a:ext cx="12184920" cy="6854040"/>
           </a:xfrm>
           <a:prstGeom prst="rect">
             <a:avLst/>
@@ -25890,7 +25892,7 @@
         <p:spPr>
           <a:xfrm>
             <a:off x="0" y="0"/>
-            <a:ext cx="14760" cy="6854400"/>
+            <a:ext cx="14400" cy="6854040"/>
           </a:xfrm>
           <a:prstGeom prst="rect">
             <a:avLst/>
@@ -25950,7 +25952,7 @@
         <p:spPr>
           <a:xfrm>
             <a:off x="914400" y="0"/>
-            <a:ext cx="14760" cy="6854400"/>
+            <a:ext cx="14400" cy="6854040"/>
           </a:xfrm>
           <a:prstGeom prst="rect">
             <a:avLst/>
@@ -26010,7 +26012,7 @@
         <p:spPr>
           <a:xfrm>
             <a:off x="1828800" y="0"/>
-            <a:ext cx="14760" cy="6854400"/>
+            <a:ext cx="14400" cy="6854040"/>
           </a:xfrm>
           <a:prstGeom prst="rect">
             <a:avLst/>
@@ -26070,7 +26072,7 @@
         <p:spPr>
           <a:xfrm>
             <a:off x="2743200" y="0"/>
-            <a:ext cx="14760" cy="6854400"/>
+            <a:ext cx="14400" cy="6854040"/>
           </a:xfrm>
           <a:prstGeom prst="rect">
             <a:avLst/>
@@ -26130,7 +26132,7 @@
         <p:spPr>
           <a:xfrm>
             <a:off x="3657600" y="0"/>
-            <a:ext cx="14760" cy="6854400"/>
+            <a:ext cx="14400" cy="6854040"/>
           </a:xfrm>
           <a:prstGeom prst="rect">
             <a:avLst/>
@@ -26190,7 +26192,7 @@
         <p:spPr>
           <a:xfrm>
             <a:off x="4572000" y="0"/>
-            <a:ext cx="14760" cy="6854400"/>
+            <a:ext cx="14400" cy="6854040"/>
           </a:xfrm>
           <a:prstGeom prst="rect">
             <a:avLst/>
@@ -26250,7 +26252,7 @@
         <p:spPr>
           <a:xfrm>
             <a:off x="5486400" y="0"/>
-            <a:ext cx="14760" cy="6854400"/>
+            <a:ext cx="14400" cy="6854040"/>
           </a:xfrm>
           <a:prstGeom prst="rect">
             <a:avLst/>
@@ -26310,7 +26312,7 @@
         <p:spPr>
           <a:xfrm>
             <a:off x="6400800" y="0"/>
-            <a:ext cx="14760" cy="6854400"/>
+            <a:ext cx="14400" cy="6854040"/>
           </a:xfrm>
           <a:prstGeom prst="rect">
             <a:avLst/>
@@ -26370,7 +26372,7 @@
         <p:spPr>
           <a:xfrm>
             <a:off x="7315200" y="0"/>
-            <a:ext cx="14760" cy="6854400"/>
+            <a:ext cx="14400" cy="6854040"/>
           </a:xfrm>
           <a:prstGeom prst="rect">
             <a:avLst/>
@@ -26430,7 +26432,7 @@
         <p:spPr>
           <a:xfrm>
             <a:off x="8229600" y="0"/>
-            <a:ext cx="14760" cy="6854400"/>
+            <a:ext cx="14400" cy="6854040"/>
           </a:xfrm>
           <a:prstGeom prst="rect">
             <a:avLst/>
@@ -26490,7 +26492,7 @@
         <p:spPr>
           <a:xfrm>
             <a:off x="9144000" y="0"/>
-            <a:ext cx="14760" cy="6854400"/>
+            <a:ext cx="14400" cy="6854040"/>
           </a:xfrm>
           <a:prstGeom prst="rect">
             <a:avLst/>
@@ -26550,7 +26552,7 @@
         <p:spPr>
           <a:xfrm>
             <a:off x="10058400" y="0"/>
-            <a:ext cx="14760" cy="6854400"/>
+            <a:ext cx="14400" cy="6854040"/>
           </a:xfrm>
           <a:prstGeom prst="rect">
             <a:avLst/>
@@ -26610,7 +26612,7 @@
         <p:spPr>
           <a:xfrm>
             <a:off x="10972800" y="0"/>
-            <a:ext cx="14760" cy="6854400"/>
+            <a:ext cx="14400" cy="6854040"/>
           </a:xfrm>
           <a:prstGeom prst="rect">
             <a:avLst/>
@@ -26670,7 +26672,7 @@
         <p:spPr>
           <a:xfrm>
             <a:off x="11887200" y="0"/>
-            <a:ext cx="14760" cy="6854400"/>
+            <a:ext cx="14400" cy="6854040"/>
           </a:xfrm>
           <a:prstGeom prst="rect">
             <a:avLst/>
@@ -26730,7 +26732,7 @@
         <p:spPr>
           <a:xfrm>
             <a:off x="0" y="0"/>
-            <a:ext cx="316440" cy="6854400"/>
+            <a:ext cx="316080" cy="6854040"/>
           </a:xfrm>
           <a:prstGeom prst="rect">
             <a:avLst/>
@@ -26790,7 +26792,7 @@
         <p:spPr>
           <a:xfrm>
             <a:off x="9875520" y="365760"/>
-            <a:ext cx="2008080" cy="499320"/>
+            <a:ext cx="2007720" cy="498960"/>
           </a:xfrm>
           <a:prstGeom prst="roundRect">
             <a:avLst>
@@ -26972,7 +26974,7 @@
         <p:spPr>
           <a:xfrm>
             <a:off x="987480" y="3182040"/>
-            <a:ext cx="3288240" cy="2739600"/>
+            <a:ext cx="3287880" cy="2739240"/>
           </a:xfrm>
           <a:prstGeom prst="roundRect">
             <a:avLst>
@@ -27034,7 +27036,7 @@
         <p:spPr>
           <a:xfrm>
             <a:off x="457200" y="2971800"/>
-            <a:ext cx="3783240" cy="3198960"/>
+            <a:ext cx="3782880" cy="3198600"/>
           </a:xfrm>
           <a:prstGeom prst="roundRect">
             <a:avLst>
@@ -27407,7 +27409,7 @@
         <p:spPr>
           <a:xfrm>
             <a:off x="4507920" y="3182040"/>
-            <a:ext cx="3288240" cy="2739600"/>
+            <a:ext cx="3287880" cy="2739240"/>
           </a:xfrm>
           <a:prstGeom prst="roundRect">
             <a:avLst>
@@ -27469,7 +27471,7 @@
         <p:spPr>
           <a:xfrm>
             <a:off x="4434840" y="3108960"/>
-            <a:ext cx="3288240" cy="2833200"/>
+            <a:ext cx="3287880" cy="2832840"/>
           </a:xfrm>
           <a:prstGeom prst="roundRect">
             <a:avLst>
@@ -27819,7 +27821,7 @@
         <p:spPr>
           <a:xfrm>
             <a:off x="8028360" y="3182040"/>
-            <a:ext cx="3288240" cy="2739600"/>
+            <a:ext cx="3287880" cy="2739240"/>
           </a:xfrm>
           <a:prstGeom prst="roundRect">
             <a:avLst>
@@ -27881,7 +27883,7 @@
         <p:spPr>
           <a:xfrm>
             <a:off x="8001000" y="2743200"/>
-            <a:ext cx="3427560" cy="3427560"/>
+            <a:ext cx="3427200" cy="3427200"/>
           </a:xfrm>
           <a:prstGeom prst="roundRect">
             <a:avLst>
@@ -28373,7 +28375,7 @@
         <p:spPr>
           <a:xfrm>
             <a:off x="0" y="0"/>
-            <a:ext cx="12186720" cy="6855840"/>
+            <a:ext cx="12186360" cy="6855480"/>
           </a:xfrm>
           <a:prstGeom prst="rect">
             <a:avLst/>
@@ -28433,7 +28435,7 @@
         <p:spPr>
           <a:xfrm>
             <a:off x="0" y="0"/>
-            <a:ext cx="16200" cy="6855840"/>
+            <a:ext cx="15840" cy="6855480"/>
           </a:xfrm>
           <a:prstGeom prst="rect">
             <a:avLst/>
@@ -28493,7 +28495,7 @@
         <p:spPr>
           <a:xfrm>
             <a:off x="914400" y="0"/>
-            <a:ext cx="16200" cy="6855840"/>
+            <a:ext cx="15840" cy="6855480"/>
           </a:xfrm>
           <a:prstGeom prst="rect">
             <a:avLst/>
@@ -28553,7 +28555,7 @@
         <p:spPr>
           <a:xfrm>
             <a:off x="1828800" y="0"/>
-            <a:ext cx="16200" cy="6855840"/>
+            <a:ext cx="15840" cy="6855480"/>
           </a:xfrm>
           <a:prstGeom prst="rect">
             <a:avLst/>
@@ -28613,7 +28615,7 @@
         <p:spPr>
           <a:xfrm>
             <a:off x="2743200" y="0"/>
-            <a:ext cx="16200" cy="6855840"/>
+            <a:ext cx="15840" cy="6855480"/>
           </a:xfrm>
           <a:prstGeom prst="rect">
             <a:avLst/>
@@ -28673,7 +28675,7 @@
         <p:spPr>
           <a:xfrm>
             <a:off x="3657600" y="0"/>
-            <a:ext cx="16200" cy="6855840"/>
+            <a:ext cx="15840" cy="6855480"/>
           </a:xfrm>
           <a:prstGeom prst="rect">
             <a:avLst/>
@@ -28733,7 +28735,7 @@
         <p:spPr>
           <a:xfrm>
             <a:off x="4572000" y="0"/>
-            <a:ext cx="16200" cy="6855840"/>
+            <a:ext cx="15840" cy="6855480"/>
           </a:xfrm>
           <a:prstGeom prst="rect">
             <a:avLst/>
@@ -28793,7 +28795,7 @@
         <p:spPr>
           <a:xfrm>
             <a:off x="5486400" y="0"/>
-            <a:ext cx="16200" cy="6855840"/>
+            <a:ext cx="15840" cy="6855480"/>
           </a:xfrm>
           <a:prstGeom prst="rect">
             <a:avLst/>
@@ -28853,7 +28855,7 @@
         <p:spPr>
           <a:xfrm>
             <a:off x="6400800" y="0"/>
-            <a:ext cx="16200" cy="6855840"/>
+            <a:ext cx="15840" cy="6855480"/>
           </a:xfrm>
           <a:prstGeom prst="rect">
             <a:avLst/>
@@ -28913,7 +28915,7 @@
         <p:spPr>
           <a:xfrm>
             <a:off x="7315200" y="0"/>
-            <a:ext cx="16200" cy="6855840"/>
+            <a:ext cx="15840" cy="6855480"/>
           </a:xfrm>
           <a:prstGeom prst="rect">
             <a:avLst/>
@@ -28973,7 +28975,7 @@
         <p:spPr>
           <a:xfrm>
             <a:off x="8212320" y="0"/>
-            <a:ext cx="16200" cy="6855840"/>
+            <a:ext cx="15840" cy="6855480"/>
           </a:xfrm>
           <a:prstGeom prst="rect">
             <a:avLst/>
@@ -29033,7 +29035,7 @@
         <p:spPr>
           <a:xfrm>
             <a:off x="9144000" y="0"/>
-            <a:ext cx="16200" cy="6855840"/>
+            <a:ext cx="15840" cy="6855480"/>
           </a:xfrm>
           <a:prstGeom prst="rect">
             <a:avLst/>
@@ -29093,7 +29095,7 @@
         <p:spPr>
           <a:xfrm>
             <a:off x="10058400" y="0"/>
-            <a:ext cx="16200" cy="6855840"/>
+            <a:ext cx="15840" cy="6855480"/>
           </a:xfrm>
           <a:prstGeom prst="rect">
             <a:avLst/>
@@ -29153,7 +29155,7 @@
         <p:spPr>
           <a:xfrm>
             <a:off x="10972800" y="0"/>
-            <a:ext cx="16200" cy="6855840"/>
+            <a:ext cx="15840" cy="6855480"/>
           </a:xfrm>
           <a:prstGeom prst="rect">
             <a:avLst/>
@@ -29213,7 +29215,7 @@
         <p:spPr>
           <a:xfrm>
             <a:off x="11887200" y="0"/>
-            <a:ext cx="16200" cy="6855840"/>
+            <a:ext cx="15840" cy="6855480"/>
           </a:xfrm>
           <a:prstGeom prst="rect">
             <a:avLst/>
@@ -29273,7 +29275,7 @@
         <p:spPr>
           <a:xfrm>
             <a:off x="0" y="0"/>
-            <a:ext cx="317880" cy="6855840"/>
+            <a:ext cx="317520" cy="6855480"/>
           </a:xfrm>
           <a:prstGeom prst="rect">
             <a:avLst/>
@@ -29333,7 +29335,7 @@
         <p:spPr>
           <a:xfrm>
             <a:off x="9875520" y="365760"/>
-            <a:ext cx="2009520" cy="500760"/>
+            <a:ext cx="2009160" cy="500400"/>
           </a:xfrm>
           <a:prstGeom prst="roundRect">
             <a:avLst>
@@ -29461,7 +29463,7 @@
         <p:spPr>
           <a:xfrm>
             <a:off x="1742040" y="2013840"/>
-            <a:ext cx="7629480" cy="957960"/>
+            <a:ext cx="7629120" cy="957960"/>
           </a:xfrm>
           <a:prstGeom prst="rect">
             <a:avLst/>
@@ -29561,7 +29563,7 @@
         <p:spPr>
           <a:xfrm>
             <a:off x="987480" y="3182040"/>
-            <a:ext cx="3289680" cy="2741040"/>
+            <a:ext cx="3289320" cy="2740680"/>
           </a:xfrm>
           <a:prstGeom prst="roundRect">
             <a:avLst>
@@ -29623,7 +29625,7 @@
         <p:spPr>
           <a:xfrm>
             <a:off x="914400" y="3108960"/>
-            <a:ext cx="3289680" cy="2741040"/>
+            <a:ext cx="3289320" cy="2740680"/>
           </a:xfrm>
           <a:prstGeom prst="roundRect">
             <a:avLst>
@@ -29860,7 +29862,7 @@
         <p:spPr>
           <a:xfrm>
             <a:off x="4507920" y="3182040"/>
-            <a:ext cx="3289680" cy="2741040"/>
+            <a:ext cx="3289320" cy="2740680"/>
           </a:xfrm>
           <a:prstGeom prst="roundRect">
             <a:avLst>
@@ -29922,7 +29924,7 @@
         <p:spPr>
           <a:xfrm>
             <a:off x="4434840" y="3108960"/>
-            <a:ext cx="3289680" cy="2741040"/>
+            <a:ext cx="3289320" cy="2740680"/>
           </a:xfrm>
           <a:prstGeom prst="roundRect">
             <a:avLst>
@@ -30193,7 +30195,7 @@
         <p:spPr>
           <a:xfrm>
             <a:off x="8028360" y="3182040"/>
-            <a:ext cx="3289680" cy="2741040"/>
+            <a:ext cx="3289320" cy="2740680"/>
           </a:xfrm>
           <a:prstGeom prst="roundRect">
             <a:avLst>
@@ -30255,7 +30257,7 @@
         <p:spPr>
           <a:xfrm>
             <a:off x="7955280" y="3108960"/>
-            <a:ext cx="3289680" cy="2741040"/>
+            <a:ext cx="3289320" cy="2740680"/>
           </a:xfrm>
           <a:prstGeom prst="roundRect">
             <a:avLst>
@@ -30613,7 +30615,7 @@
         <p:spPr>
           <a:xfrm>
             <a:off x="0" y="0"/>
-            <a:ext cx="12186720" cy="6855840"/>
+            <a:ext cx="12186360" cy="6855480"/>
           </a:xfrm>
           <a:prstGeom prst="rect">
             <a:avLst/>
@@ -30673,7 +30675,7 @@
         <p:spPr>
           <a:xfrm>
             <a:off x="0" y="0"/>
-            <a:ext cx="16200" cy="6855840"/>
+            <a:ext cx="15840" cy="6855480"/>
           </a:xfrm>
           <a:prstGeom prst="rect">
             <a:avLst/>
@@ -30733,7 +30735,7 @@
         <p:spPr>
           <a:xfrm>
             <a:off x="914400" y="0"/>
-            <a:ext cx="16200" cy="6855840"/>
+            <a:ext cx="15840" cy="6855480"/>
           </a:xfrm>
           <a:prstGeom prst="rect">
             <a:avLst/>
@@ -30793,7 +30795,7 @@
         <p:spPr>
           <a:xfrm>
             <a:off x="1828800" y="0"/>
-            <a:ext cx="16200" cy="6855840"/>
+            <a:ext cx="15840" cy="6855480"/>
           </a:xfrm>
           <a:prstGeom prst="rect">
             <a:avLst/>
@@ -30853,7 +30855,7 @@
         <p:spPr>
           <a:xfrm>
             <a:off x="2743200" y="0"/>
-            <a:ext cx="16200" cy="6855840"/>
+            <a:ext cx="15840" cy="6855480"/>
           </a:xfrm>
           <a:prstGeom prst="rect">
             <a:avLst/>
@@ -30913,7 +30915,7 @@
         <p:spPr>
           <a:xfrm>
             <a:off x="3657600" y="0"/>
-            <a:ext cx="16200" cy="6855840"/>
+            <a:ext cx="15840" cy="6855480"/>
           </a:xfrm>
           <a:prstGeom prst="rect">
             <a:avLst/>
@@ -30973,7 +30975,7 @@
         <p:spPr>
           <a:xfrm>
             <a:off x="4572000" y="0"/>
-            <a:ext cx="16200" cy="6855840"/>
+            <a:ext cx="15840" cy="6855480"/>
           </a:xfrm>
           <a:prstGeom prst="rect">
             <a:avLst/>
@@ -31033,7 +31035,7 @@
         <p:spPr>
           <a:xfrm>
             <a:off x="5486400" y="0"/>
-            <a:ext cx="16200" cy="6855840"/>
+            <a:ext cx="15840" cy="6855480"/>
           </a:xfrm>
           <a:prstGeom prst="rect">
             <a:avLst/>
@@ -31093,7 +31095,7 @@
         <p:spPr>
           <a:xfrm>
             <a:off x="6400800" y="0"/>
-            <a:ext cx="16200" cy="6855840"/>
+            <a:ext cx="15840" cy="6855480"/>
           </a:xfrm>
           <a:prstGeom prst="rect">
             <a:avLst/>
@@ -31153,7 +31155,7 @@
         <p:spPr>
           <a:xfrm>
             <a:off x="7315200" y="0"/>
-            <a:ext cx="16200" cy="6855840"/>
+            <a:ext cx="15840" cy="6855480"/>
           </a:xfrm>
           <a:prstGeom prst="rect">
             <a:avLst/>
@@ -31213,7 +31215,7 @@
         <p:spPr>
           <a:xfrm>
             <a:off x="8212320" y="0"/>
-            <a:ext cx="16200" cy="6855840"/>
+            <a:ext cx="15840" cy="6855480"/>
           </a:xfrm>
           <a:prstGeom prst="rect">
             <a:avLst/>
@@ -31273,7 +31275,7 @@
         <p:spPr>
           <a:xfrm>
             <a:off x="9144000" y="0"/>
-            <a:ext cx="16200" cy="6855840"/>
+            <a:ext cx="15840" cy="6855480"/>
           </a:xfrm>
           <a:prstGeom prst="rect">
             <a:avLst/>
@@ -31333,7 +31335,7 @@
         <p:spPr>
           <a:xfrm>
             <a:off x="10058400" y="0"/>
-            <a:ext cx="16200" cy="6855840"/>
+            <a:ext cx="15840" cy="6855480"/>
           </a:xfrm>
           <a:prstGeom prst="rect">
             <a:avLst/>
@@ -31393,7 +31395,7 @@
         <p:spPr>
           <a:xfrm>
             <a:off x="10972800" y="0"/>
-            <a:ext cx="16200" cy="6855840"/>
+            <a:ext cx="15840" cy="6855480"/>
           </a:xfrm>
           <a:prstGeom prst="rect">
             <a:avLst/>
@@ -31453,7 +31455,7 @@
         <p:spPr>
           <a:xfrm>
             <a:off x="11887200" y="0"/>
-            <a:ext cx="16200" cy="6855840"/>
+            <a:ext cx="15840" cy="6855480"/>
           </a:xfrm>
           <a:prstGeom prst="rect">
             <a:avLst/>
@@ -31513,7 +31515,7 @@
         <p:spPr>
           <a:xfrm>
             <a:off x="0" y="0"/>
-            <a:ext cx="317880" cy="6855840"/>
+            <a:ext cx="317520" cy="6855480"/>
           </a:xfrm>
           <a:prstGeom prst="rect">
             <a:avLst/>
@@ -31573,7 +31575,7 @@
         <p:spPr>
           <a:xfrm>
             <a:off x="9875520" y="365760"/>
-            <a:ext cx="2009520" cy="500760"/>
+            <a:ext cx="2009160" cy="500400"/>
           </a:xfrm>
           <a:prstGeom prst="roundRect">
             <a:avLst>
@@ -31647,7 +31649,7 @@
         <p:spPr>
           <a:xfrm>
             <a:off x="658080" y="1005840"/>
-            <a:ext cx="9655200" cy="699120"/>
+            <a:ext cx="9654840" cy="699120"/>
           </a:xfrm>
           <a:prstGeom prst="rect">
             <a:avLst/>
@@ -31701,7 +31703,7 @@
         <p:spPr>
           <a:xfrm>
             <a:off x="2366640" y="2013840"/>
-            <a:ext cx="6379920" cy="668520"/>
+            <a:ext cx="6379560" cy="668520"/>
           </a:xfrm>
           <a:prstGeom prst="rect">
             <a:avLst/>
@@ -31778,7 +31780,7 @@
         <p:spPr>
           <a:xfrm>
             <a:off x="987480" y="3182040"/>
-            <a:ext cx="3289680" cy="2741040"/>
+            <a:ext cx="3289320" cy="2740680"/>
           </a:xfrm>
           <a:prstGeom prst="roundRect">
             <a:avLst>
@@ -31840,7 +31842,7 @@
         <p:spPr>
           <a:xfrm>
             <a:off x="914400" y="3108960"/>
-            <a:ext cx="3289680" cy="2741040"/>
+            <a:ext cx="3289320" cy="2740680"/>
           </a:xfrm>
           <a:prstGeom prst="roundRect">
             <a:avLst>
@@ -32115,7 +32117,7 @@
         <p:spPr>
           <a:xfrm>
             <a:off x="4507920" y="3182040"/>
-            <a:ext cx="3289680" cy="2741040"/>
+            <a:ext cx="3289320" cy="2740680"/>
           </a:xfrm>
           <a:prstGeom prst="roundRect">
             <a:avLst>
@@ -32177,7 +32179,7 @@
         <p:spPr>
           <a:xfrm>
             <a:off x="4434840" y="3108960"/>
-            <a:ext cx="3289680" cy="2741040"/>
+            <a:ext cx="3289320" cy="2740680"/>
           </a:xfrm>
           <a:prstGeom prst="roundRect">
             <a:avLst>
@@ -32435,7 +32437,7 @@
         <p:spPr>
           <a:xfrm>
             <a:off x="8028360" y="3182040"/>
-            <a:ext cx="3289680" cy="2741040"/>
+            <a:ext cx="3289320" cy="2740680"/>
           </a:xfrm>
           <a:prstGeom prst="roundRect">
             <a:avLst>
@@ -32497,7 +32499,7 @@
         <p:spPr>
           <a:xfrm>
             <a:off x="7955280" y="3108960"/>
-            <a:ext cx="3289680" cy="2741040"/>
+            <a:ext cx="3289320" cy="2740680"/>
           </a:xfrm>
           <a:prstGeom prst="roundRect">
             <a:avLst>
@@ -32855,7 +32857,7 @@
         <p:spPr>
           <a:xfrm>
             <a:off x="0" y="0"/>
-            <a:ext cx="12187440" cy="6856560"/>
+            <a:ext cx="12187080" cy="6856200"/>
           </a:xfrm>
           <a:prstGeom prst="rect">
             <a:avLst/>
@@ -32915,7 +32917,7 @@
         <p:spPr>
           <a:xfrm>
             <a:off x="0" y="0"/>
-            <a:ext cx="16920" cy="6856560"/>
+            <a:ext cx="16560" cy="6856200"/>
           </a:xfrm>
           <a:prstGeom prst="rect">
             <a:avLst/>
@@ -32975,7 +32977,7 @@
         <p:spPr>
           <a:xfrm>
             <a:off x="914400" y="0"/>
-            <a:ext cx="16920" cy="6856560"/>
+            <a:ext cx="16560" cy="6856200"/>
           </a:xfrm>
           <a:prstGeom prst="rect">
             <a:avLst/>
@@ -33035,7 +33037,7 @@
         <p:spPr>
           <a:xfrm>
             <a:off x="1828800" y="0"/>
-            <a:ext cx="16920" cy="6856560"/>
+            <a:ext cx="16560" cy="6856200"/>
           </a:xfrm>
           <a:prstGeom prst="rect">
             <a:avLst/>
@@ -33095,7 +33097,7 @@
         <p:spPr>
           <a:xfrm>
             <a:off x="2743200" y="0"/>
-            <a:ext cx="16920" cy="6856560"/>
+            <a:ext cx="16560" cy="6856200"/>
           </a:xfrm>
           <a:prstGeom prst="rect">
             <a:avLst/>
@@ -33155,7 +33157,7 @@
         <p:spPr>
           <a:xfrm>
             <a:off x="3657600" y="0"/>
-            <a:ext cx="16920" cy="6856560"/>
+            <a:ext cx="16560" cy="6856200"/>
           </a:xfrm>
           <a:prstGeom prst="rect">
             <a:avLst/>
@@ -33215,7 +33217,7 @@
         <p:spPr>
           <a:xfrm>
             <a:off x="4572000" y="0"/>
-            <a:ext cx="16920" cy="6856560"/>
+            <a:ext cx="16560" cy="6856200"/>
           </a:xfrm>
           <a:prstGeom prst="rect">
             <a:avLst/>
@@ -33275,7 +33277,7 @@
         <p:spPr>
           <a:xfrm>
             <a:off x="5486400" y="0"/>
-            <a:ext cx="16920" cy="6856560"/>
+            <a:ext cx="16560" cy="6856200"/>
           </a:xfrm>
           <a:prstGeom prst="rect">
             <a:avLst/>
@@ -33335,7 +33337,7 @@
         <p:spPr>
           <a:xfrm>
             <a:off x="6400800" y="0"/>
-            <a:ext cx="16920" cy="6856560"/>
+            <a:ext cx="16560" cy="6856200"/>
           </a:xfrm>
           <a:prstGeom prst="rect">
             <a:avLst/>
@@ -33395,7 +33397,7 @@
         <p:spPr>
           <a:xfrm>
             <a:off x="7315200" y="0"/>
-            <a:ext cx="16920" cy="6856560"/>
+            <a:ext cx="16560" cy="6856200"/>
           </a:xfrm>
           <a:prstGeom prst="rect">
             <a:avLst/>
@@ -33455,7 +33457,7 @@
         <p:spPr>
           <a:xfrm>
             <a:off x="8229600" y="0"/>
-            <a:ext cx="16920" cy="6856560"/>
+            <a:ext cx="16560" cy="6856200"/>
           </a:xfrm>
           <a:prstGeom prst="rect">
             <a:avLst/>
@@ -33515,7 +33517,7 @@
         <p:spPr>
           <a:xfrm>
             <a:off x="9144000" y="0"/>
-            <a:ext cx="16920" cy="6856560"/>
+            <a:ext cx="16560" cy="6856200"/>
           </a:xfrm>
           <a:prstGeom prst="rect">
             <a:avLst/>
@@ -33575,7 +33577,7 @@
         <p:spPr>
           <a:xfrm>
             <a:off x="10058400" y="0"/>
-            <a:ext cx="16920" cy="6856560"/>
+            <a:ext cx="16560" cy="6856200"/>
           </a:xfrm>
           <a:prstGeom prst="rect">
             <a:avLst/>
@@ -33635,7 +33637,7 @@
         <p:spPr>
           <a:xfrm>
             <a:off x="10972800" y="0"/>
-            <a:ext cx="16920" cy="6856560"/>
+            <a:ext cx="16560" cy="6856200"/>
           </a:xfrm>
           <a:prstGeom prst="rect">
             <a:avLst/>
@@ -33695,7 +33697,7 @@
         <p:spPr>
           <a:xfrm>
             <a:off x="11887200" y="0"/>
-            <a:ext cx="16920" cy="6856560"/>
+            <a:ext cx="16560" cy="6856200"/>
           </a:xfrm>
           <a:prstGeom prst="rect">
             <a:avLst/>
@@ -33755,7 +33757,7 @@
         <p:spPr>
           <a:xfrm>
             <a:off x="0" y="0"/>
-            <a:ext cx="318600" cy="6856560"/>
+            <a:ext cx="318240" cy="6856200"/>
           </a:xfrm>
           <a:prstGeom prst="rect">
             <a:avLst/>
@@ -33815,7 +33817,7 @@
         <p:spPr>
           <a:xfrm>
             <a:off x="9875520" y="365760"/>
-            <a:ext cx="2010240" cy="501480"/>
+            <a:ext cx="2009880" cy="501120"/>
           </a:xfrm>
           <a:prstGeom prst="roundRect">
             <a:avLst>
@@ -33943,7 +33945,7 @@
         <p:spPr>
           <a:xfrm>
             <a:off x="2525760" y="2194560"/>
-            <a:ext cx="5920200" cy="668520"/>
+            <a:ext cx="5919840" cy="668520"/>
           </a:xfrm>
           <a:prstGeom prst="rect">
             <a:avLst/>
@@ -34020,7 +34022,7 @@
         <p:spPr>
           <a:xfrm>
             <a:off x="987480" y="3182040"/>
-            <a:ext cx="3290400" cy="2741760"/>
+            <a:ext cx="3290040" cy="2741400"/>
           </a:xfrm>
           <a:prstGeom prst="roundRect">
             <a:avLst>
@@ -34082,7 +34084,7 @@
         <p:spPr>
           <a:xfrm>
             <a:off x="914400" y="3108960"/>
-            <a:ext cx="3290400" cy="2741760"/>
+            <a:ext cx="3290040" cy="2741400"/>
           </a:xfrm>
           <a:prstGeom prst="roundRect">
             <a:avLst>
@@ -34309,7 +34311,7 @@
         <p:spPr>
           <a:xfrm>
             <a:off x="4507920" y="3182040"/>
-            <a:ext cx="3290400" cy="2741760"/>
+            <a:ext cx="3290040" cy="2741400"/>
           </a:xfrm>
           <a:prstGeom prst="roundRect">
             <a:avLst>
@@ -34371,7 +34373,7 @@
         <p:spPr>
           <a:xfrm>
             <a:off x="4434840" y="3108960"/>
-            <a:ext cx="3290400" cy="2741760"/>
+            <a:ext cx="3290040" cy="2741400"/>
           </a:xfrm>
           <a:prstGeom prst="roundRect">
             <a:avLst>
@@ -34642,7 +34644,7 @@
         <p:spPr>
           <a:xfrm>
             <a:off x="8028360" y="3182040"/>
-            <a:ext cx="3290400" cy="2741760"/>
+            <a:ext cx="3290040" cy="2741400"/>
           </a:xfrm>
           <a:prstGeom prst="roundRect">
             <a:avLst>
@@ -34704,7 +34706,7 @@
         <p:spPr>
           <a:xfrm>
             <a:off x="7955280" y="3108960"/>
-            <a:ext cx="3290400" cy="2741760"/>
+            <a:ext cx="3290040" cy="2741400"/>
           </a:xfrm>
           <a:prstGeom prst="roundRect">
             <a:avLst>
@@ -34952,7 +34954,7 @@
         <p:spPr>
           <a:xfrm>
             <a:off x="4600080" y="6446520"/>
-            <a:ext cx="3051360" cy="363960"/>
+            <a:ext cx="3051000" cy="363960"/>
           </a:xfrm>
           <a:prstGeom prst="rect">
             <a:avLst/>
@@ -35036,7 +35038,7 @@
         <p:spPr>
           <a:xfrm>
             <a:off x="0" y="0"/>
-            <a:ext cx="12187440" cy="6856560"/>
+            <a:ext cx="12187080" cy="6856200"/>
           </a:xfrm>
           <a:prstGeom prst="rect">
             <a:avLst/>
@@ -35072,6 +35074,11 @@
             <a:noAutofit/>
           </a:bodyPr>
           <a:p>
+            <a:pPr>
+              <a:lnSpc>
+                <a:spcPct val="100000"/>
+              </a:lnSpc>
+            </a:pPr>
             <a:endParaRPr b="0" lang="en-US" sz="1800" spc="-1" strike="noStrike">
               <a:solidFill>
                 <a:schemeClr val="lt1"/>
@@ -35091,7 +35098,7 @@
         <p:spPr>
           <a:xfrm>
             <a:off x="0" y="0"/>
-            <a:ext cx="16920" cy="6856560"/>
+            <a:ext cx="16560" cy="6856200"/>
           </a:xfrm>
           <a:prstGeom prst="rect">
             <a:avLst/>
@@ -35127,6 +35134,11 @@
             <a:noAutofit/>
           </a:bodyPr>
           <a:p>
+            <a:pPr>
+              <a:lnSpc>
+                <a:spcPct val="100000"/>
+              </a:lnSpc>
+            </a:pPr>
             <a:endParaRPr b="0" lang="en-US" sz="1800" spc="-1" strike="noStrike">
               <a:solidFill>
                 <a:schemeClr val="lt1"/>
@@ -35146,7 +35158,7 @@
         <p:spPr>
           <a:xfrm>
             <a:off x="914400" y="0"/>
-            <a:ext cx="16920" cy="6856560"/>
+            <a:ext cx="16560" cy="6856200"/>
           </a:xfrm>
           <a:prstGeom prst="rect">
             <a:avLst/>
@@ -35182,6 +35194,11 @@
             <a:noAutofit/>
           </a:bodyPr>
           <a:p>
+            <a:pPr>
+              <a:lnSpc>
+                <a:spcPct val="100000"/>
+              </a:lnSpc>
+            </a:pPr>
             <a:endParaRPr b="0" lang="en-US" sz="1800" spc="-1" strike="noStrike">
               <a:solidFill>
                 <a:schemeClr val="lt1"/>
@@ -35201,7 +35218,7 @@
         <p:spPr>
           <a:xfrm>
             <a:off x="1828800" y="0"/>
-            <a:ext cx="16920" cy="6856560"/>
+            <a:ext cx="16560" cy="6856200"/>
           </a:xfrm>
           <a:prstGeom prst="rect">
             <a:avLst/>
@@ -35237,6 +35254,11 @@
             <a:noAutofit/>
           </a:bodyPr>
           <a:p>
+            <a:pPr>
+              <a:lnSpc>
+                <a:spcPct val="100000"/>
+              </a:lnSpc>
+            </a:pPr>
             <a:endParaRPr b="0" lang="en-US" sz="1800" spc="-1" strike="noStrike">
               <a:solidFill>
                 <a:schemeClr val="lt1"/>
@@ -35256,7 +35278,7 @@
         <p:spPr>
           <a:xfrm>
             <a:off x="2743200" y="0"/>
-            <a:ext cx="16920" cy="6856560"/>
+            <a:ext cx="16560" cy="6856200"/>
           </a:xfrm>
           <a:prstGeom prst="rect">
             <a:avLst/>
@@ -35292,6 +35314,11 @@
             <a:noAutofit/>
           </a:bodyPr>
           <a:p>
+            <a:pPr>
+              <a:lnSpc>
+                <a:spcPct val="100000"/>
+              </a:lnSpc>
+            </a:pPr>
             <a:endParaRPr b="0" lang="en-US" sz="1800" spc="-1" strike="noStrike">
               <a:solidFill>
                 <a:schemeClr val="lt1"/>
@@ -35311,7 +35338,7 @@
         <p:spPr>
           <a:xfrm>
             <a:off x="3657600" y="0"/>
-            <a:ext cx="16920" cy="6856560"/>
+            <a:ext cx="16560" cy="6856200"/>
           </a:xfrm>
           <a:prstGeom prst="rect">
             <a:avLst/>
@@ -35347,6 +35374,11 @@
             <a:noAutofit/>
           </a:bodyPr>
           <a:p>
+            <a:pPr>
+              <a:lnSpc>
+                <a:spcPct val="100000"/>
+              </a:lnSpc>
+            </a:pPr>
             <a:endParaRPr b="0" lang="en-US" sz="1800" spc="-1" strike="noStrike">
               <a:solidFill>
                 <a:schemeClr val="lt1"/>
@@ -35366,7 +35398,7 @@
         <p:spPr>
           <a:xfrm>
             <a:off x="4572000" y="0"/>
-            <a:ext cx="16920" cy="6856560"/>
+            <a:ext cx="16560" cy="6856200"/>
           </a:xfrm>
           <a:prstGeom prst="rect">
             <a:avLst/>
@@ -35402,6 +35434,11 @@
             <a:noAutofit/>
           </a:bodyPr>
           <a:p>
+            <a:pPr>
+              <a:lnSpc>
+                <a:spcPct val="100000"/>
+              </a:lnSpc>
+            </a:pPr>
             <a:endParaRPr b="0" lang="en-US" sz="1800" spc="-1" strike="noStrike">
               <a:solidFill>
                 <a:schemeClr val="lt1"/>
@@ -35421,7 +35458,7 @@
         <p:spPr>
           <a:xfrm>
             <a:off x="5486400" y="0"/>
-            <a:ext cx="16920" cy="6856560"/>
+            <a:ext cx="16560" cy="6856200"/>
           </a:xfrm>
           <a:prstGeom prst="rect">
             <a:avLst/>
@@ -35457,6 +35494,11 @@
             <a:noAutofit/>
           </a:bodyPr>
           <a:p>
+            <a:pPr>
+              <a:lnSpc>
+                <a:spcPct val="100000"/>
+              </a:lnSpc>
+            </a:pPr>
             <a:endParaRPr b="0" lang="en-US" sz="1800" spc="-1" strike="noStrike">
               <a:solidFill>
                 <a:schemeClr val="lt1"/>
@@ -35476,7 +35518,7 @@
         <p:spPr>
           <a:xfrm>
             <a:off x="6400800" y="0"/>
-            <a:ext cx="16920" cy="6856560"/>
+            <a:ext cx="16560" cy="6856200"/>
           </a:xfrm>
           <a:prstGeom prst="rect">
             <a:avLst/>
@@ -35512,6 +35554,11 @@
             <a:noAutofit/>
           </a:bodyPr>
           <a:p>
+            <a:pPr>
+              <a:lnSpc>
+                <a:spcPct val="100000"/>
+              </a:lnSpc>
+            </a:pPr>
             <a:endParaRPr b="0" lang="en-US" sz="1800" spc="-1" strike="noStrike">
               <a:solidFill>
                 <a:schemeClr val="lt1"/>
@@ -35531,7 +35578,7 @@
         <p:spPr>
           <a:xfrm>
             <a:off x="7315200" y="0"/>
-            <a:ext cx="16920" cy="6856560"/>
+            <a:ext cx="16560" cy="6856200"/>
           </a:xfrm>
           <a:prstGeom prst="rect">
             <a:avLst/>
@@ -35567,6 +35614,11 @@
             <a:noAutofit/>
           </a:bodyPr>
           <a:p>
+            <a:pPr>
+              <a:lnSpc>
+                <a:spcPct val="100000"/>
+              </a:lnSpc>
+            </a:pPr>
             <a:endParaRPr b="0" lang="en-US" sz="1800" spc="-1" strike="noStrike">
               <a:solidFill>
                 <a:schemeClr val="lt1"/>
@@ -35586,7 +35638,7 @@
         <p:spPr>
           <a:xfrm>
             <a:off x="8229600" y="0"/>
-            <a:ext cx="16920" cy="6856560"/>
+            <a:ext cx="16560" cy="6856200"/>
           </a:xfrm>
           <a:prstGeom prst="rect">
             <a:avLst/>
@@ -35622,6 +35674,11 @@
             <a:noAutofit/>
           </a:bodyPr>
           <a:p>
+            <a:pPr>
+              <a:lnSpc>
+                <a:spcPct val="100000"/>
+              </a:lnSpc>
+            </a:pPr>
             <a:endParaRPr b="0" lang="en-US" sz="1800" spc="-1" strike="noStrike">
               <a:solidFill>
                 <a:schemeClr val="lt1"/>
@@ -35641,7 +35698,7 @@
         <p:spPr>
           <a:xfrm>
             <a:off x="9144000" y="0"/>
-            <a:ext cx="16920" cy="6856560"/>
+            <a:ext cx="16560" cy="6856200"/>
           </a:xfrm>
           <a:prstGeom prst="rect">
             <a:avLst/>
@@ -35677,6 +35734,11 @@
             <a:noAutofit/>
           </a:bodyPr>
           <a:p>
+            <a:pPr>
+              <a:lnSpc>
+                <a:spcPct val="100000"/>
+              </a:lnSpc>
+            </a:pPr>
             <a:endParaRPr b="0" lang="en-US" sz="1800" spc="-1" strike="noStrike">
               <a:solidFill>
                 <a:schemeClr val="lt1"/>
@@ -35696,7 +35758,7 @@
         <p:spPr>
           <a:xfrm>
             <a:off x="10058400" y="0"/>
-            <a:ext cx="16920" cy="6856560"/>
+            <a:ext cx="16560" cy="6856200"/>
           </a:xfrm>
           <a:prstGeom prst="rect">
             <a:avLst/>
@@ -35732,6 +35794,11 @@
             <a:noAutofit/>
           </a:bodyPr>
           <a:p>
+            <a:pPr>
+              <a:lnSpc>
+                <a:spcPct val="100000"/>
+              </a:lnSpc>
+            </a:pPr>
             <a:endParaRPr b="0" lang="en-US" sz="1800" spc="-1" strike="noStrike">
               <a:solidFill>
                 <a:schemeClr val="lt1"/>
@@ -35751,7 +35818,7 @@
         <p:spPr>
           <a:xfrm>
             <a:off x="10972800" y="0"/>
-            <a:ext cx="16920" cy="6856560"/>
+            <a:ext cx="16560" cy="6856200"/>
           </a:xfrm>
           <a:prstGeom prst="rect">
             <a:avLst/>
@@ -35787,6 +35854,11 @@
             <a:noAutofit/>
           </a:bodyPr>
           <a:p>
+            <a:pPr>
+              <a:lnSpc>
+                <a:spcPct val="100000"/>
+              </a:lnSpc>
+            </a:pPr>
             <a:endParaRPr b="0" lang="en-US" sz="1800" spc="-1" strike="noStrike">
               <a:solidFill>
                 <a:schemeClr val="lt1"/>
@@ -35806,7 +35878,7 @@
         <p:spPr>
           <a:xfrm>
             <a:off x="11887200" y="0"/>
-            <a:ext cx="16920" cy="6856560"/>
+            <a:ext cx="16560" cy="6856200"/>
           </a:xfrm>
           <a:prstGeom prst="rect">
             <a:avLst/>
@@ -35842,6 +35914,11 @@
             <a:noAutofit/>
           </a:bodyPr>
           <a:p>
+            <a:pPr>
+              <a:lnSpc>
+                <a:spcPct val="100000"/>
+              </a:lnSpc>
+            </a:pPr>
             <a:endParaRPr b="0" lang="en-US" sz="1800" spc="-1" strike="noStrike">
               <a:solidFill>
                 <a:schemeClr val="lt1"/>
@@ -35861,7 +35938,7 @@
         <p:spPr>
           <a:xfrm>
             <a:off x="0" y="0"/>
-            <a:ext cx="318600" cy="6856560"/>
+            <a:ext cx="318240" cy="6856200"/>
           </a:xfrm>
           <a:prstGeom prst="rect">
             <a:avLst/>
@@ -35897,6 +35974,11 @@
             <a:noAutofit/>
           </a:bodyPr>
           <a:p>
+            <a:pPr>
+              <a:lnSpc>
+                <a:spcPct val="100000"/>
+              </a:lnSpc>
+            </a:pPr>
             <a:endParaRPr b="0" lang="en-US" sz="1800" spc="-1" strike="noStrike">
               <a:solidFill>
                 <a:schemeClr val="lt1"/>
@@ -35916,7 +35998,7 @@
         <p:spPr>
           <a:xfrm>
             <a:off x="9875520" y="365760"/>
-            <a:ext cx="2010240" cy="501480"/>
+            <a:ext cx="2009880" cy="501120"/>
           </a:xfrm>
           <a:prstGeom prst="roundRect">
             <a:avLst>
@@ -36044,7 +36126,7 @@
         <p:spPr>
           <a:xfrm>
             <a:off x="1519920" y="2194560"/>
-            <a:ext cx="7932240" cy="379800"/>
+            <a:ext cx="7932240" cy="379080"/>
           </a:xfrm>
           <a:prstGeom prst="rect">
             <a:avLst/>
@@ -36098,7 +36180,7 @@
         <p:spPr>
           <a:xfrm>
             <a:off x="987480" y="3182040"/>
-            <a:ext cx="3290400" cy="2741760"/>
+            <a:ext cx="3290040" cy="2741400"/>
           </a:xfrm>
           <a:prstGeom prst="roundRect">
             <a:avLst>
@@ -36136,6 +36218,11 @@
             <a:noAutofit/>
           </a:bodyPr>
           <a:p>
+            <a:pPr>
+              <a:lnSpc>
+                <a:spcPct val="100000"/>
+              </a:lnSpc>
+            </a:pPr>
             <a:endParaRPr b="0" lang="en-US" sz="1800" spc="-1" strike="noStrike">
               <a:solidFill>
                 <a:schemeClr val="lt1"/>
@@ -36155,7 +36242,7 @@
         <p:spPr>
           <a:xfrm>
             <a:off x="914400" y="3108960"/>
-            <a:ext cx="3290400" cy="2741760"/>
+            <a:ext cx="3290040" cy="2741400"/>
           </a:xfrm>
           <a:prstGeom prst="roundRect">
             <a:avLst>
@@ -36407,7 +36494,7 @@
         <p:spPr>
           <a:xfrm>
             <a:off x="4507920" y="3182040"/>
-            <a:ext cx="3290400" cy="2741760"/>
+            <a:ext cx="3290040" cy="2741400"/>
           </a:xfrm>
           <a:prstGeom prst="roundRect">
             <a:avLst>
@@ -36445,6 +36532,11 @@
             <a:noAutofit/>
           </a:bodyPr>
           <a:p>
+            <a:pPr>
+              <a:lnSpc>
+                <a:spcPct val="100000"/>
+              </a:lnSpc>
+            </a:pPr>
             <a:endParaRPr b="0" lang="en-US" sz="1800" spc="-1" strike="noStrike">
               <a:solidFill>
                 <a:schemeClr val="lt1"/>
@@ -36464,7 +36556,7 @@
         <p:spPr>
           <a:xfrm>
             <a:off x="4434840" y="3108960"/>
-            <a:ext cx="3290400" cy="2741760"/>
+            <a:ext cx="3290040" cy="2741400"/>
           </a:xfrm>
           <a:prstGeom prst="roundRect">
             <a:avLst>
@@ -36722,7 +36814,7 @@
         <p:spPr>
           <a:xfrm>
             <a:off x="8028360" y="3182040"/>
-            <a:ext cx="3290400" cy="2741760"/>
+            <a:ext cx="3290040" cy="2741400"/>
           </a:xfrm>
           <a:prstGeom prst="roundRect">
             <a:avLst>
@@ -36760,6 +36852,11 @@
             <a:noAutofit/>
           </a:bodyPr>
           <a:p>
+            <a:pPr>
+              <a:lnSpc>
+                <a:spcPct val="100000"/>
+              </a:lnSpc>
+            </a:pPr>
             <a:endParaRPr b="0" lang="en-US" sz="1800" spc="-1" strike="noStrike">
               <a:solidFill>
                 <a:schemeClr val="lt1"/>
@@ -36779,7 +36876,7 @@
         <p:spPr>
           <a:xfrm>
             <a:off x="7955280" y="3108960"/>
-            <a:ext cx="3290400" cy="2741760"/>
+            <a:ext cx="3290040" cy="2741400"/>
           </a:xfrm>
           <a:prstGeom prst="roundRect">
             <a:avLst>
@@ -37043,7 +37140,5061 @@
         <p:spPr>
           <a:xfrm>
             <a:off x="4600080" y="6446520"/>
-            <a:ext cx="3051360" cy="363960"/>
+            <a:ext cx="3051000" cy="363960"/>
+          </a:xfrm>
+          <a:prstGeom prst="rect">
+            <a:avLst/>
+          </a:prstGeom>
+          <a:noFill/>
+          <a:ln w="0">
+            <a:noFill/>
+          </a:ln>
+        </p:spPr>
+        <p:style>
+          <a:lnRef idx="0"/>
+          <a:fillRef idx="0"/>
+          <a:effectRef idx="0"/>
+          <a:fontRef idx="minor"/>
+        </p:style>
+        <p:txBody>
+          <a:bodyPr wrap="none" lIns="90000" rIns="90000" tIns="45000" bIns="45000" anchor="t">
+            <a:spAutoFit/>
+          </a:bodyPr>
+          <a:p>
+            <a:pPr>
+              <a:lnSpc>
+                <a:spcPct val="100000"/>
+              </a:lnSpc>
+            </a:pPr>
+            <a:r>
+              <a:rPr b="0" lang="en-US" sz="1800" spc="-1" strike="noStrike">
+                <a:solidFill>
+                  <a:srgbClr val="000000"/>
+                </a:solidFill>
+                <a:latin typeface="Calibri"/>
+                <a:ea typeface="DejaVu Sans"/>
+              </a:rPr>
+              <a:t>Java • Ultra Premium Template</a:t>
+            </a:r>
+            <a:endParaRPr b="0" lang="en-US" sz="1800" spc="-1" strike="noStrike">
+              <a:solidFill>
+                <a:srgbClr val="000000"/>
+              </a:solidFill>
+              <a:latin typeface="Arial"/>
+            </a:endParaRPr>
+          </a:p>
+        </p:txBody>
+      </p:sp>
+    </p:spTree>
+  </p:cSld>
+  <mc:AlternateContent>
+    <mc:Choice Requires="p14">
+      <p:transition spd="slow" p14:dur="2000"/>
+    </mc:Choice>
+    <mc:Fallback>
+      <p:transition spd="slow"/>
+    </mc:Fallback>
+  </mc:AlternateContent>
+</p:sld>
+</file>
+
+<file path=ppt/slides/slide16.xml><?xml version="1.0" encoding="utf-8"?>
+<p:sld xmlns:a="http://schemas.openxmlformats.org/drawingml/2006/main" xmlns:p="http://schemas.openxmlformats.org/presentationml/2006/main" xmlns:r="http://schemas.openxmlformats.org/officeDocument/2006/relationships" xmlns:p14="http://schemas.microsoft.com/office/powerpoint/2010/main" xmlns:p15="http://schemas.microsoft.com/office/powerpoint/2012/main" xmlns:mc="http://schemas.openxmlformats.org/markup-compatibility/2006">
+  <p:cSld>
+    <p:spTree>
+      <p:nvGrpSpPr>
+        <p:cNvPr id="1" name=""/>
+        <p:cNvGrpSpPr/>
+        <p:nvPr/>
+      </p:nvGrpSpPr>
+      <p:grpSpPr>
+        <a:xfrm>
+          <a:off x="0" y="0"/>
+          <a:ext cx="0" cy="0"/>
+          <a:chOff x="0" y="0"/>
+          <a:chExt cx="0" cy="0"/>
+        </a:xfrm>
+      </p:grpSpPr>
+      <p:sp>
+        <p:nvSpPr>
+          <p:cNvPr id="677" name="Rectangle 257"/>
+          <p:cNvSpPr/>
+          <p:nvPr/>
+        </p:nvSpPr>
+        <p:spPr>
+          <a:xfrm>
+            <a:off x="0" y="0"/>
+            <a:ext cx="12186720" cy="6855840"/>
+          </a:xfrm>
+          <a:prstGeom prst="rect">
+            <a:avLst/>
+          </a:prstGeom>
+          <a:solidFill>
+            <a:srgbClr val="0b0b0d"/>
+          </a:solidFill>
+          <a:ln>
+            <a:noFill/>
+          </a:ln>
+          <a:effectLst>
+            <a:outerShdw blurRad="39960" dir="5400000" dist="23040" rotWithShape="0">
+              <a:srgbClr val="000000">
+                <a:alpha val="35000"/>
+              </a:srgbClr>
+            </a:outerShdw>
+          </a:effectLst>
+        </p:spPr>
+        <p:style>
+          <a:lnRef idx="1">
+            <a:schemeClr val="accent1"/>
+          </a:lnRef>
+          <a:fillRef idx="3">
+            <a:schemeClr val="accent1"/>
+          </a:fillRef>
+          <a:effectRef idx="2">
+            <a:schemeClr val="accent1"/>
+          </a:effectRef>
+          <a:fontRef idx="minor"/>
+        </p:style>
+        <p:txBody>
+          <a:bodyPr lIns="90000" rIns="90000" tIns="45000" bIns="45000" anchor="ctr">
+            <a:noAutofit/>
+          </a:bodyPr>
+          <a:p>
+            <a:endParaRPr b="0" lang="en-US" sz="1800" spc="-1" strike="noStrike">
+              <a:solidFill>
+                <a:schemeClr val="lt1"/>
+              </a:solidFill>
+              <a:latin typeface="Calibri"/>
+              <a:ea typeface="DejaVu Sans"/>
+            </a:endParaRPr>
+          </a:p>
+        </p:txBody>
+      </p:sp>
+      <p:sp>
+        <p:nvSpPr>
+          <p:cNvPr id="678" name="Rectangle 241"/>
+          <p:cNvSpPr/>
+          <p:nvPr/>
+        </p:nvSpPr>
+        <p:spPr>
+          <a:xfrm>
+            <a:off x="0" y="0"/>
+            <a:ext cx="16200" cy="6855840"/>
+          </a:xfrm>
+          <a:prstGeom prst="rect">
+            <a:avLst/>
+          </a:prstGeom>
+          <a:solidFill>
+            <a:srgbClr val="121216"/>
+          </a:solidFill>
+          <a:ln>
+            <a:noFill/>
+          </a:ln>
+          <a:effectLst>
+            <a:outerShdw blurRad="39960" dir="5400000" dist="23040" rotWithShape="0">
+              <a:srgbClr val="000000">
+                <a:alpha val="35000"/>
+              </a:srgbClr>
+            </a:outerShdw>
+          </a:effectLst>
+        </p:spPr>
+        <p:style>
+          <a:lnRef idx="1">
+            <a:schemeClr val="accent1"/>
+          </a:lnRef>
+          <a:fillRef idx="3">
+            <a:schemeClr val="accent1"/>
+          </a:fillRef>
+          <a:effectRef idx="2">
+            <a:schemeClr val="accent1"/>
+          </a:effectRef>
+          <a:fontRef idx="minor"/>
+        </p:style>
+        <p:txBody>
+          <a:bodyPr lIns="90000" rIns="90000" tIns="45000" bIns="45000" anchor="ctr">
+            <a:noAutofit/>
+          </a:bodyPr>
+          <a:p>
+            <a:endParaRPr b="0" lang="en-US" sz="1800" spc="-1" strike="noStrike">
+              <a:solidFill>
+                <a:schemeClr val="lt1"/>
+              </a:solidFill>
+              <a:latin typeface="Calibri"/>
+              <a:ea typeface="DejaVu Sans"/>
+            </a:endParaRPr>
+          </a:p>
+        </p:txBody>
+      </p:sp>
+      <p:sp>
+        <p:nvSpPr>
+          <p:cNvPr id="679" name="Rectangle 242"/>
+          <p:cNvSpPr/>
+          <p:nvPr/>
+        </p:nvSpPr>
+        <p:spPr>
+          <a:xfrm>
+            <a:off x="914400" y="0"/>
+            <a:ext cx="16200" cy="6855840"/>
+          </a:xfrm>
+          <a:prstGeom prst="rect">
+            <a:avLst/>
+          </a:prstGeom>
+          <a:solidFill>
+            <a:srgbClr val="121216"/>
+          </a:solidFill>
+          <a:ln>
+            <a:noFill/>
+          </a:ln>
+          <a:effectLst>
+            <a:outerShdw blurRad="39960" dir="5400000" dist="23040" rotWithShape="0">
+              <a:srgbClr val="000000">
+                <a:alpha val="35000"/>
+              </a:srgbClr>
+            </a:outerShdw>
+          </a:effectLst>
+        </p:spPr>
+        <p:style>
+          <a:lnRef idx="1">
+            <a:schemeClr val="accent1"/>
+          </a:lnRef>
+          <a:fillRef idx="3">
+            <a:schemeClr val="accent1"/>
+          </a:fillRef>
+          <a:effectRef idx="2">
+            <a:schemeClr val="accent1"/>
+          </a:effectRef>
+          <a:fontRef idx="minor"/>
+        </p:style>
+        <p:txBody>
+          <a:bodyPr lIns="90000" rIns="90000" tIns="45000" bIns="45000" anchor="ctr">
+            <a:noAutofit/>
+          </a:bodyPr>
+          <a:p>
+            <a:endParaRPr b="0" lang="en-US" sz="1800" spc="-1" strike="noStrike">
+              <a:solidFill>
+                <a:schemeClr val="lt1"/>
+              </a:solidFill>
+              <a:latin typeface="Calibri"/>
+              <a:ea typeface="DejaVu Sans"/>
+            </a:endParaRPr>
+          </a:p>
+        </p:txBody>
+      </p:sp>
+      <p:sp>
+        <p:nvSpPr>
+          <p:cNvPr id="680" name="Rectangle 243"/>
+          <p:cNvSpPr/>
+          <p:nvPr/>
+        </p:nvSpPr>
+        <p:spPr>
+          <a:xfrm>
+            <a:off x="1828800" y="0"/>
+            <a:ext cx="16200" cy="6855840"/>
+          </a:xfrm>
+          <a:prstGeom prst="rect">
+            <a:avLst/>
+          </a:prstGeom>
+          <a:solidFill>
+            <a:srgbClr val="121216"/>
+          </a:solidFill>
+          <a:ln>
+            <a:noFill/>
+          </a:ln>
+          <a:effectLst>
+            <a:outerShdw blurRad="39960" dir="5400000" dist="23040" rotWithShape="0">
+              <a:srgbClr val="000000">
+                <a:alpha val="35000"/>
+              </a:srgbClr>
+            </a:outerShdw>
+          </a:effectLst>
+        </p:spPr>
+        <p:style>
+          <a:lnRef idx="1">
+            <a:schemeClr val="accent1"/>
+          </a:lnRef>
+          <a:fillRef idx="3">
+            <a:schemeClr val="accent1"/>
+          </a:fillRef>
+          <a:effectRef idx="2">
+            <a:schemeClr val="accent1"/>
+          </a:effectRef>
+          <a:fontRef idx="minor"/>
+        </p:style>
+        <p:txBody>
+          <a:bodyPr lIns="90000" rIns="90000" tIns="45000" bIns="45000" anchor="ctr">
+            <a:noAutofit/>
+          </a:bodyPr>
+          <a:p>
+            <a:endParaRPr b="0" lang="en-US" sz="1800" spc="-1" strike="noStrike">
+              <a:solidFill>
+                <a:schemeClr val="lt1"/>
+              </a:solidFill>
+              <a:latin typeface="Calibri"/>
+              <a:ea typeface="DejaVu Sans"/>
+            </a:endParaRPr>
+          </a:p>
+        </p:txBody>
+      </p:sp>
+      <p:sp>
+        <p:nvSpPr>
+          <p:cNvPr id="681" name="Rectangle 244"/>
+          <p:cNvSpPr/>
+          <p:nvPr/>
+        </p:nvSpPr>
+        <p:spPr>
+          <a:xfrm>
+            <a:off x="2743200" y="0"/>
+            <a:ext cx="16200" cy="6855840"/>
+          </a:xfrm>
+          <a:prstGeom prst="rect">
+            <a:avLst/>
+          </a:prstGeom>
+          <a:solidFill>
+            <a:srgbClr val="121216"/>
+          </a:solidFill>
+          <a:ln>
+            <a:noFill/>
+          </a:ln>
+          <a:effectLst>
+            <a:outerShdw blurRad="39960" dir="5400000" dist="23040" rotWithShape="0">
+              <a:srgbClr val="000000">
+                <a:alpha val="35000"/>
+              </a:srgbClr>
+            </a:outerShdw>
+          </a:effectLst>
+        </p:spPr>
+        <p:style>
+          <a:lnRef idx="1">
+            <a:schemeClr val="accent1"/>
+          </a:lnRef>
+          <a:fillRef idx="3">
+            <a:schemeClr val="accent1"/>
+          </a:fillRef>
+          <a:effectRef idx="2">
+            <a:schemeClr val="accent1"/>
+          </a:effectRef>
+          <a:fontRef idx="minor"/>
+        </p:style>
+        <p:txBody>
+          <a:bodyPr lIns="90000" rIns="90000" tIns="45000" bIns="45000" anchor="ctr">
+            <a:noAutofit/>
+          </a:bodyPr>
+          <a:p>
+            <a:endParaRPr b="0" lang="en-US" sz="1800" spc="-1" strike="noStrike">
+              <a:solidFill>
+                <a:schemeClr val="lt1"/>
+              </a:solidFill>
+              <a:latin typeface="Calibri"/>
+              <a:ea typeface="DejaVu Sans"/>
+            </a:endParaRPr>
+          </a:p>
+        </p:txBody>
+      </p:sp>
+      <p:sp>
+        <p:nvSpPr>
+          <p:cNvPr id="682" name="Rectangle 245"/>
+          <p:cNvSpPr/>
+          <p:nvPr/>
+        </p:nvSpPr>
+        <p:spPr>
+          <a:xfrm>
+            <a:off x="3657600" y="0"/>
+            <a:ext cx="16200" cy="6855840"/>
+          </a:xfrm>
+          <a:prstGeom prst="rect">
+            <a:avLst/>
+          </a:prstGeom>
+          <a:solidFill>
+            <a:srgbClr val="121216"/>
+          </a:solidFill>
+          <a:ln>
+            <a:noFill/>
+          </a:ln>
+          <a:effectLst>
+            <a:outerShdw blurRad="39960" dir="5400000" dist="23040" rotWithShape="0">
+              <a:srgbClr val="000000">
+                <a:alpha val="35000"/>
+              </a:srgbClr>
+            </a:outerShdw>
+          </a:effectLst>
+        </p:spPr>
+        <p:style>
+          <a:lnRef idx="1">
+            <a:schemeClr val="accent1"/>
+          </a:lnRef>
+          <a:fillRef idx="3">
+            <a:schemeClr val="accent1"/>
+          </a:fillRef>
+          <a:effectRef idx="2">
+            <a:schemeClr val="accent1"/>
+          </a:effectRef>
+          <a:fontRef idx="minor"/>
+        </p:style>
+        <p:txBody>
+          <a:bodyPr lIns="90000" rIns="90000" tIns="45000" bIns="45000" anchor="ctr">
+            <a:noAutofit/>
+          </a:bodyPr>
+          <a:p>
+            <a:endParaRPr b="0" lang="en-US" sz="1800" spc="-1" strike="noStrike">
+              <a:solidFill>
+                <a:schemeClr val="lt1"/>
+              </a:solidFill>
+              <a:latin typeface="Calibri"/>
+              <a:ea typeface="DejaVu Sans"/>
+            </a:endParaRPr>
+          </a:p>
+        </p:txBody>
+      </p:sp>
+      <p:sp>
+        <p:nvSpPr>
+          <p:cNvPr id="683" name="Rectangle 246"/>
+          <p:cNvSpPr/>
+          <p:nvPr/>
+        </p:nvSpPr>
+        <p:spPr>
+          <a:xfrm>
+            <a:off x="4572000" y="0"/>
+            <a:ext cx="16200" cy="6855840"/>
+          </a:xfrm>
+          <a:prstGeom prst="rect">
+            <a:avLst/>
+          </a:prstGeom>
+          <a:solidFill>
+            <a:srgbClr val="121216"/>
+          </a:solidFill>
+          <a:ln>
+            <a:noFill/>
+          </a:ln>
+          <a:effectLst>
+            <a:outerShdw blurRad="39960" dir="5400000" dist="23040" rotWithShape="0">
+              <a:srgbClr val="000000">
+                <a:alpha val="35000"/>
+              </a:srgbClr>
+            </a:outerShdw>
+          </a:effectLst>
+        </p:spPr>
+        <p:style>
+          <a:lnRef idx="1">
+            <a:schemeClr val="accent1"/>
+          </a:lnRef>
+          <a:fillRef idx="3">
+            <a:schemeClr val="accent1"/>
+          </a:fillRef>
+          <a:effectRef idx="2">
+            <a:schemeClr val="accent1"/>
+          </a:effectRef>
+          <a:fontRef idx="minor"/>
+        </p:style>
+        <p:txBody>
+          <a:bodyPr lIns="90000" rIns="90000" tIns="45000" bIns="45000" anchor="ctr">
+            <a:noAutofit/>
+          </a:bodyPr>
+          <a:p>
+            <a:endParaRPr b="0" lang="en-US" sz="1800" spc="-1" strike="noStrike">
+              <a:solidFill>
+                <a:schemeClr val="lt1"/>
+              </a:solidFill>
+              <a:latin typeface="Calibri"/>
+              <a:ea typeface="DejaVu Sans"/>
+            </a:endParaRPr>
+          </a:p>
+        </p:txBody>
+      </p:sp>
+      <p:sp>
+        <p:nvSpPr>
+          <p:cNvPr id="684" name="Rectangle 247"/>
+          <p:cNvSpPr/>
+          <p:nvPr/>
+        </p:nvSpPr>
+        <p:spPr>
+          <a:xfrm>
+            <a:off x="5486400" y="0"/>
+            <a:ext cx="16200" cy="6855840"/>
+          </a:xfrm>
+          <a:prstGeom prst="rect">
+            <a:avLst/>
+          </a:prstGeom>
+          <a:solidFill>
+            <a:srgbClr val="121216"/>
+          </a:solidFill>
+          <a:ln>
+            <a:noFill/>
+          </a:ln>
+          <a:effectLst>
+            <a:outerShdw blurRad="39960" dir="5400000" dist="23040" rotWithShape="0">
+              <a:srgbClr val="000000">
+                <a:alpha val="35000"/>
+              </a:srgbClr>
+            </a:outerShdw>
+          </a:effectLst>
+        </p:spPr>
+        <p:style>
+          <a:lnRef idx="1">
+            <a:schemeClr val="accent1"/>
+          </a:lnRef>
+          <a:fillRef idx="3">
+            <a:schemeClr val="accent1"/>
+          </a:fillRef>
+          <a:effectRef idx="2">
+            <a:schemeClr val="accent1"/>
+          </a:effectRef>
+          <a:fontRef idx="minor"/>
+        </p:style>
+        <p:txBody>
+          <a:bodyPr lIns="90000" rIns="90000" tIns="45000" bIns="45000" anchor="ctr">
+            <a:noAutofit/>
+          </a:bodyPr>
+          <a:p>
+            <a:endParaRPr b="0" lang="en-US" sz="1800" spc="-1" strike="noStrike">
+              <a:solidFill>
+                <a:schemeClr val="lt1"/>
+              </a:solidFill>
+              <a:latin typeface="Calibri"/>
+              <a:ea typeface="DejaVu Sans"/>
+            </a:endParaRPr>
+          </a:p>
+        </p:txBody>
+      </p:sp>
+      <p:sp>
+        <p:nvSpPr>
+          <p:cNvPr id="685" name="Rectangle 248"/>
+          <p:cNvSpPr/>
+          <p:nvPr/>
+        </p:nvSpPr>
+        <p:spPr>
+          <a:xfrm>
+            <a:off x="6400800" y="0"/>
+            <a:ext cx="16200" cy="6855840"/>
+          </a:xfrm>
+          <a:prstGeom prst="rect">
+            <a:avLst/>
+          </a:prstGeom>
+          <a:solidFill>
+            <a:srgbClr val="121216"/>
+          </a:solidFill>
+          <a:ln>
+            <a:noFill/>
+          </a:ln>
+          <a:effectLst>
+            <a:outerShdw blurRad="39960" dir="5400000" dist="23040" rotWithShape="0">
+              <a:srgbClr val="000000">
+                <a:alpha val="35000"/>
+              </a:srgbClr>
+            </a:outerShdw>
+          </a:effectLst>
+        </p:spPr>
+        <p:style>
+          <a:lnRef idx="1">
+            <a:schemeClr val="accent1"/>
+          </a:lnRef>
+          <a:fillRef idx="3">
+            <a:schemeClr val="accent1"/>
+          </a:fillRef>
+          <a:effectRef idx="2">
+            <a:schemeClr val="accent1"/>
+          </a:effectRef>
+          <a:fontRef idx="minor"/>
+        </p:style>
+        <p:txBody>
+          <a:bodyPr lIns="90000" rIns="90000" tIns="45000" bIns="45000" anchor="ctr">
+            <a:noAutofit/>
+          </a:bodyPr>
+          <a:p>
+            <a:endParaRPr b="0" lang="en-US" sz="1800" spc="-1" strike="noStrike">
+              <a:solidFill>
+                <a:schemeClr val="lt1"/>
+              </a:solidFill>
+              <a:latin typeface="Calibri"/>
+              <a:ea typeface="DejaVu Sans"/>
+            </a:endParaRPr>
+          </a:p>
+        </p:txBody>
+      </p:sp>
+      <p:sp>
+        <p:nvSpPr>
+          <p:cNvPr id="686" name="Rectangle 249"/>
+          <p:cNvSpPr/>
+          <p:nvPr/>
+        </p:nvSpPr>
+        <p:spPr>
+          <a:xfrm>
+            <a:off x="7315200" y="0"/>
+            <a:ext cx="16200" cy="6855840"/>
+          </a:xfrm>
+          <a:prstGeom prst="rect">
+            <a:avLst/>
+          </a:prstGeom>
+          <a:solidFill>
+            <a:srgbClr val="121216"/>
+          </a:solidFill>
+          <a:ln>
+            <a:noFill/>
+          </a:ln>
+          <a:effectLst>
+            <a:outerShdw blurRad="39960" dir="5400000" dist="23040" rotWithShape="0">
+              <a:srgbClr val="000000">
+                <a:alpha val="35000"/>
+              </a:srgbClr>
+            </a:outerShdw>
+          </a:effectLst>
+        </p:spPr>
+        <p:style>
+          <a:lnRef idx="1">
+            <a:schemeClr val="accent1"/>
+          </a:lnRef>
+          <a:fillRef idx="3">
+            <a:schemeClr val="accent1"/>
+          </a:fillRef>
+          <a:effectRef idx="2">
+            <a:schemeClr val="accent1"/>
+          </a:effectRef>
+          <a:fontRef idx="minor"/>
+        </p:style>
+        <p:txBody>
+          <a:bodyPr lIns="90000" rIns="90000" tIns="45000" bIns="45000" anchor="ctr">
+            <a:noAutofit/>
+          </a:bodyPr>
+          <a:p>
+            <a:endParaRPr b="0" lang="en-US" sz="1800" spc="-1" strike="noStrike">
+              <a:solidFill>
+                <a:schemeClr val="lt1"/>
+              </a:solidFill>
+              <a:latin typeface="Calibri"/>
+              <a:ea typeface="DejaVu Sans"/>
+            </a:endParaRPr>
+          </a:p>
+        </p:txBody>
+      </p:sp>
+      <p:sp>
+        <p:nvSpPr>
+          <p:cNvPr id="687" name="Rectangle 250"/>
+          <p:cNvSpPr/>
+          <p:nvPr/>
+        </p:nvSpPr>
+        <p:spPr>
+          <a:xfrm>
+            <a:off x="8229600" y="0"/>
+            <a:ext cx="16200" cy="6855840"/>
+          </a:xfrm>
+          <a:prstGeom prst="rect">
+            <a:avLst/>
+          </a:prstGeom>
+          <a:solidFill>
+            <a:srgbClr val="121216"/>
+          </a:solidFill>
+          <a:ln>
+            <a:noFill/>
+          </a:ln>
+          <a:effectLst>
+            <a:outerShdw blurRad="39960" dir="5400000" dist="23040" rotWithShape="0">
+              <a:srgbClr val="000000">
+                <a:alpha val="35000"/>
+              </a:srgbClr>
+            </a:outerShdw>
+          </a:effectLst>
+        </p:spPr>
+        <p:style>
+          <a:lnRef idx="1">
+            <a:schemeClr val="accent1"/>
+          </a:lnRef>
+          <a:fillRef idx="3">
+            <a:schemeClr val="accent1"/>
+          </a:fillRef>
+          <a:effectRef idx="2">
+            <a:schemeClr val="accent1"/>
+          </a:effectRef>
+          <a:fontRef idx="minor"/>
+        </p:style>
+        <p:txBody>
+          <a:bodyPr lIns="90000" rIns="90000" tIns="45000" bIns="45000" anchor="ctr">
+            <a:noAutofit/>
+          </a:bodyPr>
+          <a:p>
+            <a:endParaRPr b="0" lang="en-US" sz="1800" spc="-1" strike="noStrike">
+              <a:solidFill>
+                <a:schemeClr val="lt1"/>
+              </a:solidFill>
+              <a:latin typeface="Calibri"/>
+              <a:ea typeface="DejaVu Sans"/>
+            </a:endParaRPr>
+          </a:p>
+        </p:txBody>
+      </p:sp>
+      <p:sp>
+        <p:nvSpPr>
+          <p:cNvPr id="688" name="Rectangle 251"/>
+          <p:cNvSpPr/>
+          <p:nvPr/>
+        </p:nvSpPr>
+        <p:spPr>
+          <a:xfrm>
+            <a:off x="9144000" y="0"/>
+            <a:ext cx="16200" cy="6855840"/>
+          </a:xfrm>
+          <a:prstGeom prst="rect">
+            <a:avLst/>
+          </a:prstGeom>
+          <a:solidFill>
+            <a:srgbClr val="121216"/>
+          </a:solidFill>
+          <a:ln>
+            <a:noFill/>
+          </a:ln>
+          <a:effectLst>
+            <a:outerShdw blurRad="39960" dir="5400000" dist="23040" rotWithShape="0">
+              <a:srgbClr val="000000">
+                <a:alpha val="35000"/>
+              </a:srgbClr>
+            </a:outerShdw>
+          </a:effectLst>
+        </p:spPr>
+        <p:style>
+          <a:lnRef idx="1">
+            <a:schemeClr val="accent1"/>
+          </a:lnRef>
+          <a:fillRef idx="3">
+            <a:schemeClr val="accent1"/>
+          </a:fillRef>
+          <a:effectRef idx="2">
+            <a:schemeClr val="accent1"/>
+          </a:effectRef>
+          <a:fontRef idx="minor"/>
+        </p:style>
+        <p:txBody>
+          <a:bodyPr lIns="90000" rIns="90000" tIns="45000" bIns="45000" anchor="ctr">
+            <a:noAutofit/>
+          </a:bodyPr>
+          <a:p>
+            <a:endParaRPr b="0" lang="en-US" sz="1800" spc="-1" strike="noStrike">
+              <a:solidFill>
+                <a:schemeClr val="lt1"/>
+              </a:solidFill>
+              <a:latin typeface="Calibri"/>
+              <a:ea typeface="DejaVu Sans"/>
+            </a:endParaRPr>
+          </a:p>
+        </p:txBody>
+      </p:sp>
+      <p:sp>
+        <p:nvSpPr>
+          <p:cNvPr id="689" name="Rectangle 252"/>
+          <p:cNvSpPr/>
+          <p:nvPr/>
+        </p:nvSpPr>
+        <p:spPr>
+          <a:xfrm>
+            <a:off x="10058400" y="0"/>
+            <a:ext cx="16200" cy="6855840"/>
+          </a:xfrm>
+          <a:prstGeom prst="rect">
+            <a:avLst/>
+          </a:prstGeom>
+          <a:solidFill>
+            <a:srgbClr val="121216"/>
+          </a:solidFill>
+          <a:ln>
+            <a:noFill/>
+          </a:ln>
+          <a:effectLst>
+            <a:outerShdw blurRad="39960" dir="5400000" dist="23040" rotWithShape="0">
+              <a:srgbClr val="000000">
+                <a:alpha val="35000"/>
+              </a:srgbClr>
+            </a:outerShdw>
+          </a:effectLst>
+        </p:spPr>
+        <p:style>
+          <a:lnRef idx="1">
+            <a:schemeClr val="accent1"/>
+          </a:lnRef>
+          <a:fillRef idx="3">
+            <a:schemeClr val="accent1"/>
+          </a:fillRef>
+          <a:effectRef idx="2">
+            <a:schemeClr val="accent1"/>
+          </a:effectRef>
+          <a:fontRef idx="minor"/>
+        </p:style>
+        <p:txBody>
+          <a:bodyPr lIns="90000" rIns="90000" tIns="45000" bIns="45000" anchor="ctr">
+            <a:noAutofit/>
+          </a:bodyPr>
+          <a:p>
+            <a:endParaRPr b="0" lang="en-US" sz="1800" spc="-1" strike="noStrike">
+              <a:solidFill>
+                <a:schemeClr val="lt1"/>
+              </a:solidFill>
+              <a:latin typeface="Calibri"/>
+              <a:ea typeface="DejaVu Sans"/>
+            </a:endParaRPr>
+          </a:p>
+        </p:txBody>
+      </p:sp>
+      <p:sp>
+        <p:nvSpPr>
+          <p:cNvPr id="690" name="Rectangle 253"/>
+          <p:cNvSpPr/>
+          <p:nvPr/>
+        </p:nvSpPr>
+        <p:spPr>
+          <a:xfrm>
+            <a:off x="10972800" y="0"/>
+            <a:ext cx="16200" cy="6855840"/>
+          </a:xfrm>
+          <a:prstGeom prst="rect">
+            <a:avLst/>
+          </a:prstGeom>
+          <a:solidFill>
+            <a:srgbClr val="121216"/>
+          </a:solidFill>
+          <a:ln>
+            <a:noFill/>
+          </a:ln>
+          <a:effectLst>
+            <a:outerShdw blurRad="39960" dir="5400000" dist="23040" rotWithShape="0">
+              <a:srgbClr val="000000">
+                <a:alpha val="35000"/>
+              </a:srgbClr>
+            </a:outerShdw>
+          </a:effectLst>
+        </p:spPr>
+        <p:style>
+          <a:lnRef idx="1">
+            <a:schemeClr val="accent1"/>
+          </a:lnRef>
+          <a:fillRef idx="3">
+            <a:schemeClr val="accent1"/>
+          </a:fillRef>
+          <a:effectRef idx="2">
+            <a:schemeClr val="accent1"/>
+          </a:effectRef>
+          <a:fontRef idx="minor"/>
+        </p:style>
+        <p:txBody>
+          <a:bodyPr lIns="90000" rIns="90000" tIns="45000" bIns="45000" anchor="ctr">
+            <a:noAutofit/>
+          </a:bodyPr>
+          <a:p>
+            <a:endParaRPr b="0" lang="en-US" sz="1800" spc="-1" strike="noStrike">
+              <a:solidFill>
+                <a:schemeClr val="lt1"/>
+              </a:solidFill>
+              <a:latin typeface="Calibri"/>
+              <a:ea typeface="DejaVu Sans"/>
+            </a:endParaRPr>
+          </a:p>
+        </p:txBody>
+      </p:sp>
+      <p:sp>
+        <p:nvSpPr>
+          <p:cNvPr id="691" name="Rectangle 254"/>
+          <p:cNvSpPr/>
+          <p:nvPr/>
+        </p:nvSpPr>
+        <p:spPr>
+          <a:xfrm>
+            <a:off x="11887200" y="0"/>
+            <a:ext cx="16200" cy="6855840"/>
+          </a:xfrm>
+          <a:prstGeom prst="rect">
+            <a:avLst/>
+          </a:prstGeom>
+          <a:solidFill>
+            <a:srgbClr val="121216"/>
+          </a:solidFill>
+          <a:ln>
+            <a:noFill/>
+          </a:ln>
+          <a:effectLst>
+            <a:outerShdw blurRad="39960" dir="5400000" dist="23040" rotWithShape="0">
+              <a:srgbClr val="000000">
+                <a:alpha val="35000"/>
+              </a:srgbClr>
+            </a:outerShdw>
+          </a:effectLst>
+        </p:spPr>
+        <p:style>
+          <a:lnRef idx="1">
+            <a:schemeClr val="accent1"/>
+          </a:lnRef>
+          <a:fillRef idx="3">
+            <a:schemeClr val="accent1"/>
+          </a:fillRef>
+          <a:effectRef idx="2">
+            <a:schemeClr val="accent1"/>
+          </a:effectRef>
+          <a:fontRef idx="minor"/>
+        </p:style>
+        <p:txBody>
+          <a:bodyPr lIns="90000" rIns="90000" tIns="45000" bIns="45000" anchor="ctr">
+            <a:noAutofit/>
+          </a:bodyPr>
+          <a:p>
+            <a:endParaRPr b="0" lang="en-US" sz="1800" spc="-1" strike="noStrike">
+              <a:solidFill>
+                <a:schemeClr val="lt1"/>
+              </a:solidFill>
+              <a:latin typeface="Calibri"/>
+              <a:ea typeface="DejaVu Sans"/>
+            </a:endParaRPr>
+          </a:p>
+        </p:txBody>
+      </p:sp>
+      <p:sp>
+        <p:nvSpPr>
+          <p:cNvPr id="692" name="Rectangle 255"/>
+          <p:cNvSpPr/>
+          <p:nvPr/>
+        </p:nvSpPr>
+        <p:spPr>
+          <a:xfrm>
+            <a:off x="0" y="0"/>
+            <a:ext cx="317880" cy="6855840"/>
+          </a:xfrm>
+          <a:prstGeom prst="rect">
+            <a:avLst/>
+          </a:prstGeom>
+          <a:solidFill>
+            <a:srgbClr val="ff8c00"/>
+          </a:solidFill>
+          <a:ln>
+            <a:noFill/>
+          </a:ln>
+          <a:effectLst>
+            <a:outerShdw blurRad="39960" dir="5400000" dist="23040" rotWithShape="0">
+              <a:srgbClr val="000000">
+                <a:alpha val="35000"/>
+              </a:srgbClr>
+            </a:outerShdw>
+          </a:effectLst>
+        </p:spPr>
+        <p:style>
+          <a:lnRef idx="1">
+            <a:schemeClr val="accent1"/>
+          </a:lnRef>
+          <a:fillRef idx="3">
+            <a:schemeClr val="accent1"/>
+          </a:fillRef>
+          <a:effectRef idx="2">
+            <a:schemeClr val="accent1"/>
+          </a:effectRef>
+          <a:fontRef idx="minor"/>
+        </p:style>
+        <p:txBody>
+          <a:bodyPr lIns="90000" rIns="90000" tIns="45000" bIns="45000" anchor="ctr">
+            <a:noAutofit/>
+          </a:bodyPr>
+          <a:p>
+            <a:endParaRPr b="0" lang="en-US" sz="1800" spc="-1" strike="noStrike">
+              <a:solidFill>
+                <a:schemeClr val="lt1"/>
+              </a:solidFill>
+              <a:latin typeface="Calibri"/>
+              <a:ea typeface="DejaVu Sans"/>
+            </a:endParaRPr>
+          </a:p>
+        </p:txBody>
+      </p:sp>
+      <p:sp>
+        <p:nvSpPr>
+          <p:cNvPr id="693" name="Rounded Rectangle 113"/>
+          <p:cNvSpPr/>
+          <p:nvPr/>
+        </p:nvSpPr>
+        <p:spPr>
+          <a:xfrm>
+            <a:off x="9875520" y="365760"/>
+            <a:ext cx="2009520" cy="500760"/>
+          </a:xfrm>
+          <a:prstGeom prst="roundRect">
+            <a:avLst>
+              <a:gd name="adj" fmla="val 16667"/>
+            </a:avLst>
+          </a:prstGeom>
+          <a:solidFill>
+            <a:srgbClr val="1e1e24"/>
+          </a:solidFill>
+          <a:ln>
+            <a:solidFill>
+              <a:srgbClr val="ff8c00"/>
+            </a:solidFill>
+            <a:round/>
+          </a:ln>
+          <a:effectLst>
+            <a:outerShdw blurRad="39960" dir="5400000" dist="23040" rotWithShape="0">
+              <a:srgbClr val="000000">
+                <a:alpha val="35000"/>
+              </a:srgbClr>
+            </a:outerShdw>
+          </a:effectLst>
+        </p:spPr>
+        <p:style>
+          <a:lnRef idx="1">
+            <a:schemeClr val="accent1"/>
+          </a:lnRef>
+          <a:fillRef idx="3">
+            <a:schemeClr val="accent1"/>
+          </a:fillRef>
+          <a:effectRef idx="2">
+            <a:schemeClr val="accent1"/>
+          </a:effectRef>
+          <a:fontRef idx="minor"/>
+        </p:style>
+        <p:txBody>
+          <a:bodyPr lIns="90000" rIns="90000" tIns="45000" bIns="45000" anchor="ctr">
+            <a:noAutofit/>
+          </a:bodyPr>
+          <a:p>
+            <a:pPr algn="ctr">
+              <a:lnSpc>
+                <a:spcPct val="100000"/>
+              </a:lnSpc>
+            </a:pPr>
+            <a:r>
+              <a:rPr b="1" lang="en-US" sz="1400" spc="-1" strike="noStrike">
+                <a:solidFill>
+                  <a:srgbClr val="ffb45a"/>
+                </a:solidFill>
+                <a:latin typeface="Calibri"/>
+                <a:ea typeface="DejaVu Sans"/>
+              </a:rPr>
+              <a:t>JAVA TEMELLERI</a:t>
+            </a:r>
+            <a:endParaRPr b="0" lang="en-US" sz="1400" spc="-1" strike="noStrike">
+              <a:solidFill>
+                <a:srgbClr val="ffffff"/>
+              </a:solidFill>
+              <a:latin typeface="Arial"/>
+            </a:endParaRPr>
+          </a:p>
+        </p:txBody>
+      </p:sp>
+      <p:sp>
+        <p:nvSpPr>
+          <p:cNvPr id="694" name="TextBox 49"/>
+          <p:cNvSpPr/>
+          <p:nvPr/>
+        </p:nvSpPr>
+        <p:spPr>
+          <a:xfrm>
+            <a:off x="3572280" y="550800"/>
+            <a:ext cx="3826080" cy="820800"/>
+          </a:xfrm>
+          <a:prstGeom prst="rect">
+            <a:avLst/>
+          </a:prstGeom>
+          <a:noFill/>
+          <a:ln w="0">
+            <a:noFill/>
+          </a:ln>
+        </p:spPr>
+        <p:style>
+          <a:lnRef idx="0"/>
+          <a:fillRef idx="0"/>
+          <a:effectRef idx="0"/>
+          <a:fontRef idx="minor"/>
+        </p:style>
+        <p:txBody>
+          <a:bodyPr wrap="none" lIns="90000" rIns="90000" tIns="45000" bIns="45000" anchor="t">
+            <a:spAutoFit/>
+          </a:bodyPr>
+          <a:p>
+            <a:pPr>
+              <a:lnSpc>
+                <a:spcPct val="100000"/>
+              </a:lnSpc>
+            </a:pPr>
+            <a:r>
+              <a:rPr b="1" lang="en-US" sz="4800" spc="-1" strike="noStrike">
+                <a:solidFill>
+                  <a:srgbClr val="f5f5f5"/>
+                </a:solidFill>
+                <a:latin typeface="Calibri"/>
+                <a:ea typeface="DejaVu Sans"/>
+              </a:rPr>
+              <a:t>Java Modifiers</a:t>
+            </a:r>
+            <a:endParaRPr b="0" lang="en-US" sz="4800" spc="-1" strike="noStrike">
+              <a:solidFill>
+                <a:srgbClr val="000000"/>
+              </a:solidFill>
+              <a:latin typeface="Arial"/>
+            </a:endParaRPr>
+          </a:p>
+        </p:txBody>
+      </p:sp>
+      <p:sp>
+        <p:nvSpPr>
+          <p:cNvPr id="695" name="TextBox 50"/>
+          <p:cNvSpPr/>
+          <p:nvPr/>
+        </p:nvSpPr>
+        <p:spPr>
+          <a:xfrm>
+            <a:off x="849960" y="1388880"/>
+            <a:ext cx="9448560" cy="379800"/>
+          </a:xfrm>
+          <a:prstGeom prst="rect">
+            <a:avLst/>
+          </a:prstGeom>
+          <a:noFill/>
+          <a:ln w="0">
+            <a:noFill/>
+          </a:ln>
+        </p:spPr>
+        <p:style>
+          <a:lnRef idx="0"/>
+          <a:fillRef idx="0"/>
+          <a:effectRef idx="0"/>
+          <a:fontRef idx="minor"/>
+        </p:style>
+        <p:txBody>
+          <a:bodyPr wrap="none" lIns="90000" rIns="90000" tIns="45000" bIns="45000" anchor="t">
+            <a:spAutoFit/>
+          </a:bodyPr>
+          <a:p>
+            <a:pPr>
+              <a:lnSpc>
+                <a:spcPct val="100000"/>
+              </a:lnSpc>
+            </a:pPr>
+            <a:r>
+              <a:rPr b="0" lang="en-US" sz="1900" spc="-1" strike="noStrike">
+                <a:solidFill>
+                  <a:srgbClr val="aaaaaa"/>
+                </a:solidFill>
+                <a:latin typeface="Calibri"/>
+                <a:ea typeface="DejaVu Sans"/>
+              </a:rPr>
+              <a:t>Tanımlayıcılar (Identifiers); sınıflar, değişkenler ve metotlar gibi Java öğelerine verilen isimlerdir.</a:t>
+            </a:r>
+            <a:endParaRPr b="0" lang="en-US" sz="1900" spc="-1" strike="noStrike">
+              <a:solidFill>
+                <a:srgbClr val="000000"/>
+              </a:solidFill>
+              <a:latin typeface="Arial"/>
+            </a:endParaRPr>
+          </a:p>
+        </p:txBody>
+      </p:sp>
+      <p:sp>
+        <p:nvSpPr>
+          <p:cNvPr id="696" name="Rounded Rectangle 114"/>
+          <p:cNvSpPr/>
+          <p:nvPr/>
+        </p:nvSpPr>
+        <p:spPr>
+          <a:xfrm>
+            <a:off x="987480" y="3182040"/>
+            <a:ext cx="3289680" cy="2741040"/>
+          </a:xfrm>
+          <a:prstGeom prst="roundRect">
+            <a:avLst>
+              <a:gd name="adj" fmla="val 16667"/>
+            </a:avLst>
+          </a:prstGeom>
+          <a:solidFill>
+            <a:srgbClr val="08080a"/>
+          </a:solidFill>
+          <a:ln>
+            <a:noFill/>
+          </a:ln>
+          <a:effectLst>
+            <a:outerShdw blurRad="39960" dir="5400000" dist="23040" rotWithShape="0">
+              <a:srgbClr val="000000">
+                <a:alpha val="35000"/>
+              </a:srgbClr>
+            </a:outerShdw>
+          </a:effectLst>
+        </p:spPr>
+        <p:style>
+          <a:lnRef idx="1">
+            <a:schemeClr val="accent1"/>
+          </a:lnRef>
+          <a:fillRef idx="3">
+            <a:schemeClr val="accent1"/>
+          </a:fillRef>
+          <a:effectRef idx="2">
+            <a:schemeClr val="accent1"/>
+          </a:effectRef>
+          <a:fontRef idx="minor"/>
+        </p:style>
+        <p:txBody>
+          <a:bodyPr lIns="90000" rIns="90000" tIns="45000" bIns="45000" anchor="ctr">
+            <a:noAutofit/>
+          </a:bodyPr>
+          <a:p>
+            <a:endParaRPr b="0" lang="en-US" sz="1800" spc="-1" strike="noStrike">
+              <a:solidFill>
+                <a:schemeClr val="lt1"/>
+              </a:solidFill>
+              <a:latin typeface="Calibri"/>
+              <a:ea typeface="DejaVu Sans"/>
+            </a:endParaRPr>
+          </a:p>
+        </p:txBody>
+      </p:sp>
+      <p:sp>
+        <p:nvSpPr>
+          <p:cNvPr id="697" name="Rounded Rectangle 115"/>
+          <p:cNvSpPr/>
+          <p:nvPr/>
+        </p:nvSpPr>
+        <p:spPr>
+          <a:xfrm>
+            <a:off x="685800" y="2286000"/>
+            <a:ext cx="3518280" cy="4343040"/>
+          </a:xfrm>
+          <a:prstGeom prst="roundRect">
+            <a:avLst>
+              <a:gd name="adj" fmla="val 16667"/>
+            </a:avLst>
+          </a:prstGeom>
+          <a:solidFill>
+            <a:srgbClr val="16161c"/>
+          </a:solidFill>
+          <a:ln>
+            <a:solidFill>
+              <a:srgbClr val="464655"/>
+            </a:solidFill>
+            <a:round/>
+          </a:ln>
+          <a:effectLst>
+            <a:outerShdw blurRad="39960" dir="5400000" dist="23040" rotWithShape="0">
+              <a:srgbClr val="000000">
+                <a:alpha val="35000"/>
+              </a:srgbClr>
+            </a:outerShdw>
+          </a:effectLst>
+        </p:spPr>
+        <p:style>
+          <a:lnRef idx="1">
+            <a:schemeClr val="accent1"/>
+          </a:lnRef>
+          <a:fillRef idx="3">
+            <a:schemeClr val="accent1"/>
+          </a:fillRef>
+          <a:effectRef idx="2">
+            <a:schemeClr val="accent1"/>
+          </a:effectRef>
+          <a:fontRef idx="minor"/>
+        </p:style>
+        <p:txBody>
+          <a:bodyPr lIns="90000" rIns="90000" tIns="45000" bIns="45000" anchor="ctr">
+            <a:noAutofit/>
+          </a:bodyPr>
+          <a:p>
+            <a:pPr>
+              <a:lnSpc>
+                <a:spcPct val="100000"/>
+              </a:lnSpc>
+            </a:pPr>
+            <a:r>
+              <a:rPr b="1" lang="en-US" sz="1200" spc="-1" strike="noStrike">
+                <a:solidFill>
+                  <a:schemeClr val="lt1"/>
+                </a:solidFill>
+                <a:latin typeface="Calibri"/>
+                <a:ea typeface="DejaVu Sans"/>
+              </a:rPr>
+              <a:t>Java Modifiers</a:t>
+            </a:r>
+            <a:endParaRPr b="0" lang="en-US" sz="1200" spc="-1" strike="noStrike">
+              <a:solidFill>
+                <a:srgbClr val="ffffff"/>
+              </a:solidFill>
+              <a:latin typeface="Arial"/>
+            </a:endParaRPr>
+          </a:p>
+          <a:p>
+            <a:pPr>
+              <a:lnSpc>
+                <a:spcPct val="100000"/>
+              </a:lnSpc>
+            </a:pPr>
+            <a:endParaRPr b="0" lang="en-US" sz="1200" spc="-1" strike="noStrike">
+              <a:solidFill>
+                <a:srgbClr val="ffffff"/>
+              </a:solidFill>
+              <a:latin typeface="Arial"/>
+            </a:endParaRPr>
+          </a:p>
+          <a:p>
+            <a:pPr>
+              <a:lnSpc>
+                <a:spcPct val="100000"/>
+              </a:lnSpc>
+            </a:pPr>
+            <a:r>
+              <a:rPr b="0" lang="en-US" sz="1200" spc="-1" strike="noStrike">
+                <a:solidFill>
+                  <a:schemeClr val="lt1"/>
+                </a:solidFill>
+                <a:latin typeface="Calibri"/>
+                <a:ea typeface="DejaVu Sans"/>
+              </a:rPr>
+              <a:t>Modifier’lar, sınıfların, metotların ve değişkenlerin erişim seviyesini ve davranışını belirler.</a:t>
+            </a:r>
+            <a:endParaRPr b="0" lang="en-US" sz="1200" spc="-1" strike="noStrike">
+              <a:solidFill>
+                <a:srgbClr val="ffffff"/>
+              </a:solidFill>
+              <a:latin typeface="Arial"/>
+            </a:endParaRPr>
+          </a:p>
+          <a:p>
+            <a:pPr>
+              <a:lnSpc>
+                <a:spcPct val="100000"/>
+              </a:lnSpc>
+            </a:pPr>
+            <a:endParaRPr b="0" lang="en-US" sz="1200" spc="-1" strike="noStrike">
+              <a:solidFill>
+                <a:srgbClr val="ffffff"/>
+              </a:solidFill>
+              <a:latin typeface="Arial"/>
+            </a:endParaRPr>
+          </a:p>
+          <a:p>
+            <a:pPr>
+              <a:lnSpc>
+                <a:spcPct val="100000"/>
+              </a:lnSpc>
+            </a:pPr>
+            <a:r>
+              <a:rPr b="1" lang="en-US" sz="1200" spc="-1" strike="noStrike">
+                <a:solidFill>
+                  <a:schemeClr val="lt1"/>
+                </a:solidFill>
+                <a:latin typeface="Calibri"/>
+                <a:ea typeface="DejaVu Sans"/>
+              </a:rPr>
+              <a:t>Kontrol ettikleri:</a:t>
+            </a:r>
+            <a:endParaRPr b="0" lang="en-US" sz="1200" spc="-1" strike="noStrike">
+              <a:solidFill>
+                <a:srgbClr val="ffffff"/>
+              </a:solidFill>
+              <a:latin typeface="Arial"/>
+            </a:endParaRPr>
+          </a:p>
+          <a:p>
+            <a:pPr>
+              <a:lnSpc>
+                <a:spcPct val="100000"/>
+              </a:lnSpc>
+            </a:pPr>
+            <a:r>
+              <a:rPr b="1" lang="en-US" sz="1200" spc="-1" strike="noStrike">
+                <a:solidFill>
+                  <a:schemeClr val="lt1"/>
+                </a:solidFill>
+                <a:latin typeface="Calibri"/>
+                <a:ea typeface="DejaVu Sans"/>
+              </a:rPr>
+              <a:t>• </a:t>
+            </a:r>
+            <a:r>
+              <a:rPr b="1" lang="en-US" sz="1200" spc="-1" strike="noStrike">
+                <a:solidFill>
+                  <a:schemeClr val="lt1"/>
+                </a:solidFill>
+                <a:latin typeface="Calibri"/>
+                <a:ea typeface="DejaVu Sans"/>
+              </a:rPr>
+              <a:t>Görünürlük</a:t>
+            </a:r>
+            <a:endParaRPr b="0" lang="en-US" sz="1200" spc="-1" strike="noStrike">
+              <a:solidFill>
+                <a:srgbClr val="ffffff"/>
+              </a:solidFill>
+              <a:latin typeface="Arial"/>
+            </a:endParaRPr>
+          </a:p>
+          <a:p>
+            <a:pPr>
+              <a:lnSpc>
+                <a:spcPct val="100000"/>
+              </a:lnSpc>
+            </a:pPr>
+            <a:r>
+              <a:rPr b="1" lang="en-US" sz="1200" spc="-1" strike="noStrike">
+                <a:solidFill>
+                  <a:schemeClr val="lt1"/>
+                </a:solidFill>
+                <a:latin typeface="Calibri"/>
+                <a:ea typeface="DejaVu Sans"/>
+              </a:rPr>
+              <a:t>• </a:t>
+            </a:r>
+            <a:r>
+              <a:rPr b="1" lang="en-US" sz="1200" spc="-1" strike="noStrike">
+                <a:solidFill>
+                  <a:schemeClr val="lt1"/>
+                </a:solidFill>
+                <a:latin typeface="Calibri"/>
+                <a:ea typeface="DejaVu Sans"/>
+              </a:rPr>
+              <a:t>Kalıtım (Inheritance)</a:t>
+            </a:r>
+            <a:endParaRPr b="0" lang="en-US" sz="1200" spc="-1" strike="noStrike">
+              <a:solidFill>
+                <a:srgbClr val="ffffff"/>
+              </a:solidFill>
+              <a:latin typeface="Arial"/>
+            </a:endParaRPr>
+          </a:p>
+          <a:p>
+            <a:pPr>
+              <a:lnSpc>
+                <a:spcPct val="100000"/>
+              </a:lnSpc>
+            </a:pPr>
+            <a:r>
+              <a:rPr b="1" lang="en-US" sz="1200" spc="-1" strike="noStrike">
+                <a:solidFill>
+                  <a:schemeClr val="lt1"/>
+                </a:solidFill>
+                <a:latin typeface="Calibri"/>
+                <a:ea typeface="DejaVu Sans"/>
+              </a:rPr>
+              <a:t>• </a:t>
+            </a:r>
+            <a:r>
+              <a:rPr b="1" lang="en-US" sz="1200" spc="-1" strike="noStrike">
+                <a:solidFill>
+                  <a:schemeClr val="lt1"/>
+                </a:solidFill>
+                <a:latin typeface="Calibri"/>
+                <a:ea typeface="DejaVu Sans"/>
+              </a:rPr>
+              <a:t>Değiştirilebilirlik (Mutability)</a:t>
+            </a:r>
+            <a:endParaRPr b="0" lang="en-US" sz="1200" spc="-1" strike="noStrike">
+              <a:solidFill>
+                <a:srgbClr val="ffffff"/>
+              </a:solidFill>
+              <a:latin typeface="Arial"/>
+            </a:endParaRPr>
+          </a:p>
+          <a:p>
+            <a:pPr>
+              <a:lnSpc>
+                <a:spcPct val="100000"/>
+              </a:lnSpc>
+            </a:pPr>
+            <a:r>
+              <a:rPr b="1" lang="en-US" sz="1200" spc="-1" strike="noStrike">
+                <a:solidFill>
+                  <a:schemeClr val="lt1"/>
+                </a:solidFill>
+                <a:latin typeface="Calibri"/>
+                <a:ea typeface="DejaVu Sans"/>
+              </a:rPr>
+              <a:t>• </a:t>
+            </a:r>
+            <a:r>
+              <a:rPr b="1" lang="en-US" sz="1200" spc="-1" strike="noStrike">
+                <a:solidFill>
+                  <a:schemeClr val="lt1"/>
+                </a:solidFill>
+                <a:latin typeface="Calibri"/>
+                <a:ea typeface="DejaVu Sans"/>
+              </a:rPr>
+              <a:t>Metot ezme (Method overriding)</a:t>
+            </a:r>
+            <a:endParaRPr b="0" lang="en-US" sz="1200" spc="-1" strike="noStrike">
+              <a:solidFill>
+                <a:srgbClr val="ffffff"/>
+              </a:solidFill>
+              <a:latin typeface="Arial"/>
+            </a:endParaRPr>
+          </a:p>
+          <a:p>
+            <a:pPr>
+              <a:lnSpc>
+                <a:spcPct val="100000"/>
+              </a:lnSpc>
+            </a:pPr>
+            <a:endParaRPr b="0" lang="en-US" sz="1200" spc="-1" strike="noStrike">
+              <a:solidFill>
+                <a:srgbClr val="ffffff"/>
+              </a:solidFill>
+              <a:latin typeface="Arial"/>
+            </a:endParaRPr>
+          </a:p>
+          <a:p>
+            <a:pPr>
+              <a:lnSpc>
+                <a:spcPct val="100000"/>
+              </a:lnSpc>
+            </a:pPr>
+            <a:r>
+              <a:rPr b="1" lang="en-US" sz="1200" spc="-1" strike="noStrike">
+                <a:solidFill>
+                  <a:schemeClr val="lt1"/>
+                </a:solidFill>
+                <a:latin typeface="Calibri"/>
+                <a:ea typeface="DejaVu Sans"/>
+              </a:rPr>
+              <a:t>Erişim Belirleyiciler (Access Modifiers)</a:t>
+            </a:r>
+            <a:endParaRPr b="0" lang="en-US" sz="1200" spc="-1" strike="noStrike">
+              <a:solidFill>
+                <a:srgbClr val="ffffff"/>
+              </a:solidFill>
+              <a:latin typeface="Arial"/>
+            </a:endParaRPr>
+          </a:p>
+          <a:p>
+            <a:pPr>
+              <a:lnSpc>
+                <a:spcPct val="100000"/>
+              </a:lnSpc>
+            </a:pPr>
+            <a:r>
+              <a:rPr b="0" lang="en-US" sz="1200" spc="-1" strike="noStrike">
+                <a:solidFill>
+                  <a:schemeClr val="lt1"/>
+                </a:solidFill>
+                <a:latin typeface="Calibri"/>
+                <a:ea typeface="DejaVu Sans"/>
+              </a:rPr>
+              <a:t>public → Her yerden erişilebilir</a:t>
+            </a:r>
+            <a:endParaRPr b="0" lang="en-US" sz="1200" spc="-1" strike="noStrike">
+              <a:solidFill>
+                <a:srgbClr val="ffffff"/>
+              </a:solidFill>
+              <a:latin typeface="Arial"/>
+            </a:endParaRPr>
+          </a:p>
+          <a:p>
+            <a:pPr>
+              <a:lnSpc>
+                <a:spcPct val="100000"/>
+              </a:lnSpc>
+            </a:pPr>
+            <a:r>
+              <a:rPr b="0" lang="en-US" sz="1200" spc="-1" strike="noStrike">
+                <a:solidFill>
+                  <a:schemeClr val="lt1"/>
+                </a:solidFill>
+                <a:latin typeface="Calibri"/>
+                <a:ea typeface="DejaVu Sans"/>
+              </a:rPr>
+              <a:t>private → Sadece sınıf içinden erişilebilir</a:t>
+            </a:r>
+            <a:endParaRPr b="0" lang="en-US" sz="1200" spc="-1" strike="noStrike">
+              <a:solidFill>
+                <a:srgbClr val="ffffff"/>
+              </a:solidFill>
+              <a:latin typeface="Arial"/>
+            </a:endParaRPr>
+          </a:p>
+          <a:p>
+            <a:pPr>
+              <a:lnSpc>
+                <a:spcPct val="100000"/>
+              </a:lnSpc>
+            </a:pPr>
+            <a:r>
+              <a:rPr b="0" lang="en-US" sz="1200" spc="-1" strike="noStrike">
+                <a:solidFill>
+                  <a:schemeClr val="lt1"/>
+                </a:solidFill>
+                <a:latin typeface="Calibri"/>
+                <a:ea typeface="DejaVu Sans"/>
+              </a:rPr>
+              <a:t>protected → Aynı paket + alt sınıflar</a:t>
+            </a:r>
+            <a:endParaRPr b="0" lang="en-US" sz="1200" spc="-1" strike="noStrike">
+              <a:solidFill>
+                <a:srgbClr val="ffffff"/>
+              </a:solidFill>
+              <a:latin typeface="Arial"/>
+            </a:endParaRPr>
+          </a:p>
+          <a:p>
+            <a:pPr>
+              <a:lnSpc>
+                <a:spcPct val="100000"/>
+              </a:lnSpc>
+            </a:pPr>
+            <a:r>
+              <a:rPr b="0" lang="en-US" sz="1200" spc="-1" strike="noStrike">
+                <a:solidFill>
+                  <a:schemeClr val="lt1"/>
+                </a:solidFill>
+                <a:latin typeface="Calibri"/>
+                <a:ea typeface="DejaVu Sans"/>
+              </a:rPr>
+              <a:t>default → Sadece aynı paket içinde</a:t>
+            </a:r>
+            <a:endParaRPr b="0" lang="en-US" sz="1200" spc="-1" strike="noStrike">
+              <a:solidFill>
+                <a:srgbClr val="ffffff"/>
+              </a:solidFill>
+              <a:latin typeface="Arial"/>
+            </a:endParaRPr>
+          </a:p>
+          <a:p>
+            <a:pPr>
+              <a:lnSpc>
+                <a:spcPct val="100000"/>
+              </a:lnSpc>
+            </a:pPr>
+            <a:endParaRPr b="0" lang="en-US" sz="1200" spc="-1" strike="noStrike">
+              <a:solidFill>
+                <a:srgbClr val="ffffff"/>
+              </a:solidFill>
+              <a:latin typeface="Arial"/>
+            </a:endParaRPr>
+          </a:p>
+          <a:p>
+            <a:pPr>
+              <a:lnSpc>
+                <a:spcPct val="100000"/>
+              </a:lnSpc>
+            </a:pPr>
+            <a:r>
+              <a:rPr b="1" lang="en-US" sz="1200" spc="-1" strike="noStrike">
+                <a:solidFill>
+                  <a:schemeClr val="lt1"/>
+                </a:solidFill>
+                <a:latin typeface="Calibri"/>
+                <a:ea typeface="DejaVu Sans"/>
+              </a:rPr>
+              <a:t>Erişim Dışı Belirleyiciler (Non-Access Modifiers)</a:t>
+            </a:r>
+            <a:endParaRPr b="0" lang="en-US" sz="1200" spc="-1" strike="noStrike">
+              <a:solidFill>
+                <a:srgbClr val="ffffff"/>
+              </a:solidFill>
+              <a:latin typeface="Arial"/>
+            </a:endParaRPr>
+          </a:p>
+          <a:p>
+            <a:pPr>
+              <a:lnSpc>
+                <a:spcPct val="100000"/>
+              </a:lnSpc>
+            </a:pPr>
+            <a:r>
+              <a:rPr b="0" lang="en-US" sz="1200" spc="-1" strike="noStrike">
+                <a:solidFill>
+                  <a:schemeClr val="lt1"/>
+                </a:solidFill>
+                <a:latin typeface="Calibri"/>
+                <a:ea typeface="DejaVu Sans"/>
+              </a:rPr>
+              <a:t>final → Değiştirilemez / override edilemez</a:t>
+            </a:r>
+            <a:endParaRPr b="0" lang="en-US" sz="1200" spc="-1" strike="noStrike">
+              <a:solidFill>
+                <a:srgbClr val="ffffff"/>
+              </a:solidFill>
+              <a:latin typeface="Arial"/>
+            </a:endParaRPr>
+          </a:p>
+          <a:p>
+            <a:pPr>
+              <a:lnSpc>
+                <a:spcPct val="100000"/>
+              </a:lnSpc>
+            </a:pPr>
+            <a:r>
+              <a:rPr b="0" lang="en-US" sz="1200" spc="-1" strike="noStrike">
+                <a:solidFill>
+                  <a:schemeClr val="lt1"/>
+                </a:solidFill>
+                <a:latin typeface="Calibri"/>
+                <a:ea typeface="DejaVu Sans"/>
+              </a:rPr>
+              <a:t>abstract → Alt sınıfta uygulanmalıdır</a:t>
+            </a:r>
+            <a:endParaRPr b="0" lang="en-US" sz="1200" spc="-1" strike="noStrike">
+              <a:solidFill>
+                <a:srgbClr val="ffffff"/>
+              </a:solidFill>
+              <a:latin typeface="Arial"/>
+            </a:endParaRPr>
+          </a:p>
+          <a:p>
+            <a:pPr>
+              <a:lnSpc>
+                <a:spcPct val="100000"/>
+              </a:lnSpc>
+            </a:pPr>
+            <a:r>
+              <a:rPr b="0" lang="en-US" sz="1200" spc="-1" strike="noStrike">
+                <a:solidFill>
+                  <a:schemeClr val="lt1"/>
+                </a:solidFill>
+                <a:latin typeface="Calibri"/>
+                <a:ea typeface="DejaVu Sans"/>
+              </a:rPr>
+              <a:t>static → Sınıfa aittir</a:t>
+            </a:r>
+            <a:endParaRPr b="0" lang="en-US" sz="1200" spc="-1" strike="noStrike">
+              <a:solidFill>
+                <a:srgbClr val="ffffff"/>
+              </a:solidFill>
+              <a:latin typeface="Arial"/>
+            </a:endParaRPr>
+          </a:p>
+          <a:p>
+            <a:pPr>
+              <a:lnSpc>
+                <a:spcPct val="100000"/>
+              </a:lnSpc>
+            </a:pPr>
+            <a:r>
+              <a:rPr b="0" lang="en-US" sz="1200" spc="-1" strike="noStrike">
+                <a:solidFill>
+                  <a:schemeClr val="lt1"/>
+                </a:solidFill>
+                <a:latin typeface="Calibri"/>
+                <a:ea typeface="DejaVu Sans"/>
+              </a:rPr>
+              <a:t>volatile → Bellek görünürlüğünü garanti eder</a:t>
+            </a:r>
+            <a:endParaRPr b="0" lang="en-US" sz="1200" spc="-1" strike="noStrike">
+              <a:solidFill>
+                <a:srgbClr val="ffffff"/>
+              </a:solidFill>
+              <a:latin typeface="Arial"/>
+            </a:endParaRPr>
+          </a:p>
+        </p:txBody>
+      </p:sp>
+      <p:sp>
+        <p:nvSpPr>
+          <p:cNvPr id="698" name="Rounded Rectangle 116"/>
+          <p:cNvSpPr/>
+          <p:nvPr/>
+        </p:nvSpPr>
+        <p:spPr>
+          <a:xfrm>
+            <a:off x="4507920" y="3182040"/>
+            <a:ext cx="3289680" cy="2741040"/>
+          </a:xfrm>
+          <a:prstGeom prst="roundRect">
+            <a:avLst>
+              <a:gd name="adj" fmla="val 16667"/>
+            </a:avLst>
+          </a:prstGeom>
+          <a:solidFill>
+            <a:srgbClr val="08080a"/>
+          </a:solidFill>
+          <a:ln>
+            <a:noFill/>
+          </a:ln>
+          <a:effectLst>
+            <a:outerShdw blurRad="39960" dir="5400000" dist="23040" rotWithShape="0">
+              <a:srgbClr val="000000">
+                <a:alpha val="35000"/>
+              </a:srgbClr>
+            </a:outerShdw>
+          </a:effectLst>
+        </p:spPr>
+        <p:style>
+          <a:lnRef idx="1">
+            <a:schemeClr val="accent1"/>
+          </a:lnRef>
+          <a:fillRef idx="3">
+            <a:schemeClr val="accent1"/>
+          </a:fillRef>
+          <a:effectRef idx="2">
+            <a:schemeClr val="accent1"/>
+          </a:effectRef>
+          <a:fontRef idx="minor"/>
+        </p:style>
+        <p:txBody>
+          <a:bodyPr lIns="90000" rIns="90000" tIns="45000" bIns="45000" anchor="ctr">
+            <a:noAutofit/>
+          </a:bodyPr>
+          <a:p>
+            <a:endParaRPr b="0" lang="en-US" sz="1800" spc="-1" strike="noStrike">
+              <a:solidFill>
+                <a:schemeClr val="lt1"/>
+              </a:solidFill>
+              <a:latin typeface="Calibri"/>
+              <a:ea typeface="DejaVu Sans"/>
+            </a:endParaRPr>
+          </a:p>
+        </p:txBody>
+      </p:sp>
+      <p:sp>
+        <p:nvSpPr>
+          <p:cNvPr id="699" name="Rounded Rectangle 117"/>
+          <p:cNvSpPr/>
+          <p:nvPr/>
+        </p:nvSpPr>
+        <p:spPr>
+          <a:xfrm>
+            <a:off x="4434840" y="2286000"/>
+            <a:ext cx="3289680" cy="4114440"/>
+          </a:xfrm>
+          <a:prstGeom prst="roundRect">
+            <a:avLst>
+              <a:gd name="adj" fmla="val 16667"/>
+            </a:avLst>
+          </a:prstGeom>
+          <a:solidFill>
+            <a:srgbClr val="16161c"/>
+          </a:solidFill>
+          <a:ln>
+            <a:solidFill>
+              <a:srgbClr val="464655"/>
+            </a:solidFill>
+            <a:round/>
+          </a:ln>
+          <a:effectLst>
+            <a:outerShdw blurRad="39960" dir="5400000" dist="23040" rotWithShape="0">
+              <a:srgbClr val="000000">
+                <a:alpha val="35000"/>
+              </a:srgbClr>
+            </a:outerShdw>
+          </a:effectLst>
+        </p:spPr>
+        <p:style>
+          <a:lnRef idx="1">
+            <a:schemeClr val="accent1"/>
+          </a:lnRef>
+          <a:fillRef idx="3">
+            <a:schemeClr val="accent1"/>
+          </a:fillRef>
+          <a:effectRef idx="2">
+            <a:schemeClr val="accent1"/>
+          </a:effectRef>
+          <a:fontRef idx="minor"/>
+        </p:style>
+        <p:txBody>
+          <a:bodyPr lIns="90000" rIns="90000" tIns="45000" bIns="45000" anchor="ctr">
+            <a:noAutofit/>
+          </a:bodyPr>
+          <a:p>
+            <a:pPr>
+              <a:lnSpc>
+                <a:spcPct val="100000"/>
+              </a:lnSpc>
+            </a:pPr>
+            <a:r>
+              <a:rPr b="0" lang="en-US" sz="1800" spc="-1" strike="noStrike">
+                <a:solidFill>
+                  <a:schemeClr val="lt1"/>
+                </a:solidFill>
+                <a:latin typeface="Calibri"/>
+                <a:ea typeface="DejaVu Sans"/>
+              </a:rPr>
+              <a:t>Java Modifier’lar</a:t>
+            </a:r>
+            <a:endParaRPr b="0" lang="en-US" sz="1800" spc="-1" strike="noStrike">
+              <a:solidFill>
+                <a:srgbClr val="ffffff"/>
+              </a:solidFill>
+              <a:latin typeface="Arial"/>
+            </a:endParaRPr>
+          </a:p>
+          <a:p>
+            <a:pPr>
+              <a:lnSpc>
+                <a:spcPct val="100000"/>
+              </a:lnSpc>
+            </a:pPr>
+            <a:endParaRPr b="0" lang="en-US" sz="1800" spc="-1" strike="noStrike">
+              <a:solidFill>
+                <a:srgbClr val="ffffff"/>
+              </a:solidFill>
+              <a:latin typeface="Arial"/>
+            </a:endParaRPr>
+          </a:p>
+          <a:p>
+            <a:pPr>
+              <a:lnSpc>
+                <a:spcPct val="100000"/>
+              </a:lnSpc>
+            </a:pPr>
+            <a:r>
+              <a:rPr b="0" lang="en-US" sz="1800" spc="-1" strike="noStrike">
+                <a:solidFill>
+                  <a:schemeClr val="lt1"/>
+                </a:solidFill>
+                <a:latin typeface="Calibri"/>
+                <a:ea typeface="DejaVu Sans"/>
+              </a:rPr>
+              <a:t>ERİŞİM BELİRLEYİCİLERİ</a:t>
+            </a:r>
+            <a:endParaRPr b="0" lang="en-US" sz="1800" spc="-1" strike="noStrike">
+              <a:solidFill>
+                <a:srgbClr val="ffffff"/>
+              </a:solidFill>
+              <a:latin typeface="Arial"/>
+            </a:endParaRPr>
+          </a:p>
+          <a:p>
+            <a:pPr>
+              <a:lnSpc>
+                <a:spcPct val="100000"/>
+              </a:lnSpc>
+            </a:pPr>
+            <a:endParaRPr b="0" lang="en-US" sz="1800" spc="-1" strike="noStrike">
+              <a:solidFill>
+                <a:srgbClr val="ffffff"/>
+              </a:solidFill>
+              <a:latin typeface="Arial"/>
+            </a:endParaRPr>
+          </a:p>
+          <a:p>
+            <a:pPr>
+              <a:lnSpc>
+                <a:spcPct val="100000"/>
+              </a:lnSpc>
+            </a:pPr>
+            <a:r>
+              <a:rPr b="0" lang="en-US" sz="1800" spc="-1" strike="noStrike">
+                <a:solidFill>
+                  <a:schemeClr val="lt1"/>
+                </a:solidFill>
+                <a:latin typeface="Calibri"/>
+                <a:ea typeface="DejaVu Sans"/>
+              </a:rPr>
+              <a:t>• </a:t>
+            </a:r>
+            <a:r>
+              <a:rPr b="0" lang="en-US" sz="1800" spc="-1" strike="noStrike">
+                <a:solidFill>
+                  <a:schemeClr val="lt1"/>
+                </a:solidFill>
+                <a:latin typeface="Calibri"/>
+                <a:ea typeface="DejaVu Sans"/>
+              </a:rPr>
+              <a:t>public </a:t>
+            </a:r>
+            <a:endParaRPr b="0" lang="en-US" sz="1800" spc="-1" strike="noStrike">
+              <a:solidFill>
+                <a:srgbClr val="ffffff"/>
+              </a:solidFill>
+              <a:latin typeface="Arial"/>
+            </a:endParaRPr>
+          </a:p>
+          <a:p>
+            <a:pPr>
+              <a:lnSpc>
+                <a:spcPct val="100000"/>
+              </a:lnSpc>
+            </a:pPr>
+            <a:r>
+              <a:rPr b="0" lang="en-US" sz="1800" spc="-1" strike="noStrike">
+                <a:solidFill>
+                  <a:schemeClr val="lt1"/>
+                </a:solidFill>
+                <a:latin typeface="Calibri"/>
+                <a:ea typeface="DejaVu Sans"/>
+              </a:rPr>
+              <a:t>• </a:t>
+            </a:r>
+            <a:r>
+              <a:rPr b="0" lang="en-US" sz="1800" spc="-1" strike="noStrike">
+                <a:solidFill>
+                  <a:schemeClr val="lt1"/>
+                </a:solidFill>
+                <a:latin typeface="Calibri"/>
+                <a:ea typeface="DejaVu Sans"/>
+              </a:rPr>
+              <a:t>private </a:t>
+            </a:r>
+            <a:endParaRPr b="0" lang="en-US" sz="1800" spc="-1" strike="noStrike">
+              <a:solidFill>
+                <a:srgbClr val="ffffff"/>
+              </a:solidFill>
+              <a:latin typeface="Arial"/>
+            </a:endParaRPr>
+          </a:p>
+          <a:p>
+            <a:pPr>
+              <a:lnSpc>
+                <a:spcPct val="100000"/>
+              </a:lnSpc>
+            </a:pPr>
+            <a:r>
+              <a:rPr b="0" lang="en-US" sz="1800" spc="-1" strike="noStrike">
+                <a:solidFill>
+                  <a:schemeClr val="lt1"/>
+                </a:solidFill>
+                <a:latin typeface="Calibri"/>
+                <a:ea typeface="DejaVu Sans"/>
+              </a:rPr>
+              <a:t>• </a:t>
+            </a:r>
+            <a:r>
+              <a:rPr b="0" lang="en-US" sz="1800" spc="-1" strike="noStrike">
+                <a:solidFill>
+                  <a:schemeClr val="lt1"/>
+                </a:solidFill>
+                <a:latin typeface="Calibri"/>
+                <a:ea typeface="DejaVu Sans"/>
+              </a:rPr>
+              <a:t>protected</a:t>
+            </a:r>
+            <a:endParaRPr b="0" lang="en-US" sz="1800" spc="-1" strike="noStrike">
+              <a:solidFill>
+                <a:srgbClr val="ffffff"/>
+              </a:solidFill>
+              <a:latin typeface="Arial"/>
+            </a:endParaRPr>
+          </a:p>
+          <a:p>
+            <a:pPr>
+              <a:lnSpc>
+                <a:spcPct val="100000"/>
+              </a:lnSpc>
+            </a:pPr>
+            <a:r>
+              <a:rPr b="0" lang="en-US" sz="1800" spc="-1" strike="noStrike">
+                <a:solidFill>
+                  <a:schemeClr val="lt1"/>
+                </a:solidFill>
+                <a:latin typeface="Calibri"/>
+                <a:ea typeface="DejaVu Sans"/>
+              </a:rPr>
+              <a:t>• </a:t>
+            </a:r>
+            <a:r>
+              <a:rPr b="0" lang="en-US" sz="1800" spc="-1" strike="noStrike">
+                <a:solidFill>
+                  <a:schemeClr val="lt1"/>
+                </a:solidFill>
+                <a:latin typeface="Calibri"/>
+                <a:ea typeface="DejaVu Sans"/>
+              </a:rPr>
+              <a:t>default </a:t>
+            </a:r>
+            <a:endParaRPr b="0" lang="en-US" sz="1800" spc="-1" strike="noStrike">
+              <a:solidFill>
+                <a:srgbClr val="ffffff"/>
+              </a:solidFill>
+              <a:latin typeface="Arial"/>
+            </a:endParaRPr>
+          </a:p>
+          <a:p>
+            <a:pPr>
+              <a:lnSpc>
+                <a:spcPct val="100000"/>
+              </a:lnSpc>
+            </a:pPr>
+            <a:endParaRPr b="0" lang="en-US" sz="1800" spc="-1" strike="noStrike">
+              <a:solidFill>
+                <a:srgbClr val="ffffff"/>
+              </a:solidFill>
+              <a:latin typeface="Arial"/>
+            </a:endParaRPr>
+          </a:p>
+          <a:p>
+            <a:pPr>
+              <a:lnSpc>
+                <a:spcPct val="100000"/>
+              </a:lnSpc>
+            </a:pPr>
+            <a:r>
+              <a:rPr b="0" lang="en-US" sz="1800" spc="-1" strike="noStrike">
+                <a:solidFill>
+                  <a:schemeClr val="lt1"/>
+                </a:solidFill>
+                <a:latin typeface="Calibri"/>
+                <a:ea typeface="DejaVu Sans"/>
+              </a:rPr>
+              <a:t>ERİŞİM DIŞI BELİRLEYİCİLER</a:t>
+            </a:r>
+            <a:endParaRPr b="0" lang="en-US" sz="1800" spc="-1" strike="noStrike">
+              <a:solidFill>
+                <a:srgbClr val="ffffff"/>
+              </a:solidFill>
+              <a:latin typeface="Arial"/>
+            </a:endParaRPr>
+          </a:p>
+          <a:p>
+            <a:pPr>
+              <a:lnSpc>
+                <a:spcPct val="100000"/>
+              </a:lnSpc>
+            </a:pPr>
+            <a:endParaRPr b="0" lang="en-US" sz="1800" spc="-1" strike="noStrike">
+              <a:solidFill>
+                <a:srgbClr val="ffffff"/>
+              </a:solidFill>
+              <a:latin typeface="Arial"/>
+            </a:endParaRPr>
+          </a:p>
+          <a:p>
+            <a:pPr>
+              <a:lnSpc>
+                <a:spcPct val="100000"/>
+              </a:lnSpc>
+            </a:pPr>
+            <a:r>
+              <a:rPr b="0" lang="en-US" sz="1800" spc="-1" strike="noStrike">
+                <a:solidFill>
+                  <a:schemeClr val="lt1"/>
+                </a:solidFill>
+                <a:latin typeface="Calibri"/>
+                <a:ea typeface="DejaVu Sans"/>
+              </a:rPr>
+              <a:t>• </a:t>
+            </a:r>
+            <a:r>
+              <a:rPr b="0" lang="en-US" sz="1800" spc="-1" strike="noStrike">
+                <a:solidFill>
+                  <a:schemeClr val="lt1"/>
+                </a:solidFill>
+                <a:latin typeface="Calibri"/>
+                <a:ea typeface="DejaVu Sans"/>
+              </a:rPr>
+              <a:t>final</a:t>
+            </a:r>
+            <a:endParaRPr b="0" lang="en-US" sz="1800" spc="-1" strike="noStrike">
+              <a:solidFill>
+                <a:srgbClr val="ffffff"/>
+              </a:solidFill>
+              <a:latin typeface="Arial"/>
+            </a:endParaRPr>
+          </a:p>
+          <a:p>
+            <a:pPr>
+              <a:lnSpc>
+                <a:spcPct val="100000"/>
+              </a:lnSpc>
+            </a:pPr>
+            <a:r>
+              <a:rPr b="0" lang="en-US" sz="1800" spc="-1" strike="noStrike">
+                <a:solidFill>
+                  <a:schemeClr val="lt1"/>
+                </a:solidFill>
+                <a:latin typeface="Calibri"/>
+                <a:ea typeface="DejaVu Sans"/>
+              </a:rPr>
+              <a:t>• </a:t>
+            </a:r>
+            <a:r>
+              <a:rPr b="0" lang="en-US" sz="1800" spc="-1" strike="noStrike">
+                <a:solidFill>
+                  <a:schemeClr val="lt1"/>
+                </a:solidFill>
+                <a:latin typeface="Calibri"/>
+                <a:ea typeface="DejaVu Sans"/>
+              </a:rPr>
+              <a:t>abstract</a:t>
+            </a:r>
+            <a:endParaRPr b="0" lang="en-US" sz="1800" spc="-1" strike="noStrike">
+              <a:solidFill>
+                <a:srgbClr val="ffffff"/>
+              </a:solidFill>
+              <a:latin typeface="Arial"/>
+            </a:endParaRPr>
+          </a:p>
+          <a:p>
+            <a:pPr>
+              <a:lnSpc>
+                <a:spcPct val="100000"/>
+              </a:lnSpc>
+            </a:pPr>
+            <a:r>
+              <a:rPr b="0" lang="en-US" sz="1800" spc="-1" strike="noStrike">
+                <a:solidFill>
+                  <a:schemeClr val="lt1"/>
+                </a:solidFill>
+                <a:latin typeface="Calibri"/>
+                <a:ea typeface="DejaVu Sans"/>
+              </a:rPr>
+              <a:t>• </a:t>
+            </a:r>
+            <a:r>
+              <a:rPr b="0" lang="en-US" sz="1800" spc="-1" strike="noStrike">
+                <a:solidFill>
+                  <a:schemeClr val="lt1"/>
+                </a:solidFill>
+                <a:latin typeface="Calibri"/>
+                <a:ea typeface="DejaVu Sans"/>
+              </a:rPr>
+              <a:t>static</a:t>
+            </a:r>
+            <a:endParaRPr b="0" lang="en-US" sz="1800" spc="-1" strike="noStrike">
+              <a:solidFill>
+                <a:srgbClr val="ffffff"/>
+              </a:solidFill>
+              <a:latin typeface="Arial"/>
+            </a:endParaRPr>
+          </a:p>
+          <a:p>
+            <a:pPr>
+              <a:lnSpc>
+                <a:spcPct val="100000"/>
+              </a:lnSpc>
+            </a:pPr>
+            <a:r>
+              <a:rPr b="0" lang="en-US" sz="1800" spc="-1" strike="noStrike">
+                <a:solidFill>
+                  <a:schemeClr val="lt1"/>
+                </a:solidFill>
+                <a:latin typeface="Calibri"/>
+                <a:ea typeface="DejaVu Sans"/>
+              </a:rPr>
+              <a:t>• </a:t>
+            </a:r>
+            <a:r>
+              <a:rPr b="0" lang="en-US" sz="1800" spc="-1" strike="noStrike">
+                <a:solidFill>
+                  <a:schemeClr val="lt1"/>
+                </a:solidFill>
+                <a:latin typeface="Calibri"/>
+                <a:ea typeface="DejaVu Sans"/>
+              </a:rPr>
+              <a:t>volatile</a:t>
+            </a:r>
+            <a:endParaRPr b="0" lang="en-US" sz="1800" spc="-1" strike="noStrike">
+              <a:solidFill>
+                <a:srgbClr val="ffffff"/>
+              </a:solidFill>
+              <a:latin typeface="Arial"/>
+            </a:endParaRPr>
+          </a:p>
+        </p:txBody>
+      </p:sp>
+      <p:sp>
+        <p:nvSpPr>
+          <p:cNvPr id="700" name="Rounded Rectangle 118"/>
+          <p:cNvSpPr/>
+          <p:nvPr/>
+        </p:nvSpPr>
+        <p:spPr>
+          <a:xfrm>
+            <a:off x="8028360" y="3182040"/>
+            <a:ext cx="3289680" cy="2741040"/>
+          </a:xfrm>
+          <a:prstGeom prst="roundRect">
+            <a:avLst>
+              <a:gd name="adj" fmla="val 16667"/>
+            </a:avLst>
+          </a:prstGeom>
+          <a:solidFill>
+            <a:srgbClr val="08080a"/>
+          </a:solidFill>
+          <a:ln>
+            <a:noFill/>
+          </a:ln>
+          <a:effectLst>
+            <a:outerShdw blurRad="39960" dir="5400000" dist="23040" rotWithShape="0">
+              <a:srgbClr val="000000">
+                <a:alpha val="35000"/>
+              </a:srgbClr>
+            </a:outerShdw>
+          </a:effectLst>
+        </p:spPr>
+        <p:style>
+          <a:lnRef idx="1">
+            <a:schemeClr val="accent1"/>
+          </a:lnRef>
+          <a:fillRef idx="3">
+            <a:schemeClr val="accent1"/>
+          </a:fillRef>
+          <a:effectRef idx="2">
+            <a:schemeClr val="accent1"/>
+          </a:effectRef>
+          <a:fontRef idx="minor"/>
+        </p:style>
+        <p:txBody>
+          <a:bodyPr lIns="90000" rIns="90000" tIns="45000" bIns="45000" anchor="ctr">
+            <a:noAutofit/>
+          </a:bodyPr>
+          <a:p>
+            <a:endParaRPr b="0" lang="en-US" sz="1800" spc="-1" strike="noStrike">
+              <a:solidFill>
+                <a:schemeClr val="lt1"/>
+              </a:solidFill>
+              <a:latin typeface="Calibri"/>
+              <a:ea typeface="DejaVu Sans"/>
+            </a:endParaRPr>
+          </a:p>
+        </p:txBody>
+      </p:sp>
+      <p:sp>
+        <p:nvSpPr>
+          <p:cNvPr id="701" name="Rounded Rectangle 119"/>
+          <p:cNvSpPr/>
+          <p:nvPr/>
+        </p:nvSpPr>
+        <p:spPr>
+          <a:xfrm>
+            <a:off x="7955280" y="2743200"/>
+            <a:ext cx="3289680" cy="3428640"/>
+          </a:xfrm>
+          <a:prstGeom prst="roundRect">
+            <a:avLst>
+              <a:gd name="adj" fmla="val 16667"/>
+            </a:avLst>
+          </a:prstGeom>
+          <a:solidFill>
+            <a:srgbClr val="16161c"/>
+          </a:solidFill>
+          <a:ln>
+            <a:solidFill>
+              <a:srgbClr val="464655"/>
+            </a:solidFill>
+            <a:round/>
+          </a:ln>
+          <a:effectLst>
+            <a:outerShdw blurRad="39960" dir="5400000" dist="23040" rotWithShape="0">
+              <a:srgbClr val="000000">
+                <a:alpha val="35000"/>
+              </a:srgbClr>
+            </a:outerShdw>
+          </a:effectLst>
+        </p:spPr>
+        <p:style>
+          <a:lnRef idx="1">
+            <a:schemeClr val="accent1"/>
+          </a:lnRef>
+          <a:fillRef idx="3">
+            <a:schemeClr val="accent1"/>
+          </a:fillRef>
+          <a:effectRef idx="2">
+            <a:schemeClr val="accent1"/>
+          </a:effectRef>
+          <a:fontRef idx="minor"/>
+        </p:style>
+        <p:txBody>
+          <a:bodyPr lIns="90000" rIns="90000" tIns="45000" bIns="45000" anchor="ctr">
+            <a:noAutofit/>
+          </a:bodyPr>
+          <a:p>
+            <a:pPr algn="ctr">
+              <a:lnSpc>
+                <a:spcPct val="100000"/>
+              </a:lnSpc>
+            </a:pPr>
+            <a:endParaRPr b="0" lang="en-US" sz="1100" spc="-1" strike="noStrike">
+              <a:solidFill>
+                <a:srgbClr val="ffffff"/>
+              </a:solidFill>
+              <a:latin typeface="Arial"/>
+            </a:endParaRPr>
+          </a:p>
+          <a:p>
+            <a:pPr algn="ctr">
+              <a:lnSpc>
+                <a:spcPct val="100000"/>
+              </a:lnSpc>
+            </a:pPr>
+            <a:r>
+              <a:rPr b="0" lang="en-US" sz="1100" spc="-1" strike="noStrike">
+                <a:solidFill>
+                  <a:srgbClr val="78ffc8"/>
+                </a:solidFill>
+                <a:latin typeface="Consolas"/>
+                <a:ea typeface="DejaVu Sans"/>
+              </a:rPr>
+              <a:t>public class Car {</a:t>
+            </a:r>
+            <a:endParaRPr b="0" lang="en-US" sz="1100" spc="-1" strike="noStrike">
+              <a:solidFill>
+                <a:srgbClr val="ffffff"/>
+              </a:solidFill>
+              <a:latin typeface="Arial"/>
+            </a:endParaRPr>
+          </a:p>
+          <a:p>
+            <a:pPr algn="ctr">
+              <a:lnSpc>
+                <a:spcPct val="100000"/>
+              </a:lnSpc>
+            </a:pPr>
+            <a:endParaRPr b="0" lang="en-US" sz="1100" spc="-1" strike="noStrike">
+              <a:solidFill>
+                <a:srgbClr val="ffffff"/>
+              </a:solidFill>
+              <a:latin typeface="Arial"/>
+            </a:endParaRPr>
+          </a:p>
+          <a:p>
+            <a:pPr algn="ctr">
+              <a:lnSpc>
+                <a:spcPct val="100000"/>
+              </a:lnSpc>
+            </a:pPr>
+            <a:r>
+              <a:rPr b="0" lang="en-US" sz="1100" spc="-1" strike="noStrike">
+                <a:solidFill>
+                  <a:srgbClr val="78ffc8"/>
+                </a:solidFill>
+                <a:latin typeface="Consolas"/>
+                <a:ea typeface="DejaVu Sans"/>
+              </a:rPr>
+              <a:t>    </a:t>
+            </a:r>
+            <a:r>
+              <a:rPr b="0" lang="en-US" sz="1100" spc="-1" strike="noStrike">
+                <a:solidFill>
+                  <a:srgbClr val="78ffc8"/>
+                </a:solidFill>
+                <a:latin typeface="Consolas"/>
+                <a:ea typeface="DejaVu Sans"/>
+              </a:rPr>
+              <a:t>private String brand;      // Erişim belirleyici</a:t>
+            </a:r>
+            <a:endParaRPr b="0" lang="en-US" sz="1100" spc="-1" strike="noStrike">
+              <a:solidFill>
+                <a:srgbClr val="ffffff"/>
+              </a:solidFill>
+              <a:latin typeface="Arial"/>
+            </a:endParaRPr>
+          </a:p>
+          <a:p>
+            <a:pPr algn="ctr">
+              <a:lnSpc>
+                <a:spcPct val="100000"/>
+              </a:lnSpc>
+            </a:pPr>
+            <a:r>
+              <a:rPr b="0" lang="en-US" sz="1100" spc="-1" strike="noStrike">
+                <a:solidFill>
+                  <a:srgbClr val="78ffc8"/>
+                </a:solidFill>
+                <a:latin typeface="Consolas"/>
+                <a:ea typeface="DejaVu Sans"/>
+              </a:rPr>
+              <a:t>    </a:t>
+            </a:r>
+            <a:r>
+              <a:rPr b="0" lang="en-US" sz="1100" spc="-1" strike="noStrike">
+                <a:solidFill>
+                  <a:srgbClr val="78ffc8"/>
+                </a:solidFill>
+                <a:latin typeface="Consolas"/>
+                <a:ea typeface="DejaVu Sans"/>
+              </a:rPr>
+              <a:t>public static int count;   // Erişim dışı belirleyici</a:t>
+            </a:r>
+            <a:endParaRPr b="0" lang="en-US" sz="1100" spc="-1" strike="noStrike">
+              <a:solidFill>
+                <a:srgbClr val="ffffff"/>
+              </a:solidFill>
+              <a:latin typeface="Arial"/>
+            </a:endParaRPr>
+          </a:p>
+          <a:p>
+            <a:pPr algn="ctr">
+              <a:lnSpc>
+                <a:spcPct val="100000"/>
+              </a:lnSpc>
+            </a:pPr>
+            <a:endParaRPr b="0" lang="en-US" sz="1100" spc="-1" strike="noStrike">
+              <a:solidFill>
+                <a:srgbClr val="ffffff"/>
+              </a:solidFill>
+              <a:latin typeface="Arial"/>
+            </a:endParaRPr>
+          </a:p>
+          <a:p>
+            <a:pPr algn="ctr">
+              <a:lnSpc>
+                <a:spcPct val="100000"/>
+              </a:lnSpc>
+            </a:pPr>
+            <a:r>
+              <a:rPr b="0" lang="en-US" sz="1100" spc="-1" strike="noStrike">
+                <a:solidFill>
+                  <a:srgbClr val="78ffc8"/>
+                </a:solidFill>
+                <a:latin typeface="Consolas"/>
+                <a:ea typeface="DejaVu Sans"/>
+              </a:rPr>
+              <a:t>    </a:t>
+            </a:r>
+            <a:r>
+              <a:rPr b="0" lang="en-US" sz="1100" spc="-1" strike="noStrike">
+                <a:solidFill>
+                  <a:srgbClr val="78ffc8"/>
+                </a:solidFill>
+                <a:latin typeface="Consolas"/>
+                <a:ea typeface="DejaVu Sans"/>
+              </a:rPr>
+              <a:t>public Car(String brand) {</a:t>
+            </a:r>
+            <a:endParaRPr b="0" lang="en-US" sz="1100" spc="-1" strike="noStrike">
+              <a:solidFill>
+                <a:srgbClr val="ffffff"/>
+              </a:solidFill>
+              <a:latin typeface="Arial"/>
+            </a:endParaRPr>
+          </a:p>
+          <a:p>
+            <a:pPr algn="ctr">
+              <a:lnSpc>
+                <a:spcPct val="100000"/>
+              </a:lnSpc>
+            </a:pPr>
+            <a:r>
+              <a:rPr b="0" lang="en-US" sz="1100" spc="-1" strike="noStrike">
+                <a:solidFill>
+                  <a:srgbClr val="78ffc8"/>
+                </a:solidFill>
+                <a:latin typeface="Consolas"/>
+                <a:ea typeface="DejaVu Sans"/>
+              </a:rPr>
+              <a:t>        </a:t>
+            </a:r>
+            <a:r>
+              <a:rPr b="0" lang="en-US" sz="1100" spc="-1" strike="noStrike">
+                <a:solidFill>
+                  <a:srgbClr val="78ffc8"/>
+                </a:solidFill>
+                <a:latin typeface="Consolas"/>
+                <a:ea typeface="DejaVu Sans"/>
+              </a:rPr>
+              <a:t>this.brand = brand;</a:t>
+            </a:r>
+            <a:endParaRPr b="0" lang="en-US" sz="1100" spc="-1" strike="noStrike">
+              <a:solidFill>
+                <a:srgbClr val="ffffff"/>
+              </a:solidFill>
+              <a:latin typeface="Arial"/>
+            </a:endParaRPr>
+          </a:p>
+          <a:p>
+            <a:pPr algn="ctr">
+              <a:lnSpc>
+                <a:spcPct val="100000"/>
+              </a:lnSpc>
+            </a:pPr>
+            <a:r>
+              <a:rPr b="0" lang="en-US" sz="1100" spc="-1" strike="noStrike">
+                <a:solidFill>
+                  <a:srgbClr val="78ffc8"/>
+                </a:solidFill>
+                <a:latin typeface="Consolas"/>
+                <a:ea typeface="DejaVu Sans"/>
+              </a:rPr>
+              <a:t>        </a:t>
+            </a:r>
+            <a:r>
+              <a:rPr b="0" lang="en-US" sz="1100" spc="-1" strike="noStrike">
+                <a:solidFill>
+                  <a:srgbClr val="78ffc8"/>
+                </a:solidFill>
+                <a:latin typeface="Consolas"/>
+                <a:ea typeface="DejaVu Sans"/>
+              </a:rPr>
+              <a:t>count++;</a:t>
+            </a:r>
+            <a:endParaRPr b="0" lang="en-US" sz="1100" spc="-1" strike="noStrike">
+              <a:solidFill>
+                <a:srgbClr val="ffffff"/>
+              </a:solidFill>
+              <a:latin typeface="Arial"/>
+            </a:endParaRPr>
+          </a:p>
+          <a:p>
+            <a:pPr algn="ctr">
+              <a:lnSpc>
+                <a:spcPct val="100000"/>
+              </a:lnSpc>
+            </a:pPr>
+            <a:r>
+              <a:rPr b="0" lang="en-US" sz="1100" spc="-1" strike="noStrike">
+                <a:solidFill>
+                  <a:srgbClr val="78ffc8"/>
+                </a:solidFill>
+                <a:latin typeface="Consolas"/>
+                <a:ea typeface="DejaVu Sans"/>
+              </a:rPr>
+              <a:t>    </a:t>
+            </a:r>
+            <a:r>
+              <a:rPr b="0" lang="en-US" sz="1100" spc="-1" strike="noStrike">
+                <a:solidFill>
+                  <a:srgbClr val="78ffc8"/>
+                </a:solidFill>
+                <a:latin typeface="Consolas"/>
+                <a:ea typeface="DejaVu Sans"/>
+              </a:rPr>
+              <a:t>}</a:t>
+            </a:r>
+            <a:endParaRPr b="0" lang="en-US" sz="1100" spc="-1" strike="noStrike">
+              <a:solidFill>
+                <a:srgbClr val="ffffff"/>
+              </a:solidFill>
+              <a:latin typeface="Arial"/>
+            </a:endParaRPr>
+          </a:p>
+          <a:p>
+            <a:pPr algn="ctr">
+              <a:lnSpc>
+                <a:spcPct val="100000"/>
+              </a:lnSpc>
+            </a:pPr>
+            <a:endParaRPr b="0" lang="en-US" sz="1100" spc="-1" strike="noStrike">
+              <a:solidFill>
+                <a:srgbClr val="ffffff"/>
+              </a:solidFill>
+              <a:latin typeface="Arial"/>
+            </a:endParaRPr>
+          </a:p>
+          <a:p>
+            <a:pPr algn="ctr">
+              <a:lnSpc>
+                <a:spcPct val="100000"/>
+              </a:lnSpc>
+            </a:pPr>
+            <a:r>
+              <a:rPr b="0" lang="en-US" sz="1100" spc="-1" strike="noStrike">
+                <a:solidFill>
+                  <a:srgbClr val="78ffc8"/>
+                </a:solidFill>
+                <a:latin typeface="Consolas"/>
+                <a:ea typeface="DejaVu Sans"/>
+              </a:rPr>
+              <a:t>    </a:t>
+            </a:r>
+            <a:r>
+              <a:rPr b="0" lang="en-US" sz="1100" spc="-1" strike="noStrike">
+                <a:solidFill>
+                  <a:srgbClr val="78ffc8"/>
+                </a:solidFill>
+                <a:latin typeface="Consolas"/>
+                <a:ea typeface="DejaVu Sans"/>
+              </a:rPr>
+              <a:t>public final void displayBrand() {</a:t>
+            </a:r>
+            <a:endParaRPr b="0" lang="en-US" sz="1100" spc="-1" strike="noStrike">
+              <a:solidFill>
+                <a:srgbClr val="ffffff"/>
+              </a:solidFill>
+              <a:latin typeface="Arial"/>
+            </a:endParaRPr>
+          </a:p>
+          <a:p>
+            <a:pPr algn="ctr">
+              <a:lnSpc>
+                <a:spcPct val="100000"/>
+              </a:lnSpc>
+            </a:pPr>
+            <a:r>
+              <a:rPr b="0" lang="en-US" sz="1100" spc="-1" strike="noStrike">
+                <a:solidFill>
+                  <a:srgbClr val="78ffc8"/>
+                </a:solidFill>
+                <a:latin typeface="Consolas"/>
+                <a:ea typeface="DejaVu Sans"/>
+              </a:rPr>
+              <a:t>        </a:t>
+            </a:r>
+            <a:r>
+              <a:rPr b="0" lang="en-US" sz="1100" spc="-1" strike="noStrike">
+                <a:solidFill>
+                  <a:srgbClr val="78ffc8"/>
+                </a:solidFill>
+                <a:latin typeface="Consolas"/>
+                <a:ea typeface="DejaVu Sans"/>
+              </a:rPr>
+              <a:t>System.out.println("Marka: " + brand);</a:t>
+            </a:r>
+            <a:endParaRPr b="0" lang="en-US" sz="1100" spc="-1" strike="noStrike">
+              <a:solidFill>
+                <a:srgbClr val="ffffff"/>
+              </a:solidFill>
+              <a:latin typeface="Arial"/>
+            </a:endParaRPr>
+          </a:p>
+          <a:p>
+            <a:pPr algn="ctr">
+              <a:lnSpc>
+                <a:spcPct val="100000"/>
+              </a:lnSpc>
+            </a:pPr>
+            <a:r>
+              <a:rPr b="0" lang="en-US" sz="1100" spc="-1" strike="noStrike">
+                <a:solidFill>
+                  <a:srgbClr val="78ffc8"/>
+                </a:solidFill>
+                <a:latin typeface="Consolas"/>
+                <a:ea typeface="DejaVu Sans"/>
+              </a:rPr>
+              <a:t>    </a:t>
+            </a:r>
+            <a:r>
+              <a:rPr b="0" lang="en-US" sz="1100" spc="-1" strike="noStrike">
+                <a:solidFill>
+                  <a:srgbClr val="78ffc8"/>
+                </a:solidFill>
+                <a:latin typeface="Consolas"/>
+                <a:ea typeface="DejaVu Sans"/>
+              </a:rPr>
+              <a:t>}</a:t>
+            </a:r>
+            <a:endParaRPr b="0" lang="en-US" sz="1100" spc="-1" strike="noStrike">
+              <a:solidFill>
+                <a:srgbClr val="ffffff"/>
+              </a:solidFill>
+              <a:latin typeface="Arial"/>
+            </a:endParaRPr>
+          </a:p>
+          <a:p>
+            <a:pPr algn="ctr">
+              <a:lnSpc>
+                <a:spcPct val="100000"/>
+              </a:lnSpc>
+            </a:pPr>
+            <a:r>
+              <a:rPr b="0" lang="en-US" sz="1100" spc="-1" strike="noStrike">
+                <a:solidFill>
+                  <a:srgbClr val="78ffc8"/>
+                </a:solidFill>
+                <a:latin typeface="Consolas"/>
+                <a:ea typeface="DejaVu Sans"/>
+              </a:rPr>
+              <a:t>}</a:t>
+            </a:r>
+            <a:endParaRPr b="0" lang="en-US" sz="1100" spc="-1" strike="noStrike">
+              <a:solidFill>
+                <a:srgbClr val="ffffff"/>
+              </a:solidFill>
+              <a:latin typeface="Arial"/>
+            </a:endParaRPr>
+          </a:p>
+          <a:p>
+            <a:pPr algn="ctr">
+              <a:lnSpc>
+                <a:spcPct val="100000"/>
+              </a:lnSpc>
+            </a:pPr>
+            <a:endParaRPr b="0" lang="en-US" sz="1100" spc="-1" strike="noStrike">
+              <a:solidFill>
+                <a:srgbClr val="ffffff"/>
+              </a:solidFill>
+              <a:latin typeface="Arial"/>
+            </a:endParaRPr>
+          </a:p>
+          <a:p>
+            <a:pPr algn="ctr">
+              <a:lnSpc>
+                <a:spcPct val="100000"/>
+              </a:lnSpc>
+            </a:pPr>
+            <a:endParaRPr b="0" lang="en-US" sz="1100" spc="-1" strike="noStrike">
+              <a:solidFill>
+                <a:srgbClr val="ffffff"/>
+              </a:solidFill>
+              <a:latin typeface="Arial"/>
+            </a:endParaRPr>
+          </a:p>
+        </p:txBody>
+      </p:sp>
+      <p:sp>
+        <p:nvSpPr>
+          <p:cNvPr id="702" name="TextBox 51"/>
+          <p:cNvSpPr/>
+          <p:nvPr/>
+        </p:nvSpPr>
+        <p:spPr>
+          <a:xfrm>
+            <a:off x="4600080" y="6446520"/>
+            <a:ext cx="3051000" cy="363960"/>
+          </a:xfrm>
+          <a:prstGeom prst="rect">
+            <a:avLst/>
+          </a:prstGeom>
+          <a:noFill/>
+          <a:ln w="0">
+            <a:noFill/>
+          </a:ln>
+        </p:spPr>
+        <p:style>
+          <a:lnRef idx="0"/>
+          <a:fillRef idx="0"/>
+          <a:effectRef idx="0"/>
+          <a:fontRef idx="minor"/>
+        </p:style>
+        <p:txBody>
+          <a:bodyPr wrap="none" lIns="90000" rIns="90000" tIns="45000" bIns="45000" anchor="t">
+            <a:spAutoFit/>
+          </a:bodyPr>
+          <a:p>
+            <a:pPr>
+              <a:lnSpc>
+                <a:spcPct val="100000"/>
+              </a:lnSpc>
+            </a:pPr>
+            <a:r>
+              <a:rPr b="0" lang="en-US" sz="1800" spc="-1" strike="noStrike">
+                <a:solidFill>
+                  <a:srgbClr val="000000"/>
+                </a:solidFill>
+                <a:latin typeface="Calibri"/>
+                <a:ea typeface="DejaVu Sans"/>
+              </a:rPr>
+              <a:t>Java • Ultra Premium Template</a:t>
+            </a:r>
+            <a:endParaRPr b="0" lang="en-US" sz="1800" spc="-1" strike="noStrike">
+              <a:solidFill>
+                <a:srgbClr val="000000"/>
+              </a:solidFill>
+              <a:latin typeface="Arial"/>
+            </a:endParaRPr>
+          </a:p>
+        </p:txBody>
+      </p:sp>
+    </p:spTree>
+  </p:cSld>
+  <mc:AlternateContent>
+    <mc:Choice Requires="p14">
+      <p:transition spd="slow" p14:dur="2000"/>
+    </mc:Choice>
+    <mc:Fallback>
+      <p:transition spd="slow"/>
+    </mc:Fallback>
+  </mc:AlternateContent>
+</p:sld>
+</file>
+
+<file path=ppt/slides/slide17.xml><?xml version="1.0" encoding="utf-8"?>
+<p:sld xmlns:a="http://schemas.openxmlformats.org/drawingml/2006/main" xmlns:p="http://schemas.openxmlformats.org/presentationml/2006/main" xmlns:r="http://schemas.openxmlformats.org/officeDocument/2006/relationships" xmlns:p14="http://schemas.microsoft.com/office/powerpoint/2010/main" xmlns:p15="http://schemas.microsoft.com/office/powerpoint/2012/main" xmlns:mc="http://schemas.openxmlformats.org/markup-compatibility/2006">
+  <p:cSld>
+    <p:spTree>
+      <p:nvGrpSpPr>
+        <p:cNvPr id="1" name=""/>
+        <p:cNvGrpSpPr/>
+        <p:nvPr/>
+      </p:nvGrpSpPr>
+      <p:grpSpPr>
+        <a:xfrm>
+          <a:off x="0" y="0"/>
+          <a:ext cx="0" cy="0"/>
+          <a:chOff x="0" y="0"/>
+          <a:chExt cx="0" cy="0"/>
+        </a:xfrm>
+      </p:grpSpPr>
+      <p:sp>
+        <p:nvSpPr>
+          <p:cNvPr id="703" name="Rectangle 256"/>
+          <p:cNvSpPr/>
+          <p:nvPr/>
+        </p:nvSpPr>
+        <p:spPr>
+          <a:xfrm>
+            <a:off x="0" y="0"/>
+            <a:ext cx="12186720" cy="6855840"/>
+          </a:xfrm>
+          <a:prstGeom prst="rect">
+            <a:avLst/>
+          </a:prstGeom>
+          <a:solidFill>
+            <a:srgbClr val="0b0b0d"/>
+          </a:solidFill>
+          <a:ln>
+            <a:noFill/>
+          </a:ln>
+          <a:effectLst>
+            <a:outerShdw blurRad="39960" dir="5400000" dist="23040" rotWithShape="0">
+              <a:srgbClr val="000000">
+                <a:alpha val="35000"/>
+              </a:srgbClr>
+            </a:outerShdw>
+          </a:effectLst>
+        </p:spPr>
+        <p:style>
+          <a:lnRef idx="1">
+            <a:schemeClr val="accent1"/>
+          </a:lnRef>
+          <a:fillRef idx="3">
+            <a:schemeClr val="accent1"/>
+          </a:fillRef>
+          <a:effectRef idx="2">
+            <a:schemeClr val="accent1"/>
+          </a:effectRef>
+          <a:fontRef idx="minor"/>
+        </p:style>
+        <p:txBody>
+          <a:bodyPr lIns="90000" rIns="90000" tIns="45000" bIns="45000" anchor="ctr">
+            <a:noAutofit/>
+          </a:bodyPr>
+          <a:p>
+            <a:endParaRPr b="0" lang="en-US" sz="1800" spc="-1" strike="noStrike">
+              <a:solidFill>
+                <a:schemeClr val="lt1"/>
+              </a:solidFill>
+              <a:latin typeface="Calibri"/>
+              <a:ea typeface="DejaVu Sans"/>
+            </a:endParaRPr>
+          </a:p>
+        </p:txBody>
+      </p:sp>
+      <p:sp>
+        <p:nvSpPr>
+          <p:cNvPr id="704" name="Rectangle 258"/>
+          <p:cNvSpPr/>
+          <p:nvPr/>
+        </p:nvSpPr>
+        <p:spPr>
+          <a:xfrm>
+            <a:off x="0" y="0"/>
+            <a:ext cx="16200" cy="6855840"/>
+          </a:xfrm>
+          <a:prstGeom prst="rect">
+            <a:avLst/>
+          </a:prstGeom>
+          <a:solidFill>
+            <a:srgbClr val="121216"/>
+          </a:solidFill>
+          <a:ln>
+            <a:noFill/>
+          </a:ln>
+          <a:effectLst>
+            <a:outerShdw blurRad="39960" dir="5400000" dist="23040" rotWithShape="0">
+              <a:srgbClr val="000000">
+                <a:alpha val="35000"/>
+              </a:srgbClr>
+            </a:outerShdw>
+          </a:effectLst>
+        </p:spPr>
+        <p:style>
+          <a:lnRef idx="1">
+            <a:schemeClr val="accent1"/>
+          </a:lnRef>
+          <a:fillRef idx="3">
+            <a:schemeClr val="accent1"/>
+          </a:fillRef>
+          <a:effectRef idx="2">
+            <a:schemeClr val="accent1"/>
+          </a:effectRef>
+          <a:fontRef idx="minor"/>
+        </p:style>
+        <p:txBody>
+          <a:bodyPr lIns="90000" rIns="90000" tIns="45000" bIns="45000" anchor="ctr">
+            <a:noAutofit/>
+          </a:bodyPr>
+          <a:p>
+            <a:endParaRPr b="0" lang="en-US" sz="1800" spc="-1" strike="noStrike">
+              <a:solidFill>
+                <a:schemeClr val="lt1"/>
+              </a:solidFill>
+              <a:latin typeface="Calibri"/>
+              <a:ea typeface="DejaVu Sans"/>
+            </a:endParaRPr>
+          </a:p>
+        </p:txBody>
+      </p:sp>
+      <p:sp>
+        <p:nvSpPr>
+          <p:cNvPr id="705" name="Rectangle 259"/>
+          <p:cNvSpPr/>
+          <p:nvPr/>
+        </p:nvSpPr>
+        <p:spPr>
+          <a:xfrm>
+            <a:off x="914400" y="0"/>
+            <a:ext cx="16200" cy="6855840"/>
+          </a:xfrm>
+          <a:prstGeom prst="rect">
+            <a:avLst/>
+          </a:prstGeom>
+          <a:solidFill>
+            <a:srgbClr val="121216"/>
+          </a:solidFill>
+          <a:ln>
+            <a:noFill/>
+          </a:ln>
+          <a:effectLst>
+            <a:outerShdw blurRad="39960" dir="5400000" dist="23040" rotWithShape="0">
+              <a:srgbClr val="000000">
+                <a:alpha val="35000"/>
+              </a:srgbClr>
+            </a:outerShdw>
+          </a:effectLst>
+        </p:spPr>
+        <p:style>
+          <a:lnRef idx="1">
+            <a:schemeClr val="accent1"/>
+          </a:lnRef>
+          <a:fillRef idx="3">
+            <a:schemeClr val="accent1"/>
+          </a:fillRef>
+          <a:effectRef idx="2">
+            <a:schemeClr val="accent1"/>
+          </a:effectRef>
+          <a:fontRef idx="minor"/>
+        </p:style>
+        <p:txBody>
+          <a:bodyPr lIns="90000" rIns="90000" tIns="45000" bIns="45000" anchor="ctr">
+            <a:noAutofit/>
+          </a:bodyPr>
+          <a:p>
+            <a:endParaRPr b="0" lang="en-US" sz="1800" spc="-1" strike="noStrike">
+              <a:solidFill>
+                <a:schemeClr val="lt1"/>
+              </a:solidFill>
+              <a:latin typeface="Calibri"/>
+              <a:ea typeface="DejaVu Sans"/>
+            </a:endParaRPr>
+          </a:p>
+        </p:txBody>
+      </p:sp>
+      <p:sp>
+        <p:nvSpPr>
+          <p:cNvPr id="706" name="Rectangle 260"/>
+          <p:cNvSpPr/>
+          <p:nvPr/>
+        </p:nvSpPr>
+        <p:spPr>
+          <a:xfrm>
+            <a:off x="1828800" y="0"/>
+            <a:ext cx="16200" cy="6855840"/>
+          </a:xfrm>
+          <a:prstGeom prst="rect">
+            <a:avLst/>
+          </a:prstGeom>
+          <a:solidFill>
+            <a:srgbClr val="121216"/>
+          </a:solidFill>
+          <a:ln>
+            <a:noFill/>
+          </a:ln>
+          <a:effectLst>
+            <a:outerShdw blurRad="39960" dir="5400000" dist="23040" rotWithShape="0">
+              <a:srgbClr val="000000">
+                <a:alpha val="35000"/>
+              </a:srgbClr>
+            </a:outerShdw>
+          </a:effectLst>
+        </p:spPr>
+        <p:style>
+          <a:lnRef idx="1">
+            <a:schemeClr val="accent1"/>
+          </a:lnRef>
+          <a:fillRef idx="3">
+            <a:schemeClr val="accent1"/>
+          </a:fillRef>
+          <a:effectRef idx="2">
+            <a:schemeClr val="accent1"/>
+          </a:effectRef>
+          <a:fontRef idx="minor"/>
+        </p:style>
+        <p:txBody>
+          <a:bodyPr lIns="90000" rIns="90000" tIns="45000" bIns="45000" anchor="ctr">
+            <a:noAutofit/>
+          </a:bodyPr>
+          <a:p>
+            <a:endParaRPr b="0" lang="en-US" sz="1800" spc="-1" strike="noStrike">
+              <a:solidFill>
+                <a:schemeClr val="lt1"/>
+              </a:solidFill>
+              <a:latin typeface="Calibri"/>
+              <a:ea typeface="DejaVu Sans"/>
+            </a:endParaRPr>
+          </a:p>
+        </p:txBody>
+      </p:sp>
+      <p:sp>
+        <p:nvSpPr>
+          <p:cNvPr id="707" name="Rectangle 261"/>
+          <p:cNvSpPr/>
+          <p:nvPr/>
+        </p:nvSpPr>
+        <p:spPr>
+          <a:xfrm>
+            <a:off x="2743200" y="0"/>
+            <a:ext cx="16200" cy="6855840"/>
+          </a:xfrm>
+          <a:prstGeom prst="rect">
+            <a:avLst/>
+          </a:prstGeom>
+          <a:solidFill>
+            <a:srgbClr val="121216"/>
+          </a:solidFill>
+          <a:ln>
+            <a:noFill/>
+          </a:ln>
+          <a:effectLst>
+            <a:outerShdw blurRad="39960" dir="5400000" dist="23040" rotWithShape="0">
+              <a:srgbClr val="000000">
+                <a:alpha val="35000"/>
+              </a:srgbClr>
+            </a:outerShdw>
+          </a:effectLst>
+        </p:spPr>
+        <p:style>
+          <a:lnRef idx="1">
+            <a:schemeClr val="accent1"/>
+          </a:lnRef>
+          <a:fillRef idx="3">
+            <a:schemeClr val="accent1"/>
+          </a:fillRef>
+          <a:effectRef idx="2">
+            <a:schemeClr val="accent1"/>
+          </a:effectRef>
+          <a:fontRef idx="minor"/>
+        </p:style>
+        <p:txBody>
+          <a:bodyPr lIns="90000" rIns="90000" tIns="45000" bIns="45000" anchor="ctr">
+            <a:noAutofit/>
+          </a:bodyPr>
+          <a:p>
+            <a:endParaRPr b="0" lang="en-US" sz="1800" spc="-1" strike="noStrike">
+              <a:solidFill>
+                <a:schemeClr val="lt1"/>
+              </a:solidFill>
+              <a:latin typeface="Calibri"/>
+              <a:ea typeface="DejaVu Sans"/>
+            </a:endParaRPr>
+          </a:p>
+        </p:txBody>
+      </p:sp>
+      <p:sp>
+        <p:nvSpPr>
+          <p:cNvPr id="708" name="Rectangle 262"/>
+          <p:cNvSpPr/>
+          <p:nvPr/>
+        </p:nvSpPr>
+        <p:spPr>
+          <a:xfrm>
+            <a:off x="3657600" y="0"/>
+            <a:ext cx="16200" cy="6855840"/>
+          </a:xfrm>
+          <a:prstGeom prst="rect">
+            <a:avLst/>
+          </a:prstGeom>
+          <a:solidFill>
+            <a:srgbClr val="121216"/>
+          </a:solidFill>
+          <a:ln>
+            <a:noFill/>
+          </a:ln>
+          <a:effectLst>
+            <a:outerShdw blurRad="39960" dir="5400000" dist="23040" rotWithShape="0">
+              <a:srgbClr val="000000">
+                <a:alpha val="35000"/>
+              </a:srgbClr>
+            </a:outerShdw>
+          </a:effectLst>
+        </p:spPr>
+        <p:style>
+          <a:lnRef idx="1">
+            <a:schemeClr val="accent1"/>
+          </a:lnRef>
+          <a:fillRef idx="3">
+            <a:schemeClr val="accent1"/>
+          </a:fillRef>
+          <a:effectRef idx="2">
+            <a:schemeClr val="accent1"/>
+          </a:effectRef>
+          <a:fontRef idx="minor"/>
+        </p:style>
+        <p:txBody>
+          <a:bodyPr lIns="90000" rIns="90000" tIns="45000" bIns="45000" anchor="ctr">
+            <a:noAutofit/>
+          </a:bodyPr>
+          <a:p>
+            <a:endParaRPr b="0" lang="en-US" sz="1800" spc="-1" strike="noStrike">
+              <a:solidFill>
+                <a:schemeClr val="lt1"/>
+              </a:solidFill>
+              <a:latin typeface="Calibri"/>
+              <a:ea typeface="DejaVu Sans"/>
+            </a:endParaRPr>
+          </a:p>
+        </p:txBody>
+      </p:sp>
+      <p:sp>
+        <p:nvSpPr>
+          <p:cNvPr id="709" name="Rectangle 263"/>
+          <p:cNvSpPr/>
+          <p:nvPr/>
+        </p:nvSpPr>
+        <p:spPr>
+          <a:xfrm>
+            <a:off x="4572000" y="0"/>
+            <a:ext cx="16200" cy="6855840"/>
+          </a:xfrm>
+          <a:prstGeom prst="rect">
+            <a:avLst/>
+          </a:prstGeom>
+          <a:solidFill>
+            <a:srgbClr val="121216"/>
+          </a:solidFill>
+          <a:ln>
+            <a:noFill/>
+          </a:ln>
+          <a:effectLst>
+            <a:outerShdw blurRad="39960" dir="5400000" dist="23040" rotWithShape="0">
+              <a:srgbClr val="000000">
+                <a:alpha val="35000"/>
+              </a:srgbClr>
+            </a:outerShdw>
+          </a:effectLst>
+        </p:spPr>
+        <p:style>
+          <a:lnRef idx="1">
+            <a:schemeClr val="accent1"/>
+          </a:lnRef>
+          <a:fillRef idx="3">
+            <a:schemeClr val="accent1"/>
+          </a:fillRef>
+          <a:effectRef idx="2">
+            <a:schemeClr val="accent1"/>
+          </a:effectRef>
+          <a:fontRef idx="minor"/>
+        </p:style>
+        <p:txBody>
+          <a:bodyPr lIns="90000" rIns="90000" tIns="45000" bIns="45000" anchor="ctr">
+            <a:noAutofit/>
+          </a:bodyPr>
+          <a:p>
+            <a:endParaRPr b="0" lang="en-US" sz="1800" spc="-1" strike="noStrike">
+              <a:solidFill>
+                <a:schemeClr val="lt1"/>
+              </a:solidFill>
+              <a:latin typeface="Calibri"/>
+              <a:ea typeface="DejaVu Sans"/>
+            </a:endParaRPr>
+          </a:p>
+        </p:txBody>
+      </p:sp>
+      <p:sp>
+        <p:nvSpPr>
+          <p:cNvPr id="710" name="Rectangle 264"/>
+          <p:cNvSpPr/>
+          <p:nvPr/>
+        </p:nvSpPr>
+        <p:spPr>
+          <a:xfrm>
+            <a:off x="5486400" y="0"/>
+            <a:ext cx="16200" cy="6855840"/>
+          </a:xfrm>
+          <a:prstGeom prst="rect">
+            <a:avLst/>
+          </a:prstGeom>
+          <a:solidFill>
+            <a:srgbClr val="121216"/>
+          </a:solidFill>
+          <a:ln>
+            <a:noFill/>
+          </a:ln>
+          <a:effectLst>
+            <a:outerShdw blurRad="39960" dir="5400000" dist="23040" rotWithShape="0">
+              <a:srgbClr val="000000">
+                <a:alpha val="35000"/>
+              </a:srgbClr>
+            </a:outerShdw>
+          </a:effectLst>
+        </p:spPr>
+        <p:style>
+          <a:lnRef idx="1">
+            <a:schemeClr val="accent1"/>
+          </a:lnRef>
+          <a:fillRef idx="3">
+            <a:schemeClr val="accent1"/>
+          </a:fillRef>
+          <a:effectRef idx="2">
+            <a:schemeClr val="accent1"/>
+          </a:effectRef>
+          <a:fontRef idx="minor"/>
+        </p:style>
+        <p:txBody>
+          <a:bodyPr lIns="90000" rIns="90000" tIns="45000" bIns="45000" anchor="ctr">
+            <a:noAutofit/>
+          </a:bodyPr>
+          <a:p>
+            <a:endParaRPr b="0" lang="en-US" sz="1800" spc="-1" strike="noStrike">
+              <a:solidFill>
+                <a:schemeClr val="lt1"/>
+              </a:solidFill>
+              <a:latin typeface="Calibri"/>
+              <a:ea typeface="DejaVu Sans"/>
+            </a:endParaRPr>
+          </a:p>
+        </p:txBody>
+      </p:sp>
+      <p:sp>
+        <p:nvSpPr>
+          <p:cNvPr id="711" name="Rectangle 265"/>
+          <p:cNvSpPr/>
+          <p:nvPr/>
+        </p:nvSpPr>
+        <p:spPr>
+          <a:xfrm>
+            <a:off x="6400800" y="0"/>
+            <a:ext cx="16200" cy="6855840"/>
+          </a:xfrm>
+          <a:prstGeom prst="rect">
+            <a:avLst/>
+          </a:prstGeom>
+          <a:solidFill>
+            <a:srgbClr val="121216"/>
+          </a:solidFill>
+          <a:ln>
+            <a:noFill/>
+          </a:ln>
+          <a:effectLst>
+            <a:outerShdw blurRad="39960" dir="5400000" dist="23040" rotWithShape="0">
+              <a:srgbClr val="000000">
+                <a:alpha val="35000"/>
+              </a:srgbClr>
+            </a:outerShdw>
+          </a:effectLst>
+        </p:spPr>
+        <p:style>
+          <a:lnRef idx="1">
+            <a:schemeClr val="accent1"/>
+          </a:lnRef>
+          <a:fillRef idx="3">
+            <a:schemeClr val="accent1"/>
+          </a:fillRef>
+          <a:effectRef idx="2">
+            <a:schemeClr val="accent1"/>
+          </a:effectRef>
+          <a:fontRef idx="minor"/>
+        </p:style>
+        <p:txBody>
+          <a:bodyPr lIns="90000" rIns="90000" tIns="45000" bIns="45000" anchor="ctr">
+            <a:noAutofit/>
+          </a:bodyPr>
+          <a:p>
+            <a:endParaRPr b="0" lang="en-US" sz="1800" spc="-1" strike="noStrike">
+              <a:solidFill>
+                <a:schemeClr val="lt1"/>
+              </a:solidFill>
+              <a:latin typeface="Calibri"/>
+              <a:ea typeface="DejaVu Sans"/>
+            </a:endParaRPr>
+          </a:p>
+        </p:txBody>
+      </p:sp>
+      <p:sp>
+        <p:nvSpPr>
+          <p:cNvPr id="712" name="Rectangle 266"/>
+          <p:cNvSpPr/>
+          <p:nvPr/>
+        </p:nvSpPr>
+        <p:spPr>
+          <a:xfrm>
+            <a:off x="7315200" y="0"/>
+            <a:ext cx="16200" cy="6855840"/>
+          </a:xfrm>
+          <a:prstGeom prst="rect">
+            <a:avLst/>
+          </a:prstGeom>
+          <a:solidFill>
+            <a:srgbClr val="121216"/>
+          </a:solidFill>
+          <a:ln>
+            <a:noFill/>
+          </a:ln>
+          <a:effectLst>
+            <a:outerShdw blurRad="39960" dir="5400000" dist="23040" rotWithShape="0">
+              <a:srgbClr val="000000">
+                <a:alpha val="35000"/>
+              </a:srgbClr>
+            </a:outerShdw>
+          </a:effectLst>
+        </p:spPr>
+        <p:style>
+          <a:lnRef idx="1">
+            <a:schemeClr val="accent1"/>
+          </a:lnRef>
+          <a:fillRef idx="3">
+            <a:schemeClr val="accent1"/>
+          </a:fillRef>
+          <a:effectRef idx="2">
+            <a:schemeClr val="accent1"/>
+          </a:effectRef>
+          <a:fontRef idx="minor"/>
+        </p:style>
+        <p:txBody>
+          <a:bodyPr lIns="90000" rIns="90000" tIns="45000" bIns="45000" anchor="ctr">
+            <a:noAutofit/>
+          </a:bodyPr>
+          <a:p>
+            <a:endParaRPr b="0" lang="en-US" sz="1800" spc="-1" strike="noStrike">
+              <a:solidFill>
+                <a:schemeClr val="lt1"/>
+              </a:solidFill>
+              <a:latin typeface="Calibri"/>
+              <a:ea typeface="DejaVu Sans"/>
+            </a:endParaRPr>
+          </a:p>
+        </p:txBody>
+      </p:sp>
+      <p:sp>
+        <p:nvSpPr>
+          <p:cNvPr id="713" name="Rectangle 267"/>
+          <p:cNvSpPr/>
+          <p:nvPr/>
+        </p:nvSpPr>
+        <p:spPr>
+          <a:xfrm>
+            <a:off x="8229600" y="0"/>
+            <a:ext cx="16200" cy="6855840"/>
+          </a:xfrm>
+          <a:prstGeom prst="rect">
+            <a:avLst/>
+          </a:prstGeom>
+          <a:solidFill>
+            <a:srgbClr val="121216"/>
+          </a:solidFill>
+          <a:ln>
+            <a:noFill/>
+          </a:ln>
+          <a:effectLst>
+            <a:outerShdw blurRad="39960" dir="5400000" dist="23040" rotWithShape="0">
+              <a:srgbClr val="000000">
+                <a:alpha val="35000"/>
+              </a:srgbClr>
+            </a:outerShdw>
+          </a:effectLst>
+        </p:spPr>
+        <p:style>
+          <a:lnRef idx="1">
+            <a:schemeClr val="accent1"/>
+          </a:lnRef>
+          <a:fillRef idx="3">
+            <a:schemeClr val="accent1"/>
+          </a:fillRef>
+          <a:effectRef idx="2">
+            <a:schemeClr val="accent1"/>
+          </a:effectRef>
+          <a:fontRef idx="minor"/>
+        </p:style>
+        <p:txBody>
+          <a:bodyPr lIns="90000" rIns="90000" tIns="45000" bIns="45000" anchor="ctr">
+            <a:noAutofit/>
+          </a:bodyPr>
+          <a:p>
+            <a:endParaRPr b="0" lang="en-US" sz="1800" spc="-1" strike="noStrike">
+              <a:solidFill>
+                <a:schemeClr val="lt1"/>
+              </a:solidFill>
+              <a:latin typeface="Calibri"/>
+              <a:ea typeface="DejaVu Sans"/>
+            </a:endParaRPr>
+          </a:p>
+        </p:txBody>
+      </p:sp>
+      <p:sp>
+        <p:nvSpPr>
+          <p:cNvPr id="714" name="Rectangle 268"/>
+          <p:cNvSpPr/>
+          <p:nvPr/>
+        </p:nvSpPr>
+        <p:spPr>
+          <a:xfrm>
+            <a:off x="9144000" y="0"/>
+            <a:ext cx="16200" cy="6855840"/>
+          </a:xfrm>
+          <a:prstGeom prst="rect">
+            <a:avLst/>
+          </a:prstGeom>
+          <a:solidFill>
+            <a:srgbClr val="121216"/>
+          </a:solidFill>
+          <a:ln>
+            <a:noFill/>
+          </a:ln>
+          <a:effectLst>
+            <a:outerShdw blurRad="39960" dir="5400000" dist="23040" rotWithShape="0">
+              <a:srgbClr val="000000">
+                <a:alpha val="35000"/>
+              </a:srgbClr>
+            </a:outerShdw>
+          </a:effectLst>
+        </p:spPr>
+        <p:style>
+          <a:lnRef idx="1">
+            <a:schemeClr val="accent1"/>
+          </a:lnRef>
+          <a:fillRef idx="3">
+            <a:schemeClr val="accent1"/>
+          </a:fillRef>
+          <a:effectRef idx="2">
+            <a:schemeClr val="accent1"/>
+          </a:effectRef>
+          <a:fontRef idx="minor"/>
+        </p:style>
+        <p:txBody>
+          <a:bodyPr lIns="90000" rIns="90000" tIns="45000" bIns="45000" anchor="ctr">
+            <a:noAutofit/>
+          </a:bodyPr>
+          <a:p>
+            <a:endParaRPr b="0" lang="en-US" sz="1800" spc="-1" strike="noStrike">
+              <a:solidFill>
+                <a:schemeClr val="lt1"/>
+              </a:solidFill>
+              <a:latin typeface="Calibri"/>
+              <a:ea typeface="DejaVu Sans"/>
+            </a:endParaRPr>
+          </a:p>
+        </p:txBody>
+      </p:sp>
+      <p:sp>
+        <p:nvSpPr>
+          <p:cNvPr id="715" name="Rectangle 269"/>
+          <p:cNvSpPr/>
+          <p:nvPr/>
+        </p:nvSpPr>
+        <p:spPr>
+          <a:xfrm>
+            <a:off x="10058400" y="0"/>
+            <a:ext cx="16200" cy="6855840"/>
+          </a:xfrm>
+          <a:prstGeom prst="rect">
+            <a:avLst/>
+          </a:prstGeom>
+          <a:solidFill>
+            <a:srgbClr val="121216"/>
+          </a:solidFill>
+          <a:ln>
+            <a:noFill/>
+          </a:ln>
+          <a:effectLst>
+            <a:outerShdw blurRad="39960" dir="5400000" dist="23040" rotWithShape="0">
+              <a:srgbClr val="000000">
+                <a:alpha val="35000"/>
+              </a:srgbClr>
+            </a:outerShdw>
+          </a:effectLst>
+        </p:spPr>
+        <p:style>
+          <a:lnRef idx="1">
+            <a:schemeClr val="accent1"/>
+          </a:lnRef>
+          <a:fillRef idx="3">
+            <a:schemeClr val="accent1"/>
+          </a:fillRef>
+          <a:effectRef idx="2">
+            <a:schemeClr val="accent1"/>
+          </a:effectRef>
+          <a:fontRef idx="minor"/>
+        </p:style>
+        <p:txBody>
+          <a:bodyPr lIns="90000" rIns="90000" tIns="45000" bIns="45000" anchor="ctr">
+            <a:noAutofit/>
+          </a:bodyPr>
+          <a:p>
+            <a:endParaRPr b="0" lang="en-US" sz="1800" spc="-1" strike="noStrike">
+              <a:solidFill>
+                <a:schemeClr val="lt1"/>
+              </a:solidFill>
+              <a:latin typeface="Calibri"/>
+              <a:ea typeface="DejaVu Sans"/>
+            </a:endParaRPr>
+          </a:p>
+        </p:txBody>
+      </p:sp>
+      <p:sp>
+        <p:nvSpPr>
+          <p:cNvPr id="716" name="Rectangle 270"/>
+          <p:cNvSpPr/>
+          <p:nvPr/>
+        </p:nvSpPr>
+        <p:spPr>
+          <a:xfrm>
+            <a:off x="10972800" y="0"/>
+            <a:ext cx="16200" cy="6855840"/>
+          </a:xfrm>
+          <a:prstGeom prst="rect">
+            <a:avLst/>
+          </a:prstGeom>
+          <a:solidFill>
+            <a:srgbClr val="121216"/>
+          </a:solidFill>
+          <a:ln>
+            <a:noFill/>
+          </a:ln>
+          <a:effectLst>
+            <a:outerShdw blurRad="39960" dir="5400000" dist="23040" rotWithShape="0">
+              <a:srgbClr val="000000">
+                <a:alpha val="35000"/>
+              </a:srgbClr>
+            </a:outerShdw>
+          </a:effectLst>
+        </p:spPr>
+        <p:style>
+          <a:lnRef idx="1">
+            <a:schemeClr val="accent1"/>
+          </a:lnRef>
+          <a:fillRef idx="3">
+            <a:schemeClr val="accent1"/>
+          </a:fillRef>
+          <a:effectRef idx="2">
+            <a:schemeClr val="accent1"/>
+          </a:effectRef>
+          <a:fontRef idx="minor"/>
+        </p:style>
+        <p:txBody>
+          <a:bodyPr lIns="90000" rIns="90000" tIns="45000" bIns="45000" anchor="ctr">
+            <a:noAutofit/>
+          </a:bodyPr>
+          <a:p>
+            <a:endParaRPr b="0" lang="en-US" sz="1800" spc="-1" strike="noStrike">
+              <a:solidFill>
+                <a:schemeClr val="lt1"/>
+              </a:solidFill>
+              <a:latin typeface="Calibri"/>
+              <a:ea typeface="DejaVu Sans"/>
+            </a:endParaRPr>
+          </a:p>
+        </p:txBody>
+      </p:sp>
+      <p:sp>
+        <p:nvSpPr>
+          <p:cNvPr id="717" name="Rectangle 271"/>
+          <p:cNvSpPr/>
+          <p:nvPr/>
+        </p:nvSpPr>
+        <p:spPr>
+          <a:xfrm>
+            <a:off x="11887200" y="0"/>
+            <a:ext cx="16200" cy="6855840"/>
+          </a:xfrm>
+          <a:prstGeom prst="rect">
+            <a:avLst/>
+          </a:prstGeom>
+          <a:solidFill>
+            <a:srgbClr val="121216"/>
+          </a:solidFill>
+          <a:ln>
+            <a:noFill/>
+          </a:ln>
+          <a:effectLst>
+            <a:outerShdw blurRad="39960" dir="5400000" dist="23040" rotWithShape="0">
+              <a:srgbClr val="000000">
+                <a:alpha val="35000"/>
+              </a:srgbClr>
+            </a:outerShdw>
+          </a:effectLst>
+        </p:spPr>
+        <p:style>
+          <a:lnRef idx="1">
+            <a:schemeClr val="accent1"/>
+          </a:lnRef>
+          <a:fillRef idx="3">
+            <a:schemeClr val="accent1"/>
+          </a:fillRef>
+          <a:effectRef idx="2">
+            <a:schemeClr val="accent1"/>
+          </a:effectRef>
+          <a:fontRef idx="minor"/>
+        </p:style>
+        <p:txBody>
+          <a:bodyPr lIns="90000" rIns="90000" tIns="45000" bIns="45000" anchor="ctr">
+            <a:noAutofit/>
+          </a:bodyPr>
+          <a:p>
+            <a:endParaRPr b="0" lang="en-US" sz="1800" spc="-1" strike="noStrike">
+              <a:solidFill>
+                <a:schemeClr val="lt1"/>
+              </a:solidFill>
+              <a:latin typeface="Calibri"/>
+              <a:ea typeface="DejaVu Sans"/>
+            </a:endParaRPr>
+          </a:p>
+        </p:txBody>
+      </p:sp>
+      <p:sp>
+        <p:nvSpPr>
+          <p:cNvPr id="718" name="Rectangle 272"/>
+          <p:cNvSpPr/>
+          <p:nvPr/>
+        </p:nvSpPr>
+        <p:spPr>
+          <a:xfrm>
+            <a:off x="0" y="0"/>
+            <a:ext cx="317880" cy="6855840"/>
+          </a:xfrm>
+          <a:prstGeom prst="rect">
+            <a:avLst/>
+          </a:prstGeom>
+          <a:solidFill>
+            <a:srgbClr val="ff8c00"/>
+          </a:solidFill>
+          <a:ln>
+            <a:noFill/>
+          </a:ln>
+          <a:effectLst>
+            <a:outerShdw blurRad="39960" dir="5400000" dist="23040" rotWithShape="0">
+              <a:srgbClr val="000000">
+                <a:alpha val="35000"/>
+              </a:srgbClr>
+            </a:outerShdw>
+          </a:effectLst>
+        </p:spPr>
+        <p:style>
+          <a:lnRef idx="1">
+            <a:schemeClr val="accent1"/>
+          </a:lnRef>
+          <a:fillRef idx="3">
+            <a:schemeClr val="accent1"/>
+          </a:fillRef>
+          <a:effectRef idx="2">
+            <a:schemeClr val="accent1"/>
+          </a:effectRef>
+          <a:fontRef idx="minor"/>
+        </p:style>
+        <p:txBody>
+          <a:bodyPr lIns="90000" rIns="90000" tIns="45000" bIns="45000" anchor="ctr">
+            <a:noAutofit/>
+          </a:bodyPr>
+          <a:p>
+            <a:endParaRPr b="0" lang="en-US" sz="1800" spc="-1" strike="noStrike">
+              <a:solidFill>
+                <a:schemeClr val="lt1"/>
+              </a:solidFill>
+              <a:latin typeface="Calibri"/>
+              <a:ea typeface="DejaVu Sans"/>
+            </a:endParaRPr>
+          </a:p>
+        </p:txBody>
+      </p:sp>
+      <p:sp>
+        <p:nvSpPr>
+          <p:cNvPr id="719" name="Rounded Rectangle 120"/>
+          <p:cNvSpPr/>
+          <p:nvPr/>
+        </p:nvSpPr>
+        <p:spPr>
+          <a:xfrm>
+            <a:off x="9875520" y="365760"/>
+            <a:ext cx="2009520" cy="500760"/>
+          </a:xfrm>
+          <a:prstGeom prst="roundRect">
+            <a:avLst>
+              <a:gd name="adj" fmla="val 16667"/>
+            </a:avLst>
+          </a:prstGeom>
+          <a:solidFill>
+            <a:srgbClr val="1e1e24"/>
+          </a:solidFill>
+          <a:ln>
+            <a:solidFill>
+              <a:srgbClr val="ff8c00"/>
+            </a:solidFill>
+            <a:round/>
+          </a:ln>
+          <a:effectLst>
+            <a:outerShdw blurRad="39960" dir="5400000" dist="23040" rotWithShape="0">
+              <a:srgbClr val="000000">
+                <a:alpha val="35000"/>
+              </a:srgbClr>
+            </a:outerShdw>
+          </a:effectLst>
+        </p:spPr>
+        <p:style>
+          <a:lnRef idx="1">
+            <a:schemeClr val="accent1"/>
+          </a:lnRef>
+          <a:fillRef idx="3">
+            <a:schemeClr val="accent1"/>
+          </a:fillRef>
+          <a:effectRef idx="2">
+            <a:schemeClr val="accent1"/>
+          </a:effectRef>
+          <a:fontRef idx="minor"/>
+        </p:style>
+        <p:txBody>
+          <a:bodyPr lIns="90000" rIns="90000" tIns="45000" bIns="45000" anchor="ctr">
+            <a:noAutofit/>
+          </a:bodyPr>
+          <a:p>
+            <a:pPr algn="ctr">
+              <a:lnSpc>
+                <a:spcPct val="100000"/>
+              </a:lnSpc>
+            </a:pPr>
+            <a:r>
+              <a:rPr b="1" lang="en-US" sz="1400" spc="-1" strike="noStrike">
+                <a:solidFill>
+                  <a:srgbClr val="ffb45a"/>
+                </a:solidFill>
+                <a:latin typeface="Calibri"/>
+                <a:ea typeface="DejaVu Sans"/>
+              </a:rPr>
+              <a:t>JAVA TEMELLERI</a:t>
+            </a:r>
+            <a:endParaRPr b="0" lang="en-US" sz="1400" spc="-1" strike="noStrike">
+              <a:solidFill>
+                <a:srgbClr val="ffffff"/>
+              </a:solidFill>
+              <a:latin typeface="Arial"/>
+            </a:endParaRPr>
+          </a:p>
+        </p:txBody>
+      </p:sp>
+      <p:sp>
+        <p:nvSpPr>
+          <p:cNvPr id="720" name="TextBox 52"/>
+          <p:cNvSpPr/>
+          <p:nvPr/>
+        </p:nvSpPr>
+        <p:spPr>
+          <a:xfrm>
+            <a:off x="3239640" y="1005840"/>
+            <a:ext cx="4494240" cy="820800"/>
+          </a:xfrm>
+          <a:prstGeom prst="rect">
+            <a:avLst/>
+          </a:prstGeom>
+          <a:noFill/>
+          <a:ln w="0">
+            <a:noFill/>
+          </a:ln>
+        </p:spPr>
+        <p:style>
+          <a:lnRef idx="0"/>
+          <a:fillRef idx="0"/>
+          <a:effectRef idx="0"/>
+          <a:fontRef idx="minor"/>
+        </p:style>
+        <p:txBody>
+          <a:bodyPr wrap="none" lIns="90000" rIns="90000" tIns="45000" bIns="45000" anchor="t">
+            <a:spAutoFit/>
+          </a:bodyPr>
+          <a:p>
+            <a:pPr>
+              <a:lnSpc>
+                <a:spcPct val="100000"/>
+              </a:lnSpc>
+            </a:pPr>
+            <a:r>
+              <a:rPr b="1" lang="en-US" sz="4800" spc="-1" strike="noStrike">
+                <a:solidFill>
+                  <a:srgbClr val="f5f5f5"/>
+                </a:solidFill>
+                <a:latin typeface="Calibri"/>
+                <a:ea typeface="DejaVu Sans"/>
+              </a:rPr>
+              <a:t>Java Değişkenleri</a:t>
+            </a:r>
+            <a:endParaRPr b="0" lang="en-US" sz="4800" spc="-1" strike="noStrike">
+              <a:solidFill>
+                <a:srgbClr val="000000"/>
+              </a:solidFill>
+              <a:latin typeface="Arial"/>
+            </a:endParaRPr>
+          </a:p>
+        </p:txBody>
+      </p:sp>
+      <p:sp>
+        <p:nvSpPr>
+          <p:cNvPr id="721" name="TextBox 53"/>
+          <p:cNvSpPr/>
+          <p:nvPr/>
+        </p:nvSpPr>
+        <p:spPr>
+          <a:xfrm>
+            <a:off x="1310400" y="2013840"/>
+            <a:ext cx="8349840" cy="957960"/>
+          </a:xfrm>
+          <a:prstGeom prst="rect">
+            <a:avLst/>
+          </a:prstGeom>
+          <a:noFill/>
+          <a:ln w="0">
+            <a:noFill/>
+          </a:ln>
+        </p:spPr>
+        <p:style>
+          <a:lnRef idx="0"/>
+          <a:fillRef idx="0"/>
+          <a:effectRef idx="0"/>
+          <a:fontRef idx="minor"/>
+        </p:style>
+        <p:txBody>
+          <a:bodyPr wrap="none" lIns="90000" rIns="90000" tIns="45000" bIns="45000" anchor="t">
+            <a:spAutoFit/>
+          </a:bodyPr>
+          <a:p>
+            <a:pPr>
+              <a:lnSpc>
+                <a:spcPct val="100000"/>
+              </a:lnSpc>
+            </a:pPr>
+            <a:r>
+              <a:rPr b="0" lang="en-US" sz="1900" spc="-1" strike="noStrike">
+                <a:solidFill>
+                  <a:srgbClr val="aaaaaa"/>
+                </a:solidFill>
+                <a:latin typeface="Calibri"/>
+                <a:ea typeface="DejaVu Sans"/>
+              </a:rPr>
+              <a:t>Java Değişkenleri, verileri depolamak için kullanılan isimlendirilmiş bellek alanlarıdır.</a:t>
+            </a:r>
+            <a:endParaRPr b="0" lang="en-US" sz="1900" spc="-1" strike="noStrike">
+              <a:solidFill>
+                <a:srgbClr val="000000"/>
+              </a:solidFill>
+              <a:latin typeface="Arial"/>
+            </a:endParaRPr>
+          </a:p>
+          <a:p>
+            <a:pPr>
+              <a:lnSpc>
+                <a:spcPct val="100000"/>
+              </a:lnSpc>
+            </a:pPr>
+            <a:r>
+              <a:rPr b="0" lang="en-US" sz="1900" spc="-1" strike="noStrike">
+                <a:solidFill>
+                  <a:srgbClr val="aaaaaa"/>
+                </a:solidFill>
+                <a:latin typeface="Calibri"/>
+                <a:ea typeface="DejaVu Sans"/>
+              </a:rPr>
+              <a:t>Her değişken bir veri tipine sahiptir ve </a:t>
+            </a:r>
+            <a:endParaRPr b="0" lang="en-US" sz="1900" spc="-1" strike="noStrike">
+              <a:solidFill>
+                <a:srgbClr val="000000"/>
+              </a:solidFill>
+              <a:latin typeface="Arial"/>
+            </a:endParaRPr>
+          </a:p>
+          <a:p>
+            <a:pPr>
+              <a:lnSpc>
+                <a:spcPct val="100000"/>
+              </a:lnSpc>
+            </a:pPr>
+            <a:r>
+              <a:rPr b="0" lang="en-US" sz="1900" spc="-1" strike="noStrike">
+                <a:solidFill>
+                  <a:srgbClr val="aaaaaa"/>
+                </a:solidFill>
+                <a:latin typeface="Calibri"/>
+                <a:ea typeface="DejaVu Sans"/>
+              </a:rPr>
+              <a:t>bilginin program içinde nasıl saklandığını, erişildiğini ve işlendiğini belirler.</a:t>
+            </a:r>
+            <a:endParaRPr b="0" lang="en-US" sz="1900" spc="-1" strike="noStrike">
+              <a:solidFill>
+                <a:srgbClr val="000000"/>
+              </a:solidFill>
+              <a:latin typeface="Arial"/>
+            </a:endParaRPr>
+          </a:p>
+        </p:txBody>
+      </p:sp>
+      <p:sp>
+        <p:nvSpPr>
+          <p:cNvPr id="722" name="Rounded Rectangle 121"/>
+          <p:cNvSpPr/>
+          <p:nvPr/>
+        </p:nvSpPr>
+        <p:spPr>
+          <a:xfrm>
+            <a:off x="987480" y="3182040"/>
+            <a:ext cx="3289680" cy="2741040"/>
+          </a:xfrm>
+          <a:prstGeom prst="roundRect">
+            <a:avLst>
+              <a:gd name="adj" fmla="val 16667"/>
+            </a:avLst>
+          </a:prstGeom>
+          <a:solidFill>
+            <a:srgbClr val="08080a"/>
+          </a:solidFill>
+          <a:ln>
+            <a:noFill/>
+          </a:ln>
+          <a:effectLst>
+            <a:outerShdw blurRad="39960" dir="5400000" dist="23040" rotWithShape="0">
+              <a:srgbClr val="000000">
+                <a:alpha val="35000"/>
+              </a:srgbClr>
+            </a:outerShdw>
+          </a:effectLst>
+        </p:spPr>
+        <p:style>
+          <a:lnRef idx="1">
+            <a:schemeClr val="accent1"/>
+          </a:lnRef>
+          <a:fillRef idx="3">
+            <a:schemeClr val="accent1"/>
+          </a:fillRef>
+          <a:effectRef idx="2">
+            <a:schemeClr val="accent1"/>
+          </a:effectRef>
+          <a:fontRef idx="minor"/>
+        </p:style>
+        <p:txBody>
+          <a:bodyPr lIns="90000" rIns="90000" tIns="45000" bIns="45000" anchor="ctr">
+            <a:noAutofit/>
+          </a:bodyPr>
+          <a:p>
+            <a:endParaRPr b="0" lang="en-US" sz="1800" spc="-1" strike="noStrike">
+              <a:solidFill>
+                <a:schemeClr val="lt1"/>
+              </a:solidFill>
+              <a:latin typeface="Calibri"/>
+              <a:ea typeface="DejaVu Sans"/>
+            </a:endParaRPr>
+          </a:p>
+        </p:txBody>
+      </p:sp>
+      <p:sp>
+        <p:nvSpPr>
+          <p:cNvPr id="723" name="Rounded Rectangle 122"/>
+          <p:cNvSpPr/>
+          <p:nvPr/>
+        </p:nvSpPr>
+        <p:spPr>
+          <a:xfrm>
+            <a:off x="914400" y="3108960"/>
+            <a:ext cx="3289680" cy="2741040"/>
+          </a:xfrm>
+          <a:prstGeom prst="roundRect">
+            <a:avLst>
+              <a:gd name="adj" fmla="val 16667"/>
+            </a:avLst>
+          </a:prstGeom>
+          <a:solidFill>
+            <a:srgbClr val="16161c"/>
+          </a:solidFill>
+          <a:ln>
+            <a:solidFill>
+              <a:srgbClr val="464655"/>
+            </a:solidFill>
+            <a:round/>
+          </a:ln>
+          <a:effectLst>
+            <a:outerShdw blurRad="39960" dir="5400000" dist="23040" rotWithShape="0">
+              <a:srgbClr val="000000">
+                <a:alpha val="35000"/>
+              </a:srgbClr>
+            </a:outerShdw>
+          </a:effectLst>
+        </p:spPr>
+        <p:style>
+          <a:lnRef idx="1">
+            <a:schemeClr val="accent1"/>
+          </a:lnRef>
+          <a:fillRef idx="3">
+            <a:schemeClr val="accent1"/>
+          </a:fillRef>
+          <a:effectRef idx="2">
+            <a:schemeClr val="accent1"/>
+          </a:effectRef>
+          <a:fontRef idx="minor"/>
+        </p:style>
+        <p:txBody>
+          <a:bodyPr lIns="90000" rIns="90000" tIns="45000" bIns="45000" anchor="ctr">
+            <a:noAutofit/>
+          </a:bodyPr>
+          <a:p>
+            <a:pPr>
+              <a:lnSpc>
+                <a:spcPct val="100000"/>
+              </a:lnSpc>
+            </a:pPr>
+            <a:r>
+              <a:rPr b="0" lang="en-US" sz="1300" spc="-1" strike="noStrike">
+                <a:solidFill>
+                  <a:schemeClr val="lt1"/>
+                </a:solidFill>
+                <a:latin typeface="Calibri"/>
+                <a:ea typeface="DejaVu Sans"/>
+              </a:rPr>
+              <a:t>Değişken Türleri</a:t>
+            </a:r>
+            <a:endParaRPr b="0" lang="en-US" sz="1300" spc="-1" strike="noStrike">
+              <a:solidFill>
+                <a:srgbClr val="ffffff"/>
+              </a:solidFill>
+              <a:latin typeface="Arial"/>
+            </a:endParaRPr>
+          </a:p>
+          <a:p>
+            <a:pPr>
+              <a:lnSpc>
+                <a:spcPct val="100000"/>
+              </a:lnSpc>
+            </a:pPr>
+            <a:endParaRPr b="0" lang="en-US" sz="1300" spc="-1" strike="noStrike">
+              <a:solidFill>
+                <a:srgbClr val="ffffff"/>
+              </a:solidFill>
+              <a:latin typeface="Arial"/>
+            </a:endParaRPr>
+          </a:p>
+          <a:p>
+            <a:pPr>
+              <a:lnSpc>
+                <a:spcPct val="100000"/>
+              </a:lnSpc>
+            </a:pPr>
+            <a:r>
+              <a:rPr b="0" lang="en-US" sz="1300" spc="-1" strike="noStrike">
+                <a:solidFill>
+                  <a:schemeClr val="lt1"/>
+                </a:solidFill>
+                <a:latin typeface="Calibri"/>
+                <a:ea typeface="DejaVu Sans"/>
+              </a:rPr>
+              <a:t>Yerel Değişken (Local Variable)</a:t>
+            </a:r>
+            <a:endParaRPr b="0" lang="en-US" sz="1300" spc="-1" strike="noStrike">
+              <a:solidFill>
+                <a:srgbClr val="ffffff"/>
+              </a:solidFill>
+              <a:latin typeface="Arial"/>
+            </a:endParaRPr>
+          </a:p>
+          <a:p>
+            <a:pPr>
+              <a:lnSpc>
+                <a:spcPct val="100000"/>
+              </a:lnSpc>
+            </a:pPr>
+            <a:r>
+              <a:rPr b="1" lang="en-US" sz="1300" spc="-1" strike="noStrike">
+                <a:solidFill>
+                  <a:schemeClr val="lt1"/>
+                </a:solidFill>
+                <a:latin typeface="Calibri"/>
+                <a:ea typeface="DejaVu Sans"/>
+              </a:rPr>
+              <a:t>• </a:t>
+            </a:r>
+            <a:r>
+              <a:rPr b="1" lang="en-US" sz="1300" spc="-1" strike="noStrike">
+                <a:solidFill>
+                  <a:schemeClr val="lt1"/>
+                </a:solidFill>
+                <a:latin typeface="Calibri"/>
+                <a:ea typeface="DejaVu Sans"/>
+              </a:rPr>
+              <a:t>Metot içinde tanımlanır</a:t>
+            </a:r>
+            <a:endParaRPr b="0" lang="en-US" sz="1300" spc="-1" strike="noStrike">
+              <a:solidFill>
+                <a:srgbClr val="ffffff"/>
+              </a:solidFill>
+              <a:latin typeface="Arial"/>
+            </a:endParaRPr>
+          </a:p>
+          <a:p>
+            <a:pPr>
+              <a:lnSpc>
+                <a:spcPct val="100000"/>
+              </a:lnSpc>
+            </a:pPr>
+            <a:r>
+              <a:rPr b="1" lang="en-US" sz="1300" spc="-1" strike="noStrike">
+                <a:solidFill>
+                  <a:schemeClr val="lt1"/>
+                </a:solidFill>
+                <a:latin typeface="Calibri"/>
+                <a:ea typeface="DejaVu Sans"/>
+              </a:rPr>
+              <a:t>• </a:t>
+            </a:r>
+            <a:r>
+              <a:rPr b="1" lang="en-US" sz="1300" spc="-1" strike="noStrike">
+                <a:solidFill>
+                  <a:schemeClr val="lt1"/>
+                </a:solidFill>
+                <a:latin typeface="Calibri"/>
+                <a:ea typeface="DejaVu Sans"/>
+              </a:rPr>
+              <a:t>Sadece metot çalıştığı sürece var olur</a:t>
+            </a:r>
+            <a:endParaRPr b="0" lang="en-US" sz="1300" spc="-1" strike="noStrike">
+              <a:solidFill>
+                <a:srgbClr val="ffffff"/>
+              </a:solidFill>
+              <a:latin typeface="Arial"/>
+            </a:endParaRPr>
+          </a:p>
+          <a:p>
+            <a:pPr>
+              <a:lnSpc>
+                <a:spcPct val="100000"/>
+              </a:lnSpc>
+            </a:pPr>
+            <a:endParaRPr b="0" lang="en-US" sz="1300" spc="-1" strike="noStrike">
+              <a:solidFill>
+                <a:srgbClr val="ffffff"/>
+              </a:solidFill>
+              <a:latin typeface="Arial"/>
+            </a:endParaRPr>
+          </a:p>
+          <a:p>
+            <a:pPr>
+              <a:lnSpc>
+                <a:spcPct val="100000"/>
+              </a:lnSpc>
+            </a:pPr>
+            <a:r>
+              <a:rPr b="0" lang="en-US" sz="1300" spc="-1" strike="noStrike">
+                <a:solidFill>
+                  <a:schemeClr val="lt1"/>
+                </a:solidFill>
+                <a:latin typeface="Calibri"/>
+                <a:ea typeface="DejaVu Sans"/>
+              </a:rPr>
+              <a:t>Örnek Değişken (Instance Variable)</a:t>
+            </a:r>
+            <a:endParaRPr b="0" lang="en-US" sz="1300" spc="-1" strike="noStrike">
+              <a:solidFill>
+                <a:srgbClr val="ffffff"/>
+              </a:solidFill>
+              <a:latin typeface="Arial"/>
+            </a:endParaRPr>
+          </a:p>
+          <a:p>
+            <a:pPr>
+              <a:lnSpc>
+                <a:spcPct val="100000"/>
+              </a:lnSpc>
+            </a:pPr>
+            <a:r>
+              <a:rPr b="1" lang="en-US" sz="1300" spc="-1" strike="noStrike">
+                <a:solidFill>
+                  <a:schemeClr val="lt1"/>
+                </a:solidFill>
+                <a:latin typeface="Calibri"/>
+                <a:ea typeface="DejaVu Sans"/>
+              </a:rPr>
+              <a:t>• </a:t>
+            </a:r>
+            <a:r>
+              <a:rPr b="1" lang="en-US" sz="1300" spc="-1" strike="noStrike">
+                <a:solidFill>
+                  <a:schemeClr val="lt1"/>
+                </a:solidFill>
+                <a:latin typeface="Calibri"/>
+                <a:ea typeface="DejaVu Sans"/>
+              </a:rPr>
+              <a:t>Sınıf içinde tanımlanır</a:t>
+            </a:r>
+            <a:endParaRPr b="0" lang="en-US" sz="1300" spc="-1" strike="noStrike">
+              <a:solidFill>
+                <a:srgbClr val="ffffff"/>
+              </a:solidFill>
+              <a:latin typeface="Arial"/>
+            </a:endParaRPr>
+          </a:p>
+          <a:p>
+            <a:pPr>
+              <a:lnSpc>
+                <a:spcPct val="100000"/>
+              </a:lnSpc>
+            </a:pPr>
+            <a:r>
+              <a:rPr b="1" lang="en-US" sz="1300" spc="-1" strike="noStrike">
+                <a:solidFill>
+                  <a:schemeClr val="lt1"/>
+                </a:solidFill>
+                <a:latin typeface="Calibri"/>
+                <a:ea typeface="DejaVu Sans"/>
+              </a:rPr>
+              <a:t>• </a:t>
+            </a:r>
+            <a:r>
+              <a:rPr b="1" lang="en-US" sz="1300" spc="-1" strike="noStrike">
+                <a:solidFill>
+                  <a:schemeClr val="lt1"/>
+                </a:solidFill>
+                <a:latin typeface="Calibri"/>
+                <a:ea typeface="DejaVu Sans"/>
+              </a:rPr>
+              <a:t>Her nesneye aittir</a:t>
+            </a:r>
+            <a:endParaRPr b="0" lang="en-US" sz="1300" spc="-1" strike="noStrike">
+              <a:solidFill>
+                <a:srgbClr val="ffffff"/>
+              </a:solidFill>
+              <a:latin typeface="Arial"/>
+            </a:endParaRPr>
+          </a:p>
+          <a:p>
+            <a:pPr>
+              <a:lnSpc>
+                <a:spcPct val="100000"/>
+              </a:lnSpc>
+            </a:pPr>
+            <a:endParaRPr b="0" lang="en-US" sz="1300" spc="-1" strike="noStrike">
+              <a:solidFill>
+                <a:srgbClr val="ffffff"/>
+              </a:solidFill>
+              <a:latin typeface="Arial"/>
+            </a:endParaRPr>
+          </a:p>
+          <a:p>
+            <a:pPr>
+              <a:lnSpc>
+                <a:spcPct val="100000"/>
+              </a:lnSpc>
+            </a:pPr>
+            <a:r>
+              <a:rPr b="0" lang="en-US" sz="1300" spc="-1" strike="noStrike">
+                <a:solidFill>
+                  <a:schemeClr val="lt1"/>
+                </a:solidFill>
+                <a:latin typeface="Calibri"/>
+                <a:ea typeface="DejaVu Sans"/>
+              </a:rPr>
+              <a:t>Statik Değişken (Static Variable)</a:t>
+            </a:r>
+            <a:endParaRPr b="0" lang="en-US" sz="1300" spc="-1" strike="noStrike">
+              <a:solidFill>
+                <a:srgbClr val="ffffff"/>
+              </a:solidFill>
+              <a:latin typeface="Arial"/>
+            </a:endParaRPr>
+          </a:p>
+          <a:p>
+            <a:pPr>
+              <a:lnSpc>
+                <a:spcPct val="100000"/>
+              </a:lnSpc>
+            </a:pPr>
+            <a:r>
+              <a:rPr b="1" lang="en-US" sz="1300" spc="-1" strike="noStrike">
+                <a:solidFill>
+                  <a:schemeClr val="lt1"/>
+                </a:solidFill>
+                <a:latin typeface="Calibri"/>
+                <a:ea typeface="DejaVu Sans"/>
+              </a:rPr>
+              <a:t>• </a:t>
+            </a:r>
+            <a:r>
+              <a:rPr b="1" lang="en-US" sz="1300" spc="-1" strike="noStrike">
+                <a:solidFill>
+                  <a:schemeClr val="lt1"/>
+                </a:solidFill>
+                <a:latin typeface="Calibri"/>
+                <a:ea typeface="DejaVu Sans"/>
+              </a:rPr>
+              <a:t>static anahtar kelimesi ile tanımlanır</a:t>
+            </a:r>
+            <a:endParaRPr b="0" lang="en-US" sz="1300" spc="-1" strike="noStrike">
+              <a:solidFill>
+                <a:srgbClr val="ffffff"/>
+              </a:solidFill>
+              <a:latin typeface="Arial"/>
+            </a:endParaRPr>
+          </a:p>
+          <a:p>
+            <a:pPr>
+              <a:lnSpc>
+                <a:spcPct val="100000"/>
+              </a:lnSpc>
+            </a:pPr>
+            <a:r>
+              <a:rPr b="1" lang="en-US" sz="1300" spc="-1" strike="noStrike">
+                <a:solidFill>
+                  <a:schemeClr val="lt1"/>
+                </a:solidFill>
+                <a:latin typeface="Calibri"/>
+                <a:ea typeface="DejaVu Sans"/>
+              </a:rPr>
+              <a:t>• </a:t>
+            </a:r>
+            <a:r>
+              <a:rPr b="1" lang="en-US" sz="1300" spc="-1" strike="noStrike">
+                <a:solidFill>
+                  <a:schemeClr val="lt1"/>
+                </a:solidFill>
+                <a:latin typeface="Calibri"/>
+                <a:ea typeface="DejaVu Sans"/>
+              </a:rPr>
+              <a:t>Tüm nesneler arasında paylaşılır</a:t>
+            </a:r>
+            <a:endParaRPr b="0" lang="en-US" sz="1300" spc="-1" strike="noStrike">
+              <a:solidFill>
+                <a:srgbClr val="ffffff"/>
+              </a:solidFill>
+              <a:latin typeface="Arial"/>
+            </a:endParaRPr>
+          </a:p>
+        </p:txBody>
+      </p:sp>
+      <p:sp>
+        <p:nvSpPr>
+          <p:cNvPr id="724" name="Rounded Rectangle 123"/>
+          <p:cNvSpPr/>
+          <p:nvPr/>
+        </p:nvSpPr>
+        <p:spPr>
+          <a:xfrm>
+            <a:off x="4507920" y="3182040"/>
+            <a:ext cx="3289680" cy="2741040"/>
+          </a:xfrm>
+          <a:prstGeom prst="roundRect">
+            <a:avLst>
+              <a:gd name="adj" fmla="val 16667"/>
+            </a:avLst>
+          </a:prstGeom>
+          <a:solidFill>
+            <a:srgbClr val="08080a"/>
+          </a:solidFill>
+          <a:ln>
+            <a:noFill/>
+          </a:ln>
+          <a:effectLst>
+            <a:outerShdw blurRad="39960" dir="5400000" dist="23040" rotWithShape="0">
+              <a:srgbClr val="000000">
+                <a:alpha val="35000"/>
+              </a:srgbClr>
+            </a:outerShdw>
+          </a:effectLst>
+        </p:spPr>
+        <p:style>
+          <a:lnRef idx="1">
+            <a:schemeClr val="accent1"/>
+          </a:lnRef>
+          <a:fillRef idx="3">
+            <a:schemeClr val="accent1"/>
+          </a:fillRef>
+          <a:effectRef idx="2">
+            <a:schemeClr val="accent1"/>
+          </a:effectRef>
+          <a:fontRef idx="minor"/>
+        </p:style>
+        <p:txBody>
+          <a:bodyPr lIns="90000" rIns="90000" tIns="45000" bIns="45000" anchor="ctr">
+            <a:noAutofit/>
+          </a:bodyPr>
+          <a:p>
+            <a:endParaRPr b="0" lang="en-US" sz="1800" spc="-1" strike="noStrike">
+              <a:solidFill>
+                <a:schemeClr val="lt1"/>
+              </a:solidFill>
+              <a:latin typeface="Calibri"/>
+              <a:ea typeface="DejaVu Sans"/>
+            </a:endParaRPr>
+          </a:p>
+        </p:txBody>
+      </p:sp>
+      <p:sp>
+        <p:nvSpPr>
+          <p:cNvPr id="725" name="Rounded Rectangle 124"/>
+          <p:cNvSpPr/>
+          <p:nvPr/>
+        </p:nvSpPr>
+        <p:spPr>
+          <a:xfrm>
+            <a:off x="4434840" y="3108960"/>
+            <a:ext cx="3289680" cy="2741040"/>
+          </a:xfrm>
+          <a:prstGeom prst="roundRect">
+            <a:avLst>
+              <a:gd name="adj" fmla="val 16667"/>
+            </a:avLst>
+          </a:prstGeom>
+          <a:solidFill>
+            <a:srgbClr val="16161c"/>
+          </a:solidFill>
+          <a:ln>
+            <a:solidFill>
+              <a:srgbClr val="464655"/>
+            </a:solidFill>
+            <a:round/>
+          </a:ln>
+          <a:effectLst>
+            <a:outerShdw blurRad="39960" dir="5400000" dist="23040" rotWithShape="0">
+              <a:srgbClr val="000000">
+                <a:alpha val="35000"/>
+              </a:srgbClr>
+            </a:outerShdw>
+          </a:effectLst>
+        </p:spPr>
+        <p:style>
+          <a:lnRef idx="1">
+            <a:schemeClr val="accent1"/>
+          </a:lnRef>
+          <a:fillRef idx="3">
+            <a:schemeClr val="accent1"/>
+          </a:fillRef>
+          <a:effectRef idx="2">
+            <a:schemeClr val="accent1"/>
+          </a:effectRef>
+          <a:fontRef idx="minor"/>
+        </p:style>
+        <p:txBody>
+          <a:bodyPr lIns="90000" rIns="90000" tIns="45000" bIns="45000" anchor="ctr">
+            <a:noAutofit/>
+          </a:bodyPr>
+          <a:p>
+            <a:pPr>
+              <a:lnSpc>
+                <a:spcPct val="100000"/>
+              </a:lnSpc>
+            </a:pPr>
+            <a:r>
+              <a:rPr b="0" lang="en-US" sz="1800" spc="-1" strike="noStrike">
+                <a:solidFill>
+                  <a:schemeClr val="lt1"/>
+                </a:solidFill>
+                <a:latin typeface="Calibri"/>
+                <a:ea typeface="DejaVu Sans"/>
+              </a:rPr>
+              <a:t>Veri Tipi Kategorileri</a:t>
+            </a:r>
+            <a:endParaRPr b="0" lang="en-US" sz="1800" spc="-1" strike="noStrike">
+              <a:solidFill>
+                <a:srgbClr val="ffffff"/>
+              </a:solidFill>
+              <a:latin typeface="Arial"/>
+            </a:endParaRPr>
+          </a:p>
+          <a:p>
+            <a:pPr>
+              <a:lnSpc>
+                <a:spcPct val="100000"/>
+              </a:lnSpc>
+            </a:pPr>
+            <a:endParaRPr b="0" lang="en-US" sz="1800" spc="-1" strike="noStrike">
+              <a:solidFill>
+                <a:srgbClr val="ffffff"/>
+              </a:solidFill>
+              <a:latin typeface="Arial"/>
+            </a:endParaRPr>
+          </a:p>
+          <a:p>
+            <a:pPr>
+              <a:lnSpc>
+                <a:spcPct val="100000"/>
+              </a:lnSpc>
+            </a:pPr>
+            <a:r>
+              <a:rPr b="0" lang="en-US" sz="1800" spc="-1" strike="noStrike">
+                <a:solidFill>
+                  <a:schemeClr val="lt1"/>
+                </a:solidFill>
+                <a:latin typeface="Calibri"/>
+                <a:ea typeface="DejaVu Sans"/>
+              </a:rPr>
+              <a:t>İlkel Tipler (Primitive Types)</a:t>
+            </a:r>
+            <a:endParaRPr b="0" lang="en-US" sz="1800" spc="-1" strike="noStrike">
+              <a:solidFill>
+                <a:srgbClr val="ffffff"/>
+              </a:solidFill>
+              <a:latin typeface="Arial"/>
+            </a:endParaRPr>
+          </a:p>
+          <a:p>
+            <a:pPr>
+              <a:lnSpc>
+                <a:spcPct val="100000"/>
+              </a:lnSpc>
+            </a:pPr>
+            <a:r>
+              <a:rPr b="0" lang="en-US" sz="1800" spc="-1" strike="noStrike">
+                <a:solidFill>
+                  <a:schemeClr val="lt1"/>
+                </a:solidFill>
+                <a:latin typeface="Calibri"/>
+                <a:ea typeface="DejaVu Sans"/>
+              </a:rPr>
+              <a:t>int, double, char, boolean, long, float</a:t>
+            </a:r>
+            <a:endParaRPr b="0" lang="en-US" sz="1800" spc="-1" strike="noStrike">
+              <a:solidFill>
+                <a:srgbClr val="ffffff"/>
+              </a:solidFill>
+              <a:latin typeface="Arial"/>
+            </a:endParaRPr>
+          </a:p>
+          <a:p>
+            <a:pPr>
+              <a:lnSpc>
+                <a:spcPct val="100000"/>
+              </a:lnSpc>
+            </a:pPr>
+            <a:endParaRPr b="0" lang="en-US" sz="1800" spc="-1" strike="noStrike">
+              <a:solidFill>
+                <a:srgbClr val="ffffff"/>
+              </a:solidFill>
+              <a:latin typeface="Arial"/>
+            </a:endParaRPr>
+          </a:p>
+          <a:p>
+            <a:pPr>
+              <a:lnSpc>
+                <a:spcPct val="100000"/>
+              </a:lnSpc>
+            </a:pPr>
+            <a:r>
+              <a:rPr b="0" lang="en-US" sz="1800" spc="-1" strike="noStrike">
+                <a:solidFill>
+                  <a:schemeClr val="lt1"/>
+                </a:solidFill>
+                <a:latin typeface="Calibri"/>
+                <a:ea typeface="DejaVu Sans"/>
+              </a:rPr>
+              <a:t>Referans Tipler (Reference Types)</a:t>
+            </a:r>
+            <a:endParaRPr b="0" lang="en-US" sz="1800" spc="-1" strike="noStrike">
+              <a:solidFill>
+                <a:srgbClr val="ffffff"/>
+              </a:solidFill>
+              <a:latin typeface="Arial"/>
+            </a:endParaRPr>
+          </a:p>
+          <a:p>
+            <a:pPr>
+              <a:lnSpc>
+                <a:spcPct val="100000"/>
+              </a:lnSpc>
+            </a:pPr>
+            <a:r>
+              <a:rPr b="0" lang="en-US" sz="1800" spc="-1" strike="noStrike">
+                <a:solidFill>
+                  <a:schemeClr val="lt1"/>
+                </a:solidFill>
+                <a:latin typeface="Calibri"/>
+                <a:ea typeface="DejaVu Sans"/>
+              </a:rPr>
+              <a:t>String, Diziler (Arrays), Nesneler (Objects)</a:t>
+            </a:r>
+            <a:endParaRPr b="0" lang="en-US" sz="1800" spc="-1" strike="noStrike">
+              <a:solidFill>
+                <a:srgbClr val="ffffff"/>
+              </a:solidFill>
+              <a:latin typeface="Arial"/>
+            </a:endParaRPr>
+          </a:p>
+        </p:txBody>
+      </p:sp>
+      <p:sp>
+        <p:nvSpPr>
+          <p:cNvPr id="726" name="Rounded Rectangle 125"/>
+          <p:cNvSpPr/>
+          <p:nvPr/>
+        </p:nvSpPr>
+        <p:spPr>
+          <a:xfrm>
+            <a:off x="8028360" y="3182040"/>
+            <a:ext cx="3289680" cy="2741040"/>
+          </a:xfrm>
+          <a:prstGeom prst="roundRect">
+            <a:avLst>
+              <a:gd name="adj" fmla="val 16667"/>
+            </a:avLst>
+          </a:prstGeom>
+          <a:solidFill>
+            <a:srgbClr val="08080a"/>
+          </a:solidFill>
+          <a:ln>
+            <a:noFill/>
+          </a:ln>
+          <a:effectLst>
+            <a:outerShdw blurRad="39960" dir="5400000" dist="23040" rotWithShape="0">
+              <a:srgbClr val="000000">
+                <a:alpha val="35000"/>
+              </a:srgbClr>
+            </a:outerShdw>
+          </a:effectLst>
+        </p:spPr>
+        <p:style>
+          <a:lnRef idx="1">
+            <a:schemeClr val="accent1"/>
+          </a:lnRef>
+          <a:fillRef idx="3">
+            <a:schemeClr val="accent1"/>
+          </a:fillRef>
+          <a:effectRef idx="2">
+            <a:schemeClr val="accent1"/>
+          </a:effectRef>
+          <a:fontRef idx="minor"/>
+        </p:style>
+        <p:txBody>
+          <a:bodyPr lIns="90000" rIns="90000" tIns="45000" bIns="45000" anchor="ctr">
+            <a:noAutofit/>
+          </a:bodyPr>
+          <a:p>
+            <a:endParaRPr b="0" lang="en-US" sz="1800" spc="-1" strike="noStrike">
+              <a:solidFill>
+                <a:schemeClr val="lt1"/>
+              </a:solidFill>
+              <a:latin typeface="Calibri"/>
+              <a:ea typeface="DejaVu Sans"/>
+            </a:endParaRPr>
+          </a:p>
+        </p:txBody>
+      </p:sp>
+      <p:sp>
+        <p:nvSpPr>
+          <p:cNvPr id="727" name="Rounded Rectangle 126"/>
+          <p:cNvSpPr/>
+          <p:nvPr/>
+        </p:nvSpPr>
+        <p:spPr>
+          <a:xfrm>
+            <a:off x="7955280" y="2971800"/>
+            <a:ext cx="3289680" cy="3428640"/>
+          </a:xfrm>
+          <a:prstGeom prst="roundRect">
+            <a:avLst>
+              <a:gd name="adj" fmla="val 16667"/>
+            </a:avLst>
+          </a:prstGeom>
+          <a:solidFill>
+            <a:srgbClr val="16161c"/>
+          </a:solidFill>
+          <a:ln>
+            <a:solidFill>
+              <a:srgbClr val="464655"/>
+            </a:solidFill>
+            <a:round/>
+          </a:ln>
+          <a:effectLst>
+            <a:outerShdw blurRad="39960" dir="5400000" dist="23040" rotWithShape="0">
+              <a:srgbClr val="000000">
+                <a:alpha val="35000"/>
+              </a:srgbClr>
+            </a:outerShdw>
+          </a:effectLst>
+        </p:spPr>
+        <p:style>
+          <a:lnRef idx="1">
+            <a:schemeClr val="accent1"/>
+          </a:lnRef>
+          <a:fillRef idx="3">
+            <a:schemeClr val="accent1"/>
+          </a:fillRef>
+          <a:effectRef idx="2">
+            <a:schemeClr val="accent1"/>
+          </a:effectRef>
+          <a:fontRef idx="minor"/>
+        </p:style>
+        <p:txBody>
+          <a:bodyPr lIns="90000" rIns="90000" tIns="45000" bIns="45000" anchor="ctr">
+            <a:noAutofit/>
+          </a:bodyPr>
+          <a:p>
+            <a:pPr algn="ctr">
+              <a:lnSpc>
+                <a:spcPct val="100000"/>
+              </a:lnSpc>
+            </a:pPr>
+            <a:endParaRPr b="0" lang="en-US" sz="1300" spc="-1" strike="noStrike">
+              <a:solidFill>
+                <a:srgbClr val="ffffff"/>
+              </a:solidFill>
+              <a:latin typeface="Arial"/>
+            </a:endParaRPr>
+          </a:p>
+          <a:p>
+            <a:pPr algn="ctr">
+              <a:lnSpc>
+                <a:spcPct val="100000"/>
+              </a:lnSpc>
+            </a:pPr>
+            <a:r>
+              <a:rPr b="0" lang="en-US" sz="1300" spc="-1" strike="noStrike">
+                <a:solidFill>
+                  <a:srgbClr val="78ffc8"/>
+                </a:solidFill>
+                <a:latin typeface="Consolas"/>
+                <a:ea typeface="DejaVu Sans"/>
+              </a:rPr>
+              <a:t>public class Student {</a:t>
+            </a:r>
+            <a:endParaRPr b="0" lang="en-US" sz="1300" spc="-1" strike="noStrike">
+              <a:solidFill>
+                <a:srgbClr val="ffffff"/>
+              </a:solidFill>
+              <a:latin typeface="Arial"/>
+            </a:endParaRPr>
+          </a:p>
+          <a:p>
+            <a:pPr algn="ctr">
+              <a:lnSpc>
+                <a:spcPct val="100000"/>
+              </a:lnSpc>
+            </a:pPr>
+            <a:endParaRPr b="0" lang="en-US" sz="1300" spc="-1" strike="noStrike">
+              <a:solidFill>
+                <a:srgbClr val="ffffff"/>
+              </a:solidFill>
+              <a:latin typeface="Arial"/>
+            </a:endParaRPr>
+          </a:p>
+          <a:p>
+            <a:pPr algn="ctr">
+              <a:lnSpc>
+                <a:spcPct val="100000"/>
+              </a:lnSpc>
+            </a:pPr>
+            <a:r>
+              <a:rPr b="0" lang="en-US" sz="1300" spc="-1" strike="noStrike">
+                <a:solidFill>
+                  <a:srgbClr val="78ffc8"/>
+                </a:solidFill>
+                <a:latin typeface="Consolas"/>
+                <a:ea typeface="DejaVu Sans"/>
+              </a:rPr>
+              <a:t>    </a:t>
+            </a:r>
+            <a:r>
+              <a:rPr b="0" lang="en-US" sz="1300" spc="-1" strike="noStrike">
+                <a:solidFill>
+                  <a:srgbClr val="78ffc8"/>
+                </a:solidFill>
+                <a:latin typeface="Consolas"/>
+                <a:ea typeface="DejaVu Sans"/>
+              </a:rPr>
+              <a:t>String name;            // Örnek değişken</a:t>
+            </a:r>
+            <a:endParaRPr b="0" lang="en-US" sz="1300" spc="-1" strike="noStrike">
+              <a:solidFill>
+                <a:srgbClr val="ffffff"/>
+              </a:solidFill>
+              <a:latin typeface="Arial"/>
+            </a:endParaRPr>
+          </a:p>
+          <a:p>
+            <a:pPr algn="ctr">
+              <a:lnSpc>
+                <a:spcPct val="100000"/>
+              </a:lnSpc>
+            </a:pPr>
+            <a:r>
+              <a:rPr b="0" lang="en-US" sz="1300" spc="-1" strike="noStrike">
+                <a:solidFill>
+                  <a:srgbClr val="78ffc8"/>
+                </a:solidFill>
+                <a:latin typeface="Consolas"/>
+                <a:ea typeface="DejaVu Sans"/>
+              </a:rPr>
+              <a:t>    </a:t>
+            </a:r>
+            <a:r>
+              <a:rPr b="0" lang="en-US" sz="1300" spc="-1" strike="noStrike">
+                <a:solidFill>
+                  <a:srgbClr val="78ffc8"/>
+                </a:solidFill>
+                <a:latin typeface="Consolas"/>
+                <a:ea typeface="DejaVu Sans"/>
+              </a:rPr>
+              <a:t>static String school = "Tech University";  // Statik değişken</a:t>
+            </a:r>
+            <a:endParaRPr b="0" lang="en-US" sz="1300" spc="-1" strike="noStrike">
+              <a:solidFill>
+                <a:srgbClr val="ffffff"/>
+              </a:solidFill>
+              <a:latin typeface="Arial"/>
+            </a:endParaRPr>
+          </a:p>
+          <a:p>
+            <a:pPr algn="ctr">
+              <a:lnSpc>
+                <a:spcPct val="100000"/>
+              </a:lnSpc>
+            </a:pPr>
+            <a:endParaRPr b="0" lang="en-US" sz="1300" spc="-1" strike="noStrike">
+              <a:solidFill>
+                <a:srgbClr val="ffffff"/>
+              </a:solidFill>
+              <a:latin typeface="Arial"/>
+            </a:endParaRPr>
+          </a:p>
+          <a:p>
+            <a:pPr algn="ctr">
+              <a:lnSpc>
+                <a:spcPct val="100000"/>
+              </a:lnSpc>
+            </a:pPr>
+            <a:r>
+              <a:rPr b="0" lang="en-US" sz="1300" spc="-1" strike="noStrike">
+                <a:solidFill>
+                  <a:srgbClr val="78ffc8"/>
+                </a:solidFill>
+                <a:latin typeface="Consolas"/>
+                <a:ea typeface="DejaVu Sans"/>
+              </a:rPr>
+              <a:t>    </a:t>
+            </a:r>
+            <a:r>
+              <a:rPr b="0" lang="en-US" sz="1300" spc="-1" strike="noStrike">
+                <a:solidFill>
+                  <a:srgbClr val="78ffc8"/>
+                </a:solidFill>
+                <a:latin typeface="Consolas"/>
+                <a:ea typeface="DejaVu Sans"/>
+              </a:rPr>
+              <a:t>public void display() {</a:t>
+            </a:r>
+            <a:endParaRPr b="0" lang="en-US" sz="1300" spc="-1" strike="noStrike">
+              <a:solidFill>
+                <a:srgbClr val="ffffff"/>
+              </a:solidFill>
+              <a:latin typeface="Arial"/>
+            </a:endParaRPr>
+          </a:p>
+          <a:p>
+            <a:pPr algn="ctr">
+              <a:lnSpc>
+                <a:spcPct val="100000"/>
+              </a:lnSpc>
+            </a:pPr>
+            <a:r>
+              <a:rPr b="0" lang="en-US" sz="1300" spc="-1" strike="noStrike">
+                <a:solidFill>
+                  <a:srgbClr val="78ffc8"/>
+                </a:solidFill>
+                <a:latin typeface="Consolas"/>
+                <a:ea typeface="DejaVu Sans"/>
+              </a:rPr>
+              <a:t>        </a:t>
+            </a:r>
+            <a:r>
+              <a:rPr b="0" lang="en-US" sz="1300" spc="-1" strike="noStrike">
+                <a:solidFill>
+                  <a:srgbClr val="78ffc8"/>
+                </a:solidFill>
+                <a:latin typeface="Consolas"/>
+                <a:ea typeface="DejaVu Sans"/>
+              </a:rPr>
+              <a:t>int age = 20;       // Yerel değişken</a:t>
+            </a:r>
+            <a:endParaRPr b="0" lang="en-US" sz="1300" spc="-1" strike="noStrike">
+              <a:solidFill>
+                <a:srgbClr val="ffffff"/>
+              </a:solidFill>
+              <a:latin typeface="Arial"/>
+            </a:endParaRPr>
+          </a:p>
+          <a:p>
+            <a:pPr algn="ctr">
+              <a:lnSpc>
+                <a:spcPct val="100000"/>
+              </a:lnSpc>
+            </a:pPr>
+            <a:r>
+              <a:rPr b="0" lang="en-US" sz="1300" spc="-1" strike="noStrike">
+                <a:solidFill>
+                  <a:srgbClr val="78ffc8"/>
+                </a:solidFill>
+                <a:latin typeface="Consolas"/>
+                <a:ea typeface="DejaVu Sans"/>
+              </a:rPr>
+              <a:t>        </a:t>
+            </a:r>
+            <a:r>
+              <a:rPr b="0" lang="en-US" sz="1300" spc="-1" strike="noStrike">
+                <a:solidFill>
+                  <a:srgbClr val="78ffc8"/>
+                </a:solidFill>
+                <a:latin typeface="Consolas"/>
+                <a:ea typeface="DejaVu Sans"/>
+              </a:rPr>
+              <a:t>System.out.println(name + " - " + age + " - " + school);</a:t>
+            </a:r>
+            <a:endParaRPr b="0" lang="en-US" sz="1300" spc="-1" strike="noStrike">
+              <a:solidFill>
+                <a:srgbClr val="ffffff"/>
+              </a:solidFill>
+              <a:latin typeface="Arial"/>
+            </a:endParaRPr>
+          </a:p>
+          <a:p>
+            <a:pPr algn="ctr">
+              <a:lnSpc>
+                <a:spcPct val="100000"/>
+              </a:lnSpc>
+            </a:pPr>
+            <a:r>
+              <a:rPr b="0" lang="en-US" sz="1300" spc="-1" strike="noStrike">
+                <a:solidFill>
+                  <a:srgbClr val="78ffc8"/>
+                </a:solidFill>
+                <a:latin typeface="Consolas"/>
+                <a:ea typeface="DejaVu Sans"/>
+              </a:rPr>
+              <a:t>    </a:t>
+            </a:r>
+            <a:r>
+              <a:rPr b="0" lang="en-US" sz="1300" spc="-1" strike="noStrike">
+                <a:solidFill>
+                  <a:srgbClr val="78ffc8"/>
+                </a:solidFill>
+                <a:latin typeface="Consolas"/>
+                <a:ea typeface="DejaVu Sans"/>
+              </a:rPr>
+              <a:t>}</a:t>
+            </a:r>
+            <a:endParaRPr b="0" lang="en-US" sz="1300" spc="-1" strike="noStrike">
+              <a:solidFill>
+                <a:srgbClr val="ffffff"/>
+              </a:solidFill>
+              <a:latin typeface="Arial"/>
+            </a:endParaRPr>
+          </a:p>
+          <a:p>
+            <a:pPr algn="ctr">
+              <a:lnSpc>
+                <a:spcPct val="100000"/>
+              </a:lnSpc>
+            </a:pPr>
+            <a:r>
+              <a:rPr b="0" lang="en-US" sz="1300" spc="-1" strike="noStrike">
+                <a:solidFill>
+                  <a:srgbClr val="78ffc8"/>
+                </a:solidFill>
+                <a:latin typeface="Consolas"/>
+                <a:ea typeface="DejaVu Sans"/>
+              </a:rPr>
+              <a:t>}</a:t>
+            </a:r>
+            <a:endParaRPr b="0" lang="en-US" sz="1300" spc="-1" strike="noStrike">
+              <a:solidFill>
+                <a:srgbClr val="ffffff"/>
+              </a:solidFill>
+              <a:latin typeface="Arial"/>
+            </a:endParaRPr>
+          </a:p>
+          <a:p>
+            <a:pPr algn="ctr">
+              <a:lnSpc>
+                <a:spcPct val="100000"/>
+              </a:lnSpc>
+            </a:pPr>
+            <a:endParaRPr b="0" lang="en-US" sz="1300" spc="-1" strike="noStrike">
+              <a:solidFill>
+                <a:srgbClr val="ffffff"/>
+              </a:solidFill>
+              <a:latin typeface="Arial"/>
+            </a:endParaRPr>
+          </a:p>
+          <a:p>
+            <a:pPr algn="ctr">
+              <a:lnSpc>
+                <a:spcPct val="100000"/>
+              </a:lnSpc>
+            </a:pPr>
+            <a:endParaRPr b="0" lang="en-US" sz="1300" spc="-1" strike="noStrike">
+              <a:solidFill>
+                <a:srgbClr val="ffffff"/>
+              </a:solidFill>
+              <a:latin typeface="Arial"/>
+            </a:endParaRPr>
+          </a:p>
+        </p:txBody>
+      </p:sp>
+      <p:sp>
+        <p:nvSpPr>
+          <p:cNvPr id="728" name="TextBox 54"/>
+          <p:cNvSpPr/>
+          <p:nvPr/>
+        </p:nvSpPr>
+        <p:spPr>
+          <a:xfrm>
+            <a:off x="4600080" y="6446520"/>
+            <a:ext cx="3051000" cy="363960"/>
           </a:xfrm>
           <a:prstGeom prst="rect">
             <a:avLst/>
@@ -37127,7 +42278,7 @@
         <p:spPr>
           <a:xfrm>
             <a:off x="0" y="0"/>
-            <a:ext cx="12183840" cy="6852960"/>
+            <a:ext cx="12183480" cy="6852600"/>
           </a:xfrm>
           <a:prstGeom prst="rect">
             <a:avLst/>
@@ -37187,7 +42338,7 @@
         <p:spPr>
           <a:xfrm>
             <a:off x="0" y="0"/>
-            <a:ext cx="13320" cy="6852960"/>
+            <a:ext cx="12960" cy="6852600"/>
           </a:xfrm>
           <a:prstGeom prst="rect">
             <a:avLst/>
@@ -37247,7 +42398,7 @@
         <p:spPr>
           <a:xfrm>
             <a:off x="914400" y="0"/>
-            <a:ext cx="13320" cy="6852960"/>
+            <a:ext cx="12960" cy="6852600"/>
           </a:xfrm>
           <a:prstGeom prst="rect">
             <a:avLst/>
@@ -37307,7 +42458,7 @@
         <p:spPr>
           <a:xfrm>
             <a:off x="1828800" y="0"/>
-            <a:ext cx="13320" cy="6852960"/>
+            <a:ext cx="12960" cy="6852600"/>
           </a:xfrm>
           <a:prstGeom prst="rect">
             <a:avLst/>
@@ -37367,7 +42518,7 @@
         <p:spPr>
           <a:xfrm>
             <a:off x="2743200" y="0"/>
-            <a:ext cx="13320" cy="6852960"/>
+            <a:ext cx="12960" cy="6852600"/>
           </a:xfrm>
           <a:prstGeom prst="rect">
             <a:avLst/>
@@ -37427,7 +42578,7 @@
         <p:spPr>
           <a:xfrm>
             <a:off x="3657600" y="0"/>
-            <a:ext cx="13320" cy="6852960"/>
+            <a:ext cx="12960" cy="6852600"/>
           </a:xfrm>
           <a:prstGeom prst="rect">
             <a:avLst/>
@@ -37487,7 +42638,7 @@
         <p:spPr>
           <a:xfrm>
             <a:off x="4572000" y="0"/>
-            <a:ext cx="13320" cy="6852960"/>
+            <a:ext cx="12960" cy="6852600"/>
           </a:xfrm>
           <a:prstGeom prst="rect">
             <a:avLst/>
@@ -37547,7 +42698,7 @@
         <p:spPr>
           <a:xfrm>
             <a:off x="5486400" y="0"/>
-            <a:ext cx="13320" cy="6852960"/>
+            <a:ext cx="12960" cy="6852600"/>
           </a:xfrm>
           <a:prstGeom prst="rect">
             <a:avLst/>
@@ -37607,7 +42758,7 @@
         <p:spPr>
           <a:xfrm>
             <a:off x="6400800" y="0"/>
-            <a:ext cx="13320" cy="6852960"/>
+            <a:ext cx="12960" cy="6852600"/>
           </a:xfrm>
           <a:prstGeom prst="rect">
             <a:avLst/>
@@ -37667,7 +42818,7 @@
         <p:spPr>
           <a:xfrm>
             <a:off x="7315200" y="0"/>
-            <a:ext cx="13320" cy="6852960"/>
+            <a:ext cx="12960" cy="6852600"/>
           </a:xfrm>
           <a:prstGeom prst="rect">
             <a:avLst/>
@@ -37727,7 +42878,7 @@
         <p:spPr>
           <a:xfrm>
             <a:off x="8229600" y="0"/>
-            <a:ext cx="13320" cy="6852960"/>
+            <a:ext cx="12960" cy="6852600"/>
           </a:xfrm>
           <a:prstGeom prst="rect">
             <a:avLst/>
@@ -37787,7 +42938,7 @@
         <p:spPr>
           <a:xfrm>
             <a:off x="9144000" y="0"/>
-            <a:ext cx="13320" cy="6852960"/>
+            <a:ext cx="12960" cy="6852600"/>
           </a:xfrm>
           <a:prstGeom prst="rect">
             <a:avLst/>
@@ -37847,7 +42998,7 @@
         <p:spPr>
           <a:xfrm>
             <a:off x="10058400" y="0"/>
-            <a:ext cx="13320" cy="6852960"/>
+            <a:ext cx="12960" cy="6852600"/>
           </a:xfrm>
           <a:prstGeom prst="rect">
             <a:avLst/>
@@ -37907,7 +43058,7 @@
         <p:spPr>
           <a:xfrm>
             <a:off x="10972800" y="0"/>
-            <a:ext cx="13320" cy="6852960"/>
+            <a:ext cx="12960" cy="6852600"/>
           </a:xfrm>
           <a:prstGeom prst="rect">
             <a:avLst/>
@@ -37967,7 +43118,7 @@
         <p:spPr>
           <a:xfrm>
             <a:off x="11887200" y="0"/>
-            <a:ext cx="13320" cy="6852960"/>
+            <a:ext cx="12960" cy="6852600"/>
           </a:xfrm>
           <a:prstGeom prst="rect">
             <a:avLst/>
@@ -38027,7 +43178,7 @@
         <p:spPr>
           <a:xfrm>
             <a:off x="0" y="0"/>
-            <a:ext cx="315000" cy="6852960"/>
+            <a:ext cx="314640" cy="6852600"/>
           </a:xfrm>
           <a:prstGeom prst="rect">
             <a:avLst/>
@@ -38087,7 +43238,7 @@
         <p:spPr>
           <a:xfrm>
             <a:off x="9875520" y="365760"/>
-            <a:ext cx="2006640" cy="497880"/>
+            <a:ext cx="2006280" cy="497520"/>
           </a:xfrm>
           <a:prstGeom prst="roundRect">
             <a:avLst>
@@ -38269,7 +43420,7 @@
         <p:spPr>
           <a:xfrm>
             <a:off x="987480" y="3182040"/>
-            <a:ext cx="3286800" cy="2738160"/>
+            <a:ext cx="3286440" cy="2737800"/>
           </a:xfrm>
           <a:prstGeom prst="roundRect">
             <a:avLst>
@@ -38331,7 +43482,7 @@
         <p:spPr>
           <a:xfrm>
             <a:off x="914400" y="3108960"/>
-            <a:ext cx="3286800" cy="2738160"/>
+            <a:ext cx="3286440" cy="2737800"/>
           </a:xfrm>
           <a:prstGeom prst="roundRect">
             <a:avLst>
@@ -38586,7 +43737,7 @@
         <p:spPr>
           <a:xfrm>
             <a:off x="4507920" y="3182040"/>
-            <a:ext cx="3286800" cy="2738160"/>
+            <a:ext cx="3286440" cy="2737800"/>
           </a:xfrm>
           <a:prstGeom prst="roundRect">
             <a:avLst>
@@ -38648,7 +43799,7 @@
         <p:spPr>
           <a:xfrm>
             <a:off x="4434840" y="3108960"/>
-            <a:ext cx="3286800" cy="2738160"/>
+            <a:ext cx="3286440" cy="2737800"/>
           </a:xfrm>
           <a:prstGeom prst="roundRect">
             <a:avLst>
@@ -38860,7 +44011,7 @@
         <p:spPr>
           <a:xfrm>
             <a:off x="8028360" y="3182040"/>
-            <a:ext cx="3286800" cy="2738160"/>
+            <a:ext cx="3286440" cy="2737800"/>
           </a:xfrm>
           <a:prstGeom prst="roundRect">
             <a:avLst>
@@ -38922,7 +44073,7 @@
         <p:spPr>
           <a:xfrm>
             <a:off x="7955280" y="3108960"/>
-            <a:ext cx="3286800" cy="2738160"/>
+            <a:ext cx="3286440" cy="2737800"/>
           </a:xfrm>
           <a:prstGeom prst="roundRect">
             <a:avLst>
@@ -39287,7 +44438,7 @@
         <p:spPr>
           <a:xfrm>
             <a:off x="0" y="0"/>
-            <a:ext cx="12184560" cy="6853680"/>
+            <a:ext cx="12184200" cy="6853320"/>
           </a:xfrm>
           <a:prstGeom prst="rect">
             <a:avLst/>
@@ -39347,7 +44498,7 @@
         <p:spPr>
           <a:xfrm>
             <a:off x="0" y="0"/>
-            <a:ext cx="14040" cy="6853680"/>
+            <a:ext cx="13680" cy="6853320"/>
           </a:xfrm>
           <a:prstGeom prst="rect">
             <a:avLst/>
@@ -39407,7 +44558,7 @@
         <p:spPr>
           <a:xfrm>
             <a:off x="914400" y="0"/>
-            <a:ext cx="14040" cy="6853680"/>
+            <a:ext cx="13680" cy="6853320"/>
           </a:xfrm>
           <a:prstGeom prst="rect">
             <a:avLst/>
@@ -39467,7 +44618,7 @@
         <p:spPr>
           <a:xfrm>
             <a:off x="1828800" y="0"/>
-            <a:ext cx="14040" cy="6853680"/>
+            <a:ext cx="13680" cy="6853320"/>
           </a:xfrm>
           <a:prstGeom prst="rect">
             <a:avLst/>
@@ -39527,7 +44678,7 @@
         <p:spPr>
           <a:xfrm>
             <a:off x="2743200" y="0"/>
-            <a:ext cx="14040" cy="6853680"/>
+            <a:ext cx="13680" cy="6853320"/>
           </a:xfrm>
           <a:prstGeom prst="rect">
             <a:avLst/>
@@ -39587,7 +44738,7 @@
         <p:spPr>
           <a:xfrm>
             <a:off x="3657600" y="0"/>
-            <a:ext cx="14040" cy="6853680"/>
+            <a:ext cx="13680" cy="6853320"/>
           </a:xfrm>
           <a:prstGeom prst="rect">
             <a:avLst/>
@@ -39647,7 +44798,7 @@
         <p:spPr>
           <a:xfrm>
             <a:off x="4572000" y="0"/>
-            <a:ext cx="14040" cy="6853680"/>
+            <a:ext cx="13680" cy="6853320"/>
           </a:xfrm>
           <a:prstGeom prst="rect">
             <a:avLst/>
@@ -39707,7 +44858,7 @@
         <p:spPr>
           <a:xfrm>
             <a:off x="5486400" y="0"/>
-            <a:ext cx="14040" cy="6853680"/>
+            <a:ext cx="13680" cy="6853320"/>
           </a:xfrm>
           <a:prstGeom prst="rect">
             <a:avLst/>
@@ -39767,7 +44918,7 @@
         <p:spPr>
           <a:xfrm>
             <a:off x="6400800" y="0"/>
-            <a:ext cx="14040" cy="6853680"/>
+            <a:ext cx="13680" cy="6853320"/>
           </a:xfrm>
           <a:prstGeom prst="rect">
             <a:avLst/>
@@ -39827,7 +44978,7 @@
         <p:spPr>
           <a:xfrm>
             <a:off x="7315200" y="0"/>
-            <a:ext cx="14040" cy="6853680"/>
+            <a:ext cx="13680" cy="6853320"/>
           </a:xfrm>
           <a:prstGeom prst="rect">
             <a:avLst/>
@@ -39887,7 +45038,7 @@
         <p:spPr>
           <a:xfrm>
             <a:off x="8229600" y="0"/>
-            <a:ext cx="14040" cy="6853680"/>
+            <a:ext cx="13680" cy="6853320"/>
           </a:xfrm>
           <a:prstGeom prst="rect">
             <a:avLst/>
@@ -39947,7 +45098,7 @@
         <p:spPr>
           <a:xfrm>
             <a:off x="9144000" y="0"/>
-            <a:ext cx="14040" cy="6853680"/>
+            <a:ext cx="13680" cy="6853320"/>
           </a:xfrm>
           <a:prstGeom prst="rect">
             <a:avLst/>
@@ -40007,7 +45158,7 @@
         <p:spPr>
           <a:xfrm>
             <a:off x="10058400" y="0"/>
-            <a:ext cx="14040" cy="6853680"/>
+            <a:ext cx="13680" cy="6853320"/>
           </a:xfrm>
           <a:prstGeom prst="rect">
             <a:avLst/>
@@ -40067,7 +45218,7 @@
         <p:spPr>
           <a:xfrm>
             <a:off x="10972800" y="0"/>
-            <a:ext cx="14040" cy="6853680"/>
+            <a:ext cx="13680" cy="6853320"/>
           </a:xfrm>
           <a:prstGeom prst="rect">
             <a:avLst/>
@@ -40127,7 +45278,7 @@
         <p:spPr>
           <a:xfrm>
             <a:off x="11887200" y="0"/>
-            <a:ext cx="14040" cy="6853680"/>
+            <a:ext cx="13680" cy="6853320"/>
           </a:xfrm>
           <a:prstGeom prst="rect">
             <a:avLst/>
@@ -40187,7 +45338,7 @@
         <p:spPr>
           <a:xfrm>
             <a:off x="0" y="0"/>
-            <a:ext cx="315720" cy="6853680"/>
+            <a:ext cx="315360" cy="6853320"/>
           </a:xfrm>
           <a:prstGeom prst="rect">
             <a:avLst/>
@@ -40247,7 +45398,7 @@
         <p:spPr>
           <a:xfrm>
             <a:off x="9875520" y="365760"/>
-            <a:ext cx="2007360" cy="498600"/>
+            <a:ext cx="2007000" cy="498240"/>
           </a:xfrm>
           <a:prstGeom prst="roundRect">
             <a:avLst>
@@ -40429,7 +45580,7 @@
         <p:spPr>
           <a:xfrm>
             <a:off x="987480" y="3182040"/>
-            <a:ext cx="3287520" cy="2738880"/>
+            <a:ext cx="3287160" cy="2738520"/>
           </a:xfrm>
           <a:prstGeom prst="roundRect">
             <a:avLst>
@@ -40491,7 +45642,7 @@
         <p:spPr>
           <a:xfrm>
             <a:off x="475560" y="2743200"/>
-            <a:ext cx="3726360" cy="3104640"/>
+            <a:ext cx="3726000" cy="3104280"/>
           </a:xfrm>
           <a:prstGeom prst="roundRect">
             <a:avLst>
@@ -40768,7 +45919,7 @@
         <p:spPr>
           <a:xfrm>
             <a:off x="4507920" y="3182040"/>
-            <a:ext cx="3287520" cy="2738880"/>
+            <a:ext cx="3287160" cy="2738520"/>
           </a:xfrm>
           <a:prstGeom prst="roundRect">
             <a:avLst>
@@ -40830,7 +45981,7 @@
         <p:spPr>
           <a:xfrm>
             <a:off x="4343400" y="2918520"/>
-            <a:ext cx="3516120" cy="2929320"/>
+            <a:ext cx="3515760" cy="2928960"/>
           </a:xfrm>
           <a:prstGeom prst="roundRect">
             <a:avLst>
@@ -41292,7 +46443,7 @@
         <p:spPr>
           <a:xfrm>
             <a:off x="8028360" y="3182040"/>
-            <a:ext cx="3287520" cy="2738880"/>
+            <a:ext cx="3287160" cy="2738520"/>
           </a:xfrm>
           <a:prstGeom prst="roundRect">
             <a:avLst>
@@ -41354,7 +46505,7 @@
         <p:spPr>
           <a:xfrm>
             <a:off x="8023680" y="2743200"/>
-            <a:ext cx="3837600" cy="3197160"/>
+            <a:ext cx="3837240" cy="3196800"/>
           </a:xfrm>
           <a:prstGeom prst="roundRect">
             <a:avLst>
@@ -41910,7 +47061,7 @@
         <p:spPr>
           <a:xfrm>
             <a:off x="0" y="0"/>
-            <a:ext cx="12184920" cy="6854040"/>
+            <a:ext cx="12184560" cy="6853680"/>
           </a:xfrm>
           <a:prstGeom prst="rect">
             <a:avLst/>
@@ -41970,7 +47121,7 @@
         <p:spPr>
           <a:xfrm>
             <a:off x="0" y="0"/>
-            <a:ext cx="14400" cy="6854040"/>
+            <a:ext cx="14040" cy="6853680"/>
           </a:xfrm>
           <a:prstGeom prst="rect">
             <a:avLst/>
@@ -42030,7 +47181,7 @@
         <p:spPr>
           <a:xfrm>
             <a:off x="914400" y="0"/>
-            <a:ext cx="14400" cy="6854040"/>
+            <a:ext cx="14040" cy="6853680"/>
           </a:xfrm>
           <a:prstGeom prst="rect">
             <a:avLst/>
@@ -42090,7 +47241,7 @@
         <p:spPr>
           <a:xfrm>
             <a:off x="1828800" y="0"/>
-            <a:ext cx="14400" cy="6854040"/>
+            <a:ext cx="14040" cy="6853680"/>
           </a:xfrm>
           <a:prstGeom prst="rect">
             <a:avLst/>
@@ -42150,7 +47301,7 @@
         <p:spPr>
           <a:xfrm>
             <a:off x="2743200" y="0"/>
-            <a:ext cx="14400" cy="6854040"/>
+            <a:ext cx="14040" cy="6853680"/>
           </a:xfrm>
           <a:prstGeom prst="rect">
             <a:avLst/>
@@ -42210,7 +47361,7 @@
         <p:spPr>
           <a:xfrm>
             <a:off x="3657600" y="0"/>
-            <a:ext cx="14400" cy="6854040"/>
+            <a:ext cx="14040" cy="6853680"/>
           </a:xfrm>
           <a:prstGeom prst="rect">
             <a:avLst/>
@@ -42270,7 +47421,7 @@
         <p:spPr>
           <a:xfrm>
             <a:off x="4572000" y="0"/>
-            <a:ext cx="14400" cy="6854040"/>
+            <a:ext cx="14040" cy="6853680"/>
           </a:xfrm>
           <a:prstGeom prst="rect">
             <a:avLst/>
@@ -42330,7 +47481,7 @@
         <p:spPr>
           <a:xfrm>
             <a:off x="5486400" y="0"/>
-            <a:ext cx="14400" cy="6854040"/>
+            <a:ext cx="14040" cy="6853680"/>
           </a:xfrm>
           <a:prstGeom prst="rect">
             <a:avLst/>
@@ -42390,7 +47541,7 @@
         <p:spPr>
           <a:xfrm>
             <a:off x="6400800" y="0"/>
-            <a:ext cx="14400" cy="6854040"/>
+            <a:ext cx="14040" cy="6853680"/>
           </a:xfrm>
           <a:prstGeom prst="rect">
             <a:avLst/>
@@ -42450,7 +47601,7 @@
         <p:spPr>
           <a:xfrm>
             <a:off x="7315200" y="0"/>
-            <a:ext cx="14400" cy="6854040"/>
+            <a:ext cx="14040" cy="6853680"/>
           </a:xfrm>
           <a:prstGeom prst="rect">
             <a:avLst/>
@@ -42510,7 +47661,7 @@
         <p:spPr>
           <a:xfrm>
             <a:off x="8229600" y="0"/>
-            <a:ext cx="14400" cy="6854040"/>
+            <a:ext cx="14040" cy="6853680"/>
           </a:xfrm>
           <a:prstGeom prst="rect">
             <a:avLst/>
@@ -42570,7 +47721,7 @@
         <p:spPr>
           <a:xfrm>
             <a:off x="9144000" y="0"/>
-            <a:ext cx="14400" cy="6854040"/>
+            <a:ext cx="14040" cy="6853680"/>
           </a:xfrm>
           <a:prstGeom prst="rect">
             <a:avLst/>
@@ -42630,7 +47781,7 @@
         <p:spPr>
           <a:xfrm>
             <a:off x="10058400" y="0"/>
-            <a:ext cx="14400" cy="6854040"/>
+            <a:ext cx="14040" cy="6853680"/>
           </a:xfrm>
           <a:prstGeom prst="rect">
             <a:avLst/>
@@ -42690,7 +47841,7 @@
         <p:spPr>
           <a:xfrm>
             <a:off x="10972800" y="0"/>
-            <a:ext cx="14400" cy="6854040"/>
+            <a:ext cx="14040" cy="6853680"/>
           </a:xfrm>
           <a:prstGeom prst="rect">
             <a:avLst/>
@@ -42750,7 +47901,7 @@
         <p:spPr>
           <a:xfrm>
             <a:off x="11887200" y="0"/>
-            <a:ext cx="14400" cy="6854040"/>
+            <a:ext cx="14040" cy="6853680"/>
           </a:xfrm>
           <a:prstGeom prst="rect">
             <a:avLst/>
@@ -42810,7 +47961,7 @@
         <p:spPr>
           <a:xfrm>
             <a:off x="0" y="0"/>
-            <a:ext cx="316080" cy="6854040"/>
+            <a:ext cx="315720" cy="6853680"/>
           </a:xfrm>
           <a:prstGeom prst="rect">
             <a:avLst/>
@@ -42870,7 +48021,7 @@
         <p:spPr>
           <a:xfrm>
             <a:off x="9875520" y="365760"/>
-            <a:ext cx="2007720" cy="498960"/>
+            <a:ext cx="2007360" cy="498600"/>
           </a:xfrm>
           <a:prstGeom prst="roundRect">
             <a:avLst>
@@ -43052,7 +48203,7 @@
         <p:spPr>
           <a:xfrm>
             <a:off x="987480" y="3182040"/>
-            <a:ext cx="3287880" cy="2739240"/>
+            <a:ext cx="3287520" cy="2738880"/>
           </a:xfrm>
           <a:prstGeom prst="roundRect">
             <a:avLst>
@@ -43114,7 +48265,7 @@
         <p:spPr>
           <a:xfrm>
             <a:off x="685800" y="2971800"/>
-            <a:ext cx="3516480" cy="3197520"/>
+            <a:ext cx="3516120" cy="3197160"/>
           </a:xfrm>
           <a:prstGeom prst="roundRect">
             <a:avLst>
@@ -43500,7 +48651,7 @@
         <p:spPr>
           <a:xfrm>
             <a:off x="4507920" y="3182040"/>
-            <a:ext cx="3287880" cy="2739240"/>
+            <a:ext cx="3287520" cy="2738880"/>
           </a:xfrm>
           <a:prstGeom prst="roundRect">
             <a:avLst>
@@ -43562,7 +48713,7 @@
         <p:spPr>
           <a:xfrm>
             <a:off x="4434840" y="3108960"/>
-            <a:ext cx="3287880" cy="2739240"/>
+            <a:ext cx="3287520" cy="2738880"/>
           </a:xfrm>
           <a:prstGeom prst="roundRect">
             <a:avLst>
@@ -44008,7 +49159,7 @@
         <p:spPr>
           <a:xfrm>
             <a:off x="8028360" y="3182040"/>
-            <a:ext cx="3287880" cy="2739240"/>
+            <a:ext cx="3287520" cy="2738880"/>
           </a:xfrm>
           <a:prstGeom prst="roundRect">
             <a:avLst>
@@ -44070,7 +49221,7 @@
         <p:spPr>
           <a:xfrm>
             <a:off x="7955280" y="3108960"/>
-            <a:ext cx="3287880" cy="2739240"/>
+            <a:ext cx="3287520" cy="2738880"/>
           </a:xfrm>
           <a:prstGeom prst="roundRect">
             <a:avLst>
@@ -44546,7 +49697,7 @@
         <p:spPr>
           <a:xfrm>
             <a:off x="0" y="0"/>
-            <a:ext cx="12185280" cy="6854400"/>
+            <a:ext cx="12184920" cy="6854040"/>
           </a:xfrm>
           <a:prstGeom prst="rect">
             <a:avLst/>
@@ -44606,7 +49757,7 @@
         <p:spPr>
           <a:xfrm>
             <a:off x="0" y="0"/>
-            <a:ext cx="14760" cy="6854400"/>
+            <a:ext cx="14400" cy="6854040"/>
           </a:xfrm>
           <a:prstGeom prst="rect">
             <a:avLst/>
@@ -44666,7 +49817,7 @@
         <p:spPr>
           <a:xfrm>
             <a:off x="914400" y="0"/>
-            <a:ext cx="14760" cy="6854400"/>
+            <a:ext cx="14400" cy="6854040"/>
           </a:xfrm>
           <a:prstGeom prst="rect">
             <a:avLst/>
@@ -44726,7 +49877,7 @@
         <p:spPr>
           <a:xfrm>
             <a:off x="1828800" y="0"/>
-            <a:ext cx="14760" cy="6854400"/>
+            <a:ext cx="14400" cy="6854040"/>
           </a:xfrm>
           <a:prstGeom prst="rect">
             <a:avLst/>
@@ -44786,7 +49937,7 @@
         <p:spPr>
           <a:xfrm>
             <a:off x="2743200" y="0"/>
-            <a:ext cx="14760" cy="6854400"/>
+            <a:ext cx="14400" cy="6854040"/>
           </a:xfrm>
           <a:prstGeom prst="rect">
             <a:avLst/>
@@ -44846,7 +49997,7 @@
         <p:spPr>
           <a:xfrm>
             <a:off x="3657600" y="0"/>
-            <a:ext cx="14760" cy="6854400"/>
+            <a:ext cx="14400" cy="6854040"/>
           </a:xfrm>
           <a:prstGeom prst="rect">
             <a:avLst/>
@@ -44906,7 +50057,7 @@
         <p:spPr>
           <a:xfrm>
             <a:off x="4572000" y="0"/>
-            <a:ext cx="14760" cy="6854400"/>
+            <a:ext cx="14400" cy="6854040"/>
           </a:xfrm>
           <a:prstGeom prst="rect">
             <a:avLst/>
@@ -44966,7 +50117,7 @@
         <p:spPr>
           <a:xfrm>
             <a:off x="5486400" y="0"/>
-            <a:ext cx="14760" cy="6854400"/>
+            <a:ext cx="14400" cy="6854040"/>
           </a:xfrm>
           <a:prstGeom prst="rect">
             <a:avLst/>
@@ -45026,7 +50177,7 @@
         <p:spPr>
           <a:xfrm>
             <a:off x="6400800" y="0"/>
-            <a:ext cx="14760" cy="6854400"/>
+            <a:ext cx="14400" cy="6854040"/>
           </a:xfrm>
           <a:prstGeom prst="rect">
             <a:avLst/>
@@ -45086,7 +50237,7 @@
         <p:spPr>
           <a:xfrm>
             <a:off x="7315200" y="0"/>
-            <a:ext cx="14760" cy="6854400"/>
+            <a:ext cx="14400" cy="6854040"/>
           </a:xfrm>
           <a:prstGeom prst="rect">
             <a:avLst/>
@@ -45146,7 +50297,7 @@
         <p:spPr>
           <a:xfrm>
             <a:off x="8229600" y="0"/>
-            <a:ext cx="14760" cy="6854400"/>
+            <a:ext cx="14400" cy="6854040"/>
           </a:xfrm>
           <a:prstGeom prst="rect">
             <a:avLst/>
@@ -45206,7 +50357,7 @@
         <p:spPr>
           <a:xfrm>
             <a:off x="9144000" y="0"/>
-            <a:ext cx="14760" cy="6854400"/>
+            <a:ext cx="14400" cy="6854040"/>
           </a:xfrm>
           <a:prstGeom prst="rect">
             <a:avLst/>
@@ -45266,7 +50417,7 @@
         <p:spPr>
           <a:xfrm>
             <a:off x="10058400" y="0"/>
-            <a:ext cx="14760" cy="6854400"/>
+            <a:ext cx="14400" cy="6854040"/>
           </a:xfrm>
           <a:prstGeom prst="rect">
             <a:avLst/>
@@ -45326,7 +50477,7 @@
         <p:spPr>
           <a:xfrm>
             <a:off x="10972800" y="0"/>
-            <a:ext cx="14760" cy="6854400"/>
+            <a:ext cx="14400" cy="6854040"/>
           </a:xfrm>
           <a:prstGeom prst="rect">
             <a:avLst/>
@@ -45386,7 +50537,7 @@
         <p:spPr>
           <a:xfrm>
             <a:off x="11887200" y="0"/>
-            <a:ext cx="14760" cy="6854400"/>
+            <a:ext cx="14400" cy="6854040"/>
           </a:xfrm>
           <a:prstGeom prst="rect">
             <a:avLst/>
@@ -45446,7 +50597,7 @@
         <p:spPr>
           <a:xfrm>
             <a:off x="0" y="0"/>
-            <a:ext cx="316440" cy="6854400"/>
+            <a:ext cx="316080" cy="6854040"/>
           </a:xfrm>
           <a:prstGeom prst="rect">
             <a:avLst/>
@@ -45506,7 +50657,7 @@
         <p:spPr>
           <a:xfrm>
             <a:off x="9875520" y="365760"/>
-            <a:ext cx="2008080" cy="499320"/>
+            <a:ext cx="2007720" cy="498960"/>
           </a:xfrm>
           <a:prstGeom prst="roundRect">
             <a:avLst>
@@ -45711,7 +50862,7 @@
         <p:spPr>
           <a:xfrm>
             <a:off x="987480" y="3182040"/>
-            <a:ext cx="3288240" cy="2739600"/>
+            <a:ext cx="3287880" cy="2739240"/>
           </a:xfrm>
           <a:prstGeom prst="roundRect">
             <a:avLst>
@@ -45773,7 +50924,7 @@
         <p:spPr>
           <a:xfrm>
             <a:off x="914400" y="3108960"/>
-            <a:ext cx="3288240" cy="2739600"/>
+            <a:ext cx="3287880" cy="2739240"/>
           </a:xfrm>
           <a:prstGeom prst="roundRect">
             <a:avLst>
@@ -45919,7 +51070,7 @@
         <p:spPr>
           <a:xfrm>
             <a:off x="4507920" y="3182040"/>
-            <a:ext cx="3288240" cy="2739600"/>
+            <a:ext cx="3287880" cy="2739240"/>
           </a:xfrm>
           <a:prstGeom prst="roundRect">
             <a:avLst>
@@ -45981,7 +51132,7 @@
         <p:spPr>
           <a:xfrm>
             <a:off x="4434840" y="3108960"/>
-            <a:ext cx="3288240" cy="2739600"/>
+            <a:ext cx="3287880" cy="2739240"/>
           </a:xfrm>
           <a:prstGeom prst="roundRect">
             <a:avLst>
@@ -46199,7 +51350,7 @@
         <p:spPr>
           <a:xfrm>
             <a:off x="8028360" y="3182040"/>
-            <a:ext cx="3288240" cy="2739600"/>
+            <a:ext cx="3287880" cy="2739240"/>
           </a:xfrm>
           <a:prstGeom prst="roundRect">
             <a:avLst>
@@ -46261,7 +51412,7 @@
         <p:spPr>
           <a:xfrm>
             <a:off x="7955280" y="3108960"/>
-            <a:ext cx="3288240" cy="2739600"/>
+            <a:ext cx="3287880" cy="2739240"/>
           </a:xfrm>
           <a:prstGeom prst="roundRect">
             <a:avLst>
@@ -46465,7 +51616,7 @@
         <p:spPr>
           <a:xfrm>
             <a:off x="0" y="0"/>
-            <a:ext cx="12185280" cy="6854400"/>
+            <a:ext cx="12184920" cy="6854040"/>
           </a:xfrm>
           <a:prstGeom prst="rect">
             <a:avLst/>
@@ -46525,7 +51676,7 @@
         <p:spPr>
           <a:xfrm>
             <a:off x="0" y="0"/>
-            <a:ext cx="14760" cy="6854400"/>
+            <a:ext cx="14400" cy="6854040"/>
           </a:xfrm>
           <a:prstGeom prst="rect">
             <a:avLst/>
@@ -46585,7 +51736,7 @@
         <p:spPr>
           <a:xfrm>
             <a:off x="914400" y="0"/>
-            <a:ext cx="14760" cy="6854400"/>
+            <a:ext cx="14400" cy="6854040"/>
           </a:xfrm>
           <a:prstGeom prst="rect">
             <a:avLst/>
@@ -46645,7 +51796,7 @@
         <p:spPr>
           <a:xfrm>
             <a:off x="1828800" y="0"/>
-            <a:ext cx="14760" cy="6854400"/>
+            <a:ext cx="14400" cy="6854040"/>
           </a:xfrm>
           <a:prstGeom prst="rect">
             <a:avLst/>
@@ -46705,7 +51856,7 @@
         <p:spPr>
           <a:xfrm>
             <a:off x="2743200" y="0"/>
-            <a:ext cx="14760" cy="6854400"/>
+            <a:ext cx="14400" cy="6854040"/>
           </a:xfrm>
           <a:prstGeom prst="rect">
             <a:avLst/>
@@ -46765,7 +51916,7 @@
         <p:spPr>
           <a:xfrm>
             <a:off x="3657600" y="0"/>
-            <a:ext cx="14760" cy="6854400"/>
+            <a:ext cx="14400" cy="6854040"/>
           </a:xfrm>
           <a:prstGeom prst="rect">
             <a:avLst/>
@@ -46825,7 +51976,7 @@
         <p:spPr>
           <a:xfrm>
             <a:off x="4572000" y="0"/>
-            <a:ext cx="14760" cy="6854400"/>
+            <a:ext cx="14400" cy="6854040"/>
           </a:xfrm>
           <a:prstGeom prst="rect">
             <a:avLst/>
@@ -46885,7 +52036,7 @@
         <p:spPr>
           <a:xfrm>
             <a:off x="5486400" y="0"/>
-            <a:ext cx="14760" cy="6854400"/>
+            <a:ext cx="14400" cy="6854040"/>
           </a:xfrm>
           <a:prstGeom prst="rect">
             <a:avLst/>
@@ -46945,7 +52096,7 @@
         <p:spPr>
           <a:xfrm>
             <a:off x="6400800" y="0"/>
-            <a:ext cx="14760" cy="6854400"/>
+            <a:ext cx="14400" cy="6854040"/>
           </a:xfrm>
           <a:prstGeom prst="rect">
             <a:avLst/>
@@ -47005,7 +52156,7 @@
         <p:spPr>
           <a:xfrm>
             <a:off x="7315200" y="0"/>
-            <a:ext cx="14760" cy="6854400"/>
+            <a:ext cx="14400" cy="6854040"/>
           </a:xfrm>
           <a:prstGeom prst="rect">
             <a:avLst/>
@@ -47065,7 +52216,7 @@
         <p:spPr>
           <a:xfrm>
             <a:off x="8229600" y="0"/>
-            <a:ext cx="14760" cy="6854400"/>
+            <a:ext cx="14400" cy="6854040"/>
           </a:xfrm>
           <a:prstGeom prst="rect">
             <a:avLst/>
@@ -47125,7 +52276,7 @@
         <p:spPr>
           <a:xfrm>
             <a:off x="9144000" y="0"/>
-            <a:ext cx="14760" cy="6854400"/>
+            <a:ext cx="14400" cy="6854040"/>
           </a:xfrm>
           <a:prstGeom prst="rect">
             <a:avLst/>
@@ -47185,7 +52336,7 @@
         <p:spPr>
           <a:xfrm>
             <a:off x="10058400" y="0"/>
-            <a:ext cx="14760" cy="6854400"/>
+            <a:ext cx="14400" cy="6854040"/>
           </a:xfrm>
           <a:prstGeom prst="rect">
             <a:avLst/>
@@ -47245,7 +52396,7 @@
         <p:spPr>
           <a:xfrm>
             <a:off x="10972800" y="0"/>
-            <a:ext cx="14760" cy="6854400"/>
+            <a:ext cx="14400" cy="6854040"/>
           </a:xfrm>
           <a:prstGeom prst="rect">
             <a:avLst/>
@@ -47305,7 +52456,7 @@
         <p:spPr>
           <a:xfrm>
             <a:off x="11887200" y="0"/>
-            <a:ext cx="14760" cy="6854400"/>
+            <a:ext cx="14400" cy="6854040"/>
           </a:xfrm>
           <a:prstGeom prst="rect">
             <a:avLst/>
@@ -47365,7 +52516,7 @@
         <p:spPr>
           <a:xfrm>
             <a:off x="0" y="0"/>
-            <a:ext cx="316440" cy="6854400"/>
+            <a:ext cx="316080" cy="6854040"/>
           </a:xfrm>
           <a:prstGeom prst="rect">
             <a:avLst/>
@@ -47425,7 +52576,7 @@
         <p:spPr>
           <a:xfrm>
             <a:off x="9875520" y="365760"/>
-            <a:ext cx="2008080" cy="499320"/>
+            <a:ext cx="2007720" cy="498960"/>
           </a:xfrm>
           <a:prstGeom prst="roundRect">
             <a:avLst>
@@ -47617,7 +52768,7 @@
         <p:spPr>
           <a:xfrm>
             <a:off x="987480" y="3182040"/>
-            <a:ext cx="3288240" cy="2739600"/>
+            <a:ext cx="3287880" cy="2739240"/>
           </a:xfrm>
           <a:prstGeom prst="roundRect">
             <a:avLst>
@@ -47679,7 +52830,7 @@
         <p:spPr>
           <a:xfrm>
             <a:off x="914400" y="3108960"/>
-            <a:ext cx="3288240" cy="2739600"/>
+            <a:ext cx="3287880" cy="2739240"/>
           </a:xfrm>
           <a:prstGeom prst="roundRect">
             <a:avLst>
@@ -47825,7 +52976,7 @@
         <p:spPr>
           <a:xfrm>
             <a:off x="4507920" y="3182040"/>
-            <a:ext cx="3288240" cy="2739600"/>
+            <a:ext cx="3287880" cy="2739240"/>
           </a:xfrm>
           <a:prstGeom prst="roundRect">
             <a:avLst>
@@ -47887,7 +53038,7 @@
         <p:spPr>
           <a:xfrm>
             <a:off x="4434840" y="3108960"/>
-            <a:ext cx="3288240" cy="2739600"/>
+            <a:ext cx="3287880" cy="2739240"/>
           </a:xfrm>
           <a:prstGeom prst="roundRect">
             <a:avLst>
@@ -48185,7 +53336,7 @@
         <p:spPr>
           <a:xfrm>
             <a:off x="8028360" y="3182040"/>
-            <a:ext cx="3288240" cy="2739600"/>
+            <a:ext cx="3287880" cy="2739240"/>
           </a:xfrm>
           <a:prstGeom prst="roundRect">
             <a:avLst>
@@ -48247,7 +53398,7 @@
         <p:spPr>
           <a:xfrm>
             <a:off x="7955280" y="3108960"/>
-            <a:ext cx="3288240" cy="2739600"/>
+            <a:ext cx="3287880" cy="2739240"/>
           </a:xfrm>
           <a:prstGeom prst="roundRect">
             <a:avLst>
@@ -48533,7 +53684,7 @@
         <p:spPr>
           <a:xfrm>
             <a:off x="0" y="0"/>
-            <a:ext cx="12185280" cy="6854400"/>
+            <a:ext cx="12184920" cy="6854040"/>
           </a:xfrm>
           <a:prstGeom prst="rect">
             <a:avLst/>
@@ -48593,7 +53744,7 @@
         <p:spPr>
           <a:xfrm>
             <a:off x="0" y="0"/>
-            <a:ext cx="14760" cy="6854400"/>
+            <a:ext cx="14400" cy="6854040"/>
           </a:xfrm>
           <a:prstGeom prst="rect">
             <a:avLst/>
@@ -48653,7 +53804,7 @@
         <p:spPr>
           <a:xfrm>
             <a:off x="914400" y="0"/>
-            <a:ext cx="14760" cy="6854400"/>
+            <a:ext cx="14400" cy="6854040"/>
           </a:xfrm>
           <a:prstGeom prst="rect">
             <a:avLst/>
@@ -48713,7 +53864,7 @@
         <p:spPr>
           <a:xfrm>
             <a:off x="1828800" y="0"/>
-            <a:ext cx="14760" cy="6854400"/>
+            <a:ext cx="14400" cy="6854040"/>
           </a:xfrm>
           <a:prstGeom prst="rect">
             <a:avLst/>
@@ -48773,7 +53924,7 @@
         <p:spPr>
           <a:xfrm>
             <a:off x="2743200" y="0"/>
-            <a:ext cx="14760" cy="6854400"/>
+            <a:ext cx="14400" cy="6854040"/>
           </a:xfrm>
           <a:prstGeom prst="rect">
             <a:avLst/>
@@ -48833,7 +53984,7 @@
         <p:spPr>
           <a:xfrm>
             <a:off x="3657600" y="0"/>
-            <a:ext cx="14760" cy="6854400"/>
+            <a:ext cx="14400" cy="6854040"/>
           </a:xfrm>
           <a:prstGeom prst="rect">
             <a:avLst/>
@@ -48893,7 +54044,7 @@
         <p:spPr>
           <a:xfrm>
             <a:off x="4572000" y="0"/>
-            <a:ext cx="14760" cy="6854400"/>
+            <a:ext cx="14400" cy="6854040"/>
           </a:xfrm>
           <a:prstGeom prst="rect">
             <a:avLst/>
@@ -48953,7 +54104,7 @@
         <p:spPr>
           <a:xfrm>
             <a:off x="5486400" y="0"/>
-            <a:ext cx="14760" cy="6854400"/>
+            <a:ext cx="14400" cy="6854040"/>
           </a:xfrm>
           <a:prstGeom prst="rect">
             <a:avLst/>
@@ -49013,7 +54164,7 @@
         <p:spPr>
           <a:xfrm>
             <a:off x="6400800" y="0"/>
-            <a:ext cx="14760" cy="6854400"/>
+            <a:ext cx="14400" cy="6854040"/>
           </a:xfrm>
           <a:prstGeom prst="rect">
             <a:avLst/>
@@ -49073,7 +54224,7 @@
         <p:spPr>
           <a:xfrm>
             <a:off x="7315200" y="0"/>
-            <a:ext cx="14760" cy="6854400"/>
+            <a:ext cx="14400" cy="6854040"/>
           </a:xfrm>
           <a:prstGeom prst="rect">
             <a:avLst/>
@@ -49133,7 +54284,7 @@
         <p:spPr>
           <a:xfrm>
             <a:off x="8229600" y="0"/>
-            <a:ext cx="14760" cy="6854400"/>
+            <a:ext cx="14400" cy="6854040"/>
           </a:xfrm>
           <a:prstGeom prst="rect">
             <a:avLst/>
@@ -49193,7 +54344,7 @@
         <p:spPr>
           <a:xfrm>
             <a:off x="9144000" y="0"/>
-            <a:ext cx="14760" cy="6854400"/>
+            <a:ext cx="14400" cy="6854040"/>
           </a:xfrm>
           <a:prstGeom prst="rect">
             <a:avLst/>
@@ -49253,7 +54404,7 @@
         <p:spPr>
           <a:xfrm>
             <a:off x="10058400" y="0"/>
-            <a:ext cx="14760" cy="6854400"/>
+            <a:ext cx="14400" cy="6854040"/>
           </a:xfrm>
           <a:prstGeom prst="rect">
             <a:avLst/>
@@ -49313,7 +54464,7 @@
         <p:spPr>
           <a:xfrm>
             <a:off x="10972800" y="0"/>
-            <a:ext cx="14760" cy="6854400"/>
+            <a:ext cx="14400" cy="6854040"/>
           </a:xfrm>
           <a:prstGeom prst="rect">
             <a:avLst/>
@@ -49373,7 +54524,7 @@
         <p:spPr>
           <a:xfrm>
             <a:off x="11887200" y="0"/>
-            <a:ext cx="14760" cy="6854400"/>
+            <a:ext cx="14400" cy="6854040"/>
           </a:xfrm>
           <a:prstGeom prst="rect">
             <a:avLst/>
@@ -49433,7 +54584,7 @@
         <p:spPr>
           <a:xfrm>
             <a:off x="0" y="0"/>
-            <a:ext cx="316440" cy="6854400"/>
+            <a:ext cx="316080" cy="6854040"/>
           </a:xfrm>
           <a:prstGeom prst="rect">
             <a:avLst/>
@@ -49493,7 +54644,7 @@
         <p:spPr>
           <a:xfrm>
             <a:off x="9875520" y="365760"/>
-            <a:ext cx="2008080" cy="499320"/>
+            <a:ext cx="2007720" cy="498960"/>
           </a:xfrm>
           <a:prstGeom prst="roundRect">
             <a:avLst>
@@ -49675,7 +54826,7 @@
         <p:spPr>
           <a:xfrm>
             <a:off x="987480" y="3182040"/>
-            <a:ext cx="3288240" cy="2739600"/>
+            <a:ext cx="3287880" cy="2739240"/>
           </a:xfrm>
           <a:prstGeom prst="roundRect">
             <a:avLst>
@@ -49737,7 +54888,7 @@
         <p:spPr>
           <a:xfrm>
             <a:off x="914400" y="3108960"/>
-            <a:ext cx="3288240" cy="2739600"/>
+            <a:ext cx="3287880" cy="2739240"/>
           </a:xfrm>
           <a:prstGeom prst="roundRect">
             <a:avLst>
@@ -49967,7 +55118,7 @@
         <p:spPr>
           <a:xfrm>
             <a:off x="4507920" y="3182040"/>
-            <a:ext cx="3288240" cy="2739600"/>
+            <a:ext cx="3287880" cy="2739240"/>
           </a:xfrm>
           <a:prstGeom prst="roundRect">
             <a:avLst>
@@ -50029,7 +55180,7 @@
         <p:spPr>
           <a:xfrm>
             <a:off x="4434840" y="3108960"/>
-            <a:ext cx="3288240" cy="2739600"/>
+            <a:ext cx="3287880" cy="2739240"/>
           </a:xfrm>
           <a:prstGeom prst="roundRect">
             <a:avLst>
@@ -50333,7 +55484,7 @@
         <p:spPr>
           <a:xfrm>
             <a:off x="8028360" y="3182040"/>
-            <a:ext cx="3288240" cy="2739600"/>
+            <a:ext cx="3287880" cy="2739240"/>
           </a:xfrm>
           <a:prstGeom prst="roundRect">
             <a:avLst>
@@ -50395,7 +55546,7 @@
         <p:spPr>
           <a:xfrm>
             <a:off x="7955280" y="3108960"/>
-            <a:ext cx="3288240" cy="2739600"/>
+            <a:ext cx="3287880" cy="2739240"/>
           </a:xfrm>
           <a:prstGeom prst="roundRect">
             <a:avLst>
@@ -50701,7 +55852,7 @@
         <p:spPr>
           <a:xfrm>
             <a:off x="0" y="0"/>
-            <a:ext cx="12185280" cy="6854400"/>
+            <a:ext cx="12184920" cy="6854040"/>
           </a:xfrm>
           <a:prstGeom prst="rect">
             <a:avLst/>
@@ -50761,7 +55912,7 @@
         <p:spPr>
           <a:xfrm>
             <a:off x="0" y="0"/>
-            <a:ext cx="14760" cy="6854400"/>
+            <a:ext cx="14400" cy="6854040"/>
           </a:xfrm>
           <a:prstGeom prst="rect">
             <a:avLst/>
@@ -50821,7 +55972,7 @@
         <p:spPr>
           <a:xfrm>
             <a:off x="914400" y="0"/>
-            <a:ext cx="14760" cy="6854400"/>
+            <a:ext cx="14400" cy="6854040"/>
           </a:xfrm>
           <a:prstGeom prst="rect">
             <a:avLst/>
@@ -50881,7 +56032,7 @@
         <p:spPr>
           <a:xfrm>
             <a:off x="1828800" y="0"/>
-            <a:ext cx="14760" cy="6854400"/>
+            <a:ext cx="14400" cy="6854040"/>
           </a:xfrm>
           <a:prstGeom prst="rect">
             <a:avLst/>
@@ -50941,7 +56092,7 @@
         <p:spPr>
           <a:xfrm>
             <a:off x="2743200" y="0"/>
-            <a:ext cx="14760" cy="6854400"/>
+            <a:ext cx="14400" cy="6854040"/>
           </a:xfrm>
           <a:prstGeom prst="rect">
             <a:avLst/>
@@ -51001,7 +56152,7 @@
         <p:spPr>
           <a:xfrm>
             <a:off x="3657600" y="0"/>
-            <a:ext cx="14760" cy="6854400"/>
+            <a:ext cx="14400" cy="6854040"/>
           </a:xfrm>
           <a:prstGeom prst="rect">
             <a:avLst/>
@@ -51061,7 +56212,7 @@
         <p:spPr>
           <a:xfrm>
             <a:off x="4572000" y="0"/>
-            <a:ext cx="14760" cy="6854400"/>
+            <a:ext cx="14400" cy="6854040"/>
           </a:xfrm>
           <a:prstGeom prst="rect">
             <a:avLst/>
@@ -51121,7 +56272,7 @@
         <p:spPr>
           <a:xfrm>
             <a:off x="5486400" y="0"/>
-            <a:ext cx="14760" cy="6854400"/>
+            <a:ext cx="14400" cy="6854040"/>
           </a:xfrm>
           <a:prstGeom prst="rect">
             <a:avLst/>
@@ -51181,7 +56332,7 @@
         <p:spPr>
           <a:xfrm>
             <a:off x="6400800" y="0"/>
-            <a:ext cx="14760" cy="6854400"/>
+            <a:ext cx="14400" cy="6854040"/>
           </a:xfrm>
           <a:prstGeom prst="rect">
             <a:avLst/>
@@ -51241,7 +56392,7 @@
         <p:spPr>
           <a:xfrm>
             <a:off x="7315200" y="0"/>
-            <a:ext cx="14760" cy="6854400"/>
+            <a:ext cx="14400" cy="6854040"/>
           </a:xfrm>
           <a:prstGeom prst="rect">
             <a:avLst/>
@@ -51301,7 +56452,7 @@
         <p:spPr>
           <a:xfrm>
             <a:off x="8229600" y="0"/>
-            <a:ext cx="14760" cy="6854400"/>
+            <a:ext cx="14400" cy="6854040"/>
           </a:xfrm>
           <a:prstGeom prst="rect">
             <a:avLst/>
@@ -51361,7 +56512,7 @@
         <p:spPr>
           <a:xfrm>
             <a:off x="9144000" y="0"/>
-            <a:ext cx="14760" cy="6854400"/>
+            <a:ext cx="14400" cy="6854040"/>
           </a:xfrm>
           <a:prstGeom prst="rect">
             <a:avLst/>
@@ -51421,7 +56572,7 @@
         <p:spPr>
           <a:xfrm>
             <a:off x="10058400" y="0"/>
-            <a:ext cx="14760" cy="6854400"/>
+            <a:ext cx="14400" cy="6854040"/>
           </a:xfrm>
           <a:prstGeom prst="rect">
             <a:avLst/>
@@ -51481,7 +56632,7 @@
         <p:spPr>
           <a:xfrm>
             <a:off x="10972800" y="0"/>
-            <a:ext cx="14760" cy="6854400"/>
+            <a:ext cx="14400" cy="6854040"/>
           </a:xfrm>
           <a:prstGeom prst="rect">
             <a:avLst/>
@@ -51541,7 +56692,7 @@
         <p:spPr>
           <a:xfrm>
             <a:off x="11887200" y="0"/>
-            <a:ext cx="14760" cy="6854400"/>
+            <a:ext cx="14400" cy="6854040"/>
           </a:xfrm>
           <a:prstGeom prst="rect">
             <a:avLst/>
@@ -51601,7 +56752,7 @@
         <p:spPr>
           <a:xfrm>
             <a:off x="0" y="0"/>
-            <a:ext cx="316440" cy="6854400"/>
+            <a:ext cx="316080" cy="6854040"/>
           </a:xfrm>
           <a:prstGeom prst="rect">
             <a:avLst/>
@@ -51661,7 +56812,7 @@
         <p:spPr>
           <a:xfrm>
             <a:off x="9875520" y="365760"/>
-            <a:ext cx="2008080" cy="499320"/>
+            <a:ext cx="2007720" cy="498960"/>
           </a:xfrm>
           <a:prstGeom prst="roundRect">
             <a:avLst>
@@ -51876,7 +57027,7 @@
         <p:spPr>
           <a:xfrm>
             <a:off x="987480" y="3182040"/>
-            <a:ext cx="3288240" cy="2739600"/>
+            <a:ext cx="3287880" cy="2739240"/>
           </a:xfrm>
           <a:prstGeom prst="roundRect">
             <a:avLst>
@@ -51938,7 +57089,7 @@
         <p:spPr>
           <a:xfrm>
             <a:off x="914400" y="3108960"/>
-            <a:ext cx="3288240" cy="2739600"/>
+            <a:ext cx="3287880" cy="2739240"/>
           </a:xfrm>
           <a:prstGeom prst="roundRect">
             <a:avLst>
@@ -52201,7 +57352,7 @@
         <p:spPr>
           <a:xfrm>
             <a:off x="4507920" y="3182040"/>
-            <a:ext cx="3288240" cy="2739600"/>
+            <a:ext cx="3287880" cy="2739240"/>
           </a:xfrm>
           <a:prstGeom prst="roundRect">
             <a:avLst>
@@ -52263,7 +57414,7 @@
         <p:spPr>
           <a:xfrm>
             <a:off x="4434840" y="3108960"/>
-            <a:ext cx="3288240" cy="2739600"/>
+            <a:ext cx="3287880" cy="2739240"/>
           </a:xfrm>
           <a:prstGeom prst="roundRect">
             <a:avLst>
@@ -52567,7 +57718,7 @@
         <p:spPr>
           <a:xfrm>
             <a:off x="8028360" y="3182040"/>
-            <a:ext cx="3288240" cy="2739600"/>
+            <a:ext cx="3287880" cy="2739240"/>
           </a:xfrm>
           <a:prstGeom prst="roundRect">
             <a:avLst>
@@ -52629,7 +57780,7 @@
         <p:spPr>
           <a:xfrm>
             <a:off x="7955280" y="3108960"/>
-            <a:ext cx="3288240" cy="2739600"/>
+            <a:ext cx="3287880" cy="2739240"/>
           </a:xfrm>
           <a:prstGeom prst="roundRect">
             <a:avLst>
@@ -53020,7 +58171,7 @@
         <p:spPr>
           <a:xfrm>
             <a:off x="0" y="0"/>
-            <a:ext cx="12185280" cy="6854400"/>
+            <a:ext cx="12184920" cy="6854040"/>
           </a:xfrm>
           <a:prstGeom prst="rect">
             <a:avLst/>
@@ -53080,7 +58231,7 @@
         <p:spPr>
           <a:xfrm>
             <a:off x="0" y="0"/>
-            <a:ext cx="14760" cy="6854400"/>
+            <a:ext cx="14400" cy="6854040"/>
           </a:xfrm>
           <a:prstGeom prst="rect">
             <a:avLst/>
@@ -53140,7 +58291,7 @@
         <p:spPr>
           <a:xfrm>
             <a:off x="914400" y="0"/>
-            <a:ext cx="14760" cy="6854400"/>
+            <a:ext cx="14400" cy="6854040"/>
           </a:xfrm>
           <a:prstGeom prst="rect">
             <a:avLst/>
@@ -53200,7 +58351,7 @@
         <p:spPr>
           <a:xfrm>
             <a:off x="1828800" y="0"/>
-            <a:ext cx="14760" cy="6854400"/>
+            <a:ext cx="14400" cy="6854040"/>
           </a:xfrm>
           <a:prstGeom prst="rect">
             <a:avLst/>
@@ -53260,7 +58411,7 @@
         <p:spPr>
           <a:xfrm>
             <a:off x="2743200" y="0"/>
-            <a:ext cx="14760" cy="6854400"/>
+            <a:ext cx="14400" cy="6854040"/>
           </a:xfrm>
           <a:prstGeom prst="rect">
             <a:avLst/>
@@ -53320,7 +58471,7 @@
         <p:spPr>
           <a:xfrm>
             <a:off x="3657600" y="0"/>
-            <a:ext cx="14760" cy="6854400"/>
+            <a:ext cx="14400" cy="6854040"/>
           </a:xfrm>
           <a:prstGeom prst="rect">
             <a:avLst/>
@@ -53380,7 +58531,7 @@
         <p:spPr>
           <a:xfrm>
             <a:off x="4572000" y="0"/>
-            <a:ext cx="14760" cy="6854400"/>
+            <a:ext cx="14400" cy="6854040"/>
           </a:xfrm>
           <a:prstGeom prst="rect">
             <a:avLst/>
@@ -53440,7 +58591,7 @@
         <p:spPr>
           <a:xfrm>
             <a:off x="5486400" y="0"/>
-            <a:ext cx="14760" cy="6854400"/>
+            <a:ext cx="14400" cy="6854040"/>
           </a:xfrm>
           <a:prstGeom prst="rect">
             <a:avLst/>
@@ -53500,7 +58651,7 @@
         <p:spPr>
           <a:xfrm>
             <a:off x="6400800" y="0"/>
-            <a:ext cx="14760" cy="6854400"/>
+            <a:ext cx="14400" cy="6854040"/>
           </a:xfrm>
           <a:prstGeom prst="rect">
             <a:avLst/>
@@ -53560,7 +58711,7 @@
         <p:spPr>
           <a:xfrm>
             <a:off x="7315200" y="0"/>
-            <a:ext cx="14760" cy="6854400"/>
+            <a:ext cx="14400" cy="6854040"/>
           </a:xfrm>
           <a:prstGeom prst="rect">
             <a:avLst/>
@@ -53620,7 +58771,7 @@
         <p:spPr>
           <a:xfrm>
             <a:off x="8229600" y="0"/>
-            <a:ext cx="14760" cy="6854400"/>
+            <a:ext cx="14400" cy="6854040"/>
           </a:xfrm>
           <a:prstGeom prst="rect">
             <a:avLst/>
@@ -53680,7 +58831,7 @@
         <p:spPr>
           <a:xfrm>
             <a:off x="9144000" y="0"/>
-            <a:ext cx="14760" cy="6854400"/>
+            <a:ext cx="14400" cy="6854040"/>
           </a:xfrm>
           <a:prstGeom prst="rect">
             <a:avLst/>
@@ -53740,7 +58891,7 @@
         <p:spPr>
           <a:xfrm>
             <a:off x="10058400" y="0"/>
-            <a:ext cx="14760" cy="6854400"/>
+            <a:ext cx="14400" cy="6854040"/>
           </a:xfrm>
           <a:prstGeom prst="rect">
             <a:avLst/>
@@ -53800,7 +58951,7 @@
         <p:spPr>
           <a:xfrm>
             <a:off x="10972800" y="0"/>
-            <a:ext cx="14760" cy="6854400"/>
+            <a:ext cx="14400" cy="6854040"/>
           </a:xfrm>
           <a:prstGeom prst="rect">
             <a:avLst/>
@@ -53860,7 +59011,7 @@
         <p:spPr>
           <a:xfrm>
             <a:off x="11887200" y="0"/>
-            <a:ext cx="14760" cy="6854400"/>
+            <a:ext cx="14400" cy="6854040"/>
           </a:xfrm>
           <a:prstGeom prst="rect">
             <a:avLst/>
@@ -53920,7 +59071,7 @@
         <p:spPr>
           <a:xfrm>
             <a:off x="0" y="0"/>
-            <a:ext cx="316440" cy="6854400"/>
+            <a:ext cx="316080" cy="6854040"/>
           </a:xfrm>
           <a:prstGeom prst="rect">
             <a:avLst/>
@@ -53980,7 +59131,7 @@
         <p:spPr>
           <a:xfrm>
             <a:off x="9875520" y="365760"/>
-            <a:ext cx="2008080" cy="499320"/>
+            <a:ext cx="2007720" cy="498960"/>
           </a:xfrm>
           <a:prstGeom prst="roundRect">
             <a:avLst>
@@ -54162,7 +59313,7 @@
         <p:spPr>
           <a:xfrm>
             <a:off x="987480" y="3182040"/>
-            <a:ext cx="3288240" cy="2739600"/>
+            <a:ext cx="3287880" cy="2739240"/>
           </a:xfrm>
           <a:prstGeom prst="roundRect">
             <a:avLst>
@@ -54224,7 +59375,7 @@
         <p:spPr>
           <a:xfrm>
             <a:off x="914400" y="3108960"/>
-            <a:ext cx="3288240" cy="2739600"/>
+            <a:ext cx="3287880" cy="2739240"/>
           </a:xfrm>
           <a:prstGeom prst="roundRect">
             <a:avLst>
@@ -54489,7 +59640,7 @@
         <p:spPr>
           <a:xfrm>
             <a:off x="4507920" y="3182040"/>
-            <a:ext cx="3288240" cy="2739600"/>
+            <a:ext cx="3287880" cy="2739240"/>
           </a:xfrm>
           <a:prstGeom prst="roundRect">
             <a:avLst>
@@ -54551,7 +59702,7 @@
         <p:spPr>
           <a:xfrm>
             <a:off x="4434840" y="3108960"/>
-            <a:ext cx="3288240" cy="2739600"/>
+            <a:ext cx="3287880" cy="2739240"/>
           </a:xfrm>
           <a:prstGeom prst="roundRect">
             <a:avLst>
@@ -54855,7 +60006,7 @@
         <p:spPr>
           <a:xfrm>
             <a:off x="8028360" y="3182040"/>
-            <a:ext cx="3288240" cy="2739600"/>
+            <a:ext cx="3287880" cy="2739240"/>
           </a:xfrm>
           <a:prstGeom prst="roundRect">
             <a:avLst>
@@ -54917,7 +60068,7 @@
         <p:spPr>
           <a:xfrm>
             <a:off x="7955280" y="3108960"/>
-            <a:ext cx="3288240" cy="2739600"/>
+            <a:ext cx="3287880" cy="2739240"/>
           </a:xfrm>
           <a:prstGeom prst="roundRect">
             <a:avLst>
